--- a/cache-like-a-pro.pptx
+++ b/cache-like-a-pro.pptx
@@ -3870,7 +3870,66 @@
           <a:bodyPr/>
           <a:lstStyle/>
           <a:p>
-            <a:endParaRPr lang="en-US"/>
+            <a:r>
+              <a:rPr lang="en-US" dirty="0"/>
+              <a:t>In memory </a:t>
+            </a:r>
+          </a:p>
+          <a:p>
+            <a:pPr lvl="1"/>
+            <a:r>
+              <a:rPr lang="en-US" dirty="0"/>
+              <a:t>Less cache hits in web farm scenario </a:t>
+            </a:r>
+          </a:p>
+          <a:p>
+            <a:pPr lvl="1"/>
+            <a:r>
+              <a:rPr lang="en-US" dirty="0"/>
+              <a:t>Faster</a:t>
+            </a:r>
+          </a:p>
+          <a:p>
+            <a:pPr lvl="1"/>
+            <a:r>
+              <a:rPr lang="en-US" dirty="0"/>
+              <a:t>Check </a:t>
+            </a:r>
+            <a:r>
+              <a:rPr lang="en-US"/>
+              <a:t>memory usage</a:t>
+            </a:r>
+            <a:endParaRPr lang="en-US" dirty="0"/>
+          </a:p>
+          <a:p>
+            <a:endParaRPr lang="en-US" dirty="0"/>
+          </a:p>
+          <a:p>
+            <a:r>
+              <a:rPr lang="en-US" dirty="0"/>
+              <a:t>Distributed</a:t>
+            </a:r>
+          </a:p>
+          <a:p>
+            <a:pPr lvl="1"/>
+            <a:r>
+              <a:rPr lang="en-US" dirty="0"/>
+              <a:t>Improved cache hits</a:t>
+            </a:r>
+          </a:p>
+          <a:p>
+            <a:pPr lvl="1"/>
+            <a:r>
+              <a:rPr lang="en-US" dirty="0"/>
+              <a:t>Redis is fast, still you are still doing a network roundtrip</a:t>
+            </a:r>
+          </a:p>
+          <a:p>
+            <a:pPr lvl="1"/>
+            <a:r>
+              <a:rPr lang="en-US" dirty="0"/>
+              <a:t>Watch out caching keys clashing (per service prefix)</a:t>
+            </a:r>
           </a:p>
         </p:txBody>
       </p:sp>
@@ -3926,7 +3985,7 @@
           <a:lstStyle/>
           <a:p>
             <a:r>
-              <a:rPr lang="en-US"/>
+              <a:rPr lang="en-US" dirty="0"/>
               <a:t>Introduction to fusion cache</a:t>
             </a:r>
           </a:p>

--- a/cache-like-a-pro.pptx
+++ b/cache-like-a-pro.pptx
@@ -9,8 +9,14 @@
     <p:sldId id="257" r:id="rId3"/>
     <p:sldId id="258" r:id="rId4"/>
     <p:sldId id="259" r:id="rId5"/>
-    <p:sldId id="260" r:id="rId6"/>
-    <p:sldId id="261" r:id="rId7"/>
+    <p:sldId id="263" r:id="rId6"/>
+    <p:sldId id="264" r:id="rId7"/>
+    <p:sldId id="265" r:id="rId8"/>
+    <p:sldId id="266" r:id="rId9"/>
+    <p:sldId id="260" r:id="rId10"/>
+    <p:sldId id="262" r:id="rId11"/>
+    <p:sldId id="267" r:id="rId12"/>
+    <p:sldId id="261" r:id="rId13"/>
   </p:sldIdLst>
   <p:sldSz cx="12192000" cy="6858000"/>
   <p:notesSz cx="6858000" cy="9144000"/>
@@ -109,6 +115,11 @@
       </a:defRPr>
     </a:lvl9pPr>
   </p:defaultTextStyle>
+  <p:extLst>
+    <p:ext uri="{EFAFB233-063F-42B5-8137-9DF3F51BA10A}">
+      <p15:sldGuideLst xmlns:p15="http://schemas.microsoft.com/office/powerpoint/2012/main"/>
+    </p:ext>
+  </p:extLst>
 </p:presentation>
 </file>
 
@@ -259,7 +270,7 @@
           <a:p>
             <a:fld id="{7D239A87-38DC-4C6E-8233-D704AE9A351F}" type="datetimeFigureOut">
               <a:rPr lang="en-US" smtClean="0"/>
-              <a:t>5/3/2024</a:t>
+              <a:t>5/6/2024</a:t>
             </a:fld>
             <a:endParaRPr lang="en-US"/>
           </a:p>
@@ -457,7 +468,7 @@
           <a:p>
             <a:fld id="{7D239A87-38DC-4C6E-8233-D704AE9A351F}" type="datetimeFigureOut">
               <a:rPr lang="en-US" smtClean="0"/>
-              <a:t>5/3/2024</a:t>
+              <a:t>5/6/2024</a:t>
             </a:fld>
             <a:endParaRPr lang="en-US"/>
           </a:p>
@@ -665,7 +676,7 @@
           <a:p>
             <a:fld id="{7D239A87-38DC-4C6E-8233-D704AE9A351F}" type="datetimeFigureOut">
               <a:rPr lang="en-US" smtClean="0"/>
-              <a:t>5/3/2024</a:t>
+              <a:t>5/6/2024</a:t>
             </a:fld>
             <a:endParaRPr lang="en-US"/>
           </a:p>
@@ -863,7 +874,7 @@
           <a:p>
             <a:fld id="{7D239A87-38DC-4C6E-8233-D704AE9A351F}" type="datetimeFigureOut">
               <a:rPr lang="en-US" smtClean="0"/>
-              <a:t>5/3/2024</a:t>
+              <a:t>5/6/2024</a:t>
             </a:fld>
             <a:endParaRPr lang="en-US"/>
           </a:p>
@@ -1138,7 +1149,7 @@
           <a:p>
             <a:fld id="{7D239A87-38DC-4C6E-8233-D704AE9A351F}" type="datetimeFigureOut">
               <a:rPr lang="en-US" smtClean="0"/>
-              <a:t>5/3/2024</a:t>
+              <a:t>5/6/2024</a:t>
             </a:fld>
             <a:endParaRPr lang="en-US"/>
           </a:p>
@@ -1403,7 +1414,7 @@
           <a:p>
             <a:fld id="{7D239A87-38DC-4C6E-8233-D704AE9A351F}" type="datetimeFigureOut">
               <a:rPr lang="en-US" smtClean="0"/>
-              <a:t>5/3/2024</a:t>
+              <a:t>5/6/2024</a:t>
             </a:fld>
             <a:endParaRPr lang="en-US"/>
           </a:p>
@@ -1815,7 +1826,7 @@
           <a:p>
             <a:fld id="{7D239A87-38DC-4C6E-8233-D704AE9A351F}" type="datetimeFigureOut">
               <a:rPr lang="en-US" smtClean="0"/>
-              <a:t>5/3/2024</a:t>
+              <a:t>5/6/2024</a:t>
             </a:fld>
             <a:endParaRPr lang="en-US"/>
           </a:p>
@@ -1956,7 +1967,7 @@
           <a:p>
             <a:fld id="{7D239A87-38DC-4C6E-8233-D704AE9A351F}" type="datetimeFigureOut">
               <a:rPr lang="en-US" smtClean="0"/>
-              <a:t>5/3/2024</a:t>
+              <a:t>5/6/2024</a:t>
             </a:fld>
             <a:endParaRPr lang="en-US"/>
           </a:p>
@@ -2069,7 +2080,7 @@
           <a:p>
             <a:fld id="{7D239A87-38DC-4C6E-8233-D704AE9A351F}" type="datetimeFigureOut">
               <a:rPr lang="en-US" smtClean="0"/>
-              <a:t>5/3/2024</a:t>
+              <a:t>5/6/2024</a:t>
             </a:fld>
             <a:endParaRPr lang="en-US"/>
           </a:p>
@@ -2380,7 +2391,7 @@
           <a:p>
             <a:fld id="{7D239A87-38DC-4C6E-8233-D704AE9A351F}" type="datetimeFigureOut">
               <a:rPr lang="en-US" smtClean="0"/>
-              <a:t>5/3/2024</a:t>
+              <a:t>5/6/2024</a:t>
             </a:fld>
             <a:endParaRPr lang="en-US"/>
           </a:p>
@@ -2668,7 +2679,7 @@
           <a:p>
             <a:fld id="{7D239A87-38DC-4C6E-8233-D704AE9A351F}" type="datetimeFigureOut">
               <a:rPr lang="en-US" smtClean="0"/>
-              <a:t>5/3/2024</a:t>
+              <a:t>5/6/2024</a:t>
             </a:fld>
             <a:endParaRPr lang="en-US"/>
           </a:p>
@@ -2909,7 +2920,7 @@
           <a:p>
             <a:fld id="{7D239A87-38DC-4C6E-8233-D704AE9A351F}" type="datetimeFigureOut">
               <a:rPr lang="en-US" smtClean="0"/>
-              <a:t>5/3/2024</a:t>
+              <a:t>5/6/2024</a:t>
             </a:fld>
             <a:endParaRPr lang="en-US"/>
           </a:p>
@@ -3442,6 +3453,465 @@
 </p:sld>
 </file>
 
+<file path=ppt/slides/slide10.xml><?xml version="1.0" encoding="utf-8"?>
+<p:sld xmlns:a="http://schemas.openxmlformats.org/drawingml/2006/main" xmlns:r="http://schemas.openxmlformats.org/officeDocument/2006/relationships" xmlns:p="http://schemas.openxmlformats.org/presentationml/2006/main">
+  <p:cSld>
+    <p:spTree>
+      <p:nvGrpSpPr>
+        <p:cNvPr id="1" name=""/>
+        <p:cNvGrpSpPr/>
+        <p:nvPr/>
+      </p:nvGrpSpPr>
+      <p:grpSpPr>
+        <a:xfrm>
+          <a:off x="0" y="0"/>
+          <a:ext cx="0" cy="0"/>
+          <a:chOff x="0" y="0"/>
+          <a:chExt cx="0" cy="0"/>
+        </a:xfrm>
+      </p:grpSpPr>
+      <p:sp>
+        <p:nvSpPr>
+          <p:cNvPr id="2" name="Title 1">
+            <a:extLst>
+              <a:ext uri="{FF2B5EF4-FFF2-40B4-BE49-F238E27FC236}">
+                <a16:creationId xmlns:a16="http://schemas.microsoft.com/office/drawing/2014/main" id="{9E2B3DEB-86D7-A9E4-7063-849EBFEEABC0}"/>
+              </a:ext>
+            </a:extLst>
+          </p:cNvPr>
+          <p:cNvSpPr>
+            <a:spLocks noGrp="1"/>
+          </p:cNvSpPr>
+          <p:nvPr>
+            <p:ph type="title"/>
+          </p:nvPr>
+        </p:nvSpPr>
+        <p:spPr/>
+        <p:txBody>
+          <a:bodyPr/>
+          <a:lstStyle/>
+          <a:p>
+            <a:r>
+              <a:rPr lang="en-US" dirty="0"/>
+              <a:t>Cache related gotchas</a:t>
+            </a:r>
+          </a:p>
+        </p:txBody>
+      </p:sp>
+      <p:sp>
+        <p:nvSpPr>
+          <p:cNvPr id="3" name="Content Placeholder 2">
+            <a:extLst>
+              <a:ext uri="{FF2B5EF4-FFF2-40B4-BE49-F238E27FC236}">
+                <a16:creationId xmlns:a16="http://schemas.microsoft.com/office/drawing/2014/main" id="{836599BA-3341-D4F2-0D14-143F60603756}"/>
+              </a:ext>
+            </a:extLst>
+          </p:cNvPr>
+          <p:cNvSpPr>
+            <a:spLocks noGrp="1"/>
+          </p:cNvSpPr>
+          <p:nvPr>
+            <p:ph idx="1"/>
+          </p:nvPr>
+        </p:nvSpPr>
+        <p:spPr/>
+        <p:txBody>
+          <a:bodyPr>
+            <a:normAutofit/>
+          </a:bodyPr>
+          <a:lstStyle/>
+          <a:p>
+            <a:r>
+              <a:rPr lang="en-US" dirty="0"/>
+              <a:t>Multi level cache</a:t>
+            </a:r>
+          </a:p>
+          <a:p>
+            <a:pPr lvl="1"/>
+            <a:r>
+              <a:rPr lang="en-US" dirty="0"/>
+              <a:t>In memory on top of distributed</a:t>
+            </a:r>
+          </a:p>
+          <a:p>
+            <a:r>
+              <a:rPr lang="en-US" dirty="0"/>
+              <a:t>Cache stampede</a:t>
+            </a:r>
+          </a:p>
+          <a:p>
+            <a:r>
+              <a:rPr lang="en-US" dirty="0"/>
+              <a:t>Origin temporary unavailable</a:t>
+            </a:r>
+          </a:p>
+          <a:p>
+            <a:pPr lvl="1"/>
+            <a:r>
+              <a:rPr lang="en-US" dirty="0"/>
+              <a:t>Reuse expired cache entry </a:t>
+            </a:r>
+          </a:p>
+          <a:p>
+            <a:r>
+              <a:rPr lang="en-US" dirty="0"/>
+              <a:t>Auto recovery </a:t>
+            </a:r>
+          </a:p>
+          <a:p>
+            <a:r>
+              <a:rPr lang="en-US" dirty="0"/>
+              <a:t>…</a:t>
+            </a:r>
+          </a:p>
+          <a:p>
+            <a:pPr marL="0" indent="0">
+              <a:buNone/>
+            </a:pPr>
+            <a:r>
+              <a:rPr lang="en-US" dirty="0">
+                <a:hlinkClick r:id="rId2"/>
+              </a:rPr>
+              <a:t>https://github.com/ZiggyCreatures/FusionCache/blob/main/docs/Comparison.md</a:t>
+            </a:r>
+            <a:endParaRPr lang="en-US" dirty="0"/>
+          </a:p>
+          <a:p>
+            <a:pPr marL="0" indent="0">
+              <a:buNone/>
+            </a:pPr>
+            <a:endParaRPr lang="en-US" dirty="0"/>
+          </a:p>
+          <a:p>
+            <a:pPr lvl="1"/>
+            <a:endParaRPr lang="en-US" dirty="0"/>
+          </a:p>
+          <a:p>
+            <a:endParaRPr lang="en-US" dirty="0"/>
+          </a:p>
+        </p:txBody>
+      </p:sp>
+    </p:spTree>
+    <p:extLst>
+      <p:ext uri="{BB962C8B-B14F-4D97-AF65-F5344CB8AC3E}">
+        <p14:creationId xmlns:p14="http://schemas.microsoft.com/office/powerpoint/2010/main" val="1643008484"/>
+      </p:ext>
+    </p:extLst>
+  </p:cSld>
+  <p:clrMapOvr>
+    <a:masterClrMapping/>
+  </p:clrMapOvr>
+</p:sld>
+</file>
+
+<file path=ppt/slides/slide11.xml><?xml version="1.0" encoding="utf-8"?>
+<p:sld xmlns:a="http://schemas.openxmlformats.org/drawingml/2006/main" xmlns:r="http://schemas.openxmlformats.org/officeDocument/2006/relationships" xmlns:p="http://schemas.openxmlformats.org/presentationml/2006/main">
+  <p:cSld>
+    <p:spTree>
+      <p:nvGrpSpPr>
+        <p:cNvPr id="1" name=""/>
+        <p:cNvGrpSpPr/>
+        <p:nvPr/>
+      </p:nvGrpSpPr>
+      <p:grpSpPr>
+        <a:xfrm>
+          <a:off x="0" y="0"/>
+          <a:ext cx="0" cy="0"/>
+          <a:chOff x="0" y="0"/>
+          <a:chExt cx="0" cy="0"/>
+        </a:xfrm>
+      </p:grpSpPr>
+      <p:sp>
+        <p:nvSpPr>
+          <p:cNvPr id="2" name="Title 1">
+            <a:extLst>
+              <a:ext uri="{FF2B5EF4-FFF2-40B4-BE49-F238E27FC236}">
+                <a16:creationId xmlns:a16="http://schemas.microsoft.com/office/drawing/2014/main" id="{E57DA3C0-3710-D20C-CC0D-66224A3AB702}"/>
+              </a:ext>
+            </a:extLst>
+          </p:cNvPr>
+          <p:cNvSpPr>
+            <a:spLocks noGrp="1"/>
+          </p:cNvSpPr>
+          <p:nvPr>
+            <p:ph type="title"/>
+          </p:nvPr>
+        </p:nvSpPr>
+        <p:spPr/>
+        <p:txBody>
+          <a:bodyPr/>
+          <a:lstStyle/>
+          <a:p>
+            <a:r>
+              <a:rPr lang="en-US" dirty="0"/>
+              <a:t>We need more than just raw cache api</a:t>
+            </a:r>
+          </a:p>
+        </p:txBody>
+      </p:sp>
+      <p:sp>
+        <p:nvSpPr>
+          <p:cNvPr id="3" name="Content Placeholder 2">
+            <a:extLst>
+              <a:ext uri="{FF2B5EF4-FFF2-40B4-BE49-F238E27FC236}">
+                <a16:creationId xmlns:a16="http://schemas.microsoft.com/office/drawing/2014/main" id="{C5C7945F-9E84-52F0-7DD7-2ED7FDFB5482}"/>
+              </a:ext>
+            </a:extLst>
+          </p:cNvPr>
+          <p:cNvSpPr>
+            <a:spLocks noGrp="1"/>
+          </p:cNvSpPr>
+          <p:nvPr>
+            <p:ph idx="1"/>
+          </p:nvPr>
+        </p:nvSpPr>
+        <p:spPr>
+          <a:xfrm>
+            <a:off x="838200" y="1402672"/>
+            <a:ext cx="10515600" cy="5157926"/>
+          </a:xfrm>
+        </p:spPr>
+        <p:txBody>
+          <a:bodyPr>
+            <a:normAutofit fontScale="92500"/>
+          </a:bodyPr>
+          <a:lstStyle/>
+          <a:p>
+            <a:r>
+              <a:rPr lang="en-US" dirty="0" err="1"/>
+              <a:t>IMemoryCache</a:t>
+            </a:r>
+            <a:r>
+              <a:rPr lang="en-US" dirty="0"/>
+              <a:t> and </a:t>
+            </a:r>
+            <a:r>
+              <a:rPr lang="en-US" dirty="0" err="1"/>
+              <a:t>IDistributedCache</a:t>
+            </a:r>
+            <a:r>
+              <a:rPr lang="en-US" dirty="0"/>
+              <a:t> are the two abstractions provided by .NET</a:t>
+            </a:r>
+          </a:p>
+          <a:p>
+            <a:pPr lvl="1"/>
+            <a:r>
+              <a:rPr lang="en-US" dirty="0"/>
+              <a:t>MS clearly state it will not merge the twos into one</a:t>
+            </a:r>
+          </a:p>
+          <a:p>
+            <a:r>
+              <a:rPr lang="en-US" dirty="0"/>
+              <a:t>There are cache "frameworks" on top of the 2 interfaces allowing the switch if cache implementation transparently</a:t>
+            </a:r>
+          </a:p>
+          <a:p>
+            <a:pPr lvl="1"/>
+            <a:r>
+              <a:rPr lang="en-US" i="1" dirty="0">
+                <a:solidFill>
+                  <a:schemeClr val="accent2">
+                    <a:lumMod val="75000"/>
+                  </a:schemeClr>
+                </a:solidFill>
+              </a:rPr>
+              <a:t>Cache Manager </a:t>
+            </a:r>
+            <a:r>
+              <a:rPr lang="en-US" dirty="0"/>
+              <a:t>(2.3K stars) – started at about 2015 – last commit about Jan 2019</a:t>
+            </a:r>
+          </a:p>
+          <a:p>
+            <a:pPr lvl="1"/>
+            <a:r>
+              <a:rPr lang="en-US" i="1" dirty="0">
+                <a:solidFill>
+                  <a:schemeClr val="accent2">
+                    <a:lumMod val="75000"/>
+                  </a:schemeClr>
+                </a:solidFill>
+              </a:rPr>
+              <a:t>Lazy Cache </a:t>
+            </a:r>
+            <a:r>
+              <a:rPr lang="en-US" dirty="0"/>
+              <a:t>(1.7K stars) (memory only) – started at </a:t>
+            </a:r>
+            <a:r>
+              <a:rPr lang="en-US" dirty="0" err="1"/>
+              <a:t>abouthalf</a:t>
+            </a:r>
+            <a:r>
+              <a:rPr lang="en-US" dirty="0"/>
+              <a:t> 2014 – last commit about half 2020</a:t>
+            </a:r>
+          </a:p>
+          <a:p>
+            <a:pPr lvl="1"/>
+            <a:r>
+              <a:rPr lang="en-US" i="1" dirty="0">
+                <a:solidFill>
+                  <a:schemeClr val="accent2">
+                    <a:lumMod val="75000"/>
+                  </a:schemeClr>
+                </a:solidFill>
+              </a:rPr>
+              <a:t>Easy caching </a:t>
+            </a:r>
+            <a:r>
+              <a:rPr lang="en-US" dirty="0"/>
+              <a:t>(1.9K stars) – started at about end of 2017 – last commit about May 2024</a:t>
+            </a:r>
+          </a:p>
+          <a:p>
+            <a:pPr lvl="1"/>
+            <a:r>
+              <a:rPr lang="en-US" i="1" dirty="0" err="1">
+                <a:solidFill>
+                  <a:schemeClr val="accent2">
+                    <a:lumMod val="75000"/>
+                  </a:schemeClr>
+                </a:solidFill>
+              </a:rPr>
+              <a:t>CacheTower</a:t>
+            </a:r>
+            <a:r>
+              <a:rPr lang="en-US" i="1" dirty="0">
+                <a:solidFill>
+                  <a:schemeClr val="accent2">
+                    <a:lumMod val="75000"/>
+                  </a:schemeClr>
+                </a:solidFill>
+              </a:rPr>
+              <a:t> </a:t>
+            </a:r>
+            <a:r>
+              <a:rPr lang="en-US" dirty="0"/>
+              <a:t>(582 stars) ) – started at about half 2019 – last commit about August 2023</a:t>
+            </a:r>
+          </a:p>
+          <a:p>
+            <a:pPr lvl="1"/>
+            <a:r>
+              <a:rPr lang="en-US" i="1" dirty="0">
+                <a:solidFill>
+                  <a:schemeClr val="accent2">
+                    <a:lumMod val="75000"/>
+                  </a:schemeClr>
+                </a:solidFill>
+              </a:rPr>
+              <a:t>Fusion Cache </a:t>
+            </a:r>
+            <a:r>
+              <a:rPr lang="en-US" dirty="0"/>
+              <a:t>(1.3K stars) – started at about Jan 2021– last commit May 2024</a:t>
+            </a:r>
+          </a:p>
+          <a:p>
+            <a:pPr lvl="1"/>
+            <a:endParaRPr lang="en-US" dirty="0"/>
+          </a:p>
+        </p:txBody>
+      </p:sp>
+    </p:spTree>
+    <p:extLst>
+      <p:ext uri="{BB962C8B-B14F-4D97-AF65-F5344CB8AC3E}">
+        <p14:creationId xmlns:p14="http://schemas.microsoft.com/office/powerpoint/2010/main" val="2629935148"/>
+      </p:ext>
+    </p:extLst>
+  </p:cSld>
+  <p:clrMapOvr>
+    <a:masterClrMapping/>
+  </p:clrMapOvr>
+</p:sld>
+</file>
+
+<file path=ppt/slides/slide12.xml><?xml version="1.0" encoding="utf-8"?>
+<p:sld xmlns:a="http://schemas.openxmlformats.org/drawingml/2006/main" xmlns:r="http://schemas.openxmlformats.org/officeDocument/2006/relationships" xmlns:p="http://schemas.openxmlformats.org/presentationml/2006/main">
+  <p:cSld>
+    <p:spTree>
+      <p:nvGrpSpPr>
+        <p:cNvPr id="1" name=""/>
+        <p:cNvGrpSpPr/>
+        <p:nvPr/>
+      </p:nvGrpSpPr>
+      <p:grpSpPr>
+        <a:xfrm>
+          <a:off x="0" y="0"/>
+          <a:ext cx="0" cy="0"/>
+          <a:chOff x="0" y="0"/>
+          <a:chExt cx="0" cy="0"/>
+        </a:xfrm>
+      </p:grpSpPr>
+      <p:sp>
+        <p:nvSpPr>
+          <p:cNvPr id="2" name="Title 1">
+            <a:extLst>
+              <a:ext uri="{FF2B5EF4-FFF2-40B4-BE49-F238E27FC236}">
+                <a16:creationId xmlns:a16="http://schemas.microsoft.com/office/drawing/2014/main" id="{6DA7CF98-B5C3-6707-D594-BAB3B1E1E832}"/>
+              </a:ext>
+            </a:extLst>
+          </p:cNvPr>
+          <p:cNvSpPr>
+            <a:spLocks noGrp="1"/>
+          </p:cNvSpPr>
+          <p:nvPr>
+            <p:ph type="title"/>
+          </p:nvPr>
+        </p:nvSpPr>
+        <p:spPr/>
+        <p:txBody>
+          <a:bodyPr/>
+          <a:lstStyle/>
+          <a:p>
+            <a:r>
+              <a:rPr lang="en-US" dirty="0"/>
+              <a:t>Introduction to fusion cache</a:t>
+            </a:r>
+          </a:p>
+        </p:txBody>
+      </p:sp>
+      <p:sp>
+        <p:nvSpPr>
+          <p:cNvPr id="3" name="Content Placeholder 2">
+            <a:extLst>
+              <a:ext uri="{FF2B5EF4-FFF2-40B4-BE49-F238E27FC236}">
+                <a16:creationId xmlns:a16="http://schemas.microsoft.com/office/drawing/2014/main" id="{4EE2669E-596B-E86E-E0E5-C04B6F827164}"/>
+              </a:ext>
+            </a:extLst>
+          </p:cNvPr>
+          <p:cNvSpPr>
+            <a:spLocks noGrp="1"/>
+          </p:cNvSpPr>
+          <p:nvPr>
+            <p:ph idx="1"/>
+          </p:nvPr>
+        </p:nvSpPr>
+        <p:spPr/>
+        <p:txBody>
+          <a:bodyPr/>
+          <a:lstStyle/>
+          <a:p>
+            <a:endParaRPr lang="en-US"/>
+          </a:p>
+        </p:txBody>
+      </p:sp>
+    </p:spTree>
+    <p:extLst>
+      <p:ext uri="{BB962C8B-B14F-4D97-AF65-F5344CB8AC3E}">
+        <p14:creationId xmlns:p14="http://schemas.microsoft.com/office/powerpoint/2010/main" val="2609270308"/>
+      </p:ext>
+    </p:extLst>
+  </p:cSld>
+  <p:clrMapOvr>
+    <a:masterClrMapping/>
+  </p:clrMapOvr>
+</p:sld>
+</file>
+
 <file path=ppt/slides/slide2.xml><?xml version="1.0" encoding="utf-8"?>
 <p:sld xmlns:a="http://schemas.openxmlformats.org/drawingml/2006/main" xmlns:r="http://schemas.openxmlformats.org/officeDocument/2006/relationships" xmlns:p="http://schemas.openxmlformats.org/presentationml/2006/main">
   <p:cSld>
@@ -3752,42 +4222,188 @@
         </p:nvSpPr>
         <p:spPr/>
         <p:txBody>
-          <a:bodyPr/>
+          <a:bodyPr>
+            <a:normAutofit/>
+          </a:bodyPr>
           <a:lstStyle/>
           <a:p>
             <a:r>
               <a:rPr lang="en-US" dirty="0"/>
-              <a:t>Caching Patterns</a:t>
-            </a:r>
-            <a:br>
+              <a:t>Caching Patterns: read aside (cache aside)</a:t>
+            </a:r>
+          </a:p>
+        </p:txBody>
+      </p:sp>
+      <p:sp>
+        <p:nvSpPr>
+          <p:cNvPr id="3" name="Content Placeholder 2">
+            <a:extLst>
+              <a:ext uri="{FF2B5EF4-FFF2-40B4-BE49-F238E27FC236}">
+                <a16:creationId xmlns:a16="http://schemas.microsoft.com/office/drawing/2014/main" id="{9A905F74-510C-233A-7867-7D146D172826}"/>
+              </a:ext>
+            </a:extLst>
+          </p:cNvPr>
+          <p:cNvSpPr>
+            <a:spLocks noGrp="1"/>
+          </p:cNvSpPr>
+          <p:nvPr>
+            <p:ph idx="1"/>
+          </p:nvPr>
+        </p:nvSpPr>
+        <p:spPr/>
+        <p:txBody>
+          <a:bodyPr/>
+          <a:lstStyle/>
+          <a:p>
+            <a:r>
               <a:rPr lang="en-US" dirty="0"/>
-            </a:br>
-            <a:endParaRPr lang="en-US" dirty="0"/>
-          </a:p>
-        </p:txBody>
-      </p:sp>
-      <p:sp>
-        <p:nvSpPr>
-          <p:cNvPr id="3" name="Content Placeholder 2">
-            <a:extLst>
-              <a:ext uri="{FF2B5EF4-FFF2-40B4-BE49-F238E27FC236}">
-                <a16:creationId xmlns:a16="http://schemas.microsoft.com/office/drawing/2014/main" id="{9A905F74-510C-233A-7867-7D146D172826}"/>
-              </a:ext>
-            </a:extLst>
-          </p:cNvPr>
-          <p:cNvSpPr>
-            <a:spLocks noGrp="1"/>
-          </p:cNvSpPr>
-          <p:nvPr>
-            <p:ph idx="1"/>
-          </p:nvPr>
-        </p:nvSpPr>
-        <p:spPr/>
-        <p:txBody>
-          <a:bodyPr/>
-          <a:lstStyle/>
-          <a:p>
-            <a:endParaRPr lang="en-US"/>
+              <a:t>The most "known" and used</a:t>
+            </a:r>
+          </a:p>
+          <a:p>
+            <a:r>
+              <a:rPr lang="en-US" dirty="0"/>
+              <a:t>responsibility of setting the cache if there is a cache miss</a:t>
+            </a:r>
+          </a:p>
+        </p:txBody>
+      </p:sp>
+      <p:sp>
+        <p:nvSpPr>
+          <p:cNvPr id="5" name="TextBox 4">
+            <a:extLst>
+              <a:ext uri="{FF2B5EF4-FFF2-40B4-BE49-F238E27FC236}">
+                <a16:creationId xmlns:a16="http://schemas.microsoft.com/office/drawing/2014/main" id="{406E543D-65CE-1C8B-F6E1-D613498C3149}"/>
+              </a:ext>
+            </a:extLst>
+          </p:cNvPr>
+          <p:cNvSpPr txBox="1"/>
+          <p:nvPr/>
+        </p:nvSpPr>
+        <p:spPr>
+          <a:xfrm>
+            <a:off x="763479" y="3249228"/>
+            <a:ext cx="9721048" cy="1600438"/>
+          </a:xfrm>
+          <a:prstGeom prst="rect">
+            <a:avLst/>
+          </a:prstGeom>
+          <a:noFill/>
+          <a:ln>
+            <a:solidFill>
+              <a:schemeClr val="accent1"/>
+            </a:solidFill>
+          </a:ln>
+        </p:spPr>
+        <p:txBody>
+          <a:bodyPr wrap="square" rtlCol="0">
+            <a:spAutoFit/>
+          </a:bodyPr>
+          <a:lstStyle/>
+          <a:p>
+            <a:r>
+              <a:rPr lang="en-US" sz="1400" dirty="0">
+                <a:latin typeface="Courier New" panose="02070309020205020404" pitchFamily="49" charset="0"/>
+                <a:cs typeface="Courier New" panose="02070309020205020404" pitchFamily="49" charset="0"/>
+              </a:rPr>
+              <a:t>var ret = await _</a:t>
+            </a:r>
+            <a:r>
+              <a:rPr lang="en-US" sz="1400" dirty="0" err="1">
+                <a:latin typeface="Courier New" panose="02070309020205020404" pitchFamily="49" charset="0"/>
+                <a:cs typeface="Courier New" panose="02070309020205020404" pitchFamily="49" charset="0"/>
+              </a:rPr>
+              <a:t>cache.GetStringAsync</a:t>
+            </a:r>
+            <a:r>
+              <a:rPr lang="en-US" sz="1400" dirty="0">
+                <a:latin typeface="Courier New" panose="02070309020205020404" pitchFamily="49" charset="0"/>
+                <a:cs typeface="Courier New" panose="02070309020205020404" pitchFamily="49" charset="0"/>
+              </a:rPr>
+              <a:t>(location);</a:t>
+            </a:r>
+          </a:p>
+          <a:p>
+            <a:r>
+              <a:rPr lang="en-US" sz="1400" dirty="0">
+                <a:latin typeface="Courier New" panose="02070309020205020404" pitchFamily="49" charset="0"/>
+                <a:cs typeface="Courier New" panose="02070309020205020404" pitchFamily="49" charset="0"/>
+              </a:rPr>
+              <a:t>if(ret == null)</a:t>
+            </a:r>
+          </a:p>
+          <a:p>
+            <a:r>
+              <a:rPr lang="en-US" sz="1400" dirty="0">
+                <a:latin typeface="Courier New" panose="02070309020205020404" pitchFamily="49" charset="0"/>
+                <a:cs typeface="Courier New" panose="02070309020205020404" pitchFamily="49" charset="0"/>
+              </a:rPr>
+              <a:t>{</a:t>
+            </a:r>
+          </a:p>
+          <a:p>
+            <a:r>
+              <a:rPr lang="en-US" sz="1400" dirty="0">
+                <a:latin typeface="Courier New" panose="02070309020205020404" pitchFamily="49" charset="0"/>
+                <a:cs typeface="Courier New" panose="02070309020205020404" pitchFamily="49" charset="0"/>
+              </a:rPr>
+              <a:t>    ret = await _</a:t>
+            </a:r>
+            <a:r>
+              <a:rPr lang="en-US" sz="1400" dirty="0" err="1">
+                <a:latin typeface="Courier New" panose="02070309020205020404" pitchFamily="49" charset="0"/>
+                <a:cs typeface="Courier New" panose="02070309020205020404" pitchFamily="49" charset="0"/>
+              </a:rPr>
+              <a:t>dataSources.GetCurrentTime</a:t>
+            </a:r>
+            <a:r>
+              <a:rPr lang="en-US" sz="1400" dirty="0">
+                <a:latin typeface="Courier New" panose="02070309020205020404" pitchFamily="49" charset="0"/>
+                <a:cs typeface="Courier New" panose="02070309020205020404" pitchFamily="49" charset="0"/>
+              </a:rPr>
+              <a:t>(location);</a:t>
+            </a:r>
+          </a:p>
+          <a:p>
+            <a:r>
+              <a:rPr lang="en-US" sz="1400" dirty="0">
+                <a:latin typeface="Courier New" panose="02070309020205020404" pitchFamily="49" charset="0"/>
+                <a:cs typeface="Courier New" panose="02070309020205020404" pitchFamily="49" charset="0"/>
+              </a:rPr>
+              <a:t>    await _</a:t>
+            </a:r>
+            <a:r>
+              <a:rPr lang="en-US" sz="1400" dirty="0" err="1">
+                <a:latin typeface="Courier New" panose="02070309020205020404" pitchFamily="49" charset="0"/>
+                <a:cs typeface="Courier New" panose="02070309020205020404" pitchFamily="49" charset="0"/>
+              </a:rPr>
+              <a:t>cache.SetStringAsync</a:t>
+            </a:r>
+            <a:r>
+              <a:rPr lang="en-US" sz="1400" dirty="0">
+                <a:latin typeface="Courier New" panose="02070309020205020404" pitchFamily="49" charset="0"/>
+                <a:cs typeface="Courier New" panose="02070309020205020404" pitchFamily="49" charset="0"/>
+              </a:rPr>
+              <a:t>(location, ret);</a:t>
+            </a:r>
+          </a:p>
+          <a:p>
+            <a:r>
+              <a:rPr lang="en-US" sz="1400" dirty="0">
+                <a:latin typeface="Courier New" panose="02070309020205020404" pitchFamily="49" charset="0"/>
+                <a:cs typeface="Courier New" panose="02070309020205020404" pitchFamily="49" charset="0"/>
+              </a:rPr>
+              <a:t>}</a:t>
+            </a:r>
+          </a:p>
+          <a:p>
+            <a:r>
+              <a:rPr lang="en-US" sz="1400" dirty="0">
+                <a:latin typeface="Courier New" panose="02070309020205020404" pitchFamily="49" charset="0"/>
+                <a:cs typeface="Courier New" panose="02070309020205020404" pitchFamily="49" charset="0"/>
+              </a:rPr>
+              <a:t>return ret;</a:t>
+            </a:r>
           </a:p>
         </p:txBody>
       </p:sp>
@@ -3826,7 +4442,7 @@
           <p:cNvPr id="2" name="Title 1">
             <a:extLst>
               <a:ext uri="{FF2B5EF4-FFF2-40B4-BE49-F238E27FC236}">
-                <a16:creationId xmlns:a16="http://schemas.microsoft.com/office/drawing/2014/main" id="{2EB29AA9-B256-F216-49DC-AB81E1131992}"/>
+                <a16:creationId xmlns:a16="http://schemas.microsoft.com/office/drawing/2014/main" id="{347BCA57-5E9B-04AB-1CD8-52BAF0286CE5}"/>
               </a:ext>
             </a:extLst>
           </p:cNvPr>
@@ -3843,92 +4459,336 @@
           <a:lstStyle/>
           <a:p>
             <a:r>
+              <a:rPr lang="en-US"/>
+              <a:t>Caching Patterns: Read-Through</a:t>
+            </a:r>
+            <a:endParaRPr lang="en-US" dirty="0"/>
+          </a:p>
+        </p:txBody>
+      </p:sp>
+      <p:pic>
+        <p:nvPicPr>
+          <p:cNvPr id="9" name="Content Placeholder 8">
+            <a:extLst>
+              <a:ext uri="{FF2B5EF4-FFF2-40B4-BE49-F238E27FC236}">
+                <a16:creationId xmlns:a16="http://schemas.microsoft.com/office/drawing/2014/main" id="{3156FBF6-3FDC-5C14-5656-F34B6FBA54ED}"/>
+              </a:ext>
+            </a:extLst>
+          </p:cNvPr>
+          <p:cNvPicPr>
+            <a:picLocks noGrp="1" noChangeAspect="1"/>
+          </p:cNvPicPr>
+          <p:nvPr>
+            <p:ph idx="1"/>
+          </p:nvPr>
+        </p:nvPicPr>
+        <p:blipFill>
+          <a:blip r:embed="rId2">
+            <a:extLst>
+              <a:ext uri="{28A0092B-C50C-407E-A947-70E740481C1C}">
+                <a14:useLocalDpi xmlns:a14="http://schemas.microsoft.com/office/drawing/2010/main" val="0"/>
+              </a:ext>
+              <a:ext uri="{96DAC541-7B7A-43D3-8B79-37D633B846F1}">
+                <asvg:svgBlip xmlns:asvg="http://schemas.microsoft.com/office/drawing/2016/SVG/main" r:embed="rId3"/>
+              </a:ext>
+            </a:extLst>
+          </a:blip>
+          <a:stretch>
+            <a:fillRect/>
+          </a:stretch>
+        </p:blipFill>
+        <p:spPr>
+          <a:xfrm>
+            <a:off x="2318994" y="1924843"/>
+            <a:ext cx="6872140" cy="4568031"/>
+          </a:xfrm>
+        </p:spPr>
+      </p:pic>
+      <p:sp>
+        <p:nvSpPr>
+          <p:cNvPr id="4" name="AutoShape 2">
+            <a:extLst>
+              <a:ext uri="{FF2B5EF4-FFF2-40B4-BE49-F238E27FC236}">
+                <a16:creationId xmlns:a16="http://schemas.microsoft.com/office/drawing/2014/main" id="{099BB7B0-BEE9-D260-BF52-CD168EDAE401}"/>
+              </a:ext>
+            </a:extLst>
+          </p:cNvPr>
+          <p:cNvSpPr>
+            <a:spLocks noChangeAspect="1" noChangeArrowheads="1"/>
+          </p:cNvSpPr>
+          <p:nvPr/>
+        </p:nvSpPr>
+        <p:spPr bwMode="auto">
+          <a:xfrm>
+            <a:off x="5943600" y="3276600"/>
+            <a:ext cx="304800" cy="304800"/>
+          </a:xfrm>
+          <a:prstGeom prst="rect">
+            <a:avLst/>
+          </a:prstGeom>
+          <a:noFill/>
+          <a:extLst>
+            <a:ext uri="{909E8E84-426E-40DD-AFC4-6F175D3DCCD1}">
+              <a14:hiddenFill xmlns:a14="http://schemas.microsoft.com/office/drawing/2010/main">
+                <a:solidFill>
+                  <a:srgbClr val="FFFFFF"/>
+                </a:solidFill>
+              </a14:hiddenFill>
+            </a:ext>
+          </a:extLst>
+        </p:spPr>
+        <p:txBody>
+          <a:bodyPr vert="horz" wrap="square" lIns="91440" tIns="45720" rIns="91440" bIns="45720" numCol="1" anchor="t" anchorCtr="0" compatLnSpc="1">
+            <a:prstTxWarp prst="textNoShape">
+              <a:avLst/>
+            </a:prstTxWarp>
+          </a:bodyPr>
+          <a:lstStyle/>
+          <a:p>
+            <a:endParaRPr lang="en-US"/>
+          </a:p>
+        </p:txBody>
+      </p:sp>
+      <p:sp>
+        <p:nvSpPr>
+          <p:cNvPr id="7" name="AutoShape 8">
+            <a:extLst>
+              <a:ext uri="{FF2B5EF4-FFF2-40B4-BE49-F238E27FC236}">
+                <a16:creationId xmlns:a16="http://schemas.microsoft.com/office/drawing/2014/main" id="{055B34A0-5536-3A41-D650-A902B058AC69}"/>
+              </a:ext>
+            </a:extLst>
+          </p:cNvPr>
+          <p:cNvSpPr>
+            <a:spLocks noChangeAspect="1" noChangeArrowheads="1"/>
+          </p:cNvSpPr>
+          <p:nvPr/>
+        </p:nvSpPr>
+        <p:spPr bwMode="auto">
+          <a:xfrm>
+            <a:off x="6096000" y="3429000"/>
+            <a:ext cx="304800" cy="304800"/>
+          </a:xfrm>
+          <a:prstGeom prst="rect">
+            <a:avLst/>
+          </a:prstGeom>
+          <a:noFill/>
+          <a:extLst>
+            <a:ext uri="{909E8E84-426E-40DD-AFC4-6F175D3DCCD1}">
+              <a14:hiddenFill xmlns:a14="http://schemas.microsoft.com/office/drawing/2010/main">
+                <a:solidFill>
+                  <a:srgbClr val="FFFFFF"/>
+                </a:solidFill>
+              </a14:hiddenFill>
+            </a:ext>
+          </a:extLst>
+        </p:spPr>
+        <p:txBody>
+          <a:bodyPr vert="horz" wrap="square" lIns="91440" tIns="45720" rIns="91440" bIns="45720" numCol="1" anchor="t" anchorCtr="0" compatLnSpc="1">
+            <a:prstTxWarp prst="textNoShape">
+              <a:avLst/>
+            </a:prstTxWarp>
+          </a:bodyPr>
+          <a:lstStyle/>
+          <a:p>
+            <a:endParaRPr lang="en-US"/>
+          </a:p>
+        </p:txBody>
+      </p:sp>
+      <p:sp>
+        <p:nvSpPr>
+          <p:cNvPr id="10" name="Content Placeholder 2">
+            <a:extLst>
+              <a:ext uri="{FF2B5EF4-FFF2-40B4-BE49-F238E27FC236}">
+                <a16:creationId xmlns:a16="http://schemas.microsoft.com/office/drawing/2014/main" id="{6B001CB5-55E2-34F4-056D-227B2079A42E}"/>
+              </a:ext>
+            </a:extLst>
+          </p:cNvPr>
+          <p:cNvSpPr txBox="1">
+            <a:spLocks/>
+          </p:cNvSpPr>
+          <p:nvPr/>
+        </p:nvSpPr>
+        <p:spPr>
+          <a:xfrm>
+            <a:off x="762786" y="1405731"/>
+            <a:ext cx="10515600" cy="4351338"/>
+          </a:xfrm>
+          <a:prstGeom prst="rect">
+            <a:avLst/>
+          </a:prstGeom>
+        </p:spPr>
+        <p:txBody>
+          <a:bodyPr vert="horz" lIns="91440" tIns="45720" rIns="91440" bIns="45720" rtlCol="0">
+            <a:normAutofit/>
+          </a:bodyPr>
+          <a:lstStyle>
+            <a:lvl1pPr marL="228600" indent="-228600" algn="l" defTabSz="914400" rtl="0" eaLnBrk="1" latinLnBrk="0" hangingPunct="1">
+              <a:lnSpc>
+                <a:spcPct val="90000"/>
+              </a:lnSpc>
+              <a:spcBef>
+                <a:spcPts val="1000"/>
+              </a:spcBef>
+              <a:buFont typeface="Arial" panose="020B0604020202020204" pitchFamily="34" charset="0"/>
+              <a:buChar char="•"/>
+              <a:defRPr sz="2800" kern="1200">
+                <a:solidFill>
+                  <a:schemeClr val="tx1"/>
+                </a:solidFill>
+                <a:latin typeface="+mn-lt"/>
+                <a:ea typeface="+mn-ea"/>
+                <a:cs typeface="+mn-cs"/>
+              </a:defRPr>
+            </a:lvl1pPr>
+            <a:lvl2pPr marL="685800" indent="-228600" algn="l" defTabSz="914400" rtl="0" eaLnBrk="1" latinLnBrk="0" hangingPunct="1">
+              <a:lnSpc>
+                <a:spcPct val="90000"/>
+              </a:lnSpc>
+              <a:spcBef>
+                <a:spcPts val="500"/>
+              </a:spcBef>
+              <a:buFont typeface="Arial" panose="020B0604020202020204" pitchFamily="34" charset="0"/>
+              <a:buChar char="•"/>
+              <a:defRPr sz="2400" kern="1200">
+                <a:solidFill>
+                  <a:schemeClr val="tx1"/>
+                </a:solidFill>
+                <a:latin typeface="+mn-lt"/>
+                <a:ea typeface="+mn-ea"/>
+                <a:cs typeface="+mn-cs"/>
+              </a:defRPr>
+            </a:lvl2pPr>
+            <a:lvl3pPr marL="1143000" indent="-228600" algn="l" defTabSz="914400" rtl="0" eaLnBrk="1" latinLnBrk="0" hangingPunct="1">
+              <a:lnSpc>
+                <a:spcPct val="90000"/>
+              </a:lnSpc>
+              <a:spcBef>
+                <a:spcPts val="500"/>
+              </a:spcBef>
+              <a:buFont typeface="Arial" panose="020B0604020202020204" pitchFamily="34" charset="0"/>
+              <a:buChar char="•"/>
+              <a:defRPr sz="2000" kern="1200">
+                <a:solidFill>
+                  <a:schemeClr val="tx1"/>
+                </a:solidFill>
+                <a:latin typeface="+mn-lt"/>
+                <a:ea typeface="+mn-ea"/>
+                <a:cs typeface="+mn-cs"/>
+              </a:defRPr>
+            </a:lvl3pPr>
+            <a:lvl4pPr marL="1600200" indent="-228600" algn="l" defTabSz="914400" rtl="0" eaLnBrk="1" latinLnBrk="0" hangingPunct="1">
+              <a:lnSpc>
+                <a:spcPct val="90000"/>
+              </a:lnSpc>
+              <a:spcBef>
+                <a:spcPts val="500"/>
+              </a:spcBef>
+              <a:buFont typeface="Arial" panose="020B0604020202020204" pitchFamily="34" charset="0"/>
+              <a:buChar char="•"/>
+              <a:defRPr sz="1800" kern="1200">
+                <a:solidFill>
+                  <a:schemeClr val="tx1"/>
+                </a:solidFill>
+                <a:latin typeface="+mn-lt"/>
+                <a:ea typeface="+mn-ea"/>
+                <a:cs typeface="+mn-cs"/>
+              </a:defRPr>
+            </a:lvl4pPr>
+            <a:lvl5pPr marL="2057400" indent="-228600" algn="l" defTabSz="914400" rtl="0" eaLnBrk="1" latinLnBrk="0" hangingPunct="1">
+              <a:lnSpc>
+                <a:spcPct val="90000"/>
+              </a:lnSpc>
+              <a:spcBef>
+                <a:spcPts val="500"/>
+              </a:spcBef>
+              <a:buFont typeface="Arial" panose="020B0604020202020204" pitchFamily="34" charset="0"/>
+              <a:buChar char="•"/>
+              <a:defRPr sz="1800" kern="1200">
+                <a:solidFill>
+                  <a:schemeClr val="tx1"/>
+                </a:solidFill>
+                <a:latin typeface="+mn-lt"/>
+                <a:ea typeface="+mn-ea"/>
+                <a:cs typeface="+mn-cs"/>
+              </a:defRPr>
+            </a:lvl5pPr>
+            <a:lvl6pPr marL="2514600" indent="-228600" algn="l" defTabSz="914400" rtl="0" eaLnBrk="1" latinLnBrk="0" hangingPunct="1">
+              <a:lnSpc>
+                <a:spcPct val="90000"/>
+              </a:lnSpc>
+              <a:spcBef>
+                <a:spcPts val="500"/>
+              </a:spcBef>
+              <a:buFont typeface="Arial" panose="020B0604020202020204" pitchFamily="34" charset="0"/>
+              <a:buChar char="•"/>
+              <a:defRPr sz="1800" kern="1200">
+                <a:solidFill>
+                  <a:schemeClr val="tx1"/>
+                </a:solidFill>
+                <a:latin typeface="+mn-lt"/>
+                <a:ea typeface="+mn-ea"/>
+                <a:cs typeface="+mn-cs"/>
+              </a:defRPr>
+            </a:lvl6pPr>
+            <a:lvl7pPr marL="2971800" indent="-228600" algn="l" defTabSz="914400" rtl="0" eaLnBrk="1" latinLnBrk="0" hangingPunct="1">
+              <a:lnSpc>
+                <a:spcPct val="90000"/>
+              </a:lnSpc>
+              <a:spcBef>
+                <a:spcPts val="500"/>
+              </a:spcBef>
+              <a:buFont typeface="Arial" panose="020B0604020202020204" pitchFamily="34" charset="0"/>
+              <a:buChar char="•"/>
+              <a:defRPr sz="1800" kern="1200">
+                <a:solidFill>
+                  <a:schemeClr val="tx1"/>
+                </a:solidFill>
+                <a:latin typeface="+mn-lt"/>
+                <a:ea typeface="+mn-ea"/>
+                <a:cs typeface="+mn-cs"/>
+              </a:defRPr>
+            </a:lvl7pPr>
+            <a:lvl8pPr marL="3429000" indent="-228600" algn="l" defTabSz="914400" rtl="0" eaLnBrk="1" latinLnBrk="0" hangingPunct="1">
+              <a:lnSpc>
+                <a:spcPct val="90000"/>
+              </a:lnSpc>
+              <a:spcBef>
+                <a:spcPts val="500"/>
+              </a:spcBef>
+              <a:buFont typeface="Arial" panose="020B0604020202020204" pitchFamily="34" charset="0"/>
+              <a:buChar char="•"/>
+              <a:defRPr sz="1800" kern="1200">
+                <a:solidFill>
+                  <a:schemeClr val="tx1"/>
+                </a:solidFill>
+                <a:latin typeface="+mn-lt"/>
+                <a:ea typeface="+mn-ea"/>
+                <a:cs typeface="+mn-cs"/>
+              </a:defRPr>
+            </a:lvl8pPr>
+            <a:lvl9pPr marL="3886200" indent="-228600" algn="l" defTabSz="914400" rtl="0" eaLnBrk="1" latinLnBrk="0" hangingPunct="1">
+              <a:lnSpc>
+                <a:spcPct val="90000"/>
+              </a:lnSpc>
+              <a:spcBef>
+                <a:spcPts val="500"/>
+              </a:spcBef>
+              <a:buFont typeface="Arial" panose="020B0604020202020204" pitchFamily="34" charset="0"/>
+              <a:buChar char="•"/>
+              <a:defRPr sz="1800" kern="1200">
+                <a:solidFill>
+                  <a:schemeClr val="tx1"/>
+                </a:solidFill>
+                <a:latin typeface="+mn-lt"/>
+                <a:ea typeface="+mn-ea"/>
+                <a:cs typeface="+mn-cs"/>
+              </a:defRPr>
+            </a:lvl9pPr>
+          </a:lstStyle>
+          <a:p>
+            <a:r>
               <a:rPr lang="en-US" dirty="0"/>
-              <a:t>In memory vs distributed (shared) cache</a:t>
-            </a:r>
-          </a:p>
-        </p:txBody>
-      </p:sp>
-      <p:sp>
-        <p:nvSpPr>
-          <p:cNvPr id="3" name="Content Placeholder 2">
-            <a:extLst>
-              <a:ext uri="{FF2B5EF4-FFF2-40B4-BE49-F238E27FC236}">
-                <a16:creationId xmlns:a16="http://schemas.microsoft.com/office/drawing/2014/main" id="{B704A45C-E945-C252-BC40-6FD394E16A25}"/>
-              </a:ext>
-            </a:extLst>
-          </p:cNvPr>
-          <p:cNvSpPr>
-            <a:spLocks noGrp="1"/>
-          </p:cNvSpPr>
-          <p:nvPr>
-            <p:ph idx="1"/>
-          </p:nvPr>
-        </p:nvSpPr>
-        <p:spPr/>
-        <p:txBody>
-          <a:bodyPr/>
-          <a:lstStyle/>
-          <a:p>
-            <a:r>
-              <a:rPr lang="en-US" dirty="0"/>
-              <a:t>In memory </a:t>
-            </a:r>
-          </a:p>
-          <a:p>
-            <a:pPr lvl="1"/>
-            <a:r>
-              <a:rPr lang="en-US" dirty="0"/>
-              <a:t>Less cache hits in web farm scenario </a:t>
-            </a:r>
-          </a:p>
-          <a:p>
-            <a:pPr lvl="1"/>
-            <a:r>
-              <a:rPr lang="en-US" dirty="0"/>
-              <a:t>Faster</a:t>
-            </a:r>
-          </a:p>
-          <a:p>
-            <a:pPr lvl="1"/>
-            <a:r>
-              <a:rPr lang="en-US" dirty="0"/>
-              <a:t>Check </a:t>
-            </a:r>
-            <a:r>
-              <a:rPr lang="en-US"/>
-              <a:t>memory usage</a:t>
-            </a:r>
-            <a:endParaRPr lang="en-US" dirty="0"/>
-          </a:p>
-          <a:p>
-            <a:endParaRPr lang="en-US" dirty="0"/>
-          </a:p>
-          <a:p>
-            <a:r>
-              <a:rPr lang="en-US" dirty="0"/>
-              <a:t>Distributed</a:t>
-            </a:r>
-          </a:p>
-          <a:p>
-            <a:pPr lvl="1"/>
-            <a:r>
-              <a:rPr lang="en-US" dirty="0"/>
-              <a:t>Improved cache hits</a:t>
-            </a:r>
-          </a:p>
-          <a:p>
-            <a:pPr lvl="1"/>
-            <a:r>
-              <a:rPr lang="en-US" dirty="0"/>
-              <a:t>Redis is fast, still you are still doing a network roundtrip</a:t>
-            </a:r>
-          </a:p>
-          <a:p>
-            <a:pPr lvl="1"/>
-            <a:r>
-              <a:rPr lang="en-US" dirty="0"/>
-              <a:t>Watch out caching keys clashing (per service prefix)</a:t>
+              <a:t>Cache is responsible to get the data</a:t>
             </a:r>
           </a:p>
         </p:txBody>
@@ -3936,7 +4796,7 @@
     </p:spTree>
     <p:extLst>
       <p:ext uri="{BB962C8B-B14F-4D97-AF65-F5344CB8AC3E}">
-        <p14:creationId xmlns:p14="http://schemas.microsoft.com/office/powerpoint/2010/main" val="620630127"/>
+        <p14:creationId xmlns:p14="http://schemas.microsoft.com/office/powerpoint/2010/main" val="635263817"/>
       </p:ext>
     </p:extLst>
   </p:cSld>
@@ -3968,7 +4828,7 @@
           <p:cNvPr id="2" name="Title 1">
             <a:extLst>
               <a:ext uri="{FF2B5EF4-FFF2-40B4-BE49-F238E27FC236}">
-                <a16:creationId xmlns:a16="http://schemas.microsoft.com/office/drawing/2014/main" id="{6DA7CF98-B5C3-6707-D594-BAB3B1E1E832}"/>
+                <a16:creationId xmlns:a16="http://schemas.microsoft.com/office/drawing/2014/main" id="{347BCA57-5E9B-04AB-1CD8-52BAF0286CE5}"/>
               </a:ext>
             </a:extLst>
           </p:cNvPr>
@@ -3986,40 +4846,914 @@
           <a:p>
             <a:r>
               <a:rPr lang="en-US" dirty="0"/>
-              <a:t>Introduction to fusion cache</a:t>
-            </a:r>
-          </a:p>
-        </p:txBody>
-      </p:sp>
-      <p:sp>
-        <p:nvSpPr>
-          <p:cNvPr id="3" name="Content Placeholder 2">
-            <a:extLst>
-              <a:ext uri="{FF2B5EF4-FFF2-40B4-BE49-F238E27FC236}">
-                <a16:creationId xmlns:a16="http://schemas.microsoft.com/office/drawing/2014/main" id="{4EE2669E-596B-E86E-E0E5-C04B6F827164}"/>
-              </a:ext>
-            </a:extLst>
-          </p:cNvPr>
-          <p:cNvSpPr>
-            <a:spLocks noGrp="1"/>
-          </p:cNvSpPr>
-          <p:nvPr>
-            <p:ph idx="1"/>
-          </p:nvPr>
-        </p:nvSpPr>
-        <p:spPr/>
-        <p:txBody>
-          <a:bodyPr/>
+              <a:t>Caching Patterns: Read-"compromise"</a:t>
+            </a:r>
+          </a:p>
+        </p:txBody>
+      </p:sp>
+      <p:sp>
+        <p:nvSpPr>
+          <p:cNvPr id="4" name="AutoShape 2">
+            <a:extLst>
+              <a:ext uri="{FF2B5EF4-FFF2-40B4-BE49-F238E27FC236}">
+                <a16:creationId xmlns:a16="http://schemas.microsoft.com/office/drawing/2014/main" id="{099BB7B0-BEE9-D260-BF52-CD168EDAE401}"/>
+              </a:ext>
+            </a:extLst>
+          </p:cNvPr>
+          <p:cNvSpPr>
+            <a:spLocks noChangeAspect="1" noChangeArrowheads="1"/>
+          </p:cNvSpPr>
+          <p:nvPr/>
+        </p:nvSpPr>
+        <p:spPr bwMode="auto">
+          <a:xfrm>
+            <a:off x="5943600" y="3276600"/>
+            <a:ext cx="304800" cy="304800"/>
+          </a:xfrm>
+          <a:prstGeom prst="rect">
+            <a:avLst/>
+          </a:prstGeom>
+          <a:noFill/>
+          <a:extLst>
+            <a:ext uri="{909E8E84-426E-40DD-AFC4-6F175D3DCCD1}">
+              <a14:hiddenFill xmlns:a14="http://schemas.microsoft.com/office/drawing/2010/main">
+                <a:solidFill>
+                  <a:srgbClr val="FFFFFF"/>
+                </a:solidFill>
+              </a14:hiddenFill>
+            </a:ext>
+          </a:extLst>
+        </p:spPr>
+        <p:txBody>
+          <a:bodyPr vert="horz" wrap="square" lIns="91440" tIns="45720" rIns="91440" bIns="45720" numCol="1" anchor="t" anchorCtr="0" compatLnSpc="1">
+            <a:prstTxWarp prst="textNoShape">
+              <a:avLst/>
+            </a:prstTxWarp>
+          </a:bodyPr>
           <a:lstStyle/>
           <a:p>
             <a:endParaRPr lang="en-US"/>
+          </a:p>
+        </p:txBody>
+      </p:sp>
+      <p:sp>
+        <p:nvSpPr>
+          <p:cNvPr id="7" name="AutoShape 8">
+            <a:extLst>
+              <a:ext uri="{FF2B5EF4-FFF2-40B4-BE49-F238E27FC236}">
+                <a16:creationId xmlns:a16="http://schemas.microsoft.com/office/drawing/2014/main" id="{055B34A0-5536-3A41-D650-A902B058AC69}"/>
+              </a:ext>
+            </a:extLst>
+          </p:cNvPr>
+          <p:cNvSpPr>
+            <a:spLocks noChangeAspect="1" noChangeArrowheads="1"/>
+          </p:cNvSpPr>
+          <p:nvPr/>
+        </p:nvSpPr>
+        <p:spPr bwMode="auto">
+          <a:xfrm>
+            <a:off x="6096000" y="3429000"/>
+            <a:ext cx="304800" cy="304800"/>
+          </a:xfrm>
+          <a:prstGeom prst="rect">
+            <a:avLst/>
+          </a:prstGeom>
+          <a:noFill/>
+          <a:extLst>
+            <a:ext uri="{909E8E84-426E-40DD-AFC4-6F175D3DCCD1}">
+              <a14:hiddenFill xmlns:a14="http://schemas.microsoft.com/office/drawing/2010/main">
+                <a:solidFill>
+                  <a:srgbClr val="FFFFFF"/>
+                </a:solidFill>
+              </a14:hiddenFill>
+            </a:ext>
+          </a:extLst>
+        </p:spPr>
+        <p:txBody>
+          <a:bodyPr vert="horz" wrap="square" lIns="91440" tIns="45720" rIns="91440" bIns="45720" numCol="1" anchor="t" anchorCtr="0" compatLnSpc="1">
+            <a:prstTxWarp prst="textNoShape">
+              <a:avLst/>
+            </a:prstTxWarp>
+          </a:bodyPr>
+          <a:lstStyle/>
+          <a:p>
+            <a:endParaRPr lang="en-US"/>
+          </a:p>
+        </p:txBody>
+      </p:sp>
+      <p:sp>
+        <p:nvSpPr>
+          <p:cNvPr id="10" name="Content Placeholder 2">
+            <a:extLst>
+              <a:ext uri="{FF2B5EF4-FFF2-40B4-BE49-F238E27FC236}">
+                <a16:creationId xmlns:a16="http://schemas.microsoft.com/office/drawing/2014/main" id="{6B001CB5-55E2-34F4-056D-227B2079A42E}"/>
+              </a:ext>
+            </a:extLst>
+          </p:cNvPr>
+          <p:cNvSpPr txBox="1">
+            <a:spLocks/>
+          </p:cNvSpPr>
+          <p:nvPr/>
+        </p:nvSpPr>
+        <p:spPr>
+          <a:xfrm>
+            <a:off x="762786" y="1405731"/>
+            <a:ext cx="10515600" cy="4351338"/>
+          </a:xfrm>
+          <a:prstGeom prst="rect">
+            <a:avLst/>
+          </a:prstGeom>
+        </p:spPr>
+        <p:txBody>
+          <a:bodyPr vert="horz" lIns="91440" tIns="45720" rIns="91440" bIns="45720" rtlCol="0">
+            <a:normAutofit/>
+          </a:bodyPr>
+          <a:lstStyle>
+            <a:lvl1pPr marL="228600" indent="-228600" algn="l" defTabSz="914400" rtl="0" eaLnBrk="1" latinLnBrk="0" hangingPunct="1">
+              <a:lnSpc>
+                <a:spcPct val="90000"/>
+              </a:lnSpc>
+              <a:spcBef>
+                <a:spcPts val="1000"/>
+              </a:spcBef>
+              <a:buFont typeface="Arial" panose="020B0604020202020204" pitchFamily="34" charset="0"/>
+              <a:buChar char="•"/>
+              <a:defRPr sz="2800" kern="1200">
+                <a:solidFill>
+                  <a:schemeClr val="tx1"/>
+                </a:solidFill>
+                <a:latin typeface="+mn-lt"/>
+                <a:ea typeface="+mn-ea"/>
+                <a:cs typeface="+mn-cs"/>
+              </a:defRPr>
+            </a:lvl1pPr>
+            <a:lvl2pPr marL="685800" indent="-228600" algn="l" defTabSz="914400" rtl="0" eaLnBrk="1" latinLnBrk="0" hangingPunct="1">
+              <a:lnSpc>
+                <a:spcPct val="90000"/>
+              </a:lnSpc>
+              <a:spcBef>
+                <a:spcPts val="500"/>
+              </a:spcBef>
+              <a:buFont typeface="Arial" panose="020B0604020202020204" pitchFamily="34" charset="0"/>
+              <a:buChar char="•"/>
+              <a:defRPr sz="2400" kern="1200">
+                <a:solidFill>
+                  <a:schemeClr val="tx1"/>
+                </a:solidFill>
+                <a:latin typeface="+mn-lt"/>
+                <a:ea typeface="+mn-ea"/>
+                <a:cs typeface="+mn-cs"/>
+              </a:defRPr>
+            </a:lvl2pPr>
+            <a:lvl3pPr marL="1143000" indent="-228600" algn="l" defTabSz="914400" rtl="0" eaLnBrk="1" latinLnBrk="0" hangingPunct="1">
+              <a:lnSpc>
+                <a:spcPct val="90000"/>
+              </a:lnSpc>
+              <a:spcBef>
+                <a:spcPts val="500"/>
+              </a:spcBef>
+              <a:buFont typeface="Arial" panose="020B0604020202020204" pitchFamily="34" charset="0"/>
+              <a:buChar char="•"/>
+              <a:defRPr sz="2000" kern="1200">
+                <a:solidFill>
+                  <a:schemeClr val="tx1"/>
+                </a:solidFill>
+                <a:latin typeface="+mn-lt"/>
+                <a:ea typeface="+mn-ea"/>
+                <a:cs typeface="+mn-cs"/>
+              </a:defRPr>
+            </a:lvl3pPr>
+            <a:lvl4pPr marL="1600200" indent="-228600" algn="l" defTabSz="914400" rtl="0" eaLnBrk="1" latinLnBrk="0" hangingPunct="1">
+              <a:lnSpc>
+                <a:spcPct val="90000"/>
+              </a:lnSpc>
+              <a:spcBef>
+                <a:spcPts val="500"/>
+              </a:spcBef>
+              <a:buFont typeface="Arial" panose="020B0604020202020204" pitchFamily="34" charset="0"/>
+              <a:buChar char="•"/>
+              <a:defRPr sz="1800" kern="1200">
+                <a:solidFill>
+                  <a:schemeClr val="tx1"/>
+                </a:solidFill>
+                <a:latin typeface="+mn-lt"/>
+                <a:ea typeface="+mn-ea"/>
+                <a:cs typeface="+mn-cs"/>
+              </a:defRPr>
+            </a:lvl4pPr>
+            <a:lvl5pPr marL="2057400" indent="-228600" algn="l" defTabSz="914400" rtl="0" eaLnBrk="1" latinLnBrk="0" hangingPunct="1">
+              <a:lnSpc>
+                <a:spcPct val="90000"/>
+              </a:lnSpc>
+              <a:spcBef>
+                <a:spcPts val="500"/>
+              </a:spcBef>
+              <a:buFont typeface="Arial" panose="020B0604020202020204" pitchFamily="34" charset="0"/>
+              <a:buChar char="•"/>
+              <a:defRPr sz="1800" kern="1200">
+                <a:solidFill>
+                  <a:schemeClr val="tx1"/>
+                </a:solidFill>
+                <a:latin typeface="+mn-lt"/>
+                <a:ea typeface="+mn-ea"/>
+                <a:cs typeface="+mn-cs"/>
+              </a:defRPr>
+            </a:lvl5pPr>
+            <a:lvl6pPr marL="2514600" indent="-228600" algn="l" defTabSz="914400" rtl="0" eaLnBrk="1" latinLnBrk="0" hangingPunct="1">
+              <a:lnSpc>
+                <a:spcPct val="90000"/>
+              </a:lnSpc>
+              <a:spcBef>
+                <a:spcPts val="500"/>
+              </a:spcBef>
+              <a:buFont typeface="Arial" panose="020B0604020202020204" pitchFamily="34" charset="0"/>
+              <a:buChar char="•"/>
+              <a:defRPr sz="1800" kern="1200">
+                <a:solidFill>
+                  <a:schemeClr val="tx1"/>
+                </a:solidFill>
+                <a:latin typeface="+mn-lt"/>
+                <a:ea typeface="+mn-ea"/>
+                <a:cs typeface="+mn-cs"/>
+              </a:defRPr>
+            </a:lvl6pPr>
+            <a:lvl7pPr marL="2971800" indent="-228600" algn="l" defTabSz="914400" rtl="0" eaLnBrk="1" latinLnBrk="0" hangingPunct="1">
+              <a:lnSpc>
+                <a:spcPct val="90000"/>
+              </a:lnSpc>
+              <a:spcBef>
+                <a:spcPts val="500"/>
+              </a:spcBef>
+              <a:buFont typeface="Arial" panose="020B0604020202020204" pitchFamily="34" charset="0"/>
+              <a:buChar char="•"/>
+              <a:defRPr sz="1800" kern="1200">
+                <a:solidFill>
+                  <a:schemeClr val="tx1"/>
+                </a:solidFill>
+                <a:latin typeface="+mn-lt"/>
+                <a:ea typeface="+mn-ea"/>
+                <a:cs typeface="+mn-cs"/>
+              </a:defRPr>
+            </a:lvl7pPr>
+            <a:lvl8pPr marL="3429000" indent="-228600" algn="l" defTabSz="914400" rtl="0" eaLnBrk="1" latinLnBrk="0" hangingPunct="1">
+              <a:lnSpc>
+                <a:spcPct val="90000"/>
+              </a:lnSpc>
+              <a:spcBef>
+                <a:spcPts val="500"/>
+              </a:spcBef>
+              <a:buFont typeface="Arial" panose="020B0604020202020204" pitchFamily="34" charset="0"/>
+              <a:buChar char="•"/>
+              <a:defRPr sz="1800" kern="1200">
+                <a:solidFill>
+                  <a:schemeClr val="tx1"/>
+                </a:solidFill>
+                <a:latin typeface="+mn-lt"/>
+                <a:ea typeface="+mn-ea"/>
+                <a:cs typeface="+mn-cs"/>
+              </a:defRPr>
+            </a:lvl8pPr>
+            <a:lvl9pPr marL="3886200" indent="-228600" algn="l" defTabSz="914400" rtl="0" eaLnBrk="1" latinLnBrk="0" hangingPunct="1">
+              <a:lnSpc>
+                <a:spcPct val="90000"/>
+              </a:lnSpc>
+              <a:spcBef>
+                <a:spcPts val="500"/>
+              </a:spcBef>
+              <a:buFont typeface="Arial" panose="020B0604020202020204" pitchFamily="34" charset="0"/>
+              <a:buChar char="•"/>
+              <a:defRPr sz="1800" kern="1200">
+                <a:solidFill>
+                  <a:schemeClr val="tx1"/>
+                </a:solidFill>
+                <a:latin typeface="+mn-lt"/>
+                <a:ea typeface="+mn-ea"/>
+                <a:cs typeface="+mn-cs"/>
+              </a:defRPr>
+            </a:lvl9pPr>
+          </a:lstStyle>
+          <a:p>
+            <a:r>
+              <a:rPr lang="en-US" dirty="0"/>
+              <a:t>Code is responsible to get the data to be cached</a:t>
+            </a:r>
+          </a:p>
+          <a:p>
+            <a:r>
+              <a:rPr lang="en-US" dirty="0"/>
+              <a:t>Cache can apply policies on the "data factory" (e.g. timeouts)</a:t>
+            </a:r>
+          </a:p>
+        </p:txBody>
+      </p:sp>
+      <p:sp>
+        <p:nvSpPr>
+          <p:cNvPr id="6" name="TextBox 5">
+            <a:extLst>
+              <a:ext uri="{FF2B5EF4-FFF2-40B4-BE49-F238E27FC236}">
+                <a16:creationId xmlns:a16="http://schemas.microsoft.com/office/drawing/2014/main" id="{26FB2E35-C0C2-2A08-E5E5-62A1CBD8432D}"/>
+              </a:ext>
+            </a:extLst>
+          </p:cNvPr>
+          <p:cNvSpPr txBox="1"/>
+          <p:nvPr/>
+        </p:nvSpPr>
+        <p:spPr>
+          <a:xfrm>
+            <a:off x="763479" y="3249228"/>
+            <a:ext cx="9721048" cy="2308324"/>
+          </a:xfrm>
+          <a:prstGeom prst="rect">
+            <a:avLst/>
+          </a:prstGeom>
+          <a:noFill/>
+          <a:ln>
+            <a:solidFill>
+              <a:schemeClr val="accent1"/>
+            </a:solidFill>
+          </a:ln>
+        </p:spPr>
+        <p:txBody>
+          <a:bodyPr wrap="square" rtlCol="0">
+            <a:spAutoFit/>
+          </a:bodyPr>
+          <a:lstStyle/>
+          <a:p>
+            <a:br>
+              <a:rPr lang="en-US" sz="1800" dirty="0">
+                <a:solidFill>
+                  <a:srgbClr val="000000"/>
+                </a:solidFill>
+                <a:latin typeface="Cascadia Mono" panose="020B0609020000020004" pitchFamily="49" charset="0"/>
+              </a:rPr>
+            </a:br>
+            <a:r>
+              <a:rPr lang="en-US" sz="1800" dirty="0">
+                <a:solidFill>
+                  <a:srgbClr val="000000"/>
+                </a:solidFill>
+                <a:latin typeface="Cascadia Mono" panose="020B0609020000020004" pitchFamily="49" charset="0"/>
+              </a:rPr>
+              <a:t>var ret = await _</a:t>
+            </a:r>
+            <a:r>
+              <a:rPr lang="en-US" sz="1800" dirty="0" err="1">
+                <a:solidFill>
+                  <a:srgbClr val="000000"/>
+                </a:solidFill>
+                <a:latin typeface="Cascadia Mono" panose="020B0609020000020004" pitchFamily="49" charset="0"/>
+              </a:rPr>
+              <a:t>cache.GetOrCreateAsync</a:t>
+            </a:r>
+            <a:r>
+              <a:rPr lang="en-US" sz="1800" dirty="0">
+                <a:solidFill>
+                  <a:srgbClr val="000000"/>
+                </a:solidFill>
+                <a:latin typeface="Cascadia Mono" panose="020B0609020000020004" pitchFamily="49" charset="0"/>
+              </a:rPr>
+              <a:t>(location, async </a:t>
+            </a:r>
+            <a:r>
+              <a:rPr lang="en-US" sz="1800" dirty="0" err="1">
+                <a:solidFill>
+                  <a:srgbClr val="000000"/>
+                </a:solidFill>
+                <a:latin typeface="Cascadia Mono" panose="020B0609020000020004" pitchFamily="49" charset="0"/>
+              </a:rPr>
+              <a:t>cacheEntry</a:t>
+            </a:r>
+            <a:r>
+              <a:rPr lang="en-US" sz="1800" dirty="0">
+                <a:solidFill>
+                  <a:srgbClr val="000000"/>
+                </a:solidFill>
+                <a:latin typeface="Cascadia Mono" panose="020B0609020000020004" pitchFamily="49" charset="0"/>
+              </a:rPr>
+              <a:t>=&gt;</a:t>
+            </a:r>
+          </a:p>
+          <a:p>
+            <a:r>
+              <a:rPr lang="en-US" sz="1800" dirty="0">
+                <a:solidFill>
+                  <a:srgbClr val="000000"/>
+                </a:solidFill>
+                <a:latin typeface="Cascadia Mono" panose="020B0609020000020004" pitchFamily="49" charset="0"/>
+              </a:rPr>
+              <a:t>{</a:t>
+            </a:r>
+          </a:p>
+          <a:p>
+            <a:r>
+              <a:rPr lang="en-US" sz="1800" dirty="0">
+                <a:solidFill>
+                  <a:srgbClr val="000000"/>
+                </a:solidFill>
+                <a:latin typeface="Cascadia Mono" panose="020B0609020000020004" pitchFamily="49" charset="0"/>
+              </a:rPr>
+              <a:t>    </a:t>
+            </a:r>
+            <a:r>
+              <a:rPr lang="en-US" sz="1800" dirty="0" err="1">
+                <a:solidFill>
+                  <a:srgbClr val="000000"/>
+                </a:solidFill>
+                <a:latin typeface="Cascadia Mono" panose="020B0609020000020004" pitchFamily="49" charset="0"/>
+              </a:rPr>
+              <a:t>cacheEntry.AbsoluteExpiration</a:t>
+            </a:r>
+            <a:r>
+              <a:rPr lang="en-US" sz="1800" dirty="0">
+                <a:solidFill>
+                  <a:srgbClr val="000000"/>
+                </a:solidFill>
+                <a:latin typeface="Cascadia Mono" panose="020B0609020000020004" pitchFamily="49" charset="0"/>
+              </a:rPr>
+              <a:t> = </a:t>
+            </a:r>
+            <a:r>
+              <a:rPr lang="en-US" sz="1800" dirty="0" err="1">
+                <a:solidFill>
+                  <a:srgbClr val="000000"/>
+                </a:solidFill>
+                <a:latin typeface="Cascadia Mono" panose="020B0609020000020004" pitchFamily="49" charset="0"/>
+              </a:rPr>
+              <a:t>DateTimeOffset.UtcNow</a:t>
+            </a:r>
+            <a:r>
+              <a:rPr lang="en-US" sz="1800" dirty="0">
+                <a:solidFill>
+                  <a:srgbClr val="000000"/>
+                </a:solidFill>
+                <a:latin typeface="Cascadia Mono" panose="020B0609020000020004" pitchFamily="49" charset="0"/>
+              </a:rPr>
+              <a:t> +</a:t>
+            </a:r>
+            <a:br>
+              <a:rPr lang="en-US" sz="1800" dirty="0">
+                <a:solidFill>
+                  <a:srgbClr val="000000"/>
+                </a:solidFill>
+                <a:latin typeface="Cascadia Mono" panose="020B0609020000020004" pitchFamily="49" charset="0"/>
+              </a:rPr>
+            </a:br>
+            <a:r>
+              <a:rPr lang="en-US" sz="1800" dirty="0">
+                <a:solidFill>
+                  <a:srgbClr val="000000"/>
+                </a:solidFill>
+                <a:latin typeface="Cascadia Mono" panose="020B0609020000020004" pitchFamily="49" charset="0"/>
+              </a:rPr>
+              <a:t>      </a:t>
+            </a:r>
+            <a:r>
+              <a:rPr lang="en-US" sz="1800" dirty="0" err="1">
+                <a:solidFill>
+                  <a:srgbClr val="000000"/>
+                </a:solidFill>
+                <a:latin typeface="Cascadia Mono" panose="020B0609020000020004" pitchFamily="49" charset="0"/>
+              </a:rPr>
+              <a:t>TimeSpan.FromMinutes</a:t>
+            </a:r>
+            <a:r>
+              <a:rPr lang="en-US" sz="1800" dirty="0">
+                <a:solidFill>
+                  <a:srgbClr val="000000"/>
+                </a:solidFill>
+                <a:latin typeface="Cascadia Mono" panose="020B0609020000020004" pitchFamily="49" charset="0"/>
+              </a:rPr>
+              <a:t>(1);</a:t>
+            </a:r>
+          </a:p>
+          <a:p>
+            <a:r>
+              <a:rPr lang="en-US" sz="1800" dirty="0">
+                <a:solidFill>
+                  <a:srgbClr val="000000"/>
+                </a:solidFill>
+                <a:latin typeface="Cascadia Mono" panose="020B0609020000020004" pitchFamily="49" charset="0"/>
+              </a:rPr>
+              <a:t>    return await _</a:t>
+            </a:r>
+            <a:r>
+              <a:rPr lang="en-US" sz="1800" dirty="0" err="1">
+                <a:solidFill>
+                  <a:srgbClr val="000000"/>
+                </a:solidFill>
+                <a:latin typeface="Cascadia Mono" panose="020B0609020000020004" pitchFamily="49" charset="0"/>
+              </a:rPr>
+              <a:t>dataSources.GetCurrentTime</a:t>
+            </a:r>
+            <a:r>
+              <a:rPr lang="en-US" sz="1800" dirty="0">
+                <a:solidFill>
+                  <a:srgbClr val="000000"/>
+                </a:solidFill>
+                <a:latin typeface="Cascadia Mono" panose="020B0609020000020004" pitchFamily="49" charset="0"/>
+              </a:rPr>
+              <a:t>(location, </a:t>
+            </a:r>
+            <a:r>
+              <a:rPr lang="en-US" sz="1800" dirty="0" err="1">
+                <a:solidFill>
+                  <a:srgbClr val="000000"/>
+                </a:solidFill>
+                <a:latin typeface="Cascadia Mono" panose="020B0609020000020004" pitchFamily="49" charset="0"/>
+              </a:rPr>
+              <a:t>throwEx</a:t>
+            </a:r>
+            <a:r>
+              <a:rPr lang="en-US" sz="1800" dirty="0">
+                <a:solidFill>
+                  <a:srgbClr val="000000"/>
+                </a:solidFill>
+                <a:latin typeface="Cascadia Mono" panose="020B0609020000020004" pitchFamily="49" charset="0"/>
+              </a:rPr>
+              <a:t>);</a:t>
+            </a:r>
+          </a:p>
+          <a:p>
+            <a:r>
+              <a:rPr lang="en-US" sz="1800" dirty="0">
+                <a:solidFill>
+                  <a:srgbClr val="000000"/>
+                </a:solidFill>
+                <a:latin typeface="Cascadia Mono" panose="020B0609020000020004" pitchFamily="49" charset="0"/>
+              </a:rPr>
+              <a:t>});</a:t>
+            </a:r>
+          </a:p>
+          <a:p>
+            <a:r>
+              <a:rPr lang="en-US" sz="1800" dirty="0">
+                <a:solidFill>
+                  <a:srgbClr val="000000"/>
+                </a:solidFill>
+                <a:latin typeface="Cascadia Mono" panose="020B0609020000020004" pitchFamily="49" charset="0"/>
+              </a:rPr>
+              <a:t>return ret;</a:t>
+            </a:r>
+            <a:endParaRPr lang="en-US" sz="1400" dirty="0">
+              <a:latin typeface="Courier New" panose="02070309020205020404" pitchFamily="49" charset="0"/>
+              <a:cs typeface="Courier New" panose="02070309020205020404" pitchFamily="49" charset="0"/>
+            </a:endParaRPr>
           </a:p>
         </p:txBody>
       </p:sp>
     </p:spTree>
     <p:extLst>
       <p:ext uri="{BB962C8B-B14F-4D97-AF65-F5344CB8AC3E}">
-        <p14:creationId xmlns:p14="http://schemas.microsoft.com/office/powerpoint/2010/main" val="2609270308"/>
+        <p14:creationId xmlns:p14="http://schemas.microsoft.com/office/powerpoint/2010/main" val="632149146"/>
+      </p:ext>
+    </p:extLst>
+  </p:cSld>
+  <p:clrMapOvr>
+    <a:masterClrMapping/>
+  </p:clrMapOvr>
+</p:sld>
+</file>
+
+<file path=ppt/slides/slide7.xml><?xml version="1.0" encoding="utf-8"?>
+<p:sld xmlns:a="http://schemas.openxmlformats.org/drawingml/2006/main" xmlns:r="http://schemas.openxmlformats.org/officeDocument/2006/relationships" xmlns:p="http://schemas.openxmlformats.org/presentationml/2006/main">
+  <p:cSld>
+    <p:spTree>
+      <p:nvGrpSpPr>
+        <p:cNvPr id="1" name=""/>
+        <p:cNvGrpSpPr/>
+        <p:nvPr/>
+      </p:nvGrpSpPr>
+      <p:grpSpPr>
+        <a:xfrm>
+          <a:off x="0" y="0"/>
+          <a:ext cx="0" cy="0"/>
+          <a:chOff x="0" y="0"/>
+          <a:chExt cx="0" cy="0"/>
+        </a:xfrm>
+      </p:grpSpPr>
+      <p:sp>
+        <p:nvSpPr>
+          <p:cNvPr id="2" name="Title 1">
+            <a:extLst>
+              <a:ext uri="{FF2B5EF4-FFF2-40B4-BE49-F238E27FC236}">
+                <a16:creationId xmlns:a16="http://schemas.microsoft.com/office/drawing/2014/main" id="{59593752-6681-2B40-B346-B33A140102CE}"/>
+              </a:ext>
+            </a:extLst>
+          </p:cNvPr>
+          <p:cNvSpPr>
+            <a:spLocks noGrp="1"/>
+          </p:cNvSpPr>
+          <p:nvPr>
+            <p:ph type="title"/>
+          </p:nvPr>
+        </p:nvSpPr>
+        <p:spPr/>
+        <p:txBody>
+          <a:bodyPr/>
+          <a:lstStyle/>
+          <a:p>
+            <a:r>
+              <a:rPr lang="en-US" dirty="0"/>
+              <a:t>Caching Patterns: Write-*</a:t>
+            </a:r>
+          </a:p>
+        </p:txBody>
+      </p:sp>
+      <p:sp>
+        <p:nvSpPr>
+          <p:cNvPr id="3" name="Content Placeholder 2">
+            <a:extLst>
+              <a:ext uri="{FF2B5EF4-FFF2-40B4-BE49-F238E27FC236}">
+                <a16:creationId xmlns:a16="http://schemas.microsoft.com/office/drawing/2014/main" id="{15FDBC59-A97E-D95B-5EAF-CA3CDFCA0850}"/>
+              </a:ext>
+            </a:extLst>
+          </p:cNvPr>
+          <p:cNvSpPr>
+            <a:spLocks noGrp="1"/>
+          </p:cNvSpPr>
+          <p:nvPr>
+            <p:ph idx="1"/>
+          </p:nvPr>
+        </p:nvSpPr>
+        <p:spPr/>
+        <p:txBody>
+          <a:bodyPr/>
+          <a:lstStyle/>
+          <a:p>
+            <a:r>
+              <a:rPr lang="en-US" dirty="0"/>
+              <a:t>Data is written to cache along with the change in the source of true</a:t>
+            </a:r>
+          </a:p>
+          <a:p>
+            <a:pPr lvl="1"/>
+            <a:r>
+              <a:rPr lang="en-US" dirty="0"/>
+              <a:t>App responsibility: write-aside</a:t>
+            </a:r>
+          </a:p>
+          <a:p>
+            <a:pPr lvl="1"/>
+            <a:r>
+              <a:rPr lang="en-US" dirty="0"/>
+              <a:t>Cache responsibility: write through</a:t>
+            </a:r>
+          </a:p>
+        </p:txBody>
+      </p:sp>
+    </p:spTree>
+    <p:extLst>
+      <p:ext uri="{BB962C8B-B14F-4D97-AF65-F5344CB8AC3E}">
+        <p14:creationId xmlns:p14="http://schemas.microsoft.com/office/powerpoint/2010/main" val="2971218865"/>
+      </p:ext>
+    </p:extLst>
+  </p:cSld>
+  <p:clrMapOvr>
+    <a:masterClrMapping/>
+  </p:clrMapOvr>
+</p:sld>
+</file>
+
+<file path=ppt/slides/slide8.xml><?xml version="1.0" encoding="utf-8"?>
+<p:sld xmlns:a="http://schemas.openxmlformats.org/drawingml/2006/main" xmlns:r="http://schemas.openxmlformats.org/officeDocument/2006/relationships" xmlns:p="http://schemas.openxmlformats.org/presentationml/2006/main">
+  <p:cSld>
+    <p:spTree>
+      <p:nvGrpSpPr>
+        <p:cNvPr id="1" name=""/>
+        <p:cNvGrpSpPr/>
+        <p:nvPr/>
+      </p:nvGrpSpPr>
+      <p:grpSpPr>
+        <a:xfrm>
+          <a:off x="0" y="0"/>
+          <a:ext cx="0" cy="0"/>
+          <a:chOff x="0" y="0"/>
+          <a:chExt cx="0" cy="0"/>
+        </a:xfrm>
+      </p:grpSpPr>
+      <p:sp>
+        <p:nvSpPr>
+          <p:cNvPr id="2" name="Title 1">
+            <a:extLst>
+              <a:ext uri="{FF2B5EF4-FFF2-40B4-BE49-F238E27FC236}">
+                <a16:creationId xmlns:a16="http://schemas.microsoft.com/office/drawing/2014/main" id="{59593752-6681-2B40-B346-B33A140102CE}"/>
+              </a:ext>
+            </a:extLst>
+          </p:cNvPr>
+          <p:cNvSpPr>
+            <a:spLocks noGrp="1"/>
+          </p:cNvSpPr>
+          <p:nvPr>
+            <p:ph type="title"/>
+          </p:nvPr>
+        </p:nvSpPr>
+        <p:spPr/>
+        <p:txBody>
+          <a:bodyPr/>
+          <a:lstStyle/>
+          <a:p>
+            <a:r>
+              <a:rPr lang="en-US" dirty="0"/>
+              <a:t>Caching Patterns: Invalidate-*</a:t>
+            </a:r>
+          </a:p>
+        </p:txBody>
+      </p:sp>
+      <p:sp>
+        <p:nvSpPr>
+          <p:cNvPr id="3" name="Content Placeholder 2">
+            <a:extLst>
+              <a:ext uri="{FF2B5EF4-FFF2-40B4-BE49-F238E27FC236}">
+                <a16:creationId xmlns:a16="http://schemas.microsoft.com/office/drawing/2014/main" id="{15FDBC59-A97E-D95B-5EAF-CA3CDFCA0850}"/>
+              </a:ext>
+            </a:extLst>
+          </p:cNvPr>
+          <p:cNvSpPr>
+            <a:spLocks noGrp="1"/>
+          </p:cNvSpPr>
+          <p:nvPr>
+            <p:ph idx="1"/>
+          </p:nvPr>
+        </p:nvSpPr>
+        <p:spPr/>
+        <p:txBody>
+          <a:bodyPr/>
+          <a:lstStyle/>
+          <a:p>
+            <a:r>
+              <a:rPr lang="en-US" dirty="0"/>
+              <a:t>Cache is invalidated (removed) and not updated when the source of true data change</a:t>
+            </a:r>
+          </a:p>
+          <a:p>
+            <a:r>
+              <a:rPr lang="en-US" dirty="0"/>
+              <a:t>Avoid stale data</a:t>
+            </a:r>
+          </a:p>
+          <a:p>
+            <a:r>
+              <a:rPr lang="en-US" dirty="0"/>
+              <a:t>Not trivial to get cache invalidation right</a:t>
+            </a:r>
+          </a:p>
+          <a:p>
+            <a:pPr lvl="1"/>
+            <a:r>
+              <a:rPr lang="en-US" dirty="0"/>
+              <a:t>in real world, the same piece of data can be changed in different places</a:t>
+            </a:r>
+          </a:p>
+          <a:p>
+            <a:pPr lvl="1"/>
+            <a:r>
+              <a:rPr lang="en-US" dirty="0"/>
+              <a:t>the scope of change in the DB does not match the scope of cache items</a:t>
+            </a:r>
+          </a:p>
+        </p:txBody>
+      </p:sp>
+    </p:spTree>
+    <p:extLst>
+      <p:ext uri="{BB962C8B-B14F-4D97-AF65-F5344CB8AC3E}">
+        <p14:creationId xmlns:p14="http://schemas.microsoft.com/office/powerpoint/2010/main" val="4237152263"/>
+      </p:ext>
+    </p:extLst>
+  </p:cSld>
+  <p:clrMapOvr>
+    <a:masterClrMapping/>
+  </p:clrMapOvr>
+</p:sld>
+</file>
+
+<file path=ppt/slides/slide9.xml><?xml version="1.0" encoding="utf-8"?>
+<p:sld xmlns:a="http://schemas.openxmlformats.org/drawingml/2006/main" xmlns:r="http://schemas.openxmlformats.org/officeDocument/2006/relationships" xmlns:p="http://schemas.openxmlformats.org/presentationml/2006/main">
+  <p:cSld>
+    <p:spTree>
+      <p:nvGrpSpPr>
+        <p:cNvPr id="1" name=""/>
+        <p:cNvGrpSpPr/>
+        <p:nvPr/>
+      </p:nvGrpSpPr>
+      <p:grpSpPr>
+        <a:xfrm>
+          <a:off x="0" y="0"/>
+          <a:ext cx="0" cy="0"/>
+          <a:chOff x="0" y="0"/>
+          <a:chExt cx="0" cy="0"/>
+        </a:xfrm>
+      </p:grpSpPr>
+      <p:sp>
+        <p:nvSpPr>
+          <p:cNvPr id="2" name="Title 1">
+            <a:extLst>
+              <a:ext uri="{FF2B5EF4-FFF2-40B4-BE49-F238E27FC236}">
+                <a16:creationId xmlns:a16="http://schemas.microsoft.com/office/drawing/2014/main" id="{2EB29AA9-B256-F216-49DC-AB81E1131992}"/>
+              </a:ext>
+            </a:extLst>
+          </p:cNvPr>
+          <p:cNvSpPr>
+            <a:spLocks noGrp="1"/>
+          </p:cNvSpPr>
+          <p:nvPr>
+            <p:ph type="title"/>
+          </p:nvPr>
+        </p:nvSpPr>
+        <p:spPr/>
+        <p:txBody>
+          <a:bodyPr/>
+          <a:lstStyle/>
+          <a:p>
+            <a:r>
+              <a:rPr lang="en-US" dirty="0"/>
+              <a:t>In memory vs distributed (shared) cache</a:t>
+            </a:r>
+          </a:p>
+        </p:txBody>
+      </p:sp>
+      <p:sp>
+        <p:nvSpPr>
+          <p:cNvPr id="3" name="Content Placeholder 2">
+            <a:extLst>
+              <a:ext uri="{FF2B5EF4-FFF2-40B4-BE49-F238E27FC236}">
+                <a16:creationId xmlns:a16="http://schemas.microsoft.com/office/drawing/2014/main" id="{B704A45C-E945-C252-BC40-6FD394E16A25}"/>
+              </a:ext>
+            </a:extLst>
+          </p:cNvPr>
+          <p:cNvSpPr>
+            <a:spLocks noGrp="1"/>
+          </p:cNvSpPr>
+          <p:nvPr>
+            <p:ph idx="1"/>
+          </p:nvPr>
+        </p:nvSpPr>
+        <p:spPr/>
+        <p:txBody>
+          <a:bodyPr/>
+          <a:lstStyle/>
+          <a:p>
+            <a:r>
+              <a:rPr lang="en-US" dirty="0"/>
+              <a:t>In memory </a:t>
+            </a:r>
+          </a:p>
+          <a:p>
+            <a:pPr lvl="1"/>
+            <a:r>
+              <a:rPr lang="en-US" dirty="0"/>
+              <a:t>Less cache hits in web farm scenario </a:t>
+            </a:r>
+          </a:p>
+          <a:p>
+            <a:pPr lvl="1"/>
+            <a:r>
+              <a:rPr lang="en-US" dirty="0"/>
+              <a:t>Faster</a:t>
+            </a:r>
+          </a:p>
+          <a:p>
+            <a:pPr lvl="1"/>
+            <a:r>
+              <a:rPr lang="en-US" dirty="0"/>
+              <a:t>Monitor memory usage</a:t>
+            </a:r>
+          </a:p>
+          <a:p>
+            <a:endParaRPr lang="en-US" dirty="0"/>
+          </a:p>
+          <a:p>
+            <a:r>
+              <a:rPr lang="en-US" dirty="0"/>
+              <a:t>Distributed</a:t>
+            </a:r>
+          </a:p>
+          <a:p>
+            <a:pPr lvl="1"/>
+            <a:r>
+              <a:rPr lang="en-US" dirty="0"/>
+              <a:t>Improved cache hits</a:t>
+            </a:r>
+          </a:p>
+          <a:p>
+            <a:pPr lvl="1"/>
+            <a:r>
+              <a:rPr lang="en-US" dirty="0"/>
+              <a:t>Redis is fast, still you are still doing a network roundtrip</a:t>
+            </a:r>
+          </a:p>
+          <a:p>
+            <a:pPr lvl="1"/>
+            <a:r>
+              <a:rPr lang="en-US" dirty="0"/>
+              <a:t>Watch out caching keys clashing (per service prefix)</a:t>
+            </a:r>
+          </a:p>
+        </p:txBody>
+      </p:sp>
+    </p:spTree>
+    <p:extLst>
+      <p:ext uri="{BB962C8B-B14F-4D97-AF65-F5344CB8AC3E}">
+        <p14:creationId xmlns:p14="http://schemas.microsoft.com/office/powerpoint/2010/main" val="620630127"/>
       </p:ext>
     </p:extLst>
   </p:cSld>

--- a/cache-like-a-pro.pptx
+++ b/cache-like-a-pro.pptx
@@ -270,7 +270,7 @@
           <a:p>
             <a:fld id="{7D239A87-38DC-4C6E-8233-D704AE9A351F}" type="datetimeFigureOut">
               <a:rPr lang="en-US" smtClean="0"/>
-              <a:t>5/6/2024</a:t>
+              <a:t>5/7/2024</a:t>
             </a:fld>
             <a:endParaRPr lang="en-US"/>
           </a:p>
@@ -468,7 +468,7 @@
           <a:p>
             <a:fld id="{7D239A87-38DC-4C6E-8233-D704AE9A351F}" type="datetimeFigureOut">
               <a:rPr lang="en-US" smtClean="0"/>
-              <a:t>5/6/2024</a:t>
+              <a:t>5/7/2024</a:t>
             </a:fld>
             <a:endParaRPr lang="en-US"/>
           </a:p>
@@ -676,7 +676,7 @@
           <a:p>
             <a:fld id="{7D239A87-38DC-4C6E-8233-D704AE9A351F}" type="datetimeFigureOut">
               <a:rPr lang="en-US" smtClean="0"/>
-              <a:t>5/6/2024</a:t>
+              <a:t>5/7/2024</a:t>
             </a:fld>
             <a:endParaRPr lang="en-US"/>
           </a:p>
@@ -874,7 +874,7 @@
           <a:p>
             <a:fld id="{7D239A87-38DC-4C6E-8233-D704AE9A351F}" type="datetimeFigureOut">
               <a:rPr lang="en-US" smtClean="0"/>
-              <a:t>5/6/2024</a:t>
+              <a:t>5/7/2024</a:t>
             </a:fld>
             <a:endParaRPr lang="en-US"/>
           </a:p>
@@ -1149,7 +1149,7 @@
           <a:p>
             <a:fld id="{7D239A87-38DC-4C6E-8233-D704AE9A351F}" type="datetimeFigureOut">
               <a:rPr lang="en-US" smtClean="0"/>
-              <a:t>5/6/2024</a:t>
+              <a:t>5/7/2024</a:t>
             </a:fld>
             <a:endParaRPr lang="en-US"/>
           </a:p>
@@ -1414,7 +1414,7 @@
           <a:p>
             <a:fld id="{7D239A87-38DC-4C6E-8233-D704AE9A351F}" type="datetimeFigureOut">
               <a:rPr lang="en-US" smtClean="0"/>
-              <a:t>5/6/2024</a:t>
+              <a:t>5/7/2024</a:t>
             </a:fld>
             <a:endParaRPr lang="en-US"/>
           </a:p>
@@ -1826,7 +1826,7 @@
           <a:p>
             <a:fld id="{7D239A87-38DC-4C6E-8233-D704AE9A351F}" type="datetimeFigureOut">
               <a:rPr lang="en-US" smtClean="0"/>
-              <a:t>5/6/2024</a:t>
+              <a:t>5/7/2024</a:t>
             </a:fld>
             <a:endParaRPr lang="en-US"/>
           </a:p>
@@ -1967,7 +1967,7 @@
           <a:p>
             <a:fld id="{7D239A87-38DC-4C6E-8233-D704AE9A351F}" type="datetimeFigureOut">
               <a:rPr lang="en-US" smtClean="0"/>
-              <a:t>5/6/2024</a:t>
+              <a:t>5/7/2024</a:t>
             </a:fld>
             <a:endParaRPr lang="en-US"/>
           </a:p>
@@ -2080,7 +2080,7 @@
           <a:p>
             <a:fld id="{7D239A87-38DC-4C6E-8233-D704AE9A351F}" type="datetimeFigureOut">
               <a:rPr lang="en-US" smtClean="0"/>
-              <a:t>5/6/2024</a:t>
+              <a:t>5/7/2024</a:t>
             </a:fld>
             <a:endParaRPr lang="en-US"/>
           </a:p>
@@ -2391,7 +2391,7 @@
           <a:p>
             <a:fld id="{7D239A87-38DC-4C6E-8233-D704AE9A351F}" type="datetimeFigureOut">
               <a:rPr lang="en-US" smtClean="0"/>
-              <a:t>5/6/2024</a:t>
+              <a:t>5/7/2024</a:t>
             </a:fld>
             <a:endParaRPr lang="en-US"/>
           </a:p>
@@ -2679,7 +2679,7 @@
           <a:p>
             <a:fld id="{7D239A87-38DC-4C6E-8233-D704AE9A351F}" type="datetimeFigureOut">
               <a:rPr lang="en-US" smtClean="0"/>
-              <a:t>5/6/2024</a:t>
+              <a:t>5/7/2024</a:t>
             </a:fld>
             <a:endParaRPr lang="en-US"/>
           </a:p>
@@ -2920,7 +2920,7 @@
           <a:p>
             <a:fld id="{7D239A87-38DC-4C6E-8233-D704AE9A351F}" type="datetimeFigureOut">
               <a:rPr lang="en-US" smtClean="0"/>
-              <a:t>5/6/2024</a:t>
+              <a:t>5/7/2024</a:t>
             </a:fld>
             <a:endParaRPr lang="en-US"/>
           </a:p>
@@ -3895,7 +3895,51 @@
           <a:bodyPr/>
           <a:lstStyle/>
           <a:p>
-            <a:endParaRPr lang="en-US"/>
+            <a:r>
+              <a:rPr lang="en-US"/>
+              <a:t>Backplane</a:t>
+            </a:r>
+          </a:p>
+          <a:p>
+            <a:r>
+              <a:rPr lang="en-US"/>
+              <a:t>Cache </a:t>
+            </a:r>
+            <a:r>
+              <a:rPr lang="en-US" dirty="0"/>
+              <a:t>stampede</a:t>
+            </a:r>
+          </a:p>
+          <a:p>
+            <a:r>
+              <a:rPr lang="en-US" dirty="0"/>
+              <a:t>Fail-Safe</a:t>
+            </a:r>
+          </a:p>
+          <a:p>
+            <a:pPr lvl="1"/>
+            <a:r>
+              <a:rPr lang="en-US" dirty="0"/>
+              <a:t>Factory Timeouts</a:t>
+            </a:r>
+          </a:p>
+          <a:p>
+            <a:r>
+              <a:rPr lang="en-US" dirty="0"/>
+              <a:t>Auto-Recovery</a:t>
+            </a:r>
+          </a:p>
+          <a:p>
+            <a:r>
+              <a:rPr lang="en-US" dirty="0"/>
+              <a:t>Adaptive Caching</a:t>
+            </a:r>
+          </a:p>
+          <a:p>
+            <a:endParaRPr lang="en-US" dirty="0"/>
+          </a:p>
+          <a:p>
+            <a:endParaRPr lang="en-US" dirty="0"/>
           </a:p>
         </p:txBody>
       </p:sp>

--- a/cache-like-a-pro.pptx
+++ b/cache-like-a-pro.pptx
@@ -14,9 +14,10 @@
     <p:sldId id="265" r:id="rId8"/>
     <p:sldId id="266" r:id="rId9"/>
     <p:sldId id="260" r:id="rId10"/>
-    <p:sldId id="262" r:id="rId11"/>
-    <p:sldId id="267" r:id="rId12"/>
+    <p:sldId id="267" r:id="rId11"/>
+    <p:sldId id="268" r:id="rId12"/>
     <p:sldId id="261" r:id="rId13"/>
+    <p:sldId id="269" r:id="rId14"/>
   </p:sldIdLst>
   <p:sldSz cx="12192000" cy="6858000"/>
   <p:notesSz cx="6858000" cy="9144000"/>
@@ -270,7 +271,7 @@
           <a:p>
             <a:fld id="{7D239A87-38DC-4C6E-8233-D704AE9A351F}" type="datetimeFigureOut">
               <a:rPr lang="en-US" smtClean="0"/>
-              <a:t>5/7/2024</a:t>
+              <a:t>5/9/2024</a:t>
             </a:fld>
             <a:endParaRPr lang="en-US"/>
           </a:p>
@@ -468,7 +469,7 @@
           <a:p>
             <a:fld id="{7D239A87-38DC-4C6E-8233-D704AE9A351F}" type="datetimeFigureOut">
               <a:rPr lang="en-US" smtClean="0"/>
-              <a:t>5/7/2024</a:t>
+              <a:t>5/9/2024</a:t>
             </a:fld>
             <a:endParaRPr lang="en-US"/>
           </a:p>
@@ -676,7 +677,7 @@
           <a:p>
             <a:fld id="{7D239A87-38DC-4C6E-8233-D704AE9A351F}" type="datetimeFigureOut">
               <a:rPr lang="en-US" smtClean="0"/>
-              <a:t>5/7/2024</a:t>
+              <a:t>5/9/2024</a:t>
             </a:fld>
             <a:endParaRPr lang="en-US"/>
           </a:p>
@@ -874,7 +875,7 @@
           <a:p>
             <a:fld id="{7D239A87-38DC-4C6E-8233-D704AE9A351F}" type="datetimeFigureOut">
               <a:rPr lang="en-US" smtClean="0"/>
-              <a:t>5/7/2024</a:t>
+              <a:t>5/9/2024</a:t>
             </a:fld>
             <a:endParaRPr lang="en-US"/>
           </a:p>
@@ -1149,7 +1150,7 @@
           <a:p>
             <a:fld id="{7D239A87-38DC-4C6E-8233-D704AE9A351F}" type="datetimeFigureOut">
               <a:rPr lang="en-US" smtClean="0"/>
-              <a:t>5/7/2024</a:t>
+              <a:t>5/9/2024</a:t>
             </a:fld>
             <a:endParaRPr lang="en-US"/>
           </a:p>
@@ -1414,7 +1415,7 @@
           <a:p>
             <a:fld id="{7D239A87-38DC-4C6E-8233-D704AE9A351F}" type="datetimeFigureOut">
               <a:rPr lang="en-US" smtClean="0"/>
-              <a:t>5/7/2024</a:t>
+              <a:t>5/9/2024</a:t>
             </a:fld>
             <a:endParaRPr lang="en-US"/>
           </a:p>
@@ -1826,7 +1827,7 @@
           <a:p>
             <a:fld id="{7D239A87-38DC-4C6E-8233-D704AE9A351F}" type="datetimeFigureOut">
               <a:rPr lang="en-US" smtClean="0"/>
-              <a:t>5/7/2024</a:t>
+              <a:t>5/9/2024</a:t>
             </a:fld>
             <a:endParaRPr lang="en-US"/>
           </a:p>
@@ -1967,7 +1968,7 @@
           <a:p>
             <a:fld id="{7D239A87-38DC-4C6E-8233-D704AE9A351F}" type="datetimeFigureOut">
               <a:rPr lang="en-US" smtClean="0"/>
-              <a:t>5/7/2024</a:t>
+              <a:t>5/9/2024</a:t>
             </a:fld>
             <a:endParaRPr lang="en-US"/>
           </a:p>
@@ -2080,7 +2081,7 @@
           <a:p>
             <a:fld id="{7D239A87-38DC-4C6E-8233-D704AE9A351F}" type="datetimeFigureOut">
               <a:rPr lang="en-US" smtClean="0"/>
-              <a:t>5/7/2024</a:t>
+              <a:t>5/9/2024</a:t>
             </a:fld>
             <a:endParaRPr lang="en-US"/>
           </a:p>
@@ -2391,7 +2392,7 @@
           <a:p>
             <a:fld id="{7D239A87-38DC-4C6E-8233-D704AE9A351F}" type="datetimeFigureOut">
               <a:rPr lang="en-US" smtClean="0"/>
-              <a:t>5/7/2024</a:t>
+              <a:t>5/9/2024</a:t>
             </a:fld>
             <a:endParaRPr lang="en-US"/>
           </a:p>
@@ -2679,7 +2680,7 @@
           <a:p>
             <a:fld id="{7D239A87-38DC-4C6E-8233-D704AE9A351F}" type="datetimeFigureOut">
               <a:rPr lang="en-US" smtClean="0"/>
-              <a:t>5/7/2024</a:t>
+              <a:t>5/9/2024</a:t>
             </a:fld>
             <a:endParaRPr lang="en-US"/>
           </a:p>
@@ -2920,7 +2921,7 @@
           <a:p>
             <a:fld id="{7D239A87-38DC-4C6E-8233-D704AE9A351F}" type="datetimeFigureOut">
               <a:rPr lang="en-US" smtClean="0"/>
-              <a:t>5/7/2024</a:t>
+              <a:t>5/9/2024</a:t>
             </a:fld>
             <a:endParaRPr lang="en-US"/>
           </a:p>
@@ -3475,7 +3476,7 @@
           <p:cNvPr id="2" name="Title 1">
             <a:extLst>
               <a:ext uri="{FF2B5EF4-FFF2-40B4-BE49-F238E27FC236}">
-                <a16:creationId xmlns:a16="http://schemas.microsoft.com/office/drawing/2014/main" id="{9E2B3DEB-86D7-A9E4-7063-849EBFEEABC0}"/>
+                <a16:creationId xmlns:a16="http://schemas.microsoft.com/office/drawing/2014/main" id="{E57DA3C0-3710-D20C-CC0D-66224A3AB702}"/>
               </a:ext>
             </a:extLst>
           </p:cNvPr>
@@ -3493,8 +3494,22 @@
           <a:p>
             <a:r>
               <a:rPr lang="en-US" dirty="0"/>
-              <a:t>Cache related gotchas</a:t>
-            </a:r>
+              <a:t>We need more than just raw cache api .. </a:t>
+            </a:r>
+            <a:br>
+              <a:rPr lang="en-US" dirty="0"/>
+            </a:br>
+            <a:r>
+              <a:rPr lang="en-US" dirty="0"/>
+              <a:t>to cache like a pro </a:t>
+            </a:r>
+            <a:r>
+              <a:rPr lang="en-US" dirty="0">
+                <a:sym typeface="Wingdings" panose="05000000000000000000" pitchFamily="2" charset="2"/>
+              </a:rPr>
+              <a:t></a:t>
+            </a:r>
+            <a:endParaRPr lang="en-US" dirty="0"/>
           </a:p>
         </p:txBody>
       </p:sp>
@@ -3503,7 +3518,7 @@
           <p:cNvPr id="3" name="Content Placeholder 2">
             <a:extLst>
               <a:ext uri="{FF2B5EF4-FFF2-40B4-BE49-F238E27FC236}">
-                <a16:creationId xmlns:a16="http://schemas.microsoft.com/office/drawing/2014/main" id="{836599BA-3341-D4F2-0D14-143F60603756}"/>
+                <a16:creationId xmlns:a16="http://schemas.microsoft.com/office/drawing/2014/main" id="{C5C7945F-9E84-52F0-7DD7-2ED7FDFB5482}"/>
               </a:ext>
             </a:extLst>
           </p:cNvPr>
@@ -3514,7 +3529,12 @@
             <p:ph idx="1"/>
           </p:nvPr>
         </p:nvSpPr>
-        <p:spPr/>
+        <p:spPr>
+          <a:xfrm>
+            <a:off x="838200" y="1742042"/>
+            <a:ext cx="10515600" cy="4555063"/>
+          </a:xfrm>
+        </p:spPr>
         <p:txBody>
           <a:bodyPr>
             <a:normAutofit/>
@@ -3522,71 +3542,127 @@
           <a:lstStyle/>
           <a:p>
             <a:r>
-              <a:rPr lang="en-US" dirty="0"/>
-              <a:t>Multi level cache</a:t>
+              <a:rPr lang="en-US" dirty="0" err="1"/>
+              <a:t>IMemoryCache</a:t>
+            </a:r>
+            <a:r>
+              <a:rPr lang="en-US" dirty="0"/>
+              <a:t> and </a:t>
+            </a:r>
+            <a:r>
+              <a:rPr lang="en-US" dirty="0" err="1"/>
+              <a:t>IDistributedCache</a:t>
+            </a:r>
+            <a:r>
+              <a:rPr lang="en-US" dirty="0"/>
+              <a:t> are the two abstractions provided by .NET</a:t>
             </a:r>
           </a:p>
           <a:p>
             <a:pPr lvl="1"/>
             <a:r>
               <a:rPr lang="en-US" dirty="0"/>
-              <a:t>In memory on top of distributed</a:t>
-            </a:r>
-          </a:p>
-          <a:p>
-            <a:r>
-              <a:rPr lang="en-US" dirty="0"/>
-              <a:t>Cache stampede</a:t>
-            </a:r>
-          </a:p>
-          <a:p>
-            <a:r>
-              <a:rPr lang="en-US" dirty="0"/>
-              <a:t>Origin temporary unavailable</a:t>
+              <a:t>MS clearly state it will not merge the twos into one</a:t>
             </a:r>
           </a:p>
           <a:p>
             <a:pPr lvl="1"/>
             <a:r>
               <a:rPr lang="en-US" dirty="0"/>
-              <a:t>Reuse expired cache entry </a:t>
-            </a:r>
-          </a:p>
-          <a:p>
-            <a:r>
-              <a:rPr lang="en-US" dirty="0"/>
-              <a:t>Auto recovery </a:t>
-            </a:r>
-          </a:p>
-          <a:p>
+              <a:t>There are a few </a:t>
+            </a:r>
+            <a:r>
+              <a:rPr lang="en-US" dirty="0" err="1"/>
+              <a:t>IDistributedCache</a:t>
+            </a:r>
+            <a:r>
+              <a:rPr lang="en-US" dirty="0"/>
+              <a:t> implementations (Redis, </a:t>
+            </a:r>
+            <a:r>
+              <a:rPr lang="en-US" dirty="0" err="1"/>
+              <a:t>SqlServer</a:t>
+            </a:r>
+            <a:r>
+              <a:rPr lang="en-US" dirty="0"/>
+              <a:t>, </a:t>
+            </a:r>
+            <a:r>
+              <a:rPr lang="en-US" dirty="0" err="1"/>
+              <a:t>Ncache</a:t>
+            </a:r>
+            <a:r>
+              <a:rPr lang="en-US" dirty="0"/>
+              <a:t>, Azure Cosmo Db, etc..)</a:t>
+            </a:r>
+          </a:p>
+          <a:p>
+            <a:r>
+              <a:rPr lang="en-US" dirty="0"/>
+              <a:t>There are cache "frameworks" that add features on top of the </a:t>
+            </a:r>
+            <a:r>
+              <a:rPr lang="en-US" dirty="0" err="1"/>
+              <a:t>IMemoryCache</a:t>
+            </a:r>
+            <a:r>
+              <a:rPr lang="en-US" dirty="0"/>
+              <a:t> and </a:t>
+            </a:r>
+            <a:r>
+              <a:rPr lang="en-US" dirty="0" err="1"/>
+              <a:t>IDistributedCache</a:t>
+            </a:r>
+            <a:r>
+              <a:rPr lang="en-US" dirty="0"/>
+              <a:t>  implementations</a:t>
+            </a:r>
+          </a:p>
+          <a:p>
+            <a:pPr lvl="1"/>
+            <a:r>
+              <a:rPr lang="en-US" dirty="0"/>
+              <a:t>Multi level cache (in memory on top of distributed)</a:t>
+            </a:r>
+          </a:p>
+          <a:p>
+            <a:pPr lvl="1"/>
+            <a:r>
+              <a:rPr lang="en-US" dirty="0"/>
+              <a:t>Manage some cache specific issues (cache stampede)</a:t>
+            </a:r>
+          </a:p>
+          <a:p>
+            <a:pPr lvl="1"/>
+            <a:r>
+              <a:rPr lang="en-US" dirty="0"/>
+              <a:t>Fail safe </a:t>
+            </a:r>
+          </a:p>
+          <a:p>
+            <a:pPr lvl="1"/>
+            <a:r>
+              <a:rPr lang="en-US" dirty="0" err="1"/>
+              <a:t>etc</a:t>
+            </a:r>
             <a:r>
               <a:rPr lang="en-US" dirty="0"/>
               <a:t>…</a:t>
             </a:r>
-          </a:p>
-          <a:p>
-            <a:pPr marL="0" indent="0">
-              <a:buNone/>
-            </a:pPr>
-            <a:r>
-              <a:rPr lang="en-US" dirty="0">
-                <a:hlinkClick r:id="rId2"/>
-              </a:rPr>
-              <a:t>https://github.com/ZiggyCreatures/FusionCache/blob/main/docs/Comparison.md</a:t>
-            </a:r>
-            <a:endParaRPr lang="en-US" dirty="0"/>
-          </a:p>
-          <a:p>
-            <a:pPr marL="0" indent="0">
-              <a:buNone/>
-            </a:pPr>
-            <a:endParaRPr lang="en-US" dirty="0"/>
           </a:p>
           <a:p>
             <a:pPr lvl="1"/>
             <a:endParaRPr lang="en-US" dirty="0"/>
           </a:p>
           <a:p>
+            <a:pPr lvl="1"/>
+            <a:endParaRPr lang="en-US" dirty="0"/>
+          </a:p>
+          <a:p>
+            <a:endParaRPr lang="en-US" dirty="0"/>
+          </a:p>
+          <a:p>
+            <a:pPr lvl="1"/>
             <a:endParaRPr lang="en-US" dirty="0"/>
           </a:p>
         </p:txBody>
@@ -3594,7 +3670,7 @@
     </p:spTree>
     <p:extLst>
       <p:ext uri="{BB962C8B-B14F-4D97-AF65-F5344CB8AC3E}">
-        <p14:creationId xmlns:p14="http://schemas.microsoft.com/office/powerpoint/2010/main" val="1643008484"/>
+        <p14:creationId xmlns:p14="http://schemas.microsoft.com/office/powerpoint/2010/main" val="2629935148"/>
       </p:ext>
     </p:extLst>
   </p:cSld>
@@ -3673,153 +3749,525 @@
         </p:spPr>
         <p:txBody>
           <a:bodyPr>
-            <a:normAutofit fontScale="92500"/>
+            <a:normAutofit/>
           </a:bodyPr>
           <a:lstStyle/>
           <a:p>
             <a:r>
-              <a:rPr lang="en-US" dirty="0" err="1"/>
-              <a:t>IMemoryCache</a:t>
-            </a:r>
-            <a:r>
-              <a:rPr lang="en-US" dirty="0"/>
-              <a:t> and </a:t>
-            </a:r>
-            <a:r>
-              <a:rPr lang="en-US" dirty="0" err="1"/>
-              <a:t>IDistributedCache</a:t>
-            </a:r>
-            <a:r>
-              <a:rPr lang="en-US" dirty="0"/>
-              <a:t> are the two abstractions provided by .NET</a:t>
-            </a:r>
-          </a:p>
-          <a:p>
-            <a:pPr lvl="1"/>
-            <a:r>
-              <a:rPr lang="en-US" dirty="0"/>
-              <a:t>MS clearly state it will not merge the twos into one</a:t>
-            </a:r>
-          </a:p>
-          <a:p>
-            <a:r>
-              <a:rPr lang="en-US" dirty="0"/>
-              <a:t>There are cache "frameworks" on top of the 2 interfaces allowing the switch if cache implementation transparently</a:t>
-            </a:r>
-          </a:p>
-          <a:p>
-            <a:pPr lvl="1"/>
-            <a:r>
-              <a:rPr lang="en-US" i="1" dirty="0">
-                <a:solidFill>
-                  <a:schemeClr val="accent2">
-                    <a:lumMod val="75000"/>
-                  </a:schemeClr>
-                </a:solidFill>
+              <a:rPr lang="en-US" dirty="0">
+                <a:hlinkClick r:id="rId2"/>
               </a:rPr>
-              <a:t>Cache Manager </a:t>
-            </a:r>
-            <a:r>
-              <a:rPr lang="en-US" dirty="0"/>
-              <a:t>(2.3K stars) – started at about 2015 – last commit about Jan 2019</a:t>
-            </a:r>
-          </a:p>
-          <a:p>
-            <a:pPr lvl="1"/>
-            <a:r>
-              <a:rPr lang="en-US" i="1" dirty="0">
-                <a:solidFill>
-                  <a:schemeClr val="accent2">
-                    <a:lumMod val="75000"/>
-                  </a:schemeClr>
-                </a:solidFill>
-              </a:rPr>
-              <a:t>Lazy Cache </a:t>
-            </a:r>
-            <a:r>
-              <a:rPr lang="en-US" dirty="0"/>
-              <a:t>(1.7K stars) (memory only) – started at </a:t>
-            </a:r>
-            <a:r>
-              <a:rPr lang="en-US" dirty="0" err="1"/>
-              <a:t>abouthalf</a:t>
-            </a:r>
-            <a:r>
-              <a:rPr lang="en-US" dirty="0"/>
-              <a:t> 2014 – last commit about half 2020</a:t>
-            </a:r>
-          </a:p>
-          <a:p>
-            <a:pPr lvl="1"/>
-            <a:r>
-              <a:rPr lang="en-US" i="1" dirty="0">
-                <a:solidFill>
-                  <a:schemeClr val="accent2">
-                    <a:lumMod val="75000"/>
-                  </a:schemeClr>
-                </a:solidFill>
-              </a:rPr>
-              <a:t>Easy caching </a:t>
-            </a:r>
-            <a:r>
-              <a:rPr lang="en-US" dirty="0"/>
-              <a:t>(1.9K stars) – started at about end of 2017 – last commit about May 2024</a:t>
-            </a:r>
-          </a:p>
-          <a:p>
-            <a:pPr lvl="1"/>
-            <a:r>
-              <a:rPr lang="en-US" i="1" dirty="0" err="1">
-                <a:solidFill>
-                  <a:schemeClr val="accent2">
-                    <a:lumMod val="75000"/>
-                  </a:schemeClr>
-                </a:solidFill>
-              </a:rPr>
-              <a:t>CacheTower</a:t>
-            </a:r>
-            <a:r>
-              <a:rPr lang="en-US" i="1" dirty="0">
-                <a:solidFill>
-                  <a:schemeClr val="accent2">
-                    <a:lumMod val="75000"/>
-                  </a:schemeClr>
-                </a:solidFill>
-              </a:rPr>
-              <a:t> </a:t>
-            </a:r>
-            <a:r>
-              <a:rPr lang="en-US" dirty="0"/>
-              <a:t>(582 stars) ) – started at about half 2019 – last commit about August 2023</a:t>
-            </a:r>
-          </a:p>
-          <a:p>
-            <a:pPr lvl="1"/>
-            <a:r>
-              <a:rPr lang="en-US" i="1" dirty="0">
-                <a:solidFill>
-                  <a:schemeClr val="accent2">
-                    <a:lumMod val="75000"/>
-                  </a:schemeClr>
-                </a:solidFill>
-              </a:rPr>
-              <a:t>Fusion Cache </a:t>
-            </a:r>
-            <a:r>
-              <a:rPr lang="en-US" dirty="0"/>
-              <a:t>(1.3K stars) – started at about Jan 2021– last commit May 2024</a:t>
-            </a:r>
-          </a:p>
-          <a:p>
-            <a:pPr lvl="1"/>
+              <a:t>https://github.com/ZiggyCreatures/FusionCache/blob/main/docs/Comparison.md</a:t>
+            </a:r>
+            <a:br>
+              <a:rPr lang="en-US" dirty="0"/>
+            </a:br>
             <a:endParaRPr lang="en-US" dirty="0"/>
           </a:p>
-        </p:txBody>
-      </p:sp>
+          <a:p>
+            <a:pPr marL="457200" lvl="1" indent="0">
+              <a:buNone/>
+            </a:pPr>
+            <a:endParaRPr lang="en-US" dirty="0"/>
+          </a:p>
+        </p:txBody>
+      </p:sp>
+      <p:graphicFrame>
+        <p:nvGraphicFramePr>
+          <p:cNvPr id="4" name="Table 3">
+            <a:extLst>
+              <a:ext uri="{FF2B5EF4-FFF2-40B4-BE49-F238E27FC236}">
+                <a16:creationId xmlns:a16="http://schemas.microsoft.com/office/drawing/2014/main" id="{C65FBB7D-84EE-D950-4B15-120D88F7CCC5}"/>
+              </a:ext>
+            </a:extLst>
+          </p:cNvPr>
+          <p:cNvGraphicFramePr>
+            <a:graphicFrameLocks noGrp="1"/>
+          </p:cNvGraphicFramePr>
+          <p:nvPr>
+            <p:extLst>
+              <p:ext uri="{D42A27DB-BD31-4B8C-83A1-F6EECF244321}">
+                <p14:modId xmlns:p14="http://schemas.microsoft.com/office/powerpoint/2010/main" val="4012545359"/>
+              </p:ext>
+            </p:extLst>
+          </p:nvPr>
+        </p:nvGraphicFramePr>
+        <p:xfrm>
+          <a:off x="838200" y="2318994"/>
+          <a:ext cx="10700207" cy="2569746"/>
+        </p:xfrm>
+        <a:graphic>
+          <a:graphicData uri="http://schemas.openxmlformats.org/drawingml/2006/table">
+            <a:tbl>
+              <a:tblPr firstRow="1" bandRow="1">
+                <a:tableStyleId>{5C22544A-7EE6-4342-B048-85BDC9FD1C3A}</a:tableStyleId>
+              </a:tblPr>
+              <a:tblGrid>
+                <a:gridCol w="1996351">
+                  <a:extLst>
+                    <a:ext uri="{9D8B030D-6E8A-4147-A177-3AD203B41FA5}">
+                      <a16:colId xmlns:a16="http://schemas.microsoft.com/office/drawing/2014/main" val="135964970"/>
+                    </a:ext>
+                  </a:extLst>
+                </a:gridCol>
+                <a:gridCol w="2029598">
+                  <a:extLst>
+                    <a:ext uri="{9D8B030D-6E8A-4147-A177-3AD203B41FA5}">
+                      <a16:colId xmlns:a16="http://schemas.microsoft.com/office/drawing/2014/main" val="1569877602"/>
+                    </a:ext>
+                  </a:extLst>
+                </a:gridCol>
+                <a:gridCol w="2601880">
+                  <a:extLst>
+                    <a:ext uri="{9D8B030D-6E8A-4147-A177-3AD203B41FA5}">
+                      <a16:colId xmlns:a16="http://schemas.microsoft.com/office/drawing/2014/main" val="2588293955"/>
+                    </a:ext>
+                  </a:extLst>
+                </a:gridCol>
+                <a:gridCol w="4072378">
+                  <a:extLst>
+                    <a:ext uri="{9D8B030D-6E8A-4147-A177-3AD203B41FA5}">
+                      <a16:colId xmlns:a16="http://schemas.microsoft.com/office/drawing/2014/main" val="2009507362"/>
+                    </a:ext>
+                  </a:extLst>
+                </a:gridCol>
+              </a:tblGrid>
+              <a:tr h="236188">
+                <a:tc>
+                  <a:txBody>
+                    <a:bodyPr/>
+                    <a:lstStyle/>
+                    <a:p>
+                      <a:r>
+                        <a:rPr lang="en-US" dirty="0"/>
+                        <a:t>name</a:t>
+                      </a:r>
+                    </a:p>
+                  </a:txBody>
+                  <a:tcPr/>
+                </a:tc>
+                <a:tc>
+                  <a:txBody>
+                    <a:bodyPr/>
+                    <a:lstStyle/>
+                    <a:p>
+                      <a:r>
+                        <a:rPr lang="en-US" dirty="0"/>
+                        <a:t>stars</a:t>
+                      </a:r>
+                    </a:p>
+                  </a:txBody>
+                  <a:tcPr/>
+                </a:tc>
+                <a:tc>
+                  <a:txBody>
+                    <a:bodyPr/>
+                    <a:lstStyle/>
+                    <a:p>
+                      <a:r>
+                        <a:rPr lang="en-US" dirty="0"/>
+                        <a:t>first </a:t>
+                      </a:r>
+                      <a:r>
+                        <a:rPr lang="en-US" dirty="0" err="1"/>
+                        <a:t>nuget</a:t>
+                      </a:r>
+                      <a:r>
+                        <a:rPr lang="en-US" dirty="0"/>
+                        <a:t> release </a:t>
+                      </a:r>
+                    </a:p>
+                  </a:txBody>
+                  <a:tcPr/>
+                </a:tc>
+                <a:tc>
+                  <a:txBody>
+                    <a:bodyPr/>
+                    <a:lstStyle/>
+                    <a:p>
+                      <a:r>
+                        <a:rPr lang="en-US" dirty="0"/>
+                        <a:t>last  </a:t>
+                      </a:r>
+                      <a:r>
+                        <a:rPr lang="en-US" dirty="0" err="1"/>
+                        <a:t>nuget</a:t>
+                      </a:r>
+                      <a:r>
+                        <a:rPr lang="en-US" dirty="0"/>
+                        <a:t> release (as of 9/15 /2024)</a:t>
+                      </a:r>
+                    </a:p>
+                  </a:txBody>
+                  <a:tcPr/>
+                </a:tc>
+                <a:extLst>
+                  <a:ext uri="{0D108BD9-81ED-4DB2-BD59-A6C34878D82A}">
+                    <a16:rowId xmlns:a16="http://schemas.microsoft.com/office/drawing/2014/main" val="1449046532"/>
+                  </a:ext>
+                </a:extLst>
+              </a:tr>
+              <a:tr h="388384">
+                <a:tc>
+                  <a:txBody>
+                    <a:bodyPr/>
+                    <a:lstStyle/>
+                    <a:p>
+                      <a:r>
+                        <a:rPr lang="en-US" i="1" dirty="0">
+                          <a:solidFill>
+                            <a:schemeClr val="accent2">
+                              <a:lumMod val="75000"/>
+                            </a:schemeClr>
+                          </a:solidFill>
+                        </a:rPr>
+                        <a:t>Cache Manager </a:t>
+                      </a:r>
+                      <a:endParaRPr lang="en-US" dirty="0"/>
+                    </a:p>
+                  </a:txBody>
+                  <a:tcPr/>
+                </a:tc>
+                <a:tc>
+                  <a:txBody>
+                    <a:bodyPr/>
+                    <a:lstStyle/>
+                    <a:p>
+                      <a:r>
+                        <a:rPr lang="en-US" dirty="0"/>
+                        <a:t>2.3K stars</a:t>
+                      </a:r>
+                    </a:p>
+                  </a:txBody>
+                  <a:tcPr/>
+                </a:tc>
+                <a:tc>
+                  <a:txBody>
+                    <a:bodyPr/>
+                    <a:lstStyle/>
+                    <a:p>
+                      <a:r>
+                        <a:rPr lang="en-US" dirty="0"/>
+                        <a:t>16/2/2014</a:t>
+                      </a:r>
+                    </a:p>
+                  </a:txBody>
+                  <a:tcPr/>
+                </a:tc>
+                <a:tc>
+                  <a:txBody>
+                    <a:bodyPr/>
+                    <a:lstStyle/>
+                    <a:p>
+                      <a:r>
+                        <a:rPr lang="en-US" dirty="0"/>
+                        <a:t>6/12/2018</a:t>
+                      </a:r>
+                    </a:p>
+                  </a:txBody>
+                  <a:tcPr/>
+                </a:tc>
+                <a:extLst>
+                  <a:ext uri="{0D108BD9-81ED-4DB2-BD59-A6C34878D82A}">
+                    <a16:rowId xmlns:a16="http://schemas.microsoft.com/office/drawing/2014/main" val="938364047"/>
+                  </a:ext>
+                </a:extLst>
+              </a:tr>
+              <a:tr h="688156">
+                <a:tc>
+                  <a:txBody>
+                    <a:bodyPr/>
+                    <a:lstStyle/>
+                    <a:p>
+                      <a:r>
+                        <a:rPr lang="en-US" i="1" dirty="0">
+                          <a:solidFill>
+                            <a:schemeClr val="accent2">
+                              <a:lumMod val="75000"/>
+                            </a:schemeClr>
+                          </a:solidFill>
+                        </a:rPr>
+                        <a:t>Lazy Cache </a:t>
+                      </a:r>
+                      <a:r>
+                        <a:rPr lang="en-US" dirty="0"/>
+                        <a:t>(memory only) </a:t>
+                      </a:r>
+                      <a:r>
+                        <a:rPr lang="en-US" i="1" dirty="0">
+                          <a:solidFill>
+                            <a:schemeClr val="accent2">
+                              <a:lumMod val="75000"/>
+                            </a:schemeClr>
+                          </a:solidFill>
+                        </a:rPr>
+                        <a:t> </a:t>
+                      </a:r>
+                      <a:endParaRPr lang="en-US" dirty="0"/>
+                    </a:p>
+                  </a:txBody>
+                  <a:tcPr/>
+                </a:tc>
+                <a:tc>
+                  <a:txBody>
+                    <a:bodyPr/>
+                    <a:lstStyle/>
+                    <a:p>
+                      <a:r>
+                        <a:rPr lang="en-US" dirty="0"/>
+                        <a:t>1.7K stars</a:t>
+                      </a:r>
+                    </a:p>
+                  </a:txBody>
+                  <a:tcPr/>
+                </a:tc>
+                <a:tc>
+                  <a:txBody>
+                    <a:bodyPr/>
+                    <a:lstStyle/>
+                    <a:p>
+                      <a:r>
+                        <a:rPr lang="en-US" dirty="0"/>
+                        <a:t>28/4/2014</a:t>
+                      </a:r>
+                    </a:p>
+                  </a:txBody>
+                  <a:tcPr/>
+                </a:tc>
+                <a:tc>
+                  <a:txBody>
+                    <a:bodyPr/>
+                    <a:lstStyle/>
+                    <a:p>
+                      <a:r>
+                        <a:rPr lang="en-US" dirty="0"/>
+                        <a:t>1/9/2021</a:t>
+                      </a:r>
+                    </a:p>
+                  </a:txBody>
+                  <a:tcPr/>
+                </a:tc>
+                <a:extLst>
+                  <a:ext uri="{0D108BD9-81ED-4DB2-BD59-A6C34878D82A}">
+                    <a16:rowId xmlns:a16="http://schemas.microsoft.com/office/drawing/2014/main" val="3866569820"/>
+                  </a:ext>
+                </a:extLst>
+              </a:tr>
+              <a:tr h="395926">
+                <a:tc>
+                  <a:txBody>
+                    <a:bodyPr/>
+                    <a:lstStyle/>
+                    <a:p>
+                      <a:r>
+                        <a:rPr lang="en-US" i="1" dirty="0">
+                          <a:solidFill>
+                            <a:schemeClr val="accent2">
+                              <a:lumMod val="75000"/>
+                            </a:schemeClr>
+                          </a:solidFill>
+                        </a:rPr>
+                        <a:t>Easy caching </a:t>
+                      </a:r>
+                      <a:endParaRPr lang="en-US" dirty="0"/>
+                    </a:p>
+                  </a:txBody>
+                  <a:tcPr/>
+                </a:tc>
+                <a:tc>
+                  <a:txBody>
+                    <a:bodyPr/>
+                    <a:lstStyle/>
+                    <a:p>
+                      <a:r>
+                        <a:rPr lang="en-US" dirty="0"/>
+                        <a:t>1.9K stars</a:t>
+                      </a:r>
+                    </a:p>
+                  </a:txBody>
+                  <a:tcPr/>
+                </a:tc>
+                <a:tc>
+                  <a:txBody>
+                    <a:bodyPr/>
+                    <a:lstStyle/>
+                    <a:p>
+                      <a:r>
+                        <a:rPr lang="en-US" dirty="0"/>
+                        <a:t>14/1/2018 </a:t>
+                      </a:r>
+                    </a:p>
+                  </a:txBody>
+                  <a:tcPr/>
+                </a:tc>
+                <a:tc>
+                  <a:txBody>
+                    <a:bodyPr/>
+                    <a:lstStyle/>
+                    <a:p>
+                      <a:r>
+                        <a:rPr lang="en-US" dirty="0"/>
+                        <a:t>6 months ago</a:t>
+                      </a:r>
+                    </a:p>
+                  </a:txBody>
+                  <a:tcPr/>
+                </a:tc>
+                <a:extLst>
+                  <a:ext uri="{0D108BD9-81ED-4DB2-BD59-A6C34878D82A}">
+                    <a16:rowId xmlns:a16="http://schemas.microsoft.com/office/drawing/2014/main" val="1756553279"/>
+                  </a:ext>
+                </a:extLst>
+              </a:tr>
+              <a:tr h="339365">
+                <a:tc>
+                  <a:txBody>
+                    <a:bodyPr/>
+                    <a:lstStyle/>
+                    <a:p>
+                      <a:r>
+                        <a:rPr lang="en-US" i="1" dirty="0">
+                          <a:solidFill>
+                            <a:schemeClr val="accent2">
+                              <a:lumMod val="75000"/>
+                            </a:schemeClr>
+                          </a:solidFill>
+                        </a:rPr>
+                        <a:t>Cache Tower</a:t>
+                      </a:r>
+                      <a:endParaRPr lang="en-US" dirty="0"/>
+                    </a:p>
+                  </a:txBody>
+                  <a:tcPr/>
+                </a:tc>
+                <a:tc>
+                  <a:txBody>
+                    <a:bodyPr/>
+                    <a:lstStyle/>
+                    <a:p>
+                      <a:r>
+                        <a:rPr lang="en-US" dirty="0"/>
+                        <a:t>582 stars</a:t>
+                      </a:r>
+                    </a:p>
+                  </a:txBody>
+                  <a:tcPr/>
+                </a:tc>
+                <a:tc>
+                  <a:txBody>
+                    <a:bodyPr/>
+                    <a:lstStyle/>
+                    <a:p>
+                      <a:r>
+                        <a:rPr lang="en-US" dirty="0"/>
+                        <a:t>17/10/2019 </a:t>
+                      </a:r>
+                    </a:p>
+                  </a:txBody>
+                  <a:tcPr/>
+                </a:tc>
+                <a:tc>
+                  <a:txBody>
+                    <a:bodyPr/>
+                    <a:lstStyle/>
+                    <a:p>
+                      <a:pPr lvl="0"/>
+                      <a:r>
+                        <a:rPr lang="en-US" sz="1800" b="0" i="0" u="none" strike="noStrike" kern="1200" baseline="0" dirty="0">
+                          <a:solidFill>
+                            <a:schemeClr val="dk1"/>
+                          </a:solidFill>
+                          <a:latin typeface="+mn-lt"/>
+                          <a:ea typeface="+mn-ea"/>
+                          <a:cs typeface="+mn-cs"/>
+                        </a:rPr>
+                        <a:t>9 months ago</a:t>
+                      </a:r>
+                      <a:endParaRPr lang="en-US" dirty="0"/>
+                    </a:p>
+                  </a:txBody>
+                  <a:tcPr/>
+                </a:tc>
+                <a:extLst>
+                  <a:ext uri="{0D108BD9-81ED-4DB2-BD59-A6C34878D82A}">
+                    <a16:rowId xmlns:a16="http://schemas.microsoft.com/office/drawing/2014/main" val="2543876386"/>
+                  </a:ext>
+                </a:extLst>
+              </a:tr>
+              <a:tr h="350677">
+                <a:tc>
+                  <a:txBody>
+                    <a:bodyPr/>
+                    <a:lstStyle/>
+                    <a:p>
+                      <a:r>
+                        <a:rPr lang="en-US" i="1" dirty="0">
+                          <a:solidFill>
+                            <a:schemeClr val="accent2">
+                              <a:lumMod val="75000"/>
+                            </a:schemeClr>
+                          </a:solidFill>
+                        </a:rPr>
+                        <a:t>Fusion Cache </a:t>
+                      </a:r>
+                      <a:endParaRPr lang="en-US" dirty="0"/>
+                    </a:p>
+                  </a:txBody>
+                  <a:tcPr/>
+                </a:tc>
+                <a:tc>
+                  <a:txBody>
+                    <a:bodyPr/>
+                    <a:lstStyle/>
+                    <a:p>
+                      <a:r>
+                        <a:rPr lang="en-US" dirty="0"/>
+                        <a:t>1.3K stars</a:t>
+                      </a:r>
+                    </a:p>
+                  </a:txBody>
+                  <a:tcPr/>
+                </a:tc>
+                <a:tc>
+                  <a:txBody>
+                    <a:bodyPr/>
+                    <a:lstStyle/>
+                    <a:p>
+                      <a:r>
+                        <a:rPr lang="en-US" dirty="0"/>
+                        <a:t>31/12/2020</a:t>
+                      </a:r>
+                    </a:p>
+                  </a:txBody>
+                  <a:tcPr/>
+                </a:tc>
+                <a:tc>
+                  <a:txBody>
+                    <a:bodyPr/>
+                    <a:lstStyle/>
+                    <a:p>
+                      <a:r>
+                        <a:rPr lang="en-US" dirty="0"/>
+                        <a:t>15 days ago</a:t>
+                      </a:r>
+                    </a:p>
+                  </a:txBody>
+                  <a:tcPr/>
+                </a:tc>
+                <a:extLst>
+                  <a:ext uri="{0D108BD9-81ED-4DB2-BD59-A6C34878D82A}">
+                    <a16:rowId xmlns:a16="http://schemas.microsoft.com/office/drawing/2014/main" val="490474842"/>
+                  </a:ext>
+                </a:extLst>
+              </a:tr>
+            </a:tbl>
+          </a:graphicData>
+        </a:graphic>
+      </p:graphicFrame>
     </p:spTree>
     <p:extLst>
       <p:ext uri="{BB962C8B-B14F-4D97-AF65-F5344CB8AC3E}">
-        <p14:creationId xmlns:p14="http://schemas.microsoft.com/office/powerpoint/2010/main" val="2629935148"/>
+        <p14:creationId xmlns:p14="http://schemas.microsoft.com/office/powerpoint/2010/main" val="212238742"/>
       </p:ext>
     </p:extLst>
   </p:cSld>
@@ -3892,22 +4340,34 @@
         </p:nvSpPr>
         <p:spPr/>
         <p:txBody>
-          <a:bodyPr/>
-          <a:lstStyle/>
-          <a:p>
-            <a:r>
-              <a:rPr lang="en-US"/>
+          <a:bodyPr>
+            <a:normAutofit fontScale="92500" lnSpcReduction="10000"/>
+          </a:bodyPr>
+          <a:lstStyle/>
+          <a:p>
+            <a:r>
+              <a:rPr lang="en-US" dirty="0"/>
               <a:t>Backplane</a:t>
             </a:r>
           </a:p>
           <a:p>
-            <a:r>
-              <a:rPr lang="en-US"/>
-              <a:t>Cache </a:t>
-            </a:r>
-            <a:r>
-              <a:rPr lang="en-US" dirty="0"/>
-              <a:t>stampede</a:t>
+            <a:pPr lvl="1"/>
+            <a:r>
+              <a:rPr lang="en-US" dirty="0"/>
+              <a:t>Sync values across nodes </a:t>
+            </a:r>
+          </a:p>
+          <a:p>
+            <a:r>
+              <a:rPr lang="en-US" dirty="0"/>
+              <a:t>Cache stampede</a:t>
+            </a:r>
+          </a:p>
+          <a:p>
+            <a:pPr lvl="1"/>
+            <a:r>
+              <a:rPr lang="en-US" dirty="0"/>
+              <a:t>"All" rush to origin to get same key when it expires</a:t>
             </a:r>
           </a:p>
           <a:p>
@@ -3920,6 +4380,13 @@
             <a:pPr lvl="1"/>
             <a:r>
               <a:rPr lang="en-US" dirty="0"/>
+              <a:t>Provide expired values if origin fails or takes too long to reply</a:t>
+            </a:r>
+          </a:p>
+          <a:p>
+            <a:pPr lvl="1"/>
+            <a:r>
+              <a:rPr lang="en-US" dirty="0"/>
               <a:t>Factory Timeouts</a:t>
             </a:r>
           </a:p>
@@ -3930,9 +4397,35 @@
             </a:r>
           </a:p>
           <a:p>
+            <a:pPr lvl="1"/>
+            <a:r>
+              <a:rPr lang="en-US" dirty="0"/>
+              <a:t>Queue locally </a:t>
+            </a:r>
+            <a:r>
+              <a:rPr lang="en-US" dirty="0">
+                <a:solidFill>
+                  <a:srgbClr val="FF0000"/>
+                </a:solidFill>
+              </a:rPr>
+              <a:t>XXX </a:t>
+            </a:r>
+            <a:r>
+              <a:rPr lang="en-US" dirty="0"/>
+              <a:t>and backplane actions in case of temporary network failures</a:t>
+            </a:r>
+          </a:p>
+          <a:p>
             <a:r>
               <a:rPr lang="en-US" dirty="0"/>
               <a:t>Adaptive Caching</a:t>
+            </a:r>
+          </a:p>
+          <a:p>
+            <a:pPr lvl="1"/>
+            <a:r>
+              <a:rPr lang="en-US" dirty="0"/>
+              <a:t>Custom caching duration </a:t>
             </a:r>
           </a:p>
           <a:p>
@@ -3947,6 +4440,89 @@
     <p:extLst>
       <p:ext uri="{BB962C8B-B14F-4D97-AF65-F5344CB8AC3E}">
         <p14:creationId xmlns:p14="http://schemas.microsoft.com/office/powerpoint/2010/main" val="2609270308"/>
+      </p:ext>
+    </p:extLst>
+  </p:cSld>
+  <p:clrMapOvr>
+    <a:masterClrMapping/>
+  </p:clrMapOvr>
+</p:sld>
+</file>
+
+<file path=ppt/slides/slide13.xml><?xml version="1.0" encoding="utf-8"?>
+<p:sld xmlns:a="http://schemas.openxmlformats.org/drawingml/2006/main" xmlns:r="http://schemas.openxmlformats.org/officeDocument/2006/relationships" xmlns:p="http://schemas.openxmlformats.org/presentationml/2006/main">
+  <p:cSld>
+    <p:spTree>
+      <p:nvGrpSpPr>
+        <p:cNvPr id="1" name=""/>
+        <p:cNvGrpSpPr/>
+        <p:nvPr/>
+      </p:nvGrpSpPr>
+      <p:grpSpPr>
+        <a:xfrm>
+          <a:off x="0" y="0"/>
+          <a:ext cx="0" cy="0"/>
+          <a:chOff x="0" y="0"/>
+          <a:chExt cx="0" cy="0"/>
+        </a:xfrm>
+      </p:grpSpPr>
+      <p:sp>
+        <p:nvSpPr>
+          <p:cNvPr id="2" name="Title 1">
+            <a:extLst>
+              <a:ext uri="{FF2B5EF4-FFF2-40B4-BE49-F238E27FC236}">
+                <a16:creationId xmlns:a16="http://schemas.microsoft.com/office/drawing/2014/main" id="{3EA11859-117E-E175-D427-88EB65E5EB4C}"/>
+              </a:ext>
+            </a:extLst>
+          </p:cNvPr>
+          <p:cNvSpPr>
+            <a:spLocks noGrp="1"/>
+          </p:cNvSpPr>
+          <p:nvPr>
+            <p:ph type="title"/>
+          </p:nvPr>
+        </p:nvSpPr>
+        <p:spPr/>
+        <p:txBody>
+          <a:bodyPr/>
+          <a:lstStyle/>
+          <a:p>
+            <a:r>
+              <a:rPr lang="en-US"/>
+              <a:t>DEMO Time</a:t>
+            </a:r>
+          </a:p>
+        </p:txBody>
+      </p:sp>
+      <p:sp>
+        <p:nvSpPr>
+          <p:cNvPr id="3" name="Content Placeholder 2">
+            <a:extLst>
+              <a:ext uri="{FF2B5EF4-FFF2-40B4-BE49-F238E27FC236}">
+                <a16:creationId xmlns:a16="http://schemas.microsoft.com/office/drawing/2014/main" id="{6D08223A-D1C5-97DF-0065-41B855AB7AEC}"/>
+              </a:ext>
+            </a:extLst>
+          </p:cNvPr>
+          <p:cNvSpPr>
+            <a:spLocks noGrp="1"/>
+          </p:cNvSpPr>
+          <p:nvPr>
+            <p:ph idx="1"/>
+          </p:nvPr>
+        </p:nvSpPr>
+        <p:spPr/>
+        <p:txBody>
+          <a:bodyPr/>
+          <a:lstStyle/>
+          <a:p>
+            <a:endParaRPr lang="en-US"/>
+          </a:p>
+        </p:txBody>
+      </p:sp>
+    </p:spTree>
+    <p:extLst>
+      <p:ext uri="{BB962C8B-B14F-4D97-AF65-F5344CB8AC3E}">
+        <p14:creationId xmlns:p14="http://schemas.microsoft.com/office/powerpoint/2010/main" val="2038348210"/>
       </p:ext>
     </p:extLst>
   </p:cSld>
@@ -4024,7 +4600,7 @@
           <a:p>
             <a:r>
               <a:rPr lang="en-US" dirty="0"/>
-              <a:t>Why caching </a:t>
+              <a:t>Why we cache?</a:t>
             </a:r>
           </a:p>
           <a:p>
@@ -4103,58 +4679,72 @@
           <a:p>
             <a:r>
               <a:rPr lang="en-US" dirty="0"/>
-              <a:t>Why caching </a:t>
-            </a:r>
-            <a:br>
-              <a:rPr lang="en-US" dirty="0"/>
-            </a:br>
+              <a:t>Why we cache?</a:t>
+            </a:r>
+          </a:p>
+        </p:txBody>
+      </p:sp>
+      <p:sp>
+        <p:nvSpPr>
+          <p:cNvPr id="3" name="Content Placeholder 2">
+            <a:extLst>
+              <a:ext uri="{FF2B5EF4-FFF2-40B4-BE49-F238E27FC236}">
+                <a16:creationId xmlns:a16="http://schemas.microsoft.com/office/drawing/2014/main" id="{8949759A-1B64-C954-EE93-6CF8C537AEE6}"/>
+              </a:ext>
+            </a:extLst>
+          </p:cNvPr>
+          <p:cNvSpPr>
+            <a:spLocks noGrp="1"/>
+          </p:cNvSpPr>
+          <p:nvPr>
+            <p:ph idx="1"/>
+          </p:nvPr>
+        </p:nvSpPr>
+        <p:spPr/>
+        <p:txBody>
+          <a:bodyPr/>
+          <a:lstStyle/>
+          <a:p>
+            <a:r>
+              <a:rPr lang="en-US" dirty="0"/>
+              <a:t>The good</a:t>
+            </a:r>
+          </a:p>
+          <a:p>
+            <a:pPr lvl="1"/>
+            <a:r>
+              <a:rPr lang="en-US" dirty="0"/>
+              <a:t>Offload the origin (source of true)</a:t>
+            </a:r>
+          </a:p>
+          <a:p>
+            <a:pPr lvl="1"/>
+            <a:r>
+              <a:rPr lang="en-US" dirty="0"/>
+              <a:t>Speed up application </a:t>
+            </a:r>
+          </a:p>
+          <a:p>
             <a:endParaRPr lang="en-US" dirty="0"/>
           </a:p>
-        </p:txBody>
-      </p:sp>
-      <p:sp>
-        <p:nvSpPr>
-          <p:cNvPr id="3" name="Content Placeholder 2">
-            <a:extLst>
-              <a:ext uri="{FF2B5EF4-FFF2-40B4-BE49-F238E27FC236}">
-                <a16:creationId xmlns:a16="http://schemas.microsoft.com/office/drawing/2014/main" id="{8949759A-1B64-C954-EE93-6CF8C537AEE6}"/>
-              </a:ext>
-            </a:extLst>
-          </p:cNvPr>
-          <p:cNvSpPr>
-            <a:spLocks noGrp="1"/>
-          </p:cNvSpPr>
-          <p:nvPr>
-            <p:ph idx="1"/>
-          </p:nvPr>
-        </p:nvSpPr>
-        <p:spPr/>
-        <p:txBody>
-          <a:bodyPr/>
-          <a:lstStyle/>
-          <a:p>
-            <a:r>
-              <a:rPr lang="en-US" dirty="0"/>
-              <a:t>Offload the origin (source of true)</a:t>
-            </a:r>
-          </a:p>
-          <a:p>
-            <a:r>
-              <a:rPr lang="en-US" dirty="0"/>
-              <a:t>Speed up application </a:t>
-            </a:r>
-          </a:p>
-          <a:p>
-            <a:r>
-              <a:rPr lang="en-US" dirty="0"/>
-              <a:t>Stale data issues</a:t>
+          <a:p>
+            <a:r>
+              <a:rPr lang="en-US" dirty="0"/>
+              <a:t>The bad</a:t>
             </a:r>
           </a:p>
           <a:p>
             <a:pPr lvl="1"/>
             <a:r>
               <a:rPr lang="en-US" dirty="0"/>
-              <a:t>Cache invalidation is hard to implement</a:t>
+              <a:t>Stale data (Cache invalidation is hard to implement)</a:t>
+            </a:r>
+          </a:p>
+          <a:p>
+            <a:pPr lvl="1"/>
+            <a:r>
+              <a:rPr lang="en-US" dirty="0"/>
+              <a:t>"Cache stampede" and other cache specific things that can go wrong</a:t>
             </a:r>
           </a:p>
           <a:p>
@@ -4176,13 +4766,18 @@
         </p:nvSpPr>
         <p:spPr>
           <a:xfrm>
-            <a:off x="739739" y="3893905"/>
+            <a:off x="4393295" y="4976634"/>
             <a:ext cx="5681876" cy="1200329"/>
           </a:xfrm>
           <a:prstGeom prst="rect">
             <a:avLst/>
           </a:prstGeom>
           <a:noFill/>
+          <a:ln>
+            <a:solidFill>
+              <a:schemeClr val="accent1"/>
+            </a:solidFill>
+          </a:ln>
         </p:spPr>
         <p:txBody>
           <a:bodyPr wrap="none" rtlCol="0">
@@ -5179,7 +5774,7 @@
           <a:p>
             <a:r>
               <a:rPr lang="en-US" dirty="0"/>
-              <a:t>Code is responsible to get the data to be cached</a:t>
+              <a:t>Application code maintains responsibility to get the data </a:t>
             </a:r>
           </a:p>
           <a:p>
@@ -5540,7 +6135,7 @@
             <a:pPr lvl="1"/>
             <a:r>
               <a:rPr lang="en-US" dirty="0"/>
-              <a:t>Cache responsibility: write through</a:t>
+              <a:t>Cache responsibility: write-through</a:t>
             </a:r>
           </a:p>
         </p:txBody>

--- a/cache-like-a-pro.pptx
+++ b/cache-like-a-pro.pptx
@@ -271,7 +271,7 @@
           <a:p>
             <a:fld id="{7D239A87-38DC-4C6E-8233-D704AE9A351F}" type="datetimeFigureOut">
               <a:rPr lang="en-US" smtClean="0"/>
-              <a:t>5/9/2024</a:t>
+              <a:t>5/10/2024</a:t>
             </a:fld>
             <a:endParaRPr lang="en-US"/>
           </a:p>
@@ -469,7 +469,7 @@
           <a:p>
             <a:fld id="{7D239A87-38DC-4C6E-8233-D704AE9A351F}" type="datetimeFigureOut">
               <a:rPr lang="en-US" smtClean="0"/>
-              <a:t>5/9/2024</a:t>
+              <a:t>5/10/2024</a:t>
             </a:fld>
             <a:endParaRPr lang="en-US"/>
           </a:p>
@@ -677,7 +677,7 @@
           <a:p>
             <a:fld id="{7D239A87-38DC-4C6E-8233-D704AE9A351F}" type="datetimeFigureOut">
               <a:rPr lang="en-US" smtClean="0"/>
-              <a:t>5/9/2024</a:t>
+              <a:t>5/10/2024</a:t>
             </a:fld>
             <a:endParaRPr lang="en-US"/>
           </a:p>
@@ -875,7 +875,7 @@
           <a:p>
             <a:fld id="{7D239A87-38DC-4C6E-8233-D704AE9A351F}" type="datetimeFigureOut">
               <a:rPr lang="en-US" smtClean="0"/>
-              <a:t>5/9/2024</a:t>
+              <a:t>5/10/2024</a:t>
             </a:fld>
             <a:endParaRPr lang="en-US"/>
           </a:p>
@@ -1150,7 +1150,7 @@
           <a:p>
             <a:fld id="{7D239A87-38DC-4C6E-8233-D704AE9A351F}" type="datetimeFigureOut">
               <a:rPr lang="en-US" smtClean="0"/>
-              <a:t>5/9/2024</a:t>
+              <a:t>5/10/2024</a:t>
             </a:fld>
             <a:endParaRPr lang="en-US"/>
           </a:p>
@@ -1415,7 +1415,7 @@
           <a:p>
             <a:fld id="{7D239A87-38DC-4C6E-8233-D704AE9A351F}" type="datetimeFigureOut">
               <a:rPr lang="en-US" smtClean="0"/>
-              <a:t>5/9/2024</a:t>
+              <a:t>5/10/2024</a:t>
             </a:fld>
             <a:endParaRPr lang="en-US"/>
           </a:p>
@@ -1827,7 +1827,7 @@
           <a:p>
             <a:fld id="{7D239A87-38DC-4C6E-8233-D704AE9A351F}" type="datetimeFigureOut">
               <a:rPr lang="en-US" smtClean="0"/>
-              <a:t>5/9/2024</a:t>
+              <a:t>5/10/2024</a:t>
             </a:fld>
             <a:endParaRPr lang="en-US"/>
           </a:p>
@@ -1968,7 +1968,7 @@
           <a:p>
             <a:fld id="{7D239A87-38DC-4C6E-8233-D704AE9A351F}" type="datetimeFigureOut">
               <a:rPr lang="en-US" smtClean="0"/>
-              <a:t>5/9/2024</a:t>
+              <a:t>5/10/2024</a:t>
             </a:fld>
             <a:endParaRPr lang="en-US"/>
           </a:p>
@@ -2081,7 +2081,7 @@
           <a:p>
             <a:fld id="{7D239A87-38DC-4C6E-8233-D704AE9A351F}" type="datetimeFigureOut">
               <a:rPr lang="en-US" smtClean="0"/>
-              <a:t>5/9/2024</a:t>
+              <a:t>5/10/2024</a:t>
             </a:fld>
             <a:endParaRPr lang="en-US"/>
           </a:p>
@@ -2392,7 +2392,7 @@
           <a:p>
             <a:fld id="{7D239A87-38DC-4C6E-8233-D704AE9A351F}" type="datetimeFigureOut">
               <a:rPr lang="en-US" smtClean="0"/>
-              <a:t>5/9/2024</a:t>
+              <a:t>5/10/2024</a:t>
             </a:fld>
             <a:endParaRPr lang="en-US"/>
           </a:p>
@@ -2680,7 +2680,7 @@
           <a:p>
             <a:fld id="{7D239A87-38DC-4C6E-8233-D704AE9A351F}" type="datetimeFigureOut">
               <a:rPr lang="en-US" smtClean="0"/>
-              <a:t>5/9/2024</a:t>
+              <a:t>5/10/2024</a:t>
             </a:fld>
             <a:endParaRPr lang="en-US"/>
           </a:p>
@@ -2921,7 +2921,7 @@
           <a:p>
             <a:fld id="{7D239A87-38DC-4C6E-8233-D704AE9A351F}" type="datetimeFigureOut">
               <a:rPr lang="en-US" smtClean="0"/>
-              <a:t>5/9/2024</a:t>
+              <a:t>5/10/2024</a:t>
             </a:fld>
             <a:endParaRPr lang="en-US"/>
           </a:p>
@@ -4702,7 +4702,9 @@
         </p:nvSpPr>
         <p:spPr/>
         <p:txBody>
-          <a:bodyPr/>
+          <a:bodyPr>
+            <a:normAutofit lnSpcReduction="10000"/>
+          </a:bodyPr>
           <a:lstStyle/>
           <a:p>
             <a:r>
@@ -4725,9 +4727,22 @@
             </a:r>
           </a:p>
           <a:p>
+            <a:pPr lvl="1"/>
             <a:endParaRPr lang="en-US" dirty="0"/>
           </a:p>
           <a:p>
+            <a:pPr marL="0" indent="0">
+              <a:buNone/>
+            </a:pPr>
+            <a:r>
+              <a:rPr lang="en-US" dirty="0"/>
+              <a:t>Using a cache brings a set of new issues and "patterns"</a:t>
+            </a:r>
+          </a:p>
+          <a:p>
+            <a:endParaRPr lang="en-US" dirty="0"/>
+          </a:p>
+          <a:p>
             <a:r>
               <a:rPr lang="en-US" dirty="0"/>
               <a:t>The bad</a:t>
@@ -4743,8 +4758,16 @@
           <a:p>
             <a:pPr lvl="1"/>
             <a:r>
-              <a:rPr lang="en-US" dirty="0"/>
-              <a:t>"Cache stampede" and other cache specific things that can go wrong</a:t>
+              <a:rPr lang="en-US" i="1" dirty="0"/>
+              <a:t>Cache stampede</a:t>
+            </a:r>
+            <a:endParaRPr lang="en-US" dirty="0"/>
+          </a:p>
+          <a:p>
+            <a:pPr lvl="1"/>
+            <a:r>
+              <a:rPr lang="en-US" dirty="0"/>
+              <a:t>Node synchronization (if a memory or a two-level cache is used)</a:t>
             </a:r>
           </a:p>
           <a:p>
@@ -4766,7 +4789,7 @@
         </p:nvSpPr>
         <p:spPr>
           <a:xfrm>
-            <a:off x="4393295" y="4976634"/>
+            <a:off x="6350019" y="1662808"/>
             <a:ext cx="5681876" cy="1200329"/>
           </a:xfrm>
           <a:prstGeom prst="rect">
@@ -5780,7 +5803,7 @@
           <a:p>
             <a:r>
               <a:rPr lang="en-US" dirty="0"/>
-              <a:t>Cache can apply policies on the "data factory" (e.g. timeouts)</a:t>
+              <a:t>Cache can apply policies on the "data factory" (e.g. timeouts, fail safe)</a:t>
             </a:r>
           </a:p>
         </p:txBody>

--- a/cache-like-a-pro.pptx
+++ b/cache-like-a-pro.pptx
@@ -14,10 +14,12 @@
     <p:sldId id="265" r:id="rId8"/>
     <p:sldId id="266" r:id="rId9"/>
     <p:sldId id="260" r:id="rId10"/>
-    <p:sldId id="267" r:id="rId11"/>
-    <p:sldId id="268" r:id="rId12"/>
-    <p:sldId id="261" r:id="rId13"/>
-    <p:sldId id="269" r:id="rId14"/>
+    <p:sldId id="270" r:id="rId11"/>
+    <p:sldId id="267" r:id="rId12"/>
+    <p:sldId id="268" r:id="rId13"/>
+    <p:sldId id="261" r:id="rId14"/>
+    <p:sldId id="271" r:id="rId15"/>
+    <p:sldId id="269" r:id="rId16"/>
   </p:sldIdLst>
   <p:sldSz cx="12192000" cy="6858000"/>
   <p:notesSz cx="6858000" cy="9144000"/>
@@ -271,7 +273,7 @@
           <a:p>
             <a:fld id="{7D239A87-38DC-4C6E-8233-D704AE9A351F}" type="datetimeFigureOut">
               <a:rPr lang="en-US" smtClean="0"/>
-              <a:t>5/10/2024</a:t>
+              <a:t>5/13/2024</a:t>
             </a:fld>
             <a:endParaRPr lang="en-US"/>
           </a:p>
@@ -469,7 +471,7 @@
           <a:p>
             <a:fld id="{7D239A87-38DC-4C6E-8233-D704AE9A351F}" type="datetimeFigureOut">
               <a:rPr lang="en-US" smtClean="0"/>
-              <a:t>5/10/2024</a:t>
+              <a:t>5/13/2024</a:t>
             </a:fld>
             <a:endParaRPr lang="en-US"/>
           </a:p>
@@ -677,7 +679,7 @@
           <a:p>
             <a:fld id="{7D239A87-38DC-4C6E-8233-D704AE9A351F}" type="datetimeFigureOut">
               <a:rPr lang="en-US" smtClean="0"/>
-              <a:t>5/10/2024</a:t>
+              <a:t>5/13/2024</a:t>
             </a:fld>
             <a:endParaRPr lang="en-US"/>
           </a:p>
@@ -875,7 +877,7 @@
           <a:p>
             <a:fld id="{7D239A87-38DC-4C6E-8233-D704AE9A351F}" type="datetimeFigureOut">
               <a:rPr lang="en-US" smtClean="0"/>
-              <a:t>5/10/2024</a:t>
+              <a:t>5/13/2024</a:t>
             </a:fld>
             <a:endParaRPr lang="en-US"/>
           </a:p>
@@ -1150,7 +1152,7 @@
           <a:p>
             <a:fld id="{7D239A87-38DC-4C6E-8233-D704AE9A351F}" type="datetimeFigureOut">
               <a:rPr lang="en-US" smtClean="0"/>
-              <a:t>5/10/2024</a:t>
+              <a:t>5/13/2024</a:t>
             </a:fld>
             <a:endParaRPr lang="en-US"/>
           </a:p>
@@ -1415,7 +1417,7 @@
           <a:p>
             <a:fld id="{7D239A87-38DC-4C6E-8233-D704AE9A351F}" type="datetimeFigureOut">
               <a:rPr lang="en-US" smtClean="0"/>
-              <a:t>5/10/2024</a:t>
+              <a:t>5/13/2024</a:t>
             </a:fld>
             <a:endParaRPr lang="en-US"/>
           </a:p>
@@ -1827,7 +1829,7 @@
           <a:p>
             <a:fld id="{7D239A87-38DC-4C6E-8233-D704AE9A351F}" type="datetimeFigureOut">
               <a:rPr lang="en-US" smtClean="0"/>
-              <a:t>5/10/2024</a:t>
+              <a:t>5/13/2024</a:t>
             </a:fld>
             <a:endParaRPr lang="en-US"/>
           </a:p>
@@ -1968,7 +1970,7 @@
           <a:p>
             <a:fld id="{7D239A87-38DC-4C6E-8233-D704AE9A351F}" type="datetimeFigureOut">
               <a:rPr lang="en-US" smtClean="0"/>
-              <a:t>5/10/2024</a:t>
+              <a:t>5/13/2024</a:t>
             </a:fld>
             <a:endParaRPr lang="en-US"/>
           </a:p>
@@ -2081,7 +2083,7 @@
           <a:p>
             <a:fld id="{7D239A87-38DC-4C6E-8233-D704AE9A351F}" type="datetimeFigureOut">
               <a:rPr lang="en-US" smtClean="0"/>
-              <a:t>5/10/2024</a:t>
+              <a:t>5/13/2024</a:t>
             </a:fld>
             <a:endParaRPr lang="en-US"/>
           </a:p>
@@ -2392,7 +2394,7 @@
           <a:p>
             <a:fld id="{7D239A87-38DC-4C6E-8233-D704AE9A351F}" type="datetimeFigureOut">
               <a:rPr lang="en-US" smtClean="0"/>
-              <a:t>5/10/2024</a:t>
+              <a:t>5/13/2024</a:t>
             </a:fld>
             <a:endParaRPr lang="en-US"/>
           </a:p>
@@ -2680,7 +2682,7 @@
           <a:p>
             <a:fld id="{7D239A87-38DC-4C6E-8233-D704AE9A351F}" type="datetimeFigureOut">
               <a:rPr lang="en-US" smtClean="0"/>
-              <a:t>5/10/2024</a:t>
+              <a:t>5/13/2024</a:t>
             </a:fld>
             <a:endParaRPr lang="en-US"/>
           </a:p>
@@ -2921,7 +2923,7 @@
           <a:p>
             <a:fld id="{7D239A87-38DC-4C6E-8233-D704AE9A351F}" type="datetimeFigureOut">
               <a:rPr lang="en-US" smtClean="0"/>
-              <a:t>5/10/2024</a:t>
+              <a:t>5/13/2024</a:t>
             </a:fld>
             <a:endParaRPr lang="en-US"/>
           </a:p>
@@ -3476,7 +3478,7 @@
           <p:cNvPr id="2" name="Title 1">
             <a:extLst>
               <a:ext uri="{FF2B5EF4-FFF2-40B4-BE49-F238E27FC236}">
-                <a16:creationId xmlns:a16="http://schemas.microsoft.com/office/drawing/2014/main" id="{E57DA3C0-3710-D20C-CC0D-66224A3AB702}"/>
+                <a16:creationId xmlns:a16="http://schemas.microsoft.com/office/drawing/2014/main" id="{2EB29AA9-B256-F216-49DC-AB81E1131992}"/>
               </a:ext>
             </a:extLst>
           </p:cNvPr>
@@ -3494,22 +3496,8 @@
           <a:p>
             <a:r>
               <a:rPr lang="en-US" dirty="0"/>
-              <a:t>We need more than just raw cache api .. </a:t>
-            </a:r>
-            <a:br>
-              <a:rPr lang="en-US" dirty="0"/>
-            </a:br>
-            <a:r>
-              <a:rPr lang="en-US" dirty="0"/>
-              <a:t>to cache like a pro </a:t>
-            </a:r>
-            <a:r>
-              <a:rPr lang="en-US" dirty="0">
-                <a:sym typeface="Wingdings" panose="05000000000000000000" pitchFamily="2" charset="2"/>
-              </a:rPr>
-              <a:t></a:t>
-            </a:r>
-            <a:endParaRPr lang="en-US" dirty="0"/>
+              <a:t>In memory vs distributed (shared) cache</a:t>
+            </a:r>
           </a:p>
         </p:txBody>
       </p:sp>
@@ -3518,7 +3506,7 @@
           <p:cNvPr id="3" name="Content Placeholder 2">
             <a:extLst>
               <a:ext uri="{FF2B5EF4-FFF2-40B4-BE49-F238E27FC236}">
-                <a16:creationId xmlns:a16="http://schemas.microsoft.com/office/drawing/2014/main" id="{C5C7945F-9E84-52F0-7DD7-2ED7FDFB5482}"/>
+                <a16:creationId xmlns:a16="http://schemas.microsoft.com/office/drawing/2014/main" id="{B704A45C-E945-C252-BC40-6FD394E16A25}"/>
               </a:ext>
             </a:extLst>
           </p:cNvPr>
@@ -3529,16 +3517,9 @@
             <p:ph idx="1"/>
           </p:nvPr>
         </p:nvSpPr>
-        <p:spPr>
-          <a:xfrm>
-            <a:off x="838200" y="1742042"/>
-            <a:ext cx="10515600" cy="4555063"/>
-          </a:xfrm>
-        </p:spPr>
-        <p:txBody>
-          <a:bodyPr>
-            <a:normAutofit/>
-          </a:bodyPr>
+        <p:spPr/>
+        <p:txBody>
+          <a:bodyPr/>
           <a:lstStyle/>
           <a:p>
             <a:r>
@@ -3595,82 +3576,13 @@
               <a:rPr lang="en-US" dirty="0"/>
               <a:t>, Azure Cosmo Db, etc..)</a:t>
             </a:r>
-          </a:p>
-          <a:p>
-            <a:r>
-              <a:rPr lang="en-US" dirty="0"/>
-              <a:t>There are cache "frameworks" that add features on top of the </a:t>
-            </a:r>
-            <a:r>
-              <a:rPr lang="en-US" dirty="0" err="1"/>
-              <a:t>IMemoryCache</a:t>
-            </a:r>
-            <a:r>
-              <a:rPr lang="en-US" dirty="0"/>
-              <a:t> and </a:t>
-            </a:r>
-            <a:r>
-              <a:rPr lang="en-US" dirty="0" err="1"/>
-              <a:t>IDistributedCache</a:t>
-            </a:r>
-            <a:r>
-              <a:rPr lang="en-US" dirty="0"/>
-              <a:t>  implementations</a:t>
-            </a:r>
-          </a:p>
-          <a:p>
-            <a:pPr lvl="1"/>
-            <a:r>
-              <a:rPr lang="en-US" dirty="0"/>
-              <a:t>Multi level cache (in memory on top of distributed)</a:t>
-            </a:r>
-          </a:p>
-          <a:p>
-            <a:pPr lvl="1"/>
-            <a:r>
-              <a:rPr lang="en-US" dirty="0"/>
-              <a:t>Manage some cache specific issues (cache stampede)</a:t>
-            </a:r>
-          </a:p>
-          <a:p>
-            <a:pPr lvl="1"/>
-            <a:r>
-              <a:rPr lang="en-US" dirty="0"/>
-              <a:t>Fail safe </a:t>
-            </a:r>
-          </a:p>
-          <a:p>
-            <a:pPr lvl="1"/>
-            <a:r>
-              <a:rPr lang="en-US" dirty="0" err="1"/>
-              <a:t>etc</a:t>
-            </a:r>
-            <a:r>
-              <a:rPr lang="en-US" dirty="0"/>
-              <a:t>…</a:t>
-            </a:r>
-          </a:p>
-          <a:p>
-            <a:pPr lvl="1"/>
-            <a:endParaRPr lang="en-US" dirty="0"/>
-          </a:p>
-          <a:p>
-            <a:pPr lvl="1"/>
-            <a:endParaRPr lang="en-US" dirty="0"/>
-          </a:p>
-          <a:p>
-            <a:endParaRPr lang="en-US" dirty="0"/>
-          </a:p>
-          <a:p>
-            <a:pPr lvl="1"/>
-            <a:endParaRPr lang="en-US" dirty="0"/>
           </a:p>
         </p:txBody>
       </p:sp>
     </p:spTree>
     <p:extLst>
       <p:ext uri="{BB962C8B-B14F-4D97-AF65-F5344CB8AC3E}">
-        <p14:creationId xmlns:p14="http://schemas.microsoft.com/office/powerpoint/2010/main" val="2629935148"/>
+        <p14:creationId xmlns:p14="http://schemas.microsoft.com/office/powerpoint/2010/main" val="3268183485"/>
       </p:ext>
     </p:extLst>
   </p:cSld>
@@ -3720,6 +3632,188 @@
           <a:p>
             <a:r>
               <a:rPr lang="en-US" dirty="0"/>
+              <a:t>We need more than just raw cache api .. </a:t>
+            </a:r>
+            <a:br>
+              <a:rPr lang="en-US" dirty="0"/>
+            </a:br>
+            <a:r>
+              <a:rPr lang="en-US" dirty="0"/>
+              <a:t>to cache like a pro </a:t>
+            </a:r>
+            <a:r>
+              <a:rPr lang="en-US" dirty="0">
+                <a:sym typeface="Wingdings" panose="05000000000000000000" pitchFamily="2" charset="2"/>
+              </a:rPr>
+              <a:t></a:t>
+            </a:r>
+            <a:endParaRPr lang="en-US" dirty="0"/>
+          </a:p>
+        </p:txBody>
+      </p:sp>
+      <p:sp>
+        <p:nvSpPr>
+          <p:cNvPr id="3" name="Content Placeholder 2">
+            <a:extLst>
+              <a:ext uri="{FF2B5EF4-FFF2-40B4-BE49-F238E27FC236}">
+                <a16:creationId xmlns:a16="http://schemas.microsoft.com/office/drawing/2014/main" id="{C5C7945F-9E84-52F0-7DD7-2ED7FDFB5482}"/>
+              </a:ext>
+            </a:extLst>
+          </p:cNvPr>
+          <p:cNvSpPr>
+            <a:spLocks noGrp="1"/>
+          </p:cNvSpPr>
+          <p:nvPr>
+            <p:ph idx="1"/>
+          </p:nvPr>
+        </p:nvSpPr>
+        <p:spPr>
+          <a:xfrm>
+            <a:off x="838200" y="1742042"/>
+            <a:ext cx="10515600" cy="4555063"/>
+          </a:xfrm>
+        </p:spPr>
+        <p:txBody>
+          <a:bodyPr>
+            <a:normAutofit/>
+          </a:bodyPr>
+          <a:lstStyle/>
+          <a:p>
+            <a:r>
+              <a:rPr lang="en-US" dirty="0"/>
+              <a:t>There are cache "frameworks" that add "</a:t>
+            </a:r>
+            <a:r>
+              <a:rPr lang="en-US" i="1" dirty="0"/>
+              <a:t>features</a:t>
+            </a:r>
+            <a:r>
+              <a:rPr lang="en-US" dirty="0"/>
+              <a:t>" on top of the </a:t>
+            </a:r>
+            <a:r>
+              <a:rPr lang="en-US" dirty="0" err="1"/>
+              <a:t>IMemoryCache</a:t>
+            </a:r>
+            <a:r>
+              <a:rPr lang="en-US" dirty="0"/>
+              <a:t> and </a:t>
+            </a:r>
+            <a:r>
+              <a:rPr lang="en-US" dirty="0" err="1"/>
+              <a:t>IDistributedCache</a:t>
+            </a:r>
+            <a:r>
+              <a:rPr lang="en-US" dirty="0"/>
+              <a:t>  implementations</a:t>
+            </a:r>
+          </a:p>
+          <a:p>
+            <a:pPr lvl="1"/>
+            <a:endParaRPr lang="en-US" dirty="0"/>
+          </a:p>
+          <a:p>
+            <a:pPr lvl="1"/>
+            <a:r>
+              <a:rPr lang="en-US" dirty="0"/>
+              <a:t>Multi level cache (in memory on top of distributed)</a:t>
+            </a:r>
+          </a:p>
+          <a:p>
+            <a:pPr lvl="1"/>
+            <a:r>
+              <a:rPr lang="en-US" dirty="0"/>
+              <a:t>Manage some cache specific issues (cache stampede)</a:t>
+            </a:r>
+          </a:p>
+          <a:p>
+            <a:pPr lvl="1"/>
+            <a:r>
+              <a:rPr lang="en-US" dirty="0"/>
+              <a:t>Fail safe </a:t>
+            </a:r>
+          </a:p>
+          <a:p>
+            <a:pPr lvl="1"/>
+            <a:r>
+              <a:rPr lang="en-US" dirty="0" err="1"/>
+              <a:t>etc</a:t>
+            </a:r>
+            <a:r>
+              <a:rPr lang="en-US" dirty="0"/>
+              <a:t>…</a:t>
+            </a:r>
+          </a:p>
+          <a:p>
+            <a:pPr lvl="1"/>
+            <a:endParaRPr lang="en-US" dirty="0"/>
+          </a:p>
+          <a:p>
+            <a:pPr lvl="1"/>
+            <a:endParaRPr lang="en-US" dirty="0"/>
+          </a:p>
+          <a:p>
+            <a:endParaRPr lang="en-US" dirty="0"/>
+          </a:p>
+          <a:p>
+            <a:pPr lvl="1"/>
+            <a:endParaRPr lang="en-US" dirty="0"/>
+          </a:p>
+        </p:txBody>
+      </p:sp>
+    </p:spTree>
+    <p:extLst>
+      <p:ext uri="{BB962C8B-B14F-4D97-AF65-F5344CB8AC3E}">
+        <p14:creationId xmlns:p14="http://schemas.microsoft.com/office/powerpoint/2010/main" val="2629935148"/>
+      </p:ext>
+    </p:extLst>
+  </p:cSld>
+  <p:clrMapOvr>
+    <a:masterClrMapping/>
+  </p:clrMapOvr>
+</p:sld>
+</file>
+
+<file path=ppt/slides/slide12.xml><?xml version="1.0" encoding="utf-8"?>
+<p:sld xmlns:a="http://schemas.openxmlformats.org/drawingml/2006/main" xmlns:r="http://schemas.openxmlformats.org/officeDocument/2006/relationships" xmlns:p="http://schemas.openxmlformats.org/presentationml/2006/main">
+  <p:cSld>
+    <p:spTree>
+      <p:nvGrpSpPr>
+        <p:cNvPr id="1" name=""/>
+        <p:cNvGrpSpPr/>
+        <p:nvPr/>
+      </p:nvGrpSpPr>
+      <p:grpSpPr>
+        <a:xfrm>
+          <a:off x="0" y="0"/>
+          <a:ext cx="0" cy="0"/>
+          <a:chOff x="0" y="0"/>
+          <a:chExt cx="0" cy="0"/>
+        </a:xfrm>
+      </p:grpSpPr>
+      <p:sp>
+        <p:nvSpPr>
+          <p:cNvPr id="2" name="Title 1">
+            <a:extLst>
+              <a:ext uri="{FF2B5EF4-FFF2-40B4-BE49-F238E27FC236}">
+                <a16:creationId xmlns:a16="http://schemas.microsoft.com/office/drawing/2014/main" id="{E57DA3C0-3710-D20C-CC0D-66224A3AB702}"/>
+              </a:ext>
+            </a:extLst>
+          </p:cNvPr>
+          <p:cNvSpPr>
+            <a:spLocks noGrp="1"/>
+          </p:cNvSpPr>
+          <p:nvPr>
+            <p:ph type="title"/>
+          </p:nvPr>
+        </p:nvSpPr>
+        <p:spPr/>
+        <p:txBody>
+          <a:bodyPr/>
+          <a:lstStyle/>
+          <a:p>
+            <a:r>
+              <a:rPr lang="en-US" dirty="0"/>
               <a:t>We need more than just raw cache api</a:t>
             </a:r>
           </a:p>
@@ -3787,14 +3881,14 @@
           <p:nvPr>
             <p:extLst>
               <p:ext uri="{D42A27DB-BD31-4B8C-83A1-F6EECF244321}">
-                <p14:modId xmlns:p14="http://schemas.microsoft.com/office/powerpoint/2010/main" val="4012545359"/>
+                <p14:modId xmlns:p14="http://schemas.microsoft.com/office/powerpoint/2010/main" val="1174355944"/>
               </p:ext>
             </p:extLst>
           </p:nvPr>
         </p:nvGraphicFramePr>
         <p:xfrm>
           <a:off x="838200" y="2318994"/>
-          <a:ext cx="10700207" cy="2569746"/>
+          <a:ext cx="10700207" cy="3026946"/>
         </p:xfrm>
         <a:graphic>
           <a:graphicData uri="http://schemas.openxmlformats.org/drawingml/2006/table">
@@ -4201,7 +4295,7 @@
                     <a:lstStyle/>
                     <a:p>
                       <a:r>
-                        <a:rPr lang="en-US" i="1" dirty="0">
+                        <a:rPr lang="en-US" sz="2400" i="1" dirty="0">
                           <a:solidFill>
                             <a:schemeClr val="accent2">
                               <a:lumMod val="75000"/>
@@ -4210,7 +4304,7 @@
                         </a:rPr>
                         <a:t>Fusion Cache </a:t>
                       </a:r>
-                      <a:endParaRPr lang="en-US" dirty="0"/>
+                      <a:endParaRPr lang="en-US" sz="2400" dirty="0"/>
                     </a:p>
                   </a:txBody>
                   <a:tcPr/>
@@ -4277,7 +4371,7 @@
 </p:sld>
 </file>
 
-<file path=ppt/slides/slide12.xml><?xml version="1.0" encoding="utf-8"?>
+<file path=ppt/slides/slide13.xml><?xml version="1.0" encoding="utf-8"?>
 <p:sld xmlns:a="http://schemas.openxmlformats.org/drawingml/2006/main" xmlns:r="http://schemas.openxmlformats.org/officeDocument/2006/relationships" xmlns:p="http://schemas.openxmlformats.org/presentationml/2006/main">
   <p:cSld>
     <p:spTree>
@@ -4338,101 +4432,331 @@
             <p:ph idx="1"/>
           </p:nvPr>
         </p:nvSpPr>
-        <p:spPr/>
+        <p:spPr>
+          <a:xfrm>
+            <a:off x="838200" y="1328475"/>
+            <a:ext cx="10515600" cy="4351338"/>
+          </a:xfrm>
+        </p:spPr>
         <p:txBody>
           <a:bodyPr>
-            <a:normAutofit fontScale="92500" lnSpcReduction="10000"/>
+            <a:normAutofit/>
           </a:bodyPr>
           <a:lstStyle/>
           <a:p>
             <a:r>
               <a:rPr lang="en-US" dirty="0"/>
-              <a:t>Backplane</a:t>
+              <a:t>The main api: </a:t>
+            </a:r>
+            <a:r>
+              <a:rPr lang="en-US" dirty="0" err="1"/>
+              <a:t>GetOrSet</a:t>
+            </a:r>
+            <a:r>
+              <a:rPr lang="en-US" dirty="0"/>
+              <a:t>(Async), it requires </a:t>
             </a:r>
           </a:p>
           <a:p>
             <a:pPr lvl="1"/>
             <a:r>
               <a:rPr lang="en-US" dirty="0"/>
-              <a:t>Sync values across nodes </a:t>
-            </a:r>
-          </a:p>
-          <a:p>
-            <a:r>
-              <a:rPr lang="en-US" dirty="0"/>
-              <a:t>Cache stampede</a:t>
+              <a:t>Function to get the data is there is a cache miss</a:t>
             </a:r>
           </a:p>
           <a:p>
             <a:pPr lvl="1"/>
             <a:r>
               <a:rPr lang="en-US" dirty="0"/>
-              <a:t>"All" rush to origin to get same key when it expires</a:t>
-            </a:r>
-          </a:p>
-          <a:p>
-            <a:r>
-              <a:rPr lang="en-US" dirty="0"/>
-              <a:t>Fail-Safe</a:t>
-            </a:r>
-          </a:p>
-          <a:p>
-            <a:pPr lvl="1"/>
-            <a:r>
-              <a:rPr lang="en-US" dirty="0"/>
-              <a:t>Provide expired values if origin fails or takes too long to reply</a:t>
-            </a:r>
-          </a:p>
-          <a:p>
-            <a:pPr lvl="1"/>
-            <a:r>
-              <a:rPr lang="en-US" dirty="0"/>
-              <a:t>Factory Timeouts</a:t>
-            </a:r>
-          </a:p>
-          <a:p>
-            <a:r>
-              <a:rPr lang="en-US" dirty="0"/>
-              <a:t>Auto-Recovery</a:t>
-            </a:r>
-          </a:p>
-          <a:p>
-            <a:pPr lvl="1"/>
-            <a:r>
-              <a:rPr lang="en-US" dirty="0"/>
-              <a:t>Queue locally </a:t>
-            </a:r>
-            <a:r>
-              <a:rPr lang="en-US" dirty="0">
-                <a:solidFill>
-                  <a:srgbClr val="FF0000"/>
-                </a:solidFill>
+              <a:t>Optional policy (if not provided a default one registered at startup is used)</a:t>
+            </a:r>
+          </a:p>
+          <a:p>
+            <a:pPr lvl="2"/>
+            <a:r>
+              <a:rPr lang="en-US" dirty="0"/>
+              <a:t>Expiration </a:t>
+            </a:r>
+          </a:p>
+          <a:p>
+            <a:pPr lvl="2"/>
+            <a:r>
+              <a:rPr lang="en-US" dirty="0"/>
+              <a:t>Default value</a:t>
+            </a:r>
+          </a:p>
+          <a:p>
+            <a:pPr lvl="2"/>
+            <a:r>
+              <a:rPr lang="en-US" dirty="0"/>
+              <a:t>Timeouts </a:t>
+            </a:r>
+          </a:p>
+          <a:p>
+            <a:pPr lvl="2"/>
+            <a:r>
+              <a:rPr lang="en-US" dirty="0"/>
+              <a:t>Fail Safe</a:t>
+            </a:r>
+          </a:p>
+          <a:p>
+            <a:endParaRPr lang="en-US" dirty="0"/>
+          </a:p>
+          <a:p>
+            <a:endParaRPr lang="en-US" dirty="0"/>
+          </a:p>
+        </p:txBody>
+      </p:sp>
+      <p:sp>
+        <p:nvSpPr>
+          <p:cNvPr id="4" name="TextBox 3">
+            <a:extLst>
+              <a:ext uri="{FF2B5EF4-FFF2-40B4-BE49-F238E27FC236}">
+                <a16:creationId xmlns:a16="http://schemas.microsoft.com/office/drawing/2014/main" id="{BB7C8D49-C6C3-3F18-E18D-A174359898DC}"/>
+              </a:ext>
+            </a:extLst>
+          </p:cNvPr>
+          <p:cNvSpPr txBox="1"/>
+          <p:nvPr/>
+        </p:nvSpPr>
+        <p:spPr>
+          <a:xfrm>
+            <a:off x="555603" y="4017629"/>
+            <a:ext cx="10884711" cy="2062103"/>
+          </a:xfrm>
+          <a:prstGeom prst="rect">
+            <a:avLst/>
+          </a:prstGeom>
+          <a:noFill/>
+        </p:spPr>
+        <p:txBody>
+          <a:bodyPr wrap="none" rtlCol="0">
+            <a:spAutoFit/>
+          </a:bodyPr>
+          <a:lstStyle/>
+          <a:p>
+            <a:r>
+              <a:rPr lang="en-US" sz="1600" dirty="0">
+                <a:solidFill>
+                  <a:srgbClr val="000000"/>
+                </a:solidFill>
+                <a:latin typeface="Cascadia Mono" panose="020B0609020000020004" pitchFamily="49" charset="0"/>
               </a:rPr>
-              <a:t>XXX </a:t>
-            </a:r>
-            <a:r>
-              <a:rPr lang="en-US" dirty="0"/>
-              <a:t>and backplane actions in case of temporary network failures</a:t>
-            </a:r>
-          </a:p>
-          <a:p>
-            <a:r>
-              <a:rPr lang="en-US" dirty="0"/>
-              <a:t>Adaptive Caching</a:t>
-            </a:r>
-          </a:p>
-          <a:p>
-            <a:pPr lvl="1"/>
-            <a:r>
-              <a:rPr lang="en-US" dirty="0"/>
-              <a:t>Custom caching duration </a:t>
-            </a:r>
-          </a:p>
-          <a:p>
-            <a:endParaRPr lang="en-US" dirty="0"/>
-          </a:p>
-          <a:p>
-            <a:endParaRPr lang="en-US" dirty="0"/>
+              <a:t>[</a:t>
+            </a:r>
+            <a:r>
+              <a:rPr lang="en-US" sz="1600" dirty="0" err="1">
+                <a:solidFill>
+                  <a:srgbClr val="000000"/>
+                </a:solidFill>
+                <a:latin typeface="Cascadia Mono" panose="020B0609020000020004" pitchFamily="49" charset="0"/>
+              </a:rPr>
+              <a:t>HttpGet</a:t>
+            </a:r>
+            <a:r>
+              <a:rPr lang="en-US" sz="1600" dirty="0">
+                <a:solidFill>
+                  <a:srgbClr val="000000"/>
+                </a:solidFill>
+                <a:latin typeface="Cascadia Mono" panose="020B0609020000020004" pitchFamily="49" charset="0"/>
+              </a:rPr>
+              <a:t>(template: "get-or-set-cache-entry")]</a:t>
+            </a:r>
+          </a:p>
+          <a:p>
+            <a:r>
+              <a:rPr lang="en-US" sz="1600" dirty="0">
+                <a:solidFill>
+                  <a:srgbClr val="000000"/>
+                </a:solidFill>
+                <a:latin typeface="Cascadia Mono" panose="020B0609020000020004" pitchFamily="49" charset="0"/>
+              </a:rPr>
+              <a:t>public async Task&lt;string&gt; </a:t>
+            </a:r>
+            <a:r>
+              <a:rPr lang="en-US" sz="1600" dirty="0" err="1">
+                <a:solidFill>
+                  <a:srgbClr val="000000"/>
+                </a:solidFill>
+                <a:latin typeface="Cascadia Mono" panose="020B0609020000020004" pitchFamily="49" charset="0"/>
+              </a:rPr>
+              <a:t>GetCacheEntry</a:t>
+            </a:r>
+            <a:r>
+              <a:rPr lang="en-US" sz="1600" dirty="0">
+                <a:solidFill>
+                  <a:srgbClr val="000000"/>
+                </a:solidFill>
+                <a:latin typeface="Cascadia Mono" panose="020B0609020000020004" pitchFamily="49" charset="0"/>
+              </a:rPr>
+              <a:t>(string value) {</a:t>
+            </a:r>
+          </a:p>
+          <a:p>
+            <a:r>
+              <a:rPr lang="en-US" sz="1600" dirty="0">
+                <a:solidFill>
+                  <a:srgbClr val="000000"/>
+                </a:solidFill>
+                <a:latin typeface="Cascadia Mono" panose="020B0609020000020004" pitchFamily="49" charset="0"/>
+              </a:rPr>
+              <a:t>  async Task&lt;string&gt; Factory(</a:t>
+            </a:r>
+            <a:r>
+              <a:rPr lang="en-US" sz="1600" dirty="0" err="1">
+                <a:solidFill>
+                  <a:srgbClr val="000000"/>
+                </a:solidFill>
+                <a:latin typeface="Cascadia Mono" panose="020B0609020000020004" pitchFamily="49" charset="0"/>
+              </a:rPr>
+              <a:t>CancellationToken</a:t>
+            </a:r>
+            <a:r>
+              <a:rPr lang="en-US" sz="1600" dirty="0">
+                <a:solidFill>
+                  <a:srgbClr val="000000"/>
+                </a:solidFill>
+                <a:latin typeface="Cascadia Mono" panose="020B0609020000020004" pitchFamily="49" charset="0"/>
+              </a:rPr>
+              <a:t> _) {</a:t>
+            </a:r>
+          </a:p>
+          <a:p>
+            <a:r>
+              <a:rPr lang="en-US" sz="1600" dirty="0">
+                <a:solidFill>
+                  <a:srgbClr val="000000"/>
+                </a:solidFill>
+                <a:latin typeface="Cascadia Mono" panose="020B0609020000020004" pitchFamily="49" charset="0"/>
+              </a:rPr>
+              <a:t>    return await </a:t>
+            </a:r>
+            <a:r>
+              <a:rPr lang="en-US" sz="1600" dirty="0" err="1">
+                <a:solidFill>
+                  <a:srgbClr val="000000"/>
+                </a:solidFill>
+                <a:latin typeface="Cascadia Mono" panose="020B0609020000020004" pitchFamily="49" charset="0"/>
+              </a:rPr>
+              <a:t>Task.FromResult</a:t>
+            </a:r>
+            <a:r>
+              <a:rPr lang="en-US" sz="1600" dirty="0">
+                <a:solidFill>
+                  <a:srgbClr val="000000"/>
+                </a:solidFill>
+                <a:latin typeface="Cascadia Mono" panose="020B0609020000020004" pitchFamily="49" charset="0"/>
+              </a:rPr>
+              <a:t>((new Random()).Next().</a:t>
+            </a:r>
+            <a:r>
+              <a:rPr lang="en-US" sz="1600" dirty="0" err="1">
+                <a:solidFill>
+                  <a:srgbClr val="000000"/>
+                </a:solidFill>
+                <a:latin typeface="Cascadia Mono" panose="020B0609020000020004" pitchFamily="49" charset="0"/>
+              </a:rPr>
+              <a:t>ToString</a:t>
+            </a:r>
+            <a:r>
+              <a:rPr lang="en-US" sz="1600" dirty="0">
+                <a:solidFill>
+                  <a:srgbClr val="000000"/>
+                </a:solidFill>
+                <a:latin typeface="Cascadia Mono" panose="020B0609020000020004" pitchFamily="49" charset="0"/>
+              </a:rPr>
+              <a:t>());</a:t>
+            </a:r>
+          </a:p>
+          <a:p>
+            <a:r>
+              <a:rPr lang="en-US" sz="1600" dirty="0">
+                <a:solidFill>
+                  <a:srgbClr val="000000"/>
+                </a:solidFill>
+                <a:latin typeface="Cascadia Mono" panose="020B0609020000020004" pitchFamily="49" charset="0"/>
+              </a:rPr>
+              <a:t>  }</a:t>
+            </a:r>
+          </a:p>
+          <a:p>
+            <a:r>
+              <a:rPr lang="en-US" sz="1600" dirty="0">
+                <a:solidFill>
+                  <a:srgbClr val="000000"/>
+                </a:solidFill>
+                <a:latin typeface="Cascadia Mono" panose="020B0609020000020004" pitchFamily="49" charset="0"/>
+              </a:rPr>
+              <a:t>  var ret = await _</a:t>
+            </a:r>
+            <a:r>
+              <a:rPr lang="en-US" sz="1600" dirty="0" err="1">
+                <a:solidFill>
+                  <a:srgbClr val="000000"/>
+                </a:solidFill>
+                <a:latin typeface="Cascadia Mono" panose="020B0609020000020004" pitchFamily="49" charset="0"/>
+              </a:rPr>
+              <a:t>fusionCacheWrapper.GetOrSetAsync</a:t>
+            </a:r>
+            <a:r>
+              <a:rPr lang="en-US" sz="1600" dirty="0">
+                <a:solidFill>
+                  <a:srgbClr val="000000"/>
+                </a:solidFill>
+                <a:latin typeface="Cascadia Mono" panose="020B0609020000020004" pitchFamily="49" charset="0"/>
+              </a:rPr>
+              <a:t>("cache-entry", Factory, </a:t>
+            </a:r>
+            <a:r>
+              <a:rPr lang="en-US" sz="1600" dirty="0" err="1">
+                <a:solidFill>
+                  <a:srgbClr val="000000"/>
+                </a:solidFill>
+                <a:latin typeface="Cascadia Mono" panose="020B0609020000020004" pitchFamily="49" charset="0"/>
+              </a:rPr>
+              <a:t>myOptions</a:t>
+            </a:r>
+            <a:r>
+              <a:rPr lang="en-US" sz="1600" dirty="0">
+                <a:solidFill>
+                  <a:srgbClr val="000000"/>
+                </a:solidFill>
+                <a:latin typeface="Cascadia Mono" panose="020B0609020000020004" pitchFamily="49" charset="0"/>
+              </a:rPr>
+              <a:t>);</a:t>
+            </a:r>
+          </a:p>
+          <a:p>
+            <a:r>
+              <a:rPr lang="en-US" sz="1600">
+                <a:solidFill>
+                  <a:srgbClr val="000000"/>
+                </a:solidFill>
+                <a:latin typeface="Cascadia Mono" panose="020B0609020000020004" pitchFamily="49" charset="0"/>
+              </a:rPr>
+              <a:t>  </a:t>
+            </a:r>
+            <a:r>
+              <a:rPr lang="en-US" sz="1600" dirty="0">
+                <a:solidFill>
+                  <a:srgbClr val="000000"/>
+                </a:solidFill>
+                <a:latin typeface="Cascadia Mono" panose="020B0609020000020004" pitchFamily="49" charset="0"/>
+              </a:rPr>
+              <a:t>return ret;</a:t>
+            </a:r>
+          </a:p>
+          <a:p>
+            <a:r>
+              <a:rPr lang="en-US" sz="1600" dirty="0">
+                <a:solidFill>
+                  <a:srgbClr val="000000"/>
+                </a:solidFill>
+                <a:latin typeface="Cascadia Mono" panose="020B0609020000020004" pitchFamily="49" charset="0"/>
+              </a:rPr>
+              <a:t>}</a:t>
+            </a:r>
+            <a:endParaRPr lang="en-US" sz="1600" dirty="0"/>
           </a:p>
         </p:txBody>
       </p:sp>
@@ -4449,7 +4773,167 @@
 </p:sld>
 </file>
 
-<file path=ppt/slides/slide13.xml><?xml version="1.0" encoding="utf-8"?>
+<file path=ppt/slides/slide14.xml><?xml version="1.0" encoding="utf-8"?>
+<p:sld xmlns:a="http://schemas.openxmlformats.org/drawingml/2006/main" xmlns:r="http://schemas.openxmlformats.org/officeDocument/2006/relationships" xmlns:p="http://schemas.openxmlformats.org/presentationml/2006/main">
+  <p:cSld>
+    <p:spTree>
+      <p:nvGrpSpPr>
+        <p:cNvPr id="1" name=""/>
+        <p:cNvGrpSpPr/>
+        <p:nvPr/>
+      </p:nvGrpSpPr>
+      <p:grpSpPr>
+        <a:xfrm>
+          <a:off x="0" y="0"/>
+          <a:ext cx="0" cy="0"/>
+          <a:chOff x="0" y="0"/>
+          <a:chExt cx="0" cy="0"/>
+        </a:xfrm>
+      </p:grpSpPr>
+      <p:sp>
+        <p:nvSpPr>
+          <p:cNvPr id="2" name="Title 1">
+            <a:extLst>
+              <a:ext uri="{FF2B5EF4-FFF2-40B4-BE49-F238E27FC236}">
+                <a16:creationId xmlns:a16="http://schemas.microsoft.com/office/drawing/2014/main" id="{6DA7CF98-B5C3-6707-D594-BAB3B1E1E832}"/>
+              </a:ext>
+            </a:extLst>
+          </p:cNvPr>
+          <p:cNvSpPr>
+            <a:spLocks noGrp="1"/>
+          </p:cNvSpPr>
+          <p:nvPr>
+            <p:ph type="title"/>
+          </p:nvPr>
+        </p:nvSpPr>
+        <p:spPr/>
+        <p:txBody>
+          <a:bodyPr/>
+          <a:lstStyle/>
+          <a:p>
+            <a:r>
+              <a:rPr lang="en-US" dirty="0"/>
+              <a:t>Introduction to fusion cache</a:t>
+            </a:r>
+          </a:p>
+        </p:txBody>
+      </p:sp>
+      <p:sp>
+        <p:nvSpPr>
+          <p:cNvPr id="3" name="Content Placeholder 2">
+            <a:extLst>
+              <a:ext uri="{FF2B5EF4-FFF2-40B4-BE49-F238E27FC236}">
+                <a16:creationId xmlns:a16="http://schemas.microsoft.com/office/drawing/2014/main" id="{4EE2669E-596B-E86E-E0E5-C04B6F827164}"/>
+              </a:ext>
+            </a:extLst>
+          </p:cNvPr>
+          <p:cNvSpPr>
+            <a:spLocks noGrp="1"/>
+          </p:cNvSpPr>
+          <p:nvPr>
+            <p:ph idx="1"/>
+          </p:nvPr>
+        </p:nvSpPr>
+        <p:spPr/>
+        <p:txBody>
+          <a:bodyPr>
+            <a:normAutofit fontScale="92500" lnSpcReduction="20000"/>
+          </a:bodyPr>
+          <a:lstStyle/>
+          <a:p>
+            <a:r>
+              <a:rPr lang="en-US" dirty="0"/>
+              <a:t>Backplane</a:t>
+            </a:r>
+          </a:p>
+          <a:p>
+            <a:pPr lvl="1"/>
+            <a:r>
+              <a:rPr lang="en-US" dirty="0"/>
+              <a:t>Sync values across nodes (in-memory cache) </a:t>
+            </a:r>
+          </a:p>
+          <a:p>
+            <a:r>
+              <a:rPr lang="en-US" dirty="0"/>
+              <a:t>Avoid Cache stampede</a:t>
+            </a:r>
+          </a:p>
+          <a:p>
+            <a:pPr lvl="1"/>
+            <a:r>
+              <a:rPr lang="en-US" dirty="0"/>
+              <a:t>Avoid "All" rush to origin to get same key when it expires (see demo)</a:t>
+            </a:r>
+          </a:p>
+          <a:p>
+            <a:r>
+              <a:rPr lang="en-US" dirty="0"/>
+              <a:t>Fail-Safe</a:t>
+            </a:r>
+          </a:p>
+          <a:p>
+            <a:pPr lvl="1"/>
+            <a:r>
+              <a:rPr lang="en-US" dirty="0"/>
+              <a:t>Provide expired values if origin fails or takes too long to reply</a:t>
+            </a:r>
+          </a:p>
+          <a:p>
+            <a:pPr lvl="1"/>
+            <a:r>
+              <a:rPr lang="en-US" dirty="0"/>
+              <a:t>Factory Timeouts</a:t>
+            </a:r>
+          </a:p>
+          <a:p>
+            <a:r>
+              <a:rPr lang="en-US" dirty="0"/>
+              <a:t>Auto-Recovery</a:t>
+            </a:r>
+          </a:p>
+          <a:p>
+            <a:pPr lvl="1"/>
+            <a:r>
+              <a:rPr lang="en-US" dirty="0"/>
+              <a:t>Queue locally cache and backplane related activities in case of temporary network failures, retries in background</a:t>
+            </a:r>
+          </a:p>
+          <a:p>
+            <a:r>
+              <a:rPr lang="en-US" dirty="0"/>
+              <a:t>Adaptive Caching</a:t>
+            </a:r>
+          </a:p>
+          <a:p>
+            <a:pPr lvl="1"/>
+            <a:r>
+              <a:rPr lang="en-US" dirty="0"/>
+              <a:t>Custom caching duration </a:t>
+            </a:r>
+          </a:p>
+          <a:p>
+            <a:endParaRPr lang="en-US" dirty="0"/>
+          </a:p>
+          <a:p>
+            <a:endParaRPr lang="en-US" dirty="0"/>
+          </a:p>
+        </p:txBody>
+      </p:sp>
+    </p:spTree>
+    <p:extLst>
+      <p:ext uri="{BB962C8B-B14F-4D97-AF65-F5344CB8AC3E}">
+        <p14:creationId xmlns:p14="http://schemas.microsoft.com/office/powerpoint/2010/main" val="1377340055"/>
+      </p:ext>
+    </p:extLst>
+  </p:cSld>
+  <p:clrMapOvr>
+    <a:masterClrMapping/>
+  </p:clrMapOvr>
+</p:sld>
+</file>
+
+<file path=ppt/slides/slide15.xml><?xml version="1.0" encoding="utf-8"?>
 <p:sld xmlns:a="http://schemas.openxmlformats.org/drawingml/2006/main" xmlns:r="http://schemas.openxmlformats.org/officeDocument/2006/relationships" xmlns:p="http://schemas.openxmlformats.org/presentationml/2006/main">
   <p:cSld>
     <p:spTree>
@@ -4618,7 +5102,7 @@
           <a:p>
             <a:r>
               <a:rPr lang="en-US" dirty="0"/>
-              <a:t>Introduction to fusion cache</a:t>
+              <a:t>Enter "fusion cache"</a:t>
             </a:r>
           </a:p>
           <a:p>
@@ -4925,7 +5409,11 @@
           <a:p>
             <a:r>
               <a:rPr lang="en-US" dirty="0"/>
-              <a:t>responsibility of setting the cache if there is a cache miss</a:t>
+              <a:t>Application code is responsible to push the value in the cache if there is a </a:t>
+            </a:r>
+            <a:r>
+              <a:rPr lang="en-US" i="1" dirty="0"/>
+              <a:t>"cache miss"</a:t>
             </a:r>
           </a:p>
         </p:txBody>
@@ -4965,22 +5453,22 @@
           <a:p>
             <a:r>
               <a:rPr lang="en-US" sz="1400" dirty="0">
-                <a:latin typeface="Courier New" panose="02070309020205020404" pitchFamily="49" charset="0"/>
-                <a:cs typeface="Courier New" panose="02070309020205020404" pitchFamily="49" charset="0"/>
+                <a:latin typeface="Cascadia Mono" panose="020B0609020000020004" pitchFamily="49" charset="0"/>
+                <a:cs typeface="Cascadia Mono" panose="020B0609020000020004" pitchFamily="49" charset="0"/>
               </a:rPr>
               <a:t>var ret = await _</a:t>
             </a:r>
             <a:r>
               <a:rPr lang="en-US" sz="1400" dirty="0" err="1">
-                <a:latin typeface="Courier New" panose="02070309020205020404" pitchFamily="49" charset="0"/>
-                <a:cs typeface="Courier New" panose="02070309020205020404" pitchFamily="49" charset="0"/>
+                <a:latin typeface="Cascadia Mono" panose="020B0609020000020004" pitchFamily="49" charset="0"/>
+                <a:cs typeface="Cascadia Mono" panose="020B0609020000020004" pitchFamily="49" charset="0"/>
               </a:rPr>
               <a:t>cache.GetStringAsync</a:t>
             </a:r>
             <a:r>
               <a:rPr lang="en-US" sz="1400" dirty="0">
-                <a:latin typeface="Courier New" panose="02070309020205020404" pitchFamily="49" charset="0"/>
-                <a:cs typeface="Courier New" panose="02070309020205020404" pitchFamily="49" charset="0"/>
+                <a:latin typeface="Cascadia Mono" panose="020B0609020000020004" pitchFamily="49" charset="0"/>
+                <a:cs typeface="Cascadia Mono" panose="020B0609020000020004" pitchFamily="49" charset="0"/>
               </a:rPr>
               <a:t>(location);</a:t>
             </a:r>
@@ -4988,8 +5476,8 @@
           <a:p>
             <a:r>
               <a:rPr lang="en-US" sz="1400" dirty="0">
-                <a:latin typeface="Courier New" panose="02070309020205020404" pitchFamily="49" charset="0"/>
-                <a:cs typeface="Courier New" panose="02070309020205020404" pitchFamily="49" charset="0"/>
+                <a:latin typeface="Cascadia Mono" panose="020B0609020000020004" pitchFamily="49" charset="0"/>
+                <a:cs typeface="Cascadia Mono" panose="020B0609020000020004" pitchFamily="49" charset="0"/>
               </a:rPr>
               <a:t>if(ret == null)</a:t>
             </a:r>
@@ -4997,8 +5485,8 @@
           <a:p>
             <a:r>
               <a:rPr lang="en-US" sz="1400" dirty="0">
-                <a:latin typeface="Courier New" panose="02070309020205020404" pitchFamily="49" charset="0"/>
-                <a:cs typeface="Courier New" panose="02070309020205020404" pitchFamily="49" charset="0"/>
+                <a:latin typeface="Cascadia Mono" panose="020B0609020000020004" pitchFamily="49" charset="0"/>
+                <a:cs typeface="Cascadia Mono" panose="020B0609020000020004" pitchFamily="49" charset="0"/>
               </a:rPr>
               <a:t>{</a:t>
             </a:r>
@@ -5006,22 +5494,22 @@
           <a:p>
             <a:r>
               <a:rPr lang="en-US" sz="1400" dirty="0">
-                <a:latin typeface="Courier New" panose="02070309020205020404" pitchFamily="49" charset="0"/>
-                <a:cs typeface="Courier New" panose="02070309020205020404" pitchFamily="49" charset="0"/>
+                <a:latin typeface="Cascadia Mono" panose="020B0609020000020004" pitchFamily="49" charset="0"/>
+                <a:cs typeface="Cascadia Mono" panose="020B0609020000020004" pitchFamily="49" charset="0"/>
               </a:rPr>
               <a:t>    ret = await _</a:t>
             </a:r>
             <a:r>
               <a:rPr lang="en-US" sz="1400" dirty="0" err="1">
-                <a:latin typeface="Courier New" panose="02070309020205020404" pitchFamily="49" charset="0"/>
-                <a:cs typeface="Courier New" panose="02070309020205020404" pitchFamily="49" charset="0"/>
+                <a:latin typeface="Cascadia Mono" panose="020B0609020000020004" pitchFamily="49" charset="0"/>
+                <a:cs typeface="Cascadia Mono" panose="020B0609020000020004" pitchFamily="49" charset="0"/>
               </a:rPr>
               <a:t>dataSources.GetCurrentTime</a:t>
             </a:r>
             <a:r>
               <a:rPr lang="en-US" sz="1400" dirty="0">
-                <a:latin typeface="Courier New" panose="02070309020205020404" pitchFamily="49" charset="0"/>
-                <a:cs typeface="Courier New" panose="02070309020205020404" pitchFamily="49" charset="0"/>
+                <a:latin typeface="Cascadia Mono" panose="020B0609020000020004" pitchFamily="49" charset="0"/>
+                <a:cs typeface="Cascadia Mono" panose="020B0609020000020004" pitchFamily="49" charset="0"/>
               </a:rPr>
               <a:t>(location);</a:t>
             </a:r>
@@ -5029,22 +5517,22 @@
           <a:p>
             <a:r>
               <a:rPr lang="en-US" sz="1400" dirty="0">
-                <a:latin typeface="Courier New" panose="02070309020205020404" pitchFamily="49" charset="0"/>
-                <a:cs typeface="Courier New" panose="02070309020205020404" pitchFamily="49" charset="0"/>
+                <a:latin typeface="Cascadia Mono" panose="020B0609020000020004" pitchFamily="49" charset="0"/>
+                <a:cs typeface="Cascadia Mono" panose="020B0609020000020004" pitchFamily="49" charset="0"/>
               </a:rPr>
               <a:t>    await _</a:t>
             </a:r>
             <a:r>
               <a:rPr lang="en-US" sz="1400" dirty="0" err="1">
-                <a:latin typeface="Courier New" panose="02070309020205020404" pitchFamily="49" charset="0"/>
-                <a:cs typeface="Courier New" panose="02070309020205020404" pitchFamily="49" charset="0"/>
+                <a:latin typeface="Cascadia Mono" panose="020B0609020000020004" pitchFamily="49" charset="0"/>
+                <a:cs typeface="Cascadia Mono" panose="020B0609020000020004" pitchFamily="49" charset="0"/>
               </a:rPr>
               <a:t>cache.SetStringAsync</a:t>
             </a:r>
             <a:r>
               <a:rPr lang="en-US" sz="1400" dirty="0">
-                <a:latin typeface="Courier New" panose="02070309020205020404" pitchFamily="49" charset="0"/>
-                <a:cs typeface="Courier New" panose="02070309020205020404" pitchFamily="49" charset="0"/>
+                <a:latin typeface="Cascadia Mono" panose="020B0609020000020004" pitchFamily="49" charset="0"/>
+                <a:cs typeface="Cascadia Mono" panose="020B0609020000020004" pitchFamily="49" charset="0"/>
               </a:rPr>
               <a:t>(location, ret);</a:t>
             </a:r>
@@ -5052,8 +5540,8 @@
           <a:p>
             <a:r>
               <a:rPr lang="en-US" sz="1400" dirty="0">
-                <a:latin typeface="Courier New" panose="02070309020205020404" pitchFamily="49" charset="0"/>
-                <a:cs typeface="Courier New" panose="02070309020205020404" pitchFamily="49" charset="0"/>
+                <a:latin typeface="Cascadia Mono" panose="020B0609020000020004" pitchFamily="49" charset="0"/>
+                <a:cs typeface="Cascadia Mono" panose="020B0609020000020004" pitchFamily="49" charset="0"/>
               </a:rPr>
               <a:t>}</a:t>
             </a:r>
@@ -5061,8 +5549,8 @@
           <a:p>
             <a:r>
               <a:rPr lang="en-US" sz="1400" dirty="0">
-                <a:latin typeface="Courier New" panose="02070309020205020404" pitchFamily="49" charset="0"/>
-                <a:cs typeface="Courier New" panose="02070309020205020404" pitchFamily="49" charset="0"/>
+                <a:latin typeface="Cascadia Mono" panose="020B0609020000020004" pitchFamily="49" charset="0"/>
+                <a:cs typeface="Cascadia Mono" panose="020B0609020000020004" pitchFamily="49" charset="0"/>
               </a:rPr>
               <a:t>return ret;</a:t>
             </a:r>
@@ -6273,6 +6761,13 @@
               <a:t>the scope of change in the DB does not match the scope of cache items</a:t>
             </a:r>
           </a:p>
+          <a:p>
+            <a:pPr lvl="1"/>
+            <a:r>
+              <a:rPr lang="en-US" dirty="0"/>
+              <a:t>Invalidate notification must be sent to all processes holding the cached value in memory </a:t>
+            </a:r>
+          </a:p>
         </p:txBody>
       </p:sp>
     </p:spTree>
@@ -6363,6 +6858,13 @@
             <a:pPr lvl="1"/>
             <a:r>
               <a:rPr lang="en-US" dirty="0"/>
+              <a:t>Faster </a:t>
+            </a:r>
+          </a:p>
+          <a:p>
+            <a:pPr lvl="1"/>
+            <a:r>
+              <a:rPr lang="en-US" dirty="0"/>
               <a:t>Less cache hits in web farm scenario </a:t>
             </a:r>
           </a:p>
@@ -6370,37 +6872,30 @@
             <a:pPr lvl="1"/>
             <a:r>
               <a:rPr lang="en-US" dirty="0"/>
-              <a:t>Faster</a:t>
+              <a:t>Monitor memory usage</a:t>
+            </a:r>
+          </a:p>
+          <a:p>
+            <a:endParaRPr lang="en-US" dirty="0"/>
+          </a:p>
+          <a:p>
+            <a:r>
+              <a:rPr lang="en-US" dirty="0"/>
+              <a:t>Distributed</a:t>
             </a:r>
           </a:p>
           <a:p>
             <a:pPr lvl="1"/>
             <a:r>
               <a:rPr lang="en-US" dirty="0"/>
-              <a:t>Monitor memory usage</a:t>
-            </a:r>
-          </a:p>
-          <a:p>
-            <a:endParaRPr lang="en-US" dirty="0"/>
-          </a:p>
-          <a:p>
-            <a:r>
-              <a:rPr lang="en-US" dirty="0"/>
-              <a:t>Distributed</a:t>
+              <a:t>Improved cache hits</a:t>
             </a:r>
           </a:p>
           <a:p>
             <a:pPr lvl="1"/>
             <a:r>
               <a:rPr lang="en-US" dirty="0"/>
-              <a:t>Improved cache hits</a:t>
-            </a:r>
-          </a:p>
-          <a:p>
-            <a:pPr lvl="1"/>
-            <a:r>
-              <a:rPr lang="en-US" dirty="0"/>
-              <a:t>Redis is fast, still you are still doing a network roundtrip</a:t>
+              <a:t>Some solutions (Redis) are fast, still remember you are still doing a network roundtrip</a:t>
             </a:r>
           </a:p>
           <a:p>

--- a/cache-like-a-pro.pptx
+++ b/cache-like-a-pro.pptx
@@ -17,9 +17,15 @@
     <p:sldId id="270" r:id="rId11"/>
     <p:sldId id="267" r:id="rId12"/>
     <p:sldId id="268" r:id="rId13"/>
-    <p:sldId id="261" r:id="rId14"/>
-    <p:sldId id="271" r:id="rId15"/>
-    <p:sldId id="269" r:id="rId16"/>
+    <p:sldId id="272" r:id="rId14"/>
+    <p:sldId id="261" r:id="rId15"/>
+    <p:sldId id="271" r:id="rId16"/>
+    <p:sldId id="277" r:id="rId17"/>
+    <p:sldId id="273" r:id="rId18"/>
+    <p:sldId id="275" r:id="rId19"/>
+    <p:sldId id="278" r:id="rId20"/>
+    <p:sldId id="274" r:id="rId21"/>
+    <p:sldId id="276" r:id="rId22"/>
   </p:sldIdLst>
   <p:sldSz cx="12192000" cy="6858000"/>
   <p:notesSz cx="6858000" cy="9144000"/>
@@ -273,7 +279,7 @@
           <a:p>
             <a:fld id="{7D239A87-38DC-4C6E-8233-D704AE9A351F}" type="datetimeFigureOut">
               <a:rPr lang="en-US" smtClean="0"/>
-              <a:t>5/13/2024</a:t>
+              <a:t>5/14/2024</a:t>
             </a:fld>
             <a:endParaRPr lang="en-US"/>
           </a:p>
@@ -471,7 +477,7 @@
           <a:p>
             <a:fld id="{7D239A87-38DC-4C6E-8233-D704AE9A351F}" type="datetimeFigureOut">
               <a:rPr lang="en-US" smtClean="0"/>
-              <a:t>5/13/2024</a:t>
+              <a:t>5/14/2024</a:t>
             </a:fld>
             <a:endParaRPr lang="en-US"/>
           </a:p>
@@ -679,7 +685,7 @@
           <a:p>
             <a:fld id="{7D239A87-38DC-4C6E-8233-D704AE9A351F}" type="datetimeFigureOut">
               <a:rPr lang="en-US" smtClean="0"/>
-              <a:t>5/13/2024</a:t>
+              <a:t>5/14/2024</a:t>
             </a:fld>
             <a:endParaRPr lang="en-US"/>
           </a:p>
@@ -877,7 +883,7 @@
           <a:p>
             <a:fld id="{7D239A87-38DC-4C6E-8233-D704AE9A351F}" type="datetimeFigureOut">
               <a:rPr lang="en-US" smtClean="0"/>
-              <a:t>5/13/2024</a:t>
+              <a:t>5/14/2024</a:t>
             </a:fld>
             <a:endParaRPr lang="en-US"/>
           </a:p>
@@ -1152,7 +1158,7 @@
           <a:p>
             <a:fld id="{7D239A87-38DC-4C6E-8233-D704AE9A351F}" type="datetimeFigureOut">
               <a:rPr lang="en-US" smtClean="0"/>
-              <a:t>5/13/2024</a:t>
+              <a:t>5/14/2024</a:t>
             </a:fld>
             <a:endParaRPr lang="en-US"/>
           </a:p>
@@ -1417,7 +1423,7 @@
           <a:p>
             <a:fld id="{7D239A87-38DC-4C6E-8233-D704AE9A351F}" type="datetimeFigureOut">
               <a:rPr lang="en-US" smtClean="0"/>
-              <a:t>5/13/2024</a:t>
+              <a:t>5/14/2024</a:t>
             </a:fld>
             <a:endParaRPr lang="en-US"/>
           </a:p>
@@ -1829,7 +1835,7 @@
           <a:p>
             <a:fld id="{7D239A87-38DC-4C6E-8233-D704AE9A351F}" type="datetimeFigureOut">
               <a:rPr lang="en-US" smtClean="0"/>
-              <a:t>5/13/2024</a:t>
+              <a:t>5/14/2024</a:t>
             </a:fld>
             <a:endParaRPr lang="en-US"/>
           </a:p>
@@ -1970,7 +1976,7 @@
           <a:p>
             <a:fld id="{7D239A87-38DC-4C6E-8233-D704AE9A351F}" type="datetimeFigureOut">
               <a:rPr lang="en-US" smtClean="0"/>
-              <a:t>5/13/2024</a:t>
+              <a:t>5/14/2024</a:t>
             </a:fld>
             <a:endParaRPr lang="en-US"/>
           </a:p>
@@ -2083,7 +2089,7 @@
           <a:p>
             <a:fld id="{7D239A87-38DC-4C6E-8233-D704AE9A351F}" type="datetimeFigureOut">
               <a:rPr lang="en-US" smtClean="0"/>
-              <a:t>5/13/2024</a:t>
+              <a:t>5/14/2024</a:t>
             </a:fld>
             <a:endParaRPr lang="en-US"/>
           </a:p>
@@ -2394,7 +2400,7 @@
           <a:p>
             <a:fld id="{7D239A87-38DC-4C6E-8233-D704AE9A351F}" type="datetimeFigureOut">
               <a:rPr lang="en-US" smtClean="0"/>
-              <a:t>5/13/2024</a:t>
+              <a:t>5/14/2024</a:t>
             </a:fld>
             <a:endParaRPr lang="en-US"/>
           </a:p>
@@ -2682,7 +2688,7 @@
           <a:p>
             <a:fld id="{7D239A87-38DC-4C6E-8233-D704AE9A351F}" type="datetimeFigureOut">
               <a:rPr lang="en-US" smtClean="0"/>
-              <a:t>5/13/2024</a:t>
+              <a:t>5/14/2024</a:t>
             </a:fld>
             <a:endParaRPr lang="en-US"/>
           </a:p>
@@ -2923,7 +2929,7 @@
           <a:p>
             <a:fld id="{7D239A87-38DC-4C6E-8233-D704AE9A351F}" type="datetimeFigureOut">
               <a:rPr lang="en-US" smtClean="0"/>
-              <a:t>5/13/2024</a:t>
+              <a:t>5/14/2024</a:t>
             </a:fld>
             <a:endParaRPr lang="en-US"/>
           </a:p>
@@ -4393,7 +4399,7 @@
           <p:cNvPr id="2" name="Title 1">
             <a:extLst>
               <a:ext uri="{FF2B5EF4-FFF2-40B4-BE49-F238E27FC236}">
-                <a16:creationId xmlns:a16="http://schemas.microsoft.com/office/drawing/2014/main" id="{6DA7CF98-B5C3-6707-D594-BAB3B1E1E832}"/>
+                <a16:creationId xmlns:a16="http://schemas.microsoft.com/office/drawing/2014/main" id="{B85EE399-0A0C-981C-9900-5AE790E125F3}"/>
               </a:ext>
             </a:extLst>
           </p:cNvPr>
@@ -4411,108 +4417,505 @@
           <a:p>
             <a:r>
               <a:rPr lang="en-US" dirty="0"/>
-              <a:t>Introduction to fusion cache</a:t>
-            </a:r>
-          </a:p>
-        </p:txBody>
-      </p:sp>
-      <p:sp>
-        <p:nvSpPr>
-          <p:cNvPr id="3" name="Content Placeholder 2">
-            <a:extLst>
-              <a:ext uri="{FF2B5EF4-FFF2-40B4-BE49-F238E27FC236}">
-                <a16:creationId xmlns:a16="http://schemas.microsoft.com/office/drawing/2014/main" id="{4EE2669E-596B-E86E-E0E5-C04B6F827164}"/>
-              </a:ext>
-            </a:extLst>
-          </p:cNvPr>
-          <p:cNvSpPr>
-            <a:spLocks noGrp="1"/>
-          </p:cNvSpPr>
-          <p:nvPr>
-            <p:ph idx="1"/>
-          </p:nvPr>
+              <a:t>fusion cache set up</a:t>
+            </a:r>
+          </a:p>
+        </p:txBody>
+      </p:sp>
+      <p:sp>
+        <p:nvSpPr>
+          <p:cNvPr id="5" name="TextBox 4">
+            <a:extLst>
+              <a:ext uri="{FF2B5EF4-FFF2-40B4-BE49-F238E27FC236}">
+                <a16:creationId xmlns:a16="http://schemas.microsoft.com/office/drawing/2014/main" id="{DD4FE0E5-3673-2DEC-5110-7B3C017406CC}"/>
+              </a:ext>
+            </a:extLst>
+          </p:cNvPr>
+          <p:cNvSpPr txBox="1"/>
+          <p:nvPr/>
         </p:nvSpPr>
         <p:spPr>
           <a:xfrm>
-            <a:off x="838200" y="1328475"/>
-            <a:ext cx="10515600" cy="4351338"/>
+            <a:off x="754602" y="2045964"/>
+            <a:ext cx="10599198" cy="3139321"/>
           </a:xfrm>
+          <a:prstGeom prst="rect">
+            <a:avLst/>
+          </a:prstGeom>
+          <a:noFill/>
+          <a:ln>
+            <a:solidFill>
+              <a:schemeClr val="accent1"/>
+            </a:solidFill>
+          </a:ln>
         </p:spPr>
         <p:txBody>
-          <a:bodyPr>
-            <a:normAutofit/>
+          <a:bodyPr wrap="square">
+            <a:spAutoFit/>
           </a:bodyPr>
           <a:lstStyle/>
           <a:p>
             <a:r>
-              <a:rPr lang="en-US" dirty="0"/>
-              <a:t>The main api: </a:t>
-            </a:r>
-            <a:r>
-              <a:rPr lang="en-US" dirty="0" err="1"/>
-              <a:t>GetOrSet</a:t>
-            </a:r>
-            <a:r>
-              <a:rPr lang="en-US" dirty="0"/>
-              <a:t>(Async), it requires </a:t>
-            </a:r>
-          </a:p>
-          <a:p>
-            <a:pPr lvl="1"/>
-            <a:r>
-              <a:rPr lang="en-US" dirty="0"/>
-              <a:t>Function to get the data is there is a cache miss</a:t>
-            </a:r>
-          </a:p>
-          <a:p>
-            <a:pPr lvl="1"/>
-            <a:r>
-              <a:rPr lang="en-US" dirty="0"/>
-              <a:t>Optional policy (if not provided a default one registered at startup is used)</a:t>
-            </a:r>
-          </a:p>
-          <a:p>
-            <a:pPr lvl="2"/>
-            <a:r>
-              <a:rPr lang="en-US" dirty="0"/>
-              <a:t>Expiration </a:t>
-            </a:r>
-          </a:p>
-          <a:p>
-            <a:pPr lvl="2"/>
-            <a:r>
-              <a:rPr lang="en-US" dirty="0"/>
-              <a:t>Default value</a:t>
-            </a:r>
-          </a:p>
-          <a:p>
-            <a:pPr lvl="2"/>
-            <a:r>
-              <a:rPr lang="en-US" dirty="0"/>
-              <a:t>Timeouts </a:t>
-            </a:r>
-          </a:p>
-          <a:p>
-            <a:pPr lvl="2"/>
-            <a:r>
-              <a:rPr lang="en-US" dirty="0"/>
-              <a:t>Fail Safe</a:t>
-            </a:r>
-          </a:p>
-          <a:p>
-            <a:endParaRPr lang="en-US" dirty="0"/>
-          </a:p>
-          <a:p>
-            <a:endParaRPr lang="en-US" dirty="0"/>
-          </a:p>
-        </p:txBody>
-      </p:sp>
-      <p:sp>
-        <p:nvSpPr>
-          <p:cNvPr id="4" name="TextBox 3">
-            <a:extLst>
-              <a:ext uri="{FF2B5EF4-FFF2-40B4-BE49-F238E27FC236}">
-                <a16:creationId xmlns:a16="http://schemas.microsoft.com/office/drawing/2014/main" id="{BB7C8D49-C6C3-3F18-E18D-A174359898DC}"/>
+              <a:rPr lang="en-US" dirty="0" err="1">
+                <a:solidFill>
+                  <a:srgbClr val="000000"/>
+                </a:solidFill>
+                <a:latin typeface="Cascadia Mono" panose="020B0609020000020004" pitchFamily="49" charset="0"/>
+              </a:rPr>
+              <a:t>builder.Services.AddFusionCache</a:t>
+            </a:r>
+            <a:r>
+              <a:rPr lang="en-US" dirty="0">
+                <a:solidFill>
+                  <a:srgbClr val="000000"/>
+                </a:solidFill>
+                <a:latin typeface="Cascadia Mono" panose="020B0609020000020004" pitchFamily="49" charset="0"/>
+              </a:rPr>
+              <a:t>()</a:t>
+            </a:r>
+            <a:br>
+              <a:rPr lang="en-US" dirty="0">
+                <a:solidFill>
+                  <a:srgbClr val="000000"/>
+                </a:solidFill>
+                <a:latin typeface="Cascadia Mono" panose="020B0609020000020004" pitchFamily="49" charset="0"/>
+              </a:rPr>
+            </a:br>
+            <a:r>
+              <a:rPr lang="en-US" dirty="0">
+                <a:solidFill>
+                  <a:srgbClr val="000000"/>
+                </a:solidFill>
+                <a:latin typeface="Cascadia Mono" panose="020B0609020000020004" pitchFamily="49" charset="0"/>
+              </a:rPr>
+              <a:t>.</a:t>
+            </a:r>
+            <a:r>
+              <a:rPr lang="en-US" dirty="0" err="1">
+                <a:solidFill>
+                  <a:srgbClr val="000000"/>
+                </a:solidFill>
+                <a:latin typeface="Cascadia Mono" panose="020B0609020000020004" pitchFamily="49" charset="0"/>
+              </a:rPr>
+              <a:t>WithDefaultEntryOptions</a:t>
+            </a:r>
+            <a:r>
+              <a:rPr lang="en-US" dirty="0">
+                <a:solidFill>
+                  <a:srgbClr val="000000"/>
+                </a:solidFill>
+                <a:latin typeface="Cascadia Mono" panose="020B0609020000020004" pitchFamily="49" charset="0"/>
+              </a:rPr>
+              <a:t>(</a:t>
+            </a:r>
+            <a:br>
+              <a:rPr lang="en-US" dirty="0">
+                <a:solidFill>
+                  <a:srgbClr val="000000"/>
+                </a:solidFill>
+                <a:latin typeface="Cascadia Mono" panose="020B0609020000020004" pitchFamily="49" charset="0"/>
+              </a:rPr>
+            </a:br>
+            <a:r>
+              <a:rPr lang="en-US" dirty="0">
+                <a:solidFill>
+                  <a:srgbClr val="000000"/>
+                </a:solidFill>
+                <a:latin typeface="Cascadia Mono" panose="020B0609020000020004" pitchFamily="49" charset="0"/>
+              </a:rPr>
+              <a:t>   new </a:t>
+            </a:r>
+            <a:r>
+              <a:rPr lang="en-US" dirty="0" err="1">
+                <a:solidFill>
+                  <a:srgbClr val="000000"/>
+                </a:solidFill>
+                <a:latin typeface="Cascadia Mono" panose="020B0609020000020004" pitchFamily="49" charset="0"/>
+              </a:rPr>
+              <a:t>FusionCacheEntryOptions</a:t>
+            </a:r>
+            <a:r>
+              <a:rPr lang="en-US" dirty="0">
+                <a:solidFill>
+                  <a:srgbClr val="000000"/>
+                </a:solidFill>
+                <a:latin typeface="Cascadia Mono" panose="020B0609020000020004" pitchFamily="49" charset="0"/>
+              </a:rPr>
+              <a:t>{ … })</a:t>
+            </a:r>
+          </a:p>
+          <a:p>
+            <a:r>
+              <a:rPr lang="en-US" dirty="0">
+                <a:solidFill>
+                  <a:srgbClr val="000000"/>
+                </a:solidFill>
+                <a:latin typeface="Cascadia Mono" panose="020B0609020000020004" pitchFamily="49" charset="0"/>
+              </a:rPr>
+              <a:t>.</a:t>
+            </a:r>
+            <a:r>
+              <a:rPr lang="en-US" dirty="0" err="1">
+                <a:solidFill>
+                  <a:srgbClr val="000000"/>
+                </a:solidFill>
+                <a:latin typeface="Cascadia Mono" panose="020B0609020000020004" pitchFamily="49" charset="0"/>
+              </a:rPr>
+              <a:t>WithSerializer</a:t>
+            </a:r>
+            <a:r>
+              <a:rPr lang="en-US" dirty="0">
+                <a:solidFill>
+                  <a:srgbClr val="000000"/>
+                </a:solidFill>
+                <a:latin typeface="Cascadia Mono" panose="020B0609020000020004" pitchFamily="49" charset="0"/>
+              </a:rPr>
+              <a:t>(</a:t>
+            </a:r>
+            <a:br>
+              <a:rPr lang="en-US" dirty="0">
+                <a:solidFill>
+                  <a:srgbClr val="000000"/>
+                </a:solidFill>
+                <a:latin typeface="Cascadia Mono" panose="020B0609020000020004" pitchFamily="49" charset="0"/>
+              </a:rPr>
+            </a:br>
+            <a:r>
+              <a:rPr lang="en-US" dirty="0">
+                <a:solidFill>
+                  <a:srgbClr val="000000"/>
+                </a:solidFill>
+                <a:latin typeface="Cascadia Mono" panose="020B0609020000020004" pitchFamily="49" charset="0"/>
+              </a:rPr>
+              <a:t>   new </a:t>
+            </a:r>
+            <a:r>
+              <a:rPr lang="en-US" dirty="0" err="1">
+                <a:solidFill>
+                  <a:srgbClr val="000000"/>
+                </a:solidFill>
+                <a:latin typeface="Cascadia Mono" panose="020B0609020000020004" pitchFamily="49" charset="0"/>
+              </a:rPr>
+              <a:t>FusionCacheSystemTextJsonSerializer</a:t>
+            </a:r>
+            <a:r>
+              <a:rPr lang="en-US" dirty="0">
+                <a:solidFill>
+                  <a:srgbClr val="000000"/>
+                </a:solidFill>
+                <a:latin typeface="Cascadia Mono" panose="020B0609020000020004" pitchFamily="49" charset="0"/>
+              </a:rPr>
+              <a:t>())</a:t>
+            </a:r>
+          </a:p>
+          <a:p>
+            <a:r>
+              <a:rPr lang="en-US" dirty="0">
+                <a:solidFill>
+                  <a:srgbClr val="000000"/>
+                </a:solidFill>
+                <a:latin typeface="Cascadia Mono" panose="020B0609020000020004" pitchFamily="49" charset="0"/>
+              </a:rPr>
+              <a:t>.</a:t>
+            </a:r>
+            <a:r>
+              <a:rPr lang="en-US" dirty="0" err="1">
+                <a:solidFill>
+                  <a:srgbClr val="000000"/>
+                </a:solidFill>
+                <a:latin typeface="Cascadia Mono" panose="020B0609020000020004" pitchFamily="49" charset="0"/>
+              </a:rPr>
+              <a:t>WithDistributedCache</a:t>
+            </a:r>
+            <a:r>
+              <a:rPr lang="en-US" dirty="0">
+                <a:solidFill>
+                  <a:srgbClr val="000000"/>
+                </a:solidFill>
+                <a:latin typeface="Cascadia Mono" panose="020B0609020000020004" pitchFamily="49" charset="0"/>
+              </a:rPr>
+              <a:t>(</a:t>
+            </a:r>
+          </a:p>
+          <a:p>
+            <a:r>
+              <a:rPr lang="en-US" dirty="0">
+                <a:solidFill>
+                  <a:srgbClr val="000000"/>
+                </a:solidFill>
+                <a:latin typeface="Cascadia Mono" panose="020B0609020000020004" pitchFamily="49" charset="0"/>
+              </a:rPr>
+              <a:t>   new </a:t>
+            </a:r>
+            <a:r>
+              <a:rPr lang="en-US" dirty="0" err="1">
+                <a:solidFill>
+                  <a:srgbClr val="000000"/>
+                </a:solidFill>
+                <a:latin typeface="Cascadia Mono" panose="020B0609020000020004" pitchFamily="49" charset="0"/>
+              </a:rPr>
+              <a:t>RedisCache</a:t>
+            </a:r>
+            <a:r>
+              <a:rPr lang="en-US" dirty="0">
+                <a:solidFill>
+                  <a:srgbClr val="000000"/>
+                </a:solidFill>
+                <a:latin typeface="Cascadia Mono" panose="020B0609020000020004" pitchFamily="49" charset="0"/>
+              </a:rPr>
+              <a:t>(new </a:t>
+            </a:r>
+            <a:r>
+              <a:rPr lang="en-US" dirty="0" err="1">
+                <a:solidFill>
+                  <a:srgbClr val="000000"/>
+                </a:solidFill>
+                <a:latin typeface="Cascadia Mono" panose="020B0609020000020004" pitchFamily="49" charset="0"/>
+              </a:rPr>
+              <a:t>RedisCacheOptions</a:t>
+            </a:r>
+            <a:r>
+              <a:rPr lang="en-US" dirty="0">
+                <a:solidFill>
+                  <a:srgbClr val="000000"/>
+                </a:solidFill>
+                <a:latin typeface="Cascadia Mono" panose="020B0609020000020004" pitchFamily="49" charset="0"/>
+              </a:rPr>
+              <a:t> { </a:t>
+            </a:r>
+            <a:r>
+              <a:rPr lang="en-US" dirty="0" err="1">
+                <a:solidFill>
+                  <a:srgbClr val="000000"/>
+                </a:solidFill>
+                <a:latin typeface="Cascadia Mono" panose="020B0609020000020004" pitchFamily="49" charset="0"/>
+              </a:rPr>
+              <a:t>InstanceName</a:t>
+            </a:r>
+            <a:r>
+              <a:rPr lang="en-US" dirty="0">
+                <a:solidFill>
+                  <a:srgbClr val="000000"/>
+                </a:solidFill>
+                <a:latin typeface="Cascadia Mono" panose="020B0609020000020004" pitchFamily="49" charset="0"/>
+              </a:rPr>
+              <a:t> = "</a:t>
+            </a:r>
+            <a:r>
+              <a:rPr lang="en-US" dirty="0" err="1">
+                <a:solidFill>
+                  <a:srgbClr val="000000"/>
+                </a:solidFill>
+                <a:latin typeface="Cascadia Mono" panose="020B0609020000020004" pitchFamily="49" charset="0"/>
+              </a:rPr>
+              <a:t>fusionCacheApi</a:t>
+            </a:r>
+            <a:r>
+              <a:rPr lang="en-US" dirty="0">
+                <a:solidFill>
+                  <a:srgbClr val="000000"/>
+                </a:solidFill>
+                <a:latin typeface="Cascadia Mono" panose="020B0609020000020004" pitchFamily="49" charset="0"/>
+              </a:rPr>
+              <a:t>",  </a:t>
+            </a:r>
+            <a:br>
+              <a:rPr lang="en-US" dirty="0">
+                <a:solidFill>
+                  <a:srgbClr val="000000"/>
+                </a:solidFill>
+                <a:latin typeface="Cascadia Mono" panose="020B0609020000020004" pitchFamily="49" charset="0"/>
+              </a:rPr>
+            </a:br>
+            <a:r>
+              <a:rPr lang="en-US" dirty="0">
+                <a:solidFill>
+                  <a:srgbClr val="000000"/>
+                </a:solidFill>
+                <a:latin typeface="Cascadia Mono" panose="020B0609020000020004" pitchFamily="49" charset="0"/>
+              </a:rPr>
+              <a:t>    Configuration = </a:t>
+            </a:r>
+            <a:r>
+              <a:rPr lang="en-US" dirty="0" err="1">
+                <a:solidFill>
+                  <a:srgbClr val="000000"/>
+                </a:solidFill>
+                <a:latin typeface="Cascadia Mono" panose="020B0609020000020004" pitchFamily="49" charset="0"/>
+              </a:rPr>
+              <a:t>builder.Configuration</a:t>
+            </a:r>
+            <a:r>
+              <a:rPr lang="en-US" dirty="0">
+                <a:solidFill>
+                  <a:srgbClr val="000000"/>
+                </a:solidFill>
+                <a:latin typeface="Cascadia Mono" panose="020B0609020000020004" pitchFamily="49" charset="0"/>
+              </a:rPr>
+              <a:t>["</a:t>
+            </a:r>
+            <a:r>
+              <a:rPr lang="en-US" dirty="0" err="1">
+                <a:solidFill>
+                  <a:srgbClr val="000000"/>
+                </a:solidFill>
+                <a:latin typeface="Cascadia Mono" panose="020B0609020000020004" pitchFamily="49" charset="0"/>
+              </a:rPr>
+              <a:t>redis:connectionString</a:t>
+            </a:r>
+            <a:r>
+              <a:rPr lang="en-US" dirty="0">
+                <a:solidFill>
+                  <a:srgbClr val="000000"/>
+                </a:solidFill>
+                <a:latin typeface="Cascadia Mono" panose="020B0609020000020004" pitchFamily="49" charset="0"/>
+              </a:rPr>
+              <a:t>"] }))</a:t>
+            </a:r>
+            <a:br>
+              <a:rPr lang="en-US" dirty="0">
+                <a:solidFill>
+                  <a:srgbClr val="000000"/>
+                </a:solidFill>
+                <a:latin typeface="Cascadia Mono" panose="020B0609020000020004" pitchFamily="49" charset="0"/>
+              </a:rPr>
+            </a:br>
+            <a:r>
+              <a:rPr lang="en-US" dirty="0">
+                <a:solidFill>
+                  <a:srgbClr val="000000"/>
+                </a:solidFill>
+                <a:latin typeface="Cascadia Mono" panose="020B0609020000020004" pitchFamily="49" charset="0"/>
+              </a:rPr>
+              <a:t>.</a:t>
+            </a:r>
+            <a:r>
+              <a:rPr lang="en-US" dirty="0" err="1">
+                <a:solidFill>
+                  <a:srgbClr val="000000"/>
+                </a:solidFill>
+                <a:latin typeface="Cascadia Mono" panose="020B0609020000020004" pitchFamily="49" charset="0"/>
+              </a:rPr>
+              <a:t>WithBackplane</a:t>
+            </a:r>
+            <a:r>
+              <a:rPr lang="en-US" dirty="0">
+                <a:solidFill>
+                  <a:srgbClr val="000000"/>
+                </a:solidFill>
+                <a:latin typeface="Cascadia Mono" panose="020B0609020000020004" pitchFamily="49" charset="0"/>
+              </a:rPr>
+              <a:t>(new </a:t>
+            </a:r>
+            <a:r>
+              <a:rPr lang="en-US" dirty="0" err="1">
+                <a:solidFill>
+                  <a:srgbClr val="000000"/>
+                </a:solidFill>
+                <a:latin typeface="Cascadia Mono" panose="020B0609020000020004" pitchFamily="49" charset="0"/>
+              </a:rPr>
+              <a:t>RedisBackplane</a:t>
+            </a:r>
+            <a:r>
+              <a:rPr lang="en-US" dirty="0">
+                <a:solidFill>
+                  <a:srgbClr val="000000"/>
+                </a:solidFill>
+                <a:latin typeface="Cascadia Mono" panose="020B0609020000020004" pitchFamily="49" charset="0"/>
+              </a:rPr>
+              <a:t>(new </a:t>
+            </a:r>
+            <a:r>
+              <a:rPr lang="en-US" dirty="0" err="1">
+                <a:solidFill>
+                  <a:srgbClr val="000000"/>
+                </a:solidFill>
+                <a:latin typeface="Cascadia Mono" panose="020B0609020000020004" pitchFamily="49" charset="0"/>
+              </a:rPr>
+              <a:t>RedisBackplaneOptions</a:t>
+            </a:r>
+            <a:r>
+              <a:rPr lang="en-US" dirty="0">
+                <a:solidFill>
+                  <a:srgbClr val="000000"/>
+                </a:solidFill>
+                <a:latin typeface="Cascadia Mono" panose="020B0609020000020004" pitchFamily="49" charset="0"/>
+              </a:rPr>
+              <a:t>() </a:t>
+            </a:r>
+            <a:br>
+              <a:rPr lang="en-US" dirty="0">
+                <a:solidFill>
+                  <a:srgbClr val="000000"/>
+                </a:solidFill>
+                <a:latin typeface="Cascadia Mono" panose="020B0609020000020004" pitchFamily="49" charset="0"/>
+              </a:rPr>
+            </a:br>
+            <a:r>
+              <a:rPr lang="en-US" dirty="0">
+                <a:solidFill>
+                  <a:srgbClr val="000000"/>
+                </a:solidFill>
+                <a:latin typeface="Cascadia Mono" panose="020B0609020000020004" pitchFamily="49" charset="0"/>
+              </a:rPr>
+              <a:t>   { Configuration = </a:t>
+            </a:r>
+            <a:r>
+              <a:rPr lang="en-US" dirty="0" err="1">
+                <a:solidFill>
+                  <a:srgbClr val="000000"/>
+                </a:solidFill>
+                <a:latin typeface="Cascadia Mono" panose="020B0609020000020004" pitchFamily="49" charset="0"/>
+              </a:rPr>
+              <a:t>builder.Configuration</a:t>
+            </a:r>
+            <a:r>
+              <a:rPr lang="en-US" dirty="0">
+                <a:solidFill>
+                  <a:srgbClr val="000000"/>
+                </a:solidFill>
+                <a:latin typeface="Cascadia Mono" panose="020B0609020000020004" pitchFamily="49" charset="0"/>
+              </a:rPr>
+              <a:t>["</a:t>
+            </a:r>
+            <a:r>
+              <a:rPr lang="en-US" dirty="0" err="1">
+                <a:solidFill>
+                  <a:srgbClr val="000000"/>
+                </a:solidFill>
+                <a:latin typeface="Cascadia Mono" panose="020B0609020000020004" pitchFamily="49" charset="0"/>
+              </a:rPr>
+              <a:t>redis:connectionString</a:t>
+            </a:r>
+            <a:r>
+              <a:rPr lang="en-US" dirty="0">
+                <a:solidFill>
+                  <a:srgbClr val="000000"/>
+                </a:solidFill>
+                <a:latin typeface="Cascadia Mono" panose="020B0609020000020004" pitchFamily="49" charset="0"/>
+              </a:rPr>
+              <a:t>"] })</a:t>
+            </a:r>
+          </a:p>
+          <a:p>
+            <a:r>
+              <a:rPr lang="en-US" dirty="0">
+                <a:solidFill>
+                  <a:srgbClr val="000000"/>
+                </a:solidFill>
+                <a:latin typeface="Cascadia Mono" panose="020B0609020000020004" pitchFamily="49" charset="0"/>
+              </a:rPr>
+              <a:t>);</a:t>
+            </a:r>
+          </a:p>
+        </p:txBody>
+      </p:sp>
+      <p:sp>
+        <p:nvSpPr>
+          <p:cNvPr id="6" name="TextBox 5">
+            <a:extLst>
+              <a:ext uri="{FF2B5EF4-FFF2-40B4-BE49-F238E27FC236}">
+                <a16:creationId xmlns:a16="http://schemas.microsoft.com/office/drawing/2014/main" id="{93F21120-CB5A-3A38-0A8B-99C3B59BFFCD}"/>
               </a:ext>
             </a:extLst>
           </p:cNvPr>
@@ -4521,8 +4924,8 @@
         </p:nvSpPr>
         <p:spPr>
           <a:xfrm>
-            <a:off x="555603" y="4017629"/>
-            <a:ext cx="10884711" cy="2062103"/>
+            <a:off x="3142695" y="5894773"/>
+            <a:ext cx="8213787" cy="369332"/>
           </a:xfrm>
           <a:prstGeom prst="rect">
             <a:avLst/>
@@ -4536,234 +4939,32 @@
           <a:lstStyle/>
           <a:p>
             <a:r>
-              <a:rPr lang="en-US" sz="1600" dirty="0">
-                <a:solidFill>
-                  <a:srgbClr val="000000"/>
-                </a:solidFill>
-                <a:latin typeface="Cascadia Mono" panose="020B0609020000020004" pitchFamily="49" charset="0"/>
-              </a:rPr>
-              <a:t>[</a:t>
-            </a:r>
-            <a:r>
-              <a:rPr lang="en-US" sz="1600" dirty="0" err="1">
-                <a:solidFill>
-                  <a:srgbClr val="000000"/>
-                </a:solidFill>
-                <a:latin typeface="Cascadia Mono" panose="020B0609020000020004" pitchFamily="49" charset="0"/>
-              </a:rPr>
-              <a:t>HttpGet</a:t>
-            </a:r>
-            <a:r>
-              <a:rPr lang="en-US" sz="1600" dirty="0">
-                <a:solidFill>
-                  <a:srgbClr val="000000"/>
-                </a:solidFill>
-                <a:latin typeface="Cascadia Mono" panose="020B0609020000020004" pitchFamily="49" charset="0"/>
-              </a:rPr>
-              <a:t>(template: "get-or-set-cache-entry")]</a:t>
-            </a:r>
-          </a:p>
-          <a:p>
-            <a:r>
-              <a:rPr lang="en-US" sz="1600" dirty="0">
-                <a:solidFill>
-                  <a:srgbClr val="000000"/>
-                </a:solidFill>
-                <a:latin typeface="Cascadia Mono" panose="020B0609020000020004" pitchFamily="49" charset="0"/>
-              </a:rPr>
-              <a:t>public async Task&lt;string&gt; </a:t>
-            </a:r>
-            <a:r>
-              <a:rPr lang="en-US" sz="1600" dirty="0" err="1">
-                <a:solidFill>
-                  <a:srgbClr val="000000"/>
-                </a:solidFill>
-                <a:latin typeface="Cascadia Mono" panose="020B0609020000020004" pitchFamily="49" charset="0"/>
-              </a:rPr>
-              <a:t>GetCacheEntry</a:t>
-            </a:r>
-            <a:r>
-              <a:rPr lang="en-US" sz="1600" dirty="0">
-                <a:solidFill>
-                  <a:srgbClr val="000000"/>
-                </a:solidFill>
-                <a:latin typeface="Cascadia Mono" panose="020B0609020000020004" pitchFamily="49" charset="0"/>
-              </a:rPr>
-              <a:t>(string value) {</a:t>
-            </a:r>
-          </a:p>
-          <a:p>
-            <a:r>
-              <a:rPr lang="en-US" sz="1600" dirty="0">
-                <a:solidFill>
-                  <a:srgbClr val="000000"/>
-                </a:solidFill>
-                <a:latin typeface="Cascadia Mono" panose="020B0609020000020004" pitchFamily="49" charset="0"/>
-              </a:rPr>
-              <a:t>  async Task&lt;string&gt; Factory(</a:t>
-            </a:r>
-            <a:r>
-              <a:rPr lang="en-US" sz="1600" dirty="0" err="1">
-                <a:solidFill>
-                  <a:srgbClr val="000000"/>
-                </a:solidFill>
-                <a:latin typeface="Cascadia Mono" panose="020B0609020000020004" pitchFamily="49" charset="0"/>
-              </a:rPr>
-              <a:t>CancellationToken</a:t>
-            </a:r>
-            <a:r>
-              <a:rPr lang="en-US" sz="1600" dirty="0">
-                <a:solidFill>
-                  <a:srgbClr val="000000"/>
-                </a:solidFill>
-                <a:latin typeface="Cascadia Mono" panose="020B0609020000020004" pitchFamily="49" charset="0"/>
-              </a:rPr>
-              <a:t> _) {</a:t>
-            </a:r>
-          </a:p>
-          <a:p>
-            <a:r>
-              <a:rPr lang="en-US" sz="1600" dirty="0">
-                <a:solidFill>
-                  <a:srgbClr val="000000"/>
-                </a:solidFill>
-                <a:latin typeface="Cascadia Mono" panose="020B0609020000020004" pitchFamily="49" charset="0"/>
-              </a:rPr>
-              <a:t>    return await </a:t>
-            </a:r>
-            <a:r>
-              <a:rPr lang="en-US" sz="1600" dirty="0" err="1">
-                <a:solidFill>
-                  <a:srgbClr val="000000"/>
-                </a:solidFill>
-                <a:latin typeface="Cascadia Mono" panose="020B0609020000020004" pitchFamily="49" charset="0"/>
-              </a:rPr>
-              <a:t>Task.FromResult</a:t>
-            </a:r>
-            <a:r>
-              <a:rPr lang="en-US" sz="1600" dirty="0">
-                <a:solidFill>
-                  <a:srgbClr val="000000"/>
-                </a:solidFill>
-                <a:latin typeface="Cascadia Mono" panose="020B0609020000020004" pitchFamily="49" charset="0"/>
-              </a:rPr>
-              <a:t>((new Random()).Next().</a:t>
-            </a:r>
-            <a:r>
-              <a:rPr lang="en-US" sz="1600" dirty="0" err="1">
-                <a:solidFill>
-                  <a:srgbClr val="000000"/>
-                </a:solidFill>
-                <a:latin typeface="Cascadia Mono" panose="020B0609020000020004" pitchFamily="49" charset="0"/>
-              </a:rPr>
-              <a:t>ToString</a:t>
-            </a:r>
-            <a:r>
-              <a:rPr lang="en-US" sz="1600" dirty="0">
-                <a:solidFill>
-                  <a:srgbClr val="000000"/>
-                </a:solidFill>
-                <a:latin typeface="Cascadia Mono" panose="020B0609020000020004" pitchFamily="49" charset="0"/>
-              </a:rPr>
-              <a:t>());</a:t>
-            </a:r>
-          </a:p>
-          <a:p>
-            <a:r>
-              <a:rPr lang="en-US" sz="1600" dirty="0">
-                <a:solidFill>
-                  <a:srgbClr val="000000"/>
-                </a:solidFill>
-                <a:latin typeface="Cascadia Mono" panose="020B0609020000020004" pitchFamily="49" charset="0"/>
-              </a:rPr>
-              <a:t>  }</a:t>
-            </a:r>
-          </a:p>
-          <a:p>
-            <a:r>
-              <a:rPr lang="en-US" sz="1600" dirty="0">
-                <a:solidFill>
-                  <a:srgbClr val="000000"/>
-                </a:solidFill>
-                <a:latin typeface="Cascadia Mono" panose="020B0609020000020004" pitchFamily="49" charset="0"/>
-              </a:rPr>
-              <a:t>  var ret = await _</a:t>
-            </a:r>
-            <a:r>
-              <a:rPr lang="en-US" sz="1600" dirty="0" err="1">
-                <a:solidFill>
-                  <a:srgbClr val="000000"/>
-                </a:solidFill>
-                <a:latin typeface="Cascadia Mono" panose="020B0609020000020004" pitchFamily="49" charset="0"/>
-              </a:rPr>
-              <a:t>fusionCacheWrapper.GetOrSetAsync</a:t>
-            </a:r>
-            <a:r>
-              <a:rPr lang="en-US" sz="1600" dirty="0">
-                <a:solidFill>
-                  <a:srgbClr val="000000"/>
-                </a:solidFill>
-                <a:latin typeface="Cascadia Mono" panose="020B0609020000020004" pitchFamily="49" charset="0"/>
-              </a:rPr>
-              <a:t>("cache-entry", Factory, </a:t>
-            </a:r>
-            <a:r>
-              <a:rPr lang="en-US" sz="1600" dirty="0" err="1">
-                <a:solidFill>
-                  <a:srgbClr val="000000"/>
-                </a:solidFill>
-                <a:latin typeface="Cascadia Mono" panose="020B0609020000020004" pitchFamily="49" charset="0"/>
-              </a:rPr>
-              <a:t>myOptions</a:t>
-            </a:r>
-            <a:r>
-              <a:rPr lang="en-US" sz="1600" dirty="0">
-                <a:solidFill>
-                  <a:srgbClr val="000000"/>
-                </a:solidFill>
-                <a:latin typeface="Cascadia Mono" panose="020B0609020000020004" pitchFamily="49" charset="0"/>
-              </a:rPr>
-              <a:t>);</a:t>
-            </a:r>
-          </a:p>
-          <a:p>
-            <a:r>
-              <a:rPr lang="en-US" sz="1600">
-                <a:solidFill>
-                  <a:srgbClr val="000000"/>
-                </a:solidFill>
-                <a:latin typeface="Cascadia Mono" panose="020B0609020000020004" pitchFamily="49" charset="0"/>
-              </a:rPr>
-              <a:t>  </a:t>
-            </a:r>
-            <a:r>
-              <a:rPr lang="en-US" sz="1600" dirty="0">
-                <a:solidFill>
-                  <a:srgbClr val="000000"/>
-                </a:solidFill>
-                <a:latin typeface="Cascadia Mono" panose="020B0609020000020004" pitchFamily="49" charset="0"/>
-              </a:rPr>
-              <a:t>return ret;</a:t>
-            </a:r>
-          </a:p>
-          <a:p>
-            <a:r>
-              <a:rPr lang="en-US" sz="1600" dirty="0">
-                <a:solidFill>
-                  <a:srgbClr val="000000"/>
-                </a:solidFill>
-                <a:latin typeface="Cascadia Mono" panose="020B0609020000020004" pitchFamily="49" charset="0"/>
-              </a:rPr>
-              <a:t>}</a:t>
-            </a:r>
-            <a:endParaRPr lang="en-US" sz="1600" dirty="0"/>
+              <a:rPr lang="en-US" i="1" dirty="0"/>
+              <a:t>Note: no need to register </a:t>
+            </a:r>
+            <a:r>
+              <a:rPr lang="en-US" i="1" dirty="0" err="1"/>
+              <a:t>IMemoryCache</a:t>
+            </a:r>
+            <a:r>
+              <a:rPr lang="en-US" i="1" dirty="0"/>
+              <a:t> and (Redis) </a:t>
+            </a:r>
+            <a:r>
+              <a:rPr lang="en-US" i="1" dirty="0" err="1"/>
+              <a:t>IDistributedCache</a:t>
+            </a:r>
+            <a:r>
+              <a:rPr lang="en-US" i="1" dirty="0"/>
+              <a:t> explicitly</a:t>
+            </a:r>
           </a:p>
         </p:txBody>
       </p:sp>
     </p:spTree>
     <p:extLst>
       <p:ext uri="{BB962C8B-B14F-4D97-AF65-F5344CB8AC3E}">
-        <p14:creationId xmlns:p14="http://schemas.microsoft.com/office/powerpoint/2010/main" val="2609270308"/>
+        <p14:creationId xmlns:p14="http://schemas.microsoft.com/office/powerpoint/2010/main" val="891413980"/>
       </p:ext>
     </p:extLst>
   </p:cSld>
@@ -4834,82 +5035,93 @@
             <p:ph idx="1"/>
           </p:nvPr>
         </p:nvSpPr>
-        <p:spPr/>
+        <p:spPr>
+          <a:xfrm>
+            <a:off x="838200" y="1328475"/>
+            <a:ext cx="10515600" cy="4351338"/>
+          </a:xfrm>
+        </p:spPr>
         <p:txBody>
           <a:bodyPr>
-            <a:normAutofit fontScale="92500" lnSpcReduction="20000"/>
+            <a:normAutofit/>
           </a:bodyPr>
           <a:lstStyle/>
           <a:p>
             <a:r>
               <a:rPr lang="en-US" dirty="0"/>
-              <a:t>Backplane</a:t>
+              <a:t>The main api: </a:t>
+            </a:r>
+            <a:r>
+              <a:rPr lang="en-US" dirty="0" err="1"/>
+              <a:t>GetOrSet</a:t>
+            </a:r>
+            <a:r>
+              <a:rPr lang="en-US" dirty="0"/>
+              <a:t>(Async), it requires </a:t>
             </a:r>
           </a:p>
           <a:p>
             <a:pPr lvl="1"/>
             <a:r>
               <a:rPr lang="en-US" dirty="0"/>
-              <a:t>Sync values across nodes (in-memory cache) </a:t>
-            </a:r>
-          </a:p>
-          <a:p>
-            <a:r>
-              <a:rPr lang="en-US" dirty="0"/>
-              <a:t>Avoid Cache stampede</a:t>
+              <a:t>Function to get the data is there is a cache miss</a:t>
             </a:r>
           </a:p>
           <a:p>
             <a:pPr lvl="1"/>
             <a:r>
               <a:rPr lang="en-US" dirty="0"/>
-              <a:t>Avoid "All" rush to origin to get same key when it expires (see demo)</a:t>
-            </a:r>
-          </a:p>
-          <a:p>
-            <a:r>
-              <a:rPr lang="en-US" dirty="0"/>
-              <a:t>Fail-Safe</a:t>
-            </a:r>
-          </a:p>
-          <a:p>
-            <a:pPr lvl="1"/>
-            <a:r>
-              <a:rPr lang="en-US" dirty="0"/>
-              <a:t>Provide expired values if origin fails or takes too long to reply</a:t>
-            </a:r>
-          </a:p>
-          <a:p>
-            <a:pPr lvl="1"/>
-            <a:r>
-              <a:rPr lang="en-US" dirty="0"/>
-              <a:t>Factory Timeouts</a:t>
-            </a:r>
-          </a:p>
-          <a:p>
-            <a:r>
-              <a:rPr lang="en-US" dirty="0"/>
-              <a:t>Auto-Recovery</a:t>
-            </a:r>
-          </a:p>
-          <a:p>
-            <a:pPr lvl="1"/>
-            <a:r>
-              <a:rPr lang="en-US" dirty="0"/>
-              <a:t>Queue locally cache and backplane related activities in case of temporary network failures, retries in background</a:t>
-            </a:r>
-          </a:p>
-          <a:p>
-            <a:r>
-              <a:rPr lang="en-US" dirty="0"/>
-              <a:t>Adaptive Caching</a:t>
-            </a:r>
-          </a:p>
-          <a:p>
-            <a:pPr lvl="1"/>
-            <a:r>
-              <a:rPr lang="en-US" dirty="0"/>
-              <a:t>Custom caching duration </a:t>
+              <a:t>Optional </a:t>
+            </a:r>
+            <a:r>
+              <a:rPr lang="en-US" i="1" dirty="0" err="1"/>
+              <a:t>FusionCacheEntryOptions</a:t>
+            </a:r>
+            <a:r>
+              <a:rPr lang="en-US" sz="2400" dirty="0">
+                <a:solidFill>
+                  <a:srgbClr val="000000"/>
+                </a:solidFill>
+                <a:latin typeface="Cascadia Mono" panose="020B0609020000020004" pitchFamily="49" charset="0"/>
+              </a:rPr>
+              <a:t> </a:t>
+            </a:r>
+            <a:r>
+              <a:rPr lang="en-US" dirty="0"/>
+              <a:t>(if not provided a default one registered at startup is used)</a:t>
+            </a:r>
+          </a:p>
+          <a:p>
+            <a:pPr lvl="2"/>
+            <a:r>
+              <a:rPr lang="en-US" dirty="0"/>
+              <a:t>Expiration </a:t>
+            </a:r>
+          </a:p>
+          <a:p>
+            <a:pPr lvl="2"/>
+            <a:r>
+              <a:rPr lang="en-US" dirty="0" err="1"/>
+              <a:t>JitterMaxDuration</a:t>
+            </a:r>
+            <a:r>
+              <a:rPr lang="en-US" dirty="0"/>
+              <a:t> (introduce a degree of randomization </a:t>
+            </a:r>
+            <a:r>
+              <a:rPr lang="en-US"/>
+              <a:t>in the expiration</a:t>
+            </a:r>
+            <a:r>
+              <a:rPr lang="en-US" dirty="0"/>
+              <a:t>)</a:t>
+            </a:r>
+          </a:p>
+          <a:p>
+            <a:pPr lvl="2"/>
+            <a:r>
+              <a:rPr lang="en-US" dirty="0"/>
+              <a:t>..and many others we will cover in next slides </a:t>
             </a:r>
           </a:p>
           <a:p>
@@ -4917,13 +5129,269 @@
           </a:p>
           <a:p>
             <a:endParaRPr lang="en-US" dirty="0"/>
+          </a:p>
+        </p:txBody>
+      </p:sp>
+      <p:sp>
+        <p:nvSpPr>
+          <p:cNvPr id="4" name="TextBox 3">
+            <a:extLst>
+              <a:ext uri="{FF2B5EF4-FFF2-40B4-BE49-F238E27FC236}">
+                <a16:creationId xmlns:a16="http://schemas.microsoft.com/office/drawing/2014/main" id="{BB7C8D49-C6C3-3F18-E18D-A174359898DC}"/>
+              </a:ext>
+            </a:extLst>
+          </p:cNvPr>
+          <p:cNvSpPr txBox="1"/>
+          <p:nvPr/>
+        </p:nvSpPr>
+        <p:spPr>
+          <a:xfrm>
+            <a:off x="573358" y="4328347"/>
+            <a:ext cx="9922909" cy="2062103"/>
+          </a:xfrm>
+          <a:prstGeom prst="rect">
+            <a:avLst/>
+          </a:prstGeom>
+          <a:noFill/>
+        </p:spPr>
+        <p:txBody>
+          <a:bodyPr wrap="none" rtlCol="0">
+            <a:spAutoFit/>
+          </a:bodyPr>
+          <a:lstStyle/>
+          <a:p>
+            <a:r>
+              <a:rPr lang="en-US" sz="1600" dirty="0">
+                <a:solidFill>
+                  <a:srgbClr val="000000"/>
+                </a:solidFill>
+                <a:latin typeface="Cascadia Mono" panose="020B0609020000020004" pitchFamily="49" charset="0"/>
+              </a:rPr>
+              <a:t>[</a:t>
+            </a:r>
+            <a:r>
+              <a:rPr lang="en-US" sz="1600" dirty="0" err="1">
+                <a:solidFill>
+                  <a:srgbClr val="000000"/>
+                </a:solidFill>
+                <a:latin typeface="Cascadia Mono" panose="020B0609020000020004" pitchFamily="49" charset="0"/>
+              </a:rPr>
+              <a:t>HttpGet</a:t>
+            </a:r>
+            <a:r>
+              <a:rPr lang="en-US" sz="1600" dirty="0">
+                <a:solidFill>
+                  <a:srgbClr val="000000"/>
+                </a:solidFill>
+                <a:latin typeface="Cascadia Mono" panose="020B0609020000020004" pitchFamily="49" charset="0"/>
+              </a:rPr>
+              <a:t>(template: "get-or-set-cache-entry-raw", Name = "</a:t>
+            </a:r>
+            <a:r>
+              <a:rPr lang="en-US" sz="1600" dirty="0" err="1">
+                <a:solidFill>
+                  <a:srgbClr val="000000"/>
+                </a:solidFill>
+                <a:latin typeface="Cascadia Mono" panose="020B0609020000020004" pitchFamily="49" charset="0"/>
+              </a:rPr>
+              <a:t>GetOrSetCacheEntryRaw</a:t>
+            </a:r>
+            <a:r>
+              <a:rPr lang="en-US" sz="1600" dirty="0">
+                <a:solidFill>
+                  <a:srgbClr val="000000"/>
+                </a:solidFill>
+                <a:latin typeface="Cascadia Mono" panose="020B0609020000020004" pitchFamily="49" charset="0"/>
+              </a:rPr>
+              <a:t>")]</a:t>
+            </a:r>
+          </a:p>
+          <a:p>
+            <a:r>
+              <a:rPr lang="en-US" sz="1600" dirty="0">
+                <a:solidFill>
+                  <a:srgbClr val="000000"/>
+                </a:solidFill>
+                <a:latin typeface="Cascadia Mono" panose="020B0609020000020004" pitchFamily="49" charset="0"/>
+              </a:rPr>
+              <a:t> public async Task&lt;string&gt; </a:t>
+            </a:r>
+            <a:r>
+              <a:rPr lang="en-US" sz="1600" dirty="0" err="1">
+                <a:solidFill>
+                  <a:srgbClr val="000000"/>
+                </a:solidFill>
+                <a:latin typeface="Cascadia Mono" panose="020B0609020000020004" pitchFamily="49" charset="0"/>
+              </a:rPr>
+              <a:t>GetCacheEntryRaw</a:t>
+            </a:r>
+            <a:r>
+              <a:rPr lang="en-US" sz="1600" dirty="0">
+                <a:solidFill>
+                  <a:srgbClr val="000000"/>
+                </a:solidFill>
+                <a:latin typeface="Cascadia Mono" panose="020B0609020000020004" pitchFamily="49" charset="0"/>
+              </a:rPr>
+              <a:t>(string value) {</a:t>
+            </a:r>
+          </a:p>
+          <a:p>
+            <a:r>
+              <a:rPr lang="en-US" sz="1600" dirty="0">
+                <a:solidFill>
+                  <a:srgbClr val="000000"/>
+                </a:solidFill>
+                <a:latin typeface="Cascadia Mono" panose="020B0609020000020004" pitchFamily="49" charset="0"/>
+              </a:rPr>
+              <a:t>     var ret = await _</a:t>
+            </a:r>
+            <a:r>
+              <a:rPr lang="en-US" sz="1600" dirty="0" err="1">
+                <a:solidFill>
+                  <a:srgbClr val="000000"/>
+                </a:solidFill>
+                <a:latin typeface="Cascadia Mono" panose="020B0609020000020004" pitchFamily="49" charset="0"/>
+              </a:rPr>
+              <a:t>fusionCache.GetOrSetAsync</a:t>
+            </a:r>
+            <a:r>
+              <a:rPr lang="en-US" sz="1600" dirty="0">
+                <a:solidFill>
+                  <a:srgbClr val="000000"/>
+                </a:solidFill>
+                <a:latin typeface="Cascadia Mono" panose="020B0609020000020004" pitchFamily="49" charset="0"/>
+              </a:rPr>
+              <a:t>("cache-entry", </a:t>
+            </a:r>
+            <a:br>
+              <a:rPr lang="en-US" sz="1600" dirty="0">
+                <a:solidFill>
+                  <a:srgbClr val="000000"/>
+                </a:solidFill>
+                <a:latin typeface="Cascadia Mono" panose="020B0609020000020004" pitchFamily="49" charset="0"/>
+              </a:rPr>
+            </a:br>
+            <a:r>
+              <a:rPr lang="en-US" sz="1600" dirty="0">
+                <a:solidFill>
+                  <a:srgbClr val="000000"/>
+                </a:solidFill>
+                <a:latin typeface="Cascadia Mono" panose="020B0609020000020004" pitchFamily="49" charset="0"/>
+              </a:rPr>
+              <a:t>      async _ =&gt; await </a:t>
+            </a:r>
+            <a:r>
+              <a:rPr lang="en-US" sz="1600" dirty="0" err="1">
+                <a:solidFill>
+                  <a:srgbClr val="000000"/>
+                </a:solidFill>
+                <a:latin typeface="Cascadia Mono" panose="020B0609020000020004" pitchFamily="49" charset="0"/>
+              </a:rPr>
+              <a:t>Task.FromResult</a:t>
+            </a:r>
+            <a:r>
+              <a:rPr lang="en-US" sz="1600" dirty="0">
+                <a:solidFill>
+                  <a:srgbClr val="000000"/>
+                </a:solidFill>
+                <a:latin typeface="Cascadia Mono" panose="020B0609020000020004" pitchFamily="49" charset="0"/>
+              </a:rPr>
+              <a:t>(value),new </a:t>
+            </a:r>
+            <a:r>
+              <a:rPr lang="en-US" sz="1600" dirty="0" err="1">
+                <a:solidFill>
+                  <a:srgbClr val="000000"/>
+                </a:solidFill>
+                <a:latin typeface="Cascadia Mono" panose="020B0609020000020004" pitchFamily="49" charset="0"/>
+              </a:rPr>
+              <a:t>FusionCacheEntryOptions</a:t>
+            </a:r>
+            <a:r>
+              <a:rPr lang="en-US" sz="1600" dirty="0">
+                <a:solidFill>
+                  <a:srgbClr val="000000"/>
+                </a:solidFill>
+                <a:latin typeface="Cascadia Mono" panose="020B0609020000020004" pitchFamily="49" charset="0"/>
+              </a:rPr>
+              <a:t> {</a:t>
+            </a:r>
+          </a:p>
+          <a:p>
+            <a:r>
+              <a:rPr lang="en-US" sz="1600" dirty="0">
+                <a:solidFill>
+                  <a:srgbClr val="000000"/>
+                </a:solidFill>
+                <a:latin typeface="Cascadia Mono" panose="020B0609020000020004" pitchFamily="49" charset="0"/>
+              </a:rPr>
+              <a:t>         Duration= </a:t>
+            </a:r>
+            <a:r>
+              <a:rPr lang="en-US" sz="1600" dirty="0" err="1">
+                <a:solidFill>
+                  <a:srgbClr val="000000"/>
+                </a:solidFill>
+                <a:latin typeface="Cascadia Mono" panose="020B0609020000020004" pitchFamily="49" charset="0"/>
+              </a:rPr>
+              <a:t>TimeSpan.FromMinutes</a:t>
+            </a:r>
+            <a:r>
+              <a:rPr lang="en-US" sz="1600" dirty="0">
+                <a:solidFill>
+                  <a:srgbClr val="000000"/>
+                </a:solidFill>
+                <a:latin typeface="Cascadia Mono" panose="020B0609020000020004" pitchFamily="49" charset="0"/>
+              </a:rPr>
+              <a:t>(1)}</a:t>
+            </a:r>
+            <a:br>
+              <a:rPr lang="en-US" sz="1600" dirty="0">
+                <a:solidFill>
+                  <a:srgbClr val="000000"/>
+                </a:solidFill>
+                <a:latin typeface="Cascadia Mono" panose="020B0609020000020004" pitchFamily="49" charset="0"/>
+              </a:rPr>
+            </a:br>
+            <a:r>
+              <a:rPr lang="en-US" sz="1600" dirty="0">
+                <a:solidFill>
+                  <a:srgbClr val="000000"/>
+                </a:solidFill>
+                <a:latin typeface="Cascadia Mono" panose="020B0609020000020004" pitchFamily="49" charset="0"/>
+              </a:rPr>
+              <a:t>     );</a:t>
+            </a:r>
+          </a:p>
+          <a:p>
+            <a:r>
+              <a:rPr lang="en-US" sz="1600" dirty="0">
+                <a:solidFill>
+                  <a:srgbClr val="000000"/>
+                </a:solidFill>
+                <a:latin typeface="Cascadia Mono" panose="020B0609020000020004" pitchFamily="49" charset="0"/>
+              </a:rPr>
+              <a:t>     return ret;</a:t>
+            </a:r>
+          </a:p>
+          <a:p>
+            <a:r>
+              <a:rPr lang="en-US" sz="1600" dirty="0">
+                <a:solidFill>
+                  <a:srgbClr val="000000"/>
+                </a:solidFill>
+                <a:latin typeface="Cascadia Mono" panose="020B0609020000020004" pitchFamily="49" charset="0"/>
+              </a:rPr>
+              <a:t> }</a:t>
+            </a:r>
+            <a:endParaRPr lang="en-US" sz="1600" dirty="0"/>
           </a:p>
         </p:txBody>
       </p:sp>
     </p:spTree>
     <p:extLst>
       <p:ext uri="{BB962C8B-B14F-4D97-AF65-F5344CB8AC3E}">
-        <p14:creationId xmlns:p14="http://schemas.microsoft.com/office/powerpoint/2010/main" val="1377340055"/>
+        <p14:creationId xmlns:p14="http://schemas.microsoft.com/office/powerpoint/2010/main" val="2609270308"/>
       </p:ext>
     </p:extLst>
   </p:cSld>
@@ -4955,7 +5423,7 @@
           <p:cNvPr id="2" name="Title 1">
             <a:extLst>
               <a:ext uri="{FF2B5EF4-FFF2-40B4-BE49-F238E27FC236}">
-                <a16:creationId xmlns:a16="http://schemas.microsoft.com/office/drawing/2014/main" id="{3EA11859-117E-E175-D427-88EB65E5EB4C}"/>
+                <a16:creationId xmlns:a16="http://schemas.microsoft.com/office/drawing/2014/main" id="{6DA7CF98-B5C3-6707-D594-BAB3B1E1E832}"/>
               </a:ext>
             </a:extLst>
           </p:cNvPr>
@@ -4972,8 +5440,8 @@
           <a:lstStyle/>
           <a:p>
             <a:r>
-              <a:rPr lang="en-US"/>
-              <a:t>DEMO Time</a:t>
+              <a:rPr lang="en-US" dirty="0"/>
+              <a:t>Introduction to fusion cache</a:t>
             </a:r>
           </a:p>
         </p:txBody>
@@ -4983,7 +5451,7 @@
           <p:cNvPr id="3" name="Content Placeholder 2">
             <a:extLst>
               <a:ext uri="{FF2B5EF4-FFF2-40B4-BE49-F238E27FC236}">
-                <a16:creationId xmlns:a16="http://schemas.microsoft.com/office/drawing/2014/main" id="{6D08223A-D1C5-97DF-0065-41B855AB7AEC}"/>
+                <a16:creationId xmlns:a16="http://schemas.microsoft.com/office/drawing/2014/main" id="{4EE2669E-596B-E86E-E0E5-C04B6F827164}"/>
               </a:ext>
             </a:extLst>
           </p:cNvPr>
@@ -4996,17 +5464,565 @@
         </p:nvSpPr>
         <p:spPr/>
         <p:txBody>
-          <a:bodyPr/>
-          <a:lstStyle/>
-          <a:p>
-            <a:endParaRPr lang="en-US"/>
+          <a:bodyPr>
+            <a:normAutofit/>
+          </a:bodyPr>
+          <a:lstStyle/>
+          <a:p>
+            <a:r>
+              <a:rPr lang="en-US" dirty="0"/>
+              <a:t>Avoid Cache stampede</a:t>
+            </a:r>
+          </a:p>
+          <a:p>
+            <a:pPr lvl="1"/>
+            <a:r>
+              <a:rPr lang="en-US" dirty="0"/>
+              <a:t>Avoid "All" rush to origin to get same key when it expires (see demo). </a:t>
+            </a:r>
+            <a:r>
+              <a:rPr lang="en-US" dirty="0" err="1"/>
+              <a:t>JitterMaxDuration</a:t>
+            </a:r>
+            <a:r>
+              <a:rPr lang="en-US" dirty="0"/>
+              <a:t> mitigate the problem, still ..</a:t>
+            </a:r>
+          </a:p>
+          <a:p>
+            <a:pPr lvl="1"/>
+            <a:r>
+              <a:rPr lang="en-US" dirty="0"/>
+              <a:t>Fusion cache will not call the same factory more than once concurrently</a:t>
+            </a:r>
+          </a:p>
+          <a:p>
+            <a:pPr lvl="1"/>
+            <a:r>
+              <a:rPr lang="en-US" dirty="0"/>
+              <a:t>Works at node level</a:t>
+            </a:r>
           </a:p>
         </p:txBody>
       </p:sp>
     </p:spTree>
     <p:extLst>
       <p:ext uri="{BB962C8B-B14F-4D97-AF65-F5344CB8AC3E}">
-        <p14:creationId xmlns:p14="http://schemas.microsoft.com/office/powerpoint/2010/main" val="2038348210"/>
+        <p14:creationId xmlns:p14="http://schemas.microsoft.com/office/powerpoint/2010/main" val="1377340055"/>
+      </p:ext>
+    </p:extLst>
+  </p:cSld>
+  <p:clrMapOvr>
+    <a:masterClrMapping/>
+  </p:clrMapOvr>
+</p:sld>
+</file>
+
+<file path=ppt/slides/slide16.xml><?xml version="1.0" encoding="utf-8"?>
+<p:sld xmlns:a="http://schemas.openxmlformats.org/drawingml/2006/main" xmlns:r="http://schemas.openxmlformats.org/officeDocument/2006/relationships" xmlns:p="http://schemas.openxmlformats.org/presentationml/2006/main">
+  <p:cSld>
+    <p:spTree>
+      <p:nvGrpSpPr>
+        <p:cNvPr id="1" name=""/>
+        <p:cNvGrpSpPr/>
+        <p:nvPr/>
+      </p:nvGrpSpPr>
+      <p:grpSpPr>
+        <a:xfrm>
+          <a:off x="0" y="0"/>
+          <a:ext cx="0" cy="0"/>
+          <a:chOff x="0" y="0"/>
+          <a:chExt cx="0" cy="0"/>
+        </a:xfrm>
+      </p:grpSpPr>
+      <p:sp>
+        <p:nvSpPr>
+          <p:cNvPr id="2" name="Title 1">
+            <a:extLst>
+              <a:ext uri="{FF2B5EF4-FFF2-40B4-BE49-F238E27FC236}">
+                <a16:creationId xmlns:a16="http://schemas.microsoft.com/office/drawing/2014/main" id="{13E90545-37A9-9A12-6B57-3878A0D8242E}"/>
+              </a:ext>
+            </a:extLst>
+          </p:cNvPr>
+          <p:cNvSpPr>
+            <a:spLocks noGrp="1"/>
+          </p:cNvSpPr>
+          <p:nvPr>
+            <p:ph type="title"/>
+          </p:nvPr>
+        </p:nvSpPr>
+        <p:spPr/>
+        <p:txBody>
+          <a:bodyPr/>
+          <a:lstStyle/>
+          <a:p>
+            <a:r>
+              <a:rPr lang="en-US" dirty="0"/>
+              <a:t>Introduction to fusion cache: </a:t>
+            </a:r>
+            <a:r>
+              <a:rPr lang="en-US" dirty="0" err="1">
+                <a:solidFill>
+                  <a:srgbClr val="000000"/>
+                </a:solidFill>
+                <a:latin typeface="Cascadia Mono" panose="020B0609020000020004" pitchFamily="49" charset="0"/>
+              </a:rPr>
+              <a:t>FusionCacheEntryOptions</a:t>
+            </a:r>
+            <a:endParaRPr lang="en-US" dirty="0"/>
+          </a:p>
+        </p:txBody>
+      </p:sp>
+      <p:sp>
+        <p:nvSpPr>
+          <p:cNvPr id="3" name="Content Placeholder 2">
+            <a:extLst>
+              <a:ext uri="{FF2B5EF4-FFF2-40B4-BE49-F238E27FC236}">
+                <a16:creationId xmlns:a16="http://schemas.microsoft.com/office/drawing/2014/main" id="{6AE67887-6B6F-F9BE-2C73-350D2F504680}"/>
+              </a:ext>
+            </a:extLst>
+          </p:cNvPr>
+          <p:cNvSpPr>
+            <a:spLocks noGrp="1"/>
+          </p:cNvSpPr>
+          <p:nvPr>
+            <p:ph idx="1"/>
+          </p:nvPr>
+        </p:nvSpPr>
+        <p:spPr/>
+        <p:txBody>
+          <a:bodyPr>
+            <a:normAutofit/>
+          </a:bodyPr>
+          <a:lstStyle/>
+          <a:p>
+            <a:r>
+              <a:rPr lang="en-US" dirty="0" err="1"/>
+              <a:t>FactorySoftTimeout</a:t>
+            </a:r>
+            <a:endParaRPr lang="en-US" dirty="0"/>
+          </a:p>
+          <a:p>
+            <a:pPr lvl="1"/>
+            <a:r>
+              <a:rPr lang="en-US" dirty="0"/>
+              <a:t>to be used if there's an expired cache entry to use as a fallback</a:t>
+            </a:r>
+          </a:p>
+          <a:p>
+            <a:r>
+              <a:rPr lang="en-US" dirty="0" err="1"/>
+              <a:t>FactoryHardTimeout</a:t>
+            </a:r>
+            <a:endParaRPr lang="en-US" dirty="0"/>
+          </a:p>
+          <a:p>
+            <a:pPr lvl="1"/>
+            <a:r>
+              <a:rPr lang="en-US" dirty="0"/>
+              <a:t>to be used in any case, no matter what. In this last case an exception will be thrown and you will have to handle it yourself, but in some cases that would be more preferable than a very slow response</a:t>
+            </a:r>
+          </a:p>
+          <a:p>
+            <a:r>
+              <a:rPr lang="en-US" dirty="0" err="1"/>
+              <a:t>AllowTimedOutFactoryBackgroundCompletion</a:t>
+            </a:r>
+            <a:endParaRPr lang="en-US" dirty="0"/>
+          </a:p>
+          <a:p>
+            <a:pPr lvl="1"/>
+            <a:r>
+              <a:rPr lang="en-US" dirty="0"/>
+              <a:t>Enabled by default, lets the timed-out factory keep running in the background and update the cached value as soon as it finishes</a:t>
+            </a:r>
+          </a:p>
+        </p:txBody>
+      </p:sp>
+    </p:spTree>
+    <p:extLst>
+      <p:ext uri="{BB962C8B-B14F-4D97-AF65-F5344CB8AC3E}">
+        <p14:creationId xmlns:p14="http://schemas.microsoft.com/office/powerpoint/2010/main" val="2190221231"/>
+      </p:ext>
+    </p:extLst>
+  </p:cSld>
+  <p:clrMapOvr>
+    <a:masterClrMapping/>
+  </p:clrMapOvr>
+</p:sld>
+</file>
+
+<file path=ppt/slides/slide17.xml><?xml version="1.0" encoding="utf-8"?>
+<p:sld xmlns:a="http://schemas.openxmlformats.org/drawingml/2006/main" xmlns:r="http://schemas.openxmlformats.org/officeDocument/2006/relationships" xmlns:p="http://schemas.openxmlformats.org/presentationml/2006/main">
+  <p:cSld>
+    <p:spTree>
+      <p:nvGrpSpPr>
+        <p:cNvPr id="1" name=""/>
+        <p:cNvGrpSpPr/>
+        <p:nvPr/>
+      </p:nvGrpSpPr>
+      <p:grpSpPr>
+        <a:xfrm>
+          <a:off x="0" y="0"/>
+          <a:ext cx="0" cy="0"/>
+          <a:chOff x="0" y="0"/>
+          <a:chExt cx="0" cy="0"/>
+        </a:xfrm>
+      </p:grpSpPr>
+      <p:sp>
+        <p:nvSpPr>
+          <p:cNvPr id="2" name="Title 1">
+            <a:extLst>
+              <a:ext uri="{FF2B5EF4-FFF2-40B4-BE49-F238E27FC236}">
+                <a16:creationId xmlns:a16="http://schemas.microsoft.com/office/drawing/2014/main" id="{6DA7CF98-B5C3-6707-D594-BAB3B1E1E832}"/>
+              </a:ext>
+            </a:extLst>
+          </p:cNvPr>
+          <p:cNvSpPr>
+            <a:spLocks noGrp="1"/>
+          </p:cNvSpPr>
+          <p:nvPr>
+            <p:ph type="title"/>
+          </p:nvPr>
+        </p:nvSpPr>
+        <p:spPr/>
+        <p:txBody>
+          <a:bodyPr/>
+          <a:lstStyle/>
+          <a:p>
+            <a:r>
+              <a:rPr lang="en-US" dirty="0"/>
+              <a:t>Introduction to fusion cache: </a:t>
+            </a:r>
+            <a:r>
+              <a:rPr lang="en-US" dirty="0" err="1">
+                <a:solidFill>
+                  <a:srgbClr val="000000"/>
+                </a:solidFill>
+                <a:latin typeface="Cascadia Mono" panose="020B0609020000020004" pitchFamily="49" charset="0"/>
+              </a:rPr>
+              <a:t>FusionCacheEntryOptions</a:t>
+            </a:r>
+            <a:endParaRPr lang="en-US" dirty="0"/>
+          </a:p>
+        </p:txBody>
+      </p:sp>
+      <p:sp>
+        <p:nvSpPr>
+          <p:cNvPr id="3" name="Content Placeholder 2">
+            <a:extLst>
+              <a:ext uri="{FF2B5EF4-FFF2-40B4-BE49-F238E27FC236}">
+                <a16:creationId xmlns:a16="http://schemas.microsoft.com/office/drawing/2014/main" id="{4EE2669E-596B-E86E-E0E5-C04B6F827164}"/>
+              </a:ext>
+            </a:extLst>
+          </p:cNvPr>
+          <p:cNvSpPr>
+            <a:spLocks noGrp="1"/>
+          </p:cNvSpPr>
+          <p:nvPr>
+            <p:ph idx="1"/>
+          </p:nvPr>
+        </p:nvSpPr>
+        <p:spPr>
+          <a:xfrm>
+            <a:off x="838200" y="1825625"/>
+            <a:ext cx="10515600" cy="4770484"/>
+          </a:xfrm>
+        </p:spPr>
+        <p:txBody>
+          <a:bodyPr>
+            <a:normAutofit/>
+          </a:bodyPr>
+          <a:lstStyle/>
+          <a:p>
+            <a:r>
+              <a:rPr lang="en-US" dirty="0"/>
+              <a:t>Fail-Safe</a:t>
+            </a:r>
+          </a:p>
+          <a:p>
+            <a:pPr lvl="1"/>
+            <a:r>
+              <a:rPr lang="en-US" dirty="0"/>
+              <a:t>Provide expired values if origin fails or takes too long to reply </a:t>
+            </a:r>
+          </a:p>
+          <a:p>
+            <a:pPr lvl="1"/>
+            <a:r>
+              <a:rPr lang="en-US" dirty="0" err="1"/>
+              <a:t>IsFailSafeEnabled</a:t>
+            </a:r>
+            <a:r>
+              <a:rPr lang="en-US" dirty="0"/>
+              <a:t> </a:t>
+            </a:r>
+          </a:p>
+          <a:p>
+            <a:pPr lvl="1"/>
+            <a:r>
+              <a:rPr lang="en-US" dirty="0" err="1"/>
+              <a:t>FailSafeMaxDuration</a:t>
+            </a:r>
+            <a:r>
+              <a:rPr lang="en-US" sz="1800" dirty="0">
+                <a:solidFill>
+                  <a:srgbClr val="000000"/>
+                </a:solidFill>
+                <a:latin typeface="Cascadia Mono" panose="020B0609020000020004" pitchFamily="49" charset="0"/>
+              </a:rPr>
+              <a:t> </a:t>
+            </a:r>
+          </a:p>
+          <a:p>
+            <a:pPr lvl="1"/>
+            <a:r>
+              <a:rPr lang="en-US" dirty="0" err="1"/>
+              <a:t>FailSafeThrottleDuration</a:t>
+            </a:r>
+            <a:endParaRPr lang="en-US" dirty="0"/>
+          </a:p>
+          <a:p>
+            <a:pPr lvl="1"/>
+            <a:r>
+              <a:rPr lang="en-US" dirty="0"/>
+              <a:t>Default Value</a:t>
+            </a:r>
+          </a:p>
+          <a:p>
+            <a:pPr lvl="2"/>
+            <a:r>
+              <a:rPr lang="en-US" dirty="0"/>
+              <a:t>If no value is present in the cache </a:t>
+            </a:r>
+            <a:br>
+              <a:rPr lang="en-US" dirty="0"/>
+            </a:br>
+            <a:r>
+              <a:rPr lang="en-US" dirty="0"/>
+              <a:t>OR </a:t>
+            </a:r>
+          </a:p>
+          <a:p>
+            <a:pPr lvl="2"/>
+            <a:r>
+              <a:rPr lang="en-US" dirty="0"/>
+              <a:t>the  value is present, but </a:t>
+            </a:r>
+            <a:r>
+              <a:rPr lang="en-US" dirty="0" err="1"/>
+              <a:t>FailSafeMaxDuration</a:t>
+            </a:r>
+            <a:r>
+              <a:rPr lang="en-US" dirty="0"/>
+              <a:t> has passed, and factory Hard Timeout has passed : returns default value</a:t>
+            </a:r>
+          </a:p>
+          <a:p>
+            <a:pPr lvl="2"/>
+            <a:endParaRPr lang="en-US" dirty="0"/>
+          </a:p>
+          <a:p>
+            <a:endParaRPr lang="en-US" dirty="0"/>
+          </a:p>
+          <a:p>
+            <a:endParaRPr lang="en-US" dirty="0"/>
+          </a:p>
+        </p:txBody>
+      </p:sp>
+    </p:spTree>
+    <p:extLst>
+      <p:ext uri="{BB962C8B-B14F-4D97-AF65-F5344CB8AC3E}">
+        <p14:creationId xmlns:p14="http://schemas.microsoft.com/office/powerpoint/2010/main" val="3492176054"/>
+      </p:ext>
+    </p:extLst>
+  </p:cSld>
+  <p:clrMapOvr>
+    <a:masterClrMapping/>
+  </p:clrMapOvr>
+</p:sld>
+</file>
+
+<file path=ppt/slides/slide18.xml><?xml version="1.0" encoding="utf-8"?>
+<p:sld xmlns:a="http://schemas.openxmlformats.org/drawingml/2006/main" xmlns:r="http://schemas.openxmlformats.org/officeDocument/2006/relationships" xmlns:p="http://schemas.openxmlformats.org/presentationml/2006/main">
+  <p:cSld>
+    <p:spTree>
+      <p:nvGrpSpPr>
+        <p:cNvPr id="1" name=""/>
+        <p:cNvGrpSpPr/>
+        <p:nvPr/>
+      </p:nvGrpSpPr>
+      <p:grpSpPr>
+        <a:xfrm>
+          <a:off x="0" y="0"/>
+          <a:ext cx="0" cy="0"/>
+          <a:chOff x="0" y="0"/>
+          <a:chExt cx="0" cy="0"/>
+        </a:xfrm>
+      </p:grpSpPr>
+      <p:sp>
+        <p:nvSpPr>
+          <p:cNvPr id="2" name="Title 1">
+            <a:extLst>
+              <a:ext uri="{FF2B5EF4-FFF2-40B4-BE49-F238E27FC236}">
+                <a16:creationId xmlns:a16="http://schemas.microsoft.com/office/drawing/2014/main" id="{6DA7CF98-B5C3-6707-D594-BAB3B1E1E832}"/>
+              </a:ext>
+            </a:extLst>
+          </p:cNvPr>
+          <p:cNvSpPr>
+            <a:spLocks noGrp="1"/>
+          </p:cNvSpPr>
+          <p:nvPr>
+            <p:ph type="title"/>
+          </p:nvPr>
+        </p:nvSpPr>
+        <p:spPr/>
+        <p:txBody>
+          <a:bodyPr/>
+          <a:lstStyle/>
+          <a:p>
+            <a:r>
+              <a:rPr lang="en-US" dirty="0"/>
+              <a:t>Introduction to fusion cache</a:t>
+            </a:r>
+          </a:p>
+        </p:txBody>
+      </p:sp>
+      <p:sp>
+        <p:nvSpPr>
+          <p:cNvPr id="3" name="Content Placeholder 2">
+            <a:extLst>
+              <a:ext uri="{FF2B5EF4-FFF2-40B4-BE49-F238E27FC236}">
+                <a16:creationId xmlns:a16="http://schemas.microsoft.com/office/drawing/2014/main" id="{4EE2669E-596B-E86E-E0E5-C04B6F827164}"/>
+              </a:ext>
+            </a:extLst>
+          </p:cNvPr>
+          <p:cNvSpPr>
+            <a:spLocks noGrp="1"/>
+          </p:cNvSpPr>
+          <p:nvPr>
+            <p:ph idx="1"/>
+          </p:nvPr>
+        </p:nvSpPr>
+        <p:spPr/>
+        <p:txBody>
+          <a:bodyPr>
+            <a:normAutofit/>
+          </a:bodyPr>
+          <a:lstStyle/>
+          <a:p>
+            <a:r>
+              <a:rPr lang="en-US" dirty="0"/>
+              <a:t>Adaptive Caching</a:t>
+            </a:r>
+          </a:p>
+          <a:p>
+            <a:pPr lvl="1"/>
+            <a:r>
+              <a:rPr lang="en-US" dirty="0"/>
+              <a:t>Custom caching duration </a:t>
+            </a:r>
+          </a:p>
+          <a:p>
+            <a:endParaRPr lang="en-US" dirty="0"/>
+          </a:p>
+          <a:p>
+            <a:endParaRPr lang="en-US" dirty="0"/>
+          </a:p>
+        </p:txBody>
+      </p:sp>
+    </p:spTree>
+    <p:extLst>
+      <p:ext uri="{BB962C8B-B14F-4D97-AF65-F5344CB8AC3E}">
+        <p14:creationId xmlns:p14="http://schemas.microsoft.com/office/powerpoint/2010/main" val="1560423962"/>
+      </p:ext>
+    </p:extLst>
+  </p:cSld>
+  <p:clrMapOvr>
+    <a:masterClrMapping/>
+  </p:clrMapOvr>
+</p:sld>
+</file>
+
+<file path=ppt/slides/slide19.xml><?xml version="1.0" encoding="utf-8"?>
+<p:sld xmlns:a="http://schemas.openxmlformats.org/drawingml/2006/main" xmlns:r="http://schemas.openxmlformats.org/officeDocument/2006/relationships" xmlns:p="http://schemas.openxmlformats.org/presentationml/2006/main">
+  <p:cSld>
+    <p:spTree>
+      <p:nvGrpSpPr>
+        <p:cNvPr id="1" name=""/>
+        <p:cNvGrpSpPr/>
+        <p:nvPr/>
+      </p:nvGrpSpPr>
+      <p:grpSpPr>
+        <a:xfrm>
+          <a:off x="0" y="0"/>
+          <a:ext cx="0" cy="0"/>
+          <a:chOff x="0" y="0"/>
+          <a:chExt cx="0" cy="0"/>
+        </a:xfrm>
+      </p:grpSpPr>
+      <p:sp>
+        <p:nvSpPr>
+          <p:cNvPr id="2" name="Title 1">
+            <a:extLst>
+              <a:ext uri="{FF2B5EF4-FFF2-40B4-BE49-F238E27FC236}">
+                <a16:creationId xmlns:a16="http://schemas.microsoft.com/office/drawing/2014/main" id="{6DA7CF98-B5C3-6707-D594-BAB3B1E1E832}"/>
+              </a:ext>
+            </a:extLst>
+          </p:cNvPr>
+          <p:cNvSpPr>
+            <a:spLocks noGrp="1"/>
+          </p:cNvSpPr>
+          <p:nvPr>
+            <p:ph type="title"/>
+          </p:nvPr>
+        </p:nvSpPr>
+        <p:spPr/>
+        <p:txBody>
+          <a:bodyPr/>
+          <a:lstStyle/>
+          <a:p>
+            <a:r>
+              <a:rPr lang="en-US" dirty="0"/>
+              <a:t>Introduction to fusion cache</a:t>
+            </a:r>
+          </a:p>
+        </p:txBody>
+      </p:sp>
+      <p:sp>
+        <p:nvSpPr>
+          <p:cNvPr id="3" name="Content Placeholder 2">
+            <a:extLst>
+              <a:ext uri="{FF2B5EF4-FFF2-40B4-BE49-F238E27FC236}">
+                <a16:creationId xmlns:a16="http://schemas.microsoft.com/office/drawing/2014/main" id="{4EE2669E-596B-E86E-E0E5-C04B6F827164}"/>
+              </a:ext>
+            </a:extLst>
+          </p:cNvPr>
+          <p:cNvSpPr>
+            <a:spLocks noGrp="1"/>
+          </p:cNvSpPr>
+          <p:nvPr>
+            <p:ph idx="1"/>
+          </p:nvPr>
+        </p:nvSpPr>
+        <p:spPr/>
+        <p:txBody>
+          <a:bodyPr>
+            <a:normAutofit/>
+          </a:bodyPr>
+          <a:lstStyle/>
+          <a:p>
+            <a:r>
+              <a:rPr lang="en-US" dirty="0"/>
+              <a:t>Named caches</a:t>
+            </a:r>
+          </a:p>
+        </p:txBody>
+      </p:sp>
+    </p:spTree>
+    <p:extLst>
+      <p:ext uri="{BB962C8B-B14F-4D97-AF65-F5344CB8AC3E}">
+        <p14:creationId xmlns:p14="http://schemas.microsoft.com/office/powerpoint/2010/main" val="2753430410"/>
       </p:ext>
     </p:extLst>
   </p:cSld>
@@ -5114,6 +6130,193 @@
     <p:extLst>
       <p:ext uri="{BB962C8B-B14F-4D97-AF65-F5344CB8AC3E}">
         <p14:creationId xmlns:p14="http://schemas.microsoft.com/office/powerpoint/2010/main" val="109346024"/>
+      </p:ext>
+    </p:extLst>
+  </p:cSld>
+  <p:clrMapOvr>
+    <a:masterClrMapping/>
+  </p:clrMapOvr>
+</p:sld>
+</file>
+
+<file path=ppt/slides/slide20.xml><?xml version="1.0" encoding="utf-8"?>
+<p:sld xmlns:a="http://schemas.openxmlformats.org/drawingml/2006/main" xmlns:r="http://schemas.openxmlformats.org/officeDocument/2006/relationships" xmlns:p="http://schemas.openxmlformats.org/presentationml/2006/main">
+  <p:cSld>
+    <p:spTree>
+      <p:nvGrpSpPr>
+        <p:cNvPr id="1" name=""/>
+        <p:cNvGrpSpPr/>
+        <p:nvPr/>
+      </p:nvGrpSpPr>
+      <p:grpSpPr>
+        <a:xfrm>
+          <a:off x="0" y="0"/>
+          <a:ext cx="0" cy="0"/>
+          <a:chOff x="0" y="0"/>
+          <a:chExt cx="0" cy="0"/>
+        </a:xfrm>
+      </p:grpSpPr>
+      <p:sp>
+        <p:nvSpPr>
+          <p:cNvPr id="2" name="Title 1">
+            <a:extLst>
+              <a:ext uri="{FF2B5EF4-FFF2-40B4-BE49-F238E27FC236}">
+                <a16:creationId xmlns:a16="http://schemas.microsoft.com/office/drawing/2014/main" id="{6DA7CF98-B5C3-6707-D594-BAB3B1E1E832}"/>
+              </a:ext>
+            </a:extLst>
+          </p:cNvPr>
+          <p:cNvSpPr>
+            <a:spLocks noGrp="1"/>
+          </p:cNvSpPr>
+          <p:nvPr>
+            <p:ph type="title"/>
+          </p:nvPr>
+        </p:nvSpPr>
+        <p:spPr/>
+        <p:txBody>
+          <a:bodyPr/>
+          <a:lstStyle/>
+          <a:p>
+            <a:r>
+              <a:rPr lang="en-US" dirty="0"/>
+              <a:t>Introduction to fusion cache</a:t>
+            </a:r>
+          </a:p>
+        </p:txBody>
+      </p:sp>
+      <p:sp>
+        <p:nvSpPr>
+          <p:cNvPr id="3" name="Content Placeholder 2">
+            <a:extLst>
+              <a:ext uri="{FF2B5EF4-FFF2-40B4-BE49-F238E27FC236}">
+                <a16:creationId xmlns:a16="http://schemas.microsoft.com/office/drawing/2014/main" id="{4EE2669E-596B-E86E-E0E5-C04B6F827164}"/>
+              </a:ext>
+            </a:extLst>
+          </p:cNvPr>
+          <p:cNvSpPr>
+            <a:spLocks noGrp="1"/>
+          </p:cNvSpPr>
+          <p:nvPr>
+            <p:ph idx="1"/>
+          </p:nvPr>
+        </p:nvSpPr>
+        <p:spPr/>
+        <p:txBody>
+          <a:bodyPr>
+            <a:normAutofit/>
+          </a:bodyPr>
+          <a:lstStyle/>
+          <a:p>
+            <a:r>
+              <a:rPr lang="en-US" dirty="0"/>
+              <a:t>Backplane</a:t>
+            </a:r>
+          </a:p>
+          <a:p>
+            <a:pPr lvl="1"/>
+            <a:r>
+              <a:rPr lang="en-US" dirty="0"/>
+              <a:t>Sync values across nodes (in-memory cache) </a:t>
+            </a:r>
+          </a:p>
+          <a:p>
+            <a:endParaRPr lang="en-US" dirty="0"/>
+          </a:p>
+          <a:p>
+            <a:endParaRPr lang="en-US" dirty="0"/>
+          </a:p>
+        </p:txBody>
+      </p:sp>
+    </p:spTree>
+    <p:extLst>
+      <p:ext uri="{BB962C8B-B14F-4D97-AF65-F5344CB8AC3E}">
+        <p14:creationId xmlns:p14="http://schemas.microsoft.com/office/powerpoint/2010/main" val="3582380574"/>
+      </p:ext>
+    </p:extLst>
+  </p:cSld>
+  <p:clrMapOvr>
+    <a:masterClrMapping/>
+  </p:clrMapOvr>
+</p:sld>
+</file>
+
+<file path=ppt/slides/slide21.xml><?xml version="1.0" encoding="utf-8"?>
+<p:sld xmlns:a="http://schemas.openxmlformats.org/drawingml/2006/main" xmlns:r="http://schemas.openxmlformats.org/officeDocument/2006/relationships" xmlns:p="http://schemas.openxmlformats.org/presentationml/2006/main">
+  <p:cSld>
+    <p:spTree>
+      <p:nvGrpSpPr>
+        <p:cNvPr id="1" name=""/>
+        <p:cNvGrpSpPr/>
+        <p:nvPr/>
+      </p:nvGrpSpPr>
+      <p:grpSpPr>
+        <a:xfrm>
+          <a:off x="0" y="0"/>
+          <a:ext cx="0" cy="0"/>
+          <a:chOff x="0" y="0"/>
+          <a:chExt cx="0" cy="0"/>
+        </a:xfrm>
+      </p:grpSpPr>
+      <p:sp>
+        <p:nvSpPr>
+          <p:cNvPr id="2" name="Title 1">
+            <a:extLst>
+              <a:ext uri="{FF2B5EF4-FFF2-40B4-BE49-F238E27FC236}">
+                <a16:creationId xmlns:a16="http://schemas.microsoft.com/office/drawing/2014/main" id="{DEC2DADE-FA92-A304-D559-D197F850CC0B}"/>
+              </a:ext>
+            </a:extLst>
+          </p:cNvPr>
+          <p:cNvSpPr>
+            <a:spLocks noGrp="1"/>
+          </p:cNvSpPr>
+          <p:nvPr>
+            <p:ph type="title"/>
+          </p:nvPr>
+        </p:nvSpPr>
+        <p:spPr/>
+        <p:txBody>
+          <a:bodyPr/>
+          <a:lstStyle/>
+          <a:p>
+            <a:r>
+              <a:rPr lang="en-US" dirty="0"/>
+              <a:t>Introduction to fusion cache</a:t>
+            </a:r>
+          </a:p>
+        </p:txBody>
+      </p:sp>
+      <p:sp>
+        <p:nvSpPr>
+          <p:cNvPr id="3" name="Content Placeholder 2">
+            <a:extLst>
+              <a:ext uri="{FF2B5EF4-FFF2-40B4-BE49-F238E27FC236}">
+                <a16:creationId xmlns:a16="http://schemas.microsoft.com/office/drawing/2014/main" id="{E06809C9-DCCC-61BB-9AED-AAEF6DBE8B71}"/>
+              </a:ext>
+            </a:extLst>
+          </p:cNvPr>
+          <p:cNvSpPr>
+            <a:spLocks noGrp="1"/>
+          </p:cNvSpPr>
+          <p:nvPr>
+            <p:ph idx="1"/>
+          </p:nvPr>
+        </p:nvSpPr>
+        <p:spPr/>
+        <p:txBody>
+          <a:bodyPr/>
+          <a:lstStyle/>
+          <a:p>
+            <a:r>
+              <a:rPr lang="en-US" dirty="0"/>
+              <a:t>Plugins</a:t>
+            </a:r>
+          </a:p>
+        </p:txBody>
+      </p:sp>
+    </p:spTree>
+    <p:extLst>
+      <p:ext uri="{BB962C8B-B14F-4D97-AF65-F5344CB8AC3E}">
+        <p14:creationId xmlns:p14="http://schemas.microsoft.com/office/powerpoint/2010/main" val="1235170943"/>
       </p:ext>
     </p:extLst>
   </p:cSld>
@@ -6329,6 +7532,24 @@
           </a:bodyPr>
           <a:lstStyle/>
           <a:p>
+            <a:r>
+              <a:rPr lang="en-US" sz="1800" dirty="0">
+                <a:solidFill>
+                  <a:srgbClr val="000000"/>
+                </a:solidFill>
+                <a:latin typeface="Cascadia Mono" panose="020B0609020000020004" pitchFamily="49" charset="0"/>
+              </a:rPr>
+              <a:t>// _cache -&gt; </a:t>
+            </a:r>
+            <a:r>
+              <a:rPr lang="en-US" sz="1800" dirty="0" err="1">
+                <a:solidFill>
+                  <a:srgbClr val="000000"/>
+                </a:solidFill>
+                <a:latin typeface="Cascadia Mono" panose="020B0609020000020004" pitchFamily="49" charset="0"/>
+              </a:rPr>
+              <a:t>IMemoryCache</a:t>
+            </a:r>
             <a:br>
               <a:rPr lang="en-US" sz="1800" dirty="0">
                 <a:solidFill>

--- a/cache-like-a-pro.pptx
+++ b/cache-like-a-pro.pptx
@@ -5095,7 +5095,18 @@
             <a:pPr lvl="2"/>
             <a:r>
               <a:rPr lang="en-US" dirty="0"/>
-              <a:t>Expiration </a:t>
+              <a:t>Duration</a:t>
+            </a:r>
+          </a:p>
+          <a:p>
+            <a:pPr lvl="2"/>
+            <a:r>
+              <a:rPr lang="en-US" dirty="0" err="1"/>
+              <a:t>DistributedCacheDuration</a:t>
+            </a:r>
+            <a:r>
+              <a:rPr lang="en-US" dirty="0"/>
+              <a:t> (optional) </a:t>
             </a:r>
           </a:p>
           <a:p>
@@ -5106,15 +5117,7 @@
             </a:r>
             <a:r>
               <a:rPr lang="en-US" dirty="0"/>
-              <a:t> (introduce a degree of randomization </a:t>
-            </a:r>
-            <a:r>
-              <a:rPr lang="en-US"/>
-              <a:t>in the expiration</a:t>
-            </a:r>
-            <a:r>
-              <a:rPr lang="en-US" dirty="0"/>
-              <a:t>)</a:t>
+              <a:t> (introduce a degree of randomization in the expiration)</a:t>
             </a:r>
           </a:p>
           <a:p>
@@ -5598,7 +5601,7 @@
           <a:p>
             <a:r>
               <a:rPr lang="en-US" dirty="0" err="1"/>
-              <a:t>FactorySoftTimeout</a:t>
+              <a:t>FactoryHardTimeout</a:t>
             </a:r>
             <a:endParaRPr lang="en-US" dirty="0"/>
           </a:p>
@@ -5606,21 +5609,7 @@
             <a:pPr lvl="1"/>
             <a:r>
               <a:rPr lang="en-US" dirty="0"/>
-              <a:t>to be used if there's an expired cache entry to use as a fallback</a:t>
-            </a:r>
-          </a:p>
-          <a:p>
-            <a:r>
-              <a:rPr lang="en-US" dirty="0" err="1"/>
-              <a:t>FactoryHardTimeout</a:t>
-            </a:r>
-            <a:endParaRPr lang="en-US" dirty="0"/>
-          </a:p>
-          <a:p>
-            <a:pPr lvl="1"/>
-            <a:r>
-              <a:rPr lang="en-US" dirty="0"/>
-              <a:t>to be used in any case, no matter what. In this last case an exception will be thrown and you will have to handle it yourself, but in some cases that would be more preferable than a very slow response</a:t>
+              <a:t>Return exception if factory takes longer then the specified value (more on it later)</a:t>
             </a:r>
           </a:p>
           <a:p>
@@ -5692,17 +5681,11 @@
           <a:p>
             <a:r>
               <a:rPr lang="en-US" dirty="0"/>
-              <a:t>Introduction to fusion cache: </a:t>
-            </a:r>
-            <a:r>
-              <a:rPr lang="en-US" dirty="0" err="1">
-                <a:solidFill>
-                  <a:srgbClr val="000000"/>
-                </a:solidFill>
-                <a:latin typeface="Cascadia Mono" panose="020B0609020000020004" pitchFamily="49" charset="0"/>
-              </a:rPr>
-              <a:t>FusionCacheEntryOptions</a:t>
-            </a:r>
+              <a:t>Introduction to fusion cache: Fail-Safe</a:t>
+            </a:r>
+            <a:br>
+              <a:rPr lang="en-US" dirty="0"/>
+            </a:br>
             <a:endParaRPr lang="en-US" dirty="0"/>
           </a:p>
         </p:txBody>
@@ -5725,8 +5708,8 @@
         </p:nvSpPr>
         <p:spPr>
           <a:xfrm>
-            <a:off x="838200" y="1825625"/>
-            <a:ext cx="10515600" cy="4770484"/>
+            <a:off x="838200" y="1189608"/>
+            <a:ext cx="10515600" cy="4909351"/>
           </a:xfrm>
         </p:spPr>
         <p:txBody>
@@ -5735,16 +5718,10 @@
           </a:bodyPr>
           <a:lstStyle/>
           <a:p>
-            <a:r>
-              <a:rPr lang="en-US" dirty="0"/>
-              <a:t>Fail-Safe</a:t>
-            </a:r>
-          </a:p>
-          <a:p>
             <a:pPr lvl="1"/>
             <a:r>
               <a:rPr lang="en-US" dirty="0"/>
-              <a:t>Provide expired values if origin fails or takes too long to reply </a:t>
+              <a:t>Provide expired values if origin fails or takes too long to reply (times out)</a:t>
             </a:r>
           </a:p>
           <a:p>
@@ -5765,13 +5742,8 @@
               <a:t>FailSafeMaxDuration</a:t>
             </a:r>
             <a:r>
-              <a:rPr lang="en-US" sz="1800" dirty="0">
-                <a:solidFill>
-                  <a:srgbClr val="000000"/>
-                </a:solidFill>
-                <a:latin typeface="Cascadia Mono" panose="020B0609020000020004" pitchFamily="49" charset="0"/>
-              </a:rPr>
-              <a:t> </a:t>
+              <a:rPr lang="en-US" dirty="0"/>
+              <a:t> (internally extend the cache duration to this value)</a:t>
             </a:r>
           </a:p>
           <a:p>
@@ -5785,48 +5757,57 @@
           <a:p>
             <a:pPr lvl="1"/>
             <a:r>
-              <a:rPr lang="en-US" dirty="0"/>
-              <a:t>Default Value</a:t>
+              <a:rPr lang="en-US" dirty="0" err="1"/>
+              <a:t>FactorySoftTimeout</a:t>
+            </a:r>
+            <a:r>
+              <a:rPr lang="en-US" dirty="0"/>
+              <a:t>: will return existing value if factory takes longer than this value </a:t>
+            </a:r>
+          </a:p>
+          <a:p>
+            <a:pPr lvl="1"/>
+            <a:r>
+              <a:rPr lang="en-US" dirty="0" err="1"/>
+              <a:t>FactoryHardTimeout</a:t>
+            </a:r>
+            <a:r>
+              <a:rPr lang="en-US" dirty="0"/>
+              <a:t>: will throw exception if factory takes longer than this value </a:t>
+            </a:r>
+            <a:br>
+              <a:rPr lang="en-US" dirty="0"/>
+            </a:br>
+            <a:r>
+              <a:rPr lang="en-US" dirty="0"/>
+              <a:t>UNLESS </a:t>
+            </a:r>
+          </a:p>
+          <a:p>
+            <a:pPr lvl="1"/>
+            <a:r>
+              <a:rPr lang="en-US" dirty="0" err="1"/>
+              <a:t>FailSafe</a:t>
+            </a:r>
+            <a:r>
+              <a:rPr lang="en-US" dirty="0"/>
+              <a:t> Default Value is specified </a:t>
             </a:r>
           </a:p>
           <a:p>
             <a:pPr lvl="2"/>
             <a:r>
               <a:rPr lang="en-US" dirty="0"/>
-              <a:t>If no value is present in the cache </a:t>
-            </a:r>
-            <a:br>
-              <a:rPr lang="en-US" dirty="0"/>
-            </a:br>
-            <a:r>
-              <a:rPr lang="en-US" dirty="0"/>
-              <a:t>OR </a:t>
-            </a:r>
-          </a:p>
-          <a:p>
-            <a:pPr lvl="2"/>
-            <a:r>
-              <a:rPr lang="en-US" dirty="0"/>
-              <a:t>the  value is present, but </a:t>
+              <a:t>Returns the default if no value is present in the internal cache and (</a:t>
             </a:r>
             <a:r>
               <a:rPr lang="en-US" dirty="0" err="1"/>
-              <a:t>FailSafeMaxDuration</a:t>
-            </a:r>
-            <a:r>
-              <a:rPr lang="en-US" dirty="0"/>
-              <a:t> has passed, and factory Hard Timeout has passed : returns default value</a:t>
-            </a:r>
-          </a:p>
-          <a:p>
-            <a:pPr lvl="2"/>
-            <a:endParaRPr lang="en-US" dirty="0"/>
-          </a:p>
-          <a:p>
-            <a:endParaRPr lang="en-US" dirty="0"/>
-          </a:p>
-          <a:p>
-            <a:endParaRPr lang="en-US" dirty="0"/>
+              <a:t>FactoryHardTimeout</a:t>
+            </a:r>
+            <a:r>
+              <a:rPr lang="en-US" dirty="0"/>
+              <a:t> has passed, or an exception is thrown in the factory) </a:t>
+            </a:r>
           </a:p>
         </p:txBody>
       </p:sp>

--- a/cache-like-a-pro.pptx
+++ b/cache-like-a-pro.pptx
@@ -19,13 +19,16 @@
     <p:sldId id="268" r:id="rId13"/>
     <p:sldId id="272" r:id="rId14"/>
     <p:sldId id="261" r:id="rId15"/>
-    <p:sldId id="271" r:id="rId16"/>
-    <p:sldId id="277" r:id="rId17"/>
-    <p:sldId id="273" r:id="rId18"/>
-    <p:sldId id="275" r:id="rId19"/>
-    <p:sldId id="278" r:id="rId20"/>
-    <p:sldId id="274" r:id="rId21"/>
-    <p:sldId id="276" r:id="rId22"/>
+    <p:sldId id="279" r:id="rId16"/>
+    <p:sldId id="271" r:id="rId17"/>
+    <p:sldId id="277" r:id="rId18"/>
+    <p:sldId id="273" r:id="rId19"/>
+    <p:sldId id="275" r:id="rId20"/>
+    <p:sldId id="278" r:id="rId21"/>
+    <p:sldId id="274" r:id="rId22"/>
+    <p:sldId id="280" r:id="rId23"/>
+    <p:sldId id="281" r:id="rId24"/>
+    <p:sldId id="282" r:id="rId25"/>
   </p:sldIdLst>
   <p:sldSz cx="12192000" cy="6858000"/>
   <p:notesSz cx="6858000" cy="9144000"/>
@@ -279,7 +282,7 @@
           <a:p>
             <a:fld id="{7D239A87-38DC-4C6E-8233-D704AE9A351F}" type="datetimeFigureOut">
               <a:rPr lang="en-US" smtClean="0"/>
-              <a:t>5/14/2024</a:t>
+              <a:t>6/11/2024</a:t>
             </a:fld>
             <a:endParaRPr lang="en-US"/>
           </a:p>
@@ -477,7 +480,7 @@
           <a:p>
             <a:fld id="{7D239A87-38DC-4C6E-8233-D704AE9A351F}" type="datetimeFigureOut">
               <a:rPr lang="en-US" smtClean="0"/>
-              <a:t>5/14/2024</a:t>
+              <a:t>6/11/2024</a:t>
             </a:fld>
             <a:endParaRPr lang="en-US"/>
           </a:p>
@@ -685,7 +688,7 @@
           <a:p>
             <a:fld id="{7D239A87-38DC-4C6E-8233-D704AE9A351F}" type="datetimeFigureOut">
               <a:rPr lang="en-US" smtClean="0"/>
-              <a:t>5/14/2024</a:t>
+              <a:t>6/11/2024</a:t>
             </a:fld>
             <a:endParaRPr lang="en-US"/>
           </a:p>
@@ -883,7 +886,7 @@
           <a:p>
             <a:fld id="{7D239A87-38DC-4C6E-8233-D704AE9A351F}" type="datetimeFigureOut">
               <a:rPr lang="en-US" smtClean="0"/>
-              <a:t>5/14/2024</a:t>
+              <a:t>6/11/2024</a:t>
             </a:fld>
             <a:endParaRPr lang="en-US"/>
           </a:p>
@@ -1158,7 +1161,7 @@
           <a:p>
             <a:fld id="{7D239A87-38DC-4C6E-8233-D704AE9A351F}" type="datetimeFigureOut">
               <a:rPr lang="en-US" smtClean="0"/>
-              <a:t>5/14/2024</a:t>
+              <a:t>6/11/2024</a:t>
             </a:fld>
             <a:endParaRPr lang="en-US"/>
           </a:p>
@@ -1423,7 +1426,7 @@
           <a:p>
             <a:fld id="{7D239A87-38DC-4C6E-8233-D704AE9A351F}" type="datetimeFigureOut">
               <a:rPr lang="en-US" smtClean="0"/>
-              <a:t>5/14/2024</a:t>
+              <a:t>6/11/2024</a:t>
             </a:fld>
             <a:endParaRPr lang="en-US"/>
           </a:p>
@@ -1835,7 +1838,7 @@
           <a:p>
             <a:fld id="{7D239A87-38DC-4C6E-8233-D704AE9A351F}" type="datetimeFigureOut">
               <a:rPr lang="en-US" smtClean="0"/>
-              <a:t>5/14/2024</a:t>
+              <a:t>6/11/2024</a:t>
             </a:fld>
             <a:endParaRPr lang="en-US"/>
           </a:p>
@@ -1976,7 +1979,7 @@
           <a:p>
             <a:fld id="{7D239A87-38DC-4C6E-8233-D704AE9A351F}" type="datetimeFigureOut">
               <a:rPr lang="en-US" smtClean="0"/>
-              <a:t>5/14/2024</a:t>
+              <a:t>6/11/2024</a:t>
             </a:fld>
             <a:endParaRPr lang="en-US"/>
           </a:p>
@@ -2089,7 +2092,7 @@
           <a:p>
             <a:fld id="{7D239A87-38DC-4C6E-8233-D704AE9A351F}" type="datetimeFigureOut">
               <a:rPr lang="en-US" smtClean="0"/>
-              <a:t>5/14/2024</a:t>
+              <a:t>6/11/2024</a:t>
             </a:fld>
             <a:endParaRPr lang="en-US"/>
           </a:p>
@@ -2400,7 +2403,7 @@
           <a:p>
             <a:fld id="{7D239A87-38DC-4C6E-8233-D704AE9A351F}" type="datetimeFigureOut">
               <a:rPr lang="en-US" smtClean="0"/>
-              <a:t>5/14/2024</a:t>
+              <a:t>6/11/2024</a:t>
             </a:fld>
             <a:endParaRPr lang="en-US"/>
           </a:p>
@@ -2688,7 +2691,7 @@
           <a:p>
             <a:fld id="{7D239A87-38DC-4C6E-8233-D704AE9A351F}" type="datetimeFigureOut">
               <a:rPr lang="en-US" smtClean="0"/>
-              <a:t>5/14/2024</a:t>
+              <a:t>6/11/2024</a:t>
             </a:fld>
             <a:endParaRPr lang="en-US"/>
           </a:p>
@@ -2929,7 +2932,7 @@
           <a:p>
             <a:fld id="{7D239A87-38DC-4C6E-8233-D704AE9A351F}" type="datetimeFigureOut">
               <a:rPr lang="en-US" smtClean="0"/>
-              <a:t>5/14/2024</a:t>
+              <a:t>6/11/2024</a:t>
             </a:fld>
             <a:endParaRPr lang="en-US"/>
           </a:p>
@@ -3556,7 +3559,7 @@
             <a:pPr lvl="1"/>
             <a:r>
               <a:rPr lang="en-US" dirty="0"/>
-              <a:t>There are a few </a:t>
+              <a:t>There are "many" </a:t>
             </a:r>
             <a:r>
               <a:rPr lang="en-US" dirty="0" err="1"/>
@@ -3887,7 +3890,7 @@
           <p:nvPr>
             <p:extLst>
               <p:ext uri="{D42A27DB-BD31-4B8C-83A1-F6EECF244321}">
-                <p14:modId xmlns:p14="http://schemas.microsoft.com/office/powerpoint/2010/main" val="1174355944"/>
+                <p14:modId xmlns:p14="http://schemas.microsoft.com/office/powerpoint/2010/main" val="3681985066"/>
               </p:ext>
             </p:extLst>
           </p:nvPr>
@@ -4322,7 +4325,7 @@
                     <a:p>
                       <a:r>
                         <a:rPr lang="en-US" dirty="0"/>
-                        <a:t>1.3K stars</a:t>
+                        <a:t>1.5K stars</a:t>
                       </a:r>
                     </a:p>
                   </a:txBody>
@@ -4348,7 +4351,7 @@
                     <a:p>
                       <a:r>
                         <a:rPr lang="en-US" dirty="0"/>
-                        <a:t>15 days ago</a:t>
+                        <a:t>actively developed</a:t>
                       </a:r>
                     </a:p>
                   </a:txBody>
@@ -5048,6 +5051,16 @@
           <a:lstStyle/>
           <a:p>
             <a:r>
+              <a:rPr lang="en-US" dirty="0" err="1"/>
+              <a:t>IFusionCache</a:t>
+            </a:r>
+            <a:r>
+              <a:rPr lang="en-US" dirty="0"/>
+              <a:t>: the interface to have injected</a:t>
+            </a:r>
+          </a:p>
+          <a:p>
+            <a:r>
               <a:rPr lang="en-US" dirty="0"/>
               <a:t>The main api: </a:t>
             </a:r>
@@ -5132,262 +5145,6 @@
           </a:p>
           <a:p>
             <a:endParaRPr lang="en-US" dirty="0"/>
-          </a:p>
-        </p:txBody>
-      </p:sp>
-      <p:sp>
-        <p:nvSpPr>
-          <p:cNvPr id="4" name="TextBox 3">
-            <a:extLst>
-              <a:ext uri="{FF2B5EF4-FFF2-40B4-BE49-F238E27FC236}">
-                <a16:creationId xmlns:a16="http://schemas.microsoft.com/office/drawing/2014/main" id="{BB7C8D49-C6C3-3F18-E18D-A174359898DC}"/>
-              </a:ext>
-            </a:extLst>
-          </p:cNvPr>
-          <p:cNvSpPr txBox="1"/>
-          <p:nvPr/>
-        </p:nvSpPr>
-        <p:spPr>
-          <a:xfrm>
-            <a:off x="573358" y="4328347"/>
-            <a:ext cx="9922909" cy="2062103"/>
-          </a:xfrm>
-          <a:prstGeom prst="rect">
-            <a:avLst/>
-          </a:prstGeom>
-          <a:noFill/>
-        </p:spPr>
-        <p:txBody>
-          <a:bodyPr wrap="none" rtlCol="0">
-            <a:spAutoFit/>
-          </a:bodyPr>
-          <a:lstStyle/>
-          <a:p>
-            <a:r>
-              <a:rPr lang="en-US" sz="1600" dirty="0">
-                <a:solidFill>
-                  <a:srgbClr val="000000"/>
-                </a:solidFill>
-                <a:latin typeface="Cascadia Mono" panose="020B0609020000020004" pitchFamily="49" charset="0"/>
-              </a:rPr>
-              <a:t>[</a:t>
-            </a:r>
-            <a:r>
-              <a:rPr lang="en-US" sz="1600" dirty="0" err="1">
-                <a:solidFill>
-                  <a:srgbClr val="000000"/>
-                </a:solidFill>
-                <a:latin typeface="Cascadia Mono" panose="020B0609020000020004" pitchFamily="49" charset="0"/>
-              </a:rPr>
-              <a:t>HttpGet</a:t>
-            </a:r>
-            <a:r>
-              <a:rPr lang="en-US" sz="1600" dirty="0">
-                <a:solidFill>
-                  <a:srgbClr val="000000"/>
-                </a:solidFill>
-                <a:latin typeface="Cascadia Mono" panose="020B0609020000020004" pitchFamily="49" charset="0"/>
-              </a:rPr>
-              <a:t>(template: "get-or-set-cache-entry-raw", Name = "</a:t>
-            </a:r>
-            <a:r>
-              <a:rPr lang="en-US" sz="1600" dirty="0" err="1">
-                <a:solidFill>
-                  <a:srgbClr val="000000"/>
-                </a:solidFill>
-                <a:latin typeface="Cascadia Mono" panose="020B0609020000020004" pitchFamily="49" charset="0"/>
-              </a:rPr>
-              <a:t>GetOrSetCacheEntryRaw</a:t>
-            </a:r>
-            <a:r>
-              <a:rPr lang="en-US" sz="1600" dirty="0">
-                <a:solidFill>
-                  <a:srgbClr val="000000"/>
-                </a:solidFill>
-                <a:latin typeface="Cascadia Mono" panose="020B0609020000020004" pitchFamily="49" charset="0"/>
-              </a:rPr>
-              <a:t>")]</a:t>
-            </a:r>
-          </a:p>
-          <a:p>
-            <a:r>
-              <a:rPr lang="en-US" sz="1600" dirty="0">
-                <a:solidFill>
-                  <a:srgbClr val="000000"/>
-                </a:solidFill>
-                <a:latin typeface="Cascadia Mono" panose="020B0609020000020004" pitchFamily="49" charset="0"/>
-              </a:rPr>
-              <a:t> public async Task&lt;string&gt; </a:t>
-            </a:r>
-            <a:r>
-              <a:rPr lang="en-US" sz="1600" dirty="0" err="1">
-                <a:solidFill>
-                  <a:srgbClr val="000000"/>
-                </a:solidFill>
-                <a:latin typeface="Cascadia Mono" panose="020B0609020000020004" pitchFamily="49" charset="0"/>
-              </a:rPr>
-              <a:t>GetCacheEntryRaw</a:t>
-            </a:r>
-            <a:r>
-              <a:rPr lang="en-US" sz="1600" dirty="0">
-                <a:solidFill>
-                  <a:srgbClr val="000000"/>
-                </a:solidFill>
-                <a:latin typeface="Cascadia Mono" panose="020B0609020000020004" pitchFamily="49" charset="0"/>
-              </a:rPr>
-              <a:t>(string value) {</a:t>
-            </a:r>
-          </a:p>
-          <a:p>
-            <a:r>
-              <a:rPr lang="en-US" sz="1600" dirty="0">
-                <a:solidFill>
-                  <a:srgbClr val="000000"/>
-                </a:solidFill>
-                <a:latin typeface="Cascadia Mono" panose="020B0609020000020004" pitchFamily="49" charset="0"/>
-              </a:rPr>
-              <a:t>     var ret = await _</a:t>
-            </a:r>
-            <a:r>
-              <a:rPr lang="en-US" sz="1600" dirty="0" err="1">
-                <a:solidFill>
-                  <a:srgbClr val="000000"/>
-                </a:solidFill>
-                <a:latin typeface="Cascadia Mono" panose="020B0609020000020004" pitchFamily="49" charset="0"/>
-              </a:rPr>
-              <a:t>fusionCache.GetOrSetAsync</a:t>
-            </a:r>
-            <a:r>
-              <a:rPr lang="en-US" sz="1600" dirty="0">
-                <a:solidFill>
-                  <a:srgbClr val="000000"/>
-                </a:solidFill>
-                <a:latin typeface="Cascadia Mono" panose="020B0609020000020004" pitchFamily="49" charset="0"/>
-              </a:rPr>
-              <a:t>("cache-entry", </a:t>
-            </a:r>
-            <a:br>
-              <a:rPr lang="en-US" sz="1600" dirty="0">
-                <a:solidFill>
-                  <a:srgbClr val="000000"/>
-                </a:solidFill>
-                <a:latin typeface="Cascadia Mono" panose="020B0609020000020004" pitchFamily="49" charset="0"/>
-              </a:rPr>
-            </a:br>
-            <a:r>
-              <a:rPr lang="en-US" sz="1600" dirty="0">
-                <a:solidFill>
-                  <a:srgbClr val="000000"/>
-                </a:solidFill>
-                <a:latin typeface="Cascadia Mono" panose="020B0609020000020004" pitchFamily="49" charset="0"/>
-              </a:rPr>
-              <a:t>      async _ =&gt; await </a:t>
-            </a:r>
-            <a:r>
-              <a:rPr lang="en-US" sz="1600" dirty="0" err="1">
-                <a:solidFill>
-                  <a:srgbClr val="000000"/>
-                </a:solidFill>
-                <a:latin typeface="Cascadia Mono" panose="020B0609020000020004" pitchFamily="49" charset="0"/>
-              </a:rPr>
-              <a:t>Task.FromResult</a:t>
-            </a:r>
-            <a:r>
-              <a:rPr lang="en-US" sz="1600" dirty="0">
-                <a:solidFill>
-                  <a:srgbClr val="000000"/>
-                </a:solidFill>
-                <a:latin typeface="Cascadia Mono" panose="020B0609020000020004" pitchFamily="49" charset="0"/>
-              </a:rPr>
-              <a:t>(value),new </a:t>
-            </a:r>
-            <a:r>
-              <a:rPr lang="en-US" sz="1600" dirty="0" err="1">
-                <a:solidFill>
-                  <a:srgbClr val="000000"/>
-                </a:solidFill>
-                <a:latin typeface="Cascadia Mono" panose="020B0609020000020004" pitchFamily="49" charset="0"/>
-              </a:rPr>
-              <a:t>FusionCacheEntryOptions</a:t>
-            </a:r>
-            <a:r>
-              <a:rPr lang="en-US" sz="1600" dirty="0">
-                <a:solidFill>
-                  <a:srgbClr val="000000"/>
-                </a:solidFill>
-                <a:latin typeface="Cascadia Mono" panose="020B0609020000020004" pitchFamily="49" charset="0"/>
-              </a:rPr>
-              <a:t> {</a:t>
-            </a:r>
-          </a:p>
-          <a:p>
-            <a:r>
-              <a:rPr lang="en-US" sz="1600" dirty="0">
-                <a:solidFill>
-                  <a:srgbClr val="000000"/>
-                </a:solidFill>
-                <a:latin typeface="Cascadia Mono" panose="020B0609020000020004" pitchFamily="49" charset="0"/>
-              </a:rPr>
-              <a:t>         Duration= </a:t>
-            </a:r>
-            <a:r>
-              <a:rPr lang="en-US" sz="1600" dirty="0" err="1">
-                <a:solidFill>
-                  <a:srgbClr val="000000"/>
-                </a:solidFill>
-                <a:latin typeface="Cascadia Mono" panose="020B0609020000020004" pitchFamily="49" charset="0"/>
-              </a:rPr>
-              <a:t>TimeSpan.FromMinutes</a:t>
-            </a:r>
-            <a:r>
-              <a:rPr lang="en-US" sz="1600" dirty="0">
-                <a:solidFill>
-                  <a:srgbClr val="000000"/>
-                </a:solidFill>
-                <a:latin typeface="Cascadia Mono" panose="020B0609020000020004" pitchFamily="49" charset="0"/>
-              </a:rPr>
-              <a:t>(1)}</a:t>
-            </a:r>
-            <a:br>
-              <a:rPr lang="en-US" sz="1600" dirty="0">
-                <a:solidFill>
-                  <a:srgbClr val="000000"/>
-                </a:solidFill>
-                <a:latin typeface="Cascadia Mono" panose="020B0609020000020004" pitchFamily="49" charset="0"/>
-              </a:rPr>
-            </a:br>
-            <a:r>
-              <a:rPr lang="en-US" sz="1600" dirty="0">
-                <a:solidFill>
-                  <a:srgbClr val="000000"/>
-                </a:solidFill>
-                <a:latin typeface="Cascadia Mono" panose="020B0609020000020004" pitchFamily="49" charset="0"/>
-              </a:rPr>
-              <a:t>     );</a:t>
-            </a:r>
-          </a:p>
-          <a:p>
-            <a:r>
-              <a:rPr lang="en-US" sz="1600" dirty="0">
-                <a:solidFill>
-                  <a:srgbClr val="000000"/>
-                </a:solidFill>
-                <a:latin typeface="Cascadia Mono" panose="020B0609020000020004" pitchFamily="49" charset="0"/>
-              </a:rPr>
-              <a:t>     return ret;</a:t>
-            </a:r>
-          </a:p>
-          <a:p>
-            <a:r>
-              <a:rPr lang="en-US" sz="1600" dirty="0">
-                <a:solidFill>
-                  <a:srgbClr val="000000"/>
-                </a:solidFill>
-                <a:latin typeface="Cascadia Mono" panose="020B0609020000020004" pitchFamily="49" charset="0"/>
-              </a:rPr>
-              <a:t> }</a:t>
-            </a:r>
-            <a:endParaRPr lang="en-US" sz="1600" dirty="0"/>
           </a:p>
         </p:txBody>
       </p:sp>
@@ -5426,7 +5183,7 @@
           <p:cNvPr id="2" name="Title 1">
             <a:extLst>
               <a:ext uri="{FF2B5EF4-FFF2-40B4-BE49-F238E27FC236}">
-                <a16:creationId xmlns:a16="http://schemas.microsoft.com/office/drawing/2014/main" id="{6DA7CF98-B5C3-6707-D594-BAB3B1E1E832}"/>
+                <a16:creationId xmlns:a16="http://schemas.microsoft.com/office/drawing/2014/main" id="{A57B7226-9247-96BB-DF72-85A4234DFF1A}"/>
               </a:ext>
             </a:extLst>
           </p:cNvPr>
@@ -5442,10 +5199,7 @@
           <a:bodyPr/>
           <a:lstStyle/>
           <a:p>
-            <a:r>
-              <a:rPr lang="en-US" dirty="0"/>
-              <a:t>Introduction to fusion cache</a:t>
-            </a:r>
+            <a:endParaRPr lang="en-US"/>
           </a:p>
         </p:txBody>
       </p:sp>
@@ -5454,7 +5208,7 @@
           <p:cNvPr id="3" name="Content Placeholder 2">
             <a:extLst>
               <a:ext uri="{FF2B5EF4-FFF2-40B4-BE49-F238E27FC236}">
-                <a16:creationId xmlns:a16="http://schemas.microsoft.com/office/drawing/2014/main" id="{4EE2669E-596B-E86E-E0E5-C04B6F827164}"/>
+                <a16:creationId xmlns:a16="http://schemas.microsoft.com/office/drawing/2014/main" id="{A03C34F7-5129-D41E-31EA-C959A4DA021D}"/>
               </a:ext>
             </a:extLst>
           </p:cNvPr>
@@ -5467,51 +5221,299 @@
         </p:nvSpPr>
         <p:spPr/>
         <p:txBody>
-          <a:bodyPr>
-            <a:normAutofit/>
+          <a:bodyPr/>
+          <a:lstStyle/>
+          <a:p>
+            <a:endParaRPr lang="en-US" dirty="0"/>
+          </a:p>
+        </p:txBody>
+      </p:sp>
+      <p:sp>
+        <p:nvSpPr>
+          <p:cNvPr id="4" name="TextBox 3">
+            <a:extLst>
+              <a:ext uri="{FF2B5EF4-FFF2-40B4-BE49-F238E27FC236}">
+                <a16:creationId xmlns:a16="http://schemas.microsoft.com/office/drawing/2014/main" id="{BB7C8D49-C6C3-3F18-E18D-A174359898DC}"/>
+              </a:ext>
+            </a:extLst>
+          </p:cNvPr>
+          <p:cNvSpPr txBox="1"/>
+          <p:nvPr/>
+        </p:nvSpPr>
+        <p:spPr>
+          <a:xfrm>
+            <a:off x="573358" y="2602914"/>
+            <a:ext cx="9922909" cy="2308324"/>
+          </a:xfrm>
+          <a:prstGeom prst="rect">
+            <a:avLst/>
+          </a:prstGeom>
+          <a:noFill/>
+        </p:spPr>
+        <p:txBody>
+          <a:bodyPr wrap="none" rtlCol="0">
+            <a:spAutoFit/>
           </a:bodyPr>
           <a:lstStyle/>
           <a:p>
             <a:r>
-              <a:rPr lang="en-US" dirty="0"/>
-              <a:t>Avoid Cache stampede</a:t>
-            </a:r>
-          </a:p>
-          <a:p>
-            <a:pPr lvl="1"/>
-            <a:r>
-              <a:rPr lang="en-US" dirty="0"/>
-              <a:t>Avoid "All" rush to origin to get same key when it expires (see demo). </a:t>
-            </a:r>
-            <a:r>
-              <a:rPr lang="en-US" dirty="0" err="1"/>
-              <a:t>JitterMaxDuration</a:t>
-            </a:r>
-            <a:r>
-              <a:rPr lang="en-US" dirty="0"/>
-              <a:t> mitigate the problem, still ..</a:t>
-            </a:r>
-          </a:p>
-          <a:p>
-            <a:pPr lvl="1"/>
-            <a:r>
-              <a:rPr lang="en-US" dirty="0"/>
-              <a:t>Fusion cache will not call the same factory more than once concurrently</a:t>
-            </a:r>
-          </a:p>
-          <a:p>
-            <a:pPr lvl="1"/>
-            <a:r>
-              <a:rPr lang="en-US" dirty="0"/>
-              <a:t>Works at node level</a:t>
-            </a:r>
+              <a:rPr lang="en-US" sz="1600" dirty="0">
+                <a:solidFill>
+                  <a:srgbClr val="000000"/>
+                </a:solidFill>
+                <a:latin typeface="Cascadia Mono" panose="020B0609020000020004" pitchFamily="49" charset="0"/>
+              </a:rPr>
+              <a:t>[</a:t>
+            </a:r>
+            <a:r>
+              <a:rPr lang="en-US" sz="1600" dirty="0" err="1">
+                <a:solidFill>
+                  <a:srgbClr val="000000"/>
+                </a:solidFill>
+                <a:latin typeface="Cascadia Mono" panose="020B0609020000020004" pitchFamily="49" charset="0"/>
+              </a:rPr>
+              <a:t>HttpGet</a:t>
+            </a:r>
+            <a:r>
+              <a:rPr lang="en-US" sz="1600" dirty="0">
+                <a:solidFill>
+                  <a:srgbClr val="000000"/>
+                </a:solidFill>
+                <a:latin typeface="Cascadia Mono" panose="020B0609020000020004" pitchFamily="49" charset="0"/>
+              </a:rPr>
+              <a:t>(template: "get-or-set-cache-entry-raw", Name = "</a:t>
+            </a:r>
+            <a:r>
+              <a:rPr lang="en-US" sz="1600" dirty="0" err="1">
+                <a:solidFill>
+                  <a:srgbClr val="000000"/>
+                </a:solidFill>
+                <a:latin typeface="Cascadia Mono" panose="020B0609020000020004" pitchFamily="49" charset="0"/>
+              </a:rPr>
+              <a:t>GetOrSetCacheEntryRaw</a:t>
+            </a:r>
+            <a:r>
+              <a:rPr lang="en-US" sz="1600" dirty="0">
+                <a:solidFill>
+                  <a:srgbClr val="000000"/>
+                </a:solidFill>
+                <a:latin typeface="Cascadia Mono" panose="020B0609020000020004" pitchFamily="49" charset="0"/>
+              </a:rPr>
+              <a:t>")]</a:t>
+            </a:r>
+          </a:p>
+          <a:p>
+            <a:r>
+              <a:rPr lang="en-US" sz="1600" dirty="0">
+                <a:solidFill>
+                  <a:srgbClr val="000000"/>
+                </a:solidFill>
+                <a:latin typeface="Cascadia Mono" panose="020B0609020000020004" pitchFamily="49" charset="0"/>
+              </a:rPr>
+              <a:t> public async Task&lt;string&gt; </a:t>
+            </a:r>
+            <a:r>
+              <a:rPr lang="en-US" sz="1600" dirty="0" err="1">
+                <a:solidFill>
+                  <a:srgbClr val="000000"/>
+                </a:solidFill>
+                <a:latin typeface="Cascadia Mono" panose="020B0609020000020004" pitchFamily="49" charset="0"/>
+              </a:rPr>
+              <a:t>GetCacheEntryRaw</a:t>
+            </a:r>
+            <a:r>
+              <a:rPr lang="en-US" sz="1600" dirty="0">
+                <a:solidFill>
+                  <a:srgbClr val="000000"/>
+                </a:solidFill>
+                <a:latin typeface="Cascadia Mono" panose="020B0609020000020004" pitchFamily="49" charset="0"/>
+              </a:rPr>
+              <a:t>(string value) {</a:t>
+            </a:r>
+          </a:p>
+          <a:p>
+            <a:r>
+              <a:rPr lang="en-US" sz="1600" dirty="0">
+                <a:solidFill>
+                  <a:srgbClr val="000000"/>
+                </a:solidFill>
+                <a:latin typeface="Cascadia Mono" panose="020B0609020000020004" pitchFamily="49" charset="0"/>
+              </a:rPr>
+              <a:t>     var ret = await _</a:t>
+            </a:r>
+            <a:r>
+              <a:rPr lang="en-US" sz="1600" dirty="0" err="1">
+                <a:solidFill>
+                  <a:srgbClr val="000000"/>
+                </a:solidFill>
+                <a:latin typeface="Cascadia Mono" panose="020B0609020000020004" pitchFamily="49" charset="0"/>
+              </a:rPr>
+              <a:t>fusionCache.GetOrSetAsync</a:t>
+            </a:r>
+            <a:r>
+              <a:rPr lang="en-US" sz="1600" dirty="0">
+                <a:solidFill>
+                  <a:srgbClr val="000000"/>
+                </a:solidFill>
+                <a:latin typeface="Cascadia Mono" panose="020B0609020000020004" pitchFamily="49" charset="0"/>
+              </a:rPr>
+              <a:t>("cache-entry", </a:t>
+            </a:r>
+            <a:br>
+              <a:rPr lang="en-US" sz="1600" dirty="0">
+                <a:solidFill>
+                  <a:srgbClr val="000000"/>
+                </a:solidFill>
+                <a:latin typeface="Cascadia Mono" panose="020B0609020000020004" pitchFamily="49" charset="0"/>
+              </a:rPr>
+            </a:br>
+            <a:r>
+              <a:rPr lang="en-US" sz="1600" b="1" i="1" dirty="0">
+                <a:solidFill>
+                  <a:srgbClr val="000000"/>
+                </a:solidFill>
+                <a:latin typeface="Cascadia Mono" panose="020B0609020000020004" pitchFamily="49" charset="0"/>
+              </a:rPr>
+              <a:t>      		async _ =&gt; await </a:t>
+            </a:r>
+            <a:r>
+              <a:rPr lang="en-US" sz="1600" b="1" i="1" dirty="0" err="1">
+                <a:solidFill>
+                  <a:srgbClr val="000000"/>
+                </a:solidFill>
+                <a:latin typeface="Cascadia Mono" panose="020B0609020000020004" pitchFamily="49" charset="0"/>
+              </a:rPr>
+              <a:t>Task.FromResult</a:t>
+            </a:r>
+            <a:r>
+              <a:rPr lang="en-US" sz="1600" b="1" i="1" dirty="0">
+                <a:solidFill>
+                  <a:srgbClr val="000000"/>
+                </a:solidFill>
+                <a:latin typeface="Cascadia Mono" panose="020B0609020000020004" pitchFamily="49" charset="0"/>
+              </a:rPr>
+              <a:t>(value)</a:t>
+            </a:r>
+            <a:br>
+              <a:rPr lang="en-US" sz="1600" b="1" i="1" dirty="0">
+                <a:solidFill>
+                  <a:srgbClr val="000000"/>
+                </a:solidFill>
+                <a:latin typeface="Cascadia Mono" panose="020B0609020000020004" pitchFamily="49" charset="0"/>
+              </a:rPr>
+            </a:br>
+            <a:r>
+              <a:rPr lang="en-US" sz="1600" b="1" i="1" dirty="0">
+                <a:solidFill>
+                  <a:srgbClr val="000000"/>
+                </a:solidFill>
+                <a:latin typeface="Cascadia Mono" panose="020B0609020000020004" pitchFamily="49" charset="0"/>
+              </a:rPr>
+              <a:t>      </a:t>
+            </a:r>
+            <a:r>
+              <a:rPr lang="en-US" sz="1600" dirty="0">
+                <a:solidFill>
+                  <a:srgbClr val="000000"/>
+                </a:solidFill>
+                <a:latin typeface="Cascadia Mono" panose="020B0609020000020004" pitchFamily="49" charset="0"/>
+              </a:rPr>
+              <a:t>,new </a:t>
+            </a:r>
+            <a:r>
+              <a:rPr lang="en-US" sz="1600" dirty="0" err="1">
+                <a:solidFill>
+                  <a:srgbClr val="000000"/>
+                </a:solidFill>
+                <a:latin typeface="Cascadia Mono" panose="020B0609020000020004" pitchFamily="49" charset="0"/>
+              </a:rPr>
+              <a:t>FusionCacheEntryOptions</a:t>
+            </a:r>
+            <a:r>
+              <a:rPr lang="en-US" sz="1600" dirty="0">
+                <a:solidFill>
+                  <a:srgbClr val="000000"/>
+                </a:solidFill>
+                <a:latin typeface="Cascadia Mono" panose="020B0609020000020004" pitchFamily="49" charset="0"/>
+              </a:rPr>
+              <a:t> {</a:t>
+            </a:r>
+          </a:p>
+          <a:p>
+            <a:r>
+              <a:rPr lang="en-US" sz="1600" dirty="0">
+                <a:solidFill>
+                  <a:srgbClr val="000000"/>
+                </a:solidFill>
+                <a:latin typeface="Cascadia Mono" panose="020B0609020000020004" pitchFamily="49" charset="0"/>
+              </a:rPr>
+              <a:t>         Duration= </a:t>
+            </a:r>
+            <a:r>
+              <a:rPr lang="en-US" sz="1600" dirty="0" err="1">
+                <a:solidFill>
+                  <a:srgbClr val="000000"/>
+                </a:solidFill>
+                <a:latin typeface="Cascadia Mono" panose="020B0609020000020004" pitchFamily="49" charset="0"/>
+              </a:rPr>
+              <a:t>TimeSpan.FromMinutes</a:t>
+            </a:r>
+            <a:r>
+              <a:rPr lang="en-US" sz="1600" dirty="0">
+                <a:solidFill>
+                  <a:srgbClr val="000000"/>
+                </a:solidFill>
+                <a:latin typeface="Cascadia Mono" panose="020B0609020000020004" pitchFamily="49" charset="0"/>
+              </a:rPr>
+              <a:t>(1)}</a:t>
+            </a:r>
+            <a:br>
+              <a:rPr lang="en-US" sz="1600" dirty="0">
+                <a:solidFill>
+                  <a:srgbClr val="000000"/>
+                </a:solidFill>
+                <a:latin typeface="Cascadia Mono" panose="020B0609020000020004" pitchFamily="49" charset="0"/>
+              </a:rPr>
+            </a:br>
+            <a:r>
+              <a:rPr lang="en-US" sz="1600" dirty="0">
+                <a:solidFill>
+                  <a:srgbClr val="000000"/>
+                </a:solidFill>
+                <a:latin typeface="Cascadia Mono" panose="020B0609020000020004" pitchFamily="49" charset="0"/>
+              </a:rPr>
+              <a:t>     );</a:t>
+            </a:r>
+          </a:p>
+          <a:p>
+            <a:r>
+              <a:rPr lang="en-US" sz="1600" dirty="0">
+                <a:solidFill>
+                  <a:srgbClr val="000000"/>
+                </a:solidFill>
+                <a:latin typeface="Cascadia Mono" panose="020B0609020000020004" pitchFamily="49" charset="0"/>
+              </a:rPr>
+              <a:t>     return ret;</a:t>
+            </a:r>
+          </a:p>
+          <a:p>
+            <a:r>
+              <a:rPr lang="en-US" sz="1600" dirty="0">
+                <a:solidFill>
+                  <a:srgbClr val="000000"/>
+                </a:solidFill>
+                <a:latin typeface="Cascadia Mono" panose="020B0609020000020004" pitchFamily="49" charset="0"/>
+              </a:rPr>
+              <a:t> }</a:t>
+            </a:r>
+            <a:endParaRPr lang="en-US" sz="1600" dirty="0"/>
           </a:p>
         </p:txBody>
       </p:sp>
     </p:spTree>
     <p:extLst>
       <p:ext uri="{BB962C8B-B14F-4D97-AF65-F5344CB8AC3E}">
-        <p14:creationId xmlns:p14="http://schemas.microsoft.com/office/powerpoint/2010/main" val="1377340055"/>
+        <p14:creationId xmlns:p14="http://schemas.microsoft.com/office/powerpoint/2010/main" val="1651941946"/>
       </p:ext>
     </p:extLst>
   </p:cSld>
@@ -5543,7 +5545,7 @@
           <p:cNvPr id="2" name="Title 1">
             <a:extLst>
               <a:ext uri="{FF2B5EF4-FFF2-40B4-BE49-F238E27FC236}">
-                <a16:creationId xmlns:a16="http://schemas.microsoft.com/office/drawing/2014/main" id="{13E90545-37A9-9A12-6B57-3878A0D8242E}"/>
+                <a16:creationId xmlns:a16="http://schemas.microsoft.com/office/drawing/2014/main" id="{6DA7CF98-B5C3-6707-D594-BAB3B1E1E832}"/>
               </a:ext>
             </a:extLst>
           </p:cNvPr>
@@ -5561,18 +5563,8 @@
           <a:p>
             <a:r>
               <a:rPr lang="en-US" dirty="0"/>
-              <a:t>Introduction to fusion cache: </a:t>
-            </a:r>
-            <a:r>
-              <a:rPr lang="en-US" dirty="0" err="1">
-                <a:solidFill>
-                  <a:srgbClr val="000000"/>
-                </a:solidFill>
-                <a:latin typeface="Cascadia Mono" panose="020B0609020000020004" pitchFamily="49" charset="0"/>
-              </a:rPr>
-              <a:t>FusionCacheEntryOptions</a:t>
-            </a:r>
-            <a:endParaRPr lang="en-US" dirty="0"/>
+              <a:t>Cache stampede</a:t>
+            </a:r>
           </a:p>
         </p:txBody>
       </p:sp>
@@ -5581,7 +5573,7 @@
           <p:cNvPr id="3" name="Content Placeholder 2">
             <a:extLst>
               <a:ext uri="{FF2B5EF4-FFF2-40B4-BE49-F238E27FC236}">
-                <a16:creationId xmlns:a16="http://schemas.microsoft.com/office/drawing/2014/main" id="{6AE67887-6B6F-F9BE-2C73-350D2F504680}"/>
+                <a16:creationId xmlns:a16="http://schemas.microsoft.com/office/drawing/2014/main" id="{4EE2669E-596B-E86E-E0E5-C04B6F827164}"/>
               </a:ext>
             </a:extLst>
           </p:cNvPr>
@@ -5599,31 +5591,32 @@
           </a:bodyPr>
           <a:lstStyle/>
           <a:p>
+            <a:pPr lvl="1"/>
+            <a:r>
+              <a:rPr lang="en-US" dirty="0"/>
+              <a:t>Avoid "All" rush to origin to get same key when it expires (see demo). </a:t>
+            </a:r>
             <a:r>
               <a:rPr lang="en-US" dirty="0" err="1"/>
-              <a:t>FactoryHardTimeout</a:t>
-            </a:r>
-            <a:endParaRPr lang="en-US" dirty="0"/>
+              <a:t>JitterMaxDuration</a:t>
+            </a:r>
+            <a:r>
+              <a:rPr lang="en-US" dirty="0"/>
+              <a:t> mitigate the problem, still ..</a:t>
+            </a:r>
           </a:p>
           <a:p>
             <a:pPr lvl="1"/>
             <a:r>
               <a:rPr lang="en-US" dirty="0"/>
-              <a:t>Return exception if factory takes longer then the specified value (more on it later)</a:t>
-            </a:r>
-          </a:p>
-          <a:p>
-            <a:r>
-              <a:rPr lang="en-US" dirty="0" err="1"/>
-              <a:t>AllowTimedOutFactoryBackgroundCompletion</a:t>
-            </a:r>
-            <a:endParaRPr lang="en-US" dirty="0"/>
+              <a:t>Fusion cache will not call the same factory more than once concurrently</a:t>
+            </a:r>
           </a:p>
           <a:p>
             <a:pPr lvl="1"/>
             <a:r>
               <a:rPr lang="en-US" dirty="0"/>
-              <a:t>Enabled by default, lets the timed-out factory keep running in the background and update the cached value as soon as it finishes</a:t>
+              <a:t>Works at node level</a:t>
             </a:r>
           </a:p>
         </p:txBody>
@@ -5631,7 +5624,7 @@
     </p:spTree>
     <p:extLst>
       <p:ext uri="{BB962C8B-B14F-4D97-AF65-F5344CB8AC3E}">
-        <p14:creationId xmlns:p14="http://schemas.microsoft.com/office/powerpoint/2010/main" val="2190221231"/>
+        <p14:creationId xmlns:p14="http://schemas.microsoft.com/office/powerpoint/2010/main" val="1377340055"/>
       </p:ext>
     </p:extLst>
   </p:cSld>
@@ -5663,7 +5656,7 @@
           <p:cNvPr id="2" name="Title 1">
             <a:extLst>
               <a:ext uri="{FF2B5EF4-FFF2-40B4-BE49-F238E27FC236}">
-                <a16:creationId xmlns:a16="http://schemas.microsoft.com/office/drawing/2014/main" id="{6DA7CF98-B5C3-6707-D594-BAB3B1E1E832}"/>
+                <a16:creationId xmlns:a16="http://schemas.microsoft.com/office/drawing/2014/main" id="{13E90545-37A9-9A12-6B57-3878A0D8242E}"/>
               </a:ext>
             </a:extLst>
           </p:cNvPr>
@@ -5675,138 +5668,76 @@
           </p:nvPr>
         </p:nvSpPr>
         <p:spPr/>
-        <p:txBody>
-          <a:bodyPr/>
-          <a:lstStyle/>
-          <a:p>
-            <a:r>
-              <a:rPr lang="en-US" dirty="0"/>
-              <a:t>Introduction to fusion cache: Fail-Safe</a:t>
-            </a:r>
-            <a:br>
-              <a:rPr lang="en-US" dirty="0"/>
-            </a:br>
-            <a:endParaRPr lang="en-US" dirty="0"/>
-          </a:p>
-        </p:txBody>
-      </p:sp>
-      <p:sp>
-        <p:nvSpPr>
-          <p:cNvPr id="3" name="Content Placeholder 2">
-            <a:extLst>
-              <a:ext uri="{FF2B5EF4-FFF2-40B4-BE49-F238E27FC236}">
-                <a16:creationId xmlns:a16="http://schemas.microsoft.com/office/drawing/2014/main" id="{4EE2669E-596B-E86E-E0E5-C04B6F827164}"/>
-              </a:ext>
-            </a:extLst>
-          </p:cNvPr>
-          <p:cNvSpPr>
-            <a:spLocks noGrp="1"/>
-          </p:cNvSpPr>
-          <p:nvPr>
-            <p:ph idx="1"/>
-          </p:nvPr>
-        </p:nvSpPr>
-        <p:spPr>
-          <a:xfrm>
-            <a:off x="838200" y="1189608"/>
-            <a:ext cx="10515600" cy="4909351"/>
-          </a:xfrm>
-        </p:spPr>
         <p:txBody>
           <a:bodyPr>
             <a:normAutofit/>
           </a:bodyPr>
           <a:lstStyle/>
           <a:p>
-            <a:pPr lvl="1"/>
-            <a:r>
-              <a:rPr lang="en-US" dirty="0"/>
-              <a:t>Provide expired values if origin fails or takes too long to reply (times out)</a:t>
-            </a:r>
-          </a:p>
-          <a:p>
-            <a:pPr lvl="1"/>
-            <a:r>
-              <a:rPr lang="en-US" dirty="0" err="1"/>
-              <a:t>IsFailSafeEnabled</a:t>
-            </a:r>
-            <a:r>
-              <a:rPr lang="en-US" dirty="0"/>
-              <a:t> </a:t>
-            </a:r>
-          </a:p>
-          <a:p>
-            <a:pPr lvl="1"/>
-            <a:r>
-              <a:rPr lang="en-US" dirty="0" err="1"/>
-              <a:t>FailSafeMaxDuration</a:t>
-            </a:r>
-            <a:r>
-              <a:rPr lang="en-US" dirty="0"/>
-              <a:t> (internally extend the cache duration to this value)</a:t>
-            </a:r>
-          </a:p>
-          <a:p>
-            <a:pPr lvl="1"/>
-            <a:r>
-              <a:rPr lang="en-US" dirty="0" err="1"/>
-              <a:t>FailSafeThrottleDuration</a:t>
-            </a:r>
-            <a:endParaRPr lang="en-US" dirty="0"/>
-          </a:p>
-          <a:p>
-            <a:pPr lvl="1"/>
-            <a:r>
-              <a:rPr lang="en-US" dirty="0" err="1"/>
-              <a:t>FactorySoftTimeout</a:t>
-            </a:r>
-            <a:r>
-              <a:rPr lang="en-US" dirty="0"/>
-              <a:t>: will return existing value if factory takes longer than this value </a:t>
-            </a:r>
-          </a:p>
-          <a:p>
-            <a:pPr lvl="1"/>
+            <a:r>
+              <a:rPr lang="en-US" dirty="0" err="1">
+                <a:latin typeface="+mn-lt"/>
+                <a:ea typeface="+mn-ea"/>
+                <a:cs typeface="+mn-cs"/>
+              </a:rPr>
+              <a:t>FusionCacheEntryOptions</a:t>
+            </a:r>
+            <a:endParaRPr lang="en-US" dirty="0">
+              <a:latin typeface="+mn-lt"/>
+              <a:ea typeface="+mn-ea"/>
+              <a:cs typeface="+mn-cs"/>
+            </a:endParaRPr>
+          </a:p>
+        </p:txBody>
+      </p:sp>
+      <p:sp>
+        <p:nvSpPr>
+          <p:cNvPr id="3" name="Content Placeholder 2">
+            <a:extLst>
+              <a:ext uri="{FF2B5EF4-FFF2-40B4-BE49-F238E27FC236}">
+                <a16:creationId xmlns:a16="http://schemas.microsoft.com/office/drawing/2014/main" id="{6AE67887-6B6F-F9BE-2C73-350D2F504680}"/>
+              </a:ext>
+            </a:extLst>
+          </p:cNvPr>
+          <p:cNvSpPr>
+            <a:spLocks noGrp="1"/>
+          </p:cNvSpPr>
+          <p:nvPr>
+            <p:ph idx="1"/>
+          </p:nvPr>
+        </p:nvSpPr>
+        <p:spPr/>
+        <p:txBody>
+          <a:bodyPr>
+            <a:normAutofit/>
+          </a:bodyPr>
+          <a:lstStyle/>
+          <a:p>
             <a:r>
               <a:rPr lang="en-US" dirty="0" err="1"/>
               <a:t>FactoryHardTimeout</a:t>
             </a:r>
-            <a:r>
-              <a:rPr lang="en-US" dirty="0"/>
-              <a:t>: will throw exception if factory takes longer than this value </a:t>
-            </a:r>
-            <a:br>
-              <a:rPr lang="en-US" dirty="0"/>
-            </a:br>
-            <a:r>
-              <a:rPr lang="en-US" dirty="0"/>
-              <a:t>UNLESS </a:t>
-            </a:r>
+            <a:endParaRPr lang="en-US" dirty="0"/>
           </a:p>
           <a:p>
             <a:pPr lvl="1"/>
             <a:r>
+              <a:rPr lang="en-US" dirty="0"/>
+              <a:t>Return exception if factory takes longer then the specified value (more on it later)</a:t>
+            </a:r>
+          </a:p>
+          <a:p>
+            <a:r>
               <a:rPr lang="en-US" dirty="0" err="1"/>
-              <a:t>FailSafe</a:t>
-            </a:r>
-            <a:r>
-              <a:rPr lang="en-US" dirty="0"/>
-              <a:t> Default Value is specified </a:t>
-            </a:r>
-          </a:p>
-          <a:p>
-            <a:pPr lvl="2"/>
-            <a:r>
-              <a:rPr lang="en-US" dirty="0"/>
-              <a:t>Returns the default if no value is present in the internal cache and (</a:t>
-            </a:r>
-            <a:r>
-              <a:rPr lang="en-US" dirty="0" err="1"/>
-              <a:t>FactoryHardTimeout</a:t>
-            </a:r>
-            <a:r>
-              <a:rPr lang="en-US" dirty="0"/>
-              <a:t> has passed, or an exception is thrown in the factory) </a:t>
+              <a:t>AllowTimedOutFactoryBackgroundCompletion</a:t>
+            </a:r>
+            <a:endParaRPr lang="en-US" dirty="0"/>
+          </a:p>
+          <a:p>
+            <a:pPr lvl="1"/>
+            <a:r>
+              <a:rPr lang="en-US" dirty="0"/>
+              <a:t>Enabled by default, lets the timed-out factory keep running in the background and update the cached value as soon as it finishes</a:t>
             </a:r>
           </a:p>
         </p:txBody>
@@ -5814,7 +5745,7 @@
     </p:spTree>
     <p:extLst>
       <p:ext uri="{BB962C8B-B14F-4D97-AF65-F5344CB8AC3E}">
-        <p14:creationId xmlns:p14="http://schemas.microsoft.com/office/powerpoint/2010/main" val="3492176054"/>
+        <p14:creationId xmlns:p14="http://schemas.microsoft.com/office/powerpoint/2010/main" val="2190221231"/>
       </p:ext>
     </p:extLst>
   </p:cSld>
@@ -5864,8 +5795,12 @@
           <a:p>
             <a:r>
               <a:rPr lang="en-US" dirty="0"/>
-              <a:t>Introduction to fusion cache</a:t>
-            </a:r>
+              <a:t>Fail-Safe</a:t>
+            </a:r>
+            <a:br>
+              <a:rPr lang="en-US" dirty="0"/>
+            </a:br>
+            <a:endParaRPr lang="en-US" dirty="0"/>
           </a:p>
         </p:txBody>
       </p:sp>
@@ -5885,37 +5820,97 @@
             <p:ph idx="1"/>
           </p:nvPr>
         </p:nvSpPr>
-        <p:spPr/>
+        <p:spPr>
+          <a:xfrm>
+            <a:off x="838200" y="1356585"/>
+            <a:ext cx="10515600" cy="4909351"/>
+          </a:xfrm>
+        </p:spPr>
         <p:txBody>
           <a:bodyPr>
             <a:normAutofit/>
           </a:bodyPr>
           <a:lstStyle/>
           <a:p>
-            <a:r>
-              <a:rPr lang="en-US" dirty="0"/>
-              <a:t>Adaptive Caching</a:t>
-            </a:r>
-          </a:p>
-          <a:p>
             <a:pPr lvl="1"/>
             <a:r>
               <a:rPr lang="en-US" dirty="0"/>
-              <a:t>Custom caching duration </a:t>
-            </a:r>
-          </a:p>
-          <a:p>
+              <a:t>Provide expired values if origin fails or takes too long to reply (times out)</a:t>
+            </a:r>
+          </a:p>
+          <a:p>
+            <a:pPr lvl="1"/>
+            <a:r>
+              <a:rPr lang="en-US" dirty="0" err="1"/>
+              <a:t>IsFailSafeEnabled</a:t>
+            </a:r>
+            <a:r>
+              <a:rPr lang="en-US" dirty="0"/>
+              <a:t> </a:t>
+            </a:r>
+          </a:p>
+          <a:p>
+            <a:pPr lvl="1"/>
+            <a:r>
+              <a:rPr lang="en-US" dirty="0" err="1"/>
+              <a:t>FailSafeMaxDuration</a:t>
+            </a:r>
+            <a:r>
+              <a:rPr lang="en-US" dirty="0"/>
+              <a:t> (internally extend the cache duration to this value)</a:t>
+            </a:r>
+          </a:p>
+          <a:p>
+            <a:pPr lvl="1"/>
+            <a:r>
+              <a:rPr lang="en-US" dirty="0" err="1"/>
+              <a:t>FailSafeThrottleDuration</a:t>
+            </a:r>
             <a:endParaRPr lang="en-US" dirty="0"/>
           </a:p>
           <a:p>
-            <a:endParaRPr lang="en-US" dirty="0"/>
+            <a:pPr lvl="1"/>
+            <a:r>
+              <a:rPr lang="en-US" dirty="0" err="1"/>
+              <a:t>FactorySoftTimeout</a:t>
+            </a:r>
+            <a:r>
+              <a:rPr lang="en-US" dirty="0"/>
+              <a:t>: (apply when failsafe is true only) will return expired entry (if any) if factory takes longer than this value </a:t>
+            </a:r>
+          </a:p>
+          <a:p>
+            <a:pPr lvl="1"/>
+            <a:r>
+              <a:rPr lang="en-US" dirty="0" err="1"/>
+              <a:t>FailSafe</a:t>
+            </a:r>
+            <a:r>
+              <a:rPr lang="en-US" dirty="0"/>
+              <a:t> Default Value is specified </a:t>
+            </a:r>
+          </a:p>
+          <a:p>
+            <a:pPr lvl="2"/>
+            <a:r>
+              <a:rPr lang="en-US" sz="2400" dirty="0"/>
+              <a:t>Returns the default if no value is present in the internal cache and (</a:t>
+            </a:r>
+            <a:r>
+              <a:rPr lang="en-US" sz="2400" dirty="0" err="1"/>
+              <a:t>FactoryHardTimeout</a:t>
+            </a:r>
+            <a:r>
+              <a:rPr lang="en-US" sz="2400" dirty="0"/>
+              <a:t> has passed, or an exception is thrown in the factory) </a:t>
+            </a:r>
           </a:p>
         </p:txBody>
       </p:sp>
     </p:spTree>
     <p:extLst>
       <p:ext uri="{BB962C8B-B14F-4D97-AF65-F5344CB8AC3E}">
-        <p14:creationId xmlns:p14="http://schemas.microsoft.com/office/powerpoint/2010/main" val="1560423962"/>
+        <p14:creationId xmlns:p14="http://schemas.microsoft.com/office/powerpoint/2010/main" val="3492176054"/>
       </p:ext>
     </p:extLst>
   </p:cSld>
@@ -5965,7 +5960,7 @@
           <a:p>
             <a:r>
               <a:rPr lang="en-US" dirty="0"/>
-              <a:t>Introduction to fusion cache</a:t>
+              <a:t>Adaptive Caching</a:t>
             </a:r>
           </a:p>
         </p:txBody>
@@ -5995,15 +5990,21 @@
           <a:p>
             <a:r>
               <a:rPr lang="en-US" dirty="0"/>
-              <a:t>Named caches</a:t>
-            </a:r>
+              <a:t>Custom caching duration </a:t>
+            </a:r>
+          </a:p>
+          <a:p>
+            <a:endParaRPr lang="en-US" dirty="0"/>
+          </a:p>
+          <a:p>
+            <a:endParaRPr lang="en-US" dirty="0"/>
           </a:p>
         </p:txBody>
       </p:sp>
     </p:spTree>
     <p:extLst>
       <p:ext uri="{BB962C8B-B14F-4D97-AF65-F5344CB8AC3E}">
-        <p14:creationId xmlns:p14="http://schemas.microsoft.com/office/powerpoint/2010/main" val="2753430410"/>
+        <p14:creationId xmlns:p14="http://schemas.microsoft.com/office/powerpoint/2010/main" val="1560423962"/>
       </p:ext>
     </p:extLst>
   </p:cSld>
@@ -6160,7 +6161,7 @@
           <a:p>
             <a:r>
               <a:rPr lang="en-US" dirty="0"/>
-              <a:t>Introduction to fusion cache</a:t>
+              <a:t>Named caches</a:t>
             </a:r>
           </a:p>
         </p:txBody>
@@ -6188,20 +6189,211 @@
           </a:bodyPr>
           <a:lstStyle/>
           <a:p>
-            <a:r>
-              <a:rPr lang="en-US" dirty="0"/>
-              <a:t>Backplane</a:t>
-            </a:r>
-          </a:p>
-          <a:p>
-            <a:pPr lvl="1"/>
-            <a:r>
-              <a:rPr lang="en-US" dirty="0"/>
-              <a:t>Sync values across nodes (in-memory cache) </a:t>
-            </a:r>
-          </a:p>
-          <a:p>
             <a:endParaRPr lang="en-US" dirty="0"/>
+          </a:p>
+        </p:txBody>
+      </p:sp>
+      <p:sp>
+        <p:nvSpPr>
+          <p:cNvPr id="4" name="TextBox 3">
+            <a:extLst>
+              <a:ext uri="{FF2B5EF4-FFF2-40B4-BE49-F238E27FC236}">
+                <a16:creationId xmlns:a16="http://schemas.microsoft.com/office/drawing/2014/main" id="{762E7DA3-44D7-43E5-7A5B-C029F065E7C4}"/>
+              </a:ext>
+            </a:extLst>
+          </p:cNvPr>
+          <p:cNvSpPr txBox="1"/>
+          <p:nvPr/>
+        </p:nvSpPr>
+        <p:spPr>
+          <a:xfrm>
+            <a:off x="1033670" y="2969812"/>
+            <a:ext cx="9891422" cy="2339102"/>
+          </a:xfrm>
+          <a:prstGeom prst="rect">
+            <a:avLst/>
+          </a:prstGeom>
+          <a:noFill/>
+        </p:spPr>
+        <p:txBody>
+          <a:bodyPr wrap="square" rtlCol="0">
+            <a:spAutoFit/>
+          </a:bodyPr>
+          <a:lstStyle/>
+          <a:p>
+            <a:r>
+              <a:rPr lang="en-US" sz="1600" dirty="0">
+                <a:solidFill>
+                  <a:srgbClr val="000000"/>
+                </a:solidFill>
+                <a:latin typeface="Cascadia Mono" panose="020B0609020000020004" pitchFamily="49" charset="0"/>
+              </a:rPr>
+              <a:t>// startup </a:t>
+            </a:r>
+            <a:br>
+              <a:rPr lang="en-US" sz="1600" dirty="0">
+                <a:solidFill>
+                  <a:srgbClr val="000000"/>
+                </a:solidFill>
+                <a:latin typeface="Cascadia Mono" panose="020B0609020000020004" pitchFamily="49" charset="0"/>
+              </a:rPr>
+            </a:br>
+            <a:r>
+              <a:rPr lang="en-US" sz="1600" dirty="0" err="1">
+                <a:solidFill>
+                  <a:srgbClr val="000000"/>
+                </a:solidFill>
+                <a:latin typeface="Cascadia Mono" panose="020B0609020000020004" pitchFamily="49" charset="0"/>
+              </a:rPr>
+              <a:t>services.AddFusionCache</a:t>
+            </a:r>
+            <a:r>
+              <a:rPr lang="en-US" sz="1600" dirty="0">
+                <a:solidFill>
+                  <a:srgbClr val="000000"/>
+                </a:solidFill>
+                <a:latin typeface="Cascadia Mono" panose="020B0609020000020004" pitchFamily="49" charset="0"/>
+              </a:rPr>
+              <a:t>("Products");</a:t>
+            </a:r>
+            <a:br>
+              <a:rPr lang="en-US" sz="1600" dirty="0">
+                <a:solidFill>
+                  <a:srgbClr val="000000"/>
+                </a:solidFill>
+                <a:latin typeface="Cascadia Mono" panose="020B0609020000020004" pitchFamily="49" charset="0"/>
+              </a:rPr>
+            </a:br>
+            <a:endParaRPr lang="en-US" sz="1600" dirty="0">
+              <a:solidFill>
+                <a:srgbClr val="000000"/>
+              </a:solidFill>
+              <a:latin typeface="Cascadia Mono" panose="020B0609020000020004" pitchFamily="49" charset="0"/>
+            </a:endParaRPr>
+          </a:p>
+          <a:p>
+            <a:endParaRPr lang="en-US" sz="1600" dirty="0">
+              <a:solidFill>
+                <a:srgbClr val="000000"/>
+              </a:solidFill>
+              <a:latin typeface="Cascadia Mono" panose="020B0609020000020004" pitchFamily="49" charset="0"/>
+            </a:endParaRPr>
+          </a:p>
+          <a:p>
+            <a:r>
+              <a:rPr lang="en-US" sz="1600" dirty="0">
+                <a:solidFill>
+                  <a:srgbClr val="000000"/>
+                </a:solidFill>
+                <a:latin typeface="Cascadia Mono" panose="020B0609020000020004" pitchFamily="49" charset="0"/>
+              </a:rPr>
+              <a:t>public </a:t>
+            </a:r>
+            <a:r>
+              <a:rPr lang="en-US" sz="1600" dirty="0" err="1">
+                <a:solidFill>
+                  <a:srgbClr val="000000"/>
+                </a:solidFill>
+                <a:latin typeface="Cascadia Mono" panose="020B0609020000020004" pitchFamily="49" charset="0"/>
+              </a:rPr>
+              <a:t>MyController</a:t>
+            </a:r>
+            <a:r>
+              <a:rPr lang="en-US" sz="1600" dirty="0">
+                <a:solidFill>
+                  <a:srgbClr val="000000"/>
+                </a:solidFill>
+                <a:latin typeface="Cascadia Mono" panose="020B0609020000020004" pitchFamily="49" charset="0"/>
+              </a:rPr>
+              <a:t>(</a:t>
+            </a:r>
+            <a:r>
+              <a:rPr lang="en-US" sz="1600" dirty="0" err="1">
+                <a:solidFill>
+                  <a:srgbClr val="000000"/>
+                </a:solidFill>
+                <a:latin typeface="Cascadia Mono" panose="020B0609020000020004" pitchFamily="49" charset="0"/>
+              </a:rPr>
+              <a:t>IFusionCacheProvider</a:t>
+            </a:r>
+            <a:r>
+              <a:rPr lang="en-US" sz="1600" dirty="0">
+                <a:solidFill>
+                  <a:srgbClr val="000000"/>
+                </a:solidFill>
+                <a:latin typeface="Cascadia Mono" panose="020B0609020000020004" pitchFamily="49" charset="0"/>
+              </a:rPr>
+              <a:t> </a:t>
+            </a:r>
+            <a:r>
+              <a:rPr lang="en-US" sz="1600" dirty="0" err="1">
+                <a:solidFill>
+                  <a:srgbClr val="000000"/>
+                </a:solidFill>
+                <a:latin typeface="Cascadia Mono" panose="020B0609020000020004" pitchFamily="49" charset="0"/>
+              </a:rPr>
+              <a:t>cacheProvider</a:t>
+            </a:r>
+            <a:r>
+              <a:rPr lang="en-US" sz="1600" dirty="0">
+                <a:solidFill>
+                  <a:srgbClr val="000000"/>
+                </a:solidFill>
+                <a:latin typeface="Cascadia Mono" panose="020B0609020000020004" pitchFamily="49" charset="0"/>
+              </a:rPr>
+              <a:t>)</a:t>
+            </a:r>
+          </a:p>
+          <a:p>
+            <a:r>
+              <a:rPr lang="en-US" sz="1600" dirty="0">
+                <a:solidFill>
+                  <a:srgbClr val="000000"/>
+                </a:solidFill>
+                <a:latin typeface="Cascadia Mono" panose="020B0609020000020004" pitchFamily="49" charset="0"/>
+              </a:rPr>
+              <a:t>    {</a:t>
+            </a:r>
+          </a:p>
+          <a:p>
+            <a:r>
+              <a:rPr lang="en-US" sz="1600" dirty="0">
+                <a:solidFill>
+                  <a:srgbClr val="000000"/>
+                </a:solidFill>
+                <a:latin typeface="Cascadia Mono" panose="020B0609020000020004" pitchFamily="49" charset="0"/>
+              </a:rPr>
+              <a:t>        _cache = </a:t>
+            </a:r>
+            <a:r>
+              <a:rPr lang="en-US" sz="1600" dirty="0" err="1">
+                <a:solidFill>
+                  <a:srgbClr val="000000"/>
+                </a:solidFill>
+                <a:latin typeface="Cascadia Mono" panose="020B0609020000020004" pitchFamily="49" charset="0"/>
+              </a:rPr>
+              <a:t>cacheProvider.GetCache</a:t>
+            </a:r>
+            <a:r>
+              <a:rPr lang="en-US" sz="1600" dirty="0">
+                <a:solidFill>
+                  <a:srgbClr val="000000"/>
+                </a:solidFill>
+                <a:latin typeface="Cascadia Mono" panose="020B0609020000020004" pitchFamily="49" charset="0"/>
+              </a:rPr>
+              <a:t>("Products");</a:t>
+            </a:r>
+          </a:p>
+          <a:p>
+            <a:r>
+              <a:rPr lang="en-US" sz="1600" dirty="0">
+                <a:solidFill>
+                  <a:srgbClr val="000000"/>
+                </a:solidFill>
+                <a:latin typeface="Cascadia Mono" panose="020B0609020000020004" pitchFamily="49" charset="0"/>
+              </a:rPr>
+              <a:t>    }</a:t>
+            </a:r>
           </a:p>
           <a:p>
             <a:endParaRPr lang="en-US" dirty="0"/>
@@ -6211,7 +6403,7 @@
     </p:spTree>
     <p:extLst>
       <p:ext uri="{BB962C8B-B14F-4D97-AF65-F5344CB8AC3E}">
-        <p14:creationId xmlns:p14="http://schemas.microsoft.com/office/powerpoint/2010/main" val="3582380574"/>
+        <p14:creationId xmlns:p14="http://schemas.microsoft.com/office/powerpoint/2010/main" val="2753430410"/>
       </p:ext>
     </p:extLst>
   </p:cSld>
@@ -6243,7 +6435,7 @@
           <p:cNvPr id="2" name="Title 1">
             <a:extLst>
               <a:ext uri="{FF2B5EF4-FFF2-40B4-BE49-F238E27FC236}">
-                <a16:creationId xmlns:a16="http://schemas.microsoft.com/office/drawing/2014/main" id="{DEC2DADE-FA92-A304-D559-D197F850CC0B}"/>
+                <a16:creationId xmlns:a16="http://schemas.microsoft.com/office/drawing/2014/main" id="{6DA7CF98-B5C3-6707-D594-BAB3B1E1E832}"/>
               </a:ext>
             </a:extLst>
           </p:cNvPr>
@@ -6261,7 +6453,7 @@
           <a:p>
             <a:r>
               <a:rPr lang="en-US" dirty="0"/>
-              <a:t>Introduction to fusion cache</a:t>
+              <a:t>Backplane</a:t>
             </a:r>
           </a:p>
         </p:txBody>
@@ -6271,7 +6463,7 @@
           <p:cNvPr id="3" name="Content Placeholder 2">
             <a:extLst>
               <a:ext uri="{FF2B5EF4-FFF2-40B4-BE49-F238E27FC236}">
-                <a16:creationId xmlns:a16="http://schemas.microsoft.com/office/drawing/2014/main" id="{E06809C9-DCCC-61BB-9AED-AAEF6DBE8B71}"/>
+                <a16:creationId xmlns:a16="http://schemas.microsoft.com/office/drawing/2014/main" id="{4EE2669E-596B-E86E-E0E5-C04B6F827164}"/>
               </a:ext>
             </a:extLst>
           </p:cNvPr>
@@ -6284,20 +6476,453 @@
         </p:nvSpPr>
         <p:spPr/>
         <p:txBody>
-          <a:bodyPr/>
-          <a:lstStyle/>
-          <a:p>
-            <a:r>
-              <a:rPr lang="en-US" dirty="0"/>
-              <a:t>Plugins</a:t>
-            </a:r>
+          <a:bodyPr>
+            <a:normAutofit/>
+          </a:bodyPr>
+          <a:lstStyle/>
+          <a:p>
+            <a:r>
+              <a:rPr lang="en-US" dirty="0"/>
+              <a:t>Sync values across nodes (in-memory cache) </a:t>
+            </a:r>
+          </a:p>
+          <a:p>
+            <a:r>
+              <a:rPr lang="en-US" dirty="0"/>
+              <a:t>Need Redis for the pub-sub</a:t>
+            </a:r>
+          </a:p>
+          <a:p>
+            <a:endParaRPr lang="en-US" dirty="0"/>
+          </a:p>
+          <a:p>
+            <a:endParaRPr lang="en-US" dirty="0"/>
           </a:p>
         </p:txBody>
       </p:sp>
     </p:spTree>
     <p:extLst>
       <p:ext uri="{BB962C8B-B14F-4D97-AF65-F5344CB8AC3E}">
-        <p14:creationId xmlns:p14="http://schemas.microsoft.com/office/powerpoint/2010/main" val="1235170943"/>
+        <p14:creationId xmlns:p14="http://schemas.microsoft.com/office/powerpoint/2010/main" val="3582380574"/>
+      </p:ext>
+    </p:extLst>
+  </p:cSld>
+  <p:clrMapOvr>
+    <a:masterClrMapping/>
+  </p:clrMapOvr>
+</p:sld>
+</file>
+
+<file path=ppt/slides/slide22.xml><?xml version="1.0" encoding="utf-8"?>
+<p:sld xmlns:a="http://schemas.openxmlformats.org/drawingml/2006/main" xmlns:r="http://schemas.openxmlformats.org/officeDocument/2006/relationships" xmlns:p="http://schemas.openxmlformats.org/presentationml/2006/main">
+  <p:cSld>
+    <p:spTree>
+      <p:nvGrpSpPr>
+        <p:cNvPr id="1" name=""/>
+        <p:cNvGrpSpPr/>
+        <p:nvPr/>
+      </p:nvGrpSpPr>
+      <p:grpSpPr>
+        <a:xfrm>
+          <a:off x="0" y="0"/>
+          <a:ext cx="0" cy="0"/>
+          <a:chOff x="0" y="0"/>
+          <a:chExt cx="0" cy="0"/>
+        </a:xfrm>
+      </p:grpSpPr>
+      <p:sp>
+        <p:nvSpPr>
+          <p:cNvPr id="2" name="Title 1">
+            <a:extLst>
+              <a:ext uri="{FF2B5EF4-FFF2-40B4-BE49-F238E27FC236}">
+                <a16:creationId xmlns:a16="http://schemas.microsoft.com/office/drawing/2014/main" id="{DEC2DADE-FA92-A304-D559-D197F850CC0B}"/>
+              </a:ext>
+            </a:extLst>
+          </p:cNvPr>
+          <p:cNvSpPr>
+            <a:spLocks noGrp="1"/>
+          </p:cNvSpPr>
+          <p:nvPr>
+            <p:ph type="title"/>
+          </p:nvPr>
+        </p:nvSpPr>
+        <p:spPr/>
+        <p:txBody>
+          <a:bodyPr/>
+          <a:lstStyle/>
+          <a:p>
+            <a:r>
+              <a:rPr lang="en-US" dirty="0"/>
+              <a:t>Plugins</a:t>
+            </a:r>
+          </a:p>
+        </p:txBody>
+      </p:sp>
+      <p:sp>
+        <p:nvSpPr>
+          <p:cNvPr id="3" name="Content Placeholder 2">
+            <a:extLst>
+              <a:ext uri="{FF2B5EF4-FFF2-40B4-BE49-F238E27FC236}">
+                <a16:creationId xmlns:a16="http://schemas.microsoft.com/office/drawing/2014/main" id="{E06809C9-DCCC-61BB-9AED-AAEF6DBE8B71}"/>
+              </a:ext>
+            </a:extLst>
+          </p:cNvPr>
+          <p:cNvSpPr>
+            <a:spLocks noGrp="1"/>
+          </p:cNvSpPr>
+          <p:nvPr>
+            <p:ph idx="1"/>
+          </p:nvPr>
+        </p:nvSpPr>
+        <p:spPr>
+          <a:xfrm>
+            <a:off x="838200" y="1407381"/>
+            <a:ext cx="10515600" cy="4769582"/>
+          </a:xfrm>
+        </p:spPr>
+        <p:txBody>
+          <a:bodyPr>
+            <a:normAutofit lnSpcReduction="10000"/>
+          </a:bodyPr>
+          <a:lstStyle/>
+          <a:p>
+            <a:endParaRPr lang="en-US" dirty="0">
+              <a:solidFill>
+                <a:srgbClr val="FF0000"/>
+              </a:solidFill>
+            </a:endParaRPr>
+          </a:p>
+          <a:p>
+            <a:r>
+              <a:rPr lang="en-US" sz="3000" dirty="0"/>
+              <a:t>Listen to events</a:t>
+            </a:r>
+          </a:p>
+          <a:p>
+            <a:pPr lvl="1"/>
+            <a:r>
+              <a:rPr lang="en-US" sz="2600" dirty="0"/>
+              <a:t>Hit: when a value was in the cache (there's also a flag to indicate if the data was stale or not)</a:t>
+            </a:r>
+          </a:p>
+          <a:p>
+            <a:pPr lvl="1"/>
+            <a:r>
+              <a:rPr lang="en-US" sz="2600" dirty="0"/>
+              <a:t>Miss: when a value was not in the cache</a:t>
+            </a:r>
+          </a:p>
+          <a:p>
+            <a:pPr lvl="1"/>
+            <a:r>
+              <a:rPr lang="en-US" sz="2600" dirty="0"/>
+              <a:t>Remove: when an entry has been removed</a:t>
+            </a:r>
+          </a:p>
+          <a:p>
+            <a:pPr lvl="1"/>
+            <a:r>
+              <a:rPr lang="en-US" sz="2600" dirty="0"/>
+              <a:t>Eviction: when an eviction occurred, along with the reason (only for the memory level)</a:t>
+            </a:r>
+          </a:p>
+          <a:p>
+            <a:pPr lvl="1"/>
+            <a:r>
+              <a:rPr lang="en-US" sz="2600" dirty="0" err="1"/>
+              <a:t>FailSafeActivation</a:t>
+            </a:r>
+            <a:r>
+              <a:rPr lang="en-US" sz="2600" dirty="0"/>
+              <a:t>: when the fail-safe mechanism kicked in</a:t>
+            </a:r>
+          </a:p>
+          <a:p>
+            <a:endParaRPr lang="en-US" sz="3000" dirty="0"/>
+          </a:p>
+          <a:p>
+            <a:r>
+              <a:rPr lang="en-US" sz="3000" dirty="0"/>
+              <a:t>Run in background </a:t>
+            </a:r>
+          </a:p>
+        </p:txBody>
+      </p:sp>
+    </p:spTree>
+    <p:extLst>
+      <p:ext uri="{BB962C8B-B14F-4D97-AF65-F5344CB8AC3E}">
+        <p14:creationId xmlns:p14="http://schemas.microsoft.com/office/powerpoint/2010/main" val="3045623098"/>
+      </p:ext>
+    </p:extLst>
+  </p:cSld>
+  <p:clrMapOvr>
+    <a:masterClrMapping/>
+  </p:clrMapOvr>
+</p:sld>
+</file>
+
+<file path=ppt/slides/slide23.xml><?xml version="1.0" encoding="utf-8"?>
+<p:sld xmlns:a="http://schemas.openxmlformats.org/drawingml/2006/main" xmlns:r="http://schemas.openxmlformats.org/officeDocument/2006/relationships" xmlns:p="http://schemas.openxmlformats.org/presentationml/2006/main">
+  <p:cSld>
+    <p:spTree>
+      <p:nvGrpSpPr>
+        <p:cNvPr id="1" name=""/>
+        <p:cNvGrpSpPr/>
+        <p:nvPr/>
+      </p:nvGrpSpPr>
+      <p:grpSpPr>
+        <a:xfrm>
+          <a:off x="0" y="0"/>
+          <a:ext cx="0" cy="0"/>
+          <a:chOff x="0" y="0"/>
+          <a:chExt cx="0" cy="0"/>
+        </a:xfrm>
+      </p:grpSpPr>
+      <p:sp>
+        <p:nvSpPr>
+          <p:cNvPr id="2" name="Titolo 1"/>
+          <p:cNvSpPr>
+            <a:spLocks noGrp="1"/>
+          </p:cNvSpPr>
+          <p:nvPr>
+            <p:ph type="title"/>
+          </p:nvPr>
+        </p:nvSpPr>
+        <p:spPr/>
+        <p:txBody>
+          <a:bodyPr/>
+          <a:lstStyle/>
+          <a:p>
+            <a:r>
+              <a:rPr lang="en-US" dirty="0"/>
+              <a:t>Plugins</a:t>
+            </a:r>
+            <a:endParaRPr lang="it-IT" dirty="0"/>
+          </a:p>
+        </p:txBody>
+      </p:sp>
+      <p:sp>
+        <p:nvSpPr>
+          <p:cNvPr id="3" name="Segnaposto contenuto 2"/>
+          <p:cNvSpPr>
+            <a:spLocks noGrp="1"/>
+          </p:cNvSpPr>
+          <p:nvPr>
+            <p:ph idx="1"/>
+          </p:nvPr>
+        </p:nvSpPr>
+        <p:spPr/>
+        <p:txBody>
+          <a:bodyPr>
+            <a:normAutofit/>
+          </a:bodyPr>
+          <a:lstStyle/>
+          <a:p>
+            <a:endParaRPr lang="en-US" sz="3000" dirty="0"/>
+          </a:p>
+          <a:p>
+            <a:r>
+              <a:rPr lang="en-US" sz="3000" dirty="0"/>
+              <a:t>Implement </a:t>
+            </a:r>
+            <a:r>
+              <a:rPr lang="en-US" sz="3000" dirty="0" err="1"/>
+              <a:t>IFusionCachePlugin</a:t>
+            </a:r>
+            <a:endParaRPr lang="en-US" sz="3000" dirty="0"/>
+          </a:p>
+          <a:p>
+            <a:pPr lvl="1"/>
+            <a:r>
+              <a:rPr lang="en-US" sz="2600" dirty="0"/>
+              <a:t>Start and Stop methods</a:t>
+            </a:r>
+          </a:p>
+          <a:p>
+            <a:endParaRPr lang="en-US" sz="3000" dirty="0"/>
+          </a:p>
+          <a:p>
+            <a:pPr marL="0" indent="0">
+              <a:buNone/>
+            </a:pPr>
+            <a:r>
+              <a:rPr lang="en-US" sz="2400" dirty="0" err="1"/>
+              <a:t>services.AddTransient</a:t>
+            </a:r>
+            <a:r>
+              <a:rPr lang="en-US" sz="2400" dirty="0"/>
+              <a:t>&lt;</a:t>
+            </a:r>
+            <a:r>
+              <a:rPr lang="en-US" sz="2400" dirty="0" err="1"/>
+              <a:t>IFusionCachePlugin</a:t>
+            </a:r>
+            <a:r>
+              <a:rPr lang="en-US" sz="2400" dirty="0"/>
+              <a:t>, </a:t>
+            </a:r>
+            <a:r>
+              <a:rPr lang="en-US" sz="2400" dirty="0" err="1"/>
+              <a:t>MyFirstPlugin</a:t>
+            </a:r>
+            <a:r>
+              <a:rPr lang="en-US" sz="2400" dirty="0"/>
+              <a:t>&gt;();</a:t>
+            </a:r>
+          </a:p>
+          <a:p>
+            <a:pPr marL="0" indent="0">
+              <a:buNone/>
+            </a:pPr>
+            <a:r>
+              <a:rPr lang="en-US" sz="2400" dirty="0" err="1"/>
+              <a:t>services.AddTransient</a:t>
+            </a:r>
+            <a:r>
+              <a:rPr lang="en-US" sz="2400" dirty="0"/>
+              <a:t>&lt;</a:t>
+            </a:r>
+            <a:r>
+              <a:rPr lang="en-US" sz="2400" dirty="0" err="1"/>
+              <a:t>IFusionCachePlugin</a:t>
+            </a:r>
+            <a:r>
+              <a:rPr lang="en-US" sz="2400" dirty="0"/>
+              <a:t>, </a:t>
+            </a:r>
+            <a:r>
+              <a:rPr lang="en-US" sz="2400" dirty="0" err="1"/>
+              <a:t>MySecondPlugin</a:t>
+            </a:r>
+            <a:r>
+              <a:rPr lang="en-US" sz="2400" dirty="0"/>
+              <a:t>&gt;();</a:t>
+            </a:r>
+          </a:p>
+          <a:p>
+            <a:pPr marL="0" indent="0">
+              <a:buNone/>
+            </a:pPr>
+            <a:r>
+              <a:rPr lang="en-US" sz="2400" dirty="0" err="1"/>
+              <a:t>services.AddFusionCache</a:t>
+            </a:r>
+            <a:r>
+              <a:rPr lang="en-US" sz="2400" dirty="0"/>
+              <a:t>().</a:t>
+            </a:r>
+            <a:r>
+              <a:rPr lang="en-US" sz="2400" dirty="0" err="1"/>
+              <a:t>WithAllRegisteredPlugins</a:t>
+            </a:r>
+            <a:r>
+              <a:rPr lang="en-US" sz="2400" dirty="0"/>
+              <a:t>();</a:t>
+            </a:r>
+          </a:p>
+          <a:p>
+            <a:endParaRPr lang="en-US" sz="1200" dirty="0">
+              <a:solidFill>
+                <a:srgbClr val="FF0000"/>
+              </a:solidFill>
+            </a:endParaRPr>
+          </a:p>
+          <a:p>
+            <a:endParaRPr lang="it-IT" dirty="0">
+              <a:solidFill>
+                <a:srgbClr val="FF0000"/>
+              </a:solidFill>
+            </a:endParaRPr>
+          </a:p>
+        </p:txBody>
+      </p:sp>
+    </p:spTree>
+    <p:extLst>
+      <p:ext uri="{BB962C8B-B14F-4D97-AF65-F5344CB8AC3E}">
+        <p14:creationId xmlns:p14="http://schemas.microsoft.com/office/powerpoint/2010/main" val="3607747073"/>
+      </p:ext>
+    </p:extLst>
+  </p:cSld>
+  <p:clrMapOvr>
+    <a:masterClrMapping/>
+  </p:clrMapOvr>
+</p:sld>
+</file>
+
+<file path=ppt/slides/slide24.xml><?xml version="1.0" encoding="utf-8"?>
+<p:sld xmlns:a="http://schemas.openxmlformats.org/drawingml/2006/main" xmlns:r="http://schemas.openxmlformats.org/officeDocument/2006/relationships" xmlns:p="http://schemas.openxmlformats.org/presentationml/2006/main">
+  <p:cSld>
+    <p:spTree>
+      <p:nvGrpSpPr>
+        <p:cNvPr id="1" name=""/>
+        <p:cNvGrpSpPr/>
+        <p:nvPr/>
+      </p:nvGrpSpPr>
+      <p:grpSpPr>
+        <a:xfrm>
+          <a:off x="0" y="0"/>
+          <a:ext cx="0" cy="0"/>
+          <a:chOff x="0" y="0"/>
+          <a:chExt cx="0" cy="0"/>
+        </a:xfrm>
+      </p:grpSpPr>
+      <p:sp>
+        <p:nvSpPr>
+          <p:cNvPr id="2" name="Title 1">
+            <a:extLst>
+              <a:ext uri="{FF2B5EF4-FFF2-40B4-BE49-F238E27FC236}">
+                <a16:creationId xmlns:a16="http://schemas.microsoft.com/office/drawing/2014/main" id="{EC0D4DFE-6717-19BA-593B-5E6B41260D62}"/>
+              </a:ext>
+            </a:extLst>
+          </p:cNvPr>
+          <p:cNvSpPr>
+            <a:spLocks noGrp="1"/>
+          </p:cNvSpPr>
+          <p:nvPr>
+            <p:ph type="title"/>
+          </p:nvPr>
+        </p:nvSpPr>
+        <p:spPr/>
+        <p:txBody>
+          <a:bodyPr/>
+          <a:lstStyle/>
+          <a:p>
+            <a:r>
+              <a:rPr lang="en-US"/>
+              <a:t>Emulator</a:t>
+            </a:r>
+          </a:p>
+        </p:txBody>
+      </p:sp>
+      <p:sp>
+        <p:nvSpPr>
+          <p:cNvPr id="3" name="Content Placeholder 2">
+            <a:extLst>
+              <a:ext uri="{FF2B5EF4-FFF2-40B4-BE49-F238E27FC236}">
+                <a16:creationId xmlns:a16="http://schemas.microsoft.com/office/drawing/2014/main" id="{354A4453-8CC7-7BCA-24B1-1A5CD54393FA}"/>
+              </a:ext>
+            </a:extLst>
+          </p:cNvPr>
+          <p:cNvSpPr>
+            <a:spLocks noGrp="1"/>
+          </p:cNvSpPr>
+          <p:nvPr>
+            <p:ph idx="1"/>
+          </p:nvPr>
+        </p:nvSpPr>
+        <p:spPr/>
+        <p:txBody>
+          <a:bodyPr/>
+          <a:lstStyle/>
+          <a:p>
+            <a:endParaRPr lang="en-US"/>
+          </a:p>
+        </p:txBody>
+      </p:sp>
+    </p:spTree>
+    <p:extLst>
+      <p:ext uri="{BB962C8B-B14F-4D97-AF65-F5344CB8AC3E}">
+        <p14:creationId xmlns:p14="http://schemas.microsoft.com/office/powerpoint/2010/main" val="1670369749"/>
       </p:ext>
     </p:extLst>
   </p:cSld>
@@ -6368,10 +6993,15 @@
             <p:ph idx="1"/>
           </p:nvPr>
         </p:nvSpPr>
-        <p:spPr/>
+        <p:spPr>
+          <a:xfrm>
+            <a:off x="838200" y="1825625"/>
+            <a:ext cx="10515600" cy="4667250"/>
+          </a:xfrm>
+        </p:spPr>
         <p:txBody>
           <a:bodyPr>
-            <a:normAutofit lnSpcReduction="10000"/>
+            <a:normAutofit fontScale="92500" lnSpcReduction="10000"/>
           </a:bodyPr>
           <a:lstStyle/>
           <a:p>
@@ -6404,16 +7034,27 @@
             </a:pPr>
             <a:r>
               <a:rPr lang="en-US" dirty="0"/>
-              <a:t>Using a cache brings a set of new issues and "patterns"</a:t>
-            </a:r>
-          </a:p>
-          <a:p>
-            <a:endParaRPr lang="en-US" dirty="0"/>
-          </a:p>
-          <a:p>
-            <a:r>
-              <a:rPr lang="en-US" dirty="0"/>
-              <a:t>The bad</a:t>
+              <a:t>Using a cache brings a set of new</a:t>
+            </a:r>
+          </a:p>
+          <a:p>
+            <a:pPr>
+              <a:buFontTx/>
+              <a:buChar char="-"/>
+            </a:pPr>
+            <a:r>
+              <a:rPr lang="en-US" dirty="0"/>
+              <a:t>Opportunities</a:t>
+            </a:r>
+          </a:p>
+          <a:p>
+            <a:pPr>
+              <a:buFontTx/>
+              <a:buChar char="-"/>
+            </a:pPr>
+            <a:r>
+              <a:rPr lang="en-US" dirty="0"/>
+              <a:t>Issues </a:t>
             </a:r>
           </a:p>
           <a:p>
@@ -6439,6 +7080,25 @@
             </a:r>
           </a:p>
           <a:p>
+            <a:pPr marL="0" indent="0">
+              <a:buNone/>
+            </a:pPr>
+            <a:endParaRPr lang="en-US" dirty="0"/>
+          </a:p>
+          <a:p>
+            <a:pPr marL="0" indent="0">
+              <a:buNone/>
+            </a:pPr>
+            <a:r>
+              <a:rPr lang="en-US" dirty="0"/>
+              <a:t>Hence we need patterns and best practices </a:t>
+            </a:r>
+            <a:r>
+              <a:rPr lang="en-US" dirty="0">
+                <a:sym typeface="Wingdings" panose="05000000000000000000" pitchFamily="2" charset="2"/>
+              </a:rPr>
+              <a:t></a:t>
+            </a:r>
             <a:endParaRPr lang="en-US" dirty="0"/>
           </a:p>
         </p:txBody>
@@ -7469,7 +8129,7 @@
           <a:p>
             <a:r>
               <a:rPr lang="en-US" dirty="0"/>
-              <a:t>Application code maintains responsibility to get the data </a:t>
+              <a:t>Application code maintains responsibility to get the data providing a factory</a:t>
             </a:r>
           </a:p>
           <a:p>
@@ -7960,7 +8620,7 @@
             <a:pPr lvl="1"/>
             <a:r>
               <a:rPr lang="en-US" dirty="0"/>
-              <a:t>the scope of change in the DB does not match the scope of cache items</a:t>
+              <a:t>the scope of change in the DB does not match the scope of cache items (need to invalidate a set of data)</a:t>
             </a:r>
           </a:p>
           <a:p>
@@ -8048,7 +8708,9 @@
         </p:nvSpPr>
         <p:spPr/>
         <p:txBody>
-          <a:bodyPr/>
+          <a:bodyPr>
+            <a:normAutofit lnSpcReduction="10000"/>
+          </a:bodyPr>
           <a:lstStyle/>
           <a:p>
             <a:r>
@@ -8098,6 +8760,13 @@
             <a:r>
               <a:rPr lang="en-US" dirty="0"/>
               <a:t>Some solutions (Redis) are fast, still remember you are still doing a network roundtrip</a:t>
+            </a:r>
+          </a:p>
+          <a:p>
+            <a:pPr lvl="1"/>
+            <a:r>
+              <a:rPr lang="en-US" dirty="0"/>
+              <a:t>Watch out CPU usage (deserialization)</a:t>
             </a:r>
           </a:p>
           <a:p>

--- a/cache-like-a-pro.pptx
+++ b/cache-like-a-pro.pptx
@@ -7,28 +7,31 @@
   <p:sldIdLst>
     <p:sldId id="256" r:id="rId2"/>
     <p:sldId id="257" r:id="rId3"/>
-    <p:sldId id="258" r:id="rId4"/>
-    <p:sldId id="259" r:id="rId5"/>
-    <p:sldId id="263" r:id="rId6"/>
-    <p:sldId id="264" r:id="rId7"/>
-    <p:sldId id="265" r:id="rId8"/>
-    <p:sldId id="266" r:id="rId9"/>
-    <p:sldId id="260" r:id="rId10"/>
-    <p:sldId id="270" r:id="rId11"/>
-    <p:sldId id="267" r:id="rId12"/>
-    <p:sldId id="268" r:id="rId13"/>
-    <p:sldId id="272" r:id="rId14"/>
-    <p:sldId id="261" r:id="rId15"/>
-    <p:sldId id="279" r:id="rId16"/>
-    <p:sldId id="271" r:id="rId17"/>
-    <p:sldId id="277" r:id="rId18"/>
-    <p:sldId id="273" r:id="rId19"/>
-    <p:sldId id="275" r:id="rId20"/>
-    <p:sldId id="278" r:id="rId21"/>
-    <p:sldId id="274" r:id="rId22"/>
-    <p:sldId id="280" r:id="rId23"/>
-    <p:sldId id="281" r:id="rId24"/>
-    <p:sldId id="282" r:id="rId25"/>
+    <p:sldId id="283" r:id="rId4"/>
+    <p:sldId id="284" r:id="rId5"/>
+    <p:sldId id="285" r:id="rId6"/>
+    <p:sldId id="258" r:id="rId7"/>
+    <p:sldId id="259" r:id="rId8"/>
+    <p:sldId id="263" r:id="rId9"/>
+    <p:sldId id="264" r:id="rId10"/>
+    <p:sldId id="265" r:id="rId11"/>
+    <p:sldId id="266" r:id="rId12"/>
+    <p:sldId id="260" r:id="rId13"/>
+    <p:sldId id="270" r:id="rId14"/>
+    <p:sldId id="267" r:id="rId15"/>
+    <p:sldId id="268" r:id="rId16"/>
+    <p:sldId id="272" r:id="rId17"/>
+    <p:sldId id="261" r:id="rId18"/>
+    <p:sldId id="279" r:id="rId19"/>
+    <p:sldId id="271" r:id="rId20"/>
+    <p:sldId id="277" r:id="rId21"/>
+    <p:sldId id="273" r:id="rId22"/>
+    <p:sldId id="275" r:id="rId23"/>
+    <p:sldId id="278" r:id="rId24"/>
+    <p:sldId id="274" r:id="rId25"/>
+    <p:sldId id="280" r:id="rId26"/>
+    <p:sldId id="281" r:id="rId27"/>
+    <p:sldId id="282" r:id="rId28"/>
   </p:sldIdLst>
   <p:sldSz cx="12192000" cy="6858000"/>
   <p:notesSz cx="6858000" cy="9144000"/>
@@ -282,7 +285,7 @@
           <a:p>
             <a:fld id="{7D239A87-38DC-4C6E-8233-D704AE9A351F}" type="datetimeFigureOut">
               <a:rPr lang="en-US" smtClean="0"/>
-              <a:t>6/11/2024</a:t>
+              <a:t>7/6/2024</a:t>
             </a:fld>
             <a:endParaRPr lang="en-US"/>
           </a:p>
@@ -480,7 +483,7 @@
           <a:p>
             <a:fld id="{7D239A87-38DC-4C6E-8233-D704AE9A351F}" type="datetimeFigureOut">
               <a:rPr lang="en-US" smtClean="0"/>
-              <a:t>6/11/2024</a:t>
+              <a:t>7/6/2024</a:t>
             </a:fld>
             <a:endParaRPr lang="en-US"/>
           </a:p>
@@ -688,7 +691,7 @@
           <a:p>
             <a:fld id="{7D239A87-38DC-4C6E-8233-D704AE9A351F}" type="datetimeFigureOut">
               <a:rPr lang="en-US" smtClean="0"/>
-              <a:t>6/11/2024</a:t>
+              <a:t>7/6/2024</a:t>
             </a:fld>
             <a:endParaRPr lang="en-US"/>
           </a:p>
@@ -886,7 +889,7 @@
           <a:p>
             <a:fld id="{7D239A87-38DC-4C6E-8233-D704AE9A351F}" type="datetimeFigureOut">
               <a:rPr lang="en-US" smtClean="0"/>
-              <a:t>6/11/2024</a:t>
+              <a:t>7/6/2024</a:t>
             </a:fld>
             <a:endParaRPr lang="en-US"/>
           </a:p>
@@ -1161,7 +1164,7 @@
           <a:p>
             <a:fld id="{7D239A87-38DC-4C6E-8233-D704AE9A351F}" type="datetimeFigureOut">
               <a:rPr lang="en-US" smtClean="0"/>
-              <a:t>6/11/2024</a:t>
+              <a:t>7/6/2024</a:t>
             </a:fld>
             <a:endParaRPr lang="en-US"/>
           </a:p>
@@ -1426,7 +1429,7 @@
           <a:p>
             <a:fld id="{7D239A87-38DC-4C6E-8233-D704AE9A351F}" type="datetimeFigureOut">
               <a:rPr lang="en-US" smtClean="0"/>
-              <a:t>6/11/2024</a:t>
+              <a:t>7/6/2024</a:t>
             </a:fld>
             <a:endParaRPr lang="en-US"/>
           </a:p>
@@ -1838,7 +1841,7 @@
           <a:p>
             <a:fld id="{7D239A87-38DC-4C6E-8233-D704AE9A351F}" type="datetimeFigureOut">
               <a:rPr lang="en-US" smtClean="0"/>
-              <a:t>6/11/2024</a:t>
+              <a:t>7/6/2024</a:t>
             </a:fld>
             <a:endParaRPr lang="en-US"/>
           </a:p>
@@ -1979,7 +1982,7 @@
           <a:p>
             <a:fld id="{7D239A87-38DC-4C6E-8233-D704AE9A351F}" type="datetimeFigureOut">
               <a:rPr lang="en-US" smtClean="0"/>
-              <a:t>6/11/2024</a:t>
+              <a:t>7/6/2024</a:t>
             </a:fld>
             <a:endParaRPr lang="en-US"/>
           </a:p>
@@ -2092,7 +2095,7 @@
           <a:p>
             <a:fld id="{7D239A87-38DC-4C6E-8233-D704AE9A351F}" type="datetimeFigureOut">
               <a:rPr lang="en-US" smtClean="0"/>
-              <a:t>6/11/2024</a:t>
+              <a:t>7/6/2024</a:t>
             </a:fld>
             <a:endParaRPr lang="en-US"/>
           </a:p>
@@ -2403,7 +2406,7 @@
           <a:p>
             <a:fld id="{7D239A87-38DC-4C6E-8233-D704AE9A351F}" type="datetimeFigureOut">
               <a:rPr lang="en-US" smtClean="0"/>
-              <a:t>6/11/2024</a:t>
+              <a:t>7/6/2024</a:t>
             </a:fld>
             <a:endParaRPr lang="en-US"/>
           </a:p>
@@ -2691,7 +2694,7 @@
           <a:p>
             <a:fld id="{7D239A87-38DC-4C6E-8233-D704AE9A351F}" type="datetimeFigureOut">
               <a:rPr lang="en-US" smtClean="0"/>
-              <a:t>6/11/2024</a:t>
+              <a:t>7/6/2024</a:t>
             </a:fld>
             <a:endParaRPr lang="en-US"/>
           </a:p>
@@ -2932,7 +2935,7 @@
           <a:p>
             <a:fld id="{7D239A87-38DC-4C6E-8233-D704AE9A351F}" type="datetimeFigureOut">
               <a:rPr lang="en-US" smtClean="0"/>
-              <a:t>6/11/2024</a:t>
+              <a:t>7/6/2024</a:t>
             </a:fld>
             <a:endParaRPr lang="en-US"/>
           </a:p>
@@ -3487,7 +3490,7 @@
           <p:cNvPr id="2" name="Title 1">
             <a:extLst>
               <a:ext uri="{FF2B5EF4-FFF2-40B4-BE49-F238E27FC236}">
-                <a16:creationId xmlns:a16="http://schemas.microsoft.com/office/drawing/2014/main" id="{2EB29AA9-B256-F216-49DC-AB81E1131992}"/>
+                <a16:creationId xmlns:a16="http://schemas.microsoft.com/office/drawing/2014/main" id="{59593752-6681-2B40-B346-B33A140102CE}"/>
               </a:ext>
             </a:extLst>
           </p:cNvPr>
@@ -3505,7 +3508,7 @@
           <a:p>
             <a:r>
               <a:rPr lang="en-US" dirty="0"/>
-              <a:t>In memory vs distributed (shared) cache</a:t>
+              <a:t>Caching Patterns: Write-*</a:t>
             </a:r>
           </a:p>
         </p:txBody>
@@ -3515,7 +3518,7 @@
           <p:cNvPr id="3" name="Content Placeholder 2">
             <a:extLst>
               <a:ext uri="{FF2B5EF4-FFF2-40B4-BE49-F238E27FC236}">
-                <a16:creationId xmlns:a16="http://schemas.microsoft.com/office/drawing/2014/main" id="{B704A45C-E945-C252-BC40-6FD394E16A25}"/>
+                <a16:creationId xmlns:a16="http://schemas.microsoft.com/office/drawing/2014/main" id="{15FDBC59-A97E-D95B-5EAF-CA3CDFCA0850}"/>
               </a:ext>
             </a:extLst>
           </p:cNvPr>
@@ -3532,58 +3535,22 @@
           <a:lstStyle/>
           <a:p>
             <a:r>
-              <a:rPr lang="en-US" dirty="0" err="1"/>
-              <a:t>IMemoryCache</a:t>
-            </a:r>
-            <a:r>
               <a:rPr lang="en-US" dirty="0"/>
-              <a:t> and </a:t>
-            </a:r>
-            <a:r>
-              <a:rPr lang="en-US" dirty="0" err="1"/>
-              <a:t>IDistributedCache</a:t>
-            </a:r>
+              <a:t>Data is written to cache along with the change in the source of true</a:t>
+            </a:r>
+          </a:p>
+          <a:p>
+            <a:pPr lvl="1"/>
             <a:r>
               <a:rPr lang="en-US" dirty="0"/>
-              <a:t> are the two abstractions provided by .NET</a:t>
+              <a:t>App responsibility: write-aside</a:t>
             </a:r>
           </a:p>
           <a:p>
             <a:pPr lvl="1"/>
             <a:r>
               <a:rPr lang="en-US" dirty="0"/>
-              <a:t>MS clearly state it will not merge the twos into one</a:t>
-            </a:r>
-          </a:p>
-          <a:p>
-            <a:pPr lvl="1"/>
-            <a:r>
-              <a:rPr lang="en-US" dirty="0"/>
-              <a:t>There are "many" </a:t>
-            </a:r>
-            <a:r>
-              <a:rPr lang="en-US" dirty="0" err="1"/>
-              <a:t>IDistributedCache</a:t>
-            </a:r>
-            <a:r>
-              <a:rPr lang="en-US" dirty="0"/>
-              <a:t> implementations (Redis, </a:t>
-            </a:r>
-            <a:r>
-              <a:rPr lang="en-US" dirty="0" err="1"/>
-              <a:t>SqlServer</a:t>
-            </a:r>
-            <a:r>
-              <a:rPr lang="en-US" dirty="0"/>
-              <a:t>, </a:t>
-            </a:r>
-            <a:r>
-              <a:rPr lang="en-US" dirty="0" err="1"/>
-              <a:t>Ncache</a:t>
-            </a:r>
-            <a:r>
-              <a:rPr lang="en-US" dirty="0"/>
-              <a:t>, Azure Cosmo Db, etc..)</a:t>
+              <a:t>Cache responsibility: write-through</a:t>
             </a:r>
           </a:p>
         </p:txBody>
@@ -3591,7 +3558,7 @@
     </p:spTree>
     <p:extLst>
       <p:ext uri="{BB962C8B-B14F-4D97-AF65-F5344CB8AC3E}">
-        <p14:creationId xmlns:p14="http://schemas.microsoft.com/office/powerpoint/2010/main" val="3268183485"/>
+        <p14:creationId xmlns:p14="http://schemas.microsoft.com/office/powerpoint/2010/main" val="2971218865"/>
       </p:ext>
     </p:extLst>
   </p:cSld>
@@ -3623,6 +3590,407 @@
           <p:cNvPr id="2" name="Title 1">
             <a:extLst>
               <a:ext uri="{FF2B5EF4-FFF2-40B4-BE49-F238E27FC236}">
+                <a16:creationId xmlns:a16="http://schemas.microsoft.com/office/drawing/2014/main" id="{59593752-6681-2B40-B346-B33A140102CE}"/>
+              </a:ext>
+            </a:extLst>
+          </p:cNvPr>
+          <p:cNvSpPr>
+            <a:spLocks noGrp="1"/>
+          </p:cNvSpPr>
+          <p:nvPr>
+            <p:ph type="title"/>
+          </p:nvPr>
+        </p:nvSpPr>
+        <p:spPr/>
+        <p:txBody>
+          <a:bodyPr/>
+          <a:lstStyle/>
+          <a:p>
+            <a:r>
+              <a:rPr lang="en-US" dirty="0"/>
+              <a:t>Caching Patterns: Invalidate-*</a:t>
+            </a:r>
+          </a:p>
+        </p:txBody>
+      </p:sp>
+      <p:sp>
+        <p:nvSpPr>
+          <p:cNvPr id="3" name="Content Placeholder 2">
+            <a:extLst>
+              <a:ext uri="{FF2B5EF4-FFF2-40B4-BE49-F238E27FC236}">
+                <a16:creationId xmlns:a16="http://schemas.microsoft.com/office/drawing/2014/main" id="{15FDBC59-A97E-D95B-5EAF-CA3CDFCA0850}"/>
+              </a:ext>
+            </a:extLst>
+          </p:cNvPr>
+          <p:cNvSpPr>
+            <a:spLocks noGrp="1"/>
+          </p:cNvSpPr>
+          <p:nvPr>
+            <p:ph idx="1"/>
+          </p:nvPr>
+        </p:nvSpPr>
+        <p:spPr/>
+        <p:txBody>
+          <a:bodyPr/>
+          <a:lstStyle/>
+          <a:p>
+            <a:r>
+              <a:rPr lang="en-US" dirty="0"/>
+              <a:t>Cache is invalidated (removed) and not updated when the source of true data change</a:t>
+            </a:r>
+          </a:p>
+          <a:p>
+            <a:r>
+              <a:rPr lang="en-US" dirty="0"/>
+              <a:t>Avoid stale data</a:t>
+            </a:r>
+          </a:p>
+          <a:p>
+            <a:r>
+              <a:rPr lang="en-US" dirty="0"/>
+              <a:t>Not trivial to get cache invalidation right</a:t>
+            </a:r>
+          </a:p>
+          <a:p>
+            <a:pPr lvl="1"/>
+            <a:r>
+              <a:rPr lang="en-US" dirty="0"/>
+              <a:t>in real world, the same piece of data can be changed in different places</a:t>
+            </a:r>
+          </a:p>
+          <a:p>
+            <a:pPr lvl="1"/>
+            <a:r>
+              <a:rPr lang="en-US" dirty="0"/>
+              <a:t>the scope of change in the DB does not match the scope of cache items (need to invalidate a set of data)</a:t>
+            </a:r>
+          </a:p>
+          <a:p>
+            <a:pPr lvl="1"/>
+            <a:r>
+              <a:rPr lang="en-US" dirty="0"/>
+              <a:t>Invalidate notification must be sent to all processes holding the cached value in memory </a:t>
+            </a:r>
+          </a:p>
+        </p:txBody>
+      </p:sp>
+    </p:spTree>
+    <p:extLst>
+      <p:ext uri="{BB962C8B-B14F-4D97-AF65-F5344CB8AC3E}">
+        <p14:creationId xmlns:p14="http://schemas.microsoft.com/office/powerpoint/2010/main" val="4237152263"/>
+      </p:ext>
+    </p:extLst>
+  </p:cSld>
+  <p:clrMapOvr>
+    <a:masterClrMapping/>
+  </p:clrMapOvr>
+</p:sld>
+</file>
+
+<file path=ppt/slides/slide12.xml><?xml version="1.0" encoding="utf-8"?>
+<p:sld xmlns:a="http://schemas.openxmlformats.org/drawingml/2006/main" xmlns:r="http://schemas.openxmlformats.org/officeDocument/2006/relationships" xmlns:p="http://schemas.openxmlformats.org/presentationml/2006/main">
+  <p:cSld>
+    <p:spTree>
+      <p:nvGrpSpPr>
+        <p:cNvPr id="1" name=""/>
+        <p:cNvGrpSpPr/>
+        <p:nvPr/>
+      </p:nvGrpSpPr>
+      <p:grpSpPr>
+        <a:xfrm>
+          <a:off x="0" y="0"/>
+          <a:ext cx="0" cy="0"/>
+          <a:chOff x="0" y="0"/>
+          <a:chExt cx="0" cy="0"/>
+        </a:xfrm>
+      </p:grpSpPr>
+      <p:sp>
+        <p:nvSpPr>
+          <p:cNvPr id="2" name="Title 1">
+            <a:extLst>
+              <a:ext uri="{FF2B5EF4-FFF2-40B4-BE49-F238E27FC236}">
+                <a16:creationId xmlns:a16="http://schemas.microsoft.com/office/drawing/2014/main" id="{2EB29AA9-B256-F216-49DC-AB81E1131992}"/>
+              </a:ext>
+            </a:extLst>
+          </p:cNvPr>
+          <p:cNvSpPr>
+            <a:spLocks noGrp="1"/>
+          </p:cNvSpPr>
+          <p:nvPr>
+            <p:ph type="title"/>
+          </p:nvPr>
+        </p:nvSpPr>
+        <p:spPr/>
+        <p:txBody>
+          <a:bodyPr/>
+          <a:lstStyle/>
+          <a:p>
+            <a:r>
+              <a:rPr lang="en-US" dirty="0"/>
+              <a:t>In memory vs distributed (shared) cache</a:t>
+            </a:r>
+          </a:p>
+        </p:txBody>
+      </p:sp>
+      <p:sp>
+        <p:nvSpPr>
+          <p:cNvPr id="3" name="Content Placeholder 2">
+            <a:extLst>
+              <a:ext uri="{FF2B5EF4-FFF2-40B4-BE49-F238E27FC236}">
+                <a16:creationId xmlns:a16="http://schemas.microsoft.com/office/drawing/2014/main" id="{B704A45C-E945-C252-BC40-6FD394E16A25}"/>
+              </a:ext>
+            </a:extLst>
+          </p:cNvPr>
+          <p:cNvSpPr>
+            <a:spLocks noGrp="1"/>
+          </p:cNvSpPr>
+          <p:nvPr>
+            <p:ph idx="1"/>
+          </p:nvPr>
+        </p:nvSpPr>
+        <p:spPr/>
+        <p:txBody>
+          <a:bodyPr>
+            <a:normAutofit lnSpcReduction="10000"/>
+          </a:bodyPr>
+          <a:lstStyle/>
+          <a:p>
+            <a:r>
+              <a:rPr lang="en-US" dirty="0"/>
+              <a:t>In memory </a:t>
+            </a:r>
+          </a:p>
+          <a:p>
+            <a:pPr lvl="1"/>
+            <a:r>
+              <a:rPr lang="en-US" dirty="0"/>
+              <a:t>Faster </a:t>
+            </a:r>
+          </a:p>
+          <a:p>
+            <a:pPr lvl="1"/>
+            <a:r>
+              <a:rPr lang="en-US" dirty="0"/>
+              <a:t>Less cache hits in web farm scenario </a:t>
+            </a:r>
+          </a:p>
+          <a:p>
+            <a:pPr lvl="1"/>
+            <a:r>
+              <a:rPr lang="en-US" dirty="0"/>
+              <a:t>Monitor memory usage</a:t>
+            </a:r>
+          </a:p>
+          <a:p>
+            <a:endParaRPr lang="en-US" dirty="0"/>
+          </a:p>
+          <a:p>
+            <a:r>
+              <a:rPr lang="en-US" dirty="0"/>
+              <a:t>Distributed</a:t>
+            </a:r>
+          </a:p>
+          <a:p>
+            <a:pPr lvl="1"/>
+            <a:r>
+              <a:rPr lang="en-US" dirty="0"/>
+              <a:t>Improved cache hits</a:t>
+            </a:r>
+          </a:p>
+          <a:p>
+            <a:pPr lvl="1"/>
+            <a:r>
+              <a:rPr lang="en-US" dirty="0"/>
+              <a:t>Some solutions (Redis) are fast, still remember you are still doing a network roundtrip</a:t>
+            </a:r>
+          </a:p>
+          <a:p>
+            <a:pPr lvl="1"/>
+            <a:r>
+              <a:rPr lang="en-US" dirty="0"/>
+              <a:t>Watch out CPU usage (deserialization)</a:t>
+            </a:r>
+          </a:p>
+          <a:p>
+            <a:pPr lvl="1"/>
+            <a:r>
+              <a:rPr lang="en-US" dirty="0"/>
+              <a:t>Watch out caching keys clashing (per service prefix)</a:t>
+            </a:r>
+          </a:p>
+        </p:txBody>
+      </p:sp>
+    </p:spTree>
+    <p:extLst>
+      <p:ext uri="{BB962C8B-B14F-4D97-AF65-F5344CB8AC3E}">
+        <p14:creationId xmlns:p14="http://schemas.microsoft.com/office/powerpoint/2010/main" val="620630127"/>
+      </p:ext>
+    </p:extLst>
+  </p:cSld>
+  <p:clrMapOvr>
+    <a:masterClrMapping/>
+  </p:clrMapOvr>
+</p:sld>
+</file>
+
+<file path=ppt/slides/slide13.xml><?xml version="1.0" encoding="utf-8"?>
+<p:sld xmlns:a="http://schemas.openxmlformats.org/drawingml/2006/main" xmlns:r="http://schemas.openxmlformats.org/officeDocument/2006/relationships" xmlns:p="http://schemas.openxmlformats.org/presentationml/2006/main">
+  <p:cSld>
+    <p:spTree>
+      <p:nvGrpSpPr>
+        <p:cNvPr id="1" name=""/>
+        <p:cNvGrpSpPr/>
+        <p:nvPr/>
+      </p:nvGrpSpPr>
+      <p:grpSpPr>
+        <a:xfrm>
+          <a:off x="0" y="0"/>
+          <a:ext cx="0" cy="0"/>
+          <a:chOff x="0" y="0"/>
+          <a:chExt cx="0" cy="0"/>
+        </a:xfrm>
+      </p:grpSpPr>
+      <p:sp>
+        <p:nvSpPr>
+          <p:cNvPr id="2" name="Title 1">
+            <a:extLst>
+              <a:ext uri="{FF2B5EF4-FFF2-40B4-BE49-F238E27FC236}">
+                <a16:creationId xmlns:a16="http://schemas.microsoft.com/office/drawing/2014/main" id="{2EB29AA9-B256-F216-49DC-AB81E1131992}"/>
+              </a:ext>
+            </a:extLst>
+          </p:cNvPr>
+          <p:cNvSpPr>
+            <a:spLocks noGrp="1"/>
+          </p:cNvSpPr>
+          <p:nvPr>
+            <p:ph type="title"/>
+          </p:nvPr>
+        </p:nvSpPr>
+        <p:spPr/>
+        <p:txBody>
+          <a:bodyPr/>
+          <a:lstStyle/>
+          <a:p>
+            <a:r>
+              <a:rPr lang="en-US" dirty="0"/>
+              <a:t>In memory vs distributed (shared) cache</a:t>
+            </a:r>
+          </a:p>
+        </p:txBody>
+      </p:sp>
+      <p:sp>
+        <p:nvSpPr>
+          <p:cNvPr id="3" name="Content Placeholder 2">
+            <a:extLst>
+              <a:ext uri="{FF2B5EF4-FFF2-40B4-BE49-F238E27FC236}">
+                <a16:creationId xmlns:a16="http://schemas.microsoft.com/office/drawing/2014/main" id="{B704A45C-E945-C252-BC40-6FD394E16A25}"/>
+              </a:ext>
+            </a:extLst>
+          </p:cNvPr>
+          <p:cNvSpPr>
+            <a:spLocks noGrp="1"/>
+          </p:cNvSpPr>
+          <p:nvPr>
+            <p:ph idx="1"/>
+          </p:nvPr>
+        </p:nvSpPr>
+        <p:spPr/>
+        <p:txBody>
+          <a:bodyPr/>
+          <a:lstStyle/>
+          <a:p>
+            <a:r>
+              <a:rPr lang="en-US" dirty="0" err="1"/>
+              <a:t>IMemoryCache</a:t>
+            </a:r>
+            <a:r>
+              <a:rPr lang="en-US" dirty="0"/>
+              <a:t> and </a:t>
+            </a:r>
+            <a:r>
+              <a:rPr lang="en-US" dirty="0" err="1"/>
+              <a:t>IDistributedCache</a:t>
+            </a:r>
+            <a:r>
+              <a:rPr lang="en-US" dirty="0"/>
+              <a:t> are the two abstractions provided by .NET</a:t>
+            </a:r>
+          </a:p>
+          <a:p>
+            <a:pPr lvl="1"/>
+            <a:r>
+              <a:rPr lang="en-US" dirty="0"/>
+              <a:t>MS clearly state it will not merge the twos into one</a:t>
+            </a:r>
+          </a:p>
+          <a:p>
+            <a:pPr lvl="1"/>
+            <a:r>
+              <a:rPr lang="en-US" dirty="0"/>
+              <a:t>There are "many" </a:t>
+            </a:r>
+            <a:r>
+              <a:rPr lang="en-US" dirty="0" err="1"/>
+              <a:t>IDistributedCache</a:t>
+            </a:r>
+            <a:r>
+              <a:rPr lang="en-US" dirty="0"/>
+              <a:t> implementations (Redis, </a:t>
+            </a:r>
+            <a:r>
+              <a:rPr lang="en-US" dirty="0" err="1"/>
+              <a:t>SqlServer</a:t>
+            </a:r>
+            <a:r>
+              <a:rPr lang="en-US" dirty="0"/>
+              <a:t>, </a:t>
+            </a:r>
+            <a:r>
+              <a:rPr lang="en-US" dirty="0" err="1"/>
+              <a:t>Ncache</a:t>
+            </a:r>
+            <a:r>
+              <a:rPr lang="en-US" dirty="0"/>
+              <a:t>, Azure Cosmo Db, etc..)</a:t>
+            </a:r>
+          </a:p>
+        </p:txBody>
+      </p:sp>
+    </p:spTree>
+    <p:extLst>
+      <p:ext uri="{BB962C8B-B14F-4D97-AF65-F5344CB8AC3E}">
+        <p14:creationId xmlns:p14="http://schemas.microsoft.com/office/powerpoint/2010/main" val="3268183485"/>
+      </p:ext>
+    </p:extLst>
+  </p:cSld>
+  <p:clrMapOvr>
+    <a:masterClrMapping/>
+  </p:clrMapOvr>
+</p:sld>
+</file>
+
+<file path=ppt/slides/slide14.xml><?xml version="1.0" encoding="utf-8"?>
+<p:sld xmlns:a="http://schemas.openxmlformats.org/drawingml/2006/main" xmlns:r="http://schemas.openxmlformats.org/officeDocument/2006/relationships" xmlns:p="http://schemas.openxmlformats.org/presentationml/2006/main">
+  <p:cSld>
+    <p:spTree>
+      <p:nvGrpSpPr>
+        <p:cNvPr id="1" name=""/>
+        <p:cNvGrpSpPr/>
+        <p:nvPr/>
+      </p:nvGrpSpPr>
+      <p:grpSpPr>
+        <a:xfrm>
+          <a:off x="0" y="0"/>
+          <a:ext cx="0" cy="0"/>
+          <a:chOff x="0" y="0"/>
+          <a:chExt cx="0" cy="0"/>
+        </a:xfrm>
+      </p:grpSpPr>
+      <p:sp>
+        <p:nvSpPr>
+          <p:cNvPr id="2" name="Title 1">
+            <a:extLst>
+              <a:ext uri="{FF2B5EF4-FFF2-40B4-BE49-F238E27FC236}">
                 <a16:creationId xmlns:a16="http://schemas.microsoft.com/office/drawing/2014/main" id="{E57DA3C0-3710-D20C-CC0D-66224A3AB702}"/>
               </a:ext>
             </a:extLst>
@@ -3783,7 +4151,7 @@
 </p:sld>
 </file>
 
-<file path=ppt/slides/slide12.xml><?xml version="1.0" encoding="utf-8"?>
+<file path=ppt/slides/slide15.xml><?xml version="1.0" encoding="utf-8"?>
 <p:sld xmlns:a="http://schemas.openxmlformats.org/drawingml/2006/main" xmlns:r="http://schemas.openxmlformats.org/officeDocument/2006/relationships" xmlns:p="http://schemas.openxmlformats.org/presentationml/2006/main">
   <p:cSld>
     <p:spTree>
@@ -4380,1149 +4748,6 @@
 </p:sld>
 </file>
 
-<file path=ppt/slides/slide13.xml><?xml version="1.0" encoding="utf-8"?>
-<p:sld xmlns:a="http://schemas.openxmlformats.org/drawingml/2006/main" xmlns:r="http://schemas.openxmlformats.org/officeDocument/2006/relationships" xmlns:p="http://schemas.openxmlformats.org/presentationml/2006/main">
-  <p:cSld>
-    <p:spTree>
-      <p:nvGrpSpPr>
-        <p:cNvPr id="1" name=""/>
-        <p:cNvGrpSpPr/>
-        <p:nvPr/>
-      </p:nvGrpSpPr>
-      <p:grpSpPr>
-        <a:xfrm>
-          <a:off x="0" y="0"/>
-          <a:ext cx="0" cy="0"/>
-          <a:chOff x="0" y="0"/>
-          <a:chExt cx="0" cy="0"/>
-        </a:xfrm>
-      </p:grpSpPr>
-      <p:sp>
-        <p:nvSpPr>
-          <p:cNvPr id="2" name="Title 1">
-            <a:extLst>
-              <a:ext uri="{FF2B5EF4-FFF2-40B4-BE49-F238E27FC236}">
-                <a16:creationId xmlns:a16="http://schemas.microsoft.com/office/drawing/2014/main" id="{B85EE399-0A0C-981C-9900-5AE790E125F3}"/>
-              </a:ext>
-            </a:extLst>
-          </p:cNvPr>
-          <p:cNvSpPr>
-            <a:spLocks noGrp="1"/>
-          </p:cNvSpPr>
-          <p:nvPr>
-            <p:ph type="title"/>
-          </p:nvPr>
-        </p:nvSpPr>
-        <p:spPr/>
-        <p:txBody>
-          <a:bodyPr/>
-          <a:lstStyle/>
-          <a:p>
-            <a:r>
-              <a:rPr lang="en-US" dirty="0"/>
-              <a:t>fusion cache set up</a:t>
-            </a:r>
-          </a:p>
-        </p:txBody>
-      </p:sp>
-      <p:sp>
-        <p:nvSpPr>
-          <p:cNvPr id="5" name="TextBox 4">
-            <a:extLst>
-              <a:ext uri="{FF2B5EF4-FFF2-40B4-BE49-F238E27FC236}">
-                <a16:creationId xmlns:a16="http://schemas.microsoft.com/office/drawing/2014/main" id="{DD4FE0E5-3673-2DEC-5110-7B3C017406CC}"/>
-              </a:ext>
-            </a:extLst>
-          </p:cNvPr>
-          <p:cNvSpPr txBox="1"/>
-          <p:nvPr/>
-        </p:nvSpPr>
-        <p:spPr>
-          <a:xfrm>
-            <a:off x="754602" y="2045964"/>
-            <a:ext cx="10599198" cy="3139321"/>
-          </a:xfrm>
-          <a:prstGeom prst="rect">
-            <a:avLst/>
-          </a:prstGeom>
-          <a:noFill/>
-          <a:ln>
-            <a:solidFill>
-              <a:schemeClr val="accent1"/>
-            </a:solidFill>
-          </a:ln>
-        </p:spPr>
-        <p:txBody>
-          <a:bodyPr wrap="square">
-            <a:spAutoFit/>
-          </a:bodyPr>
-          <a:lstStyle/>
-          <a:p>
-            <a:r>
-              <a:rPr lang="en-US" dirty="0" err="1">
-                <a:solidFill>
-                  <a:srgbClr val="000000"/>
-                </a:solidFill>
-                <a:latin typeface="Cascadia Mono" panose="020B0609020000020004" pitchFamily="49" charset="0"/>
-              </a:rPr>
-              <a:t>builder.Services.AddFusionCache</a:t>
-            </a:r>
-            <a:r>
-              <a:rPr lang="en-US" dirty="0">
-                <a:solidFill>
-                  <a:srgbClr val="000000"/>
-                </a:solidFill>
-                <a:latin typeface="Cascadia Mono" panose="020B0609020000020004" pitchFamily="49" charset="0"/>
-              </a:rPr>
-              <a:t>()</a:t>
-            </a:r>
-            <a:br>
-              <a:rPr lang="en-US" dirty="0">
-                <a:solidFill>
-                  <a:srgbClr val="000000"/>
-                </a:solidFill>
-                <a:latin typeface="Cascadia Mono" panose="020B0609020000020004" pitchFamily="49" charset="0"/>
-              </a:rPr>
-            </a:br>
-            <a:r>
-              <a:rPr lang="en-US" dirty="0">
-                <a:solidFill>
-                  <a:srgbClr val="000000"/>
-                </a:solidFill>
-                <a:latin typeface="Cascadia Mono" panose="020B0609020000020004" pitchFamily="49" charset="0"/>
-              </a:rPr>
-              <a:t>.</a:t>
-            </a:r>
-            <a:r>
-              <a:rPr lang="en-US" dirty="0" err="1">
-                <a:solidFill>
-                  <a:srgbClr val="000000"/>
-                </a:solidFill>
-                <a:latin typeface="Cascadia Mono" panose="020B0609020000020004" pitchFamily="49" charset="0"/>
-              </a:rPr>
-              <a:t>WithDefaultEntryOptions</a:t>
-            </a:r>
-            <a:r>
-              <a:rPr lang="en-US" dirty="0">
-                <a:solidFill>
-                  <a:srgbClr val="000000"/>
-                </a:solidFill>
-                <a:latin typeface="Cascadia Mono" panose="020B0609020000020004" pitchFamily="49" charset="0"/>
-              </a:rPr>
-              <a:t>(</a:t>
-            </a:r>
-            <a:br>
-              <a:rPr lang="en-US" dirty="0">
-                <a:solidFill>
-                  <a:srgbClr val="000000"/>
-                </a:solidFill>
-                <a:latin typeface="Cascadia Mono" panose="020B0609020000020004" pitchFamily="49" charset="0"/>
-              </a:rPr>
-            </a:br>
-            <a:r>
-              <a:rPr lang="en-US" dirty="0">
-                <a:solidFill>
-                  <a:srgbClr val="000000"/>
-                </a:solidFill>
-                <a:latin typeface="Cascadia Mono" panose="020B0609020000020004" pitchFamily="49" charset="0"/>
-              </a:rPr>
-              <a:t>   new </a:t>
-            </a:r>
-            <a:r>
-              <a:rPr lang="en-US" dirty="0" err="1">
-                <a:solidFill>
-                  <a:srgbClr val="000000"/>
-                </a:solidFill>
-                <a:latin typeface="Cascadia Mono" panose="020B0609020000020004" pitchFamily="49" charset="0"/>
-              </a:rPr>
-              <a:t>FusionCacheEntryOptions</a:t>
-            </a:r>
-            <a:r>
-              <a:rPr lang="en-US" dirty="0">
-                <a:solidFill>
-                  <a:srgbClr val="000000"/>
-                </a:solidFill>
-                <a:latin typeface="Cascadia Mono" panose="020B0609020000020004" pitchFamily="49" charset="0"/>
-              </a:rPr>
-              <a:t>{ … })</a:t>
-            </a:r>
-          </a:p>
-          <a:p>
-            <a:r>
-              <a:rPr lang="en-US" dirty="0">
-                <a:solidFill>
-                  <a:srgbClr val="000000"/>
-                </a:solidFill>
-                <a:latin typeface="Cascadia Mono" panose="020B0609020000020004" pitchFamily="49" charset="0"/>
-              </a:rPr>
-              <a:t>.</a:t>
-            </a:r>
-            <a:r>
-              <a:rPr lang="en-US" dirty="0" err="1">
-                <a:solidFill>
-                  <a:srgbClr val="000000"/>
-                </a:solidFill>
-                <a:latin typeface="Cascadia Mono" panose="020B0609020000020004" pitchFamily="49" charset="0"/>
-              </a:rPr>
-              <a:t>WithSerializer</a:t>
-            </a:r>
-            <a:r>
-              <a:rPr lang="en-US" dirty="0">
-                <a:solidFill>
-                  <a:srgbClr val="000000"/>
-                </a:solidFill>
-                <a:latin typeface="Cascadia Mono" panose="020B0609020000020004" pitchFamily="49" charset="0"/>
-              </a:rPr>
-              <a:t>(</a:t>
-            </a:r>
-            <a:br>
-              <a:rPr lang="en-US" dirty="0">
-                <a:solidFill>
-                  <a:srgbClr val="000000"/>
-                </a:solidFill>
-                <a:latin typeface="Cascadia Mono" panose="020B0609020000020004" pitchFamily="49" charset="0"/>
-              </a:rPr>
-            </a:br>
-            <a:r>
-              <a:rPr lang="en-US" dirty="0">
-                <a:solidFill>
-                  <a:srgbClr val="000000"/>
-                </a:solidFill>
-                <a:latin typeface="Cascadia Mono" panose="020B0609020000020004" pitchFamily="49" charset="0"/>
-              </a:rPr>
-              <a:t>   new </a:t>
-            </a:r>
-            <a:r>
-              <a:rPr lang="en-US" dirty="0" err="1">
-                <a:solidFill>
-                  <a:srgbClr val="000000"/>
-                </a:solidFill>
-                <a:latin typeface="Cascadia Mono" panose="020B0609020000020004" pitchFamily="49" charset="0"/>
-              </a:rPr>
-              <a:t>FusionCacheSystemTextJsonSerializer</a:t>
-            </a:r>
-            <a:r>
-              <a:rPr lang="en-US" dirty="0">
-                <a:solidFill>
-                  <a:srgbClr val="000000"/>
-                </a:solidFill>
-                <a:latin typeface="Cascadia Mono" panose="020B0609020000020004" pitchFamily="49" charset="0"/>
-              </a:rPr>
-              <a:t>())</a:t>
-            </a:r>
-          </a:p>
-          <a:p>
-            <a:r>
-              <a:rPr lang="en-US" dirty="0">
-                <a:solidFill>
-                  <a:srgbClr val="000000"/>
-                </a:solidFill>
-                <a:latin typeface="Cascadia Mono" panose="020B0609020000020004" pitchFamily="49" charset="0"/>
-              </a:rPr>
-              <a:t>.</a:t>
-            </a:r>
-            <a:r>
-              <a:rPr lang="en-US" dirty="0" err="1">
-                <a:solidFill>
-                  <a:srgbClr val="000000"/>
-                </a:solidFill>
-                <a:latin typeface="Cascadia Mono" panose="020B0609020000020004" pitchFamily="49" charset="0"/>
-              </a:rPr>
-              <a:t>WithDistributedCache</a:t>
-            </a:r>
-            <a:r>
-              <a:rPr lang="en-US" dirty="0">
-                <a:solidFill>
-                  <a:srgbClr val="000000"/>
-                </a:solidFill>
-                <a:latin typeface="Cascadia Mono" panose="020B0609020000020004" pitchFamily="49" charset="0"/>
-              </a:rPr>
-              <a:t>(</a:t>
-            </a:r>
-          </a:p>
-          <a:p>
-            <a:r>
-              <a:rPr lang="en-US" dirty="0">
-                <a:solidFill>
-                  <a:srgbClr val="000000"/>
-                </a:solidFill>
-                <a:latin typeface="Cascadia Mono" panose="020B0609020000020004" pitchFamily="49" charset="0"/>
-              </a:rPr>
-              <a:t>   new </a:t>
-            </a:r>
-            <a:r>
-              <a:rPr lang="en-US" dirty="0" err="1">
-                <a:solidFill>
-                  <a:srgbClr val="000000"/>
-                </a:solidFill>
-                <a:latin typeface="Cascadia Mono" panose="020B0609020000020004" pitchFamily="49" charset="0"/>
-              </a:rPr>
-              <a:t>RedisCache</a:t>
-            </a:r>
-            <a:r>
-              <a:rPr lang="en-US" dirty="0">
-                <a:solidFill>
-                  <a:srgbClr val="000000"/>
-                </a:solidFill>
-                <a:latin typeface="Cascadia Mono" panose="020B0609020000020004" pitchFamily="49" charset="0"/>
-              </a:rPr>
-              <a:t>(new </a:t>
-            </a:r>
-            <a:r>
-              <a:rPr lang="en-US" dirty="0" err="1">
-                <a:solidFill>
-                  <a:srgbClr val="000000"/>
-                </a:solidFill>
-                <a:latin typeface="Cascadia Mono" panose="020B0609020000020004" pitchFamily="49" charset="0"/>
-              </a:rPr>
-              <a:t>RedisCacheOptions</a:t>
-            </a:r>
-            <a:r>
-              <a:rPr lang="en-US" dirty="0">
-                <a:solidFill>
-                  <a:srgbClr val="000000"/>
-                </a:solidFill>
-                <a:latin typeface="Cascadia Mono" panose="020B0609020000020004" pitchFamily="49" charset="0"/>
-              </a:rPr>
-              <a:t> { </a:t>
-            </a:r>
-            <a:r>
-              <a:rPr lang="en-US" dirty="0" err="1">
-                <a:solidFill>
-                  <a:srgbClr val="000000"/>
-                </a:solidFill>
-                <a:latin typeface="Cascadia Mono" panose="020B0609020000020004" pitchFamily="49" charset="0"/>
-              </a:rPr>
-              <a:t>InstanceName</a:t>
-            </a:r>
-            <a:r>
-              <a:rPr lang="en-US" dirty="0">
-                <a:solidFill>
-                  <a:srgbClr val="000000"/>
-                </a:solidFill>
-                <a:latin typeface="Cascadia Mono" panose="020B0609020000020004" pitchFamily="49" charset="0"/>
-              </a:rPr>
-              <a:t> = "</a:t>
-            </a:r>
-            <a:r>
-              <a:rPr lang="en-US" dirty="0" err="1">
-                <a:solidFill>
-                  <a:srgbClr val="000000"/>
-                </a:solidFill>
-                <a:latin typeface="Cascadia Mono" panose="020B0609020000020004" pitchFamily="49" charset="0"/>
-              </a:rPr>
-              <a:t>fusionCacheApi</a:t>
-            </a:r>
-            <a:r>
-              <a:rPr lang="en-US" dirty="0">
-                <a:solidFill>
-                  <a:srgbClr val="000000"/>
-                </a:solidFill>
-                <a:latin typeface="Cascadia Mono" panose="020B0609020000020004" pitchFamily="49" charset="0"/>
-              </a:rPr>
-              <a:t>",  </a:t>
-            </a:r>
-            <a:br>
-              <a:rPr lang="en-US" dirty="0">
-                <a:solidFill>
-                  <a:srgbClr val="000000"/>
-                </a:solidFill>
-                <a:latin typeface="Cascadia Mono" panose="020B0609020000020004" pitchFamily="49" charset="0"/>
-              </a:rPr>
-            </a:br>
-            <a:r>
-              <a:rPr lang="en-US" dirty="0">
-                <a:solidFill>
-                  <a:srgbClr val="000000"/>
-                </a:solidFill>
-                <a:latin typeface="Cascadia Mono" panose="020B0609020000020004" pitchFamily="49" charset="0"/>
-              </a:rPr>
-              <a:t>    Configuration = </a:t>
-            </a:r>
-            <a:r>
-              <a:rPr lang="en-US" dirty="0" err="1">
-                <a:solidFill>
-                  <a:srgbClr val="000000"/>
-                </a:solidFill>
-                <a:latin typeface="Cascadia Mono" panose="020B0609020000020004" pitchFamily="49" charset="0"/>
-              </a:rPr>
-              <a:t>builder.Configuration</a:t>
-            </a:r>
-            <a:r>
-              <a:rPr lang="en-US" dirty="0">
-                <a:solidFill>
-                  <a:srgbClr val="000000"/>
-                </a:solidFill>
-                <a:latin typeface="Cascadia Mono" panose="020B0609020000020004" pitchFamily="49" charset="0"/>
-              </a:rPr>
-              <a:t>["</a:t>
-            </a:r>
-            <a:r>
-              <a:rPr lang="en-US" dirty="0" err="1">
-                <a:solidFill>
-                  <a:srgbClr val="000000"/>
-                </a:solidFill>
-                <a:latin typeface="Cascadia Mono" panose="020B0609020000020004" pitchFamily="49" charset="0"/>
-              </a:rPr>
-              <a:t>redis:connectionString</a:t>
-            </a:r>
-            <a:r>
-              <a:rPr lang="en-US" dirty="0">
-                <a:solidFill>
-                  <a:srgbClr val="000000"/>
-                </a:solidFill>
-                <a:latin typeface="Cascadia Mono" panose="020B0609020000020004" pitchFamily="49" charset="0"/>
-              </a:rPr>
-              <a:t>"] }))</a:t>
-            </a:r>
-            <a:br>
-              <a:rPr lang="en-US" dirty="0">
-                <a:solidFill>
-                  <a:srgbClr val="000000"/>
-                </a:solidFill>
-                <a:latin typeface="Cascadia Mono" panose="020B0609020000020004" pitchFamily="49" charset="0"/>
-              </a:rPr>
-            </a:br>
-            <a:r>
-              <a:rPr lang="en-US" dirty="0">
-                <a:solidFill>
-                  <a:srgbClr val="000000"/>
-                </a:solidFill>
-                <a:latin typeface="Cascadia Mono" panose="020B0609020000020004" pitchFamily="49" charset="0"/>
-              </a:rPr>
-              <a:t>.</a:t>
-            </a:r>
-            <a:r>
-              <a:rPr lang="en-US" dirty="0" err="1">
-                <a:solidFill>
-                  <a:srgbClr val="000000"/>
-                </a:solidFill>
-                <a:latin typeface="Cascadia Mono" panose="020B0609020000020004" pitchFamily="49" charset="0"/>
-              </a:rPr>
-              <a:t>WithBackplane</a:t>
-            </a:r>
-            <a:r>
-              <a:rPr lang="en-US" dirty="0">
-                <a:solidFill>
-                  <a:srgbClr val="000000"/>
-                </a:solidFill>
-                <a:latin typeface="Cascadia Mono" panose="020B0609020000020004" pitchFamily="49" charset="0"/>
-              </a:rPr>
-              <a:t>(new </a:t>
-            </a:r>
-            <a:r>
-              <a:rPr lang="en-US" dirty="0" err="1">
-                <a:solidFill>
-                  <a:srgbClr val="000000"/>
-                </a:solidFill>
-                <a:latin typeface="Cascadia Mono" panose="020B0609020000020004" pitchFamily="49" charset="0"/>
-              </a:rPr>
-              <a:t>RedisBackplane</a:t>
-            </a:r>
-            <a:r>
-              <a:rPr lang="en-US" dirty="0">
-                <a:solidFill>
-                  <a:srgbClr val="000000"/>
-                </a:solidFill>
-                <a:latin typeface="Cascadia Mono" panose="020B0609020000020004" pitchFamily="49" charset="0"/>
-              </a:rPr>
-              <a:t>(new </a:t>
-            </a:r>
-            <a:r>
-              <a:rPr lang="en-US" dirty="0" err="1">
-                <a:solidFill>
-                  <a:srgbClr val="000000"/>
-                </a:solidFill>
-                <a:latin typeface="Cascadia Mono" panose="020B0609020000020004" pitchFamily="49" charset="0"/>
-              </a:rPr>
-              <a:t>RedisBackplaneOptions</a:t>
-            </a:r>
-            <a:r>
-              <a:rPr lang="en-US" dirty="0">
-                <a:solidFill>
-                  <a:srgbClr val="000000"/>
-                </a:solidFill>
-                <a:latin typeface="Cascadia Mono" panose="020B0609020000020004" pitchFamily="49" charset="0"/>
-              </a:rPr>
-              <a:t>() </a:t>
-            </a:r>
-            <a:br>
-              <a:rPr lang="en-US" dirty="0">
-                <a:solidFill>
-                  <a:srgbClr val="000000"/>
-                </a:solidFill>
-                <a:latin typeface="Cascadia Mono" panose="020B0609020000020004" pitchFamily="49" charset="0"/>
-              </a:rPr>
-            </a:br>
-            <a:r>
-              <a:rPr lang="en-US" dirty="0">
-                <a:solidFill>
-                  <a:srgbClr val="000000"/>
-                </a:solidFill>
-                <a:latin typeface="Cascadia Mono" panose="020B0609020000020004" pitchFamily="49" charset="0"/>
-              </a:rPr>
-              <a:t>   { Configuration = </a:t>
-            </a:r>
-            <a:r>
-              <a:rPr lang="en-US" dirty="0" err="1">
-                <a:solidFill>
-                  <a:srgbClr val="000000"/>
-                </a:solidFill>
-                <a:latin typeface="Cascadia Mono" panose="020B0609020000020004" pitchFamily="49" charset="0"/>
-              </a:rPr>
-              <a:t>builder.Configuration</a:t>
-            </a:r>
-            <a:r>
-              <a:rPr lang="en-US" dirty="0">
-                <a:solidFill>
-                  <a:srgbClr val="000000"/>
-                </a:solidFill>
-                <a:latin typeface="Cascadia Mono" panose="020B0609020000020004" pitchFamily="49" charset="0"/>
-              </a:rPr>
-              <a:t>["</a:t>
-            </a:r>
-            <a:r>
-              <a:rPr lang="en-US" dirty="0" err="1">
-                <a:solidFill>
-                  <a:srgbClr val="000000"/>
-                </a:solidFill>
-                <a:latin typeface="Cascadia Mono" panose="020B0609020000020004" pitchFamily="49" charset="0"/>
-              </a:rPr>
-              <a:t>redis:connectionString</a:t>
-            </a:r>
-            <a:r>
-              <a:rPr lang="en-US" dirty="0">
-                <a:solidFill>
-                  <a:srgbClr val="000000"/>
-                </a:solidFill>
-                <a:latin typeface="Cascadia Mono" panose="020B0609020000020004" pitchFamily="49" charset="0"/>
-              </a:rPr>
-              <a:t>"] })</a:t>
-            </a:r>
-          </a:p>
-          <a:p>
-            <a:r>
-              <a:rPr lang="en-US" dirty="0">
-                <a:solidFill>
-                  <a:srgbClr val="000000"/>
-                </a:solidFill>
-                <a:latin typeface="Cascadia Mono" panose="020B0609020000020004" pitchFamily="49" charset="0"/>
-              </a:rPr>
-              <a:t>);</a:t>
-            </a:r>
-          </a:p>
-        </p:txBody>
-      </p:sp>
-      <p:sp>
-        <p:nvSpPr>
-          <p:cNvPr id="6" name="TextBox 5">
-            <a:extLst>
-              <a:ext uri="{FF2B5EF4-FFF2-40B4-BE49-F238E27FC236}">
-                <a16:creationId xmlns:a16="http://schemas.microsoft.com/office/drawing/2014/main" id="{93F21120-CB5A-3A38-0A8B-99C3B59BFFCD}"/>
-              </a:ext>
-            </a:extLst>
-          </p:cNvPr>
-          <p:cNvSpPr txBox="1"/>
-          <p:nvPr/>
-        </p:nvSpPr>
-        <p:spPr>
-          <a:xfrm>
-            <a:off x="3142695" y="5894773"/>
-            <a:ext cx="8213787" cy="369332"/>
-          </a:xfrm>
-          <a:prstGeom prst="rect">
-            <a:avLst/>
-          </a:prstGeom>
-          <a:noFill/>
-        </p:spPr>
-        <p:txBody>
-          <a:bodyPr wrap="none" rtlCol="0">
-            <a:spAutoFit/>
-          </a:bodyPr>
-          <a:lstStyle/>
-          <a:p>
-            <a:r>
-              <a:rPr lang="en-US" i="1" dirty="0"/>
-              <a:t>Note: no need to register </a:t>
-            </a:r>
-            <a:r>
-              <a:rPr lang="en-US" i="1" dirty="0" err="1"/>
-              <a:t>IMemoryCache</a:t>
-            </a:r>
-            <a:r>
-              <a:rPr lang="en-US" i="1" dirty="0"/>
-              <a:t> and (Redis) </a:t>
-            </a:r>
-            <a:r>
-              <a:rPr lang="en-US" i="1" dirty="0" err="1"/>
-              <a:t>IDistributedCache</a:t>
-            </a:r>
-            <a:r>
-              <a:rPr lang="en-US" i="1" dirty="0"/>
-              <a:t> explicitly</a:t>
-            </a:r>
-          </a:p>
-        </p:txBody>
-      </p:sp>
-    </p:spTree>
-    <p:extLst>
-      <p:ext uri="{BB962C8B-B14F-4D97-AF65-F5344CB8AC3E}">
-        <p14:creationId xmlns:p14="http://schemas.microsoft.com/office/powerpoint/2010/main" val="891413980"/>
-      </p:ext>
-    </p:extLst>
-  </p:cSld>
-  <p:clrMapOvr>
-    <a:masterClrMapping/>
-  </p:clrMapOvr>
-</p:sld>
-</file>
-
-<file path=ppt/slides/slide14.xml><?xml version="1.0" encoding="utf-8"?>
-<p:sld xmlns:a="http://schemas.openxmlformats.org/drawingml/2006/main" xmlns:r="http://schemas.openxmlformats.org/officeDocument/2006/relationships" xmlns:p="http://schemas.openxmlformats.org/presentationml/2006/main">
-  <p:cSld>
-    <p:spTree>
-      <p:nvGrpSpPr>
-        <p:cNvPr id="1" name=""/>
-        <p:cNvGrpSpPr/>
-        <p:nvPr/>
-      </p:nvGrpSpPr>
-      <p:grpSpPr>
-        <a:xfrm>
-          <a:off x="0" y="0"/>
-          <a:ext cx="0" cy="0"/>
-          <a:chOff x="0" y="0"/>
-          <a:chExt cx="0" cy="0"/>
-        </a:xfrm>
-      </p:grpSpPr>
-      <p:sp>
-        <p:nvSpPr>
-          <p:cNvPr id="2" name="Title 1">
-            <a:extLst>
-              <a:ext uri="{FF2B5EF4-FFF2-40B4-BE49-F238E27FC236}">
-                <a16:creationId xmlns:a16="http://schemas.microsoft.com/office/drawing/2014/main" id="{6DA7CF98-B5C3-6707-D594-BAB3B1E1E832}"/>
-              </a:ext>
-            </a:extLst>
-          </p:cNvPr>
-          <p:cNvSpPr>
-            <a:spLocks noGrp="1"/>
-          </p:cNvSpPr>
-          <p:nvPr>
-            <p:ph type="title"/>
-          </p:nvPr>
-        </p:nvSpPr>
-        <p:spPr/>
-        <p:txBody>
-          <a:bodyPr/>
-          <a:lstStyle/>
-          <a:p>
-            <a:r>
-              <a:rPr lang="en-US" dirty="0"/>
-              <a:t>Introduction to fusion cache</a:t>
-            </a:r>
-          </a:p>
-        </p:txBody>
-      </p:sp>
-      <p:sp>
-        <p:nvSpPr>
-          <p:cNvPr id="3" name="Content Placeholder 2">
-            <a:extLst>
-              <a:ext uri="{FF2B5EF4-FFF2-40B4-BE49-F238E27FC236}">
-                <a16:creationId xmlns:a16="http://schemas.microsoft.com/office/drawing/2014/main" id="{4EE2669E-596B-E86E-E0E5-C04B6F827164}"/>
-              </a:ext>
-            </a:extLst>
-          </p:cNvPr>
-          <p:cNvSpPr>
-            <a:spLocks noGrp="1"/>
-          </p:cNvSpPr>
-          <p:nvPr>
-            <p:ph idx="1"/>
-          </p:nvPr>
-        </p:nvSpPr>
-        <p:spPr>
-          <a:xfrm>
-            <a:off x="838200" y="1328475"/>
-            <a:ext cx="10515600" cy="4351338"/>
-          </a:xfrm>
-        </p:spPr>
-        <p:txBody>
-          <a:bodyPr>
-            <a:normAutofit/>
-          </a:bodyPr>
-          <a:lstStyle/>
-          <a:p>
-            <a:r>
-              <a:rPr lang="en-US" dirty="0" err="1"/>
-              <a:t>IFusionCache</a:t>
-            </a:r>
-            <a:r>
-              <a:rPr lang="en-US" dirty="0"/>
-              <a:t>: the interface to have injected</a:t>
-            </a:r>
-          </a:p>
-          <a:p>
-            <a:r>
-              <a:rPr lang="en-US" dirty="0"/>
-              <a:t>The main api: </a:t>
-            </a:r>
-            <a:r>
-              <a:rPr lang="en-US" dirty="0" err="1"/>
-              <a:t>GetOrSet</a:t>
-            </a:r>
-            <a:r>
-              <a:rPr lang="en-US" dirty="0"/>
-              <a:t>(Async), it requires </a:t>
-            </a:r>
-          </a:p>
-          <a:p>
-            <a:pPr lvl="1"/>
-            <a:r>
-              <a:rPr lang="en-US" dirty="0"/>
-              <a:t>Function to get the data is there is a cache miss</a:t>
-            </a:r>
-          </a:p>
-          <a:p>
-            <a:pPr lvl="1"/>
-            <a:r>
-              <a:rPr lang="en-US" dirty="0"/>
-              <a:t>Optional </a:t>
-            </a:r>
-            <a:r>
-              <a:rPr lang="en-US" i="1" dirty="0" err="1"/>
-              <a:t>FusionCacheEntryOptions</a:t>
-            </a:r>
-            <a:r>
-              <a:rPr lang="en-US" sz="2400" dirty="0">
-                <a:solidFill>
-                  <a:srgbClr val="000000"/>
-                </a:solidFill>
-                <a:latin typeface="Cascadia Mono" panose="020B0609020000020004" pitchFamily="49" charset="0"/>
-              </a:rPr>
-              <a:t> </a:t>
-            </a:r>
-            <a:r>
-              <a:rPr lang="en-US" dirty="0"/>
-              <a:t>(if not provided a default one registered at startup is used)</a:t>
-            </a:r>
-          </a:p>
-          <a:p>
-            <a:pPr lvl="2"/>
-            <a:r>
-              <a:rPr lang="en-US" dirty="0"/>
-              <a:t>Duration</a:t>
-            </a:r>
-          </a:p>
-          <a:p>
-            <a:pPr lvl="2"/>
-            <a:r>
-              <a:rPr lang="en-US" dirty="0" err="1"/>
-              <a:t>DistributedCacheDuration</a:t>
-            </a:r>
-            <a:r>
-              <a:rPr lang="en-US" dirty="0"/>
-              <a:t> (optional) </a:t>
-            </a:r>
-          </a:p>
-          <a:p>
-            <a:pPr lvl="2"/>
-            <a:r>
-              <a:rPr lang="en-US" dirty="0" err="1"/>
-              <a:t>JitterMaxDuration</a:t>
-            </a:r>
-            <a:r>
-              <a:rPr lang="en-US" dirty="0"/>
-              <a:t> (introduce a degree of randomization in the expiration)</a:t>
-            </a:r>
-          </a:p>
-          <a:p>
-            <a:pPr lvl="2"/>
-            <a:r>
-              <a:rPr lang="en-US" dirty="0"/>
-              <a:t>..and many others we will cover in next slides </a:t>
-            </a:r>
-          </a:p>
-          <a:p>
-            <a:endParaRPr lang="en-US" dirty="0"/>
-          </a:p>
-          <a:p>
-            <a:endParaRPr lang="en-US" dirty="0"/>
-          </a:p>
-        </p:txBody>
-      </p:sp>
-    </p:spTree>
-    <p:extLst>
-      <p:ext uri="{BB962C8B-B14F-4D97-AF65-F5344CB8AC3E}">
-        <p14:creationId xmlns:p14="http://schemas.microsoft.com/office/powerpoint/2010/main" val="2609270308"/>
-      </p:ext>
-    </p:extLst>
-  </p:cSld>
-  <p:clrMapOvr>
-    <a:masterClrMapping/>
-  </p:clrMapOvr>
-</p:sld>
-</file>
-
-<file path=ppt/slides/slide15.xml><?xml version="1.0" encoding="utf-8"?>
-<p:sld xmlns:a="http://schemas.openxmlformats.org/drawingml/2006/main" xmlns:r="http://schemas.openxmlformats.org/officeDocument/2006/relationships" xmlns:p="http://schemas.openxmlformats.org/presentationml/2006/main">
-  <p:cSld>
-    <p:spTree>
-      <p:nvGrpSpPr>
-        <p:cNvPr id="1" name=""/>
-        <p:cNvGrpSpPr/>
-        <p:nvPr/>
-      </p:nvGrpSpPr>
-      <p:grpSpPr>
-        <a:xfrm>
-          <a:off x="0" y="0"/>
-          <a:ext cx="0" cy="0"/>
-          <a:chOff x="0" y="0"/>
-          <a:chExt cx="0" cy="0"/>
-        </a:xfrm>
-      </p:grpSpPr>
-      <p:sp>
-        <p:nvSpPr>
-          <p:cNvPr id="2" name="Title 1">
-            <a:extLst>
-              <a:ext uri="{FF2B5EF4-FFF2-40B4-BE49-F238E27FC236}">
-                <a16:creationId xmlns:a16="http://schemas.microsoft.com/office/drawing/2014/main" id="{A57B7226-9247-96BB-DF72-85A4234DFF1A}"/>
-              </a:ext>
-            </a:extLst>
-          </p:cNvPr>
-          <p:cNvSpPr>
-            <a:spLocks noGrp="1"/>
-          </p:cNvSpPr>
-          <p:nvPr>
-            <p:ph type="title"/>
-          </p:nvPr>
-        </p:nvSpPr>
-        <p:spPr/>
-        <p:txBody>
-          <a:bodyPr/>
-          <a:lstStyle/>
-          <a:p>
-            <a:endParaRPr lang="en-US"/>
-          </a:p>
-        </p:txBody>
-      </p:sp>
-      <p:sp>
-        <p:nvSpPr>
-          <p:cNvPr id="3" name="Content Placeholder 2">
-            <a:extLst>
-              <a:ext uri="{FF2B5EF4-FFF2-40B4-BE49-F238E27FC236}">
-                <a16:creationId xmlns:a16="http://schemas.microsoft.com/office/drawing/2014/main" id="{A03C34F7-5129-D41E-31EA-C959A4DA021D}"/>
-              </a:ext>
-            </a:extLst>
-          </p:cNvPr>
-          <p:cNvSpPr>
-            <a:spLocks noGrp="1"/>
-          </p:cNvSpPr>
-          <p:nvPr>
-            <p:ph idx="1"/>
-          </p:nvPr>
-        </p:nvSpPr>
-        <p:spPr/>
-        <p:txBody>
-          <a:bodyPr/>
-          <a:lstStyle/>
-          <a:p>
-            <a:endParaRPr lang="en-US" dirty="0"/>
-          </a:p>
-        </p:txBody>
-      </p:sp>
-      <p:sp>
-        <p:nvSpPr>
-          <p:cNvPr id="4" name="TextBox 3">
-            <a:extLst>
-              <a:ext uri="{FF2B5EF4-FFF2-40B4-BE49-F238E27FC236}">
-                <a16:creationId xmlns:a16="http://schemas.microsoft.com/office/drawing/2014/main" id="{BB7C8D49-C6C3-3F18-E18D-A174359898DC}"/>
-              </a:ext>
-            </a:extLst>
-          </p:cNvPr>
-          <p:cNvSpPr txBox="1"/>
-          <p:nvPr/>
-        </p:nvSpPr>
-        <p:spPr>
-          <a:xfrm>
-            <a:off x="573358" y="2602914"/>
-            <a:ext cx="9922909" cy="2308324"/>
-          </a:xfrm>
-          <a:prstGeom prst="rect">
-            <a:avLst/>
-          </a:prstGeom>
-          <a:noFill/>
-        </p:spPr>
-        <p:txBody>
-          <a:bodyPr wrap="none" rtlCol="0">
-            <a:spAutoFit/>
-          </a:bodyPr>
-          <a:lstStyle/>
-          <a:p>
-            <a:r>
-              <a:rPr lang="en-US" sz="1600" dirty="0">
-                <a:solidFill>
-                  <a:srgbClr val="000000"/>
-                </a:solidFill>
-                <a:latin typeface="Cascadia Mono" panose="020B0609020000020004" pitchFamily="49" charset="0"/>
-              </a:rPr>
-              <a:t>[</a:t>
-            </a:r>
-            <a:r>
-              <a:rPr lang="en-US" sz="1600" dirty="0" err="1">
-                <a:solidFill>
-                  <a:srgbClr val="000000"/>
-                </a:solidFill>
-                <a:latin typeface="Cascadia Mono" panose="020B0609020000020004" pitchFamily="49" charset="0"/>
-              </a:rPr>
-              <a:t>HttpGet</a:t>
-            </a:r>
-            <a:r>
-              <a:rPr lang="en-US" sz="1600" dirty="0">
-                <a:solidFill>
-                  <a:srgbClr val="000000"/>
-                </a:solidFill>
-                <a:latin typeface="Cascadia Mono" panose="020B0609020000020004" pitchFamily="49" charset="0"/>
-              </a:rPr>
-              <a:t>(template: "get-or-set-cache-entry-raw", Name = "</a:t>
-            </a:r>
-            <a:r>
-              <a:rPr lang="en-US" sz="1600" dirty="0" err="1">
-                <a:solidFill>
-                  <a:srgbClr val="000000"/>
-                </a:solidFill>
-                <a:latin typeface="Cascadia Mono" panose="020B0609020000020004" pitchFamily="49" charset="0"/>
-              </a:rPr>
-              <a:t>GetOrSetCacheEntryRaw</a:t>
-            </a:r>
-            <a:r>
-              <a:rPr lang="en-US" sz="1600" dirty="0">
-                <a:solidFill>
-                  <a:srgbClr val="000000"/>
-                </a:solidFill>
-                <a:latin typeface="Cascadia Mono" panose="020B0609020000020004" pitchFamily="49" charset="0"/>
-              </a:rPr>
-              <a:t>")]</a:t>
-            </a:r>
-          </a:p>
-          <a:p>
-            <a:r>
-              <a:rPr lang="en-US" sz="1600" dirty="0">
-                <a:solidFill>
-                  <a:srgbClr val="000000"/>
-                </a:solidFill>
-                <a:latin typeface="Cascadia Mono" panose="020B0609020000020004" pitchFamily="49" charset="0"/>
-              </a:rPr>
-              <a:t> public async Task&lt;string&gt; </a:t>
-            </a:r>
-            <a:r>
-              <a:rPr lang="en-US" sz="1600" dirty="0" err="1">
-                <a:solidFill>
-                  <a:srgbClr val="000000"/>
-                </a:solidFill>
-                <a:latin typeface="Cascadia Mono" panose="020B0609020000020004" pitchFamily="49" charset="0"/>
-              </a:rPr>
-              <a:t>GetCacheEntryRaw</a:t>
-            </a:r>
-            <a:r>
-              <a:rPr lang="en-US" sz="1600" dirty="0">
-                <a:solidFill>
-                  <a:srgbClr val="000000"/>
-                </a:solidFill>
-                <a:latin typeface="Cascadia Mono" panose="020B0609020000020004" pitchFamily="49" charset="0"/>
-              </a:rPr>
-              <a:t>(string value) {</a:t>
-            </a:r>
-          </a:p>
-          <a:p>
-            <a:r>
-              <a:rPr lang="en-US" sz="1600" dirty="0">
-                <a:solidFill>
-                  <a:srgbClr val="000000"/>
-                </a:solidFill>
-                <a:latin typeface="Cascadia Mono" panose="020B0609020000020004" pitchFamily="49" charset="0"/>
-              </a:rPr>
-              <a:t>     var ret = await _</a:t>
-            </a:r>
-            <a:r>
-              <a:rPr lang="en-US" sz="1600" dirty="0" err="1">
-                <a:solidFill>
-                  <a:srgbClr val="000000"/>
-                </a:solidFill>
-                <a:latin typeface="Cascadia Mono" panose="020B0609020000020004" pitchFamily="49" charset="0"/>
-              </a:rPr>
-              <a:t>fusionCache.GetOrSetAsync</a:t>
-            </a:r>
-            <a:r>
-              <a:rPr lang="en-US" sz="1600" dirty="0">
-                <a:solidFill>
-                  <a:srgbClr val="000000"/>
-                </a:solidFill>
-                <a:latin typeface="Cascadia Mono" panose="020B0609020000020004" pitchFamily="49" charset="0"/>
-              </a:rPr>
-              <a:t>("cache-entry", </a:t>
-            </a:r>
-            <a:br>
-              <a:rPr lang="en-US" sz="1600" dirty="0">
-                <a:solidFill>
-                  <a:srgbClr val="000000"/>
-                </a:solidFill>
-                <a:latin typeface="Cascadia Mono" panose="020B0609020000020004" pitchFamily="49" charset="0"/>
-              </a:rPr>
-            </a:br>
-            <a:r>
-              <a:rPr lang="en-US" sz="1600" b="1" i="1" dirty="0">
-                <a:solidFill>
-                  <a:srgbClr val="000000"/>
-                </a:solidFill>
-                <a:latin typeface="Cascadia Mono" panose="020B0609020000020004" pitchFamily="49" charset="0"/>
-              </a:rPr>
-              <a:t>      		async _ =&gt; await </a:t>
-            </a:r>
-            <a:r>
-              <a:rPr lang="en-US" sz="1600" b="1" i="1" dirty="0" err="1">
-                <a:solidFill>
-                  <a:srgbClr val="000000"/>
-                </a:solidFill>
-                <a:latin typeface="Cascadia Mono" panose="020B0609020000020004" pitchFamily="49" charset="0"/>
-              </a:rPr>
-              <a:t>Task.FromResult</a:t>
-            </a:r>
-            <a:r>
-              <a:rPr lang="en-US" sz="1600" b="1" i="1" dirty="0">
-                <a:solidFill>
-                  <a:srgbClr val="000000"/>
-                </a:solidFill>
-                <a:latin typeface="Cascadia Mono" panose="020B0609020000020004" pitchFamily="49" charset="0"/>
-              </a:rPr>
-              <a:t>(value)</a:t>
-            </a:r>
-            <a:br>
-              <a:rPr lang="en-US" sz="1600" b="1" i="1" dirty="0">
-                <a:solidFill>
-                  <a:srgbClr val="000000"/>
-                </a:solidFill>
-                <a:latin typeface="Cascadia Mono" panose="020B0609020000020004" pitchFamily="49" charset="0"/>
-              </a:rPr>
-            </a:br>
-            <a:r>
-              <a:rPr lang="en-US" sz="1600" b="1" i="1" dirty="0">
-                <a:solidFill>
-                  <a:srgbClr val="000000"/>
-                </a:solidFill>
-                <a:latin typeface="Cascadia Mono" panose="020B0609020000020004" pitchFamily="49" charset="0"/>
-              </a:rPr>
-              <a:t>      </a:t>
-            </a:r>
-            <a:r>
-              <a:rPr lang="en-US" sz="1600" dirty="0">
-                <a:solidFill>
-                  <a:srgbClr val="000000"/>
-                </a:solidFill>
-                <a:latin typeface="Cascadia Mono" panose="020B0609020000020004" pitchFamily="49" charset="0"/>
-              </a:rPr>
-              <a:t>,new </a:t>
-            </a:r>
-            <a:r>
-              <a:rPr lang="en-US" sz="1600" dirty="0" err="1">
-                <a:solidFill>
-                  <a:srgbClr val="000000"/>
-                </a:solidFill>
-                <a:latin typeface="Cascadia Mono" panose="020B0609020000020004" pitchFamily="49" charset="0"/>
-              </a:rPr>
-              <a:t>FusionCacheEntryOptions</a:t>
-            </a:r>
-            <a:r>
-              <a:rPr lang="en-US" sz="1600" dirty="0">
-                <a:solidFill>
-                  <a:srgbClr val="000000"/>
-                </a:solidFill>
-                <a:latin typeface="Cascadia Mono" panose="020B0609020000020004" pitchFamily="49" charset="0"/>
-              </a:rPr>
-              <a:t> {</a:t>
-            </a:r>
-          </a:p>
-          <a:p>
-            <a:r>
-              <a:rPr lang="en-US" sz="1600" dirty="0">
-                <a:solidFill>
-                  <a:srgbClr val="000000"/>
-                </a:solidFill>
-                <a:latin typeface="Cascadia Mono" panose="020B0609020000020004" pitchFamily="49" charset="0"/>
-              </a:rPr>
-              <a:t>         Duration= </a:t>
-            </a:r>
-            <a:r>
-              <a:rPr lang="en-US" sz="1600" dirty="0" err="1">
-                <a:solidFill>
-                  <a:srgbClr val="000000"/>
-                </a:solidFill>
-                <a:latin typeface="Cascadia Mono" panose="020B0609020000020004" pitchFamily="49" charset="0"/>
-              </a:rPr>
-              <a:t>TimeSpan.FromMinutes</a:t>
-            </a:r>
-            <a:r>
-              <a:rPr lang="en-US" sz="1600" dirty="0">
-                <a:solidFill>
-                  <a:srgbClr val="000000"/>
-                </a:solidFill>
-                <a:latin typeface="Cascadia Mono" panose="020B0609020000020004" pitchFamily="49" charset="0"/>
-              </a:rPr>
-              <a:t>(1)}</a:t>
-            </a:r>
-            <a:br>
-              <a:rPr lang="en-US" sz="1600" dirty="0">
-                <a:solidFill>
-                  <a:srgbClr val="000000"/>
-                </a:solidFill>
-                <a:latin typeface="Cascadia Mono" panose="020B0609020000020004" pitchFamily="49" charset="0"/>
-              </a:rPr>
-            </a:br>
-            <a:r>
-              <a:rPr lang="en-US" sz="1600" dirty="0">
-                <a:solidFill>
-                  <a:srgbClr val="000000"/>
-                </a:solidFill>
-                <a:latin typeface="Cascadia Mono" panose="020B0609020000020004" pitchFamily="49" charset="0"/>
-              </a:rPr>
-              <a:t>     );</a:t>
-            </a:r>
-          </a:p>
-          <a:p>
-            <a:r>
-              <a:rPr lang="en-US" sz="1600" dirty="0">
-                <a:solidFill>
-                  <a:srgbClr val="000000"/>
-                </a:solidFill>
-                <a:latin typeface="Cascadia Mono" panose="020B0609020000020004" pitchFamily="49" charset="0"/>
-              </a:rPr>
-              <a:t>     return ret;</a:t>
-            </a:r>
-          </a:p>
-          <a:p>
-            <a:r>
-              <a:rPr lang="en-US" sz="1600" dirty="0">
-                <a:solidFill>
-                  <a:srgbClr val="000000"/>
-                </a:solidFill>
-                <a:latin typeface="Cascadia Mono" panose="020B0609020000020004" pitchFamily="49" charset="0"/>
-              </a:rPr>
-              <a:t> }</a:t>
-            </a:r>
-            <a:endParaRPr lang="en-US" sz="1600" dirty="0"/>
-          </a:p>
-        </p:txBody>
-      </p:sp>
-    </p:spTree>
-    <p:extLst>
-      <p:ext uri="{BB962C8B-B14F-4D97-AF65-F5344CB8AC3E}">
-        <p14:creationId xmlns:p14="http://schemas.microsoft.com/office/powerpoint/2010/main" val="1651941946"/>
-      </p:ext>
-    </p:extLst>
-  </p:cSld>
-  <p:clrMapOvr>
-    <a:masterClrMapping/>
-  </p:clrMapOvr>
-</p:sld>
-</file>
-
 <file path=ppt/slides/slide16.xml><?xml version="1.0" encoding="utf-8"?>
 <p:sld xmlns:a="http://schemas.openxmlformats.org/drawingml/2006/main" xmlns:r="http://schemas.openxmlformats.org/officeDocument/2006/relationships" xmlns:p="http://schemas.openxmlformats.org/presentationml/2006/main">
   <p:cSld>
@@ -5545,7 +4770,7 @@
           <p:cNvPr id="2" name="Title 1">
             <a:extLst>
               <a:ext uri="{FF2B5EF4-FFF2-40B4-BE49-F238E27FC236}">
-                <a16:creationId xmlns:a16="http://schemas.microsoft.com/office/drawing/2014/main" id="{6DA7CF98-B5C3-6707-D594-BAB3B1E1E832}"/>
+                <a16:creationId xmlns:a16="http://schemas.microsoft.com/office/drawing/2014/main" id="{B85EE399-0A0C-981C-9900-5AE790E125F3}"/>
               </a:ext>
             </a:extLst>
           </p:cNvPr>
@@ -5563,60 +4788,546 @@
           <a:p>
             <a:r>
               <a:rPr lang="en-US" dirty="0"/>
-              <a:t>Cache stampede</a:t>
-            </a:r>
-          </a:p>
-        </p:txBody>
-      </p:sp>
-      <p:sp>
-        <p:nvSpPr>
-          <p:cNvPr id="3" name="Content Placeholder 2">
-            <a:extLst>
-              <a:ext uri="{FF2B5EF4-FFF2-40B4-BE49-F238E27FC236}">
-                <a16:creationId xmlns:a16="http://schemas.microsoft.com/office/drawing/2014/main" id="{4EE2669E-596B-E86E-E0E5-C04B6F827164}"/>
-              </a:ext>
-            </a:extLst>
-          </p:cNvPr>
-          <p:cNvSpPr>
-            <a:spLocks noGrp="1"/>
-          </p:cNvSpPr>
-          <p:nvPr>
-            <p:ph idx="1"/>
-          </p:nvPr>
-        </p:nvSpPr>
-        <p:spPr/>
-        <p:txBody>
-          <a:bodyPr>
-            <a:normAutofit/>
+              <a:t>fusion cache set up</a:t>
+            </a:r>
+          </a:p>
+        </p:txBody>
+      </p:sp>
+      <p:sp>
+        <p:nvSpPr>
+          <p:cNvPr id="5" name="TextBox 4">
+            <a:extLst>
+              <a:ext uri="{FF2B5EF4-FFF2-40B4-BE49-F238E27FC236}">
+                <a16:creationId xmlns:a16="http://schemas.microsoft.com/office/drawing/2014/main" id="{DD4FE0E5-3673-2DEC-5110-7B3C017406CC}"/>
+              </a:ext>
+            </a:extLst>
+          </p:cNvPr>
+          <p:cNvSpPr txBox="1"/>
+          <p:nvPr/>
+        </p:nvSpPr>
+        <p:spPr>
+          <a:xfrm>
+            <a:off x="754602" y="2045964"/>
+            <a:ext cx="10599198" cy="3139321"/>
+          </a:xfrm>
+          <a:prstGeom prst="rect">
+            <a:avLst/>
+          </a:prstGeom>
+          <a:noFill/>
+          <a:ln>
+            <a:solidFill>
+              <a:schemeClr val="accent1"/>
+            </a:solidFill>
+          </a:ln>
+        </p:spPr>
+        <p:txBody>
+          <a:bodyPr wrap="square">
+            <a:spAutoFit/>
           </a:bodyPr>
           <a:lstStyle/>
           <a:p>
-            <a:pPr lvl="1"/>
-            <a:r>
-              <a:rPr lang="en-US" dirty="0"/>
-              <a:t>Avoid "All" rush to origin to get same key when it expires (see demo). </a:t>
-            </a:r>
-            <a:r>
-              <a:rPr lang="en-US" dirty="0" err="1"/>
-              <a:t>JitterMaxDuration</a:t>
-            </a:r>
-            <a:r>
-              <a:rPr lang="en-US" dirty="0"/>
-              <a:t> mitigate the problem, still ..</a:t>
-            </a:r>
-          </a:p>
-          <a:p>
-            <a:pPr lvl="1"/>
-            <a:r>
-              <a:rPr lang="en-US" dirty="0"/>
-              <a:t>Fusion cache will not call the same factory more than once concurrently</a:t>
-            </a:r>
-          </a:p>
-          <a:p>
-            <a:pPr lvl="1"/>
-            <a:r>
-              <a:rPr lang="en-US" dirty="0"/>
-              <a:t>Works at node level</a:t>
+            <a:r>
+              <a:rPr lang="en-US" dirty="0" err="1">
+                <a:solidFill>
+                  <a:srgbClr val="000000"/>
+                </a:solidFill>
+                <a:latin typeface="Cascadia Mono" panose="020B0609020000020004" pitchFamily="49" charset="0"/>
+              </a:rPr>
+              <a:t>builder.Services.AddFusionCache</a:t>
+            </a:r>
+            <a:r>
+              <a:rPr lang="en-US" dirty="0">
+                <a:solidFill>
+                  <a:srgbClr val="000000"/>
+                </a:solidFill>
+                <a:latin typeface="Cascadia Mono" panose="020B0609020000020004" pitchFamily="49" charset="0"/>
+              </a:rPr>
+              <a:t>()</a:t>
+            </a:r>
+            <a:br>
+              <a:rPr lang="en-US" dirty="0">
+                <a:solidFill>
+                  <a:srgbClr val="000000"/>
+                </a:solidFill>
+                <a:latin typeface="Cascadia Mono" panose="020B0609020000020004" pitchFamily="49" charset="0"/>
+              </a:rPr>
+            </a:br>
+            <a:r>
+              <a:rPr lang="en-US" dirty="0">
+                <a:solidFill>
+                  <a:srgbClr val="000000"/>
+                </a:solidFill>
+                <a:latin typeface="Cascadia Mono" panose="020B0609020000020004" pitchFamily="49" charset="0"/>
+              </a:rPr>
+              <a:t>.</a:t>
+            </a:r>
+            <a:r>
+              <a:rPr lang="en-US" dirty="0" err="1">
+                <a:solidFill>
+                  <a:srgbClr val="000000"/>
+                </a:solidFill>
+                <a:latin typeface="Cascadia Mono" panose="020B0609020000020004" pitchFamily="49" charset="0"/>
+              </a:rPr>
+              <a:t>WithDefaultEntryOptions</a:t>
+            </a:r>
+            <a:r>
+              <a:rPr lang="en-US" dirty="0">
+                <a:solidFill>
+                  <a:srgbClr val="000000"/>
+                </a:solidFill>
+                <a:latin typeface="Cascadia Mono" panose="020B0609020000020004" pitchFamily="49" charset="0"/>
+              </a:rPr>
+              <a:t>(</a:t>
+            </a:r>
+            <a:br>
+              <a:rPr lang="en-US" dirty="0">
+                <a:solidFill>
+                  <a:srgbClr val="000000"/>
+                </a:solidFill>
+                <a:latin typeface="Cascadia Mono" panose="020B0609020000020004" pitchFamily="49" charset="0"/>
+              </a:rPr>
+            </a:br>
+            <a:r>
+              <a:rPr lang="en-US" dirty="0">
+                <a:solidFill>
+                  <a:srgbClr val="000000"/>
+                </a:solidFill>
+                <a:latin typeface="Cascadia Mono" panose="020B0609020000020004" pitchFamily="49" charset="0"/>
+              </a:rPr>
+              <a:t>   new </a:t>
+            </a:r>
+            <a:r>
+              <a:rPr lang="en-US" dirty="0" err="1">
+                <a:solidFill>
+                  <a:srgbClr val="000000"/>
+                </a:solidFill>
+                <a:latin typeface="Cascadia Mono" panose="020B0609020000020004" pitchFamily="49" charset="0"/>
+              </a:rPr>
+              <a:t>FusionCacheEntryOptions</a:t>
+            </a:r>
+            <a:r>
+              <a:rPr lang="en-US" dirty="0">
+                <a:solidFill>
+                  <a:srgbClr val="000000"/>
+                </a:solidFill>
+                <a:latin typeface="Cascadia Mono" panose="020B0609020000020004" pitchFamily="49" charset="0"/>
+              </a:rPr>
+              <a:t>{ … })</a:t>
+            </a:r>
+          </a:p>
+          <a:p>
+            <a:r>
+              <a:rPr lang="en-US" dirty="0">
+                <a:solidFill>
+                  <a:srgbClr val="000000"/>
+                </a:solidFill>
+                <a:latin typeface="Cascadia Mono" panose="020B0609020000020004" pitchFamily="49" charset="0"/>
+              </a:rPr>
+              <a:t>.</a:t>
+            </a:r>
+            <a:r>
+              <a:rPr lang="en-US" dirty="0" err="1">
+                <a:solidFill>
+                  <a:srgbClr val="000000"/>
+                </a:solidFill>
+                <a:latin typeface="Cascadia Mono" panose="020B0609020000020004" pitchFamily="49" charset="0"/>
+              </a:rPr>
+              <a:t>WithSerializer</a:t>
+            </a:r>
+            <a:r>
+              <a:rPr lang="en-US" dirty="0">
+                <a:solidFill>
+                  <a:srgbClr val="000000"/>
+                </a:solidFill>
+                <a:latin typeface="Cascadia Mono" panose="020B0609020000020004" pitchFamily="49" charset="0"/>
+              </a:rPr>
+              <a:t>(</a:t>
+            </a:r>
+            <a:br>
+              <a:rPr lang="en-US" dirty="0">
+                <a:solidFill>
+                  <a:srgbClr val="000000"/>
+                </a:solidFill>
+                <a:latin typeface="Cascadia Mono" panose="020B0609020000020004" pitchFamily="49" charset="0"/>
+              </a:rPr>
+            </a:br>
+            <a:r>
+              <a:rPr lang="en-US" dirty="0">
+                <a:solidFill>
+                  <a:srgbClr val="000000"/>
+                </a:solidFill>
+                <a:latin typeface="Cascadia Mono" panose="020B0609020000020004" pitchFamily="49" charset="0"/>
+              </a:rPr>
+              <a:t>   new </a:t>
+            </a:r>
+            <a:r>
+              <a:rPr lang="en-US" dirty="0" err="1">
+                <a:solidFill>
+                  <a:srgbClr val="000000"/>
+                </a:solidFill>
+                <a:latin typeface="Cascadia Mono" panose="020B0609020000020004" pitchFamily="49" charset="0"/>
+              </a:rPr>
+              <a:t>FusionCacheSystemTextJsonSerializer</a:t>
+            </a:r>
+            <a:r>
+              <a:rPr lang="en-US" dirty="0">
+                <a:solidFill>
+                  <a:srgbClr val="000000"/>
+                </a:solidFill>
+                <a:latin typeface="Cascadia Mono" panose="020B0609020000020004" pitchFamily="49" charset="0"/>
+              </a:rPr>
+              <a:t>())</a:t>
+            </a:r>
+          </a:p>
+          <a:p>
+            <a:r>
+              <a:rPr lang="en-US" dirty="0">
+                <a:solidFill>
+                  <a:srgbClr val="000000"/>
+                </a:solidFill>
+                <a:latin typeface="Cascadia Mono" panose="020B0609020000020004" pitchFamily="49" charset="0"/>
+              </a:rPr>
+              <a:t>.</a:t>
+            </a:r>
+            <a:r>
+              <a:rPr lang="en-US" dirty="0" err="1">
+                <a:solidFill>
+                  <a:srgbClr val="000000"/>
+                </a:solidFill>
+                <a:latin typeface="Cascadia Mono" panose="020B0609020000020004" pitchFamily="49" charset="0"/>
+              </a:rPr>
+              <a:t>WithDistributedCache</a:t>
+            </a:r>
+            <a:r>
+              <a:rPr lang="en-US" dirty="0">
+                <a:solidFill>
+                  <a:srgbClr val="000000"/>
+                </a:solidFill>
+                <a:latin typeface="Cascadia Mono" panose="020B0609020000020004" pitchFamily="49" charset="0"/>
+              </a:rPr>
+              <a:t>(</a:t>
+            </a:r>
+          </a:p>
+          <a:p>
+            <a:r>
+              <a:rPr lang="en-US" dirty="0">
+                <a:solidFill>
+                  <a:srgbClr val="000000"/>
+                </a:solidFill>
+                <a:latin typeface="Cascadia Mono" panose="020B0609020000020004" pitchFamily="49" charset="0"/>
+              </a:rPr>
+              <a:t>   new </a:t>
+            </a:r>
+            <a:r>
+              <a:rPr lang="en-US" dirty="0" err="1">
+                <a:solidFill>
+                  <a:srgbClr val="000000"/>
+                </a:solidFill>
+                <a:latin typeface="Cascadia Mono" panose="020B0609020000020004" pitchFamily="49" charset="0"/>
+              </a:rPr>
+              <a:t>RedisCache</a:t>
+            </a:r>
+            <a:r>
+              <a:rPr lang="en-US" dirty="0">
+                <a:solidFill>
+                  <a:srgbClr val="000000"/>
+                </a:solidFill>
+                <a:latin typeface="Cascadia Mono" panose="020B0609020000020004" pitchFamily="49" charset="0"/>
+              </a:rPr>
+              <a:t>(new </a:t>
+            </a:r>
+            <a:r>
+              <a:rPr lang="en-US" dirty="0" err="1">
+                <a:solidFill>
+                  <a:srgbClr val="000000"/>
+                </a:solidFill>
+                <a:latin typeface="Cascadia Mono" panose="020B0609020000020004" pitchFamily="49" charset="0"/>
+              </a:rPr>
+              <a:t>RedisCacheOptions</a:t>
+            </a:r>
+            <a:r>
+              <a:rPr lang="en-US" dirty="0">
+                <a:solidFill>
+                  <a:srgbClr val="000000"/>
+                </a:solidFill>
+                <a:latin typeface="Cascadia Mono" panose="020B0609020000020004" pitchFamily="49" charset="0"/>
+              </a:rPr>
+              <a:t> { </a:t>
+            </a:r>
+            <a:r>
+              <a:rPr lang="en-US" dirty="0" err="1">
+                <a:solidFill>
+                  <a:srgbClr val="000000"/>
+                </a:solidFill>
+                <a:latin typeface="Cascadia Mono" panose="020B0609020000020004" pitchFamily="49" charset="0"/>
+              </a:rPr>
+              <a:t>InstanceName</a:t>
+            </a:r>
+            <a:r>
+              <a:rPr lang="en-US" dirty="0">
+                <a:solidFill>
+                  <a:srgbClr val="000000"/>
+                </a:solidFill>
+                <a:latin typeface="Cascadia Mono" panose="020B0609020000020004" pitchFamily="49" charset="0"/>
+              </a:rPr>
+              <a:t> = "</a:t>
+            </a:r>
+            <a:r>
+              <a:rPr lang="en-US" dirty="0" err="1">
+                <a:solidFill>
+                  <a:srgbClr val="000000"/>
+                </a:solidFill>
+                <a:latin typeface="Cascadia Mono" panose="020B0609020000020004" pitchFamily="49" charset="0"/>
+              </a:rPr>
+              <a:t>fusionCacheApi</a:t>
+            </a:r>
+            <a:r>
+              <a:rPr lang="en-US" dirty="0">
+                <a:solidFill>
+                  <a:srgbClr val="000000"/>
+                </a:solidFill>
+                <a:latin typeface="Cascadia Mono" panose="020B0609020000020004" pitchFamily="49" charset="0"/>
+              </a:rPr>
+              <a:t>",  </a:t>
+            </a:r>
+            <a:br>
+              <a:rPr lang="en-US" dirty="0">
+                <a:solidFill>
+                  <a:srgbClr val="000000"/>
+                </a:solidFill>
+                <a:latin typeface="Cascadia Mono" panose="020B0609020000020004" pitchFamily="49" charset="0"/>
+              </a:rPr>
+            </a:br>
+            <a:r>
+              <a:rPr lang="en-US" dirty="0">
+                <a:solidFill>
+                  <a:srgbClr val="000000"/>
+                </a:solidFill>
+                <a:latin typeface="Cascadia Mono" panose="020B0609020000020004" pitchFamily="49" charset="0"/>
+              </a:rPr>
+              <a:t>    Configuration = </a:t>
+            </a:r>
+            <a:r>
+              <a:rPr lang="en-US" dirty="0" err="1">
+                <a:solidFill>
+                  <a:srgbClr val="000000"/>
+                </a:solidFill>
+                <a:latin typeface="Cascadia Mono" panose="020B0609020000020004" pitchFamily="49" charset="0"/>
+              </a:rPr>
+              <a:t>builder.Configuration</a:t>
+            </a:r>
+            <a:r>
+              <a:rPr lang="en-US" dirty="0">
+                <a:solidFill>
+                  <a:srgbClr val="000000"/>
+                </a:solidFill>
+                <a:latin typeface="Cascadia Mono" panose="020B0609020000020004" pitchFamily="49" charset="0"/>
+              </a:rPr>
+              <a:t>["</a:t>
+            </a:r>
+            <a:r>
+              <a:rPr lang="en-US" dirty="0" err="1">
+                <a:solidFill>
+                  <a:srgbClr val="000000"/>
+                </a:solidFill>
+                <a:latin typeface="Cascadia Mono" panose="020B0609020000020004" pitchFamily="49" charset="0"/>
+              </a:rPr>
+              <a:t>redis:connectionString</a:t>
+            </a:r>
+            <a:r>
+              <a:rPr lang="en-US" dirty="0">
+                <a:solidFill>
+                  <a:srgbClr val="000000"/>
+                </a:solidFill>
+                <a:latin typeface="Cascadia Mono" panose="020B0609020000020004" pitchFamily="49" charset="0"/>
+              </a:rPr>
+              <a:t>"] }))</a:t>
+            </a:r>
+            <a:br>
+              <a:rPr lang="en-US" dirty="0">
+                <a:solidFill>
+                  <a:srgbClr val="000000"/>
+                </a:solidFill>
+                <a:latin typeface="Cascadia Mono" panose="020B0609020000020004" pitchFamily="49" charset="0"/>
+              </a:rPr>
+            </a:br>
+            <a:r>
+              <a:rPr lang="en-US" dirty="0">
+                <a:solidFill>
+                  <a:srgbClr val="000000"/>
+                </a:solidFill>
+                <a:latin typeface="Cascadia Mono" panose="020B0609020000020004" pitchFamily="49" charset="0"/>
+              </a:rPr>
+              <a:t>.</a:t>
+            </a:r>
+            <a:r>
+              <a:rPr lang="en-US" dirty="0" err="1">
+                <a:solidFill>
+                  <a:srgbClr val="000000"/>
+                </a:solidFill>
+                <a:latin typeface="Cascadia Mono" panose="020B0609020000020004" pitchFamily="49" charset="0"/>
+              </a:rPr>
+              <a:t>WithBackplane</a:t>
+            </a:r>
+            <a:r>
+              <a:rPr lang="en-US" dirty="0">
+                <a:solidFill>
+                  <a:srgbClr val="000000"/>
+                </a:solidFill>
+                <a:latin typeface="Cascadia Mono" panose="020B0609020000020004" pitchFamily="49" charset="0"/>
+              </a:rPr>
+              <a:t>(new </a:t>
+            </a:r>
+            <a:r>
+              <a:rPr lang="en-US" dirty="0" err="1">
+                <a:solidFill>
+                  <a:srgbClr val="000000"/>
+                </a:solidFill>
+                <a:latin typeface="Cascadia Mono" panose="020B0609020000020004" pitchFamily="49" charset="0"/>
+              </a:rPr>
+              <a:t>RedisBackplane</a:t>
+            </a:r>
+            <a:r>
+              <a:rPr lang="en-US" dirty="0">
+                <a:solidFill>
+                  <a:srgbClr val="000000"/>
+                </a:solidFill>
+                <a:latin typeface="Cascadia Mono" panose="020B0609020000020004" pitchFamily="49" charset="0"/>
+              </a:rPr>
+              <a:t>(new </a:t>
+            </a:r>
+            <a:r>
+              <a:rPr lang="en-US" dirty="0" err="1">
+                <a:solidFill>
+                  <a:srgbClr val="000000"/>
+                </a:solidFill>
+                <a:latin typeface="Cascadia Mono" panose="020B0609020000020004" pitchFamily="49" charset="0"/>
+              </a:rPr>
+              <a:t>RedisBackplaneOptions</a:t>
+            </a:r>
+            <a:r>
+              <a:rPr lang="en-US" dirty="0">
+                <a:solidFill>
+                  <a:srgbClr val="000000"/>
+                </a:solidFill>
+                <a:latin typeface="Cascadia Mono" panose="020B0609020000020004" pitchFamily="49" charset="0"/>
+              </a:rPr>
+              <a:t>() </a:t>
+            </a:r>
+            <a:br>
+              <a:rPr lang="en-US" dirty="0">
+                <a:solidFill>
+                  <a:srgbClr val="000000"/>
+                </a:solidFill>
+                <a:latin typeface="Cascadia Mono" panose="020B0609020000020004" pitchFamily="49" charset="0"/>
+              </a:rPr>
+            </a:br>
+            <a:r>
+              <a:rPr lang="en-US" dirty="0">
+                <a:solidFill>
+                  <a:srgbClr val="000000"/>
+                </a:solidFill>
+                <a:latin typeface="Cascadia Mono" panose="020B0609020000020004" pitchFamily="49" charset="0"/>
+              </a:rPr>
+              <a:t>   { Configuration = </a:t>
+            </a:r>
+            <a:r>
+              <a:rPr lang="en-US" dirty="0" err="1">
+                <a:solidFill>
+                  <a:srgbClr val="000000"/>
+                </a:solidFill>
+                <a:latin typeface="Cascadia Mono" panose="020B0609020000020004" pitchFamily="49" charset="0"/>
+              </a:rPr>
+              <a:t>builder.Configuration</a:t>
+            </a:r>
+            <a:r>
+              <a:rPr lang="en-US" dirty="0">
+                <a:solidFill>
+                  <a:srgbClr val="000000"/>
+                </a:solidFill>
+                <a:latin typeface="Cascadia Mono" panose="020B0609020000020004" pitchFamily="49" charset="0"/>
+              </a:rPr>
+              <a:t>["</a:t>
+            </a:r>
+            <a:r>
+              <a:rPr lang="en-US" dirty="0" err="1">
+                <a:solidFill>
+                  <a:srgbClr val="000000"/>
+                </a:solidFill>
+                <a:latin typeface="Cascadia Mono" panose="020B0609020000020004" pitchFamily="49" charset="0"/>
+              </a:rPr>
+              <a:t>redis:connectionString</a:t>
+            </a:r>
+            <a:r>
+              <a:rPr lang="en-US" dirty="0">
+                <a:solidFill>
+                  <a:srgbClr val="000000"/>
+                </a:solidFill>
+                <a:latin typeface="Cascadia Mono" panose="020B0609020000020004" pitchFamily="49" charset="0"/>
+              </a:rPr>
+              <a:t>"] })</a:t>
+            </a:r>
+          </a:p>
+          <a:p>
+            <a:r>
+              <a:rPr lang="en-US" dirty="0">
+                <a:solidFill>
+                  <a:srgbClr val="000000"/>
+                </a:solidFill>
+                <a:latin typeface="Cascadia Mono" panose="020B0609020000020004" pitchFamily="49" charset="0"/>
+              </a:rPr>
+              <a:t>);</a:t>
+            </a:r>
+          </a:p>
+        </p:txBody>
+      </p:sp>
+      <p:sp>
+        <p:nvSpPr>
+          <p:cNvPr id="6" name="TextBox 5">
+            <a:extLst>
+              <a:ext uri="{FF2B5EF4-FFF2-40B4-BE49-F238E27FC236}">
+                <a16:creationId xmlns:a16="http://schemas.microsoft.com/office/drawing/2014/main" id="{93F21120-CB5A-3A38-0A8B-99C3B59BFFCD}"/>
+              </a:ext>
+            </a:extLst>
+          </p:cNvPr>
+          <p:cNvSpPr txBox="1"/>
+          <p:nvPr/>
+        </p:nvSpPr>
+        <p:spPr>
+          <a:xfrm>
+            <a:off x="3142695" y="5894773"/>
+            <a:ext cx="8213787" cy="369332"/>
+          </a:xfrm>
+          <a:prstGeom prst="rect">
+            <a:avLst/>
+          </a:prstGeom>
+          <a:noFill/>
+        </p:spPr>
+        <p:txBody>
+          <a:bodyPr wrap="none" rtlCol="0">
+            <a:spAutoFit/>
+          </a:bodyPr>
+          <a:lstStyle/>
+          <a:p>
+            <a:r>
+              <a:rPr lang="en-US" i="1" dirty="0"/>
+              <a:t>Note: no need to register </a:t>
+            </a:r>
+            <a:r>
+              <a:rPr lang="en-US" i="1" dirty="0" err="1"/>
+              <a:t>IMemoryCache</a:t>
+            </a:r>
+            <a:r>
+              <a:rPr lang="en-US" i="1" dirty="0"/>
+              <a:t> and (Redis) </a:t>
+            </a:r>
+            <a:r>
+              <a:rPr lang="en-US" i="1" dirty="0" err="1"/>
+              <a:t>IDistributedCache</a:t>
+            </a:r>
+            <a:r>
+              <a:rPr lang="en-US" i="1" dirty="0"/>
+              <a:t> explicitly</a:t>
             </a:r>
           </a:p>
         </p:txBody>
@@ -5624,7 +5335,7 @@
     </p:spTree>
     <p:extLst>
       <p:ext uri="{BB962C8B-B14F-4D97-AF65-F5344CB8AC3E}">
-        <p14:creationId xmlns:p14="http://schemas.microsoft.com/office/powerpoint/2010/main" val="1377340055"/>
+        <p14:creationId xmlns:p14="http://schemas.microsoft.com/office/powerpoint/2010/main" val="891413980"/>
       </p:ext>
     </p:extLst>
   </p:cSld>
@@ -5656,7 +5367,7 @@
           <p:cNvPr id="2" name="Title 1">
             <a:extLst>
               <a:ext uri="{FF2B5EF4-FFF2-40B4-BE49-F238E27FC236}">
-                <a16:creationId xmlns:a16="http://schemas.microsoft.com/office/drawing/2014/main" id="{13E90545-37A9-9A12-6B57-3878A0D8242E}"/>
+                <a16:creationId xmlns:a16="http://schemas.microsoft.com/office/drawing/2014/main" id="{6DA7CF98-B5C3-6707-D594-BAB3B1E1E832}"/>
               </a:ext>
             </a:extLst>
           </p:cNvPr>
@@ -5668,6 +5379,39 @@
           </p:nvPr>
         </p:nvSpPr>
         <p:spPr/>
+        <p:txBody>
+          <a:bodyPr/>
+          <a:lstStyle/>
+          <a:p>
+            <a:r>
+              <a:rPr lang="en-US" dirty="0"/>
+              <a:t>Introduction to fusion cache</a:t>
+            </a:r>
+          </a:p>
+        </p:txBody>
+      </p:sp>
+      <p:sp>
+        <p:nvSpPr>
+          <p:cNvPr id="3" name="Content Placeholder 2">
+            <a:extLst>
+              <a:ext uri="{FF2B5EF4-FFF2-40B4-BE49-F238E27FC236}">
+                <a16:creationId xmlns:a16="http://schemas.microsoft.com/office/drawing/2014/main" id="{4EE2669E-596B-E86E-E0E5-C04B6F827164}"/>
+              </a:ext>
+            </a:extLst>
+          </p:cNvPr>
+          <p:cNvSpPr>
+            <a:spLocks noGrp="1"/>
+          </p:cNvSpPr>
+          <p:nvPr>
+            <p:ph idx="1"/>
+          </p:nvPr>
+        </p:nvSpPr>
+        <p:spPr>
+          <a:xfrm>
+            <a:off x="838200" y="1328475"/>
+            <a:ext cx="10515600" cy="4351338"/>
+          </a:xfrm>
+        </p:spPr>
         <p:txBody>
           <a:bodyPr>
             <a:normAutofit/>
@@ -5675,77 +5419,107 @@
           <a:lstStyle/>
           <a:p>
             <a:r>
-              <a:rPr lang="en-US" dirty="0" err="1">
-                <a:latin typeface="+mn-lt"/>
-                <a:ea typeface="+mn-ea"/>
-                <a:cs typeface="+mn-cs"/>
-              </a:rPr>
+              <a:rPr lang="en-US" dirty="0" err="1"/>
+              <a:t>IFusionCache</a:t>
+            </a:r>
+            <a:r>
+              <a:rPr lang="en-US" dirty="0"/>
+              <a:t>: the interface to have injected</a:t>
+            </a:r>
+          </a:p>
+          <a:p>
+            <a:r>
+              <a:rPr lang="en-US" dirty="0"/>
+              <a:t>The main api: </a:t>
+            </a:r>
+            <a:r>
+              <a:rPr lang="en-US" dirty="0" err="1"/>
+              <a:t>GetOrSet</a:t>
+            </a:r>
+            <a:r>
+              <a:rPr lang="en-US" dirty="0"/>
+              <a:t>(Async), it requires </a:t>
+            </a:r>
+          </a:p>
+          <a:p>
+            <a:pPr lvl="1"/>
+            <a:r>
+              <a:rPr lang="en-US" dirty="0"/>
+              <a:t>Function to get the data is there is a cache miss</a:t>
+            </a:r>
+          </a:p>
+          <a:p>
+            <a:pPr lvl="1"/>
+            <a:r>
+              <a:rPr lang="en-US" dirty="0"/>
+              <a:t>Optional </a:t>
+            </a:r>
+            <a:r>
+              <a:rPr lang="en-US" i="1" dirty="0" err="1"/>
               <a:t>FusionCacheEntryOptions</a:t>
             </a:r>
-            <a:endParaRPr lang="en-US" dirty="0">
-              <a:latin typeface="+mn-lt"/>
-              <a:ea typeface="+mn-ea"/>
-              <a:cs typeface="+mn-cs"/>
-            </a:endParaRPr>
-          </a:p>
-        </p:txBody>
-      </p:sp>
-      <p:sp>
-        <p:nvSpPr>
-          <p:cNvPr id="3" name="Content Placeholder 2">
-            <a:extLst>
-              <a:ext uri="{FF2B5EF4-FFF2-40B4-BE49-F238E27FC236}">
-                <a16:creationId xmlns:a16="http://schemas.microsoft.com/office/drawing/2014/main" id="{6AE67887-6B6F-F9BE-2C73-350D2F504680}"/>
-              </a:ext>
-            </a:extLst>
-          </p:cNvPr>
-          <p:cNvSpPr>
-            <a:spLocks noGrp="1"/>
-          </p:cNvSpPr>
-          <p:nvPr>
-            <p:ph idx="1"/>
-          </p:nvPr>
-        </p:nvSpPr>
-        <p:spPr/>
-        <p:txBody>
-          <a:bodyPr>
-            <a:normAutofit/>
-          </a:bodyPr>
-          <a:lstStyle/>
-          <a:p>
+            <a:r>
+              <a:rPr lang="en-US" sz="2400" dirty="0">
+                <a:solidFill>
+                  <a:srgbClr val="000000"/>
+                </a:solidFill>
+                <a:latin typeface="Cascadia Mono" panose="020B0609020000020004" pitchFamily="49" charset="0"/>
+              </a:rPr>
+              <a:t> </a:t>
+            </a:r>
+            <a:r>
+              <a:rPr lang="en-US" dirty="0"/>
+              <a:t>(if not provided a default one registered at startup is used)</a:t>
+            </a:r>
+          </a:p>
+          <a:p>
+            <a:pPr lvl="2"/>
+            <a:r>
+              <a:rPr lang="en-US" dirty="0"/>
+              <a:t>Duration</a:t>
+            </a:r>
+          </a:p>
+          <a:p>
+            <a:pPr lvl="2"/>
             <a:r>
               <a:rPr lang="en-US" dirty="0" err="1"/>
-              <a:t>FactoryHardTimeout</a:t>
-            </a:r>
+              <a:t>DistributedCacheDuration</a:t>
+            </a:r>
+            <a:r>
+              <a:rPr lang="en-US" dirty="0"/>
+              <a:t> (optional) </a:t>
+            </a:r>
+          </a:p>
+          <a:p>
+            <a:pPr lvl="2"/>
+            <a:r>
+              <a:rPr lang="en-US" dirty="0" err="1"/>
+              <a:t>JitterMaxDuration</a:t>
+            </a:r>
+            <a:r>
+              <a:rPr lang="en-US" dirty="0"/>
+              <a:t> (introduce a degree of randomization in the expiration)</a:t>
+            </a:r>
+          </a:p>
+          <a:p>
+            <a:pPr lvl="2"/>
+            <a:r>
+              <a:rPr lang="en-US" dirty="0"/>
+              <a:t>..and many others we will cover in next slides </a:t>
+            </a:r>
+          </a:p>
+          <a:p>
             <a:endParaRPr lang="en-US" dirty="0"/>
           </a:p>
           <a:p>
-            <a:pPr lvl="1"/>
-            <a:r>
-              <a:rPr lang="en-US" dirty="0"/>
-              <a:t>Return exception if factory takes longer then the specified value (more on it later)</a:t>
-            </a:r>
-          </a:p>
-          <a:p>
-            <a:r>
-              <a:rPr lang="en-US" dirty="0" err="1"/>
-              <a:t>AllowTimedOutFactoryBackgroundCompletion</a:t>
-            </a:r>
             <a:endParaRPr lang="en-US" dirty="0"/>
-          </a:p>
-          <a:p>
-            <a:pPr lvl="1"/>
-            <a:r>
-              <a:rPr lang="en-US" dirty="0"/>
-              <a:t>Enabled by default, lets the timed-out factory keep running in the background and update the cached value as soon as it finishes</a:t>
-            </a:r>
           </a:p>
         </p:txBody>
       </p:sp>
     </p:spTree>
     <p:extLst>
       <p:ext uri="{BB962C8B-B14F-4D97-AF65-F5344CB8AC3E}">
-        <p14:creationId xmlns:p14="http://schemas.microsoft.com/office/powerpoint/2010/main" val="2190221231"/>
+        <p14:creationId xmlns:p14="http://schemas.microsoft.com/office/powerpoint/2010/main" val="2609270308"/>
       </p:ext>
     </p:extLst>
   </p:cSld>
@@ -5777,7 +5551,7 @@
           <p:cNvPr id="2" name="Title 1">
             <a:extLst>
               <a:ext uri="{FF2B5EF4-FFF2-40B4-BE49-F238E27FC236}">
-                <a16:creationId xmlns:a16="http://schemas.microsoft.com/office/drawing/2014/main" id="{6DA7CF98-B5C3-6707-D594-BAB3B1E1E832}"/>
+                <a16:creationId xmlns:a16="http://schemas.microsoft.com/office/drawing/2014/main" id="{A57B7226-9247-96BB-DF72-85A4234DFF1A}"/>
               </a:ext>
             </a:extLst>
           </p:cNvPr>
@@ -5793,124 +5567,321 @@
           <a:bodyPr/>
           <a:lstStyle/>
           <a:p>
-            <a:r>
-              <a:rPr lang="en-US" dirty="0"/>
-              <a:t>Fail-Safe</a:t>
-            </a:r>
-            <a:br>
-              <a:rPr lang="en-US" dirty="0"/>
-            </a:br>
+            <a:endParaRPr lang="en-US"/>
+          </a:p>
+        </p:txBody>
+      </p:sp>
+      <p:sp>
+        <p:nvSpPr>
+          <p:cNvPr id="3" name="Content Placeholder 2">
+            <a:extLst>
+              <a:ext uri="{FF2B5EF4-FFF2-40B4-BE49-F238E27FC236}">
+                <a16:creationId xmlns:a16="http://schemas.microsoft.com/office/drawing/2014/main" id="{A03C34F7-5129-D41E-31EA-C959A4DA021D}"/>
+              </a:ext>
+            </a:extLst>
+          </p:cNvPr>
+          <p:cNvSpPr>
+            <a:spLocks noGrp="1"/>
+          </p:cNvSpPr>
+          <p:nvPr>
+            <p:ph idx="1"/>
+          </p:nvPr>
+        </p:nvSpPr>
+        <p:spPr/>
+        <p:txBody>
+          <a:bodyPr/>
+          <a:lstStyle/>
+          <a:p>
             <a:endParaRPr lang="en-US" dirty="0"/>
           </a:p>
         </p:txBody>
       </p:sp>
       <p:sp>
         <p:nvSpPr>
-          <p:cNvPr id="3" name="Content Placeholder 2">
-            <a:extLst>
-              <a:ext uri="{FF2B5EF4-FFF2-40B4-BE49-F238E27FC236}">
-                <a16:creationId xmlns:a16="http://schemas.microsoft.com/office/drawing/2014/main" id="{4EE2669E-596B-E86E-E0E5-C04B6F827164}"/>
-              </a:ext>
-            </a:extLst>
-          </p:cNvPr>
-          <p:cNvSpPr>
-            <a:spLocks noGrp="1"/>
-          </p:cNvSpPr>
-          <p:nvPr>
-            <p:ph idx="1"/>
-          </p:nvPr>
+          <p:cNvPr id="4" name="TextBox 3">
+            <a:extLst>
+              <a:ext uri="{FF2B5EF4-FFF2-40B4-BE49-F238E27FC236}">
+                <a16:creationId xmlns:a16="http://schemas.microsoft.com/office/drawing/2014/main" id="{BB7C8D49-C6C3-3F18-E18D-A174359898DC}"/>
+              </a:ext>
+            </a:extLst>
+          </p:cNvPr>
+          <p:cNvSpPr txBox="1"/>
+          <p:nvPr/>
         </p:nvSpPr>
         <p:spPr>
           <a:xfrm>
-            <a:off x="838200" y="1356585"/>
-            <a:ext cx="10515600" cy="4909351"/>
+            <a:off x="573358" y="2602914"/>
+            <a:ext cx="9922909" cy="2308324"/>
           </a:xfrm>
+          <a:prstGeom prst="rect">
+            <a:avLst/>
+          </a:prstGeom>
+          <a:noFill/>
         </p:spPr>
         <p:txBody>
-          <a:bodyPr>
-            <a:normAutofit/>
+          <a:bodyPr wrap="none" rtlCol="0">
+            <a:spAutoFit/>
           </a:bodyPr>
           <a:lstStyle/>
           <a:p>
-            <a:pPr lvl="1"/>
-            <a:r>
-              <a:rPr lang="en-US" dirty="0"/>
-              <a:t>Provide expired values if origin fails or takes too long to reply (times out)</a:t>
-            </a:r>
-          </a:p>
-          <a:p>
-            <a:pPr lvl="1"/>
-            <a:r>
-              <a:rPr lang="en-US" dirty="0" err="1"/>
-              <a:t>IsFailSafeEnabled</a:t>
-            </a:r>
-            <a:r>
-              <a:rPr lang="en-US" dirty="0"/>
-              <a:t> </a:t>
-            </a:r>
-          </a:p>
-          <a:p>
-            <a:pPr lvl="1"/>
-            <a:r>
-              <a:rPr lang="en-US" dirty="0" err="1"/>
-              <a:t>FailSafeMaxDuration</a:t>
-            </a:r>
-            <a:r>
-              <a:rPr lang="en-US" dirty="0"/>
-              <a:t> (internally extend the cache duration to this value)</a:t>
-            </a:r>
-          </a:p>
-          <a:p>
-            <a:pPr lvl="1"/>
-            <a:r>
-              <a:rPr lang="en-US" dirty="0" err="1"/>
-              <a:t>FailSafeThrottleDuration</a:t>
-            </a:r>
-            <a:endParaRPr lang="en-US" dirty="0"/>
-          </a:p>
-          <a:p>
-            <a:pPr lvl="1"/>
-            <a:r>
-              <a:rPr lang="en-US" dirty="0" err="1"/>
-              <a:t>FactorySoftTimeout</a:t>
-            </a:r>
-            <a:r>
-              <a:rPr lang="en-US" dirty="0"/>
-              <a:t>: (apply when failsafe is true only) will return expired entry (if any) if factory takes longer than this value </a:t>
-            </a:r>
-          </a:p>
-          <a:p>
-            <a:pPr lvl="1"/>
-            <a:r>
-              <a:rPr lang="en-US" dirty="0" err="1"/>
-              <a:t>FailSafe</a:t>
-            </a:r>
-            <a:r>
-              <a:rPr lang="en-US" dirty="0"/>
-              <a:t> Default Value is specified </a:t>
-            </a:r>
-          </a:p>
-          <a:p>
-            <a:pPr lvl="2"/>
-            <a:r>
-              <a:rPr lang="en-US" sz="2400" dirty="0"/>
-              <a:t>Returns the default if no value is present in the internal cache and (</a:t>
-            </a:r>
-            <a:r>
-              <a:rPr lang="en-US" sz="2400" dirty="0" err="1"/>
-              <a:t>FactoryHardTimeout</a:t>
-            </a:r>
-            <a:r>
-              <a:rPr lang="en-US" sz="2400" dirty="0"/>
-              <a:t> has passed, or an exception is thrown in the factory) </a:t>
-            </a:r>
+            <a:r>
+              <a:rPr lang="en-US" sz="1600" dirty="0">
+                <a:solidFill>
+                  <a:srgbClr val="000000"/>
+                </a:solidFill>
+                <a:latin typeface="Cascadia Mono" panose="020B0609020000020004" pitchFamily="49" charset="0"/>
+              </a:rPr>
+              <a:t>[</a:t>
+            </a:r>
+            <a:r>
+              <a:rPr lang="en-US" sz="1600" dirty="0" err="1">
+                <a:solidFill>
+                  <a:srgbClr val="000000"/>
+                </a:solidFill>
+                <a:latin typeface="Cascadia Mono" panose="020B0609020000020004" pitchFamily="49" charset="0"/>
+              </a:rPr>
+              <a:t>HttpGet</a:t>
+            </a:r>
+            <a:r>
+              <a:rPr lang="en-US" sz="1600" dirty="0">
+                <a:solidFill>
+                  <a:srgbClr val="000000"/>
+                </a:solidFill>
+                <a:latin typeface="Cascadia Mono" panose="020B0609020000020004" pitchFamily="49" charset="0"/>
+              </a:rPr>
+              <a:t>(template: "get-or-set-cache-entry-raw", Name = "</a:t>
+            </a:r>
+            <a:r>
+              <a:rPr lang="en-US" sz="1600" dirty="0" err="1">
+                <a:solidFill>
+                  <a:srgbClr val="000000"/>
+                </a:solidFill>
+                <a:latin typeface="Cascadia Mono" panose="020B0609020000020004" pitchFamily="49" charset="0"/>
+              </a:rPr>
+              <a:t>GetOrSetCacheEntryRaw</a:t>
+            </a:r>
+            <a:r>
+              <a:rPr lang="en-US" sz="1600" dirty="0">
+                <a:solidFill>
+                  <a:srgbClr val="000000"/>
+                </a:solidFill>
+                <a:latin typeface="Cascadia Mono" panose="020B0609020000020004" pitchFamily="49" charset="0"/>
+              </a:rPr>
+              <a:t>")]</a:t>
+            </a:r>
+          </a:p>
+          <a:p>
+            <a:r>
+              <a:rPr lang="en-US" sz="1600" dirty="0">
+                <a:solidFill>
+                  <a:srgbClr val="000000"/>
+                </a:solidFill>
+                <a:latin typeface="Cascadia Mono" panose="020B0609020000020004" pitchFamily="49" charset="0"/>
+              </a:rPr>
+              <a:t> public async Task&lt;string&gt; </a:t>
+            </a:r>
+            <a:r>
+              <a:rPr lang="en-US" sz="1600" dirty="0" err="1">
+                <a:solidFill>
+                  <a:srgbClr val="000000"/>
+                </a:solidFill>
+                <a:latin typeface="Cascadia Mono" panose="020B0609020000020004" pitchFamily="49" charset="0"/>
+              </a:rPr>
+              <a:t>GetCacheEntryRaw</a:t>
+            </a:r>
+            <a:r>
+              <a:rPr lang="en-US" sz="1600" dirty="0">
+                <a:solidFill>
+                  <a:srgbClr val="000000"/>
+                </a:solidFill>
+                <a:latin typeface="Cascadia Mono" panose="020B0609020000020004" pitchFamily="49" charset="0"/>
+              </a:rPr>
+              <a:t>(string value) {</a:t>
+            </a:r>
+          </a:p>
+          <a:p>
+            <a:r>
+              <a:rPr lang="en-US" sz="1600" dirty="0">
+                <a:solidFill>
+                  <a:srgbClr val="000000"/>
+                </a:solidFill>
+                <a:latin typeface="Cascadia Mono" panose="020B0609020000020004" pitchFamily="49" charset="0"/>
+              </a:rPr>
+              <a:t>     var ret = await _</a:t>
+            </a:r>
+            <a:r>
+              <a:rPr lang="en-US" sz="1600" dirty="0" err="1">
+                <a:solidFill>
+                  <a:srgbClr val="000000"/>
+                </a:solidFill>
+                <a:latin typeface="Cascadia Mono" panose="020B0609020000020004" pitchFamily="49" charset="0"/>
+              </a:rPr>
+              <a:t>fusionCache.GetOrSetAsync</a:t>
+            </a:r>
+            <a:r>
+              <a:rPr lang="en-US" sz="1600" dirty="0">
+                <a:solidFill>
+                  <a:srgbClr val="000000"/>
+                </a:solidFill>
+                <a:latin typeface="Cascadia Mono" panose="020B0609020000020004" pitchFamily="49" charset="0"/>
+              </a:rPr>
+              <a:t>("cache-entry", </a:t>
+            </a:r>
+            <a:br>
+              <a:rPr lang="en-US" sz="1600" dirty="0">
+                <a:solidFill>
+                  <a:srgbClr val="000000"/>
+                </a:solidFill>
+                <a:latin typeface="Cascadia Mono" panose="020B0609020000020004" pitchFamily="49" charset="0"/>
+              </a:rPr>
+            </a:br>
+            <a:r>
+              <a:rPr lang="en-US" sz="1600" b="1" i="1" dirty="0">
+                <a:solidFill>
+                  <a:srgbClr val="000000"/>
+                </a:solidFill>
+                <a:latin typeface="Cascadia Mono" panose="020B0609020000020004" pitchFamily="49" charset="0"/>
+              </a:rPr>
+              <a:t>      		async _ =&gt; await </a:t>
+            </a:r>
+            <a:r>
+              <a:rPr lang="en-US" sz="1600" b="1" i="1" dirty="0" err="1">
+                <a:solidFill>
+                  <a:srgbClr val="000000"/>
+                </a:solidFill>
+                <a:latin typeface="Cascadia Mono" panose="020B0609020000020004" pitchFamily="49" charset="0"/>
+              </a:rPr>
+              <a:t>Task.FromResult</a:t>
+            </a:r>
+            <a:r>
+              <a:rPr lang="en-US" sz="1600" b="1" i="1" dirty="0">
+                <a:solidFill>
+                  <a:srgbClr val="000000"/>
+                </a:solidFill>
+                <a:latin typeface="Cascadia Mono" panose="020B0609020000020004" pitchFamily="49" charset="0"/>
+              </a:rPr>
+              <a:t>(value)</a:t>
+            </a:r>
+            <a:br>
+              <a:rPr lang="en-US" sz="1600" b="1" i="1" dirty="0">
+                <a:solidFill>
+                  <a:srgbClr val="000000"/>
+                </a:solidFill>
+                <a:latin typeface="Cascadia Mono" panose="020B0609020000020004" pitchFamily="49" charset="0"/>
+              </a:rPr>
+            </a:br>
+            <a:r>
+              <a:rPr lang="en-US" sz="1600" b="1" i="1" dirty="0">
+                <a:solidFill>
+                  <a:srgbClr val="000000"/>
+                </a:solidFill>
+                <a:latin typeface="Cascadia Mono" panose="020B0609020000020004" pitchFamily="49" charset="0"/>
+              </a:rPr>
+              <a:t>      </a:t>
+            </a:r>
+            <a:r>
+              <a:rPr lang="en-US" sz="1600" dirty="0">
+                <a:solidFill>
+                  <a:srgbClr val="000000"/>
+                </a:solidFill>
+                <a:latin typeface="Cascadia Mono" panose="020B0609020000020004" pitchFamily="49" charset="0"/>
+              </a:rPr>
+              <a:t>,new </a:t>
+            </a:r>
+            <a:r>
+              <a:rPr lang="en-US" sz="1600" dirty="0" err="1">
+                <a:solidFill>
+                  <a:srgbClr val="000000"/>
+                </a:solidFill>
+                <a:latin typeface="Cascadia Mono" panose="020B0609020000020004" pitchFamily="49" charset="0"/>
+              </a:rPr>
+              <a:t>FusionCacheEntryOptions</a:t>
+            </a:r>
+            <a:r>
+              <a:rPr lang="en-US" sz="1600" dirty="0">
+                <a:solidFill>
+                  <a:srgbClr val="000000"/>
+                </a:solidFill>
+                <a:latin typeface="Cascadia Mono" panose="020B0609020000020004" pitchFamily="49" charset="0"/>
+              </a:rPr>
+              <a:t> {</a:t>
+            </a:r>
+          </a:p>
+          <a:p>
+            <a:r>
+              <a:rPr lang="en-US" sz="1600" dirty="0">
+                <a:solidFill>
+                  <a:srgbClr val="000000"/>
+                </a:solidFill>
+                <a:latin typeface="Cascadia Mono" panose="020B0609020000020004" pitchFamily="49" charset="0"/>
+              </a:rPr>
+              <a:t>         Duration= </a:t>
+            </a:r>
+            <a:r>
+              <a:rPr lang="en-US" sz="1600" dirty="0" err="1">
+                <a:solidFill>
+                  <a:srgbClr val="000000"/>
+                </a:solidFill>
+                <a:latin typeface="Cascadia Mono" panose="020B0609020000020004" pitchFamily="49" charset="0"/>
+              </a:rPr>
+              <a:t>TimeSpan.FromMinutes</a:t>
+            </a:r>
+            <a:r>
+              <a:rPr lang="en-US" sz="1600" dirty="0">
+                <a:solidFill>
+                  <a:srgbClr val="000000"/>
+                </a:solidFill>
+                <a:latin typeface="Cascadia Mono" panose="020B0609020000020004" pitchFamily="49" charset="0"/>
+              </a:rPr>
+              <a:t>(1)}</a:t>
+            </a:r>
+            <a:br>
+              <a:rPr lang="en-US" sz="1600" dirty="0">
+                <a:solidFill>
+                  <a:srgbClr val="000000"/>
+                </a:solidFill>
+                <a:latin typeface="Cascadia Mono" panose="020B0609020000020004" pitchFamily="49" charset="0"/>
+              </a:rPr>
+            </a:br>
+            <a:r>
+              <a:rPr lang="en-US" sz="1600" dirty="0">
+                <a:solidFill>
+                  <a:srgbClr val="000000"/>
+                </a:solidFill>
+                <a:latin typeface="Cascadia Mono" panose="020B0609020000020004" pitchFamily="49" charset="0"/>
+              </a:rPr>
+              <a:t>     );</a:t>
+            </a:r>
+          </a:p>
+          <a:p>
+            <a:r>
+              <a:rPr lang="en-US" sz="1600" dirty="0">
+                <a:solidFill>
+                  <a:srgbClr val="000000"/>
+                </a:solidFill>
+                <a:latin typeface="Cascadia Mono" panose="020B0609020000020004" pitchFamily="49" charset="0"/>
+              </a:rPr>
+              <a:t>     return ret;</a:t>
+            </a:r>
+          </a:p>
+          <a:p>
+            <a:r>
+              <a:rPr lang="en-US" sz="1600" dirty="0">
+                <a:solidFill>
+                  <a:srgbClr val="000000"/>
+                </a:solidFill>
+                <a:latin typeface="Cascadia Mono" panose="020B0609020000020004" pitchFamily="49" charset="0"/>
+              </a:rPr>
+              <a:t> }</a:t>
+            </a:r>
+            <a:endParaRPr lang="en-US" sz="1600" dirty="0"/>
           </a:p>
         </p:txBody>
       </p:sp>
     </p:spTree>
     <p:extLst>
       <p:ext uri="{BB962C8B-B14F-4D97-AF65-F5344CB8AC3E}">
-        <p14:creationId xmlns:p14="http://schemas.microsoft.com/office/powerpoint/2010/main" val="3492176054"/>
+        <p14:creationId xmlns:p14="http://schemas.microsoft.com/office/powerpoint/2010/main" val="1651941946"/>
       </p:ext>
     </p:extLst>
   </p:cSld>
@@ -5960,7 +5931,7 @@
           <a:p>
             <a:r>
               <a:rPr lang="en-US" dirty="0"/>
-              <a:t>Adaptive Caching</a:t>
+              <a:t>Cache stampede</a:t>
             </a:r>
           </a:p>
         </p:txBody>
@@ -5988,23 +5959,40 @@
           </a:bodyPr>
           <a:lstStyle/>
           <a:p>
+            <a:pPr lvl="1"/>
             <a:r>
               <a:rPr lang="en-US" dirty="0"/>
-              <a:t>Custom caching duration </a:t>
-            </a:r>
-          </a:p>
-          <a:p>
-            <a:endParaRPr lang="en-US" dirty="0"/>
-          </a:p>
-          <a:p>
-            <a:endParaRPr lang="en-US" dirty="0"/>
+              <a:t>Avoid "All" rush to origin to get same key when it expires (see demo). </a:t>
+            </a:r>
+            <a:r>
+              <a:rPr lang="en-US" dirty="0" err="1"/>
+              <a:t>JitterMaxDuration</a:t>
+            </a:r>
+            <a:r>
+              <a:rPr lang="en-US" dirty="0"/>
+              <a:t> mitigate the problem, still ..</a:t>
+            </a:r>
+          </a:p>
+          <a:p>
+            <a:pPr lvl="1"/>
+            <a:r>
+              <a:rPr lang="en-US" dirty="0"/>
+              <a:t>Fusion cache will not call the same factory more than once concurrently</a:t>
+            </a:r>
+          </a:p>
+          <a:p>
+            <a:pPr lvl="1"/>
+            <a:r>
+              <a:rPr lang="en-US" dirty="0"/>
+              <a:t>Works at node level</a:t>
+            </a:r>
           </a:p>
         </p:txBody>
       </p:sp>
     </p:spTree>
     <p:extLst>
       <p:ext uri="{BB962C8B-B14F-4D97-AF65-F5344CB8AC3E}">
-        <p14:creationId xmlns:p14="http://schemas.microsoft.com/office/powerpoint/2010/main" val="1560423962"/>
+        <p14:creationId xmlns:p14="http://schemas.microsoft.com/office/powerpoint/2010/main" val="1377340055"/>
       </p:ext>
     </p:extLst>
   </p:cSld>
@@ -6143,7 +6131,7 @@
           <p:cNvPr id="2" name="Title 1">
             <a:extLst>
               <a:ext uri="{FF2B5EF4-FFF2-40B4-BE49-F238E27FC236}">
-                <a16:creationId xmlns:a16="http://schemas.microsoft.com/office/drawing/2014/main" id="{6DA7CF98-B5C3-6707-D594-BAB3B1E1E832}"/>
+                <a16:creationId xmlns:a16="http://schemas.microsoft.com/office/drawing/2014/main" id="{13E90545-37A9-9A12-6B57-3878A0D8242E}"/>
               </a:ext>
             </a:extLst>
           </p:cNvPr>
@@ -6152,34 +6140,6 @@
           </p:cNvSpPr>
           <p:nvPr>
             <p:ph type="title"/>
-          </p:nvPr>
-        </p:nvSpPr>
-        <p:spPr/>
-        <p:txBody>
-          <a:bodyPr/>
-          <a:lstStyle/>
-          <a:p>
-            <a:r>
-              <a:rPr lang="en-US" dirty="0"/>
-              <a:t>Named caches</a:t>
-            </a:r>
-          </a:p>
-        </p:txBody>
-      </p:sp>
-      <p:sp>
-        <p:nvSpPr>
-          <p:cNvPr id="3" name="Content Placeholder 2">
-            <a:extLst>
-              <a:ext uri="{FF2B5EF4-FFF2-40B4-BE49-F238E27FC236}">
-                <a16:creationId xmlns:a16="http://schemas.microsoft.com/office/drawing/2014/main" id="{4EE2669E-596B-E86E-E0E5-C04B6F827164}"/>
-              </a:ext>
-            </a:extLst>
-          </p:cNvPr>
-          <p:cNvSpPr>
-            <a:spLocks noGrp="1"/>
-          </p:cNvSpPr>
-          <p:nvPr>
-            <p:ph idx="1"/>
           </p:nvPr>
         </p:nvSpPr>
         <p:spPr/>
@@ -6189,221 +6149,78 @@
           </a:bodyPr>
           <a:lstStyle/>
           <a:p>
+            <a:r>
+              <a:rPr lang="en-US" dirty="0" err="1">
+                <a:latin typeface="+mn-lt"/>
+                <a:ea typeface="+mn-ea"/>
+                <a:cs typeface="+mn-cs"/>
+              </a:rPr>
+              <a:t>FusionCacheEntryOptions</a:t>
+            </a:r>
+            <a:endParaRPr lang="en-US" dirty="0">
+              <a:latin typeface="+mn-lt"/>
+              <a:ea typeface="+mn-ea"/>
+              <a:cs typeface="+mn-cs"/>
+            </a:endParaRPr>
+          </a:p>
+        </p:txBody>
+      </p:sp>
+      <p:sp>
+        <p:nvSpPr>
+          <p:cNvPr id="3" name="Content Placeholder 2">
+            <a:extLst>
+              <a:ext uri="{FF2B5EF4-FFF2-40B4-BE49-F238E27FC236}">
+                <a16:creationId xmlns:a16="http://schemas.microsoft.com/office/drawing/2014/main" id="{6AE67887-6B6F-F9BE-2C73-350D2F504680}"/>
+              </a:ext>
+            </a:extLst>
+          </p:cNvPr>
+          <p:cNvSpPr>
+            <a:spLocks noGrp="1"/>
+          </p:cNvSpPr>
+          <p:nvPr>
+            <p:ph idx="1"/>
+          </p:nvPr>
+        </p:nvSpPr>
+        <p:spPr/>
+        <p:txBody>
+          <a:bodyPr>
+            <a:normAutofit/>
+          </a:bodyPr>
+          <a:lstStyle/>
+          <a:p>
+            <a:r>
+              <a:rPr lang="en-US" dirty="0" err="1"/>
+              <a:t>FactoryHardTimeout</a:t>
+            </a:r>
             <a:endParaRPr lang="en-US" dirty="0"/>
           </a:p>
-        </p:txBody>
-      </p:sp>
-      <p:sp>
-        <p:nvSpPr>
-          <p:cNvPr id="4" name="TextBox 3">
-            <a:extLst>
-              <a:ext uri="{FF2B5EF4-FFF2-40B4-BE49-F238E27FC236}">
-                <a16:creationId xmlns:a16="http://schemas.microsoft.com/office/drawing/2014/main" id="{762E7DA3-44D7-43E5-7A5B-C029F065E7C4}"/>
-              </a:ext>
-            </a:extLst>
-          </p:cNvPr>
-          <p:cNvSpPr txBox="1"/>
-          <p:nvPr/>
-        </p:nvSpPr>
-        <p:spPr>
-          <a:xfrm>
-            <a:off x="1033670" y="2969812"/>
-            <a:ext cx="9891422" cy="2339102"/>
-          </a:xfrm>
-          <a:prstGeom prst="rect">
-            <a:avLst/>
-          </a:prstGeom>
-          <a:noFill/>
-        </p:spPr>
-        <p:txBody>
-          <a:bodyPr wrap="square" rtlCol="0">
-            <a:spAutoFit/>
-          </a:bodyPr>
-          <a:lstStyle/>
-          <a:p>
-            <a:r>
-              <a:rPr lang="en-US" sz="1600" dirty="0">
-                <a:solidFill>
-                  <a:srgbClr val="000000"/>
-                </a:solidFill>
-                <a:latin typeface="Cascadia Mono" panose="020B0609020000020004" pitchFamily="49" charset="0"/>
-              </a:rPr>
-              <a:t>// startup </a:t>
-            </a:r>
-            <a:br>
-              <a:rPr lang="en-US" sz="1600" dirty="0">
-                <a:solidFill>
-                  <a:srgbClr val="000000"/>
-                </a:solidFill>
-                <a:latin typeface="Cascadia Mono" panose="020B0609020000020004" pitchFamily="49" charset="0"/>
-              </a:rPr>
-            </a:br>
-            <a:r>
-              <a:rPr lang="en-US" sz="1600" dirty="0" err="1">
-                <a:solidFill>
-                  <a:srgbClr val="000000"/>
-                </a:solidFill>
-                <a:latin typeface="Cascadia Mono" panose="020B0609020000020004" pitchFamily="49" charset="0"/>
-              </a:rPr>
-              <a:t>services.AddFusionCache</a:t>
-            </a:r>
-            <a:r>
-              <a:rPr lang="en-US" sz="1600" dirty="0">
-                <a:solidFill>
-                  <a:srgbClr val="000000"/>
-                </a:solidFill>
-                <a:latin typeface="Cascadia Mono" panose="020B0609020000020004" pitchFamily="49" charset="0"/>
-              </a:rPr>
-              <a:t>("Products");</a:t>
-            </a:r>
-            <a:br>
-              <a:rPr lang="en-US" sz="1600" dirty="0">
-                <a:solidFill>
-                  <a:srgbClr val="000000"/>
-                </a:solidFill>
-                <a:latin typeface="Cascadia Mono" panose="020B0609020000020004" pitchFamily="49" charset="0"/>
-              </a:rPr>
-            </a:br>
-            <a:endParaRPr lang="en-US" sz="1600" dirty="0">
-              <a:solidFill>
-                <a:srgbClr val="000000"/>
-              </a:solidFill>
-              <a:latin typeface="Cascadia Mono" panose="020B0609020000020004" pitchFamily="49" charset="0"/>
-            </a:endParaRPr>
-          </a:p>
-          <a:p>
-            <a:endParaRPr lang="en-US" sz="1600" dirty="0">
-              <a:solidFill>
-                <a:srgbClr val="000000"/>
-              </a:solidFill>
-              <a:latin typeface="Cascadia Mono" panose="020B0609020000020004" pitchFamily="49" charset="0"/>
-            </a:endParaRPr>
-          </a:p>
-          <a:p>
-            <a:r>
-              <a:rPr lang="en-US" sz="1600" dirty="0">
-                <a:solidFill>
-                  <a:srgbClr val="000000"/>
-                </a:solidFill>
-                <a:latin typeface="Cascadia Mono" panose="020B0609020000020004" pitchFamily="49" charset="0"/>
-              </a:rPr>
-              <a:t>public </a:t>
-            </a:r>
-            <a:r>
-              <a:rPr lang="en-US" sz="1600" dirty="0" err="1">
-                <a:solidFill>
-                  <a:srgbClr val="000000"/>
-                </a:solidFill>
-                <a:latin typeface="Cascadia Mono" panose="020B0609020000020004" pitchFamily="49" charset="0"/>
-              </a:rPr>
-              <a:t>MyController</a:t>
-            </a:r>
-            <a:r>
-              <a:rPr lang="en-US" sz="1600" dirty="0">
-                <a:solidFill>
-                  <a:srgbClr val="000000"/>
-                </a:solidFill>
-                <a:latin typeface="Cascadia Mono" panose="020B0609020000020004" pitchFamily="49" charset="0"/>
-              </a:rPr>
-              <a:t>(</a:t>
-            </a:r>
-            <a:r>
-              <a:rPr lang="en-US" sz="1600" dirty="0" err="1">
-                <a:solidFill>
-                  <a:srgbClr val="000000"/>
-                </a:solidFill>
-                <a:latin typeface="Cascadia Mono" panose="020B0609020000020004" pitchFamily="49" charset="0"/>
-              </a:rPr>
-              <a:t>IFusionCacheProvider</a:t>
-            </a:r>
-            <a:r>
-              <a:rPr lang="en-US" sz="1600" dirty="0">
-                <a:solidFill>
-                  <a:srgbClr val="000000"/>
-                </a:solidFill>
-                <a:latin typeface="Cascadia Mono" panose="020B0609020000020004" pitchFamily="49" charset="0"/>
-              </a:rPr>
-              <a:t> </a:t>
-            </a:r>
-            <a:r>
-              <a:rPr lang="en-US" sz="1600" dirty="0" err="1">
-                <a:solidFill>
-                  <a:srgbClr val="000000"/>
-                </a:solidFill>
-                <a:latin typeface="Cascadia Mono" panose="020B0609020000020004" pitchFamily="49" charset="0"/>
-              </a:rPr>
-              <a:t>cacheProvider</a:t>
-            </a:r>
-            <a:r>
-              <a:rPr lang="en-US" sz="1600" dirty="0">
-                <a:solidFill>
-                  <a:srgbClr val="000000"/>
-                </a:solidFill>
-                <a:latin typeface="Cascadia Mono" panose="020B0609020000020004" pitchFamily="49" charset="0"/>
-              </a:rPr>
-              <a:t>)</a:t>
-            </a:r>
-          </a:p>
-          <a:p>
-            <a:r>
-              <a:rPr lang="en-US" sz="1600" dirty="0">
-                <a:solidFill>
-                  <a:srgbClr val="000000"/>
-                </a:solidFill>
-                <a:latin typeface="Cascadia Mono" panose="020B0609020000020004" pitchFamily="49" charset="0"/>
-              </a:rPr>
-              <a:t>    {</a:t>
-            </a:r>
-          </a:p>
-          <a:p>
-            <a:r>
-              <a:rPr lang="en-US" sz="1600" dirty="0">
-                <a:solidFill>
-                  <a:srgbClr val="000000"/>
-                </a:solidFill>
-                <a:latin typeface="Cascadia Mono" panose="020B0609020000020004" pitchFamily="49" charset="0"/>
-              </a:rPr>
-              <a:t>        _cache = </a:t>
-            </a:r>
-            <a:r>
-              <a:rPr lang="en-US" sz="1600" dirty="0" err="1">
-                <a:solidFill>
-                  <a:srgbClr val="000000"/>
-                </a:solidFill>
-                <a:latin typeface="Cascadia Mono" panose="020B0609020000020004" pitchFamily="49" charset="0"/>
-              </a:rPr>
-              <a:t>cacheProvider.GetCache</a:t>
-            </a:r>
-            <a:r>
-              <a:rPr lang="en-US" sz="1600" dirty="0">
-                <a:solidFill>
-                  <a:srgbClr val="000000"/>
-                </a:solidFill>
-                <a:latin typeface="Cascadia Mono" panose="020B0609020000020004" pitchFamily="49" charset="0"/>
-              </a:rPr>
-              <a:t>("Products");</a:t>
-            </a:r>
-          </a:p>
-          <a:p>
-            <a:r>
-              <a:rPr lang="en-US" sz="1600" dirty="0">
-                <a:solidFill>
-                  <a:srgbClr val="000000"/>
-                </a:solidFill>
-                <a:latin typeface="Cascadia Mono" panose="020B0609020000020004" pitchFamily="49" charset="0"/>
-              </a:rPr>
-              <a:t>    }</a:t>
-            </a:r>
-          </a:p>
-          <a:p>
+          <a:p>
+            <a:pPr lvl="1"/>
+            <a:r>
+              <a:rPr lang="en-US" dirty="0"/>
+              <a:t>Return exception if factory takes longer then the specified value (more on it later)</a:t>
+            </a:r>
+          </a:p>
+          <a:p>
+            <a:r>
+              <a:rPr lang="en-US" dirty="0" err="1"/>
+              <a:t>AllowTimedOutFactoryBackgroundCompletion</a:t>
+            </a:r>
             <a:endParaRPr lang="en-US" dirty="0"/>
+          </a:p>
+          <a:p>
+            <a:pPr lvl="1"/>
+            <a:r>
+              <a:rPr lang="en-US" dirty="0"/>
+              <a:t>Enabled by default, lets the timed-out factory keep running in the background and update the cached value as soon as it finishes</a:t>
+            </a:r>
           </a:p>
         </p:txBody>
       </p:sp>
     </p:spTree>
     <p:extLst>
       <p:ext uri="{BB962C8B-B14F-4D97-AF65-F5344CB8AC3E}">
-        <p14:creationId xmlns:p14="http://schemas.microsoft.com/office/powerpoint/2010/main" val="2753430410"/>
+        <p14:creationId xmlns:p14="http://schemas.microsoft.com/office/powerpoint/2010/main" val="2190221231"/>
       </p:ext>
     </p:extLst>
   </p:cSld>
@@ -6453,8 +6270,12 @@
           <a:p>
             <a:r>
               <a:rPr lang="en-US" dirty="0"/>
-              <a:t>Backplane</a:t>
-            </a:r>
+              <a:t>Fail-Safe</a:t>
+            </a:r>
+            <a:br>
+              <a:rPr lang="en-US" dirty="0"/>
+            </a:br>
+            <a:endParaRPr lang="en-US" dirty="0"/>
           </a:p>
         </p:txBody>
       </p:sp>
@@ -6474,36 +6295,97 @@
             <p:ph idx="1"/>
           </p:nvPr>
         </p:nvSpPr>
-        <p:spPr/>
+        <p:spPr>
+          <a:xfrm>
+            <a:off x="838200" y="1356585"/>
+            <a:ext cx="10515600" cy="4909351"/>
+          </a:xfrm>
+        </p:spPr>
         <p:txBody>
           <a:bodyPr>
             <a:normAutofit/>
           </a:bodyPr>
           <a:lstStyle/>
           <a:p>
+            <a:pPr lvl="1"/>
             <a:r>
               <a:rPr lang="en-US" dirty="0"/>
-              <a:t>Sync values across nodes (in-memory cache) </a:t>
-            </a:r>
-          </a:p>
-          <a:p>
+              <a:t>Provide expired values if origin fails or takes too long to reply (times out)</a:t>
+            </a:r>
+          </a:p>
+          <a:p>
+            <a:pPr lvl="1"/>
+            <a:r>
+              <a:rPr lang="en-US" dirty="0" err="1"/>
+              <a:t>IsFailSafeEnabled</a:t>
+            </a:r>
             <a:r>
               <a:rPr lang="en-US" dirty="0"/>
-              <a:t>Need Redis for the pub-sub</a:t>
-            </a:r>
-          </a:p>
-          <a:p>
+              <a:t> </a:t>
+            </a:r>
+          </a:p>
+          <a:p>
+            <a:pPr lvl="1"/>
+            <a:r>
+              <a:rPr lang="en-US" dirty="0" err="1"/>
+              <a:t>FailSafeMaxDuration</a:t>
+            </a:r>
+            <a:r>
+              <a:rPr lang="en-US" dirty="0"/>
+              <a:t> (internally extend the cache duration to this value)</a:t>
+            </a:r>
+          </a:p>
+          <a:p>
+            <a:pPr lvl="1"/>
+            <a:r>
+              <a:rPr lang="en-US" dirty="0" err="1"/>
+              <a:t>FailSafeThrottleDuration</a:t>
+            </a:r>
             <a:endParaRPr lang="en-US" dirty="0"/>
           </a:p>
           <a:p>
-            <a:endParaRPr lang="en-US" dirty="0"/>
+            <a:pPr lvl="1"/>
+            <a:r>
+              <a:rPr lang="en-US" dirty="0" err="1"/>
+              <a:t>FactorySoftTimeout</a:t>
+            </a:r>
+            <a:r>
+              <a:rPr lang="en-US" dirty="0"/>
+              <a:t>: (apply when failsafe is true only) will return expired entry (if any) if factory takes longer than this value </a:t>
+            </a:r>
+          </a:p>
+          <a:p>
+            <a:pPr lvl="1"/>
+            <a:r>
+              <a:rPr lang="en-US" dirty="0" err="1"/>
+              <a:t>FailSafe</a:t>
+            </a:r>
+            <a:r>
+              <a:rPr lang="en-US" dirty="0"/>
+              <a:t> Default Value is specified </a:t>
+            </a:r>
+          </a:p>
+          <a:p>
+            <a:pPr lvl="2"/>
+            <a:r>
+              <a:rPr lang="en-US" sz="2400" dirty="0"/>
+              <a:t>Returns the default if no value is present in the internal cache and (</a:t>
+            </a:r>
+            <a:r>
+              <a:rPr lang="en-US" sz="2400" dirty="0" err="1"/>
+              <a:t>FactoryHardTimeout</a:t>
+            </a:r>
+            <a:r>
+              <a:rPr lang="en-US" sz="2400" dirty="0"/>
+              <a:t> has passed, or an exception is thrown in the factory) </a:t>
+            </a:r>
           </a:p>
         </p:txBody>
       </p:sp>
     </p:spTree>
     <p:extLst>
       <p:ext uri="{BB962C8B-B14F-4D97-AF65-F5344CB8AC3E}">
-        <p14:creationId xmlns:p14="http://schemas.microsoft.com/office/powerpoint/2010/main" val="3582380574"/>
+        <p14:creationId xmlns:p14="http://schemas.microsoft.com/office/powerpoint/2010/main" val="3492176054"/>
       </p:ext>
     </p:extLst>
   </p:cSld>
@@ -6535,7 +6417,7 @@
           <p:cNvPr id="2" name="Title 1">
             <a:extLst>
               <a:ext uri="{FF2B5EF4-FFF2-40B4-BE49-F238E27FC236}">
-                <a16:creationId xmlns:a16="http://schemas.microsoft.com/office/drawing/2014/main" id="{DEC2DADE-FA92-A304-D559-D197F850CC0B}"/>
+                <a16:creationId xmlns:a16="http://schemas.microsoft.com/office/drawing/2014/main" id="{6DA7CF98-B5C3-6707-D594-BAB3B1E1E832}"/>
               </a:ext>
             </a:extLst>
           </p:cNvPr>
@@ -6553,7 +6435,7 @@
           <a:p>
             <a:r>
               <a:rPr lang="en-US" dirty="0"/>
-              <a:t>Plugins</a:t>
+              <a:t>Adaptive Caching</a:t>
             </a:r>
           </a:p>
         </p:txBody>
@@ -6563,7 +6445,7 @@
           <p:cNvPr id="3" name="Content Placeholder 2">
             <a:extLst>
               <a:ext uri="{FF2B5EF4-FFF2-40B4-BE49-F238E27FC236}">
-                <a16:creationId xmlns:a16="http://schemas.microsoft.com/office/drawing/2014/main" id="{E06809C9-DCCC-61BB-9AED-AAEF6DBE8B71}"/>
+                <a16:creationId xmlns:a16="http://schemas.microsoft.com/office/drawing/2014/main" id="{4EE2669E-596B-E86E-E0E5-C04B6F827164}"/>
               </a:ext>
             </a:extLst>
           </p:cNvPr>
@@ -6574,84 +6456,30 @@
             <p:ph idx="1"/>
           </p:nvPr>
         </p:nvSpPr>
-        <p:spPr>
-          <a:xfrm>
-            <a:off x="838200" y="1407381"/>
-            <a:ext cx="10515600" cy="4769582"/>
-          </a:xfrm>
-        </p:spPr>
+        <p:spPr/>
         <p:txBody>
           <a:bodyPr>
-            <a:normAutofit lnSpcReduction="10000"/>
+            <a:normAutofit/>
           </a:bodyPr>
           <a:lstStyle/>
           <a:p>
-            <a:endParaRPr lang="en-US" dirty="0">
-              <a:solidFill>
-                <a:srgbClr val="FF0000"/>
-              </a:solidFill>
-            </a:endParaRPr>
-          </a:p>
-          <a:p>
-            <a:r>
-              <a:rPr lang="en-US" sz="3000" dirty="0"/>
-              <a:t>Listen to events</a:t>
-            </a:r>
-          </a:p>
-          <a:p>
-            <a:pPr lvl="1"/>
-            <a:r>
-              <a:rPr lang="en-US" sz="2600" dirty="0"/>
-              <a:t>Hit: when a value was in the cache (there's also a flag to indicate if the data was stale or not)</a:t>
-            </a:r>
-          </a:p>
-          <a:p>
-            <a:pPr lvl="1"/>
-            <a:r>
-              <a:rPr lang="en-US" sz="2600" dirty="0"/>
-              <a:t>Miss: when a value was not in the cache</a:t>
-            </a:r>
-          </a:p>
-          <a:p>
-            <a:pPr lvl="1"/>
-            <a:r>
-              <a:rPr lang="en-US" sz="2600" dirty="0"/>
-              <a:t>Remove: when an entry has been removed</a:t>
-            </a:r>
-          </a:p>
-          <a:p>
-            <a:pPr lvl="1"/>
-            <a:r>
-              <a:rPr lang="en-US" sz="2600" dirty="0"/>
-              <a:t>Eviction: when an eviction occurred, along with the reason (only for the memory level)</a:t>
-            </a:r>
-          </a:p>
-          <a:p>
-            <a:pPr lvl="1"/>
-            <a:r>
-              <a:rPr lang="en-US" sz="2600" dirty="0" err="1"/>
-              <a:t>FailSafeActivation</a:t>
-            </a:r>
-            <a:r>
-              <a:rPr lang="en-US" sz="2600" dirty="0"/>
-              <a:t>: when the fail-safe mechanism kicked in</a:t>
-            </a:r>
-          </a:p>
-          <a:p>
-            <a:endParaRPr lang="en-US" sz="3000" dirty="0"/>
-          </a:p>
-          <a:p>
-            <a:r>
-              <a:rPr lang="en-US" sz="3000" dirty="0"/>
-              <a:t>Run in background </a:t>
-            </a:r>
+            <a:r>
+              <a:rPr lang="en-US" dirty="0"/>
+              <a:t>Custom caching duration </a:t>
+            </a:r>
+          </a:p>
+          <a:p>
+            <a:endParaRPr lang="en-US" dirty="0"/>
+          </a:p>
+          <a:p>
+            <a:endParaRPr lang="en-US" dirty="0"/>
           </a:p>
         </p:txBody>
       </p:sp>
     </p:spTree>
     <p:extLst>
       <p:ext uri="{BB962C8B-B14F-4D97-AF65-F5344CB8AC3E}">
-        <p14:creationId xmlns:p14="http://schemas.microsoft.com/office/powerpoint/2010/main" val="3045623098"/>
+        <p14:creationId xmlns:p14="http://schemas.microsoft.com/office/powerpoint/2010/main" val="1560423962"/>
       </p:ext>
     </p:extLst>
   </p:cSld>
@@ -6680,6 +6508,546 @@
       </p:grpSpPr>
       <p:sp>
         <p:nvSpPr>
+          <p:cNvPr id="2" name="Title 1">
+            <a:extLst>
+              <a:ext uri="{FF2B5EF4-FFF2-40B4-BE49-F238E27FC236}">
+                <a16:creationId xmlns:a16="http://schemas.microsoft.com/office/drawing/2014/main" id="{6DA7CF98-B5C3-6707-D594-BAB3B1E1E832}"/>
+              </a:ext>
+            </a:extLst>
+          </p:cNvPr>
+          <p:cNvSpPr>
+            <a:spLocks noGrp="1"/>
+          </p:cNvSpPr>
+          <p:nvPr>
+            <p:ph type="title"/>
+          </p:nvPr>
+        </p:nvSpPr>
+        <p:spPr/>
+        <p:txBody>
+          <a:bodyPr/>
+          <a:lstStyle/>
+          <a:p>
+            <a:r>
+              <a:rPr lang="en-US" dirty="0"/>
+              <a:t>Named caches</a:t>
+            </a:r>
+          </a:p>
+        </p:txBody>
+      </p:sp>
+      <p:sp>
+        <p:nvSpPr>
+          <p:cNvPr id="3" name="Content Placeholder 2">
+            <a:extLst>
+              <a:ext uri="{FF2B5EF4-FFF2-40B4-BE49-F238E27FC236}">
+                <a16:creationId xmlns:a16="http://schemas.microsoft.com/office/drawing/2014/main" id="{4EE2669E-596B-E86E-E0E5-C04B6F827164}"/>
+              </a:ext>
+            </a:extLst>
+          </p:cNvPr>
+          <p:cNvSpPr>
+            <a:spLocks noGrp="1"/>
+          </p:cNvSpPr>
+          <p:nvPr>
+            <p:ph idx="1"/>
+          </p:nvPr>
+        </p:nvSpPr>
+        <p:spPr/>
+        <p:txBody>
+          <a:bodyPr>
+            <a:normAutofit/>
+          </a:bodyPr>
+          <a:lstStyle/>
+          <a:p>
+            <a:endParaRPr lang="en-US" dirty="0"/>
+          </a:p>
+        </p:txBody>
+      </p:sp>
+      <p:sp>
+        <p:nvSpPr>
+          <p:cNvPr id="4" name="TextBox 3">
+            <a:extLst>
+              <a:ext uri="{FF2B5EF4-FFF2-40B4-BE49-F238E27FC236}">
+                <a16:creationId xmlns:a16="http://schemas.microsoft.com/office/drawing/2014/main" id="{762E7DA3-44D7-43E5-7A5B-C029F065E7C4}"/>
+              </a:ext>
+            </a:extLst>
+          </p:cNvPr>
+          <p:cNvSpPr txBox="1"/>
+          <p:nvPr/>
+        </p:nvSpPr>
+        <p:spPr>
+          <a:xfrm>
+            <a:off x="1033670" y="2969812"/>
+            <a:ext cx="9891422" cy="2339102"/>
+          </a:xfrm>
+          <a:prstGeom prst="rect">
+            <a:avLst/>
+          </a:prstGeom>
+          <a:noFill/>
+        </p:spPr>
+        <p:txBody>
+          <a:bodyPr wrap="square" rtlCol="0">
+            <a:spAutoFit/>
+          </a:bodyPr>
+          <a:lstStyle/>
+          <a:p>
+            <a:r>
+              <a:rPr lang="en-US" sz="1600" dirty="0">
+                <a:solidFill>
+                  <a:srgbClr val="000000"/>
+                </a:solidFill>
+                <a:latin typeface="Cascadia Mono" panose="020B0609020000020004" pitchFamily="49" charset="0"/>
+              </a:rPr>
+              <a:t>// startup </a:t>
+            </a:r>
+            <a:br>
+              <a:rPr lang="en-US" sz="1600" dirty="0">
+                <a:solidFill>
+                  <a:srgbClr val="000000"/>
+                </a:solidFill>
+                <a:latin typeface="Cascadia Mono" panose="020B0609020000020004" pitchFamily="49" charset="0"/>
+              </a:rPr>
+            </a:br>
+            <a:r>
+              <a:rPr lang="en-US" sz="1600" dirty="0" err="1">
+                <a:solidFill>
+                  <a:srgbClr val="000000"/>
+                </a:solidFill>
+                <a:latin typeface="Cascadia Mono" panose="020B0609020000020004" pitchFamily="49" charset="0"/>
+              </a:rPr>
+              <a:t>services.AddFusionCache</a:t>
+            </a:r>
+            <a:r>
+              <a:rPr lang="en-US" sz="1600" dirty="0">
+                <a:solidFill>
+                  <a:srgbClr val="000000"/>
+                </a:solidFill>
+                <a:latin typeface="Cascadia Mono" panose="020B0609020000020004" pitchFamily="49" charset="0"/>
+              </a:rPr>
+              <a:t>("Products");</a:t>
+            </a:r>
+            <a:br>
+              <a:rPr lang="en-US" sz="1600" dirty="0">
+                <a:solidFill>
+                  <a:srgbClr val="000000"/>
+                </a:solidFill>
+                <a:latin typeface="Cascadia Mono" panose="020B0609020000020004" pitchFamily="49" charset="0"/>
+              </a:rPr>
+            </a:br>
+            <a:endParaRPr lang="en-US" sz="1600" dirty="0">
+              <a:solidFill>
+                <a:srgbClr val="000000"/>
+              </a:solidFill>
+              <a:latin typeface="Cascadia Mono" panose="020B0609020000020004" pitchFamily="49" charset="0"/>
+            </a:endParaRPr>
+          </a:p>
+          <a:p>
+            <a:endParaRPr lang="en-US" sz="1600" dirty="0">
+              <a:solidFill>
+                <a:srgbClr val="000000"/>
+              </a:solidFill>
+              <a:latin typeface="Cascadia Mono" panose="020B0609020000020004" pitchFamily="49" charset="0"/>
+            </a:endParaRPr>
+          </a:p>
+          <a:p>
+            <a:r>
+              <a:rPr lang="en-US" sz="1600" dirty="0">
+                <a:solidFill>
+                  <a:srgbClr val="000000"/>
+                </a:solidFill>
+                <a:latin typeface="Cascadia Mono" panose="020B0609020000020004" pitchFamily="49" charset="0"/>
+              </a:rPr>
+              <a:t>public </a:t>
+            </a:r>
+            <a:r>
+              <a:rPr lang="en-US" sz="1600" dirty="0" err="1">
+                <a:solidFill>
+                  <a:srgbClr val="000000"/>
+                </a:solidFill>
+                <a:latin typeface="Cascadia Mono" panose="020B0609020000020004" pitchFamily="49" charset="0"/>
+              </a:rPr>
+              <a:t>MyController</a:t>
+            </a:r>
+            <a:r>
+              <a:rPr lang="en-US" sz="1600" dirty="0">
+                <a:solidFill>
+                  <a:srgbClr val="000000"/>
+                </a:solidFill>
+                <a:latin typeface="Cascadia Mono" panose="020B0609020000020004" pitchFamily="49" charset="0"/>
+              </a:rPr>
+              <a:t>(</a:t>
+            </a:r>
+            <a:r>
+              <a:rPr lang="en-US" sz="1600" dirty="0" err="1">
+                <a:solidFill>
+                  <a:srgbClr val="000000"/>
+                </a:solidFill>
+                <a:latin typeface="Cascadia Mono" panose="020B0609020000020004" pitchFamily="49" charset="0"/>
+              </a:rPr>
+              <a:t>IFusionCacheProvider</a:t>
+            </a:r>
+            <a:r>
+              <a:rPr lang="en-US" sz="1600" dirty="0">
+                <a:solidFill>
+                  <a:srgbClr val="000000"/>
+                </a:solidFill>
+                <a:latin typeface="Cascadia Mono" panose="020B0609020000020004" pitchFamily="49" charset="0"/>
+              </a:rPr>
+              <a:t> </a:t>
+            </a:r>
+            <a:r>
+              <a:rPr lang="en-US" sz="1600" dirty="0" err="1">
+                <a:solidFill>
+                  <a:srgbClr val="000000"/>
+                </a:solidFill>
+                <a:latin typeface="Cascadia Mono" panose="020B0609020000020004" pitchFamily="49" charset="0"/>
+              </a:rPr>
+              <a:t>cacheProvider</a:t>
+            </a:r>
+            <a:r>
+              <a:rPr lang="en-US" sz="1600" dirty="0">
+                <a:solidFill>
+                  <a:srgbClr val="000000"/>
+                </a:solidFill>
+                <a:latin typeface="Cascadia Mono" panose="020B0609020000020004" pitchFamily="49" charset="0"/>
+              </a:rPr>
+              <a:t>)</a:t>
+            </a:r>
+          </a:p>
+          <a:p>
+            <a:r>
+              <a:rPr lang="en-US" sz="1600" dirty="0">
+                <a:solidFill>
+                  <a:srgbClr val="000000"/>
+                </a:solidFill>
+                <a:latin typeface="Cascadia Mono" panose="020B0609020000020004" pitchFamily="49" charset="0"/>
+              </a:rPr>
+              <a:t>    {</a:t>
+            </a:r>
+          </a:p>
+          <a:p>
+            <a:r>
+              <a:rPr lang="en-US" sz="1600" dirty="0">
+                <a:solidFill>
+                  <a:srgbClr val="000000"/>
+                </a:solidFill>
+                <a:latin typeface="Cascadia Mono" panose="020B0609020000020004" pitchFamily="49" charset="0"/>
+              </a:rPr>
+              <a:t>        _cache = </a:t>
+            </a:r>
+            <a:r>
+              <a:rPr lang="en-US" sz="1600" dirty="0" err="1">
+                <a:solidFill>
+                  <a:srgbClr val="000000"/>
+                </a:solidFill>
+                <a:latin typeface="Cascadia Mono" panose="020B0609020000020004" pitchFamily="49" charset="0"/>
+              </a:rPr>
+              <a:t>cacheProvider.GetCache</a:t>
+            </a:r>
+            <a:r>
+              <a:rPr lang="en-US" sz="1600" dirty="0">
+                <a:solidFill>
+                  <a:srgbClr val="000000"/>
+                </a:solidFill>
+                <a:latin typeface="Cascadia Mono" panose="020B0609020000020004" pitchFamily="49" charset="0"/>
+              </a:rPr>
+              <a:t>("Products");</a:t>
+            </a:r>
+          </a:p>
+          <a:p>
+            <a:r>
+              <a:rPr lang="en-US" sz="1600" dirty="0">
+                <a:solidFill>
+                  <a:srgbClr val="000000"/>
+                </a:solidFill>
+                <a:latin typeface="Cascadia Mono" panose="020B0609020000020004" pitchFamily="49" charset="0"/>
+              </a:rPr>
+              <a:t>    }</a:t>
+            </a:r>
+          </a:p>
+          <a:p>
+            <a:endParaRPr lang="en-US" dirty="0"/>
+          </a:p>
+        </p:txBody>
+      </p:sp>
+    </p:spTree>
+    <p:extLst>
+      <p:ext uri="{BB962C8B-B14F-4D97-AF65-F5344CB8AC3E}">
+        <p14:creationId xmlns:p14="http://schemas.microsoft.com/office/powerpoint/2010/main" val="2753430410"/>
+      </p:ext>
+    </p:extLst>
+  </p:cSld>
+  <p:clrMapOvr>
+    <a:masterClrMapping/>
+  </p:clrMapOvr>
+</p:sld>
+</file>
+
+<file path=ppt/slides/slide24.xml><?xml version="1.0" encoding="utf-8"?>
+<p:sld xmlns:a="http://schemas.openxmlformats.org/drawingml/2006/main" xmlns:r="http://schemas.openxmlformats.org/officeDocument/2006/relationships" xmlns:p="http://schemas.openxmlformats.org/presentationml/2006/main">
+  <p:cSld>
+    <p:spTree>
+      <p:nvGrpSpPr>
+        <p:cNvPr id="1" name=""/>
+        <p:cNvGrpSpPr/>
+        <p:nvPr/>
+      </p:nvGrpSpPr>
+      <p:grpSpPr>
+        <a:xfrm>
+          <a:off x="0" y="0"/>
+          <a:ext cx="0" cy="0"/>
+          <a:chOff x="0" y="0"/>
+          <a:chExt cx="0" cy="0"/>
+        </a:xfrm>
+      </p:grpSpPr>
+      <p:sp>
+        <p:nvSpPr>
+          <p:cNvPr id="2" name="Title 1">
+            <a:extLst>
+              <a:ext uri="{FF2B5EF4-FFF2-40B4-BE49-F238E27FC236}">
+                <a16:creationId xmlns:a16="http://schemas.microsoft.com/office/drawing/2014/main" id="{6DA7CF98-B5C3-6707-D594-BAB3B1E1E832}"/>
+              </a:ext>
+            </a:extLst>
+          </p:cNvPr>
+          <p:cNvSpPr>
+            <a:spLocks noGrp="1"/>
+          </p:cNvSpPr>
+          <p:nvPr>
+            <p:ph type="title"/>
+          </p:nvPr>
+        </p:nvSpPr>
+        <p:spPr/>
+        <p:txBody>
+          <a:bodyPr/>
+          <a:lstStyle/>
+          <a:p>
+            <a:r>
+              <a:rPr lang="en-US" dirty="0"/>
+              <a:t>Backplane</a:t>
+            </a:r>
+          </a:p>
+        </p:txBody>
+      </p:sp>
+      <p:sp>
+        <p:nvSpPr>
+          <p:cNvPr id="3" name="Content Placeholder 2">
+            <a:extLst>
+              <a:ext uri="{FF2B5EF4-FFF2-40B4-BE49-F238E27FC236}">
+                <a16:creationId xmlns:a16="http://schemas.microsoft.com/office/drawing/2014/main" id="{4EE2669E-596B-E86E-E0E5-C04B6F827164}"/>
+              </a:ext>
+            </a:extLst>
+          </p:cNvPr>
+          <p:cNvSpPr>
+            <a:spLocks noGrp="1"/>
+          </p:cNvSpPr>
+          <p:nvPr>
+            <p:ph idx="1"/>
+          </p:nvPr>
+        </p:nvSpPr>
+        <p:spPr/>
+        <p:txBody>
+          <a:bodyPr>
+            <a:normAutofit/>
+          </a:bodyPr>
+          <a:lstStyle/>
+          <a:p>
+            <a:r>
+              <a:rPr lang="en-US" dirty="0"/>
+              <a:t>Sync values across nodes (in-memory cache) </a:t>
+            </a:r>
+          </a:p>
+          <a:p>
+            <a:r>
+              <a:rPr lang="en-US" dirty="0"/>
+              <a:t>Need Redis for the pub-sub</a:t>
+            </a:r>
+          </a:p>
+          <a:p>
+            <a:endParaRPr lang="en-US" dirty="0"/>
+          </a:p>
+          <a:p>
+            <a:endParaRPr lang="en-US" dirty="0"/>
+          </a:p>
+        </p:txBody>
+      </p:sp>
+    </p:spTree>
+    <p:extLst>
+      <p:ext uri="{BB962C8B-B14F-4D97-AF65-F5344CB8AC3E}">
+        <p14:creationId xmlns:p14="http://schemas.microsoft.com/office/powerpoint/2010/main" val="3582380574"/>
+      </p:ext>
+    </p:extLst>
+  </p:cSld>
+  <p:clrMapOvr>
+    <a:masterClrMapping/>
+  </p:clrMapOvr>
+</p:sld>
+</file>
+
+<file path=ppt/slides/slide25.xml><?xml version="1.0" encoding="utf-8"?>
+<p:sld xmlns:a="http://schemas.openxmlformats.org/drawingml/2006/main" xmlns:r="http://schemas.openxmlformats.org/officeDocument/2006/relationships" xmlns:p="http://schemas.openxmlformats.org/presentationml/2006/main">
+  <p:cSld>
+    <p:spTree>
+      <p:nvGrpSpPr>
+        <p:cNvPr id="1" name=""/>
+        <p:cNvGrpSpPr/>
+        <p:nvPr/>
+      </p:nvGrpSpPr>
+      <p:grpSpPr>
+        <a:xfrm>
+          <a:off x="0" y="0"/>
+          <a:ext cx="0" cy="0"/>
+          <a:chOff x="0" y="0"/>
+          <a:chExt cx="0" cy="0"/>
+        </a:xfrm>
+      </p:grpSpPr>
+      <p:sp>
+        <p:nvSpPr>
+          <p:cNvPr id="2" name="Title 1">
+            <a:extLst>
+              <a:ext uri="{FF2B5EF4-FFF2-40B4-BE49-F238E27FC236}">
+                <a16:creationId xmlns:a16="http://schemas.microsoft.com/office/drawing/2014/main" id="{DEC2DADE-FA92-A304-D559-D197F850CC0B}"/>
+              </a:ext>
+            </a:extLst>
+          </p:cNvPr>
+          <p:cNvSpPr>
+            <a:spLocks noGrp="1"/>
+          </p:cNvSpPr>
+          <p:nvPr>
+            <p:ph type="title"/>
+          </p:nvPr>
+        </p:nvSpPr>
+        <p:spPr/>
+        <p:txBody>
+          <a:bodyPr/>
+          <a:lstStyle/>
+          <a:p>
+            <a:r>
+              <a:rPr lang="en-US" dirty="0"/>
+              <a:t>Plugins</a:t>
+            </a:r>
+          </a:p>
+        </p:txBody>
+      </p:sp>
+      <p:sp>
+        <p:nvSpPr>
+          <p:cNvPr id="3" name="Content Placeholder 2">
+            <a:extLst>
+              <a:ext uri="{FF2B5EF4-FFF2-40B4-BE49-F238E27FC236}">
+                <a16:creationId xmlns:a16="http://schemas.microsoft.com/office/drawing/2014/main" id="{E06809C9-DCCC-61BB-9AED-AAEF6DBE8B71}"/>
+              </a:ext>
+            </a:extLst>
+          </p:cNvPr>
+          <p:cNvSpPr>
+            <a:spLocks noGrp="1"/>
+          </p:cNvSpPr>
+          <p:nvPr>
+            <p:ph idx="1"/>
+          </p:nvPr>
+        </p:nvSpPr>
+        <p:spPr>
+          <a:xfrm>
+            <a:off x="838200" y="1407381"/>
+            <a:ext cx="10515600" cy="4769582"/>
+          </a:xfrm>
+        </p:spPr>
+        <p:txBody>
+          <a:bodyPr>
+            <a:normAutofit lnSpcReduction="10000"/>
+          </a:bodyPr>
+          <a:lstStyle/>
+          <a:p>
+            <a:endParaRPr lang="en-US" dirty="0">
+              <a:solidFill>
+                <a:srgbClr val="FF0000"/>
+              </a:solidFill>
+            </a:endParaRPr>
+          </a:p>
+          <a:p>
+            <a:r>
+              <a:rPr lang="en-US" sz="3000" dirty="0"/>
+              <a:t>Listen to events</a:t>
+            </a:r>
+          </a:p>
+          <a:p>
+            <a:pPr lvl="1"/>
+            <a:r>
+              <a:rPr lang="en-US" sz="2600" dirty="0"/>
+              <a:t>Hit: when a value was in the cache (there's also a flag to indicate if the data was stale or not)</a:t>
+            </a:r>
+          </a:p>
+          <a:p>
+            <a:pPr lvl="1"/>
+            <a:r>
+              <a:rPr lang="en-US" sz="2600" dirty="0"/>
+              <a:t>Miss: when a value was not in the cache</a:t>
+            </a:r>
+          </a:p>
+          <a:p>
+            <a:pPr lvl="1"/>
+            <a:r>
+              <a:rPr lang="en-US" sz="2600" dirty="0"/>
+              <a:t>Remove: when an entry has been removed</a:t>
+            </a:r>
+          </a:p>
+          <a:p>
+            <a:pPr lvl="1"/>
+            <a:r>
+              <a:rPr lang="en-US" sz="2600" dirty="0"/>
+              <a:t>Eviction: when an eviction occurred, along with the reason (only for the memory level)</a:t>
+            </a:r>
+          </a:p>
+          <a:p>
+            <a:pPr lvl="1"/>
+            <a:r>
+              <a:rPr lang="en-US" sz="2600" dirty="0" err="1"/>
+              <a:t>FailSafeActivation</a:t>
+            </a:r>
+            <a:r>
+              <a:rPr lang="en-US" sz="2600" dirty="0"/>
+              <a:t>: when the fail-safe mechanism kicked in</a:t>
+            </a:r>
+          </a:p>
+          <a:p>
+            <a:endParaRPr lang="en-US" sz="3000" dirty="0"/>
+          </a:p>
+          <a:p>
+            <a:r>
+              <a:rPr lang="en-US" sz="3000" dirty="0"/>
+              <a:t>Run in background </a:t>
+            </a:r>
+          </a:p>
+        </p:txBody>
+      </p:sp>
+    </p:spTree>
+    <p:extLst>
+      <p:ext uri="{BB962C8B-B14F-4D97-AF65-F5344CB8AC3E}">
+        <p14:creationId xmlns:p14="http://schemas.microsoft.com/office/powerpoint/2010/main" val="3045623098"/>
+      </p:ext>
+    </p:extLst>
+  </p:cSld>
+  <p:clrMapOvr>
+    <a:masterClrMapping/>
+  </p:clrMapOvr>
+</p:sld>
+</file>
+
+<file path=ppt/slides/slide26.xml><?xml version="1.0" encoding="utf-8"?>
+<p:sld xmlns:a="http://schemas.openxmlformats.org/drawingml/2006/main" xmlns:r="http://schemas.openxmlformats.org/officeDocument/2006/relationships" xmlns:p="http://schemas.openxmlformats.org/presentationml/2006/main">
+  <p:cSld>
+    <p:spTree>
+      <p:nvGrpSpPr>
+        <p:cNvPr id="1" name=""/>
+        <p:cNvGrpSpPr/>
+        <p:nvPr/>
+      </p:nvGrpSpPr>
+      <p:grpSpPr>
+        <a:xfrm>
+          <a:off x="0" y="0"/>
+          <a:ext cx="0" cy="0"/>
+          <a:chOff x="0" y="0"/>
+          <a:chExt cx="0" cy="0"/>
+        </a:xfrm>
+      </p:grpSpPr>
+      <p:sp>
+        <p:nvSpPr>
           <p:cNvPr id="2" name="Titolo 1"/>
           <p:cNvSpPr>
             <a:spLocks noGrp="1"/>
@@ -6849,7 +7217,7 @@
 </p:sld>
 </file>
 
-<file path=ppt/slides/slide24.xml><?xml version="1.0" encoding="utf-8"?>
+<file path=ppt/slides/slide27.xml><?xml version="1.0" encoding="utf-8"?>
 <p:sld xmlns:a="http://schemas.openxmlformats.org/drawingml/2006/main" xmlns:r="http://schemas.openxmlformats.org/officeDocument/2006/relationships" xmlns:p="http://schemas.openxmlformats.org/presentationml/2006/main">
   <p:cSld>
     <p:spTree>
@@ -6954,7 +7322,7 @@
           <p:cNvPr id="2" name="Title 1">
             <a:extLst>
               <a:ext uri="{FF2B5EF4-FFF2-40B4-BE49-F238E27FC236}">
-                <a16:creationId xmlns:a16="http://schemas.microsoft.com/office/drawing/2014/main" id="{E4DD8161-788E-30FD-1379-48ECD5647A26}"/>
+                <a16:creationId xmlns:a16="http://schemas.microsoft.com/office/drawing/2014/main" id="{17FC600F-0DD1-8A2C-6D78-BC0FA48BC5D3}"/>
               </a:ext>
             </a:extLst>
           </p:cNvPr>
@@ -6963,152 +7331,230 @@
           </p:cNvSpPr>
           <p:nvPr>
             <p:ph type="title"/>
-          </p:nvPr>
-        </p:nvSpPr>
-        <p:spPr/>
-        <p:txBody>
-          <a:bodyPr/>
-          <a:lstStyle/>
-          <a:p>
-            <a:r>
-              <a:rPr lang="en-US" dirty="0"/>
-              <a:t>Why we cache?</a:t>
-            </a:r>
-          </a:p>
-        </p:txBody>
-      </p:sp>
-      <p:sp>
-        <p:nvSpPr>
-          <p:cNvPr id="3" name="Content Placeholder 2">
-            <a:extLst>
-              <a:ext uri="{FF2B5EF4-FFF2-40B4-BE49-F238E27FC236}">
-                <a16:creationId xmlns:a16="http://schemas.microsoft.com/office/drawing/2014/main" id="{8949759A-1B64-C954-EE93-6CF8C537AEE6}"/>
-              </a:ext>
-            </a:extLst>
-          </p:cNvPr>
-          <p:cNvSpPr>
-            <a:spLocks noGrp="1"/>
-          </p:cNvSpPr>
-          <p:nvPr>
-            <p:ph idx="1"/>
           </p:nvPr>
         </p:nvSpPr>
         <p:spPr>
           <a:xfrm>
-            <a:off x="838200" y="1825625"/>
-            <a:ext cx="10515600" cy="4667250"/>
+            <a:off x="838200" y="365125"/>
+            <a:ext cx="10515600" cy="596409"/>
           </a:xfrm>
         </p:spPr>
         <p:txBody>
           <a:bodyPr>
-            <a:normAutofit fontScale="92500" lnSpcReduction="10000"/>
+            <a:normAutofit fontScale="90000"/>
           </a:bodyPr>
           <a:lstStyle/>
           <a:p>
             <a:r>
               <a:rPr lang="en-US" dirty="0"/>
-              <a:t>The good</a:t>
-            </a:r>
-          </a:p>
-          <a:p>
-            <a:pPr lvl="1"/>
-            <a:r>
-              <a:rPr lang="en-US" dirty="0"/>
-              <a:t>Offload the origin (source of true)</a:t>
-            </a:r>
-          </a:p>
-          <a:p>
-            <a:pPr lvl="1"/>
-            <a:r>
-              <a:rPr lang="en-US" dirty="0"/>
-              <a:t>Speed up application </a:t>
-            </a:r>
-          </a:p>
-          <a:p>
-            <a:pPr lvl="1"/>
-            <a:endParaRPr lang="en-US" dirty="0"/>
-          </a:p>
-          <a:p>
-            <a:pPr marL="0" indent="0">
-              <a:buNone/>
-            </a:pPr>
-            <a:r>
-              <a:rPr lang="en-US" dirty="0"/>
-              <a:t>Using a cache brings a set of new</a:t>
-            </a:r>
-          </a:p>
-          <a:p>
-            <a:pPr>
-              <a:buFontTx/>
-              <a:buChar char="-"/>
-            </a:pPr>
-            <a:r>
-              <a:rPr lang="en-US" dirty="0"/>
-              <a:t>Opportunities</a:t>
-            </a:r>
-          </a:p>
-          <a:p>
-            <a:pPr>
-              <a:buFontTx/>
-              <a:buChar char="-"/>
-            </a:pPr>
-            <a:r>
-              <a:rPr lang="en-US" dirty="0"/>
-              <a:t>Issues </a:t>
-            </a:r>
-          </a:p>
-          <a:p>
-            <a:pPr lvl="1"/>
-            <a:r>
-              <a:rPr lang="en-US" dirty="0"/>
-              <a:t>Stale data (Cache invalidation is hard to implement)</a:t>
-            </a:r>
-          </a:p>
-          <a:p>
-            <a:pPr lvl="1"/>
-            <a:r>
-              <a:rPr lang="en-US" i="1" dirty="0"/>
-              <a:t>Cache stampede</a:t>
-            </a:r>
-            <a:endParaRPr lang="en-US" dirty="0"/>
-          </a:p>
-          <a:p>
-            <a:pPr lvl="1"/>
-            <a:r>
-              <a:rPr lang="en-US" dirty="0"/>
-              <a:t>Node synchronization (if a memory or a two-level cache is used)</a:t>
-            </a:r>
-          </a:p>
-          <a:p>
-            <a:pPr marL="0" indent="0">
-              <a:buNone/>
-            </a:pPr>
-            <a:endParaRPr lang="en-US" dirty="0"/>
-          </a:p>
-          <a:p>
-            <a:pPr marL="0" indent="0">
-              <a:buNone/>
-            </a:pPr>
-            <a:r>
-              <a:rPr lang="en-US" dirty="0"/>
-              <a:t>Hence we need patterns and best practices </a:t>
-            </a:r>
-            <a:r>
-              <a:rPr lang="en-US" dirty="0">
-                <a:sym typeface="Wingdings" panose="05000000000000000000" pitchFamily="2" charset="2"/>
-              </a:rPr>
-              <a:t></a:t>
-            </a:r>
-            <a:endParaRPr lang="en-US" dirty="0"/>
-          </a:p>
-        </p:txBody>
-      </p:sp>
-      <p:sp>
-        <p:nvSpPr>
-          <p:cNvPr id="4" name="TextBox 3">
-            <a:extLst>
-              <a:ext uri="{FF2B5EF4-FFF2-40B4-BE49-F238E27FC236}">
-                <a16:creationId xmlns:a16="http://schemas.microsoft.com/office/drawing/2014/main" id="{2FAC81BB-9BE4-3668-D553-87EEBA33CB0A}"/>
+              <a:t>Azure Web app with HA</a:t>
+            </a:r>
+          </a:p>
+        </p:txBody>
+      </p:sp>
+      <p:pic>
+        <p:nvPicPr>
+          <p:cNvPr id="5" name="Picture 4">
+            <a:extLst>
+              <a:ext uri="{FF2B5EF4-FFF2-40B4-BE49-F238E27FC236}">
+                <a16:creationId xmlns:a16="http://schemas.microsoft.com/office/drawing/2014/main" id="{2408625A-6026-9B2D-6AAA-E123B1C66F55}"/>
+              </a:ext>
+            </a:extLst>
+          </p:cNvPr>
+          <p:cNvPicPr>
+            <a:picLocks noChangeAspect="1"/>
+          </p:cNvPicPr>
+          <p:nvPr/>
+        </p:nvPicPr>
+        <p:blipFill>
+          <a:blip r:embed="rId2"/>
+          <a:stretch>
+            <a:fillRect/>
+          </a:stretch>
+        </p:blipFill>
+        <p:spPr>
+          <a:xfrm>
+            <a:off x="1588836" y="2938462"/>
+            <a:ext cx="1054776" cy="917792"/>
+          </a:xfrm>
+          <a:prstGeom prst="rect">
+            <a:avLst/>
+          </a:prstGeom>
+        </p:spPr>
+      </p:pic>
+      <p:pic>
+        <p:nvPicPr>
+          <p:cNvPr id="9" name="Picture 8">
+            <a:extLst>
+              <a:ext uri="{FF2B5EF4-FFF2-40B4-BE49-F238E27FC236}">
+                <a16:creationId xmlns:a16="http://schemas.microsoft.com/office/drawing/2014/main" id="{849C17FA-335C-AA79-1BEF-8C31EB8A5ADC}"/>
+              </a:ext>
+            </a:extLst>
+          </p:cNvPr>
+          <p:cNvPicPr>
+            <a:picLocks noChangeAspect="1"/>
+          </p:cNvPicPr>
+          <p:nvPr/>
+        </p:nvPicPr>
+        <p:blipFill>
+          <a:blip r:embed="rId3"/>
+          <a:stretch>
+            <a:fillRect/>
+          </a:stretch>
+        </p:blipFill>
+        <p:spPr>
+          <a:xfrm>
+            <a:off x="4154296" y="5219055"/>
+            <a:ext cx="1125205" cy="1064383"/>
+          </a:xfrm>
+          <a:prstGeom prst="rect">
+            <a:avLst/>
+          </a:prstGeom>
+        </p:spPr>
+      </p:pic>
+      <p:pic>
+        <p:nvPicPr>
+          <p:cNvPr id="11" name="Picture 10">
+            <a:extLst>
+              <a:ext uri="{FF2B5EF4-FFF2-40B4-BE49-F238E27FC236}">
+                <a16:creationId xmlns:a16="http://schemas.microsoft.com/office/drawing/2014/main" id="{71798746-1E1B-6A12-32C2-06428E7053FB}"/>
+              </a:ext>
+            </a:extLst>
+          </p:cNvPr>
+          <p:cNvPicPr>
+            <a:picLocks noChangeAspect="1"/>
+          </p:cNvPicPr>
+          <p:nvPr/>
+        </p:nvPicPr>
+        <p:blipFill>
+          <a:blip r:embed="rId4"/>
+          <a:stretch>
+            <a:fillRect/>
+          </a:stretch>
+        </p:blipFill>
+        <p:spPr>
+          <a:xfrm>
+            <a:off x="5784644" y="5218425"/>
+            <a:ext cx="1121298" cy="984554"/>
+          </a:xfrm>
+          <a:prstGeom prst="rect">
+            <a:avLst/>
+          </a:prstGeom>
+        </p:spPr>
+      </p:pic>
+      <p:pic>
+        <p:nvPicPr>
+          <p:cNvPr id="13" name="Picture 12">
+            <a:extLst>
+              <a:ext uri="{FF2B5EF4-FFF2-40B4-BE49-F238E27FC236}">
+                <a16:creationId xmlns:a16="http://schemas.microsoft.com/office/drawing/2014/main" id="{2BD22AD0-6D58-C7C3-9664-E74974D73C8A}"/>
+              </a:ext>
+            </a:extLst>
+          </p:cNvPr>
+          <p:cNvPicPr>
+            <a:picLocks noChangeAspect="1"/>
+          </p:cNvPicPr>
+          <p:nvPr/>
+        </p:nvPicPr>
+        <p:blipFill>
+          <a:blip r:embed="rId5"/>
+          <a:stretch>
+            <a:fillRect/>
+          </a:stretch>
+        </p:blipFill>
+        <p:spPr>
+          <a:xfrm>
+            <a:off x="4927075" y="1145987"/>
+            <a:ext cx="1125205" cy="984554"/>
+          </a:xfrm>
+          <a:prstGeom prst="rect">
+            <a:avLst/>
+          </a:prstGeom>
+        </p:spPr>
+      </p:pic>
+      <p:pic>
+        <p:nvPicPr>
+          <p:cNvPr id="15" name="Picture 14">
+            <a:extLst>
+              <a:ext uri="{FF2B5EF4-FFF2-40B4-BE49-F238E27FC236}">
+                <a16:creationId xmlns:a16="http://schemas.microsoft.com/office/drawing/2014/main" id="{B004D5D9-27E1-E3BB-0821-A33025AA3BCA}"/>
+              </a:ext>
+            </a:extLst>
+          </p:cNvPr>
+          <p:cNvPicPr>
+            <a:picLocks noChangeAspect="1"/>
+          </p:cNvPicPr>
+          <p:nvPr/>
+        </p:nvPicPr>
+        <p:blipFill>
+          <a:blip r:embed="rId6"/>
+          <a:stretch>
+            <a:fillRect/>
+          </a:stretch>
+        </p:blipFill>
+        <p:spPr>
+          <a:xfrm>
+            <a:off x="603736" y="2670333"/>
+            <a:ext cx="942975" cy="666750"/>
+          </a:xfrm>
+          <a:prstGeom prst="rect">
+            <a:avLst/>
+          </a:prstGeom>
+        </p:spPr>
+      </p:pic>
+      <p:sp>
+        <p:nvSpPr>
+          <p:cNvPr id="16" name="Rectangle: Rounded Corners 15">
+            <a:extLst>
+              <a:ext uri="{FF2B5EF4-FFF2-40B4-BE49-F238E27FC236}">
+                <a16:creationId xmlns:a16="http://schemas.microsoft.com/office/drawing/2014/main" id="{56FA2D1A-0AA7-9972-5E2F-5762D476C245}"/>
+              </a:ext>
+            </a:extLst>
+          </p:cNvPr>
+          <p:cNvSpPr/>
+          <p:nvPr/>
+        </p:nvSpPr>
+        <p:spPr>
+          <a:xfrm>
+            <a:off x="760325" y="2532989"/>
+            <a:ext cx="3242821" cy="1728738"/>
+          </a:xfrm>
+          <a:prstGeom prst="roundRect">
+            <a:avLst/>
+          </a:prstGeom>
+          <a:noFill/>
+        </p:spPr>
+        <p:style>
+          <a:lnRef idx="2">
+            <a:schemeClr val="accent1">
+              <a:shade val="15000"/>
+            </a:schemeClr>
+          </a:lnRef>
+          <a:fillRef idx="1">
+            <a:schemeClr val="accent1"/>
+          </a:fillRef>
+          <a:effectRef idx="0">
+            <a:schemeClr val="accent1"/>
+          </a:effectRef>
+          <a:fontRef idx="minor">
+            <a:schemeClr val="lt1"/>
+          </a:fontRef>
+        </p:style>
+        <p:txBody>
+          <a:bodyPr rtlCol="0" anchor="ctr"/>
+          <a:lstStyle/>
+          <a:p>
+            <a:pPr algn="ctr"/>
+            <a:endParaRPr lang="en-US"/>
+          </a:p>
+        </p:txBody>
+      </p:sp>
+      <p:sp>
+        <p:nvSpPr>
+          <p:cNvPr id="17" name="TextBox 16">
+            <a:extLst>
+              <a:ext uri="{FF2B5EF4-FFF2-40B4-BE49-F238E27FC236}">
+                <a16:creationId xmlns:a16="http://schemas.microsoft.com/office/drawing/2014/main" id="{E61FECD3-38CF-9E83-C057-AAC2BAA2D30F}"/>
               </a:ext>
             </a:extLst>
           </p:cNvPr>
@@ -7117,18 +7563,13 @@
         </p:nvSpPr>
         <p:spPr>
           <a:xfrm>
-            <a:off x="6350019" y="1662808"/>
-            <a:ext cx="5681876" cy="1200329"/>
+            <a:off x="1588836" y="3705479"/>
+            <a:ext cx="2430922" cy="369332"/>
           </a:xfrm>
           <a:prstGeom prst="rect">
             <a:avLst/>
           </a:prstGeom>
           <a:noFill/>
-          <a:ln>
-            <a:solidFill>
-              <a:schemeClr val="accent1"/>
-            </a:solidFill>
-          </a:ln>
         </p:spPr>
         <p:txBody>
           <a:bodyPr wrap="none" rtlCol="0">
@@ -7137,37 +7578,528 @@
           <a:lstStyle/>
           <a:p>
             <a:r>
-              <a:rPr lang="en-US" b="1" i="1" dirty="0"/>
-              <a:t>There are only two hard things in Computer Science: </a:t>
-            </a:r>
-            <a:br>
-              <a:rPr lang="en-US" b="1" i="1" dirty="0"/>
-            </a:br>
-            <a:r>
-              <a:rPr lang="en-US" b="1" i="1" dirty="0"/>
-              <a:t>cache invalidation and naming things.</a:t>
-            </a:r>
-          </a:p>
-          <a:p>
-            <a:endParaRPr lang="en-US" b="1" i="1" dirty="0"/>
-          </a:p>
-          <a:p>
-            <a:r>
-              <a:rPr lang="en-US" b="1" i="1" dirty="0"/>
-              <a:t>-- Phil </a:t>
-            </a:r>
-            <a:r>
-              <a:rPr lang="en-US" b="1" i="1" dirty="0" err="1"/>
-              <a:t>Karlton</a:t>
-            </a:r>
-            <a:endParaRPr lang="en-US" b="1" i="1" dirty="0"/>
-          </a:p>
-        </p:txBody>
-      </p:sp>
+              <a:rPr lang="en-US" i="1" dirty="0"/>
+              <a:t>n instances (web farm)</a:t>
+            </a:r>
+          </a:p>
+        </p:txBody>
+      </p:sp>
+      <p:sp>
+        <p:nvSpPr>
+          <p:cNvPr id="18" name="TextBox 17">
+            <a:extLst>
+              <a:ext uri="{FF2B5EF4-FFF2-40B4-BE49-F238E27FC236}">
+                <a16:creationId xmlns:a16="http://schemas.microsoft.com/office/drawing/2014/main" id="{4693F47E-DE36-9AAA-3917-E805AD8D5602}"/>
+              </a:ext>
+            </a:extLst>
+          </p:cNvPr>
+          <p:cNvSpPr txBox="1"/>
+          <p:nvPr/>
+        </p:nvSpPr>
+        <p:spPr>
+          <a:xfrm>
+            <a:off x="697631" y="2185622"/>
+            <a:ext cx="2221377" cy="369332"/>
+          </a:xfrm>
+          <a:prstGeom prst="rect">
+            <a:avLst/>
+          </a:prstGeom>
+          <a:noFill/>
+        </p:spPr>
+        <p:txBody>
+          <a:bodyPr wrap="none" rtlCol="0">
+            <a:spAutoFit/>
+          </a:bodyPr>
+          <a:lstStyle/>
+          <a:p>
+            <a:r>
+              <a:rPr lang="en-US" b="1" dirty="0"/>
+              <a:t>West Europe region</a:t>
+            </a:r>
+          </a:p>
+        </p:txBody>
+      </p:sp>
+      <p:sp>
+        <p:nvSpPr>
+          <p:cNvPr id="19" name="Rectangle: Rounded Corners 18">
+            <a:extLst>
+              <a:ext uri="{FF2B5EF4-FFF2-40B4-BE49-F238E27FC236}">
+                <a16:creationId xmlns:a16="http://schemas.microsoft.com/office/drawing/2014/main" id="{EF042C59-50D2-1143-07DA-0442E2E7B667}"/>
+              </a:ext>
+            </a:extLst>
+          </p:cNvPr>
+          <p:cNvSpPr/>
+          <p:nvPr/>
+        </p:nvSpPr>
+        <p:spPr>
+          <a:xfrm>
+            <a:off x="7360343" y="2499873"/>
+            <a:ext cx="3242821" cy="1728738"/>
+          </a:xfrm>
+          <a:prstGeom prst="roundRect">
+            <a:avLst/>
+          </a:prstGeom>
+          <a:noFill/>
+        </p:spPr>
+        <p:style>
+          <a:lnRef idx="2">
+            <a:schemeClr val="accent1">
+              <a:shade val="15000"/>
+            </a:schemeClr>
+          </a:lnRef>
+          <a:fillRef idx="1">
+            <a:schemeClr val="accent1"/>
+          </a:fillRef>
+          <a:effectRef idx="0">
+            <a:schemeClr val="accent1"/>
+          </a:effectRef>
+          <a:fontRef idx="minor">
+            <a:schemeClr val="lt1"/>
+          </a:fontRef>
+        </p:style>
+        <p:txBody>
+          <a:bodyPr rtlCol="0" anchor="ctr"/>
+          <a:lstStyle/>
+          <a:p>
+            <a:pPr algn="ctr"/>
+            <a:endParaRPr lang="en-US"/>
+          </a:p>
+        </p:txBody>
+      </p:sp>
+      <p:sp>
+        <p:nvSpPr>
+          <p:cNvPr id="20" name="TextBox 19">
+            <a:extLst>
+              <a:ext uri="{FF2B5EF4-FFF2-40B4-BE49-F238E27FC236}">
+                <a16:creationId xmlns:a16="http://schemas.microsoft.com/office/drawing/2014/main" id="{A0AD0BA0-CF47-2FC1-0A5C-1F8070C29CCC}"/>
+              </a:ext>
+            </a:extLst>
+          </p:cNvPr>
+          <p:cNvSpPr txBox="1"/>
+          <p:nvPr/>
+        </p:nvSpPr>
+        <p:spPr>
+          <a:xfrm>
+            <a:off x="7377023" y="2130541"/>
+            <a:ext cx="2282676" cy="369332"/>
+          </a:xfrm>
+          <a:prstGeom prst="rect">
+            <a:avLst/>
+          </a:prstGeom>
+          <a:noFill/>
+        </p:spPr>
+        <p:txBody>
+          <a:bodyPr wrap="none" rtlCol="0">
+            <a:spAutoFit/>
+          </a:bodyPr>
+          <a:lstStyle/>
+          <a:p>
+            <a:r>
+              <a:rPr lang="en-US" b="1" dirty="0"/>
+              <a:t>North Europe region</a:t>
+            </a:r>
+          </a:p>
+        </p:txBody>
+      </p:sp>
+      <p:pic>
+        <p:nvPicPr>
+          <p:cNvPr id="21" name="Picture 20">
+            <a:extLst>
+              <a:ext uri="{FF2B5EF4-FFF2-40B4-BE49-F238E27FC236}">
+                <a16:creationId xmlns:a16="http://schemas.microsoft.com/office/drawing/2014/main" id="{F39D4814-F0FD-DA63-260E-D74D08C1902C}"/>
+              </a:ext>
+            </a:extLst>
+          </p:cNvPr>
+          <p:cNvPicPr>
+            <a:picLocks noChangeAspect="1"/>
+          </p:cNvPicPr>
+          <p:nvPr/>
+        </p:nvPicPr>
+        <p:blipFill>
+          <a:blip r:embed="rId2"/>
+          <a:stretch>
+            <a:fillRect/>
+          </a:stretch>
+        </p:blipFill>
+        <p:spPr>
+          <a:xfrm>
+            <a:off x="8353951" y="2911797"/>
+            <a:ext cx="1054776" cy="917792"/>
+          </a:xfrm>
+          <a:prstGeom prst="rect">
+            <a:avLst/>
+          </a:prstGeom>
+        </p:spPr>
+      </p:pic>
+      <p:pic>
+        <p:nvPicPr>
+          <p:cNvPr id="22" name="Picture 21">
+            <a:extLst>
+              <a:ext uri="{FF2B5EF4-FFF2-40B4-BE49-F238E27FC236}">
+                <a16:creationId xmlns:a16="http://schemas.microsoft.com/office/drawing/2014/main" id="{B111531C-6C88-3683-0FA1-2258F2AA89BF}"/>
+              </a:ext>
+            </a:extLst>
+          </p:cNvPr>
+          <p:cNvPicPr>
+            <a:picLocks noChangeAspect="1"/>
+          </p:cNvPicPr>
+          <p:nvPr/>
+        </p:nvPicPr>
+        <p:blipFill>
+          <a:blip r:embed="rId6"/>
+          <a:stretch>
+            <a:fillRect/>
+          </a:stretch>
+        </p:blipFill>
+        <p:spPr>
+          <a:xfrm>
+            <a:off x="7459381" y="2643668"/>
+            <a:ext cx="942975" cy="666750"/>
+          </a:xfrm>
+          <a:prstGeom prst="rect">
+            <a:avLst/>
+          </a:prstGeom>
+        </p:spPr>
+      </p:pic>
+      <p:sp>
+        <p:nvSpPr>
+          <p:cNvPr id="23" name="TextBox 22">
+            <a:extLst>
+              <a:ext uri="{FF2B5EF4-FFF2-40B4-BE49-F238E27FC236}">
+                <a16:creationId xmlns:a16="http://schemas.microsoft.com/office/drawing/2014/main" id="{667FF49E-C9D3-8379-CF49-5B40F82C4246}"/>
+              </a:ext>
+            </a:extLst>
+          </p:cNvPr>
+          <p:cNvSpPr txBox="1"/>
+          <p:nvPr/>
+        </p:nvSpPr>
+        <p:spPr>
+          <a:xfrm>
+            <a:off x="8226354" y="3679750"/>
+            <a:ext cx="2430922" cy="369332"/>
+          </a:xfrm>
+          <a:prstGeom prst="rect">
+            <a:avLst/>
+          </a:prstGeom>
+          <a:noFill/>
+        </p:spPr>
+        <p:txBody>
+          <a:bodyPr wrap="none" rtlCol="0">
+            <a:spAutoFit/>
+          </a:bodyPr>
+          <a:lstStyle/>
+          <a:p>
+            <a:r>
+              <a:rPr lang="en-US" i="1" dirty="0"/>
+              <a:t>n instances (web farm)</a:t>
+            </a:r>
+          </a:p>
+        </p:txBody>
+      </p:sp>
+      <p:cxnSp>
+        <p:nvCxnSpPr>
+          <p:cNvPr id="25" name="Straight Arrow Connector 24">
+            <a:extLst>
+              <a:ext uri="{FF2B5EF4-FFF2-40B4-BE49-F238E27FC236}">
+                <a16:creationId xmlns:a16="http://schemas.microsoft.com/office/drawing/2014/main" id="{ACE0005C-2DBF-5C3F-EF09-47977B6D329C}"/>
+              </a:ext>
+            </a:extLst>
+          </p:cNvPr>
+          <p:cNvCxnSpPr/>
+          <p:nvPr/>
+        </p:nvCxnSpPr>
+        <p:spPr>
+          <a:xfrm flipH="1">
+            <a:off x="4128380" y="2185622"/>
+            <a:ext cx="686598" cy="726175"/>
+          </a:xfrm>
+          <a:prstGeom prst="straightConnector1">
+            <a:avLst/>
+          </a:prstGeom>
+          <a:ln w="44450">
+            <a:tailEnd type="triangle"/>
+          </a:ln>
+        </p:spPr>
+        <p:style>
+          <a:lnRef idx="2">
+            <a:schemeClr val="accent1"/>
+          </a:lnRef>
+          <a:fillRef idx="0">
+            <a:schemeClr val="accent1"/>
+          </a:fillRef>
+          <a:effectRef idx="1">
+            <a:schemeClr val="accent1"/>
+          </a:effectRef>
+          <a:fontRef idx="minor">
+            <a:schemeClr val="tx1"/>
+          </a:fontRef>
+        </p:style>
+      </p:cxnSp>
+      <p:cxnSp>
+        <p:nvCxnSpPr>
+          <p:cNvPr id="26" name="Straight Arrow Connector 25">
+            <a:extLst>
+              <a:ext uri="{FF2B5EF4-FFF2-40B4-BE49-F238E27FC236}">
+                <a16:creationId xmlns:a16="http://schemas.microsoft.com/office/drawing/2014/main" id="{3EB64720-F28F-D32D-B3A1-51DE6ECCC6B4}"/>
+              </a:ext>
+            </a:extLst>
+          </p:cNvPr>
+          <p:cNvCxnSpPr>
+            <a:cxnSpLocks/>
+          </p:cNvCxnSpPr>
+          <p:nvPr/>
+        </p:nvCxnSpPr>
+        <p:spPr>
+          <a:xfrm>
+            <a:off x="6092583" y="2054732"/>
+            <a:ext cx="1091402" cy="726175"/>
+          </a:xfrm>
+          <a:prstGeom prst="straightConnector1">
+            <a:avLst/>
+          </a:prstGeom>
+          <a:ln w="44450">
+            <a:tailEnd type="triangle"/>
+          </a:ln>
+        </p:spPr>
+        <p:style>
+          <a:lnRef idx="2">
+            <a:schemeClr val="accent1"/>
+          </a:lnRef>
+          <a:fillRef idx="0">
+            <a:schemeClr val="accent1"/>
+          </a:fillRef>
+          <a:effectRef idx="1">
+            <a:schemeClr val="accent1"/>
+          </a:effectRef>
+          <a:fontRef idx="minor">
+            <a:schemeClr val="tx1"/>
+          </a:fontRef>
+        </p:style>
+      </p:cxnSp>
+      <p:cxnSp>
+        <p:nvCxnSpPr>
+          <p:cNvPr id="29" name="Straight Arrow Connector 28">
+            <a:extLst>
+              <a:ext uri="{FF2B5EF4-FFF2-40B4-BE49-F238E27FC236}">
+                <a16:creationId xmlns:a16="http://schemas.microsoft.com/office/drawing/2014/main" id="{F25806B3-F539-EDBD-52BA-678143E8E369}"/>
+              </a:ext>
+            </a:extLst>
+          </p:cNvPr>
+          <p:cNvCxnSpPr>
+            <a:cxnSpLocks/>
+          </p:cNvCxnSpPr>
+          <p:nvPr/>
+        </p:nvCxnSpPr>
+        <p:spPr>
+          <a:xfrm>
+            <a:off x="3869607" y="4338219"/>
+            <a:ext cx="847291" cy="695694"/>
+          </a:xfrm>
+          <a:prstGeom prst="straightConnector1">
+            <a:avLst/>
+          </a:prstGeom>
+          <a:ln w="44450">
+            <a:solidFill>
+              <a:schemeClr val="accent2">
+                <a:lumMod val="60000"/>
+                <a:lumOff val="40000"/>
+              </a:schemeClr>
+            </a:solidFill>
+            <a:tailEnd type="triangle"/>
+          </a:ln>
+        </p:spPr>
+        <p:style>
+          <a:lnRef idx="2">
+            <a:schemeClr val="accent1"/>
+          </a:lnRef>
+          <a:fillRef idx="0">
+            <a:schemeClr val="accent1"/>
+          </a:fillRef>
+          <a:effectRef idx="1">
+            <a:schemeClr val="accent1"/>
+          </a:effectRef>
+          <a:fontRef idx="minor">
+            <a:schemeClr val="tx1"/>
+          </a:fontRef>
+        </p:style>
+      </p:cxnSp>
+      <p:cxnSp>
+        <p:nvCxnSpPr>
+          <p:cNvPr id="32" name="Straight Arrow Connector 31">
+            <a:extLst>
+              <a:ext uri="{FF2B5EF4-FFF2-40B4-BE49-F238E27FC236}">
+                <a16:creationId xmlns:a16="http://schemas.microsoft.com/office/drawing/2014/main" id="{D34E2C53-0FBD-5E7E-2B59-787E4D75DC14}"/>
+              </a:ext>
+            </a:extLst>
+          </p:cNvPr>
+          <p:cNvCxnSpPr>
+            <a:cxnSpLocks/>
+          </p:cNvCxnSpPr>
+          <p:nvPr/>
+        </p:nvCxnSpPr>
+        <p:spPr>
+          <a:xfrm flipH="1">
+            <a:off x="4831657" y="3856254"/>
+            <a:ext cx="2352328" cy="1231911"/>
+          </a:xfrm>
+          <a:prstGeom prst="straightConnector1">
+            <a:avLst/>
+          </a:prstGeom>
+          <a:ln w="44450">
+            <a:solidFill>
+              <a:schemeClr val="accent2">
+                <a:lumMod val="60000"/>
+                <a:lumOff val="40000"/>
+              </a:schemeClr>
+            </a:solidFill>
+            <a:tailEnd type="triangle"/>
+          </a:ln>
+        </p:spPr>
+        <p:style>
+          <a:lnRef idx="2">
+            <a:schemeClr val="accent1"/>
+          </a:lnRef>
+          <a:fillRef idx="0">
+            <a:schemeClr val="accent1"/>
+          </a:fillRef>
+          <a:effectRef idx="1">
+            <a:schemeClr val="accent1"/>
+          </a:effectRef>
+          <a:fontRef idx="minor">
+            <a:schemeClr val="tx1"/>
+          </a:fontRef>
+        </p:style>
+      </p:cxnSp>
+      <p:cxnSp>
+        <p:nvCxnSpPr>
+          <p:cNvPr id="38" name="Straight Arrow Connector 37">
+            <a:extLst>
+              <a:ext uri="{FF2B5EF4-FFF2-40B4-BE49-F238E27FC236}">
+                <a16:creationId xmlns:a16="http://schemas.microsoft.com/office/drawing/2014/main" id="{7F537F37-3557-7DE6-9536-0F36030A4D76}"/>
+              </a:ext>
+            </a:extLst>
+          </p:cNvPr>
+          <p:cNvCxnSpPr>
+            <a:cxnSpLocks/>
+            <a:endCxn id="11" idx="0"/>
+          </p:cNvCxnSpPr>
+          <p:nvPr/>
+        </p:nvCxnSpPr>
+        <p:spPr>
+          <a:xfrm>
+            <a:off x="4293252" y="4004995"/>
+            <a:ext cx="2052041" cy="1213430"/>
+          </a:xfrm>
+          <a:prstGeom prst="straightConnector1">
+            <a:avLst/>
+          </a:prstGeom>
+          <a:ln w="44450">
+            <a:solidFill>
+              <a:schemeClr val="accent4">
+                <a:lumMod val="60000"/>
+                <a:lumOff val="40000"/>
+              </a:schemeClr>
+            </a:solidFill>
+            <a:tailEnd type="triangle"/>
+          </a:ln>
+        </p:spPr>
+        <p:style>
+          <a:lnRef idx="2">
+            <a:schemeClr val="accent1"/>
+          </a:lnRef>
+          <a:fillRef idx="0">
+            <a:schemeClr val="accent1"/>
+          </a:fillRef>
+          <a:effectRef idx="1">
+            <a:schemeClr val="accent1"/>
+          </a:effectRef>
+          <a:fontRef idx="minor">
+            <a:schemeClr val="tx1"/>
+          </a:fontRef>
+        </p:style>
+      </p:cxnSp>
+      <p:cxnSp>
+        <p:nvCxnSpPr>
+          <p:cNvPr id="39" name="Straight Arrow Connector 38">
+            <a:extLst>
+              <a:ext uri="{FF2B5EF4-FFF2-40B4-BE49-F238E27FC236}">
+                <a16:creationId xmlns:a16="http://schemas.microsoft.com/office/drawing/2014/main" id="{3803975A-1E13-1277-8411-CF271658BF6E}"/>
+              </a:ext>
+            </a:extLst>
+          </p:cNvPr>
+          <p:cNvCxnSpPr>
+            <a:cxnSpLocks/>
+            <a:endCxn id="11" idx="0"/>
+          </p:cNvCxnSpPr>
+          <p:nvPr/>
+        </p:nvCxnSpPr>
+        <p:spPr>
+          <a:xfrm flipH="1">
+            <a:off x="6345293" y="4338219"/>
+            <a:ext cx="1978575" cy="880206"/>
+          </a:xfrm>
+          <a:prstGeom prst="straightConnector1">
+            <a:avLst/>
+          </a:prstGeom>
+          <a:ln w="44450">
+            <a:solidFill>
+              <a:schemeClr val="accent4">
+                <a:lumMod val="60000"/>
+                <a:lumOff val="40000"/>
+              </a:schemeClr>
+            </a:solidFill>
+            <a:tailEnd type="triangle"/>
+          </a:ln>
+        </p:spPr>
+        <p:style>
+          <a:lnRef idx="2">
+            <a:schemeClr val="accent1"/>
+          </a:lnRef>
+          <a:fillRef idx="0">
+            <a:schemeClr val="accent1"/>
+          </a:fillRef>
+          <a:effectRef idx="1">
+            <a:schemeClr val="accent1"/>
+          </a:effectRef>
+          <a:fontRef idx="minor">
+            <a:schemeClr val="tx1"/>
+          </a:fontRef>
+        </p:style>
+      </p:cxnSp>
+      <p:pic>
+        <p:nvPicPr>
+          <p:cNvPr id="4" name="Picture 3">
+            <a:extLst>
+              <a:ext uri="{FF2B5EF4-FFF2-40B4-BE49-F238E27FC236}">
+                <a16:creationId xmlns:a16="http://schemas.microsoft.com/office/drawing/2014/main" id="{ACFD59AD-3414-DF5D-6505-581ABA75E75C}"/>
+              </a:ext>
+            </a:extLst>
+          </p:cNvPr>
+          <p:cNvPicPr>
+            <a:picLocks noChangeAspect="1"/>
+          </p:cNvPicPr>
+          <p:nvPr/>
+        </p:nvPicPr>
+        <p:blipFill>
+          <a:blip r:embed="rId7"/>
+          <a:stretch>
+            <a:fillRect/>
+          </a:stretch>
+        </p:blipFill>
+        <p:spPr>
+          <a:xfrm>
+            <a:off x="2253841" y="5166432"/>
+            <a:ext cx="1268257" cy="799802"/>
+          </a:xfrm>
+          <a:prstGeom prst="rect">
+            <a:avLst/>
+          </a:prstGeom>
+        </p:spPr>
+      </p:pic>
     </p:spTree>
     <p:extLst>
       <p:ext uri="{BB962C8B-B14F-4D97-AF65-F5344CB8AC3E}">
-        <p14:creationId xmlns:p14="http://schemas.microsoft.com/office/powerpoint/2010/main" val="2075881403"/>
+        <p14:creationId xmlns:p14="http://schemas.microsoft.com/office/powerpoint/2010/main" val="1591329195"/>
       </p:ext>
     </p:extLst>
   </p:cSld>
@@ -7199,7 +8131,7 @@
           <p:cNvPr id="2" name="Title 1">
             <a:extLst>
               <a:ext uri="{FF2B5EF4-FFF2-40B4-BE49-F238E27FC236}">
-                <a16:creationId xmlns:a16="http://schemas.microsoft.com/office/drawing/2014/main" id="{EFECAF54-B8F4-A795-D015-E6F9E56117CE}"/>
+                <a16:creationId xmlns:a16="http://schemas.microsoft.com/office/drawing/2014/main" id="{17FC600F-0DD1-8A2C-6D78-BC0FA48BC5D3}"/>
               </a:ext>
             </a:extLst>
           </p:cNvPr>
@@ -7210,64 +8142,168 @@
             <p:ph type="title"/>
           </p:nvPr>
         </p:nvSpPr>
-        <p:spPr/>
+        <p:spPr>
+          <a:xfrm>
+            <a:off x="838200" y="365125"/>
+            <a:ext cx="10515600" cy="596409"/>
+          </a:xfrm>
+        </p:spPr>
         <p:txBody>
           <a:bodyPr>
-            <a:normAutofit/>
+            <a:normAutofit fontScale="90000"/>
           </a:bodyPr>
           <a:lstStyle/>
           <a:p>
             <a:r>
               <a:rPr lang="en-US" dirty="0"/>
-              <a:t>Caching Patterns: read aside (cache aside)</a:t>
-            </a:r>
-          </a:p>
-        </p:txBody>
-      </p:sp>
-      <p:sp>
-        <p:nvSpPr>
-          <p:cNvPr id="3" name="Content Placeholder 2">
-            <a:extLst>
-              <a:ext uri="{FF2B5EF4-FFF2-40B4-BE49-F238E27FC236}">
-                <a16:creationId xmlns:a16="http://schemas.microsoft.com/office/drawing/2014/main" id="{9A905F74-510C-233A-7867-7D146D172826}"/>
-              </a:ext>
-            </a:extLst>
-          </p:cNvPr>
-          <p:cNvSpPr>
-            <a:spLocks noGrp="1"/>
-          </p:cNvSpPr>
-          <p:nvPr>
-            <p:ph idx="1"/>
-          </p:nvPr>
-        </p:nvSpPr>
-        <p:spPr/>
-        <p:txBody>
-          <a:bodyPr/>
-          <a:lstStyle/>
-          <a:p>
-            <a:r>
-              <a:rPr lang="en-US" dirty="0"/>
-              <a:t>The most "known" and used</a:t>
-            </a:r>
-          </a:p>
-          <a:p>
-            <a:r>
-              <a:rPr lang="en-US" dirty="0"/>
-              <a:t>Application code is responsible to push the value in the cache if there is a </a:t>
-            </a:r>
-            <a:r>
-              <a:rPr lang="en-US" i="1" dirty="0"/>
-              <a:t>"cache miss"</a:t>
-            </a:r>
-          </a:p>
-        </p:txBody>
-      </p:sp>
-      <p:sp>
-        <p:nvSpPr>
-          <p:cNvPr id="5" name="TextBox 4">
-            <a:extLst>
-              <a:ext uri="{FF2B5EF4-FFF2-40B4-BE49-F238E27FC236}">
-                <a16:creationId xmlns:a16="http://schemas.microsoft.com/office/drawing/2014/main" id="{406E543D-65CE-1C8B-F6E1-D613498C3149}"/>
+              <a:t>Azure Web app with HA for this demo </a:t>
+            </a:r>
+          </a:p>
+        </p:txBody>
+      </p:sp>
+      <p:pic>
+        <p:nvPicPr>
+          <p:cNvPr id="5" name="Picture 4">
+            <a:extLst>
+              <a:ext uri="{FF2B5EF4-FFF2-40B4-BE49-F238E27FC236}">
+                <a16:creationId xmlns:a16="http://schemas.microsoft.com/office/drawing/2014/main" id="{2408625A-6026-9B2D-6AAA-E123B1C66F55}"/>
+              </a:ext>
+            </a:extLst>
+          </p:cNvPr>
+          <p:cNvPicPr>
+            <a:picLocks noChangeAspect="1"/>
+          </p:cNvPicPr>
+          <p:nvPr/>
+        </p:nvPicPr>
+        <p:blipFill>
+          <a:blip r:embed="rId2"/>
+          <a:stretch>
+            <a:fillRect/>
+          </a:stretch>
+        </p:blipFill>
+        <p:spPr>
+          <a:xfrm>
+            <a:off x="1344395" y="2938462"/>
+            <a:ext cx="1054776" cy="917792"/>
+          </a:xfrm>
+          <a:prstGeom prst="rect">
+            <a:avLst/>
+          </a:prstGeom>
+        </p:spPr>
+      </p:pic>
+      <p:pic>
+        <p:nvPicPr>
+          <p:cNvPr id="9" name="Picture 8">
+            <a:extLst>
+              <a:ext uri="{FF2B5EF4-FFF2-40B4-BE49-F238E27FC236}">
+                <a16:creationId xmlns:a16="http://schemas.microsoft.com/office/drawing/2014/main" id="{849C17FA-335C-AA79-1BEF-8C31EB8A5ADC}"/>
+              </a:ext>
+            </a:extLst>
+          </p:cNvPr>
+          <p:cNvPicPr>
+            <a:picLocks noChangeAspect="1"/>
+          </p:cNvPicPr>
+          <p:nvPr/>
+        </p:nvPicPr>
+        <p:blipFill>
+          <a:blip r:embed="rId3"/>
+          <a:stretch>
+            <a:fillRect/>
+          </a:stretch>
+        </p:blipFill>
+        <p:spPr>
+          <a:xfrm>
+            <a:off x="5394621" y="5219055"/>
+            <a:ext cx="1125205" cy="1064383"/>
+          </a:xfrm>
+          <a:prstGeom prst="rect">
+            <a:avLst/>
+          </a:prstGeom>
+        </p:spPr>
+      </p:pic>
+      <p:pic>
+        <p:nvPicPr>
+          <p:cNvPr id="15" name="Picture 14">
+            <a:extLst>
+              <a:ext uri="{FF2B5EF4-FFF2-40B4-BE49-F238E27FC236}">
+                <a16:creationId xmlns:a16="http://schemas.microsoft.com/office/drawing/2014/main" id="{B004D5D9-27E1-E3BB-0821-A33025AA3BCA}"/>
+              </a:ext>
+            </a:extLst>
+          </p:cNvPr>
+          <p:cNvPicPr>
+            <a:picLocks noChangeAspect="1"/>
+          </p:cNvPicPr>
+          <p:nvPr/>
+        </p:nvPicPr>
+        <p:blipFill>
+          <a:blip r:embed="rId4"/>
+          <a:stretch>
+            <a:fillRect/>
+          </a:stretch>
+        </p:blipFill>
+        <p:spPr>
+          <a:xfrm>
+            <a:off x="838199" y="1460811"/>
+            <a:ext cx="942975" cy="666750"/>
+          </a:xfrm>
+          <a:prstGeom prst="rect">
+            <a:avLst/>
+          </a:prstGeom>
+        </p:spPr>
+      </p:pic>
+      <p:sp>
+        <p:nvSpPr>
+          <p:cNvPr id="16" name="Rectangle: Rounded Corners 15">
+            <a:extLst>
+              <a:ext uri="{FF2B5EF4-FFF2-40B4-BE49-F238E27FC236}">
+                <a16:creationId xmlns:a16="http://schemas.microsoft.com/office/drawing/2014/main" id="{56FA2D1A-0AA7-9972-5E2F-5762D476C245}"/>
+              </a:ext>
+            </a:extLst>
+          </p:cNvPr>
+          <p:cNvSpPr/>
+          <p:nvPr/>
+        </p:nvSpPr>
+        <p:spPr>
+          <a:xfrm>
+            <a:off x="838199" y="2613015"/>
+            <a:ext cx="4322275" cy="1728738"/>
+          </a:xfrm>
+          <a:prstGeom prst="roundRect">
+            <a:avLst/>
+          </a:prstGeom>
+          <a:noFill/>
+        </p:spPr>
+        <p:style>
+          <a:lnRef idx="2">
+            <a:schemeClr val="accent1">
+              <a:shade val="15000"/>
+            </a:schemeClr>
+          </a:lnRef>
+          <a:fillRef idx="1">
+            <a:schemeClr val="accent1"/>
+          </a:fillRef>
+          <a:effectRef idx="0">
+            <a:schemeClr val="accent1"/>
+          </a:effectRef>
+          <a:fontRef idx="minor">
+            <a:schemeClr val="lt1"/>
+          </a:fontRef>
+        </p:style>
+        <p:txBody>
+          <a:bodyPr rtlCol="0" anchor="ctr"/>
+          <a:lstStyle/>
+          <a:p>
+            <a:pPr algn="ctr"/>
+            <a:endParaRPr lang="en-US"/>
+          </a:p>
+        </p:txBody>
+      </p:sp>
+      <p:sp>
+        <p:nvSpPr>
+          <p:cNvPr id="17" name="TextBox 16">
+            <a:extLst>
+              <a:ext uri="{FF2B5EF4-FFF2-40B4-BE49-F238E27FC236}">
+                <a16:creationId xmlns:a16="http://schemas.microsoft.com/office/drawing/2014/main" id="{E61FECD3-38CF-9E83-C057-AAC2BAA2D30F}"/>
               </a:ext>
             </a:extLst>
           </p:cNvPr>
@@ -7276,135 +8312,549 @@
         </p:nvSpPr>
         <p:spPr>
           <a:xfrm>
-            <a:off x="763479" y="3249228"/>
-            <a:ext cx="9721048" cy="1600438"/>
+            <a:off x="1344395" y="3705479"/>
+            <a:ext cx="1445011" cy="276999"/>
           </a:xfrm>
           <a:prstGeom prst="rect">
             <a:avLst/>
           </a:prstGeom>
           <a:noFill/>
-          <a:ln>
+        </p:spPr>
+        <p:txBody>
+          <a:bodyPr wrap="none" rtlCol="0">
+            <a:spAutoFit/>
+          </a:bodyPr>
+          <a:lstStyle/>
+          <a:p>
+            <a:r>
+              <a:rPr lang="en-US" sz="1200" i="1" dirty="0"/>
+              <a:t>West 1 (1 instance)</a:t>
+            </a:r>
+          </a:p>
+        </p:txBody>
+      </p:sp>
+      <p:sp>
+        <p:nvSpPr>
+          <p:cNvPr id="18" name="TextBox 17">
+            <a:extLst>
+              <a:ext uri="{FF2B5EF4-FFF2-40B4-BE49-F238E27FC236}">
+                <a16:creationId xmlns:a16="http://schemas.microsoft.com/office/drawing/2014/main" id="{4693F47E-DE36-9AAA-3917-E805AD8D5602}"/>
+              </a:ext>
+            </a:extLst>
+          </p:cNvPr>
+          <p:cNvSpPr txBox="1"/>
+          <p:nvPr/>
+        </p:nvSpPr>
+        <p:spPr>
+          <a:xfrm>
+            <a:off x="697631" y="2185622"/>
+            <a:ext cx="2221377" cy="369332"/>
+          </a:xfrm>
+          <a:prstGeom prst="rect">
+            <a:avLst/>
+          </a:prstGeom>
+          <a:noFill/>
+        </p:spPr>
+        <p:txBody>
+          <a:bodyPr wrap="none" rtlCol="0">
+            <a:spAutoFit/>
+          </a:bodyPr>
+          <a:lstStyle/>
+          <a:p>
+            <a:r>
+              <a:rPr lang="en-US" b="1" dirty="0"/>
+              <a:t>West Europe region</a:t>
+            </a:r>
+          </a:p>
+        </p:txBody>
+      </p:sp>
+      <p:sp>
+        <p:nvSpPr>
+          <p:cNvPr id="20" name="TextBox 19">
+            <a:extLst>
+              <a:ext uri="{FF2B5EF4-FFF2-40B4-BE49-F238E27FC236}">
+                <a16:creationId xmlns:a16="http://schemas.microsoft.com/office/drawing/2014/main" id="{A0AD0BA0-CF47-2FC1-0A5C-1F8070C29CCC}"/>
+              </a:ext>
+            </a:extLst>
+          </p:cNvPr>
+          <p:cNvSpPr txBox="1"/>
+          <p:nvPr/>
+        </p:nvSpPr>
+        <p:spPr>
+          <a:xfrm>
+            <a:off x="6227236" y="2175806"/>
+            <a:ext cx="2282676" cy="369332"/>
+          </a:xfrm>
+          <a:prstGeom prst="rect">
+            <a:avLst/>
+          </a:prstGeom>
+          <a:noFill/>
+        </p:spPr>
+        <p:txBody>
+          <a:bodyPr wrap="none" rtlCol="0">
+            <a:spAutoFit/>
+          </a:bodyPr>
+          <a:lstStyle/>
+          <a:p>
+            <a:r>
+              <a:rPr lang="en-US" b="1" dirty="0"/>
+              <a:t>North Europe region</a:t>
+            </a:r>
+          </a:p>
+        </p:txBody>
+      </p:sp>
+      <p:cxnSp>
+        <p:nvCxnSpPr>
+          <p:cNvPr id="29" name="Straight Arrow Connector 28">
+            <a:extLst>
+              <a:ext uri="{FF2B5EF4-FFF2-40B4-BE49-F238E27FC236}">
+                <a16:creationId xmlns:a16="http://schemas.microsoft.com/office/drawing/2014/main" id="{F25806B3-F539-EDBD-52BA-678143E8E369}"/>
+              </a:ext>
+            </a:extLst>
+          </p:cNvPr>
+          <p:cNvCxnSpPr>
+            <a:cxnSpLocks/>
+          </p:cNvCxnSpPr>
+          <p:nvPr/>
+        </p:nvCxnSpPr>
+        <p:spPr>
+          <a:xfrm>
+            <a:off x="4318504" y="4517092"/>
+            <a:ext cx="1204153" cy="561270"/>
+          </a:xfrm>
+          <a:prstGeom prst="straightConnector1">
+            <a:avLst/>
+          </a:prstGeom>
+          <a:ln w="44450">
             <a:solidFill>
-              <a:schemeClr val="accent1"/>
+              <a:schemeClr val="accent2">
+                <a:lumMod val="60000"/>
+                <a:lumOff val="40000"/>
+              </a:schemeClr>
             </a:solidFill>
+            <a:tailEnd type="triangle"/>
           </a:ln>
         </p:spPr>
-        <p:txBody>
-          <a:bodyPr wrap="square" rtlCol="0">
+        <p:style>
+          <a:lnRef idx="2">
+            <a:schemeClr val="accent1"/>
+          </a:lnRef>
+          <a:fillRef idx="0">
+            <a:schemeClr val="accent1"/>
+          </a:fillRef>
+          <a:effectRef idx="1">
+            <a:schemeClr val="accent1"/>
+          </a:effectRef>
+          <a:fontRef idx="minor">
+            <a:schemeClr val="tx1"/>
+          </a:fontRef>
+        </p:style>
+      </p:cxnSp>
+      <p:cxnSp>
+        <p:nvCxnSpPr>
+          <p:cNvPr id="32" name="Straight Arrow Connector 31">
+            <a:extLst>
+              <a:ext uri="{FF2B5EF4-FFF2-40B4-BE49-F238E27FC236}">
+                <a16:creationId xmlns:a16="http://schemas.microsoft.com/office/drawing/2014/main" id="{D34E2C53-0FBD-5E7E-2B59-787E4D75DC14}"/>
+              </a:ext>
+            </a:extLst>
+          </p:cNvPr>
+          <p:cNvCxnSpPr>
+            <a:cxnSpLocks/>
+          </p:cNvCxnSpPr>
+          <p:nvPr/>
+        </p:nvCxnSpPr>
+        <p:spPr>
+          <a:xfrm flipH="1">
+            <a:off x="6227236" y="4526895"/>
+            <a:ext cx="544756" cy="505065"/>
+          </a:xfrm>
+          <a:prstGeom prst="straightConnector1">
+            <a:avLst/>
+          </a:prstGeom>
+          <a:ln w="44450">
+            <a:solidFill>
+              <a:schemeClr val="accent2">
+                <a:lumMod val="60000"/>
+                <a:lumOff val="40000"/>
+              </a:schemeClr>
+            </a:solidFill>
+            <a:tailEnd type="triangle"/>
+          </a:ln>
+        </p:spPr>
+        <p:style>
+          <a:lnRef idx="2">
+            <a:schemeClr val="accent1"/>
+          </a:lnRef>
+          <a:fillRef idx="0">
+            <a:schemeClr val="accent1"/>
+          </a:fillRef>
+          <a:effectRef idx="1">
+            <a:schemeClr val="accent1"/>
+          </a:effectRef>
+          <a:fontRef idx="minor">
+            <a:schemeClr val="tx1"/>
+          </a:fontRef>
+        </p:style>
+      </p:cxnSp>
+      <p:pic>
+        <p:nvPicPr>
+          <p:cNvPr id="3" name="Picture 2">
+            <a:extLst>
+              <a:ext uri="{FF2B5EF4-FFF2-40B4-BE49-F238E27FC236}">
+                <a16:creationId xmlns:a16="http://schemas.microsoft.com/office/drawing/2014/main" id="{E30AD546-ABAC-C3A5-38BF-BAEBD42AEB6A}"/>
+              </a:ext>
+            </a:extLst>
+          </p:cNvPr>
+          <p:cNvPicPr>
+            <a:picLocks noChangeAspect="1"/>
+          </p:cNvPicPr>
+          <p:nvPr/>
+        </p:nvPicPr>
+        <p:blipFill>
+          <a:blip r:embed="rId2"/>
+          <a:stretch>
+            <a:fillRect/>
+          </a:stretch>
+        </p:blipFill>
+        <p:spPr>
+          <a:xfrm>
+            <a:off x="3099520" y="2938462"/>
+            <a:ext cx="1054776" cy="917792"/>
+          </a:xfrm>
+          <a:prstGeom prst="rect">
+            <a:avLst/>
+          </a:prstGeom>
+        </p:spPr>
+      </p:pic>
+      <p:sp>
+        <p:nvSpPr>
+          <p:cNvPr id="4" name="TextBox 3">
+            <a:extLst>
+              <a:ext uri="{FF2B5EF4-FFF2-40B4-BE49-F238E27FC236}">
+                <a16:creationId xmlns:a16="http://schemas.microsoft.com/office/drawing/2014/main" id="{D4593B4E-08A3-44C1-4471-E9FB5CE10D3F}"/>
+              </a:ext>
+            </a:extLst>
+          </p:cNvPr>
+          <p:cNvSpPr txBox="1"/>
+          <p:nvPr/>
+        </p:nvSpPr>
+        <p:spPr>
+          <a:xfrm>
+            <a:off x="3135287" y="3717754"/>
+            <a:ext cx="1445011" cy="276999"/>
+          </a:xfrm>
+          <a:prstGeom prst="rect">
+            <a:avLst/>
+          </a:prstGeom>
+          <a:noFill/>
+        </p:spPr>
+        <p:txBody>
+          <a:bodyPr wrap="none" rtlCol="0">
             <a:spAutoFit/>
           </a:bodyPr>
           <a:lstStyle/>
           <a:p>
             <a:r>
-              <a:rPr lang="en-US" sz="1400" dirty="0">
-                <a:latin typeface="Cascadia Mono" panose="020B0609020000020004" pitchFamily="49" charset="0"/>
-                <a:cs typeface="Cascadia Mono" panose="020B0609020000020004" pitchFamily="49" charset="0"/>
-              </a:rPr>
-              <a:t>var ret = await _</a:t>
-            </a:r>
-            <a:r>
-              <a:rPr lang="en-US" sz="1400" dirty="0" err="1">
-                <a:latin typeface="Cascadia Mono" panose="020B0609020000020004" pitchFamily="49" charset="0"/>
-                <a:cs typeface="Cascadia Mono" panose="020B0609020000020004" pitchFamily="49" charset="0"/>
-              </a:rPr>
-              <a:t>cache.GetStringAsync</a:t>
-            </a:r>
-            <a:r>
-              <a:rPr lang="en-US" sz="1400" dirty="0">
-                <a:latin typeface="Cascadia Mono" panose="020B0609020000020004" pitchFamily="49" charset="0"/>
-                <a:cs typeface="Cascadia Mono" panose="020B0609020000020004" pitchFamily="49" charset="0"/>
-              </a:rPr>
-              <a:t>(location);</a:t>
-            </a:r>
-          </a:p>
-          <a:p>
-            <a:r>
-              <a:rPr lang="en-US" sz="1400" dirty="0">
-                <a:latin typeface="Cascadia Mono" panose="020B0609020000020004" pitchFamily="49" charset="0"/>
-                <a:cs typeface="Cascadia Mono" panose="020B0609020000020004" pitchFamily="49" charset="0"/>
-              </a:rPr>
-              <a:t>if(ret == null)</a:t>
-            </a:r>
-          </a:p>
-          <a:p>
-            <a:r>
-              <a:rPr lang="en-US" sz="1400" dirty="0">
-                <a:latin typeface="Cascadia Mono" panose="020B0609020000020004" pitchFamily="49" charset="0"/>
-                <a:cs typeface="Cascadia Mono" panose="020B0609020000020004" pitchFamily="49" charset="0"/>
-              </a:rPr>
-              <a:t>{</a:t>
-            </a:r>
-          </a:p>
-          <a:p>
-            <a:r>
-              <a:rPr lang="en-US" sz="1400" dirty="0">
-                <a:latin typeface="Cascadia Mono" panose="020B0609020000020004" pitchFamily="49" charset="0"/>
-                <a:cs typeface="Cascadia Mono" panose="020B0609020000020004" pitchFamily="49" charset="0"/>
-              </a:rPr>
-              <a:t>    ret = await _</a:t>
-            </a:r>
-            <a:r>
-              <a:rPr lang="en-US" sz="1400" dirty="0" err="1">
-                <a:latin typeface="Cascadia Mono" panose="020B0609020000020004" pitchFamily="49" charset="0"/>
-                <a:cs typeface="Cascadia Mono" panose="020B0609020000020004" pitchFamily="49" charset="0"/>
-              </a:rPr>
-              <a:t>dataSources.GetCurrentTime</a:t>
-            </a:r>
-            <a:r>
-              <a:rPr lang="en-US" sz="1400" dirty="0">
-                <a:latin typeface="Cascadia Mono" panose="020B0609020000020004" pitchFamily="49" charset="0"/>
-                <a:cs typeface="Cascadia Mono" panose="020B0609020000020004" pitchFamily="49" charset="0"/>
-              </a:rPr>
-              <a:t>(location);</a:t>
-            </a:r>
-          </a:p>
-          <a:p>
-            <a:r>
-              <a:rPr lang="en-US" sz="1400" dirty="0">
-                <a:latin typeface="Cascadia Mono" panose="020B0609020000020004" pitchFamily="49" charset="0"/>
-                <a:cs typeface="Cascadia Mono" panose="020B0609020000020004" pitchFamily="49" charset="0"/>
-              </a:rPr>
-              <a:t>    await _</a:t>
-            </a:r>
-            <a:r>
-              <a:rPr lang="en-US" sz="1400" dirty="0" err="1">
-                <a:latin typeface="Cascadia Mono" panose="020B0609020000020004" pitchFamily="49" charset="0"/>
-                <a:cs typeface="Cascadia Mono" panose="020B0609020000020004" pitchFamily="49" charset="0"/>
-              </a:rPr>
-              <a:t>cache.SetStringAsync</a:t>
-            </a:r>
-            <a:r>
-              <a:rPr lang="en-US" sz="1400" dirty="0">
-                <a:latin typeface="Cascadia Mono" panose="020B0609020000020004" pitchFamily="49" charset="0"/>
-                <a:cs typeface="Cascadia Mono" panose="020B0609020000020004" pitchFamily="49" charset="0"/>
-              </a:rPr>
-              <a:t>(location, ret);</a:t>
-            </a:r>
-          </a:p>
-          <a:p>
-            <a:r>
-              <a:rPr lang="en-US" sz="1400" dirty="0">
-                <a:latin typeface="Cascadia Mono" panose="020B0609020000020004" pitchFamily="49" charset="0"/>
-                <a:cs typeface="Cascadia Mono" panose="020B0609020000020004" pitchFamily="49" charset="0"/>
-              </a:rPr>
-              <a:t>}</a:t>
-            </a:r>
-          </a:p>
-          <a:p>
-            <a:r>
-              <a:rPr lang="en-US" sz="1400" dirty="0">
-                <a:latin typeface="Cascadia Mono" panose="020B0609020000020004" pitchFamily="49" charset="0"/>
-                <a:cs typeface="Cascadia Mono" panose="020B0609020000020004" pitchFamily="49" charset="0"/>
-              </a:rPr>
-              <a:t>return ret;</a:t>
-            </a:r>
-          </a:p>
-        </p:txBody>
-      </p:sp>
+              <a:rPr lang="en-US" sz="1200" i="1" dirty="0"/>
+              <a:t>West 2 (1 instance)</a:t>
+            </a:r>
+          </a:p>
+        </p:txBody>
+      </p:sp>
+      <p:sp>
+        <p:nvSpPr>
+          <p:cNvPr id="6" name="Rectangle: Rounded Corners 5">
+            <a:extLst>
+              <a:ext uri="{FF2B5EF4-FFF2-40B4-BE49-F238E27FC236}">
+                <a16:creationId xmlns:a16="http://schemas.microsoft.com/office/drawing/2014/main" id="{DFE41449-F82D-813C-3040-6438158718C5}"/>
+              </a:ext>
+            </a:extLst>
+          </p:cNvPr>
+          <p:cNvSpPr/>
+          <p:nvPr/>
+        </p:nvSpPr>
+        <p:spPr>
+          <a:xfrm>
+            <a:off x="575035" y="1263192"/>
+            <a:ext cx="11368726" cy="5020246"/>
+          </a:xfrm>
+          <a:prstGeom prst="roundRect">
+            <a:avLst/>
+          </a:prstGeom>
+          <a:noFill/>
+        </p:spPr>
+        <p:style>
+          <a:lnRef idx="2">
+            <a:schemeClr val="accent1">
+              <a:shade val="15000"/>
+            </a:schemeClr>
+          </a:lnRef>
+          <a:fillRef idx="1">
+            <a:schemeClr val="accent1"/>
+          </a:fillRef>
+          <a:effectRef idx="0">
+            <a:schemeClr val="accent1"/>
+          </a:effectRef>
+          <a:fontRef idx="minor">
+            <a:schemeClr val="lt1"/>
+          </a:fontRef>
+        </p:style>
+        <p:txBody>
+          <a:bodyPr rtlCol="0" anchor="ctr"/>
+          <a:lstStyle/>
+          <a:p>
+            <a:pPr algn="ctr"/>
+            <a:endParaRPr lang="en-US"/>
+          </a:p>
+        </p:txBody>
+      </p:sp>
+      <p:pic>
+        <p:nvPicPr>
+          <p:cNvPr id="8" name="Picture 7">
+            <a:extLst>
+              <a:ext uri="{FF2B5EF4-FFF2-40B4-BE49-F238E27FC236}">
+                <a16:creationId xmlns:a16="http://schemas.microsoft.com/office/drawing/2014/main" id="{15F2BFA4-2A6B-DA9C-A2AB-050638BD7E20}"/>
+              </a:ext>
+            </a:extLst>
+          </p:cNvPr>
+          <p:cNvPicPr>
+            <a:picLocks noChangeAspect="1"/>
+          </p:cNvPicPr>
+          <p:nvPr/>
+        </p:nvPicPr>
+        <p:blipFill>
+          <a:blip r:embed="rId2"/>
+          <a:stretch>
+            <a:fillRect/>
+          </a:stretch>
+        </p:blipFill>
+        <p:spPr>
+          <a:xfrm>
+            <a:off x="7384078" y="3018488"/>
+            <a:ext cx="1054776" cy="917792"/>
+          </a:xfrm>
+          <a:prstGeom prst="rect">
+            <a:avLst/>
+          </a:prstGeom>
+        </p:spPr>
+      </p:pic>
+      <p:sp>
+        <p:nvSpPr>
+          <p:cNvPr id="10" name="TextBox 9">
+            <a:extLst>
+              <a:ext uri="{FF2B5EF4-FFF2-40B4-BE49-F238E27FC236}">
+                <a16:creationId xmlns:a16="http://schemas.microsoft.com/office/drawing/2014/main" id="{7A273687-971E-5642-B3E3-E2C543EE6C3B}"/>
+              </a:ext>
+            </a:extLst>
+          </p:cNvPr>
+          <p:cNvSpPr txBox="1"/>
+          <p:nvPr/>
+        </p:nvSpPr>
+        <p:spPr>
+          <a:xfrm>
+            <a:off x="7384078" y="3773315"/>
+            <a:ext cx="1485022" cy="276999"/>
+          </a:xfrm>
+          <a:prstGeom prst="rect">
+            <a:avLst/>
+          </a:prstGeom>
+          <a:noFill/>
+        </p:spPr>
+        <p:txBody>
+          <a:bodyPr wrap="none" rtlCol="0">
+            <a:spAutoFit/>
+          </a:bodyPr>
+          <a:lstStyle/>
+          <a:p>
+            <a:r>
+              <a:rPr lang="en-US" sz="1200" i="1" dirty="0"/>
+              <a:t>North 1 (1 instance)</a:t>
+            </a:r>
+          </a:p>
+        </p:txBody>
+      </p:sp>
+      <p:pic>
+        <p:nvPicPr>
+          <p:cNvPr id="14" name="Picture 13">
+            <a:extLst>
+              <a:ext uri="{FF2B5EF4-FFF2-40B4-BE49-F238E27FC236}">
+                <a16:creationId xmlns:a16="http://schemas.microsoft.com/office/drawing/2014/main" id="{17199AC1-C635-2B52-7A8D-4772E68DCD52}"/>
+              </a:ext>
+            </a:extLst>
+          </p:cNvPr>
+          <p:cNvPicPr>
+            <a:picLocks noChangeAspect="1"/>
+          </p:cNvPicPr>
+          <p:nvPr/>
+        </p:nvPicPr>
+        <p:blipFill>
+          <a:blip r:embed="rId2"/>
+          <a:stretch>
+            <a:fillRect/>
+          </a:stretch>
+        </p:blipFill>
+        <p:spPr>
+          <a:xfrm>
+            <a:off x="9240251" y="3018488"/>
+            <a:ext cx="1054776" cy="917792"/>
+          </a:xfrm>
+          <a:prstGeom prst="rect">
+            <a:avLst/>
+          </a:prstGeom>
+        </p:spPr>
+      </p:pic>
+      <p:sp>
+        <p:nvSpPr>
+          <p:cNvPr id="24" name="TextBox 23">
+            <a:extLst>
+              <a:ext uri="{FF2B5EF4-FFF2-40B4-BE49-F238E27FC236}">
+                <a16:creationId xmlns:a16="http://schemas.microsoft.com/office/drawing/2014/main" id="{0D4AB547-87F0-D028-F900-297039F58EBB}"/>
+              </a:ext>
+            </a:extLst>
+          </p:cNvPr>
+          <p:cNvSpPr txBox="1"/>
+          <p:nvPr/>
+        </p:nvSpPr>
+        <p:spPr>
+          <a:xfrm>
+            <a:off x="9240251" y="3787677"/>
+            <a:ext cx="1485022" cy="276999"/>
+          </a:xfrm>
+          <a:prstGeom prst="rect">
+            <a:avLst/>
+          </a:prstGeom>
+          <a:noFill/>
+        </p:spPr>
+        <p:txBody>
+          <a:bodyPr wrap="none" rtlCol="0">
+            <a:spAutoFit/>
+          </a:bodyPr>
+          <a:lstStyle/>
+          <a:p>
+            <a:r>
+              <a:rPr lang="en-US" sz="1200" i="1" dirty="0"/>
+              <a:t>North 2 (1 instance)</a:t>
+            </a:r>
+          </a:p>
+        </p:txBody>
+      </p:sp>
+      <p:sp>
+        <p:nvSpPr>
+          <p:cNvPr id="27" name="Rectangle: Rounded Corners 26">
+            <a:extLst>
+              <a:ext uri="{FF2B5EF4-FFF2-40B4-BE49-F238E27FC236}">
+                <a16:creationId xmlns:a16="http://schemas.microsoft.com/office/drawing/2014/main" id="{FE9E9F0B-56F6-4289-A31C-5B2F4509B7BF}"/>
+              </a:ext>
+            </a:extLst>
+          </p:cNvPr>
+          <p:cNvSpPr/>
+          <p:nvPr/>
+        </p:nvSpPr>
+        <p:spPr>
+          <a:xfrm>
+            <a:off x="6897129" y="2613015"/>
+            <a:ext cx="4475575" cy="1728738"/>
+          </a:xfrm>
+          <a:prstGeom prst="roundRect">
+            <a:avLst/>
+          </a:prstGeom>
+          <a:noFill/>
+        </p:spPr>
+        <p:style>
+          <a:lnRef idx="2">
+            <a:schemeClr val="accent1">
+              <a:shade val="15000"/>
+            </a:schemeClr>
+          </a:lnRef>
+          <a:fillRef idx="1">
+            <a:schemeClr val="accent1"/>
+          </a:fillRef>
+          <a:effectRef idx="0">
+            <a:schemeClr val="accent1"/>
+          </a:effectRef>
+          <a:fontRef idx="minor">
+            <a:schemeClr val="lt1"/>
+          </a:fontRef>
+        </p:style>
+        <p:txBody>
+          <a:bodyPr rtlCol="0" anchor="ctr"/>
+          <a:lstStyle/>
+          <a:p>
+            <a:pPr algn="ctr"/>
+            <a:endParaRPr lang="en-US"/>
+          </a:p>
+        </p:txBody>
+      </p:sp>
+      <p:sp>
+        <p:nvSpPr>
+          <p:cNvPr id="34" name="TextBox 33">
+            <a:extLst>
+              <a:ext uri="{FF2B5EF4-FFF2-40B4-BE49-F238E27FC236}">
+                <a16:creationId xmlns:a16="http://schemas.microsoft.com/office/drawing/2014/main" id="{7E468416-680B-2C67-1460-7990F6B1F3F6}"/>
+              </a:ext>
+            </a:extLst>
+          </p:cNvPr>
+          <p:cNvSpPr txBox="1"/>
+          <p:nvPr/>
+        </p:nvSpPr>
+        <p:spPr>
+          <a:xfrm>
+            <a:off x="3135287" y="6316335"/>
+            <a:ext cx="6003375" cy="369332"/>
+          </a:xfrm>
+          <a:prstGeom prst="rect">
+            <a:avLst/>
+          </a:prstGeom>
+          <a:noFill/>
+        </p:spPr>
+        <p:txBody>
+          <a:bodyPr wrap="none" rtlCol="0">
+            <a:spAutoFit/>
+          </a:bodyPr>
+          <a:lstStyle/>
+          <a:p>
+            <a:r>
+              <a:rPr lang="en-US" i="1" dirty="0"/>
+              <a:t>We can point specific Azure web app (for demo purposes)</a:t>
+            </a:r>
+          </a:p>
+        </p:txBody>
+      </p:sp>
+      <p:pic>
+        <p:nvPicPr>
+          <p:cNvPr id="11" name="Picture 10">
+            <a:extLst>
+              <a:ext uri="{FF2B5EF4-FFF2-40B4-BE49-F238E27FC236}">
+                <a16:creationId xmlns:a16="http://schemas.microsoft.com/office/drawing/2014/main" id="{00D7B21A-74EF-FE4E-802F-3F7A81A0E4D1}"/>
+              </a:ext>
+            </a:extLst>
+          </p:cNvPr>
+          <p:cNvPicPr>
+            <a:picLocks noChangeAspect="1"/>
+          </p:cNvPicPr>
+          <p:nvPr/>
+        </p:nvPicPr>
+        <p:blipFill>
+          <a:blip r:embed="rId5"/>
+          <a:stretch>
+            <a:fillRect/>
+          </a:stretch>
+        </p:blipFill>
+        <p:spPr>
+          <a:xfrm>
+            <a:off x="3523023" y="5219055"/>
+            <a:ext cx="1204153" cy="759376"/>
+          </a:xfrm>
+          <a:prstGeom prst="rect">
+            <a:avLst/>
+          </a:prstGeom>
+        </p:spPr>
+      </p:pic>
     </p:spTree>
     <p:extLst>
       <p:ext uri="{BB962C8B-B14F-4D97-AF65-F5344CB8AC3E}">
-        <p14:creationId xmlns:p14="http://schemas.microsoft.com/office/powerpoint/2010/main" val="1318049224"/>
+        <p14:creationId xmlns:p14="http://schemas.microsoft.com/office/powerpoint/2010/main" val="253610721"/>
       </p:ext>
     </p:extLst>
   </p:cSld>
@@ -7436,7 +8886,7 @@
           <p:cNvPr id="2" name="Title 1">
             <a:extLst>
               <a:ext uri="{FF2B5EF4-FFF2-40B4-BE49-F238E27FC236}">
-                <a16:creationId xmlns:a16="http://schemas.microsoft.com/office/drawing/2014/main" id="{347BCA57-5E9B-04AB-1CD8-52BAF0286CE5}"/>
+                <a16:creationId xmlns:a16="http://schemas.microsoft.com/office/drawing/2014/main" id="{43F4E76F-40E9-3352-84AD-8F715042F7FD}"/>
               </a:ext>
             </a:extLst>
           </p:cNvPr>
@@ -7453,336 +8903,50 @@
           <a:lstStyle/>
           <a:p>
             <a:r>
-              <a:rPr lang="en-US"/>
-              <a:t>Caching Patterns: Read-Through</a:t>
-            </a:r>
-            <a:endParaRPr lang="en-US" dirty="0"/>
-          </a:p>
-        </p:txBody>
-      </p:sp>
-      <p:pic>
-        <p:nvPicPr>
-          <p:cNvPr id="9" name="Content Placeholder 8">
-            <a:extLst>
-              <a:ext uri="{FF2B5EF4-FFF2-40B4-BE49-F238E27FC236}">
-                <a16:creationId xmlns:a16="http://schemas.microsoft.com/office/drawing/2014/main" id="{3156FBF6-3FDC-5C14-5656-F34B6FBA54ED}"/>
-              </a:ext>
-            </a:extLst>
-          </p:cNvPr>
-          <p:cNvPicPr>
-            <a:picLocks noGrp="1" noChangeAspect="1"/>
-          </p:cNvPicPr>
+              <a:rPr lang="en-US" dirty="0"/>
+              <a:t>Demo Setup</a:t>
+            </a:r>
+          </a:p>
+        </p:txBody>
+      </p:sp>
+      <p:sp>
+        <p:nvSpPr>
+          <p:cNvPr id="3" name="Content Placeholder 2">
+            <a:extLst>
+              <a:ext uri="{FF2B5EF4-FFF2-40B4-BE49-F238E27FC236}">
+                <a16:creationId xmlns:a16="http://schemas.microsoft.com/office/drawing/2014/main" id="{4834D298-4512-6554-B9F8-2A1DE886F305}"/>
+              </a:ext>
+            </a:extLst>
+          </p:cNvPr>
+          <p:cNvSpPr>
+            <a:spLocks noGrp="1"/>
+          </p:cNvSpPr>
           <p:nvPr>
             <p:ph idx="1"/>
           </p:nvPr>
-        </p:nvPicPr>
-        <p:blipFill>
-          <a:blip r:embed="rId2">
-            <a:extLst>
-              <a:ext uri="{28A0092B-C50C-407E-A947-70E740481C1C}">
-                <a14:useLocalDpi xmlns:a14="http://schemas.microsoft.com/office/drawing/2010/main" val="0"/>
-              </a:ext>
-              <a:ext uri="{96DAC541-7B7A-43D3-8B79-37D633B846F1}">
-                <asvg:svgBlip xmlns:asvg="http://schemas.microsoft.com/office/drawing/2016/SVG/main" r:embed="rId3"/>
-              </a:ext>
-            </a:extLst>
-          </a:blip>
-          <a:stretch>
-            <a:fillRect/>
-          </a:stretch>
-        </p:blipFill>
-        <p:spPr>
-          <a:xfrm>
-            <a:off x="2318994" y="1924843"/>
-            <a:ext cx="6872140" cy="4568031"/>
-          </a:xfrm>
-        </p:spPr>
-      </p:pic>
-      <p:sp>
-        <p:nvSpPr>
-          <p:cNvPr id="4" name="AutoShape 2">
-            <a:extLst>
-              <a:ext uri="{FF2B5EF4-FFF2-40B4-BE49-F238E27FC236}">
-                <a16:creationId xmlns:a16="http://schemas.microsoft.com/office/drawing/2014/main" id="{099BB7B0-BEE9-D260-BF52-CD168EDAE401}"/>
-              </a:ext>
-            </a:extLst>
-          </p:cNvPr>
-          <p:cNvSpPr>
-            <a:spLocks noChangeAspect="1" noChangeArrowheads="1"/>
-          </p:cNvSpPr>
-          <p:nvPr/>
-        </p:nvSpPr>
-        <p:spPr bwMode="auto">
-          <a:xfrm>
-            <a:off x="5943600" y="3276600"/>
-            <a:ext cx="304800" cy="304800"/>
-          </a:xfrm>
-          <a:prstGeom prst="rect">
-            <a:avLst/>
-          </a:prstGeom>
-          <a:noFill/>
-          <a:extLst>
-            <a:ext uri="{909E8E84-426E-40DD-AFC4-6F175D3DCCD1}">
-              <a14:hiddenFill xmlns:a14="http://schemas.microsoft.com/office/drawing/2010/main">
-                <a:solidFill>
-                  <a:srgbClr val="FFFFFF"/>
-                </a:solidFill>
-              </a14:hiddenFill>
-            </a:ext>
-          </a:extLst>
-        </p:spPr>
-        <p:txBody>
-          <a:bodyPr vert="horz" wrap="square" lIns="91440" tIns="45720" rIns="91440" bIns="45720" numCol="1" anchor="t" anchorCtr="0" compatLnSpc="1">
-            <a:prstTxWarp prst="textNoShape">
-              <a:avLst/>
-            </a:prstTxWarp>
-          </a:bodyPr>
-          <a:lstStyle/>
-          <a:p>
-            <a:endParaRPr lang="en-US"/>
-          </a:p>
-        </p:txBody>
-      </p:sp>
-      <p:sp>
-        <p:nvSpPr>
-          <p:cNvPr id="7" name="AutoShape 8">
-            <a:extLst>
-              <a:ext uri="{FF2B5EF4-FFF2-40B4-BE49-F238E27FC236}">
-                <a16:creationId xmlns:a16="http://schemas.microsoft.com/office/drawing/2014/main" id="{055B34A0-5536-3A41-D650-A902B058AC69}"/>
-              </a:ext>
-            </a:extLst>
-          </p:cNvPr>
-          <p:cNvSpPr>
-            <a:spLocks noChangeAspect="1" noChangeArrowheads="1"/>
-          </p:cNvSpPr>
-          <p:nvPr/>
-        </p:nvSpPr>
-        <p:spPr bwMode="auto">
-          <a:xfrm>
-            <a:off x="6096000" y="3429000"/>
-            <a:ext cx="304800" cy="304800"/>
-          </a:xfrm>
-          <a:prstGeom prst="rect">
-            <a:avLst/>
-          </a:prstGeom>
-          <a:noFill/>
-          <a:extLst>
-            <a:ext uri="{909E8E84-426E-40DD-AFC4-6F175D3DCCD1}">
-              <a14:hiddenFill xmlns:a14="http://schemas.microsoft.com/office/drawing/2010/main">
-                <a:solidFill>
-                  <a:srgbClr val="FFFFFF"/>
-                </a:solidFill>
-              </a14:hiddenFill>
-            </a:ext>
-          </a:extLst>
-        </p:spPr>
-        <p:txBody>
-          <a:bodyPr vert="horz" wrap="square" lIns="91440" tIns="45720" rIns="91440" bIns="45720" numCol="1" anchor="t" anchorCtr="0" compatLnSpc="1">
-            <a:prstTxWarp prst="textNoShape">
-              <a:avLst/>
-            </a:prstTxWarp>
-          </a:bodyPr>
-          <a:lstStyle/>
-          <a:p>
-            <a:endParaRPr lang="en-US"/>
-          </a:p>
-        </p:txBody>
-      </p:sp>
-      <p:sp>
-        <p:nvSpPr>
-          <p:cNvPr id="10" name="Content Placeholder 2">
-            <a:extLst>
-              <a:ext uri="{FF2B5EF4-FFF2-40B4-BE49-F238E27FC236}">
-                <a16:creationId xmlns:a16="http://schemas.microsoft.com/office/drawing/2014/main" id="{6B001CB5-55E2-34F4-056D-227B2079A42E}"/>
-              </a:ext>
-            </a:extLst>
-          </p:cNvPr>
-          <p:cNvSpPr txBox="1">
-            <a:spLocks/>
-          </p:cNvSpPr>
-          <p:nvPr/>
-        </p:nvSpPr>
-        <p:spPr>
-          <a:xfrm>
-            <a:off x="762786" y="1405731"/>
-            <a:ext cx="10515600" cy="4351338"/>
-          </a:xfrm>
-          <a:prstGeom prst="rect">
-            <a:avLst/>
-          </a:prstGeom>
-        </p:spPr>
-        <p:txBody>
-          <a:bodyPr vert="horz" lIns="91440" tIns="45720" rIns="91440" bIns="45720" rtlCol="0">
-            <a:normAutofit/>
-          </a:bodyPr>
-          <a:lstStyle>
-            <a:lvl1pPr marL="228600" indent="-228600" algn="l" defTabSz="914400" rtl="0" eaLnBrk="1" latinLnBrk="0" hangingPunct="1">
-              <a:lnSpc>
-                <a:spcPct val="90000"/>
-              </a:lnSpc>
-              <a:spcBef>
-                <a:spcPts val="1000"/>
-              </a:spcBef>
-              <a:buFont typeface="Arial" panose="020B0604020202020204" pitchFamily="34" charset="0"/>
-              <a:buChar char="•"/>
-              <a:defRPr sz="2800" kern="1200">
-                <a:solidFill>
-                  <a:schemeClr val="tx1"/>
-                </a:solidFill>
-                <a:latin typeface="+mn-lt"/>
-                <a:ea typeface="+mn-ea"/>
-                <a:cs typeface="+mn-cs"/>
-              </a:defRPr>
-            </a:lvl1pPr>
-            <a:lvl2pPr marL="685800" indent="-228600" algn="l" defTabSz="914400" rtl="0" eaLnBrk="1" latinLnBrk="0" hangingPunct="1">
-              <a:lnSpc>
-                <a:spcPct val="90000"/>
-              </a:lnSpc>
-              <a:spcBef>
-                <a:spcPts val="500"/>
-              </a:spcBef>
-              <a:buFont typeface="Arial" panose="020B0604020202020204" pitchFamily="34" charset="0"/>
-              <a:buChar char="•"/>
-              <a:defRPr sz="2400" kern="1200">
-                <a:solidFill>
-                  <a:schemeClr val="tx1"/>
-                </a:solidFill>
-                <a:latin typeface="+mn-lt"/>
-                <a:ea typeface="+mn-ea"/>
-                <a:cs typeface="+mn-cs"/>
-              </a:defRPr>
-            </a:lvl2pPr>
-            <a:lvl3pPr marL="1143000" indent="-228600" algn="l" defTabSz="914400" rtl="0" eaLnBrk="1" latinLnBrk="0" hangingPunct="1">
-              <a:lnSpc>
-                <a:spcPct val="90000"/>
-              </a:lnSpc>
-              <a:spcBef>
-                <a:spcPts val="500"/>
-              </a:spcBef>
-              <a:buFont typeface="Arial" panose="020B0604020202020204" pitchFamily="34" charset="0"/>
-              <a:buChar char="•"/>
-              <a:defRPr sz="2000" kern="1200">
-                <a:solidFill>
-                  <a:schemeClr val="tx1"/>
-                </a:solidFill>
-                <a:latin typeface="+mn-lt"/>
-                <a:ea typeface="+mn-ea"/>
-                <a:cs typeface="+mn-cs"/>
-              </a:defRPr>
-            </a:lvl3pPr>
-            <a:lvl4pPr marL="1600200" indent="-228600" algn="l" defTabSz="914400" rtl="0" eaLnBrk="1" latinLnBrk="0" hangingPunct="1">
-              <a:lnSpc>
-                <a:spcPct val="90000"/>
-              </a:lnSpc>
-              <a:spcBef>
-                <a:spcPts val="500"/>
-              </a:spcBef>
-              <a:buFont typeface="Arial" panose="020B0604020202020204" pitchFamily="34" charset="0"/>
-              <a:buChar char="•"/>
-              <a:defRPr sz="1800" kern="1200">
-                <a:solidFill>
-                  <a:schemeClr val="tx1"/>
-                </a:solidFill>
-                <a:latin typeface="+mn-lt"/>
-                <a:ea typeface="+mn-ea"/>
-                <a:cs typeface="+mn-cs"/>
-              </a:defRPr>
-            </a:lvl4pPr>
-            <a:lvl5pPr marL="2057400" indent="-228600" algn="l" defTabSz="914400" rtl="0" eaLnBrk="1" latinLnBrk="0" hangingPunct="1">
-              <a:lnSpc>
-                <a:spcPct val="90000"/>
-              </a:lnSpc>
-              <a:spcBef>
-                <a:spcPts val="500"/>
-              </a:spcBef>
-              <a:buFont typeface="Arial" panose="020B0604020202020204" pitchFamily="34" charset="0"/>
-              <a:buChar char="•"/>
-              <a:defRPr sz="1800" kern="1200">
-                <a:solidFill>
-                  <a:schemeClr val="tx1"/>
-                </a:solidFill>
-                <a:latin typeface="+mn-lt"/>
-                <a:ea typeface="+mn-ea"/>
-                <a:cs typeface="+mn-cs"/>
-              </a:defRPr>
-            </a:lvl5pPr>
-            <a:lvl6pPr marL="2514600" indent="-228600" algn="l" defTabSz="914400" rtl="0" eaLnBrk="1" latinLnBrk="0" hangingPunct="1">
-              <a:lnSpc>
-                <a:spcPct val="90000"/>
-              </a:lnSpc>
-              <a:spcBef>
-                <a:spcPts val="500"/>
-              </a:spcBef>
-              <a:buFont typeface="Arial" panose="020B0604020202020204" pitchFamily="34" charset="0"/>
-              <a:buChar char="•"/>
-              <a:defRPr sz="1800" kern="1200">
-                <a:solidFill>
-                  <a:schemeClr val="tx1"/>
-                </a:solidFill>
-                <a:latin typeface="+mn-lt"/>
-                <a:ea typeface="+mn-ea"/>
-                <a:cs typeface="+mn-cs"/>
-              </a:defRPr>
-            </a:lvl6pPr>
-            <a:lvl7pPr marL="2971800" indent="-228600" algn="l" defTabSz="914400" rtl="0" eaLnBrk="1" latinLnBrk="0" hangingPunct="1">
-              <a:lnSpc>
-                <a:spcPct val="90000"/>
-              </a:lnSpc>
-              <a:spcBef>
-                <a:spcPts val="500"/>
-              </a:spcBef>
-              <a:buFont typeface="Arial" panose="020B0604020202020204" pitchFamily="34" charset="0"/>
-              <a:buChar char="•"/>
-              <a:defRPr sz="1800" kern="1200">
-                <a:solidFill>
-                  <a:schemeClr val="tx1"/>
-                </a:solidFill>
-                <a:latin typeface="+mn-lt"/>
-                <a:ea typeface="+mn-ea"/>
-                <a:cs typeface="+mn-cs"/>
-              </a:defRPr>
-            </a:lvl7pPr>
-            <a:lvl8pPr marL="3429000" indent="-228600" algn="l" defTabSz="914400" rtl="0" eaLnBrk="1" latinLnBrk="0" hangingPunct="1">
-              <a:lnSpc>
-                <a:spcPct val="90000"/>
-              </a:lnSpc>
-              <a:spcBef>
-                <a:spcPts val="500"/>
-              </a:spcBef>
-              <a:buFont typeface="Arial" panose="020B0604020202020204" pitchFamily="34" charset="0"/>
-              <a:buChar char="•"/>
-              <a:defRPr sz="1800" kern="1200">
-                <a:solidFill>
-                  <a:schemeClr val="tx1"/>
-                </a:solidFill>
-                <a:latin typeface="+mn-lt"/>
-                <a:ea typeface="+mn-ea"/>
-                <a:cs typeface="+mn-cs"/>
-              </a:defRPr>
-            </a:lvl8pPr>
-            <a:lvl9pPr marL="3886200" indent="-228600" algn="l" defTabSz="914400" rtl="0" eaLnBrk="1" latinLnBrk="0" hangingPunct="1">
-              <a:lnSpc>
-                <a:spcPct val="90000"/>
-              </a:lnSpc>
-              <a:spcBef>
-                <a:spcPts val="500"/>
-              </a:spcBef>
-              <a:buFont typeface="Arial" panose="020B0604020202020204" pitchFamily="34" charset="0"/>
-              <a:buChar char="•"/>
-              <a:defRPr sz="1800" kern="1200">
-                <a:solidFill>
-                  <a:schemeClr val="tx1"/>
-                </a:solidFill>
-                <a:latin typeface="+mn-lt"/>
-                <a:ea typeface="+mn-ea"/>
-                <a:cs typeface="+mn-cs"/>
-              </a:defRPr>
-            </a:lvl9pPr>
-          </a:lstStyle>
+        </p:nvSpPr>
+        <p:spPr/>
+        <p:txBody>
+          <a:bodyPr/>
+          <a:lstStyle/>
           <a:p>
             <a:r>
               <a:rPr lang="en-US" dirty="0"/>
-              <a:t>Cache is responsible to get the data</a:t>
+              <a:t>Bicep for provisioning</a:t>
+            </a:r>
+          </a:p>
+          <a:p>
+            <a:r>
+              <a:rPr lang="en-US" dirty="0"/>
+              <a:t>ADO (Azure </a:t>
+            </a:r>
+            <a:r>
+              <a:rPr lang="en-US" dirty="0" err="1"/>
+              <a:t>Devops</a:t>
+            </a:r>
+            <a:r>
+              <a:rPr lang="en-US" dirty="0"/>
+              <a:t>) pipelines for building and deploy</a:t>
             </a:r>
           </a:p>
         </p:txBody>
@@ -7790,7 +8954,7 @@
     </p:spTree>
     <p:extLst>
       <p:ext uri="{BB962C8B-B14F-4D97-AF65-F5344CB8AC3E}">
-        <p14:creationId xmlns:p14="http://schemas.microsoft.com/office/powerpoint/2010/main" val="635263817"/>
+        <p14:creationId xmlns:p14="http://schemas.microsoft.com/office/powerpoint/2010/main" val="980171820"/>
       </p:ext>
     </p:extLst>
   </p:cSld>
@@ -7822,7 +8986,7 @@
           <p:cNvPr id="2" name="Title 1">
             <a:extLst>
               <a:ext uri="{FF2B5EF4-FFF2-40B4-BE49-F238E27FC236}">
-                <a16:creationId xmlns:a16="http://schemas.microsoft.com/office/drawing/2014/main" id="{347BCA57-5E9B-04AB-1CD8-52BAF0286CE5}"/>
+                <a16:creationId xmlns:a16="http://schemas.microsoft.com/office/drawing/2014/main" id="{E4DD8161-788E-30FD-1379-48ECD5647A26}"/>
               </a:ext>
             </a:extLst>
           </p:cNvPr>
@@ -7840,312 +9004,143 @@
           <a:p>
             <a:r>
               <a:rPr lang="en-US" dirty="0"/>
-              <a:t>Caching Patterns: Read-"compromise"</a:t>
-            </a:r>
-          </a:p>
-        </p:txBody>
-      </p:sp>
-      <p:sp>
-        <p:nvSpPr>
-          <p:cNvPr id="4" name="AutoShape 2">
-            <a:extLst>
-              <a:ext uri="{FF2B5EF4-FFF2-40B4-BE49-F238E27FC236}">
-                <a16:creationId xmlns:a16="http://schemas.microsoft.com/office/drawing/2014/main" id="{099BB7B0-BEE9-D260-BF52-CD168EDAE401}"/>
-              </a:ext>
-            </a:extLst>
-          </p:cNvPr>
-          <p:cNvSpPr>
-            <a:spLocks noChangeAspect="1" noChangeArrowheads="1"/>
-          </p:cNvSpPr>
-          <p:nvPr/>
-        </p:nvSpPr>
-        <p:spPr bwMode="auto">
-          <a:xfrm>
-            <a:off x="5943600" y="3276600"/>
-            <a:ext cx="304800" cy="304800"/>
-          </a:xfrm>
-          <a:prstGeom prst="rect">
-            <a:avLst/>
-          </a:prstGeom>
-          <a:noFill/>
-          <a:extLst>
-            <a:ext uri="{909E8E84-426E-40DD-AFC4-6F175D3DCCD1}">
-              <a14:hiddenFill xmlns:a14="http://schemas.microsoft.com/office/drawing/2010/main">
-                <a:solidFill>
-                  <a:srgbClr val="FFFFFF"/>
-                </a:solidFill>
-              </a14:hiddenFill>
-            </a:ext>
-          </a:extLst>
-        </p:spPr>
-        <p:txBody>
-          <a:bodyPr vert="horz" wrap="square" lIns="91440" tIns="45720" rIns="91440" bIns="45720" numCol="1" anchor="t" anchorCtr="0" compatLnSpc="1">
-            <a:prstTxWarp prst="textNoShape">
-              <a:avLst/>
-            </a:prstTxWarp>
-          </a:bodyPr>
-          <a:lstStyle/>
-          <a:p>
-            <a:endParaRPr lang="en-US"/>
-          </a:p>
-        </p:txBody>
-      </p:sp>
-      <p:sp>
-        <p:nvSpPr>
-          <p:cNvPr id="7" name="AutoShape 8">
-            <a:extLst>
-              <a:ext uri="{FF2B5EF4-FFF2-40B4-BE49-F238E27FC236}">
-                <a16:creationId xmlns:a16="http://schemas.microsoft.com/office/drawing/2014/main" id="{055B34A0-5536-3A41-D650-A902B058AC69}"/>
-              </a:ext>
-            </a:extLst>
-          </p:cNvPr>
-          <p:cNvSpPr>
-            <a:spLocks noChangeAspect="1" noChangeArrowheads="1"/>
-          </p:cNvSpPr>
-          <p:nvPr/>
-        </p:nvSpPr>
-        <p:spPr bwMode="auto">
-          <a:xfrm>
-            <a:off x="6096000" y="3429000"/>
-            <a:ext cx="304800" cy="304800"/>
-          </a:xfrm>
-          <a:prstGeom prst="rect">
-            <a:avLst/>
-          </a:prstGeom>
-          <a:noFill/>
-          <a:extLst>
-            <a:ext uri="{909E8E84-426E-40DD-AFC4-6F175D3DCCD1}">
-              <a14:hiddenFill xmlns:a14="http://schemas.microsoft.com/office/drawing/2010/main">
-                <a:solidFill>
-                  <a:srgbClr val="FFFFFF"/>
-                </a:solidFill>
-              </a14:hiddenFill>
-            </a:ext>
-          </a:extLst>
-        </p:spPr>
-        <p:txBody>
-          <a:bodyPr vert="horz" wrap="square" lIns="91440" tIns="45720" rIns="91440" bIns="45720" numCol="1" anchor="t" anchorCtr="0" compatLnSpc="1">
-            <a:prstTxWarp prst="textNoShape">
-              <a:avLst/>
-            </a:prstTxWarp>
-          </a:bodyPr>
-          <a:lstStyle/>
-          <a:p>
-            <a:endParaRPr lang="en-US"/>
-          </a:p>
-        </p:txBody>
-      </p:sp>
-      <p:sp>
-        <p:nvSpPr>
-          <p:cNvPr id="10" name="Content Placeholder 2">
-            <a:extLst>
-              <a:ext uri="{FF2B5EF4-FFF2-40B4-BE49-F238E27FC236}">
-                <a16:creationId xmlns:a16="http://schemas.microsoft.com/office/drawing/2014/main" id="{6B001CB5-55E2-34F4-056D-227B2079A42E}"/>
-              </a:ext>
-            </a:extLst>
-          </p:cNvPr>
-          <p:cNvSpPr txBox="1">
-            <a:spLocks/>
-          </p:cNvSpPr>
-          <p:nvPr/>
+              <a:t>Why we cache?</a:t>
+            </a:r>
+          </a:p>
+        </p:txBody>
+      </p:sp>
+      <p:sp>
+        <p:nvSpPr>
+          <p:cNvPr id="3" name="Content Placeholder 2">
+            <a:extLst>
+              <a:ext uri="{FF2B5EF4-FFF2-40B4-BE49-F238E27FC236}">
+                <a16:creationId xmlns:a16="http://schemas.microsoft.com/office/drawing/2014/main" id="{8949759A-1B64-C954-EE93-6CF8C537AEE6}"/>
+              </a:ext>
+            </a:extLst>
+          </p:cNvPr>
+          <p:cNvSpPr>
+            <a:spLocks noGrp="1"/>
+          </p:cNvSpPr>
+          <p:nvPr>
+            <p:ph idx="1"/>
+          </p:nvPr>
         </p:nvSpPr>
         <p:spPr>
           <a:xfrm>
-            <a:off x="762786" y="1405731"/>
-            <a:ext cx="10515600" cy="4351338"/>
+            <a:off x="838200" y="1825625"/>
+            <a:ext cx="10515600" cy="4667250"/>
           </a:xfrm>
-          <a:prstGeom prst="rect">
-            <a:avLst/>
-          </a:prstGeom>
         </p:spPr>
         <p:txBody>
-          <a:bodyPr vert="horz" lIns="91440" tIns="45720" rIns="91440" bIns="45720" rtlCol="0">
-            <a:normAutofit/>
+          <a:bodyPr>
+            <a:normAutofit fontScale="92500" lnSpcReduction="10000"/>
           </a:bodyPr>
-          <a:lstStyle>
-            <a:lvl1pPr marL="228600" indent="-228600" algn="l" defTabSz="914400" rtl="0" eaLnBrk="1" latinLnBrk="0" hangingPunct="1">
-              <a:lnSpc>
-                <a:spcPct val="90000"/>
-              </a:lnSpc>
-              <a:spcBef>
-                <a:spcPts val="1000"/>
-              </a:spcBef>
-              <a:buFont typeface="Arial" panose="020B0604020202020204" pitchFamily="34" charset="0"/>
-              <a:buChar char="•"/>
-              <a:defRPr sz="2800" kern="1200">
-                <a:solidFill>
-                  <a:schemeClr val="tx1"/>
-                </a:solidFill>
-                <a:latin typeface="+mn-lt"/>
-                <a:ea typeface="+mn-ea"/>
-                <a:cs typeface="+mn-cs"/>
-              </a:defRPr>
-            </a:lvl1pPr>
-            <a:lvl2pPr marL="685800" indent="-228600" algn="l" defTabSz="914400" rtl="0" eaLnBrk="1" latinLnBrk="0" hangingPunct="1">
-              <a:lnSpc>
-                <a:spcPct val="90000"/>
-              </a:lnSpc>
-              <a:spcBef>
-                <a:spcPts val="500"/>
-              </a:spcBef>
-              <a:buFont typeface="Arial" panose="020B0604020202020204" pitchFamily="34" charset="0"/>
-              <a:buChar char="•"/>
-              <a:defRPr sz="2400" kern="1200">
-                <a:solidFill>
-                  <a:schemeClr val="tx1"/>
-                </a:solidFill>
-                <a:latin typeface="+mn-lt"/>
-                <a:ea typeface="+mn-ea"/>
-                <a:cs typeface="+mn-cs"/>
-              </a:defRPr>
-            </a:lvl2pPr>
-            <a:lvl3pPr marL="1143000" indent="-228600" algn="l" defTabSz="914400" rtl="0" eaLnBrk="1" latinLnBrk="0" hangingPunct="1">
-              <a:lnSpc>
-                <a:spcPct val="90000"/>
-              </a:lnSpc>
-              <a:spcBef>
-                <a:spcPts val="500"/>
-              </a:spcBef>
-              <a:buFont typeface="Arial" panose="020B0604020202020204" pitchFamily="34" charset="0"/>
-              <a:buChar char="•"/>
-              <a:defRPr sz="2000" kern="1200">
-                <a:solidFill>
-                  <a:schemeClr val="tx1"/>
-                </a:solidFill>
-                <a:latin typeface="+mn-lt"/>
-                <a:ea typeface="+mn-ea"/>
-                <a:cs typeface="+mn-cs"/>
-              </a:defRPr>
-            </a:lvl3pPr>
-            <a:lvl4pPr marL="1600200" indent="-228600" algn="l" defTabSz="914400" rtl="0" eaLnBrk="1" latinLnBrk="0" hangingPunct="1">
-              <a:lnSpc>
-                <a:spcPct val="90000"/>
-              </a:lnSpc>
-              <a:spcBef>
-                <a:spcPts val="500"/>
-              </a:spcBef>
-              <a:buFont typeface="Arial" panose="020B0604020202020204" pitchFamily="34" charset="0"/>
-              <a:buChar char="•"/>
-              <a:defRPr sz="1800" kern="1200">
-                <a:solidFill>
-                  <a:schemeClr val="tx1"/>
-                </a:solidFill>
-                <a:latin typeface="+mn-lt"/>
-                <a:ea typeface="+mn-ea"/>
-                <a:cs typeface="+mn-cs"/>
-              </a:defRPr>
-            </a:lvl4pPr>
-            <a:lvl5pPr marL="2057400" indent="-228600" algn="l" defTabSz="914400" rtl="0" eaLnBrk="1" latinLnBrk="0" hangingPunct="1">
-              <a:lnSpc>
-                <a:spcPct val="90000"/>
-              </a:lnSpc>
-              <a:spcBef>
-                <a:spcPts val="500"/>
-              </a:spcBef>
-              <a:buFont typeface="Arial" panose="020B0604020202020204" pitchFamily="34" charset="0"/>
-              <a:buChar char="•"/>
-              <a:defRPr sz="1800" kern="1200">
-                <a:solidFill>
-                  <a:schemeClr val="tx1"/>
-                </a:solidFill>
-                <a:latin typeface="+mn-lt"/>
-                <a:ea typeface="+mn-ea"/>
-                <a:cs typeface="+mn-cs"/>
-              </a:defRPr>
-            </a:lvl5pPr>
-            <a:lvl6pPr marL="2514600" indent="-228600" algn="l" defTabSz="914400" rtl="0" eaLnBrk="1" latinLnBrk="0" hangingPunct="1">
-              <a:lnSpc>
-                <a:spcPct val="90000"/>
-              </a:lnSpc>
-              <a:spcBef>
-                <a:spcPts val="500"/>
-              </a:spcBef>
-              <a:buFont typeface="Arial" panose="020B0604020202020204" pitchFamily="34" charset="0"/>
-              <a:buChar char="•"/>
-              <a:defRPr sz="1800" kern="1200">
-                <a:solidFill>
-                  <a:schemeClr val="tx1"/>
-                </a:solidFill>
-                <a:latin typeface="+mn-lt"/>
-                <a:ea typeface="+mn-ea"/>
-                <a:cs typeface="+mn-cs"/>
-              </a:defRPr>
-            </a:lvl6pPr>
-            <a:lvl7pPr marL="2971800" indent="-228600" algn="l" defTabSz="914400" rtl="0" eaLnBrk="1" latinLnBrk="0" hangingPunct="1">
-              <a:lnSpc>
-                <a:spcPct val="90000"/>
-              </a:lnSpc>
-              <a:spcBef>
-                <a:spcPts val="500"/>
-              </a:spcBef>
-              <a:buFont typeface="Arial" panose="020B0604020202020204" pitchFamily="34" charset="0"/>
-              <a:buChar char="•"/>
-              <a:defRPr sz="1800" kern="1200">
-                <a:solidFill>
-                  <a:schemeClr val="tx1"/>
-                </a:solidFill>
-                <a:latin typeface="+mn-lt"/>
-                <a:ea typeface="+mn-ea"/>
-                <a:cs typeface="+mn-cs"/>
-              </a:defRPr>
-            </a:lvl7pPr>
-            <a:lvl8pPr marL="3429000" indent="-228600" algn="l" defTabSz="914400" rtl="0" eaLnBrk="1" latinLnBrk="0" hangingPunct="1">
-              <a:lnSpc>
-                <a:spcPct val="90000"/>
-              </a:lnSpc>
-              <a:spcBef>
-                <a:spcPts val="500"/>
-              </a:spcBef>
-              <a:buFont typeface="Arial" panose="020B0604020202020204" pitchFamily="34" charset="0"/>
-              <a:buChar char="•"/>
-              <a:defRPr sz="1800" kern="1200">
-                <a:solidFill>
-                  <a:schemeClr val="tx1"/>
-                </a:solidFill>
-                <a:latin typeface="+mn-lt"/>
-                <a:ea typeface="+mn-ea"/>
-                <a:cs typeface="+mn-cs"/>
-              </a:defRPr>
-            </a:lvl8pPr>
-            <a:lvl9pPr marL="3886200" indent="-228600" algn="l" defTabSz="914400" rtl="0" eaLnBrk="1" latinLnBrk="0" hangingPunct="1">
-              <a:lnSpc>
-                <a:spcPct val="90000"/>
-              </a:lnSpc>
-              <a:spcBef>
-                <a:spcPts val="500"/>
-              </a:spcBef>
-              <a:buFont typeface="Arial" panose="020B0604020202020204" pitchFamily="34" charset="0"/>
-              <a:buChar char="•"/>
-              <a:defRPr sz="1800" kern="1200">
-                <a:solidFill>
-                  <a:schemeClr val="tx1"/>
-                </a:solidFill>
-                <a:latin typeface="+mn-lt"/>
-                <a:ea typeface="+mn-ea"/>
-                <a:cs typeface="+mn-cs"/>
-              </a:defRPr>
-            </a:lvl9pPr>
-          </a:lstStyle>
+          <a:lstStyle/>
           <a:p>
             <a:r>
               <a:rPr lang="en-US" dirty="0"/>
-              <a:t>Application code maintains responsibility to get the data providing a factory</a:t>
-            </a:r>
-          </a:p>
-          <a:p>
+              <a:t>The good</a:t>
+            </a:r>
+          </a:p>
+          <a:p>
+            <a:pPr lvl="1"/>
             <a:r>
               <a:rPr lang="en-US" dirty="0"/>
-              <a:t>Cache can apply policies on the "data factory" (e.g. timeouts, fail safe)</a:t>
-            </a:r>
-          </a:p>
-        </p:txBody>
-      </p:sp>
-      <p:sp>
-        <p:nvSpPr>
-          <p:cNvPr id="6" name="TextBox 5">
-            <a:extLst>
-              <a:ext uri="{FF2B5EF4-FFF2-40B4-BE49-F238E27FC236}">
-                <a16:creationId xmlns:a16="http://schemas.microsoft.com/office/drawing/2014/main" id="{26FB2E35-C0C2-2A08-E5E5-62A1CBD8432D}"/>
+              <a:t>Offload the origin (source of true)</a:t>
+            </a:r>
+          </a:p>
+          <a:p>
+            <a:pPr lvl="1"/>
+            <a:r>
+              <a:rPr lang="en-US" dirty="0"/>
+              <a:t>Speed up application </a:t>
+            </a:r>
+          </a:p>
+          <a:p>
+            <a:pPr lvl="1"/>
+            <a:endParaRPr lang="en-US" dirty="0"/>
+          </a:p>
+          <a:p>
+            <a:pPr marL="0" indent="0">
+              <a:buNone/>
+            </a:pPr>
+            <a:r>
+              <a:rPr lang="en-US" dirty="0"/>
+              <a:t>Using a cache brings a set of new</a:t>
+            </a:r>
+          </a:p>
+          <a:p>
+            <a:pPr>
+              <a:buFontTx/>
+              <a:buChar char="-"/>
+            </a:pPr>
+            <a:r>
+              <a:rPr lang="en-US" dirty="0"/>
+              <a:t>Opportunities</a:t>
+            </a:r>
+          </a:p>
+          <a:p>
+            <a:pPr>
+              <a:buFontTx/>
+              <a:buChar char="-"/>
+            </a:pPr>
+            <a:r>
+              <a:rPr lang="en-US" dirty="0"/>
+              <a:t>Issues </a:t>
+            </a:r>
+          </a:p>
+          <a:p>
+            <a:pPr lvl="1"/>
+            <a:r>
+              <a:rPr lang="en-US" dirty="0"/>
+              <a:t>Stale data (Cache invalidation is hard to implement)</a:t>
+            </a:r>
+          </a:p>
+          <a:p>
+            <a:pPr lvl="1"/>
+            <a:r>
+              <a:rPr lang="en-US" i="1" dirty="0"/>
+              <a:t>Cache stampede</a:t>
+            </a:r>
+            <a:endParaRPr lang="en-US" dirty="0"/>
+          </a:p>
+          <a:p>
+            <a:pPr lvl="1"/>
+            <a:r>
+              <a:rPr lang="en-US" dirty="0"/>
+              <a:t>Node synchronization (if a memory or a two-level cache is used)</a:t>
+            </a:r>
+          </a:p>
+          <a:p>
+            <a:pPr marL="0" indent="0">
+              <a:buNone/>
+            </a:pPr>
+            <a:endParaRPr lang="en-US" dirty="0"/>
+          </a:p>
+          <a:p>
+            <a:pPr marL="0" indent="0">
+              <a:buNone/>
+            </a:pPr>
+            <a:r>
+              <a:rPr lang="en-US" dirty="0"/>
+              <a:t>Hence, we need patterns and best practices </a:t>
+            </a:r>
+            <a:r>
+              <a:rPr lang="en-US" dirty="0">
+                <a:sym typeface="Wingdings" panose="05000000000000000000" pitchFamily="2" charset="2"/>
+              </a:rPr>
+              <a:t></a:t>
+            </a:r>
+            <a:endParaRPr lang="en-US" dirty="0"/>
+          </a:p>
+        </p:txBody>
+      </p:sp>
+      <p:sp>
+        <p:nvSpPr>
+          <p:cNvPr id="4" name="TextBox 3">
+            <a:extLst>
+              <a:ext uri="{FF2B5EF4-FFF2-40B4-BE49-F238E27FC236}">
+                <a16:creationId xmlns:a16="http://schemas.microsoft.com/office/drawing/2014/main" id="{2FAC81BB-9BE4-3668-D553-87EEBA33CB0A}"/>
               </a:ext>
             </a:extLst>
           </p:cNvPr>
@@ -8154,8 +9149,8 @@
         </p:nvSpPr>
         <p:spPr>
           <a:xfrm>
-            <a:off x="763479" y="3249228"/>
-            <a:ext cx="9721048" cy="2308324"/>
+            <a:off x="6350019" y="1662808"/>
+            <a:ext cx="5681876" cy="1200329"/>
           </a:xfrm>
           <a:prstGeom prst="rect">
             <a:avLst/>
@@ -8168,255 +9163,55 @@
           </a:ln>
         </p:spPr>
         <p:txBody>
-          <a:bodyPr wrap="square" rtlCol="0">
+          <a:bodyPr wrap="none" rtlCol="0">
             <a:spAutoFit/>
           </a:bodyPr>
           <a:lstStyle/>
           <a:p>
             <a:r>
-              <a:rPr lang="en-US" sz="1800" dirty="0">
-                <a:solidFill>
-                  <a:srgbClr val="000000"/>
-                </a:solidFill>
-                <a:latin typeface="Cascadia Mono" panose="020B0609020000020004" pitchFamily="49" charset="0"/>
-              </a:rPr>
-              <a:t>// _cache -&gt; </a:t>
-            </a:r>
-            <a:r>
-              <a:rPr lang="en-US" sz="1800" dirty="0" err="1">
-                <a:solidFill>
-                  <a:srgbClr val="000000"/>
-                </a:solidFill>
-                <a:latin typeface="Cascadia Mono" panose="020B0609020000020004" pitchFamily="49" charset="0"/>
-              </a:rPr>
-              <a:t>IMemoryCache</a:t>
+              <a:rPr lang="en-US" b="1" i="1" dirty="0">
+                <a:highlight>
+                  <a:srgbClr val="00FFFF"/>
+                </a:highlight>
+              </a:rPr>
+              <a:t>There are only two hard things in Computer Science: </a:t>
             </a:r>
             <a:br>
-              <a:rPr lang="en-US" sz="1800" dirty="0">
-                <a:solidFill>
-                  <a:srgbClr val="000000"/>
-                </a:solidFill>
-                <a:latin typeface="Cascadia Mono" panose="020B0609020000020004" pitchFamily="49" charset="0"/>
+              <a:rPr lang="en-US" b="1" i="1" dirty="0">
+                <a:highlight>
+                  <a:srgbClr val="00FFFF"/>
+                </a:highlight>
               </a:rPr>
             </a:br>
             <a:r>
-              <a:rPr lang="en-US" sz="1800" dirty="0">
-                <a:solidFill>
-                  <a:srgbClr val="000000"/>
-                </a:solidFill>
-                <a:latin typeface="Cascadia Mono" panose="020B0609020000020004" pitchFamily="49" charset="0"/>
-              </a:rPr>
-              <a:t>var ret = await _</a:t>
-            </a:r>
-            <a:r>
-              <a:rPr lang="en-US" sz="1800" dirty="0" err="1">
-                <a:solidFill>
-                  <a:srgbClr val="000000"/>
-                </a:solidFill>
-                <a:latin typeface="Cascadia Mono" panose="020B0609020000020004" pitchFamily="49" charset="0"/>
-              </a:rPr>
-              <a:t>cache.GetOrCreateAsync</a:t>
-            </a:r>
-            <a:r>
-              <a:rPr lang="en-US" sz="1800" dirty="0">
-                <a:solidFill>
-                  <a:srgbClr val="000000"/>
-                </a:solidFill>
-                <a:latin typeface="Cascadia Mono" panose="020B0609020000020004" pitchFamily="49" charset="0"/>
-              </a:rPr>
-              <a:t>(location, async </a:t>
-            </a:r>
-            <a:r>
-              <a:rPr lang="en-US" sz="1800" dirty="0" err="1">
-                <a:solidFill>
-                  <a:srgbClr val="000000"/>
-                </a:solidFill>
-                <a:latin typeface="Cascadia Mono" panose="020B0609020000020004" pitchFamily="49" charset="0"/>
-              </a:rPr>
-              <a:t>cacheEntry</a:t>
-            </a:r>
-            <a:r>
-              <a:rPr lang="en-US" sz="1800" dirty="0">
-                <a:solidFill>
-                  <a:srgbClr val="000000"/>
-                </a:solidFill>
-                <a:latin typeface="Cascadia Mono" panose="020B0609020000020004" pitchFamily="49" charset="0"/>
-              </a:rPr>
-              <a:t>=&gt;</a:t>
-            </a:r>
-          </a:p>
-          <a:p>
-            <a:r>
-              <a:rPr lang="en-US" sz="1800" dirty="0">
-                <a:solidFill>
-                  <a:srgbClr val="000000"/>
-                </a:solidFill>
-                <a:latin typeface="Cascadia Mono" panose="020B0609020000020004" pitchFamily="49" charset="0"/>
-              </a:rPr>
-              <a:t>{</a:t>
-            </a:r>
-          </a:p>
-          <a:p>
-            <a:r>
-              <a:rPr lang="en-US" sz="1800" dirty="0">
-                <a:solidFill>
-                  <a:srgbClr val="000000"/>
-                </a:solidFill>
-                <a:latin typeface="Cascadia Mono" panose="020B0609020000020004" pitchFamily="49" charset="0"/>
-              </a:rPr>
-              <a:t>    </a:t>
-            </a:r>
-            <a:r>
-              <a:rPr lang="en-US" sz="1800" dirty="0" err="1">
-                <a:solidFill>
-                  <a:srgbClr val="000000"/>
-                </a:solidFill>
-                <a:latin typeface="Cascadia Mono" panose="020B0609020000020004" pitchFamily="49" charset="0"/>
-              </a:rPr>
-              <a:t>cacheEntry.AbsoluteExpiration</a:t>
-            </a:r>
-            <a:r>
-              <a:rPr lang="en-US" sz="1800" dirty="0">
-                <a:solidFill>
-                  <a:srgbClr val="000000"/>
-                </a:solidFill>
-                <a:latin typeface="Cascadia Mono" panose="020B0609020000020004" pitchFamily="49" charset="0"/>
-              </a:rPr>
-              <a:t> = </a:t>
-            </a:r>
-            <a:r>
-              <a:rPr lang="en-US" sz="1800" dirty="0" err="1">
-                <a:solidFill>
-                  <a:srgbClr val="000000"/>
-                </a:solidFill>
-                <a:latin typeface="Cascadia Mono" panose="020B0609020000020004" pitchFamily="49" charset="0"/>
-              </a:rPr>
-              <a:t>DateTimeOffset.UtcNow</a:t>
-            </a:r>
-            <a:r>
-              <a:rPr lang="en-US" sz="1800" dirty="0">
-                <a:solidFill>
-                  <a:srgbClr val="000000"/>
-                </a:solidFill>
-                <a:latin typeface="Cascadia Mono" panose="020B0609020000020004" pitchFamily="49" charset="0"/>
-              </a:rPr>
-              <a:t> +</a:t>
-            </a:r>
-            <a:br>
-              <a:rPr lang="en-US" sz="1800" dirty="0">
-                <a:solidFill>
-                  <a:srgbClr val="000000"/>
-                </a:solidFill>
-                <a:latin typeface="Cascadia Mono" panose="020B0609020000020004" pitchFamily="49" charset="0"/>
-              </a:rPr>
-            </a:br>
-            <a:r>
-              <a:rPr lang="en-US" sz="1800" dirty="0">
-                <a:solidFill>
-                  <a:srgbClr val="000000"/>
-                </a:solidFill>
-                <a:latin typeface="Cascadia Mono" panose="020B0609020000020004" pitchFamily="49" charset="0"/>
-              </a:rPr>
-              <a:t>      </a:t>
-            </a:r>
-            <a:r>
-              <a:rPr lang="en-US" sz="1800" dirty="0" err="1">
-                <a:solidFill>
-                  <a:srgbClr val="000000"/>
-                </a:solidFill>
-                <a:latin typeface="Cascadia Mono" panose="020B0609020000020004" pitchFamily="49" charset="0"/>
-              </a:rPr>
-              <a:t>TimeSpan.FromMinutes</a:t>
-            </a:r>
-            <a:r>
-              <a:rPr lang="en-US" sz="1800" dirty="0">
-                <a:solidFill>
-                  <a:srgbClr val="000000"/>
-                </a:solidFill>
-                <a:latin typeface="Cascadia Mono" panose="020B0609020000020004" pitchFamily="49" charset="0"/>
-              </a:rPr>
-              <a:t>(1);</a:t>
-            </a:r>
-          </a:p>
-          <a:p>
-            <a:r>
-              <a:rPr lang="en-US" sz="1800" dirty="0">
-                <a:solidFill>
-                  <a:srgbClr val="000000"/>
-                </a:solidFill>
-                <a:latin typeface="Cascadia Mono" panose="020B0609020000020004" pitchFamily="49" charset="0"/>
-              </a:rPr>
-              <a:t>    return await _</a:t>
-            </a:r>
-            <a:r>
-              <a:rPr lang="en-US" sz="1800" dirty="0" err="1">
-                <a:solidFill>
-                  <a:srgbClr val="000000"/>
-                </a:solidFill>
-                <a:latin typeface="Cascadia Mono" panose="020B0609020000020004" pitchFamily="49" charset="0"/>
-              </a:rPr>
-              <a:t>dataSources.GetCurrentTime</a:t>
-            </a:r>
-            <a:r>
-              <a:rPr lang="en-US" sz="1800" dirty="0">
-                <a:solidFill>
-                  <a:srgbClr val="000000"/>
-                </a:solidFill>
-                <a:latin typeface="Cascadia Mono" panose="020B0609020000020004" pitchFamily="49" charset="0"/>
-              </a:rPr>
-              <a:t>(location, </a:t>
-            </a:r>
-            <a:r>
-              <a:rPr lang="en-US" sz="1800" dirty="0" err="1">
-                <a:solidFill>
-                  <a:srgbClr val="000000"/>
-                </a:solidFill>
-                <a:latin typeface="Cascadia Mono" panose="020B0609020000020004" pitchFamily="49" charset="0"/>
-              </a:rPr>
-              <a:t>throwEx</a:t>
-            </a:r>
-            <a:r>
-              <a:rPr lang="en-US" sz="1800" dirty="0">
-                <a:solidFill>
-                  <a:srgbClr val="000000"/>
-                </a:solidFill>
-                <a:latin typeface="Cascadia Mono" panose="020B0609020000020004" pitchFamily="49" charset="0"/>
-              </a:rPr>
-              <a:t>);</a:t>
-            </a:r>
-          </a:p>
-          <a:p>
-            <a:r>
-              <a:rPr lang="en-US" sz="1800" dirty="0">
-                <a:solidFill>
-                  <a:srgbClr val="000000"/>
-                </a:solidFill>
-                <a:latin typeface="Cascadia Mono" panose="020B0609020000020004" pitchFamily="49" charset="0"/>
-              </a:rPr>
-              <a:t>});</a:t>
-            </a:r>
-          </a:p>
-          <a:p>
-            <a:r>
-              <a:rPr lang="en-US" sz="1800" dirty="0">
-                <a:solidFill>
-                  <a:srgbClr val="000000"/>
-                </a:solidFill>
-                <a:latin typeface="Cascadia Mono" panose="020B0609020000020004" pitchFamily="49" charset="0"/>
-              </a:rPr>
-              <a:t>return ret;</a:t>
-            </a:r>
-            <a:endParaRPr lang="en-US" sz="1400" dirty="0">
-              <a:latin typeface="Courier New" panose="02070309020205020404" pitchFamily="49" charset="0"/>
-              <a:cs typeface="Courier New" panose="02070309020205020404" pitchFamily="49" charset="0"/>
-            </a:endParaRPr>
+              <a:rPr lang="en-US" b="1" i="1" dirty="0">
+                <a:highlight>
+                  <a:srgbClr val="00FFFF"/>
+                </a:highlight>
+              </a:rPr>
+              <a:t>cache invalidation and naming things.</a:t>
+            </a:r>
+          </a:p>
+          <a:p>
+            <a:endParaRPr lang="en-US" b="1" i="1" dirty="0"/>
+          </a:p>
+          <a:p>
+            <a:r>
+              <a:rPr lang="en-US" b="1" i="1" dirty="0"/>
+              <a:t>-- Phil </a:t>
+            </a:r>
+            <a:r>
+              <a:rPr lang="en-US" b="1" i="1" dirty="0" err="1"/>
+              <a:t>Karlton</a:t>
+            </a:r>
+            <a:endParaRPr lang="en-US" b="1" i="1" dirty="0"/>
           </a:p>
         </p:txBody>
       </p:sp>
     </p:spTree>
     <p:extLst>
       <p:ext uri="{BB962C8B-B14F-4D97-AF65-F5344CB8AC3E}">
-        <p14:creationId xmlns:p14="http://schemas.microsoft.com/office/powerpoint/2010/main" val="632149146"/>
+        <p14:creationId xmlns:p14="http://schemas.microsoft.com/office/powerpoint/2010/main" val="2075881403"/>
       </p:ext>
     </p:extLst>
   </p:cSld>
@@ -8448,7 +9243,7 @@
           <p:cNvPr id="2" name="Title 1">
             <a:extLst>
               <a:ext uri="{FF2B5EF4-FFF2-40B4-BE49-F238E27FC236}">
-                <a16:creationId xmlns:a16="http://schemas.microsoft.com/office/drawing/2014/main" id="{59593752-6681-2B40-B346-B33A140102CE}"/>
+                <a16:creationId xmlns:a16="http://schemas.microsoft.com/office/drawing/2014/main" id="{EFECAF54-B8F4-A795-D015-E6F9E56117CE}"/>
               </a:ext>
             </a:extLst>
           </p:cNvPr>
@@ -8461,54 +9256,191 @@
         </p:nvSpPr>
         <p:spPr/>
         <p:txBody>
+          <a:bodyPr>
+            <a:normAutofit/>
+          </a:bodyPr>
+          <a:lstStyle/>
+          <a:p>
+            <a:r>
+              <a:rPr lang="en-US" dirty="0"/>
+              <a:t>Caching Patterns: read aside (cache aside)</a:t>
+            </a:r>
+          </a:p>
+        </p:txBody>
+      </p:sp>
+      <p:sp>
+        <p:nvSpPr>
+          <p:cNvPr id="3" name="Content Placeholder 2">
+            <a:extLst>
+              <a:ext uri="{FF2B5EF4-FFF2-40B4-BE49-F238E27FC236}">
+                <a16:creationId xmlns:a16="http://schemas.microsoft.com/office/drawing/2014/main" id="{9A905F74-510C-233A-7867-7D146D172826}"/>
+              </a:ext>
+            </a:extLst>
+          </p:cNvPr>
+          <p:cNvSpPr>
+            <a:spLocks noGrp="1"/>
+          </p:cNvSpPr>
+          <p:nvPr>
+            <p:ph idx="1"/>
+          </p:nvPr>
+        </p:nvSpPr>
+        <p:spPr/>
+        <p:txBody>
           <a:bodyPr/>
           <a:lstStyle/>
           <a:p>
             <a:r>
               <a:rPr lang="en-US" dirty="0"/>
-              <a:t>Caching Patterns: Write-*</a:t>
-            </a:r>
-          </a:p>
-        </p:txBody>
-      </p:sp>
-      <p:sp>
-        <p:nvSpPr>
-          <p:cNvPr id="3" name="Content Placeholder 2">
-            <a:extLst>
-              <a:ext uri="{FF2B5EF4-FFF2-40B4-BE49-F238E27FC236}">
-                <a16:creationId xmlns:a16="http://schemas.microsoft.com/office/drawing/2014/main" id="{15FDBC59-A97E-D95B-5EAF-CA3CDFCA0850}"/>
-              </a:ext>
-            </a:extLst>
-          </p:cNvPr>
-          <p:cNvSpPr>
-            <a:spLocks noGrp="1"/>
-          </p:cNvSpPr>
-          <p:nvPr>
-            <p:ph idx="1"/>
-          </p:nvPr>
-        </p:nvSpPr>
-        <p:spPr/>
-        <p:txBody>
-          <a:bodyPr/>
-          <a:lstStyle/>
+              <a:t>The most "known" and used</a:t>
+            </a:r>
+          </a:p>
           <a:p>
             <a:r>
               <a:rPr lang="en-US" dirty="0"/>
-              <a:t>Data is written to cache along with the change in the source of true</a:t>
-            </a:r>
-          </a:p>
-          <a:p>
-            <a:pPr lvl="1"/>
-            <a:r>
-              <a:rPr lang="en-US" dirty="0"/>
-              <a:t>App responsibility: write-aside</a:t>
-            </a:r>
-          </a:p>
-          <a:p>
-            <a:pPr lvl="1"/>
-            <a:r>
-              <a:rPr lang="en-US" dirty="0"/>
-              <a:t>Cache responsibility: write-through</a:t>
+              <a:t>Application code is responsible to push the value in the cache if there is a </a:t>
+            </a:r>
+            <a:r>
+              <a:rPr lang="en-US" i="1" dirty="0"/>
+              <a:t>"cache miss"</a:t>
+            </a:r>
+          </a:p>
+        </p:txBody>
+      </p:sp>
+      <p:sp>
+        <p:nvSpPr>
+          <p:cNvPr id="5" name="TextBox 4">
+            <a:extLst>
+              <a:ext uri="{FF2B5EF4-FFF2-40B4-BE49-F238E27FC236}">
+                <a16:creationId xmlns:a16="http://schemas.microsoft.com/office/drawing/2014/main" id="{406E543D-65CE-1C8B-F6E1-D613498C3149}"/>
+              </a:ext>
+            </a:extLst>
+          </p:cNvPr>
+          <p:cNvSpPr txBox="1"/>
+          <p:nvPr/>
+        </p:nvSpPr>
+        <p:spPr>
+          <a:xfrm>
+            <a:off x="763479" y="3249228"/>
+            <a:ext cx="9721048" cy="1600438"/>
+          </a:xfrm>
+          <a:prstGeom prst="rect">
+            <a:avLst/>
+          </a:prstGeom>
+          <a:noFill/>
+          <a:ln>
+            <a:solidFill>
+              <a:schemeClr val="accent1"/>
+            </a:solidFill>
+          </a:ln>
+        </p:spPr>
+        <p:txBody>
+          <a:bodyPr wrap="square" rtlCol="0">
+            <a:spAutoFit/>
+          </a:bodyPr>
+          <a:lstStyle/>
+          <a:p>
+            <a:r>
+              <a:rPr lang="en-US" sz="1400" dirty="0">
+                <a:latin typeface="Cascadia Mono" panose="020B0609020000020004" pitchFamily="49" charset="0"/>
+                <a:cs typeface="Cascadia Mono" panose="020B0609020000020004" pitchFamily="49" charset="0"/>
+              </a:rPr>
+              <a:t>var ret = await _</a:t>
+            </a:r>
+            <a:r>
+              <a:rPr lang="en-US" sz="1400" dirty="0" err="1">
+                <a:latin typeface="Cascadia Mono" panose="020B0609020000020004" pitchFamily="49" charset="0"/>
+                <a:cs typeface="Cascadia Mono" panose="020B0609020000020004" pitchFamily="49" charset="0"/>
+              </a:rPr>
+              <a:t>cache.GetStringAsync</a:t>
+            </a:r>
+            <a:r>
+              <a:rPr lang="en-US" sz="1400" dirty="0">
+                <a:latin typeface="Cascadia Mono" panose="020B0609020000020004" pitchFamily="49" charset="0"/>
+                <a:cs typeface="Cascadia Mono" panose="020B0609020000020004" pitchFamily="49" charset="0"/>
+              </a:rPr>
+              <a:t>(location);</a:t>
+            </a:r>
+          </a:p>
+          <a:p>
+            <a:r>
+              <a:rPr lang="en-US" sz="1400" dirty="0">
+                <a:latin typeface="Cascadia Mono" panose="020B0609020000020004" pitchFamily="49" charset="0"/>
+                <a:cs typeface="Cascadia Mono" panose="020B0609020000020004" pitchFamily="49" charset="0"/>
+              </a:rPr>
+              <a:t>if(ret == null)</a:t>
+            </a:r>
+          </a:p>
+          <a:p>
+            <a:r>
+              <a:rPr lang="en-US" sz="1400" dirty="0">
+                <a:latin typeface="Cascadia Mono" panose="020B0609020000020004" pitchFamily="49" charset="0"/>
+                <a:cs typeface="Cascadia Mono" panose="020B0609020000020004" pitchFamily="49" charset="0"/>
+              </a:rPr>
+              <a:t>{</a:t>
+            </a:r>
+          </a:p>
+          <a:p>
+            <a:r>
+              <a:rPr lang="en-US" sz="1400" dirty="0">
+                <a:latin typeface="Cascadia Mono" panose="020B0609020000020004" pitchFamily="49" charset="0"/>
+                <a:cs typeface="Cascadia Mono" panose="020B0609020000020004" pitchFamily="49" charset="0"/>
+              </a:rPr>
+              <a:t>    ret = await _</a:t>
+            </a:r>
+            <a:r>
+              <a:rPr lang="en-US" sz="1400" dirty="0" err="1">
+                <a:latin typeface="Cascadia Mono" panose="020B0609020000020004" pitchFamily="49" charset="0"/>
+                <a:cs typeface="Cascadia Mono" panose="020B0609020000020004" pitchFamily="49" charset="0"/>
+              </a:rPr>
+              <a:t>dataSources.GetCurrentTime</a:t>
+            </a:r>
+            <a:r>
+              <a:rPr lang="en-US" sz="1400" dirty="0">
+                <a:latin typeface="Cascadia Mono" panose="020B0609020000020004" pitchFamily="49" charset="0"/>
+                <a:cs typeface="Cascadia Mono" panose="020B0609020000020004" pitchFamily="49" charset="0"/>
+              </a:rPr>
+              <a:t>(location);</a:t>
+            </a:r>
+          </a:p>
+          <a:p>
+            <a:r>
+              <a:rPr lang="en-US" sz="1400" dirty="0">
+                <a:latin typeface="Cascadia Mono" panose="020B0609020000020004" pitchFamily="49" charset="0"/>
+                <a:cs typeface="Cascadia Mono" panose="020B0609020000020004" pitchFamily="49" charset="0"/>
+              </a:rPr>
+              <a:t>    await _</a:t>
+            </a:r>
+            <a:r>
+              <a:rPr lang="en-US" sz="1400" dirty="0" err="1">
+                <a:latin typeface="Cascadia Mono" panose="020B0609020000020004" pitchFamily="49" charset="0"/>
+                <a:cs typeface="Cascadia Mono" panose="020B0609020000020004" pitchFamily="49" charset="0"/>
+              </a:rPr>
+              <a:t>cache.SetStringAsync</a:t>
+            </a:r>
+            <a:r>
+              <a:rPr lang="en-US" sz="1400" dirty="0">
+                <a:latin typeface="Cascadia Mono" panose="020B0609020000020004" pitchFamily="49" charset="0"/>
+                <a:cs typeface="Cascadia Mono" panose="020B0609020000020004" pitchFamily="49" charset="0"/>
+              </a:rPr>
+              <a:t>(location, ret);</a:t>
+            </a:r>
+          </a:p>
+          <a:p>
+            <a:r>
+              <a:rPr lang="en-US" sz="1400" dirty="0">
+                <a:latin typeface="Cascadia Mono" panose="020B0609020000020004" pitchFamily="49" charset="0"/>
+                <a:cs typeface="Cascadia Mono" panose="020B0609020000020004" pitchFamily="49" charset="0"/>
+              </a:rPr>
+              <a:t>}</a:t>
+            </a:r>
+          </a:p>
+          <a:p>
+            <a:r>
+              <a:rPr lang="en-US" sz="1400" dirty="0">
+                <a:latin typeface="Cascadia Mono" panose="020B0609020000020004" pitchFamily="49" charset="0"/>
+                <a:cs typeface="Cascadia Mono" panose="020B0609020000020004" pitchFamily="49" charset="0"/>
+              </a:rPr>
+              <a:t>return ret;</a:t>
             </a:r>
           </a:p>
         </p:txBody>
@@ -8516,7 +9448,7 @@
     </p:spTree>
     <p:extLst>
       <p:ext uri="{BB962C8B-B14F-4D97-AF65-F5344CB8AC3E}">
-        <p14:creationId xmlns:p14="http://schemas.microsoft.com/office/powerpoint/2010/main" val="2971218865"/>
+        <p14:creationId xmlns:p14="http://schemas.microsoft.com/office/powerpoint/2010/main" val="1318049224"/>
       </p:ext>
     </p:extLst>
   </p:cSld>
@@ -8548,7 +9480,7 @@
           <p:cNvPr id="2" name="Title 1">
             <a:extLst>
               <a:ext uri="{FF2B5EF4-FFF2-40B4-BE49-F238E27FC236}">
-                <a16:creationId xmlns:a16="http://schemas.microsoft.com/office/drawing/2014/main" id="{59593752-6681-2B40-B346-B33A140102CE}"/>
+                <a16:creationId xmlns:a16="http://schemas.microsoft.com/office/drawing/2014/main" id="{347BCA57-5E9B-04AB-1CD8-52BAF0286CE5}"/>
               </a:ext>
             </a:extLst>
           </p:cNvPr>
@@ -8565,69 +9497,336 @@
           <a:lstStyle/>
           <a:p>
             <a:r>
+              <a:rPr lang="en-US"/>
+              <a:t>Caching Patterns: Read-Through</a:t>
+            </a:r>
+            <a:endParaRPr lang="en-US" dirty="0"/>
+          </a:p>
+        </p:txBody>
+      </p:sp>
+      <p:pic>
+        <p:nvPicPr>
+          <p:cNvPr id="9" name="Content Placeholder 8">
+            <a:extLst>
+              <a:ext uri="{FF2B5EF4-FFF2-40B4-BE49-F238E27FC236}">
+                <a16:creationId xmlns:a16="http://schemas.microsoft.com/office/drawing/2014/main" id="{3156FBF6-3FDC-5C14-5656-F34B6FBA54ED}"/>
+              </a:ext>
+            </a:extLst>
+          </p:cNvPr>
+          <p:cNvPicPr>
+            <a:picLocks noGrp="1" noChangeAspect="1"/>
+          </p:cNvPicPr>
+          <p:nvPr>
+            <p:ph idx="1"/>
+          </p:nvPr>
+        </p:nvPicPr>
+        <p:blipFill>
+          <a:blip r:embed="rId2">
+            <a:extLst>
+              <a:ext uri="{28A0092B-C50C-407E-A947-70E740481C1C}">
+                <a14:useLocalDpi xmlns:a14="http://schemas.microsoft.com/office/drawing/2010/main" val="0"/>
+              </a:ext>
+              <a:ext uri="{96DAC541-7B7A-43D3-8B79-37D633B846F1}">
+                <asvg:svgBlip xmlns:asvg="http://schemas.microsoft.com/office/drawing/2016/SVG/main" r:embed="rId3"/>
+              </a:ext>
+            </a:extLst>
+          </a:blip>
+          <a:stretch>
+            <a:fillRect/>
+          </a:stretch>
+        </p:blipFill>
+        <p:spPr>
+          <a:xfrm>
+            <a:off x="2318994" y="1924843"/>
+            <a:ext cx="6872140" cy="4568031"/>
+          </a:xfrm>
+        </p:spPr>
+      </p:pic>
+      <p:sp>
+        <p:nvSpPr>
+          <p:cNvPr id="4" name="AutoShape 2">
+            <a:extLst>
+              <a:ext uri="{FF2B5EF4-FFF2-40B4-BE49-F238E27FC236}">
+                <a16:creationId xmlns:a16="http://schemas.microsoft.com/office/drawing/2014/main" id="{099BB7B0-BEE9-D260-BF52-CD168EDAE401}"/>
+              </a:ext>
+            </a:extLst>
+          </p:cNvPr>
+          <p:cNvSpPr>
+            <a:spLocks noChangeAspect="1" noChangeArrowheads="1"/>
+          </p:cNvSpPr>
+          <p:nvPr/>
+        </p:nvSpPr>
+        <p:spPr bwMode="auto">
+          <a:xfrm>
+            <a:off x="5943600" y="3276600"/>
+            <a:ext cx="304800" cy="304800"/>
+          </a:xfrm>
+          <a:prstGeom prst="rect">
+            <a:avLst/>
+          </a:prstGeom>
+          <a:noFill/>
+          <a:extLst>
+            <a:ext uri="{909E8E84-426E-40DD-AFC4-6F175D3DCCD1}">
+              <a14:hiddenFill xmlns:a14="http://schemas.microsoft.com/office/drawing/2010/main">
+                <a:solidFill>
+                  <a:srgbClr val="FFFFFF"/>
+                </a:solidFill>
+              </a14:hiddenFill>
+            </a:ext>
+          </a:extLst>
+        </p:spPr>
+        <p:txBody>
+          <a:bodyPr vert="horz" wrap="square" lIns="91440" tIns="45720" rIns="91440" bIns="45720" numCol="1" anchor="t" anchorCtr="0" compatLnSpc="1">
+            <a:prstTxWarp prst="textNoShape">
+              <a:avLst/>
+            </a:prstTxWarp>
+          </a:bodyPr>
+          <a:lstStyle/>
+          <a:p>
+            <a:endParaRPr lang="en-US"/>
+          </a:p>
+        </p:txBody>
+      </p:sp>
+      <p:sp>
+        <p:nvSpPr>
+          <p:cNvPr id="7" name="AutoShape 8">
+            <a:extLst>
+              <a:ext uri="{FF2B5EF4-FFF2-40B4-BE49-F238E27FC236}">
+                <a16:creationId xmlns:a16="http://schemas.microsoft.com/office/drawing/2014/main" id="{055B34A0-5536-3A41-D650-A902B058AC69}"/>
+              </a:ext>
+            </a:extLst>
+          </p:cNvPr>
+          <p:cNvSpPr>
+            <a:spLocks noChangeAspect="1" noChangeArrowheads="1"/>
+          </p:cNvSpPr>
+          <p:nvPr/>
+        </p:nvSpPr>
+        <p:spPr bwMode="auto">
+          <a:xfrm>
+            <a:off x="6096000" y="3429000"/>
+            <a:ext cx="304800" cy="304800"/>
+          </a:xfrm>
+          <a:prstGeom prst="rect">
+            <a:avLst/>
+          </a:prstGeom>
+          <a:noFill/>
+          <a:extLst>
+            <a:ext uri="{909E8E84-426E-40DD-AFC4-6F175D3DCCD1}">
+              <a14:hiddenFill xmlns:a14="http://schemas.microsoft.com/office/drawing/2010/main">
+                <a:solidFill>
+                  <a:srgbClr val="FFFFFF"/>
+                </a:solidFill>
+              </a14:hiddenFill>
+            </a:ext>
+          </a:extLst>
+        </p:spPr>
+        <p:txBody>
+          <a:bodyPr vert="horz" wrap="square" lIns="91440" tIns="45720" rIns="91440" bIns="45720" numCol="1" anchor="t" anchorCtr="0" compatLnSpc="1">
+            <a:prstTxWarp prst="textNoShape">
+              <a:avLst/>
+            </a:prstTxWarp>
+          </a:bodyPr>
+          <a:lstStyle/>
+          <a:p>
+            <a:endParaRPr lang="en-US"/>
+          </a:p>
+        </p:txBody>
+      </p:sp>
+      <p:sp>
+        <p:nvSpPr>
+          <p:cNvPr id="10" name="Content Placeholder 2">
+            <a:extLst>
+              <a:ext uri="{FF2B5EF4-FFF2-40B4-BE49-F238E27FC236}">
+                <a16:creationId xmlns:a16="http://schemas.microsoft.com/office/drawing/2014/main" id="{6B001CB5-55E2-34F4-056D-227B2079A42E}"/>
+              </a:ext>
+            </a:extLst>
+          </p:cNvPr>
+          <p:cNvSpPr txBox="1">
+            <a:spLocks/>
+          </p:cNvSpPr>
+          <p:nvPr/>
+        </p:nvSpPr>
+        <p:spPr>
+          <a:xfrm>
+            <a:off x="762786" y="1405731"/>
+            <a:ext cx="10515600" cy="4351338"/>
+          </a:xfrm>
+          <a:prstGeom prst="rect">
+            <a:avLst/>
+          </a:prstGeom>
+        </p:spPr>
+        <p:txBody>
+          <a:bodyPr vert="horz" lIns="91440" tIns="45720" rIns="91440" bIns="45720" rtlCol="0">
+            <a:normAutofit/>
+          </a:bodyPr>
+          <a:lstStyle>
+            <a:lvl1pPr marL="228600" indent="-228600" algn="l" defTabSz="914400" rtl="0" eaLnBrk="1" latinLnBrk="0" hangingPunct="1">
+              <a:lnSpc>
+                <a:spcPct val="90000"/>
+              </a:lnSpc>
+              <a:spcBef>
+                <a:spcPts val="1000"/>
+              </a:spcBef>
+              <a:buFont typeface="Arial" panose="020B0604020202020204" pitchFamily="34" charset="0"/>
+              <a:buChar char="•"/>
+              <a:defRPr sz="2800" kern="1200">
+                <a:solidFill>
+                  <a:schemeClr val="tx1"/>
+                </a:solidFill>
+                <a:latin typeface="+mn-lt"/>
+                <a:ea typeface="+mn-ea"/>
+                <a:cs typeface="+mn-cs"/>
+              </a:defRPr>
+            </a:lvl1pPr>
+            <a:lvl2pPr marL="685800" indent="-228600" algn="l" defTabSz="914400" rtl="0" eaLnBrk="1" latinLnBrk="0" hangingPunct="1">
+              <a:lnSpc>
+                <a:spcPct val="90000"/>
+              </a:lnSpc>
+              <a:spcBef>
+                <a:spcPts val="500"/>
+              </a:spcBef>
+              <a:buFont typeface="Arial" panose="020B0604020202020204" pitchFamily="34" charset="0"/>
+              <a:buChar char="•"/>
+              <a:defRPr sz="2400" kern="1200">
+                <a:solidFill>
+                  <a:schemeClr val="tx1"/>
+                </a:solidFill>
+                <a:latin typeface="+mn-lt"/>
+                <a:ea typeface="+mn-ea"/>
+                <a:cs typeface="+mn-cs"/>
+              </a:defRPr>
+            </a:lvl2pPr>
+            <a:lvl3pPr marL="1143000" indent="-228600" algn="l" defTabSz="914400" rtl="0" eaLnBrk="1" latinLnBrk="0" hangingPunct="1">
+              <a:lnSpc>
+                <a:spcPct val="90000"/>
+              </a:lnSpc>
+              <a:spcBef>
+                <a:spcPts val="500"/>
+              </a:spcBef>
+              <a:buFont typeface="Arial" panose="020B0604020202020204" pitchFamily="34" charset="0"/>
+              <a:buChar char="•"/>
+              <a:defRPr sz="2000" kern="1200">
+                <a:solidFill>
+                  <a:schemeClr val="tx1"/>
+                </a:solidFill>
+                <a:latin typeface="+mn-lt"/>
+                <a:ea typeface="+mn-ea"/>
+                <a:cs typeface="+mn-cs"/>
+              </a:defRPr>
+            </a:lvl3pPr>
+            <a:lvl4pPr marL="1600200" indent="-228600" algn="l" defTabSz="914400" rtl="0" eaLnBrk="1" latinLnBrk="0" hangingPunct="1">
+              <a:lnSpc>
+                <a:spcPct val="90000"/>
+              </a:lnSpc>
+              <a:spcBef>
+                <a:spcPts val="500"/>
+              </a:spcBef>
+              <a:buFont typeface="Arial" panose="020B0604020202020204" pitchFamily="34" charset="0"/>
+              <a:buChar char="•"/>
+              <a:defRPr sz="1800" kern="1200">
+                <a:solidFill>
+                  <a:schemeClr val="tx1"/>
+                </a:solidFill>
+                <a:latin typeface="+mn-lt"/>
+                <a:ea typeface="+mn-ea"/>
+                <a:cs typeface="+mn-cs"/>
+              </a:defRPr>
+            </a:lvl4pPr>
+            <a:lvl5pPr marL="2057400" indent="-228600" algn="l" defTabSz="914400" rtl="0" eaLnBrk="1" latinLnBrk="0" hangingPunct="1">
+              <a:lnSpc>
+                <a:spcPct val="90000"/>
+              </a:lnSpc>
+              <a:spcBef>
+                <a:spcPts val="500"/>
+              </a:spcBef>
+              <a:buFont typeface="Arial" panose="020B0604020202020204" pitchFamily="34" charset="0"/>
+              <a:buChar char="•"/>
+              <a:defRPr sz="1800" kern="1200">
+                <a:solidFill>
+                  <a:schemeClr val="tx1"/>
+                </a:solidFill>
+                <a:latin typeface="+mn-lt"/>
+                <a:ea typeface="+mn-ea"/>
+                <a:cs typeface="+mn-cs"/>
+              </a:defRPr>
+            </a:lvl5pPr>
+            <a:lvl6pPr marL="2514600" indent="-228600" algn="l" defTabSz="914400" rtl="0" eaLnBrk="1" latinLnBrk="0" hangingPunct="1">
+              <a:lnSpc>
+                <a:spcPct val="90000"/>
+              </a:lnSpc>
+              <a:spcBef>
+                <a:spcPts val="500"/>
+              </a:spcBef>
+              <a:buFont typeface="Arial" panose="020B0604020202020204" pitchFamily="34" charset="0"/>
+              <a:buChar char="•"/>
+              <a:defRPr sz="1800" kern="1200">
+                <a:solidFill>
+                  <a:schemeClr val="tx1"/>
+                </a:solidFill>
+                <a:latin typeface="+mn-lt"/>
+                <a:ea typeface="+mn-ea"/>
+                <a:cs typeface="+mn-cs"/>
+              </a:defRPr>
+            </a:lvl6pPr>
+            <a:lvl7pPr marL="2971800" indent="-228600" algn="l" defTabSz="914400" rtl="0" eaLnBrk="1" latinLnBrk="0" hangingPunct="1">
+              <a:lnSpc>
+                <a:spcPct val="90000"/>
+              </a:lnSpc>
+              <a:spcBef>
+                <a:spcPts val="500"/>
+              </a:spcBef>
+              <a:buFont typeface="Arial" panose="020B0604020202020204" pitchFamily="34" charset="0"/>
+              <a:buChar char="•"/>
+              <a:defRPr sz="1800" kern="1200">
+                <a:solidFill>
+                  <a:schemeClr val="tx1"/>
+                </a:solidFill>
+                <a:latin typeface="+mn-lt"/>
+                <a:ea typeface="+mn-ea"/>
+                <a:cs typeface="+mn-cs"/>
+              </a:defRPr>
+            </a:lvl7pPr>
+            <a:lvl8pPr marL="3429000" indent="-228600" algn="l" defTabSz="914400" rtl="0" eaLnBrk="1" latinLnBrk="0" hangingPunct="1">
+              <a:lnSpc>
+                <a:spcPct val="90000"/>
+              </a:lnSpc>
+              <a:spcBef>
+                <a:spcPts val="500"/>
+              </a:spcBef>
+              <a:buFont typeface="Arial" panose="020B0604020202020204" pitchFamily="34" charset="0"/>
+              <a:buChar char="•"/>
+              <a:defRPr sz="1800" kern="1200">
+                <a:solidFill>
+                  <a:schemeClr val="tx1"/>
+                </a:solidFill>
+                <a:latin typeface="+mn-lt"/>
+                <a:ea typeface="+mn-ea"/>
+                <a:cs typeface="+mn-cs"/>
+              </a:defRPr>
+            </a:lvl8pPr>
+            <a:lvl9pPr marL="3886200" indent="-228600" algn="l" defTabSz="914400" rtl="0" eaLnBrk="1" latinLnBrk="0" hangingPunct="1">
+              <a:lnSpc>
+                <a:spcPct val="90000"/>
+              </a:lnSpc>
+              <a:spcBef>
+                <a:spcPts val="500"/>
+              </a:spcBef>
+              <a:buFont typeface="Arial" panose="020B0604020202020204" pitchFamily="34" charset="0"/>
+              <a:buChar char="•"/>
+              <a:defRPr sz="1800" kern="1200">
+                <a:solidFill>
+                  <a:schemeClr val="tx1"/>
+                </a:solidFill>
+                <a:latin typeface="+mn-lt"/>
+                <a:ea typeface="+mn-ea"/>
+                <a:cs typeface="+mn-cs"/>
+              </a:defRPr>
+            </a:lvl9pPr>
+          </a:lstStyle>
+          <a:p>
+            <a:r>
               <a:rPr lang="en-US" dirty="0"/>
-              <a:t>Caching Patterns: Invalidate-*</a:t>
-            </a:r>
-          </a:p>
-        </p:txBody>
-      </p:sp>
-      <p:sp>
-        <p:nvSpPr>
-          <p:cNvPr id="3" name="Content Placeholder 2">
-            <a:extLst>
-              <a:ext uri="{FF2B5EF4-FFF2-40B4-BE49-F238E27FC236}">
-                <a16:creationId xmlns:a16="http://schemas.microsoft.com/office/drawing/2014/main" id="{15FDBC59-A97E-D95B-5EAF-CA3CDFCA0850}"/>
-              </a:ext>
-            </a:extLst>
-          </p:cNvPr>
-          <p:cNvSpPr>
-            <a:spLocks noGrp="1"/>
-          </p:cNvSpPr>
-          <p:nvPr>
-            <p:ph idx="1"/>
-          </p:nvPr>
-        </p:nvSpPr>
-        <p:spPr/>
-        <p:txBody>
-          <a:bodyPr/>
-          <a:lstStyle/>
-          <a:p>
-            <a:r>
-              <a:rPr lang="en-US" dirty="0"/>
-              <a:t>Cache is invalidated (removed) and not updated when the source of true data change</a:t>
-            </a:r>
-          </a:p>
-          <a:p>
-            <a:r>
-              <a:rPr lang="en-US" dirty="0"/>
-              <a:t>Avoid stale data</a:t>
-            </a:r>
-          </a:p>
-          <a:p>
-            <a:r>
-              <a:rPr lang="en-US" dirty="0"/>
-              <a:t>Not trivial to get cache invalidation right</a:t>
-            </a:r>
-          </a:p>
-          <a:p>
-            <a:pPr lvl="1"/>
-            <a:r>
-              <a:rPr lang="en-US" dirty="0"/>
-              <a:t>in real world, the same piece of data can be changed in different places</a:t>
-            </a:r>
-          </a:p>
-          <a:p>
-            <a:pPr lvl="1"/>
-            <a:r>
-              <a:rPr lang="en-US" dirty="0"/>
-              <a:t>the scope of change in the DB does not match the scope of cache items (need to invalidate a set of data)</a:t>
-            </a:r>
-          </a:p>
-          <a:p>
-            <a:pPr lvl="1"/>
-            <a:r>
-              <a:rPr lang="en-US" dirty="0"/>
-              <a:t>Invalidate notification must be sent to all processes holding the cached value in memory </a:t>
+              <a:t>Cache is responsible to get the data</a:t>
             </a:r>
           </a:p>
         </p:txBody>
@@ -8635,7 +9834,7 @@
     </p:spTree>
     <p:extLst>
       <p:ext uri="{BB962C8B-B14F-4D97-AF65-F5344CB8AC3E}">
-        <p14:creationId xmlns:p14="http://schemas.microsoft.com/office/powerpoint/2010/main" val="4237152263"/>
+        <p14:creationId xmlns:p14="http://schemas.microsoft.com/office/powerpoint/2010/main" val="635263817"/>
       </p:ext>
     </p:extLst>
   </p:cSld>
@@ -8667,7 +9866,7 @@
           <p:cNvPr id="2" name="Title 1">
             <a:extLst>
               <a:ext uri="{FF2B5EF4-FFF2-40B4-BE49-F238E27FC236}">
-                <a16:creationId xmlns:a16="http://schemas.microsoft.com/office/drawing/2014/main" id="{2EB29AA9-B256-F216-49DC-AB81E1131992}"/>
+                <a16:creationId xmlns:a16="http://schemas.microsoft.com/office/drawing/2014/main" id="{347BCA57-5E9B-04AB-1CD8-52BAF0286CE5}"/>
               </a:ext>
             </a:extLst>
           </p:cNvPr>
@@ -8685,103 +9884,583 @@
           <a:p>
             <a:r>
               <a:rPr lang="en-US" dirty="0"/>
-              <a:t>In memory vs distributed (shared) cache</a:t>
-            </a:r>
-          </a:p>
-        </p:txBody>
-      </p:sp>
-      <p:sp>
-        <p:nvSpPr>
-          <p:cNvPr id="3" name="Content Placeholder 2">
-            <a:extLst>
-              <a:ext uri="{FF2B5EF4-FFF2-40B4-BE49-F238E27FC236}">
-                <a16:creationId xmlns:a16="http://schemas.microsoft.com/office/drawing/2014/main" id="{B704A45C-E945-C252-BC40-6FD394E16A25}"/>
-              </a:ext>
-            </a:extLst>
-          </p:cNvPr>
-          <p:cNvSpPr>
-            <a:spLocks noGrp="1"/>
-          </p:cNvSpPr>
-          <p:nvPr>
-            <p:ph idx="1"/>
-          </p:nvPr>
-        </p:nvSpPr>
-        <p:spPr/>
-        <p:txBody>
-          <a:bodyPr>
-            <a:normAutofit lnSpcReduction="10000"/>
+              <a:t>Caching Patterns: Read-"compromise"</a:t>
+            </a:r>
+          </a:p>
+        </p:txBody>
+      </p:sp>
+      <p:sp>
+        <p:nvSpPr>
+          <p:cNvPr id="4" name="AutoShape 2">
+            <a:extLst>
+              <a:ext uri="{FF2B5EF4-FFF2-40B4-BE49-F238E27FC236}">
+                <a16:creationId xmlns:a16="http://schemas.microsoft.com/office/drawing/2014/main" id="{099BB7B0-BEE9-D260-BF52-CD168EDAE401}"/>
+              </a:ext>
+            </a:extLst>
+          </p:cNvPr>
+          <p:cNvSpPr>
+            <a:spLocks noChangeAspect="1" noChangeArrowheads="1"/>
+          </p:cNvSpPr>
+          <p:nvPr/>
+        </p:nvSpPr>
+        <p:spPr bwMode="auto">
+          <a:xfrm>
+            <a:off x="5943600" y="3276600"/>
+            <a:ext cx="304800" cy="304800"/>
+          </a:xfrm>
+          <a:prstGeom prst="rect">
+            <a:avLst/>
+          </a:prstGeom>
+          <a:noFill/>
+          <a:extLst>
+            <a:ext uri="{909E8E84-426E-40DD-AFC4-6F175D3DCCD1}">
+              <a14:hiddenFill xmlns:a14="http://schemas.microsoft.com/office/drawing/2010/main">
+                <a:solidFill>
+                  <a:srgbClr val="FFFFFF"/>
+                </a:solidFill>
+              </a14:hiddenFill>
+            </a:ext>
+          </a:extLst>
+        </p:spPr>
+        <p:txBody>
+          <a:bodyPr vert="horz" wrap="square" lIns="91440" tIns="45720" rIns="91440" bIns="45720" numCol="1" anchor="t" anchorCtr="0" compatLnSpc="1">
+            <a:prstTxWarp prst="textNoShape">
+              <a:avLst/>
+            </a:prstTxWarp>
           </a:bodyPr>
           <a:lstStyle/>
           <a:p>
+            <a:endParaRPr lang="en-US"/>
+          </a:p>
+        </p:txBody>
+      </p:sp>
+      <p:sp>
+        <p:nvSpPr>
+          <p:cNvPr id="7" name="AutoShape 8">
+            <a:extLst>
+              <a:ext uri="{FF2B5EF4-FFF2-40B4-BE49-F238E27FC236}">
+                <a16:creationId xmlns:a16="http://schemas.microsoft.com/office/drawing/2014/main" id="{055B34A0-5536-3A41-D650-A902B058AC69}"/>
+              </a:ext>
+            </a:extLst>
+          </p:cNvPr>
+          <p:cNvSpPr>
+            <a:spLocks noChangeAspect="1" noChangeArrowheads="1"/>
+          </p:cNvSpPr>
+          <p:nvPr/>
+        </p:nvSpPr>
+        <p:spPr bwMode="auto">
+          <a:xfrm>
+            <a:off x="6096000" y="3429000"/>
+            <a:ext cx="304800" cy="304800"/>
+          </a:xfrm>
+          <a:prstGeom prst="rect">
+            <a:avLst/>
+          </a:prstGeom>
+          <a:noFill/>
+          <a:extLst>
+            <a:ext uri="{909E8E84-426E-40DD-AFC4-6F175D3DCCD1}">
+              <a14:hiddenFill xmlns:a14="http://schemas.microsoft.com/office/drawing/2010/main">
+                <a:solidFill>
+                  <a:srgbClr val="FFFFFF"/>
+                </a:solidFill>
+              </a14:hiddenFill>
+            </a:ext>
+          </a:extLst>
+        </p:spPr>
+        <p:txBody>
+          <a:bodyPr vert="horz" wrap="square" lIns="91440" tIns="45720" rIns="91440" bIns="45720" numCol="1" anchor="t" anchorCtr="0" compatLnSpc="1">
+            <a:prstTxWarp prst="textNoShape">
+              <a:avLst/>
+            </a:prstTxWarp>
+          </a:bodyPr>
+          <a:lstStyle/>
+          <a:p>
+            <a:endParaRPr lang="en-US"/>
+          </a:p>
+        </p:txBody>
+      </p:sp>
+      <p:sp>
+        <p:nvSpPr>
+          <p:cNvPr id="10" name="Content Placeholder 2">
+            <a:extLst>
+              <a:ext uri="{FF2B5EF4-FFF2-40B4-BE49-F238E27FC236}">
+                <a16:creationId xmlns:a16="http://schemas.microsoft.com/office/drawing/2014/main" id="{6B001CB5-55E2-34F4-056D-227B2079A42E}"/>
+              </a:ext>
+            </a:extLst>
+          </p:cNvPr>
+          <p:cNvSpPr txBox="1">
+            <a:spLocks/>
+          </p:cNvSpPr>
+          <p:nvPr/>
+        </p:nvSpPr>
+        <p:spPr>
+          <a:xfrm>
+            <a:off x="762786" y="1405731"/>
+            <a:ext cx="10515600" cy="4351338"/>
+          </a:xfrm>
+          <a:prstGeom prst="rect">
+            <a:avLst/>
+          </a:prstGeom>
+        </p:spPr>
+        <p:txBody>
+          <a:bodyPr vert="horz" lIns="91440" tIns="45720" rIns="91440" bIns="45720" rtlCol="0">
+            <a:normAutofit/>
+          </a:bodyPr>
+          <a:lstStyle>
+            <a:lvl1pPr marL="228600" indent="-228600" algn="l" defTabSz="914400" rtl="0" eaLnBrk="1" latinLnBrk="0" hangingPunct="1">
+              <a:lnSpc>
+                <a:spcPct val="90000"/>
+              </a:lnSpc>
+              <a:spcBef>
+                <a:spcPts val="1000"/>
+              </a:spcBef>
+              <a:buFont typeface="Arial" panose="020B0604020202020204" pitchFamily="34" charset="0"/>
+              <a:buChar char="•"/>
+              <a:defRPr sz="2800" kern="1200">
+                <a:solidFill>
+                  <a:schemeClr val="tx1"/>
+                </a:solidFill>
+                <a:latin typeface="+mn-lt"/>
+                <a:ea typeface="+mn-ea"/>
+                <a:cs typeface="+mn-cs"/>
+              </a:defRPr>
+            </a:lvl1pPr>
+            <a:lvl2pPr marL="685800" indent="-228600" algn="l" defTabSz="914400" rtl="0" eaLnBrk="1" latinLnBrk="0" hangingPunct="1">
+              <a:lnSpc>
+                <a:spcPct val="90000"/>
+              </a:lnSpc>
+              <a:spcBef>
+                <a:spcPts val="500"/>
+              </a:spcBef>
+              <a:buFont typeface="Arial" panose="020B0604020202020204" pitchFamily="34" charset="0"/>
+              <a:buChar char="•"/>
+              <a:defRPr sz="2400" kern="1200">
+                <a:solidFill>
+                  <a:schemeClr val="tx1"/>
+                </a:solidFill>
+                <a:latin typeface="+mn-lt"/>
+                <a:ea typeface="+mn-ea"/>
+                <a:cs typeface="+mn-cs"/>
+              </a:defRPr>
+            </a:lvl2pPr>
+            <a:lvl3pPr marL="1143000" indent="-228600" algn="l" defTabSz="914400" rtl="0" eaLnBrk="1" latinLnBrk="0" hangingPunct="1">
+              <a:lnSpc>
+                <a:spcPct val="90000"/>
+              </a:lnSpc>
+              <a:spcBef>
+                <a:spcPts val="500"/>
+              </a:spcBef>
+              <a:buFont typeface="Arial" panose="020B0604020202020204" pitchFamily="34" charset="0"/>
+              <a:buChar char="•"/>
+              <a:defRPr sz="2000" kern="1200">
+                <a:solidFill>
+                  <a:schemeClr val="tx1"/>
+                </a:solidFill>
+                <a:latin typeface="+mn-lt"/>
+                <a:ea typeface="+mn-ea"/>
+                <a:cs typeface="+mn-cs"/>
+              </a:defRPr>
+            </a:lvl3pPr>
+            <a:lvl4pPr marL="1600200" indent="-228600" algn="l" defTabSz="914400" rtl="0" eaLnBrk="1" latinLnBrk="0" hangingPunct="1">
+              <a:lnSpc>
+                <a:spcPct val="90000"/>
+              </a:lnSpc>
+              <a:spcBef>
+                <a:spcPts val="500"/>
+              </a:spcBef>
+              <a:buFont typeface="Arial" panose="020B0604020202020204" pitchFamily="34" charset="0"/>
+              <a:buChar char="•"/>
+              <a:defRPr sz="1800" kern="1200">
+                <a:solidFill>
+                  <a:schemeClr val="tx1"/>
+                </a:solidFill>
+                <a:latin typeface="+mn-lt"/>
+                <a:ea typeface="+mn-ea"/>
+                <a:cs typeface="+mn-cs"/>
+              </a:defRPr>
+            </a:lvl4pPr>
+            <a:lvl5pPr marL="2057400" indent="-228600" algn="l" defTabSz="914400" rtl="0" eaLnBrk="1" latinLnBrk="0" hangingPunct="1">
+              <a:lnSpc>
+                <a:spcPct val="90000"/>
+              </a:lnSpc>
+              <a:spcBef>
+                <a:spcPts val="500"/>
+              </a:spcBef>
+              <a:buFont typeface="Arial" panose="020B0604020202020204" pitchFamily="34" charset="0"/>
+              <a:buChar char="•"/>
+              <a:defRPr sz="1800" kern="1200">
+                <a:solidFill>
+                  <a:schemeClr val="tx1"/>
+                </a:solidFill>
+                <a:latin typeface="+mn-lt"/>
+                <a:ea typeface="+mn-ea"/>
+                <a:cs typeface="+mn-cs"/>
+              </a:defRPr>
+            </a:lvl5pPr>
+            <a:lvl6pPr marL="2514600" indent="-228600" algn="l" defTabSz="914400" rtl="0" eaLnBrk="1" latinLnBrk="0" hangingPunct="1">
+              <a:lnSpc>
+                <a:spcPct val="90000"/>
+              </a:lnSpc>
+              <a:spcBef>
+                <a:spcPts val="500"/>
+              </a:spcBef>
+              <a:buFont typeface="Arial" panose="020B0604020202020204" pitchFamily="34" charset="0"/>
+              <a:buChar char="•"/>
+              <a:defRPr sz="1800" kern="1200">
+                <a:solidFill>
+                  <a:schemeClr val="tx1"/>
+                </a:solidFill>
+                <a:latin typeface="+mn-lt"/>
+                <a:ea typeface="+mn-ea"/>
+                <a:cs typeface="+mn-cs"/>
+              </a:defRPr>
+            </a:lvl6pPr>
+            <a:lvl7pPr marL="2971800" indent="-228600" algn="l" defTabSz="914400" rtl="0" eaLnBrk="1" latinLnBrk="0" hangingPunct="1">
+              <a:lnSpc>
+                <a:spcPct val="90000"/>
+              </a:lnSpc>
+              <a:spcBef>
+                <a:spcPts val="500"/>
+              </a:spcBef>
+              <a:buFont typeface="Arial" panose="020B0604020202020204" pitchFamily="34" charset="0"/>
+              <a:buChar char="•"/>
+              <a:defRPr sz="1800" kern="1200">
+                <a:solidFill>
+                  <a:schemeClr val="tx1"/>
+                </a:solidFill>
+                <a:latin typeface="+mn-lt"/>
+                <a:ea typeface="+mn-ea"/>
+                <a:cs typeface="+mn-cs"/>
+              </a:defRPr>
+            </a:lvl7pPr>
+            <a:lvl8pPr marL="3429000" indent="-228600" algn="l" defTabSz="914400" rtl="0" eaLnBrk="1" latinLnBrk="0" hangingPunct="1">
+              <a:lnSpc>
+                <a:spcPct val="90000"/>
+              </a:lnSpc>
+              <a:spcBef>
+                <a:spcPts val="500"/>
+              </a:spcBef>
+              <a:buFont typeface="Arial" panose="020B0604020202020204" pitchFamily="34" charset="0"/>
+              <a:buChar char="•"/>
+              <a:defRPr sz="1800" kern="1200">
+                <a:solidFill>
+                  <a:schemeClr val="tx1"/>
+                </a:solidFill>
+                <a:latin typeface="+mn-lt"/>
+                <a:ea typeface="+mn-ea"/>
+                <a:cs typeface="+mn-cs"/>
+              </a:defRPr>
+            </a:lvl8pPr>
+            <a:lvl9pPr marL="3886200" indent="-228600" algn="l" defTabSz="914400" rtl="0" eaLnBrk="1" latinLnBrk="0" hangingPunct="1">
+              <a:lnSpc>
+                <a:spcPct val="90000"/>
+              </a:lnSpc>
+              <a:spcBef>
+                <a:spcPts val="500"/>
+              </a:spcBef>
+              <a:buFont typeface="Arial" panose="020B0604020202020204" pitchFamily="34" charset="0"/>
+              <a:buChar char="•"/>
+              <a:defRPr sz="1800" kern="1200">
+                <a:solidFill>
+                  <a:schemeClr val="tx1"/>
+                </a:solidFill>
+                <a:latin typeface="+mn-lt"/>
+                <a:ea typeface="+mn-ea"/>
+                <a:cs typeface="+mn-cs"/>
+              </a:defRPr>
+            </a:lvl9pPr>
+          </a:lstStyle>
+          <a:p>
             <a:r>
               <a:rPr lang="en-US" dirty="0"/>
-              <a:t>In memory </a:t>
-            </a:r>
-          </a:p>
-          <a:p>
-            <a:pPr lvl="1"/>
+              <a:t>Application code maintains responsibility to get the data providing a factory</a:t>
+            </a:r>
+          </a:p>
+          <a:p>
             <a:r>
               <a:rPr lang="en-US" dirty="0"/>
-              <a:t>Faster </a:t>
-            </a:r>
-          </a:p>
-          <a:p>
-            <a:pPr lvl="1"/>
-            <a:r>
-              <a:rPr lang="en-US" dirty="0"/>
-              <a:t>Less cache hits in web farm scenario </a:t>
-            </a:r>
-          </a:p>
-          <a:p>
-            <a:pPr lvl="1"/>
-            <a:r>
-              <a:rPr lang="en-US" dirty="0"/>
-              <a:t>Monitor memory usage</a:t>
-            </a:r>
-          </a:p>
-          <a:p>
-            <a:endParaRPr lang="en-US" dirty="0"/>
-          </a:p>
-          <a:p>
-            <a:r>
-              <a:rPr lang="en-US" dirty="0"/>
-              <a:t>Distributed</a:t>
-            </a:r>
-          </a:p>
-          <a:p>
-            <a:pPr lvl="1"/>
-            <a:r>
-              <a:rPr lang="en-US" dirty="0"/>
-              <a:t>Improved cache hits</a:t>
-            </a:r>
-          </a:p>
-          <a:p>
-            <a:pPr lvl="1"/>
-            <a:r>
-              <a:rPr lang="en-US" dirty="0"/>
-              <a:t>Some solutions (Redis) are fast, still remember you are still doing a network roundtrip</a:t>
-            </a:r>
-          </a:p>
-          <a:p>
-            <a:pPr lvl="1"/>
-            <a:r>
-              <a:rPr lang="en-US" dirty="0"/>
-              <a:t>Watch out CPU usage (deserialization)</a:t>
-            </a:r>
-          </a:p>
-          <a:p>
-            <a:pPr lvl="1"/>
-            <a:r>
-              <a:rPr lang="en-US" dirty="0"/>
-              <a:t>Watch out caching keys clashing (per service prefix)</a:t>
-            </a:r>
+              <a:t>Cache can apply policies on the "data factory" (e.g. timeouts, fail safe)</a:t>
+            </a:r>
+          </a:p>
+        </p:txBody>
+      </p:sp>
+      <p:sp>
+        <p:nvSpPr>
+          <p:cNvPr id="6" name="TextBox 5">
+            <a:extLst>
+              <a:ext uri="{FF2B5EF4-FFF2-40B4-BE49-F238E27FC236}">
+                <a16:creationId xmlns:a16="http://schemas.microsoft.com/office/drawing/2014/main" id="{26FB2E35-C0C2-2A08-E5E5-62A1CBD8432D}"/>
+              </a:ext>
+            </a:extLst>
+          </p:cNvPr>
+          <p:cNvSpPr txBox="1"/>
+          <p:nvPr/>
+        </p:nvSpPr>
+        <p:spPr>
+          <a:xfrm>
+            <a:off x="763479" y="3249228"/>
+            <a:ext cx="9721048" cy="2308324"/>
+          </a:xfrm>
+          <a:prstGeom prst="rect">
+            <a:avLst/>
+          </a:prstGeom>
+          <a:noFill/>
+          <a:ln>
+            <a:solidFill>
+              <a:schemeClr val="accent1"/>
+            </a:solidFill>
+          </a:ln>
+        </p:spPr>
+        <p:txBody>
+          <a:bodyPr wrap="square" rtlCol="0">
+            <a:spAutoFit/>
+          </a:bodyPr>
+          <a:lstStyle/>
+          <a:p>
+            <a:r>
+              <a:rPr lang="en-US" sz="1800" dirty="0">
+                <a:solidFill>
+                  <a:srgbClr val="000000"/>
+                </a:solidFill>
+                <a:latin typeface="Cascadia Mono" panose="020B0609020000020004" pitchFamily="49" charset="0"/>
+              </a:rPr>
+              <a:t>// _cache -&gt; </a:t>
+            </a:r>
+            <a:r>
+              <a:rPr lang="en-US" sz="1800" dirty="0" err="1">
+                <a:solidFill>
+                  <a:srgbClr val="000000"/>
+                </a:solidFill>
+                <a:latin typeface="Cascadia Mono" panose="020B0609020000020004" pitchFamily="49" charset="0"/>
+              </a:rPr>
+              <a:t>IMemoryCache</a:t>
+            </a:r>
+            <a:br>
+              <a:rPr lang="en-US" sz="1800" dirty="0">
+                <a:solidFill>
+                  <a:srgbClr val="000000"/>
+                </a:solidFill>
+                <a:latin typeface="Cascadia Mono" panose="020B0609020000020004" pitchFamily="49" charset="0"/>
+              </a:rPr>
+            </a:br>
+            <a:r>
+              <a:rPr lang="en-US" sz="1800" dirty="0">
+                <a:solidFill>
+                  <a:srgbClr val="000000"/>
+                </a:solidFill>
+                <a:latin typeface="Cascadia Mono" panose="020B0609020000020004" pitchFamily="49" charset="0"/>
+              </a:rPr>
+              <a:t>var ret = await _</a:t>
+            </a:r>
+            <a:r>
+              <a:rPr lang="en-US" sz="1800" dirty="0" err="1">
+                <a:solidFill>
+                  <a:srgbClr val="000000"/>
+                </a:solidFill>
+                <a:latin typeface="Cascadia Mono" panose="020B0609020000020004" pitchFamily="49" charset="0"/>
+              </a:rPr>
+              <a:t>cache.GetOrCreateAsync</a:t>
+            </a:r>
+            <a:r>
+              <a:rPr lang="en-US" sz="1800" dirty="0">
+                <a:solidFill>
+                  <a:srgbClr val="000000"/>
+                </a:solidFill>
+                <a:latin typeface="Cascadia Mono" panose="020B0609020000020004" pitchFamily="49" charset="0"/>
+              </a:rPr>
+              <a:t>(location, async </a:t>
+            </a:r>
+            <a:r>
+              <a:rPr lang="en-US" sz="1800" dirty="0" err="1">
+                <a:solidFill>
+                  <a:srgbClr val="000000"/>
+                </a:solidFill>
+                <a:latin typeface="Cascadia Mono" panose="020B0609020000020004" pitchFamily="49" charset="0"/>
+              </a:rPr>
+              <a:t>cacheEntry</a:t>
+            </a:r>
+            <a:r>
+              <a:rPr lang="en-US" sz="1800" dirty="0">
+                <a:solidFill>
+                  <a:srgbClr val="000000"/>
+                </a:solidFill>
+                <a:latin typeface="Cascadia Mono" panose="020B0609020000020004" pitchFamily="49" charset="0"/>
+              </a:rPr>
+              <a:t>=&gt;</a:t>
+            </a:r>
+          </a:p>
+          <a:p>
+            <a:r>
+              <a:rPr lang="en-US" sz="1800" dirty="0">
+                <a:solidFill>
+                  <a:srgbClr val="000000"/>
+                </a:solidFill>
+                <a:latin typeface="Cascadia Mono" panose="020B0609020000020004" pitchFamily="49" charset="0"/>
+              </a:rPr>
+              <a:t>{</a:t>
+            </a:r>
+          </a:p>
+          <a:p>
+            <a:r>
+              <a:rPr lang="en-US" sz="1800" dirty="0">
+                <a:solidFill>
+                  <a:srgbClr val="000000"/>
+                </a:solidFill>
+                <a:latin typeface="Cascadia Mono" panose="020B0609020000020004" pitchFamily="49" charset="0"/>
+              </a:rPr>
+              <a:t>    </a:t>
+            </a:r>
+            <a:r>
+              <a:rPr lang="en-US" sz="1800" dirty="0" err="1">
+                <a:solidFill>
+                  <a:srgbClr val="000000"/>
+                </a:solidFill>
+                <a:latin typeface="Cascadia Mono" panose="020B0609020000020004" pitchFamily="49" charset="0"/>
+              </a:rPr>
+              <a:t>cacheEntry.AbsoluteExpiration</a:t>
+            </a:r>
+            <a:r>
+              <a:rPr lang="en-US" sz="1800" dirty="0">
+                <a:solidFill>
+                  <a:srgbClr val="000000"/>
+                </a:solidFill>
+                <a:latin typeface="Cascadia Mono" panose="020B0609020000020004" pitchFamily="49" charset="0"/>
+              </a:rPr>
+              <a:t> = </a:t>
+            </a:r>
+            <a:r>
+              <a:rPr lang="en-US" sz="1800" dirty="0" err="1">
+                <a:solidFill>
+                  <a:srgbClr val="000000"/>
+                </a:solidFill>
+                <a:latin typeface="Cascadia Mono" panose="020B0609020000020004" pitchFamily="49" charset="0"/>
+              </a:rPr>
+              <a:t>DateTimeOffset.UtcNow</a:t>
+            </a:r>
+            <a:r>
+              <a:rPr lang="en-US" sz="1800" dirty="0">
+                <a:solidFill>
+                  <a:srgbClr val="000000"/>
+                </a:solidFill>
+                <a:latin typeface="Cascadia Mono" panose="020B0609020000020004" pitchFamily="49" charset="0"/>
+              </a:rPr>
+              <a:t> +</a:t>
+            </a:r>
+            <a:br>
+              <a:rPr lang="en-US" sz="1800" dirty="0">
+                <a:solidFill>
+                  <a:srgbClr val="000000"/>
+                </a:solidFill>
+                <a:latin typeface="Cascadia Mono" panose="020B0609020000020004" pitchFamily="49" charset="0"/>
+              </a:rPr>
+            </a:br>
+            <a:r>
+              <a:rPr lang="en-US" sz="1800" dirty="0">
+                <a:solidFill>
+                  <a:srgbClr val="000000"/>
+                </a:solidFill>
+                <a:latin typeface="Cascadia Mono" panose="020B0609020000020004" pitchFamily="49" charset="0"/>
+              </a:rPr>
+              <a:t>      </a:t>
+            </a:r>
+            <a:r>
+              <a:rPr lang="en-US" sz="1800" dirty="0" err="1">
+                <a:solidFill>
+                  <a:srgbClr val="000000"/>
+                </a:solidFill>
+                <a:latin typeface="Cascadia Mono" panose="020B0609020000020004" pitchFamily="49" charset="0"/>
+              </a:rPr>
+              <a:t>TimeSpan.FromMinutes</a:t>
+            </a:r>
+            <a:r>
+              <a:rPr lang="en-US" sz="1800" dirty="0">
+                <a:solidFill>
+                  <a:srgbClr val="000000"/>
+                </a:solidFill>
+                <a:latin typeface="Cascadia Mono" panose="020B0609020000020004" pitchFamily="49" charset="0"/>
+              </a:rPr>
+              <a:t>(1);</a:t>
+            </a:r>
+          </a:p>
+          <a:p>
+            <a:r>
+              <a:rPr lang="en-US" sz="1800" dirty="0">
+                <a:solidFill>
+                  <a:srgbClr val="000000"/>
+                </a:solidFill>
+                <a:latin typeface="Cascadia Mono" panose="020B0609020000020004" pitchFamily="49" charset="0"/>
+              </a:rPr>
+              <a:t>    return await _</a:t>
+            </a:r>
+            <a:r>
+              <a:rPr lang="en-US" sz="1800" dirty="0" err="1">
+                <a:solidFill>
+                  <a:srgbClr val="000000"/>
+                </a:solidFill>
+                <a:latin typeface="Cascadia Mono" panose="020B0609020000020004" pitchFamily="49" charset="0"/>
+              </a:rPr>
+              <a:t>dataSources.GetCurrentTime</a:t>
+            </a:r>
+            <a:r>
+              <a:rPr lang="en-US" sz="1800" dirty="0">
+                <a:solidFill>
+                  <a:srgbClr val="000000"/>
+                </a:solidFill>
+                <a:latin typeface="Cascadia Mono" panose="020B0609020000020004" pitchFamily="49" charset="0"/>
+              </a:rPr>
+              <a:t>(location, </a:t>
+            </a:r>
+            <a:r>
+              <a:rPr lang="en-US" sz="1800" dirty="0" err="1">
+                <a:solidFill>
+                  <a:srgbClr val="000000"/>
+                </a:solidFill>
+                <a:latin typeface="Cascadia Mono" panose="020B0609020000020004" pitchFamily="49" charset="0"/>
+              </a:rPr>
+              <a:t>throwEx</a:t>
+            </a:r>
+            <a:r>
+              <a:rPr lang="en-US" sz="1800" dirty="0">
+                <a:solidFill>
+                  <a:srgbClr val="000000"/>
+                </a:solidFill>
+                <a:latin typeface="Cascadia Mono" panose="020B0609020000020004" pitchFamily="49" charset="0"/>
+              </a:rPr>
+              <a:t>);</a:t>
+            </a:r>
+          </a:p>
+          <a:p>
+            <a:r>
+              <a:rPr lang="en-US" sz="1800" dirty="0">
+                <a:solidFill>
+                  <a:srgbClr val="000000"/>
+                </a:solidFill>
+                <a:latin typeface="Cascadia Mono" panose="020B0609020000020004" pitchFamily="49" charset="0"/>
+              </a:rPr>
+              <a:t>});</a:t>
+            </a:r>
+          </a:p>
+          <a:p>
+            <a:r>
+              <a:rPr lang="en-US" sz="1800" dirty="0">
+                <a:solidFill>
+                  <a:srgbClr val="000000"/>
+                </a:solidFill>
+                <a:latin typeface="Cascadia Mono" panose="020B0609020000020004" pitchFamily="49" charset="0"/>
+              </a:rPr>
+              <a:t>return ret;</a:t>
+            </a:r>
+            <a:endParaRPr lang="en-US" sz="1400" dirty="0">
+              <a:latin typeface="Courier New" panose="02070309020205020404" pitchFamily="49" charset="0"/>
+              <a:cs typeface="Courier New" panose="02070309020205020404" pitchFamily="49" charset="0"/>
+            </a:endParaRPr>
           </a:p>
         </p:txBody>
       </p:sp>
     </p:spTree>
     <p:extLst>
       <p:ext uri="{BB962C8B-B14F-4D97-AF65-F5344CB8AC3E}">
-        <p14:creationId xmlns:p14="http://schemas.microsoft.com/office/powerpoint/2010/main" val="620630127"/>
+        <p14:creationId xmlns:p14="http://schemas.microsoft.com/office/powerpoint/2010/main" val="632149146"/>
       </p:ext>
     </p:extLst>
   </p:cSld>

--- a/cache-like-a-pro.pptx
+++ b/cache-like-a-pro.pptx
@@ -17,21 +17,25 @@
     <p:sldId id="265" r:id="rId11"/>
     <p:sldId id="266" r:id="rId12"/>
     <p:sldId id="260" r:id="rId13"/>
-    <p:sldId id="270" r:id="rId14"/>
-    <p:sldId id="267" r:id="rId15"/>
-    <p:sldId id="268" r:id="rId16"/>
-    <p:sldId id="272" r:id="rId17"/>
-    <p:sldId id="261" r:id="rId18"/>
-    <p:sldId id="279" r:id="rId19"/>
-    <p:sldId id="271" r:id="rId20"/>
+    <p:sldId id="286" r:id="rId14"/>
+    <p:sldId id="270" r:id="rId15"/>
+    <p:sldId id="267" r:id="rId16"/>
+    <p:sldId id="268" r:id="rId17"/>
+    <p:sldId id="272" r:id="rId18"/>
+    <p:sldId id="261" r:id="rId19"/>
+    <p:sldId id="279" r:id="rId20"/>
     <p:sldId id="277" r:id="rId21"/>
-    <p:sldId id="273" r:id="rId22"/>
-    <p:sldId id="275" r:id="rId23"/>
-    <p:sldId id="278" r:id="rId24"/>
-    <p:sldId id="274" r:id="rId25"/>
-    <p:sldId id="280" r:id="rId26"/>
-    <p:sldId id="281" r:id="rId27"/>
-    <p:sldId id="282" r:id="rId28"/>
+    <p:sldId id="287" r:id="rId22"/>
+    <p:sldId id="271" r:id="rId23"/>
+    <p:sldId id="288" r:id="rId24"/>
+    <p:sldId id="273" r:id="rId25"/>
+    <p:sldId id="275" r:id="rId26"/>
+    <p:sldId id="278" r:id="rId27"/>
+    <p:sldId id="274" r:id="rId28"/>
+    <p:sldId id="290" r:id="rId29"/>
+    <p:sldId id="280" r:id="rId30"/>
+    <p:sldId id="281" r:id="rId31"/>
+    <p:sldId id="282" r:id="rId32"/>
   </p:sldIdLst>
   <p:sldSz cx="12192000" cy="6858000"/>
   <p:notesSz cx="6858000" cy="9144000"/>
@@ -3855,7 +3859,7 @@
           <p:cNvPr id="2" name="Title 1">
             <a:extLst>
               <a:ext uri="{FF2B5EF4-FFF2-40B4-BE49-F238E27FC236}">
-                <a16:creationId xmlns:a16="http://schemas.microsoft.com/office/drawing/2014/main" id="{2EB29AA9-B256-F216-49DC-AB81E1131992}"/>
+                <a16:creationId xmlns:a16="http://schemas.microsoft.com/office/drawing/2014/main" id="{5D283DDB-5E70-BE28-3EED-6919897DDC78}"/>
               </a:ext>
             </a:extLst>
           </p:cNvPr>
@@ -3873,7 +3877,7 @@
           <a:p>
             <a:r>
               <a:rPr lang="en-US" dirty="0"/>
-              <a:t>In memory vs distributed (shared) cache</a:t>
+              <a:t>DEMO</a:t>
             </a:r>
           </a:p>
         </p:txBody>
@@ -3883,7 +3887,7 @@
           <p:cNvPr id="3" name="Content Placeholder 2">
             <a:extLst>
               <a:ext uri="{FF2B5EF4-FFF2-40B4-BE49-F238E27FC236}">
-                <a16:creationId xmlns:a16="http://schemas.microsoft.com/office/drawing/2014/main" id="{B704A45C-E945-C252-BC40-6FD394E16A25}"/>
+                <a16:creationId xmlns:a16="http://schemas.microsoft.com/office/drawing/2014/main" id="{62AD2CCB-A577-86B2-F813-24213EB4A9C6}"/>
               </a:ext>
             </a:extLst>
           </p:cNvPr>
@@ -3900,58 +3904,8 @@
           <a:lstStyle/>
           <a:p>
             <a:r>
-              <a:rPr lang="en-US" dirty="0" err="1"/>
-              <a:t>IMemoryCache</a:t>
-            </a:r>
-            <a:r>
-              <a:rPr lang="en-US" dirty="0"/>
-              <a:t> and </a:t>
-            </a:r>
-            <a:r>
-              <a:rPr lang="en-US" dirty="0" err="1"/>
-              <a:t>IDistributedCache</a:t>
-            </a:r>
-            <a:r>
-              <a:rPr lang="en-US" dirty="0"/>
-              <a:t> are the two abstractions provided by .NET</a:t>
-            </a:r>
-          </a:p>
-          <a:p>
-            <a:pPr lvl="1"/>
-            <a:r>
-              <a:rPr lang="en-US" dirty="0"/>
-              <a:t>MS clearly state it will not merge the twos into one</a:t>
-            </a:r>
-          </a:p>
-          <a:p>
-            <a:pPr lvl="1"/>
-            <a:r>
-              <a:rPr lang="en-US" dirty="0"/>
-              <a:t>There are "many" </a:t>
-            </a:r>
-            <a:r>
-              <a:rPr lang="en-US" dirty="0" err="1"/>
-              <a:t>IDistributedCache</a:t>
-            </a:r>
-            <a:r>
-              <a:rPr lang="en-US" dirty="0"/>
-              <a:t> implementations (Redis, </a:t>
-            </a:r>
-            <a:r>
-              <a:rPr lang="en-US" dirty="0" err="1"/>
-              <a:t>SqlServer</a:t>
-            </a:r>
-            <a:r>
-              <a:rPr lang="en-US" dirty="0"/>
-              <a:t>, </a:t>
-            </a:r>
-            <a:r>
-              <a:rPr lang="en-US" dirty="0" err="1"/>
-              <a:t>Ncache</a:t>
-            </a:r>
-            <a:r>
-              <a:rPr lang="en-US" dirty="0"/>
-              <a:t>, Azure Cosmo Db, etc..)</a:t>
+              <a:rPr lang="en-US" dirty="0"/>
+              <a:t>Heavy load on remote distributed cache</a:t>
             </a:r>
           </a:p>
         </p:txBody>
@@ -3959,7 +3913,7 @@
     </p:spTree>
     <p:extLst>
       <p:ext uri="{BB962C8B-B14F-4D97-AF65-F5344CB8AC3E}">
-        <p14:creationId xmlns:p14="http://schemas.microsoft.com/office/powerpoint/2010/main" val="3268183485"/>
+        <p14:creationId xmlns:p14="http://schemas.microsoft.com/office/powerpoint/2010/main" val="3142773117"/>
       </p:ext>
     </p:extLst>
   </p:cSld>
@@ -3991,6 +3945,142 @@
           <p:cNvPr id="2" name="Title 1">
             <a:extLst>
               <a:ext uri="{FF2B5EF4-FFF2-40B4-BE49-F238E27FC236}">
+                <a16:creationId xmlns:a16="http://schemas.microsoft.com/office/drawing/2014/main" id="{2EB29AA9-B256-F216-49DC-AB81E1131992}"/>
+              </a:ext>
+            </a:extLst>
+          </p:cNvPr>
+          <p:cNvSpPr>
+            <a:spLocks noGrp="1"/>
+          </p:cNvSpPr>
+          <p:nvPr>
+            <p:ph type="title"/>
+          </p:nvPr>
+        </p:nvSpPr>
+        <p:spPr/>
+        <p:txBody>
+          <a:bodyPr/>
+          <a:lstStyle/>
+          <a:p>
+            <a:r>
+              <a:rPr lang="en-US" dirty="0"/>
+              <a:t>In memory vs distributed (shared) cache</a:t>
+            </a:r>
+          </a:p>
+        </p:txBody>
+      </p:sp>
+      <p:sp>
+        <p:nvSpPr>
+          <p:cNvPr id="3" name="Content Placeholder 2">
+            <a:extLst>
+              <a:ext uri="{FF2B5EF4-FFF2-40B4-BE49-F238E27FC236}">
+                <a16:creationId xmlns:a16="http://schemas.microsoft.com/office/drawing/2014/main" id="{B704A45C-E945-C252-BC40-6FD394E16A25}"/>
+              </a:ext>
+            </a:extLst>
+          </p:cNvPr>
+          <p:cNvSpPr>
+            <a:spLocks noGrp="1"/>
+          </p:cNvSpPr>
+          <p:nvPr>
+            <p:ph idx="1"/>
+          </p:nvPr>
+        </p:nvSpPr>
+        <p:spPr/>
+        <p:txBody>
+          <a:bodyPr/>
+          <a:lstStyle/>
+          <a:p>
+            <a:r>
+              <a:rPr lang="en-US" dirty="0" err="1"/>
+              <a:t>IMemoryCache</a:t>
+            </a:r>
+            <a:r>
+              <a:rPr lang="en-US" dirty="0"/>
+              <a:t> and </a:t>
+            </a:r>
+            <a:r>
+              <a:rPr lang="en-US" dirty="0" err="1"/>
+              <a:t>IDistributedCache</a:t>
+            </a:r>
+            <a:r>
+              <a:rPr lang="en-US" dirty="0"/>
+              <a:t> are the two abstractions provided by .NET</a:t>
+            </a:r>
+          </a:p>
+          <a:p>
+            <a:pPr lvl="1"/>
+            <a:r>
+              <a:rPr lang="en-US" dirty="0"/>
+              <a:t>MS clearly state it will not merge the twos into one</a:t>
+            </a:r>
+          </a:p>
+          <a:p>
+            <a:pPr lvl="1"/>
+            <a:r>
+              <a:rPr lang="en-US" dirty="0"/>
+              <a:t>There are "many" </a:t>
+            </a:r>
+            <a:r>
+              <a:rPr lang="en-US" dirty="0" err="1"/>
+              <a:t>IDistributedCache</a:t>
+            </a:r>
+            <a:r>
+              <a:rPr lang="en-US" dirty="0"/>
+              <a:t> implementations (Redis, </a:t>
+            </a:r>
+            <a:r>
+              <a:rPr lang="en-US" dirty="0" err="1"/>
+              <a:t>SqlServer</a:t>
+            </a:r>
+            <a:r>
+              <a:rPr lang="en-US" dirty="0"/>
+              <a:t>, </a:t>
+            </a:r>
+            <a:r>
+              <a:rPr lang="en-US" dirty="0" err="1"/>
+              <a:t>Ncache</a:t>
+            </a:r>
+            <a:r>
+              <a:rPr lang="en-US" dirty="0"/>
+              <a:t>, Azure Cosmo Db, etc..)</a:t>
+            </a:r>
+          </a:p>
+        </p:txBody>
+      </p:sp>
+    </p:spTree>
+    <p:extLst>
+      <p:ext uri="{BB962C8B-B14F-4D97-AF65-F5344CB8AC3E}">
+        <p14:creationId xmlns:p14="http://schemas.microsoft.com/office/powerpoint/2010/main" val="3268183485"/>
+      </p:ext>
+    </p:extLst>
+  </p:cSld>
+  <p:clrMapOvr>
+    <a:masterClrMapping/>
+  </p:clrMapOvr>
+</p:sld>
+</file>
+
+<file path=ppt/slides/slide15.xml><?xml version="1.0" encoding="utf-8"?>
+<p:sld xmlns:a="http://schemas.openxmlformats.org/drawingml/2006/main" xmlns:r="http://schemas.openxmlformats.org/officeDocument/2006/relationships" xmlns:p="http://schemas.openxmlformats.org/presentationml/2006/main">
+  <p:cSld>
+    <p:spTree>
+      <p:nvGrpSpPr>
+        <p:cNvPr id="1" name=""/>
+        <p:cNvGrpSpPr/>
+        <p:nvPr/>
+      </p:nvGrpSpPr>
+      <p:grpSpPr>
+        <a:xfrm>
+          <a:off x="0" y="0"/>
+          <a:ext cx="0" cy="0"/>
+          <a:chOff x="0" y="0"/>
+          <a:chExt cx="0" cy="0"/>
+        </a:xfrm>
+      </p:grpSpPr>
+      <p:sp>
+        <p:nvSpPr>
+          <p:cNvPr id="2" name="Title 1">
+            <a:extLst>
+              <a:ext uri="{FF2B5EF4-FFF2-40B4-BE49-F238E27FC236}">
                 <a16:creationId xmlns:a16="http://schemas.microsoft.com/office/drawing/2014/main" id="{E57DA3C0-3710-D20C-CC0D-66224A3AB702}"/>
               </a:ext>
             </a:extLst>
@@ -4151,7 +4241,7 @@
 </p:sld>
 </file>
 
-<file path=ppt/slides/slide15.xml><?xml version="1.0" encoding="utf-8"?>
+<file path=ppt/slides/slide16.xml><?xml version="1.0" encoding="utf-8"?>
 <p:sld xmlns:a="http://schemas.openxmlformats.org/drawingml/2006/main" xmlns:r="http://schemas.openxmlformats.org/officeDocument/2006/relationships" xmlns:p="http://schemas.openxmlformats.org/presentationml/2006/main">
   <p:cSld>
     <p:spTree>
@@ -4748,603 +4838,6 @@
 </p:sld>
 </file>
 
-<file path=ppt/slides/slide16.xml><?xml version="1.0" encoding="utf-8"?>
-<p:sld xmlns:a="http://schemas.openxmlformats.org/drawingml/2006/main" xmlns:r="http://schemas.openxmlformats.org/officeDocument/2006/relationships" xmlns:p="http://schemas.openxmlformats.org/presentationml/2006/main">
-  <p:cSld>
-    <p:spTree>
-      <p:nvGrpSpPr>
-        <p:cNvPr id="1" name=""/>
-        <p:cNvGrpSpPr/>
-        <p:nvPr/>
-      </p:nvGrpSpPr>
-      <p:grpSpPr>
-        <a:xfrm>
-          <a:off x="0" y="0"/>
-          <a:ext cx="0" cy="0"/>
-          <a:chOff x="0" y="0"/>
-          <a:chExt cx="0" cy="0"/>
-        </a:xfrm>
-      </p:grpSpPr>
-      <p:sp>
-        <p:nvSpPr>
-          <p:cNvPr id="2" name="Title 1">
-            <a:extLst>
-              <a:ext uri="{FF2B5EF4-FFF2-40B4-BE49-F238E27FC236}">
-                <a16:creationId xmlns:a16="http://schemas.microsoft.com/office/drawing/2014/main" id="{B85EE399-0A0C-981C-9900-5AE790E125F3}"/>
-              </a:ext>
-            </a:extLst>
-          </p:cNvPr>
-          <p:cNvSpPr>
-            <a:spLocks noGrp="1"/>
-          </p:cNvSpPr>
-          <p:nvPr>
-            <p:ph type="title"/>
-          </p:nvPr>
-        </p:nvSpPr>
-        <p:spPr/>
-        <p:txBody>
-          <a:bodyPr/>
-          <a:lstStyle/>
-          <a:p>
-            <a:r>
-              <a:rPr lang="en-US" dirty="0"/>
-              <a:t>fusion cache set up</a:t>
-            </a:r>
-          </a:p>
-        </p:txBody>
-      </p:sp>
-      <p:sp>
-        <p:nvSpPr>
-          <p:cNvPr id="5" name="TextBox 4">
-            <a:extLst>
-              <a:ext uri="{FF2B5EF4-FFF2-40B4-BE49-F238E27FC236}">
-                <a16:creationId xmlns:a16="http://schemas.microsoft.com/office/drawing/2014/main" id="{DD4FE0E5-3673-2DEC-5110-7B3C017406CC}"/>
-              </a:ext>
-            </a:extLst>
-          </p:cNvPr>
-          <p:cNvSpPr txBox="1"/>
-          <p:nvPr/>
-        </p:nvSpPr>
-        <p:spPr>
-          <a:xfrm>
-            <a:off x="754602" y="2045964"/>
-            <a:ext cx="10599198" cy="3139321"/>
-          </a:xfrm>
-          <a:prstGeom prst="rect">
-            <a:avLst/>
-          </a:prstGeom>
-          <a:noFill/>
-          <a:ln>
-            <a:solidFill>
-              <a:schemeClr val="accent1"/>
-            </a:solidFill>
-          </a:ln>
-        </p:spPr>
-        <p:txBody>
-          <a:bodyPr wrap="square">
-            <a:spAutoFit/>
-          </a:bodyPr>
-          <a:lstStyle/>
-          <a:p>
-            <a:r>
-              <a:rPr lang="en-US" dirty="0" err="1">
-                <a:solidFill>
-                  <a:srgbClr val="000000"/>
-                </a:solidFill>
-                <a:latin typeface="Cascadia Mono" panose="020B0609020000020004" pitchFamily="49" charset="0"/>
-              </a:rPr>
-              <a:t>builder.Services.AddFusionCache</a:t>
-            </a:r>
-            <a:r>
-              <a:rPr lang="en-US" dirty="0">
-                <a:solidFill>
-                  <a:srgbClr val="000000"/>
-                </a:solidFill>
-                <a:latin typeface="Cascadia Mono" panose="020B0609020000020004" pitchFamily="49" charset="0"/>
-              </a:rPr>
-              <a:t>()</a:t>
-            </a:r>
-            <a:br>
-              <a:rPr lang="en-US" dirty="0">
-                <a:solidFill>
-                  <a:srgbClr val="000000"/>
-                </a:solidFill>
-                <a:latin typeface="Cascadia Mono" panose="020B0609020000020004" pitchFamily="49" charset="0"/>
-              </a:rPr>
-            </a:br>
-            <a:r>
-              <a:rPr lang="en-US" dirty="0">
-                <a:solidFill>
-                  <a:srgbClr val="000000"/>
-                </a:solidFill>
-                <a:latin typeface="Cascadia Mono" panose="020B0609020000020004" pitchFamily="49" charset="0"/>
-              </a:rPr>
-              <a:t>.</a:t>
-            </a:r>
-            <a:r>
-              <a:rPr lang="en-US" dirty="0" err="1">
-                <a:solidFill>
-                  <a:srgbClr val="000000"/>
-                </a:solidFill>
-                <a:latin typeface="Cascadia Mono" panose="020B0609020000020004" pitchFamily="49" charset="0"/>
-              </a:rPr>
-              <a:t>WithDefaultEntryOptions</a:t>
-            </a:r>
-            <a:r>
-              <a:rPr lang="en-US" dirty="0">
-                <a:solidFill>
-                  <a:srgbClr val="000000"/>
-                </a:solidFill>
-                <a:latin typeface="Cascadia Mono" panose="020B0609020000020004" pitchFamily="49" charset="0"/>
-              </a:rPr>
-              <a:t>(</a:t>
-            </a:r>
-            <a:br>
-              <a:rPr lang="en-US" dirty="0">
-                <a:solidFill>
-                  <a:srgbClr val="000000"/>
-                </a:solidFill>
-                <a:latin typeface="Cascadia Mono" panose="020B0609020000020004" pitchFamily="49" charset="0"/>
-              </a:rPr>
-            </a:br>
-            <a:r>
-              <a:rPr lang="en-US" dirty="0">
-                <a:solidFill>
-                  <a:srgbClr val="000000"/>
-                </a:solidFill>
-                <a:latin typeface="Cascadia Mono" panose="020B0609020000020004" pitchFamily="49" charset="0"/>
-              </a:rPr>
-              <a:t>   new </a:t>
-            </a:r>
-            <a:r>
-              <a:rPr lang="en-US" dirty="0" err="1">
-                <a:solidFill>
-                  <a:srgbClr val="000000"/>
-                </a:solidFill>
-                <a:latin typeface="Cascadia Mono" panose="020B0609020000020004" pitchFamily="49" charset="0"/>
-              </a:rPr>
-              <a:t>FusionCacheEntryOptions</a:t>
-            </a:r>
-            <a:r>
-              <a:rPr lang="en-US" dirty="0">
-                <a:solidFill>
-                  <a:srgbClr val="000000"/>
-                </a:solidFill>
-                <a:latin typeface="Cascadia Mono" panose="020B0609020000020004" pitchFamily="49" charset="0"/>
-              </a:rPr>
-              <a:t>{ … })</a:t>
-            </a:r>
-          </a:p>
-          <a:p>
-            <a:r>
-              <a:rPr lang="en-US" dirty="0">
-                <a:solidFill>
-                  <a:srgbClr val="000000"/>
-                </a:solidFill>
-                <a:latin typeface="Cascadia Mono" panose="020B0609020000020004" pitchFamily="49" charset="0"/>
-              </a:rPr>
-              <a:t>.</a:t>
-            </a:r>
-            <a:r>
-              <a:rPr lang="en-US" dirty="0" err="1">
-                <a:solidFill>
-                  <a:srgbClr val="000000"/>
-                </a:solidFill>
-                <a:latin typeface="Cascadia Mono" panose="020B0609020000020004" pitchFamily="49" charset="0"/>
-              </a:rPr>
-              <a:t>WithSerializer</a:t>
-            </a:r>
-            <a:r>
-              <a:rPr lang="en-US" dirty="0">
-                <a:solidFill>
-                  <a:srgbClr val="000000"/>
-                </a:solidFill>
-                <a:latin typeface="Cascadia Mono" panose="020B0609020000020004" pitchFamily="49" charset="0"/>
-              </a:rPr>
-              <a:t>(</a:t>
-            </a:r>
-            <a:br>
-              <a:rPr lang="en-US" dirty="0">
-                <a:solidFill>
-                  <a:srgbClr val="000000"/>
-                </a:solidFill>
-                <a:latin typeface="Cascadia Mono" panose="020B0609020000020004" pitchFamily="49" charset="0"/>
-              </a:rPr>
-            </a:br>
-            <a:r>
-              <a:rPr lang="en-US" dirty="0">
-                <a:solidFill>
-                  <a:srgbClr val="000000"/>
-                </a:solidFill>
-                <a:latin typeface="Cascadia Mono" panose="020B0609020000020004" pitchFamily="49" charset="0"/>
-              </a:rPr>
-              <a:t>   new </a:t>
-            </a:r>
-            <a:r>
-              <a:rPr lang="en-US" dirty="0" err="1">
-                <a:solidFill>
-                  <a:srgbClr val="000000"/>
-                </a:solidFill>
-                <a:latin typeface="Cascadia Mono" panose="020B0609020000020004" pitchFamily="49" charset="0"/>
-              </a:rPr>
-              <a:t>FusionCacheSystemTextJsonSerializer</a:t>
-            </a:r>
-            <a:r>
-              <a:rPr lang="en-US" dirty="0">
-                <a:solidFill>
-                  <a:srgbClr val="000000"/>
-                </a:solidFill>
-                <a:latin typeface="Cascadia Mono" panose="020B0609020000020004" pitchFamily="49" charset="0"/>
-              </a:rPr>
-              <a:t>())</a:t>
-            </a:r>
-          </a:p>
-          <a:p>
-            <a:r>
-              <a:rPr lang="en-US" dirty="0">
-                <a:solidFill>
-                  <a:srgbClr val="000000"/>
-                </a:solidFill>
-                <a:latin typeface="Cascadia Mono" panose="020B0609020000020004" pitchFamily="49" charset="0"/>
-              </a:rPr>
-              <a:t>.</a:t>
-            </a:r>
-            <a:r>
-              <a:rPr lang="en-US" dirty="0" err="1">
-                <a:solidFill>
-                  <a:srgbClr val="000000"/>
-                </a:solidFill>
-                <a:latin typeface="Cascadia Mono" panose="020B0609020000020004" pitchFamily="49" charset="0"/>
-              </a:rPr>
-              <a:t>WithDistributedCache</a:t>
-            </a:r>
-            <a:r>
-              <a:rPr lang="en-US" dirty="0">
-                <a:solidFill>
-                  <a:srgbClr val="000000"/>
-                </a:solidFill>
-                <a:latin typeface="Cascadia Mono" panose="020B0609020000020004" pitchFamily="49" charset="0"/>
-              </a:rPr>
-              <a:t>(</a:t>
-            </a:r>
-          </a:p>
-          <a:p>
-            <a:r>
-              <a:rPr lang="en-US" dirty="0">
-                <a:solidFill>
-                  <a:srgbClr val="000000"/>
-                </a:solidFill>
-                <a:latin typeface="Cascadia Mono" panose="020B0609020000020004" pitchFamily="49" charset="0"/>
-              </a:rPr>
-              <a:t>   new </a:t>
-            </a:r>
-            <a:r>
-              <a:rPr lang="en-US" dirty="0" err="1">
-                <a:solidFill>
-                  <a:srgbClr val="000000"/>
-                </a:solidFill>
-                <a:latin typeface="Cascadia Mono" panose="020B0609020000020004" pitchFamily="49" charset="0"/>
-              </a:rPr>
-              <a:t>RedisCache</a:t>
-            </a:r>
-            <a:r>
-              <a:rPr lang="en-US" dirty="0">
-                <a:solidFill>
-                  <a:srgbClr val="000000"/>
-                </a:solidFill>
-                <a:latin typeface="Cascadia Mono" panose="020B0609020000020004" pitchFamily="49" charset="0"/>
-              </a:rPr>
-              <a:t>(new </a:t>
-            </a:r>
-            <a:r>
-              <a:rPr lang="en-US" dirty="0" err="1">
-                <a:solidFill>
-                  <a:srgbClr val="000000"/>
-                </a:solidFill>
-                <a:latin typeface="Cascadia Mono" panose="020B0609020000020004" pitchFamily="49" charset="0"/>
-              </a:rPr>
-              <a:t>RedisCacheOptions</a:t>
-            </a:r>
-            <a:r>
-              <a:rPr lang="en-US" dirty="0">
-                <a:solidFill>
-                  <a:srgbClr val="000000"/>
-                </a:solidFill>
-                <a:latin typeface="Cascadia Mono" panose="020B0609020000020004" pitchFamily="49" charset="0"/>
-              </a:rPr>
-              <a:t> { </a:t>
-            </a:r>
-            <a:r>
-              <a:rPr lang="en-US" dirty="0" err="1">
-                <a:solidFill>
-                  <a:srgbClr val="000000"/>
-                </a:solidFill>
-                <a:latin typeface="Cascadia Mono" panose="020B0609020000020004" pitchFamily="49" charset="0"/>
-              </a:rPr>
-              <a:t>InstanceName</a:t>
-            </a:r>
-            <a:r>
-              <a:rPr lang="en-US" dirty="0">
-                <a:solidFill>
-                  <a:srgbClr val="000000"/>
-                </a:solidFill>
-                <a:latin typeface="Cascadia Mono" panose="020B0609020000020004" pitchFamily="49" charset="0"/>
-              </a:rPr>
-              <a:t> = "</a:t>
-            </a:r>
-            <a:r>
-              <a:rPr lang="en-US" dirty="0" err="1">
-                <a:solidFill>
-                  <a:srgbClr val="000000"/>
-                </a:solidFill>
-                <a:latin typeface="Cascadia Mono" panose="020B0609020000020004" pitchFamily="49" charset="0"/>
-              </a:rPr>
-              <a:t>fusionCacheApi</a:t>
-            </a:r>
-            <a:r>
-              <a:rPr lang="en-US" dirty="0">
-                <a:solidFill>
-                  <a:srgbClr val="000000"/>
-                </a:solidFill>
-                <a:latin typeface="Cascadia Mono" panose="020B0609020000020004" pitchFamily="49" charset="0"/>
-              </a:rPr>
-              <a:t>",  </a:t>
-            </a:r>
-            <a:br>
-              <a:rPr lang="en-US" dirty="0">
-                <a:solidFill>
-                  <a:srgbClr val="000000"/>
-                </a:solidFill>
-                <a:latin typeface="Cascadia Mono" panose="020B0609020000020004" pitchFamily="49" charset="0"/>
-              </a:rPr>
-            </a:br>
-            <a:r>
-              <a:rPr lang="en-US" dirty="0">
-                <a:solidFill>
-                  <a:srgbClr val="000000"/>
-                </a:solidFill>
-                <a:latin typeface="Cascadia Mono" panose="020B0609020000020004" pitchFamily="49" charset="0"/>
-              </a:rPr>
-              <a:t>    Configuration = </a:t>
-            </a:r>
-            <a:r>
-              <a:rPr lang="en-US" dirty="0" err="1">
-                <a:solidFill>
-                  <a:srgbClr val="000000"/>
-                </a:solidFill>
-                <a:latin typeface="Cascadia Mono" panose="020B0609020000020004" pitchFamily="49" charset="0"/>
-              </a:rPr>
-              <a:t>builder.Configuration</a:t>
-            </a:r>
-            <a:r>
-              <a:rPr lang="en-US" dirty="0">
-                <a:solidFill>
-                  <a:srgbClr val="000000"/>
-                </a:solidFill>
-                <a:latin typeface="Cascadia Mono" panose="020B0609020000020004" pitchFamily="49" charset="0"/>
-              </a:rPr>
-              <a:t>["</a:t>
-            </a:r>
-            <a:r>
-              <a:rPr lang="en-US" dirty="0" err="1">
-                <a:solidFill>
-                  <a:srgbClr val="000000"/>
-                </a:solidFill>
-                <a:latin typeface="Cascadia Mono" panose="020B0609020000020004" pitchFamily="49" charset="0"/>
-              </a:rPr>
-              <a:t>redis:connectionString</a:t>
-            </a:r>
-            <a:r>
-              <a:rPr lang="en-US" dirty="0">
-                <a:solidFill>
-                  <a:srgbClr val="000000"/>
-                </a:solidFill>
-                <a:latin typeface="Cascadia Mono" panose="020B0609020000020004" pitchFamily="49" charset="0"/>
-              </a:rPr>
-              <a:t>"] }))</a:t>
-            </a:r>
-            <a:br>
-              <a:rPr lang="en-US" dirty="0">
-                <a:solidFill>
-                  <a:srgbClr val="000000"/>
-                </a:solidFill>
-                <a:latin typeface="Cascadia Mono" panose="020B0609020000020004" pitchFamily="49" charset="0"/>
-              </a:rPr>
-            </a:br>
-            <a:r>
-              <a:rPr lang="en-US" dirty="0">
-                <a:solidFill>
-                  <a:srgbClr val="000000"/>
-                </a:solidFill>
-                <a:latin typeface="Cascadia Mono" panose="020B0609020000020004" pitchFamily="49" charset="0"/>
-              </a:rPr>
-              <a:t>.</a:t>
-            </a:r>
-            <a:r>
-              <a:rPr lang="en-US" dirty="0" err="1">
-                <a:solidFill>
-                  <a:srgbClr val="000000"/>
-                </a:solidFill>
-                <a:latin typeface="Cascadia Mono" panose="020B0609020000020004" pitchFamily="49" charset="0"/>
-              </a:rPr>
-              <a:t>WithBackplane</a:t>
-            </a:r>
-            <a:r>
-              <a:rPr lang="en-US" dirty="0">
-                <a:solidFill>
-                  <a:srgbClr val="000000"/>
-                </a:solidFill>
-                <a:latin typeface="Cascadia Mono" panose="020B0609020000020004" pitchFamily="49" charset="0"/>
-              </a:rPr>
-              <a:t>(new </a:t>
-            </a:r>
-            <a:r>
-              <a:rPr lang="en-US" dirty="0" err="1">
-                <a:solidFill>
-                  <a:srgbClr val="000000"/>
-                </a:solidFill>
-                <a:latin typeface="Cascadia Mono" panose="020B0609020000020004" pitchFamily="49" charset="0"/>
-              </a:rPr>
-              <a:t>RedisBackplane</a:t>
-            </a:r>
-            <a:r>
-              <a:rPr lang="en-US" dirty="0">
-                <a:solidFill>
-                  <a:srgbClr val="000000"/>
-                </a:solidFill>
-                <a:latin typeface="Cascadia Mono" panose="020B0609020000020004" pitchFamily="49" charset="0"/>
-              </a:rPr>
-              <a:t>(new </a:t>
-            </a:r>
-            <a:r>
-              <a:rPr lang="en-US" dirty="0" err="1">
-                <a:solidFill>
-                  <a:srgbClr val="000000"/>
-                </a:solidFill>
-                <a:latin typeface="Cascadia Mono" panose="020B0609020000020004" pitchFamily="49" charset="0"/>
-              </a:rPr>
-              <a:t>RedisBackplaneOptions</a:t>
-            </a:r>
-            <a:r>
-              <a:rPr lang="en-US" dirty="0">
-                <a:solidFill>
-                  <a:srgbClr val="000000"/>
-                </a:solidFill>
-                <a:latin typeface="Cascadia Mono" panose="020B0609020000020004" pitchFamily="49" charset="0"/>
-              </a:rPr>
-              <a:t>() </a:t>
-            </a:r>
-            <a:br>
-              <a:rPr lang="en-US" dirty="0">
-                <a:solidFill>
-                  <a:srgbClr val="000000"/>
-                </a:solidFill>
-                <a:latin typeface="Cascadia Mono" panose="020B0609020000020004" pitchFamily="49" charset="0"/>
-              </a:rPr>
-            </a:br>
-            <a:r>
-              <a:rPr lang="en-US" dirty="0">
-                <a:solidFill>
-                  <a:srgbClr val="000000"/>
-                </a:solidFill>
-                <a:latin typeface="Cascadia Mono" panose="020B0609020000020004" pitchFamily="49" charset="0"/>
-              </a:rPr>
-              <a:t>   { Configuration = </a:t>
-            </a:r>
-            <a:r>
-              <a:rPr lang="en-US" dirty="0" err="1">
-                <a:solidFill>
-                  <a:srgbClr val="000000"/>
-                </a:solidFill>
-                <a:latin typeface="Cascadia Mono" panose="020B0609020000020004" pitchFamily="49" charset="0"/>
-              </a:rPr>
-              <a:t>builder.Configuration</a:t>
-            </a:r>
-            <a:r>
-              <a:rPr lang="en-US" dirty="0">
-                <a:solidFill>
-                  <a:srgbClr val="000000"/>
-                </a:solidFill>
-                <a:latin typeface="Cascadia Mono" panose="020B0609020000020004" pitchFamily="49" charset="0"/>
-              </a:rPr>
-              <a:t>["</a:t>
-            </a:r>
-            <a:r>
-              <a:rPr lang="en-US" dirty="0" err="1">
-                <a:solidFill>
-                  <a:srgbClr val="000000"/>
-                </a:solidFill>
-                <a:latin typeface="Cascadia Mono" panose="020B0609020000020004" pitchFamily="49" charset="0"/>
-              </a:rPr>
-              <a:t>redis:connectionString</a:t>
-            </a:r>
-            <a:r>
-              <a:rPr lang="en-US" dirty="0">
-                <a:solidFill>
-                  <a:srgbClr val="000000"/>
-                </a:solidFill>
-                <a:latin typeface="Cascadia Mono" panose="020B0609020000020004" pitchFamily="49" charset="0"/>
-              </a:rPr>
-              <a:t>"] })</a:t>
-            </a:r>
-          </a:p>
-          <a:p>
-            <a:r>
-              <a:rPr lang="en-US" dirty="0">
-                <a:solidFill>
-                  <a:srgbClr val="000000"/>
-                </a:solidFill>
-                <a:latin typeface="Cascadia Mono" panose="020B0609020000020004" pitchFamily="49" charset="0"/>
-              </a:rPr>
-              <a:t>);</a:t>
-            </a:r>
-          </a:p>
-        </p:txBody>
-      </p:sp>
-      <p:sp>
-        <p:nvSpPr>
-          <p:cNvPr id="6" name="TextBox 5">
-            <a:extLst>
-              <a:ext uri="{FF2B5EF4-FFF2-40B4-BE49-F238E27FC236}">
-                <a16:creationId xmlns:a16="http://schemas.microsoft.com/office/drawing/2014/main" id="{93F21120-CB5A-3A38-0A8B-99C3B59BFFCD}"/>
-              </a:ext>
-            </a:extLst>
-          </p:cNvPr>
-          <p:cNvSpPr txBox="1"/>
-          <p:nvPr/>
-        </p:nvSpPr>
-        <p:spPr>
-          <a:xfrm>
-            <a:off x="3142695" y="5894773"/>
-            <a:ext cx="8213787" cy="369332"/>
-          </a:xfrm>
-          <a:prstGeom prst="rect">
-            <a:avLst/>
-          </a:prstGeom>
-          <a:noFill/>
-        </p:spPr>
-        <p:txBody>
-          <a:bodyPr wrap="none" rtlCol="0">
-            <a:spAutoFit/>
-          </a:bodyPr>
-          <a:lstStyle/>
-          <a:p>
-            <a:r>
-              <a:rPr lang="en-US" i="1" dirty="0"/>
-              <a:t>Note: no need to register </a:t>
-            </a:r>
-            <a:r>
-              <a:rPr lang="en-US" i="1" dirty="0" err="1"/>
-              <a:t>IMemoryCache</a:t>
-            </a:r>
-            <a:r>
-              <a:rPr lang="en-US" i="1" dirty="0"/>
-              <a:t> and (Redis) </a:t>
-            </a:r>
-            <a:r>
-              <a:rPr lang="en-US" i="1" dirty="0" err="1"/>
-              <a:t>IDistributedCache</a:t>
-            </a:r>
-            <a:r>
-              <a:rPr lang="en-US" i="1" dirty="0"/>
-              <a:t> explicitly</a:t>
-            </a:r>
-          </a:p>
-        </p:txBody>
-      </p:sp>
-    </p:spTree>
-    <p:extLst>
-      <p:ext uri="{BB962C8B-B14F-4D97-AF65-F5344CB8AC3E}">
-        <p14:creationId xmlns:p14="http://schemas.microsoft.com/office/powerpoint/2010/main" val="891413980"/>
-      </p:ext>
-    </p:extLst>
-  </p:cSld>
-  <p:clrMapOvr>
-    <a:masterClrMapping/>
-  </p:clrMapOvr>
-</p:sld>
-</file>
-
 <file path=ppt/slides/slide17.xml><?xml version="1.0" encoding="utf-8"?>
 <p:sld xmlns:a="http://schemas.openxmlformats.org/drawingml/2006/main" xmlns:r="http://schemas.openxmlformats.org/officeDocument/2006/relationships" xmlns:p="http://schemas.openxmlformats.org/presentationml/2006/main">
   <p:cSld>
@@ -5367,7 +4860,7 @@
           <p:cNvPr id="2" name="Title 1">
             <a:extLst>
               <a:ext uri="{FF2B5EF4-FFF2-40B4-BE49-F238E27FC236}">
-                <a16:creationId xmlns:a16="http://schemas.microsoft.com/office/drawing/2014/main" id="{6DA7CF98-B5C3-6707-D594-BAB3B1E1E832}"/>
+                <a16:creationId xmlns:a16="http://schemas.microsoft.com/office/drawing/2014/main" id="{B85EE399-0A0C-981C-9900-5AE790E125F3}"/>
               </a:ext>
             </a:extLst>
           </p:cNvPr>
@@ -5385,141 +4878,554 @@
           <a:p>
             <a:r>
               <a:rPr lang="en-US" dirty="0"/>
-              <a:t>Introduction to fusion cache</a:t>
-            </a:r>
-          </a:p>
-        </p:txBody>
-      </p:sp>
-      <p:sp>
-        <p:nvSpPr>
-          <p:cNvPr id="3" name="Content Placeholder 2">
-            <a:extLst>
-              <a:ext uri="{FF2B5EF4-FFF2-40B4-BE49-F238E27FC236}">
-                <a16:creationId xmlns:a16="http://schemas.microsoft.com/office/drawing/2014/main" id="{4EE2669E-596B-E86E-E0E5-C04B6F827164}"/>
-              </a:ext>
-            </a:extLst>
-          </p:cNvPr>
-          <p:cNvSpPr>
-            <a:spLocks noGrp="1"/>
-          </p:cNvSpPr>
-          <p:nvPr>
-            <p:ph idx="1"/>
-          </p:nvPr>
+              <a:t>fusion cache set up</a:t>
+            </a:r>
+          </a:p>
+        </p:txBody>
+      </p:sp>
+      <p:sp>
+        <p:nvSpPr>
+          <p:cNvPr id="5" name="TextBox 4">
+            <a:extLst>
+              <a:ext uri="{FF2B5EF4-FFF2-40B4-BE49-F238E27FC236}">
+                <a16:creationId xmlns:a16="http://schemas.microsoft.com/office/drawing/2014/main" id="{DD4FE0E5-3673-2DEC-5110-7B3C017406CC}"/>
+              </a:ext>
+            </a:extLst>
+          </p:cNvPr>
+          <p:cNvSpPr txBox="1"/>
+          <p:nvPr/>
         </p:nvSpPr>
         <p:spPr>
           <a:xfrm>
-            <a:off x="838200" y="1328475"/>
-            <a:ext cx="10515600" cy="4351338"/>
+            <a:off x="754602" y="2045964"/>
+            <a:ext cx="10599198" cy="3139321"/>
           </a:xfrm>
+          <a:prstGeom prst="rect">
+            <a:avLst/>
+          </a:prstGeom>
+          <a:noFill/>
+          <a:ln>
+            <a:solidFill>
+              <a:schemeClr val="accent1"/>
+            </a:solidFill>
+          </a:ln>
         </p:spPr>
         <p:txBody>
-          <a:bodyPr>
-            <a:normAutofit/>
+          <a:bodyPr wrap="square">
+            <a:spAutoFit/>
           </a:bodyPr>
           <a:lstStyle/>
           <a:p>
             <a:r>
-              <a:rPr lang="en-US" dirty="0" err="1"/>
-              <a:t>IFusionCache</a:t>
-            </a:r>
-            <a:r>
-              <a:rPr lang="en-US" dirty="0"/>
-              <a:t>: the interface to have injected</a:t>
-            </a:r>
-          </a:p>
-          <a:p>
-            <a:r>
-              <a:rPr lang="en-US" dirty="0"/>
-              <a:t>The main api: </a:t>
-            </a:r>
-            <a:r>
-              <a:rPr lang="en-US" dirty="0" err="1"/>
-              <a:t>GetOrSet</a:t>
-            </a:r>
-            <a:r>
-              <a:rPr lang="en-US" dirty="0"/>
-              <a:t>(Async), it requires </a:t>
-            </a:r>
-          </a:p>
-          <a:p>
-            <a:pPr lvl="1"/>
-            <a:r>
-              <a:rPr lang="en-US" dirty="0"/>
-              <a:t>Function to get the data is there is a cache miss</a:t>
-            </a:r>
-          </a:p>
-          <a:p>
-            <a:pPr lvl="1"/>
-            <a:r>
-              <a:rPr lang="en-US" dirty="0"/>
-              <a:t>Optional </a:t>
+              <a:rPr lang="en-US" dirty="0" err="1">
+                <a:solidFill>
+                  <a:srgbClr val="000000"/>
+                </a:solidFill>
+                <a:latin typeface="Cascadia Mono" panose="020B0609020000020004" pitchFamily="49" charset="0"/>
+              </a:rPr>
+              <a:t>builder.Services.AddFusionCache</a:t>
+            </a:r>
+            <a:r>
+              <a:rPr lang="en-US" dirty="0">
+                <a:solidFill>
+                  <a:srgbClr val="000000"/>
+                </a:solidFill>
+                <a:latin typeface="Cascadia Mono" panose="020B0609020000020004" pitchFamily="49" charset="0"/>
+              </a:rPr>
+              <a:t>()</a:t>
+            </a:r>
+            <a:br>
+              <a:rPr lang="en-US" dirty="0">
+                <a:solidFill>
+                  <a:srgbClr val="000000"/>
+                </a:solidFill>
+                <a:latin typeface="Cascadia Mono" panose="020B0609020000020004" pitchFamily="49" charset="0"/>
+              </a:rPr>
+            </a:br>
+            <a:r>
+              <a:rPr lang="en-US" dirty="0">
+                <a:solidFill>
+                  <a:srgbClr val="000000"/>
+                </a:solidFill>
+                <a:latin typeface="Cascadia Mono" panose="020B0609020000020004" pitchFamily="49" charset="0"/>
+              </a:rPr>
+              <a:t>.</a:t>
+            </a:r>
+            <a:r>
+              <a:rPr lang="en-US" dirty="0" err="1">
+                <a:solidFill>
+                  <a:srgbClr val="000000"/>
+                </a:solidFill>
+                <a:latin typeface="Cascadia Mono" panose="020B0609020000020004" pitchFamily="49" charset="0"/>
+              </a:rPr>
+              <a:t>WithDefaultEntryOptions</a:t>
+            </a:r>
+            <a:r>
+              <a:rPr lang="en-US" dirty="0">
+                <a:solidFill>
+                  <a:srgbClr val="000000"/>
+                </a:solidFill>
+                <a:latin typeface="Cascadia Mono" panose="020B0609020000020004" pitchFamily="49" charset="0"/>
+              </a:rPr>
+              <a:t>(</a:t>
+            </a:r>
+            <a:br>
+              <a:rPr lang="en-US" dirty="0">
+                <a:solidFill>
+                  <a:srgbClr val="000000"/>
+                </a:solidFill>
+                <a:latin typeface="Cascadia Mono" panose="020B0609020000020004" pitchFamily="49" charset="0"/>
+              </a:rPr>
+            </a:br>
+            <a:r>
+              <a:rPr lang="en-US" dirty="0">
+                <a:solidFill>
+                  <a:srgbClr val="000000"/>
+                </a:solidFill>
+                <a:latin typeface="Cascadia Mono" panose="020B0609020000020004" pitchFamily="49" charset="0"/>
+              </a:rPr>
+              <a:t>   new </a:t>
+            </a:r>
+            <a:r>
+              <a:rPr lang="en-US" dirty="0" err="1">
+                <a:solidFill>
+                  <a:srgbClr val="000000"/>
+                </a:solidFill>
+                <a:latin typeface="Cascadia Mono" panose="020B0609020000020004" pitchFamily="49" charset="0"/>
+              </a:rPr>
+              <a:t>FusionCacheEntryOptions</a:t>
+            </a:r>
+            <a:r>
+              <a:rPr lang="en-US" dirty="0">
+                <a:solidFill>
+                  <a:srgbClr val="000000"/>
+                </a:solidFill>
+                <a:latin typeface="Cascadia Mono" panose="020B0609020000020004" pitchFamily="49" charset="0"/>
+              </a:rPr>
+              <a:t>{ … })</a:t>
+            </a:r>
+          </a:p>
+          <a:p>
+            <a:r>
+              <a:rPr lang="en-US" dirty="0">
+                <a:solidFill>
+                  <a:srgbClr val="000000"/>
+                </a:solidFill>
+                <a:latin typeface="Cascadia Mono" panose="020B0609020000020004" pitchFamily="49" charset="0"/>
+              </a:rPr>
+              <a:t>.</a:t>
+            </a:r>
+            <a:r>
+              <a:rPr lang="en-US" dirty="0" err="1">
+                <a:solidFill>
+                  <a:srgbClr val="000000"/>
+                </a:solidFill>
+                <a:latin typeface="Cascadia Mono" panose="020B0609020000020004" pitchFamily="49" charset="0"/>
+              </a:rPr>
+              <a:t>WithSerializer</a:t>
+            </a:r>
+            <a:r>
+              <a:rPr lang="en-US" dirty="0">
+                <a:solidFill>
+                  <a:srgbClr val="000000"/>
+                </a:solidFill>
+                <a:latin typeface="Cascadia Mono" panose="020B0609020000020004" pitchFamily="49" charset="0"/>
+              </a:rPr>
+              <a:t>(</a:t>
+            </a:r>
+            <a:br>
+              <a:rPr lang="en-US" dirty="0">
+                <a:solidFill>
+                  <a:srgbClr val="000000"/>
+                </a:solidFill>
+                <a:latin typeface="Cascadia Mono" panose="020B0609020000020004" pitchFamily="49" charset="0"/>
+              </a:rPr>
+            </a:br>
+            <a:r>
+              <a:rPr lang="en-US" dirty="0">
+                <a:solidFill>
+                  <a:srgbClr val="000000"/>
+                </a:solidFill>
+                <a:latin typeface="Cascadia Mono" panose="020B0609020000020004" pitchFamily="49" charset="0"/>
+              </a:rPr>
+              <a:t>   new </a:t>
+            </a:r>
+            <a:r>
+              <a:rPr lang="en-US" dirty="0" err="1">
+                <a:solidFill>
+                  <a:srgbClr val="000000"/>
+                </a:solidFill>
+                <a:latin typeface="Cascadia Mono" panose="020B0609020000020004" pitchFamily="49" charset="0"/>
+              </a:rPr>
+              <a:t>FusionCacheSystemTextJsonSerializer</a:t>
+            </a:r>
+            <a:r>
+              <a:rPr lang="en-US" dirty="0">
+                <a:solidFill>
+                  <a:srgbClr val="000000"/>
+                </a:solidFill>
+                <a:latin typeface="Cascadia Mono" panose="020B0609020000020004" pitchFamily="49" charset="0"/>
+              </a:rPr>
+              <a:t>())</a:t>
+            </a:r>
+          </a:p>
+          <a:p>
+            <a:r>
+              <a:rPr lang="en-US" dirty="0">
+                <a:solidFill>
+                  <a:srgbClr val="000000"/>
+                </a:solidFill>
+                <a:latin typeface="Cascadia Mono" panose="020B0609020000020004" pitchFamily="49" charset="0"/>
+              </a:rPr>
+              <a:t>.</a:t>
+            </a:r>
+            <a:r>
+              <a:rPr lang="en-US" dirty="0" err="1">
+                <a:solidFill>
+                  <a:srgbClr val="000000"/>
+                </a:solidFill>
+                <a:latin typeface="Cascadia Mono" panose="020B0609020000020004" pitchFamily="49" charset="0"/>
+              </a:rPr>
+              <a:t>WithDistributedCache</a:t>
+            </a:r>
+            <a:r>
+              <a:rPr lang="en-US" dirty="0">
+                <a:solidFill>
+                  <a:srgbClr val="000000"/>
+                </a:solidFill>
+                <a:latin typeface="Cascadia Mono" panose="020B0609020000020004" pitchFamily="49" charset="0"/>
+              </a:rPr>
+              <a:t>(</a:t>
+            </a:r>
+          </a:p>
+          <a:p>
+            <a:r>
+              <a:rPr lang="en-US" dirty="0">
+                <a:solidFill>
+                  <a:srgbClr val="000000"/>
+                </a:solidFill>
+                <a:latin typeface="Cascadia Mono" panose="020B0609020000020004" pitchFamily="49" charset="0"/>
+              </a:rPr>
+              <a:t>   new </a:t>
+            </a:r>
+            <a:r>
+              <a:rPr lang="en-US" dirty="0" err="1">
+                <a:solidFill>
+                  <a:srgbClr val="000000"/>
+                </a:solidFill>
+                <a:latin typeface="Cascadia Mono" panose="020B0609020000020004" pitchFamily="49" charset="0"/>
+              </a:rPr>
+              <a:t>RedisCache</a:t>
+            </a:r>
+            <a:r>
+              <a:rPr lang="en-US" dirty="0">
+                <a:solidFill>
+                  <a:srgbClr val="000000"/>
+                </a:solidFill>
+                <a:latin typeface="Cascadia Mono" panose="020B0609020000020004" pitchFamily="49" charset="0"/>
+              </a:rPr>
+              <a:t>(new </a:t>
+            </a:r>
+            <a:r>
+              <a:rPr lang="en-US" dirty="0" err="1">
+                <a:solidFill>
+                  <a:srgbClr val="000000"/>
+                </a:solidFill>
+                <a:latin typeface="Cascadia Mono" panose="020B0609020000020004" pitchFamily="49" charset="0"/>
+              </a:rPr>
+              <a:t>RedisCacheOptions</a:t>
+            </a:r>
+            <a:r>
+              <a:rPr lang="en-US" dirty="0">
+                <a:solidFill>
+                  <a:srgbClr val="000000"/>
+                </a:solidFill>
+                <a:latin typeface="Cascadia Mono" panose="020B0609020000020004" pitchFamily="49" charset="0"/>
+              </a:rPr>
+              <a:t> { </a:t>
+            </a:r>
+            <a:r>
+              <a:rPr lang="en-US" dirty="0" err="1">
+                <a:solidFill>
+                  <a:srgbClr val="000000"/>
+                </a:solidFill>
+                <a:latin typeface="Cascadia Mono" panose="020B0609020000020004" pitchFamily="49" charset="0"/>
+              </a:rPr>
+              <a:t>InstanceName</a:t>
+            </a:r>
+            <a:r>
+              <a:rPr lang="en-US" dirty="0">
+                <a:solidFill>
+                  <a:srgbClr val="000000"/>
+                </a:solidFill>
+                <a:latin typeface="Cascadia Mono" panose="020B0609020000020004" pitchFamily="49" charset="0"/>
+              </a:rPr>
+              <a:t> = "</a:t>
+            </a:r>
+            <a:r>
+              <a:rPr lang="en-US" dirty="0" err="1">
+                <a:solidFill>
+                  <a:srgbClr val="000000"/>
+                </a:solidFill>
+                <a:latin typeface="Cascadia Mono" panose="020B0609020000020004" pitchFamily="49" charset="0"/>
+              </a:rPr>
+              <a:t>fusionCacheApi</a:t>
+            </a:r>
+            <a:r>
+              <a:rPr lang="en-US" dirty="0">
+                <a:solidFill>
+                  <a:srgbClr val="000000"/>
+                </a:solidFill>
+                <a:latin typeface="Cascadia Mono" panose="020B0609020000020004" pitchFamily="49" charset="0"/>
+              </a:rPr>
+              <a:t>",  </a:t>
+            </a:r>
+            <a:br>
+              <a:rPr lang="en-US" dirty="0">
+                <a:solidFill>
+                  <a:srgbClr val="000000"/>
+                </a:solidFill>
+                <a:latin typeface="Cascadia Mono" panose="020B0609020000020004" pitchFamily="49" charset="0"/>
+              </a:rPr>
+            </a:br>
+            <a:r>
+              <a:rPr lang="en-US" dirty="0">
+                <a:solidFill>
+                  <a:srgbClr val="000000"/>
+                </a:solidFill>
+                <a:latin typeface="Cascadia Mono" panose="020B0609020000020004" pitchFamily="49" charset="0"/>
+              </a:rPr>
+              <a:t>    Configuration = </a:t>
+            </a:r>
+            <a:r>
+              <a:rPr lang="en-US" dirty="0" err="1">
+                <a:solidFill>
+                  <a:srgbClr val="000000"/>
+                </a:solidFill>
+                <a:latin typeface="Cascadia Mono" panose="020B0609020000020004" pitchFamily="49" charset="0"/>
+              </a:rPr>
+              <a:t>builder.Configuration</a:t>
+            </a:r>
+            <a:r>
+              <a:rPr lang="en-US" dirty="0">
+                <a:solidFill>
+                  <a:srgbClr val="000000"/>
+                </a:solidFill>
+                <a:latin typeface="Cascadia Mono" panose="020B0609020000020004" pitchFamily="49" charset="0"/>
+              </a:rPr>
+              <a:t>["</a:t>
+            </a:r>
+            <a:r>
+              <a:rPr lang="en-US" dirty="0" err="1">
+                <a:solidFill>
+                  <a:srgbClr val="000000"/>
+                </a:solidFill>
+                <a:latin typeface="Cascadia Mono" panose="020B0609020000020004" pitchFamily="49" charset="0"/>
+              </a:rPr>
+              <a:t>redis:connectionString</a:t>
+            </a:r>
+            <a:r>
+              <a:rPr lang="en-US" dirty="0">
+                <a:solidFill>
+                  <a:srgbClr val="000000"/>
+                </a:solidFill>
+                <a:latin typeface="Cascadia Mono" panose="020B0609020000020004" pitchFamily="49" charset="0"/>
+              </a:rPr>
+              <a:t>"] }))</a:t>
+            </a:r>
+            <a:br>
+              <a:rPr lang="en-US" dirty="0">
+                <a:solidFill>
+                  <a:srgbClr val="000000"/>
+                </a:solidFill>
+                <a:latin typeface="Cascadia Mono" panose="020B0609020000020004" pitchFamily="49" charset="0"/>
+              </a:rPr>
+            </a:br>
+            <a:r>
+              <a:rPr lang="en-US" dirty="0">
+                <a:solidFill>
+                  <a:srgbClr val="000000"/>
+                </a:solidFill>
+                <a:latin typeface="Cascadia Mono" panose="020B0609020000020004" pitchFamily="49" charset="0"/>
+              </a:rPr>
+              <a:t>.</a:t>
+            </a:r>
+            <a:r>
+              <a:rPr lang="en-US" dirty="0" err="1">
+                <a:solidFill>
+                  <a:srgbClr val="000000"/>
+                </a:solidFill>
+                <a:latin typeface="Cascadia Mono" panose="020B0609020000020004" pitchFamily="49" charset="0"/>
+              </a:rPr>
+              <a:t>WithBackplane</a:t>
+            </a:r>
+            <a:r>
+              <a:rPr lang="en-US" dirty="0">
+                <a:solidFill>
+                  <a:srgbClr val="000000"/>
+                </a:solidFill>
+                <a:latin typeface="Cascadia Mono" panose="020B0609020000020004" pitchFamily="49" charset="0"/>
+              </a:rPr>
+              <a:t>(new </a:t>
+            </a:r>
+            <a:r>
+              <a:rPr lang="en-US" dirty="0" err="1">
+                <a:solidFill>
+                  <a:srgbClr val="000000"/>
+                </a:solidFill>
+                <a:latin typeface="Cascadia Mono" panose="020B0609020000020004" pitchFamily="49" charset="0"/>
+              </a:rPr>
+              <a:t>RedisBackplane</a:t>
+            </a:r>
+            <a:r>
+              <a:rPr lang="en-US" dirty="0">
+                <a:solidFill>
+                  <a:srgbClr val="000000"/>
+                </a:solidFill>
+                <a:latin typeface="Cascadia Mono" panose="020B0609020000020004" pitchFamily="49" charset="0"/>
+              </a:rPr>
+              <a:t>(new </a:t>
+            </a:r>
+            <a:r>
+              <a:rPr lang="en-US" dirty="0" err="1">
+                <a:solidFill>
+                  <a:srgbClr val="000000"/>
+                </a:solidFill>
+                <a:latin typeface="Cascadia Mono" panose="020B0609020000020004" pitchFamily="49" charset="0"/>
+              </a:rPr>
+              <a:t>RedisBackplaneOptions</a:t>
+            </a:r>
+            <a:r>
+              <a:rPr lang="en-US" dirty="0">
+                <a:solidFill>
+                  <a:srgbClr val="000000"/>
+                </a:solidFill>
+                <a:latin typeface="Cascadia Mono" panose="020B0609020000020004" pitchFamily="49" charset="0"/>
+              </a:rPr>
+              <a:t>() </a:t>
+            </a:r>
+            <a:br>
+              <a:rPr lang="en-US" dirty="0">
+                <a:solidFill>
+                  <a:srgbClr val="000000"/>
+                </a:solidFill>
+                <a:latin typeface="Cascadia Mono" panose="020B0609020000020004" pitchFamily="49" charset="0"/>
+              </a:rPr>
+            </a:br>
+            <a:r>
+              <a:rPr lang="en-US" dirty="0">
+                <a:solidFill>
+                  <a:srgbClr val="000000"/>
+                </a:solidFill>
+                <a:latin typeface="Cascadia Mono" panose="020B0609020000020004" pitchFamily="49" charset="0"/>
+              </a:rPr>
+              <a:t>   { Configuration = </a:t>
+            </a:r>
+            <a:r>
+              <a:rPr lang="en-US" dirty="0" err="1">
+                <a:solidFill>
+                  <a:srgbClr val="000000"/>
+                </a:solidFill>
+                <a:latin typeface="Cascadia Mono" panose="020B0609020000020004" pitchFamily="49" charset="0"/>
+              </a:rPr>
+              <a:t>builder.Configuration</a:t>
+            </a:r>
+            <a:r>
+              <a:rPr lang="en-US" dirty="0">
+                <a:solidFill>
+                  <a:srgbClr val="000000"/>
+                </a:solidFill>
+                <a:latin typeface="Cascadia Mono" panose="020B0609020000020004" pitchFamily="49" charset="0"/>
+              </a:rPr>
+              <a:t>["</a:t>
+            </a:r>
+            <a:r>
+              <a:rPr lang="en-US" dirty="0" err="1">
+                <a:solidFill>
+                  <a:srgbClr val="000000"/>
+                </a:solidFill>
+                <a:latin typeface="Cascadia Mono" panose="020B0609020000020004" pitchFamily="49" charset="0"/>
+              </a:rPr>
+              <a:t>redis:connectionString</a:t>
+            </a:r>
+            <a:r>
+              <a:rPr lang="en-US" dirty="0">
+                <a:solidFill>
+                  <a:srgbClr val="000000"/>
+                </a:solidFill>
+                <a:latin typeface="Cascadia Mono" panose="020B0609020000020004" pitchFamily="49" charset="0"/>
+              </a:rPr>
+              <a:t>"] })</a:t>
+            </a:r>
+          </a:p>
+          <a:p>
+            <a:r>
+              <a:rPr lang="en-US" dirty="0">
+                <a:solidFill>
+                  <a:srgbClr val="000000"/>
+                </a:solidFill>
+                <a:latin typeface="Cascadia Mono" panose="020B0609020000020004" pitchFamily="49" charset="0"/>
+              </a:rPr>
+              <a:t>);</a:t>
+            </a:r>
+          </a:p>
+        </p:txBody>
+      </p:sp>
+      <p:sp>
+        <p:nvSpPr>
+          <p:cNvPr id="6" name="TextBox 5">
+            <a:extLst>
+              <a:ext uri="{FF2B5EF4-FFF2-40B4-BE49-F238E27FC236}">
+                <a16:creationId xmlns:a16="http://schemas.microsoft.com/office/drawing/2014/main" id="{93F21120-CB5A-3A38-0A8B-99C3B59BFFCD}"/>
+              </a:ext>
+            </a:extLst>
+          </p:cNvPr>
+          <p:cNvSpPr txBox="1"/>
+          <p:nvPr/>
+        </p:nvSpPr>
+        <p:spPr>
+          <a:xfrm>
+            <a:off x="3142695" y="5894773"/>
+            <a:ext cx="8213787" cy="369332"/>
+          </a:xfrm>
+          <a:prstGeom prst="rect">
+            <a:avLst/>
+          </a:prstGeom>
+          <a:noFill/>
+        </p:spPr>
+        <p:txBody>
+          <a:bodyPr wrap="none" rtlCol="0">
+            <a:spAutoFit/>
+          </a:bodyPr>
+          <a:lstStyle/>
+          <a:p>
+            <a:r>
+              <a:rPr lang="en-US" i="1" dirty="0"/>
+              <a:t>Note: no need to register </a:t>
             </a:r>
             <a:r>
               <a:rPr lang="en-US" i="1" dirty="0" err="1"/>
-              <a:t>FusionCacheEntryOptions</a:t>
-            </a:r>
-            <a:r>
-              <a:rPr lang="en-US" sz="2400" dirty="0">
-                <a:solidFill>
-                  <a:srgbClr val="000000"/>
-                </a:solidFill>
-                <a:latin typeface="Cascadia Mono" panose="020B0609020000020004" pitchFamily="49" charset="0"/>
-              </a:rPr>
-              <a:t> </a:t>
-            </a:r>
-            <a:r>
-              <a:rPr lang="en-US" dirty="0"/>
-              <a:t>(if not provided a default one registered at startup is used)</a:t>
-            </a:r>
-          </a:p>
-          <a:p>
-            <a:pPr lvl="2"/>
-            <a:r>
-              <a:rPr lang="en-US" dirty="0"/>
-              <a:t>Duration</a:t>
-            </a:r>
-          </a:p>
-          <a:p>
-            <a:pPr lvl="2"/>
-            <a:r>
-              <a:rPr lang="en-US" dirty="0" err="1"/>
-              <a:t>DistributedCacheDuration</a:t>
-            </a:r>
-            <a:r>
-              <a:rPr lang="en-US" dirty="0"/>
-              <a:t> (optional) </a:t>
-            </a:r>
-          </a:p>
-          <a:p>
-            <a:pPr lvl="2"/>
-            <a:r>
-              <a:rPr lang="en-US" dirty="0" err="1"/>
-              <a:t>JitterMaxDuration</a:t>
-            </a:r>
-            <a:r>
-              <a:rPr lang="en-US" dirty="0"/>
-              <a:t> (introduce a degree of randomization in the expiration)</a:t>
-            </a:r>
-          </a:p>
-          <a:p>
-            <a:pPr lvl="2"/>
-            <a:r>
-              <a:rPr lang="en-US" dirty="0"/>
-              <a:t>..and many others we will cover in next slides </a:t>
-            </a:r>
-          </a:p>
-          <a:p>
-            <a:endParaRPr lang="en-US" dirty="0"/>
-          </a:p>
-          <a:p>
-            <a:endParaRPr lang="en-US" dirty="0"/>
+              <a:t>IMemoryCache</a:t>
+            </a:r>
+            <a:r>
+              <a:rPr lang="en-US" i="1" dirty="0"/>
+              <a:t> and (Redis) </a:t>
+            </a:r>
+            <a:r>
+              <a:rPr lang="en-US" i="1" dirty="0" err="1"/>
+              <a:t>IDistributedCache</a:t>
+            </a:r>
+            <a:r>
+              <a:rPr lang="en-US" i="1" dirty="0"/>
+              <a:t> explicitly</a:t>
+            </a:r>
           </a:p>
         </p:txBody>
       </p:sp>
     </p:spTree>
     <p:extLst>
       <p:ext uri="{BB962C8B-B14F-4D97-AF65-F5344CB8AC3E}">
-        <p14:creationId xmlns:p14="http://schemas.microsoft.com/office/powerpoint/2010/main" val="2609270308"/>
+        <p14:creationId xmlns:p14="http://schemas.microsoft.com/office/powerpoint/2010/main" val="891413980"/>
       </p:ext>
     </p:extLst>
   </p:cSld>
@@ -5551,7 +5457,7 @@
           <p:cNvPr id="2" name="Title 1">
             <a:extLst>
               <a:ext uri="{FF2B5EF4-FFF2-40B4-BE49-F238E27FC236}">
-                <a16:creationId xmlns:a16="http://schemas.microsoft.com/office/drawing/2014/main" id="{A57B7226-9247-96BB-DF72-85A4234DFF1A}"/>
+                <a16:creationId xmlns:a16="http://schemas.microsoft.com/office/drawing/2014/main" id="{6DA7CF98-B5C3-6707-D594-BAB3B1E1E832}"/>
               </a:ext>
             </a:extLst>
           </p:cNvPr>
@@ -5567,7 +5473,10 @@
           <a:bodyPr/>
           <a:lstStyle/>
           <a:p>
-            <a:endParaRPr lang="en-US"/>
+            <a:r>
+              <a:rPr lang="en-US" dirty="0"/>
+              <a:t>Introduction to fusion cache</a:t>
+            </a:r>
           </a:p>
         </p:txBody>
       </p:sp>
@@ -5576,7 +5485,7 @@
           <p:cNvPr id="3" name="Content Placeholder 2">
             <a:extLst>
               <a:ext uri="{FF2B5EF4-FFF2-40B4-BE49-F238E27FC236}">
-                <a16:creationId xmlns:a16="http://schemas.microsoft.com/office/drawing/2014/main" id="{A03C34F7-5129-D41E-31EA-C959A4DA021D}"/>
+                <a16:creationId xmlns:a16="http://schemas.microsoft.com/office/drawing/2014/main" id="{4EE2669E-596B-E86E-E0E5-C04B6F827164}"/>
               </a:ext>
             </a:extLst>
           </p:cNvPr>
@@ -5586,302 +5495,121 @@
           <p:nvPr>
             <p:ph idx="1"/>
           </p:nvPr>
-        </p:nvSpPr>
-        <p:spPr/>
-        <p:txBody>
-          <a:bodyPr/>
-          <a:lstStyle/>
-          <a:p>
-            <a:endParaRPr lang="en-US" dirty="0"/>
-          </a:p>
-        </p:txBody>
-      </p:sp>
-      <p:sp>
-        <p:nvSpPr>
-          <p:cNvPr id="4" name="TextBox 3">
-            <a:extLst>
-              <a:ext uri="{FF2B5EF4-FFF2-40B4-BE49-F238E27FC236}">
-                <a16:creationId xmlns:a16="http://schemas.microsoft.com/office/drawing/2014/main" id="{BB7C8D49-C6C3-3F18-E18D-A174359898DC}"/>
-              </a:ext>
-            </a:extLst>
-          </p:cNvPr>
-          <p:cNvSpPr txBox="1"/>
-          <p:nvPr/>
         </p:nvSpPr>
         <p:spPr>
           <a:xfrm>
-            <a:off x="573358" y="2602914"/>
-            <a:ext cx="9922909" cy="2308324"/>
+            <a:off x="838200" y="1328475"/>
+            <a:ext cx="10515600" cy="4351338"/>
           </a:xfrm>
-          <a:prstGeom prst="rect">
-            <a:avLst/>
-          </a:prstGeom>
-          <a:noFill/>
         </p:spPr>
         <p:txBody>
-          <a:bodyPr wrap="none" rtlCol="0">
-            <a:spAutoFit/>
+          <a:bodyPr>
+            <a:normAutofit/>
           </a:bodyPr>
           <a:lstStyle/>
           <a:p>
             <a:r>
-              <a:rPr lang="en-US" sz="1600" dirty="0">
-                <a:solidFill>
-                  <a:srgbClr val="000000"/>
-                </a:solidFill>
-                <a:latin typeface="Cascadia Mono" panose="020B0609020000020004" pitchFamily="49" charset="0"/>
-              </a:rPr>
-              <a:t>[</a:t>
-            </a:r>
-            <a:r>
-              <a:rPr lang="en-US" sz="1600" dirty="0" err="1">
-                <a:solidFill>
-                  <a:srgbClr val="000000"/>
-                </a:solidFill>
-                <a:latin typeface="Cascadia Mono" panose="020B0609020000020004" pitchFamily="49" charset="0"/>
-              </a:rPr>
-              <a:t>HttpGet</a:t>
-            </a:r>
-            <a:r>
-              <a:rPr lang="en-US" sz="1600" dirty="0">
-                <a:solidFill>
-                  <a:srgbClr val="000000"/>
-                </a:solidFill>
-                <a:latin typeface="Cascadia Mono" panose="020B0609020000020004" pitchFamily="49" charset="0"/>
-              </a:rPr>
-              <a:t>(template: "get-or-set-cache-entry-raw", Name = "</a:t>
-            </a:r>
-            <a:r>
-              <a:rPr lang="en-US" sz="1600" dirty="0" err="1">
-                <a:solidFill>
-                  <a:srgbClr val="000000"/>
-                </a:solidFill>
-                <a:latin typeface="Cascadia Mono" panose="020B0609020000020004" pitchFamily="49" charset="0"/>
-              </a:rPr>
-              <a:t>GetOrSetCacheEntryRaw</a:t>
-            </a:r>
-            <a:r>
-              <a:rPr lang="en-US" sz="1600" dirty="0">
-                <a:solidFill>
-                  <a:srgbClr val="000000"/>
-                </a:solidFill>
-                <a:latin typeface="Cascadia Mono" panose="020B0609020000020004" pitchFamily="49" charset="0"/>
-              </a:rPr>
-              <a:t>")]</a:t>
-            </a:r>
-          </a:p>
-          <a:p>
-            <a:r>
-              <a:rPr lang="en-US" sz="1600" dirty="0">
-                <a:solidFill>
-                  <a:srgbClr val="000000"/>
-                </a:solidFill>
-                <a:latin typeface="Cascadia Mono" panose="020B0609020000020004" pitchFamily="49" charset="0"/>
-              </a:rPr>
-              <a:t> public async Task&lt;string&gt; </a:t>
-            </a:r>
-            <a:r>
-              <a:rPr lang="en-US" sz="1600" dirty="0" err="1">
-                <a:solidFill>
-                  <a:srgbClr val="000000"/>
-                </a:solidFill>
-                <a:latin typeface="Cascadia Mono" panose="020B0609020000020004" pitchFamily="49" charset="0"/>
-              </a:rPr>
-              <a:t>GetCacheEntryRaw</a:t>
-            </a:r>
-            <a:r>
-              <a:rPr lang="en-US" sz="1600" dirty="0">
-                <a:solidFill>
-                  <a:srgbClr val="000000"/>
-                </a:solidFill>
-                <a:latin typeface="Cascadia Mono" panose="020B0609020000020004" pitchFamily="49" charset="0"/>
-              </a:rPr>
-              <a:t>(string value) {</a:t>
-            </a:r>
-          </a:p>
-          <a:p>
-            <a:r>
-              <a:rPr lang="en-US" sz="1600" dirty="0">
-                <a:solidFill>
-                  <a:srgbClr val="000000"/>
-                </a:solidFill>
-                <a:latin typeface="Cascadia Mono" panose="020B0609020000020004" pitchFamily="49" charset="0"/>
-              </a:rPr>
-              <a:t>     var ret = await _</a:t>
-            </a:r>
-            <a:r>
-              <a:rPr lang="en-US" sz="1600" dirty="0" err="1">
-                <a:solidFill>
-                  <a:srgbClr val="000000"/>
-                </a:solidFill>
-                <a:latin typeface="Cascadia Mono" panose="020B0609020000020004" pitchFamily="49" charset="0"/>
-              </a:rPr>
-              <a:t>fusionCache.GetOrSetAsync</a:t>
-            </a:r>
-            <a:r>
-              <a:rPr lang="en-US" sz="1600" dirty="0">
-                <a:solidFill>
-                  <a:srgbClr val="000000"/>
-                </a:solidFill>
-                <a:latin typeface="Cascadia Mono" panose="020B0609020000020004" pitchFamily="49" charset="0"/>
-              </a:rPr>
-              <a:t>("cache-entry", </a:t>
-            </a:r>
-            <a:br>
-              <a:rPr lang="en-US" sz="1600" dirty="0">
-                <a:solidFill>
-                  <a:srgbClr val="000000"/>
-                </a:solidFill>
-                <a:latin typeface="Cascadia Mono" panose="020B0609020000020004" pitchFamily="49" charset="0"/>
-              </a:rPr>
-            </a:br>
-            <a:r>
-              <a:rPr lang="en-US" sz="1600" b="1" i="1" dirty="0">
-                <a:solidFill>
-                  <a:srgbClr val="000000"/>
-                </a:solidFill>
-                <a:latin typeface="Cascadia Mono" panose="020B0609020000020004" pitchFamily="49" charset="0"/>
-              </a:rPr>
-              <a:t>      		async _ =&gt; await </a:t>
-            </a:r>
-            <a:r>
-              <a:rPr lang="en-US" sz="1600" b="1" i="1" dirty="0" err="1">
-                <a:solidFill>
-                  <a:srgbClr val="000000"/>
-                </a:solidFill>
-                <a:latin typeface="Cascadia Mono" panose="020B0609020000020004" pitchFamily="49" charset="0"/>
-              </a:rPr>
-              <a:t>Task.FromResult</a:t>
-            </a:r>
-            <a:r>
-              <a:rPr lang="en-US" sz="1600" b="1" i="1" dirty="0">
-                <a:solidFill>
-                  <a:srgbClr val="000000"/>
-                </a:solidFill>
-                <a:latin typeface="Cascadia Mono" panose="020B0609020000020004" pitchFamily="49" charset="0"/>
-              </a:rPr>
-              <a:t>(value)</a:t>
-            </a:r>
-            <a:br>
-              <a:rPr lang="en-US" sz="1600" b="1" i="1" dirty="0">
-                <a:solidFill>
-                  <a:srgbClr val="000000"/>
-                </a:solidFill>
-                <a:latin typeface="Cascadia Mono" panose="020B0609020000020004" pitchFamily="49" charset="0"/>
-              </a:rPr>
-            </a:br>
-            <a:r>
-              <a:rPr lang="en-US" sz="1600" b="1" i="1" dirty="0">
-                <a:solidFill>
-                  <a:srgbClr val="000000"/>
-                </a:solidFill>
-                <a:latin typeface="Cascadia Mono" panose="020B0609020000020004" pitchFamily="49" charset="0"/>
-              </a:rPr>
-              <a:t>      </a:t>
-            </a:r>
-            <a:r>
-              <a:rPr lang="en-US" sz="1600" dirty="0">
-                <a:solidFill>
-                  <a:srgbClr val="000000"/>
-                </a:solidFill>
-                <a:latin typeface="Cascadia Mono" panose="020B0609020000020004" pitchFamily="49" charset="0"/>
-              </a:rPr>
-              <a:t>,new </a:t>
-            </a:r>
-            <a:r>
-              <a:rPr lang="en-US" sz="1600" dirty="0" err="1">
-                <a:solidFill>
-                  <a:srgbClr val="000000"/>
-                </a:solidFill>
-                <a:latin typeface="Cascadia Mono" panose="020B0609020000020004" pitchFamily="49" charset="0"/>
-              </a:rPr>
+              <a:rPr lang="en-US" dirty="0" err="1"/>
+              <a:t>IFusionCache</a:t>
+            </a:r>
+            <a:r>
+              <a:rPr lang="en-US" dirty="0"/>
+              <a:t>: the interface to have injected</a:t>
+            </a:r>
+          </a:p>
+          <a:p>
+            <a:r>
+              <a:rPr lang="en-US" dirty="0"/>
+              <a:t>The main api: </a:t>
+            </a:r>
+            <a:r>
+              <a:rPr lang="en-US" dirty="0" err="1"/>
+              <a:t>GetOrSet</a:t>
+            </a:r>
+            <a:r>
+              <a:rPr lang="en-US" dirty="0"/>
+              <a:t>(Async), it requires </a:t>
+            </a:r>
+          </a:p>
+          <a:p>
+            <a:pPr lvl="1"/>
+            <a:r>
+              <a:rPr lang="en-US" dirty="0"/>
+              <a:t>Function to get the data is there is a cache miss</a:t>
+            </a:r>
+          </a:p>
+          <a:p>
+            <a:pPr lvl="1"/>
+            <a:r>
+              <a:rPr lang="en-US" dirty="0"/>
+              <a:t>Optional </a:t>
+            </a:r>
+            <a:r>
+              <a:rPr lang="en-US" i="1" dirty="0" err="1"/>
               <a:t>FusionCacheEntryOptions</a:t>
             </a:r>
             <a:r>
-              <a:rPr lang="en-US" sz="1600" dirty="0">
-                <a:solidFill>
-                  <a:srgbClr val="000000"/>
-                </a:solidFill>
-                <a:latin typeface="Cascadia Mono" panose="020B0609020000020004" pitchFamily="49" charset="0"/>
-              </a:rPr>
-              <a:t> {</a:t>
-            </a:r>
-          </a:p>
-          <a:p>
-            <a:r>
-              <a:rPr lang="en-US" sz="1600" dirty="0">
-                <a:solidFill>
-                  <a:srgbClr val="000000"/>
-                </a:solidFill>
-                <a:latin typeface="Cascadia Mono" panose="020B0609020000020004" pitchFamily="49" charset="0"/>
-              </a:rPr>
-              <a:t>         Duration= </a:t>
-            </a:r>
-            <a:r>
-              <a:rPr lang="en-US" sz="1600" dirty="0" err="1">
-                <a:solidFill>
-                  <a:srgbClr val="000000"/>
-                </a:solidFill>
-                <a:latin typeface="Cascadia Mono" panose="020B0609020000020004" pitchFamily="49" charset="0"/>
-              </a:rPr>
-              <a:t>TimeSpan.FromMinutes</a:t>
-            </a:r>
-            <a:r>
-              <a:rPr lang="en-US" sz="1600" dirty="0">
-                <a:solidFill>
-                  <a:srgbClr val="000000"/>
-                </a:solidFill>
-                <a:latin typeface="Cascadia Mono" panose="020B0609020000020004" pitchFamily="49" charset="0"/>
-              </a:rPr>
-              <a:t>(1)}</a:t>
-            </a:r>
-            <a:br>
-              <a:rPr lang="en-US" sz="1600" dirty="0">
-                <a:solidFill>
-                  <a:srgbClr val="000000"/>
-                </a:solidFill>
-                <a:latin typeface="Cascadia Mono" panose="020B0609020000020004" pitchFamily="49" charset="0"/>
-              </a:rPr>
-            </a:br>
-            <a:r>
-              <a:rPr lang="en-US" sz="1600" dirty="0">
-                <a:solidFill>
-                  <a:srgbClr val="000000"/>
-                </a:solidFill>
-                <a:latin typeface="Cascadia Mono" panose="020B0609020000020004" pitchFamily="49" charset="0"/>
-              </a:rPr>
-              <a:t>     );</a:t>
-            </a:r>
-          </a:p>
-          <a:p>
-            <a:r>
-              <a:rPr lang="en-US" sz="1600" dirty="0">
-                <a:solidFill>
-                  <a:srgbClr val="000000"/>
-                </a:solidFill>
-                <a:latin typeface="Cascadia Mono" panose="020B0609020000020004" pitchFamily="49" charset="0"/>
-              </a:rPr>
-              <a:t>     return ret;</a:t>
-            </a:r>
-          </a:p>
-          <a:p>
-            <a:r>
-              <a:rPr lang="en-US" sz="1600" dirty="0">
-                <a:solidFill>
-                  <a:srgbClr val="000000"/>
-                </a:solidFill>
-                <a:latin typeface="Cascadia Mono" panose="020B0609020000020004" pitchFamily="49" charset="0"/>
-              </a:rPr>
-              <a:t> }</a:t>
-            </a:r>
-            <a:endParaRPr lang="en-US" sz="1600" dirty="0"/>
+              <a:rPr lang="en-US" sz="2400" dirty="0">
+                <a:solidFill>
+                  <a:srgbClr val="000000"/>
+                </a:solidFill>
+                <a:latin typeface="Cascadia Mono" panose="020B0609020000020004" pitchFamily="49" charset="0"/>
+              </a:rPr>
+              <a:t> </a:t>
+            </a:r>
+            <a:r>
+              <a:rPr lang="en-US" dirty="0"/>
+              <a:t>(if not provided a default one registered at startup is used)</a:t>
+            </a:r>
+          </a:p>
+          <a:p>
+            <a:pPr lvl="2"/>
+            <a:r>
+              <a:rPr lang="en-US" dirty="0"/>
+              <a:t>Duration</a:t>
+            </a:r>
+          </a:p>
+          <a:p>
+            <a:pPr lvl="2"/>
+            <a:r>
+              <a:rPr lang="en-US" dirty="0" err="1"/>
+              <a:t>DistributedCacheDuration</a:t>
+            </a:r>
+            <a:r>
+              <a:rPr lang="en-US" dirty="0"/>
+              <a:t> (optional) </a:t>
+            </a:r>
+          </a:p>
+          <a:p>
+            <a:pPr lvl="2"/>
+            <a:r>
+              <a:rPr lang="en-US" dirty="0" err="1"/>
+              <a:t>JitterMaxDuration</a:t>
+            </a:r>
+            <a:r>
+              <a:rPr lang="en-US" dirty="0"/>
+              <a:t> (introduce a degree of randomization in the expiration)</a:t>
+            </a:r>
+          </a:p>
+          <a:p>
+            <a:pPr lvl="2"/>
+            <a:r>
+              <a:rPr lang="en-US" dirty="0"/>
+              <a:t>..and many others we will cover in next slides </a:t>
+            </a:r>
+          </a:p>
+          <a:p>
+            <a:endParaRPr lang="en-US" dirty="0"/>
+          </a:p>
+          <a:p>
+            <a:endParaRPr lang="en-US" dirty="0"/>
           </a:p>
         </p:txBody>
       </p:sp>
     </p:spTree>
     <p:extLst>
       <p:ext uri="{BB962C8B-B14F-4D97-AF65-F5344CB8AC3E}">
-        <p14:creationId xmlns:p14="http://schemas.microsoft.com/office/powerpoint/2010/main" val="1651941946"/>
+        <p14:creationId xmlns:p14="http://schemas.microsoft.com/office/powerpoint/2010/main" val="2609270308"/>
       </p:ext>
     </p:extLst>
   </p:cSld>
@@ -5913,7 +5641,7 @@
           <p:cNvPr id="2" name="Title 1">
             <a:extLst>
               <a:ext uri="{FF2B5EF4-FFF2-40B4-BE49-F238E27FC236}">
-                <a16:creationId xmlns:a16="http://schemas.microsoft.com/office/drawing/2014/main" id="{6DA7CF98-B5C3-6707-D594-BAB3B1E1E832}"/>
+                <a16:creationId xmlns:a16="http://schemas.microsoft.com/office/drawing/2014/main" id="{A57B7226-9247-96BB-DF72-85A4234DFF1A}"/>
               </a:ext>
             </a:extLst>
           </p:cNvPr>
@@ -5929,10 +5657,7 @@
           <a:bodyPr/>
           <a:lstStyle/>
           <a:p>
-            <a:r>
-              <a:rPr lang="en-US" dirty="0"/>
-              <a:t>Cache stampede</a:t>
-            </a:r>
+            <a:endParaRPr lang="en-US"/>
           </a:p>
         </p:txBody>
       </p:sp>
@@ -5941,7 +5666,7 @@
           <p:cNvPr id="3" name="Content Placeholder 2">
             <a:extLst>
               <a:ext uri="{FF2B5EF4-FFF2-40B4-BE49-F238E27FC236}">
-                <a16:creationId xmlns:a16="http://schemas.microsoft.com/office/drawing/2014/main" id="{4EE2669E-596B-E86E-E0E5-C04B6F827164}"/>
+                <a16:creationId xmlns:a16="http://schemas.microsoft.com/office/drawing/2014/main" id="{A03C34F7-5129-D41E-31EA-C959A4DA021D}"/>
               </a:ext>
             </a:extLst>
           </p:cNvPr>
@@ -5954,45 +5679,299 @@
         </p:nvSpPr>
         <p:spPr/>
         <p:txBody>
-          <a:bodyPr>
-            <a:normAutofit/>
+          <a:bodyPr/>
+          <a:lstStyle/>
+          <a:p>
+            <a:endParaRPr lang="en-US" dirty="0"/>
+          </a:p>
+        </p:txBody>
+      </p:sp>
+      <p:sp>
+        <p:nvSpPr>
+          <p:cNvPr id="4" name="TextBox 3">
+            <a:extLst>
+              <a:ext uri="{FF2B5EF4-FFF2-40B4-BE49-F238E27FC236}">
+                <a16:creationId xmlns:a16="http://schemas.microsoft.com/office/drawing/2014/main" id="{BB7C8D49-C6C3-3F18-E18D-A174359898DC}"/>
+              </a:ext>
+            </a:extLst>
+          </p:cNvPr>
+          <p:cNvSpPr txBox="1"/>
+          <p:nvPr/>
+        </p:nvSpPr>
+        <p:spPr>
+          <a:xfrm>
+            <a:off x="573358" y="2602914"/>
+            <a:ext cx="9922909" cy="2308324"/>
+          </a:xfrm>
+          <a:prstGeom prst="rect">
+            <a:avLst/>
+          </a:prstGeom>
+          <a:noFill/>
+        </p:spPr>
+        <p:txBody>
+          <a:bodyPr wrap="none" rtlCol="0">
+            <a:spAutoFit/>
           </a:bodyPr>
           <a:lstStyle/>
           <a:p>
-            <a:pPr lvl="1"/>
-            <a:r>
-              <a:rPr lang="en-US" dirty="0"/>
-              <a:t>Avoid "All" rush to origin to get same key when it expires (see demo). </a:t>
-            </a:r>
-            <a:r>
-              <a:rPr lang="en-US" dirty="0" err="1"/>
-              <a:t>JitterMaxDuration</a:t>
-            </a:r>
-            <a:r>
-              <a:rPr lang="en-US" dirty="0"/>
-              <a:t> mitigate the problem, still ..</a:t>
-            </a:r>
-          </a:p>
-          <a:p>
-            <a:pPr lvl="1"/>
-            <a:r>
-              <a:rPr lang="en-US" dirty="0"/>
-              <a:t>Fusion cache will not call the same factory more than once concurrently</a:t>
-            </a:r>
-          </a:p>
-          <a:p>
-            <a:pPr lvl="1"/>
-            <a:r>
-              <a:rPr lang="en-US" dirty="0"/>
-              <a:t>Works at node level</a:t>
-            </a:r>
+            <a:r>
+              <a:rPr lang="en-US" sz="1600" dirty="0">
+                <a:solidFill>
+                  <a:srgbClr val="000000"/>
+                </a:solidFill>
+                <a:latin typeface="Cascadia Mono" panose="020B0609020000020004" pitchFamily="49" charset="0"/>
+              </a:rPr>
+              <a:t>[</a:t>
+            </a:r>
+            <a:r>
+              <a:rPr lang="en-US" sz="1600" dirty="0" err="1">
+                <a:solidFill>
+                  <a:srgbClr val="000000"/>
+                </a:solidFill>
+                <a:latin typeface="Cascadia Mono" panose="020B0609020000020004" pitchFamily="49" charset="0"/>
+              </a:rPr>
+              <a:t>HttpGet</a:t>
+            </a:r>
+            <a:r>
+              <a:rPr lang="en-US" sz="1600" dirty="0">
+                <a:solidFill>
+                  <a:srgbClr val="000000"/>
+                </a:solidFill>
+                <a:latin typeface="Cascadia Mono" panose="020B0609020000020004" pitchFamily="49" charset="0"/>
+              </a:rPr>
+              <a:t>(template: "get-or-set-cache-entry-raw", Name = "</a:t>
+            </a:r>
+            <a:r>
+              <a:rPr lang="en-US" sz="1600" dirty="0" err="1">
+                <a:solidFill>
+                  <a:srgbClr val="000000"/>
+                </a:solidFill>
+                <a:latin typeface="Cascadia Mono" panose="020B0609020000020004" pitchFamily="49" charset="0"/>
+              </a:rPr>
+              <a:t>GetOrSetCacheEntryRaw</a:t>
+            </a:r>
+            <a:r>
+              <a:rPr lang="en-US" sz="1600" dirty="0">
+                <a:solidFill>
+                  <a:srgbClr val="000000"/>
+                </a:solidFill>
+                <a:latin typeface="Cascadia Mono" panose="020B0609020000020004" pitchFamily="49" charset="0"/>
+              </a:rPr>
+              <a:t>")]</a:t>
+            </a:r>
+          </a:p>
+          <a:p>
+            <a:r>
+              <a:rPr lang="en-US" sz="1600" dirty="0">
+                <a:solidFill>
+                  <a:srgbClr val="000000"/>
+                </a:solidFill>
+                <a:latin typeface="Cascadia Mono" panose="020B0609020000020004" pitchFamily="49" charset="0"/>
+              </a:rPr>
+              <a:t> public async Task&lt;string&gt; </a:t>
+            </a:r>
+            <a:r>
+              <a:rPr lang="en-US" sz="1600" dirty="0" err="1">
+                <a:solidFill>
+                  <a:srgbClr val="000000"/>
+                </a:solidFill>
+                <a:latin typeface="Cascadia Mono" panose="020B0609020000020004" pitchFamily="49" charset="0"/>
+              </a:rPr>
+              <a:t>GetCacheEntryRaw</a:t>
+            </a:r>
+            <a:r>
+              <a:rPr lang="en-US" sz="1600" dirty="0">
+                <a:solidFill>
+                  <a:srgbClr val="000000"/>
+                </a:solidFill>
+                <a:latin typeface="Cascadia Mono" panose="020B0609020000020004" pitchFamily="49" charset="0"/>
+              </a:rPr>
+              <a:t>(string value) {</a:t>
+            </a:r>
+          </a:p>
+          <a:p>
+            <a:r>
+              <a:rPr lang="en-US" sz="1600" dirty="0">
+                <a:solidFill>
+                  <a:srgbClr val="000000"/>
+                </a:solidFill>
+                <a:latin typeface="Cascadia Mono" panose="020B0609020000020004" pitchFamily="49" charset="0"/>
+              </a:rPr>
+              <a:t>     var ret = await _</a:t>
+            </a:r>
+            <a:r>
+              <a:rPr lang="en-US" sz="1600" dirty="0" err="1">
+                <a:solidFill>
+                  <a:srgbClr val="000000"/>
+                </a:solidFill>
+                <a:latin typeface="Cascadia Mono" panose="020B0609020000020004" pitchFamily="49" charset="0"/>
+              </a:rPr>
+              <a:t>fusionCache.GetOrSetAsync</a:t>
+            </a:r>
+            <a:r>
+              <a:rPr lang="en-US" sz="1600" dirty="0">
+                <a:solidFill>
+                  <a:srgbClr val="000000"/>
+                </a:solidFill>
+                <a:latin typeface="Cascadia Mono" panose="020B0609020000020004" pitchFamily="49" charset="0"/>
+              </a:rPr>
+              <a:t>("cache-entry", </a:t>
+            </a:r>
+            <a:br>
+              <a:rPr lang="en-US" sz="1600" dirty="0">
+                <a:solidFill>
+                  <a:srgbClr val="000000"/>
+                </a:solidFill>
+                <a:latin typeface="Cascadia Mono" panose="020B0609020000020004" pitchFamily="49" charset="0"/>
+              </a:rPr>
+            </a:br>
+            <a:r>
+              <a:rPr lang="en-US" sz="1600" b="1" i="1" dirty="0">
+                <a:solidFill>
+                  <a:srgbClr val="000000"/>
+                </a:solidFill>
+                <a:latin typeface="Cascadia Mono" panose="020B0609020000020004" pitchFamily="49" charset="0"/>
+              </a:rPr>
+              <a:t>      		async _ =&gt; await </a:t>
+            </a:r>
+            <a:r>
+              <a:rPr lang="en-US" sz="1600" b="1" i="1" dirty="0" err="1">
+                <a:solidFill>
+                  <a:srgbClr val="000000"/>
+                </a:solidFill>
+                <a:latin typeface="Cascadia Mono" panose="020B0609020000020004" pitchFamily="49" charset="0"/>
+              </a:rPr>
+              <a:t>Task.FromResult</a:t>
+            </a:r>
+            <a:r>
+              <a:rPr lang="en-US" sz="1600" b="1" i="1" dirty="0">
+                <a:solidFill>
+                  <a:srgbClr val="000000"/>
+                </a:solidFill>
+                <a:latin typeface="Cascadia Mono" panose="020B0609020000020004" pitchFamily="49" charset="0"/>
+              </a:rPr>
+              <a:t>(value)</a:t>
+            </a:r>
+            <a:br>
+              <a:rPr lang="en-US" sz="1600" b="1" i="1" dirty="0">
+                <a:solidFill>
+                  <a:srgbClr val="000000"/>
+                </a:solidFill>
+                <a:latin typeface="Cascadia Mono" panose="020B0609020000020004" pitchFamily="49" charset="0"/>
+              </a:rPr>
+            </a:br>
+            <a:r>
+              <a:rPr lang="en-US" sz="1600" b="1" i="1" dirty="0">
+                <a:solidFill>
+                  <a:srgbClr val="000000"/>
+                </a:solidFill>
+                <a:latin typeface="Cascadia Mono" panose="020B0609020000020004" pitchFamily="49" charset="0"/>
+              </a:rPr>
+              <a:t>      </a:t>
+            </a:r>
+            <a:r>
+              <a:rPr lang="en-US" sz="1600" dirty="0">
+                <a:solidFill>
+                  <a:srgbClr val="000000"/>
+                </a:solidFill>
+                <a:latin typeface="Cascadia Mono" panose="020B0609020000020004" pitchFamily="49" charset="0"/>
+              </a:rPr>
+              <a:t>,new </a:t>
+            </a:r>
+            <a:r>
+              <a:rPr lang="en-US" sz="1600" dirty="0" err="1">
+                <a:solidFill>
+                  <a:srgbClr val="000000"/>
+                </a:solidFill>
+                <a:latin typeface="Cascadia Mono" panose="020B0609020000020004" pitchFamily="49" charset="0"/>
+              </a:rPr>
+              <a:t>FusionCacheEntryOptions</a:t>
+            </a:r>
+            <a:r>
+              <a:rPr lang="en-US" sz="1600" dirty="0">
+                <a:solidFill>
+                  <a:srgbClr val="000000"/>
+                </a:solidFill>
+                <a:latin typeface="Cascadia Mono" panose="020B0609020000020004" pitchFamily="49" charset="0"/>
+              </a:rPr>
+              <a:t> {</a:t>
+            </a:r>
+          </a:p>
+          <a:p>
+            <a:r>
+              <a:rPr lang="en-US" sz="1600" dirty="0">
+                <a:solidFill>
+                  <a:srgbClr val="000000"/>
+                </a:solidFill>
+                <a:latin typeface="Cascadia Mono" panose="020B0609020000020004" pitchFamily="49" charset="0"/>
+              </a:rPr>
+              <a:t>         Duration= </a:t>
+            </a:r>
+            <a:r>
+              <a:rPr lang="en-US" sz="1600" dirty="0" err="1">
+                <a:solidFill>
+                  <a:srgbClr val="000000"/>
+                </a:solidFill>
+                <a:latin typeface="Cascadia Mono" panose="020B0609020000020004" pitchFamily="49" charset="0"/>
+              </a:rPr>
+              <a:t>TimeSpan.FromMinutes</a:t>
+            </a:r>
+            <a:r>
+              <a:rPr lang="en-US" sz="1600" dirty="0">
+                <a:solidFill>
+                  <a:srgbClr val="000000"/>
+                </a:solidFill>
+                <a:latin typeface="Cascadia Mono" panose="020B0609020000020004" pitchFamily="49" charset="0"/>
+              </a:rPr>
+              <a:t>(1)}</a:t>
+            </a:r>
+            <a:br>
+              <a:rPr lang="en-US" sz="1600" dirty="0">
+                <a:solidFill>
+                  <a:srgbClr val="000000"/>
+                </a:solidFill>
+                <a:latin typeface="Cascadia Mono" panose="020B0609020000020004" pitchFamily="49" charset="0"/>
+              </a:rPr>
+            </a:br>
+            <a:r>
+              <a:rPr lang="en-US" sz="1600" dirty="0">
+                <a:solidFill>
+                  <a:srgbClr val="000000"/>
+                </a:solidFill>
+                <a:latin typeface="Cascadia Mono" panose="020B0609020000020004" pitchFamily="49" charset="0"/>
+              </a:rPr>
+              <a:t>     );</a:t>
+            </a:r>
+          </a:p>
+          <a:p>
+            <a:r>
+              <a:rPr lang="en-US" sz="1600" dirty="0">
+                <a:solidFill>
+                  <a:srgbClr val="000000"/>
+                </a:solidFill>
+                <a:latin typeface="Cascadia Mono" panose="020B0609020000020004" pitchFamily="49" charset="0"/>
+              </a:rPr>
+              <a:t>     return ret;</a:t>
+            </a:r>
+          </a:p>
+          <a:p>
+            <a:r>
+              <a:rPr lang="en-US" sz="1600" dirty="0">
+                <a:solidFill>
+                  <a:srgbClr val="000000"/>
+                </a:solidFill>
+                <a:latin typeface="Cascadia Mono" panose="020B0609020000020004" pitchFamily="49" charset="0"/>
+              </a:rPr>
+              <a:t> }</a:t>
+            </a:r>
+            <a:endParaRPr lang="en-US" sz="1600" dirty="0"/>
           </a:p>
         </p:txBody>
       </p:sp>
     </p:spTree>
     <p:extLst>
       <p:ext uri="{BB962C8B-B14F-4D97-AF65-F5344CB8AC3E}">
-        <p14:creationId xmlns:p14="http://schemas.microsoft.com/office/powerpoint/2010/main" val="1377340055"/>
+        <p14:creationId xmlns:p14="http://schemas.microsoft.com/office/powerpoint/2010/main" val="1651941946"/>
       </p:ext>
     </p:extLst>
   </p:cSld>
@@ -6157,6 +6136,22 @@
               </a:rPr>
               <a:t>FusionCacheEntryOptions</a:t>
             </a:r>
+            <a:r>
+              <a:rPr lang="en-US" dirty="0">
+                <a:latin typeface="+mn-lt"/>
+                <a:ea typeface="+mn-ea"/>
+                <a:cs typeface="+mn-cs"/>
+              </a:rPr>
+              <a:t>: </a:t>
+            </a:r>
+            <a:r>
+              <a:rPr lang="en-US" dirty="0" err="1">
+                <a:latin typeface="+mn-lt"/>
+                <a:ea typeface="+mn-ea"/>
+                <a:cs typeface="+mn-cs"/>
+              </a:rPr>
+              <a:t>TimeOuts</a:t>
+            </a:r>
             <a:endParaRPr lang="en-US" dirty="0">
               <a:latin typeface="+mn-lt"/>
               <a:ea typeface="+mn-ea"/>
@@ -6252,7 +6247,7 @@
           <p:cNvPr id="2" name="Title 1">
             <a:extLst>
               <a:ext uri="{FF2B5EF4-FFF2-40B4-BE49-F238E27FC236}">
-                <a16:creationId xmlns:a16="http://schemas.microsoft.com/office/drawing/2014/main" id="{6DA7CF98-B5C3-6707-D594-BAB3B1E1E832}"/>
+                <a16:creationId xmlns:a16="http://schemas.microsoft.com/office/drawing/2014/main" id="{5D283DDB-5E70-BE28-3EED-6919897DDC78}"/>
               </a:ext>
             </a:extLst>
           </p:cNvPr>
@@ -6270,114 +6265,58 @@
           <a:p>
             <a:r>
               <a:rPr lang="en-US" dirty="0"/>
-              <a:t>Fail-Safe</a:t>
-            </a:r>
-            <a:br>
-              <a:rPr lang="en-US" dirty="0"/>
-            </a:br>
+              <a:t>DEMO</a:t>
+            </a:r>
+          </a:p>
+        </p:txBody>
+      </p:sp>
+      <p:sp>
+        <p:nvSpPr>
+          <p:cNvPr id="3" name="Content Placeholder 2">
+            <a:extLst>
+              <a:ext uri="{FF2B5EF4-FFF2-40B4-BE49-F238E27FC236}">
+                <a16:creationId xmlns:a16="http://schemas.microsoft.com/office/drawing/2014/main" id="{62AD2CCB-A577-86B2-F813-24213EB4A9C6}"/>
+              </a:ext>
+            </a:extLst>
+          </p:cNvPr>
+          <p:cNvSpPr>
+            <a:spLocks noGrp="1"/>
+          </p:cNvSpPr>
+          <p:nvPr>
+            <p:ph idx="1"/>
+          </p:nvPr>
+        </p:nvSpPr>
+        <p:spPr/>
+        <p:txBody>
+          <a:bodyPr/>
+          <a:lstStyle/>
+          <a:p>
+            <a:r>
+              <a:rPr lang="en-US" dirty="0"/>
+              <a:t>A small wrapper to ready </a:t>
+            </a:r>
+            <a:r>
+              <a:rPr lang="en-US" dirty="0" err="1">
+                <a:latin typeface="+mn-lt"/>
+                <a:ea typeface="+mn-ea"/>
+                <a:cs typeface="+mn-cs"/>
+              </a:rPr>
+              <a:t>FusionCacheEntryOptions</a:t>
+            </a:r>
+            <a:r>
+              <a:rPr lang="en-US" dirty="0">
+                <a:latin typeface="+mn-lt"/>
+                <a:ea typeface="+mn-ea"/>
+                <a:cs typeface="+mn-cs"/>
+              </a:rPr>
+              <a:t> from config</a:t>
+            </a:r>
             <a:endParaRPr lang="en-US" dirty="0"/>
           </a:p>
-        </p:txBody>
-      </p:sp>
-      <p:sp>
-        <p:nvSpPr>
-          <p:cNvPr id="3" name="Content Placeholder 2">
-            <a:extLst>
-              <a:ext uri="{FF2B5EF4-FFF2-40B4-BE49-F238E27FC236}">
-                <a16:creationId xmlns:a16="http://schemas.microsoft.com/office/drawing/2014/main" id="{4EE2669E-596B-E86E-E0E5-C04B6F827164}"/>
-              </a:ext>
-            </a:extLst>
-          </p:cNvPr>
-          <p:cNvSpPr>
-            <a:spLocks noGrp="1"/>
-          </p:cNvSpPr>
-          <p:nvPr>
-            <p:ph idx="1"/>
-          </p:nvPr>
-        </p:nvSpPr>
-        <p:spPr>
-          <a:xfrm>
-            <a:off x="838200" y="1356585"/>
-            <a:ext cx="10515600" cy="4909351"/>
-          </a:xfrm>
-        </p:spPr>
-        <p:txBody>
-          <a:bodyPr>
-            <a:normAutofit/>
-          </a:bodyPr>
-          <a:lstStyle/>
-          <a:p>
-            <a:pPr lvl="1"/>
-            <a:r>
-              <a:rPr lang="en-US" dirty="0"/>
-              <a:t>Provide expired values if origin fails or takes too long to reply (times out)</a:t>
-            </a:r>
-          </a:p>
-          <a:p>
-            <a:pPr lvl="1"/>
-            <a:r>
-              <a:rPr lang="en-US" dirty="0" err="1"/>
-              <a:t>IsFailSafeEnabled</a:t>
-            </a:r>
-            <a:r>
-              <a:rPr lang="en-US" dirty="0"/>
-              <a:t> </a:t>
-            </a:r>
-          </a:p>
-          <a:p>
-            <a:pPr lvl="1"/>
-            <a:r>
-              <a:rPr lang="en-US" dirty="0" err="1"/>
-              <a:t>FailSafeMaxDuration</a:t>
-            </a:r>
-            <a:r>
-              <a:rPr lang="en-US" dirty="0"/>
-              <a:t> (internally extend the cache duration to this value)</a:t>
-            </a:r>
-          </a:p>
-          <a:p>
-            <a:pPr lvl="1"/>
-            <a:r>
-              <a:rPr lang="en-US" dirty="0" err="1"/>
-              <a:t>FailSafeThrottleDuration</a:t>
-            </a:r>
-            <a:endParaRPr lang="en-US" dirty="0"/>
-          </a:p>
-          <a:p>
-            <a:pPr lvl="1"/>
-            <a:r>
-              <a:rPr lang="en-US" dirty="0" err="1"/>
-              <a:t>FactorySoftTimeout</a:t>
-            </a:r>
-            <a:r>
-              <a:rPr lang="en-US" dirty="0"/>
-              <a:t>: (apply when failsafe is true only) will return expired entry (if any) if factory takes longer than this value </a:t>
-            </a:r>
-          </a:p>
-          <a:p>
-            <a:pPr lvl="1"/>
-            <a:r>
-              <a:rPr lang="en-US" dirty="0" err="1"/>
-              <a:t>FailSafe</a:t>
-            </a:r>
-            <a:r>
-              <a:rPr lang="en-US" dirty="0"/>
-              <a:t> Default Value is specified </a:t>
-            </a:r>
-          </a:p>
-          <a:p>
-            <a:pPr lvl="2"/>
-            <a:r>
-              <a:rPr lang="en-US" sz="2400" dirty="0"/>
-              <a:t>Returns the default if no value is present in the internal cache and (</a:t>
-            </a:r>
-            <a:r>
-              <a:rPr lang="en-US" sz="2400" dirty="0" err="1"/>
-              <a:t>FactoryHardTimeout</a:t>
-            </a:r>
-            <a:r>
-              <a:rPr lang="en-US" sz="2400" dirty="0"/>
-              <a:t> has passed, or an exception is thrown in the factory) </a:t>
+          <a:p>
+            <a:r>
+              <a:rPr lang="en-US" dirty="0"/>
+              <a:t>Factory time out</a:t>
             </a:r>
           </a:p>
         </p:txBody>
@@ -6385,7 +6324,7 @@
     </p:spTree>
     <p:extLst>
       <p:ext uri="{BB962C8B-B14F-4D97-AF65-F5344CB8AC3E}">
-        <p14:creationId xmlns:p14="http://schemas.microsoft.com/office/powerpoint/2010/main" val="3492176054"/>
+        <p14:creationId xmlns:p14="http://schemas.microsoft.com/office/powerpoint/2010/main" val="2234264116"/>
       </p:ext>
     </p:extLst>
   </p:cSld>
@@ -6435,7 +6374,7 @@
           <a:p>
             <a:r>
               <a:rPr lang="en-US" dirty="0"/>
-              <a:t>Adaptive Caching</a:t>
+              <a:t>Cache stampede</a:t>
             </a:r>
           </a:p>
         </p:txBody>
@@ -6463,23 +6402,40 @@
           </a:bodyPr>
           <a:lstStyle/>
           <a:p>
-            <a:r>
-              <a:rPr lang="en-US" dirty="0"/>
-              <a:t>Custom caching duration </a:t>
-            </a:r>
-          </a:p>
-          <a:p>
-            <a:endParaRPr lang="en-US" dirty="0"/>
-          </a:p>
-          <a:p>
-            <a:endParaRPr lang="en-US" dirty="0"/>
+            <a:pPr lvl="1"/>
+            <a:r>
+              <a:rPr lang="en-US" dirty="0"/>
+              <a:t>Avoid "All" rush to origin to get same key when it expires (see demo). </a:t>
+            </a:r>
+            <a:r>
+              <a:rPr lang="en-US" dirty="0" err="1"/>
+              <a:t>JitterMaxDuration</a:t>
+            </a:r>
+            <a:r>
+              <a:rPr lang="en-US" dirty="0"/>
+              <a:t> mitigate the problem, still ..</a:t>
+            </a:r>
+          </a:p>
+          <a:p>
+            <a:pPr lvl="1"/>
+            <a:r>
+              <a:rPr lang="en-US" dirty="0"/>
+              <a:t>Fusion cache will not call the same factory more than once concurrently</a:t>
+            </a:r>
+          </a:p>
+          <a:p>
+            <a:pPr lvl="1"/>
+            <a:r>
+              <a:rPr lang="en-US" dirty="0"/>
+              <a:t>Works at node level</a:t>
+            </a:r>
           </a:p>
         </p:txBody>
       </p:sp>
     </p:spTree>
     <p:extLst>
       <p:ext uri="{BB962C8B-B14F-4D97-AF65-F5344CB8AC3E}">
-        <p14:creationId xmlns:p14="http://schemas.microsoft.com/office/powerpoint/2010/main" val="1560423962"/>
+        <p14:creationId xmlns:p14="http://schemas.microsoft.com/office/powerpoint/2010/main" val="1377340055"/>
       </p:ext>
     </p:extLst>
   </p:cSld>
@@ -6511,7 +6467,7 @@
           <p:cNvPr id="2" name="Title 1">
             <a:extLst>
               <a:ext uri="{FF2B5EF4-FFF2-40B4-BE49-F238E27FC236}">
-                <a16:creationId xmlns:a16="http://schemas.microsoft.com/office/drawing/2014/main" id="{6DA7CF98-B5C3-6707-D594-BAB3B1E1E832}"/>
+                <a16:creationId xmlns:a16="http://schemas.microsoft.com/office/drawing/2014/main" id="{5D283DDB-5E70-BE28-3EED-6919897DDC78}"/>
               </a:ext>
             </a:extLst>
           </p:cNvPr>
@@ -6529,7 +6485,7 @@
           <a:p>
             <a:r>
               <a:rPr lang="en-US" dirty="0"/>
-              <a:t>Named caches</a:t>
+              <a:t>DEMO</a:t>
             </a:r>
           </a:p>
         </p:txBody>
@@ -6539,7 +6495,7 @@
           <p:cNvPr id="3" name="Content Placeholder 2">
             <a:extLst>
               <a:ext uri="{FF2B5EF4-FFF2-40B4-BE49-F238E27FC236}">
-                <a16:creationId xmlns:a16="http://schemas.microsoft.com/office/drawing/2014/main" id="{4EE2669E-596B-E86E-E0E5-C04B6F827164}"/>
+                <a16:creationId xmlns:a16="http://schemas.microsoft.com/office/drawing/2014/main" id="{62AD2CCB-A577-86B2-F813-24213EB4A9C6}"/>
               </a:ext>
             </a:extLst>
           </p:cNvPr>
@@ -6552,226 +6508,20 @@
         </p:nvSpPr>
         <p:spPr/>
         <p:txBody>
-          <a:bodyPr>
-            <a:normAutofit/>
-          </a:bodyPr>
-          <a:lstStyle/>
-          <a:p>
-            <a:endParaRPr lang="en-US" dirty="0"/>
-          </a:p>
-        </p:txBody>
-      </p:sp>
-      <p:sp>
-        <p:nvSpPr>
-          <p:cNvPr id="4" name="TextBox 3">
-            <a:extLst>
-              <a:ext uri="{FF2B5EF4-FFF2-40B4-BE49-F238E27FC236}">
-                <a16:creationId xmlns:a16="http://schemas.microsoft.com/office/drawing/2014/main" id="{762E7DA3-44D7-43E5-7A5B-C029F065E7C4}"/>
-              </a:ext>
-            </a:extLst>
-          </p:cNvPr>
-          <p:cNvSpPr txBox="1"/>
-          <p:nvPr/>
-        </p:nvSpPr>
-        <p:spPr>
-          <a:xfrm>
-            <a:off x="1033670" y="2969812"/>
-            <a:ext cx="9891422" cy="2339102"/>
-          </a:xfrm>
-          <a:prstGeom prst="rect">
-            <a:avLst/>
-          </a:prstGeom>
-          <a:noFill/>
-        </p:spPr>
-        <p:txBody>
-          <a:bodyPr wrap="square" rtlCol="0">
-            <a:spAutoFit/>
-          </a:bodyPr>
-          <a:lstStyle/>
-          <a:p>
-            <a:r>
-              <a:rPr lang="en-US" sz="1600" dirty="0">
-                <a:solidFill>
-                  <a:srgbClr val="000000"/>
-                </a:solidFill>
-                <a:latin typeface="Cascadia Mono" panose="020B0609020000020004" pitchFamily="49" charset="0"/>
-              </a:rPr>
-              <a:t>// startup </a:t>
-            </a:r>
-            <a:br>
-              <a:rPr lang="en-US" sz="1600" dirty="0">
-                <a:solidFill>
-                  <a:srgbClr val="000000"/>
-                </a:solidFill>
-                <a:latin typeface="Cascadia Mono" panose="020B0609020000020004" pitchFamily="49" charset="0"/>
-              </a:rPr>
-            </a:br>
-            <a:r>
-              <a:rPr lang="en-US" sz="1600" dirty="0" err="1">
-                <a:solidFill>
-                  <a:srgbClr val="000000"/>
-                </a:solidFill>
-                <a:latin typeface="Cascadia Mono" panose="020B0609020000020004" pitchFamily="49" charset="0"/>
-              </a:rPr>
-              <a:t>services.AddFusionCache</a:t>
-            </a:r>
-            <a:r>
-              <a:rPr lang="en-US" sz="1600" dirty="0">
-                <a:solidFill>
-                  <a:srgbClr val="000000"/>
-                </a:solidFill>
-                <a:latin typeface="Cascadia Mono" panose="020B0609020000020004" pitchFamily="49" charset="0"/>
-              </a:rPr>
-              <a:t>("Products");</a:t>
-            </a:r>
-            <a:br>
-              <a:rPr lang="en-US" sz="1600" dirty="0">
-                <a:solidFill>
-                  <a:srgbClr val="000000"/>
-                </a:solidFill>
-                <a:latin typeface="Cascadia Mono" panose="020B0609020000020004" pitchFamily="49" charset="0"/>
-              </a:rPr>
-            </a:br>
-            <a:endParaRPr lang="en-US" sz="1600" dirty="0">
-              <a:solidFill>
-                <a:srgbClr val="000000"/>
-              </a:solidFill>
-              <a:latin typeface="Cascadia Mono" panose="020B0609020000020004" pitchFamily="49" charset="0"/>
-            </a:endParaRPr>
-          </a:p>
-          <a:p>
-            <a:endParaRPr lang="en-US" sz="1600" dirty="0">
-              <a:solidFill>
-                <a:srgbClr val="000000"/>
-              </a:solidFill>
-              <a:latin typeface="Cascadia Mono" panose="020B0609020000020004" pitchFamily="49" charset="0"/>
-            </a:endParaRPr>
-          </a:p>
-          <a:p>
-            <a:r>
-              <a:rPr lang="en-US" sz="1600" dirty="0">
-                <a:solidFill>
-                  <a:srgbClr val="000000"/>
-                </a:solidFill>
-                <a:latin typeface="Cascadia Mono" panose="020B0609020000020004" pitchFamily="49" charset="0"/>
-              </a:rPr>
-              <a:t>public </a:t>
-            </a:r>
-            <a:r>
-              <a:rPr lang="en-US" sz="1600" dirty="0" err="1">
-                <a:solidFill>
-                  <a:srgbClr val="000000"/>
-                </a:solidFill>
-                <a:latin typeface="Cascadia Mono" panose="020B0609020000020004" pitchFamily="49" charset="0"/>
-              </a:rPr>
-              <a:t>MyController</a:t>
-            </a:r>
-            <a:r>
-              <a:rPr lang="en-US" sz="1600" dirty="0">
-                <a:solidFill>
-                  <a:srgbClr val="000000"/>
-                </a:solidFill>
-                <a:latin typeface="Cascadia Mono" panose="020B0609020000020004" pitchFamily="49" charset="0"/>
-              </a:rPr>
-              <a:t>(</a:t>
-            </a:r>
-            <a:r>
-              <a:rPr lang="en-US" sz="1600" dirty="0" err="1">
-                <a:solidFill>
-                  <a:srgbClr val="000000"/>
-                </a:solidFill>
-                <a:latin typeface="Cascadia Mono" panose="020B0609020000020004" pitchFamily="49" charset="0"/>
-              </a:rPr>
-              <a:t>IFusionCacheProvider</a:t>
-            </a:r>
-            <a:r>
-              <a:rPr lang="en-US" sz="1600" dirty="0">
-                <a:solidFill>
-                  <a:srgbClr val="000000"/>
-                </a:solidFill>
-                <a:latin typeface="Cascadia Mono" panose="020B0609020000020004" pitchFamily="49" charset="0"/>
-              </a:rPr>
-              <a:t> </a:t>
-            </a:r>
-            <a:r>
-              <a:rPr lang="en-US" sz="1600" dirty="0" err="1">
-                <a:solidFill>
-                  <a:srgbClr val="000000"/>
-                </a:solidFill>
-                <a:latin typeface="Cascadia Mono" panose="020B0609020000020004" pitchFamily="49" charset="0"/>
-              </a:rPr>
-              <a:t>cacheProvider</a:t>
-            </a:r>
-            <a:r>
-              <a:rPr lang="en-US" sz="1600" dirty="0">
-                <a:solidFill>
-                  <a:srgbClr val="000000"/>
-                </a:solidFill>
-                <a:latin typeface="Cascadia Mono" panose="020B0609020000020004" pitchFamily="49" charset="0"/>
-              </a:rPr>
-              <a:t>)</a:t>
-            </a:r>
-          </a:p>
-          <a:p>
-            <a:r>
-              <a:rPr lang="en-US" sz="1600" dirty="0">
-                <a:solidFill>
-                  <a:srgbClr val="000000"/>
-                </a:solidFill>
-                <a:latin typeface="Cascadia Mono" panose="020B0609020000020004" pitchFamily="49" charset="0"/>
-              </a:rPr>
-              <a:t>    {</a:t>
-            </a:r>
-          </a:p>
-          <a:p>
-            <a:r>
-              <a:rPr lang="en-US" sz="1600" dirty="0">
-                <a:solidFill>
-                  <a:srgbClr val="000000"/>
-                </a:solidFill>
-                <a:latin typeface="Cascadia Mono" panose="020B0609020000020004" pitchFamily="49" charset="0"/>
-              </a:rPr>
-              <a:t>        _cache = </a:t>
-            </a:r>
-            <a:r>
-              <a:rPr lang="en-US" sz="1600" dirty="0" err="1">
-                <a:solidFill>
-                  <a:srgbClr val="000000"/>
-                </a:solidFill>
-                <a:latin typeface="Cascadia Mono" panose="020B0609020000020004" pitchFamily="49" charset="0"/>
-              </a:rPr>
-              <a:t>cacheProvider.GetCache</a:t>
-            </a:r>
-            <a:r>
-              <a:rPr lang="en-US" sz="1600" dirty="0">
-                <a:solidFill>
-                  <a:srgbClr val="000000"/>
-                </a:solidFill>
-                <a:latin typeface="Cascadia Mono" panose="020B0609020000020004" pitchFamily="49" charset="0"/>
-              </a:rPr>
-              <a:t>("Products");</a:t>
-            </a:r>
-          </a:p>
-          <a:p>
-            <a:r>
-              <a:rPr lang="en-US" sz="1600" dirty="0">
-                <a:solidFill>
-                  <a:srgbClr val="000000"/>
-                </a:solidFill>
-                <a:latin typeface="Cascadia Mono" panose="020B0609020000020004" pitchFamily="49" charset="0"/>
-              </a:rPr>
-              <a:t>    }</a:t>
-            </a:r>
-          </a:p>
-          <a:p>
-            <a:endParaRPr lang="en-US" dirty="0"/>
+          <a:bodyPr/>
+          <a:lstStyle/>
+          <a:p>
+            <a:r>
+              <a:rPr lang="en-US" dirty="0"/>
+              <a:t>Cache stampede</a:t>
+            </a:r>
           </a:p>
         </p:txBody>
       </p:sp>
     </p:spTree>
     <p:extLst>
       <p:ext uri="{BB962C8B-B14F-4D97-AF65-F5344CB8AC3E}">
-        <p14:creationId xmlns:p14="http://schemas.microsoft.com/office/powerpoint/2010/main" val="2753430410"/>
+        <p14:creationId xmlns:p14="http://schemas.microsoft.com/office/powerpoint/2010/main" val="2811030322"/>
       </p:ext>
     </p:extLst>
   </p:cSld>
@@ -6821,8 +6571,12 @@
           <a:p>
             <a:r>
               <a:rPr lang="en-US" dirty="0"/>
-              <a:t>Backplane</a:t>
-            </a:r>
+              <a:t>Fail-Safe</a:t>
+            </a:r>
+            <a:br>
+              <a:rPr lang="en-US" dirty="0"/>
+            </a:br>
+            <a:endParaRPr lang="en-US" dirty="0"/>
           </a:p>
         </p:txBody>
       </p:sp>
@@ -6842,36 +6596,97 @@
             <p:ph idx="1"/>
           </p:nvPr>
         </p:nvSpPr>
-        <p:spPr/>
+        <p:spPr>
+          <a:xfrm>
+            <a:off x="838200" y="1356585"/>
+            <a:ext cx="10515600" cy="4909351"/>
+          </a:xfrm>
+        </p:spPr>
         <p:txBody>
           <a:bodyPr>
             <a:normAutofit/>
           </a:bodyPr>
           <a:lstStyle/>
           <a:p>
-            <a:r>
-              <a:rPr lang="en-US" dirty="0"/>
-              <a:t>Sync values across nodes (in-memory cache) </a:t>
-            </a:r>
-          </a:p>
-          <a:p>
-            <a:r>
-              <a:rPr lang="en-US" dirty="0"/>
-              <a:t>Need Redis for the pub-sub</a:t>
-            </a:r>
-          </a:p>
-          <a:p>
+            <a:pPr lvl="1"/>
+            <a:r>
+              <a:rPr lang="en-US" dirty="0"/>
+              <a:t>Provide expired values if origin fails or takes too long to reply (times out)</a:t>
+            </a:r>
+          </a:p>
+          <a:p>
+            <a:pPr lvl="1"/>
+            <a:r>
+              <a:rPr lang="en-US" dirty="0" err="1"/>
+              <a:t>IsFailSafeEnabled</a:t>
+            </a:r>
+            <a:r>
+              <a:rPr lang="en-US" dirty="0"/>
+              <a:t> </a:t>
+            </a:r>
+          </a:p>
+          <a:p>
+            <a:pPr lvl="1"/>
+            <a:r>
+              <a:rPr lang="en-US" dirty="0" err="1"/>
+              <a:t>FailSafeMaxDuration</a:t>
+            </a:r>
+            <a:r>
+              <a:rPr lang="en-US" dirty="0"/>
+              <a:t> (internally extend the cache duration to this value)</a:t>
+            </a:r>
+          </a:p>
+          <a:p>
+            <a:pPr lvl="1"/>
+            <a:r>
+              <a:rPr lang="en-US" dirty="0" err="1"/>
+              <a:t>FailSafeThrottleDuration</a:t>
+            </a:r>
             <a:endParaRPr lang="en-US" dirty="0"/>
           </a:p>
           <a:p>
-            <a:endParaRPr lang="en-US" dirty="0"/>
+            <a:pPr lvl="1"/>
+            <a:r>
+              <a:rPr lang="en-US" dirty="0" err="1"/>
+              <a:t>FactorySoftTimeout</a:t>
+            </a:r>
+            <a:r>
+              <a:rPr lang="en-US" dirty="0"/>
+              <a:t>: (apply when failsafe is true only) will return expired entry (if any) if factory takes longer than this value </a:t>
+            </a:r>
+          </a:p>
+          <a:p>
+            <a:pPr lvl="1"/>
+            <a:r>
+              <a:rPr lang="en-US" dirty="0" err="1"/>
+              <a:t>FailSafe</a:t>
+            </a:r>
+            <a:r>
+              <a:rPr lang="en-US" dirty="0"/>
+              <a:t> Default Value is specified </a:t>
+            </a:r>
+          </a:p>
+          <a:p>
+            <a:pPr lvl="2"/>
+            <a:r>
+              <a:rPr lang="en-US" sz="2400" dirty="0"/>
+              <a:t>Returns the default if no value is present in the internal cache and (</a:t>
+            </a:r>
+            <a:r>
+              <a:rPr lang="en-US" sz="2400" dirty="0" err="1"/>
+              <a:t>FactoryHardTimeout</a:t>
+            </a:r>
+            <a:r>
+              <a:rPr lang="en-US" sz="2400" dirty="0"/>
+              <a:t> has passed, or an exception is thrown in the factory) </a:t>
+            </a:r>
           </a:p>
         </p:txBody>
       </p:sp>
     </p:spTree>
     <p:extLst>
       <p:ext uri="{BB962C8B-B14F-4D97-AF65-F5344CB8AC3E}">
-        <p14:creationId xmlns:p14="http://schemas.microsoft.com/office/powerpoint/2010/main" val="3582380574"/>
+        <p14:creationId xmlns:p14="http://schemas.microsoft.com/office/powerpoint/2010/main" val="3492176054"/>
       </p:ext>
     </p:extLst>
   </p:cSld>
@@ -6903,7 +6718,7 @@
           <p:cNvPr id="2" name="Title 1">
             <a:extLst>
               <a:ext uri="{FF2B5EF4-FFF2-40B4-BE49-F238E27FC236}">
-                <a16:creationId xmlns:a16="http://schemas.microsoft.com/office/drawing/2014/main" id="{DEC2DADE-FA92-A304-D559-D197F850CC0B}"/>
+                <a16:creationId xmlns:a16="http://schemas.microsoft.com/office/drawing/2014/main" id="{6DA7CF98-B5C3-6707-D594-BAB3B1E1E832}"/>
               </a:ext>
             </a:extLst>
           </p:cNvPr>
@@ -6921,7 +6736,7 @@
           <a:p>
             <a:r>
               <a:rPr lang="en-US" dirty="0"/>
-              <a:t>Plugins</a:t>
+              <a:t>DEMO</a:t>
             </a:r>
           </a:p>
         </p:txBody>
@@ -6931,7 +6746,7 @@
           <p:cNvPr id="3" name="Content Placeholder 2">
             <a:extLst>
               <a:ext uri="{FF2B5EF4-FFF2-40B4-BE49-F238E27FC236}">
-                <a16:creationId xmlns:a16="http://schemas.microsoft.com/office/drawing/2014/main" id="{E06809C9-DCCC-61BB-9AED-AAEF6DBE8B71}"/>
+                <a16:creationId xmlns:a16="http://schemas.microsoft.com/office/drawing/2014/main" id="{4EE2669E-596B-E86E-E0E5-C04B6F827164}"/>
               </a:ext>
             </a:extLst>
           </p:cNvPr>
@@ -6942,84 +6757,30 @@
             <p:ph idx="1"/>
           </p:nvPr>
         </p:nvSpPr>
-        <p:spPr>
-          <a:xfrm>
-            <a:off x="838200" y="1407381"/>
-            <a:ext cx="10515600" cy="4769582"/>
-          </a:xfrm>
-        </p:spPr>
+        <p:spPr/>
         <p:txBody>
           <a:bodyPr>
-            <a:normAutofit lnSpcReduction="10000"/>
+            <a:normAutofit/>
           </a:bodyPr>
           <a:lstStyle/>
           <a:p>
-            <a:endParaRPr lang="en-US" dirty="0">
-              <a:solidFill>
-                <a:srgbClr val="FF0000"/>
-              </a:solidFill>
-            </a:endParaRPr>
-          </a:p>
-          <a:p>
-            <a:r>
-              <a:rPr lang="en-US" sz="3000" dirty="0"/>
-              <a:t>Listen to events</a:t>
-            </a:r>
-          </a:p>
-          <a:p>
-            <a:pPr lvl="1"/>
-            <a:r>
-              <a:rPr lang="en-US" sz="2600" dirty="0"/>
-              <a:t>Hit: when a value was in the cache (there's also a flag to indicate if the data was stale or not)</a:t>
-            </a:r>
-          </a:p>
-          <a:p>
-            <a:pPr lvl="1"/>
-            <a:r>
-              <a:rPr lang="en-US" sz="2600" dirty="0"/>
-              <a:t>Miss: when a value was not in the cache</a:t>
-            </a:r>
-          </a:p>
-          <a:p>
-            <a:pPr lvl="1"/>
-            <a:r>
-              <a:rPr lang="en-US" sz="2600" dirty="0"/>
-              <a:t>Remove: when an entry has been removed</a:t>
-            </a:r>
-          </a:p>
-          <a:p>
-            <a:pPr lvl="1"/>
-            <a:r>
-              <a:rPr lang="en-US" sz="2600" dirty="0"/>
-              <a:t>Eviction: when an eviction occurred, along with the reason (only for the memory level)</a:t>
-            </a:r>
-          </a:p>
-          <a:p>
-            <a:pPr lvl="1"/>
-            <a:r>
-              <a:rPr lang="en-US" sz="2600" dirty="0" err="1"/>
-              <a:t>FailSafeActivation</a:t>
-            </a:r>
-            <a:r>
-              <a:rPr lang="en-US" sz="2600" dirty="0"/>
-              <a:t>: when the fail-safe mechanism kicked in</a:t>
-            </a:r>
-          </a:p>
-          <a:p>
-            <a:endParaRPr lang="en-US" sz="3000" dirty="0"/>
-          </a:p>
-          <a:p>
-            <a:r>
-              <a:rPr lang="en-US" sz="3000" dirty="0"/>
-              <a:t>Run in background </a:t>
-            </a:r>
+            <a:r>
+              <a:rPr lang="en-US" dirty="0"/>
+              <a:t>Fail Safe</a:t>
+            </a:r>
+          </a:p>
+          <a:p>
+            <a:endParaRPr lang="en-US" dirty="0"/>
+          </a:p>
+          <a:p>
+            <a:endParaRPr lang="en-US" dirty="0"/>
           </a:p>
         </p:txBody>
       </p:sp>
     </p:spTree>
     <p:extLst>
       <p:ext uri="{BB962C8B-B14F-4D97-AF65-F5344CB8AC3E}">
-        <p14:creationId xmlns:p14="http://schemas.microsoft.com/office/powerpoint/2010/main" val="3045623098"/>
+        <p14:creationId xmlns:p14="http://schemas.microsoft.com/office/powerpoint/2010/main" val="1560423962"/>
       </p:ext>
     </p:extLst>
   </p:cSld>
@@ -7048,7 +6809,13 @@
       </p:grpSpPr>
       <p:sp>
         <p:nvSpPr>
-          <p:cNvPr id="2" name="Titolo 1"/>
+          <p:cNvPr id="2" name="Title 1">
+            <a:extLst>
+              <a:ext uri="{FF2B5EF4-FFF2-40B4-BE49-F238E27FC236}">
+                <a16:creationId xmlns:a16="http://schemas.microsoft.com/office/drawing/2014/main" id="{6DA7CF98-B5C3-6707-D594-BAB3B1E1E832}"/>
+              </a:ext>
+            </a:extLst>
+          </p:cNvPr>
           <p:cNvSpPr>
             <a:spLocks noGrp="1"/>
           </p:cNvSpPr>
@@ -7063,15 +6830,20 @@
           <a:p>
             <a:r>
               <a:rPr lang="en-US" dirty="0"/>
-              <a:t>Plugins</a:t>
-            </a:r>
-            <a:endParaRPr lang="it-IT" dirty="0"/>
-          </a:p>
-        </p:txBody>
-      </p:sp>
-      <p:sp>
-        <p:nvSpPr>
-          <p:cNvPr id="3" name="Segnaposto contenuto 2"/>
+              <a:t>Named caches</a:t>
+            </a:r>
+          </a:p>
+        </p:txBody>
+      </p:sp>
+      <p:sp>
+        <p:nvSpPr>
+          <p:cNvPr id="3" name="Content Placeholder 2">
+            <a:extLst>
+              <a:ext uri="{FF2B5EF4-FFF2-40B4-BE49-F238E27FC236}">
+                <a16:creationId xmlns:a16="http://schemas.microsoft.com/office/drawing/2014/main" id="{4EE2669E-596B-E86E-E0E5-C04B6F827164}"/>
+              </a:ext>
+            </a:extLst>
+          </p:cNvPr>
           <p:cNvSpPr>
             <a:spLocks noGrp="1"/>
           </p:cNvSpPr>
@@ -7086,128 +6858,221 @@
           </a:bodyPr>
           <a:lstStyle/>
           <a:p>
-            <a:endParaRPr lang="en-US" sz="3000" dirty="0"/>
-          </a:p>
-          <a:p>
-            <a:r>
-              <a:rPr lang="en-US" sz="3000" dirty="0"/>
-              <a:t>Implement </a:t>
-            </a:r>
-            <a:r>
-              <a:rPr lang="en-US" sz="3000" dirty="0" err="1"/>
-              <a:t>IFusionCachePlugin</a:t>
-            </a:r>
-            <a:endParaRPr lang="en-US" sz="3000" dirty="0"/>
-          </a:p>
-          <a:p>
-            <a:pPr lvl="1"/>
-            <a:r>
-              <a:rPr lang="en-US" sz="2600" dirty="0"/>
-              <a:t>Start and Stop methods</a:t>
-            </a:r>
-          </a:p>
-          <a:p>
-            <a:endParaRPr lang="en-US" sz="3000" dirty="0"/>
-          </a:p>
-          <a:p>
-            <a:pPr marL="0" indent="0">
-              <a:buNone/>
-            </a:pPr>
-            <a:r>
-              <a:rPr lang="en-US" sz="2400" dirty="0" err="1"/>
-              <a:t>services.AddTransient</a:t>
-            </a:r>
-            <a:r>
-              <a:rPr lang="en-US" sz="2400" dirty="0"/>
-              <a:t>&lt;</a:t>
-            </a:r>
-            <a:r>
-              <a:rPr lang="en-US" sz="2400" dirty="0" err="1"/>
-              <a:t>IFusionCachePlugin</a:t>
-            </a:r>
-            <a:r>
-              <a:rPr lang="en-US" sz="2400" dirty="0"/>
-              <a:t>, </a:t>
-            </a:r>
-            <a:r>
-              <a:rPr lang="en-US" sz="2400" dirty="0" err="1"/>
-              <a:t>MyFirstPlugin</a:t>
-            </a:r>
-            <a:r>
-              <a:rPr lang="en-US" sz="2400" dirty="0"/>
-              <a:t>&gt;();</a:t>
-            </a:r>
-          </a:p>
-          <a:p>
-            <a:pPr marL="0" indent="0">
-              <a:buNone/>
-            </a:pPr>
-            <a:r>
-              <a:rPr lang="en-US" sz="2400" dirty="0" err="1"/>
-              <a:t>services.AddTransient</a:t>
-            </a:r>
-            <a:r>
-              <a:rPr lang="en-US" sz="2400" dirty="0"/>
-              <a:t>&lt;</a:t>
-            </a:r>
-            <a:r>
-              <a:rPr lang="en-US" sz="2400" dirty="0" err="1"/>
-              <a:t>IFusionCachePlugin</a:t>
-            </a:r>
-            <a:r>
-              <a:rPr lang="en-US" sz="2400" dirty="0"/>
-              <a:t>, </a:t>
-            </a:r>
-            <a:r>
-              <a:rPr lang="en-US" sz="2400" dirty="0" err="1"/>
-              <a:t>MySecondPlugin</a:t>
-            </a:r>
-            <a:r>
-              <a:rPr lang="en-US" sz="2400" dirty="0"/>
-              <a:t>&gt;();</a:t>
-            </a:r>
-          </a:p>
-          <a:p>
-            <a:pPr marL="0" indent="0">
-              <a:buNone/>
-            </a:pPr>
-            <a:r>
-              <a:rPr lang="en-US" sz="2400" dirty="0" err="1"/>
+            <a:endParaRPr lang="en-US" dirty="0"/>
+          </a:p>
+        </p:txBody>
+      </p:sp>
+      <p:sp>
+        <p:nvSpPr>
+          <p:cNvPr id="4" name="TextBox 3">
+            <a:extLst>
+              <a:ext uri="{FF2B5EF4-FFF2-40B4-BE49-F238E27FC236}">
+                <a16:creationId xmlns:a16="http://schemas.microsoft.com/office/drawing/2014/main" id="{762E7DA3-44D7-43E5-7A5B-C029F065E7C4}"/>
+              </a:ext>
+            </a:extLst>
+          </p:cNvPr>
+          <p:cNvSpPr txBox="1"/>
+          <p:nvPr/>
+        </p:nvSpPr>
+        <p:spPr>
+          <a:xfrm>
+            <a:off x="1033670" y="2969812"/>
+            <a:ext cx="9891422" cy="2339102"/>
+          </a:xfrm>
+          <a:prstGeom prst="rect">
+            <a:avLst/>
+          </a:prstGeom>
+          <a:noFill/>
+        </p:spPr>
+        <p:txBody>
+          <a:bodyPr wrap="square" rtlCol="0">
+            <a:spAutoFit/>
+          </a:bodyPr>
+          <a:lstStyle/>
+          <a:p>
+            <a:r>
+              <a:rPr lang="en-US" sz="1600" dirty="0">
+                <a:solidFill>
+                  <a:srgbClr val="000000"/>
+                </a:solidFill>
+                <a:latin typeface="Cascadia Mono" panose="020B0609020000020004" pitchFamily="49" charset="0"/>
+              </a:rPr>
+              <a:t>// startup </a:t>
+            </a:r>
+            <a:br>
+              <a:rPr lang="en-US" sz="1600" dirty="0">
+                <a:solidFill>
+                  <a:srgbClr val="000000"/>
+                </a:solidFill>
+                <a:latin typeface="Cascadia Mono" panose="020B0609020000020004" pitchFamily="49" charset="0"/>
+              </a:rPr>
+            </a:br>
+            <a:r>
+              <a:rPr lang="en-US" sz="1600" dirty="0" err="1">
+                <a:solidFill>
+                  <a:srgbClr val="000000"/>
+                </a:solidFill>
+                <a:latin typeface="Cascadia Mono" panose="020B0609020000020004" pitchFamily="49" charset="0"/>
+              </a:rPr>
               <a:t>services.AddFusionCache</a:t>
             </a:r>
             <a:r>
-              <a:rPr lang="en-US" sz="2400" dirty="0"/>
-              <a:t>().</a:t>
-            </a:r>
-            <a:r>
-              <a:rPr lang="en-US" sz="2400" dirty="0" err="1"/>
-              <a:t>WithAllRegisteredPlugins</a:t>
-            </a:r>
-            <a:r>
-              <a:rPr lang="en-US" sz="2400" dirty="0"/>
-              <a:t>();</a:t>
-            </a:r>
-          </a:p>
-          <a:p>
-            <a:endParaRPr lang="en-US" sz="1200" dirty="0">
+              <a:rPr lang="en-US" sz="1600" dirty="0">
+                <a:solidFill>
+                  <a:srgbClr val="000000"/>
+                </a:solidFill>
+                <a:latin typeface="Cascadia Mono" panose="020B0609020000020004" pitchFamily="49" charset="0"/>
+              </a:rPr>
+              <a:t>("Products");</a:t>
+            </a:r>
+            <a:br>
+              <a:rPr lang="en-US" sz="1600" dirty="0">
+                <a:solidFill>
+                  <a:srgbClr val="000000"/>
+                </a:solidFill>
+                <a:latin typeface="Cascadia Mono" panose="020B0609020000020004" pitchFamily="49" charset="0"/>
+              </a:rPr>
+            </a:br>
+            <a:endParaRPr lang="en-US" sz="1600" dirty="0">
               <a:solidFill>
-                <a:srgbClr val="FF0000"/>
+                <a:srgbClr val="000000"/>
               </a:solidFill>
+              <a:latin typeface="Cascadia Mono" panose="020B0609020000020004" pitchFamily="49" charset="0"/>
             </a:endParaRPr>
           </a:p>
           <a:p>
-            <a:endParaRPr lang="it-IT" dirty="0">
+            <a:endParaRPr lang="en-US" sz="1600" dirty="0">
               <a:solidFill>
-                <a:srgbClr val="FF0000"/>
+                <a:srgbClr val="000000"/>
               </a:solidFill>
+              <a:latin typeface="Cascadia Mono" panose="020B0609020000020004" pitchFamily="49" charset="0"/>
             </a:endParaRPr>
+          </a:p>
+          <a:p>
+            <a:r>
+              <a:rPr lang="en-US" sz="1600" dirty="0">
+                <a:solidFill>
+                  <a:srgbClr val="000000"/>
+                </a:solidFill>
+                <a:latin typeface="Cascadia Mono" panose="020B0609020000020004" pitchFamily="49" charset="0"/>
+              </a:rPr>
+              <a:t>public </a:t>
+            </a:r>
+            <a:r>
+              <a:rPr lang="en-US" sz="1600" dirty="0" err="1">
+                <a:solidFill>
+                  <a:srgbClr val="000000"/>
+                </a:solidFill>
+                <a:latin typeface="Cascadia Mono" panose="020B0609020000020004" pitchFamily="49" charset="0"/>
+              </a:rPr>
+              <a:t>MyController</a:t>
+            </a:r>
+            <a:r>
+              <a:rPr lang="en-US" sz="1600" dirty="0">
+                <a:solidFill>
+                  <a:srgbClr val="000000"/>
+                </a:solidFill>
+                <a:latin typeface="Cascadia Mono" panose="020B0609020000020004" pitchFamily="49" charset="0"/>
+              </a:rPr>
+              <a:t>(</a:t>
+            </a:r>
+            <a:r>
+              <a:rPr lang="en-US" sz="1600" dirty="0" err="1">
+                <a:solidFill>
+                  <a:srgbClr val="000000"/>
+                </a:solidFill>
+                <a:latin typeface="Cascadia Mono" panose="020B0609020000020004" pitchFamily="49" charset="0"/>
+              </a:rPr>
+              <a:t>IFusionCacheProvider</a:t>
+            </a:r>
+            <a:r>
+              <a:rPr lang="en-US" sz="1600" dirty="0">
+                <a:solidFill>
+                  <a:srgbClr val="000000"/>
+                </a:solidFill>
+                <a:latin typeface="Cascadia Mono" panose="020B0609020000020004" pitchFamily="49" charset="0"/>
+              </a:rPr>
+              <a:t> </a:t>
+            </a:r>
+            <a:r>
+              <a:rPr lang="en-US" sz="1600" dirty="0" err="1">
+                <a:solidFill>
+                  <a:srgbClr val="000000"/>
+                </a:solidFill>
+                <a:latin typeface="Cascadia Mono" panose="020B0609020000020004" pitchFamily="49" charset="0"/>
+              </a:rPr>
+              <a:t>cacheProvider</a:t>
+            </a:r>
+            <a:r>
+              <a:rPr lang="en-US" sz="1600" dirty="0">
+                <a:solidFill>
+                  <a:srgbClr val="000000"/>
+                </a:solidFill>
+                <a:latin typeface="Cascadia Mono" panose="020B0609020000020004" pitchFamily="49" charset="0"/>
+              </a:rPr>
+              <a:t>)</a:t>
+            </a:r>
+          </a:p>
+          <a:p>
+            <a:r>
+              <a:rPr lang="en-US" sz="1600" dirty="0">
+                <a:solidFill>
+                  <a:srgbClr val="000000"/>
+                </a:solidFill>
+                <a:latin typeface="Cascadia Mono" panose="020B0609020000020004" pitchFamily="49" charset="0"/>
+              </a:rPr>
+              <a:t>    {</a:t>
+            </a:r>
+          </a:p>
+          <a:p>
+            <a:r>
+              <a:rPr lang="en-US" sz="1600" dirty="0">
+                <a:solidFill>
+                  <a:srgbClr val="000000"/>
+                </a:solidFill>
+                <a:latin typeface="Cascadia Mono" panose="020B0609020000020004" pitchFamily="49" charset="0"/>
+              </a:rPr>
+              <a:t>        _cache = </a:t>
+            </a:r>
+            <a:r>
+              <a:rPr lang="en-US" sz="1600" dirty="0" err="1">
+                <a:solidFill>
+                  <a:srgbClr val="000000"/>
+                </a:solidFill>
+                <a:latin typeface="Cascadia Mono" panose="020B0609020000020004" pitchFamily="49" charset="0"/>
+              </a:rPr>
+              <a:t>cacheProvider.GetCache</a:t>
+            </a:r>
+            <a:r>
+              <a:rPr lang="en-US" sz="1600" dirty="0">
+                <a:solidFill>
+                  <a:srgbClr val="000000"/>
+                </a:solidFill>
+                <a:latin typeface="Cascadia Mono" panose="020B0609020000020004" pitchFamily="49" charset="0"/>
+              </a:rPr>
+              <a:t>("Products");</a:t>
+            </a:r>
+          </a:p>
+          <a:p>
+            <a:r>
+              <a:rPr lang="en-US" sz="1600" dirty="0">
+                <a:solidFill>
+                  <a:srgbClr val="000000"/>
+                </a:solidFill>
+                <a:latin typeface="Cascadia Mono" panose="020B0609020000020004" pitchFamily="49" charset="0"/>
+              </a:rPr>
+              <a:t>    }</a:t>
+            </a:r>
+          </a:p>
+          <a:p>
+            <a:endParaRPr lang="en-US" dirty="0"/>
           </a:p>
         </p:txBody>
       </p:sp>
     </p:spTree>
     <p:extLst>
       <p:ext uri="{BB962C8B-B14F-4D97-AF65-F5344CB8AC3E}">
-        <p14:creationId xmlns:p14="http://schemas.microsoft.com/office/powerpoint/2010/main" val="3607747073"/>
+        <p14:creationId xmlns:p14="http://schemas.microsoft.com/office/powerpoint/2010/main" val="2753430410"/>
       </p:ext>
     </p:extLst>
   </p:cSld>
@@ -7239,7 +7104,7 @@
           <p:cNvPr id="2" name="Title 1">
             <a:extLst>
               <a:ext uri="{FF2B5EF4-FFF2-40B4-BE49-F238E27FC236}">
-                <a16:creationId xmlns:a16="http://schemas.microsoft.com/office/drawing/2014/main" id="{EC0D4DFE-6717-19BA-593B-5E6B41260D62}"/>
+                <a16:creationId xmlns:a16="http://schemas.microsoft.com/office/drawing/2014/main" id="{6DA7CF98-B5C3-6707-D594-BAB3B1E1E832}"/>
               </a:ext>
             </a:extLst>
           </p:cNvPr>
@@ -7256,8 +7121,8 @@
           <a:lstStyle/>
           <a:p>
             <a:r>
-              <a:rPr lang="en-US"/>
-              <a:t>Emulator</a:t>
+              <a:rPr lang="en-US" dirty="0"/>
+              <a:t>Backplane</a:t>
             </a:r>
           </a:p>
         </p:txBody>
@@ -7267,7 +7132,7 @@
           <p:cNvPr id="3" name="Content Placeholder 2">
             <a:extLst>
               <a:ext uri="{FF2B5EF4-FFF2-40B4-BE49-F238E27FC236}">
-                <a16:creationId xmlns:a16="http://schemas.microsoft.com/office/drawing/2014/main" id="{354A4453-8CC7-7BCA-24B1-1A5CD54393FA}"/>
+                <a16:creationId xmlns:a16="http://schemas.microsoft.com/office/drawing/2014/main" id="{4EE2669E-596B-E86E-E0E5-C04B6F827164}"/>
               </a:ext>
             </a:extLst>
           </p:cNvPr>
@@ -7280,17 +7145,268 @@
         </p:nvSpPr>
         <p:spPr/>
         <p:txBody>
-          <a:bodyPr/>
-          <a:lstStyle/>
-          <a:p>
-            <a:endParaRPr lang="en-US"/>
+          <a:bodyPr>
+            <a:normAutofit/>
+          </a:bodyPr>
+          <a:lstStyle/>
+          <a:p>
+            <a:r>
+              <a:rPr lang="en-US" dirty="0"/>
+              <a:t>Sync values across nodes (in-memory cache) </a:t>
+            </a:r>
+          </a:p>
+          <a:p>
+            <a:r>
+              <a:rPr lang="en-US" dirty="0"/>
+              <a:t>Need Redis for the pub-sub</a:t>
+            </a:r>
+          </a:p>
+          <a:p>
+            <a:endParaRPr lang="en-US" dirty="0"/>
+          </a:p>
+          <a:p>
+            <a:endParaRPr lang="en-US" dirty="0"/>
           </a:p>
         </p:txBody>
       </p:sp>
     </p:spTree>
     <p:extLst>
       <p:ext uri="{BB962C8B-B14F-4D97-AF65-F5344CB8AC3E}">
-        <p14:creationId xmlns:p14="http://schemas.microsoft.com/office/powerpoint/2010/main" val="1670369749"/>
+        <p14:creationId xmlns:p14="http://schemas.microsoft.com/office/powerpoint/2010/main" val="3582380574"/>
+      </p:ext>
+    </p:extLst>
+  </p:cSld>
+  <p:clrMapOvr>
+    <a:masterClrMapping/>
+  </p:clrMapOvr>
+</p:sld>
+</file>
+
+<file path=ppt/slides/slide28.xml><?xml version="1.0" encoding="utf-8"?>
+<p:sld xmlns:a="http://schemas.openxmlformats.org/drawingml/2006/main" xmlns:r="http://schemas.openxmlformats.org/officeDocument/2006/relationships" xmlns:p="http://schemas.openxmlformats.org/presentationml/2006/main">
+  <p:cSld>
+    <p:spTree>
+      <p:nvGrpSpPr>
+        <p:cNvPr id="1" name=""/>
+        <p:cNvGrpSpPr/>
+        <p:nvPr/>
+      </p:nvGrpSpPr>
+      <p:grpSpPr>
+        <a:xfrm>
+          <a:off x="0" y="0"/>
+          <a:ext cx="0" cy="0"/>
+          <a:chOff x="0" y="0"/>
+          <a:chExt cx="0" cy="0"/>
+        </a:xfrm>
+      </p:grpSpPr>
+      <p:sp>
+        <p:nvSpPr>
+          <p:cNvPr id="2" name="Title 1">
+            <a:extLst>
+              <a:ext uri="{FF2B5EF4-FFF2-40B4-BE49-F238E27FC236}">
+                <a16:creationId xmlns:a16="http://schemas.microsoft.com/office/drawing/2014/main" id="{5D283DDB-5E70-BE28-3EED-6919897DDC78}"/>
+              </a:ext>
+            </a:extLst>
+          </p:cNvPr>
+          <p:cNvSpPr>
+            <a:spLocks noGrp="1"/>
+          </p:cNvSpPr>
+          <p:nvPr>
+            <p:ph type="title"/>
+          </p:nvPr>
+        </p:nvSpPr>
+        <p:spPr/>
+        <p:txBody>
+          <a:bodyPr/>
+          <a:lstStyle/>
+          <a:p>
+            <a:r>
+              <a:rPr lang="en-US" dirty="0"/>
+              <a:t>DEMO</a:t>
+            </a:r>
+          </a:p>
+        </p:txBody>
+      </p:sp>
+      <p:sp>
+        <p:nvSpPr>
+          <p:cNvPr id="3" name="Content Placeholder 2">
+            <a:extLst>
+              <a:ext uri="{FF2B5EF4-FFF2-40B4-BE49-F238E27FC236}">
+                <a16:creationId xmlns:a16="http://schemas.microsoft.com/office/drawing/2014/main" id="{62AD2CCB-A577-86B2-F813-24213EB4A9C6}"/>
+              </a:ext>
+            </a:extLst>
+          </p:cNvPr>
+          <p:cNvSpPr>
+            <a:spLocks noGrp="1"/>
+          </p:cNvSpPr>
+          <p:nvPr>
+            <p:ph idx="1"/>
+          </p:nvPr>
+        </p:nvSpPr>
+        <p:spPr/>
+        <p:txBody>
+          <a:bodyPr/>
+          <a:lstStyle/>
+          <a:p>
+            <a:r>
+              <a:rPr lang="en-US" dirty="0"/>
+              <a:t>Back Plane</a:t>
+            </a:r>
+          </a:p>
+        </p:txBody>
+      </p:sp>
+    </p:spTree>
+    <p:extLst>
+      <p:ext uri="{BB962C8B-B14F-4D97-AF65-F5344CB8AC3E}">
+        <p14:creationId xmlns:p14="http://schemas.microsoft.com/office/powerpoint/2010/main" val="1685287679"/>
+      </p:ext>
+    </p:extLst>
+  </p:cSld>
+  <p:clrMapOvr>
+    <a:masterClrMapping/>
+  </p:clrMapOvr>
+</p:sld>
+</file>
+
+<file path=ppt/slides/slide29.xml><?xml version="1.0" encoding="utf-8"?>
+<p:sld xmlns:a="http://schemas.openxmlformats.org/drawingml/2006/main" xmlns:r="http://schemas.openxmlformats.org/officeDocument/2006/relationships" xmlns:p="http://schemas.openxmlformats.org/presentationml/2006/main">
+  <p:cSld>
+    <p:spTree>
+      <p:nvGrpSpPr>
+        <p:cNvPr id="1" name=""/>
+        <p:cNvGrpSpPr/>
+        <p:nvPr/>
+      </p:nvGrpSpPr>
+      <p:grpSpPr>
+        <a:xfrm>
+          <a:off x="0" y="0"/>
+          <a:ext cx="0" cy="0"/>
+          <a:chOff x="0" y="0"/>
+          <a:chExt cx="0" cy="0"/>
+        </a:xfrm>
+      </p:grpSpPr>
+      <p:sp>
+        <p:nvSpPr>
+          <p:cNvPr id="2" name="Title 1">
+            <a:extLst>
+              <a:ext uri="{FF2B5EF4-FFF2-40B4-BE49-F238E27FC236}">
+                <a16:creationId xmlns:a16="http://schemas.microsoft.com/office/drawing/2014/main" id="{DEC2DADE-FA92-A304-D559-D197F850CC0B}"/>
+              </a:ext>
+            </a:extLst>
+          </p:cNvPr>
+          <p:cNvSpPr>
+            <a:spLocks noGrp="1"/>
+          </p:cNvSpPr>
+          <p:nvPr>
+            <p:ph type="title"/>
+          </p:nvPr>
+        </p:nvSpPr>
+        <p:spPr/>
+        <p:txBody>
+          <a:bodyPr/>
+          <a:lstStyle/>
+          <a:p>
+            <a:r>
+              <a:rPr lang="en-US" dirty="0"/>
+              <a:t>Plugins</a:t>
+            </a:r>
+          </a:p>
+        </p:txBody>
+      </p:sp>
+      <p:sp>
+        <p:nvSpPr>
+          <p:cNvPr id="3" name="Content Placeholder 2">
+            <a:extLst>
+              <a:ext uri="{FF2B5EF4-FFF2-40B4-BE49-F238E27FC236}">
+                <a16:creationId xmlns:a16="http://schemas.microsoft.com/office/drawing/2014/main" id="{E06809C9-DCCC-61BB-9AED-AAEF6DBE8B71}"/>
+              </a:ext>
+            </a:extLst>
+          </p:cNvPr>
+          <p:cNvSpPr>
+            <a:spLocks noGrp="1"/>
+          </p:cNvSpPr>
+          <p:nvPr>
+            <p:ph idx="1"/>
+          </p:nvPr>
+        </p:nvSpPr>
+        <p:spPr>
+          <a:xfrm>
+            <a:off x="838200" y="1407381"/>
+            <a:ext cx="10515600" cy="4769582"/>
+          </a:xfrm>
+        </p:spPr>
+        <p:txBody>
+          <a:bodyPr>
+            <a:normAutofit lnSpcReduction="10000"/>
+          </a:bodyPr>
+          <a:lstStyle/>
+          <a:p>
+            <a:endParaRPr lang="en-US" dirty="0">
+              <a:solidFill>
+                <a:srgbClr val="FF0000"/>
+              </a:solidFill>
+            </a:endParaRPr>
+          </a:p>
+          <a:p>
+            <a:r>
+              <a:rPr lang="en-US" sz="3000" dirty="0"/>
+              <a:t>Listen to events</a:t>
+            </a:r>
+          </a:p>
+          <a:p>
+            <a:pPr lvl="1"/>
+            <a:r>
+              <a:rPr lang="en-US" sz="2600" dirty="0"/>
+              <a:t>Hit: when a value was in the cache (there's also a flag to indicate if the data was stale or not)</a:t>
+            </a:r>
+          </a:p>
+          <a:p>
+            <a:pPr lvl="1"/>
+            <a:r>
+              <a:rPr lang="en-US" sz="2600" dirty="0"/>
+              <a:t>Miss: when a value was not in the cache</a:t>
+            </a:r>
+          </a:p>
+          <a:p>
+            <a:pPr lvl="1"/>
+            <a:r>
+              <a:rPr lang="en-US" sz="2600" dirty="0"/>
+              <a:t>Remove: when an entry has been removed</a:t>
+            </a:r>
+          </a:p>
+          <a:p>
+            <a:pPr lvl="1"/>
+            <a:r>
+              <a:rPr lang="en-US" sz="2600" dirty="0"/>
+              <a:t>Eviction: when an eviction occurred, along with the reason (only for the memory level)</a:t>
+            </a:r>
+          </a:p>
+          <a:p>
+            <a:pPr lvl="1"/>
+            <a:r>
+              <a:rPr lang="en-US" sz="2600" dirty="0" err="1"/>
+              <a:t>FailSafeActivation</a:t>
+            </a:r>
+            <a:r>
+              <a:rPr lang="en-US" sz="2600" dirty="0"/>
+              <a:t>: when the fail-safe mechanism kicked in</a:t>
+            </a:r>
+          </a:p>
+          <a:p>
+            <a:endParaRPr lang="en-US" sz="3000" dirty="0"/>
+          </a:p>
+          <a:p>
+            <a:r>
+              <a:rPr lang="en-US" sz="3000" dirty="0"/>
+              <a:t>Run in background </a:t>
+            </a:r>
+          </a:p>
+        </p:txBody>
+      </p:sp>
+    </p:spTree>
+    <p:extLst>
+      <p:ext uri="{BB962C8B-B14F-4D97-AF65-F5344CB8AC3E}">
+        <p14:creationId xmlns:p14="http://schemas.microsoft.com/office/powerpoint/2010/main" val="3045623098"/>
       </p:ext>
     </p:extLst>
   </p:cSld>
@@ -8096,10 +8212,394 @@
           </a:prstGeom>
         </p:spPr>
       </p:pic>
+      <p:pic>
+        <p:nvPicPr>
+          <p:cNvPr id="7" name="Picture 6">
+            <a:extLst>
+              <a:ext uri="{FF2B5EF4-FFF2-40B4-BE49-F238E27FC236}">
+                <a16:creationId xmlns:a16="http://schemas.microsoft.com/office/drawing/2014/main" id="{C99FE1D7-2DD1-E161-E3A9-492B2DF9498A}"/>
+              </a:ext>
+            </a:extLst>
+          </p:cNvPr>
+          <p:cNvPicPr>
+            <a:picLocks noChangeAspect="1"/>
+          </p:cNvPicPr>
+          <p:nvPr/>
+        </p:nvPicPr>
+        <p:blipFill>
+          <a:blip r:embed="rId8"/>
+          <a:stretch>
+            <a:fillRect/>
+          </a:stretch>
+        </p:blipFill>
+        <p:spPr>
+          <a:xfrm>
+            <a:off x="846294" y="3554868"/>
+            <a:ext cx="962025" cy="666750"/>
+          </a:xfrm>
+          <a:prstGeom prst="rect">
+            <a:avLst/>
+          </a:prstGeom>
+        </p:spPr>
+      </p:pic>
+      <p:pic>
+        <p:nvPicPr>
+          <p:cNvPr id="10" name="Picture 9">
+            <a:extLst>
+              <a:ext uri="{FF2B5EF4-FFF2-40B4-BE49-F238E27FC236}">
+                <a16:creationId xmlns:a16="http://schemas.microsoft.com/office/drawing/2014/main" id="{BBEF7EB7-6BD2-DD9E-0213-86C6A8C78286}"/>
+              </a:ext>
+            </a:extLst>
+          </p:cNvPr>
+          <p:cNvPicPr>
+            <a:picLocks noChangeAspect="1"/>
+          </p:cNvPicPr>
+          <p:nvPr/>
+        </p:nvPicPr>
+        <p:blipFill>
+          <a:blip r:embed="rId9"/>
+          <a:stretch>
+            <a:fillRect/>
+          </a:stretch>
+        </p:blipFill>
+        <p:spPr>
+          <a:xfrm>
+            <a:off x="7334580" y="3496214"/>
+            <a:ext cx="962025" cy="666750"/>
+          </a:xfrm>
+          <a:prstGeom prst="rect">
+            <a:avLst/>
+          </a:prstGeom>
+        </p:spPr>
+      </p:pic>
     </p:spTree>
     <p:extLst>
       <p:ext uri="{BB962C8B-B14F-4D97-AF65-F5344CB8AC3E}">
         <p14:creationId xmlns:p14="http://schemas.microsoft.com/office/powerpoint/2010/main" val="1591329195"/>
+      </p:ext>
+    </p:extLst>
+  </p:cSld>
+  <p:clrMapOvr>
+    <a:masterClrMapping/>
+  </p:clrMapOvr>
+</p:sld>
+</file>
+
+<file path=ppt/slides/slide30.xml><?xml version="1.0" encoding="utf-8"?>
+<p:sld xmlns:a="http://schemas.openxmlformats.org/drawingml/2006/main" xmlns:r="http://schemas.openxmlformats.org/officeDocument/2006/relationships" xmlns:p="http://schemas.openxmlformats.org/presentationml/2006/main">
+  <p:cSld>
+    <p:spTree>
+      <p:nvGrpSpPr>
+        <p:cNvPr id="1" name=""/>
+        <p:cNvGrpSpPr/>
+        <p:nvPr/>
+      </p:nvGrpSpPr>
+      <p:grpSpPr>
+        <a:xfrm>
+          <a:off x="0" y="0"/>
+          <a:ext cx="0" cy="0"/>
+          <a:chOff x="0" y="0"/>
+          <a:chExt cx="0" cy="0"/>
+        </a:xfrm>
+      </p:grpSpPr>
+      <p:sp>
+        <p:nvSpPr>
+          <p:cNvPr id="2" name="Titolo 1"/>
+          <p:cNvSpPr>
+            <a:spLocks noGrp="1"/>
+          </p:cNvSpPr>
+          <p:nvPr>
+            <p:ph type="title"/>
+          </p:nvPr>
+        </p:nvSpPr>
+        <p:spPr/>
+        <p:txBody>
+          <a:bodyPr/>
+          <a:lstStyle/>
+          <a:p>
+            <a:r>
+              <a:rPr lang="en-US" dirty="0"/>
+              <a:t>Plugins</a:t>
+            </a:r>
+            <a:endParaRPr lang="it-IT" dirty="0"/>
+          </a:p>
+        </p:txBody>
+      </p:sp>
+      <p:sp>
+        <p:nvSpPr>
+          <p:cNvPr id="3" name="Segnaposto contenuto 2"/>
+          <p:cNvSpPr>
+            <a:spLocks noGrp="1"/>
+          </p:cNvSpPr>
+          <p:nvPr>
+            <p:ph idx="1"/>
+          </p:nvPr>
+        </p:nvSpPr>
+        <p:spPr/>
+        <p:txBody>
+          <a:bodyPr>
+            <a:normAutofit/>
+          </a:bodyPr>
+          <a:lstStyle/>
+          <a:p>
+            <a:endParaRPr lang="en-US" sz="3000" dirty="0"/>
+          </a:p>
+          <a:p>
+            <a:r>
+              <a:rPr lang="en-US" sz="3000" dirty="0"/>
+              <a:t>Implement </a:t>
+            </a:r>
+            <a:r>
+              <a:rPr lang="en-US" sz="3000" dirty="0" err="1"/>
+              <a:t>IFusionCachePlugin</a:t>
+            </a:r>
+            <a:endParaRPr lang="en-US" sz="3000" dirty="0"/>
+          </a:p>
+          <a:p>
+            <a:pPr lvl="1"/>
+            <a:r>
+              <a:rPr lang="en-US" sz="2600" dirty="0"/>
+              <a:t>Start and Stop methods</a:t>
+            </a:r>
+          </a:p>
+          <a:p>
+            <a:endParaRPr lang="en-US" sz="3000" dirty="0"/>
+          </a:p>
+          <a:p>
+            <a:pPr marL="0" indent="0">
+              <a:buNone/>
+            </a:pPr>
+            <a:r>
+              <a:rPr lang="en-US" sz="2400" dirty="0" err="1"/>
+              <a:t>services.AddTransient</a:t>
+            </a:r>
+            <a:r>
+              <a:rPr lang="en-US" sz="2400" dirty="0"/>
+              <a:t>&lt;</a:t>
+            </a:r>
+            <a:r>
+              <a:rPr lang="en-US" sz="2400" dirty="0" err="1"/>
+              <a:t>IFusionCachePlugin</a:t>
+            </a:r>
+            <a:r>
+              <a:rPr lang="en-US" sz="2400" dirty="0"/>
+              <a:t>, </a:t>
+            </a:r>
+            <a:r>
+              <a:rPr lang="en-US" sz="2400" dirty="0" err="1"/>
+              <a:t>MyFirstPlugin</a:t>
+            </a:r>
+            <a:r>
+              <a:rPr lang="en-US" sz="2400" dirty="0"/>
+              <a:t>&gt;();</a:t>
+            </a:r>
+          </a:p>
+          <a:p>
+            <a:pPr marL="0" indent="0">
+              <a:buNone/>
+            </a:pPr>
+            <a:r>
+              <a:rPr lang="en-US" sz="2400" dirty="0" err="1"/>
+              <a:t>services.AddTransient</a:t>
+            </a:r>
+            <a:r>
+              <a:rPr lang="en-US" sz="2400" dirty="0"/>
+              <a:t>&lt;</a:t>
+            </a:r>
+            <a:r>
+              <a:rPr lang="en-US" sz="2400" dirty="0" err="1"/>
+              <a:t>IFusionCachePlugin</a:t>
+            </a:r>
+            <a:r>
+              <a:rPr lang="en-US" sz="2400" dirty="0"/>
+              <a:t>, </a:t>
+            </a:r>
+            <a:r>
+              <a:rPr lang="en-US" sz="2400" dirty="0" err="1"/>
+              <a:t>MySecondPlugin</a:t>
+            </a:r>
+            <a:r>
+              <a:rPr lang="en-US" sz="2400" dirty="0"/>
+              <a:t>&gt;();</a:t>
+            </a:r>
+          </a:p>
+          <a:p>
+            <a:pPr marL="0" indent="0">
+              <a:buNone/>
+            </a:pPr>
+            <a:r>
+              <a:rPr lang="en-US" sz="2400" dirty="0" err="1"/>
+              <a:t>services.AddFusionCache</a:t>
+            </a:r>
+            <a:r>
+              <a:rPr lang="en-US" sz="2400" dirty="0"/>
+              <a:t>().</a:t>
+            </a:r>
+            <a:r>
+              <a:rPr lang="en-US" sz="2400" dirty="0" err="1"/>
+              <a:t>WithAllRegisteredPlugins</a:t>
+            </a:r>
+            <a:r>
+              <a:rPr lang="en-US" sz="2400" dirty="0"/>
+              <a:t>();</a:t>
+            </a:r>
+          </a:p>
+          <a:p>
+            <a:endParaRPr lang="en-US" sz="1200" dirty="0">
+              <a:solidFill>
+                <a:srgbClr val="FF0000"/>
+              </a:solidFill>
+            </a:endParaRPr>
+          </a:p>
+          <a:p>
+            <a:endParaRPr lang="it-IT" dirty="0">
+              <a:solidFill>
+                <a:srgbClr val="FF0000"/>
+              </a:solidFill>
+            </a:endParaRPr>
+          </a:p>
+        </p:txBody>
+      </p:sp>
+    </p:spTree>
+    <p:extLst>
+      <p:ext uri="{BB962C8B-B14F-4D97-AF65-F5344CB8AC3E}">
+        <p14:creationId xmlns:p14="http://schemas.microsoft.com/office/powerpoint/2010/main" val="3607747073"/>
+      </p:ext>
+    </p:extLst>
+  </p:cSld>
+  <p:clrMapOvr>
+    <a:masterClrMapping/>
+  </p:clrMapOvr>
+</p:sld>
+</file>
+
+<file path=ppt/slides/slide31.xml><?xml version="1.0" encoding="utf-8"?>
+<p:sld xmlns:a="http://schemas.openxmlformats.org/drawingml/2006/main" xmlns:r="http://schemas.openxmlformats.org/officeDocument/2006/relationships" xmlns:p="http://schemas.openxmlformats.org/presentationml/2006/main">
+  <p:cSld>
+    <p:spTree>
+      <p:nvGrpSpPr>
+        <p:cNvPr id="1" name=""/>
+        <p:cNvGrpSpPr/>
+        <p:nvPr/>
+      </p:nvGrpSpPr>
+      <p:grpSpPr>
+        <a:xfrm>
+          <a:off x="0" y="0"/>
+          <a:ext cx="0" cy="0"/>
+          <a:chOff x="0" y="0"/>
+          <a:chExt cx="0" cy="0"/>
+        </a:xfrm>
+      </p:grpSpPr>
+      <p:sp>
+        <p:nvSpPr>
+          <p:cNvPr id="2" name="Title 1">
+            <a:extLst>
+              <a:ext uri="{FF2B5EF4-FFF2-40B4-BE49-F238E27FC236}">
+                <a16:creationId xmlns:a16="http://schemas.microsoft.com/office/drawing/2014/main" id="{EC0D4DFE-6717-19BA-593B-5E6B41260D62}"/>
+              </a:ext>
+            </a:extLst>
+          </p:cNvPr>
+          <p:cNvSpPr>
+            <a:spLocks noGrp="1"/>
+          </p:cNvSpPr>
+          <p:nvPr>
+            <p:ph type="title"/>
+          </p:nvPr>
+        </p:nvSpPr>
+        <p:spPr/>
+        <p:txBody>
+          <a:bodyPr/>
+          <a:lstStyle/>
+          <a:p>
+            <a:r>
+              <a:rPr lang="en-US"/>
+              <a:t>Emulator</a:t>
+            </a:r>
+          </a:p>
+        </p:txBody>
+      </p:sp>
+      <p:sp>
+        <p:nvSpPr>
+          <p:cNvPr id="3" name="Content Placeholder 2">
+            <a:extLst>
+              <a:ext uri="{FF2B5EF4-FFF2-40B4-BE49-F238E27FC236}">
+                <a16:creationId xmlns:a16="http://schemas.microsoft.com/office/drawing/2014/main" id="{354A4453-8CC7-7BCA-24B1-1A5CD54393FA}"/>
+              </a:ext>
+            </a:extLst>
+          </p:cNvPr>
+          <p:cNvSpPr>
+            <a:spLocks noGrp="1"/>
+          </p:cNvSpPr>
+          <p:nvPr>
+            <p:ph idx="1"/>
+          </p:nvPr>
+        </p:nvSpPr>
+        <p:spPr/>
+        <p:txBody>
+          <a:bodyPr/>
+          <a:lstStyle/>
+          <a:p>
+            <a:r>
+              <a:rPr lang="en-US" dirty="0">
+                <a:hlinkClick r:id="rId2"/>
+              </a:rPr>
+              <a:t>https://github.com/ZiggyCreatures/FusionCache/blob/main/docs/Simulator.md</a:t>
+            </a:r>
+            <a:endParaRPr lang="en-US" dirty="0"/>
+          </a:p>
+          <a:p>
+            <a:r>
+              <a:rPr lang="en-US" dirty="0"/>
+              <a:t>Under test/</a:t>
+            </a:r>
+            <a:r>
+              <a:rPr lang="en-US" dirty="0" err="1"/>
+              <a:t>ZiggyCreatures.FusionCache.Simulator</a:t>
+            </a:r>
+            <a:endParaRPr lang="en-US" dirty="0"/>
+          </a:p>
+        </p:txBody>
+      </p:sp>
+      <p:pic>
+        <p:nvPicPr>
+          <p:cNvPr id="5" name="Picture 4" descr="A screenshot of a computer&#10;&#10;Description automatically generated">
+            <a:extLst>
+              <a:ext uri="{FF2B5EF4-FFF2-40B4-BE49-F238E27FC236}">
+                <a16:creationId xmlns:a16="http://schemas.microsoft.com/office/drawing/2014/main" id="{16DE91E3-EAB0-E97B-EBAE-0E999897264B}"/>
+              </a:ext>
+            </a:extLst>
+          </p:cNvPr>
+          <p:cNvPicPr>
+            <a:picLocks noChangeAspect="1"/>
+          </p:cNvPicPr>
+          <p:nvPr/>
+        </p:nvPicPr>
+        <p:blipFill>
+          <a:blip r:embed="rId3">
+            <a:extLst>
+              <a:ext uri="{28A0092B-C50C-407E-A947-70E740481C1C}">
+                <a14:useLocalDpi xmlns:a14="http://schemas.microsoft.com/office/drawing/2010/main" val="0"/>
+              </a:ext>
+            </a:extLst>
+          </a:blip>
+          <a:stretch>
+            <a:fillRect/>
+          </a:stretch>
+        </p:blipFill>
+        <p:spPr>
+          <a:xfrm>
+            <a:off x="5159952" y="3256423"/>
+            <a:ext cx="6500440" cy="3461617"/>
+          </a:xfrm>
+          <a:prstGeom prst="rect">
+            <a:avLst/>
+          </a:prstGeom>
+        </p:spPr>
+      </p:pic>
+    </p:spTree>
+    <p:extLst>
+      <p:ext uri="{BB962C8B-B14F-4D97-AF65-F5344CB8AC3E}">
+        <p14:creationId xmlns:p14="http://schemas.microsoft.com/office/powerpoint/2010/main" val="1670369749"/>
       </p:ext>
     </p:extLst>
   </p:cSld>
@@ -8845,6 +9345,66 @@
           <a:xfrm>
             <a:off x="3523023" y="5219055"/>
             <a:ext cx="1204153" cy="759376"/>
+          </a:xfrm>
+          <a:prstGeom prst="rect">
+            <a:avLst/>
+          </a:prstGeom>
+        </p:spPr>
+      </p:pic>
+      <p:pic>
+        <p:nvPicPr>
+          <p:cNvPr id="13" name="Picture 12">
+            <a:extLst>
+              <a:ext uri="{FF2B5EF4-FFF2-40B4-BE49-F238E27FC236}">
+                <a16:creationId xmlns:a16="http://schemas.microsoft.com/office/drawing/2014/main" id="{990182C1-3524-9136-1D29-56669515337E}"/>
+              </a:ext>
+            </a:extLst>
+          </p:cNvPr>
+          <p:cNvPicPr>
+            <a:picLocks noChangeAspect="1"/>
+          </p:cNvPicPr>
+          <p:nvPr/>
+        </p:nvPicPr>
+        <p:blipFill>
+          <a:blip r:embed="rId6"/>
+          <a:stretch>
+            <a:fillRect/>
+          </a:stretch>
+        </p:blipFill>
+        <p:spPr>
+          <a:xfrm>
+            <a:off x="2445567" y="3690847"/>
+            <a:ext cx="962025" cy="666750"/>
+          </a:xfrm>
+          <a:prstGeom prst="rect">
+            <a:avLst/>
+          </a:prstGeom>
+        </p:spPr>
+      </p:pic>
+      <p:pic>
+        <p:nvPicPr>
+          <p:cNvPr id="21" name="Picture 20">
+            <a:extLst>
+              <a:ext uri="{FF2B5EF4-FFF2-40B4-BE49-F238E27FC236}">
+                <a16:creationId xmlns:a16="http://schemas.microsoft.com/office/drawing/2014/main" id="{22518791-F892-A03C-5886-74F4D5CC3173}"/>
+              </a:ext>
+            </a:extLst>
+          </p:cNvPr>
+          <p:cNvPicPr>
+            <a:picLocks noChangeAspect="1"/>
+          </p:cNvPicPr>
+          <p:nvPr/>
+        </p:nvPicPr>
+        <p:blipFill>
+          <a:blip r:embed="rId7"/>
+          <a:stretch>
+            <a:fillRect/>
+          </a:stretch>
+        </p:blipFill>
+        <p:spPr>
+          <a:xfrm>
+            <a:off x="8592820" y="3731301"/>
+            <a:ext cx="962025" cy="666750"/>
           </a:xfrm>
           <a:prstGeom prst="rect">
             <a:avLst/>

--- a/cache-like-a-pro.pptx
+++ b/cache-like-a-pro.pptx
@@ -7,40 +7,42 @@
   <p:sldIdLst>
     <p:sldId id="256" r:id="rId2"/>
     <p:sldId id="257" r:id="rId3"/>
-    <p:sldId id="258" r:id="rId4"/>
-    <p:sldId id="295" r:id="rId5"/>
-    <p:sldId id="260" r:id="rId6"/>
-    <p:sldId id="291" r:id="rId7"/>
-    <p:sldId id="293" r:id="rId8"/>
-    <p:sldId id="292" r:id="rId9"/>
-    <p:sldId id="294" r:id="rId10"/>
-    <p:sldId id="283" r:id="rId11"/>
-    <p:sldId id="284" r:id="rId12"/>
-    <p:sldId id="285" r:id="rId13"/>
-    <p:sldId id="270" r:id="rId14"/>
-    <p:sldId id="286" r:id="rId15"/>
-    <p:sldId id="267" r:id="rId16"/>
-    <p:sldId id="259" r:id="rId17"/>
-    <p:sldId id="263" r:id="rId18"/>
-    <p:sldId id="264" r:id="rId19"/>
-    <p:sldId id="265" r:id="rId20"/>
-    <p:sldId id="266" r:id="rId21"/>
-    <p:sldId id="268" r:id="rId22"/>
-    <p:sldId id="272" r:id="rId23"/>
-    <p:sldId id="261" r:id="rId24"/>
-    <p:sldId id="279" r:id="rId25"/>
-    <p:sldId id="277" r:id="rId26"/>
-    <p:sldId id="287" r:id="rId27"/>
-    <p:sldId id="271" r:id="rId28"/>
-    <p:sldId id="288" r:id="rId29"/>
-    <p:sldId id="273" r:id="rId30"/>
-    <p:sldId id="275" r:id="rId31"/>
-    <p:sldId id="278" r:id="rId32"/>
-    <p:sldId id="274" r:id="rId33"/>
-    <p:sldId id="290" r:id="rId34"/>
-    <p:sldId id="280" r:id="rId35"/>
-    <p:sldId id="281" r:id="rId36"/>
-    <p:sldId id="282" r:id="rId37"/>
+    <p:sldId id="295" r:id="rId4"/>
+    <p:sldId id="296" r:id="rId5"/>
+    <p:sldId id="258" r:id="rId6"/>
+    <p:sldId id="260" r:id="rId7"/>
+    <p:sldId id="291" r:id="rId8"/>
+    <p:sldId id="293" r:id="rId9"/>
+    <p:sldId id="292" r:id="rId10"/>
+    <p:sldId id="294" r:id="rId11"/>
+    <p:sldId id="283" r:id="rId12"/>
+    <p:sldId id="284" r:id="rId13"/>
+    <p:sldId id="285" r:id="rId14"/>
+    <p:sldId id="270" r:id="rId15"/>
+    <p:sldId id="286" r:id="rId16"/>
+    <p:sldId id="267" r:id="rId17"/>
+    <p:sldId id="259" r:id="rId18"/>
+    <p:sldId id="263" r:id="rId19"/>
+    <p:sldId id="264" r:id="rId20"/>
+    <p:sldId id="265" r:id="rId21"/>
+    <p:sldId id="266" r:id="rId22"/>
+    <p:sldId id="268" r:id="rId23"/>
+    <p:sldId id="272" r:id="rId24"/>
+    <p:sldId id="261" r:id="rId25"/>
+    <p:sldId id="279" r:id="rId26"/>
+    <p:sldId id="277" r:id="rId27"/>
+    <p:sldId id="287" r:id="rId28"/>
+    <p:sldId id="271" r:id="rId29"/>
+    <p:sldId id="288" r:id="rId30"/>
+    <p:sldId id="273" r:id="rId31"/>
+    <p:sldId id="275" r:id="rId32"/>
+    <p:sldId id="297" r:id="rId33"/>
+    <p:sldId id="278" r:id="rId34"/>
+    <p:sldId id="274" r:id="rId35"/>
+    <p:sldId id="290" r:id="rId36"/>
+    <p:sldId id="280" r:id="rId37"/>
+    <p:sldId id="281" r:id="rId38"/>
+    <p:sldId id="282" r:id="rId39"/>
   </p:sldIdLst>
   <p:sldSz cx="12192000" cy="6858000"/>
   <p:notesSz cx="6858000" cy="9144000"/>
@@ -294,7 +296,7 @@
           <a:p>
             <a:fld id="{7D239A87-38DC-4C6E-8233-D704AE9A351F}" type="datetimeFigureOut">
               <a:rPr lang="en-US" smtClean="0"/>
-              <a:t>7/8/2024</a:t>
+              <a:t>7/10/2024</a:t>
             </a:fld>
             <a:endParaRPr lang="en-US"/>
           </a:p>
@@ -492,7 +494,7 @@
           <a:p>
             <a:fld id="{7D239A87-38DC-4C6E-8233-D704AE9A351F}" type="datetimeFigureOut">
               <a:rPr lang="en-US" smtClean="0"/>
-              <a:t>7/8/2024</a:t>
+              <a:t>7/10/2024</a:t>
             </a:fld>
             <a:endParaRPr lang="en-US"/>
           </a:p>
@@ -700,7 +702,7 @@
           <a:p>
             <a:fld id="{7D239A87-38DC-4C6E-8233-D704AE9A351F}" type="datetimeFigureOut">
               <a:rPr lang="en-US" smtClean="0"/>
-              <a:t>7/8/2024</a:t>
+              <a:t>7/10/2024</a:t>
             </a:fld>
             <a:endParaRPr lang="en-US"/>
           </a:p>
@@ -898,7 +900,7 @@
           <a:p>
             <a:fld id="{7D239A87-38DC-4C6E-8233-D704AE9A351F}" type="datetimeFigureOut">
               <a:rPr lang="en-US" smtClean="0"/>
-              <a:t>7/8/2024</a:t>
+              <a:t>7/10/2024</a:t>
             </a:fld>
             <a:endParaRPr lang="en-US"/>
           </a:p>
@@ -1173,7 +1175,7 @@
           <a:p>
             <a:fld id="{7D239A87-38DC-4C6E-8233-D704AE9A351F}" type="datetimeFigureOut">
               <a:rPr lang="en-US" smtClean="0"/>
-              <a:t>7/8/2024</a:t>
+              <a:t>7/10/2024</a:t>
             </a:fld>
             <a:endParaRPr lang="en-US"/>
           </a:p>
@@ -1438,7 +1440,7 @@
           <a:p>
             <a:fld id="{7D239A87-38DC-4C6E-8233-D704AE9A351F}" type="datetimeFigureOut">
               <a:rPr lang="en-US" smtClean="0"/>
-              <a:t>7/8/2024</a:t>
+              <a:t>7/10/2024</a:t>
             </a:fld>
             <a:endParaRPr lang="en-US"/>
           </a:p>
@@ -1850,7 +1852,7 @@
           <a:p>
             <a:fld id="{7D239A87-38DC-4C6E-8233-D704AE9A351F}" type="datetimeFigureOut">
               <a:rPr lang="en-US" smtClean="0"/>
-              <a:t>7/8/2024</a:t>
+              <a:t>7/10/2024</a:t>
             </a:fld>
             <a:endParaRPr lang="en-US"/>
           </a:p>
@@ -1991,7 +1993,7 @@
           <a:p>
             <a:fld id="{7D239A87-38DC-4C6E-8233-D704AE9A351F}" type="datetimeFigureOut">
               <a:rPr lang="en-US" smtClean="0"/>
-              <a:t>7/8/2024</a:t>
+              <a:t>7/10/2024</a:t>
             </a:fld>
             <a:endParaRPr lang="en-US"/>
           </a:p>
@@ -2104,7 +2106,7 @@
           <a:p>
             <a:fld id="{7D239A87-38DC-4C6E-8233-D704AE9A351F}" type="datetimeFigureOut">
               <a:rPr lang="en-US" smtClean="0"/>
-              <a:t>7/8/2024</a:t>
+              <a:t>7/10/2024</a:t>
             </a:fld>
             <a:endParaRPr lang="en-US"/>
           </a:p>
@@ -2415,7 +2417,7 @@
           <a:p>
             <a:fld id="{7D239A87-38DC-4C6E-8233-D704AE9A351F}" type="datetimeFigureOut">
               <a:rPr lang="en-US" smtClean="0"/>
-              <a:t>7/8/2024</a:t>
+              <a:t>7/10/2024</a:t>
             </a:fld>
             <a:endParaRPr lang="en-US"/>
           </a:p>
@@ -2703,7 +2705,7 @@
           <a:p>
             <a:fld id="{7D239A87-38DC-4C6E-8233-D704AE9A351F}" type="datetimeFigureOut">
               <a:rPr lang="en-US" smtClean="0"/>
-              <a:t>7/8/2024</a:t>
+              <a:t>7/10/2024</a:t>
             </a:fld>
             <a:endParaRPr lang="en-US"/>
           </a:p>
@@ -2944,7 +2946,7 @@
           <a:p>
             <a:fld id="{7D239A87-38DC-4C6E-8233-D704AE9A351F}" type="datetimeFigureOut">
               <a:rPr lang="en-US" smtClean="0"/>
-              <a:t>7/8/2024</a:t>
+              <a:t>7/10/2024</a:t>
             </a:fld>
             <a:endParaRPr lang="en-US"/>
           </a:p>
@@ -3499,6 +3501,236 @@
           <p:cNvPr id="2" name="Title 1">
             <a:extLst>
               <a:ext uri="{FF2B5EF4-FFF2-40B4-BE49-F238E27FC236}">
+                <a16:creationId xmlns:a16="http://schemas.microsoft.com/office/drawing/2014/main" id="{94F5AAF0-B056-B7F5-5F53-6F4EB4606563}"/>
+              </a:ext>
+            </a:extLst>
+          </p:cNvPr>
+          <p:cNvSpPr>
+            <a:spLocks noGrp="1"/>
+          </p:cNvSpPr>
+          <p:nvPr>
+            <p:ph type="title"/>
+          </p:nvPr>
+        </p:nvSpPr>
+        <p:spPr/>
+        <p:txBody>
+          <a:bodyPr/>
+          <a:lstStyle/>
+          <a:p>
+            <a:r>
+              <a:rPr lang="en-US" dirty="0"/>
+              <a:t>Multiple instance web app </a:t>
+            </a:r>
+          </a:p>
+        </p:txBody>
+      </p:sp>
+      <p:pic>
+        <p:nvPicPr>
+          <p:cNvPr id="4" name="Picture 3">
+            <a:extLst>
+              <a:ext uri="{FF2B5EF4-FFF2-40B4-BE49-F238E27FC236}">
+                <a16:creationId xmlns:a16="http://schemas.microsoft.com/office/drawing/2014/main" id="{36886687-B61E-F831-A518-1EA822F73340}"/>
+              </a:ext>
+            </a:extLst>
+          </p:cNvPr>
+          <p:cNvPicPr>
+            <a:picLocks noChangeAspect="1"/>
+          </p:cNvPicPr>
+          <p:nvPr/>
+        </p:nvPicPr>
+        <p:blipFill>
+          <a:blip r:embed="rId2"/>
+          <a:stretch>
+            <a:fillRect/>
+          </a:stretch>
+        </p:blipFill>
+        <p:spPr>
+          <a:xfrm>
+            <a:off x="1049204" y="2368006"/>
+            <a:ext cx="1219351" cy="1060994"/>
+          </a:xfrm>
+          <a:prstGeom prst="rect">
+            <a:avLst/>
+          </a:prstGeom>
+        </p:spPr>
+      </p:pic>
+      <p:sp>
+        <p:nvSpPr>
+          <p:cNvPr id="7" name="TextBox 6">
+            <a:extLst>
+              <a:ext uri="{FF2B5EF4-FFF2-40B4-BE49-F238E27FC236}">
+                <a16:creationId xmlns:a16="http://schemas.microsoft.com/office/drawing/2014/main" id="{5C2586B1-253E-82D2-89D4-4D616DFE229A}"/>
+              </a:ext>
+            </a:extLst>
+          </p:cNvPr>
+          <p:cNvSpPr txBox="1"/>
+          <p:nvPr/>
+        </p:nvSpPr>
+        <p:spPr>
+          <a:xfrm>
+            <a:off x="1221328" y="1812336"/>
+            <a:ext cx="708335" cy="369332"/>
+          </a:xfrm>
+          <a:prstGeom prst="rect">
+            <a:avLst/>
+          </a:prstGeom>
+          <a:noFill/>
+        </p:spPr>
+        <p:txBody>
+          <a:bodyPr wrap="none" rtlCol="0">
+            <a:spAutoFit/>
+          </a:bodyPr>
+          <a:lstStyle/>
+          <a:p>
+            <a:r>
+              <a:rPr lang="en-US" dirty="0"/>
+              <a:t>PAAS</a:t>
+            </a:r>
+          </a:p>
+        </p:txBody>
+      </p:sp>
+      <p:sp>
+        <p:nvSpPr>
+          <p:cNvPr id="18" name="TextBox 17">
+            <a:extLst>
+              <a:ext uri="{FF2B5EF4-FFF2-40B4-BE49-F238E27FC236}">
+                <a16:creationId xmlns:a16="http://schemas.microsoft.com/office/drawing/2014/main" id="{51E2BCC3-F513-CA25-4006-B920240A31A8}"/>
+              </a:ext>
+            </a:extLst>
+          </p:cNvPr>
+          <p:cNvSpPr txBox="1"/>
+          <p:nvPr/>
+        </p:nvSpPr>
+        <p:spPr>
+          <a:xfrm>
+            <a:off x="5631994" y="4387066"/>
+            <a:ext cx="5394810" cy="646331"/>
+          </a:xfrm>
+          <a:prstGeom prst="rect">
+            <a:avLst/>
+          </a:prstGeom>
+          <a:noFill/>
+        </p:spPr>
+        <p:txBody>
+          <a:bodyPr wrap="none" rtlCol="0">
+            <a:spAutoFit/>
+          </a:bodyPr>
+          <a:lstStyle/>
+          <a:p>
+            <a:r>
+              <a:rPr lang="en-US" dirty="0"/>
+              <a:t>All instances share the same cache </a:t>
+            </a:r>
+            <a:br>
+              <a:rPr lang="en-US" dirty="0"/>
+            </a:br>
+            <a:r>
+              <a:rPr lang="en-US" dirty="0"/>
+              <a:t>Instead of Redis you can use other centralized stores</a:t>
+            </a:r>
+          </a:p>
+        </p:txBody>
+      </p:sp>
+      <p:pic>
+        <p:nvPicPr>
+          <p:cNvPr id="11" name="Picture 10">
+            <a:extLst>
+              <a:ext uri="{FF2B5EF4-FFF2-40B4-BE49-F238E27FC236}">
+                <a16:creationId xmlns:a16="http://schemas.microsoft.com/office/drawing/2014/main" id="{1436D8AE-0AE0-4AE3-26E4-F13B11605426}"/>
+              </a:ext>
+            </a:extLst>
+          </p:cNvPr>
+          <p:cNvPicPr>
+            <a:picLocks noChangeAspect="1"/>
+          </p:cNvPicPr>
+          <p:nvPr/>
+        </p:nvPicPr>
+        <p:blipFill>
+          <a:blip r:embed="rId3"/>
+          <a:stretch>
+            <a:fillRect/>
+          </a:stretch>
+        </p:blipFill>
+        <p:spPr>
+          <a:xfrm>
+            <a:off x="1187540" y="4224206"/>
+            <a:ext cx="1125205" cy="1064383"/>
+          </a:xfrm>
+          <a:prstGeom prst="rect">
+            <a:avLst/>
+          </a:prstGeom>
+        </p:spPr>
+      </p:pic>
+      <p:sp>
+        <p:nvSpPr>
+          <p:cNvPr id="14" name="TextBox 13">
+            <a:extLst>
+              <a:ext uri="{FF2B5EF4-FFF2-40B4-BE49-F238E27FC236}">
+                <a16:creationId xmlns:a16="http://schemas.microsoft.com/office/drawing/2014/main" id="{286100BE-AEED-D06B-18D6-A2FF719550AA}"/>
+              </a:ext>
+            </a:extLst>
+          </p:cNvPr>
+          <p:cNvSpPr txBox="1"/>
+          <p:nvPr/>
+        </p:nvSpPr>
+        <p:spPr>
+          <a:xfrm>
+            <a:off x="838200" y="3292172"/>
+            <a:ext cx="2308709" cy="369332"/>
+          </a:xfrm>
+          <a:prstGeom prst="rect">
+            <a:avLst/>
+          </a:prstGeom>
+          <a:noFill/>
+        </p:spPr>
+        <p:txBody>
+          <a:bodyPr wrap="none" rtlCol="0">
+            <a:spAutoFit/>
+          </a:bodyPr>
+          <a:lstStyle/>
+          <a:p>
+            <a:r>
+              <a:rPr lang="en-US" dirty="0"/>
+              <a:t>Scaled to n instances</a:t>
+            </a:r>
+          </a:p>
+        </p:txBody>
+      </p:sp>
+    </p:spTree>
+    <p:extLst>
+      <p:ext uri="{BB962C8B-B14F-4D97-AF65-F5344CB8AC3E}">
+        <p14:creationId xmlns:p14="http://schemas.microsoft.com/office/powerpoint/2010/main" val="2356687198"/>
+      </p:ext>
+    </p:extLst>
+  </p:cSld>
+  <p:clrMapOvr>
+    <a:masterClrMapping/>
+  </p:clrMapOvr>
+</p:sld>
+</file>
+
+<file path=ppt/slides/slide11.xml><?xml version="1.0" encoding="utf-8"?>
+<p:sld xmlns:a="http://schemas.openxmlformats.org/drawingml/2006/main" xmlns:r="http://schemas.openxmlformats.org/officeDocument/2006/relationships" xmlns:p="http://schemas.openxmlformats.org/presentationml/2006/main">
+  <p:cSld>
+    <p:spTree>
+      <p:nvGrpSpPr>
+        <p:cNvPr id="1" name=""/>
+        <p:cNvGrpSpPr/>
+        <p:nvPr/>
+      </p:nvGrpSpPr>
+      <p:grpSpPr>
+        <a:xfrm>
+          <a:off x="0" y="0"/>
+          <a:ext cx="0" cy="0"/>
+          <a:chOff x="0" y="0"/>
+          <a:chExt cx="0" cy="0"/>
+        </a:xfrm>
+      </p:grpSpPr>
+      <p:sp>
+        <p:nvSpPr>
+          <p:cNvPr id="2" name="Title 1">
+            <a:extLst>
+              <a:ext uri="{FF2B5EF4-FFF2-40B4-BE49-F238E27FC236}">
                 <a16:creationId xmlns:a16="http://schemas.microsoft.com/office/drawing/2014/main" id="{17FC600F-0DD1-8A2C-6D78-BC0FA48BC5D3}"/>
               </a:ext>
             </a:extLst>
@@ -4376,7 +4608,7 @@
 </p:sld>
 </file>
 
-<file path=ppt/slides/slide11.xml><?xml version="1.0" encoding="utf-8"?>
+<file path=ppt/slides/slide12.xml><?xml version="1.0" encoding="utf-8"?>
 <p:sld xmlns:a="http://schemas.openxmlformats.org/drawingml/2006/main" xmlns:r="http://schemas.openxmlformats.org/officeDocument/2006/relationships" xmlns:p="http://schemas.openxmlformats.org/presentationml/2006/main">
   <p:cSld>
     <p:spTree>
@@ -5191,106 +5423,6 @@
 </p:sld>
 </file>
 
-<file path=ppt/slides/slide12.xml><?xml version="1.0" encoding="utf-8"?>
-<p:sld xmlns:a="http://schemas.openxmlformats.org/drawingml/2006/main" xmlns:r="http://schemas.openxmlformats.org/officeDocument/2006/relationships" xmlns:p="http://schemas.openxmlformats.org/presentationml/2006/main">
-  <p:cSld>
-    <p:spTree>
-      <p:nvGrpSpPr>
-        <p:cNvPr id="1" name=""/>
-        <p:cNvGrpSpPr/>
-        <p:nvPr/>
-      </p:nvGrpSpPr>
-      <p:grpSpPr>
-        <a:xfrm>
-          <a:off x="0" y="0"/>
-          <a:ext cx="0" cy="0"/>
-          <a:chOff x="0" y="0"/>
-          <a:chExt cx="0" cy="0"/>
-        </a:xfrm>
-      </p:grpSpPr>
-      <p:sp>
-        <p:nvSpPr>
-          <p:cNvPr id="2" name="Title 1">
-            <a:extLst>
-              <a:ext uri="{FF2B5EF4-FFF2-40B4-BE49-F238E27FC236}">
-                <a16:creationId xmlns:a16="http://schemas.microsoft.com/office/drawing/2014/main" id="{43F4E76F-40E9-3352-84AD-8F715042F7FD}"/>
-              </a:ext>
-            </a:extLst>
-          </p:cNvPr>
-          <p:cNvSpPr>
-            <a:spLocks noGrp="1"/>
-          </p:cNvSpPr>
-          <p:nvPr>
-            <p:ph type="title"/>
-          </p:nvPr>
-        </p:nvSpPr>
-        <p:spPr/>
-        <p:txBody>
-          <a:bodyPr/>
-          <a:lstStyle/>
-          <a:p>
-            <a:r>
-              <a:rPr lang="en-US" dirty="0"/>
-              <a:t>Demo Setup</a:t>
-            </a:r>
-          </a:p>
-        </p:txBody>
-      </p:sp>
-      <p:sp>
-        <p:nvSpPr>
-          <p:cNvPr id="3" name="Content Placeholder 2">
-            <a:extLst>
-              <a:ext uri="{FF2B5EF4-FFF2-40B4-BE49-F238E27FC236}">
-                <a16:creationId xmlns:a16="http://schemas.microsoft.com/office/drawing/2014/main" id="{4834D298-4512-6554-B9F8-2A1DE886F305}"/>
-              </a:ext>
-            </a:extLst>
-          </p:cNvPr>
-          <p:cNvSpPr>
-            <a:spLocks noGrp="1"/>
-          </p:cNvSpPr>
-          <p:nvPr>
-            <p:ph idx="1"/>
-          </p:nvPr>
-        </p:nvSpPr>
-        <p:spPr/>
-        <p:txBody>
-          <a:bodyPr/>
-          <a:lstStyle/>
-          <a:p>
-            <a:r>
-              <a:rPr lang="en-US" dirty="0"/>
-              <a:t>Bicep for provisioning</a:t>
-            </a:r>
-          </a:p>
-          <a:p>
-            <a:r>
-              <a:rPr lang="en-US" dirty="0"/>
-              <a:t>ADO (Azure </a:t>
-            </a:r>
-            <a:r>
-              <a:rPr lang="en-US" dirty="0" err="1"/>
-              <a:t>Devops</a:t>
-            </a:r>
-            <a:r>
-              <a:rPr lang="en-US" dirty="0"/>
-              <a:t>) pipelines for building and deploy</a:t>
-            </a:r>
-          </a:p>
-        </p:txBody>
-      </p:sp>
-    </p:spTree>
-    <p:extLst>
-      <p:ext uri="{BB962C8B-B14F-4D97-AF65-F5344CB8AC3E}">
-        <p14:creationId xmlns:p14="http://schemas.microsoft.com/office/powerpoint/2010/main" val="3735145095"/>
-      </p:ext>
-    </p:extLst>
-  </p:cSld>
-  <p:clrMapOvr>
-    <a:masterClrMapping/>
-  </p:clrMapOvr>
-</p:sld>
-</file>
-
 <file path=ppt/slides/slide13.xml><?xml version="1.0" encoding="utf-8"?>
 <p:sld xmlns:a="http://schemas.openxmlformats.org/drawingml/2006/main" xmlns:r="http://schemas.openxmlformats.org/officeDocument/2006/relationships" xmlns:p="http://schemas.openxmlformats.org/presentationml/2006/main">
   <p:cSld>
@@ -5313,7 +5445,7 @@
           <p:cNvPr id="2" name="Title 1">
             <a:extLst>
               <a:ext uri="{FF2B5EF4-FFF2-40B4-BE49-F238E27FC236}">
-                <a16:creationId xmlns:a16="http://schemas.microsoft.com/office/drawing/2014/main" id="{2EB29AA9-B256-F216-49DC-AB81E1131992}"/>
+                <a16:creationId xmlns:a16="http://schemas.microsoft.com/office/drawing/2014/main" id="{43F4E76F-40E9-3352-84AD-8F715042F7FD}"/>
               </a:ext>
             </a:extLst>
           </p:cNvPr>
@@ -5331,7 +5463,7 @@
           <a:p>
             <a:r>
               <a:rPr lang="en-US" dirty="0"/>
-              <a:t>In memory vs distributed (shared) cache</a:t>
+              <a:t>Demo Setup</a:t>
             </a:r>
           </a:p>
         </p:txBody>
@@ -5341,7 +5473,7 @@
           <p:cNvPr id="3" name="Content Placeholder 2">
             <a:extLst>
               <a:ext uri="{FF2B5EF4-FFF2-40B4-BE49-F238E27FC236}">
-                <a16:creationId xmlns:a16="http://schemas.microsoft.com/office/drawing/2014/main" id="{B704A45C-E945-C252-BC40-6FD394E16A25}"/>
+                <a16:creationId xmlns:a16="http://schemas.microsoft.com/office/drawing/2014/main" id="{4834D298-4512-6554-B9F8-2A1DE886F305}"/>
               </a:ext>
             </a:extLst>
           </p:cNvPr>
@@ -5358,58 +5490,22 @@
           <a:lstStyle/>
           <a:p>
             <a:r>
+              <a:rPr lang="en-US" dirty="0"/>
+              <a:t>Bicep for provisioning</a:t>
+            </a:r>
+          </a:p>
+          <a:p>
+            <a:r>
+              <a:rPr lang="en-US" dirty="0"/>
+              <a:t>ADO (Azure </a:t>
+            </a:r>
+            <a:r>
               <a:rPr lang="en-US" dirty="0" err="1"/>
-              <a:t>IMemoryCache</a:t>
-            </a:r>
-            <a:r>
-              <a:rPr lang="en-US" dirty="0"/>
-              <a:t> and </a:t>
-            </a:r>
-            <a:r>
-              <a:rPr lang="en-US" dirty="0" err="1"/>
-              <a:t>IDistributedCache</a:t>
-            </a:r>
-            <a:r>
-              <a:rPr lang="en-US" dirty="0"/>
-              <a:t> are the two abstractions provided by .NET</a:t>
-            </a:r>
-          </a:p>
-          <a:p>
-            <a:pPr lvl="1"/>
-            <a:r>
-              <a:rPr lang="en-US" dirty="0"/>
-              <a:t>MS clearly state it will not merge the twos into one</a:t>
-            </a:r>
-          </a:p>
-          <a:p>
-            <a:pPr lvl="1"/>
-            <a:r>
-              <a:rPr lang="en-US" dirty="0"/>
-              <a:t>There are "many" </a:t>
-            </a:r>
-            <a:r>
-              <a:rPr lang="en-US" dirty="0" err="1"/>
-              <a:t>IDistributedCache</a:t>
-            </a:r>
-            <a:r>
-              <a:rPr lang="en-US" dirty="0"/>
-              <a:t> implementations (Redis, </a:t>
-            </a:r>
-            <a:r>
-              <a:rPr lang="en-US" dirty="0" err="1"/>
-              <a:t>SqlServer</a:t>
-            </a:r>
-            <a:r>
-              <a:rPr lang="en-US" dirty="0"/>
-              <a:t>, </a:t>
-            </a:r>
-            <a:r>
-              <a:rPr lang="en-US" dirty="0" err="1"/>
-              <a:t>Ncache</a:t>
-            </a:r>
-            <a:r>
-              <a:rPr lang="en-US" dirty="0"/>
-              <a:t>, Azure Cosmo Db, etc..)</a:t>
+              <a:t>Devops</a:t>
+            </a:r>
+            <a:r>
+              <a:rPr lang="en-US" dirty="0"/>
+              <a:t>) pipelines for building and deploy</a:t>
             </a:r>
           </a:p>
         </p:txBody>
@@ -5417,7 +5513,7 @@
     </p:spTree>
     <p:extLst>
       <p:ext uri="{BB962C8B-B14F-4D97-AF65-F5344CB8AC3E}">
-        <p14:creationId xmlns:p14="http://schemas.microsoft.com/office/powerpoint/2010/main" val="3268183485"/>
+        <p14:creationId xmlns:p14="http://schemas.microsoft.com/office/powerpoint/2010/main" val="3735145095"/>
       </p:ext>
     </p:extLst>
   </p:cSld>
@@ -5449,7 +5545,7 @@
           <p:cNvPr id="2" name="Title 1">
             <a:extLst>
               <a:ext uri="{FF2B5EF4-FFF2-40B4-BE49-F238E27FC236}">
-                <a16:creationId xmlns:a16="http://schemas.microsoft.com/office/drawing/2014/main" id="{5D283DDB-5E70-BE28-3EED-6919897DDC78}"/>
+                <a16:creationId xmlns:a16="http://schemas.microsoft.com/office/drawing/2014/main" id="{2EB29AA9-B256-F216-49DC-AB81E1131992}"/>
               </a:ext>
             </a:extLst>
           </p:cNvPr>
@@ -5467,7 +5563,7 @@
           <a:p>
             <a:r>
               <a:rPr lang="en-US" dirty="0"/>
-              <a:t>Distributed cache gotcha: DEMO</a:t>
+              <a:t>In memory vs distributed (shared) cache</a:t>
             </a:r>
           </a:p>
         </p:txBody>
@@ -5477,7 +5573,7 @@
           <p:cNvPr id="3" name="Content Placeholder 2">
             <a:extLst>
               <a:ext uri="{FF2B5EF4-FFF2-40B4-BE49-F238E27FC236}">
-                <a16:creationId xmlns:a16="http://schemas.microsoft.com/office/drawing/2014/main" id="{62AD2CCB-A577-86B2-F813-24213EB4A9C6}"/>
+                <a16:creationId xmlns:a16="http://schemas.microsoft.com/office/drawing/2014/main" id="{B704A45C-E945-C252-BC40-6FD394E16A25}"/>
               </a:ext>
             </a:extLst>
           </p:cNvPr>
@@ -5494,8 +5590,58 @@
           <a:lstStyle/>
           <a:p>
             <a:r>
-              <a:rPr lang="en-US" dirty="0"/>
-              <a:t>Heavy load on remote distributed cache</a:t>
+              <a:rPr lang="en-US" dirty="0" err="1"/>
+              <a:t>IMemoryCache</a:t>
+            </a:r>
+            <a:r>
+              <a:rPr lang="en-US" dirty="0"/>
+              <a:t> and </a:t>
+            </a:r>
+            <a:r>
+              <a:rPr lang="en-US" dirty="0" err="1"/>
+              <a:t>IDistributedCache</a:t>
+            </a:r>
+            <a:r>
+              <a:rPr lang="en-US" dirty="0"/>
+              <a:t> are the two abstractions provided by .NET</a:t>
+            </a:r>
+          </a:p>
+          <a:p>
+            <a:pPr lvl="1"/>
+            <a:r>
+              <a:rPr lang="en-US" dirty="0"/>
+              <a:t>MS clearly state it will not merge the twos into one</a:t>
+            </a:r>
+          </a:p>
+          <a:p>
+            <a:pPr lvl="1"/>
+            <a:r>
+              <a:rPr lang="en-US" dirty="0"/>
+              <a:t>There are "many" </a:t>
+            </a:r>
+            <a:r>
+              <a:rPr lang="en-US" dirty="0" err="1"/>
+              <a:t>IDistributedCache</a:t>
+            </a:r>
+            <a:r>
+              <a:rPr lang="en-US" dirty="0"/>
+              <a:t> implementations (Redis, </a:t>
+            </a:r>
+            <a:r>
+              <a:rPr lang="en-US" dirty="0" err="1"/>
+              <a:t>SqlServer</a:t>
+            </a:r>
+            <a:r>
+              <a:rPr lang="en-US" dirty="0"/>
+              <a:t>, </a:t>
+            </a:r>
+            <a:r>
+              <a:rPr lang="en-US" dirty="0" err="1"/>
+              <a:t>Ncache</a:t>
+            </a:r>
+            <a:r>
+              <a:rPr lang="en-US" dirty="0"/>
+              <a:t>, Azure Cosmo Db, etc..)</a:t>
             </a:r>
           </a:p>
         </p:txBody>
@@ -5503,7 +5649,7 @@
     </p:spTree>
     <p:extLst>
       <p:ext uri="{BB962C8B-B14F-4D97-AF65-F5344CB8AC3E}">
-        <p14:creationId xmlns:p14="http://schemas.microsoft.com/office/powerpoint/2010/main" val="3142773117"/>
+        <p14:creationId xmlns:p14="http://schemas.microsoft.com/office/powerpoint/2010/main" val="3268183485"/>
       </p:ext>
     </p:extLst>
   </p:cSld>
@@ -5535,7 +5681,7 @@
           <p:cNvPr id="2" name="Title 1">
             <a:extLst>
               <a:ext uri="{FF2B5EF4-FFF2-40B4-BE49-F238E27FC236}">
-                <a16:creationId xmlns:a16="http://schemas.microsoft.com/office/drawing/2014/main" id="{E57DA3C0-3710-D20C-CC0D-66224A3AB702}"/>
+                <a16:creationId xmlns:a16="http://schemas.microsoft.com/office/drawing/2014/main" id="{5D283DDB-5E70-BE28-3EED-6919897DDC78}"/>
               </a:ext>
             </a:extLst>
           </p:cNvPr>
@@ -5553,22 +5699,8 @@
           <a:p>
             <a:r>
               <a:rPr lang="en-US" dirty="0"/>
-              <a:t>We need more than just raw cache api .. </a:t>
-            </a:r>
-            <a:br>
-              <a:rPr lang="en-US" dirty="0"/>
-            </a:br>
-            <a:r>
-              <a:rPr lang="en-US" dirty="0"/>
-              <a:t>to cache like a pro </a:t>
-            </a:r>
-            <a:r>
-              <a:rPr lang="en-US" dirty="0">
-                <a:sym typeface="Wingdings" panose="05000000000000000000" pitchFamily="2" charset="2"/>
-              </a:rPr>
-              <a:t></a:t>
-            </a:r>
-            <a:endParaRPr lang="en-US" dirty="0"/>
+              <a:t>Distributed cache gotcha: DEMO</a:t>
+            </a:r>
           </a:p>
         </p:txBody>
       </p:sp>
@@ -5577,7 +5709,7 @@
           <p:cNvPr id="3" name="Content Placeholder 2">
             <a:extLst>
               <a:ext uri="{FF2B5EF4-FFF2-40B4-BE49-F238E27FC236}">
-                <a16:creationId xmlns:a16="http://schemas.microsoft.com/office/drawing/2014/main" id="{C5C7945F-9E84-52F0-7DD7-2ED7FDFB5482}"/>
+                <a16:creationId xmlns:a16="http://schemas.microsoft.com/office/drawing/2014/main" id="{62AD2CCB-A577-86B2-F813-24213EB4A9C6}"/>
               </a:ext>
             </a:extLst>
           </p:cNvPr>
@@ -5588,104 +5720,22 @@
             <p:ph idx="1"/>
           </p:nvPr>
         </p:nvSpPr>
-        <p:spPr>
-          <a:xfrm>
-            <a:off x="838200" y="1742042"/>
-            <a:ext cx="10515600" cy="4555063"/>
-          </a:xfrm>
-        </p:spPr>
-        <p:txBody>
-          <a:bodyPr>
-            <a:normAutofit/>
-          </a:bodyPr>
-          <a:lstStyle/>
-          <a:p>
-            <a:r>
-              <a:rPr lang="en-US" dirty="0"/>
-              <a:t>There are cache "frameworks" that add "</a:t>
-            </a:r>
-            <a:r>
-              <a:rPr lang="en-US" i="1" dirty="0"/>
-              <a:t>features</a:t>
-            </a:r>
-            <a:r>
-              <a:rPr lang="en-US" dirty="0"/>
-              <a:t>" on top of the </a:t>
-            </a:r>
-            <a:r>
-              <a:rPr lang="en-US" dirty="0" err="1"/>
-              <a:t>IMemoryCache</a:t>
-            </a:r>
-            <a:r>
-              <a:rPr lang="en-US" dirty="0"/>
-              <a:t> and </a:t>
-            </a:r>
-            <a:r>
-              <a:rPr lang="en-US" dirty="0" err="1"/>
-              <a:t>IDistributedCache</a:t>
-            </a:r>
-            <a:r>
-              <a:rPr lang="en-US" dirty="0"/>
-              <a:t>  implementations</a:t>
-            </a:r>
-          </a:p>
-          <a:p>
-            <a:pPr lvl="1"/>
-            <a:endParaRPr lang="en-US" dirty="0"/>
-          </a:p>
-          <a:p>
-            <a:pPr lvl="1"/>
-            <a:r>
-              <a:rPr lang="en-US" dirty="0"/>
-              <a:t>Multi level cache (in memory on top of distributed)</a:t>
-            </a:r>
-          </a:p>
-          <a:p>
-            <a:pPr lvl="1"/>
-            <a:r>
-              <a:rPr lang="en-US" dirty="0"/>
-              <a:t>Manage some cache specific issues (cache stampede)</a:t>
-            </a:r>
-          </a:p>
-          <a:p>
-            <a:pPr lvl="1"/>
-            <a:r>
-              <a:rPr lang="en-US" dirty="0"/>
-              <a:t>Fail safe </a:t>
-            </a:r>
-          </a:p>
-          <a:p>
-            <a:pPr lvl="1"/>
-            <a:r>
-              <a:rPr lang="en-US" dirty="0" err="1"/>
-              <a:t>etc</a:t>
-            </a:r>
-            <a:r>
-              <a:rPr lang="en-US" dirty="0"/>
-              <a:t>…</a:t>
-            </a:r>
-          </a:p>
-          <a:p>
-            <a:pPr lvl="1"/>
-            <a:endParaRPr lang="en-US" dirty="0"/>
-          </a:p>
-          <a:p>
-            <a:pPr lvl="1"/>
-            <a:endParaRPr lang="en-US" dirty="0"/>
-          </a:p>
-          <a:p>
-            <a:endParaRPr lang="en-US" dirty="0"/>
-          </a:p>
-          <a:p>
-            <a:pPr lvl="1"/>
-            <a:endParaRPr lang="en-US" dirty="0"/>
+        <p:spPr/>
+        <p:txBody>
+          <a:bodyPr/>
+          <a:lstStyle/>
+          <a:p>
+            <a:r>
+              <a:rPr lang="en-US" dirty="0"/>
+              <a:t>Heavy load on remote distributed cache</a:t>
+            </a:r>
           </a:p>
         </p:txBody>
       </p:sp>
     </p:spTree>
     <p:extLst>
       <p:ext uri="{BB962C8B-B14F-4D97-AF65-F5344CB8AC3E}">
-        <p14:creationId xmlns:p14="http://schemas.microsoft.com/office/powerpoint/2010/main" val="2629935148"/>
+        <p14:creationId xmlns:p14="http://schemas.microsoft.com/office/powerpoint/2010/main" val="3142773117"/>
       </p:ext>
     </p:extLst>
   </p:cSld>
@@ -5717,7 +5767,7 @@
           <p:cNvPr id="2" name="Title 1">
             <a:extLst>
               <a:ext uri="{FF2B5EF4-FFF2-40B4-BE49-F238E27FC236}">
-                <a16:creationId xmlns:a16="http://schemas.microsoft.com/office/drawing/2014/main" id="{EFECAF54-B8F4-A795-D015-E6F9E56117CE}"/>
+                <a16:creationId xmlns:a16="http://schemas.microsoft.com/office/drawing/2014/main" id="{E57DA3C0-3710-D20C-CC0D-66224A3AB702}"/>
               </a:ext>
             </a:extLst>
           </p:cNvPr>
@@ -5729,6 +5779,53 @@
           </p:nvPr>
         </p:nvSpPr>
         <p:spPr/>
+        <p:txBody>
+          <a:bodyPr/>
+          <a:lstStyle/>
+          <a:p>
+            <a:r>
+              <a:rPr lang="en-US" dirty="0"/>
+              <a:t>We need more than just raw cache api .. </a:t>
+            </a:r>
+            <a:br>
+              <a:rPr lang="en-US" dirty="0"/>
+            </a:br>
+            <a:r>
+              <a:rPr lang="en-US" dirty="0"/>
+              <a:t>to cache like a pro </a:t>
+            </a:r>
+            <a:r>
+              <a:rPr lang="en-US" dirty="0">
+                <a:sym typeface="Wingdings" panose="05000000000000000000" pitchFamily="2" charset="2"/>
+              </a:rPr>
+              <a:t></a:t>
+            </a:r>
+            <a:endParaRPr lang="en-US" dirty="0"/>
+          </a:p>
+        </p:txBody>
+      </p:sp>
+      <p:sp>
+        <p:nvSpPr>
+          <p:cNvPr id="3" name="Content Placeholder 2">
+            <a:extLst>
+              <a:ext uri="{FF2B5EF4-FFF2-40B4-BE49-F238E27FC236}">
+                <a16:creationId xmlns:a16="http://schemas.microsoft.com/office/drawing/2014/main" id="{C5C7945F-9E84-52F0-7DD7-2ED7FDFB5482}"/>
+              </a:ext>
+            </a:extLst>
+          </p:cNvPr>
+          <p:cNvSpPr>
+            <a:spLocks noGrp="1"/>
+          </p:cNvSpPr>
+          <p:nvPr>
+            <p:ph idx="1"/>
+          </p:nvPr>
+        </p:nvSpPr>
+        <p:spPr>
+          <a:xfrm>
+            <a:off x="838200" y="1742042"/>
+            <a:ext cx="10515600" cy="4555063"/>
+          </a:xfrm>
+        </p:spPr>
         <p:txBody>
           <a:bodyPr>
             <a:normAutofit/>
@@ -5737,192 +5834,90 @@
           <a:p>
             <a:r>
               <a:rPr lang="en-US" dirty="0"/>
-              <a:t>Caching Patterns: read aside (cache aside)</a:t>
-            </a:r>
-          </a:p>
-        </p:txBody>
-      </p:sp>
-      <p:sp>
-        <p:nvSpPr>
-          <p:cNvPr id="3" name="Content Placeholder 2">
-            <a:extLst>
-              <a:ext uri="{FF2B5EF4-FFF2-40B4-BE49-F238E27FC236}">
-                <a16:creationId xmlns:a16="http://schemas.microsoft.com/office/drawing/2014/main" id="{9A905F74-510C-233A-7867-7D146D172826}"/>
-              </a:ext>
-            </a:extLst>
-          </p:cNvPr>
-          <p:cNvSpPr>
-            <a:spLocks noGrp="1"/>
-          </p:cNvSpPr>
-          <p:nvPr>
-            <p:ph idx="1"/>
-          </p:nvPr>
-        </p:nvSpPr>
-        <p:spPr/>
-        <p:txBody>
-          <a:bodyPr/>
-          <a:lstStyle/>
-          <a:p>
-            <a:r>
-              <a:rPr lang="en-US" dirty="0"/>
-              <a:t>The most "known" and used</a:t>
-            </a:r>
-          </a:p>
-          <a:p>
-            <a:r>
-              <a:rPr lang="en-US" dirty="0"/>
-              <a:t>Application code is responsible to push the value in the cache if there is a </a:t>
+              <a:t>There are cache "frameworks" that add "</a:t>
             </a:r>
             <a:r>
               <a:rPr lang="en-US" i="1" dirty="0"/>
-              <a:t>"cache miss"</a:t>
-            </a:r>
-          </a:p>
-        </p:txBody>
-      </p:sp>
-      <p:sp>
-        <p:nvSpPr>
-          <p:cNvPr id="5" name="TextBox 4">
-            <a:extLst>
-              <a:ext uri="{FF2B5EF4-FFF2-40B4-BE49-F238E27FC236}">
-                <a16:creationId xmlns:a16="http://schemas.microsoft.com/office/drawing/2014/main" id="{406E543D-65CE-1C8B-F6E1-D613498C3149}"/>
-              </a:ext>
-            </a:extLst>
-          </p:cNvPr>
-          <p:cNvSpPr txBox="1"/>
-          <p:nvPr/>
-        </p:nvSpPr>
-        <p:spPr>
-          <a:xfrm>
-            <a:off x="763479" y="3249228"/>
-            <a:ext cx="9721048" cy="1600438"/>
-          </a:xfrm>
-          <a:prstGeom prst="rect">
-            <a:avLst/>
-          </a:prstGeom>
-          <a:noFill/>
-          <a:ln>
-            <a:solidFill>
-              <a:schemeClr val="accent1"/>
-            </a:solidFill>
-          </a:ln>
-        </p:spPr>
-        <p:txBody>
-          <a:bodyPr wrap="square" rtlCol="0">
-            <a:spAutoFit/>
-          </a:bodyPr>
-          <a:lstStyle/>
-          <a:p>
-            <a:r>
-              <a:rPr lang="en-US" sz="1400" dirty="0">
-                <a:latin typeface="Cascadia Mono" panose="020B0609020000020004" pitchFamily="49" charset="0"/>
-                <a:cs typeface="Cascadia Mono" panose="020B0609020000020004" pitchFamily="49" charset="0"/>
-              </a:rPr>
-              <a:t>var ret = await _</a:t>
-            </a:r>
-            <a:r>
-              <a:rPr lang="en-US" sz="1400" dirty="0" err="1">
-                <a:latin typeface="Cascadia Mono" panose="020B0609020000020004" pitchFamily="49" charset="0"/>
-                <a:cs typeface="Cascadia Mono" panose="020B0609020000020004" pitchFamily="49" charset="0"/>
-              </a:rPr>
-              <a:t>cache.GetStringAsync</a:t>
-            </a:r>
-            <a:r>
-              <a:rPr lang="en-US" sz="1400" dirty="0">
-                <a:latin typeface="Cascadia Mono" panose="020B0609020000020004" pitchFamily="49" charset="0"/>
-                <a:cs typeface="Cascadia Mono" panose="020B0609020000020004" pitchFamily="49" charset="0"/>
-              </a:rPr>
-              <a:t>(location);</a:t>
-            </a:r>
-          </a:p>
-          <a:p>
-            <a:r>
-              <a:rPr lang="en-US" sz="1400" dirty="0">
-                <a:latin typeface="Cascadia Mono" panose="020B0609020000020004" pitchFamily="49" charset="0"/>
-                <a:cs typeface="Cascadia Mono" panose="020B0609020000020004" pitchFamily="49" charset="0"/>
-              </a:rPr>
-              <a:t>if(ret == null)</a:t>
-            </a:r>
-          </a:p>
-          <a:p>
-            <a:r>
-              <a:rPr lang="en-US" sz="1400" dirty="0">
-                <a:latin typeface="Cascadia Mono" panose="020B0609020000020004" pitchFamily="49" charset="0"/>
-                <a:cs typeface="Cascadia Mono" panose="020B0609020000020004" pitchFamily="49" charset="0"/>
-              </a:rPr>
-              <a:t>{</a:t>
-            </a:r>
-          </a:p>
-          <a:p>
-            <a:r>
-              <a:rPr lang="en-US" sz="1400" dirty="0">
-                <a:latin typeface="Cascadia Mono" panose="020B0609020000020004" pitchFamily="49" charset="0"/>
-                <a:cs typeface="Cascadia Mono" panose="020B0609020000020004" pitchFamily="49" charset="0"/>
-              </a:rPr>
-              <a:t>    ret = await _</a:t>
-            </a:r>
-            <a:r>
-              <a:rPr lang="en-US" sz="1400" dirty="0" err="1">
-                <a:latin typeface="Cascadia Mono" panose="020B0609020000020004" pitchFamily="49" charset="0"/>
-                <a:cs typeface="Cascadia Mono" panose="020B0609020000020004" pitchFamily="49" charset="0"/>
-              </a:rPr>
-              <a:t>dataSources.GetCurrentTime</a:t>
-            </a:r>
-            <a:r>
-              <a:rPr lang="en-US" sz="1400" dirty="0">
-                <a:latin typeface="Cascadia Mono" panose="020B0609020000020004" pitchFamily="49" charset="0"/>
-                <a:cs typeface="Cascadia Mono" panose="020B0609020000020004" pitchFamily="49" charset="0"/>
-              </a:rPr>
-              <a:t>(location);</a:t>
-            </a:r>
-          </a:p>
-          <a:p>
-            <a:r>
-              <a:rPr lang="en-US" sz="1400" dirty="0">
-                <a:latin typeface="Cascadia Mono" panose="020B0609020000020004" pitchFamily="49" charset="0"/>
-                <a:cs typeface="Cascadia Mono" panose="020B0609020000020004" pitchFamily="49" charset="0"/>
-              </a:rPr>
-              <a:t>    await _</a:t>
-            </a:r>
-            <a:r>
-              <a:rPr lang="en-US" sz="1400" dirty="0" err="1">
-                <a:latin typeface="Cascadia Mono" panose="020B0609020000020004" pitchFamily="49" charset="0"/>
-                <a:cs typeface="Cascadia Mono" panose="020B0609020000020004" pitchFamily="49" charset="0"/>
-              </a:rPr>
-              <a:t>cache.SetStringAsync</a:t>
-            </a:r>
-            <a:r>
-              <a:rPr lang="en-US" sz="1400" dirty="0">
-                <a:latin typeface="Cascadia Mono" panose="020B0609020000020004" pitchFamily="49" charset="0"/>
-                <a:cs typeface="Cascadia Mono" panose="020B0609020000020004" pitchFamily="49" charset="0"/>
-              </a:rPr>
-              <a:t>(location, ret);</a:t>
-            </a:r>
-          </a:p>
-          <a:p>
-            <a:r>
-              <a:rPr lang="en-US" sz="1400" dirty="0">
-                <a:latin typeface="Cascadia Mono" panose="020B0609020000020004" pitchFamily="49" charset="0"/>
-                <a:cs typeface="Cascadia Mono" panose="020B0609020000020004" pitchFamily="49" charset="0"/>
-              </a:rPr>
-              <a:t>}</a:t>
-            </a:r>
-          </a:p>
-          <a:p>
-            <a:r>
-              <a:rPr lang="en-US" sz="1400" dirty="0">
-                <a:latin typeface="Cascadia Mono" panose="020B0609020000020004" pitchFamily="49" charset="0"/>
-                <a:cs typeface="Cascadia Mono" panose="020B0609020000020004" pitchFamily="49" charset="0"/>
-              </a:rPr>
-              <a:t>return ret;</a:t>
-            </a:r>
+              <a:t>features</a:t>
+            </a:r>
+            <a:r>
+              <a:rPr lang="en-US" dirty="0"/>
+              <a:t>" on top of the </a:t>
+            </a:r>
+            <a:r>
+              <a:rPr lang="en-US" dirty="0" err="1"/>
+              <a:t>IMemoryCache</a:t>
+            </a:r>
+            <a:r>
+              <a:rPr lang="en-US" dirty="0"/>
+              <a:t> and </a:t>
+            </a:r>
+            <a:r>
+              <a:rPr lang="en-US" dirty="0" err="1"/>
+              <a:t>IDistributedCache</a:t>
+            </a:r>
+            <a:r>
+              <a:rPr lang="en-US" dirty="0"/>
+              <a:t>  implementations</a:t>
+            </a:r>
+          </a:p>
+          <a:p>
+            <a:pPr lvl="1"/>
+            <a:endParaRPr lang="en-US" dirty="0"/>
+          </a:p>
+          <a:p>
+            <a:pPr lvl="1"/>
+            <a:r>
+              <a:rPr lang="en-US" dirty="0"/>
+              <a:t>Multi level cache (in memory on top of distributed)</a:t>
+            </a:r>
+          </a:p>
+          <a:p>
+            <a:pPr lvl="1"/>
+            <a:r>
+              <a:rPr lang="en-US" dirty="0"/>
+              <a:t>Manage some cache specific issues (cache stampede)</a:t>
+            </a:r>
+          </a:p>
+          <a:p>
+            <a:pPr lvl="1"/>
+            <a:r>
+              <a:rPr lang="en-US" dirty="0"/>
+              <a:t>Fail safe </a:t>
+            </a:r>
+          </a:p>
+          <a:p>
+            <a:pPr lvl="1"/>
+            <a:r>
+              <a:rPr lang="en-US" dirty="0" err="1"/>
+              <a:t>etc</a:t>
+            </a:r>
+            <a:r>
+              <a:rPr lang="en-US" dirty="0"/>
+              <a:t>…</a:t>
+            </a:r>
+          </a:p>
+          <a:p>
+            <a:pPr lvl="1"/>
+            <a:endParaRPr lang="en-US" dirty="0"/>
+          </a:p>
+          <a:p>
+            <a:pPr lvl="1"/>
+            <a:endParaRPr lang="en-US" dirty="0"/>
+          </a:p>
+          <a:p>
+            <a:endParaRPr lang="en-US" dirty="0"/>
+          </a:p>
+          <a:p>
+            <a:pPr lvl="1"/>
+            <a:endParaRPr lang="en-US" dirty="0"/>
           </a:p>
         </p:txBody>
       </p:sp>
     </p:spTree>
     <p:extLst>
       <p:ext uri="{BB962C8B-B14F-4D97-AF65-F5344CB8AC3E}">
-        <p14:creationId xmlns:p14="http://schemas.microsoft.com/office/powerpoint/2010/main" val="3559071882"/>
+        <p14:creationId xmlns:p14="http://schemas.microsoft.com/office/powerpoint/2010/main" val="2629935148"/>
       </p:ext>
     </p:extLst>
   </p:cSld>
@@ -5954,7 +5949,7 @@
           <p:cNvPr id="2" name="Title 1">
             <a:extLst>
               <a:ext uri="{FF2B5EF4-FFF2-40B4-BE49-F238E27FC236}">
-                <a16:creationId xmlns:a16="http://schemas.microsoft.com/office/drawing/2014/main" id="{347BCA57-5E9B-04AB-1CD8-52BAF0286CE5}"/>
+                <a16:creationId xmlns:a16="http://schemas.microsoft.com/office/drawing/2014/main" id="{EFECAF54-B8F4-A795-D015-E6F9E56117CE}"/>
               </a:ext>
             </a:extLst>
           </p:cNvPr>
@@ -5967,340 +5962,191 @@
         </p:nvSpPr>
         <p:spPr/>
         <p:txBody>
+          <a:bodyPr>
+            <a:normAutofit/>
+          </a:bodyPr>
+          <a:lstStyle/>
+          <a:p>
+            <a:r>
+              <a:rPr lang="en-US" dirty="0"/>
+              <a:t>Caching Patterns: read aside (cache aside)</a:t>
+            </a:r>
+          </a:p>
+        </p:txBody>
+      </p:sp>
+      <p:sp>
+        <p:nvSpPr>
+          <p:cNvPr id="3" name="Content Placeholder 2">
+            <a:extLst>
+              <a:ext uri="{FF2B5EF4-FFF2-40B4-BE49-F238E27FC236}">
+                <a16:creationId xmlns:a16="http://schemas.microsoft.com/office/drawing/2014/main" id="{9A905F74-510C-233A-7867-7D146D172826}"/>
+              </a:ext>
+            </a:extLst>
+          </p:cNvPr>
+          <p:cNvSpPr>
+            <a:spLocks noGrp="1"/>
+          </p:cNvSpPr>
+          <p:nvPr>
+            <p:ph idx="1"/>
+          </p:nvPr>
+        </p:nvSpPr>
+        <p:spPr/>
+        <p:txBody>
           <a:bodyPr/>
           <a:lstStyle/>
           <a:p>
             <a:r>
-              <a:rPr lang="en-US"/>
-              <a:t>Caching Patterns: Read-Through</a:t>
-            </a:r>
-            <a:endParaRPr lang="en-US" dirty="0"/>
-          </a:p>
-        </p:txBody>
-      </p:sp>
-      <p:pic>
-        <p:nvPicPr>
-          <p:cNvPr id="9" name="Content Placeholder 8">
-            <a:extLst>
-              <a:ext uri="{FF2B5EF4-FFF2-40B4-BE49-F238E27FC236}">
-                <a16:creationId xmlns:a16="http://schemas.microsoft.com/office/drawing/2014/main" id="{3156FBF6-3FDC-5C14-5656-F34B6FBA54ED}"/>
-              </a:ext>
-            </a:extLst>
-          </p:cNvPr>
-          <p:cNvPicPr>
-            <a:picLocks noGrp="1" noChangeAspect="1"/>
-          </p:cNvPicPr>
-          <p:nvPr>
-            <p:ph idx="1"/>
-          </p:nvPr>
-        </p:nvPicPr>
-        <p:blipFill>
-          <a:blip r:embed="rId2">
-            <a:extLst>
-              <a:ext uri="{28A0092B-C50C-407E-A947-70E740481C1C}">
-                <a14:useLocalDpi xmlns:a14="http://schemas.microsoft.com/office/drawing/2010/main" val="0"/>
-              </a:ext>
-              <a:ext uri="{96DAC541-7B7A-43D3-8B79-37D633B846F1}">
-                <asvg:svgBlip xmlns:asvg="http://schemas.microsoft.com/office/drawing/2016/SVG/main" r:embed="rId3"/>
-              </a:ext>
-            </a:extLst>
-          </a:blip>
-          <a:stretch>
-            <a:fillRect/>
-          </a:stretch>
-        </p:blipFill>
+              <a:rPr lang="en-US" dirty="0"/>
+              <a:t>The most "known" and used</a:t>
+            </a:r>
+          </a:p>
+          <a:p>
+            <a:r>
+              <a:rPr lang="en-US" dirty="0"/>
+              <a:t>Application code is responsible to push the value in the cache if there is a </a:t>
+            </a:r>
+            <a:r>
+              <a:rPr lang="en-US" i="1" dirty="0"/>
+              <a:t>"cache miss"</a:t>
+            </a:r>
+          </a:p>
+        </p:txBody>
+      </p:sp>
+      <p:sp>
+        <p:nvSpPr>
+          <p:cNvPr id="5" name="TextBox 4">
+            <a:extLst>
+              <a:ext uri="{FF2B5EF4-FFF2-40B4-BE49-F238E27FC236}">
+                <a16:creationId xmlns:a16="http://schemas.microsoft.com/office/drawing/2014/main" id="{406E543D-65CE-1C8B-F6E1-D613498C3149}"/>
+              </a:ext>
+            </a:extLst>
+          </p:cNvPr>
+          <p:cNvSpPr txBox="1"/>
+          <p:nvPr/>
+        </p:nvSpPr>
         <p:spPr>
           <a:xfrm>
-            <a:off x="2318994" y="1924843"/>
-            <a:ext cx="6872140" cy="4568031"/>
-          </a:xfrm>
-        </p:spPr>
-      </p:pic>
-      <p:sp>
-        <p:nvSpPr>
-          <p:cNvPr id="4" name="AutoShape 2">
-            <a:extLst>
-              <a:ext uri="{FF2B5EF4-FFF2-40B4-BE49-F238E27FC236}">
-                <a16:creationId xmlns:a16="http://schemas.microsoft.com/office/drawing/2014/main" id="{099BB7B0-BEE9-D260-BF52-CD168EDAE401}"/>
-              </a:ext>
-            </a:extLst>
-          </p:cNvPr>
-          <p:cNvSpPr>
-            <a:spLocks noChangeAspect="1" noChangeArrowheads="1"/>
-          </p:cNvSpPr>
-          <p:nvPr/>
-        </p:nvSpPr>
-        <p:spPr bwMode="auto">
-          <a:xfrm>
-            <a:off x="5943600" y="3276600"/>
-            <a:ext cx="304800" cy="304800"/>
+            <a:off x="763479" y="3249228"/>
+            <a:ext cx="9721048" cy="1600438"/>
           </a:xfrm>
           <a:prstGeom prst="rect">
             <a:avLst/>
           </a:prstGeom>
           <a:noFill/>
-          <a:extLst>
-            <a:ext uri="{909E8E84-426E-40DD-AFC4-6F175D3DCCD1}">
-              <a14:hiddenFill xmlns:a14="http://schemas.microsoft.com/office/drawing/2010/main">
-                <a:solidFill>
-                  <a:srgbClr val="FFFFFF"/>
-                </a:solidFill>
-              </a14:hiddenFill>
-            </a:ext>
-          </a:extLst>
+          <a:ln>
+            <a:solidFill>
+              <a:schemeClr val="accent1"/>
+            </a:solidFill>
+          </a:ln>
         </p:spPr>
         <p:txBody>
-          <a:bodyPr vert="horz" wrap="square" lIns="91440" tIns="45720" rIns="91440" bIns="45720" numCol="1" anchor="t" anchorCtr="0" compatLnSpc="1">
-            <a:prstTxWarp prst="textNoShape">
-              <a:avLst/>
-            </a:prstTxWarp>
+          <a:bodyPr wrap="square" rtlCol="0">
+            <a:spAutoFit/>
           </a:bodyPr>
           <a:lstStyle/>
           <a:p>
-            <a:endParaRPr lang="en-US"/>
-          </a:p>
-        </p:txBody>
-      </p:sp>
-      <p:sp>
-        <p:nvSpPr>
-          <p:cNvPr id="7" name="AutoShape 8">
-            <a:extLst>
-              <a:ext uri="{FF2B5EF4-FFF2-40B4-BE49-F238E27FC236}">
-                <a16:creationId xmlns:a16="http://schemas.microsoft.com/office/drawing/2014/main" id="{055B34A0-5536-3A41-D650-A902B058AC69}"/>
-              </a:ext>
-            </a:extLst>
-          </p:cNvPr>
-          <p:cNvSpPr>
-            <a:spLocks noChangeAspect="1" noChangeArrowheads="1"/>
-          </p:cNvSpPr>
-          <p:nvPr/>
-        </p:nvSpPr>
-        <p:spPr bwMode="auto">
-          <a:xfrm>
-            <a:off x="6096000" y="3429000"/>
-            <a:ext cx="304800" cy="304800"/>
-          </a:xfrm>
-          <a:prstGeom prst="rect">
-            <a:avLst/>
-          </a:prstGeom>
-          <a:noFill/>
-          <a:extLst>
-            <a:ext uri="{909E8E84-426E-40DD-AFC4-6F175D3DCCD1}">
-              <a14:hiddenFill xmlns:a14="http://schemas.microsoft.com/office/drawing/2010/main">
-                <a:solidFill>
-                  <a:srgbClr val="FFFFFF"/>
-                </a:solidFill>
-              </a14:hiddenFill>
-            </a:ext>
-          </a:extLst>
-        </p:spPr>
-        <p:txBody>
-          <a:bodyPr vert="horz" wrap="square" lIns="91440" tIns="45720" rIns="91440" bIns="45720" numCol="1" anchor="t" anchorCtr="0" compatLnSpc="1">
-            <a:prstTxWarp prst="textNoShape">
-              <a:avLst/>
-            </a:prstTxWarp>
-          </a:bodyPr>
-          <a:lstStyle/>
-          <a:p>
-            <a:endParaRPr lang="en-US"/>
-          </a:p>
-        </p:txBody>
-      </p:sp>
-      <p:sp>
-        <p:nvSpPr>
-          <p:cNvPr id="10" name="Content Placeholder 2">
-            <a:extLst>
-              <a:ext uri="{FF2B5EF4-FFF2-40B4-BE49-F238E27FC236}">
-                <a16:creationId xmlns:a16="http://schemas.microsoft.com/office/drawing/2014/main" id="{6B001CB5-55E2-34F4-056D-227B2079A42E}"/>
-              </a:ext>
-            </a:extLst>
-          </p:cNvPr>
-          <p:cNvSpPr txBox="1">
-            <a:spLocks/>
-          </p:cNvSpPr>
-          <p:nvPr/>
-        </p:nvSpPr>
-        <p:spPr>
-          <a:xfrm>
-            <a:off x="762786" y="1405731"/>
-            <a:ext cx="10515600" cy="4351338"/>
-          </a:xfrm>
-          <a:prstGeom prst="rect">
-            <a:avLst/>
-          </a:prstGeom>
-        </p:spPr>
-        <p:txBody>
-          <a:bodyPr vert="horz" lIns="91440" tIns="45720" rIns="91440" bIns="45720" rtlCol="0">
-            <a:normAutofit/>
-          </a:bodyPr>
-          <a:lstStyle>
-            <a:lvl1pPr marL="228600" indent="-228600" algn="l" defTabSz="914400" rtl="0" eaLnBrk="1" latinLnBrk="0" hangingPunct="1">
-              <a:lnSpc>
-                <a:spcPct val="90000"/>
-              </a:lnSpc>
-              <a:spcBef>
-                <a:spcPts val="1000"/>
-              </a:spcBef>
-              <a:buFont typeface="Arial" panose="020B0604020202020204" pitchFamily="34" charset="0"/>
-              <a:buChar char="•"/>
-              <a:defRPr sz="2800" kern="1200">
-                <a:solidFill>
-                  <a:schemeClr val="tx1"/>
-                </a:solidFill>
-                <a:latin typeface="+mn-lt"/>
-                <a:ea typeface="+mn-ea"/>
-                <a:cs typeface="+mn-cs"/>
-              </a:defRPr>
-            </a:lvl1pPr>
-            <a:lvl2pPr marL="685800" indent="-228600" algn="l" defTabSz="914400" rtl="0" eaLnBrk="1" latinLnBrk="0" hangingPunct="1">
-              <a:lnSpc>
-                <a:spcPct val="90000"/>
-              </a:lnSpc>
-              <a:spcBef>
-                <a:spcPts val="500"/>
-              </a:spcBef>
-              <a:buFont typeface="Arial" panose="020B0604020202020204" pitchFamily="34" charset="0"/>
-              <a:buChar char="•"/>
-              <a:defRPr sz="2400" kern="1200">
-                <a:solidFill>
-                  <a:schemeClr val="tx1"/>
-                </a:solidFill>
-                <a:latin typeface="+mn-lt"/>
-                <a:ea typeface="+mn-ea"/>
-                <a:cs typeface="+mn-cs"/>
-              </a:defRPr>
-            </a:lvl2pPr>
-            <a:lvl3pPr marL="1143000" indent="-228600" algn="l" defTabSz="914400" rtl="0" eaLnBrk="1" latinLnBrk="0" hangingPunct="1">
-              <a:lnSpc>
-                <a:spcPct val="90000"/>
-              </a:lnSpc>
-              <a:spcBef>
-                <a:spcPts val="500"/>
-              </a:spcBef>
-              <a:buFont typeface="Arial" panose="020B0604020202020204" pitchFamily="34" charset="0"/>
-              <a:buChar char="•"/>
-              <a:defRPr sz="2000" kern="1200">
-                <a:solidFill>
-                  <a:schemeClr val="tx1"/>
-                </a:solidFill>
-                <a:latin typeface="+mn-lt"/>
-                <a:ea typeface="+mn-ea"/>
-                <a:cs typeface="+mn-cs"/>
-              </a:defRPr>
-            </a:lvl3pPr>
-            <a:lvl4pPr marL="1600200" indent="-228600" algn="l" defTabSz="914400" rtl="0" eaLnBrk="1" latinLnBrk="0" hangingPunct="1">
-              <a:lnSpc>
-                <a:spcPct val="90000"/>
-              </a:lnSpc>
-              <a:spcBef>
-                <a:spcPts val="500"/>
-              </a:spcBef>
-              <a:buFont typeface="Arial" panose="020B0604020202020204" pitchFamily="34" charset="0"/>
-              <a:buChar char="•"/>
-              <a:defRPr sz="1800" kern="1200">
-                <a:solidFill>
-                  <a:schemeClr val="tx1"/>
-                </a:solidFill>
-                <a:latin typeface="+mn-lt"/>
-                <a:ea typeface="+mn-ea"/>
-                <a:cs typeface="+mn-cs"/>
-              </a:defRPr>
-            </a:lvl4pPr>
-            <a:lvl5pPr marL="2057400" indent="-228600" algn="l" defTabSz="914400" rtl="0" eaLnBrk="1" latinLnBrk="0" hangingPunct="1">
-              <a:lnSpc>
-                <a:spcPct val="90000"/>
-              </a:lnSpc>
-              <a:spcBef>
-                <a:spcPts val="500"/>
-              </a:spcBef>
-              <a:buFont typeface="Arial" panose="020B0604020202020204" pitchFamily="34" charset="0"/>
-              <a:buChar char="•"/>
-              <a:defRPr sz="1800" kern="1200">
-                <a:solidFill>
-                  <a:schemeClr val="tx1"/>
-                </a:solidFill>
-                <a:latin typeface="+mn-lt"/>
-                <a:ea typeface="+mn-ea"/>
-                <a:cs typeface="+mn-cs"/>
-              </a:defRPr>
-            </a:lvl5pPr>
-            <a:lvl6pPr marL="2514600" indent="-228600" algn="l" defTabSz="914400" rtl="0" eaLnBrk="1" latinLnBrk="0" hangingPunct="1">
-              <a:lnSpc>
-                <a:spcPct val="90000"/>
-              </a:lnSpc>
-              <a:spcBef>
-                <a:spcPts val="500"/>
-              </a:spcBef>
-              <a:buFont typeface="Arial" panose="020B0604020202020204" pitchFamily="34" charset="0"/>
-              <a:buChar char="•"/>
-              <a:defRPr sz="1800" kern="1200">
-                <a:solidFill>
-                  <a:schemeClr val="tx1"/>
-                </a:solidFill>
-                <a:latin typeface="+mn-lt"/>
-                <a:ea typeface="+mn-ea"/>
-                <a:cs typeface="+mn-cs"/>
-              </a:defRPr>
-            </a:lvl6pPr>
-            <a:lvl7pPr marL="2971800" indent="-228600" algn="l" defTabSz="914400" rtl="0" eaLnBrk="1" latinLnBrk="0" hangingPunct="1">
-              <a:lnSpc>
-                <a:spcPct val="90000"/>
-              </a:lnSpc>
-              <a:spcBef>
-                <a:spcPts val="500"/>
-              </a:spcBef>
-              <a:buFont typeface="Arial" panose="020B0604020202020204" pitchFamily="34" charset="0"/>
-              <a:buChar char="•"/>
-              <a:defRPr sz="1800" kern="1200">
-                <a:solidFill>
-                  <a:schemeClr val="tx1"/>
-                </a:solidFill>
-                <a:latin typeface="+mn-lt"/>
-                <a:ea typeface="+mn-ea"/>
-                <a:cs typeface="+mn-cs"/>
-              </a:defRPr>
-            </a:lvl7pPr>
-            <a:lvl8pPr marL="3429000" indent="-228600" algn="l" defTabSz="914400" rtl="0" eaLnBrk="1" latinLnBrk="0" hangingPunct="1">
-              <a:lnSpc>
-                <a:spcPct val="90000"/>
-              </a:lnSpc>
-              <a:spcBef>
-                <a:spcPts val="500"/>
-              </a:spcBef>
-              <a:buFont typeface="Arial" panose="020B0604020202020204" pitchFamily="34" charset="0"/>
-              <a:buChar char="•"/>
-              <a:defRPr sz="1800" kern="1200">
-                <a:solidFill>
-                  <a:schemeClr val="tx1"/>
-                </a:solidFill>
-                <a:latin typeface="+mn-lt"/>
-                <a:ea typeface="+mn-ea"/>
-                <a:cs typeface="+mn-cs"/>
-              </a:defRPr>
-            </a:lvl8pPr>
-            <a:lvl9pPr marL="3886200" indent="-228600" algn="l" defTabSz="914400" rtl="0" eaLnBrk="1" latinLnBrk="0" hangingPunct="1">
-              <a:lnSpc>
-                <a:spcPct val="90000"/>
-              </a:lnSpc>
-              <a:spcBef>
-                <a:spcPts val="500"/>
-              </a:spcBef>
-              <a:buFont typeface="Arial" panose="020B0604020202020204" pitchFamily="34" charset="0"/>
-              <a:buChar char="•"/>
-              <a:defRPr sz="1800" kern="1200">
-                <a:solidFill>
-                  <a:schemeClr val="tx1"/>
-                </a:solidFill>
-                <a:latin typeface="+mn-lt"/>
-                <a:ea typeface="+mn-ea"/>
-                <a:cs typeface="+mn-cs"/>
-              </a:defRPr>
-            </a:lvl9pPr>
-          </a:lstStyle>
-          <a:p>
-            <a:r>
-              <a:rPr lang="en-US" dirty="0"/>
-              <a:t>Cache is responsible to get the data</a:t>
+            <a:r>
+              <a:rPr lang="en-US" sz="1400" dirty="0">
+                <a:latin typeface="Cascadia Mono" panose="020B0609020000020004" pitchFamily="49" charset="0"/>
+                <a:cs typeface="Cascadia Mono" panose="020B0609020000020004" pitchFamily="49" charset="0"/>
+              </a:rPr>
+              <a:t>var ret = await _</a:t>
+            </a:r>
+            <a:r>
+              <a:rPr lang="en-US" sz="1400" dirty="0" err="1">
+                <a:latin typeface="Cascadia Mono" panose="020B0609020000020004" pitchFamily="49" charset="0"/>
+                <a:cs typeface="Cascadia Mono" panose="020B0609020000020004" pitchFamily="49" charset="0"/>
+              </a:rPr>
+              <a:t>cache.GetStringAsync</a:t>
+            </a:r>
+            <a:r>
+              <a:rPr lang="en-US" sz="1400" dirty="0">
+                <a:latin typeface="Cascadia Mono" panose="020B0609020000020004" pitchFamily="49" charset="0"/>
+                <a:cs typeface="Cascadia Mono" panose="020B0609020000020004" pitchFamily="49" charset="0"/>
+              </a:rPr>
+              <a:t>(location);</a:t>
+            </a:r>
+          </a:p>
+          <a:p>
+            <a:r>
+              <a:rPr lang="en-US" sz="1400" dirty="0">
+                <a:latin typeface="Cascadia Mono" panose="020B0609020000020004" pitchFamily="49" charset="0"/>
+                <a:cs typeface="Cascadia Mono" panose="020B0609020000020004" pitchFamily="49" charset="0"/>
+              </a:rPr>
+              <a:t>if(ret == null)</a:t>
+            </a:r>
+          </a:p>
+          <a:p>
+            <a:r>
+              <a:rPr lang="en-US" sz="1400" dirty="0">
+                <a:latin typeface="Cascadia Mono" panose="020B0609020000020004" pitchFamily="49" charset="0"/>
+                <a:cs typeface="Cascadia Mono" panose="020B0609020000020004" pitchFamily="49" charset="0"/>
+              </a:rPr>
+              <a:t>{</a:t>
+            </a:r>
+          </a:p>
+          <a:p>
+            <a:r>
+              <a:rPr lang="en-US" sz="1400" dirty="0">
+                <a:latin typeface="Cascadia Mono" panose="020B0609020000020004" pitchFamily="49" charset="0"/>
+                <a:cs typeface="Cascadia Mono" panose="020B0609020000020004" pitchFamily="49" charset="0"/>
+              </a:rPr>
+              <a:t>    ret = await _</a:t>
+            </a:r>
+            <a:r>
+              <a:rPr lang="en-US" sz="1400" dirty="0" err="1">
+                <a:latin typeface="Cascadia Mono" panose="020B0609020000020004" pitchFamily="49" charset="0"/>
+                <a:cs typeface="Cascadia Mono" panose="020B0609020000020004" pitchFamily="49" charset="0"/>
+              </a:rPr>
+              <a:t>dataSources.GetCurrentTime</a:t>
+            </a:r>
+            <a:r>
+              <a:rPr lang="en-US" sz="1400" dirty="0">
+                <a:latin typeface="Cascadia Mono" panose="020B0609020000020004" pitchFamily="49" charset="0"/>
+                <a:cs typeface="Cascadia Mono" panose="020B0609020000020004" pitchFamily="49" charset="0"/>
+              </a:rPr>
+              <a:t>(location);</a:t>
+            </a:r>
+          </a:p>
+          <a:p>
+            <a:r>
+              <a:rPr lang="en-US" sz="1400" dirty="0">
+                <a:latin typeface="Cascadia Mono" panose="020B0609020000020004" pitchFamily="49" charset="0"/>
+                <a:cs typeface="Cascadia Mono" panose="020B0609020000020004" pitchFamily="49" charset="0"/>
+              </a:rPr>
+              <a:t>    await _</a:t>
+            </a:r>
+            <a:r>
+              <a:rPr lang="en-US" sz="1400" dirty="0" err="1">
+                <a:latin typeface="Cascadia Mono" panose="020B0609020000020004" pitchFamily="49" charset="0"/>
+                <a:cs typeface="Cascadia Mono" panose="020B0609020000020004" pitchFamily="49" charset="0"/>
+              </a:rPr>
+              <a:t>cache.SetStringAsync</a:t>
+            </a:r>
+            <a:r>
+              <a:rPr lang="en-US" sz="1400" dirty="0">
+                <a:latin typeface="Cascadia Mono" panose="020B0609020000020004" pitchFamily="49" charset="0"/>
+                <a:cs typeface="Cascadia Mono" panose="020B0609020000020004" pitchFamily="49" charset="0"/>
+              </a:rPr>
+              <a:t>(location, ret);</a:t>
+            </a:r>
+          </a:p>
+          <a:p>
+            <a:r>
+              <a:rPr lang="en-US" sz="1400" dirty="0">
+                <a:latin typeface="Cascadia Mono" panose="020B0609020000020004" pitchFamily="49" charset="0"/>
+                <a:cs typeface="Cascadia Mono" panose="020B0609020000020004" pitchFamily="49" charset="0"/>
+              </a:rPr>
+              <a:t>}</a:t>
+            </a:r>
+          </a:p>
+          <a:p>
+            <a:r>
+              <a:rPr lang="en-US" sz="1400" dirty="0">
+                <a:latin typeface="Cascadia Mono" panose="020B0609020000020004" pitchFamily="49" charset="0"/>
+                <a:cs typeface="Cascadia Mono" panose="020B0609020000020004" pitchFamily="49" charset="0"/>
+              </a:rPr>
+              <a:t>return ret;</a:t>
             </a:r>
           </a:p>
         </p:txBody>
@@ -6308,7 +6154,7 @@
     </p:spTree>
     <p:extLst>
       <p:ext uri="{BB962C8B-B14F-4D97-AF65-F5344CB8AC3E}">
-        <p14:creationId xmlns:p14="http://schemas.microsoft.com/office/powerpoint/2010/main" val="3574927471"/>
+        <p14:creationId xmlns:p14="http://schemas.microsoft.com/office/powerpoint/2010/main" val="3559071882"/>
       </p:ext>
     </p:extLst>
   </p:cSld>
@@ -6357,12 +6203,51 @@
           <a:lstStyle/>
           <a:p>
             <a:r>
-              <a:rPr lang="en-US" dirty="0"/>
-              <a:t>Caching Patterns: Read-"compromise"</a:t>
-            </a:r>
-          </a:p>
-        </p:txBody>
-      </p:sp>
+              <a:rPr lang="en-US"/>
+              <a:t>Caching Patterns: Read-Through</a:t>
+            </a:r>
+            <a:endParaRPr lang="en-US" dirty="0"/>
+          </a:p>
+        </p:txBody>
+      </p:sp>
+      <p:pic>
+        <p:nvPicPr>
+          <p:cNvPr id="9" name="Content Placeholder 8">
+            <a:extLst>
+              <a:ext uri="{FF2B5EF4-FFF2-40B4-BE49-F238E27FC236}">
+                <a16:creationId xmlns:a16="http://schemas.microsoft.com/office/drawing/2014/main" id="{3156FBF6-3FDC-5C14-5656-F34B6FBA54ED}"/>
+              </a:ext>
+            </a:extLst>
+          </p:cNvPr>
+          <p:cNvPicPr>
+            <a:picLocks noGrp="1" noChangeAspect="1"/>
+          </p:cNvPicPr>
+          <p:nvPr>
+            <p:ph idx="1"/>
+          </p:nvPr>
+        </p:nvPicPr>
+        <p:blipFill>
+          <a:blip r:embed="rId2">
+            <a:extLst>
+              <a:ext uri="{28A0092B-C50C-407E-A947-70E740481C1C}">
+                <a14:useLocalDpi xmlns:a14="http://schemas.microsoft.com/office/drawing/2010/main" val="0"/>
+              </a:ext>
+              <a:ext uri="{96DAC541-7B7A-43D3-8B79-37D633B846F1}">
+                <asvg:svgBlip xmlns:asvg="http://schemas.microsoft.com/office/drawing/2016/SVG/main" r:embed="rId3"/>
+              </a:ext>
+            </a:extLst>
+          </a:blip>
+          <a:stretch>
+            <a:fillRect/>
+          </a:stretch>
+        </p:blipFill>
+        <p:spPr>
+          <a:xfrm>
+            <a:off x="2318994" y="1924843"/>
+            <a:ext cx="6872140" cy="4568031"/>
+          </a:xfrm>
+        </p:spPr>
+      </p:pic>
       <p:sp>
         <p:nvSpPr>
           <p:cNvPr id="4" name="AutoShape 2">
@@ -6647,294 +6532,15 @@
           <a:p>
             <a:r>
               <a:rPr lang="en-US" dirty="0"/>
-              <a:t>Application code maintains responsibility to get the data providing a factory</a:t>
-            </a:r>
-          </a:p>
-          <a:p>
-            <a:r>
-              <a:rPr lang="en-US" dirty="0"/>
-              <a:t>Cache can apply policies on the "data factory" (e.g. timeouts, fail safe)</a:t>
-            </a:r>
-          </a:p>
-        </p:txBody>
-      </p:sp>
-      <p:sp>
-        <p:nvSpPr>
-          <p:cNvPr id="6" name="TextBox 5">
-            <a:extLst>
-              <a:ext uri="{FF2B5EF4-FFF2-40B4-BE49-F238E27FC236}">
-                <a16:creationId xmlns:a16="http://schemas.microsoft.com/office/drawing/2014/main" id="{26FB2E35-C0C2-2A08-E5E5-62A1CBD8432D}"/>
-              </a:ext>
-            </a:extLst>
-          </p:cNvPr>
-          <p:cNvSpPr txBox="1"/>
-          <p:nvPr/>
-        </p:nvSpPr>
-        <p:spPr>
-          <a:xfrm>
-            <a:off x="763479" y="3249228"/>
-            <a:ext cx="9721048" cy="2308324"/>
-          </a:xfrm>
-          <a:prstGeom prst="rect">
-            <a:avLst/>
-          </a:prstGeom>
-          <a:noFill/>
-          <a:ln>
-            <a:solidFill>
-              <a:schemeClr val="accent1"/>
-            </a:solidFill>
-          </a:ln>
-        </p:spPr>
-        <p:txBody>
-          <a:bodyPr wrap="square" rtlCol="0">
-            <a:spAutoFit/>
-          </a:bodyPr>
-          <a:lstStyle/>
-          <a:p>
-            <a:r>
-              <a:rPr lang="en-US" sz="1800" dirty="0">
-                <a:solidFill>
-                  <a:srgbClr val="000000"/>
-                </a:solidFill>
-                <a:latin typeface="Cascadia Mono" panose="020B0609020000020004" pitchFamily="49" charset="0"/>
-              </a:rPr>
-              <a:t>// _cache -&gt; </a:t>
-            </a:r>
-            <a:r>
-              <a:rPr lang="en-US" sz="1800" dirty="0" err="1">
-                <a:solidFill>
-                  <a:srgbClr val="000000"/>
-                </a:solidFill>
-                <a:latin typeface="Cascadia Mono" panose="020B0609020000020004" pitchFamily="49" charset="0"/>
-              </a:rPr>
-              <a:t>IMemoryCache</a:t>
-            </a:r>
-            <a:br>
-              <a:rPr lang="en-US" sz="1800" dirty="0">
-                <a:solidFill>
-                  <a:srgbClr val="000000"/>
-                </a:solidFill>
-                <a:latin typeface="Cascadia Mono" panose="020B0609020000020004" pitchFamily="49" charset="0"/>
-              </a:rPr>
-            </a:br>
-            <a:r>
-              <a:rPr lang="en-US" sz="1800" dirty="0">
-                <a:solidFill>
-                  <a:srgbClr val="000000"/>
-                </a:solidFill>
-                <a:latin typeface="Cascadia Mono" panose="020B0609020000020004" pitchFamily="49" charset="0"/>
-              </a:rPr>
-              <a:t>var ret = await _</a:t>
-            </a:r>
-            <a:r>
-              <a:rPr lang="en-US" sz="1800" dirty="0" err="1">
-                <a:solidFill>
-                  <a:srgbClr val="000000"/>
-                </a:solidFill>
-                <a:latin typeface="Cascadia Mono" panose="020B0609020000020004" pitchFamily="49" charset="0"/>
-              </a:rPr>
-              <a:t>cache.GetOrCreateAsync</a:t>
-            </a:r>
-            <a:r>
-              <a:rPr lang="en-US" sz="1800" dirty="0">
-                <a:solidFill>
-                  <a:srgbClr val="000000"/>
-                </a:solidFill>
-                <a:latin typeface="Cascadia Mono" panose="020B0609020000020004" pitchFamily="49" charset="0"/>
-              </a:rPr>
-              <a:t>(location, async </a:t>
-            </a:r>
-            <a:r>
-              <a:rPr lang="en-US" sz="1800" dirty="0" err="1">
-                <a:solidFill>
-                  <a:srgbClr val="000000"/>
-                </a:solidFill>
-                <a:latin typeface="Cascadia Mono" panose="020B0609020000020004" pitchFamily="49" charset="0"/>
-              </a:rPr>
-              <a:t>cacheEntry</a:t>
-            </a:r>
-            <a:r>
-              <a:rPr lang="en-US" sz="1800" dirty="0">
-                <a:solidFill>
-                  <a:srgbClr val="000000"/>
-                </a:solidFill>
-                <a:latin typeface="Cascadia Mono" panose="020B0609020000020004" pitchFamily="49" charset="0"/>
-              </a:rPr>
-              <a:t>=&gt;</a:t>
-            </a:r>
-          </a:p>
-          <a:p>
-            <a:r>
-              <a:rPr lang="en-US" sz="1800" dirty="0">
-                <a:solidFill>
-                  <a:srgbClr val="000000"/>
-                </a:solidFill>
-                <a:latin typeface="Cascadia Mono" panose="020B0609020000020004" pitchFamily="49" charset="0"/>
-              </a:rPr>
-              <a:t>{</a:t>
-            </a:r>
-          </a:p>
-          <a:p>
-            <a:r>
-              <a:rPr lang="en-US" sz="1800" dirty="0">
-                <a:solidFill>
-                  <a:srgbClr val="000000"/>
-                </a:solidFill>
-                <a:latin typeface="Cascadia Mono" panose="020B0609020000020004" pitchFamily="49" charset="0"/>
-              </a:rPr>
-              <a:t>    </a:t>
-            </a:r>
-            <a:r>
-              <a:rPr lang="en-US" sz="1800" dirty="0" err="1">
-                <a:solidFill>
-                  <a:srgbClr val="000000"/>
-                </a:solidFill>
-                <a:latin typeface="Cascadia Mono" panose="020B0609020000020004" pitchFamily="49" charset="0"/>
-              </a:rPr>
-              <a:t>cacheEntry.AbsoluteExpiration</a:t>
-            </a:r>
-            <a:r>
-              <a:rPr lang="en-US" sz="1800" dirty="0">
-                <a:solidFill>
-                  <a:srgbClr val="000000"/>
-                </a:solidFill>
-                <a:latin typeface="Cascadia Mono" panose="020B0609020000020004" pitchFamily="49" charset="0"/>
-              </a:rPr>
-              <a:t> = </a:t>
-            </a:r>
-            <a:r>
-              <a:rPr lang="en-US" sz="1800" dirty="0" err="1">
-                <a:solidFill>
-                  <a:srgbClr val="000000"/>
-                </a:solidFill>
-                <a:latin typeface="Cascadia Mono" panose="020B0609020000020004" pitchFamily="49" charset="0"/>
-              </a:rPr>
-              <a:t>DateTimeOffset.UtcNow</a:t>
-            </a:r>
-            <a:r>
-              <a:rPr lang="en-US" sz="1800" dirty="0">
-                <a:solidFill>
-                  <a:srgbClr val="000000"/>
-                </a:solidFill>
-                <a:latin typeface="Cascadia Mono" panose="020B0609020000020004" pitchFamily="49" charset="0"/>
-              </a:rPr>
-              <a:t> +</a:t>
-            </a:r>
-            <a:br>
-              <a:rPr lang="en-US" sz="1800" dirty="0">
-                <a:solidFill>
-                  <a:srgbClr val="000000"/>
-                </a:solidFill>
-                <a:latin typeface="Cascadia Mono" panose="020B0609020000020004" pitchFamily="49" charset="0"/>
-              </a:rPr>
-            </a:br>
-            <a:r>
-              <a:rPr lang="en-US" sz="1800" dirty="0">
-                <a:solidFill>
-                  <a:srgbClr val="000000"/>
-                </a:solidFill>
-                <a:latin typeface="Cascadia Mono" panose="020B0609020000020004" pitchFamily="49" charset="0"/>
-              </a:rPr>
-              <a:t>      </a:t>
-            </a:r>
-            <a:r>
-              <a:rPr lang="en-US" sz="1800" dirty="0" err="1">
-                <a:solidFill>
-                  <a:srgbClr val="000000"/>
-                </a:solidFill>
-                <a:latin typeface="Cascadia Mono" panose="020B0609020000020004" pitchFamily="49" charset="0"/>
-              </a:rPr>
-              <a:t>TimeSpan.FromMinutes</a:t>
-            </a:r>
-            <a:r>
-              <a:rPr lang="en-US" sz="1800" dirty="0">
-                <a:solidFill>
-                  <a:srgbClr val="000000"/>
-                </a:solidFill>
-                <a:latin typeface="Cascadia Mono" panose="020B0609020000020004" pitchFamily="49" charset="0"/>
-              </a:rPr>
-              <a:t>(1);</a:t>
-            </a:r>
-          </a:p>
-          <a:p>
-            <a:r>
-              <a:rPr lang="en-US" sz="1800" dirty="0">
-                <a:solidFill>
-                  <a:srgbClr val="000000"/>
-                </a:solidFill>
-                <a:latin typeface="Cascadia Mono" panose="020B0609020000020004" pitchFamily="49" charset="0"/>
-              </a:rPr>
-              <a:t>    return await _</a:t>
-            </a:r>
-            <a:r>
-              <a:rPr lang="en-US" sz="1800" dirty="0" err="1">
-                <a:solidFill>
-                  <a:srgbClr val="000000"/>
-                </a:solidFill>
-                <a:latin typeface="Cascadia Mono" panose="020B0609020000020004" pitchFamily="49" charset="0"/>
-              </a:rPr>
-              <a:t>dataSources.GetCurrentTime</a:t>
-            </a:r>
-            <a:r>
-              <a:rPr lang="en-US" sz="1800" dirty="0">
-                <a:solidFill>
-                  <a:srgbClr val="000000"/>
-                </a:solidFill>
-                <a:latin typeface="Cascadia Mono" panose="020B0609020000020004" pitchFamily="49" charset="0"/>
-              </a:rPr>
-              <a:t>(location, </a:t>
-            </a:r>
-            <a:r>
-              <a:rPr lang="en-US" sz="1800" dirty="0" err="1">
-                <a:solidFill>
-                  <a:srgbClr val="000000"/>
-                </a:solidFill>
-                <a:latin typeface="Cascadia Mono" panose="020B0609020000020004" pitchFamily="49" charset="0"/>
-              </a:rPr>
-              <a:t>throwEx</a:t>
-            </a:r>
-            <a:r>
-              <a:rPr lang="en-US" sz="1800" dirty="0">
-                <a:solidFill>
-                  <a:srgbClr val="000000"/>
-                </a:solidFill>
-                <a:latin typeface="Cascadia Mono" panose="020B0609020000020004" pitchFamily="49" charset="0"/>
-              </a:rPr>
-              <a:t>);</a:t>
-            </a:r>
-          </a:p>
-          <a:p>
-            <a:r>
-              <a:rPr lang="en-US" sz="1800" dirty="0">
-                <a:solidFill>
-                  <a:srgbClr val="000000"/>
-                </a:solidFill>
-                <a:latin typeface="Cascadia Mono" panose="020B0609020000020004" pitchFamily="49" charset="0"/>
-              </a:rPr>
-              <a:t>});</a:t>
-            </a:r>
-          </a:p>
-          <a:p>
-            <a:r>
-              <a:rPr lang="en-US" sz="1800" dirty="0">
-                <a:solidFill>
-                  <a:srgbClr val="000000"/>
-                </a:solidFill>
-                <a:latin typeface="Cascadia Mono" panose="020B0609020000020004" pitchFamily="49" charset="0"/>
-              </a:rPr>
-              <a:t>return ret;</a:t>
-            </a:r>
-            <a:endParaRPr lang="en-US" sz="1400" dirty="0">
-              <a:latin typeface="Courier New" panose="02070309020205020404" pitchFamily="49" charset="0"/>
-              <a:cs typeface="Courier New" panose="02070309020205020404" pitchFamily="49" charset="0"/>
-            </a:endParaRPr>
+              <a:t>Cache is responsible to get the data</a:t>
+            </a:r>
           </a:p>
         </p:txBody>
       </p:sp>
     </p:spTree>
     <p:extLst>
       <p:ext uri="{BB962C8B-B14F-4D97-AF65-F5344CB8AC3E}">
-        <p14:creationId xmlns:p14="http://schemas.microsoft.com/office/powerpoint/2010/main" val="4288270999"/>
+        <p14:creationId xmlns:p14="http://schemas.microsoft.com/office/powerpoint/2010/main" val="3574927471"/>
       </p:ext>
     </p:extLst>
   </p:cSld>
@@ -6966,7 +6572,7 @@
           <p:cNvPr id="2" name="Title 1">
             <a:extLst>
               <a:ext uri="{FF2B5EF4-FFF2-40B4-BE49-F238E27FC236}">
-                <a16:creationId xmlns:a16="http://schemas.microsoft.com/office/drawing/2014/main" id="{59593752-6681-2B40-B346-B33A140102CE}"/>
+                <a16:creationId xmlns:a16="http://schemas.microsoft.com/office/drawing/2014/main" id="{347BCA57-5E9B-04AB-1CD8-52BAF0286CE5}"/>
               </a:ext>
             </a:extLst>
           </p:cNvPr>
@@ -6984,57 +6590,583 @@
           <a:p>
             <a:r>
               <a:rPr lang="en-US" dirty="0"/>
-              <a:t>Caching Patterns: Write-*</a:t>
-            </a:r>
-          </a:p>
-        </p:txBody>
-      </p:sp>
-      <p:sp>
-        <p:nvSpPr>
-          <p:cNvPr id="3" name="Content Placeholder 2">
-            <a:extLst>
-              <a:ext uri="{FF2B5EF4-FFF2-40B4-BE49-F238E27FC236}">
-                <a16:creationId xmlns:a16="http://schemas.microsoft.com/office/drawing/2014/main" id="{15FDBC59-A97E-D95B-5EAF-CA3CDFCA0850}"/>
-              </a:ext>
-            </a:extLst>
-          </p:cNvPr>
-          <p:cNvSpPr>
-            <a:spLocks noGrp="1"/>
-          </p:cNvSpPr>
-          <p:nvPr>
-            <p:ph idx="1"/>
-          </p:nvPr>
-        </p:nvSpPr>
-        <p:spPr/>
-        <p:txBody>
-          <a:bodyPr/>
-          <a:lstStyle/>
-          <a:p>
-            <a:r>
-              <a:rPr lang="en-US" dirty="0"/>
-              <a:t>Data is written to cache along with the change in the source of true</a:t>
-            </a:r>
-          </a:p>
-          <a:p>
-            <a:pPr lvl="1"/>
-            <a:r>
-              <a:rPr lang="en-US" dirty="0"/>
-              <a:t>App responsibility: write-aside</a:t>
-            </a:r>
-          </a:p>
-          <a:p>
-            <a:pPr lvl="1"/>
-            <a:r>
-              <a:rPr lang="en-US" dirty="0"/>
-              <a:t>Cache responsibility: write-through</a:t>
-            </a:r>
+              <a:t>Caching Patterns: Read-"compromise"</a:t>
+            </a:r>
+          </a:p>
+        </p:txBody>
+      </p:sp>
+      <p:sp>
+        <p:nvSpPr>
+          <p:cNvPr id="4" name="AutoShape 2">
+            <a:extLst>
+              <a:ext uri="{FF2B5EF4-FFF2-40B4-BE49-F238E27FC236}">
+                <a16:creationId xmlns:a16="http://schemas.microsoft.com/office/drawing/2014/main" id="{099BB7B0-BEE9-D260-BF52-CD168EDAE401}"/>
+              </a:ext>
+            </a:extLst>
+          </p:cNvPr>
+          <p:cNvSpPr>
+            <a:spLocks noChangeAspect="1" noChangeArrowheads="1"/>
+          </p:cNvSpPr>
+          <p:nvPr/>
+        </p:nvSpPr>
+        <p:spPr bwMode="auto">
+          <a:xfrm>
+            <a:off x="5943600" y="3276600"/>
+            <a:ext cx="304800" cy="304800"/>
+          </a:xfrm>
+          <a:prstGeom prst="rect">
+            <a:avLst/>
+          </a:prstGeom>
+          <a:noFill/>
+          <a:extLst>
+            <a:ext uri="{909E8E84-426E-40DD-AFC4-6F175D3DCCD1}">
+              <a14:hiddenFill xmlns:a14="http://schemas.microsoft.com/office/drawing/2010/main">
+                <a:solidFill>
+                  <a:srgbClr val="FFFFFF"/>
+                </a:solidFill>
+              </a14:hiddenFill>
+            </a:ext>
+          </a:extLst>
+        </p:spPr>
+        <p:txBody>
+          <a:bodyPr vert="horz" wrap="square" lIns="91440" tIns="45720" rIns="91440" bIns="45720" numCol="1" anchor="t" anchorCtr="0" compatLnSpc="1">
+            <a:prstTxWarp prst="textNoShape">
+              <a:avLst/>
+            </a:prstTxWarp>
+          </a:bodyPr>
+          <a:lstStyle/>
+          <a:p>
+            <a:endParaRPr lang="en-US"/>
+          </a:p>
+        </p:txBody>
+      </p:sp>
+      <p:sp>
+        <p:nvSpPr>
+          <p:cNvPr id="7" name="AutoShape 8">
+            <a:extLst>
+              <a:ext uri="{FF2B5EF4-FFF2-40B4-BE49-F238E27FC236}">
+                <a16:creationId xmlns:a16="http://schemas.microsoft.com/office/drawing/2014/main" id="{055B34A0-5536-3A41-D650-A902B058AC69}"/>
+              </a:ext>
+            </a:extLst>
+          </p:cNvPr>
+          <p:cNvSpPr>
+            <a:spLocks noChangeAspect="1" noChangeArrowheads="1"/>
+          </p:cNvSpPr>
+          <p:nvPr/>
+        </p:nvSpPr>
+        <p:spPr bwMode="auto">
+          <a:xfrm>
+            <a:off x="6096000" y="3429000"/>
+            <a:ext cx="304800" cy="304800"/>
+          </a:xfrm>
+          <a:prstGeom prst="rect">
+            <a:avLst/>
+          </a:prstGeom>
+          <a:noFill/>
+          <a:extLst>
+            <a:ext uri="{909E8E84-426E-40DD-AFC4-6F175D3DCCD1}">
+              <a14:hiddenFill xmlns:a14="http://schemas.microsoft.com/office/drawing/2010/main">
+                <a:solidFill>
+                  <a:srgbClr val="FFFFFF"/>
+                </a:solidFill>
+              </a14:hiddenFill>
+            </a:ext>
+          </a:extLst>
+        </p:spPr>
+        <p:txBody>
+          <a:bodyPr vert="horz" wrap="square" lIns="91440" tIns="45720" rIns="91440" bIns="45720" numCol="1" anchor="t" anchorCtr="0" compatLnSpc="1">
+            <a:prstTxWarp prst="textNoShape">
+              <a:avLst/>
+            </a:prstTxWarp>
+          </a:bodyPr>
+          <a:lstStyle/>
+          <a:p>
+            <a:endParaRPr lang="en-US"/>
+          </a:p>
+        </p:txBody>
+      </p:sp>
+      <p:sp>
+        <p:nvSpPr>
+          <p:cNvPr id="10" name="Content Placeholder 2">
+            <a:extLst>
+              <a:ext uri="{FF2B5EF4-FFF2-40B4-BE49-F238E27FC236}">
+                <a16:creationId xmlns:a16="http://schemas.microsoft.com/office/drawing/2014/main" id="{6B001CB5-55E2-34F4-056D-227B2079A42E}"/>
+              </a:ext>
+            </a:extLst>
+          </p:cNvPr>
+          <p:cNvSpPr txBox="1">
+            <a:spLocks/>
+          </p:cNvSpPr>
+          <p:nvPr/>
+        </p:nvSpPr>
+        <p:spPr>
+          <a:xfrm>
+            <a:off x="762786" y="1405731"/>
+            <a:ext cx="10515600" cy="4351338"/>
+          </a:xfrm>
+          <a:prstGeom prst="rect">
+            <a:avLst/>
+          </a:prstGeom>
+        </p:spPr>
+        <p:txBody>
+          <a:bodyPr vert="horz" lIns="91440" tIns="45720" rIns="91440" bIns="45720" rtlCol="0">
+            <a:normAutofit/>
+          </a:bodyPr>
+          <a:lstStyle>
+            <a:lvl1pPr marL="228600" indent="-228600" algn="l" defTabSz="914400" rtl="0" eaLnBrk="1" latinLnBrk="0" hangingPunct="1">
+              <a:lnSpc>
+                <a:spcPct val="90000"/>
+              </a:lnSpc>
+              <a:spcBef>
+                <a:spcPts val="1000"/>
+              </a:spcBef>
+              <a:buFont typeface="Arial" panose="020B0604020202020204" pitchFamily="34" charset="0"/>
+              <a:buChar char="•"/>
+              <a:defRPr sz="2800" kern="1200">
+                <a:solidFill>
+                  <a:schemeClr val="tx1"/>
+                </a:solidFill>
+                <a:latin typeface="+mn-lt"/>
+                <a:ea typeface="+mn-ea"/>
+                <a:cs typeface="+mn-cs"/>
+              </a:defRPr>
+            </a:lvl1pPr>
+            <a:lvl2pPr marL="685800" indent="-228600" algn="l" defTabSz="914400" rtl="0" eaLnBrk="1" latinLnBrk="0" hangingPunct="1">
+              <a:lnSpc>
+                <a:spcPct val="90000"/>
+              </a:lnSpc>
+              <a:spcBef>
+                <a:spcPts val="500"/>
+              </a:spcBef>
+              <a:buFont typeface="Arial" panose="020B0604020202020204" pitchFamily="34" charset="0"/>
+              <a:buChar char="•"/>
+              <a:defRPr sz="2400" kern="1200">
+                <a:solidFill>
+                  <a:schemeClr val="tx1"/>
+                </a:solidFill>
+                <a:latin typeface="+mn-lt"/>
+                <a:ea typeface="+mn-ea"/>
+                <a:cs typeface="+mn-cs"/>
+              </a:defRPr>
+            </a:lvl2pPr>
+            <a:lvl3pPr marL="1143000" indent="-228600" algn="l" defTabSz="914400" rtl="0" eaLnBrk="1" latinLnBrk="0" hangingPunct="1">
+              <a:lnSpc>
+                <a:spcPct val="90000"/>
+              </a:lnSpc>
+              <a:spcBef>
+                <a:spcPts val="500"/>
+              </a:spcBef>
+              <a:buFont typeface="Arial" panose="020B0604020202020204" pitchFamily="34" charset="0"/>
+              <a:buChar char="•"/>
+              <a:defRPr sz="2000" kern="1200">
+                <a:solidFill>
+                  <a:schemeClr val="tx1"/>
+                </a:solidFill>
+                <a:latin typeface="+mn-lt"/>
+                <a:ea typeface="+mn-ea"/>
+                <a:cs typeface="+mn-cs"/>
+              </a:defRPr>
+            </a:lvl3pPr>
+            <a:lvl4pPr marL="1600200" indent="-228600" algn="l" defTabSz="914400" rtl="0" eaLnBrk="1" latinLnBrk="0" hangingPunct="1">
+              <a:lnSpc>
+                <a:spcPct val="90000"/>
+              </a:lnSpc>
+              <a:spcBef>
+                <a:spcPts val="500"/>
+              </a:spcBef>
+              <a:buFont typeface="Arial" panose="020B0604020202020204" pitchFamily="34" charset="0"/>
+              <a:buChar char="•"/>
+              <a:defRPr sz="1800" kern="1200">
+                <a:solidFill>
+                  <a:schemeClr val="tx1"/>
+                </a:solidFill>
+                <a:latin typeface="+mn-lt"/>
+                <a:ea typeface="+mn-ea"/>
+                <a:cs typeface="+mn-cs"/>
+              </a:defRPr>
+            </a:lvl4pPr>
+            <a:lvl5pPr marL="2057400" indent="-228600" algn="l" defTabSz="914400" rtl="0" eaLnBrk="1" latinLnBrk="0" hangingPunct="1">
+              <a:lnSpc>
+                <a:spcPct val="90000"/>
+              </a:lnSpc>
+              <a:spcBef>
+                <a:spcPts val="500"/>
+              </a:spcBef>
+              <a:buFont typeface="Arial" panose="020B0604020202020204" pitchFamily="34" charset="0"/>
+              <a:buChar char="•"/>
+              <a:defRPr sz="1800" kern="1200">
+                <a:solidFill>
+                  <a:schemeClr val="tx1"/>
+                </a:solidFill>
+                <a:latin typeface="+mn-lt"/>
+                <a:ea typeface="+mn-ea"/>
+                <a:cs typeface="+mn-cs"/>
+              </a:defRPr>
+            </a:lvl5pPr>
+            <a:lvl6pPr marL="2514600" indent="-228600" algn="l" defTabSz="914400" rtl="0" eaLnBrk="1" latinLnBrk="0" hangingPunct="1">
+              <a:lnSpc>
+                <a:spcPct val="90000"/>
+              </a:lnSpc>
+              <a:spcBef>
+                <a:spcPts val="500"/>
+              </a:spcBef>
+              <a:buFont typeface="Arial" panose="020B0604020202020204" pitchFamily="34" charset="0"/>
+              <a:buChar char="•"/>
+              <a:defRPr sz="1800" kern="1200">
+                <a:solidFill>
+                  <a:schemeClr val="tx1"/>
+                </a:solidFill>
+                <a:latin typeface="+mn-lt"/>
+                <a:ea typeface="+mn-ea"/>
+                <a:cs typeface="+mn-cs"/>
+              </a:defRPr>
+            </a:lvl6pPr>
+            <a:lvl7pPr marL="2971800" indent="-228600" algn="l" defTabSz="914400" rtl="0" eaLnBrk="1" latinLnBrk="0" hangingPunct="1">
+              <a:lnSpc>
+                <a:spcPct val="90000"/>
+              </a:lnSpc>
+              <a:spcBef>
+                <a:spcPts val="500"/>
+              </a:spcBef>
+              <a:buFont typeface="Arial" panose="020B0604020202020204" pitchFamily="34" charset="0"/>
+              <a:buChar char="•"/>
+              <a:defRPr sz="1800" kern="1200">
+                <a:solidFill>
+                  <a:schemeClr val="tx1"/>
+                </a:solidFill>
+                <a:latin typeface="+mn-lt"/>
+                <a:ea typeface="+mn-ea"/>
+                <a:cs typeface="+mn-cs"/>
+              </a:defRPr>
+            </a:lvl7pPr>
+            <a:lvl8pPr marL="3429000" indent="-228600" algn="l" defTabSz="914400" rtl="0" eaLnBrk="1" latinLnBrk="0" hangingPunct="1">
+              <a:lnSpc>
+                <a:spcPct val="90000"/>
+              </a:lnSpc>
+              <a:spcBef>
+                <a:spcPts val="500"/>
+              </a:spcBef>
+              <a:buFont typeface="Arial" panose="020B0604020202020204" pitchFamily="34" charset="0"/>
+              <a:buChar char="•"/>
+              <a:defRPr sz="1800" kern="1200">
+                <a:solidFill>
+                  <a:schemeClr val="tx1"/>
+                </a:solidFill>
+                <a:latin typeface="+mn-lt"/>
+                <a:ea typeface="+mn-ea"/>
+                <a:cs typeface="+mn-cs"/>
+              </a:defRPr>
+            </a:lvl8pPr>
+            <a:lvl9pPr marL="3886200" indent="-228600" algn="l" defTabSz="914400" rtl="0" eaLnBrk="1" latinLnBrk="0" hangingPunct="1">
+              <a:lnSpc>
+                <a:spcPct val="90000"/>
+              </a:lnSpc>
+              <a:spcBef>
+                <a:spcPts val="500"/>
+              </a:spcBef>
+              <a:buFont typeface="Arial" panose="020B0604020202020204" pitchFamily="34" charset="0"/>
+              <a:buChar char="•"/>
+              <a:defRPr sz="1800" kern="1200">
+                <a:solidFill>
+                  <a:schemeClr val="tx1"/>
+                </a:solidFill>
+                <a:latin typeface="+mn-lt"/>
+                <a:ea typeface="+mn-ea"/>
+                <a:cs typeface="+mn-cs"/>
+              </a:defRPr>
+            </a:lvl9pPr>
+          </a:lstStyle>
+          <a:p>
+            <a:r>
+              <a:rPr lang="en-US" dirty="0"/>
+              <a:t>Application code maintains responsibility to get the data providing a factory</a:t>
+            </a:r>
+          </a:p>
+          <a:p>
+            <a:r>
+              <a:rPr lang="en-US" dirty="0"/>
+              <a:t>Cache can apply policies on the "data factory" (e.g. timeouts, fail safe)</a:t>
+            </a:r>
+          </a:p>
+        </p:txBody>
+      </p:sp>
+      <p:sp>
+        <p:nvSpPr>
+          <p:cNvPr id="6" name="TextBox 5">
+            <a:extLst>
+              <a:ext uri="{FF2B5EF4-FFF2-40B4-BE49-F238E27FC236}">
+                <a16:creationId xmlns:a16="http://schemas.microsoft.com/office/drawing/2014/main" id="{26FB2E35-C0C2-2A08-E5E5-62A1CBD8432D}"/>
+              </a:ext>
+            </a:extLst>
+          </p:cNvPr>
+          <p:cNvSpPr txBox="1"/>
+          <p:nvPr/>
+        </p:nvSpPr>
+        <p:spPr>
+          <a:xfrm>
+            <a:off x="763479" y="3249228"/>
+            <a:ext cx="9721048" cy="2308324"/>
+          </a:xfrm>
+          <a:prstGeom prst="rect">
+            <a:avLst/>
+          </a:prstGeom>
+          <a:noFill/>
+          <a:ln>
+            <a:solidFill>
+              <a:schemeClr val="accent1"/>
+            </a:solidFill>
+          </a:ln>
+        </p:spPr>
+        <p:txBody>
+          <a:bodyPr wrap="square" rtlCol="0">
+            <a:spAutoFit/>
+          </a:bodyPr>
+          <a:lstStyle/>
+          <a:p>
+            <a:r>
+              <a:rPr lang="en-US" sz="1800" dirty="0">
+                <a:solidFill>
+                  <a:srgbClr val="000000"/>
+                </a:solidFill>
+                <a:latin typeface="Cascadia Mono" panose="020B0609020000020004" pitchFamily="49" charset="0"/>
+              </a:rPr>
+              <a:t>// _cache -&gt; </a:t>
+            </a:r>
+            <a:r>
+              <a:rPr lang="en-US" sz="1800" dirty="0" err="1">
+                <a:solidFill>
+                  <a:srgbClr val="000000"/>
+                </a:solidFill>
+                <a:latin typeface="Cascadia Mono" panose="020B0609020000020004" pitchFamily="49" charset="0"/>
+              </a:rPr>
+              <a:t>IMemoryCache</a:t>
+            </a:r>
+            <a:br>
+              <a:rPr lang="en-US" sz="1800" dirty="0">
+                <a:solidFill>
+                  <a:srgbClr val="000000"/>
+                </a:solidFill>
+                <a:latin typeface="Cascadia Mono" panose="020B0609020000020004" pitchFamily="49" charset="0"/>
+              </a:rPr>
+            </a:br>
+            <a:r>
+              <a:rPr lang="en-US" sz="1800" dirty="0">
+                <a:solidFill>
+                  <a:srgbClr val="000000"/>
+                </a:solidFill>
+                <a:latin typeface="Cascadia Mono" panose="020B0609020000020004" pitchFamily="49" charset="0"/>
+              </a:rPr>
+              <a:t>var ret = await _</a:t>
+            </a:r>
+            <a:r>
+              <a:rPr lang="en-US" sz="1800" dirty="0" err="1">
+                <a:solidFill>
+                  <a:srgbClr val="000000"/>
+                </a:solidFill>
+                <a:latin typeface="Cascadia Mono" panose="020B0609020000020004" pitchFamily="49" charset="0"/>
+              </a:rPr>
+              <a:t>cache.GetOrCreateAsync</a:t>
+            </a:r>
+            <a:r>
+              <a:rPr lang="en-US" sz="1800" dirty="0">
+                <a:solidFill>
+                  <a:srgbClr val="000000"/>
+                </a:solidFill>
+                <a:latin typeface="Cascadia Mono" panose="020B0609020000020004" pitchFamily="49" charset="0"/>
+              </a:rPr>
+              <a:t>(location, async </a:t>
+            </a:r>
+            <a:r>
+              <a:rPr lang="en-US" sz="1800" dirty="0" err="1">
+                <a:solidFill>
+                  <a:srgbClr val="000000"/>
+                </a:solidFill>
+                <a:latin typeface="Cascadia Mono" panose="020B0609020000020004" pitchFamily="49" charset="0"/>
+              </a:rPr>
+              <a:t>cacheEntry</a:t>
+            </a:r>
+            <a:r>
+              <a:rPr lang="en-US" sz="1800" dirty="0">
+                <a:solidFill>
+                  <a:srgbClr val="000000"/>
+                </a:solidFill>
+                <a:latin typeface="Cascadia Mono" panose="020B0609020000020004" pitchFamily="49" charset="0"/>
+              </a:rPr>
+              <a:t>=&gt;</a:t>
+            </a:r>
+          </a:p>
+          <a:p>
+            <a:r>
+              <a:rPr lang="en-US" sz="1800" dirty="0">
+                <a:solidFill>
+                  <a:srgbClr val="000000"/>
+                </a:solidFill>
+                <a:latin typeface="Cascadia Mono" panose="020B0609020000020004" pitchFamily="49" charset="0"/>
+              </a:rPr>
+              <a:t>{</a:t>
+            </a:r>
+          </a:p>
+          <a:p>
+            <a:r>
+              <a:rPr lang="en-US" sz="1800" dirty="0">
+                <a:solidFill>
+                  <a:srgbClr val="000000"/>
+                </a:solidFill>
+                <a:latin typeface="Cascadia Mono" panose="020B0609020000020004" pitchFamily="49" charset="0"/>
+              </a:rPr>
+              <a:t>    </a:t>
+            </a:r>
+            <a:r>
+              <a:rPr lang="en-US" sz="1800" dirty="0" err="1">
+                <a:solidFill>
+                  <a:srgbClr val="000000"/>
+                </a:solidFill>
+                <a:latin typeface="Cascadia Mono" panose="020B0609020000020004" pitchFamily="49" charset="0"/>
+              </a:rPr>
+              <a:t>cacheEntry.AbsoluteExpiration</a:t>
+            </a:r>
+            <a:r>
+              <a:rPr lang="en-US" sz="1800" dirty="0">
+                <a:solidFill>
+                  <a:srgbClr val="000000"/>
+                </a:solidFill>
+                <a:latin typeface="Cascadia Mono" panose="020B0609020000020004" pitchFamily="49" charset="0"/>
+              </a:rPr>
+              <a:t> = </a:t>
+            </a:r>
+            <a:r>
+              <a:rPr lang="en-US" sz="1800" dirty="0" err="1">
+                <a:solidFill>
+                  <a:srgbClr val="000000"/>
+                </a:solidFill>
+                <a:latin typeface="Cascadia Mono" panose="020B0609020000020004" pitchFamily="49" charset="0"/>
+              </a:rPr>
+              <a:t>DateTimeOffset.UtcNow</a:t>
+            </a:r>
+            <a:r>
+              <a:rPr lang="en-US" sz="1800" dirty="0">
+                <a:solidFill>
+                  <a:srgbClr val="000000"/>
+                </a:solidFill>
+                <a:latin typeface="Cascadia Mono" panose="020B0609020000020004" pitchFamily="49" charset="0"/>
+              </a:rPr>
+              <a:t> +</a:t>
+            </a:r>
+            <a:br>
+              <a:rPr lang="en-US" sz="1800" dirty="0">
+                <a:solidFill>
+                  <a:srgbClr val="000000"/>
+                </a:solidFill>
+                <a:latin typeface="Cascadia Mono" panose="020B0609020000020004" pitchFamily="49" charset="0"/>
+              </a:rPr>
+            </a:br>
+            <a:r>
+              <a:rPr lang="en-US" sz="1800" dirty="0">
+                <a:solidFill>
+                  <a:srgbClr val="000000"/>
+                </a:solidFill>
+                <a:latin typeface="Cascadia Mono" panose="020B0609020000020004" pitchFamily="49" charset="0"/>
+              </a:rPr>
+              <a:t>      </a:t>
+            </a:r>
+            <a:r>
+              <a:rPr lang="en-US" sz="1800" dirty="0" err="1">
+                <a:solidFill>
+                  <a:srgbClr val="000000"/>
+                </a:solidFill>
+                <a:latin typeface="Cascadia Mono" panose="020B0609020000020004" pitchFamily="49" charset="0"/>
+              </a:rPr>
+              <a:t>TimeSpan.FromMinutes</a:t>
+            </a:r>
+            <a:r>
+              <a:rPr lang="en-US" sz="1800" dirty="0">
+                <a:solidFill>
+                  <a:srgbClr val="000000"/>
+                </a:solidFill>
+                <a:latin typeface="Cascadia Mono" panose="020B0609020000020004" pitchFamily="49" charset="0"/>
+              </a:rPr>
+              <a:t>(1);</a:t>
+            </a:r>
+          </a:p>
+          <a:p>
+            <a:r>
+              <a:rPr lang="en-US" sz="1800" dirty="0">
+                <a:solidFill>
+                  <a:srgbClr val="000000"/>
+                </a:solidFill>
+                <a:latin typeface="Cascadia Mono" panose="020B0609020000020004" pitchFamily="49" charset="0"/>
+              </a:rPr>
+              <a:t>    return await _</a:t>
+            </a:r>
+            <a:r>
+              <a:rPr lang="en-US" sz="1800" dirty="0" err="1">
+                <a:solidFill>
+                  <a:srgbClr val="000000"/>
+                </a:solidFill>
+                <a:latin typeface="Cascadia Mono" panose="020B0609020000020004" pitchFamily="49" charset="0"/>
+              </a:rPr>
+              <a:t>dataSources.GetCurrentTime</a:t>
+            </a:r>
+            <a:r>
+              <a:rPr lang="en-US" sz="1800" dirty="0">
+                <a:solidFill>
+                  <a:srgbClr val="000000"/>
+                </a:solidFill>
+                <a:latin typeface="Cascadia Mono" panose="020B0609020000020004" pitchFamily="49" charset="0"/>
+              </a:rPr>
+              <a:t>(location, </a:t>
+            </a:r>
+            <a:r>
+              <a:rPr lang="en-US" sz="1800" dirty="0" err="1">
+                <a:solidFill>
+                  <a:srgbClr val="000000"/>
+                </a:solidFill>
+                <a:latin typeface="Cascadia Mono" panose="020B0609020000020004" pitchFamily="49" charset="0"/>
+              </a:rPr>
+              <a:t>throwEx</a:t>
+            </a:r>
+            <a:r>
+              <a:rPr lang="en-US" sz="1800" dirty="0">
+                <a:solidFill>
+                  <a:srgbClr val="000000"/>
+                </a:solidFill>
+                <a:latin typeface="Cascadia Mono" panose="020B0609020000020004" pitchFamily="49" charset="0"/>
+              </a:rPr>
+              <a:t>);</a:t>
+            </a:r>
+          </a:p>
+          <a:p>
+            <a:r>
+              <a:rPr lang="en-US" sz="1800" dirty="0">
+                <a:solidFill>
+                  <a:srgbClr val="000000"/>
+                </a:solidFill>
+                <a:latin typeface="Cascadia Mono" panose="020B0609020000020004" pitchFamily="49" charset="0"/>
+              </a:rPr>
+              <a:t>});</a:t>
+            </a:r>
+          </a:p>
+          <a:p>
+            <a:r>
+              <a:rPr lang="en-US" sz="1800" dirty="0">
+                <a:solidFill>
+                  <a:srgbClr val="000000"/>
+                </a:solidFill>
+                <a:latin typeface="Cascadia Mono" panose="020B0609020000020004" pitchFamily="49" charset="0"/>
+              </a:rPr>
+              <a:t>return ret;</a:t>
+            </a:r>
+            <a:endParaRPr lang="en-US" sz="1400" dirty="0">
+              <a:latin typeface="Courier New" panose="02070309020205020404" pitchFamily="49" charset="0"/>
+              <a:cs typeface="Courier New" panose="02070309020205020404" pitchFamily="49" charset="0"/>
+            </a:endParaRPr>
           </a:p>
         </p:txBody>
       </p:sp>
     </p:spTree>
     <p:extLst>
       <p:ext uri="{BB962C8B-B14F-4D97-AF65-F5344CB8AC3E}">
-        <p14:creationId xmlns:p14="http://schemas.microsoft.com/office/powerpoint/2010/main" val="2566556712"/>
+        <p14:creationId xmlns:p14="http://schemas.microsoft.com/office/powerpoint/2010/main" val="4288270999"/>
       </p:ext>
     </p:extLst>
   </p:cSld>
@@ -7118,13 +7250,13 @@
           <a:p>
             <a:r>
               <a:rPr lang="en-US" dirty="0"/>
+              <a:t>In memory vs distributed (shared) cache</a:t>
+            </a:r>
+          </a:p>
+          <a:p>
+            <a:r>
+              <a:rPr lang="en-US" dirty="0"/>
               <a:t>Caching Patterns</a:t>
-            </a:r>
-          </a:p>
-          <a:p>
-            <a:r>
-              <a:rPr lang="en-US" dirty="0"/>
-              <a:t>In memory vs distributed (shared) cache</a:t>
             </a:r>
           </a:p>
           <a:p>
@@ -7191,6 +7323,106 @@
           <a:p>
             <a:r>
               <a:rPr lang="en-US" dirty="0"/>
+              <a:t>Caching Patterns: Write-*</a:t>
+            </a:r>
+          </a:p>
+        </p:txBody>
+      </p:sp>
+      <p:sp>
+        <p:nvSpPr>
+          <p:cNvPr id="3" name="Content Placeholder 2">
+            <a:extLst>
+              <a:ext uri="{FF2B5EF4-FFF2-40B4-BE49-F238E27FC236}">
+                <a16:creationId xmlns:a16="http://schemas.microsoft.com/office/drawing/2014/main" id="{15FDBC59-A97E-D95B-5EAF-CA3CDFCA0850}"/>
+              </a:ext>
+            </a:extLst>
+          </p:cNvPr>
+          <p:cNvSpPr>
+            <a:spLocks noGrp="1"/>
+          </p:cNvSpPr>
+          <p:nvPr>
+            <p:ph idx="1"/>
+          </p:nvPr>
+        </p:nvSpPr>
+        <p:spPr/>
+        <p:txBody>
+          <a:bodyPr/>
+          <a:lstStyle/>
+          <a:p>
+            <a:r>
+              <a:rPr lang="en-US" dirty="0"/>
+              <a:t>Data is written to cache along with the change in the source of true</a:t>
+            </a:r>
+          </a:p>
+          <a:p>
+            <a:pPr lvl="1"/>
+            <a:r>
+              <a:rPr lang="en-US" dirty="0"/>
+              <a:t>App responsibility: write-aside</a:t>
+            </a:r>
+          </a:p>
+          <a:p>
+            <a:pPr lvl="1"/>
+            <a:r>
+              <a:rPr lang="en-US" dirty="0"/>
+              <a:t>Cache responsibility: write-through</a:t>
+            </a:r>
+          </a:p>
+        </p:txBody>
+      </p:sp>
+    </p:spTree>
+    <p:extLst>
+      <p:ext uri="{BB962C8B-B14F-4D97-AF65-F5344CB8AC3E}">
+        <p14:creationId xmlns:p14="http://schemas.microsoft.com/office/powerpoint/2010/main" val="2566556712"/>
+      </p:ext>
+    </p:extLst>
+  </p:cSld>
+  <p:clrMapOvr>
+    <a:masterClrMapping/>
+  </p:clrMapOvr>
+</p:sld>
+</file>
+
+<file path=ppt/slides/slide21.xml><?xml version="1.0" encoding="utf-8"?>
+<p:sld xmlns:a="http://schemas.openxmlformats.org/drawingml/2006/main" xmlns:r="http://schemas.openxmlformats.org/officeDocument/2006/relationships" xmlns:p="http://schemas.openxmlformats.org/presentationml/2006/main">
+  <p:cSld>
+    <p:spTree>
+      <p:nvGrpSpPr>
+        <p:cNvPr id="1" name=""/>
+        <p:cNvGrpSpPr/>
+        <p:nvPr/>
+      </p:nvGrpSpPr>
+      <p:grpSpPr>
+        <a:xfrm>
+          <a:off x="0" y="0"/>
+          <a:ext cx="0" cy="0"/>
+          <a:chOff x="0" y="0"/>
+          <a:chExt cx="0" cy="0"/>
+        </a:xfrm>
+      </p:grpSpPr>
+      <p:sp>
+        <p:nvSpPr>
+          <p:cNvPr id="2" name="Title 1">
+            <a:extLst>
+              <a:ext uri="{FF2B5EF4-FFF2-40B4-BE49-F238E27FC236}">
+                <a16:creationId xmlns:a16="http://schemas.microsoft.com/office/drawing/2014/main" id="{59593752-6681-2B40-B346-B33A140102CE}"/>
+              </a:ext>
+            </a:extLst>
+          </p:cNvPr>
+          <p:cNvSpPr>
+            <a:spLocks noGrp="1"/>
+          </p:cNvSpPr>
+          <p:nvPr>
+            <p:ph type="title"/>
+          </p:nvPr>
+        </p:nvSpPr>
+        <p:spPr/>
+        <p:txBody>
+          <a:bodyPr/>
+          <a:lstStyle/>
+          <a:p>
+            <a:r>
+              <a:rPr lang="en-US" dirty="0"/>
               <a:t>Caching Patterns: Invalidate-*</a:t>
             </a:r>
           </a:p>
@@ -7270,7 +7502,7 @@
 </p:sld>
 </file>
 
-<file path=ppt/slides/slide21.xml><?xml version="1.0" encoding="utf-8"?>
+<file path=ppt/slides/slide22.xml><?xml version="1.0" encoding="utf-8"?>
 <p:sld xmlns:a="http://schemas.openxmlformats.org/drawingml/2006/main" xmlns:r="http://schemas.openxmlformats.org/officeDocument/2006/relationships" xmlns:p="http://schemas.openxmlformats.org/presentationml/2006/main">
   <p:cSld>
     <p:spTree>
@@ -7867,603 +8099,6 @@
 </p:sld>
 </file>
 
-<file path=ppt/slides/slide22.xml><?xml version="1.0" encoding="utf-8"?>
-<p:sld xmlns:a="http://schemas.openxmlformats.org/drawingml/2006/main" xmlns:r="http://schemas.openxmlformats.org/officeDocument/2006/relationships" xmlns:p="http://schemas.openxmlformats.org/presentationml/2006/main">
-  <p:cSld>
-    <p:spTree>
-      <p:nvGrpSpPr>
-        <p:cNvPr id="1" name=""/>
-        <p:cNvGrpSpPr/>
-        <p:nvPr/>
-      </p:nvGrpSpPr>
-      <p:grpSpPr>
-        <a:xfrm>
-          <a:off x="0" y="0"/>
-          <a:ext cx="0" cy="0"/>
-          <a:chOff x="0" y="0"/>
-          <a:chExt cx="0" cy="0"/>
-        </a:xfrm>
-      </p:grpSpPr>
-      <p:sp>
-        <p:nvSpPr>
-          <p:cNvPr id="2" name="Title 1">
-            <a:extLst>
-              <a:ext uri="{FF2B5EF4-FFF2-40B4-BE49-F238E27FC236}">
-                <a16:creationId xmlns:a16="http://schemas.microsoft.com/office/drawing/2014/main" id="{B85EE399-0A0C-981C-9900-5AE790E125F3}"/>
-              </a:ext>
-            </a:extLst>
-          </p:cNvPr>
-          <p:cNvSpPr>
-            <a:spLocks noGrp="1"/>
-          </p:cNvSpPr>
-          <p:nvPr>
-            <p:ph type="title"/>
-          </p:nvPr>
-        </p:nvSpPr>
-        <p:spPr/>
-        <p:txBody>
-          <a:bodyPr/>
-          <a:lstStyle/>
-          <a:p>
-            <a:r>
-              <a:rPr lang="en-US" dirty="0"/>
-              <a:t>fusion cache set up</a:t>
-            </a:r>
-          </a:p>
-        </p:txBody>
-      </p:sp>
-      <p:sp>
-        <p:nvSpPr>
-          <p:cNvPr id="5" name="TextBox 4">
-            <a:extLst>
-              <a:ext uri="{FF2B5EF4-FFF2-40B4-BE49-F238E27FC236}">
-                <a16:creationId xmlns:a16="http://schemas.microsoft.com/office/drawing/2014/main" id="{DD4FE0E5-3673-2DEC-5110-7B3C017406CC}"/>
-              </a:ext>
-            </a:extLst>
-          </p:cNvPr>
-          <p:cNvSpPr txBox="1"/>
-          <p:nvPr/>
-        </p:nvSpPr>
-        <p:spPr>
-          <a:xfrm>
-            <a:off x="754602" y="2045964"/>
-            <a:ext cx="10599198" cy="3139321"/>
-          </a:xfrm>
-          <a:prstGeom prst="rect">
-            <a:avLst/>
-          </a:prstGeom>
-          <a:noFill/>
-          <a:ln>
-            <a:solidFill>
-              <a:schemeClr val="accent1"/>
-            </a:solidFill>
-          </a:ln>
-        </p:spPr>
-        <p:txBody>
-          <a:bodyPr wrap="square">
-            <a:spAutoFit/>
-          </a:bodyPr>
-          <a:lstStyle/>
-          <a:p>
-            <a:r>
-              <a:rPr lang="en-US" dirty="0" err="1">
-                <a:solidFill>
-                  <a:srgbClr val="000000"/>
-                </a:solidFill>
-                <a:latin typeface="Cascadia Mono" panose="020B0609020000020004" pitchFamily="49" charset="0"/>
-              </a:rPr>
-              <a:t>builder.Services.AddFusionCache</a:t>
-            </a:r>
-            <a:r>
-              <a:rPr lang="en-US" dirty="0">
-                <a:solidFill>
-                  <a:srgbClr val="000000"/>
-                </a:solidFill>
-                <a:latin typeface="Cascadia Mono" panose="020B0609020000020004" pitchFamily="49" charset="0"/>
-              </a:rPr>
-              <a:t>()</a:t>
-            </a:r>
-            <a:br>
-              <a:rPr lang="en-US" dirty="0">
-                <a:solidFill>
-                  <a:srgbClr val="000000"/>
-                </a:solidFill>
-                <a:latin typeface="Cascadia Mono" panose="020B0609020000020004" pitchFamily="49" charset="0"/>
-              </a:rPr>
-            </a:br>
-            <a:r>
-              <a:rPr lang="en-US" dirty="0">
-                <a:solidFill>
-                  <a:srgbClr val="000000"/>
-                </a:solidFill>
-                <a:latin typeface="Cascadia Mono" panose="020B0609020000020004" pitchFamily="49" charset="0"/>
-              </a:rPr>
-              <a:t>.</a:t>
-            </a:r>
-            <a:r>
-              <a:rPr lang="en-US" dirty="0" err="1">
-                <a:solidFill>
-                  <a:srgbClr val="000000"/>
-                </a:solidFill>
-                <a:latin typeface="Cascadia Mono" panose="020B0609020000020004" pitchFamily="49" charset="0"/>
-              </a:rPr>
-              <a:t>WithDefaultEntryOptions</a:t>
-            </a:r>
-            <a:r>
-              <a:rPr lang="en-US" dirty="0">
-                <a:solidFill>
-                  <a:srgbClr val="000000"/>
-                </a:solidFill>
-                <a:latin typeface="Cascadia Mono" panose="020B0609020000020004" pitchFamily="49" charset="0"/>
-              </a:rPr>
-              <a:t>(</a:t>
-            </a:r>
-            <a:br>
-              <a:rPr lang="en-US" dirty="0">
-                <a:solidFill>
-                  <a:srgbClr val="000000"/>
-                </a:solidFill>
-                <a:latin typeface="Cascadia Mono" panose="020B0609020000020004" pitchFamily="49" charset="0"/>
-              </a:rPr>
-            </a:br>
-            <a:r>
-              <a:rPr lang="en-US" dirty="0">
-                <a:solidFill>
-                  <a:srgbClr val="000000"/>
-                </a:solidFill>
-                <a:latin typeface="Cascadia Mono" panose="020B0609020000020004" pitchFamily="49" charset="0"/>
-              </a:rPr>
-              <a:t>   new </a:t>
-            </a:r>
-            <a:r>
-              <a:rPr lang="en-US" dirty="0" err="1">
-                <a:solidFill>
-                  <a:srgbClr val="000000"/>
-                </a:solidFill>
-                <a:latin typeface="Cascadia Mono" panose="020B0609020000020004" pitchFamily="49" charset="0"/>
-              </a:rPr>
-              <a:t>FusionCacheEntryOptions</a:t>
-            </a:r>
-            <a:r>
-              <a:rPr lang="en-US" dirty="0">
-                <a:solidFill>
-                  <a:srgbClr val="000000"/>
-                </a:solidFill>
-                <a:latin typeface="Cascadia Mono" panose="020B0609020000020004" pitchFamily="49" charset="0"/>
-              </a:rPr>
-              <a:t>{ … })</a:t>
-            </a:r>
-          </a:p>
-          <a:p>
-            <a:r>
-              <a:rPr lang="en-US" dirty="0">
-                <a:solidFill>
-                  <a:srgbClr val="000000"/>
-                </a:solidFill>
-                <a:latin typeface="Cascadia Mono" panose="020B0609020000020004" pitchFamily="49" charset="0"/>
-              </a:rPr>
-              <a:t>.</a:t>
-            </a:r>
-            <a:r>
-              <a:rPr lang="en-US" dirty="0" err="1">
-                <a:solidFill>
-                  <a:srgbClr val="000000"/>
-                </a:solidFill>
-                <a:latin typeface="Cascadia Mono" panose="020B0609020000020004" pitchFamily="49" charset="0"/>
-              </a:rPr>
-              <a:t>WithSerializer</a:t>
-            </a:r>
-            <a:r>
-              <a:rPr lang="en-US" dirty="0">
-                <a:solidFill>
-                  <a:srgbClr val="000000"/>
-                </a:solidFill>
-                <a:latin typeface="Cascadia Mono" panose="020B0609020000020004" pitchFamily="49" charset="0"/>
-              </a:rPr>
-              <a:t>(</a:t>
-            </a:r>
-            <a:br>
-              <a:rPr lang="en-US" dirty="0">
-                <a:solidFill>
-                  <a:srgbClr val="000000"/>
-                </a:solidFill>
-                <a:latin typeface="Cascadia Mono" panose="020B0609020000020004" pitchFamily="49" charset="0"/>
-              </a:rPr>
-            </a:br>
-            <a:r>
-              <a:rPr lang="en-US" dirty="0">
-                <a:solidFill>
-                  <a:srgbClr val="000000"/>
-                </a:solidFill>
-                <a:latin typeface="Cascadia Mono" panose="020B0609020000020004" pitchFamily="49" charset="0"/>
-              </a:rPr>
-              <a:t>   new </a:t>
-            </a:r>
-            <a:r>
-              <a:rPr lang="en-US" dirty="0" err="1">
-                <a:solidFill>
-                  <a:srgbClr val="000000"/>
-                </a:solidFill>
-                <a:latin typeface="Cascadia Mono" panose="020B0609020000020004" pitchFamily="49" charset="0"/>
-              </a:rPr>
-              <a:t>FusionCacheSystemTextJsonSerializer</a:t>
-            </a:r>
-            <a:r>
-              <a:rPr lang="en-US" dirty="0">
-                <a:solidFill>
-                  <a:srgbClr val="000000"/>
-                </a:solidFill>
-                <a:latin typeface="Cascadia Mono" panose="020B0609020000020004" pitchFamily="49" charset="0"/>
-              </a:rPr>
-              <a:t>())</a:t>
-            </a:r>
-          </a:p>
-          <a:p>
-            <a:r>
-              <a:rPr lang="en-US" dirty="0">
-                <a:solidFill>
-                  <a:srgbClr val="000000"/>
-                </a:solidFill>
-                <a:latin typeface="Cascadia Mono" panose="020B0609020000020004" pitchFamily="49" charset="0"/>
-              </a:rPr>
-              <a:t>.</a:t>
-            </a:r>
-            <a:r>
-              <a:rPr lang="en-US" dirty="0" err="1">
-                <a:solidFill>
-                  <a:srgbClr val="000000"/>
-                </a:solidFill>
-                <a:latin typeface="Cascadia Mono" panose="020B0609020000020004" pitchFamily="49" charset="0"/>
-              </a:rPr>
-              <a:t>WithDistributedCache</a:t>
-            </a:r>
-            <a:r>
-              <a:rPr lang="en-US" dirty="0">
-                <a:solidFill>
-                  <a:srgbClr val="000000"/>
-                </a:solidFill>
-                <a:latin typeface="Cascadia Mono" panose="020B0609020000020004" pitchFamily="49" charset="0"/>
-              </a:rPr>
-              <a:t>(</a:t>
-            </a:r>
-          </a:p>
-          <a:p>
-            <a:r>
-              <a:rPr lang="en-US" dirty="0">
-                <a:solidFill>
-                  <a:srgbClr val="000000"/>
-                </a:solidFill>
-                <a:latin typeface="Cascadia Mono" panose="020B0609020000020004" pitchFamily="49" charset="0"/>
-              </a:rPr>
-              <a:t>   new </a:t>
-            </a:r>
-            <a:r>
-              <a:rPr lang="en-US" dirty="0" err="1">
-                <a:solidFill>
-                  <a:srgbClr val="000000"/>
-                </a:solidFill>
-                <a:latin typeface="Cascadia Mono" panose="020B0609020000020004" pitchFamily="49" charset="0"/>
-              </a:rPr>
-              <a:t>RedisCache</a:t>
-            </a:r>
-            <a:r>
-              <a:rPr lang="en-US" dirty="0">
-                <a:solidFill>
-                  <a:srgbClr val="000000"/>
-                </a:solidFill>
-                <a:latin typeface="Cascadia Mono" panose="020B0609020000020004" pitchFamily="49" charset="0"/>
-              </a:rPr>
-              <a:t>(new </a:t>
-            </a:r>
-            <a:r>
-              <a:rPr lang="en-US" dirty="0" err="1">
-                <a:solidFill>
-                  <a:srgbClr val="000000"/>
-                </a:solidFill>
-                <a:latin typeface="Cascadia Mono" panose="020B0609020000020004" pitchFamily="49" charset="0"/>
-              </a:rPr>
-              <a:t>RedisCacheOptions</a:t>
-            </a:r>
-            <a:r>
-              <a:rPr lang="en-US" dirty="0">
-                <a:solidFill>
-                  <a:srgbClr val="000000"/>
-                </a:solidFill>
-                <a:latin typeface="Cascadia Mono" panose="020B0609020000020004" pitchFamily="49" charset="0"/>
-              </a:rPr>
-              <a:t> { </a:t>
-            </a:r>
-            <a:r>
-              <a:rPr lang="en-US" dirty="0" err="1">
-                <a:solidFill>
-                  <a:srgbClr val="000000"/>
-                </a:solidFill>
-                <a:latin typeface="Cascadia Mono" panose="020B0609020000020004" pitchFamily="49" charset="0"/>
-              </a:rPr>
-              <a:t>InstanceName</a:t>
-            </a:r>
-            <a:r>
-              <a:rPr lang="en-US" dirty="0">
-                <a:solidFill>
-                  <a:srgbClr val="000000"/>
-                </a:solidFill>
-                <a:latin typeface="Cascadia Mono" panose="020B0609020000020004" pitchFamily="49" charset="0"/>
-              </a:rPr>
-              <a:t> = "</a:t>
-            </a:r>
-            <a:r>
-              <a:rPr lang="en-US" dirty="0" err="1">
-                <a:solidFill>
-                  <a:srgbClr val="000000"/>
-                </a:solidFill>
-                <a:latin typeface="Cascadia Mono" panose="020B0609020000020004" pitchFamily="49" charset="0"/>
-              </a:rPr>
-              <a:t>fusionCacheApi</a:t>
-            </a:r>
-            <a:r>
-              <a:rPr lang="en-US" dirty="0">
-                <a:solidFill>
-                  <a:srgbClr val="000000"/>
-                </a:solidFill>
-                <a:latin typeface="Cascadia Mono" panose="020B0609020000020004" pitchFamily="49" charset="0"/>
-              </a:rPr>
-              <a:t>",  </a:t>
-            </a:r>
-            <a:br>
-              <a:rPr lang="en-US" dirty="0">
-                <a:solidFill>
-                  <a:srgbClr val="000000"/>
-                </a:solidFill>
-                <a:latin typeface="Cascadia Mono" panose="020B0609020000020004" pitchFamily="49" charset="0"/>
-              </a:rPr>
-            </a:br>
-            <a:r>
-              <a:rPr lang="en-US" dirty="0">
-                <a:solidFill>
-                  <a:srgbClr val="000000"/>
-                </a:solidFill>
-                <a:latin typeface="Cascadia Mono" panose="020B0609020000020004" pitchFamily="49" charset="0"/>
-              </a:rPr>
-              <a:t>    Configuration = </a:t>
-            </a:r>
-            <a:r>
-              <a:rPr lang="en-US" dirty="0" err="1">
-                <a:solidFill>
-                  <a:srgbClr val="000000"/>
-                </a:solidFill>
-                <a:latin typeface="Cascadia Mono" panose="020B0609020000020004" pitchFamily="49" charset="0"/>
-              </a:rPr>
-              <a:t>builder.Configuration</a:t>
-            </a:r>
-            <a:r>
-              <a:rPr lang="en-US" dirty="0">
-                <a:solidFill>
-                  <a:srgbClr val="000000"/>
-                </a:solidFill>
-                <a:latin typeface="Cascadia Mono" panose="020B0609020000020004" pitchFamily="49" charset="0"/>
-              </a:rPr>
-              <a:t>["</a:t>
-            </a:r>
-            <a:r>
-              <a:rPr lang="en-US" dirty="0" err="1">
-                <a:solidFill>
-                  <a:srgbClr val="000000"/>
-                </a:solidFill>
-                <a:latin typeface="Cascadia Mono" panose="020B0609020000020004" pitchFamily="49" charset="0"/>
-              </a:rPr>
-              <a:t>redis:connectionString</a:t>
-            </a:r>
-            <a:r>
-              <a:rPr lang="en-US" dirty="0">
-                <a:solidFill>
-                  <a:srgbClr val="000000"/>
-                </a:solidFill>
-                <a:latin typeface="Cascadia Mono" panose="020B0609020000020004" pitchFamily="49" charset="0"/>
-              </a:rPr>
-              <a:t>"] }))</a:t>
-            </a:r>
-            <a:br>
-              <a:rPr lang="en-US" dirty="0">
-                <a:solidFill>
-                  <a:srgbClr val="000000"/>
-                </a:solidFill>
-                <a:latin typeface="Cascadia Mono" panose="020B0609020000020004" pitchFamily="49" charset="0"/>
-              </a:rPr>
-            </a:br>
-            <a:r>
-              <a:rPr lang="en-US" dirty="0">
-                <a:solidFill>
-                  <a:srgbClr val="000000"/>
-                </a:solidFill>
-                <a:latin typeface="Cascadia Mono" panose="020B0609020000020004" pitchFamily="49" charset="0"/>
-              </a:rPr>
-              <a:t>.</a:t>
-            </a:r>
-            <a:r>
-              <a:rPr lang="en-US" dirty="0" err="1">
-                <a:solidFill>
-                  <a:srgbClr val="000000"/>
-                </a:solidFill>
-                <a:latin typeface="Cascadia Mono" panose="020B0609020000020004" pitchFamily="49" charset="0"/>
-              </a:rPr>
-              <a:t>WithBackplane</a:t>
-            </a:r>
-            <a:r>
-              <a:rPr lang="en-US" dirty="0">
-                <a:solidFill>
-                  <a:srgbClr val="000000"/>
-                </a:solidFill>
-                <a:latin typeface="Cascadia Mono" panose="020B0609020000020004" pitchFamily="49" charset="0"/>
-              </a:rPr>
-              <a:t>(new </a:t>
-            </a:r>
-            <a:r>
-              <a:rPr lang="en-US" dirty="0" err="1">
-                <a:solidFill>
-                  <a:srgbClr val="000000"/>
-                </a:solidFill>
-                <a:latin typeface="Cascadia Mono" panose="020B0609020000020004" pitchFamily="49" charset="0"/>
-              </a:rPr>
-              <a:t>RedisBackplane</a:t>
-            </a:r>
-            <a:r>
-              <a:rPr lang="en-US" dirty="0">
-                <a:solidFill>
-                  <a:srgbClr val="000000"/>
-                </a:solidFill>
-                <a:latin typeface="Cascadia Mono" panose="020B0609020000020004" pitchFamily="49" charset="0"/>
-              </a:rPr>
-              <a:t>(new </a:t>
-            </a:r>
-            <a:r>
-              <a:rPr lang="en-US" dirty="0" err="1">
-                <a:solidFill>
-                  <a:srgbClr val="000000"/>
-                </a:solidFill>
-                <a:latin typeface="Cascadia Mono" panose="020B0609020000020004" pitchFamily="49" charset="0"/>
-              </a:rPr>
-              <a:t>RedisBackplaneOptions</a:t>
-            </a:r>
-            <a:r>
-              <a:rPr lang="en-US" dirty="0">
-                <a:solidFill>
-                  <a:srgbClr val="000000"/>
-                </a:solidFill>
-                <a:latin typeface="Cascadia Mono" panose="020B0609020000020004" pitchFamily="49" charset="0"/>
-              </a:rPr>
-              <a:t>() </a:t>
-            </a:r>
-            <a:br>
-              <a:rPr lang="en-US" dirty="0">
-                <a:solidFill>
-                  <a:srgbClr val="000000"/>
-                </a:solidFill>
-                <a:latin typeface="Cascadia Mono" panose="020B0609020000020004" pitchFamily="49" charset="0"/>
-              </a:rPr>
-            </a:br>
-            <a:r>
-              <a:rPr lang="en-US" dirty="0">
-                <a:solidFill>
-                  <a:srgbClr val="000000"/>
-                </a:solidFill>
-                <a:latin typeface="Cascadia Mono" panose="020B0609020000020004" pitchFamily="49" charset="0"/>
-              </a:rPr>
-              <a:t>   { Configuration = </a:t>
-            </a:r>
-            <a:r>
-              <a:rPr lang="en-US" dirty="0" err="1">
-                <a:solidFill>
-                  <a:srgbClr val="000000"/>
-                </a:solidFill>
-                <a:latin typeface="Cascadia Mono" panose="020B0609020000020004" pitchFamily="49" charset="0"/>
-              </a:rPr>
-              <a:t>builder.Configuration</a:t>
-            </a:r>
-            <a:r>
-              <a:rPr lang="en-US" dirty="0">
-                <a:solidFill>
-                  <a:srgbClr val="000000"/>
-                </a:solidFill>
-                <a:latin typeface="Cascadia Mono" panose="020B0609020000020004" pitchFamily="49" charset="0"/>
-              </a:rPr>
-              <a:t>["</a:t>
-            </a:r>
-            <a:r>
-              <a:rPr lang="en-US" dirty="0" err="1">
-                <a:solidFill>
-                  <a:srgbClr val="000000"/>
-                </a:solidFill>
-                <a:latin typeface="Cascadia Mono" panose="020B0609020000020004" pitchFamily="49" charset="0"/>
-              </a:rPr>
-              <a:t>redis:connectionString</a:t>
-            </a:r>
-            <a:r>
-              <a:rPr lang="en-US" dirty="0">
-                <a:solidFill>
-                  <a:srgbClr val="000000"/>
-                </a:solidFill>
-                <a:latin typeface="Cascadia Mono" panose="020B0609020000020004" pitchFamily="49" charset="0"/>
-              </a:rPr>
-              <a:t>"] })</a:t>
-            </a:r>
-          </a:p>
-          <a:p>
-            <a:r>
-              <a:rPr lang="en-US" dirty="0">
-                <a:solidFill>
-                  <a:srgbClr val="000000"/>
-                </a:solidFill>
-                <a:latin typeface="Cascadia Mono" panose="020B0609020000020004" pitchFamily="49" charset="0"/>
-              </a:rPr>
-              <a:t>);</a:t>
-            </a:r>
-          </a:p>
-        </p:txBody>
-      </p:sp>
-      <p:sp>
-        <p:nvSpPr>
-          <p:cNvPr id="6" name="TextBox 5">
-            <a:extLst>
-              <a:ext uri="{FF2B5EF4-FFF2-40B4-BE49-F238E27FC236}">
-                <a16:creationId xmlns:a16="http://schemas.microsoft.com/office/drawing/2014/main" id="{93F21120-CB5A-3A38-0A8B-99C3B59BFFCD}"/>
-              </a:ext>
-            </a:extLst>
-          </p:cNvPr>
-          <p:cNvSpPr txBox="1"/>
-          <p:nvPr/>
-        </p:nvSpPr>
-        <p:spPr>
-          <a:xfrm>
-            <a:off x="3142695" y="5894773"/>
-            <a:ext cx="8213787" cy="369332"/>
-          </a:xfrm>
-          <a:prstGeom prst="rect">
-            <a:avLst/>
-          </a:prstGeom>
-          <a:noFill/>
-        </p:spPr>
-        <p:txBody>
-          <a:bodyPr wrap="none" rtlCol="0">
-            <a:spAutoFit/>
-          </a:bodyPr>
-          <a:lstStyle/>
-          <a:p>
-            <a:r>
-              <a:rPr lang="en-US" i="1" dirty="0"/>
-              <a:t>Note: no need to register </a:t>
-            </a:r>
-            <a:r>
-              <a:rPr lang="en-US" i="1" dirty="0" err="1"/>
-              <a:t>IMemoryCache</a:t>
-            </a:r>
-            <a:r>
-              <a:rPr lang="en-US" i="1" dirty="0"/>
-              <a:t> and (Redis) </a:t>
-            </a:r>
-            <a:r>
-              <a:rPr lang="en-US" i="1" dirty="0" err="1"/>
-              <a:t>IDistributedCache</a:t>
-            </a:r>
-            <a:r>
-              <a:rPr lang="en-US" i="1" dirty="0"/>
-              <a:t> explicitly</a:t>
-            </a:r>
-          </a:p>
-        </p:txBody>
-      </p:sp>
-    </p:spTree>
-    <p:extLst>
-      <p:ext uri="{BB962C8B-B14F-4D97-AF65-F5344CB8AC3E}">
-        <p14:creationId xmlns:p14="http://schemas.microsoft.com/office/powerpoint/2010/main" val="891413980"/>
-      </p:ext>
-    </p:extLst>
-  </p:cSld>
-  <p:clrMapOvr>
-    <a:masterClrMapping/>
-  </p:clrMapOvr>
-</p:sld>
-</file>
-
 <file path=ppt/slides/slide23.xml><?xml version="1.0" encoding="utf-8"?>
 <p:sld xmlns:a="http://schemas.openxmlformats.org/drawingml/2006/main" xmlns:r="http://schemas.openxmlformats.org/officeDocument/2006/relationships" xmlns:p="http://schemas.openxmlformats.org/presentationml/2006/main">
   <p:cSld>
@@ -8486,7 +8121,7 @@
           <p:cNvPr id="2" name="Title 1">
             <a:extLst>
               <a:ext uri="{FF2B5EF4-FFF2-40B4-BE49-F238E27FC236}">
-                <a16:creationId xmlns:a16="http://schemas.microsoft.com/office/drawing/2014/main" id="{6DA7CF98-B5C3-6707-D594-BAB3B1E1E832}"/>
+                <a16:creationId xmlns:a16="http://schemas.microsoft.com/office/drawing/2014/main" id="{B85EE399-0A0C-981C-9900-5AE790E125F3}"/>
               </a:ext>
             </a:extLst>
           </p:cNvPr>
@@ -8504,141 +8139,554 @@
           <a:p>
             <a:r>
               <a:rPr lang="en-US" dirty="0"/>
-              <a:t>Introduction to fusion cache</a:t>
-            </a:r>
-          </a:p>
-        </p:txBody>
-      </p:sp>
-      <p:sp>
-        <p:nvSpPr>
-          <p:cNvPr id="3" name="Content Placeholder 2">
-            <a:extLst>
-              <a:ext uri="{FF2B5EF4-FFF2-40B4-BE49-F238E27FC236}">
-                <a16:creationId xmlns:a16="http://schemas.microsoft.com/office/drawing/2014/main" id="{4EE2669E-596B-E86E-E0E5-C04B6F827164}"/>
-              </a:ext>
-            </a:extLst>
-          </p:cNvPr>
-          <p:cNvSpPr>
-            <a:spLocks noGrp="1"/>
-          </p:cNvSpPr>
-          <p:nvPr>
-            <p:ph idx="1"/>
-          </p:nvPr>
+              <a:t>fusion cache set up</a:t>
+            </a:r>
+          </a:p>
+        </p:txBody>
+      </p:sp>
+      <p:sp>
+        <p:nvSpPr>
+          <p:cNvPr id="5" name="TextBox 4">
+            <a:extLst>
+              <a:ext uri="{FF2B5EF4-FFF2-40B4-BE49-F238E27FC236}">
+                <a16:creationId xmlns:a16="http://schemas.microsoft.com/office/drawing/2014/main" id="{DD4FE0E5-3673-2DEC-5110-7B3C017406CC}"/>
+              </a:ext>
+            </a:extLst>
+          </p:cNvPr>
+          <p:cNvSpPr txBox="1"/>
+          <p:nvPr/>
         </p:nvSpPr>
         <p:spPr>
           <a:xfrm>
-            <a:off x="838200" y="1328475"/>
-            <a:ext cx="10515600" cy="4351338"/>
+            <a:off x="754602" y="2045964"/>
+            <a:ext cx="10599198" cy="3139321"/>
           </a:xfrm>
+          <a:prstGeom prst="rect">
+            <a:avLst/>
+          </a:prstGeom>
+          <a:noFill/>
+          <a:ln>
+            <a:solidFill>
+              <a:schemeClr val="accent1"/>
+            </a:solidFill>
+          </a:ln>
         </p:spPr>
         <p:txBody>
-          <a:bodyPr>
-            <a:normAutofit/>
+          <a:bodyPr wrap="square">
+            <a:spAutoFit/>
           </a:bodyPr>
           <a:lstStyle/>
           <a:p>
             <a:r>
-              <a:rPr lang="en-US" dirty="0" err="1"/>
-              <a:t>IFusionCache</a:t>
-            </a:r>
-            <a:r>
-              <a:rPr lang="en-US" dirty="0"/>
-              <a:t>: the interface to have injected</a:t>
-            </a:r>
-          </a:p>
-          <a:p>
-            <a:r>
-              <a:rPr lang="en-US" dirty="0"/>
-              <a:t>The main api: </a:t>
-            </a:r>
-            <a:r>
-              <a:rPr lang="en-US" dirty="0" err="1"/>
-              <a:t>GetOrSet</a:t>
-            </a:r>
-            <a:r>
-              <a:rPr lang="en-US" dirty="0"/>
-              <a:t>(Async), it requires </a:t>
-            </a:r>
-          </a:p>
-          <a:p>
-            <a:pPr lvl="1"/>
-            <a:r>
-              <a:rPr lang="en-US" dirty="0"/>
-              <a:t>Function to get the data is there is a cache miss</a:t>
-            </a:r>
-          </a:p>
-          <a:p>
-            <a:pPr lvl="1"/>
-            <a:r>
-              <a:rPr lang="en-US" dirty="0"/>
-              <a:t>Optional </a:t>
+              <a:rPr lang="en-US" dirty="0" err="1">
+                <a:solidFill>
+                  <a:srgbClr val="000000"/>
+                </a:solidFill>
+                <a:latin typeface="Cascadia Mono" panose="020B0609020000020004" pitchFamily="49" charset="0"/>
+              </a:rPr>
+              <a:t>builder.Services.AddFusionCache</a:t>
+            </a:r>
+            <a:r>
+              <a:rPr lang="en-US" dirty="0">
+                <a:solidFill>
+                  <a:srgbClr val="000000"/>
+                </a:solidFill>
+                <a:latin typeface="Cascadia Mono" panose="020B0609020000020004" pitchFamily="49" charset="0"/>
+              </a:rPr>
+              <a:t>()</a:t>
+            </a:r>
+            <a:br>
+              <a:rPr lang="en-US" dirty="0">
+                <a:solidFill>
+                  <a:srgbClr val="000000"/>
+                </a:solidFill>
+                <a:latin typeface="Cascadia Mono" panose="020B0609020000020004" pitchFamily="49" charset="0"/>
+              </a:rPr>
+            </a:br>
+            <a:r>
+              <a:rPr lang="en-US" dirty="0">
+                <a:solidFill>
+                  <a:srgbClr val="000000"/>
+                </a:solidFill>
+                <a:latin typeface="Cascadia Mono" panose="020B0609020000020004" pitchFamily="49" charset="0"/>
+              </a:rPr>
+              <a:t>.</a:t>
+            </a:r>
+            <a:r>
+              <a:rPr lang="en-US" dirty="0" err="1">
+                <a:solidFill>
+                  <a:srgbClr val="000000"/>
+                </a:solidFill>
+                <a:latin typeface="Cascadia Mono" panose="020B0609020000020004" pitchFamily="49" charset="0"/>
+              </a:rPr>
+              <a:t>WithDefaultEntryOptions</a:t>
+            </a:r>
+            <a:r>
+              <a:rPr lang="en-US" dirty="0">
+                <a:solidFill>
+                  <a:srgbClr val="000000"/>
+                </a:solidFill>
+                <a:latin typeface="Cascadia Mono" panose="020B0609020000020004" pitchFamily="49" charset="0"/>
+              </a:rPr>
+              <a:t>(</a:t>
+            </a:r>
+            <a:br>
+              <a:rPr lang="en-US" dirty="0">
+                <a:solidFill>
+                  <a:srgbClr val="000000"/>
+                </a:solidFill>
+                <a:latin typeface="Cascadia Mono" panose="020B0609020000020004" pitchFamily="49" charset="0"/>
+              </a:rPr>
+            </a:br>
+            <a:r>
+              <a:rPr lang="en-US" dirty="0">
+                <a:solidFill>
+                  <a:srgbClr val="000000"/>
+                </a:solidFill>
+                <a:latin typeface="Cascadia Mono" panose="020B0609020000020004" pitchFamily="49" charset="0"/>
+              </a:rPr>
+              <a:t>   new </a:t>
+            </a:r>
+            <a:r>
+              <a:rPr lang="en-US" dirty="0" err="1">
+                <a:solidFill>
+                  <a:srgbClr val="000000"/>
+                </a:solidFill>
+                <a:latin typeface="Cascadia Mono" panose="020B0609020000020004" pitchFamily="49" charset="0"/>
+              </a:rPr>
+              <a:t>FusionCacheEntryOptions</a:t>
+            </a:r>
+            <a:r>
+              <a:rPr lang="en-US" dirty="0">
+                <a:solidFill>
+                  <a:srgbClr val="000000"/>
+                </a:solidFill>
+                <a:latin typeface="Cascadia Mono" panose="020B0609020000020004" pitchFamily="49" charset="0"/>
+              </a:rPr>
+              <a:t>{ … })</a:t>
+            </a:r>
+          </a:p>
+          <a:p>
+            <a:r>
+              <a:rPr lang="en-US" dirty="0">
+                <a:solidFill>
+                  <a:srgbClr val="000000"/>
+                </a:solidFill>
+                <a:latin typeface="Cascadia Mono" panose="020B0609020000020004" pitchFamily="49" charset="0"/>
+              </a:rPr>
+              <a:t>.</a:t>
+            </a:r>
+            <a:r>
+              <a:rPr lang="en-US" dirty="0" err="1">
+                <a:solidFill>
+                  <a:srgbClr val="000000"/>
+                </a:solidFill>
+                <a:latin typeface="Cascadia Mono" panose="020B0609020000020004" pitchFamily="49" charset="0"/>
+              </a:rPr>
+              <a:t>WithSerializer</a:t>
+            </a:r>
+            <a:r>
+              <a:rPr lang="en-US" dirty="0">
+                <a:solidFill>
+                  <a:srgbClr val="000000"/>
+                </a:solidFill>
+                <a:latin typeface="Cascadia Mono" panose="020B0609020000020004" pitchFamily="49" charset="0"/>
+              </a:rPr>
+              <a:t>(</a:t>
+            </a:r>
+            <a:br>
+              <a:rPr lang="en-US" dirty="0">
+                <a:solidFill>
+                  <a:srgbClr val="000000"/>
+                </a:solidFill>
+                <a:latin typeface="Cascadia Mono" panose="020B0609020000020004" pitchFamily="49" charset="0"/>
+              </a:rPr>
+            </a:br>
+            <a:r>
+              <a:rPr lang="en-US" dirty="0">
+                <a:solidFill>
+                  <a:srgbClr val="000000"/>
+                </a:solidFill>
+                <a:latin typeface="Cascadia Mono" panose="020B0609020000020004" pitchFamily="49" charset="0"/>
+              </a:rPr>
+              <a:t>   new </a:t>
+            </a:r>
+            <a:r>
+              <a:rPr lang="en-US" dirty="0" err="1">
+                <a:solidFill>
+                  <a:srgbClr val="000000"/>
+                </a:solidFill>
+                <a:latin typeface="Cascadia Mono" panose="020B0609020000020004" pitchFamily="49" charset="0"/>
+              </a:rPr>
+              <a:t>FusionCacheSystemTextJsonSerializer</a:t>
+            </a:r>
+            <a:r>
+              <a:rPr lang="en-US" dirty="0">
+                <a:solidFill>
+                  <a:srgbClr val="000000"/>
+                </a:solidFill>
+                <a:latin typeface="Cascadia Mono" panose="020B0609020000020004" pitchFamily="49" charset="0"/>
+              </a:rPr>
+              <a:t>())</a:t>
+            </a:r>
+          </a:p>
+          <a:p>
+            <a:r>
+              <a:rPr lang="en-US" dirty="0">
+                <a:solidFill>
+                  <a:srgbClr val="000000"/>
+                </a:solidFill>
+                <a:latin typeface="Cascadia Mono" panose="020B0609020000020004" pitchFamily="49" charset="0"/>
+              </a:rPr>
+              <a:t>.</a:t>
+            </a:r>
+            <a:r>
+              <a:rPr lang="en-US" dirty="0" err="1">
+                <a:solidFill>
+                  <a:srgbClr val="000000"/>
+                </a:solidFill>
+                <a:latin typeface="Cascadia Mono" panose="020B0609020000020004" pitchFamily="49" charset="0"/>
+              </a:rPr>
+              <a:t>WithDistributedCache</a:t>
+            </a:r>
+            <a:r>
+              <a:rPr lang="en-US" dirty="0">
+                <a:solidFill>
+                  <a:srgbClr val="000000"/>
+                </a:solidFill>
+                <a:latin typeface="Cascadia Mono" panose="020B0609020000020004" pitchFamily="49" charset="0"/>
+              </a:rPr>
+              <a:t>(</a:t>
+            </a:r>
+          </a:p>
+          <a:p>
+            <a:r>
+              <a:rPr lang="en-US" dirty="0">
+                <a:solidFill>
+                  <a:srgbClr val="000000"/>
+                </a:solidFill>
+                <a:latin typeface="Cascadia Mono" panose="020B0609020000020004" pitchFamily="49" charset="0"/>
+              </a:rPr>
+              <a:t>   new </a:t>
+            </a:r>
+            <a:r>
+              <a:rPr lang="en-US" dirty="0" err="1">
+                <a:solidFill>
+                  <a:srgbClr val="000000"/>
+                </a:solidFill>
+                <a:latin typeface="Cascadia Mono" panose="020B0609020000020004" pitchFamily="49" charset="0"/>
+              </a:rPr>
+              <a:t>RedisCache</a:t>
+            </a:r>
+            <a:r>
+              <a:rPr lang="en-US" dirty="0">
+                <a:solidFill>
+                  <a:srgbClr val="000000"/>
+                </a:solidFill>
+                <a:latin typeface="Cascadia Mono" panose="020B0609020000020004" pitchFamily="49" charset="0"/>
+              </a:rPr>
+              <a:t>(new </a:t>
+            </a:r>
+            <a:r>
+              <a:rPr lang="en-US" dirty="0" err="1">
+                <a:solidFill>
+                  <a:srgbClr val="000000"/>
+                </a:solidFill>
+                <a:latin typeface="Cascadia Mono" panose="020B0609020000020004" pitchFamily="49" charset="0"/>
+              </a:rPr>
+              <a:t>RedisCacheOptions</a:t>
+            </a:r>
+            <a:r>
+              <a:rPr lang="en-US" dirty="0">
+                <a:solidFill>
+                  <a:srgbClr val="000000"/>
+                </a:solidFill>
+                <a:latin typeface="Cascadia Mono" panose="020B0609020000020004" pitchFamily="49" charset="0"/>
+              </a:rPr>
+              <a:t> { </a:t>
+            </a:r>
+            <a:r>
+              <a:rPr lang="en-US" dirty="0" err="1">
+                <a:solidFill>
+                  <a:srgbClr val="000000"/>
+                </a:solidFill>
+                <a:latin typeface="Cascadia Mono" panose="020B0609020000020004" pitchFamily="49" charset="0"/>
+              </a:rPr>
+              <a:t>InstanceName</a:t>
+            </a:r>
+            <a:r>
+              <a:rPr lang="en-US" dirty="0">
+                <a:solidFill>
+                  <a:srgbClr val="000000"/>
+                </a:solidFill>
+                <a:latin typeface="Cascadia Mono" panose="020B0609020000020004" pitchFamily="49" charset="0"/>
+              </a:rPr>
+              <a:t> = "</a:t>
+            </a:r>
+            <a:r>
+              <a:rPr lang="en-US" dirty="0" err="1">
+                <a:solidFill>
+                  <a:srgbClr val="000000"/>
+                </a:solidFill>
+                <a:latin typeface="Cascadia Mono" panose="020B0609020000020004" pitchFamily="49" charset="0"/>
+              </a:rPr>
+              <a:t>fusionCacheApi</a:t>
+            </a:r>
+            <a:r>
+              <a:rPr lang="en-US" dirty="0">
+                <a:solidFill>
+                  <a:srgbClr val="000000"/>
+                </a:solidFill>
+                <a:latin typeface="Cascadia Mono" panose="020B0609020000020004" pitchFamily="49" charset="0"/>
+              </a:rPr>
+              <a:t>",  </a:t>
+            </a:r>
+            <a:br>
+              <a:rPr lang="en-US" dirty="0">
+                <a:solidFill>
+                  <a:srgbClr val="000000"/>
+                </a:solidFill>
+                <a:latin typeface="Cascadia Mono" panose="020B0609020000020004" pitchFamily="49" charset="0"/>
+              </a:rPr>
+            </a:br>
+            <a:r>
+              <a:rPr lang="en-US" dirty="0">
+                <a:solidFill>
+                  <a:srgbClr val="000000"/>
+                </a:solidFill>
+                <a:latin typeface="Cascadia Mono" panose="020B0609020000020004" pitchFamily="49" charset="0"/>
+              </a:rPr>
+              <a:t>    Configuration = </a:t>
+            </a:r>
+            <a:r>
+              <a:rPr lang="en-US" dirty="0" err="1">
+                <a:solidFill>
+                  <a:srgbClr val="000000"/>
+                </a:solidFill>
+                <a:latin typeface="Cascadia Mono" panose="020B0609020000020004" pitchFamily="49" charset="0"/>
+              </a:rPr>
+              <a:t>builder.Configuration</a:t>
+            </a:r>
+            <a:r>
+              <a:rPr lang="en-US" dirty="0">
+                <a:solidFill>
+                  <a:srgbClr val="000000"/>
+                </a:solidFill>
+                <a:latin typeface="Cascadia Mono" panose="020B0609020000020004" pitchFamily="49" charset="0"/>
+              </a:rPr>
+              <a:t>["</a:t>
+            </a:r>
+            <a:r>
+              <a:rPr lang="en-US" dirty="0" err="1">
+                <a:solidFill>
+                  <a:srgbClr val="000000"/>
+                </a:solidFill>
+                <a:latin typeface="Cascadia Mono" panose="020B0609020000020004" pitchFamily="49" charset="0"/>
+              </a:rPr>
+              <a:t>redis:connectionString</a:t>
+            </a:r>
+            <a:r>
+              <a:rPr lang="en-US" dirty="0">
+                <a:solidFill>
+                  <a:srgbClr val="000000"/>
+                </a:solidFill>
+                <a:latin typeface="Cascadia Mono" panose="020B0609020000020004" pitchFamily="49" charset="0"/>
+              </a:rPr>
+              <a:t>"] }))</a:t>
+            </a:r>
+            <a:br>
+              <a:rPr lang="en-US" dirty="0">
+                <a:solidFill>
+                  <a:srgbClr val="000000"/>
+                </a:solidFill>
+                <a:latin typeface="Cascadia Mono" panose="020B0609020000020004" pitchFamily="49" charset="0"/>
+              </a:rPr>
+            </a:br>
+            <a:r>
+              <a:rPr lang="en-US" dirty="0">
+                <a:solidFill>
+                  <a:srgbClr val="000000"/>
+                </a:solidFill>
+                <a:latin typeface="Cascadia Mono" panose="020B0609020000020004" pitchFamily="49" charset="0"/>
+              </a:rPr>
+              <a:t>.</a:t>
+            </a:r>
+            <a:r>
+              <a:rPr lang="en-US" dirty="0" err="1">
+                <a:solidFill>
+                  <a:srgbClr val="000000"/>
+                </a:solidFill>
+                <a:latin typeface="Cascadia Mono" panose="020B0609020000020004" pitchFamily="49" charset="0"/>
+              </a:rPr>
+              <a:t>WithBackplane</a:t>
+            </a:r>
+            <a:r>
+              <a:rPr lang="en-US" dirty="0">
+                <a:solidFill>
+                  <a:srgbClr val="000000"/>
+                </a:solidFill>
+                <a:latin typeface="Cascadia Mono" panose="020B0609020000020004" pitchFamily="49" charset="0"/>
+              </a:rPr>
+              <a:t>(new </a:t>
+            </a:r>
+            <a:r>
+              <a:rPr lang="en-US" dirty="0" err="1">
+                <a:solidFill>
+                  <a:srgbClr val="000000"/>
+                </a:solidFill>
+                <a:latin typeface="Cascadia Mono" panose="020B0609020000020004" pitchFamily="49" charset="0"/>
+              </a:rPr>
+              <a:t>RedisBackplane</a:t>
+            </a:r>
+            <a:r>
+              <a:rPr lang="en-US" dirty="0">
+                <a:solidFill>
+                  <a:srgbClr val="000000"/>
+                </a:solidFill>
+                <a:latin typeface="Cascadia Mono" panose="020B0609020000020004" pitchFamily="49" charset="0"/>
+              </a:rPr>
+              <a:t>(new </a:t>
+            </a:r>
+            <a:r>
+              <a:rPr lang="en-US" dirty="0" err="1">
+                <a:solidFill>
+                  <a:srgbClr val="000000"/>
+                </a:solidFill>
+                <a:latin typeface="Cascadia Mono" panose="020B0609020000020004" pitchFamily="49" charset="0"/>
+              </a:rPr>
+              <a:t>RedisBackplaneOptions</a:t>
+            </a:r>
+            <a:r>
+              <a:rPr lang="en-US" dirty="0">
+                <a:solidFill>
+                  <a:srgbClr val="000000"/>
+                </a:solidFill>
+                <a:latin typeface="Cascadia Mono" panose="020B0609020000020004" pitchFamily="49" charset="0"/>
+              </a:rPr>
+              <a:t>() </a:t>
+            </a:r>
+            <a:br>
+              <a:rPr lang="en-US" dirty="0">
+                <a:solidFill>
+                  <a:srgbClr val="000000"/>
+                </a:solidFill>
+                <a:latin typeface="Cascadia Mono" panose="020B0609020000020004" pitchFamily="49" charset="0"/>
+              </a:rPr>
+            </a:br>
+            <a:r>
+              <a:rPr lang="en-US" dirty="0">
+                <a:solidFill>
+                  <a:srgbClr val="000000"/>
+                </a:solidFill>
+                <a:latin typeface="Cascadia Mono" panose="020B0609020000020004" pitchFamily="49" charset="0"/>
+              </a:rPr>
+              <a:t>   { Configuration = </a:t>
+            </a:r>
+            <a:r>
+              <a:rPr lang="en-US" dirty="0" err="1">
+                <a:solidFill>
+                  <a:srgbClr val="000000"/>
+                </a:solidFill>
+                <a:latin typeface="Cascadia Mono" panose="020B0609020000020004" pitchFamily="49" charset="0"/>
+              </a:rPr>
+              <a:t>builder.Configuration</a:t>
+            </a:r>
+            <a:r>
+              <a:rPr lang="en-US" dirty="0">
+                <a:solidFill>
+                  <a:srgbClr val="000000"/>
+                </a:solidFill>
+                <a:latin typeface="Cascadia Mono" panose="020B0609020000020004" pitchFamily="49" charset="0"/>
+              </a:rPr>
+              <a:t>["</a:t>
+            </a:r>
+            <a:r>
+              <a:rPr lang="en-US" dirty="0" err="1">
+                <a:solidFill>
+                  <a:srgbClr val="000000"/>
+                </a:solidFill>
+                <a:latin typeface="Cascadia Mono" panose="020B0609020000020004" pitchFamily="49" charset="0"/>
+              </a:rPr>
+              <a:t>redis:connectionString</a:t>
+            </a:r>
+            <a:r>
+              <a:rPr lang="en-US" dirty="0">
+                <a:solidFill>
+                  <a:srgbClr val="000000"/>
+                </a:solidFill>
+                <a:latin typeface="Cascadia Mono" panose="020B0609020000020004" pitchFamily="49" charset="0"/>
+              </a:rPr>
+              <a:t>"] })</a:t>
+            </a:r>
+          </a:p>
+          <a:p>
+            <a:r>
+              <a:rPr lang="en-US" dirty="0">
+                <a:solidFill>
+                  <a:srgbClr val="000000"/>
+                </a:solidFill>
+                <a:latin typeface="Cascadia Mono" panose="020B0609020000020004" pitchFamily="49" charset="0"/>
+              </a:rPr>
+              <a:t>);</a:t>
+            </a:r>
+          </a:p>
+        </p:txBody>
+      </p:sp>
+      <p:sp>
+        <p:nvSpPr>
+          <p:cNvPr id="6" name="TextBox 5">
+            <a:extLst>
+              <a:ext uri="{FF2B5EF4-FFF2-40B4-BE49-F238E27FC236}">
+                <a16:creationId xmlns:a16="http://schemas.microsoft.com/office/drawing/2014/main" id="{93F21120-CB5A-3A38-0A8B-99C3B59BFFCD}"/>
+              </a:ext>
+            </a:extLst>
+          </p:cNvPr>
+          <p:cNvSpPr txBox="1"/>
+          <p:nvPr/>
+        </p:nvSpPr>
+        <p:spPr>
+          <a:xfrm>
+            <a:off x="3142695" y="5894773"/>
+            <a:ext cx="8213787" cy="369332"/>
+          </a:xfrm>
+          <a:prstGeom prst="rect">
+            <a:avLst/>
+          </a:prstGeom>
+          <a:noFill/>
+        </p:spPr>
+        <p:txBody>
+          <a:bodyPr wrap="none" rtlCol="0">
+            <a:spAutoFit/>
+          </a:bodyPr>
+          <a:lstStyle/>
+          <a:p>
+            <a:r>
+              <a:rPr lang="en-US" i="1" dirty="0"/>
+              <a:t>Note: no need to register </a:t>
             </a:r>
             <a:r>
               <a:rPr lang="en-US" i="1" dirty="0" err="1"/>
-              <a:t>FusionCacheEntryOptions</a:t>
-            </a:r>
-            <a:r>
-              <a:rPr lang="en-US" sz="2400" dirty="0">
-                <a:solidFill>
-                  <a:srgbClr val="000000"/>
-                </a:solidFill>
-                <a:latin typeface="Cascadia Mono" panose="020B0609020000020004" pitchFamily="49" charset="0"/>
-              </a:rPr>
-              <a:t> </a:t>
-            </a:r>
-            <a:r>
-              <a:rPr lang="en-US" dirty="0"/>
-              <a:t>(if not provided a default one registered at startup is used)</a:t>
-            </a:r>
-          </a:p>
-          <a:p>
-            <a:pPr lvl="2"/>
-            <a:r>
-              <a:rPr lang="en-US" dirty="0"/>
-              <a:t>Duration</a:t>
-            </a:r>
-          </a:p>
-          <a:p>
-            <a:pPr lvl="2"/>
-            <a:r>
-              <a:rPr lang="en-US" dirty="0" err="1"/>
-              <a:t>DistributedCacheDuration</a:t>
-            </a:r>
-            <a:r>
-              <a:rPr lang="en-US" dirty="0"/>
-              <a:t> (optional) </a:t>
-            </a:r>
-          </a:p>
-          <a:p>
-            <a:pPr lvl="2"/>
-            <a:r>
-              <a:rPr lang="en-US" dirty="0" err="1"/>
-              <a:t>JitterMaxDuration</a:t>
-            </a:r>
-            <a:r>
-              <a:rPr lang="en-US" dirty="0"/>
-              <a:t> (introduce a degree of randomization in the expiration)</a:t>
-            </a:r>
-          </a:p>
-          <a:p>
-            <a:pPr lvl="2"/>
-            <a:r>
-              <a:rPr lang="en-US" dirty="0"/>
-              <a:t>..and many others we will cover in next slides </a:t>
-            </a:r>
-          </a:p>
-          <a:p>
-            <a:endParaRPr lang="en-US" dirty="0"/>
-          </a:p>
-          <a:p>
-            <a:endParaRPr lang="en-US" dirty="0"/>
+              <a:t>IMemoryCache</a:t>
+            </a:r>
+            <a:r>
+              <a:rPr lang="en-US" i="1" dirty="0"/>
+              <a:t> and (Redis) </a:t>
+            </a:r>
+            <a:r>
+              <a:rPr lang="en-US" i="1" dirty="0" err="1"/>
+              <a:t>IDistributedCache</a:t>
+            </a:r>
+            <a:r>
+              <a:rPr lang="en-US" i="1" dirty="0"/>
+              <a:t> explicitly</a:t>
+            </a:r>
           </a:p>
         </p:txBody>
       </p:sp>
     </p:spTree>
     <p:extLst>
       <p:ext uri="{BB962C8B-B14F-4D97-AF65-F5344CB8AC3E}">
-        <p14:creationId xmlns:p14="http://schemas.microsoft.com/office/powerpoint/2010/main" val="2609270308"/>
+        <p14:creationId xmlns:p14="http://schemas.microsoft.com/office/powerpoint/2010/main" val="891413980"/>
       </p:ext>
     </p:extLst>
   </p:cSld>
@@ -8670,7 +8718,7 @@
           <p:cNvPr id="2" name="Title 1">
             <a:extLst>
               <a:ext uri="{FF2B5EF4-FFF2-40B4-BE49-F238E27FC236}">
-                <a16:creationId xmlns:a16="http://schemas.microsoft.com/office/drawing/2014/main" id="{A57B7226-9247-96BB-DF72-85A4234DFF1A}"/>
+                <a16:creationId xmlns:a16="http://schemas.microsoft.com/office/drawing/2014/main" id="{6DA7CF98-B5C3-6707-D594-BAB3B1E1E832}"/>
               </a:ext>
             </a:extLst>
           </p:cNvPr>
@@ -8686,7 +8734,10 @@
           <a:bodyPr/>
           <a:lstStyle/>
           <a:p>
-            <a:endParaRPr lang="en-US"/>
+            <a:r>
+              <a:rPr lang="en-US" dirty="0"/>
+              <a:t>Introduction to fusion cache</a:t>
+            </a:r>
           </a:p>
         </p:txBody>
       </p:sp>
@@ -8695,7 +8746,7 @@
           <p:cNvPr id="3" name="Content Placeholder 2">
             <a:extLst>
               <a:ext uri="{FF2B5EF4-FFF2-40B4-BE49-F238E27FC236}">
-                <a16:creationId xmlns:a16="http://schemas.microsoft.com/office/drawing/2014/main" id="{A03C34F7-5129-D41E-31EA-C959A4DA021D}"/>
+                <a16:creationId xmlns:a16="http://schemas.microsoft.com/office/drawing/2014/main" id="{4EE2669E-596B-E86E-E0E5-C04B6F827164}"/>
               </a:ext>
             </a:extLst>
           </p:cNvPr>
@@ -8705,302 +8756,121 @@
           <p:nvPr>
             <p:ph idx="1"/>
           </p:nvPr>
-        </p:nvSpPr>
-        <p:spPr/>
-        <p:txBody>
-          <a:bodyPr/>
-          <a:lstStyle/>
-          <a:p>
-            <a:endParaRPr lang="en-US" dirty="0"/>
-          </a:p>
-        </p:txBody>
-      </p:sp>
-      <p:sp>
-        <p:nvSpPr>
-          <p:cNvPr id="4" name="TextBox 3">
-            <a:extLst>
-              <a:ext uri="{FF2B5EF4-FFF2-40B4-BE49-F238E27FC236}">
-                <a16:creationId xmlns:a16="http://schemas.microsoft.com/office/drawing/2014/main" id="{BB7C8D49-C6C3-3F18-E18D-A174359898DC}"/>
-              </a:ext>
-            </a:extLst>
-          </p:cNvPr>
-          <p:cNvSpPr txBox="1"/>
-          <p:nvPr/>
         </p:nvSpPr>
         <p:spPr>
           <a:xfrm>
-            <a:off x="573358" y="2602914"/>
-            <a:ext cx="9922909" cy="2308324"/>
+            <a:off x="838200" y="1328475"/>
+            <a:ext cx="10515600" cy="4351338"/>
           </a:xfrm>
-          <a:prstGeom prst="rect">
-            <a:avLst/>
-          </a:prstGeom>
-          <a:noFill/>
         </p:spPr>
         <p:txBody>
-          <a:bodyPr wrap="none" rtlCol="0">
-            <a:spAutoFit/>
+          <a:bodyPr>
+            <a:normAutofit/>
           </a:bodyPr>
           <a:lstStyle/>
           <a:p>
             <a:r>
-              <a:rPr lang="en-US" sz="1600" dirty="0">
-                <a:solidFill>
-                  <a:srgbClr val="000000"/>
-                </a:solidFill>
-                <a:latin typeface="Cascadia Mono" panose="020B0609020000020004" pitchFamily="49" charset="0"/>
-              </a:rPr>
-              <a:t>[</a:t>
-            </a:r>
-            <a:r>
-              <a:rPr lang="en-US" sz="1600" dirty="0" err="1">
-                <a:solidFill>
-                  <a:srgbClr val="000000"/>
-                </a:solidFill>
-                <a:latin typeface="Cascadia Mono" panose="020B0609020000020004" pitchFamily="49" charset="0"/>
-              </a:rPr>
-              <a:t>HttpGet</a:t>
-            </a:r>
-            <a:r>
-              <a:rPr lang="en-US" sz="1600" dirty="0">
-                <a:solidFill>
-                  <a:srgbClr val="000000"/>
-                </a:solidFill>
-                <a:latin typeface="Cascadia Mono" panose="020B0609020000020004" pitchFamily="49" charset="0"/>
-              </a:rPr>
-              <a:t>(template: "get-or-set-cache-entry-raw", Name = "</a:t>
-            </a:r>
-            <a:r>
-              <a:rPr lang="en-US" sz="1600" dirty="0" err="1">
-                <a:solidFill>
-                  <a:srgbClr val="000000"/>
-                </a:solidFill>
-                <a:latin typeface="Cascadia Mono" panose="020B0609020000020004" pitchFamily="49" charset="0"/>
-              </a:rPr>
-              <a:t>GetOrSetCacheEntryRaw</a:t>
-            </a:r>
-            <a:r>
-              <a:rPr lang="en-US" sz="1600" dirty="0">
-                <a:solidFill>
-                  <a:srgbClr val="000000"/>
-                </a:solidFill>
-                <a:latin typeface="Cascadia Mono" panose="020B0609020000020004" pitchFamily="49" charset="0"/>
-              </a:rPr>
-              <a:t>")]</a:t>
-            </a:r>
-          </a:p>
-          <a:p>
-            <a:r>
-              <a:rPr lang="en-US" sz="1600" dirty="0">
-                <a:solidFill>
-                  <a:srgbClr val="000000"/>
-                </a:solidFill>
-                <a:latin typeface="Cascadia Mono" panose="020B0609020000020004" pitchFamily="49" charset="0"/>
-              </a:rPr>
-              <a:t> public async Task&lt;string&gt; </a:t>
-            </a:r>
-            <a:r>
-              <a:rPr lang="en-US" sz="1600" dirty="0" err="1">
-                <a:solidFill>
-                  <a:srgbClr val="000000"/>
-                </a:solidFill>
-                <a:latin typeface="Cascadia Mono" panose="020B0609020000020004" pitchFamily="49" charset="0"/>
-              </a:rPr>
-              <a:t>GetCacheEntryRaw</a:t>
-            </a:r>
-            <a:r>
-              <a:rPr lang="en-US" sz="1600" dirty="0">
-                <a:solidFill>
-                  <a:srgbClr val="000000"/>
-                </a:solidFill>
-                <a:latin typeface="Cascadia Mono" panose="020B0609020000020004" pitchFamily="49" charset="0"/>
-              </a:rPr>
-              <a:t>(string value) {</a:t>
-            </a:r>
-          </a:p>
-          <a:p>
-            <a:r>
-              <a:rPr lang="en-US" sz="1600" dirty="0">
-                <a:solidFill>
-                  <a:srgbClr val="000000"/>
-                </a:solidFill>
-                <a:latin typeface="Cascadia Mono" panose="020B0609020000020004" pitchFamily="49" charset="0"/>
-              </a:rPr>
-              <a:t>     var ret = await _</a:t>
-            </a:r>
-            <a:r>
-              <a:rPr lang="en-US" sz="1600" dirty="0" err="1">
-                <a:solidFill>
-                  <a:srgbClr val="000000"/>
-                </a:solidFill>
-                <a:latin typeface="Cascadia Mono" panose="020B0609020000020004" pitchFamily="49" charset="0"/>
-              </a:rPr>
-              <a:t>fusionCache.GetOrSetAsync</a:t>
-            </a:r>
-            <a:r>
-              <a:rPr lang="en-US" sz="1600" dirty="0">
-                <a:solidFill>
-                  <a:srgbClr val="000000"/>
-                </a:solidFill>
-                <a:latin typeface="Cascadia Mono" panose="020B0609020000020004" pitchFamily="49" charset="0"/>
-              </a:rPr>
-              <a:t>("cache-entry", </a:t>
-            </a:r>
-            <a:br>
-              <a:rPr lang="en-US" sz="1600" dirty="0">
-                <a:solidFill>
-                  <a:srgbClr val="000000"/>
-                </a:solidFill>
-                <a:latin typeface="Cascadia Mono" panose="020B0609020000020004" pitchFamily="49" charset="0"/>
-              </a:rPr>
-            </a:br>
-            <a:r>
-              <a:rPr lang="en-US" sz="1600" b="1" i="1" dirty="0">
-                <a:solidFill>
-                  <a:srgbClr val="000000"/>
-                </a:solidFill>
-                <a:latin typeface="Cascadia Mono" panose="020B0609020000020004" pitchFamily="49" charset="0"/>
-              </a:rPr>
-              <a:t>      		async _ =&gt; await </a:t>
-            </a:r>
-            <a:r>
-              <a:rPr lang="en-US" sz="1600" b="1" i="1" dirty="0" err="1">
-                <a:solidFill>
-                  <a:srgbClr val="000000"/>
-                </a:solidFill>
-                <a:latin typeface="Cascadia Mono" panose="020B0609020000020004" pitchFamily="49" charset="0"/>
-              </a:rPr>
-              <a:t>Task.FromResult</a:t>
-            </a:r>
-            <a:r>
-              <a:rPr lang="en-US" sz="1600" b="1" i="1" dirty="0">
-                <a:solidFill>
-                  <a:srgbClr val="000000"/>
-                </a:solidFill>
-                <a:latin typeface="Cascadia Mono" panose="020B0609020000020004" pitchFamily="49" charset="0"/>
-              </a:rPr>
-              <a:t>(value)</a:t>
-            </a:r>
-            <a:br>
-              <a:rPr lang="en-US" sz="1600" b="1" i="1" dirty="0">
-                <a:solidFill>
-                  <a:srgbClr val="000000"/>
-                </a:solidFill>
-                <a:latin typeface="Cascadia Mono" panose="020B0609020000020004" pitchFamily="49" charset="0"/>
-              </a:rPr>
-            </a:br>
-            <a:r>
-              <a:rPr lang="en-US" sz="1600" b="1" i="1" dirty="0">
-                <a:solidFill>
-                  <a:srgbClr val="000000"/>
-                </a:solidFill>
-                <a:latin typeface="Cascadia Mono" panose="020B0609020000020004" pitchFamily="49" charset="0"/>
-              </a:rPr>
-              <a:t>      </a:t>
-            </a:r>
-            <a:r>
-              <a:rPr lang="en-US" sz="1600" dirty="0">
-                <a:solidFill>
-                  <a:srgbClr val="000000"/>
-                </a:solidFill>
-                <a:latin typeface="Cascadia Mono" panose="020B0609020000020004" pitchFamily="49" charset="0"/>
-              </a:rPr>
-              <a:t>,new </a:t>
-            </a:r>
-            <a:r>
-              <a:rPr lang="en-US" sz="1600" dirty="0" err="1">
-                <a:solidFill>
-                  <a:srgbClr val="000000"/>
-                </a:solidFill>
-                <a:latin typeface="Cascadia Mono" panose="020B0609020000020004" pitchFamily="49" charset="0"/>
-              </a:rPr>
+              <a:rPr lang="en-US" dirty="0" err="1"/>
+              <a:t>IFusionCache</a:t>
+            </a:r>
+            <a:r>
+              <a:rPr lang="en-US" dirty="0"/>
+              <a:t>: the interface to have injected</a:t>
+            </a:r>
+          </a:p>
+          <a:p>
+            <a:r>
+              <a:rPr lang="en-US" dirty="0"/>
+              <a:t>The main api: </a:t>
+            </a:r>
+            <a:r>
+              <a:rPr lang="en-US" dirty="0" err="1"/>
+              <a:t>GetOrSet</a:t>
+            </a:r>
+            <a:r>
+              <a:rPr lang="en-US" dirty="0"/>
+              <a:t>(Async), it requires </a:t>
+            </a:r>
+          </a:p>
+          <a:p>
+            <a:pPr lvl="1"/>
+            <a:r>
+              <a:rPr lang="en-US" dirty="0"/>
+              <a:t>Function to get the data is there is a cache miss</a:t>
+            </a:r>
+          </a:p>
+          <a:p>
+            <a:pPr lvl="1"/>
+            <a:r>
+              <a:rPr lang="en-US" dirty="0"/>
+              <a:t>Optional </a:t>
+            </a:r>
+            <a:r>
+              <a:rPr lang="en-US" i="1" dirty="0" err="1"/>
               <a:t>FusionCacheEntryOptions</a:t>
             </a:r>
             <a:r>
-              <a:rPr lang="en-US" sz="1600" dirty="0">
-                <a:solidFill>
-                  <a:srgbClr val="000000"/>
-                </a:solidFill>
-                <a:latin typeface="Cascadia Mono" panose="020B0609020000020004" pitchFamily="49" charset="0"/>
-              </a:rPr>
-              <a:t> {</a:t>
-            </a:r>
-          </a:p>
-          <a:p>
-            <a:r>
-              <a:rPr lang="en-US" sz="1600" dirty="0">
-                <a:solidFill>
-                  <a:srgbClr val="000000"/>
-                </a:solidFill>
-                <a:latin typeface="Cascadia Mono" panose="020B0609020000020004" pitchFamily="49" charset="0"/>
-              </a:rPr>
-              <a:t>         Duration= </a:t>
-            </a:r>
-            <a:r>
-              <a:rPr lang="en-US" sz="1600" dirty="0" err="1">
-                <a:solidFill>
-                  <a:srgbClr val="000000"/>
-                </a:solidFill>
-                <a:latin typeface="Cascadia Mono" panose="020B0609020000020004" pitchFamily="49" charset="0"/>
-              </a:rPr>
-              <a:t>TimeSpan.FromMinutes</a:t>
-            </a:r>
-            <a:r>
-              <a:rPr lang="en-US" sz="1600" dirty="0">
-                <a:solidFill>
-                  <a:srgbClr val="000000"/>
-                </a:solidFill>
-                <a:latin typeface="Cascadia Mono" panose="020B0609020000020004" pitchFamily="49" charset="0"/>
-              </a:rPr>
-              <a:t>(1)}</a:t>
-            </a:r>
-            <a:br>
-              <a:rPr lang="en-US" sz="1600" dirty="0">
-                <a:solidFill>
-                  <a:srgbClr val="000000"/>
-                </a:solidFill>
-                <a:latin typeface="Cascadia Mono" panose="020B0609020000020004" pitchFamily="49" charset="0"/>
-              </a:rPr>
-            </a:br>
-            <a:r>
-              <a:rPr lang="en-US" sz="1600" dirty="0">
-                <a:solidFill>
-                  <a:srgbClr val="000000"/>
-                </a:solidFill>
-                <a:latin typeface="Cascadia Mono" panose="020B0609020000020004" pitchFamily="49" charset="0"/>
-              </a:rPr>
-              <a:t>     );</a:t>
-            </a:r>
-          </a:p>
-          <a:p>
-            <a:r>
-              <a:rPr lang="en-US" sz="1600" dirty="0">
-                <a:solidFill>
-                  <a:srgbClr val="000000"/>
-                </a:solidFill>
-                <a:latin typeface="Cascadia Mono" panose="020B0609020000020004" pitchFamily="49" charset="0"/>
-              </a:rPr>
-              <a:t>     return ret;</a:t>
-            </a:r>
-          </a:p>
-          <a:p>
-            <a:r>
-              <a:rPr lang="en-US" sz="1600" dirty="0">
-                <a:solidFill>
-                  <a:srgbClr val="000000"/>
-                </a:solidFill>
-                <a:latin typeface="Cascadia Mono" panose="020B0609020000020004" pitchFamily="49" charset="0"/>
-              </a:rPr>
-              <a:t> }</a:t>
-            </a:r>
-            <a:endParaRPr lang="en-US" sz="1600" dirty="0"/>
+              <a:rPr lang="en-US" sz="2400" dirty="0">
+                <a:solidFill>
+                  <a:srgbClr val="000000"/>
+                </a:solidFill>
+                <a:latin typeface="Cascadia Mono" panose="020B0609020000020004" pitchFamily="49" charset="0"/>
+              </a:rPr>
+              <a:t> </a:t>
+            </a:r>
+            <a:r>
+              <a:rPr lang="en-US" dirty="0"/>
+              <a:t>(if not provided a default one registered at startup is used)</a:t>
+            </a:r>
+          </a:p>
+          <a:p>
+            <a:pPr lvl="2"/>
+            <a:r>
+              <a:rPr lang="en-US" dirty="0"/>
+              <a:t>Duration</a:t>
+            </a:r>
+          </a:p>
+          <a:p>
+            <a:pPr lvl="2"/>
+            <a:r>
+              <a:rPr lang="en-US" dirty="0" err="1"/>
+              <a:t>DistributedCacheDuration</a:t>
+            </a:r>
+            <a:r>
+              <a:rPr lang="en-US" dirty="0"/>
+              <a:t> (optional) </a:t>
+            </a:r>
+          </a:p>
+          <a:p>
+            <a:pPr lvl="2"/>
+            <a:r>
+              <a:rPr lang="en-US" dirty="0" err="1"/>
+              <a:t>JitterMaxDuration</a:t>
+            </a:r>
+            <a:r>
+              <a:rPr lang="en-US" dirty="0"/>
+              <a:t> (introduce a degree of randomization in the expiration)</a:t>
+            </a:r>
+          </a:p>
+          <a:p>
+            <a:pPr lvl="2"/>
+            <a:r>
+              <a:rPr lang="en-US" dirty="0"/>
+              <a:t>..and many others we will cover in next slides </a:t>
+            </a:r>
+          </a:p>
+          <a:p>
+            <a:endParaRPr lang="en-US" dirty="0"/>
+          </a:p>
+          <a:p>
+            <a:endParaRPr lang="en-US" dirty="0"/>
           </a:p>
         </p:txBody>
       </p:sp>
     </p:spTree>
     <p:extLst>
       <p:ext uri="{BB962C8B-B14F-4D97-AF65-F5344CB8AC3E}">
-        <p14:creationId xmlns:p14="http://schemas.microsoft.com/office/powerpoint/2010/main" val="1651941946"/>
+        <p14:creationId xmlns:p14="http://schemas.microsoft.com/office/powerpoint/2010/main" val="2609270308"/>
       </p:ext>
     </p:extLst>
   </p:cSld>
@@ -9032,7 +8902,7 @@
           <p:cNvPr id="2" name="Title 1">
             <a:extLst>
               <a:ext uri="{FF2B5EF4-FFF2-40B4-BE49-F238E27FC236}">
-                <a16:creationId xmlns:a16="http://schemas.microsoft.com/office/drawing/2014/main" id="{13E90545-37A9-9A12-6B57-3878A0D8242E}"/>
+                <a16:creationId xmlns:a16="http://schemas.microsoft.com/office/drawing/2014/main" id="{A57B7226-9247-96BB-DF72-85A4234DFF1A}"/>
               </a:ext>
             </a:extLst>
           </p:cNvPr>
@@ -9045,99 +8915,324 @@
         </p:nvSpPr>
         <p:spPr/>
         <p:txBody>
-          <a:bodyPr>
-            <a:normAutofit/>
+          <a:bodyPr/>
+          <a:lstStyle/>
+          <a:p>
+            <a:endParaRPr lang="en-US"/>
+          </a:p>
+        </p:txBody>
+      </p:sp>
+      <p:sp>
+        <p:nvSpPr>
+          <p:cNvPr id="3" name="Content Placeholder 2">
+            <a:extLst>
+              <a:ext uri="{FF2B5EF4-FFF2-40B4-BE49-F238E27FC236}">
+                <a16:creationId xmlns:a16="http://schemas.microsoft.com/office/drawing/2014/main" id="{A03C34F7-5129-D41E-31EA-C959A4DA021D}"/>
+              </a:ext>
+            </a:extLst>
+          </p:cNvPr>
+          <p:cNvSpPr>
+            <a:spLocks noGrp="1"/>
+          </p:cNvSpPr>
+          <p:nvPr>
+            <p:ph idx="1"/>
+          </p:nvPr>
+        </p:nvSpPr>
+        <p:spPr/>
+        <p:txBody>
+          <a:bodyPr/>
+          <a:lstStyle/>
+          <a:p>
+            <a:endParaRPr lang="en-US" dirty="0"/>
+          </a:p>
+        </p:txBody>
+      </p:sp>
+      <p:sp>
+        <p:nvSpPr>
+          <p:cNvPr id="4" name="TextBox 3">
+            <a:extLst>
+              <a:ext uri="{FF2B5EF4-FFF2-40B4-BE49-F238E27FC236}">
+                <a16:creationId xmlns:a16="http://schemas.microsoft.com/office/drawing/2014/main" id="{BB7C8D49-C6C3-3F18-E18D-A174359898DC}"/>
+              </a:ext>
+            </a:extLst>
+          </p:cNvPr>
+          <p:cNvSpPr txBox="1"/>
+          <p:nvPr/>
+        </p:nvSpPr>
+        <p:spPr>
+          <a:xfrm>
+            <a:off x="573358" y="2602914"/>
+            <a:ext cx="9922909" cy="2308324"/>
+          </a:xfrm>
+          <a:prstGeom prst="rect">
+            <a:avLst/>
+          </a:prstGeom>
+          <a:noFill/>
+        </p:spPr>
+        <p:txBody>
+          <a:bodyPr wrap="none" rtlCol="0">
+            <a:spAutoFit/>
           </a:bodyPr>
           <a:lstStyle/>
           <a:p>
             <a:r>
-              <a:rPr lang="en-US" dirty="0" err="1">
-                <a:latin typeface="+mn-lt"/>
-                <a:ea typeface="+mn-ea"/>
-                <a:cs typeface="+mn-cs"/>
+              <a:rPr lang="en-US" sz="1600" dirty="0">
+                <a:solidFill>
+                  <a:srgbClr val="000000"/>
+                </a:solidFill>
+                <a:latin typeface="Cascadia Mono" panose="020B0609020000020004" pitchFamily="49" charset="0"/>
+              </a:rPr>
+              <a:t>[</a:t>
+            </a:r>
+            <a:r>
+              <a:rPr lang="en-US" sz="1600" dirty="0" err="1">
+                <a:solidFill>
+                  <a:srgbClr val="000000"/>
+                </a:solidFill>
+                <a:latin typeface="Cascadia Mono" panose="020B0609020000020004" pitchFamily="49" charset="0"/>
+              </a:rPr>
+              <a:t>HttpGet</a:t>
+            </a:r>
+            <a:r>
+              <a:rPr lang="en-US" sz="1600" dirty="0">
+                <a:solidFill>
+                  <a:srgbClr val="000000"/>
+                </a:solidFill>
+                <a:latin typeface="Cascadia Mono" panose="020B0609020000020004" pitchFamily="49" charset="0"/>
+              </a:rPr>
+              <a:t>(template: "get-or-set-cache-entry-raw", Name = "</a:t>
+            </a:r>
+            <a:r>
+              <a:rPr lang="en-US" sz="1600" dirty="0" err="1">
+                <a:solidFill>
+                  <a:srgbClr val="000000"/>
+                </a:solidFill>
+                <a:latin typeface="Cascadia Mono" panose="020B0609020000020004" pitchFamily="49" charset="0"/>
+              </a:rPr>
+              <a:t>GetOrSetCacheEntryRaw</a:t>
+            </a:r>
+            <a:r>
+              <a:rPr lang="en-US" sz="1600" dirty="0">
+                <a:solidFill>
+                  <a:srgbClr val="000000"/>
+                </a:solidFill>
+                <a:latin typeface="Cascadia Mono" panose="020B0609020000020004" pitchFamily="49" charset="0"/>
+              </a:rPr>
+              <a:t>")]</a:t>
+            </a:r>
+          </a:p>
+          <a:p>
+            <a:r>
+              <a:rPr lang="en-US" sz="1600" dirty="0">
+                <a:solidFill>
+                  <a:srgbClr val="000000"/>
+                </a:solidFill>
+                <a:latin typeface="Cascadia Mono" panose="020B0609020000020004" pitchFamily="49" charset="0"/>
+              </a:rPr>
+              <a:t> public async Task&lt;string&gt; </a:t>
+            </a:r>
+            <a:r>
+              <a:rPr lang="en-US" sz="1600" dirty="0" err="1">
+                <a:solidFill>
+                  <a:srgbClr val="000000"/>
+                </a:solidFill>
+                <a:latin typeface="Cascadia Mono" panose="020B0609020000020004" pitchFamily="49" charset="0"/>
+              </a:rPr>
+              <a:t>GetCacheEntryRaw</a:t>
+            </a:r>
+            <a:r>
+              <a:rPr lang="en-US" sz="1600" dirty="0">
+                <a:solidFill>
+                  <a:srgbClr val="000000"/>
+                </a:solidFill>
+                <a:latin typeface="Cascadia Mono" panose="020B0609020000020004" pitchFamily="49" charset="0"/>
+              </a:rPr>
+              <a:t>(string value) {</a:t>
+            </a:r>
+          </a:p>
+          <a:p>
+            <a:r>
+              <a:rPr lang="en-US" sz="1600" dirty="0">
+                <a:solidFill>
+                  <a:srgbClr val="000000"/>
+                </a:solidFill>
+                <a:latin typeface="Cascadia Mono" panose="020B0609020000020004" pitchFamily="49" charset="0"/>
+              </a:rPr>
+              <a:t>     var ret = await _</a:t>
+            </a:r>
+            <a:r>
+              <a:rPr lang="en-US" sz="1600" dirty="0" err="1">
+                <a:solidFill>
+                  <a:srgbClr val="000000"/>
+                </a:solidFill>
+                <a:latin typeface="Cascadia Mono" panose="020B0609020000020004" pitchFamily="49" charset="0"/>
+              </a:rPr>
+              <a:t>fusionCache.GetOrSetAsync</a:t>
+            </a:r>
+            <a:r>
+              <a:rPr lang="en-US" sz="1600" dirty="0">
+                <a:solidFill>
+                  <a:srgbClr val="000000"/>
+                </a:solidFill>
+                <a:latin typeface="Cascadia Mono" panose="020B0609020000020004" pitchFamily="49" charset="0"/>
+              </a:rPr>
+              <a:t>("cache-entry", </a:t>
+            </a:r>
+            <a:br>
+              <a:rPr lang="en-US" sz="1600" dirty="0">
+                <a:solidFill>
+                  <a:srgbClr val="000000"/>
+                </a:solidFill>
+                <a:latin typeface="Cascadia Mono" panose="020B0609020000020004" pitchFamily="49" charset="0"/>
+              </a:rPr>
+            </a:br>
+            <a:r>
+              <a:rPr lang="en-US" sz="1600" b="1" i="1" dirty="0">
+                <a:solidFill>
+                  <a:srgbClr val="000000"/>
+                </a:solidFill>
+                <a:latin typeface="Cascadia Mono" panose="020B0609020000020004" pitchFamily="49" charset="0"/>
+              </a:rPr>
+              <a:t>      		async _ =&gt; await </a:t>
+            </a:r>
+            <a:r>
+              <a:rPr lang="en-US" sz="1600" b="1" i="1" dirty="0" err="1">
+                <a:solidFill>
+                  <a:srgbClr val="000000"/>
+                </a:solidFill>
+                <a:latin typeface="Cascadia Mono" panose="020B0609020000020004" pitchFamily="49" charset="0"/>
+              </a:rPr>
+              <a:t>Task.FromResult</a:t>
+            </a:r>
+            <a:r>
+              <a:rPr lang="en-US" sz="1600" b="1" i="1" dirty="0">
+                <a:solidFill>
+                  <a:srgbClr val="000000"/>
+                </a:solidFill>
+                <a:latin typeface="Cascadia Mono" panose="020B0609020000020004" pitchFamily="49" charset="0"/>
+              </a:rPr>
+              <a:t>(value)</a:t>
+            </a:r>
+            <a:br>
+              <a:rPr lang="en-US" sz="1600" b="1" i="1" dirty="0">
+                <a:solidFill>
+                  <a:srgbClr val="000000"/>
+                </a:solidFill>
+                <a:latin typeface="Cascadia Mono" panose="020B0609020000020004" pitchFamily="49" charset="0"/>
+              </a:rPr>
+            </a:br>
+            <a:r>
+              <a:rPr lang="en-US" sz="1600" b="1" i="1" dirty="0">
+                <a:solidFill>
+                  <a:srgbClr val="000000"/>
+                </a:solidFill>
+                <a:latin typeface="Cascadia Mono" panose="020B0609020000020004" pitchFamily="49" charset="0"/>
+              </a:rPr>
+              <a:t>      </a:t>
+            </a:r>
+            <a:r>
+              <a:rPr lang="en-US" sz="1600" dirty="0">
+                <a:solidFill>
+                  <a:srgbClr val="000000"/>
+                </a:solidFill>
+                <a:latin typeface="Cascadia Mono" panose="020B0609020000020004" pitchFamily="49" charset="0"/>
+              </a:rPr>
+              <a:t>,new </a:t>
+            </a:r>
+            <a:r>
+              <a:rPr lang="en-US" sz="1600" dirty="0" err="1">
+                <a:solidFill>
+                  <a:srgbClr val="000000"/>
+                </a:solidFill>
+                <a:latin typeface="Cascadia Mono" panose="020B0609020000020004" pitchFamily="49" charset="0"/>
               </a:rPr>
               <a:t>FusionCacheEntryOptions</a:t>
             </a:r>
             <a:r>
-              <a:rPr lang="en-US" dirty="0">
-                <a:latin typeface="+mn-lt"/>
-                <a:ea typeface="+mn-ea"/>
-                <a:cs typeface="+mn-cs"/>
-              </a:rPr>
-              <a:t>: </a:t>
-            </a:r>
-            <a:r>
-              <a:rPr lang="en-US" dirty="0" err="1">
-                <a:latin typeface="+mn-lt"/>
-                <a:ea typeface="+mn-ea"/>
-                <a:cs typeface="+mn-cs"/>
-              </a:rPr>
-              <a:t>TimeOuts</a:t>
-            </a:r>
-            <a:endParaRPr lang="en-US" dirty="0">
-              <a:latin typeface="+mn-lt"/>
-              <a:ea typeface="+mn-ea"/>
-              <a:cs typeface="+mn-cs"/>
-            </a:endParaRPr>
-          </a:p>
-        </p:txBody>
-      </p:sp>
-      <p:sp>
-        <p:nvSpPr>
-          <p:cNvPr id="3" name="Content Placeholder 2">
-            <a:extLst>
-              <a:ext uri="{FF2B5EF4-FFF2-40B4-BE49-F238E27FC236}">
-                <a16:creationId xmlns:a16="http://schemas.microsoft.com/office/drawing/2014/main" id="{6AE67887-6B6F-F9BE-2C73-350D2F504680}"/>
-              </a:ext>
-            </a:extLst>
-          </p:cNvPr>
-          <p:cNvSpPr>
-            <a:spLocks noGrp="1"/>
-          </p:cNvSpPr>
-          <p:nvPr>
-            <p:ph idx="1"/>
-          </p:nvPr>
-        </p:nvSpPr>
-        <p:spPr/>
-        <p:txBody>
-          <a:bodyPr>
-            <a:normAutofit/>
-          </a:bodyPr>
-          <a:lstStyle/>
-          <a:p>
-            <a:r>
-              <a:rPr lang="en-US" dirty="0" err="1"/>
-              <a:t>FactoryHardTimeout</a:t>
-            </a:r>
-            <a:endParaRPr lang="en-US" dirty="0"/>
-          </a:p>
-          <a:p>
-            <a:pPr lvl="1"/>
-            <a:r>
-              <a:rPr lang="en-US" dirty="0"/>
-              <a:t>Return exception if factory takes longer then the specified value (more on it later)</a:t>
-            </a:r>
-          </a:p>
-          <a:p>
-            <a:r>
-              <a:rPr lang="en-US" dirty="0" err="1"/>
-              <a:t>AllowTimedOutFactoryBackgroundCompletion</a:t>
-            </a:r>
-            <a:endParaRPr lang="en-US" dirty="0"/>
-          </a:p>
-          <a:p>
-            <a:pPr lvl="1"/>
-            <a:r>
-              <a:rPr lang="en-US" dirty="0"/>
-              <a:t>Enabled by default, lets the timed-out factory keep running in the background and update the cached value as soon as it finishes</a:t>
-            </a:r>
+              <a:rPr lang="en-US" sz="1600" dirty="0">
+                <a:solidFill>
+                  <a:srgbClr val="000000"/>
+                </a:solidFill>
+                <a:latin typeface="Cascadia Mono" panose="020B0609020000020004" pitchFamily="49" charset="0"/>
+              </a:rPr>
+              <a:t> {</a:t>
+            </a:r>
+          </a:p>
+          <a:p>
+            <a:r>
+              <a:rPr lang="en-US" sz="1600" dirty="0">
+                <a:solidFill>
+                  <a:srgbClr val="000000"/>
+                </a:solidFill>
+                <a:latin typeface="Cascadia Mono" panose="020B0609020000020004" pitchFamily="49" charset="0"/>
+              </a:rPr>
+              <a:t>         Duration= </a:t>
+            </a:r>
+            <a:r>
+              <a:rPr lang="en-US" sz="1600" dirty="0" err="1">
+                <a:solidFill>
+                  <a:srgbClr val="000000"/>
+                </a:solidFill>
+                <a:latin typeface="Cascadia Mono" panose="020B0609020000020004" pitchFamily="49" charset="0"/>
+              </a:rPr>
+              <a:t>TimeSpan.FromMinutes</a:t>
+            </a:r>
+            <a:r>
+              <a:rPr lang="en-US" sz="1600" dirty="0">
+                <a:solidFill>
+                  <a:srgbClr val="000000"/>
+                </a:solidFill>
+                <a:latin typeface="Cascadia Mono" panose="020B0609020000020004" pitchFamily="49" charset="0"/>
+              </a:rPr>
+              <a:t>(1)}</a:t>
+            </a:r>
+            <a:br>
+              <a:rPr lang="en-US" sz="1600" dirty="0">
+                <a:solidFill>
+                  <a:srgbClr val="000000"/>
+                </a:solidFill>
+                <a:latin typeface="Cascadia Mono" panose="020B0609020000020004" pitchFamily="49" charset="0"/>
+              </a:rPr>
+            </a:br>
+            <a:r>
+              <a:rPr lang="en-US" sz="1600" dirty="0">
+                <a:solidFill>
+                  <a:srgbClr val="000000"/>
+                </a:solidFill>
+                <a:latin typeface="Cascadia Mono" panose="020B0609020000020004" pitchFamily="49" charset="0"/>
+              </a:rPr>
+              <a:t>     );</a:t>
+            </a:r>
+          </a:p>
+          <a:p>
+            <a:r>
+              <a:rPr lang="en-US" sz="1600" dirty="0">
+                <a:solidFill>
+                  <a:srgbClr val="000000"/>
+                </a:solidFill>
+                <a:latin typeface="Cascadia Mono" panose="020B0609020000020004" pitchFamily="49" charset="0"/>
+              </a:rPr>
+              <a:t>     return ret;</a:t>
+            </a:r>
+          </a:p>
+          <a:p>
+            <a:r>
+              <a:rPr lang="en-US" sz="1600" dirty="0">
+                <a:solidFill>
+                  <a:srgbClr val="000000"/>
+                </a:solidFill>
+                <a:latin typeface="Cascadia Mono" panose="020B0609020000020004" pitchFamily="49" charset="0"/>
+              </a:rPr>
+              <a:t> }</a:t>
+            </a:r>
+            <a:endParaRPr lang="en-US" sz="1600" dirty="0"/>
           </a:p>
         </p:txBody>
       </p:sp>
     </p:spTree>
     <p:extLst>
       <p:ext uri="{BB962C8B-B14F-4D97-AF65-F5344CB8AC3E}">
-        <p14:creationId xmlns:p14="http://schemas.microsoft.com/office/powerpoint/2010/main" val="2190221231"/>
+        <p14:creationId xmlns:p14="http://schemas.microsoft.com/office/powerpoint/2010/main" val="1651941946"/>
       </p:ext>
     </p:extLst>
   </p:cSld>
@@ -9169,7 +9264,7 @@
           <p:cNvPr id="2" name="Title 1">
             <a:extLst>
               <a:ext uri="{FF2B5EF4-FFF2-40B4-BE49-F238E27FC236}">
-                <a16:creationId xmlns:a16="http://schemas.microsoft.com/office/drawing/2014/main" id="{5D283DDB-5E70-BE28-3EED-6919897DDC78}"/>
+                <a16:creationId xmlns:a16="http://schemas.microsoft.com/office/drawing/2014/main" id="{13E90545-37A9-9A12-6B57-3878A0D8242E}"/>
               </a:ext>
             </a:extLst>
           </p:cNvPr>
@@ -9182,41 +9277,11 @@
         </p:nvSpPr>
         <p:spPr/>
         <p:txBody>
-          <a:bodyPr/>
-          <a:lstStyle/>
-          <a:p>
-            <a:r>
-              <a:rPr lang="en-US" dirty="0"/>
-              <a:t>DEMO</a:t>
-            </a:r>
-          </a:p>
-        </p:txBody>
-      </p:sp>
-      <p:sp>
-        <p:nvSpPr>
-          <p:cNvPr id="3" name="Content Placeholder 2">
-            <a:extLst>
-              <a:ext uri="{FF2B5EF4-FFF2-40B4-BE49-F238E27FC236}">
-                <a16:creationId xmlns:a16="http://schemas.microsoft.com/office/drawing/2014/main" id="{62AD2CCB-A577-86B2-F813-24213EB4A9C6}"/>
-              </a:ext>
-            </a:extLst>
-          </p:cNvPr>
-          <p:cNvSpPr>
-            <a:spLocks noGrp="1"/>
-          </p:cNvSpPr>
-          <p:nvPr>
-            <p:ph idx="1"/>
-          </p:nvPr>
-        </p:nvSpPr>
-        <p:spPr/>
-        <p:txBody>
-          <a:bodyPr/>
-          <a:lstStyle/>
-          <a:p>
-            <a:r>
-              <a:rPr lang="en-US" dirty="0"/>
-              <a:t>A small wrapper to ready </a:t>
-            </a:r>
+          <a:bodyPr>
+            <a:normAutofit/>
+          </a:bodyPr>
+          <a:lstStyle/>
+          <a:p>
             <a:r>
               <a:rPr lang="en-US" dirty="0" err="1">
                 <a:latin typeface="+mn-lt"/>
@@ -9231,14 +9296,72 @@
                 <a:ea typeface="+mn-ea"/>
                 <a:cs typeface="+mn-cs"/>
               </a:rPr>
-              <a:t> from config</a:t>
+              <a:t>: </a:t>
+            </a:r>
+            <a:r>
+              <a:rPr lang="en-US" dirty="0" err="1">
+                <a:latin typeface="+mn-lt"/>
+                <a:ea typeface="+mn-ea"/>
+                <a:cs typeface="+mn-cs"/>
+              </a:rPr>
+              <a:t>TimeOuts</a:t>
+            </a:r>
+            <a:endParaRPr lang="en-US" dirty="0">
+              <a:latin typeface="+mn-lt"/>
+              <a:ea typeface="+mn-ea"/>
+              <a:cs typeface="+mn-cs"/>
+            </a:endParaRPr>
+          </a:p>
+        </p:txBody>
+      </p:sp>
+      <p:sp>
+        <p:nvSpPr>
+          <p:cNvPr id="3" name="Content Placeholder 2">
+            <a:extLst>
+              <a:ext uri="{FF2B5EF4-FFF2-40B4-BE49-F238E27FC236}">
+                <a16:creationId xmlns:a16="http://schemas.microsoft.com/office/drawing/2014/main" id="{6AE67887-6B6F-F9BE-2C73-350D2F504680}"/>
+              </a:ext>
+            </a:extLst>
+          </p:cNvPr>
+          <p:cNvSpPr>
+            <a:spLocks noGrp="1"/>
+          </p:cNvSpPr>
+          <p:nvPr>
+            <p:ph idx="1"/>
+          </p:nvPr>
+        </p:nvSpPr>
+        <p:spPr/>
+        <p:txBody>
+          <a:bodyPr>
+            <a:normAutofit/>
+          </a:bodyPr>
+          <a:lstStyle/>
+          <a:p>
+            <a:r>
+              <a:rPr lang="en-US" dirty="0" err="1"/>
+              <a:t>FactoryHardTimeout</a:t>
             </a:r>
             <a:endParaRPr lang="en-US" dirty="0"/>
           </a:p>
           <a:p>
-            <a:r>
-              <a:rPr lang="en-US" dirty="0"/>
-              <a:t>Factory time out</a:t>
+            <a:pPr lvl="1"/>
+            <a:r>
+              <a:rPr lang="en-US" dirty="0"/>
+              <a:t>Return exception if factory takes longer then the specified value (more on it later)</a:t>
+            </a:r>
+          </a:p>
+          <a:p>
+            <a:r>
+              <a:rPr lang="en-US" dirty="0" err="1"/>
+              <a:t>AllowTimedOutFactoryBackgroundCompletion</a:t>
+            </a:r>
+            <a:endParaRPr lang="en-US" dirty="0"/>
+          </a:p>
+          <a:p>
+            <a:pPr lvl="1"/>
+            <a:r>
+              <a:rPr lang="en-US" dirty="0"/>
+              <a:t>Enabled by default, lets the timed-out factory keep running in the background and update the cached value as soon as it finishes</a:t>
             </a:r>
           </a:p>
         </p:txBody>
@@ -9246,7 +9369,7 @@
     </p:spTree>
     <p:extLst>
       <p:ext uri="{BB962C8B-B14F-4D97-AF65-F5344CB8AC3E}">
-        <p14:creationId xmlns:p14="http://schemas.microsoft.com/office/powerpoint/2010/main" val="2234264116"/>
+        <p14:creationId xmlns:p14="http://schemas.microsoft.com/office/powerpoint/2010/main" val="2190221231"/>
       </p:ext>
     </p:extLst>
   </p:cSld>
@@ -9278,7 +9401,7 @@
           <p:cNvPr id="2" name="Title 1">
             <a:extLst>
               <a:ext uri="{FF2B5EF4-FFF2-40B4-BE49-F238E27FC236}">
-                <a16:creationId xmlns:a16="http://schemas.microsoft.com/office/drawing/2014/main" id="{6DA7CF98-B5C3-6707-D594-BAB3B1E1E832}"/>
+                <a16:creationId xmlns:a16="http://schemas.microsoft.com/office/drawing/2014/main" id="{5D283DDB-5E70-BE28-3EED-6919897DDC78}"/>
               </a:ext>
             </a:extLst>
           </p:cNvPr>
@@ -9296,7 +9419,7 @@
           <a:p>
             <a:r>
               <a:rPr lang="en-US" dirty="0"/>
-              <a:t>Cache stampede</a:t>
+              <a:t>DEMO</a:t>
             </a:r>
           </a:p>
         </p:txBody>
@@ -9306,7 +9429,7 @@
           <p:cNvPr id="3" name="Content Placeholder 2">
             <a:extLst>
               <a:ext uri="{FF2B5EF4-FFF2-40B4-BE49-F238E27FC236}">
-                <a16:creationId xmlns:a16="http://schemas.microsoft.com/office/drawing/2014/main" id="{4EE2669E-596B-E86E-E0E5-C04B6F827164}"/>
+                <a16:creationId xmlns:a16="http://schemas.microsoft.com/office/drawing/2014/main" id="{62AD2CCB-A577-86B2-F813-24213EB4A9C6}"/>
               </a:ext>
             </a:extLst>
           </p:cNvPr>
@@ -9319,37 +9442,35 @@
         </p:nvSpPr>
         <p:spPr/>
         <p:txBody>
-          <a:bodyPr>
-            <a:normAutofit/>
-          </a:bodyPr>
-          <a:lstStyle/>
-          <a:p>
-            <a:pPr lvl="1"/>
-            <a:r>
-              <a:rPr lang="en-US" dirty="0"/>
-              <a:t>Avoid "All" rush to origin to get same key when it expires (see demo). </a:t>
-            </a:r>
-            <a:r>
-              <a:rPr lang="en-US" dirty="0" err="1"/>
-              <a:t>JitterMaxDuration</a:t>
-            </a:r>
-            <a:r>
-              <a:rPr lang="en-US" dirty="0"/>
-              <a:t> mitigate the problem, still ..</a:t>
-            </a:r>
-          </a:p>
-          <a:p>
-            <a:pPr lvl="1"/>
-            <a:r>
-              <a:rPr lang="en-US" dirty="0"/>
-              <a:t>Fusion cache will not call the same factory more than once concurrently</a:t>
-            </a:r>
-          </a:p>
-          <a:p>
-            <a:pPr lvl="1"/>
-            <a:r>
-              <a:rPr lang="en-US" dirty="0"/>
-              <a:t>Works at node level</a:t>
+          <a:bodyPr/>
+          <a:lstStyle/>
+          <a:p>
+            <a:r>
+              <a:rPr lang="en-US" dirty="0"/>
+              <a:t>A small wrapper to ready </a:t>
+            </a:r>
+            <a:r>
+              <a:rPr lang="en-US" dirty="0" err="1">
+                <a:latin typeface="+mn-lt"/>
+                <a:ea typeface="+mn-ea"/>
+                <a:cs typeface="+mn-cs"/>
+              </a:rPr>
+              <a:t>FusionCacheEntryOptions</a:t>
+            </a:r>
+            <a:r>
+              <a:rPr lang="en-US" dirty="0">
+                <a:latin typeface="+mn-lt"/>
+                <a:ea typeface="+mn-ea"/>
+                <a:cs typeface="+mn-cs"/>
+              </a:rPr>
+              <a:t> from config</a:t>
+            </a:r>
+            <a:endParaRPr lang="en-US" dirty="0"/>
+          </a:p>
+          <a:p>
+            <a:r>
+              <a:rPr lang="en-US" dirty="0"/>
+              <a:t>Factory time out</a:t>
             </a:r>
           </a:p>
         </p:txBody>
@@ -9357,7 +9478,7 @@
     </p:spTree>
     <p:extLst>
       <p:ext uri="{BB962C8B-B14F-4D97-AF65-F5344CB8AC3E}">
-        <p14:creationId xmlns:p14="http://schemas.microsoft.com/office/powerpoint/2010/main" val="1377340055"/>
+        <p14:creationId xmlns:p14="http://schemas.microsoft.com/office/powerpoint/2010/main" val="2234264116"/>
       </p:ext>
     </p:extLst>
   </p:cSld>
@@ -9389,7 +9510,7 @@
           <p:cNvPr id="2" name="Title 1">
             <a:extLst>
               <a:ext uri="{FF2B5EF4-FFF2-40B4-BE49-F238E27FC236}">
-                <a16:creationId xmlns:a16="http://schemas.microsoft.com/office/drawing/2014/main" id="{5D283DDB-5E70-BE28-3EED-6919897DDC78}"/>
+                <a16:creationId xmlns:a16="http://schemas.microsoft.com/office/drawing/2014/main" id="{6DA7CF98-B5C3-6707-D594-BAB3B1E1E832}"/>
               </a:ext>
             </a:extLst>
           </p:cNvPr>
@@ -9407,7 +9528,7 @@
           <a:p>
             <a:r>
               <a:rPr lang="en-US" dirty="0"/>
-              <a:t>DEMO</a:t>
+              <a:t>Cache stampede</a:t>
             </a:r>
           </a:p>
         </p:txBody>
@@ -9417,7 +9538,7 @@
           <p:cNvPr id="3" name="Content Placeholder 2">
             <a:extLst>
               <a:ext uri="{FF2B5EF4-FFF2-40B4-BE49-F238E27FC236}">
-                <a16:creationId xmlns:a16="http://schemas.microsoft.com/office/drawing/2014/main" id="{62AD2CCB-A577-86B2-F813-24213EB4A9C6}"/>
+                <a16:creationId xmlns:a16="http://schemas.microsoft.com/office/drawing/2014/main" id="{4EE2669E-596B-E86E-E0E5-C04B6F827164}"/>
               </a:ext>
             </a:extLst>
           </p:cNvPr>
@@ -9430,12 +9551,37 @@
         </p:nvSpPr>
         <p:spPr/>
         <p:txBody>
-          <a:bodyPr/>
-          <a:lstStyle/>
-          <a:p>
-            <a:r>
-              <a:rPr lang="en-US" dirty="0"/>
-              <a:t>Cache stampede</a:t>
+          <a:bodyPr>
+            <a:normAutofit/>
+          </a:bodyPr>
+          <a:lstStyle/>
+          <a:p>
+            <a:pPr lvl="1"/>
+            <a:r>
+              <a:rPr lang="en-US" dirty="0"/>
+              <a:t>Avoid "All" rush to origin to get same key when it expires (see demo). </a:t>
+            </a:r>
+            <a:r>
+              <a:rPr lang="en-US" dirty="0" err="1"/>
+              <a:t>JitterMaxDuration</a:t>
+            </a:r>
+            <a:r>
+              <a:rPr lang="en-US" dirty="0"/>
+              <a:t> mitigate the problem, still ..</a:t>
+            </a:r>
+          </a:p>
+          <a:p>
+            <a:pPr lvl="1"/>
+            <a:r>
+              <a:rPr lang="en-US" dirty="0"/>
+              <a:t>Fusion cache will not call the same factory more than once concurrently</a:t>
+            </a:r>
+          </a:p>
+          <a:p>
+            <a:pPr lvl="1"/>
+            <a:r>
+              <a:rPr lang="en-US" dirty="0"/>
+              <a:t>Works at node level</a:t>
             </a:r>
           </a:p>
         </p:txBody>
@@ -9443,7 +9589,7 @@
     </p:spTree>
     <p:extLst>
       <p:ext uri="{BB962C8B-B14F-4D97-AF65-F5344CB8AC3E}">
-        <p14:creationId xmlns:p14="http://schemas.microsoft.com/office/powerpoint/2010/main" val="2811030322"/>
+        <p14:creationId xmlns:p14="http://schemas.microsoft.com/office/powerpoint/2010/main" val="1377340055"/>
       </p:ext>
     </p:extLst>
   </p:cSld>
@@ -9475,7 +9621,7 @@
           <p:cNvPr id="2" name="Title 1">
             <a:extLst>
               <a:ext uri="{FF2B5EF4-FFF2-40B4-BE49-F238E27FC236}">
-                <a16:creationId xmlns:a16="http://schemas.microsoft.com/office/drawing/2014/main" id="{6DA7CF98-B5C3-6707-D594-BAB3B1E1E832}"/>
+                <a16:creationId xmlns:a16="http://schemas.microsoft.com/office/drawing/2014/main" id="{5D283DDB-5E70-BE28-3EED-6919897DDC78}"/>
               </a:ext>
             </a:extLst>
           </p:cNvPr>
@@ -9493,12 +9639,8 @@
           <a:p>
             <a:r>
               <a:rPr lang="en-US" dirty="0"/>
-              <a:t>Fail-Safe</a:t>
-            </a:r>
-            <a:br>
-              <a:rPr lang="en-US" dirty="0"/>
-            </a:br>
-            <a:endParaRPr lang="en-US" dirty="0"/>
+              <a:t>DEMO</a:t>
+            </a:r>
           </a:p>
         </p:txBody>
       </p:sp>
@@ -9507,7 +9649,7 @@
           <p:cNvPr id="3" name="Content Placeholder 2">
             <a:extLst>
               <a:ext uri="{FF2B5EF4-FFF2-40B4-BE49-F238E27FC236}">
-                <a16:creationId xmlns:a16="http://schemas.microsoft.com/office/drawing/2014/main" id="{4EE2669E-596B-E86E-E0E5-C04B6F827164}"/>
+                <a16:creationId xmlns:a16="http://schemas.microsoft.com/office/drawing/2014/main" id="{62AD2CCB-A577-86B2-F813-24213EB4A9C6}"/>
               </a:ext>
             </a:extLst>
           </p:cNvPr>
@@ -9518,89 +9660,14 @@
             <p:ph idx="1"/>
           </p:nvPr>
         </p:nvSpPr>
-        <p:spPr>
-          <a:xfrm>
-            <a:off x="838200" y="1356585"/>
-            <a:ext cx="10515600" cy="4909351"/>
-          </a:xfrm>
-        </p:spPr>
-        <p:txBody>
-          <a:bodyPr>
-            <a:normAutofit/>
-          </a:bodyPr>
-          <a:lstStyle/>
-          <a:p>
-            <a:pPr lvl="1"/>
-            <a:r>
-              <a:rPr lang="en-US" dirty="0"/>
-              <a:t>Provide expired values if origin fails or takes too long to reply (times out)</a:t>
-            </a:r>
-          </a:p>
-          <a:p>
-            <a:pPr lvl="1"/>
-            <a:r>
-              <a:rPr lang="en-US" dirty="0" err="1"/>
-              <a:t>IsFailSafeEnabled</a:t>
-            </a:r>
-            <a:r>
-              <a:rPr lang="en-US" dirty="0"/>
-              <a:t> </a:t>
-            </a:r>
-          </a:p>
-          <a:p>
-            <a:pPr lvl="1"/>
-            <a:r>
-              <a:rPr lang="en-US" dirty="0" err="1"/>
-              <a:t>FailSafeMaxDuration</a:t>
-            </a:r>
-            <a:r>
-              <a:rPr lang="en-US" dirty="0"/>
-              <a:t> (internally extend the cache duration to this value)</a:t>
-            </a:r>
-          </a:p>
-          <a:p>
-            <a:pPr lvl="1"/>
-            <a:r>
-              <a:rPr lang="en-US" dirty="0" err="1"/>
-              <a:t>FailSafeThrottleDuration</a:t>
-            </a:r>
-            <a:endParaRPr lang="en-US" dirty="0"/>
-          </a:p>
-          <a:p>
-            <a:pPr lvl="1"/>
-            <a:r>
-              <a:rPr lang="en-US" dirty="0" err="1"/>
-              <a:t>FactorySoftTimeout</a:t>
-            </a:r>
-            <a:r>
-              <a:rPr lang="en-US" dirty="0"/>
-              <a:t>: (apply when failsafe is true only) will return expired entry (if any) if factory takes longer than this value </a:t>
-            </a:r>
-          </a:p>
-          <a:p>
-            <a:pPr lvl="1"/>
-            <a:r>
-              <a:rPr lang="en-US" dirty="0" err="1"/>
-              <a:t>FailSafe</a:t>
-            </a:r>
-            <a:r>
-              <a:rPr lang="en-US" dirty="0"/>
-              <a:t> Default Value is specified </a:t>
-            </a:r>
-          </a:p>
-          <a:p>
-            <a:pPr lvl="2"/>
-            <a:r>
-              <a:rPr lang="en-US" sz="2400" dirty="0"/>
-              <a:t>Returns the default if no value is present in the internal cache and (</a:t>
-            </a:r>
-            <a:r>
-              <a:rPr lang="en-US" sz="2400" dirty="0" err="1"/>
-              <a:t>FactoryHardTimeout</a:t>
-            </a:r>
-            <a:r>
-              <a:rPr lang="en-US" sz="2400" dirty="0"/>
-              <a:t> has passed, or an exception is thrown in the factory) </a:t>
+        <p:spPr/>
+        <p:txBody>
+          <a:bodyPr/>
+          <a:lstStyle/>
+          <a:p>
+            <a:r>
+              <a:rPr lang="en-US" dirty="0"/>
+              <a:t>Cache stampede</a:t>
             </a:r>
           </a:p>
         </p:txBody>
@@ -9608,7 +9675,7 @@
     </p:spTree>
     <p:extLst>
       <p:ext uri="{BB962C8B-B14F-4D97-AF65-F5344CB8AC3E}">
-        <p14:creationId xmlns:p14="http://schemas.microsoft.com/office/powerpoint/2010/main" val="3492176054"/>
+        <p14:creationId xmlns:p14="http://schemas.microsoft.com/office/powerpoint/2010/main" val="2811030322"/>
       </p:ext>
     </p:extLst>
   </p:cSld>
@@ -9640,7 +9707,7 @@
           <p:cNvPr id="2" name="Title 1">
             <a:extLst>
               <a:ext uri="{FF2B5EF4-FFF2-40B4-BE49-F238E27FC236}">
-                <a16:creationId xmlns:a16="http://schemas.microsoft.com/office/drawing/2014/main" id="{E4DD8161-788E-30FD-1379-48ECD5647A26}"/>
+                <a16:creationId xmlns:a16="http://schemas.microsoft.com/office/drawing/2014/main" id="{12F56BA4-120F-7CB9-7F21-7DC031E23347}"/>
               </a:ext>
             </a:extLst>
           </p:cNvPr>
@@ -9658,7 +9725,7 @@
           <a:p>
             <a:r>
               <a:rPr lang="en-US" dirty="0"/>
-              <a:t>Why we cache?</a:t>
+              <a:t>Cache ABC</a:t>
             </a:r>
           </a:p>
         </p:txBody>
@@ -9668,7 +9735,7 @@
           <p:cNvPr id="3" name="Content Placeholder 2">
             <a:extLst>
               <a:ext uri="{FF2B5EF4-FFF2-40B4-BE49-F238E27FC236}">
-                <a16:creationId xmlns:a16="http://schemas.microsoft.com/office/drawing/2014/main" id="{8949759A-1B64-C954-EE93-6CF8C537AEE6}"/>
+                <a16:creationId xmlns:a16="http://schemas.microsoft.com/office/drawing/2014/main" id="{9780855C-0A85-65B9-F6C7-AB5BB31FCE52}"/>
               </a:ext>
             </a:extLst>
           </p:cNvPr>
@@ -9681,191 +9748,101 @@
         </p:nvSpPr>
         <p:spPr>
           <a:xfrm>
-            <a:off x="838200" y="1825625"/>
-            <a:ext cx="10515600" cy="4667250"/>
+            <a:off x="838200" y="1347472"/>
+            <a:ext cx="10515600" cy="4902967"/>
           </a:xfrm>
         </p:spPr>
         <p:txBody>
-          <a:bodyPr>
-            <a:normAutofit fontScale="92500" lnSpcReduction="10000"/>
-          </a:bodyPr>
-          <a:lstStyle/>
-          <a:p>
-            <a:r>
-              <a:rPr lang="en-US" dirty="0"/>
-              <a:t>The good</a:t>
-            </a:r>
+          <a:bodyPr/>
+          <a:lstStyle/>
+          <a:p>
+            <a:pPr marR="0" algn="l" rtl="0"/>
+            <a:r>
+              <a:rPr lang="en-US" sz="2600" dirty="0"/>
+              <a:t>When you need to retrieve "often" the same data , typically, from an external service (e.g. database or rest api).</a:t>
+            </a:r>
+            <a:br>
+              <a:rPr lang="en-US" sz="2600" dirty="0"/>
+            </a:br>
+            <a:br>
+              <a:rPr lang="en-US" sz="2600" dirty="0"/>
+            </a:br>
+            <a:r>
+              <a:rPr lang="en-US" sz="2600" dirty="0"/>
+              <a:t>When that piece of data doesn't change "often" </a:t>
+            </a:r>
+            <a:br>
+              <a:rPr lang="en-US" sz="2600" dirty="0"/>
+            </a:br>
+            <a:br>
+              <a:rPr lang="en-US" sz="2600" dirty="0"/>
+            </a:br>
+            <a:r>
+              <a:rPr lang="en-US" sz="2600" dirty="0"/>
+              <a:t>When it takes time to get that data from the service ..</a:t>
+            </a:r>
+            <a:br>
+              <a:rPr lang="en-US" sz="2600" dirty="0"/>
+            </a:br>
+            <a:br>
+              <a:rPr lang="en-US" sz="2600" dirty="0"/>
+            </a:br>
+            <a:r>
+              <a:rPr lang="en-US" sz="2600" dirty="0"/>
+              <a:t>You can store (</a:t>
+            </a:r>
+            <a:r>
+              <a:rPr lang="en-US" sz="2600" b="1" i="1" dirty="0"/>
+              <a:t>cache</a:t>
+            </a:r>
+            <a:r>
+              <a:rPr lang="en-US" sz="2600" dirty="0"/>
+              <a:t>) that piece of information in a </a:t>
+            </a:r>
+            <a:r>
+              <a:rPr lang="en-US" sz="2600" dirty="0" err="1"/>
+              <a:t>a</a:t>
+            </a:r>
+            <a:r>
+              <a:rPr lang="en-US" sz="2600" dirty="0"/>
+              <a:t> key-value pair  "store" (something like a &lt;</a:t>
+            </a:r>
+            <a:r>
+              <a:rPr lang="en-US" sz="2600" dirty="0" err="1"/>
+              <a:t>string,object</a:t>
+            </a:r>
+            <a:r>
+              <a:rPr lang="en-US" sz="2600" dirty="0"/>
+              <a:t>&gt; dictionary) and retrieve it from that store instead of going to the actual service.</a:t>
+            </a:r>
+            <a:br>
+              <a:rPr lang="en-US" sz="2600" dirty="0"/>
+            </a:br>
+            <a:r>
+              <a:rPr lang="en-US" sz="2600" dirty="0"/>
+              <a:t>Most likely you will set an expiration </a:t>
+            </a:r>
+            <a:br>
+              <a:rPr lang="en-US" sz="2600" dirty="0"/>
+            </a:br>
+            <a:endParaRPr lang="en-US" sz="2600" dirty="0"/>
           </a:p>
           <a:p>
             <a:pPr lvl="1"/>
-            <a:r>
-              <a:rPr lang="en-US" dirty="0"/>
-              <a:t>Speed up application </a:t>
-            </a:r>
-          </a:p>
-          <a:p>
-            <a:pPr lvl="1"/>
-            <a:r>
-              <a:rPr lang="en-US" dirty="0"/>
-              <a:t>Offload the origin (source of true)</a:t>
-            </a:r>
-            <a:br>
-              <a:rPr lang="en-US" dirty="0"/>
-            </a:br>
             <a:endParaRPr lang="en-US" dirty="0"/>
           </a:p>
           <a:p>
-            <a:pPr marL="0" indent="0">
-              <a:buNone/>
-            </a:pPr>
-            <a:r>
-              <a:rPr lang="en-US" dirty="0"/>
-              <a:t>Using a cache brings a set of new</a:t>
-            </a:r>
-          </a:p>
-          <a:p>
-            <a:pPr>
-              <a:buFontTx/>
-              <a:buChar char="-"/>
-            </a:pPr>
-            <a:r>
-              <a:rPr lang="en-US" dirty="0"/>
-              <a:t>Opportunities</a:t>
-            </a:r>
-          </a:p>
-          <a:p>
-            <a:pPr>
-              <a:buFontTx/>
-              <a:buChar char="-"/>
-            </a:pPr>
-            <a:r>
-              <a:rPr lang="en-US" dirty="0"/>
-              <a:t>Issues </a:t>
-            </a:r>
-          </a:p>
-          <a:p>
-            <a:pPr lvl="1"/>
-            <a:r>
-              <a:rPr lang="en-US" dirty="0"/>
-              <a:t>Stale data (Cache invalidation is hard to implement)</a:t>
-            </a:r>
-          </a:p>
-          <a:p>
-            <a:pPr lvl="1"/>
-            <a:r>
-              <a:rPr lang="en-US" i="1" dirty="0"/>
-              <a:t>Cache stampede</a:t>
-            </a:r>
-            <a:endParaRPr lang="en-US" dirty="0"/>
-          </a:p>
-          <a:p>
-            <a:pPr lvl="1"/>
-            <a:r>
-              <a:rPr lang="en-US" dirty="0"/>
-              <a:t>Node synchronization (if a memory or a two-level cache is used)</a:t>
-            </a:r>
-          </a:p>
-          <a:p>
-            <a:pPr marL="0" indent="0">
+            <a:pPr marL="457200" lvl="1" indent="0">
               <a:buNone/>
             </a:pPr>
             <a:endParaRPr lang="en-US" dirty="0"/>
           </a:p>
-          <a:p>
-            <a:pPr marL="0" indent="0">
-              <a:buNone/>
-            </a:pPr>
-            <a:r>
-              <a:rPr lang="en-US" dirty="0"/>
-              <a:t>Hence, we need patterns and best practices </a:t>
-            </a:r>
-            <a:r>
-              <a:rPr lang="en-US" dirty="0">
-                <a:sym typeface="Wingdings" panose="05000000000000000000" pitchFamily="2" charset="2"/>
-              </a:rPr>
-              <a:t></a:t>
-            </a:r>
-            <a:endParaRPr lang="en-US" dirty="0"/>
-          </a:p>
-        </p:txBody>
-      </p:sp>
-      <p:sp>
-        <p:nvSpPr>
-          <p:cNvPr id="4" name="TextBox 3">
-            <a:extLst>
-              <a:ext uri="{FF2B5EF4-FFF2-40B4-BE49-F238E27FC236}">
-                <a16:creationId xmlns:a16="http://schemas.microsoft.com/office/drawing/2014/main" id="{2FAC81BB-9BE4-3668-D553-87EEBA33CB0A}"/>
-              </a:ext>
-            </a:extLst>
-          </p:cNvPr>
-          <p:cNvSpPr txBox="1"/>
-          <p:nvPr/>
-        </p:nvSpPr>
-        <p:spPr>
-          <a:xfrm>
-            <a:off x="6350019" y="1662808"/>
-            <a:ext cx="5681876" cy="1200329"/>
-          </a:xfrm>
-          <a:prstGeom prst="rect">
-            <a:avLst/>
-          </a:prstGeom>
-          <a:noFill/>
-          <a:ln>
-            <a:solidFill>
-              <a:schemeClr val="accent1"/>
-            </a:solidFill>
-          </a:ln>
-        </p:spPr>
-        <p:txBody>
-          <a:bodyPr wrap="none" rtlCol="0">
-            <a:spAutoFit/>
-          </a:bodyPr>
-          <a:lstStyle/>
-          <a:p>
-            <a:r>
-              <a:rPr lang="en-US" b="1" i="1" dirty="0">
-                <a:highlight>
-                  <a:srgbClr val="00FFFF"/>
-                </a:highlight>
-              </a:rPr>
-              <a:t>There are only two hard things in Computer Science: </a:t>
-            </a:r>
-            <a:br>
-              <a:rPr lang="en-US" b="1" i="1" dirty="0">
-                <a:highlight>
-                  <a:srgbClr val="00FFFF"/>
-                </a:highlight>
-              </a:rPr>
-            </a:br>
-            <a:r>
-              <a:rPr lang="en-US" b="1" i="1" dirty="0">
-                <a:highlight>
-                  <a:srgbClr val="00FFFF"/>
-                </a:highlight>
-              </a:rPr>
-              <a:t>cache invalidation and naming things.</a:t>
-            </a:r>
-          </a:p>
-          <a:p>
-            <a:endParaRPr lang="en-US" b="1" i="1" dirty="0"/>
-          </a:p>
-          <a:p>
-            <a:r>
-              <a:rPr lang="en-US" b="1" i="1" dirty="0"/>
-              <a:t>-- Phil </a:t>
-            </a:r>
-            <a:r>
-              <a:rPr lang="en-US" b="1" i="1" dirty="0" err="1"/>
-              <a:t>Karlton</a:t>
-            </a:r>
-            <a:endParaRPr lang="en-US" b="1" i="1" dirty="0"/>
-          </a:p>
         </p:txBody>
       </p:sp>
     </p:spTree>
     <p:extLst>
       <p:ext uri="{BB962C8B-B14F-4D97-AF65-F5344CB8AC3E}">
-        <p14:creationId xmlns:p14="http://schemas.microsoft.com/office/powerpoint/2010/main" val="2075881403"/>
+        <p14:creationId xmlns:p14="http://schemas.microsoft.com/office/powerpoint/2010/main" val="2409868801"/>
       </p:ext>
     </p:extLst>
   </p:cSld>
@@ -9915,8 +9892,12 @@
           <a:p>
             <a:r>
               <a:rPr lang="en-US" dirty="0"/>
-              <a:t>DEMO</a:t>
-            </a:r>
+              <a:t>Fail-Safe</a:t>
+            </a:r>
+            <a:br>
+              <a:rPr lang="en-US" dirty="0"/>
+            </a:br>
+            <a:endParaRPr lang="en-US" dirty="0"/>
           </a:p>
         </p:txBody>
       </p:sp>
@@ -9936,30 +9917,97 @@
             <p:ph idx="1"/>
           </p:nvPr>
         </p:nvSpPr>
-        <p:spPr/>
+        <p:spPr>
+          <a:xfrm>
+            <a:off x="838200" y="1356585"/>
+            <a:ext cx="10515600" cy="4909351"/>
+          </a:xfrm>
+        </p:spPr>
         <p:txBody>
           <a:bodyPr>
             <a:normAutofit/>
           </a:bodyPr>
           <a:lstStyle/>
           <a:p>
-            <a:r>
-              <a:rPr lang="en-US" dirty="0"/>
-              <a:t>Fail Safe</a:t>
-            </a:r>
-          </a:p>
-          <a:p>
+            <a:pPr lvl="1"/>
+            <a:r>
+              <a:rPr lang="en-US" dirty="0"/>
+              <a:t>Provide expired values if origin fails or takes too long to reply (times out)</a:t>
+            </a:r>
+          </a:p>
+          <a:p>
+            <a:pPr lvl="1"/>
+            <a:r>
+              <a:rPr lang="en-US" dirty="0" err="1"/>
+              <a:t>IsFailSafeEnabled</a:t>
+            </a:r>
+            <a:r>
+              <a:rPr lang="en-US" dirty="0"/>
+              <a:t> </a:t>
+            </a:r>
+          </a:p>
+          <a:p>
+            <a:pPr lvl="1"/>
+            <a:r>
+              <a:rPr lang="en-US" dirty="0" err="1"/>
+              <a:t>FailSafeMaxDuration</a:t>
+            </a:r>
+            <a:r>
+              <a:rPr lang="en-US" dirty="0"/>
+              <a:t> (internally extend the cache duration to this value)</a:t>
+            </a:r>
+          </a:p>
+          <a:p>
+            <a:pPr lvl="1"/>
+            <a:r>
+              <a:rPr lang="en-US" dirty="0" err="1"/>
+              <a:t>FailSafeThrottleDuration</a:t>
+            </a:r>
             <a:endParaRPr lang="en-US" dirty="0"/>
           </a:p>
           <a:p>
-            <a:endParaRPr lang="en-US" dirty="0"/>
+            <a:pPr lvl="1"/>
+            <a:r>
+              <a:rPr lang="en-US" dirty="0" err="1"/>
+              <a:t>FactorySoftTimeout</a:t>
+            </a:r>
+            <a:r>
+              <a:rPr lang="en-US" dirty="0"/>
+              <a:t>: (apply when failsafe is true only) will return expired entry (if any) if factory takes longer than this value </a:t>
+            </a:r>
+          </a:p>
+          <a:p>
+            <a:pPr lvl="1"/>
+            <a:r>
+              <a:rPr lang="en-US" dirty="0" err="1"/>
+              <a:t>FailSafe</a:t>
+            </a:r>
+            <a:r>
+              <a:rPr lang="en-US" dirty="0"/>
+              <a:t> Default Value is specified </a:t>
+            </a:r>
+          </a:p>
+          <a:p>
+            <a:pPr lvl="2"/>
+            <a:r>
+              <a:rPr lang="en-US" sz="2400" dirty="0"/>
+              <a:t>Returns the default if no value is present in the internal cache and (</a:t>
+            </a:r>
+            <a:r>
+              <a:rPr lang="en-US" sz="2400" dirty="0" err="1"/>
+              <a:t>FactoryHardTimeout</a:t>
+            </a:r>
+            <a:r>
+              <a:rPr lang="en-US" sz="2400" dirty="0"/>
+              <a:t> has passed, or an exception is thrown in the factory) </a:t>
+            </a:r>
           </a:p>
         </p:txBody>
       </p:sp>
     </p:spTree>
     <p:extLst>
       <p:ext uri="{BB962C8B-B14F-4D97-AF65-F5344CB8AC3E}">
-        <p14:creationId xmlns:p14="http://schemas.microsoft.com/office/powerpoint/2010/main" val="1560423962"/>
+        <p14:creationId xmlns:p14="http://schemas.microsoft.com/office/powerpoint/2010/main" val="3492176054"/>
       </p:ext>
     </p:extLst>
   </p:cSld>
@@ -10009,7 +10057,7 @@
           <a:p>
             <a:r>
               <a:rPr lang="en-US" dirty="0"/>
-              <a:t>Named caches</a:t>
+              <a:t>DEMO</a:t>
             </a:r>
           </a:p>
         </p:txBody>
@@ -10037,211 +10085,13 @@
           </a:bodyPr>
           <a:lstStyle/>
           <a:p>
+            <a:r>
+              <a:rPr lang="en-US" dirty="0"/>
+              <a:t>Fail Safe</a:t>
+            </a:r>
+          </a:p>
+          <a:p>
             <a:endParaRPr lang="en-US" dirty="0"/>
-          </a:p>
-        </p:txBody>
-      </p:sp>
-      <p:sp>
-        <p:nvSpPr>
-          <p:cNvPr id="4" name="TextBox 3">
-            <a:extLst>
-              <a:ext uri="{FF2B5EF4-FFF2-40B4-BE49-F238E27FC236}">
-                <a16:creationId xmlns:a16="http://schemas.microsoft.com/office/drawing/2014/main" id="{762E7DA3-44D7-43E5-7A5B-C029F065E7C4}"/>
-              </a:ext>
-            </a:extLst>
-          </p:cNvPr>
-          <p:cNvSpPr txBox="1"/>
-          <p:nvPr/>
-        </p:nvSpPr>
-        <p:spPr>
-          <a:xfrm>
-            <a:off x="1033670" y="2969812"/>
-            <a:ext cx="9891422" cy="2339102"/>
-          </a:xfrm>
-          <a:prstGeom prst="rect">
-            <a:avLst/>
-          </a:prstGeom>
-          <a:noFill/>
-        </p:spPr>
-        <p:txBody>
-          <a:bodyPr wrap="square" rtlCol="0">
-            <a:spAutoFit/>
-          </a:bodyPr>
-          <a:lstStyle/>
-          <a:p>
-            <a:r>
-              <a:rPr lang="en-US" sz="1600" dirty="0">
-                <a:solidFill>
-                  <a:srgbClr val="000000"/>
-                </a:solidFill>
-                <a:latin typeface="Cascadia Mono" panose="020B0609020000020004" pitchFamily="49" charset="0"/>
-              </a:rPr>
-              <a:t>// startup </a:t>
-            </a:r>
-            <a:br>
-              <a:rPr lang="en-US" sz="1600" dirty="0">
-                <a:solidFill>
-                  <a:srgbClr val="000000"/>
-                </a:solidFill>
-                <a:latin typeface="Cascadia Mono" panose="020B0609020000020004" pitchFamily="49" charset="0"/>
-              </a:rPr>
-            </a:br>
-            <a:r>
-              <a:rPr lang="en-US" sz="1600" dirty="0" err="1">
-                <a:solidFill>
-                  <a:srgbClr val="000000"/>
-                </a:solidFill>
-                <a:latin typeface="Cascadia Mono" panose="020B0609020000020004" pitchFamily="49" charset="0"/>
-              </a:rPr>
-              <a:t>services.AddFusionCache</a:t>
-            </a:r>
-            <a:r>
-              <a:rPr lang="en-US" sz="1600" dirty="0">
-                <a:solidFill>
-                  <a:srgbClr val="000000"/>
-                </a:solidFill>
-                <a:latin typeface="Cascadia Mono" panose="020B0609020000020004" pitchFamily="49" charset="0"/>
-              </a:rPr>
-              <a:t>("Products");</a:t>
-            </a:r>
-            <a:br>
-              <a:rPr lang="en-US" sz="1600" dirty="0">
-                <a:solidFill>
-                  <a:srgbClr val="000000"/>
-                </a:solidFill>
-                <a:latin typeface="Cascadia Mono" panose="020B0609020000020004" pitchFamily="49" charset="0"/>
-              </a:rPr>
-            </a:br>
-            <a:endParaRPr lang="en-US" sz="1600" dirty="0">
-              <a:solidFill>
-                <a:srgbClr val="000000"/>
-              </a:solidFill>
-              <a:latin typeface="Cascadia Mono" panose="020B0609020000020004" pitchFamily="49" charset="0"/>
-            </a:endParaRPr>
-          </a:p>
-          <a:p>
-            <a:endParaRPr lang="en-US" sz="1600" dirty="0">
-              <a:solidFill>
-                <a:srgbClr val="000000"/>
-              </a:solidFill>
-              <a:latin typeface="Cascadia Mono" panose="020B0609020000020004" pitchFamily="49" charset="0"/>
-            </a:endParaRPr>
-          </a:p>
-          <a:p>
-            <a:r>
-              <a:rPr lang="en-US" sz="1600" dirty="0">
-                <a:solidFill>
-                  <a:srgbClr val="000000"/>
-                </a:solidFill>
-                <a:latin typeface="Cascadia Mono" panose="020B0609020000020004" pitchFamily="49" charset="0"/>
-              </a:rPr>
-              <a:t>public </a:t>
-            </a:r>
-            <a:r>
-              <a:rPr lang="en-US" sz="1600" dirty="0" err="1">
-                <a:solidFill>
-                  <a:srgbClr val="000000"/>
-                </a:solidFill>
-                <a:latin typeface="Cascadia Mono" panose="020B0609020000020004" pitchFamily="49" charset="0"/>
-              </a:rPr>
-              <a:t>MyController</a:t>
-            </a:r>
-            <a:r>
-              <a:rPr lang="en-US" sz="1600" dirty="0">
-                <a:solidFill>
-                  <a:srgbClr val="000000"/>
-                </a:solidFill>
-                <a:latin typeface="Cascadia Mono" panose="020B0609020000020004" pitchFamily="49" charset="0"/>
-              </a:rPr>
-              <a:t>(</a:t>
-            </a:r>
-            <a:r>
-              <a:rPr lang="en-US" sz="1600" dirty="0" err="1">
-                <a:solidFill>
-                  <a:srgbClr val="000000"/>
-                </a:solidFill>
-                <a:latin typeface="Cascadia Mono" panose="020B0609020000020004" pitchFamily="49" charset="0"/>
-              </a:rPr>
-              <a:t>IFusionCacheProvider</a:t>
-            </a:r>
-            <a:r>
-              <a:rPr lang="en-US" sz="1600" dirty="0">
-                <a:solidFill>
-                  <a:srgbClr val="000000"/>
-                </a:solidFill>
-                <a:latin typeface="Cascadia Mono" panose="020B0609020000020004" pitchFamily="49" charset="0"/>
-              </a:rPr>
-              <a:t> </a:t>
-            </a:r>
-            <a:r>
-              <a:rPr lang="en-US" sz="1600" dirty="0" err="1">
-                <a:solidFill>
-                  <a:srgbClr val="000000"/>
-                </a:solidFill>
-                <a:latin typeface="Cascadia Mono" panose="020B0609020000020004" pitchFamily="49" charset="0"/>
-              </a:rPr>
-              <a:t>cacheProvider</a:t>
-            </a:r>
-            <a:r>
-              <a:rPr lang="en-US" sz="1600" dirty="0">
-                <a:solidFill>
-                  <a:srgbClr val="000000"/>
-                </a:solidFill>
-                <a:latin typeface="Cascadia Mono" panose="020B0609020000020004" pitchFamily="49" charset="0"/>
-              </a:rPr>
-              <a:t>)</a:t>
-            </a:r>
-          </a:p>
-          <a:p>
-            <a:r>
-              <a:rPr lang="en-US" sz="1600" dirty="0">
-                <a:solidFill>
-                  <a:srgbClr val="000000"/>
-                </a:solidFill>
-                <a:latin typeface="Cascadia Mono" panose="020B0609020000020004" pitchFamily="49" charset="0"/>
-              </a:rPr>
-              <a:t>    {</a:t>
-            </a:r>
-          </a:p>
-          <a:p>
-            <a:r>
-              <a:rPr lang="en-US" sz="1600" dirty="0">
-                <a:solidFill>
-                  <a:srgbClr val="000000"/>
-                </a:solidFill>
-                <a:latin typeface="Cascadia Mono" panose="020B0609020000020004" pitchFamily="49" charset="0"/>
-              </a:rPr>
-              <a:t>        _cache = </a:t>
-            </a:r>
-            <a:r>
-              <a:rPr lang="en-US" sz="1600" dirty="0" err="1">
-                <a:solidFill>
-                  <a:srgbClr val="000000"/>
-                </a:solidFill>
-                <a:latin typeface="Cascadia Mono" panose="020B0609020000020004" pitchFamily="49" charset="0"/>
-              </a:rPr>
-              <a:t>cacheProvider.GetCache</a:t>
-            </a:r>
-            <a:r>
-              <a:rPr lang="en-US" sz="1600" dirty="0">
-                <a:solidFill>
-                  <a:srgbClr val="000000"/>
-                </a:solidFill>
-                <a:latin typeface="Cascadia Mono" panose="020B0609020000020004" pitchFamily="49" charset="0"/>
-              </a:rPr>
-              <a:t>("Products");</a:t>
-            </a:r>
-          </a:p>
-          <a:p>
-            <a:r>
-              <a:rPr lang="en-US" sz="1600" dirty="0">
-                <a:solidFill>
-                  <a:srgbClr val="000000"/>
-                </a:solidFill>
-                <a:latin typeface="Cascadia Mono" panose="020B0609020000020004" pitchFamily="49" charset="0"/>
-              </a:rPr>
-              <a:t>    }</a:t>
-            </a:r>
           </a:p>
           <a:p>
             <a:endParaRPr lang="en-US" dirty="0"/>
@@ -10251,7 +10101,7 @@
     </p:spTree>
     <p:extLst>
       <p:ext uri="{BB962C8B-B14F-4D97-AF65-F5344CB8AC3E}">
-        <p14:creationId xmlns:p14="http://schemas.microsoft.com/office/powerpoint/2010/main" val="2753430410"/>
+        <p14:creationId xmlns:p14="http://schemas.microsoft.com/office/powerpoint/2010/main" val="1560423962"/>
       </p:ext>
     </p:extLst>
   </p:cSld>
@@ -10283,7 +10133,7 @@
           <p:cNvPr id="2" name="Title 1">
             <a:extLst>
               <a:ext uri="{FF2B5EF4-FFF2-40B4-BE49-F238E27FC236}">
-                <a16:creationId xmlns:a16="http://schemas.microsoft.com/office/drawing/2014/main" id="{6DA7CF98-B5C3-6707-D594-BAB3B1E1E832}"/>
+                <a16:creationId xmlns:a16="http://schemas.microsoft.com/office/drawing/2014/main" id="{DCF24D51-2025-4FAA-CD9B-FCB98B7402EB}"/>
               </a:ext>
             </a:extLst>
           </p:cNvPr>
@@ -10301,7 +10151,7 @@
           <a:p>
             <a:r>
               <a:rPr lang="en-US" dirty="0"/>
-              <a:t>Backplane</a:t>
+              <a:t>Adaptive Caching</a:t>
             </a:r>
           </a:p>
         </p:txBody>
@@ -10311,7 +10161,7 @@
           <p:cNvPr id="3" name="Content Placeholder 2">
             <a:extLst>
               <a:ext uri="{FF2B5EF4-FFF2-40B4-BE49-F238E27FC236}">
-                <a16:creationId xmlns:a16="http://schemas.microsoft.com/office/drawing/2014/main" id="{4EE2669E-596B-E86E-E0E5-C04B6F827164}"/>
+                <a16:creationId xmlns:a16="http://schemas.microsoft.com/office/drawing/2014/main" id="{D2361E84-37A5-C628-F8EA-8B88CF93D8F5}"/>
               </a:ext>
             </a:extLst>
           </p:cNvPr>
@@ -10324,26 +10174,52 @@
         </p:nvSpPr>
         <p:spPr/>
         <p:txBody>
-          <a:bodyPr>
-            <a:normAutofit/>
-          </a:bodyPr>
-          <a:lstStyle/>
-          <a:p>
-            <a:r>
-              <a:rPr lang="en-US" dirty="0"/>
-              <a:t>Sync values across nodes (in-memory cache) </a:t>
-            </a:r>
-          </a:p>
-          <a:p>
-            <a:r>
-              <a:rPr lang="en-US" dirty="0"/>
-              <a:t>Need Redis for the pub-sub</a:t>
-            </a:r>
-          </a:p>
-          <a:p>
+          <a:bodyPr/>
+          <a:lstStyle/>
+          <a:p>
+            <a:r>
+              <a:rPr lang="en-US" dirty="0"/>
+              <a:t>Within the same factory, set expiration NOT according to </a:t>
+            </a:r>
+            <a:r>
+              <a:rPr lang="en-US" dirty="0" err="1"/>
+              <a:t>CacheEntryOption</a:t>
+            </a:r>
+            <a:r>
+              <a:rPr lang="en-US" dirty="0"/>
+              <a:t>, but within the factory</a:t>
+            </a:r>
+          </a:p>
+          <a:p>
+            <a:pPr lvl="1"/>
+            <a:r>
+              <a:rPr lang="en-US" dirty="0"/>
+              <a:t>You can decide expiration based on the data returned from "the origin"</a:t>
+            </a:r>
+          </a:p>
+          <a:p>
+            <a:pPr lvl="1"/>
             <a:endParaRPr lang="en-US" dirty="0"/>
           </a:p>
           <a:p>
+            <a:pPr lvl="1"/>
+            <a:endParaRPr lang="en-US" dirty="0"/>
+          </a:p>
+          <a:p>
+            <a:pPr lvl="1"/>
+            <a:r>
+              <a:rPr lang="en-US"/>
+              <a:t>DEMO : </a:t>
+            </a:r>
+            <a:r>
+              <a:rPr lang="en-US" sz="1800">
+                <a:solidFill>
+                  <a:srgbClr val="000000"/>
+                </a:solidFill>
+                <a:latin typeface="Cascadia Mono" panose="020B0609020000020004" pitchFamily="49" charset="0"/>
+              </a:rPr>
+              <a:t>get-or-set-cache-entry-with-adaptive-cache</a:t>
+            </a:r>
             <a:endParaRPr lang="en-US" dirty="0"/>
           </a:p>
         </p:txBody>
@@ -10351,7 +10227,7 @@
     </p:spTree>
     <p:extLst>
       <p:ext uri="{BB962C8B-B14F-4D97-AF65-F5344CB8AC3E}">
-        <p14:creationId xmlns:p14="http://schemas.microsoft.com/office/powerpoint/2010/main" val="3582380574"/>
+        <p14:creationId xmlns:p14="http://schemas.microsoft.com/office/powerpoint/2010/main" val="999077463"/>
       </p:ext>
     </p:extLst>
   </p:cSld>
@@ -10383,7 +10259,7 @@
           <p:cNvPr id="2" name="Title 1">
             <a:extLst>
               <a:ext uri="{FF2B5EF4-FFF2-40B4-BE49-F238E27FC236}">
-                <a16:creationId xmlns:a16="http://schemas.microsoft.com/office/drawing/2014/main" id="{5D283DDB-5E70-BE28-3EED-6919897DDC78}"/>
+                <a16:creationId xmlns:a16="http://schemas.microsoft.com/office/drawing/2014/main" id="{6DA7CF98-B5C3-6707-D594-BAB3B1E1E832}"/>
               </a:ext>
             </a:extLst>
           </p:cNvPr>
@@ -10401,7 +10277,7 @@
           <a:p>
             <a:r>
               <a:rPr lang="en-US" dirty="0"/>
-              <a:t>DEMO</a:t>
+              <a:t>Named caches</a:t>
             </a:r>
           </a:p>
         </p:txBody>
@@ -10411,7 +10287,7 @@
           <p:cNvPr id="3" name="Content Placeholder 2">
             <a:extLst>
               <a:ext uri="{FF2B5EF4-FFF2-40B4-BE49-F238E27FC236}">
-                <a16:creationId xmlns:a16="http://schemas.microsoft.com/office/drawing/2014/main" id="{62AD2CCB-A577-86B2-F813-24213EB4A9C6}"/>
+                <a16:creationId xmlns:a16="http://schemas.microsoft.com/office/drawing/2014/main" id="{4EE2669E-596B-E86E-E0E5-C04B6F827164}"/>
               </a:ext>
             </a:extLst>
           </p:cNvPr>
@@ -10424,20 +10300,226 @@
         </p:nvSpPr>
         <p:spPr/>
         <p:txBody>
-          <a:bodyPr/>
-          <a:lstStyle/>
-          <a:p>
-            <a:r>
-              <a:rPr lang="en-US" dirty="0"/>
-              <a:t>Back Plane</a:t>
-            </a:r>
+          <a:bodyPr>
+            <a:normAutofit/>
+          </a:bodyPr>
+          <a:lstStyle/>
+          <a:p>
+            <a:endParaRPr lang="en-US" dirty="0"/>
+          </a:p>
+        </p:txBody>
+      </p:sp>
+      <p:sp>
+        <p:nvSpPr>
+          <p:cNvPr id="4" name="TextBox 3">
+            <a:extLst>
+              <a:ext uri="{FF2B5EF4-FFF2-40B4-BE49-F238E27FC236}">
+                <a16:creationId xmlns:a16="http://schemas.microsoft.com/office/drawing/2014/main" id="{762E7DA3-44D7-43E5-7A5B-C029F065E7C4}"/>
+              </a:ext>
+            </a:extLst>
+          </p:cNvPr>
+          <p:cNvSpPr txBox="1"/>
+          <p:nvPr/>
+        </p:nvSpPr>
+        <p:spPr>
+          <a:xfrm>
+            <a:off x="1033670" y="2969812"/>
+            <a:ext cx="9891422" cy="2339102"/>
+          </a:xfrm>
+          <a:prstGeom prst="rect">
+            <a:avLst/>
+          </a:prstGeom>
+          <a:noFill/>
+        </p:spPr>
+        <p:txBody>
+          <a:bodyPr wrap="square" rtlCol="0">
+            <a:spAutoFit/>
+          </a:bodyPr>
+          <a:lstStyle/>
+          <a:p>
+            <a:r>
+              <a:rPr lang="en-US" sz="1600" dirty="0">
+                <a:solidFill>
+                  <a:srgbClr val="000000"/>
+                </a:solidFill>
+                <a:latin typeface="Cascadia Mono" panose="020B0609020000020004" pitchFamily="49" charset="0"/>
+              </a:rPr>
+              <a:t>// startup </a:t>
+            </a:r>
+            <a:br>
+              <a:rPr lang="en-US" sz="1600" dirty="0">
+                <a:solidFill>
+                  <a:srgbClr val="000000"/>
+                </a:solidFill>
+                <a:latin typeface="Cascadia Mono" panose="020B0609020000020004" pitchFamily="49" charset="0"/>
+              </a:rPr>
+            </a:br>
+            <a:r>
+              <a:rPr lang="en-US" sz="1600" dirty="0" err="1">
+                <a:solidFill>
+                  <a:srgbClr val="000000"/>
+                </a:solidFill>
+                <a:latin typeface="Cascadia Mono" panose="020B0609020000020004" pitchFamily="49" charset="0"/>
+              </a:rPr>
+              <a:t>services.AddFusionCache</a:t>
+            </a:r>
+            <a:r>
+              <a:rPr lang="en-US" sz="1600" dirty="0">
+                <a:solidFill>
+                  <a:srgbClr val="000000"/>
+                </a:solidFill>
+                <a:latin typeface="Cascadia Mono" panose="020B0609020000020004" pitchFamily="49" charset="0"/>
+              </a:rPr>
+              <a:t>("Products");</a:t>
+            </a:r>
+            <a:br>
+              <a:rPr lang="en-US" sz="1600" dirty="0">
+                <a:solidFill>
+                  <a:srgbClr val="000000"/>
+                </a:solidFill>
+                <a:latin typeface="Cascadia Mono" panose="020B0609020000020004" pitchFamily="49" charset="0"/>
+              </a:rPr>
+            </a:br>
+            <a:endParaRPr lang="en-US" sz="1600" dirty="0">
+              <a:solidFill>
+                <a:srgbClr val="000000"/>
+              </a:solidFill>
+              <a:latin typeface="Cascadia Mono" panose="020B0609020000020004" pitchFamily="49" charset="0"/>
+            </a:endParaRPr>
+          </a:p>
+          <a:p>
+            <a:endParaRPr lang="en-US" sz="1600" dirty="0">
+              <a:solidFill>
+                <a:srgbClr val="000000"/>
+              </a:solidFill>
+              <a:latin typeface="Cascadia Mono" panose="020B0609020000020004" pitchFamily="49" charset="0"/>
+            </a:endParaRPr>
+          </a:p>
+          <a:p>
+            <a:r>
+              <a:rPr lang="en-US" sz="1600" dirty="0">
+                <a:solidFill>
+                  <a:srgbClr val="000000"/>
+                </a:solidFill>
+                <a:latin typeface="Cascadia Mono" panose="020B0609020000020004" pitchFamily="49" charset="0"/>
+              </a:rPr>
+              <a:t>public </a:t>
+            </a:r>
+            <a:r>
+              <a:rPr lang="en-US" sz="1600" dirty="0" err="1">
+                <a:solidFill>
+                  <a:srgbClr val="000000"/>
+                </a:solidFill>
+                <a:latin typeface="Cascadia Mono" panose="020B0609020000020004" pitchFamily="49" charset="0"/>
+              </a:rPr>
+              <a:t>MyController</a:t>
+            </a:r>
+            <a:r>
+              <a:rPr lang="en-US" sz="1600" dirty="0">
+                <a:solidFill>
+                  <a:srgbClr val="000000"/>
+                </a:solidFill>
+                <a:latin typeface="Cascadia Mono" panose="020B0609020000020004" pitchFamily="49" charset="0"/>
+              </a:rPr>
+              <a:t>(</a:t>
+            </a:r>
+            <a:r>
+              <a:rPr lang="en-US" sz="1600" dirty="0" err="1">
+                <a:solidFill>
+                  <a:srgbClr val="000000"/>
+                </a:solidFill>
+                <a:latin typeface="Cascadia Mono" panose="020B0609020000020004" pitchFamily="49" charset="0"/>
+              </a:rPr>
+              <a:t>IFusionCacheProvider</a:t>
+            </a:r>
+            <a:r>
+              <a:rPr lang="en-US" sz="1600" dirty="0">
+                <a:solidFill>
+                  <a:srgbClr val="000000"/>
+                </a:solidFill>
+                <a:latin typeface="Cascadia Mono" panose="020B0609020000020004" pitchFamily="49" charset="0"/>
+              </a:rPr>
+              <a:t> </a:t>
+            </a:r>
+            <a:r>
+              <a:rPr lang="en-US" sz="1600" dirty="0" err="1">
+                <a:solidFill>
+                  <a:srgbClr val="000000"/>
+                </a:solidFill>
+                <a:latin typeface="Cascadia Mono" panose="020B0609020000020004" pitchFamily="49" charset="0"/>
+              </a:rPr>
+              <a:t>cacheProvider</a:t>
+            </a:r>
+            <a:r>
+              <a:rPr lang="en-US" sz="1600" dirty="0">
+                <a:solidFill>
+                  <a:srgbClr val="000000"/>
+                </a:solidFill>
+                <a:latin typeface="Cascadia Mono" panose="020B0609020000020004" pitchFamily="49" charset="0"/>
+              </a:rPr>
+              <a:t>)</a:t>
+            </a:r>
+          </a:p>
+          <a:p>
+            <a:r>
+              <a:rPr lang="en-US" sz="1600" dirty="0">
+                <a:solidFill>
+                  <a:srgbClr val="000000"/>
+                </a:solidFill>
+                <a:latin typeface="Cascadia Mono" panose="020B0609020000020004" pitchFamily="49" charset="0"/>
+              </a:rPr>
+              <a:t>    {</a:t>
+            </a:r>
+          </a:p>
+          <a:p>
+            <a:r>
+              <a:rPr lang="en-US" sz="1600" dirty="0">
+                <a:solidFill>
+                  <a:srgbClr val="000000"/>
+                </a:solidFill>
+                <a:latin typeface="Cascadia Mono" panose="020B0609020000020004" pitchFamily="49" charset="0"/>
+              </a:rPr>
+              <a:t>        _cache = </a:t>
+            </a:r>
+            <a:r>
+              <a:rPr lang="en-US" sz="1600" dirty="0" err="1">
+                <a:solidFill>
+                  <a:srgbClr val="000000"/>
+                </a:solidFill>
+                <a:latin typeface="Cascadia Mono" panose="020B0609020000020004" pitchFamily="49" charset="0"/>
+              </a:rPr>
+              <a:t>cacheProvider.GetCache</a:t>
+            </a:r>
+            <a:r>
+              <a:rPr lang="en-US" sz="1600" dirty="0">
+                <a:solidFill>
+                  <a:srgbClr val="000000"/>
+                </a:solidFill>
+                <a:latin typeface="Cascadia Mono" panose="020B0609020000020004" pitchFamily="49" charset="0"/>
+              </a:rPr>
+              <a:t>("Products");</a:t>
+            </a:r>
+          </a:p>
+          <a:p>
+            <a:r>
+              <a:rPr lang="en-US" sz="1600" dirty="0">
+                <a:solidFill>
+                  <a:srgbClr val="000000"/>
+                </a:solidFill>
+                <a:latin typeface="Cascadia Mono" panose="020B0609020000020004" pitchFamily="49" charset="0"/>
+              </a:rPr>
+              <a:t>    }</a:t>
+            </a:r>
+          </a:p>
+          <a:p>
+            <a:endParaRPr lang="en-US" dirty="0"/>
           </a:p>
         </p:txBody>
       </p:sp>
     </p:spTree>
     <p:extLst>
       <p:ext uri="{BB962C8B-B14F-4D97-AF65-F5344CB8AC3E}">
-        <p14:creationId xmlns:p14="http://schemas.microsoft.com/office/powerpoint/2010/main" val="1685287679"/>
+        <p14:creationId xmlns:p14="http://schemas.microsoft.com/office/powerpoint/2010/main" val="2753430410"/>
       </p:ext>
     </p:extLst>
   </p:cSld>
@@ -10469,7 +10551,7 @@
           <p:cNvPr id="2" name="Title 1">
             <a:extLst>
               <a:ext uri="{FF2B5EF4-FFF2-40B4-BE49-F238E27FC236}">
-                <a16:creationId xmlns:a16="http://schemas.microsoft.com/office/drawing/2014/main" id="{DEC2DADE-FA92-A304-D559-D197F850CC0B}"/>
+                <a16:creationId xmlns:a16="http://schemas.microsoft.com/office/drawing/2014/main" id="{6DA7CF98-B5C3-6707-D594-BAB3B1E1E832}"/>
               </a:ext>
             </a:extLst>
           </p:cNvPr>
@@ -10487,7 +10569,7 @@
           <a:p>
             <a:r>
               <a:rPr lang="en-US" dirty="0"/>
-              <a:t>Plugins</a:t>
+              <a:t>Backplane</a:t>
             </a:r>
           </a:p>
         </p:txBody>
@@ -10497,7 +10579,7 @@
           <p:cNvPr id="3" name="Content Placeholder 2">
             <a:extLst>
               <a:ext uri="{FF2B5EF4-FFF2-40B4-BE49-F238E27FC236}">
-                <a16:creationId xmlns:a16="http://schemas.microsoft.com/office/drawing/2014/main" id="{E06809C9-DCCC-61BB-9AED-AAEF6DBE8B71}"/>
+                <a16:creationId xmlns:a16="http://schemas.microsoft.com/office/drawing/2014/main" id="{4EE2669E-596B-E86E-E0E5-C04B6F827164}"/>
               </a:ext>
             </a:extLst>
           </p:cNvPr>
@@ -10508,84 +10590,36 @@
             <p:ph idx="1"/>
           </p:nvPr>
         </p:nvSpPr>
-        <p:spPr>
-          <a:xfrm>
-            <a:off x="838200" y="1407381"/>
-            <a:ext cx="10515600" cy="4769582"/>
-          </a:xfrm>
-        </p:spPr>
+        <p:spPr/>
         <p:txBody>
           <a:bodyPr>
-            <a:normAutofit lnSpcReduction="10000"/>
+            <a:normAutofit/>
           </a:bodyPr>
           <a:lstStyle/>
           <a:p>
-            <a:endParaRPr lang="en-US" dirty="0">
-              <a:solidFill>
-                <a:srgbClr val="FF0000"/>
-              </a:solidFill>
-            </a:endParaRPr>
-          </a:p>
-          <a:p>
-            <a:r>
-              <a:rPr lang="en-US" sz="3000" dirty="0"/>
-              <a:t>Listen to events</a:t>
-            </a:r>
-          </a:p>
-          <a:p>
-            <a:pPr lvl="1"/>
-            <a:r>
-              <a:rPr lang="en-US" sz="2600" dirty="0"/>
-              <a:t>Hit: when a value was in the cache (there's also a flag to indicate if the data was stale or not)</a:t>
-            </a:r>
-          </a:p>
-          <a:p>
-            <a:pPr lvl="1"/>
-            <a:r>
-              <a:rPr lang="en-US" sz="2600" dirty="0"/>
-              <a:t>Miss: when a value was not in the cache</a:t>
-            </a:r>
-          </a:p>
-          <a:p>
-            <a:pPr lvl="1"/>
-            <a:r>
-              <a:rPr lang="en-US" sz="2600" dirty="0"/>
-              <a:t>Remove: when an entry has been removed</a:t>
-            </a:r>
-          </a:p>
-          <a:p>
-            <a:pPr lvl="1"/>
-            <a:r>
-              <a:rPr lang="en-US" sz="2600" dirty="0"/>
-              <a:t>Eviction: when an eviction occurred, along with the reason (only for the memory level)</a:t>
-            </a:r>
-          </a:p>
-          <a:p>
-            <a:pPr lvl="1"/>
-            <a:r>
-              <a:rPr lang="en-US" sz="2600" dirty="0" err="1"/>
-              <a:t>FailSafeActivation</a:t>
-            </a:r>
-            <a:r>
-              <a:rPr lang="en-US" sz="2600" dirty="0"/>
-              <a:t>: when the fail-safe mechanism kicked in</a:t>
-            </a:r>
-          </a:p>
-          <a:p>
-            <a:endParaRPr lang="en-US" sz="3000" dirty="0"/>
-          </a:p>
-          <a:p>
-            <a:r>
-              <a:rPr lang="en-US" sz="3000" dirty="0"/>
-              <a:t>Run in background </a:t>
-            </a:r>
+            <a:r>
+              <a:rPr lang="en-US" dirty="0"/>
+              <a:t>Sync values across nodes (in-memory cache) </a:t>
+            </a:r>
+          </a:p>
+          <a:p>
+            <a:r>
+              <a:rPr lang="en-US" dirty="0"/>
+              <a:t>Need Redis for the pub-sub</a:t>
+            </a:r>
+          </a:p>
+          <a:p>
+            <a:endParaRPr lang="en-US" dirty="0"/>
+          </a:p>
+          <a:p>
+            <a:endParaRPr lang="en-US" dirty="0"/>
           </a:p>
         </p:txBody>
       </p:sp>
     </p:spTree>
     <p:extLst>
       <p:ext uri="{BB962C8B-B14F-4D97-AF65-F5344CB8AC3E}">
-        <p14:creationId xmlns:p14="http://schemas.microsoft.com/office/powerpoint/2010/main" val="3045623098"/>
+        <p14:creationId xmlns:p14="http://schemas.microsoft.com/office/powerpoint/2010/main" val="3582380574"/>
       </p:ext>
     </p:extLst>
   </p:cSld>
@@ -10614,6 +10648,240 @@
       </p:grpSpPr>
       <p:sp>
         <p:nvSpPr>
+          <p:cNvPr id="2" name="Title 1">
+            <a:extLst>
+              <a:ext uri="{FF2B5EF4-FFF2-40B4-BE49-F238E27FC236}">
+                <a16:creationId xmlns:a16="http://schemas.microsoft.com/office/drawing/2014/main" id="{5D283DDB-5E70-BE28-3EED-6919897DDC78}"/>
+              </a:ext>
+            </a:extLst>
+          </p:cNvPr>
+          <p:cNvSpPr>
+            <a:spLocks noGrp="1"/>
+          </p:cNvSpPr>
+          <p:nvPr>
+            <p:ph type="title"/>
+          </p:nvPr>
+        </p:nvSpPr>
+        <p:spPr/>
+        <p:txBody>
+          <a:bodyPr/>
+          <a:lstStyle/>
+          <a:p>
+            <a:r>
+              <a:rPr lang="en-US" dirty="0"/>
+              <a:t>DEMO</a:t>
+            </a:r>
+          </a:p>
+        </p:txBody>
+      </p:sp>
+      <p:sp>
+        <p:nvSpPr>
+          <p:cNvPr id="3" name="Content Placeholder 2">
+            <a:extLst>
+              <a:ext uri="{FF2B5EF4-FFF2-40B4-BE49-F238E27FC236}">
+                <a16:creationId xmlns:a16="http://schemas.microsoft.com/office/drawing/2014/main" id="{62AD2CCB-A577-86B2-F813-24213EB4A9C6}"/>
+              </a:ext>
+            </a:extLst>
+          </p:cNvPr>
+          <p:cNvSpPr>
+            <a:spLocks noGrp="1"/>
+          </p:cNvSpPr>
+          <p:nvPr>
+            <p:ph idx="1"/>
+          </p:nvPr>
+        </p:nvSpPr>
+        <p:spPr/>
+        <p:txBody>
+          <a:bodyPr/>
+          <a:lstStyle/>
+          <a:p>
+            <a:r>
+              <a:rPr lang="en-US" dirty="0"/>
+              <a:t>Back Plane</a:t>
+            </a:r>
+          </a:p>
+        </p:txBody>
+      </p:sp>
+    </p:spTree>
+    <p:extLst>
+      <p:ext uri="{BB962C8B-B14F-4D97-AF65-F5344CB8AC3E}">
+        <p14:creationId xmlns:p14="http://schemas.microsoft.com/office/powerpoint/2010/main" val="1685287679"/>
+      </p:ext>
+    </p:extLst>
+  </p:cSld>
+  <p:clrMapOvr>
+    <a:masterClrMapping/>
+  </p:clrMapOvr>
+</p:sld>
+</file>
+
+<file path=ppt/slides/slide36.xml><?xml version="1.0" encoding="utf-8"?>
+<p:sld xmlns:a="http://schemas.openxmlformats.org/drawingml/2006/main" xmlns:r="http://schemas.openxmlformats.org/officeDocument/2006/relationships" xmlns:p="http://schemas.openxmlformats.org/presentationml/2006/main">
+  <p:cSld>
+    <p:spTree>
+      <p:nvGrpSpPr>
+        <p:cNvPr id="1" name=""/>
+        <p:cNvGrpSpPr/>
+        <p:nvPr/>
+      </p:nvGrpSpPr>
+      <p:grpSpPr>
+        <a:xfrm>
+          <a:off x="0" y="0"/>
+          <a:ext cx="0" cy="0"/>
+          <a:chOff x="0" y="0"/>
+          <a:chExt cx="0" cy="0"/>
+        </a:xfrm>
+      </p:grpSpPr>
+      <p:sp>
+        <p:nvSpPr>
+          <p:cNvPr id="2" name="Title 1">
+            <a:extLst>
+              <a:ext uri="{FF2B5EF4-FFF2-40B4-BE49-F238E27FC236}">
+                <a16:creationId xmlns:a16="http://schemas.microsoft.com/office/drawing/2014/main" id="{DEC2DADE-FA92-A304-D559-D197F850CC0B}"/>
+              </a:ext>
+            </a:extLst>
+          </p:cNvPr>
+          <p:cNvSpPr>
+            <a:spLocks noGrp="1"/>
+          </p:cNvSpPr>
+          <p:nvPr>
+            <p:ph type="title"/>
+          </p:nvPr>
+        </p:nvSpPr>
+        <p:spPr/>
+        <p:txBody>
+          <a:bodyPr/>
+          <a:lstStyle/>
+          <a:p>
+            <a:r>
+              <a:rPr lang="en-US" dirty="0"/>
+              <a:t>Plugins</a:t>
+            </a:r>
+          </a:p>
+        </p:txBody>
+      </p:sp>
+      <p:sp>
+        <p:nvSpPr>
+          <p:cNvPr id="3" name="Content Placeholder 2">
+            <a:extLst>
+              <a:ext uri="{FF2B5EF4-FFF2-40B4-BE49-F238E27FC236}">
+                <a16:creationId xmlns:a16="http://schemas.microsoft.com/office/drawing/2014/main" id="{E06809C9-DCCC-61BB-9AED-AAEF6DBE8B71}"/>
+              </a:ext>
+            </a:extLst>
+          </p:cNvPr>
+          <p:cNvSpPr>
+            <a:spLocks noGrp="1"/>
+          </p:cNvSpPr>
+          <p:nvPr>
+            <p:ph idx="1"/>
+          </p:nvPr>
+        </p:nvSpPr>
+        <p:spPr>
+          <a:xfrm>
+            <a:off x="838200" y="1407381"/>
+            <a:ext cx="10515600" cy="4769582"/>
+          </a:xfrm>
+        </p:spPr>
+        <p:txBody>
+          <a:bodyPr>
+            <a:normAutofit lnSpcReduction="10000"/>
+          </a:bodyPr>
+          <a:lstStyle/>
+          <a:p>
+            <a:endParaRPr lang="en-US" dirty="0">
+              <a:solidFill>
+                <a:srgbClr val="FF0000"/>
+              </a:solidFill>
+            </a:endParaRPr>
+          </a:p>
+          <a:p>
+            <a:r>
+              <a:rPr lang="en-US" sz="3000" dirty="0"/>
+              <a:t>Listen to events</a:t>
+            </a:r>
+          </a:p>
+          <a:p>
+            <a:pPr lvl="1"/>
+            <a:r>
+              <a:rPr lang="en-US" sz="2600" dirty="0"/>
+              <a:t>Hit: when a value was in the cache (there's also a flag to indicate if the data was stale or not)</a:t>
+            </a:r>
+          </a:p>
+          <a:p>
+            <a:pPr lvl="1"/>
+            <a:r>
+              <a:rPr lang="en-US" sz="2600" dirty="0"/>
+              <a:t>Miss: when a value was not in the cache</a:t>
+            </a:r>
+          </a:p>
+          <a:p>
+            <a:pPr lvl="1"/>
+            <a:r>
+              <a:rPr lang="en-US" sz="2600" dirty="0"/>
+              <a:t>Remove: when an entry has been removed</a:t>
+            </a:r>
+          </a:p>
+          <a:p>
+            <a:pPr lvl="1"/>
+            <a:r>
+              <a:rPr lang="en-US" sz="2600" dirty="0"/>
+              <a:t>Eviction: when an eviction occurred, along with the reason (only for the memory level)</a:t>
+            </a:r>
+          </a:p>
+          <a:p>
+            <a:pPr lvl="1"/>
+            <a:r>
+              <a:rPr lang="en-US" sz="2600" dirty="0" err="1"/>
+              <a:t>FailSafeActivation</a:t>
+            </a:r>
+            <a:r>
+              <a:rPr lang="en-US" sz="2600" dirty="0"/>
+              <a:t>: when the fail-safe mechanism kicked in</a:t>
+            </a:r>
+          </a:p>
+          <a:p>
+            <a:endParaRPr lang="en-US" sz="3000" dirty="0"/>
+          </a:p>
+          <a:p>
+            <a:r>
+              <a:rPr lang="en-US" sz="3000" dirty="0"/>
+              <a:t>Run in background </a:t>
+            </a:r>
+          </a:p>
+        </p:txBody>
+      </p:sp>
+    </p:spTree>
+    <p:extLst>
+      <p:ext uri="{BB962C8B-B14F-4D97-AF65-F5344CB8AC3E}">
+        <p14:creationId xmlns:p14="http://schemas.microsoft.com/office/powerpoint/2010/main" val="3045623098"/>
+      </p:ext>
+    </p:extLst>
+  </p:cSld>
+  <p:clrMapOvr>
+    <a:masterClrMapping/>
+  </p:clrMapOvr>
+</p:sld>
+</file>
+
+<file path=ppt/slides/slide37.xml><?xml version="1.0" encoding="utf-8"?>
+<p:sld xmlns:a="http://schemas.openxmlformats.org/drawingml/2006/main" xmlns:r="http://schemas.openxmlformats.org/officeDocument/2006/relationships" xmlns:p="http://schemas.openxmlformats.org/presentationml/2006/main">
+  <p:cSld>
+    <p:spTree>
+      <p:nvGrpSpPr>
+        <p:cNvPr id="1" name=""/>
+        <p:cNvGrpSpPr/>
+        <p:nvPr/>
+      </p:nvGrpSpPr>
+      <p:grpSpPr>
+        <a:xfrm>
+          <a:off x="0" y="0"/>
+          <a:ext cx="0" cy="0"/>
+          <a:chOff x="0" y="0"/>
+          <a:chExt cx="0" cy="0"/>
+        </a:xfrm>
+      </p:grpSpPr>
+      <p:sp>
+        <p:nvSpPr>
           <p:cNvPr id="2" name="Titolo 1"/>
           <p:cNvSpPr>
             <a:spLocks noGrp="1"/>
@@ -10783,7 +11051,7 @@
 </p:sld>
 </file>
 
-<file path=ppt/slides/slide36.xml><?xml version="1.0" encoding="utf-8"?>
+<file path=ppt/slides/slide38.xml><?xml version="1.0" encoding="utf-8"?>
 <p:sld xmlns:a="http://schemas.openxmlformats.org/drawingml/2006/main" xmlns:r="http://schemas.openxmlformats.org/officeDocument/2006/relationships" xmlns:p="http://schemas.openxmlformats.org/presentationml/2006/main">
   <p:cSld>
     <p:spTree>
@@ -10941,7 +11209,7 @@
           <p:cNvPr id="2" name="Title 1">
             <a:extLst>
               <a:ext uri="{FF2B5EF4-FFF2-40B4-BE49-F238E27FC236}">
-                <a16:creationId xmlns:a16="http://schemas.microsoft.com/office/drawing/2014/main" id="{12F56BA4-120F-7CB9-7F21-7DC031E23347}"/>
+                <a16:creationId xmlns:a16="http://schemas.microsoft.com/office/drawing/2014/main" id="{A4BA67A7-FA88-E0DD-06BB-C271A2F446F0}"/>
               </a:ext>
             </a:extLst>
           </p:cNvPr>
@@ -10957,90 +11225,25 @@
           <a:bodyPr/>
           <a:lstStyle/>
           <a:p>
-            <a:r>
-              <a:rPr lang="en-US" dirty="0"/>
-              <a:t>Cache ABC</a:t>
-            </a:r>
-          </a:p>
-        </p:txBody>
-      </p:sp>
-      <p:sp>
-        <p:nvSpPr>
-          <p:cNvPr id="3" name="Content Placeholder 2">
-            <a:extLst>
-              <a:ext uri="{FF2B5EF4-FFF2-40B4-BE49-F238E27FC236}">
-                <a16:creationId xmlns:a16="http://schemas.microsoft.com/office/drawing/2014/main" id="{9780855C-0A85-65B9-F6C7-AB5BB31FCE52}"/>
-              </a:ext>
-            </a:extLst>
-          </p:cNvPr>
-          <p:cNvSpPr>
-            <a:spLocks noGrp="1"/>
-          </p:cNvSpPr>
-          <p:nvPr>
-            <p:ph idx="1"/>
-          </p:nvPr>
+            <a:endParaRPr lang="en-US"/>
+          </a:p>
+        </p:txBody>
+      </p:sp>
+      <p:sp>
+        <p:nvSpPr>
+          <p:cNvPr id="4" name="TextBox 3">
+            <a:extLst>
+              <a:ext uri="{FF2B5EF4-FFF2-40B4-BE49-F238E27FC236}">
+                <a16:creationId xmlns:a16="http://schemas.microsoft.com/office/drawing/2014/main" id="{EC4EF648-7D65-444D-4038-3D04214CA008}"/>
+              </a:ext>
+            </a:extLst>
+          </p:cNvPr>
+          <p:cNvSpPr txBox="1"/>
+          <p:nvPr/>
         </p:nvSpPr>
         <p:spPr>
           <a:xfrm>
-            <a:off x="838200" y="1347472"/>
-            <a:ext cx="10515600" cy="4902967"/>
-          </a:xfrm>
-        </p:spPr>
-        <p:txBody>
-          <a:bodyPr/>
-          <a:lstStyle/>
-          <a:p>
-            <a:r>
-              <a:rPr lang="en-US" dirty="0"/>
-              <a:t>Keep a set of data in a "store" that can be accessed via string </a:t>
-            </a:r>
-            <a:r>
-              <a:rPr lang="en-US" b="1" i="1" dirty="0"/>
-              <a:t>keys </a:t>
-            </a:r>
-          </a:p>
-          <a:p>
-            <a:pPr lvl="1"/>
-            <a:r>
-              <a:rPr lang="en-US" dirty="0"/>
-              <a:t>logically a kind of Dictionary&lt;</a:t>
-            </a:r>
-            <a:r>
-              <a:rPr lang="en-US" dirty="0" err="1"/>
-              <a:t>string,object</a:t>
-            </a:r>
-            <a:r>
-              <a:rPr lang="en-US" dirty="0"/>
-              <a:t>&gt;(); </a:t>
-            </a:r>
-          </a:p>
-          <a:p>
-            <a:pPr lvl="1"/>
-            <a:endParaRPr lang="en-US" dirty="0"/>
-          </a:p>
-          <a:p>
-            <a:pPr marL="457200" lvl="1" indent="0">
-              <a:buNone/>
-            </a:pPr>
-            <a:endParaRPr lang="en-US" dirty="0"/>
-          </a:p>
-        </p:txBody>
-      </p:sp>
-      <p:sp>
-        <p:nvSpPr>
-          <p:cNvPr id="4" name="TextBox 3">
-            <a:extLst>
-              <a:ext uri="{FF2B5EF4-FFF2-40B4-BE49-F238E27FC236}">
-                <a16:creationId xmlns:a16="http://schemas.microsoft.com/office/drawing/2014/main" id="{EC4EF648-7D65-444D-4038-3D04214CA008}"/>
-              </a:ext>
-            </a:extLst>
-          </p:cNvPr>
-          <p:cNvSpPr txBox="1"/>
-          <p:nvPr/>
-        </p:nvSpPr>
-        <p:spPr>
-          <a:xfrm>
-            <a:off x="952499" y="2604406"/>
+            <a:off x="1011021" y="2111247"/>
             <a:ext cx="8937062" cy="3139321"/>
           </a:xfrm>
           <a:prstGeom prst="rect">
@@ -11393,7 +11596,7 @@
                 </a:highlight>
                 <a:latin typeface="Cascadia Mono" panose="020B0609020000020004" pitchFamily="49" charset="0"/>
               </a:rPr>
-              <a:t>(</a:t>
+              <a:t>($"</a:t>
             </a:r>
             <a:r>
               <a:rPr lang="en-US" sz="1800" dirty="0" err="1">
@@ -11405,7 +11608,7 @@
                 </a:highlight>
                 <a:latin typeface="Cascadia Mono" panose="020B0609020000020004" pitchFamily="49" charset="0"/>
               </a:rPr>
-              <a:t>userName</a:t>
+              <a:t>userInfo</a:t>
             </a:r>
             <a:r>
               <a:rPr lang="en-US" sz="1800" dirty="0">
@@ -11417,7 +11620,7 @@
                 </a:highlight>
                 <a:latin typeface="Cascadia Mono" panose="020B0609020000020004" pitchFamily="49" charset="0"/>
               </a:rPr>
-              <a:t>, </a:t>
+              <a:t>{</a:t>
             </a:r>
             <a:r>
               <a:rPr lang="en-US" sz="1800" dirty="0" err="1">
@@ -11429,10 +11632,10 @@
                 </a:highlight>
                 <a:latin typeface="Cascadia Mono" panose="020B0609020000020004" pitchFamily="49" charset="0"/>
               </a:rPr>
-              <a:t>userInfo</a:t>
-            </a:r>
-            <a:r>
-              <a:rPr lang="en-US" sz="1800" dirty="0">
+              <a:t>userName</a:t>
+            </a:r>
+            <a:r>
+              <a:rPr lang="en-US" sz="1800">
                 <a:solidFill>
                   <a:srgbClr val="000000"/>
                 </a:solidFill>
@@ -11441,6 +11644,30 @@
                 </a:highlight>
                 <a:latin typeface="Cascadia Mono" panose="020B0609020000020004" pitchFamily="49" charset="0"/>
               </a:rPr>
+              <a:t>}", </a:t>
+            </a:r>
+            <a:r>
+              <a:rPr lang="en-US" sz="1800" dirty="0" err="1">
+                <a:solidFill>
+                  <a:srgbClr val="000000"/>
+                </a:solidFill>
+                <a:highlight>
+                  <a:srgbClr val="FFFF00"/>
+                </a:highlight>
+                <a:latin typeface="Cascadia Mono" panose="020B0609020000020004" pitchFamily="49" charset="0"/>
+              </a:rPr>
+              <a:t>userInfo</a:t>
+            </a:r>
+            <a:r>
+              <a:rPr lang="en-US" sz="1800" dirty="0">
+                <a:solidFill>
+                  <a:srgbClr val="000000"/>
+                </a:solidFill>
+                <a:highlight>
+                  <a:srgbClr val="FFFF00"/>
+                </a:highlight>
+                <a:latin typeface="Cascadia Mono" panose="020B0609020000020004" pitchFamily="49" charset="0"/>
+              </a:rPr>
               <a:t>);</a:t>
             </a:r>
           </a:p>
@@ -11534,7 +11761,7 @@
     </p:spTree>
     <p:extLst>
       <p:ext uri="{BB962C8B-B14F-4D97-AF65-F5344CB8AC3E}">
-        <p14:creationId xmlns:p14="http://schemas.microsoft.com/office/powerpoint/2010/main" val="2409868801"/>
+        <p14:creationId xmlns:p14="http://schemas.microsoft.com/office/powerpoint/2010/main" val="203938663"/>
       </p:ext>
     </p:extLst>
   </p:cSld>
@@ -11566,6 +11793,263 @@
           <p:cNvPr id="2" name="Title 1">
             <a:extLst>
               <a:ext uri="{FF2B5EF4-FFF2-40B4-BE49-F238E27FC236}">
+                <a16:creationId xmlns:a16="http://schemas.microsoft.com/office/drawing/2014/main" id="{E4DD8161-788E-30FD-1379-48ECD5647A26}"/>
+              </a:ext>
+            </a:extLst>
+          </p:cNvPr>
+          <p:cNvSpPr>
+            <a:spLocks noGrp="1"/>
+          </p:cNvSpPr>
+          <p:nvPr>
+            <p:ph type="title"/>
+          </p:nvPr>
+        </p:nvSpPr>
+        <p:spPr/>
+        <p:txBody>
+          <a:bodyPr/>
+          <a:lstStyle/>
+          <a:p>
+            <a:r>
+              <a:rPr lang="en-US" dirty="0"/>
+              <a:t>Why we cache?</a:t>
+            </a:r>
+          </a:p>
+        </p:txBody>
+      </p:sp>
+      <p:sp>
+        <p:nvSpPr>
+          <p:cNvPr id="3" name="Content Placeholder 2">
+            <a:extLst>
+              <a:ext uri="{FF2B5EF4-FFF2-40B4-BE49-F238E27FC236}">
+                <a16:creationId xmlns:a16="http://schemas.microsoft.com/office/drawing/2014/main" id="{8949759A-1B64-C954-EE93-6CF8C537AEE6}"/>
+              </a:ext>
+            </a:extLst>
+          </p:cNvPr>
+          <p:cNvSpPr>
+            <a:spLocks noGrp="1"/>
+          </p:cNvSpPr>
+          <p:nvPr>
+            <p:ph idx="1"/>
+          </p:nvPr>
+        </p:nvSpPr>
+        <p:spPr>
+          <a:xfrm>
+            <a:off x="838200" y="1825625"/>
+            <a:ext cx="10515600" cy="4667250"/>
+          </a:xfrm>
+        </p:spPr>
+        <p:txBody>
+          <a:bodyPr>
+            <a:normAutofit fontScale="92500" lnSpcReduction="10000"/>
+          </a:bodyPr>
+          <a:lstStyle/>
+          <a:p>
+            <a:r>
+              <a:rPr lang="en-US" dirty="0"/>
+              <a:t>The good</a:t>
+            </a:r>
+          </a:p>
+          <a:p>
+            <a:pPr lvl="1"/>
+            <a:r>
+              <a:rPr lang="en-US" dirty="0"/>
+              <a:t>Speed up application </a:t>
+            </a:r>
+          </a:p>
+          <a:p>
+            <a:pPr lvl="1"/>
+            <a:r>
+              <a:rPr lang="en-US" dirty="0"/>
+              <a:t>Offload the origin (source of true)</a:t>
+            </a:r>
+            <a:br>
+              <a:rPr lang="en-US" dirty="0"/>
+            </a:br>
+            <a:endParaRPr lang="en-US" dirty="0"/>
+          </a:p>
+          <a:p>
+            <a:pPr marL="0" indent="0">
+              <a:buNone/>
+            </a:pPr>
+            <a:r>
+              <a:rPr lang="en-US" dirty="0"/>
+              <a:t>Using a cache brings a set of new</a:t>
+            </a:r>
+          </a:p>
+          <a:p>
+            <a:pPr>
+              <a:buFontTx/>
+              <a:buChar char="-"/>
+            </a:pPr>
+            <a:r>
+              <a:rPr lang="en-US" dirty="0"/>
+              <a:t>Opportunities</a:t>
+            </a:r>
+          </a:p>
+          <a:p>
+            <a:pPr>
+              <a:buFontTx/>
+              <a:buChar char="-"/>
+            </a:pPr>
+            <a:r>
+              <a:rPr lang="en-US" dirty="0"/>
+              <a:t>Issues </a:t>
+            </a:r>
+          </a:p>
+          <a:p>
+            <a:pPr lvl="1"/>
+            <a:r>
+              <a:rPr lang="en-US" dirty="0"/>
+              <a:t>Stale data (Cache invalidation is hard to implement)</a:t>
+            </a:r>
+          </a:p>
+          <a:p>
+            <a:pPr lvl="1"/>
+            <a:r>
+              <a:rPr lang="en-US" i="1" dirty="0"/>
+              <a:t>Cache stampede</a:t>
+            </a:r>
+            <a:endParaRPr lang="en-US" dirty="0"/>
+          </a:p>
+          <a:p>
+            <a:pPr lvl="1"/>
+            <a:r>
+              <a:rPr lang="en-US" dirty="0"/>
+              <a:t>Node synchronization (if a memory or a two-level cache is used)</a:t>
+            </a:r>
+          </a:p>
+          <a:p>
+            <a:pPr marL="0" indent="0">
+              <a:buNone/>
+            </a:pPr>
+            <a:endParaRPr lang="en-US" dirty="0"/>
+          </a:p>
+          <a:p>
+            <a:pPr marL="0" indent="0">
+              <a:buNone/>
+            </a:pPr>
+            <a:r>
+              <a:rPr lang="en-US" dirty="0"/>
+              <a:t>Hence, we need patterns and best practices </a:t>
+            </a:r>
+            <a:r>
+              <a:rPr lang="en-US" dirty="0">
+                <a:sym typeface="Wingdings" panose="05000000000000000000" pitchFamily="2" charset="2"/>
+              </a:rPr>
+              <a:t></a:t>
+            </a:r>
+            <a:endParaRPr lang="en-US" dirty="0"/>
+          </a:p>
+        </p:txBody>
+      </p:sp>
+      <p:sp>
+        <p:nvSpPr>
+          <p:cNvPr id="4" name="TextBox 3">
+            <a:extLst>
+              <a:ext uri="{FF2B5EF4-FFF2-40B4-BE49-F238E27FC236}">
+                <a16:creationId xmlns:a16="http://schemas.microsoft.com/office/drawing/2014/main" id="{2FAC81BB-9BE4-3668-D553-87EEBA33CB0A}"/>
+              </a:ext>
+            </a:extLst>
+          </p:cNvPr>
+          <p:cNvSpPr txBox="1"/>
+          <p:nvPr/>
+        </p:nvSpPr>
+        <p:spPr>
+          <a:xfrm>
+            <a:off x="6350019" y="1662808"/>
+            <a:ext cx="5681876" cy="1200329"/>
+          </a:xfrm>
+          <a:prstGeom prst="rect">
+            <a:avLst/>
+          </a:prstGeom>
+          <a:noFill/>
+          <a:ln>
+            <a:solidFill>
+              <a:schemeClr val="accent1"/>
+            </a:solidFill>
+          </a:ln>
+        </p:spPr>
+        <p:txBody>
+          <a:bodyPr wrap="none" rtlCol="0">
+            <a:spAutoFit/>
+          </a:bodyPr>
+          <a:lstStyle/>
+          <a:p>
+            <a:r>
+              <a:rPr lang="en-US" b="1" i="1" dirty="0">
+                <a:highlight>
+                  <a:srgbClr val="00FFFF"/>
+                </a:highlight>
+              </a:rPr>
+              <a:t>There are only two hard things in Computer Science: </a:t>
+            </a:r>
+            <a:br>
+              <a:rPr lang="en-US" b="1" i="1" dirty="0">
+                <a:highlight>
+                  <a:srgbClr val="00FFFF"/>
+                </a:highlight>
+              </a:rPr>
+            </a:br>
+            <a:r>
+              <a:rPr lang="en-US" b="1" i="1" dirty="0">
+                <a:highlight>
+                  <a:srgbClr val="00FFFF"/>
+                </a:highlight>
+              </a:rPr>
+              <a:t>cache invalidation and naming things.</a:t>
+            </a:r>
+          </a:p>
+          <a:p>
+            <a:endParaRPr lang="en-US" b="1" i="1" dirty="0"/>
+          </a:p>
+          <a:p>
+            <a:r>
+              <a:rPr lang="en-US" b="1" i="1" dirty="0"/>
+              <a:t>-- Phil </a:t>
+            </a:r>
+            <a:r>
+              <a:rPr lang="en-US" b="1" i="1" dirty="0" err="1"/>
+              <a:t>Karlton</a:t>
+            </a:r>
+            <a:endParaRPr lang="en-US" b="1" i="1" dirty="0"/>
+          </a:p>
+        </p:txBody>
+      </p:sp>
+    </p:spTree>
+    <p:extLst>
+      <p:ext uri="{BB962C8B-B14F-4D97-AF65-F5344CB8AC3E}">
+        <p14:creationId xmlns:p14="http://schemas.microsoft.com/office/powerpoint/2010/main" val="2075881403"/>
+      </p:ext>
+    </p:extLst>
+  </p:cSld>
+  <p:clrMapOvr>
+    <a:masterClrMapping/>
+  </p:clrMapOvr>
+</p:sld>
+</file>
+
+<file path=ppt/slides/slide6.xml><?xml version="1.0" encoding="utf-8"?>
+<p:sld xmlns:a="http://schemas.openxmlformats.org/drawingml/2006/main" xmlns:r="http://schemas.openxmlformats.org/officeDocument/2006/relationships" xmlns:p="http://schemas.openxmlformats.org/presentationml/2006/main">
+  <p:cSld>
+    <p:spTree>
+      <p:nvGrpSpPr>
+        <p:cNvPr id="1" name=""/>
+        <p:cNvGrpSpPr/>
+        <p:nvPr/>
+      </p:nvGrpSpPr>
+      <p:grpSpPr>
+        <a:xfrm>
+          <a:off x="0" y="0"/>
+          <a:ext cx="0" cy="0"/>
+          <a:chOff x="0" y="0"/>
+          <a:chExt cx="0" cy="0"/>
+        </a:xfrm>
+      </p:grpSpPr>
+      <p:sp>
+        <p:nvSpPr>
+          <p:cNvPr id="2" name="Title 1">
+            <a:extLst>
+              <a:ext uri="{FF2B5EF4-FFF2-40B4-BE49-F238E27FC236}">
                 <a16:creationId xmlns:a16="http://schemas.microsoft.com/office/drawing/2014/main" id="{2EB29AA9-B256-F216-49DC-AB81E1131992}"/>
               </a:ext>
             </a:extLst>
@@ -11656,7 +12140,7 @@
 </p:sld>
 </file>
 
-<file path=ppt/slides/slide6.xml><?xml version="1.0" encoding="utf-8"?>
+<file path=ppt/slides/slide7.xml><?xml version="1.0" encoding="utf-8"?>
 <p:sld xmlns:a="http://schemas.openxmlformats.org/drawingml/2006/main" xmlns:r="http://schemas.openxmlformats.org/officeDocument/2006/relationships" xmlns:p="http://schemas.openxmlformats.org/presentationml/2006/main">
   <p:cSld>
     <p:spTree>
@@ -11879,7 +12363,7 @@
 </p:sld>
 </file>
 
-<file path=ppt/slides/slide7.xml><?xml version="1.0" encoding="utf-8"?>
+<file path=ppt/slides/slide8.xml><?xml version="1.0" encoding="utf-8"?>
 <p:sld xmlns:a="http://schemas.openxmlformats.org/drawingml/2006/main" xmlns:r="http://schemas.openxmlformats.org/officeDocument/2006/relationships" xmlns:p="http://schemas.openxmlformats.org/presentationml/2006/main">
   <p:cSld>
     <p:spTree>
@@ -12286,122 +12770,6 @@
 </p:sld>
 </file>
 
-<file path=ppt/slides/slide8.xml><?xml version="1.0" encoding="utf-8"?>
-<p:sld xmlns:a="http://schemas.openxmlformats.org/drawingml/2006/main" xmlns:r="http://schemas.openxmlformats.org/officeDocument/2006/relationships" xmlns:p="http://schemas.openxmlformats.org/presentationml/2006/main">
-  <p:cSld>
-    <p:spTree>
-      <p:nvGrpSpPr>
-        <p:cNvPr id="1" name=""/>
-        <p:cNvGrpSpPr/>
-        <p:nvPr/>
-      </p:nvGrpSpPr>
-      <p:grpSpPr>
-        <a:xfrm>
-          <a:off x="0" y="0"/>
-          <a:ext cx="0" cy="0"/>
-          <a:chOff x="0" y="0"/>
-          <a:chExt cx="0" cy="0"/>
-        </a:xfrm>
-      </p:grpSpPr>
-      <p:sp>
-        <p:nvSpPr>
-          <p:cNvPr id="2" name="Title 1">
-            <a:extLst>
-              <a:ext uri="{FF2B5EF4-FFF2-40B4-BE49-F238E27FC236}">
-                <a16:creationId xmlns:a16="http://schemas.microsoft.com/office/drawing/2014/main" id="{2EB29AA9-B256-F216-49DC-AB81E1131992}"/>
-              </a:ext>
-            </a:extLst>
-          </p:cNvPr>
-          <p:cNvSpPr>
-            <a:spLocks noGrp="1"/>
-          </p:cNvSpPr>
-          <p:nvPr>
-            <p:ph type="title"/>
-          </p:nvPr>
-        </p:nvSpPr>
-        <p:spPr/>
-        <p:txBody>
-          <a:bodyPr/>
-          <a:lstStyle/>
-          <a:p>
-            <a:r>
-              <a:rPr lang="en-US" dirty="0"/>
-              <a:t>distributed (shared) cache</a:t>
-            </a:r>
-          </a:p>
-        </p:txBody>
-      </p:sp>
-      <p:sp>
-        <p:nvSpPr>
-          <p:cNvPr id="3" name="Content Placeholder 2">
-            <a:extLst>
-              <a:ext uri="{FF2B5EF4-FFF2-40B4-BE49-F238E27FC236}">
-                <a16:creationId xmlns:a16="http://schemas.microsoft.com/office/drawing/2014/main" id="{B704A45C-E945-C252-BC40-6FD394E16A25}"/>
-              </a:ext>
-            </a:extLst>
-          </p:cNvPr>
-          <p:cNvSpPr>
-            <a:spLocks noGrp="1"/>
-          </p:cNvSpPr>
-          <p:nvPr>
-            <p:ph idx="1"/>
-          </p:nvPr>
-        </p:nvSpPr>
-        <p:spPr/>
-        <p:txBody>
-          <a:bodyPr>
-            <a:normAutofit/>
-          </a:bodyPr>
-          <a:lstStyle/>
-          <a:p>
-            <a:r>
-              <a:rPr lang="en-US" dirty="0"/>
-              <a:t>Distributed</a:t>
-            </a:r>
-          </a:p>
-          <a:p>
-            <a:pPr lvl="1"/>
-            <a:r>
-              <a:rPr lang="en-US" dirty="0"/>
-              <a:t>Improved cache hits</a:t>
-            </a:r>
-          </a:p>
-          <a:p>
-            <a:pPr lvl="1"/>
-            <a:r>
-              <a:rPr lang="en-US" dirty="0"/>
-              <a:t>Some solutions (Redis) are fast, still remember you are still doing a network roundtrip</a:t>
-            </a:r>
-          </a:p>
-          <a:p>
-            <a:pPr lvl="1"/>
-            <a:r>
-              <a:rPr lang="en-US" dirty="0"/>
-              <a:t>Watch out CPU usage (deserialization)</a:t>
-            </a:r>
-          </a:p>
-          <a:p>
-            <a:pPr lvl="1"/>
-            <a:r>
-              <a:rPr lang="en-US" dirty="0"/>
-              <a:t>Watch out caching keys clashing (per service prefix)</a:t>
-            </a:r>
-          </a:p>
-        </p:txBody>
-      </p:sp>
-    </p:spTree>
-    <p:extLst>
-      <p:ext uri="{BB962C8B-B14F-4D97-AF65-F5344CB8AC3E}">
-        <p14:creationId xmlns:p14="http://schemas.microsoft.com/office/powerpoint/2010/main" val="3862995226"/>
-      </p:ext>
-    </p:extLst>
-  </p:cSld>
-  <p:clrMapOvr>
-    <a:masterClrMapping/>
-  </p:clrMapOvr>
-</p:sld>
-</file>
-
 <file path=ppt/slides/slide9.xml><?xml version="1.0" encoding="utf-8"?>
 <p:sld xmlns:a="http://schemas.openxmlformats.org/drawingml/2006/main" xmlns:r="http://schemas.openxmlformats.org/officeDocument/2006/relationships" xmlns:p="http://schemas.openxmlformats.org/presentationml/2006/main">
   <p:cSld>
@@ -12424,7 +12792,7 @@
           <p:cNvPr id="2" name="Title 1">
             <a:extLst>
               <a:ext uri="{FF2B5EF4-FFF2-40B4-BE49-F238E27FC236}">
-                <a16:creationId xmlns:a16="http://schemas.microsoft.com/office/drawing/2014/main" id="{94F5AAF0-B056-B7F5-5F53-6F4EB4606563}"/>
+                <a16:creationId xmlns:a16="http://schemas.microsoft.com/office/drawing/2014/main" id="{2EB29AA9-B256-F216-49DC-AB81E1131992}"/>
               </a:ext>
             </a:extLst>
           </p:cNvPr>
@@ -12442,179 +12810,65 @@
           <a:p>
             <a:r>
               <a:rPr lang="en-US" dirty="0"/>
-              <a:t>Multiple instance web app </a:t>
-            </a:r>
-          </a:p>
-        </p:txBody>
-      </p:sp>
-      <p:pic>
-        <p:nvPicPr>
-          <p:cNvPr id="4" name="Picture 3">
-            <a:extLst>
-              <a:ext uri="{FF2B5EF4-FFF2-40B4-BE49-F238E27FC236}">
-                <a16:creationId xmlns:a16="http://schemas.microsoft.com/office/drawing/2014/main" id="{36886687-B61E-F831-A518-1EA822F73340}"/>
-              </a:ext>
-            </a:extLst>
-          </p:cNvPr>
-          <p:cNvPicPr>
-            <a:picLocks noChangeAspect="1"/>
-          </p:cNvPicPr>
-          <p:nvPr/>
-        </p:nvPicPr>
-        <p:blipFill>
-          <a:blip r:embed="rId2"/>
-          <a:stretch>
-            <a:fillRect/>
-          </a:stretch>
-        </p:blipFill>
-        <p:spPr>
-          <a:xfrm>
-            <a:off x="1049204" y="2368006"/>
-            <a:ext cx="1219351" cy="1060994"/>
-          </a:xfrm>
-          <a:prstGeom prst="rect">
-            <a:avLst/>
-          </a:prstGeom>
-        </p:spPr>
-      </p:pic>
-      <p:sp>
-        <p:nvSpPr>
-          <p:cNvPr id="7" name="TextBox 6">
-            <a:extLst>
-              <a:ext uri="{FF2B5EF4-FFF2-40B4-BE49-F238E27FC236}">
-                <a16:creationId xmlns:a16="http://schemas.microsoft.com/office/drawing/2014/main" id="{5C2586B1-253E-82D2-89D4-4D616DFE229A}"/>
-              </a:ext>
-            </a:extLst>
-          </p:cNvPr>
-          <p:cNvSpPr txBox="1"/>
-          <p:nvPr/>
-        </p:nvSpPr>
-        <p:spPr>
-          <a:xfrm>
-            <a:off x="1221328" y="1812336"/>
-            <a:ext cx="708335" cy="369332"/>
-          </a:xfrm>
-          <a:prstGeom prst="rect">
-            <a:avLst/>
-          </a:prstGeom>
-          <a:noFill/>
-        </p:spPr>
-        <p:txBody>
-          <a:bodyPr wrap="none" rtlCol="0">
-            <a:spAutoFit/>
+              <a:t>distributed (shared) cache</a:t>
+            </a:r>
+          </a:p>
+        </p:txBody>
+      </p:sp>
+      <p:sp>
+        <p:nvSpPr>
+          <p:cNvPr id="3" name="Content Placeholder 2">
+            <a:extLst>
+              <a:ext uri="{FF2B5EF4-FFF2-40B4-BE49-F238E27FC236}">
+                <a16:creationId xmlns:a16="http://schemas.microsoft.com/office/drawing/2014/main" id="{B704A45C-E945-C252-BC40-6FD394E16A25}"/>
+              </a:ext>
+            </a:extLst>
+          </p:cNvPr>
+          <p:cNvSpPr>
+            <a:spLocks noGrp="1"/>
+          </p:cNvSpPr>
+          <p:nvPr>
+            <p:ph idx="1"/>
+          </p:nvPr>
+        </p:nvSpPr>
+        <p:spPr/>
+        <p:txBody>
+          <a:bodyPr>
+            <a:normAutofit/>
           </a:bodyPr>
           <a:lstStyle/>
           <a:p>
             <a:r>
               <a:rPr lang="en-US" dirty="0"/>
-              <a:t>PAAS</a:t>
-            </a:r>
-          </a:p>
-        </p:txBody>
-      </p:sp>
-      <p:sp>
-        <p:nvSpPr>
-          <p:cNvPr id="18" name="TextBox 17">
-            <a:extLst>
-              <a:ext uri="{FF2B5EF4-FFF2-40B4-BE49-F238E27FC236}">
-                <a16:creationId xmlns:a16="http://schemas.microsoft.com/office/drawing/2014/main" id="{51E2BCC3-F513-CA25-4006-B920240A31A8}"/>
-              </a:ext>
-            </a:extLst>
-          </p:cNvPr>
-          <p:cNvSpPr txBox="1"/>
-          <p:nvPr/>
-        </p:nvSpPr>
-        <p:spPr>
-          <a:xfrm>
-            <a:off x="5631994" y="4387066"/>
-            <a:ext cx="5394810" cy="646331"/>
-          </a:xfrm>
-          <a:prstGeom prst="rect">
-            <a:avLst/>
-          </a:prstGeom>
-          <a:noFill/>
-        </p:spPr>
-        <p:txBody>
-          <a:bodyPr wrap="none" rtlCol="0">
-            <a:spAutoFit/>
-          </a:bodyPr>
-          <a:lstStyle/>
-          <a:p>
-            <a:r>
-              <a:rPr lang="en-US" dirty="0"/>
-              <a:t>All instances share the same cache </a:t>
-            </a:r>
-            <a:br>
-              <a:rPr lang="en-US" dirty="0"/>
-            </a:br>
-            <a:r>
-              <a:rPr lang="en-US" dirty="0"/>
-              <a:t>Instead of Redis you can use other centralized stores</a:t>
-            </a:r>
-          </a:p>
-        </p:txBody>
-      </p:sp>
-      <p:pic>
-        <p:nvPicPr>
-          <p:cNvPr id="11" name="Picture 10">
-            <a:extLst>
-              <a:ext uri="{FF2B5EF4-FFF2-40B4-BE49-F238E27FC236}">
-                <a16:creationId xmlns:a16="http://schemas.microsoft.com/office/drawing/2014/main" id="{1436D8AE-0AE0-4AE3-26E4-F13B11605426}"/>
-              </a:ext>
-            </a:extLst>
-          </p:cNvPr>
-          <p:cNvPicPr>
-            <a:picLocks noChangeAspect="1"/>
-          </p:cNvPicPr>
-          <p:nvPr/>
-        </p:nvPicPr>
-        <p:blipFill>
-          <a:blip r:embed="rId3"/>
-          <a:stretch>
-            <a:fillRect/>
-          </a:stretch>
-        </p:blipFill>
-        <p:spPr>
-          <a:xfrm>
-            <a:off x="1187540" y="4224206"/>
-            <a:ext cx="1125205" cy="1064383"/>
-          </a:xfrm>
-          <a:prstGeom prst="rect">
-            <a:avLst/>
-          </a:prstGeom>
-        </p:spPr>
-      </p:pic>
-      <p:sp>
-        <p:nvSpPr>
-          <p:cNvPr id="14" name="TextBox 13">
-            <a:extLst>
-              <a:ext uri="{FF2B5EF4-FFF2-40B4-BE49-F238E27FC236}">
-                <a16:creationId xmlns:a16="http://schemas.microsoft.com/office/drawing/2014/main" id="{286100BE-AEED-D06B-18D6-A2FF719550AA}"/>
-              </a:ext>
-            </a:extLst>
-          </p:cNvPr>
-          <p:cNvSpPr txBox="1"/>
-          <p:nvPr/>
-        </p:nvSpPr>
-        <p:spPr>
-          <a:xfrm>
-            <a:off x="838200" y="3292172"/>
-            <a:ext cx="2308709" cy="369332"/>
-          </a:xfrm>
-          <a:prstGeom prst="rect">
-            <a:avLst/>
-          </a:prstGeom>
-          <a:noFill/>
-        </p:spPr>
-        <p:txBody>
-          <a:bodyPr wrap="none" rtlCol="0">
-            <a:spAutoFit/>
-          </a:bodyPr>
-          <a:lstStyle/>
-          <a:p>
-            <a:r>
-              <a:rPr lang="en-US" dirty="0"/>
-              <a:t>Scaled to n instances</a:t>
+              <a:t>Distributed</a:t>
+            </a:r>
+          </a:p>
+          <a:p>
+            <a:pPr lvl="1"/>
+            <a:r>
+              <a:rPr lang="en-US" dirty="0"/>
+              <a:t>Improved cache hits</a:t>
+            </a:r>
+          </a:p>
+          <a:p>
+            <a:pPr lvl="1"/>
+            <a:r>
+              <a:rPr lang="en-US" dirty="0"/>
+              <a:t>Some solutions (Redis) are fast, still remember you are still doing a network roundtrip</a:t>
+            </a:r>
+          </a:p>
+          <a:p>
+            <a:pPr lvl="1"/>
+            <a:r>
+              <a:rPr lang="en-US" dirty="0"/>
+              <a:t>Watch out CPU usage (deserialization)</a:t>
+            </a:r>
+          </a:p>
+          <a:p>
+            <a:pPr lvl="1"/>
+            <a:r>
+              <a:rPr lang="en-US" dirty="0"/>
+              <a:t>Watch out caching keys clashing (per service prefix)</a:t>
             </a:r>
           </a:p>
         </p:txBody>
@@ -12622,7 +12876,7 @@
     </p:spTree>
     <p:extLst>
       <p:ext uri="{BB962C8B-B14F-4D97-AF65-F5344CB8AC3E}">
-        <p14:creationId xmlns:p14="http://schemas.microsoft.com/office/powerpoint/2010/main" val="2356687198"/>
+        <p14:creationId xmlns:p14="http://schemas.microsoft.com/office/powerpoint/2010/main" val="3862995226"/>
       </p:ext>
     </p:extLst>
   </p:cSld>

--- a/cache-like-a-pro.pptx
+++ b/cache-like-a-pro.pptx
@@ -27,22 +27,23 @@
     <p:sldId id="265" r:id="rId21"/>
     <p:sldId id="266" r:id="rId22"/>
     <p:sldId id="268" r:id="rId23"/>
-    <p:sldId id="272" r:id="rId24"/>
-    <p:sldId id="261" r:id="rId25"/>
-    <p:sldId id="279" r:id="rId26"/>
-    <p:sldId id="277" r:id="rId27"/>
-    <p:sldId id="287" r:id="rId28"/>
-    <p:sldId id="271" r:id="rId29"/>
-    <p:sldId id="288" r:id="rId30"/>
-    <p:sldId id="273" r:id="rId31"/>
-    <p:sldId id="275" r:id="rId32"/>
-    <p:sldId id="297" r:id="rId33"/>
-    <p:sldId id="278" r:id="rId34"/>
-    <p:sldId id="274" r:id="rId35"/>
-    <p:sldId id="290" r:id="rId36"/>
-    <p:sldId id="280" r:id="rId37"/>
-    <p:sldId id="281" r:id="rId38"/>
-    <p:sldId id="282" r:id="rId39"/>
+    <p:sldId id="298" r:id="rId24"/>
+    <p:sldId id="272" r:id="rId25"/>
+    <p:sldId id="261" r:id="rId26"/>
+    <p:sldId id="279" r:id="rId27"/>
+    <p:sldId id="277" r:id="rId28"/>
+    <p:sldId id="287" r:id="rId29"/>
+    <p:sldId id="271" r:id="rId30"/>
+    <p:sldId id="288" r:id="rId31"/>
+    <p:sldId id="273" r:id="rId32"/>
+    <p:sldId id="275" r:id="rId33"/>
+    <p:sldId id="297" r:id="rId34"/>
+    <p:sldId id="278" r:id="rId35"/>
+    <p:sldId id="274" r:id="rId36"/>
+    <p:sldId id="290" r:id="rId37"/>
+    <p:sldId id="280" r:id="rId38"/>
+    <p:sldId id="281" r:id="rId39"/>
+    <p:sldId id="282" r:id="rId40"/>
   </p:sldIdLst>
   <p:sldSz cx="12192000" cy="6858000"/>
   <p:notesSz cx="6858000" cy="9144000"/>
@@ -296,7 +297,7 @@
           <a:p>
             <a:fld id="{7D239A87-38DC-4C6E-8233-D704AE9A351F}" type="datetimeFigureOut">
               <a:rPr lang="en-US" smtClean="0"/>
-              <a:t>7/10/2024</a:t>
+              <a:t>7/13/2024</a:t>
             </a:fld>
             <a:endParaRPr lang="en-US"/>
           </a:p>
@@ -494,7 +495,7 @@
           <a:p>
             <a:fld id="{7D239A87-38DC-4C6E-8233-D704AE9A351F}" type="datetimeFigureOut">
               <a:rPr lang="en-US" smtClean="0"/>
-              <a:t>7/10/2024</a:t>
+              <a:t>7/13/2024</a:t>
             </a:fld>
             <a:endParaRPr lang="en-US"/>
           </a:p>
@@ -702,7 +703,7 @@
           <a:p>
             <a:fld id="{7D239A87-38DC-4C6E-8233-D704AE9A351F}" type="datetimeFigureOut">
               <a:rPr lang="en-US" smtClean="0"/>
-              <a:t>7/10/2024</a:t>
+              <a:t>7/13/2024</a:t>
             </a:fld>
             <a:endParaRPr lang="en-US"/>
           </a:p>
@@ -900,7 +901,7 @@
           <a:p>
             <a:fld id="{7D239A87-38DC-4C6E-8233-D704AE9A351F}" type="datetimeFigureOut">
               <a:rPr lang="en-US" smtClean="0"/>
-              <a:t>7/10/2024</a:t>
+              <a:t>7/13/2024</a:t>
             </a:fld>
             <a:endParaRPr lang="en-US"/>
           </a:p>
@@ -1175,7 +1176,7 @@
           <a:p>
             <a:fld id="{7D239A87-38DC-4C6E-8233-D704AE9A351F}" type="datetimeFigureOut">
               <a:rPr lang="en-US" smtClean="0"/>
-              <a:t>7/10/2024</a:t>
+              <a:t>7/13/2024</a:t>
             </a:fld>
             <a:endParaRPr lang="en-US"/>
           </a:p>
@@ -1440,7 +1441,7 @@
           <a:p>
             <a:fld id="{7D239A87-38DC-4C6E-8233-D704AE9A351F}" type="datetimeFigureOut">
               <a:rPr lang="en-US" smtClean="0"/>
-              <a:t>7/10/2024</a:t>
+              <a:t>7/13/2024</a:t>
             </a:fld>
             <a:endParaRPr lang="en-US"/>
           </a:p>
@@ -1852,7 +1853,7 @@
           <a:p>
             <a:fld id="{7D239A87-38DC-4C6E-8233-D704AE9A351F}" type="datetimeFigureOut">
               <a:rPr lang="en-US" smtClean="0"/>
-              <a:t>7/10/2024</a:t>
+              <a:t>7/13/2024</a:t>
             </a:fld>
             <a:endParaRPr lang="en-US"/>
           </a:p>
@@ -1993,7 +1994,7 @@
           <a:p>
             <a:fld id="{7D239A87-38DC-4C6E-8233-D704AE9A351F}" type="datetimeFigureOut">
               <a:rPr lang="en-US" smtClean="0"/>
-              <a:t>7/10/2024</a:t>
+              <a:t>7/13/2024</a:t>
             </a:fld>
             <a:endParaRPr lang="en-US"/>
           </a:p>
@@ -2106,7 +2107,7 @@
           <a:p>
             <a:fld id="{7D239A87-38DC-4C6E-8233-D704AE9A351F}" type="datetimeFigureOut">
               <a:rPr lang="en-US" smtClean="0"/>
-              <a:t>7/10/2024</a:t>
+              <a:t>7/13/2024</a:t>
             </a:fld>
             <a:endParaRPr lang="en-US"/>
           </a:p>
@@ -2417,7 +2418,7 @@
           <a:p>
             <a:fld id="{7D239A87-38DC-4C6E-8233-D704AE9A351F}" type="datetimeFigureOut">
               <a:rPr lang="en-US" smtClean="0"/>
-              <a:t>7/10/2024</a:t>
+              <a:t>7/13/2024</a:t>
             </a:fld>
             <a:endParaRPr lang="en-US"/>
           </a:p>
@@ -2705,7 +2706,7 @@
           <a:p>
             <a:fld id="{7D239A87-38DC-4C6E-8233-D704AE9A351F}" type="datetimeFigureOut">
               <a:rPr lang="en-US" smtClean="0"/>
-              <a:t>7/10/2024</a:t>
+              <a:t>7/13/2024</a:t>
             </a:fld>
             <a:endParaRPr lang="en-US"/>
           </a:p>
@@ -2946,7 +2947,7 @@
           <a:p>
             <a:fld id="{7D239A87-38DC-4C6E-8233-D704AE9A351F}" type="datetimeFigureOut">
               <a:rPr lang="en-US" smtClean="0"/>
-              <a:t>7/10/2024</a:t>
+              <a:t>7/13/2024</a:t>
             </a:fld>
             <a:endParaRPr lang="en-US"/>
           </a:p>
@@ -3433,7 +3434,15 @@
           <a:p>
             <a:r>
               <a:rPr lang="en-US" dirty="0"/>
-              <a:t>Cache like a pro with "fusion cache"</a:t>
+              <a:t>Cache like a pro with "</a:t>
+            </a:r>
+            <a:r>
+              <a:rPr lang="en-US" dirty="0" err="1"/>
+              <a:t>FusionCache</a:t>
+            </a:r>
+            <a:r>
+              <a:rPr lang="en-US" dirty="0"/>
+              <a:t>"</a:t>
             </a:r>
           </a:p>
         </p:txBody>
@@ -5730,6 +5739,60 @@
               <a:t>Heavy load on remote distributed cache</a:t>
             </a:r>
           </a:p>
+          <a:p>
+            <a:r>
+              <a:rPr lang="en-US" sz="1800" dirty="0">
+                <a:solidFill>
+                  <a:srgbClr val="000000"/>
+                </a:solidFill>
+                <a:latin typeface="Cascadia Mono" panose="020B0609020000020004" pitchFamily="49" charset="0"/>
+              </a:rPr>
+              <a:t>get-big-cache-payload-in-memory</a:t>
+            </a:r>
+          </a:p>
+          <a:p>
+            <a:pPr marL="0" indent="0">
+              <a:buNone/>
+            </a:pPr>
+            <a:r>
+              <a:rPr lang="en-US" sz="1800" dirty="0">
+                <a:solidFill>
+                  <a:srgbClr val="000000"/>
+                </a:solidFill>
+                <a:latin typeface="Cascadia Mono" panose="020B0609020000020004" pitchFamily="49" charset="0"/>
+              </a:rPr>
+              <a:t>vs</a:t>
+            </a:r>
+          </a:p>
+          <a:p>
+            <a:r>
+              <a:rPr lang="en-US" sz="1800" dirty="0">
+                <a:solidFill>
+                  <a:srgbClr val="000000"/>
+                </a:solidFill>
+                <a:latin typeface="Cascadia Mono" panose="020B0609020000020004" pitchFamily="49" charset="0"/>
+              </a:rPr>
+              <a:t>get-big-cache-payload-</a:t>
+            </a:r>
+            <a:r>
+              <a:rPr lang="en-US" sz="1800" dirty="0" err="1">
+                <a:solidFill>
+                  <a:srgbClr val="000000"/>
+                </a:solidFill>
+                <a:latin typeface="Cascadia Mono" panose="020B0609020000020004" pitchFamily="49" charset="0"/>
+              </a:rPr>
+              <a:t>redis</a:t>
+            </a:r>
+            <a:endParaRPr lang="en-US" sz="1800" dirty="0">
+              <a:solidFill>
+                <a:srgbClr val="000000"/>
+              </a:solidFill>
+              <a:latin typeface="Cascadia Mono" panose="020B0609020000020004" pitchFamily="49" charset="0"/>
+            </a:endParaRPr>
+          </a:p>
+          <a:p>
+            <a:endParaRPr lang="en-US" dirty="0"/>
+          </a:p>
         </p:txBody>
       </p:sp>
     </p:spTree>
@@ -7609,14 +7672,14 @@
           <p:nvPr>
             <p:extLst>
               <p:ext uri="{D42A27DB-BD31-4B8C-83A1-F6EECF244321}">
-                <p14:modId xmlns:p14="http://schemas.microsoft.com/office/powerpoint/2010/main" val="3681985066"/>
+                <p14:modId xmlns:p14="http://schemas.microsoft.com/office/powerpoint/2010/main" val="3907504409"/>
               </p:ext>
             </p:extLst>
           </p:nvPr>
         </p:nvGraphicFramePr>
         <p:xfrm>
           <a:off x="838200" y="2318994"/>
-          <a:ext cx="10700207" cy="3026946"/>
+          <a:ext cx="10700207" cy="2661186"/>
         </p:xfrm>
         <a:graphic>
           <a:graphicData uri="http://schemas.openxmlformats.org/drawingml/2006/table">
@@ -8023,6 +8086,16 @@
                     <a:lstStyle/>
                     <a:p>
                       <a:r>
+                        <a:rPr lang="en-US" sz="2400" i="1" dirty="0" err="1">
+                          <a:solidFill>
+                            <a:schemeClr val="accent2">
+                              <a:lumMod val="75000"/>
+                            </a:schemeClr>
+                          </a:solidFill>
+                        </a:rPr>
+                        <a:t>FusionCache</a:t>
+                      </a:r>
+                      <a:r>
                         <a:rPr lang="en-US" sz="2400" i="1" dirty="0">
                           <a:solidFill>
                             <a:schemeClr val="accent2">
@@ -8030,7 +8103,7 @@
                             </a:schemeClr>
                           </a:solidFill>
                         </a:rPr>
-                        <a:t>Fusion Cache </a:t>
+                        <a:t> </a:t>
                       </a:r>
                       <a:endParaRPr lang="en-US" sz="2400" dirty="0"/>
                     </a:p>
@@ -8044,7 +8117,7 @@
                     <a:p>
                       <a:r>
                         <a:rPr lang="en-US" dirty="0"/>
-                        <a:t>1.5K stars</a:t>
+                        <a:t>1.6K stars</a:t>
                       </a:r>
                     </a:p>
                   </a:txBody>
@@ -8121,7 +8194,7 @@
           <p:cNvPr id="2" name="Title 1">
             <a:extLst>
               <a:ext uri="{FF2B5EF4-FFF2-40B4-BE49-F238E27FC236}">
-                <a16:creationId xmlns:a16="http://schemas.microsoft.com/office/drawing/2014/main" id="{B85EE399-0A0C-981C-9900-5AE790E125F3}"/>
+                <a16:creationId xmlns:a16="http://schemas.microsoft.com/office/drawing/2014/main" id="{DC126C97-4703-96A2-54D0-381453EDB7C6}"/>
               </a:ext>
             </a:extLst>
           </p:cNvPr>
@@ -8138,555 +8211,111 @@
           <a:lstStyle/>
           <a:p>
             <a:r>
-              <a:rPr lang="en-US" dirty="0"/>
-              <a:t>fusion cache set up</a:t>
-            </a:r>
-          </a:p>
-        </p:txBody>
-      </p:sp>
-      <p:sp>
-        <p:nvSpPr>
-          <p:cNvPr id="5" name="TextBox 4">
-            <a:extLst>
-              <a:ext uri="{FF2B5EF4-FFF2-40B4-BE49-F238E27FC236}">
-                <a16:creationId xmlns:a16="http://schemas.microsoft.com/office/drawing/2014/main" id="{DD4FE0E5-3673-2DEC-5110-7B3C017406CC}"/>
-              </a:ext>
-            </a:extLst>
-          </p:cNvPr>
-          <p:cNvSpPr txBox="1"/>
-          <p:nvPr/>
-        </p:nvSpPr>
-        <p:spPr>
-          <a:xfrm>
-            <a:off x="754602" y="2045964"/>
-            <a:ext cx="10599198" cy="3139321"/>
-          </a:xfrm>
-          <a:prstGeom prst="rect">
-            <a:avLst/>
-          </a:prstGeom>
-          <a:noFill/>
-          <a:ln>
-            <a:solidFill>
-              <a:schemeClr val="accent1"/>
-            </a:solidFill>
-          </a:ln>
-        </p:spPr>
-        <p:txBody>
-          <a:bodyPr wrap="square">
-            <a:spAutoFit/>
-          </a:bodyPr>
-          <a:lstStyle/>
-          <a:p>
-            <a:r>
-              <a:rPr lang="en-US" dirty="0" err="1">
-                <a:solidFill>
-                  <a:srgbClr val="000000"/>
-                </a:solidFill>
-                <a:latin typeface="Cascadia Mono" panose="020B0609020000020004" pitchFamily="49" charset="0"/>
-              </a:rPr>
-              <a:t>builder.Services.AddFusionCache</a:t>
-            </a:r>
+              <a:rPr lang="en-US" dirty="0" err="1"/>
+              <a:t>FusionCache</a:t>
+            </a:r>
+            <a:r>
+              <a:rPr lang="en-US" dirty="0"/>
+              <a:t> credits</a:t>
+            </a:r>
+          </a:p>
+        </p:txBody>
+      </p:sp>
+      <p:sp>
+        <p:nvSpPr>
+          <p:cNvPr id="3" name="Content Placeholder 2">
+            <a:extLst>
+              <a:ext uri="{FF2B5EF4-FFF2-40B4-BE49-F238E27FC236}">
+                <a16:creationId xmlns:a16="http://schemas.microsoft.com/office/drawing/2014/main" id="{F2B173F4-26D6-9BE0-DE40-E26278EB230A}"/>
+              </a:ext>
+            </a:extLst>
+          </p:cNvPr>
+          <p:cNvSpPr>
+            <a:spLocks noGrp="1"/>
+          </p:cNvSpPr>
+          <p:nvPr>
+            <p:ph idx="1"/>
+          </p:nvPr>
+        </p:nvSpPr>
+        <p:spPr/>
+        <p:txBody>
+          <a:bodyPr/>
+          <a:lstStyle/>
+          <a:p>
+            <a:r>
+              <a:rPr lang="en-US" dirty="0"/>
+              <a:t>Microsoft Data API builder uses </a:t>
+            </a:r>
+            <a:r>
+              <a:rPr lang="en-US" dirty="0" err="1"/>
+              <a:t>fusioncache</a:t>
+            </a:r>
+            <a:endParaRPr lang="en-US" dirty="0"/>
+          </a:p>
+          <a:p>
+            <a:pPr lvl="1"/>
             <a:r>
               <a:rPr lang="en-US" dirty="0">
-                <a:solidFill>
-                  <a:srgbClr val="000000"/>
-                </a:solidFill>
-                <a:latin typeface="Cascadia Mono" panose="020B0609020000020004" pitchFamily="49" charset="0"/>
-              </a:rPr>
-              <a:t>()</a:t>
-            </a:r>
-            <a:br>
+                <a:hlinkClick r:id="rId2"/>
+              </a:rPr>
+              <a:t>https://devblogs.microsoft.com/azure-sql/data-api-builder-ga/</a:t>
+            </a:r>
+            <a:endParaRPr lang="en-US" dirty="0"/>
+          </a:p>
+          <a:p>
+            <a:r>
+              <a:rPr lang="en-US" dirty="0"/>
+              <a:t>First "issue" in new </a:t>
+            </a:r>
+            <a:r>
+              <a:rPr lang="en-US" dirty="0" err="1"/>
+              <a:t>Nuget</a:t>
+            </a:r>
+            <a:r>
+              <a:rPr lang="en-US" dirty="0"/>
+              <a:t> spotlight repo </a:t>
+            </a:r>
+          </a:p>
+          <a:p>
+            <a:pPr lvl="1"/>
+            <a:r>
+              <a:rPr lang="en-US" b="0" i="0" dirty="0">
+                <a:solidFill>
+                  <a:srgbClr val="1F2328"/>
+                </a:solidFill>
+                <a:effectLst/>
+                <a:highlight>
+                  <a:srgbClr val="FFFFFF"/>
+                </a:highlight>
+                <a:latin typeface="-apple-system"/>
+              </a:rPr>
+              <a:t>This repository is designed to spotlight popular and upcoming NuGet packages, providing a central place for developers to discover new tools and libraries that can enhance their projects</a:t>
+            </a:r>
+          </a:p>
+          <a:p>
+            <a:pPr lvl="1"/>
+            <a:endParaRPr lang="en-US" dirty="0"/>
+          </a:p>
+          <a:p>
+            <a:pPr lvl="1"/>
+            <a:r>
               <a:rPr lang="en-US" dirty="0">
-                <a:solidFill>
-                  <a:srgbClr val="000000"/>
-                </a:solidFill>
-                <a:latin typeface="Cascadia Mono" panose="020B0609020000020004" pitchFamily="49" charset="0"/>
-              </a:rPr>
-            </a:br>
-            <a:r>
-              <a:rPr lang="en-US" dirty="0">
-                <a:solidFill>
-                  <a:srgbClr val="000000"/>
-                </a:solidFill>
-                <a:latin typeface="Cascadia Mono" panose="020B0609020000020004" pitchFamily="49" charset="0"/>
-              </a:rPr>
-              <a:t>.</a:t>
-            </a:r>
-            <a:r>
-              <a:rPr lang="en-US" dirty="0" err="1">
-                <a:solidFill>
-                  <a:srgbClr val="000000"/>
-                </a:solidFill>
-                <a:latin typeface="Cascadia Mono" panose="020B0609020000020004" pitchFamily="49" charset="0"/>
-              </a:rPr>
-              <a:t>WithDefaultEntryOptions</a:t>
-            </a:r>
-            <a:r>
-              <a:rPr lang="en-US" dirty="0">
-                <a:solidFill>
-                  <a:srgbClr val="000000"/>
-                </a:solidFill>
-                <a:latin typeface="Cascadia Mono" panose="020B0609020000020004" pitchFamily="49" charset="0"/>
-              </a:rPr>
-              <a:t>(</a:t>
-            </a:r>
-            <a:br>
-              <a:rPr lang="en-US" dirty="0">
-                <a:solidFill>
-                  <a:srgbClr val="000000"/>
-                </a:solidFill>
-                <a:latin typeface="Cascadia Mono" panose="020B0609020000020004" pitchFamily="49" charset="0"/>
-              </a:rPr>
-            </a:br>
-            <a:r>
-              <a:rPr lang="en-US" dirty="0">
-                <a:solidFill>
-                  <a:srgbClr val="000000"/>
-                </a:solidFill>
-                <a:latin typeface="Cascadia Mono" panose="020B0609020000020004" pitchFamily="49" charset="0"/>
-              </a:rPr>
-              <a:t>   new </a:t>
-            </a:r>
-            <a:r>
-              <a:rPr lang="en-US" dirty="0" err="1">
-                <a:solidFill>
-                  <a:srgbClr val="000000"/>
-                </a:solidFill>
-                <a:latin typeface="Cascadia Mono" panose="020B0609020000020004" pitchFamily="49" charset="0"/>
-              </a:rPr>
-              <a:t>FusionCacheEntryOptions</a:t>
-            </a:r>
-            <a:r>
-              <a:rPr lang="en-US" dirty="0">
-                <a:solidFill>
-                  <a:srgbClr val="000000"/>
-                </a:solidFill>
-                <a:latin typeface="Cascadia Mono" panose="020B0609020000020004" pitchFamily="49" charset="0"/>
-              </a:rPr>
-              <a:t>{ … })</a:t>
-            </a:r>
-          </a:p>
-          <a:p>
-            <a:r>
-              <a:rPr lang="en-US" dirty="0">
-                <a:solidFill>
-                  <a:srgbClr val="000000"/>
-                </a:solidFill>
-                <a:latin typeface="Cascadia Mono" panose="020B0609020000020004" pitchFamily="49" charset="0"/>
-              </a:rPr>
-              <a:t>.</a:t>
-            </a:r>
-            <a:r>
-              <a:rPr lang="en-US" dirty="0" err="1">
-                <a:solidFill>
-                  <a:srgbClr val="000000"/>
-                </a:solidFill>
-                <a:latin typeface="Cascadia Mono" panose="020B0609020000020004" pitchFamily="49" charset="0"/>
-              </a:rPr>
-              <a:t>WithSerializer</a:t>
-            </a:r>
-            <a:r>
-              <a:rPr lang="en-US" dirty="0">
-                <a:solidFill>
-                  <a:srgbClr val="000000"/>
-                </a:solidFill>
-                <a:latin typeface="Cascadia Mono" panose="020B0609020000020004" pitchFamily="49" charset="0"/>
-              </a:rPr>
-              <a:t>(</a:t>
-            </a:r>
-            <a:br>
-              <a:rPr lang="en-US" dirty="0">
-                <a:solidFill>
-                  <a:srgbClr val="000000"/>
-                </a:solidFill>
-                <a:latin typeface="Cascadia Mono" panose="020B0609020000020004" pitchFamily="49" charset="0"/>
-              </a:rPr>
-            </a:br>
-            <a:r>
-              <a:rPr lang="en-US" dirty="0">
-                <a:solidFill>
-                  <a:srgbClr val="000000"/>
-                </a:solidFill>
-                <a:latin typeface="Cascadia Mono" panose="020B0609020000020004" pitchFamily="49" charset="0"/>
-              </a:rPr>
-              <a:t>   new </a:t>
-            </a:r>
-            <a:r>
-              <a:rPr lang="en-US" dirty="0" err="1">
-                <a:solidFill>
-                  <a:srgbClr val="000000"/>
-                </a:solidFill>
-                <a:latin typeface="Cascadia Mono" panose="020B0609020000020004" pitchFamily="49" charset="0"/>
-              </a:rPr>
-              <a:t>FusionCacheSystemTextJsonSerializer</a:t>
-            </a:r>
-            <a:r>
-              <a:rPr lang="en-US" dirty="0">
-                <a:solidFill>
-                  <a:srgbClr val="000000"/>
-                </a:solidFill>
-                <a:latin typeface="Cascadia Mono" panose="020B0609020000020004" pitchFamily="49" charset="0"/>
-              </a:rPr>
-              <a:t>())</a:t>
-            </a:r>
-          </a:p>
-          <a:p>
-            <a:r>
-              <a:rPr lang="en-US" dirty="0">
-                <a:solidFill>
-                  <a:srgbClr val="000000"/>
-                </a:solidFill>
-                <a:latin typeface="Cascadia Mono" panose="020B0609020000020004" pitchFamily="49" charset="0"/>
-              </a:rPr>
-              <a:t>.</a:t>
-            </a:r>
-            <a:r>
-              <a:rPr lang="en-US" dirty="0" err="1">
-                <a:solidFill>
-                  <a:srgbClr val="000000"/>
-                </a:solidFill>
-                <a:latin typeface="Cascadia Mono" panose="020B0609020000020004" pitchFamily="49" charset="0"/>
-              </a:rPr>
-              <a:t>WithDistributedCache</a:t>
-            </a:r>
-            <a:r>
-              <a:rPr lang="en-US" dirty="0">
-                <a:solidFill>
-                  <a:srgbClr val="000000"/>
-                </a:solidFill>
-                <a:latin typeface="Cascadia Mono" panose="020B0609020000020004" pitchFamily="49" charset="0"/>
-              </a:rPr>
-              <a:t>(</a:t>
-            </a:r>
-          </a:p>
-          <a:p>
-            <a:r>
-              <a:rPr lang="en-US" dirty="0">
-                <a:solidFill>
-                  <a:srgbClr val="000000"/>
-                </a:solidFill>
-                <a:latin typeface="Cascadia Mono" panose="020B0609020000020004" pitchFamily="49" charset="0"/>
-              </a:rPr>
-              <a:t>   new </a:t>
-            </a:r>
-            <a:r>
-              <a:rPr lang="en-US" dirty="0" err="1">
-                <a:solidFill>
-                  <a:srgbClr val="000000"/>
-                </a:solidFill>
-                <a:latin typeface="Cascadia Mono" panose="020B0609020000020004" pitchFamily="49" charset="0"/>
-              </a:rPr>
-              <a:t>RedisCache</a:t>
-            </a:r>
-            <a:r>
-              <a:rPr lang="en-US" dirty="0">
-                <a:solidFill>
-                  <a:srgbClr val="000000"/>
-                </a:solidFill>
-                <a:latin typeface="Cascadia Mono" panose="020B0609020000020004" pitchFamily="49" charset="0"/>
-              </a:rPr>
-              <a:t>(new </a:t>
-            </a:r>
-            <a:r>
-              <a:rPr lang="en-US" dirty="0" err="1">
-                <a:solidFill>
-                  <a:srgbClr val="000000"/>
-                </a:solidFill>
-                <a:latin typeface="Cascadia Mono" panose="020B0609020000020004" pitchFamily="49" charset="0"/>
-              </a:rPr>
-              <a:t>RedisCacheOptions</a:t>
-            </a:r>
-            <a:r>
-              <a:rPr lang="en-US" dirty="0">
-                <a:solidFill>
-                  <a:srgbClr val="000000"/>
-                </a:solidFill>
-                <a:latin typeface="Cascadia Mono" panose="020B0609020000020004" pitchFamily="49" charset="0"/>
-              </a:rPr>
-              <a:t> { </a:t>
-            </a:r>
-            <a:r>
-              <a:rPr lang="en-US" dirty="0" err="1">
-                <a:solidFill>
-                  <a:srgbClr val="000000"/>
-                </a:solidFill>
-                <a:latin typeface="Cascadia Mono" panose="020B0609020000020004" pitchFamily="49" charset="0"/>
-              </a:rPr>
-              <a:t>InstanceName</a:t>
-            </a:r>
-            <a:r>
-              <a:rPr lang="en-US" dirty="0">
-                <a:solidFill>
-                  <a:srgbClr val="000000"/>
-                </a:solidFill>
-                <a:latin typeface="Cascadia Mono" panose="020B0609020000020004" pitchFamily="49" charset="0"/>
-              </a:rPr>
-              <a:t> = "</a:t>
-            </a:r>
-            <a:r>
-              <a:rPr lang="en-US" dirty="0" err="1">
-                <a:solidFill>
-                  <a:srgbClr val="000000"/>
-                </a:solidFill>
-                <a:latin typeface="Cascadia Mono" panose="020B0609020000020004" pitchFamily="49" charset="0"/>
-              </a:rPr>
-              <a:t>fusionCacheApi</a:t>
-            </a:r>
-            <a:r>
-              <a:rPr lang="en-US" dirty="0">
-                <a:solidFill>
-                  <a:srgbClr val="000000"/>
-                </a:solidFill>
-                <a:latin typeface="Cascadia Mono" panose="020B0609020000020004" pitchFamily="49" charset="0"/>
-              </a:rPr>
-              <a:t>",  </a:t>
-            </a:r>
-            <a:br>
-              <a:rPr lang="en-US" dirty="0">
-                <a:solidFill>
-                  <a:srgbClr val="000000"/>
-                </a:solidFill>
-                <a:latin typeface="Cascadia Mono" panose="020B0609020000020004" pitchFamily="49" charset="0"/>
-              </a:rPr>
-            </a:br>
-            <a:r>
-              <a:rPr lang="en-US" dirty="0">
-                <a:solidFill>
-                  <a:srgbClr val="000000"/>
-                </a:solidFill>
-                <a:latin typeface="Cascadia Mono" panose="020B0609020000020004" pitchFamily="49" charset="0"/>
-              </a:rPr>
-              <a:t>    Configuration = </a:t>
-            </a:r>
-            <a:r>
-              <a:rPr lang="en-US" dirty="0" err="1">
-                <a:solidFill>
-                  <a:srgbClr val="000000"/>
-                </a:solidFill>
-                <a:latin typeface="Cascadia Mono" panose="020B0609020000020004" pitchFamily="49" charset="0"/>
-              </a:rPr>
-              <a:t>builder.Configuration</a:t>
-            </a:r>
-            <a:r>
-              <a:rPr lang="en-US" dirty="0">
-                <a:solidFill>
-                  <a:srgbClr val="000000"/>
-                </a:solidFill>
-                <a:latin typeface="Cascadia Mono" panose="020B0609020000020004" pitchFamily="49" charset="0"/>
-              </a:rPr>
-              <a:t>["</a:t>
-            </a:r>
-            <a:r>
-              <a:rPr lang="en-US" dirty="0" err="1">
-                <a:solidFill>
-                  <a:srgbClr val="000000"/>
-                </a:solidFill>
-                <a:latin typeface="Cascadia Mono" panose="020B0609020000020004" pitchFamily="49" charset="0"/>
-              </a:rPr>
-              <a:t>redis:connectionString</a:t>
-            </a:r>
-            <a:r>
-              <a:rPr lang="en-US" dirty="0">
-                <a:solidFill>
-                  <a:srgbClr val="000000"/>
-                </a:solidFill>
-                <a:latin typeface="Cascadia Mono" panose="020B0609020000020004" pitchFamily="49" charset="0"/>
-              </a:rPr>
-              <a:t>"] }))</a:t>
-            </a:r>
-            <a:br>
-              <a:rPr lang="en-US" dirty="0">
-                <a:solidFill>
-                  <a:srgbClr val="000000"/>
-                </a:solidFill>
-                <a:latin typeface="Cascadia Mono" panose="020B0609020000020004" pitchFamily="49" charset="0"/>
-              </a:rPr>
-            </a:br>
-            <a:r>
-              <a:rPr lang="en-US" dirty="0">
-                <a:solidFill>
-                  <a:srgbClr val="000000"/>
-                </a:solidFill>
-                <a:latin typeface="Cascadia Mono" panose="020B0609020000020004" pitchFamily="49" charset="0"/>
-              </a:rPr>
-              <a:t>.</a:t>
-            </a:r>
-            <a:r>
-              <a:rPr lang="en-US" dirty="0" err="1">
-                <a:solidFill>
-                  <a:srgbClr val="000000"/>
-                </a:solidFill>
-                <a:latin typeface="Cascadia Mono" panose="020B0609020000020004" pitchFamily="49" charset="0"/>
-              </a:rPr>
-              <a:t>WithBackplane</a:t>
-            </a:r>
-            <a:r>
-              <a:rPr lang="en-US" dirty="0">
-                <a:solidFill>
-                  <a:srgbClr val="000000"/>
-                </a:solidFill>
-                <a:latin typeface="Cascadia Mono" panose="020B0609020000020004" pitchFamily="49" charset="0"/>
-              </a:rPr>
-              <a:t>(new </a:t>
-            </a:r>
-            <a:r>
-              <a:rPr lang="en-US" dirty="0" err="1">
-                <a:solidFill>
-                  <a:srgbClr val="000000"/>
-                </a:solidFill>
-                <a:latin typeface="Cascadia Mono" panose="020B0609020000020004" pitchFamily="49" charset="0"/>
-              </a:rPr>
-              <a:t>RedisBackplane</a:t>
-            </a:r>
-            <a:r>
-              <a:rPr lang="en-US" dirty="0">
-                <a:solidFill>
-                  <a:srgbClr val="000000"/>
-                </a:solidFill>
-                <a:latin typeface="Cascadia Mono" panose="020B0609020000020004" pitchFamily="49" charset="0"/>
-              </a:rPr>
-              <a:t>(new </a:t>
-            </a:r>
-            <a:r>
-              <a:rPr lang="en-US" dirty="0" err="1">
-                <a:solidFill>
-                  <a:srgbClr val="000000"/>
-                </a:solidFill>
-                <a:latin typeface="Cascadia Mono" panose="020B0609020000020004" pitchFamily="49" charset="0"/>
-              </a:rPr>
-              <a:t>RedisBackplaneOptions</a:t>
-            </a:r>
-            <a:r>
-              <a:rPr lang="en-US" dirty="0">
-                <a:solidFill>
-                  <a:srgbClr val="000000"/>
-                </a:solidFill>
-                <a:latin typeface="Cascadia Mono" panose="020B0609020000020004" pitchFamily="49" charset="0"/>
-              </a:rPr>
-              <a:t>() </a:t>
-            </a:r>
-            <a:br>
-              <a:rPr lang="en-US" dirty="0">
-                <a:solidFill>
-                  <a:srgbClr val="000000"/>
-                </a:solidFill>
-                <a:latin typeface="Cascadia Mono" panose="020B0609020000020004" pitchFamily="49" charset="0"/>
-              </a:rPr>
-            </a:br>
-            <a:r>
-              <a:rPr lang="en-US" dirty="0">
-                <a:solidFill>
-                  <a:srgbClr val="000000"/>
-                </a:solidFill>
-                <a:latin typeface="Cascadia Mono" panose="020B0609020000020004" pitchFamily="49" charset="0"/>
-              </a:rPr>
-              <a:t>   { Configuration = </a:t>
-            </a:r>
-            <a:r>
-              <a:rPr lang="en-US" dirty="0" err="1">
-                <a:solidFill>
-                  <a:srgbClr val="000000"/>
-                </a:solidFill>
-                <a:latin typeface="Cascadia Mono" panose="020B0609020000020004" pitchFamily="49" charset="0"/>
-              </a:rPr>
-              <a:t>builder.Configuration</a:t>
-            </a:r>
-            <a:r>
-              <a:rPr lang="en-US" dirty="0">
-                <a:solidFill>
-                  <a:srgbClr val="000000"/>
-                </a:solidFill>
-                <a:latin typeface="Cascadia Mono" panose="020B0609020000020004" pitchFamily="49" charset="0"/>
-              </a:rPr>
-              <a:t>["</a:t>
-            </a:r>
-            <a:r>
-              <a:rPr lang="en-US" dirty="0" err="1">
-                <a:solidFill>
-                  <a:srgbClr val="000000"/>
-                </a:solidFill>
-                <a:latin typeface="Cascadia Mono" panose="020B0609020000020004" pitchFamily="49" charset="0"/>
-              </a:rPr>
-              <a:t>redis:connectionString</a:t>
-            </a:r>
-            <a:r>
-              <a:rPr lang="en-US" dirty="0">
-                <a:solidFill>
-                  <a:srgbClr val="000000"/>
-                </a:solidFill>
-                <a:latin typeface="Cascadia Mono" panose="020B0609020000020004" pitchFamily="49" charset="0"/>
-              </a:rPr>
-              <a:t>"] })</a:t>
-            </a:r>
-          </a:p>
-          <a:p>
-            <a:r>
-              <a:rPr lang="en-US" dirty="0">
-                <a:solidFill>
-                  <a:srgbClr val="000000"/>
-                </a:solidFill>
-                <a:latin typeface="Cascadia Mono" panose="020B0609020000020004" pitchFamily="49" charset="0"/>
-              </a:rPr>
-              <a:t>);</a:t>
-            </a:r>
-          </a:p>
-        </p:txBody>
-      </p:sp>
-      <p:sp>
-        <p:nvSpPr>
-          <p:cNvPr id="6" name="TextBox 5">
-            <a:extLst>
-              <a:ext uri="{FF2B5EF4-FFF2-40B4-BE49-F238E27FC236}">
-                <a16:creationId xmlns:a16="http://schemas.microsoft.com/office/drawing/2014/main" id="{93F21120-CB5A-3A38-0A8B-99C3B59BFFCD}"/>
-              </a:ext>
-            </a:extLst>
-          </p:cNvPr>
-          <p:cNvSpPr txBox="1"/>
-          <p:nvPr/>
-        </p:nvSpPr>
-        <p:spPr>
-          <a:xfrm>
-            <a:off x="3142695" y="5894773"/>
-            <a:ext cx="8213787" cy="369332"/>
-          </a:xfrm>
-          <a:prstGeom prst="rect">
-            <a:avLst/>
-          </a:prstGeom>
-          <a:noFill/>
-        </p:spPr>
-        <p:txBody>
-          <a:bodyPr wrap="none" rtlCol="0">
-            <a:spAutoFit/>
-          </a:bodyPr>
-          <a:lstStyle/>
-          <a:p>
-            <a:r>
-              <a:rPr lang="en-US" i="1" dirty="0"/>
-              <a:t>Note: no need to register </a:t>
-            </a:r>
-            <a:r>
-              <a:rPr lang="en-US" i="1" dirty="0" err="1"/>
-              <a:t>IMemoryCache</a:t>
-            </a:r>
-            <a:r>
-              <a:rPr lang="en-US" i="1" dirty="0"/>
-              <a:t> and (Redis) </a:t>
-            </a:r>
-            <a:r>
-              <a:rPr lang="en-US" i="1" dirty="0" err="1"/>
-              <a:t>IDistributedCache</a:t>
-            </a:r>
-            <a:r>
-              <a:rPr lang="en-US" i="1" dirty="0"/>
-              <a:t> explicitly</a:t>
-            </a:r>
+                <a:hlinkClick r:id="rId3"/>
+              </a:rPr>
+              <a:t>https://github.com/NuGet/Spotlight/issues/1</a:t>
+            </a:r>
+            <a:endParaRPr lang="en-US" dirty="0"/>
+          </a:p>
+          <a:p>
+            <a:pPr lvl="1"/>
+            <a:endParaRPr lang="en-US" dirty="0"/>
           </a:p>
         </p:txBody>
       </p:sp>
     </p:spTree>
     <p:extLst>
       <p:ext uri="{BB962C8B-B14F-4D97-AF65-F5344CB8AC3E}">
-        <p14:creationId xmlns:p14="http://schemas.microsoft.com/office/powerpoint/2010/main" val="891413980"/>
+        <p14:creationId xmlns:p14="http://schemas.microsoft.com/office/powerpoint/2010/main" val="611558116"/>
       </p:ext>
     </p:extLst>
   </p:cSld>
@@ -8718,7 +8347,7 @@
           <p:cNvPr id="2" name="Title 1">
             <a:extLst>
               <a:ext uri="{FF2B5EF4-FFF2-40B4-BE49-F238E27FC236}">
-                <a16:creationId xmlns:a16="http://schemas.microsoft.com/office/drawing/2014/main" id="{6DA7CF98-B5C3-6707-D594-BAB3B1E1E832}"/>
+                <a16:creationId xmlns:a16="http://schemas.microsoft.com/office/drawing/2014/main" id="{B85EE399-0A0C-981C-9900-5AE790E125F3}"/>
               </a:ext>
             </a:extLst>
           </p:cNvPr>
@@ -8735,142 +8364,583 @@
           <a:lstStyle/>
           <a:p>
             <a:r>
-              <a:rPr lang="en-US" dirty="0"/>
-              <a:t>Introduction to fusion cache</a:t>
-            </a:r>
-          </a:p>
-        </p:txBody>
-      </p:sp>
-      <p:sp>
-        <p:nvSpPr>
-          <p:cNvPr id="3" name="Content Placeholder 2">
-            <a:extLst>
-              <a:ext uri="{FF2B5EF4-FFF2-40B4-BE49-F238E27FC236}">
-                <a16:creationId xmlns:a16="http://schemas.microsoft.com/office/drawing/2014/main" id="{4EE2669E-596B-E86E-E0E5-C04B6F827164}"/>
-              </a:ext>
-            </a:extLst>
-          </p:cNvPr>
-          <p:cNvSpPr>
-            <a:spLocks noGrp="1"/>
-          </p:cNvSpPr>
-          <p:nvPr>
-            <p:ph idx="1"/>
-          </p:nvPr>
+              <a:rPr lang="en-US" dirty="0" err="1"/>
+              <a:t>FusionCache</a:t>
+            </a:r>
+            <a:r>
+              <a:rPr lang="en-US" dirty="0"/>
+              <a:t>: set up</a:t>
+            </a:r>
+          </a:p>
+        </p:txBody>
+      </p:sp>
+      <p:sp>
+        <p:nvSpPr>
+          <p:cNvPr id="5" name="TextBox 4">
+            <a:extLst>
+              <a:ext uri="{FF2B5EF4-FFF2-40B4-BE49-F238E27FC236}">
+                <a16:creationId xmlns:a16="http://schemas.microsoft.com/office/drawing/2014/main" id="{DD4FE0E5-3673-2DEC-5110-7B3C017406CC}"/>
+              </a:ext>
+            </a:extLst>
+          </p:cNvPr>
+          <p:cNvSpPr txBox="1"/>
+          <p:nvPr/>
         </p:nvSpPr>
         <p:spPr>
           <a:xfrm>
-            <a:off x="838200" y="1328475"/>
-            <a:ext cx="10515600" cy="4351338"/>
+            <a:off x="754602" y="2045964"/>
+            <a:ext cx="10599198" cy="3139321"/>
           </a:xfrm>
+          <a:prstGeom prst="rect">
+            <a:avLst/>
+          </a:prstGeom>
+          <a:noFill/>
+          <a:ln>
+            <a:solidFill>
+              <a:schemeClr val="accent1"/>
+            </a:solidFill>
+          </a:ln>
         </p:spPr>
         <p:txBody>
-          <a:bodyPr>
-            <a:normAutofit/>
+          <a:bodyPr wrap="square">
+            <a:spAutoFit/>
           </a:bodyPr>
           <a:lstStyle/>
           <a:p>
             <a:r>
-              <a:rPr lang="en-US" dirty="0" err="1"/>
-              <a:t>IFusionCache</a:t>
-            </a:r>
-            <a:r>
-              <a:rPr lang="en-US" dirty="0"/>
-              <a:t>: the interface to have injected</a:t>
-            </a:r>
-          </a:p>
-          <a:p>
-            <a:r>
-              <a:rPr lang="en-US" dirty="0"/>
-              <a:t>The main api: </a:t>
-            </a:r>
-            <a:r>
-              <a:rPr lang="en-US" dirty="0" err="1"/>
-              <a:t>GetOrSet</a:t>
-            </a:r>
-            <a:r>
-              <a:rPr lang="en-US" dirty="0"/>
-              <a:t>(Async), it requires </a:t>
-            </a:r>
-          </a:p>
-          <a:p>
-            <a:pPr lvl="1"/>
-            <a:r>
-              <a:rPr lang="en-US" dirty="0"/>
-              <a:t>Function to get the data is there is a cache miss</a:t>
-            </a:r>
-          </a:p>
-          <a:p>
-            <a:pPr lvl="1"/>
-            <a:r>
-              <a:rPr lang="en-US" dirty="0"/>
-              <a:t>Optional </a:t>
+              <a:rPr lang="en-US" dirty="0" err="1">
+                <a:solidFill>
+                  <a:srgbClr val="000000"/>
+                </a:solidFill>
+                <a:latin typeface="Cascadia Mono" panose="020B0609020000020004" pitchFamily="49" charset="0"/>
+              </a:rPr>
+              <a:t>builder.Services.</a:t>
+            </a:r>
+            <a:r>
+              <a:rPr lang="en-US" dirty="0" err="1">
+                <a:solidFill>
+                  <a:srgbClr val="000000"/>
+                </a:solidFill>
+                <a:highlight>
+                  <a:srgbClr val="FFFF00"/>
+                </a:highlight>
+                <a:latin typeface="Cascadia Mono" panose="020B0609020000020004" pitchFamily="49" charset="0"/>
+              </a:rPr>
+              <a:t>AddFusionCache</a:t>
+            </a:r>
+            <a:r>
+              <a:rPr lang="en-US" dirty="0">
+                <a:solidFill>
+                  <a:srgbClr val="000000"/>
+                </a:solidFill>
+                <a:latin typeface="Cascadia Mono" panose="020B0609020000020004" pitchFamily="49" charset="0"/>
+              </a:rPr>
+              <a:t>()</a:t>
+            </a:r>
+            <a:br>
+              <a:rPr lang="en-US" dirty="0">
+                <a:solidFill>
+                  <a:srgbClr val="000000"/>
+                </a:solidFill>
+                <a:latin typeface="Cascadia Mono" panose="020B0609020000020004" pitchFamily="49" charset="0"/>
+              </a:rPr>
+            </a:br>
+            <a:r>
+              <a:rPr lang="en-US" dirty="0">
+                <a:solidFill>
+                  <a:srgbClr val="000000"/>
+                </a:solidFill>
+                <a:latin typeface="Cascadia Mono" panose="020B0609020000020004" pitchFamily="49" charset="0"/>
+              </a:rPr>
+              <a:t>.</a:t>
+            </a:r>
+            <a:r>
+              <a:rPr lang="en-US" dirty="0" err="1">
+                <a:solidFill>
+                  <a:srgbClr val="000000"/>
+                </a:solidFill>
+                <a:highlight>
+                  <a:srgbClr val="FFFF00"/>
+                </a:highlight>
+                <a:latin typeface="Cascadia Mono" panose="020B0609020000020004" pitchFamily="49" charset="0"/>
+              </a:rPr>
+              <a:t>WithDefaultEntryOptions</a:t>
+            </a:r>
+            <a:r>
+              <a:rPr lang="en-US" dirty="0">
+                <a:solidFill>
+                  <a:srgbClr val="000000"/>
+                </a:solidFill>
+                <a:latin typeface="Cascadia Mono" panose="020B0609020000020004" pitchFamily="49" charset="0"/>
+              </a:rPr>
+              <a:t>(</a:t>
+            </a:r>
+            <a:br>
+              <a:rPr lang="en-US" dirty="0">
+                <a:solidFill>
+                  <a:srgbClr val="000000"/>
+                </a:solidFill>
+                <a:latin typeface="Cascadia Mono" panose="020B0609020000020004" pitchFamily="49" charset="0"/>
+              </a:rPr>
+            </a:br>
+            <a:r>
+              <a:rPr lang="en-US" dirty="0">
+                <a:solidFill>
+                  <a:srgbClr val="000000"/>
+                </a:solidFill>
+                <a:latin typeface="Cascadia Mono" panose="020B0609020000020004" pitchFamily="49" charset="0"/>
+              </a:rPr>
+              <a:t>   new </a:t>
+            </a:r>
+            <a:r>
+              <a:rPr lang="en-US" dirty="0" err="1">
+                <a:solidFill>
+                  <a:srgbClr val="000000"/>
+                </a:solidFill>
+                <a:latin typeface="Cascadia Mono" panose="020B0609020000020004" pitchFamily="49" charset="0"/>
+              </a:rPr>
+              <a:t>FusionCacheEntryOptions</a:t>
+            </a:r>
+            <a:r>
+              <a:rPr lang="en-US" dirty="0">
+                <a:solidFill>
+                  <a:srgbClr val="000000"/>
+                </a:solidFill>
+                <a:latin typeface="Cascadia Mono" panose="020B0609020000020004" pitchFamily="49" charset="0"/>
+              </a:rPr>
+              <a:t>{ … })</a:t>
+            </a:r>
+          </a:p>
+          <a:p>
+            <a:r>
+              <a:rPr lang="en-US" dirty="0">
+                <a:solidFill>
+                  <a:srgbClr val="000000"/>
+                </a:solidFill>
+                <a:latin typeface="Cascadia Mono" panose="020B0609020000020004" pitchFamily="49" charset="0"/>
+              </a:rPr>
+              <a:t>.</a:t>
+            </a:r>
+            <a:r>
+              <a:rPr lang="en-US" dirty="0" err="1">
+                <a:solidFill>
+                  <a:srgbClr val="000000"/>
+                </a:solidFill>
+                <a:highlight>
+                  <a:srgbClr val="FFFF00"/>
+                </a:highlight>
+                <a:latin typeface="Cascadia Mono" panose="020B0609020000020004" pitchFamily="49" charset="0"/>
+              </a:rPr>
+              <a:t>WithSerializer</a:t>
+            </a:r>
+            <a:r>
+              <a:rPr lang="en-US" dirty="0">
+                <a:solidFill>
+                  <a:srgbClr val="000000"/>
+                </a:solidFill>
+                <a:latin typeface="Cascadia Mono" panose="020B0609020000020004" pitchFamily="49" charset="0"/>
+              </a:rPr>
+              <a:t>(</a:t>
+            </a:r>
+            <a:br>
+              <a:rPr lang="en-US" dirty="0">
+                <a:solidFill>
+                  <a:srgbClr val="000000"/>
+                </a:solidFill>
+                <a:latin typeface="Cascadia Mono" panose="020B0609020000020004" pitchFamily="49" charset="0"/>
+              </a:rPr>
+            </a:br>
+            <a:r>
+              <a:rPr lang="en-US" dirty="0">
+                <a:solidFill>
+                  <a:srgbClr val="000000"/>
+                </a:solidFill>
+                <a:latin typeface="Cascadia Mono" panose="020B0609020000020004" pitchFamily="49" charset="0"/>
+              </a:rPr>
+              <a:t>   new </a:t>
+            </a:r>
+            <a:r>
+              <a:rPr lang="en-US" dirty="0" err="1">
+                <a:solidFill>
+                  <a:srgbClr val="000000"/>
+                </a:solidFill>
+                <a:latin typeface="Cascadia Mono" panose="020B0609020000020004" pitchFamily="49" charset="0"/>
+              </a:rPr>
+              <a:t>FusionCacheSystemTextJsonSerializer</a:t>
+            </a:r>
+            <a:r>
+              <a:rPr lang="en-US" dirty="0">
+                <a:solidFill>
+                  <a:srgbClr val="000000"/>
+                </a:solidFill>
+                <a:latin typeface="Cascadia Mono" panose="020B0609020000020004" pitchFamily="49" charset="0"/>
+              </a:rPr>
+              <a:t>())</a:t>
+            </a:r>
+          </a:p>
+          <a:p>
+            <a:r>
+              <a:rPr lang="en-US" dirty="0">
+                <a:solidFill>
+                  <a:srgbClr val="000000"/>
+                </a:solidFill>
+                <a:latin typeface="Cascadia Mono" panose="020B0609020000020004" pitchFamily="49" charset="0"/>
+              </a:rPr>
+              <a:t>.</a:t>
+            </a:r>
+            <a:r>
+              <a:rPr lang="en-US" dirty="0" err="1">
+                <a:solidFill>
+                  <a:srgbClr val="000000"/>
+                </a:solidFill>
+                <a:highlight>
+                  <a:srgbClr val="FFFF00"/>
+                </a:highlight>
+                <a:latin typeface="Cascadia Mono" panose="020B0609020000020004" pitchFamily="49" charset="0"/>
+              </a:rPr>
+              <a:t>WithDistributedCache</a:t>
+            </a:r>
+            <a:r>
+              <a:rPr lang="en-US" dirty="0">
+                <a:solidFill>
+                  <a:srgbClr val="000000"/>
+                </a:solidFill>
+                <a:latin typeface="Cascadia Mono" panose="020B0609020000020004" pitchFamily="49" charset="0"/>
+              </a:rPr>
+              <a:t>(</a:t>
+            </a:r>
+          </a:p>
+          <a:p>
+            <a:r>
+              <a:rPr lang="en-US" dirty="0">
+                <a:solidFill>
+                  <a:srgbClr val="000000"/>
+                </a:solidFill>
+                <a:latin typeface="Cascadia Mono" panose="020B0609020000020004" pitchFamily="49" charset="0"/>
+              </a:rPr>
+              <a:t>   new </a:t>
+            </a:r>
+            <a:r>
+              <a:rPr lang="en-US" dirty="0" err="1">
+                <a:solidFill>
+                  <a:srgbClr val="000000"/>
+                </a:solidFill>
+                <a:latin typeface="Cascadia Mono" panose="020B0609020000020004" pitchFamily="49" charset="0"/>
+              </a:rPr>
+              <a:t>RedisCache</a:t>
+            </a:r>
+            <a:r>
+              <a:rPr lang="en-US" dirty="0">
+                <a:solidFill>
+                  <a:srgbClr val="000000"/>
+                </a:solidFill>
+                <a:latin typeface="Cascadia Mono" panose="020B0609020000020004" pitchFamily="49" charset="0"/>
+              </a:rPr>
+              <a:t>(new </a:t>
+            </a:r>
+            <a:r>
+              <a:rPr lang="en-US" dirty="0" err="1">
+                <a:solidFill>
+                  <a:srgbClr val="000000"/>
+                </a:solidFill>
+                <a:latin typeface="Cascadia Mono" panose="020B0609020000020004" pitchFamily="49" charset="0"/>
+              </a:rPr>
+              <a:t>RedisCacheOptions</a:t>
+            </a:r>
+            <a:r>
+              <a:rPr lang="en-US" dirty="0">
+                <a:solidFill>
+                  <a:srgbClr val="000000"/>
+                </a:solidFill>
+                <a:latin typeface="Cascadia Mono" panose="020B0609020000020004" pitchFamily="49" charset="0"/>
+              </a:rPr>
+              <a:t> { </a:t>
+            </a:r>
+            <a:r>
+              <a:rPr lang="en-US" dirty="0" err="1">
+                <a:solidFill>
+                  <a:srgbClr val="000000"/>
+                </a:solidFill>
+                <a:latin typeface="Cascadia Mono" panose="020B0609020000020004" pitchFamily="49" charset="0"/>
+              </a:rPr>
+              <a:t>InstanceName</a:t>
+            </a:r>
+            <a:r>
+              <a:rPr lang="en-US" dirty="0">
+                <a:solidFill>
+                  <a:srgbClr val="000000"/>
+                </a:solidFill>
+                <a:latin typeface="Cascadia Mono" panose="020B0609020000020004" pitchFamily="49" charset="0"/>
+              </a:rPr>
+              <a:t> = "</a:t>
+            </a:r>
+            <a:r>
+              <a:rPr lang="en-US" dirty="0" err="1">
+                <a:solidFill>
+                  <a:srgbClr val="000000"/>
+                </a:solidFill>
+                <a:latin typeface="Cascadia Mono" panose="020B0609020000020004" pitchFamily="49" charset="0"/>
+              </a:rPr>
+              <a:t>fusionCacheApi</a:t>
+            </a:r>
+            <a:r>
+              <a:rPr lang="en-US" dirty="0">
+                <a:solidFill>
+                  <a:srgbClr val="000000"/>
+                </a:solidFill>
+                <a:latin typeface="Cascadia Mono" panose="020B0609020000020004" pitchFamily="49" charset="0"/>
+              </a:rPr>
+              <a:t>",  </a:t>
+            </a:r>
+            <a:br>
+              <a:rPr lang="en-US" dirty="0">
+                <a:solidFill>
+                  <a:srgbClr val="000000"/>
+                </a:solidFill>
+                <a:latin typeface="Cascadia Mono" panose="020B0609020000020004" pitchFamily="49" charset="0"/>
+              </a:rPr>
+            </a:br>
+            <a:r>
+              <a:rPr lang="en-US" dirty="0">
+                <a:solidFill>
+                  <a:srgbClr val="000000"/>
+                </a:solidFill>
+                <a:latin typeface="Cascadia Mono" panose="020B0609020000020004" pitchFamily="49" charset="0"/>
+              </a:rPr>
+              <a:t>    Configuration = </a:t>
+            </a:r>
+            <a:r>
+              <a:rPr lang="en-US" dirty="0" err="1">
+                <a:solidFill>
+                  <a:srgbClr val="000000"/>
+                </a:solidFill>
+                <a:latin typeface="Cascadia Mono" panose="020B0609020000020004" pitchFamily="49" charset="0"/>
+              </a:rPr>
+              <a:t>builder.Configuration</a:t>
+            </a:r>
+            <a:r>
+              <a:rPr lang="en-US" dirty="0">
+                <a:solidFill>
+                  <a:srgbClr val="000000"/>
+                </a:solidFill>
+                <a:latin typeface="Cascadia Mono" panose="020B0609020000020004" pitchFamily="49" charset="0"/>
+              </a:rPr>
+              <a:t>["</a:t>
+            </a:r>
+            <a:r>
+              <a:rPr lang="en-US" dirty="0" err="1">
+                <a:solidFill>
+                  <a:srgbClr val="000000"/>
+                </a:solidFill>
+                <a:latin typeface="Cascadia Mono" panose="020B0609020000020004" pitchFamily="49" charset="0"/>
+              </a:rPr>
+              <a:t>redis:connectionString</a:t>
+            </a:r>
+            <a:r>
+              <a:rPr lang="en-US" dirty="0">
+                <a:solidFill>
+                  <a:srgbClr val="000000"/>
+                </a:solidFill>
+                <a:latin typeface="Cascadia Mono" panose="020B0609020000020004" pitchFamily="49" charset="0"/>
+              </a:rPr>
+              <a:t>"] }))</a:t>
+            </a:r>
+            <a:br>
+              <a:rPr lang="en-US" dirty="0">
+                <a:solidFill>
+                  <a:srgbClr val="000000"/>
+                </a:solidFill>
+                <a:latin typeface="Cascadia Mono" panose="020B0609020000020004" pitchFamily="49" charset="0"/>
+              </a:rPr>
+            </a:br>
+            <a:r>
+              <a:rPr lang="en-US" dirty="0">
+                <a:solidFill>
+                  <a:srgbClr val="000000"/>
+                </a:solidFill>
+                <a:latin typeface="Cascadia Mono" panose="020B0609020000020004" pitchFamily="49" charset="0"/>
+              </a:rPr>
+              <a:t>.</a:t>
+            </a:r>
+            <a:r>
+              <a:rPr lang="en-US" dirty="0" err="1">
+                <a:solidFill>
+                  <a:srgbClr val="000000"/>
+                </a:solidFill>
+                <a:highlight>
+                  <a:srgbClr val="FFFF00"/>
+                </a:highlight>
+                <a:latin typeface="Cascadia Mono" panose="020B0609020000020004" pitchFamily="49" charset="0"/>
+              </a:rPr>
+              <a:t>WithBackplane</a:t>
+            </a:r>
+            <a:r>
+              <a:rPr lang="en-US" dirty="0">
+                <a:solidFill>
+                  <a:srgbClr val="000000"/>
+                </a:solidFill>
+                <a:latin typeface="Cascadia Mono" panose="020B0609020000020004" pitchFamily="49" charset="0"/>
+              </a:rPr>
+              <a:t>(new </a:t>
+            </a:r>
+            <a:r>
+              <a:rPr lang="en-US" dirty="0" err="1">
+                <a:solidFill>
+                  <a:srgbClr val="000000"/>
+                </a:solidFill>
+                <a:latin typeface="Cascadia Mono" panose="020B0609020000020004" pitchFamily="49" charset="0"/>
+              </a:rPr>
+              <a:t>RedisBackplane</a:t>
+            </a:r>
+            <a:r>
+              <a:rPr lang="en-US" dirty="0">
+                <a:solidFill>
+                  <a:srgbClr val="000000"/>
+                </a:solidFill>
+                <a:latin typeface="Cascadia Mono" panose="020B0609020000020004" pitchFamily="49" charset="0"/>
+              </a:rPr>
+              <a:t>(new </a:t>
+            </a:r>
+            <a:r>
+              <a:rPr lang="en-US" dirty="0" err="1">
+                <a:solidFill>
+                  <a:srgbClr val="000000"/>
+                </a:solidFill>
+                <a:latin typeface="Cascadia Mono" panose="020B0609020000020004" pitchFamily="49" charset="0"/>
+              </a:rPr>
+              <a:t>RedisBackplaneOptions</a:t>
+            </a:r>
+            <a:r>
+              <a:rPr lang="en-US" dirty="0">
+                <a:solidFill>
+                  <a:srgbClr val="000000"/>
+                </a:solidFill>
+                <a:latin typeface="Cascadia Mono" panose="020B0609020000020004" pitchFamily="49" charset="0"/>
+              </a:rPr>
+              <a:t>() </a:t>
+            </a:r>
+            <a:br>
+              <a:rPr lang="en-US" dirty="0">
+                <a:solidFill>
+                  <a:srgbClr val="000000"/>
+                </a:solidFill>
+                <a:latin typeface="Cascadia Mono" panose="020B0609020000020004" pitchFamily="49" charset="0"/>
+              </a:rPr>
+            </a:br>
+            <a:r>
+              <a:rPr lang="en-US" dirty="0">
+                <a:solidFill>
+                  <a:srgbClr val="000000"/>
+                </a:solidFill>
+                <a:latin typeface="Cascadia Mono" panose="020B0609020000020004" pitchFamily="49" charset="0"/>
+              </a:rPr>
+              <a:t>   { Configuration = </a:t>
+            </a:r>
+            <a:r>
+              <a:rPr lang="en-US" dirty="0" err="1">
+                <a:solidFill>
+                  <a:srgbClr val="000000"/>
+                </a:solidFill>
+                <a:latin typeface="Cascadia Mono" panose="020B0609020000020004" pitchFamily="49" charset="0"/>
+              </a:rPr>
+              <a:t>builder.Configuration</a:t>
+            </a:r>
+            <a:r>
+              <a:rPr lang="en-US" dirty="0">
+                <a:solidFill>
+                  <a:srgbClr val="000000"/>
+                </a:solidFill>
+                <a:latin typeface="Cascadia Mono" panose="020B0609020000020004" pitchFamily="49" charset="0"/>
+              </a:rPr>
+              <a:t>["</a:t>
+            </a:r>
+            <a:r>
+              <a:rPr lang="en-US" dirty="0" err="1">
+                <a:solidFill>
+                  <a:srgbClr val="000000"/>
+                </a:solidFill>
+                <a:latin typeface="Cascadia Mono" panose="020B0609020000020004" pitchFamily="49" charset="0"/>
+              </a:rPr>
+              <a:t>redis:connectionString</a:t>
+            </a:r>
+            <a:r>
+              <a:rPr lang="en-US" dirty="0">
+                <a:solidFill>
+                  <a:srgbClr val="000000"/>
+                </a:solidFill>
+                <a:latin typeface="Cascadia Mono" panose="020B0609020000020004" pitchFamily="49" charset="0"/>
+              </a:rPr>
+              <a:t>"] })</a:t>
+            </a:r>
+          </a:p>
+          <a:p>
+            <a:r>
+              <a:rPr lang="en-US" dirty="0">
+                <a:solidFill>
+                  <a:srgbClr val="000000"/>
+                </a:solidFill>
+                <a:latin typeface="Cascadia Mono" panose="020B0609020000020004" pitchFamily="49" charset="0"/>
+              </a:rPr>
+              <a:t>);</a:t>
+            </a:r>
+          </a:p>
+        </p:txBody>
+      </p:sp>
+      <p:sp>
+        <p:nvSpPr>
+          <p:cNvPr id="6" name="TextBox 5">
+            <a:extLst>
+              <a:ext uri="{FF2B5EF4-FFF2-40B4-BE49-F238E27FC236}">
+                <a16:creationId xmlns:a16="http://schemas.microsoft.com/office/drawing/2014/main" id="{93F21120-CB5A-3A38-0A8B-99C3B59BFFCD}"/>
+              </a:ext>
+            </a:extLst>
+          </p:cNvPr>
+          <p:cNvSpPr txBox="1"/>
+          <p:nvPr/>
+        </p:nvSpPr>
+        <p:spPr>
+          <a:xfrm>
+            <a:off x="3142695" y="5894773"/>
+            <a:ext cx="8213787" cy="369332"/>
+          </a:xfrm>
+          <a:prstGeom prst="rect">
+            <a:avLst/>
+          </a:prstGeom>
+          <a:noFill/>
+        </p:spPr>
+        <p:txBody>
+          <a:bodyPr wrap="none" rtlCol="0">
+            <a:spAutoFit/>
+          </a:bodyPr>
+          <a:lstStyle/>
+          <a:p>
+            <a:r>
+              <a:rPr lang="en-US" i="1" dirty="0"/>
+              <a:t>Note: no need to register </a:t>
             </a:r>
             <a:r>
               <a:rPr lang="en-US" i="1" dirty="0" err="1"/>
-              <a:t>FusionCacheEntryOptions</a:t>
-            </a:r>
-            <a:r>
-              <a:rPr lang="en-US" sz="2400" dirty="0">
-                <a:solidFill>
-                  <a:srgbClr val="000000"/>
-                </a:solidFill>
-                <a:latin typeface="Cascadia Mono" panose="020B0609020000020004" pitchFamily="49" charset="0"/>
-              </a:rPr>
-              <a:t> </a:t>
-            </a:r>
-            <a:r>
-              <a:rPr lang="en-US" dirty="0"/>
-              <a:t>(if not provided a default one registered at startup is used)</a:t>
-            </a:r>
-          </a:p>
-          <a:p>
-            <a:pPr lvl="2"/>
-            <a:r>
-              <a:rPr lang="en-US" dirty="0"/>
-              <a:t>Duration</a:t>
-            </a:r>
-          </a:p>
-          <a:p>
-            <a:pPr lvl="2"/>
-            <a:r>
-              <a:rPr lang="en-US" dirty="0" err="1"/>
-              <a:t>DistributedCacheDuration</a:t>
-            </a:r>
-            <a:r>
-              <a:rPr lang="en-US" dirty="0"/>
-              <a:t> (optional) </a:t>
-            </a:r>
-          </a:p>
-          <a:p>
-            <a:pPr lvl="2"/>
-            <a:r>
-              <a:rPr lang="en-US" dirty="0" err="1"/>
-              <a:t>JitterMaxDuration</a:t>
-            </a:r>
-            <a:r>
-              <a:rPr lang="en-US" dirty="0"/>
-              <a:t> (introduce a degree of randomization in the expiration)</a:t>
-            </a:r>
-          </a:p>
-          <a:p>
-            <a:pPr lvl="2"/>
-            <a:r>
-              <a:rPr lang="en-US" dirty="0"/>
-              <a:t>..and many others we will cover in next slides </a:t>
-            </a:r>
-          </a:p>
-          <a:p>
-            <a:endParaRPr lang="en-US" dirty="0"/>
-          </a:p>
-          <a:p>
-            <a:endParaRPr lang="en-US" dirty="0"/>
+              <a:t>IMemoryCache</a:t>
+            </a:r>
+            <a:r>
+              <a:rPr lang="en-US" i="1" dirty="0"/>
+              <a:t> and (Redis) </a:t>
+            </a:r>
+            <a:r>
+              <a:rPr lang="en-US" i="1" dirty="0" err="1"/>
+              <a:t>IDistributedCache</a:t>
+            </a:r>
+            <a:r>
+              <a:rPr lang="en-US" i="1" dirty="0"/>
+              <a:t> explicitly</a:t>
+            </a:r>
           </a:p>
         </p:txBody>
       </p:sp>
     </p:spTree>
     <p:extLst>
       <p:ext uri="{BB962C8B-B14F-4D97-AF65-F5344CB8AC3E}">
-        <p14:creationId xmlns:p14="http://schemas.microsoft.com/office/powerpoint/2010/main" val="2609270308"/>
+        <p14:creationId xmlns:p14="http://schemas.microsoft.com/office/powerpoint/2010/main" val="891413980"/>
       </p:ext>
     </p:extLst>
   </p:cSld>
@@ -8902,7 +8972,7 @@
           <p:cNvPr id="2" name="Title 1">
             <a:extLst>
               <a:ext uri="{FF2B5EF4-FFF2-40B4-BE49-F238E27FC236}">
-                <a16:creationId xmlns:a16="http://schemas.microsoft.com/office/drawing/2014/main" id="{A57B7226-9247-96BB-DF72-85A4234DFF1A}"/>
+                <a16:creationId xmlns:a16="http://schemas.microsoft.com/office/drawing/2014/main" id="{6DA7CF98-B5C3-6707-D594-BAB3B1E1E832}"/>
               </a:ext>
             </a:extLst>
           </p:cNvPr>
@@ -8918,7 +8988,14 @@
           <a:bodyPr/>
           <a:lstStyle/>
           <a:p>
-            <a:endParaRPr lang="en-US"/>
+            <a:r>
+              <a:rPr lang="en-US" dirty="0" err="1"/>
+              <a:t>FusionCache</a:t>
+            </a:r>
+            <a:r>
+              <a:rPr lang="en-US" dirty="0"/>
+              <a:t>: use it </a:t>
+            </a:r>
           </a:p>
         </p:txBody>
       </p:sp>
@@ -8927,7 +9004,7 @@
           <p:cNvPr id="3" name="Content Placeholder 2">
             <a:extLst>
               <a:ext uri="{FF2B5EF4-FFF2-40B4-BE49-F238E27FC236}">
-                <a16:creationId xmlns:a16="http://schemas.microsoft.com/office/drawing/2014/main" id="{A03C34F7-5129-D41E-31EA-C959A4DA021D}"/>
+                <a16:creationId xmlns:a16="http://schemas.microsoft.com/office/drawing/2014/main" id="{4EE2669E-596B-E86E-E0E5-C04B6F827164}"/>
               </a:ext>
             </a:extLst>
           </p:cNvPr>
@@ -8938,301 +9015,132 @@
             <p:ph idx="1"/>
           </p:nvPr>
         </p:nvSpPr>
-        <p:spPr/>
-        <p:txBody>
-          <a:bodyPr/>
-          <a:lstStyle/>
-          <a:p>
-            <a:endParaRPr lang="en-US" dirty="0"/>
-          </a:p>
-        </p:txBody>
-      </p:sp>
-      <p:sp>
-        <p:nvSpPr>
-          <p:cNvPr id="4" name="TextBox 3">
-            <a:extLst>
-              <a:ext uri="{FF2B5EF4-FFF2-40B4-BE49-F238E27FC236}">
-                <a16:creationId xmlns:a16="http://schemas.microsoft.com/office/drawing/2014/main" id="{BB7C8D49-C6C3-3F18-E18D-A174359898DC}"/>
-              </a:ext>
-            </a:extLst>
-          </p:cNvPr>
-          <p:cNvSpPr txBox="1"/>
-          <p:nvPr/>
-        </p:nvSpPr>
         <p:spPr>
           <a:xfrm>
-            <a:off x="573358" y="2602914"/>
-            <a:ext cx="9922909" cy="2308324"/>
+            <a:off x="838200" y="1704031"/>
+            <a:ext cx="10515600" cy="4351338"/>
           </a:xfrm>
-          <a:prstGeom prst="rect">
-            <a:avLst/>
-          </a:prstGeom>
-          <a:noFill/>
         </p:spPr>
         <p:txBody>
-          <a:bodyPr wrap="none" rtlCol="0">
-            <a:spAutoFit/>
+          <a:bodyPr>
+            <a:normAutofit/>
           </a:bodyPr>
           <a:lstStyle/>
           <a:p>
             <a:r>
-              <a:rPr lang="en-US" sz="1600" dirty="0">
-                <a:solidFill>
-                  <a:srgbClr val="000000"/>
-                </a:solidFill>
-                <a:latin typeface="Cascadia Mono" panose="020B0609020000020004" pitchFamily="49" charset="0"/>
-              </a:rPr>
-              <a:t>[</a:t>
-            </a:r>
-            <a:r>
-              <a:rPr lang="en-US" sz="1600" dirty="0" err="1">
-                <a:solidFill>
-                  <a:srgbClr val="000000"/>
-                </a:solidFill>
-                <a:latin typeface="Cascadia Mono" panose="020B0609020000020004" pitchFamily="49" charset="0"/>
-              </a:rPr>
-              <a:t>HttpGet</a:t>
-            </a:r>
-            <a:r>
-              <a:rPr lang="en-US" sz="1600" dirty="0">
-                <a:solidFill>
-                  <a:srgbClr val="000000"/>
-                </a:solidFill>
-                <a:latin typeface="Cascadia Mono" panose="020B0609020000020004" pitchFamily="49" charset="0"/>
-              </a:rPr>
-              <a:t>(template: "get-or-set-cache-entry-raw", Name = "</a:t>
-            </a:r>
-            <a:r>
-              <a:rPr lang="en-US" sz="1600" dirty="0" err="1">
-                <a:solidFill>
-                  <a:srgbClr val="000000"/>
-                </a:solidFill>
-                <a:latin typeface="Cascadia Mono" panose="020B0609020000020004" pitchFamily="49" charset="0"/>
-              </a:rPr>
-              <a:t>GetOrSetCacheEntryRaw</a:t>
-            </a:r>
-            <a:r>
-              <a:rPr lang="en-US" sz="1600" dirty="0">
-                <a:solidFill>
-                  <a:srgbClr val="000000"/>
-                </a:solidFill>
-                <a:latin typeface="Cascadia Mono" panose="020B0609020000020004" pitchFamily="49" charset="0"/>
-              </a:rPr>
-              <a:t>")]</a:t>
-            </a:r>
-          </a:p>
-          <a:p>
-            <a:r>
-              <a:rPr lang="en-US" sz="1600" dirty="0">
-                <a:solidFill>
-                  <a:srgbClr val="000000"/>
-                </a:solidFill>
-                <a:latin typeface="Cascadia Mono" panose="020B0609020000020004" pitchFamily="49" charset="0"/>
-              </a:rPr>
-              <a:t> public async Task&lt;string&gt; </a:t>
-            </a:r>
-            <a:r>
-              <a:rPr lang="en-US" sz="1600" dirty="0" err="1">
-                <a:solidFill>
-                  <a:srgbClr val="000000"/>
-                </a:solidFill>
-                <a:latin typeface="Cascadia Mono" panose="020B0609020000020004" pitchFamily="49" charset="0"/>
-              </a:rPr>
-              <a:t>GetCacheEntryRaw</a:t>
-            </a:r>
-            <a:r>
-              <a:rPr lang="en-US" sz="1600" dirty="0">
-                <a:solidFill>
-                  <a:srgbClr val="000000"/>
-                </a:solidFill>
-                <a:latin typeface="Cascadia Mono" panose="020B0609020000020004" pitchFamily="49" charset="0"/>
-              </a:rPr>
-              <a:t>(string value) {</a:t>
-            </a:r>
-          </a:p>
-          <a:p>
-            <a:r>
-              <a:rPr lang="en-US" sz="1600" dirty="0">
-                <a:solidFill>
-                  <a:srgbClr val="000000"/>
-                </a:solidFill>
-                <a:latin typeface="Cascadia Mono" panose="020B0609020000020004" pitchFamily="49" charset="0"/>
-              </a:rPr>
-              <a:t>     var ret = await _</a:t>
-            </a:r>
-            <a:r>
-              <a:rPr lang="en-US" sz="1600" dirty="0" err="1">
-                <a:solidFill>
-                  <a:srgbClr val="000000"/>
-                </a:solidFill>
-                <a:latin typeface="Cascadia Mono" panose="020B0609020000020004" pitchFamily="49" charset="0"/>
-              </a:rPr>
-              <a:t>fusionCache.GetOrSetAsync</a:t>
-            </a:r>
-            <a:r>
-              <a:rPr lang="en-US" sz="1600" dirty="0">
-                <a:solidFill>
-                  <a:srgbClr val="000000"/>
-                </a:solidFill>
-                <a:latin typeface="Cascadia Mono" panose="020B0609020000020004" pitchFamily="49" charset="0"/>
-              </a:rPr>
-              <a:t>("cache-entry", </a:t>
-            </a:r>
-            <a:br>
-              <a:rPr lang="en-US" sz="1600" dirty="0">
-                <a:solidFill>
-                  <a:srgbClr val="000000"/>
-                </a:solidFill>
-                <a:latin typeface="Cascadia Mono" panose="020B0609020000020004" pitchFamily="49" charset="0"/>
-              </a:rPr>
-            </a:br>
-            <a:r>
-              <a:rPr lang="en-US" sz="1600" b="1" i="1" dirty="0">
-                <a:solidFill>
-                  <a:srgbClr val="000000"/>
-                </a:solidFill>
-                <a:latin typeface="Cascadia Mono" panose="020B0609020000020004" pitchFamily="49" charset="0"/>
-              </a:rPr>
-              <a:t>      		async _ =&gt; await </a:t>
-            </a:r>
-            <a:r>
-              <a:rPr lang="en-US" sz="1600" b="1" i="1" dirty="0" err="1">
-                <a:solidFill>
-                  <a:srgbClr val="000000"/>
-                </a:solidFill>
-                <a:latin typeface="Cascadia Mono" panose="020B0609020000020004" pitchFamily="49" charset="0"/>
-              </a:rPr>
-              <a:t>Task.FromResult</a:t>
-            </a:r>
-            <a:r>
-              <a:rPr lang="en-US" sz="1600" b="1" i="1" dirty="0">
-                <a:solidFill>
-                  <a:srgbClr val="000000"/>
-                </a:solidFill>
-                <a:latin typeface="Cascadia Mono" panose="020B0609020000020004" pitchFamily="49" charset="0"/>
-              </a:rPr>
-              <a:t>(value)</a:t>
-            </a:r>
-            <a:br>
-              <a:rPr lang="en-US" sz="1600" b="1" i="1" dirty="0">
-                <a:solidFill>
-                  <a:srgbClr val="000000"/>
-                </a:solidFill>
-                <a:latin typeface="Cascadia Mono" panose="020B0609020000020004" pitchFamily="49" charset="0"/>
-              </a:rPr>
-            </a:br>
-            <a:r>
-              <a:rPr lang="en-US" sz="1600" b="1" i="1" dirty="0">
-                <a:solidFill>
-                  <a:srgbClr val="000000"/>
-                </a:solidFill>
-                <a:latin typeface="Cascadia Mono" panose="020B0609020000020004" pitchFamily="49" charset="0"/>
-              </a:rPr>
-              <a:t>      </a:t>
-            </a:r>
-            <a:r>
-              <a:rPr lang="en-US" sz="1600" dirty="0">
-                <a:solidFill>
-                  <a:srgbClr val="000000"/>
-                </a:solidFill>
-                <a:latin typeface="Cascadia Mono" panose="020B0609020000020004" pitchFamily="49" charset="0"/>
-              </a:rPr>
-              <a:t>,new </a:t>
-            </a:r>
-            <a:r>
-              <a:rPr lang="en-US" sz="1600" dirty="0" err="1">
-                <a:solidFill>
-                  <a:srgbClr val="000000"/>
-                </a:solidFill>
-                <a:latin typeface="Cascadia Mono" panose="020B0609020000020004" pitchFamily="49" charset="0"/>
+              <a:rPr lang="en-US" dirty="0" err="1"/>
+              <a:t>IFusionCache</a:t>
+            </a:r>
+            <a:r>
+              <a:rPr lang="en-US" dirty="0"/>
+              <a:t>: the interface to have injected</a:t>
+            </a:r>
+          </a:p>
+          <a:p>
+            <a:r>
+              <a:rPr lang="en-US" dirty="0"/>
+              <a:t>The main api: </a:t>
+            </a:r>
+            <a:r>
+              <a:rPr lang="en-US" i="1" dirty="0" err="1">
+                <a:highlight>
+                  <a:srgbClr val="FFFF00"/>
+                </a:highlight>
+              </a:rPr>
+              <a:t>GetOrSetAsync</a:t>
+            </a:r>
+            <a:r>
+              <a:rPr lang="en-US" dirty="0"/>
+              <a:t>, it requires </a:t>
+            </a:r>
+          </a:p>
+          <a:p>
+            <a:pPr lvl="1"/>
+            <a:r>
+              <a:rPr lang="en-US" dirty="0"/>
+              <a:t>Function to get the data is there is a cache miss</a:t>
+            </a:r>
+          </a:p>
+          <a:p>
+            <a:pPr lvl="1"/>
+            <a:r>
+              <a:rPr lang="en-US" dirty="0"/>
+              <a:t>Optional </a:t>
+            </a:r>
+            <a:r>
+              <a:rPr lang="en-US" i="1" dirty="0" err="1">
+                <a:highlight>
+                  <a:srgbClr val="FFFF00"/>
+                </a:highlight>
               </a:rPr>
               <a:t>FusionCacheEntryOptions</a:t>
             </a:r>
             <a:r>
-              <a:rPr lang="en-US" sz="1600" dirty="0">
-                <a:solidFill>
-                  <a:srgbClr val="000000"/>
-                </a:solidFill>
-                <a:latin typeface="Cascadia Mono" panose="020B0609020000020004" pitchFamily="49" charset="0"/>
-              </a:rPr>
-              <a:t> {</a:t>
-            </a:r>
-          </a:p>
-          <a:p>
-            <a:r>
-              <a:rPr lang="en-US" sz="1600" dirty="0">
-                <a:solidFill>
-                  <a:srgbClr val="000000"/>
-                </a:solidFill>
-                <a:latin typeface="Cascadia Mono" panose="020B0609020000020004" pitchFamily="49" charset="0"/>
-              </a:rPr>
-              <a:t>         Duration= </a:t>
-            </a:r>
-            <a:r>
-              <a:rPr lang="en-US" sz="1600" dirty="0" err="1">
-                <a:solidFill>
-                  <a:srgbClr val="000000"/>
-                </a:solidFill>
-                <a:latin typeface="Cascadia Mono" panose="020B0609020000020004" pitchFamily="49" charset="0"/>
-              </a:rPr>
-              <a:t>TimeSpan.FromMinutes</a:t>
-            </a:r>
-            <a:r>
-              <a:rPr lang="en-US" sz="1600" dirty="0">
-                <a:solidFill>
-                  <a:srgbClr val="000000"/>
-                </a:solidFill>
-                <a:latin typeface="Cascadia Mono" panose="020B0609020000020004" pitchFamily="49" charset="0"/>
-              </a:rPr>
-              <a:t>(1)}</a:t>
-            </a:r>
-            <a:br>
-              <a:rPr lang="en-US" sz="1600" dirty="0">
-                <a:solidFill>
-                  <a:srgbClr val="000000"/>
-                </a:solidFill>
-                <a:latin typeface="Cascadia Mono" panose="020B0609020000020004" pitchFamily="49" charset="0"/>
-              </a:rPr>
-            </a:br>
-            <a:r>
-              <a:rPr lang="en-US" sz="1600" dirty="0">
-                <a:solidFill>
-                  <a:srgbClr val="000000"/>
-                </a:solidFill>
-                <a:latin typeface="Cascadia Mono" panose="020B0609020000020004" pitchFamily="49" charset="0"/>
-              </a:rPr>
-              <a:t>     );</a:t>
-            </a:r>
-          </a:p>
-          <a:p>
-            <a:r>
-              <a:rPr lang="en-US" sz="1600" dirty="0">
-                <a:solidFill>
-                  <a:srgbClr val="000000"/>
-                </a:solidFill>
-                <a:latin typeface="Cascadia Mono" panose="020B0609020000020004" pitchFamily="49" charset="0"/>
-              </a:rPr>
-              <a:t>     return ret;</a:t>
-            </a:r>
-          </a:p>
-          <a:p>
-            <a:r>
-              <a:rPr lang="en-US" sz="1600" dirty="0">
-                <a:solidFill>
-                  <a:srgbClr val="000000"/>
-                </a:solidFill>
-                <a:latin typeface="Cascadia Mono" panose="020B0609020000020004" pitchFamily="49" charset="0"/>
-              </a:rPr>
-              <a:t> }</a:t>
-            </a:r>
-            <a:endParaRPr lang="en-US" sz="1600" dirty="0"/>
+              <a:rPr lang="en-US" sz="2400" dirty="0">
+                <a:solidFill>
+                  <a:srgbClr val="000000"/>
+                </a:solidFill>
+                <a:latin typeface="Cascadia Mono" panose="020B0609020000020004" pitchFamily="49" charset="0"/>
+              </a:rPr>
+              <a:t> </a:t>
+            </a:r>
+            <a:r>
+              <a:rPr lang="en-US" dirty="0"/>
+              <a:t>(if not provided a default one registered at startup is used)</a:t>
+            </a:r>
+          </a:p>
+          <a:p>
+            <a:pPr lvl="2"/>
+            <a:r>
+              <a:rPr lang="en-US" dirty="0"/>
+              <a:t>Duration</a:t>
+            </a:r>
+          </a:p>
+          <a:p>
+            <a:pPr lvl="2"/>
+            <a:r>
+              <a:rPr lang="en-US" dirty="0" err="1"/>
+              <a:t>DistributedCacheDuration</a:t>
+            </a:r>
+            <a:r>
+              <a:rPr lang="en-US" dirty="0"/>
+              <a:t> (optional) </a:t>
+            </a:r>
+          </a:p>
+          <a:p>
+            <a:pPr lvl="2"/>
+            <a:r>
+              <a:rPr lang="en-US" dirty="0" err="1"/>
+              <a:t>JitterMaxDuration</a:t>
+            </a:r>
+            <a:r>
+              <a:rPr lang="en-US" dirty="0"/>
+              <a:t> (introduce a degree of randomization in the expiration)</a:t>
+            </a:r>
+          </a:p>
+          <a:p>
+            <a:pPr lvl="2"/>
+            <a:r>
+              <a:rPr lang="en-US" dirty="0"/>
+              <a:t>..and many others we will cover in next slides </a:t>
+            </a:r>
+          </a:p>
+          <a:p>
+            <a:pPr lvl="2"/>
+            <a:endParaRPr lang="en-US" dirty="0"/>
+          </a:p>
+          <a:p>
+            <a:endParaRPr lang="en-US" dirty="0"/>
+          </a:p>
+          <a:p>
+            <a:endParaRPr lang="en-US" dirty="0"/>
           </a:p>
         </p:txBody>
       </p:sp>
     </p:spTree>
     <p:extLst>
       <p:ext uri="{BB962C8B-B14F-4D97-AF65-F5344CB8AC3E}">
-        <p14:creationId xmlns:p14="http://schemas.microsoft.com/office/powerpoint/2010/main" val="1651941946"/>
+        <p14:creationId xmlns:p14="http://schemas.microsoft.com/office/powerpoint/2010/main" val="2609270308"/>
       </p:ext>
     </p:extLst>
   </p:cSld>
@@ -9264,7 +9172,7 @@
           <p:cNvPr id="2" name="Title 1">
             <a:extLst>
               <a:ext uri="{FF2B5EF4-FFF2-40B4-BE49-F238E27FC236}">
-                <a16:creationId xmlns:a16="http://schemas.microsoft.com/office/drawing/2014/main" id="{13E90545-37A9-9A12-6B57-3878A0D8242E}"/>
+                <a16:creationId xmlns:a16="http://schemas.microsoft.com/office/drawing/2014/main" id="{A57B7226-9247-96BB-DF72-85A4234DFF1A}"/>
               </a:ext>
             </a:extLst>
           </p:cNvPr>
@@ -9277,99 +9185,319 @@
         </p:nvSpPr>
         <p:spPr/>
         <p:txBody>
-          <a:bodyPr>
-            <a:normAutofit/>
+          <a:bodyPr/>
+          <a:lstStyle/>
+          <a:p>
+            <a:r>
+              <a:rPr lang="en-US" dirty="0" err="1">
+                <a:solidFill>
+                  <a:srgbClr val="000000"/>
+                </a:solidFill>
+                <a:latin typeface="Cascadia Mono" panose="020B0609020000020004" pitchFamily="49" charset="0"/>
+              </a:rPr>
+              <a:t>GetOrSetAsync</a:t>
+            </a:r>
+            <a:endParaRPr lang="en-US" dirty="0"/>
+          </a:p>
+        </p:txBody>
+      </p:sp>
+      <p:sp>
+        <p:nvSpPr>
+          <p:cNvPr id="4" name="TextBox 3">
+            <a:extLst>
+              <a:ext uri="{FF2B5EF4-FFF2-40B4-BE49-F238E27FC236}">
+                <a16:creationId xmlns:a16="http://schemas.microsoft.com/office/drawing/2014/main" id="{BB7C8D49-C6C3-3F18-E18D-A174359898DC}"/>
+              </a:ext>
+            </a:extLst>
+          </p:cNvPr>
+          <p:cNvSpPr txBox="1"/>
+          <p:nvPr/>
+        </p:nvSpPr>
+        <p:spPr>
+          <a:xfrm>
+            <a:off x="573358" y="2602914"/>
+            <a:ext cx="11091498" cy="2862322"/>
+          </a:xfrm>
+          <a:prstGeom prst="rect">
+            <a:avLst/>
+          </a:prstGeom>
+          <a:noFill/>
+        </p:spPr>
+        <p:txBody>
+          <a:bodyPr wrap="none" rtlCol="0">
+            <a:spAutoFit/>
           </a:bodyPr>
           <a:lstStyle/>
           <a:p>
             <a:r>
+              <a:rPr lang="en-US" dirty="0">
+                <a:solidFill>
+                  <a:srgbClr val="000000"/>
+                </a:solidFill>
+                <a:latin typeface="Cascadia Mono" panose="020B0609020000020004" pitchFamily="49" charset="0"/>
+              </a:rPr>
+              <a:t>[</a:t>
+            </a:r>
+            <a:r>
               <a:rPr lang="en-US" dirty="0" err="1">
-                <a:latin typeface="+mn-lt"/>
-                <a:ea typeface="+mn-ea"/>
-                <a:cs typeface="+mn-cs"/>
+                <a:solidFill>
+                  <a:srgbClr val="000000"/>
+                </a:solidFill>
+                <a:latin typeface="Cascadia Mono" panose="020B0609020000020004" pitchFamily="49" charset="0"/>
+              </a:rPr>
+              <a:t>HttpGet</a:t>
+            </a:r>
+            <a:r>
+              <a:rPr lang="en-US" dirty="0">
+                <a:solidFill>
+                  <a:srgbClr val="000000"/>
+                </a:solidFill>
+                <a:latin typeface="Cascadia Mono" panose="020B0609020000020004" pitchFamily="49" charset="0"/>
+              </a:rPr>
+              <a:t>(template: "get-or-set-cache-entry-raw", Name = "</a:t>
+            </a:r>
+            <a:r>
+              <a:rPr lang="en-US" dirty="0" err="1">
+                <a:solidFill>
+                  <a:srgbClr val="000000"/>
+                </a:solidFill>
+                <a:latin typeface="Cascadia Mono" panose="020B0609020000020004" pitchFamily="49" charset="0"/>
+              </a:rPr>
+              <a:t>GetOrSetCacheEntryRaw</a:t>
+            </a:r>
+            <a:r>
+              <a:rPr lang="en-US" dirty="0">
+                <a:solidFill>
+                  <a:srgbClr val="000000"/>
+                </a:solidFill>
+                <a:latin typeface="Cascadia Mono" panose="020B0609020000020004" pitchFamily="49" charset="0"/>
+              </a:rPr>
+              <a:t>")]</a:t>
+            </a:r>
+          </a:p>
+          <a:p>
+            <a:r>
+              <a:rPr lang="en-US" dirty="0">
+                <a:solidFill>
+                  <a:srgbClr val="000000"/>
+                </a:solidFill>
+                <a:latin typeface="Cascadia Mono" panose="020B0609020000020004" pitchFamily="49" charset="0"/>
+              </a:rPr>
+              <a:t> public async Task&lt;string&gt; </a:t>
+            </a:r>
+            <a:r>
+              <a:rPr lang="en-US" dirty="0" err="1">
+                <a:solidFill>
+                  <a:srgbClr val="000000"/>
+                </a:solidFill>
+                <a:latin typeface="Cascadia Mono" panose="020B0609020000020004" pitchFamily="49" charset="0"/>
+              </a:rPr>
+              <a:t>GetCacheEntryRaw</a:t>
+            </a:r>
+            <a:r>
+              <a:rPr lang="en-US" dirty="0">
+                <a:solidFill>
+                  <a:srgbClr val="000000"/>
+                </a:solidFill>
+                <a:latin typeface="Cascadia Mono" panose="020B0609020000020004" pitchFamily="49" charset="0"/>
+              </a:rPr>
+              <a:t>(string key, string value) {</a:t>
+            </a:r>
+          </a:p>
+          <a:p>
+            <a:r>
+              <a:rPr lang="en-US" dirty="0">
+                <a:solidFill>
+                  <a:srgbClr val="000000"/>
+                </a:solidFill>
+                <a:latin typeface="Cascadia Mono" panose="020B0609020000020004" pitchFamily="49" charset="0"/>
+              </a:rPr>
+              <a:t>     var ret = await _</a:t>
+            </a:r>
+            <a:r>
+              <a:rPr lang="en-US" dirty="0" err="1">
+                <a:solidFill>
+                  <a:srgbClr val="000000"/>
+                </a:solidFill>
+                <a:latin typeface="Cascadia Mono" panose="020B0609020000020004" pitchFamily="49" charset="0"/>
+              </a:rPr>
+              <a:t>fusionCache.GetOrSetAsync</a:t>
+            </a:r>
+            <a:r>
+              <a:rPr lang="en-US" dirty="0">
+                <a:solidFill>
+                  <a:srgbClr val="000000"/>
+                </a:solidFill>
+                <a:latin typeface="Cascadia Mono" panose="020B0609020000020004" pitchFamily="49" charset="0"/>
+              </a:rPr>
+              <a:t>(key, </a:t>
+            </a:r>
+            <a:br>
+              <a:rPr lang="en-US" dirty="0">
+                <a:solidFill>
+                  <a:srgbClr val="000000"/>
+                </a:solidFill>
+                <a:latin typeface="Cascadia Mono" panose="020B0609020000020004" pitchFamily="49" charset="0"/>
+              </a:rPr>
+            </a:br>
+            <a:r>
+              <a:rPr lang="en-US" b="1" i="1" dirty="0">
+                <a:solidFill>
+                  <a:srgbClr val="000000"/>
+                </a:solidFill>
+                <a:latin typeface="Cascadia Mono" panose="020B0609020000020004" pitchFamily="49" charset="0"/>
+              </a:rPr>
+              <a:t>      		async _ =&gt; await </a:t>
+            </a:r>
+            <a:r>
+              <a:rPr lang="en-US" b="1" i="1" dirty="0" err="1">
+                <a:solidFill>
+                  <a:srgbClr val="000000"/>
+                </a:solidFill>
+                <a:latin typeface="Cascadia Mono" panose="020B0609020000020004" pitchFamily="49" charset="0"/>
+              </a:rPr>
+              <a:t>Task.FromResult</a:t>
+            </a:r>
+            <a:r>
+              <a:rPr lang="en-US" b="1" i="1" dirty="0">
+                <a:solidFill>
+                  <a:srgbClr val="000000"/>
+                </a:solidFill>
+                <a:latin typeface="Cascadia Mono" panose="020B0609020000020004" pitchFamily="49" charset="0"/>
+              </a:rPr>
+              <a:t>(value)</a:t>
+            </a:r>
+            <a:br>
+              <a:rPr lang="en-US" b="1" i="1" dirty="0">
+                <a:solidFill>
+                  <a:srgbClr val="000000"/>
+                </a:solidFill>
+                <a:latin typeface="Cascadia Mono" panose="020B0609020000020004" pitchFamily="49" charset="0"/>
+              </a:rPr>
+            </a:br>
+            <a:r>
+              <a:rPr lang="en-US" b="1" i="1" dirty="0">
+                <a:solidFill>
+                  <a:srgbClr val="000000"/>
+                </a:solidFill>
+                <a:latin typeface="Cascadia Mono" panose="020B0609020000020004" pitchFamily="49" charset="0"/>
+              </a:rPr>
+              <a:t>	</a:t>
+            </a:r>
+            <a:r>
+              <a:rPr lang="en-US" dirty="0">
+                <a:solidFill>
+                  <a:srgbClr val="000000"/>
+                </a:solidFill>
+                <a:latin typeface="Cascadia Mono" panose="020B0609020000020004" pitchFamily="49" charset="0"/>
+              </a:rPr>
+              <a:t>,new </a:t>
+            </a:r>
+            <a:r>
+              <a:rPr lang="en-US" dirty="0" err="1">
+                <a:solidFill>
+                  <a:srgbClr val="000000"/>
+                </a:solidFill>
+                <a:latin typeface="Cascadia Mono" panose="020B0609020000020004" pitchFamily="49" charset="0"/>
               </a:rPr>
               <a:t>FusionCacheEntryOptions</a:t>
             </a:r>
             <a:r>
               <a:rPr lang="en-US" dirty="0">
-                <a:latin typeface="+mn-lt"/>
-                <a:ea typeface="+mn-ea"/>
-                <a:cs typeface="+mn-cs"/>
-              </a:rPr>
-              <a:t>: </a:t>
+                <a:solidFill>
+                  <a:srgbClr val="000000"/>
+                </a:solidFill>
+                <a:latin typeface="Cascadia Mono" panose="020B0609020000020004" pitchFamily="49" charset="0"/>
+              </a:rPr>
+              <a:t> { </a:t>
+            </a:r>
+          </a:p>
+          <a:p>
+            <a:r>
+              <a:rPr lang="en-US" dirty="0">
+                <a:solidFill>
+                  <a:srgbClr val="000000"/>
+                </a:solidFill>
+                <a:latin typeface="Cascadia Mono" panose="020B0609020000020004" pitchFamily="49" charset="0"/>
+              </a:rPr>
+              <a:t>	   Duration= </a:t>
             </a:r>
             <a:r>
               <a:rPr lang="en-US" dirty="0" err="1">
-                <a:latin typeface="+mn-lt"/>
-                <a:ea typeface="+mn-ea"/>
-                <a:cs typeface="+mn-cs"/>
-              </a:rPr>
-              <a:t>TimeOuts</a:t>
-            </a:r>
-            <a:endParaRPr lang="en-US" dirty="0">
-              <a:latin typeface="+mn-lt"/>
-              <a:ea typeface="+mn-ea"/>
-              <a:cs typeface="+mn-cs"/>
-            </a:endParaRPr>
-          </a:p>
-        </p:txBody>
-      </p:sp>
-      <p:sp>
-        <p:nvSpPr>
-          <p:cNvPr id="3" name="Content Placeholder 2">
-            <a:extLst>
-              <a:ext uri="{FF2B5EF4-FFF2-40B4-BE49-F238E27FC236}">
-                <a16:creationId xmlns:a16="http://schemas.microsoft.com/office/drawing/2014/main" id="{6AE67887-6B6F-F9BE-2C73-350D2F504680}"/>
-              </a:ext>
-            </a:extLst>
-          </p:cNvPr>
-          <p:cNvSpPr>
-            <a:spLocks noGrp="1"/>
-          </p:cNvSpPr>
-          <p:nvPr>
-            <p:ph idx="1"/>
-          </p:nvPr>
-        </p:nvSpPr>
-        <p:spPr/>
-        <p:txBody>
-          <a:bodyPr>
-            <a:normAutofit/>
-          </a:bodyPr>
-          <a:lstStyle/>
-          <a:p>
-            <a:r>
-              <a:rPr lang="en-US" dirty="0" err="1"/>
-              <a:t>FactoryHardTimeout</a:t>
+                <a:solidFill>
+                  <a:srgbClr val="000000"/>
+                </a:solidFill>
+                <a:latin typeface="Cascadia Mono" panose="020B0609020000020004" pitchFamily="49" charset="0"/>
+              </a:rPr>
+              <a:t>TimeSpan.FromMinutes</a:t>
+            </a:r>
+            <a:r>
+              <a:rPr lang="en-US" dirty="0">
+                <a:solidFill>
+                  <a:srgbClr val="000000"/>
+                </a:solidFill>
+                <a:latin typeface="Cascadia Mono" panose="020B0609020000020004" pitchFamily="49" charset="0"/>
+              </a:rPr>
+              <a:t>(1)</a:t>
+            </a:r>
+          </a:p>
+          <a:p>
+            <a:r>
+              <a:rPr lang="en-US" dirty="0">
+                <a:solidFill>
+                  <a:srgbClr val="000000"/>
+                </a:solidFill>
+                <a:latin typeface="Cascadia Mono" panose="020B0609020000020004" pitchFamily="49" charset="0"/>
+              </a:rPr>
+              <a:t> 	}</a:t>
+            </a:r>
+            <a:br>
+              <a:rPr lang="en-US" dirty="0">
+                <a:solidFill>
+                  <a:srgbClr val="000000"/>
+                </a:solidFill>
+                <a:latin typeface="Cascadia Mono" panose="020B0609020000020004" pitchFamily="49" charset="0"/>
+              </a:rPr>
+            </a:br>
+            <a:r>
+              <a:rPr lang="en-US" dirty="0">
+                <a:solidFill>
+                  <a:srgbClr val="000000"/>
+                </a:solidFill>
+                <a:latin typeface="Cascadia Mono" panose="020B0609020000020004" pitchFamily="49" charset="0"/>
+              </a:rPr>
+              <a:t>     );</a:t>
+            </a:r>
+          </a:p>
+          <a:p>
+            <a:r>
+              <a:rPr lang="en-US" dirty="0">
+                <a:solidFill>
+                  <a:srgbClr val="000000"/>
+                </a:solidFill>
+                <a:latin typeface="Cascadia Mono" panose="020B0609020000020004" pitchFamily="49" charset="0"/>
+              </a:rPr>
+              <a:t>     return ret;</a:t>
+            </a:r>
+          </a:p>
+          <a:p>
+            <a:r>
+              <a:rPr lang="en-US" dirty="0">
+                <a:solidFill>
+                  <a:srgbClr val="000000"/>
+                </a:solidFill>
+                <a:latin typeface="Cascadia Mono" panose="020B0609020000020004" pitchFamily="49" charset="0"/>
+              </a:rPr>
+              <a:t> }</a:t>
             </a:r>
             <a:endParaRPr lang="en-US" dirty="0"/>
-          </a:p>
-          <a:p>
-            <a:pPr lvl="1"/>
-            <a:r>
-              <a:rPr lang="en-US" dirty="0"/>
-              <a:t>Return exception if factory takes longer then the specified value (more on it later)</a:t>
-            </a:r>
-          </a:p>
-          <a:p>
-            <a:r>
-              <a:rPr lang="en-US" dirty="0" err="1"/>
-              <a:t>AllowTimedOutFactoryBackgroundCompletion</a:t>
-            </a:r>
-            <a:endParaRPr lang="en-US" dirty="0"/>
-          </a:p>
-          <a:p>
-            <a:pPr lvl="1"/>
-            <a:r>
-              <a:rPr lang="en-US" dirty="0"/>
-              <a:t>Enabled by default, lets the timed-out factory keep running in the background and update the cached value as soon as it finishes</a:t>
-            </a:r>
           </a:p>
         </p:txBody>
       </p:sp>
     </p:spTree>
     <p:extLst>
       <p:ext uri="{BB962C8B-B14F-4D97-AF65-F5344CB8AC3E}">
-        <p14:creationId xmlns:p14="http://schemas.microsoft.com/office/powerpoint/2010/main" val="2190221231"/>
+        <p14:creationId xmlns:p14="http://schemas.microsoft.com/office/powerpoint/2010/main" val="1651941946"/>
       </p:ext>
     </p:extLst>
   </p:cSld>
@@ -9401,7 +9529,7 @@
           <p:cNvPr id="2" name="Title 1">
             <a:extLst>
               <a:ext uri="{FF2B5EF4-FFF2-40B4-BE49-F238E27FC236}">
-                <a16:creationId xmlns:a16="http://schemas.microsoft.com/office/drawing/2014/main" id="{5D283DDB-5E70-BE28-3EED-6919897DDC78}"/>
+                <a16:creationId xmlns:a16="http://schemas.microsoft.com/office/drawing/2014/main" id="{13E90545-37A9-9A12-6B57-3878A0D8242E}"/>
               </a:ext>
             </a:extLst>
           </p:cNvPr>
@@ -9414,13 +9542,40 @@
         </p:nvSpPr>
         <p:spPr/>
         <p:txBody>
-          <a:bodyPr/>
-          <a:lstStyle/>
-          <a:p>
-            <a:r>
-              <a:rPr lang="en-US" dirty="0"/>
-              <a:t>DEMO</a:t>
-            </a:r>
+          <a:bodyPr>
+            <a:normAutofit/>
+          </a:bodyPr>
+          <a:lstStyle/>
+          <a:p>
+            <a:r>
+              <a:rPr lang="en-US" dirty="0" err="1">
+                <a:latin typeface="+mn-lt"/>
+                <a:ea typeface="+mn-ea"/>
+                <a:cs typeface="+mn-cs"/>
+              </a:rPr>
+              <a:t>FusionCacheEntryOptions</a:t>
+            </a:r>
+            <a:r>
+              <a:rPr lang="en-US" dirty="0">
+                <a:latin typeface="+mn-lt"/>
+                <a:ea typeface="+mn-ea"/>
+                <a:cs typeface="+mn-cs"/>
+              </a:rPr>
+              <a:t>: </a:t>
+            </a:r>
+            <a:r>
+              <a:rPr lang="en-US" dirty="0" err="1">
+                <a:latin typeface="+mn-lt"/>
+                <a:ea typeface="+mn-ea"/>
+                <a:cs typeface="+mn-cs"/>
+              </a:rPr>
+              <a:t>TimeOuts</a:t>
+            </a:r>
+            <a:endParaRPr lang="en-US" dirty="0">
+              <a:latin typeface="+mn-lt"/>
+              <a:ea typeface="+mn-ea"/>
+              <a:cs typeface="+mn-cs"/>
+            </a:endParaRPr>
           </a:p>
         </p:txBody>
       </p:sp>
@@ -9429,7 +9584,7 @@
           <p:cNvPr id="3" name="Content Placeholder 2">
             <a:extLst>
               <a:ext uri="{FF2B5EF4-FFF2-40B4-BE49-F238E27FC236}">
-                <a16:creationId xmlns:a16="http://schemas.microsoft.com/office/drawing/2014/main" id="{62AD2CCB-A577-86B2-F813-24213EB4A9C6}"/>
+                <a16:creationId xmlns:a16="http://schemas.microsoft.com/office/drawing/2014/main" id="{6AE67887-6B6F-F9BE-2C73-350D2F504680}"/>
               </a:ext>
             </a:extLst>
           </p:cNvPr>
@@ -9442,35 +9597,36 @@
         </p:nvSpPr>
         <p:spPr/>
         <p:txBody>
-          <a:bodyPr/>
-          <a:lstStyle/>
-          <a:p>
-            <a:r>
-              <a:rPr lang="en-US" dirty="0"/>
-              <a:t>A small wrapper to ready </a:t>
-            </a:r>
-            <a:r>
-              <a:rPr lang="en-US" dirty="0" err="1">
-                <a:latin typeface="+mn-lt"/>
-                <a:ea typeface="+mn-ea"/>
-                <a:cs typeface="+mn-cs"/>
-              </a:rPr>
-              <a:t>FusionCacheEntryOptions</a:t>
-            </a:r>
-            <a:r>
-              <a:rPr lang="en-US" dirty="0">
-                <a:latin typeface="+mn-lt"/>
-                <a:ea typeface="+mn-ea"/>
-                <a:cs typeface="+mn-cs"/>
-              </a:rPr>
-              <a:t> from config</a:t>
+          <a:bodyPr>
+            <a:normAutofit/>
+          </a:bodyPr>
+          <a:lstStyle/>
+          <a:p>
+            <a:r>
+              <a:rPr lang="en-US" dirty="0" err="1"/>
+              <a:t>FactoryHardTimeout</a:t>
             </a:r>
             <a:endParaRPr lang="en-US" dirty="0"/>
           </a:p>
           <a:p>
-            <a:r>
-              <a:rPr lang="en-US" dirty="0"/>
-              <a:t>Factory time out</a:t>
+            <a:pPr lvl="1"/>
+            <a:r>
+              <a:rPr lang="en-US" dirty="0"/>
+              <a:t>Return exception if factory takes longer then the specified value (more on it later)</a:t>
+            </a:r>
+          </a:p>
+          <a:p>
+            <a:r>
+              <a:rPr lang="en-US" dirty="0" err="1"/>
+              <a:t>AllowTimedOutFactoryBackgroundCompletion</a:t>
+            </a:r>
+            <a:endParaRPr lang="en-US" dirty="0"/>
+          </a:p>
+          <a:p>
+            <a:pPr lvl="1"/>
+            <a:r>
+              <a:rPr lang="en-US" dirty="0"/>
+              <a:t>Enabled by default, lets the timed-out factory keep running in the background and update the cached value as soon as it finishes</a:t>
             </a:r>
           </a:p>
         </p:txBody>
@@ -9478,7 +9634,7 @@
     </p:spTree>
     <p:extLst>
       <p:ext uri="{BB962C8B-B14F-4D97-AF65-F5344CB8AC3E}">
-        <p14:creationId xmlns:p14="http://schemas.microsoft.com/office/powerpoint/2010/main" val="2234264116"/>
+        <p14:creationId xmlns:p14="http://schemas.microsoft.com/office/powerpoint/2010/main" val="2190221231"/>
       </p:ext>
     </p:extLst>
   </p:cSld>
@@ -9510,7 +9666,7 @@
           <p:cNvPr id="2" name="Title 1">
             <a:extLst>
               <a:ext uri="{FF2B5EF4-FFF2-40B4-BE49-F238E27FC236}">
-                <a16:creationId xmlns:a16="http://schemas.microsoft.com/office/drawing/2014/main" id="{6DA7CF98-B5C3-6707-D594-BAB3B1E1E832}"/>
+                <a16:creationId xmlns:a16="http://schemas.microsoft.com/office/drawing/2014/main" id="{5D283DDB-5E70-BE28-3EED-6919897DDC78}"/>
               </a:ext>
             </a:extLst>
           </p:cNvPr>
@@ -9528,7 +9684,7 @@
           <a:p>
             <a:r>
               <a:rPr lang="en-US" dirty="0"/>
-              <a:t>Cache stampede</a:t>
+              <a:t>DEMO</a:t>
             </a:r>
           </a:p>
         </p:txBody>
@@ -9538,7 +9694,7 @@
           <p:cNvPr id="3" name="Content Placeholder 2">
             <a:extLst>
               <a:ext uri="{FF2B5EF4-FFF2-40B4-BE49-F238E27FC236}">
-                <a16:creationId xmlns:a16="http://schemas.microsoft.com/office/drawing/2014/main" id="{4EE2669E-596B-E86E-E0E5-C04B6F827164}"/>
+                <a16:creationId xmlns:a16="http://schemas.microsoft.com/office/drawing/2014/main" id="{62AD2CCB-A577-86B2-F813-24213EB4A9C6}"/>
               </a:ext>
             </a:extLst>
           </p:cNvPr>
@@ -9551,45 +9707,78 @@
         </p:nvSpPr>
         <p:spPr/>
         <p:txBody>
-          <a:bodyPr>
-            <a:normAutofit/>
-          </a:bodyPr>
-          <a:lstStyle/>
+          <a:bodyPr/>
+          <a:lstStyle/>
+          <a:p>
+            <a:r>
+              <a:rPr lang="en-US" dirty="0"/>
+              <a:t>Factory time out</a:t>
+            </a:r>
+          </a:p>
           <a:p>
             <a:pPr lvl="1"/>
             <a:r>
-              <a:rPr lang="en-US" dirty="0"/>
-              <a:t>Avoid "All" rush to origin to get same key when it expires (see demo). </a:t>
-            </a:r>
-            <a:r>
-              <a:rPr lang="en-US" dirty="0" err="1"/>
-              <a:t>JitterMaxDuration</a:t>
-            </a:r>
-            <a:r>
-              <a:rPr lang="en-US" dirty="0"/>
-              <a:t> mitigate the problem, still ..</a:t>
+              <a:rPr lang="en-US" sz="1600" dirty="0">
+                <a:solidFill>
+                  <a:srgbClr val="000000"/>
+                </a:solidFill>
+                <a:latin typeface="Cascadia Mono" panose="020B0609020000020004" pitchFamily="49" charset="0"/>
+              </a:rPr>
+              <a:t>get-or-set-cache-entry-raw-hard-timeout</a:t>
+            </a:r>
+          </a:p>
+          <a:p>
+            <a:r>
+              <a:rPr lang="en-US" sz="2200" dirty="0"/>
+              <a:t>A small wrapper to ready </a:t>
+            </a:r>
+            <a:r>
+              <a:rPr lang="en-US" sz="2200" dirty="0" err="1">
+                <a:latin typeface="+mn-lt"/>
+                <a:ea typeface="+mn-ea"/>
+                <a:cs typeface="+mn-cs"/>
+              </a:rPr>
+              <a:t>FusionCacheEntryOptions</a:t>
+            </a:r>
+            <a:r>
+              <a:rPr lang="en-US" sz="2200" dirty="0">
+                <a:latin typeface="+mn-lt"/>
+                <a:ea typeface="+mn-ea"/>
+                <a:cs typeface="+mn-cs"/>
+              </a:rPr>
+              <a:t> from config</a:t>
             </a:r>
           </a:p>
           <a:p>
             <a:pPr lvl="1"/>
             <a:r>
-              <a:rPr lang="en-US" dirty="0"/>
-              <a:t>Fusion cache will not call the same factory more than once concurrently</a:t>
-            </a:r>
+              <a:rPr lang="en-US" sz="1600" dirty="0">
+                <a:solidFill>
+                  <a:srgbClr val="000000"/>
+                </a:solidFill>
+                <a:latin typeface="Cascadia Mono" panose="020B0609020000020004" pitchFamily="49" charset="0"/>
+              </a:rPr>
+              <a:t>get-or-set-cache-entry-with-wrapper</a:t>
+            </a:r>
+            <a:endParaRPr lang="en-US" sz="1600" dirty="0">
+              <a:latin typeface="+mn-lt"/>
+              <a:ea typeface="+mn-ea"/>
+              <a:cs typeface="+mn-cs"/>
+            </a:endParaRPr>
+          </a:p>
+          <a:p>
+            <a:endParaRPr lang="en-US" sz="2200" dirty="0"/>
           </a:p>
           <a:p>
             <a:pPr lvl="1"/>
-            <a:r>
-              <a:rPr lang="en-US" dirty="0"/>
-              <a:t>Works at node level</a:t>
-            </a:r>
+            <a:endParaRPr lang="en-US" sz="1600" dirty="0"/>
           </a:p>
         </p:txBody>
       </p:sp>
     </p:spTree>
     <p:extLst>
       <p:ext uri="{BB962C8B-B14F-4D97-AF65-F5344CB8AC3E}">
-        <p14:creationId xmlns:p14="http://schemas.microsoft.com/office/powerpoint/2010/main" val="1377340055"/>
+        <p14:creationId xmlns:p14="http://schemas.microsoft.com/office/powerpoint/2010/main" val="2234264116"/>
       </p:ext>
     </p:extLst>
   </p:cSld>
@@ -9621,7 +9810,7 @@
           <p:cNvPr id="2" name="Title 1">
             <a:extLst>
               <a:ext uri="{FF2B5EF4-FFF2-40B4-BE49-F238E27FC236}">
-                <a16:creationId xmlns:a16="http://schemas.microsoft.com/office/drawing/2014/main" id="{5D283DDB-5E70-BE28-3EED-6919897DDC78}"/>
+                <a16:creationId xmlns:a16="http://schemas.microsoft.com/office/drawing/2014/main" id="{6DA7CF98-B5C3-6707-D594-BAB3B1E1E832}"/>
               </a:ext>
             </a:extLst>
           </p:cNvPr>
@@ -9639,7 +9828,7 @@
           <a:p>
             <a:r>
               <a:rPr lang="en-US" dirty="0"/>
-              <a:t>DEMO</a:t>
+              <a:t>Cache stampede</a:t>
             </a:r>
           </a:p>
         </p:txBody>
@@ -9649,7 +9838,7 @@
           <p:cNvPr id="3" name="Content Placeholder 2">
             <a:extLst>
               <a:ext uri="{FF2B5EF4-FFF2-40B4-BE49-F238E27FC236}">
-                <a16:creationId xmlns:a16="http://schemas.microsoft.com/office/drawing/2014/main" id="{62AD2CCB-A577-86B2-F813-24213EB4A9C6}"/>
+                <a16:creationId xmlns:a16="http://schemas.microsoft.com/office/drawing/2014/main" id="{4EE2669E-596B-E86E-E0E5-C04B6F827164}"/>
               </a:ext>
             </a:extLst>
           </p:cNvPr>
@@ -9662,12 +9851,37 @@
         </p:nvSpPr>
         <p:spPr/>
         <p:txBody>
-          <a:bodyPr/>
-          <a:lstStyle/>
-          <a:p>
-            <a:r>
-              <a:rPr lang="en-US" dirty="0"/>
-              <a:t>Cache stampede</a:t>
+          <a:bodyPr>
+            <a:normAutofit/>
+          </a:bodyPr>
+          <a:lstStyle/>
+          <a:p>
+            <a:pPr lvl="1"/>
+            <a:r>
+              <a:rPr lang="en-US" dirty="0"/>
+              <a:t>Avoid "All" rush to origin to get same key when it expires (see demo). </a:t>
+            </a:r>
+            <a:r>
+              <a:rPr lang="en-US" dirty="0" err="1"/>
+              <a:t>JitterMaxDuration</a:t>
+            </a:r>
+            <a:r>
+              <a:rPr lang="en-US" dirty="0"/>
+              <a:t> mitigate the problem, still ..</a:t>
+            </a:r>
+          </a:p>
+          <a:p>
+            <a:pPr lvl="1"/>
+            <a:r>
+              <a:rPr lang="en-US" dirty="0"/>
+              <a:t>Fusion cache will not call the same factory more than once concurrently</a:t>
+            </a:r>
+          </a:p>
+          <a:p>
+            <a:pPr lvl="1"/>
+            <a:r>
+              <a:rPr lang="en-US" dirty="0"/>
+              <a:t>Works at node (process) level</a:t>
             </a:r>
           </a:p>
         </p:txBody>
@@ -9675,7 +9889,7 @@
     </p:spTree>
     <p:extLst>
       <p:ext uri="{BB962C8B-B14F-4D97-AF65-F5344CB8AC3E}">
-        <p14:creationId xmlns:p14="http://schemas.microsoft.com/office/powerpoint/2010/main" val="2811030322"/>
+        <p14:creationId xmlns:p14="http://schemas.microsoft.com/office/powerpoint/2010/main" val="1377340055"/>
       </p:ext>
     </p:extLst>
   </p:cSld>
@@ -9753,7 +9967,9 @@
           </a:xfrm>
         </p:spPr>
         <p:txBody>
-          <a:bodyPr/>
+          <a:bodyPr>
+            <a:normAutofit lnSpcReduction="10000"/>
+          </a:bodyPr>
           <a:lstStyle/>
           <a:p>
             <a:pPr marR="0" algn="l" rtl="0"/>
@@ -9779,7 +9995,7 @@
             </a:br>
             <a:r>
               <a:rPr lang="en-US" sz="2600" dirty="0"/>
-              <a:t>When it takes time to get that data from the service ..</a:t>
+              <a:t>When it "takes time" to get that data from the service ..</a:t>
             </a:r>
             <a:br>
               <a:rPr lang="en-US" sz="2600" dirty="0"/>
@@ -9789,37 +10005,50 @@
             </a:br>
             <a:r>
               <a:rPr lang="en-US" sz="2600" dirty="0"/>
-              <a:t>You can store (</a:t>
-            </a:r>
-            <a:r>
-              <a:rPr lang="en-US" sz="2600" b="1" i="1" dirty="0"/>
-              <a:t>cache</a:t>
-            </a:r>
-            <a:r>
-              <a:rPr lang="en-US" sz="2600" dirty="0"/>
-              <a:t>) that piece of information in a </a:t>
-            </a:r>
-            <a:r>
-              <a:rPr lang="en-US" sz="2600" dirty="0" err="1"/>
-              <a:t>a</a:t>
-            </a:r>
-            <a:r>
-              <a:rPr lang="en-US" sz="2600" dirty="0"/>
-              <a:t> key-value pair  "store" (something like a &lt;</a:t>
-            </a:r>
-            <a:r>
-              <a:rPr lang="en-US" sz="2600" dirty="0" err="1"/>
-              <a:t>string,object</a:t>
-            </a:r>
-            <a:r>
-              <a:rPr lang="en-US" sz="2600" dirty="0"/>
-              <a:t>&gt; dictionary) and retrieve it from that store instead of going to the actual service.</a:t>
+              <a:t>When taking the data put "pressure" on the service ..</a:t>
             </a:r>
             <a:br>
               <a:rPr lang="en-US" sz="2600" dirty="0"/>
             </a:br>
-            <a:r>
+            <a:br>
               <a:rPr lang="en-US" sz="2600" dirty="0"/>
+            </a:br>
+            <a:br>
+              <a:rPr lang="en-US" sz="2600" dirty="0"/>
+            </a:br>
+            <a:r>
+              <a:rPr lang="en-US" sz="2600" i="1" dirty="0"/>
+              <a:t>Consider to store (</a:t>
+            </a:r>
+            <a:r>
+              <a:rPr lang="en-US" sz="2600" b="1" i="1" dirty="0"/>
+              <a:t>cache</a:t>
+            </a:r>
+            <a:r>
+              <a:rPr lang="en-US" sz="2600" i="1" dirty="0"/>
+              <a:t>) that piece of information in a </a:t>
+            </a:r>
+            <a:r>
+              <a:rPr lang="en-US" sz="2600" i="1" dirty="0" err="1"/>
+              <a:t>a</a:t>
+            </a:r>
+            <a:r>
+              <a:rPr lang="en-US" sz="2600" i="1" dirty="0"/>
+              <a:t> key-value pair  "store" (something like a &lt;</a:t>
+            </a:r>
+            <a:r>
+              <a:rPr lang="en-US" sz="2600" i="1" dirty="0" err="1"/>
+              <a:t>string,object</a:t>
+            </a:r>
+            <a:r>
+              <a:rPr lang="en-US" sz="2600" i="1" dirty="0"/>
+              <a:t>&gt; dictionary) and retrieve it from that store instead of going to the actual service.</a:t>
+            </a:r>
+            <a:br>
+              <a:rPr lang="en-US" sz="2600" i="1" dirty="0"/>
+            </a:br>
+            <a:r>
+              <a:rPr lang="en-US" sz="2600" i="1" dirty="0"/>
               <a:t>Most likely you will set an expiration </a:t>
             </a:r>
             <a:br>
@@ -9874,7 +10103,7 @@
           <p:cNvPr id="2" name="Title 1">
             <a:extLst>
               <a:ext uri="{FF2B5EF4-FFF2-40B4-BE49-F238E27FC236}">
-                <a16:creationId xmlns:a16="http://schemas.microsoft.com/office/drawing/2014/main" id="{6DA7CF98-B5C3-6707-D594-BAB3B1E1E832}"/>
+                <a16:creationId xmlns:a16="http://schemas.microsoft.com/office/drawing/2014/main" id="{5D283DDB-5E70-BE28-3EED-6919897DDC78}"/>
               </a:ext>
             </a:extLst>
           </p:cNvPr>
@@ -9892,12 +10121,8 @@
           <a:p>
             <a:r>
               <a:rPr lang="en-US" dirty="0"/>
-              <a:t>Fail-Safe</a:t>
-            </a:r>
-            <a:br>
-              <a:rPr lang="en-US" dirty="0"/>
-            </a:br>
-            <a:endParaRPr lang="en-US" dirty="0"/>
+              <a:t>DEMO</a:t>
+            </a:r>
           </a:p>
         </p:txBody>
       </p:sp>
@@ -9906,7 +10131,7 @@
           <p:cNvPr id="3" name="Content Placeholder 2">
             <a:extLst>
               <a:ext uri="{FF2B5EF4-FFF2-40B4-BE49-F238E27FC236}">
-                <a16:creationId xmlns:a16="http://schemas.microsoft.com/office/drawing/2014/main" id="{4EE2669E-596B-E86E-E0E5-C04B6F827164}"/>
+                <a16:creationId xmlns:a16="http://schemas.microsoft.com/office/drawing/2014/main" id="{62AD2CCB-A577-86B2-F813-24213EB4A9C6}"/>
               </a:ext>
             </a:extLst>
           </p:cNvPr>
@@ -9917,97 +10142,98 @@
             <p:ph idx="1"/>
           </p:nvPr>
         </p:nvSpPr>
-        <p:spPr>
-          <a:xfrm>
-            <a:off x="838200" y="1356585"/>
-            <a:ext cx="10515600" cy="4909351"/>
-          </a:xfrm>
-        </p:spPr>
-        <p:txBody>
-          <a:bodyPr>
-            <a:normAutofit/>
-          </a:bodyPr>
-          <a:lstStyle/>
+        <p:spPr/>
+        <p:txBody>
+          <a:bodyPr/>
+          <a:lstStyle/>
+          <a:p>
+            <a:r>
+              <a:rPr lang="en-US" dirty="0"/>
+              <a:t>Cache stampede</a:t>
+            </a:r>
+          </a:p>
           <a:p>
             <a:pPr lvl="1"/>
             <a:r>
-              <a:rPr lang="en-US" dirty="0"/>
-              <a:t>Provide expired values if origin fails or takes too long to reply (times out)</a:t>
-            </a:r>
+              <a:rPr lang="en-US" sz="1600" dirty="0">
+                <a:solidFill>
+                  <a:srgbClr val="000000"/>
+                </a:solidFill>
+                <a:latin typeface="Cascadia Mono" panose="020B0609020000020004" pitchFamily="49" charset="0"/>
+              </a:rPr>
+              <a:t>cache-stampede-in-memory (</a:t>
+            </a:r>
+            <a:r>
+              <a:rPr lang="en-US" sz="1600" dirty="0" err="1">
+                <a:solidFill>
+                  <a:srgbClr val="000000"/>
+                </a:solidFill>
+                <a:latin typeface="Cascadia Mono" panose="020B0609020000020004" pitchFamily="49" charset="0"/>
+              </a:rPr>
+              <a:t>IMemoryCache</a:t>
+            </a:r>
+            <a:r>
+              <a:rPr lang="en-US" sz="1600" dirty="0">
+                <a:solidFill>
+                  <a:srgbClr val="000000"/>
+                </a:solidFill>
+                <a:latin typeface="Cascadia Mono" panose="020B0609020000020004" pitchFamily="49" charset="0"/>
+              </a:rPr>
+              <a:t>)-&gt; KO</a:t>
+            </a:r>
+          </a:p>
+          <a:p>
+            <a:pPr marL="457200" lvl="1" indent="0">
+              <a:buNone/>
+            </a:pPr>
+            <a:r>
+              <a:rPr lang="en-US" sz="1400" dirty="0">
+                <a:solidFill>
+                  <a:srgbClr val="000000"/>
+                </a:solidFill>
+                <a:latin typeface="Cascadia Mono" panose="020B0609020000020004" pitchFamily="49" charset="0"/>
+              </a:rPr>
+              <a:t>vs</a:t>
+            </a:r>
+            <a:endParaRPr lang="en-US" dirty="0"/>
           </a:p>
           <a:p>
             <a:pPr lvl="1"/>
             <a:r>
-              <a:rPr lang="en-US" dirty="0" err="1"/>
-              <a:t>IsFailSafeEnabled</a:t>
-            </a:r>
-            <a:r>
-              <a:rPr lang="en-US" dirty="0"/>
-              <a:t> </a:t>
-            </a:r>
-          </a:p>
-          <a:p>
-            <a:pPr lvl="1"/>
-            <a:r>
-              <a:rPr lang="en-US" dirty="0" err="1"/>
-              <a:t>FailSafeMaxDuration</a:t>
-            </a:r>
-            <a:r>
-              <a:rPr lang="en-US" dirty="0"/>
-              <a:t> (internally extend the cache duration to this value)</a:t>
-            </a:r>
-          </a:p>
-          <a:p>
-            <a:pPr lvl="1"/>
-            <a:r>
-              <a:rPr lang="en-US" dirty="0" err="1"/>
-              <a:t>FailSafeThrottleDuration</a:t>
-            </a:r>
-            <a:endParaRPr lang="en-US" dirty="0"/>
-          </a:p>
-          <a:p>
-            <a:pPr lvl="1"/>
-            <a:r>
-              <a:rPr lang="en-US" dirty="0" err="1"/>
-              <a:t>FactorySoftTimeout</a:t>
-            </a:r>
-            <a:r>
-              <a:rPr lang="en-US" dirty="0"/>
-              <a:t>: (apply when failsafe is true only) will return expired entry (if any) if factory takes longer than this value </a:t>
-            </a:r>
-          </a:p>
-          <a:p>
-            <a:pPr lvl="1"/>
-            <a:r>
-              <a:rPr lang="en-US" dirty="0" err="1"/>
-              <a:t>FailSafe</a:t>
-            </a:r>
-            <a:r>
-              <a:rPr lang="en-US" dirty="0"/>
-              <a:t> Default Value is specified </a:t>
-            </a:r>
-          </a:p>
-          <a:p>
-            <a:pPr lvl="2"/>
-            <a:r>
-              <a:rPr lang="en-US" sz="2400" dirty="0"/>
-              <a:t>Returns the default if no value is present in the internal cache and (</a:t>
-            </a:r>
-            <a:r>
-              <a:rPr lang="en-US" sz="2400" dirty="0" err="1"/>
-              <a:t>FactoryHardTimeout</a:t>
-            </a:r>
-            <a:r>
-              <a:rPr lang="en-US" sz="2400" dirty="0"/>
-              <a:t> has passed, or an exception is thrown in the factory) </a:t>
-            </a:r>
+              <a:rPr lang="en-US" sz="1600" dirty="0">
+                <a:solidFill>
+                  <a:srgbClr val="000000"/>
+                </a:solidFill>
+                <a:latin typeface="Cascadia Mono" panose="020B0609020000020004" pitchFamily="49" charset="0"/>
+              </a:rPr>
+              <a:t>cache-stampede-with-wrapper (</a:t>
+            </a:r>
+            <a:r>
+              <a:rPr lang="en-US" sz="1600" dirty="0" err="1">
+                <a:solidFill>
+                  <a:srgbClr val="000000"/>
+                </a:solidFill>
+                <a:latin typeface="Cascadia Mono" panose="020B0609020000020004" pitchFamily="49" charset="0"/>
+              </a:rPr>
+              <a:t>IFusionCache</a:t>
+            </a:r>
+            <a:r>
+              <a:rPr lang="en-US" sz="1600" dirty="0">
+                <a:solidFill>
+                  <a:srgbClr val="000000"/>
+                </a:solidFill>
+                <a:latin typeface="Cascadia Mono" panose="020B0609020000020004" pitchFamily="49" charset="0"/>
+              </a:rPr>
+              <a:t>) -&gt; OK</a:t>
+            </a:r>
+            <a:endParaRPr lang="en-US" sz="1600" dirty="0"/>
           </a:p>
         </p:txBody>
       </p:sp>
     </p:spTree>
     <p:extLst>
       <p:ext uri="{BB962C8B-B14F-4D97-AF65-F5344CB8AC3E}">
-        <p14:creationId xmlns:p14="http://schemas.microsoft.com/office/powerpoint/2010/main" val="3492176054"/>
+        <p14:creationId xmlns:p14="http://schemas.microsoft.com/office/powerpoint/2010/main" val="2811030322"/>
       </p:ext>
     </p:extLst>
   </p:cSld>
@@ -10057,8 +10283,12 @@
           <a:p>
             <a:r>
               <a:rPr lang="en-US" dirty="0"/>
-              <a:t>DEMO</a:t>
-            </a:r>
+              <a:t>Fail-Safe</a:t>
+            </a:r>
+            <a:br>
+              <a:rPr lang="en-US" dirty="0"/>
+            </a:br>
+            <a:endParaRPr lang="en-US" dirty="0"/>
           </a:p>
         </p:txBody>
       </p:sp>
@@ -10078,30 +10308,101 @@
             <p:ph idx="1"/>
           </p:nvPr>
         </p:nvSpPr>
-        <p:spPr/>
+        <p:spPr>
+          <a:xfrm>
+            <a:off x="838200" y="1356585"/>
+            <a:ext cx="10515600" cy="4909351"/>
+          </a:xfrm>
+        </p:spPr>
         <p:txBody>
           <a:bodyPr>
             <a:normAutofit/>
           </a:bodyPr>
           <a:lstStyle/>
           <a:p>
-            <a:r>
-              <a:rPr lang="en-US" dirty="0"/>
-              <a:t>Fail Safe</a:t>
-            </a:r>
-          </a:p>
-          <a:p>
+            <a:pPr lvl="1"/>
+            <a:r>
+              <a:rPr lang="en-US" dirty="0"/>
+              <a:t>Provide expired values if origin fails or takes too long to reply (times out)</a:t>
+            </a:r>
+          </a:p>
+          <a:p>
+            <a:pPr lvl="1"/>
             <a:endParaRPr lang="en-US" dirty="0"/>
           </a:p>
           <a:p>
+            <a:pPr lvl="1"/>
+            <a:r>
+              <a:rPr lang="en-US" dirty="0" err="1"/>
+              <a:t>IsFailSafeEnabled</a:t>
+            </a:r>
+            <a:r>
+              <a:rPr lang="en-US" dirty="0"/>
+              <a:t> </a:t>
+            </a:r>
+          </a:p>
+          <a:p>
+            <a:pPr lvl="1"/>
+            <a:r>
+              <a:rPr lang="en-US" dirty="0" err="1"/>
+              <a:t>FailSafeMaxDuration</a:t>
+            </a:r>
+            <a:r>
+              <a:rPr lang="en-US" dirty="0"/>
+              <a:t> (internally extend the cache duration to this value)</a:t>
+            </a:r>
+          </a:p>
+          <a:p>
+            <a:pPr lvl="1"/>
+            <a:r>
+              <a:rPr lang="en-US" dirty="0" err="1"/>
+              <a:t>FailSafeThrottleDuration</a:t>
+            </a:r>
             <a:endParaRPr lang="en-US" dirty="0"/>
+          </a:p>
+          <a:p>
+            <a:pPr lvl="1"/>
+            <a:r>
+              <a:rPr lang="en-US" dirty="0" err="1"/>
+              <a:t>FactorySoftTimeout</a:t>
+            </a:r>
+            <a:r>
+              <a:rPr lang="en-US" dirty="0"/>
+              <a:t>: (apply when failsafe is true only) will return expired entry (if any) if factory takes longer than this value </a:t>
+            </a:r>
+          </a:p>
+          <a:p>
+            <a:pPr lvl="1"/>
+            <a:r>
+              <a:rPr lang="en-US" dirty="0" err="1"/>
+              <a:t>FailSafe</a:t>
+            </a:r>
+            <a:r>
+              <a:rPr lang="en-US" dirty="0"/>
+              <a:t> Default Value is specified </a:t>
+            </a:r>
+          </a:p>
+          <a:p>
+            <a:pPr lvl="2"/>
+            <a:r>
+              <a:rPr lang="en-US" sz="2400" dirty="0"/>
+              <a:t>Returns the default if no value is present in the internal cache and (</a:t>
+            </a:r>
+            <a:r>
+              <a:rPr lang="en-US" sz="2400" dirty="0" err="1"/>
+              <a:t>FactoryHardTimeout</a:t>
+            </a:r>
+            <a:r>
+              <a:rPr lang="en-US" sz="2400" dirty="0"/>
+              <a:t> has passed, or an exception is thrown in the factory) </a:t>
+            </a:r>
           </a:p>
         </p:txBody>
       </p:sp>
     </p:spTree>
     <p:extLst>
       <p:ext uri="{BB962C8B-B14F-4D97-AF65-F5344CB8AC3E}">
-        <p14:creationId xmlns:p14="http://schemas.microsoft.com/office/powerpoint/2010/main" val="1560423962"/>
+        <p14:creationId xmlns:p14="http://schemas.microsoft.com/office/powerpoint/2010/main" val="3492176054"/>
       </p:ext>
     </p:extLst>
   </p:cSld>
@@ -10133,7 +10434,7 @@
           <p:cNvPr id="2" name="Title 1">
             <a:extLst>
               <a:ext uri="{FF2B5EF4-FFF2-40B4-BE49-F238E27FC236}">
-                <a16:creationId xmlns:a16="http://schemas.microsoft.com/office/drawing/2014/main" id="{DCF24D51-2025-4FAA-CD9B-FCB98B7402EB}"/>
+                <a16:creationId xmlns:a16="http://schemas.microsoft.com/office/drawing/2014/main" id="{6DA7CF98-B5C3-6707-D594-BAB3B1E1E832}"/>
               </a:ext>
             </a:extLst>
           </p:cNvPr>
@@ -10151,7 +10452,7 @@
           <a:p>
             <a:r>
               <a:rPr lang="en-US" dirty="0"/>
-              <a:t>Adaptive Caching</a:t>
+              <a:t>DEMO</a:t>
             </a:r>
           </a:p>
         </p:txBody>
@@ -10161,7 +10462,7 @@
           <p:cNvPr id="3" name="Content Placeholder 2">
             <a:extLst>
               <a:ext uri="{FF2B5EF4-FFF2-40B4-BE49-F238E27FC236}">
-                <a16:creationId xmlns:a16="http://schemas.microsoft.com/office/drawing/2014/main" id="{D2361E84-37A5-C628-F8EA-8B88CF93D8F5}"/>
+                <a16:creationId xmlns:a16="http://schemas.microsoft.com/office/drawing/2014/main" id="{4EE2669E-596B-E86E-E0E5-C04B6F827164}"/>
               </a:ext>
             </a:extLst>
           </p:cNvPr>
@@ -10174,52 +10475,33 @@
         </p:nvSpPr>
         <p:spPr/>
         <p:txBody>
-          <a:bodyPr/>
-          <a:lstStyle/>
-          <a:p>
-            <a:r>
-              <a:rPr lang="en-US" dirty="0"/>
-              <a:t>Within the same factory, set expiration NOT according to </a:t>
-            </a:r>
-            <a:r>
-              <a:rPr lang="en-US" dirty="0" err="1"/>
-              <a:t>CacheEntryOption</a:t>
-            </a:r>
-            <a:r>
-              <a:rPr lang="en-US" dirty="0"/>
-              <a:t>, but within the factory</a:t>
+          <a:bodyPr>
+            <a:normAutofit/>
+          </a:bodyPr>
+          <a:lstStyle/>
+          <a:p>
+            <a:r>
+              <a:rPr lang="en-US" dirty="0"/>
+              <a:t>Fail Safe</a:t>
             </a:r>
           </a:p>
           <a:p>
             <a:pPr lvl="1"/>
             <a:r>
-              <a:rPr lang="en-US" dirty="0"/>
-              <a:t>You can decide expiration based on the data returned from "the origin"</a:t>
-            </a:r>
-          </a:p>
-          <a:p>
-            <a:pPr lvl="1"/>
+              <a:rPr lang="en-US" sz="1600" dirty="0">
+                <a:solidFill>
+                  <a:srgbClr val="000000"/>
+                </a:solidFill>
+                <a:latin typeface="Cascadia Mono" panose="020B0609020000020004" pitchFamily="49" charset="0"/>
+              </a:rPr>
+              <a:t>get-or-set-cache-entry-raw-fails-safe</a:t>
+            </a:r>
+            <a:endParaRPr lang="en-US" sz="1600" dirty="0"/>
+          </a:p>
+          <a:p>
             <a:endParaRPr lang="en-US" dirty="0"/>
           </a:p>
           <a:p>
-            <a:pPr lvl="1"/>
-            <a:endParaRPr lang="en-US" dirty="0"/>
-          </a:p>
-          <a:p>
-            <a:pPr lvl="1"/>
-            <a:r>
-              <a:rPr lang="en-US"/>
-              <a:t>DEMO : </a:t>
-            </a:r>
-            <a:r>
-              <a:rPr lang="en-US" sz="1800">
-                <a:solidFill>
-                  <a:srgbClr val="000000"/>
-                </a:solidFill>
-                <a:latin typeface="Cascadia Mono" panose="020B0609020000020004" pitchFamily="49" charset="0"/>
-              </a:rPr>
-              <a:t>get-or-set-cache-entry-with-adaptive-cache</a:t>
-            </a:r>
             <a:endParaRPr lang="en-US" dirty="0"/>
           </a:p>
         </p:txBody>
@@ -10227,7 +10509,7 @@
     </p:spTree>
     <p:extLst>
       <p:ext uri="{BB962C8B-B14F-4D97-AF65-F5344CB8AC3E}">
-        <p14:creationId xmlns:p14="http://schemas.microsoft.com/office/powerpoint/2010/main" val="999077463"/>
+        <p14:creationId xmlns:p14="http://schemas.microsoft.com/office/powerpoint/2010/main" val="1560423962"/>
       </p:ext>
     </p:extLst>
   </p:cSld>
@@ -10259,7 +10541,7 @@
           <p:cNvPr id="2" name="Title 1">
             <a:extLst>
               <a:ext uri="{FF2B5EF4-FFF2-40B4-BE49-F238E27FC236}">
-                <a16:creationId xmlns:a16="http://schemas.microsoft.com/office/drawing/2014/main" id="{6DA7CF98-B5C3-6707-D594-BAB3B1E1E832}"/>
+                <a16:creationId xmlns:a16="http://schemas.microsoft.com/office/drawing/2014/main" id="{DCF24D51-2025-4FAA-CD9B-FCB98B7402EB}"/>
               </a:ext>
             </a:extLst>
           </p:cNvPr>
@@ -10277,7 +10559,7 @@
           <a:p>
             <a:r>
               <a:rPr lang="en-US" dirty="0"/>
-              <a:t>Named caches</a:t>
+              <a:t>Adaptive Caching</a:t>
             </a:r>
           </a:p>
         </p:txBody>
@@ -10287,7 +10569,7 @@
           <p:cNvPr id="3" name="Content Placeholder 2">
             <a:extLst>
               <a:ext uri="{FF2B5EF4-FFF2-40B4-BE49-F238E27FC236}">
-                <a16:creationId xmlns:a16="http://schemas.microsoft.com/office/drawing/2014/main" id="{4EE2669E-596B-E86E-E0E5-C04B6F827164}"/>
+                <a16:creationId xmlns:a16="http://schemas.microsoft.com/office/drawing/2014/main" id="{D2361E84-37A5-C628-F8EA-8B88CF93D8F5}"/>
               </a:ext>
             </a:extLst>
           </p:cNvPr>
@@ -10300,218 +10582,52 @@
         </p:nvSpPr>
         <p:spPr/>
         <p:txBody>
-          <a:bodyPr>
-            <a:normAutofit/>
-          </a:bodyPr>
-          <a:lstStyle/>
-          <a:p>
+          <a:bodyPr/>
+          <a:lstStyle/>
+          <a:p>
+            <a:r>
+              <a:rPr lang="en-US" dirty="0"/>
+              <a:t>Within the same factory, set expiration NOT according to </a:t>
+            </a:r>
+            <a:r>
+              <a:rPr lang="en-US" dirty="0" err="1"/>
+              <a:t>CacheEntryOption</a:t>
+            </a:r>
+            <a:r>
+              <a:rPr lang="en-US" dirty="0"/>
+              <a:t>, but within the factory</a:t>
+            </a:r>
+          </a:p>
+          <a:p>
+            <a:pPr lvl="1"/>
+            <a:r>
+              <a:rPr lang="en-US" dirty="0"/>
+              <a:t>You can decide expiration based on the data returned from "the origin"</a:t>
+            </a:r>
+          </a:p>
+          <a:p>
+            <a:pPr lvl="1"/>
             <a:endParaRPr lang="en-US" dirty="0"/>
           </a:p>
-        </p:txBody>
-      </p:sp>
-      <p:sp>
-        <p:nvSpPr>
-          <p:cNvPr id="4" name="TextBox 3">
-            <a:extLst>
-              <a:ext uri="{FF2B5EF4-FFF2-40B4-BE49-F238E27FC236}">
-                <a16:creationId xmlns:a16="http://schemas.microsoft.com/office/drawing/2014/main" id="{762E7DA3-44D7-43E5-7A5B-C029F065E7C4}"/>
-              </a:ext>
-            </a:extLst>
-          </p:cNvPr>
-          <p:cNvSpPr txBox="1"/>
-          <p:nvPr/>
-        </p:nvSpPr>
-        <p:spPr>
-          <a:xfrm>
-            <a:off x="1033670" y="2969812"/>
-            <a:ext cx="9891422" cy="2339102"/>
-          </a:xfrm>
-          <a:prstGeom prst="rect">
-            <a:avLst/>
-          </a:prstGeom>
-          <a:noFill/>
-        </p:spPr>
-        <p:txBody>
-          <a:bodyPr wrap="square" rtlCol="0">
-            <a:spAutoFit/>
-          </a:bodyPr>
-          <a:lstStyle/>
-          <a:p>
-            <a:r>
-              <a:rPr lang="en-US" sz="1600" dirty="0">
-                <a:solidFill>
-                  <a:srgbClr val="000000"/>
-                </a:solidFill>
-                <a:latin typeface="Cascadia Mono" panose="020B0609020000020004" pitchFamily="49" charset="0"/>
-              </a:rPr>
-              <a:t>// startup </a:t>
-            </a:r>
-            <a:br>
-              <a:rPr lang="en-US" sz="1600" dirty="0">
-                <a:solidFill>
-                  <a:srgbClr val="000000"/>
-                </a:solidFill>
-                <a:latin typeface="Cascadia Mono" panose="020B0609020000020004" pitchFamily="49" charset="0"/>
-              </a:rPr>
-            </a:br>
-            <a:r>
-              <a:rPr lang="en-US" sz="1600" dirty="0" err="1">
-                <a:solidFill>
-                  <a:srgbClr val="000000"/>
-                </a:solidFill>
-                <a:latin typeface="Cascadia Mono" panose="020B0609020000020004" pitchFamily="49" charset="0"/>
-              </a:rPr>
-              <a:t>services.AddFusionCache</a:t>
-            </a:r>
-            <a:r>
-              <a:rPr lang="en-US" sz="1600" dirty="0">
-                <a:solidFill>
-                  <a:srgbClr val="000000"/>
-                </a:solidFill>
-                <a:latin typeface="Cascadia Mono" panose="020B0609020000020004" pitchFamily="49" charset="0"/>
-              </a:rPr>
-              <a:t>("Products");</a:t>
-            </a:r>
-            <a:br>
-              <a:rPr lang="en-US" sz="1600" dirty="0">
-                <a:solidFill>
-                  <a:srgbClr val="000000"/>
-                </a:solidFill>
-                <a:latin typeface="Cascadia Mono" panose="020B0609020000020004" pitchFamily="49" charset="0"/>
-              </a:rPr>
-            </a:br>
-            <a:endParaRPr lang="en-US" sz="1600" dirty="0">
-              <a:solidFill>
-                <a:srgbClr val="000000"/>
-              </a:solidFill>
-              <a:latin typeface="Cascadia Mono" panose="020B0609020000020004" pitchFamily="49" charset="0"/>
-            </a:endParaRPr>
-          </a:p>
-          <a:p>
-            <a:endParaRPr lang="en-US" sz="1600" dirty="0">
-              <a:solidFill>
-                <a:srgbClr val="000000"/>
-              </a:solidFill>
-              <a:latin typeface="Cascadia Mono" panose="020B0609020000020004" pitchFamily="49" charset="0"/>
-            </a:endParaRPr>
-          </a:p>
-          <a:p>
-            <a:r>
-              <a:rPr lang="en-US" sz="1600" dirty="0">
-                <a:solidFill>
-                  <a:srgbClr val="000000"/>
-                </a:solidFill>
-                <a:latin typeface="Cascadia Mono" panose="020B0609020000020004" pitchFamily="49" charset="0"/>
-              </a:rPr>
-              <a:t>public </a:t>
-            </a:r>
-            <a:r>
-              <a:rPr lang="en-US" sz="1600" dirty="0" err="1">
-                <a:solidFill>
-                  <a:srgbClr val="000000"/>
-                </a:solidFill>
-                <a:latin typeface="Cascadia Mono" panose="020B0609020000020004" pitchFamily="49" charset="0"/>
-              </a:rPr>
-              <a:t>MyController</a:t>
-            </a:r>
-            <a:r>
-              <a:rPr lang="en-US" sz="1600" dirty="0">
-                <a:solidFill>
-                  <a:srgbClr val="000000"/>
-                </a:solidFill>
-                <a:latin typeface="Cascadia Mono" panose="020B0609020000020004" pitchFamily="49" charset="0"/>
-              </a:rPr>
-              <a:t>(</a:t>
-            </a:r>
-            <a:r>
-              <a:rPr lang="en-US" sz="1600" dirty="0" err="1">
-                <a:solidFill>
-                  <a:srgbClr val="000000"/>
-                </a:solidFill>
-                <a:latin typeface="Cascadia Mono" panose="020B0609020000020004" pitchFamily="49" charset="0"/>
-              </a:rPr>
-              <a:t>IFusionCacheProvider</a:t>
-            </a:r>
-            <a:r>
-              <a:rPr lang="en-US" sz="1600" dirty="0">
-                <a:solidFill>
-                  <a:srgbClr val="000000"/>
-                </a:solidFill>
-                <a:latin typeface="Cascadia Mono" panose="020B0609020000020004" pitchFamily="49" charset="0"/>
-              </a:rPr>
-              <a:t> </a:t>
-            </a:r>
-            <a:r>
-              <a:rPr lang="en-US" sz="1600" dirty="0" err="1">
-                <a:solidFill>
-                  <a:srgbClr val="000000"/>
-                </a:solidFill>
-                <a:latin typeface="Cascadia Mono" panose="020B0609020000020004" pitchFamily="49" charset="0"/>
-              </a:rPr>
-              <a:t>cacheProvider</a:t>
-            </a:r>
-            <a:r>
-              <a:rPr lang="en-US" sz="1600" dirty="0">
-                <a:solidFill>
-                  <a:srgbClr val="000000"/>
-                </a:solidFill>
-                <a:latin typeface="Cascadia Mono" panose="020B0609020000020004" pitchFamily="49" charset="0"/>
-              </a:rPr>
-              <a:t>)</a:t>
-            </a:r>
-          </a:p>
-          <a:p>
-            <a:r>
-              <a:rPr lang="en-US" sz="1600" dirty="0">
-                <a:solidFill>
-                  <a:srgbClr val="000000"/>
-                </a:solidFill>
-                <a:latin typeface="Cascadia Mono" panose="020B0609020000020004" pitchFamily="49" charset="0"/>
-              </a:rPr>
-              <a:t>    {</a:t>
-            </a:r>
-          </a:p>
-          <a:p>
-            <a:r>
-              <a:rPr lang="en-US" sz="1600" dirty="0">
-                <a:solidFill>
-                  <a:srgbClr val="000000"/>
-                </a:solidFill>
-                <a:latin typeface="Cascadia Mono" panose="020B0609020000020004" pitchFamily="49" charset="0"/>
-              </a:rPr>
-              <a:t>        _cache = </a:t>
-            </a:r>
-            <a:r>
-              <a:rPr lang="en-US" sz="1600" dirty="0" err="1">
-                <a:solidFill>
-                  <a:srgbClr val="000000"/>
-                </a:solidFill>
-                <a:latin typeface="Cascadia Mono" panose="020B0609020000020004" pitchFamily="49" charset="0"/>
-              </a:rPr>
-              <a:t>cacheProvider.GetCache</a:t>
-            </a:r>
-            <a:r>
-              <a:rPr lang="en-US" sz="1600" dirty="0">
-                <a:solidFill>
-                  <a:srgbClr val="000000"/>
-                </a:solidFill>
-                <a:latin typeface="Cascadia Mono" panose="020B0609020000020004" pitchFamily="49" charset="0"/>
-              </a:rPr>
-              <a:t>("Products");</a:t>
-            </a:r>
-          </a:p>
-          <a:p>
-            <a:r>
-              <a:rPr lang="en-US" sz="1600" dirty="0">
-                <a:solidFill>
-                  <a:srgbClr val="000000"/>
-                </a:solidFill>
-                <a:latin typeface="Cascadia Mono" panose="020B0609020000020004" pitchFamily="49" charset="0"/>
-              </a:rPr>
-              <a:t>    }</a:t>
-            </a:r>
-          </a:p>
-          <a:p>
+          <a:p>
+            <a:pPr lvl="1"/>
+            <a:endParaRPr lang="en-US" dirty="0"/>
+          </a:p>
+          <a:p>
+            <a:pPr lvl="1"/>
+            <a:r>
+              <a:rPr lang="en-US"/>
+              <a:t>DEMO : </a:t>
+            </a:r>
+            <a:r>
+              <a:rPr lang="en-US" sz="1800">
+                <a:solidFill>
+                  <a:srgbClr val="000000"/>
+                </a:solidFill>
+                <a:latin typeface="Cascadia Mono" panose="020B0609020000020004" pitchFamily="49" charset="0"/>
+              </a:rPr>
+              <a:t>get-or-set-cache-entry-with-adaptive-cache</a:t>
+            </a:r>
             <a:endParaRPr lang="en-US" dirty="0"/>
           </a:p>
         </p:txBody>
@@ -10519,7 +10635,7 @@
     </p:spTree>
     <p:extLst>
       <p:ext uri="{BB962C8B-B14F-4D97-AF65-F5344CB8AC3E}">
-        <p14:creationId xmlns:p14="http://schemas.microsoft.com/office/powerpoint/2010/main" val="2753430410"/>
+        <p14:creationId xmlns:p14="http://schemas.microsoft.com/office/powerpoint/2010/main" val="999077463"/>
       </p:ext>
     </p:extLst>
   </p:cSld>
@@ -10569,7 +10685,7 @@
           <a:p>
             <a:r>
               <a:rPr lang="en-US" dirty="0"/>
-              <a:t>Backplane</a:t>
+              <a:t>Named caches</a:t>
             </a:r>
           </a:p>
         </p:txBody>
@@ -10597,19 +10713,211 @@
           </a:bodyPr>
           <a:lstStyle/>
           <a:p>
-            <a:r>
-              <a:rPr lang="en-US" dirty="0"/>
-              <a:t>Sync values across nodes (in-memory cache) </a:t>
-            </a:r>
-          </a:p>
-          <a:p>
-            <a:r>
-              <a:rPr lang="en-US" dirty="0"/>
-              <a:t>Need Redis for the pub-sub</a:t>
-            </a:r>
-          </a:p>
-          <a:p>
             <a:endParaRPr lang="en-US" dirty="0"/>
+          </a:p>
+        </p:txBody>
+      </p:sp>
+      <p:sp>
+        <p:nvSpPr>
+          <p:cNvPr id="4" name="TextBox 3">
+            <a:extLst>
+              <a:ext uri="{FF2B5EF4-FFF2-40B4-BE49-F238E27FC236}">
+                <a16:creationId xmlns:a16="http://schemas.microsoft.com/office/drawing/2014/main" id="{762E7DA3-44D7-43E5-7A5B-C029F065E7C4}"/>
+              </a:ext>
+            </a:extLst>
+          </p:cNvPr>
+          <p:cNvSpPr txBox="1"/>
+          <p:nvPr/>
+        </p:nvSpPr>
+        <p:spPr>
+          <a:xfrm>
+            <a:off x="1033670" y="2969812"/>
+            <a:ext cx="9891422" cy="2339102"/>
+          </a:xfrm>
+          <a:prstGeom prst="rect">
+            <a:avLst/>
+          </a:prstGeom>
+          <a:noFill/>
+        </p:spPr>
+        <p:txBody>
+          <a:bodyPr wrap="square" rtlCol="0">
+            <a:spAutoFit/>
+          </a:bodyPr>
+          <a:lstStyle/>
+          <a:p>
+            <a:r>
+              <a:rPr lang="en-US" sz="1600" dirty="0">
+                <a:solidFill>
+                  <a:srgbClr val="000000"/>
+                </a:solidFill>
+                <a:latin typeface="Cascadia Mono" panose="020B0609020000020004" pitchFamily="49" charset="0"/>
+              </a:rPr>
+              <a:t>// startup </a:t>
+            </a:r>
+            <a:br>
+              <a:rPr lang="en-US" sz="1600" dirty="0">
+                <a:solidFill>
+                  <a:srgbClr val="000000"/>
+                </a:solidFill>
+                <a:latin typeface="Cascadia Mono" panose="020B0609020000020004" pitchFamily="49" charset="0"/>
+              </a:rPr>
+            </a:br>
+            <a:r>
+              <a:rPr lang="en-US" sz="1600" dirty="0" err="1">
+                <a:solidFill>
+                  <a:srgbClr val="000000"/>
+                </a:solidFill>
+                <a:latin typeface="Cascadia Mono" panose="020B0609020000020004" pitchFamily="49" charset="0"/>
+              </a:rPr>
+              <a:t>services.AddFusionCache</a:t>
+            </a:r>
+            <a:r>
+              <a:rPr lang="en-US" sz="1600" dirty="0">
+                <a:solidFill>
+                  <a:srgbClr val="000000"/>
+                </a:solidFill>
+                <a:latin typeface="Cascadia Mono" panose="020B0609020000020004" pitchFamily="49" charset="0"/>
+              </a:rPr>
+              <a:t>("Products");</a:t>
+            </a:r>
+            <a:br>
+              <a:rPr lang="en-US" sz="1600" dirty="0">
+                <a:solidFill>
+                  <a:srgbClr val="000000"/>
+                </a:solidFill>
+                <a:latin typeface="Cascadia Mono" panose="020B0609020000020004" pitchFamily="49" charset="0"/>
+              </a:rPr>
+            </a:br>
+            <a:endParaRPr lang="en-US" sz="1600" dirty="0">
+              <a:solidFill>
+                <a:srgbClr val="000000"/>
+              </a:solidFill>
+              <a:latin typeface="Cascadia Mono" panose="020B0609020000020004" pitchFamily="49" charset="0"/>
+            </a:endParaRPr>
+          </a:p>
+          <a:p>
+            <a:endParaRPr lang="en-US" sz="1600" dirty="0">
+              <a:solidFill>
+                <a:srgbClr val="000000"/>
+              </a:solidFill>
+              <a:latin typeface="Cascadia Mono" panose="020B0609020000020004" pitchFamily="49" charset="0"/>
+            </a:endParaRPr>
+          </a:p>
+          <a:p>
+            <a:r>
+              <a:rPr lang="en-US" sz="1600" dirty="0">
+                <a:solidFill>
+                  <a:srgbClr val="000000"/>
+                </a:solidFill>
+                <a:latin typeface="Cascadia Mono" panose="020B0609020000020004" pitchFamily="49" charset="0"/>
+              </a:rPr>
+              <a:t>public </a:t>
+            </a:r>
+            <a:r>
+              <a:rPr lang="en-US" sz="1600" dirty="0" err="1">
+                <a:solidFill>
+                  <a:srgbClr val="000000"/>
+                </a:solidFill>
+                <a:latin typeface="Cascadia Mono" panose="020B0609020000020004" pitchFamily="49" charset="0"/>
+              </a:rPr>
+              <a:t>MyController</a:t>
+            </a:r>
+            <a:r>
+              <a:rPr lang="en-US" sz="1600" dirty="0">
+                <a:solidFill>
+                  <a:srgbClr val="000000"/>
+                </a:solidFill>
+                <a:latin typeface="Cascadia Mono" panose="020B0609020000020004" pitchFamily="49" charset="0"/>
+              </a:rPr>
+              <a:t>(</a:t>
+            </a:r>
+            <a:r>
+              <a:rPr lang="en-US" sz="1600" dirty="0" err="1">
+                <a:solidFill>
+                  <a:srgbClr val="000000"/>
+                </a:solidFill>
+                <a:latin typeface="Cascadia Mono" panose="020B0609020000020004" pitchFamily="49" charset="0"/>
+              </a:rPr>
+              <a:t>IFusionCacheProvider</a:t>
+            </a:r>
+            <a:r>
+              <a:rPr lang="en-US" sz="1600" dirty="0">
+                <a:solidFill>
+                  <a:srgbClr val="000000"/>
+                </a:solidFill>
+                <a:latin typeface="Cascadia Mono" panose="020B0609020000020004" pitchFamily="49" charset="0"/>
+              </a:rPr>
+              <a:t> </a:t>
+            </a:r>
+            <a:r>
+              <a:rPr lang="en-US" sz="1600" dirty="0" err="1">
+                <a:solidFill>
+                  <a:srgbClr val="000000"/>
+                </a:solidFill>
+                <a:latin typeface="Cascadia Mono" panose="020B0609020000020004" pitchFamily="49" charset="0"/>
+              </a:rPr>
+              <a:t>cacheProvider</a:t>
+            </a:r>
+            <a:r>
+              <a:rPr lang="en-US" sz="1600" dirty="0">
+                <a:solidFill>
+                  <a:srgbClr val="000000"/>
+                </a:solidFill>
+                <a:latin typeface="Cascadia Mono" panose="020B0609020000020004" pitchFamily="49" charset="0"/>
+              </a:rPr>
+              <a:t>)</a:t>
+            </a:r>
+          </a:p>
+          <a:p>
+            <a:r>
+              <a:rPr lang="en-US" sz="1600" dirty="0">
+                <a:solidFill>
+                  <a:srgbClr val="000000"/>
+                </a:solidFill>
+                <a:latin typeface="Cascadia Mono" panose="020B0609020000020004" pitchFamily="49" charset="0"/>
+              </a:rPr>
+              <a:t>    {</a:t>
+            </a:r>
+          </a:p>
+          <a:p>
+            <a:r>
+              <a:rPr lang="en-US" sz="1600" dirty="0">
+                <a:solidFill>
+                  <a:srgbClr val="000000"/>
+                </a:solidFill>
+                <a:latin typeface="Cascadia Mono" panose="020B0609020000020004" pitchFamily="49" charset="0"/>
+              </a:rPr>
+              <a:t>        _cache = </a:t>
+            </a:r>
+            <a:r>
+              <a:rPr lang="en-US" sz="1600" dirty="0" err="1">
+                <a:solidFill>
+                  <a:srgbClr val="000000"/>
+                </a:solidFill>
+                <a:latin typeface="Cascadia Mono" panose="020B0609020000020004" pitchFamily="49" charset="0"/>
+              </a:rPr>
+              <a:t>cacheProvider.GetCache</a:t>
+            </a:r>
+            <a:r>
+              <a:rPr lang="en-US" sz="1600" dirty="0">
+                <a:solidFill>
+                  <a:srgbClr val="000000"/>
+                </a:solidFill>
+                <a:latin typeface="Cascadia Mono" panose="020B0609020000020004" pitchFamily="49" charset="0"/>
+              </a:rPr>
+              <a:t>("Products");</a:t>
+            </a:r>
+          </a:p>
+          <a:p>
+            <a:r>
+              <a:rPr lang="en-US" sz="1600" dirty="0">
+                <a:solidFill>
+                  <a:srgbClr val="000000"/>
+                </a:solidFill>
+                <a:latin typeface="Cascadia Mono" panose="020B0609020000020004" pitchFamily="49" charset="0"/>
+              </a:rPr>
+              <a:t>    }</a:t>
+            </a:r>
           </a:p>
           <a:p>
             <a:endParaRPr lang="en-US" dirty="0"/>
@@ -10619,7 +10927,7 @@
     </p:spTree>
     <p:extLst>
       <p:ext uri="{BB962C8B-B14F-4D97-AF65-F5344CB8AC3E}">
-        <p14:creationId xmlns:p14="http://schemas.microsoft.com/office/powerpoint/2010/main" val="3582380574"/>
+        <p14:creationId xmlns:p14="http://schemas.microsoft.com/office/powerpoint/2010/main" val="2753430410"/>
       </p:ext>
     </p:extLst>
   </p:cSld>
@@ -10651,7 +10959,7 @@
           <p:cNvPr id="2" name="Title 1">
             <a:extLst>
               <a:ext uri="{FF2B5EF4-FFF2-40B4-BE49-F238E27FC236}">
-                <a16:creationId xmlns:a16="http://schemas.microsoft.com/office/drawing/2014/main" id="{5D283DDB-5E70-BE28-3EED-6919897DDC78}"/>
+                <a16:creationId xmlns:a16="http://schemas.microsoft.com/office/drawing/2014/main" id="{6DA7CF98-B5C3-6707-D594-BAB3B1E1E832}"/>
               </a:ext>
             </a:extLst>
           </p:cNvPr>
@@ -10669,7 +10977,7 @@
           <a:p>
             <a:r>
               <a:rPr lang="en-US" dirty="0"/>
-              <a:t>DEMO</a:t>
+              <a:t>Backplane</a:t>
             </a:r>
           </a:p>
         </p:txBody>
@@ -10679,7 +10987,7 @@
           <p:cNvPr id="3" name="Content Placeholder 2">
             <a:extLst>
               <a:ext uri="{FF2B5EF4-FFF2-40B4-BE49-F238E27FC236}">
-                <a16:creationId xmlns:a16="http://schemas.microsoft.com/office/drawing/2014/main" id="{62AD2CCB-A577-86B2-F813-24213EB4A9C6}"/>
+                <a16:creationId xmlns:a16="http://schemas.microsoft.com/office/drawing/2014/main" id="{4EE2669E-596B-E86E-E0E5-C04B6F827164}"/>
               </a:ext>
             </a:extLst>
           </p:cNvPr>
@@ -10692,20 +11000,34 @@
         </p:nvSpPr>
         <p:spPr/>
         <p:txBody>
-          <a:bodyPr/>
-          <a:lstStyle/>
-          <a:p>
-            <a:r>
-              <a:rPr lang="en-US" dirty="0"/>
-              <a:t>Back Plane</a:t>
-            </a:r>
+          <a:bodyPr>
+            <a:normAutofit/>
+          </a:bodyPr>
+          <a:lstStyle/>
+          <a:p>
+            <a:r>
+              <a:rPr lang="en-US" dirty="0"/>
+              <a:t>Sync values across nodes (in-memory cache) </a:t>
+            </a:r>
+          </a:p>
+          <a:p>
+            <a:r>
+              <a:rPr lang="en-US" dirty="0"/>
+              <a:t>Need Redis for the pub-sub</a:t>
+            </a:r>
+          </a:p>
+          <a:p>
+            <a:endParaRPr lang="en-US" dirty="0"/>
+          </a:p>
+          <a:p>
+            <a:endParaRPr lang="en-US" dirty="0"/>
           </a:p>
         </p:txBody>
       </p:sp>
     </p:spTree>
     <p:extLst>
       <p:ext uri="{BB962C8B-B14F-4D97-AF65-F5344CB8AC3E}">
-        <p14:creationId xmlns:p14="http://schemas.microsoft.com/office/powerpoint/2010/main" val="1685287679"/>
+        <p14:creationId xmlns:p14="http://schemas.microsoft.com/office/powerpoint/2010/main" val="3582380574"/>
       </p:ext>
     </p:extLst>
   </p:cSld>
@@ -10737,7 +11059,7 @@
           <p:cNvPr id="2" name="Title 1">
             <a:extLst>
               <a:ext uri="{FF2B5EF4-FFF2-40B4-BE49-F238E27FC236}">
-                <a16:creationId xmlns:a16="http://schemas.microsoft.com/office/drawing/2014/main" id="{DEC2DADE-FA92-A304-D559-D197F850CC0B}"/>
+                <a16:creationId xmlns:a16="http://schemas.microsoft.com/office/drawing/2014/main" id="{5D283DDB-5E70-BE28-3EED-6919897DDC78}"/>
               </a:ext>
             </a:extLst>
           </p:cNvPr>
@@ -10755,7 +11077,7 @@
           <a:p>
             <a:r>
               <a:rPr lang="en-US" dirty="0"/>
-              <a:t>Plugins</a:t>
+              <a:t>DEMO</a:t>
             </a:r>
           </a:p>
         </p:txBody>
@@ -10765,7 +11087,7 @@
           <p:cNvPr id="3" name="Content Placeholder 2">
             <a:extLst>
               <a:ext uri="{FF2B5EF4-FFF2-40B4-BE49-F238E27FC236}">
-                <a16:creationId xmlns:a16="http://schemas.microsoft.com/office/drawing/2014/main" id="{E06809C9-DCCC-61BB-9AED-AAEF6DBE8B71}"/>
+                <a16:creationId xmlns:a16="http://schemas.microsoft.com/office/drawing/2014/main" id="{62AD2CCB-A577-86B2-F813-24213EB4A9C6}"/>
               </a:ext>
             </a:extLst>
           </p:cNvPr>
@@ -10776,84 +11098,45 @@
             <p:ph idx="1"/>
           </p:nvPr>
         </p:nvSpPr>
-        <p:spPr>
-          <a:xfrm>
-            <a:off x="838200" y="1407381"/>
-            <a:ext cx="10515600" cy="4769582"/>
-          </a:xfrm>
-        </p:spPr>
-        <p:txBody>
-          <a:bodyPr>
-            <a:normAutofit lnSpcReduction="10000"/>
-          </a:bodyPr>
-          <a:lstStyle/>
-          <a:p>
-            <a:endParaRPr lang="en-US" dirty="0">
-              <a:solidFill>
-                <a:srgbClr val="FF0000"/>
-              </a:solidFill>
-            </a:endParaRPr>
-          </a:p>
-          <a:p>
-            <a:r>
-              <a:rPr lang="en-US" sz="3000" dirty="0"/>
-              <a:t>Listen to events</a:t>
-            </a:r>
-          </a:p>
-          <a:p>
-            <a:pPr lvl="1"/>
-            <a:r>
-              <a:rPr lang="en-US" sz="2600" dirty="0"/>
-              <a:t>Hit: when a value was in the cache (there's also a flag to indicate if the data was stale or not)</a:t>
-            </a:r>
-          </a:p>
-          <a:p>
-            <a:pPr lvl="1"/>
-            <a:r>
-              <a:rPr lang="en-US" sz="2600" dirty="0"/>
-              <a:t>Miss: when a value was not in the cache</a:t>
-            </a:r>
-          </a:p>
-          <a:p>
-            <a:pPr lvl="1"/>
-            <a:r>
-              <a:rPr lang="en-US" sz="2600" dirty="0"/>
-              <a:t>Remove: when an entry has been removed</a:t>
-            </a:r>
-          </a:p>
-          <a:p>
-            <a:pPr lvl="1"/>
-            <a:r>
-              <a:rPr lang="en-US" sz="2600" dirty="0"/>
-              <a:t>Eviction: when an eviction occurred, along with the reason (only for the memory level)</a:t>
-            </a:r>
-          </a:p>
-          <a:p>
-            <a:pPr lvl="1"/>
-            <a:r>
-              <a:rPr lang="en-US" sz="2600" dirty="0" err="1"/>
-              <a:t>FailSafeActivation</a:t>
-            </a:r>
-            <a:r>
-              <a:rPr lang="en-US" sz="2600" dirty="0"/>
-              <a:t>: when the fail-safe mechanism kicked in</a:t>
-            </a:r>
-          </a:p>
-          <a:p>
-            <a:endParaRPr lang="en-US" sz="3000" dirty="0"/>
-          </a:p>
-          <a:p>
-            <a:r>
-              <a:rPr lang="en-US" sz="3000" dirty="0"/>
-              <a:t>Run in background </a:t>
-            </a:r>
+        <p:spPr/>
+        <p:txBody>
+          <a:bodyPr/>
+          <a:lstStyle/>
+          <a:p>
+            <a:r>
+              <a:rPr lang="en-US" dirty="0"/>
+              <a:t>Back Plane</a:t>
+            </a:r>
+          </a:p>
+          <a:p>
+            <a:r>
+              <a:rPr lang="en-US" sz="1800" dirty="0">
+                <a:solidFill>
+                  <a:srgbClr val="000000"/>
+                </a:solidFill>
+                <a:latin typeface="Cascadia Mono" panose="020B0609020000020004" pitchFamily="49" charset="0"/>
+              </a:rPr>
+              <a:t>set-cache-entry-raw on W1</a:t>
+            </a:r>
+          </a:p>
+          <a:p>
+            <a:r>
+              <a:rPr lang="en-US" sz="1800" dirty="0">
+                <a:solidFill>
+                  <a:srgbClr val="000000"/>
+                </a:solidFill>
+                <a:latin typeface="Cascadia Mono" panose="020B0609020000020004" pitchFamily="49" charset="0"/>
+              </a:rPr>
+              <a:t>get-cache-entry-raw on W2, N1, N2</a:t>
+            </a:r>
+            <a:endParaRPr lang="en-US" dirty="0"/>
           </a:p>
         </p:txBody>
       </p:sp>
     </p:spTree>
     <p:extLst>
       <p:ext uri="{BB962C8B-B14F-4D97-AF65-F5344CB8AC3E}">
-        <p14:creationId xmlns:p14="http://schemas.microsoft.com/office/powerpoint/2010/main" val="3045623098"/>
+        <p14:creationId xmlns:p14="http://schemas.microsoft.com/office/powerpoint/2010/main" val="1685287679"/>
       </p:ext>
     </p:extLst>
   </p:cSld>
@@ -10882,6 +11165,154 @@
       </p:grpSpPr>
       <p:sp>
         <p:nvSpPr>
+          <p:cNvPr id="2" name="Title 1">
+            <a:extLst>
+              <a:ext uri="{FF2B5EF4-FFF2-40B4-BE49-F238E27FC236}">
+                <a16:creationId xmlns:a16="http://schemas.microsoft.com/office/drawing/2014/main" id="{DEC2DADE-FA92-A304-D559-D197F850CC0B}"/>
+              </a:ext>
+            </a:extLst>
+          </p:cNvPr>
+          <p:cNvSpPr>
+            <a:spLocks noGrp="1"/>
+          </p:cNvSpPr>
+          <p:nvPr>
+            <p:ph type="title"/>
+          </p:nvPr>
+        </p:nvSpPr>
+        <p:spPr/>
+        <p:txBody>
+          <a:bodyPr/>
+          <a:lstStyle/>
+          <a:p>
+            <a:r>
+              <a:rPr lang="en-US" dirty="0"/>
+              <a:t>Plugins</a:t>
+            </a:r>
+          </a:p>
+        </p:txBody>
+      </p:sp>
+      <p:sp>
+        <p:nvSpPr>
+          <p:cNvPr id="3" name="Content Placeholder 2">
+            <a:extLst>
+              <a:ext uri="{FF2B5EF4-FFF2-40B4-BE49-F238E27FC236}">
+                <a16:creationId xmlns:a16="http://schemas.microsoft.com/office/drawing/2014/main" id="{E06809C9-DCCC-61BB-9AED-AAEF6DBE8B71}"/>
+              </a:ext>
+            </a:extLst>
+          </p:cNvPr>
+          <p:cNvSpPr>
+            <a:spLocks noGrp="1"/>
+          </p:cNvSpPr>
+          <p:nvPr>
+            <p:ph idx="1"/>
+          </p:nvPr>
+        </p:nvSpPr>
+        <p:spPr>
+          <a:xfrm>
+            <a:off x="838200" y="1407381"/>
+            <a:ext cx="10515600" cy="4769582"/>
+          </a:xfrm>
+        </p:spPr>
+        <p:txBody>
+          <a:bodyPr>
+            <a:normAutofit lnSpcReduction="10000"/>
+          </a:bodyPr>
+          <a:lstStyle/>
+          <a:p>
+            <a:endParaRPr lang="en-US" dirty="0">
+              <a:solidFill>
+                <a:srgbClr val="FF0000"/>
+              </a:solidFill>
+            </a:endParaRPr>
+          </a:p>
+          <a:p>
+            <a:r>
+              <a:rPr lang="en-US" sz="3000" dirty="0"/>
+              <a:t>Listen to events</a:t>
+            </a:r>
+          </a:p>
+          <a:p>
+            <a:pPr lvl="1"/>
+            <a:r>
+              <a:rPr lang="en-US" sz="2600" dirty="0"/>
+              <a:t>Hit: when a value was in the cache (there's also a flag to indicate if the data was stale or not)</a:t>
+            </a:r>
+          </a:p>
+          <a:p>
+            <a:pPr lvl="1"/>
+            <a:r>
+              <a:rPr lang="en-US" sz="2600" dirty="0"/>
+              <a:t>Miss: when a value was not in the cache</a:t>
+            </a:r>
+          </a:p>
+          <a:p>
+            <a:pPr lvl="1"/>
+            <a:r>
+              <a:rPr lang="en-US" sz="2600" dirty="0"/>
+              <a:t>Remove: when an entry has been removed</a:t>
+            </a:r>
+          </a:p>
+          <a:p>
+            <a:pPr lvl="1"/>
+            <a:r>
+              <a:rPr lang="en-US" sz="2600" dirty="0"/>
+              <a:t>Eviction: when an eviction occurred, along with the reason (only for the memory level)</a:t>
+            </a:r>
+          </a:p>
+          <a:p>
+            <a:pPr lvl="1"/>
+            <a:r>
+              <a:rPr lang="en-US" sz="2600" dirty="0" err="1"/>
+              <a:t>FailSafeActivation</a:t>
+            </a:r>
+            <a:r>
+              <a:rPr lang="en-US" sz="2600" dirty="0"/>
+              <a:t>: when the fail-safe mechanism kicked in</a:t>
+            </a:r>
+          </a:p>
+          <a:p>
+            <a:endParaRPr lang="en-US" sz="3000" dirty="0"/>
+          </a:p>
+          <a:p>
+            <a:r>
+              <a:rPr lang="en-US" sz="3000" dirty="0"/>
+              <a:t>Run in background </a:t>
+            </a:r>
+          </a:p>
+        </p:txBody>
+      </p:sp>
+    </p:spTree>
+    <p:extLst>
+      <p:ext uri="{BB962C8B-B14F-4D97-AF65-F5344CB8AC3E}">
+        <p14:creationId xmlns:p14="http://schemas.microsoft.com/office/powerpoint/2010/main" val="3045623098"/>
+      </p:ext>
+    </p:extLst>
+  </p:cSld>
+  <p:clrMapOvr>
+    <a:masterClrMapping/>
+  </p:clrMapOvr>
+</p:sld>
+</file>
+
+<file path=ppt/slides/slide38.xml><?xml version="1.0" encoding="utf-8"?>
+<p:sld xmlns:a="http://schemas.openxmlformats.org/drawingml/2006/main" xmlns:r="http://schemas.openxmlformats.org/officeDocument/2006/relationships" xmlns:p="http://schemas.openxmlformats.org/presentationml/2006/main">
+  <p:cSld>
+    <p:spTree>
+      <p:nvGrpSpPr>
+        <p:cNvPr id="1" name=""/>
+        <p:cNvGrpSpPr/>
+        <p:nvPr/>
+      </p:nvGrpSpPr>
+      <p:grpSpPr>
+        <a:xfrm>
+          <a:off x="0" y="0"/>
+          <a:ext cx="0" cy="0"/>
+          <a:chOff x="0" y="0"/>
+          <a:chExt cx="0" cy="0"/>
+        </a:xfrm>
+      </p:grpSpPr>
+      <p:sp>
+        <p:nvSpPr>
           <p:cNvPr id="2" name="Titolo 1"/>
           <p:cNvSpPr>
             <a:spLocks noGrp="1"/>
@@ -11051,7 +11482,7 @@
 </p:sld>
 </file>
 
-<file path=ppt/slides/slide38.xml><?xml version="1.0" encoding="utf-8"?>
+<file path=ppt/slides/slide39.xml><?xml version="1.0" encoding="utf-8"?>
 <p:sld xmlns:a="http://schemas.openxmlformats.org/drawingml/2006/main" xmlns:r="http://schemas.openxmlformats.org/officeDocument/2006/relationships" xmlns:p="http://schemas.openxmlformats.org/presentationml/2006/main">
   <p:cSld>
     <p:spTree>
@@ -12744,14 +13175,26 @@
           <a:lstStyle/>
           <a:p>
             <a:r>
-              <a:rPr lang="en-US" dirty="0"/>
+              <a:rPr lang="en-US" dirty="0">
+                <a:highlight>
+                  <a:srgbClr val="FFFF00"/>
+                </a:highlight>
+              </a:rPr>
               <a:t>Every instance has its own </a:t>
             </a:r>
             <a:br>
-              <a:rPr lang="en-US" dirty="0"/>
+              <a:rPr lang="en-US" dirty="0">
+                <a:highlight>
+                  <a:srgbClr val="FFFF00"/>
+                </a:highlight>
+              </a:rPr>
             </a:br>
             <a:r>
-              <a:rPr lang="en-US" dirty="0"/>
+              <a:rPr lang="en-US" dirty="0">
+                <a:highlight>
+                  <a:srgbClr val="FFFF00"/>
+                </a:highlight>
+              </a:rPr>
               <a:t>memory cache</a:t>
             </a:r>
           </a:p>
@@ -12854,7 +13297,15 @@
             <a:pPr lvl="1"/>
             <a:r>
               <a:rPr lang="en-US" dirty="0"/>
-              <a:t>Some solutions (Redis) are fast, still remember you are still doing a network roundtrip</a:t>
+              <a:t>Some solutions (Redis) are fast, still remember </a:t>
+            </a:r>
+            <a:r>
+              <a:rPr lang="en-US" dirty="0">
+                <a:highlight>
+                  <a:srgbClr val="FFFF00"/>
+                </a:highlight>
+              </a:rPr>
+              <a:t>you are still doing a network roundtrip</a:t>
             </a:r>
           </a:p>
           <a:p>

--- a/cache-like-a-pro.pptx
+++ b/cache-like-a-pro.pptx
@@ -14,36 +14,40 @@
     <p:sldId id="291" r:id="rId8"/>
     <p:sldId id="293" r:id="rId9"/>
     <p:sldId id="292" r:id="rId10"/>
-    <p:sldId id="294" r:id="rId11"/>
-    <p:sldId id="283" r:id="rId12"/>
-    <p:sldId id="284" r:id="rId13"/>
-    <p:sldId id="285" r:id="rId14"/>
-    <p:sldId id="270" r:id="rId15"/>
+    <p:sldId id="270" r:id="rId11"/>
+    <p:sldId id="294" r:id="rId12"/>
+    <p:sldId id="283" r:id="rId13"/>
+    <p:sldId id="284" r:id="rId14"/>
+    <p:sldId id="285" r:id="rId15"/>
     <p:sldId id="286" r:id="rId16"/>
     <p:sldId id="267" r:id="rId17"/>
-    <p:sldId id="259" r:id="rId18"/>
-    <p:sldId id="263" r:id="rId19"/>
-    <p:sldId id="264" r:id="rId20"/>
-    <p:sldId id="265" r:id="rId21"/>
-    <p:sldId id="266" r:id="rId22"/>
-    <p:sldId id="268" r:id="rId23"/>
-    <p:sldId id="298" r:id="rId24"/>
-    <p:sldId id="272" r:id="rId25"/>
-    <p:sldId id="261" r:id="rId26"/>
-    <p:sldId id="279" r:id="rId27"/>
-    <p:sldId id="277" r:id="rId28"/>
-    <p:sldId id="287" r:id="rId29"/>
-    <p:sldId id="271" r:id="rId30"/>
-    <p:sldId id="288" r:id="rId31"/>
-    <p:sldId id="273" r:id="rId32"/>
-    <p:sldId id="275" r:id="rId33"/>
-    <p:sldId id="297" r:id="rId34"/>
-    <p:sldId id="278" r:id="rId35"/>
-    <p:sldId id="274" r:id="rId36"/>
-    <p:sldId id="290" r:id="rId37"/>
-    <p:sldId id="280" r:id="rId38"/>
-    <p:sldId id="281" r:id="rId39"/>
-    <p:sldId id="282" r:id="rId40"/>
+    <p:sldId id="299" r:id="rId18"/>
+    <p:sldId id="259" r:id="rId19"/>
+    <p:sldId id="263" r:id="rId20"/>
+    <p:sldId id="264" r:id="rId21"/>
+    <p:sldId id="265" r:id="rId22"/>
+    <p:sldId id="266" r:id="rId23"/>
+    <p:sldId id="300" r:id="rId24"/>
+    <p:sldId id="268" r:id="rId25"/>
+    <p:sldId id="298" r:id="rId26"/>
+    <p:sldId id="272" r:id="rId27"/>
+    <p:sldId id="261" r:id="rId28"/>
+    <p:sldId id="279" r:id="rId29"/>
+    <p:sldId id="277" r:id="rId30"/>
+    <p:sldId id="287" r:id="rId31"/>
+    <p:sldId id="271" r:id="rId32"/>
+    <p:sldId id="288" r:id="rId33"/>
+    <p:sldId id="273" r:id="rId34"/>
+    <p:sldId id="275" r:id="rId35"/>
+    <p:sldId id="297" r:id="rId36"/>
+    <p:sldId id="278" r:id="rId37"/>
+    <p:sldId id="274" r:id="rId38"/>
+    <p:sldId id="290" r:id="rId39"/>
+    <p:sldId id="301" r:id="rId40"/>
+    <p:sldId id="280" r:id="rId41"/>
+    <p:sldId id="281" r:id="rId42"/>
+    <p:sldId id="282" r:id="rId43"/>
+    <p:sldId id="302" r:id="rId44"/>
   </p:sldIdLst>
   <p:sldSz cx="12192000" cy="6858000"/>
   <p:notesSz cx="6858000" cy="9144000"/>
@@ -150,6 +154,34 @@
 </p:presentation>
 </file>
 
+<file path=ppt/ink/ink1.xml><?xml version="1.0" encoding="utf-8"?>
+<inkml:ink xmlns:inkml="http://www.w3.org/2003/InkML">
+  <inkml:definitions>
+    <inkml:context xml:id="ctx0">
+      <inkml:inkSource xml:id="inkSrc0">
+        <inkml:traceFormat>
+          <inkml:channel name="X" type="integer" min="-2.14748E9" max="2.14748E9" units="cm"/>
+          <inkml:channel name="Y" type="integer" min="-2.14748E9" max="2.14748E9" units="cm"/>
+          <inkml:channel name="F" type="integer" max="32767" units="dev"/>
+        </inkml:traceFormat>
+        <inkml:channelProperties>
+          <inkml:channelProperty channel="X" name="resolution" value="1000" units="1/cm"/>
+          <inkml:channelProperty channel="Y" name="resolution" value="1000" units="1/cm"/>
+          <inkml:channelProperty channel="F" name="resolution" value="0" units="1/dev"/>
+        </inkml:channelProperties>
+      </inkml:inkSource>
+      <inkml:timestamp xml:id="ts0" timeString="2024-07-15T13:48:42.722"/>
+    </inkml:context>
+    <inkml:brush xml:id="br0">
+      <inkml:brushProperty name="width" value="0.05" units="cm"/>
+      <inkml:brushProperty name="height" value="0.05" units="cm"/>
+      <inkml:brushProperty name="color" value="#E71224"/>
+    </inkml:brush>
+  </inkml:definitions>
+  <inkml:trace contextRef="#ctx0" brushRef="#br0">830 1424 24575,'0'0'0,"0"0"0,-1 0 0,1-1 0,0 1 0,0 0 0,-1 0 0,1 0 0,0 0 0,0 0 0,-1 0 0,1 0 0,0 0 0,-1 0 0,1 0 0,0 0 0,0 0 0,-1 0 0,1 0 0,0 0 0,0 0 0,-1 0 0,1 0 0,0 0 0,-1 0 0,1 0 0,0 1 0,0-1 0,-1 0 0,1 0 0,0 0 0,0 0 0,0 1 0,-1-1 0,1 0 0,0 0 0,0 0 0,0 1 0,0-1 0,-1 0 0,1 0 0,0 1 0,0-1 0,0 0 0,0 1 0,0-1 0,0 0 0,0 0 0,0 1 0,0-1 0,0 0 0,0 1 0,0-1 0,0 0 0,0 0 0,0 1 0,0-1 0,0 0 0,0 0 0,0 1 0,0-1 0,0 0 0,1 0 0,-1 1 0,0-1 0,18 13 0,31 0 0,2-1 0,-1-3 0,91 5 0,-85-10 0,1 2 0,94 23 0,-122-20 0,3 1 0,1 0 0,0-2 0,0-2 0,0-1 0,40 0 0,-11-7 0,0-3 0,0-3 0,-1-2 0,118-37 0,-172 45 0,-1-1 0,0 0 0,1 0 0,-1-1 0,0 0 0,-1 0 0,1 0 0,-1-1 0,0 0 0,0 0 0,0 0 0,0-1 0,-1 1 0,5-10 0,4-8 0,-2-1 0,14-38 0,-19 48 0,2-15 0,0 1 0,5-39 0,-5 20 0,-1-2 0,-3-1 0,-1-1 0,-6-61 0,0 8 0,5 29 0,1 43 0,-3-1 0,0 1 0,-10-61 0,6 82 0,0 0 0,0 1 0,-1 0 0,-1 0 0,1 0 0,-2 0 0,1 1 0,-1 0 0,-1 0 0,0 1 0,0 0 0,0 0 0,-1 1 0,0 0 0,-1 1 0,-12-8 0,-14-5 0,-1 1 0,0 2 0,-48-15 0,-265-53 0,74 22 0,-145-45 0,395 100 0,-1 2 0,0 1 0,-1 1 0,1 1 0,-43 3 0,-135 22 0,188-21 0,-27 4 0,8-2 0,0 2 0,1 0 0,0 3 0,-57 21 0,84-25 0,1 0 0,-1 1 0,1 1 0,0-1 0,0 1 0,1 1 0,0-1 0,0 1 0,1 0 0,0 0 0,1 0 0,-6 13 0,-7 10 0,3-7 0,2 0 0,0 0 0,2 1 0,0 0 0,2 1 0,-6 34 0,11-41 0,1-1 0,0 1 0,2 0 0,0 0 0,1-1 0,1 1 0,0-1 0,2 1 0,11 34 0,8 9 0,3-2 0,3 0 0,2-2 0,52 73 0,-56-94 0,2-1 0,1-2 0,1 0 0,2-2 0,2-2 0,0-1 0,45 27 0,-52-41 0,1-1 0,50 16 0,-57-23 0,-1 0 0,0 2 0,0 1 0,0 0 0,-1 1 0,35 27 0,-37-23-136,1-1-1,1-1 1,0-1-1,1-1 1,0 0-1,0-2 1,1 0-1,1-2 0,38 9 1,-29-11-6690</inkml:trace>
+</inkml:ink>
+</file>
+
 <file path=ppt/slideLayouts/slideLayout1.xml><?xml version="1.0" encoding="utf-8"?>
 <p:sldLayout xmlns:a="http://schemas.openxmlformats.org/drawingml/2006/main" xmlns:r="http://schemas.openxmlformats.org/officeDocument/2006/relationships" xmlns:p="http://schemas.openxmlformats.org/presentationml/2006/main" type="title" preserve="1">
   <p:cSld name="Title Slide">
@@ -297,7 +329,7 @@
           <a:p>
             <a:fld id="{7D239A87-38DC-4C6E-8233-D704AE9A351F}" type="datetimeFigureOut">
               <a:rPr lang="en-US" smtClean="0"/>
-              <a:t>7/13/2024</a:t>
+              <a:t>7/15/2024</a:t>
             </a:fld>
             <a:endParaRPr lang="en-US"/>
           </a:p>
@@ -495,7 +527,7 @@
           <a:p>
             <a:fld id="{7D239A87-38DC-4C6E-8233-D704AE9A351F}" type="datetimeFigureOut">
               <a:rPr lang="en-US" smtClean="0"/>
-              <a:t>7/13/2024</a:t>
+              <a:t>7/15/2024</a:t>
             </a:fld>
             <a:endParaRPr lang="en-US"/>
           </a:p>
@@ -703,7 +735,7 @@
           <a:p>
             <a:fld id="{7D239A87-38DC-4C6E-8233-D704AE9A351F}" type="datetimeFigureOut">
               <a:rPr lang="en-US" smtClean="0"/>
-              <a:t>7/13/2024</a:t>
+              <a:t>7/15/2024</a:t>
             </a:fld>
             <a:endParaRPr lang="en-US"/>
           </a:p>
@@ -901,7 +933,7 @@
           <a:p>
             <a:fld id="{7D239A87-38DC-4C6E-8233-D704AE9A351F}" type="datetimeFigureOut">
               <a:rPr lang="en-US" smtClean="0"/>
-              <a:t>7/13/2024</a:t>
+              <a:t>7/15/2024</a:t>
             </a:fld>
             <a:endParaRPr lang="en-US"/>
           </a:p>
@@ -1176,7 +1208,7 @@
           <a:p>
             <a:fld id="{7D239A87-38DC-4C6E-8233-D704AE9A351F}" type="datetimeFigureOut">
               <a:rPr lang="en-US" smtClean="0"/>
-              <a:t>7/13/2024</a:t>
+              <a:t>7/15/2024</a:t>
             </a:fld>
             <a:endParaRPr lang="en-US"/>
           </a:p>
@@ -1441,7 +1473,7 @@
           <a:p>
             <a:fld id="{7D239A87-38DC-4C6E-8233-D704AE9A351F}" type="datetimeFigureOut">
               <a:rPr lang="en-US" smtClean="0"/>
-              <a:t>7/13/2024</a:t>
+              <a:t>7/15/2024</a:t>
             </a:fld>
             <a:endParaRPr lang="en-US"/>
           </a:p>
@@ -1853,7 +1885,7 @@
           <a:p>
             <a:fld id="{7D239A87-38DC-4C6E-8233-D704AE9A351F}" type="datetimeFigureOut">
               <a:rPr lang="en-US" smtClean="0"/>
-              <a:t>7/13/2024</a:t>
+              <a:t>7/15/2024</a:t>
             </a:fld>
             <a:endParaRPr lang="en-US"/>
           </a:p>
@@ -1994,7 +2026,7 @@
           <a:p>
             <a:fld id="{7D239A87-38DC-4C6E-8233-D704AE9A351F}" type="datetimeFigureOut">
               <a:rPr lang="en-US" smtClean="0"/>
-              <a:t>7/13/2024</a:t>
+              <a:t>7/15/2024</a:t>
             </a:fld>
             <a:endParaRPr lang="en-US"/>
           </a:p>
@@ -2107,7 +2139,7 @@
           <a:p>
             <a:fld id="{7D239A87-38DC-4C6E-8233-D704AE9A351F}" type="datetimeFigureOut">
               <a:rPr lang="en-US" smtClean="0"/>
-              <a:t>7/13/2024</a:t>
+              <a:t>7/15/2024</a:t>
             </a:fld>
             <a:endParaRPr lang="en-US"/>
           </a:p>
@@ -2418,7 +2450,7 @@
           <a:p>
             <a:fld id="{7D239A87-38DC-4C6E-8233-D704AE9A351F}" type="datetimeFigureOut">
               <a:rPr lang="en-US" smtClean="0"/>
-              <a:t>7/13/2024</a:t>
+              <a:t>7/15/2024</a:t>
             </a:fld>
             <a:endParaRPr lang="en-US"/>
           </a:p>
@@ -2706,7 +2738,7 @@
           <a:p>
             <a:fld id="{7D239A87-38DC-4C6E-8233-D704AE9A351F}" type="datetimeFigureOut">
               <a:rPr lang="en-US" smtClean="0"/>
-              <a:t>7/13/2024</a:t>
+              <a:t>7/15/2024</a:t>
             </a:fld>
             <a:endParaRPr lang="en-US"/>
           </a:p>
@@ -2947,7 +2979,7 @@
           <a:p>
             <a:fld id="{7D239A87-38DC-4C6E-8233-D704AE9A351F}" type="datetimeFigureOut">
               <a:rPr lang="en-US" smtClean="0"/>
-              <a:t>7/13/2024</a:t>
+              <a:t>7/15/2024</a:t>
             </a:fld>
             <a:endParaRPr lang="en-US"/>
           </a:p>
@@ -3053,7 +3085,7 @@
             </a:extLst>
           </p:cNvPr>
           <p:cNvSpPr txBox="1"/>
-          <p:nvPr userDrawn="1">
+          <p:nvPr>
             <p:extLst>
               <p:ext uri="{1162E1C5-73C7-4A58-AE30-91384D911F3F}">
                 <p184:classification xmlns:p184="http://schemas.microsoft.com/office/powerpoint/2018/4/main" val="ftr"/>
@@ -3064,7 +3096,7 @@
         <p:spPr>
           <a:xfrm>
             <a:off x="190500" y="6515100"/>
-            <a:ext cx="1019175" cy="152400"/>
+            <a:ext cx="923925" cy="152400"/>
           </a:xfrm>
           <a:prstGeom prst="rect">
             <a:avLst/>
@@ -3085,7 +3117,7 @@
                 <a:latin typeface="Calibri" panose="020F0502020204030204" pitchFamily="34" charset="0"/>
                 <a:cs typeface="Calibri" panose="020F0502020204030204" pitchFamily="34" charset="0"/>
               </a:rPr>
-              <a:t>Sensitivity: Internal</a:t>
+              <a:t>Sensitivity: Public</a:t>
             </a:r>
           </a:p>
         </p:txBody>
@@ -3429,12 +3461,30 @@
         </p:nvSpPr>
         <p:spPr/>
         <p:txBody>
-          <a:bodyPr/>
+          <a:bodyPr>
+            <a:normAutofit fontScale="90000"/>
+          </a:bodyPr>
           <a:lstStyle/>
           <a:p>
             <a:r>
               <a:rPr lang="en-US" dirty="0"/>
-              <a:t>Cache like a pro with "</a:t>
+              <a:t>Azure Web App con un "caching" da </a:t>
+            </a:r>
+            <a:r>
+              <a:rPr lang="en-US" dirty="0" err="1"/>
+              <a:t>professionista</a:t>
+            </a:r>
+            <a:r>
+              <a:rPr lang="en-US" dirty="0"/>
+              <a:t> </a:t>
+            </a:r>
+            <a:r>
+              <a:rPr lang="en-US" dirty="0" err="1"/>
+              <a:t>usando</a:t>
+            </a:r>
+            <a:r>
+              <a:rPr lang="en-US" dirty="0"/>
+              <a:t> "</a:t>
             </a:r>
             <a:r>
               <a:rPr lang="en-US" dirty="0" err="1"/>
@@ -3470,7 +3520,7 @@
           <a:p>
             <a:r>
               <a:rPr lang="en-US" dirty="0"/>
-              <a:t>Enrico Sabbadin</a:t>
+              <a:t>Enrico Sabbadin (MSC Technology Italy)</a:t>
             </a:r>
           </a:p>
         </p:txBody>
@@ -3510,6 +3560,130 @@
           <p:cNvPr id="2" name="Title 1">
             <a:extLst>
               <a:ext uri="{FF2B5EF4-FFF2-40B4-BE49-F238E27FC236}">
+                <a16:creationId xmlns:a16="http://schemas.microsoft.com/office/drawing/2014/main" id="{2EB29AA9-B256-F216-49DC-AB81E1131992}"/>
+              </a:ext>
+            </a:extLst>
+          </p:cNvPr>
+          <p:cNvSpPr>
+            <a:spLocks noGrp="1"/>
+          </p:cNvSpPr>
+          <p:nvPr>
+            <p:ph type="title"/>
+          </p:nvPr>
+        </p:nvSpPr>
+        <p:spPr/>
+        <p:txBody>
+          <a:bodyPr/>
+          <a:lstStyle/>
+          <a:p>
+            <a:r>
+              <a:rPr lang="en-US" dirty="0"/>
+              <a:t>Distributed (shared) cache</a:t>
+            </a:r>
+          </a:p>
+        </p:txBody>
+      </p:sp>
+      <p:sp>
+        <p:nvSpPr>
+          <p:cNvPr id="3" name="Content Placeholder 2">
+            <a:extLst>
+              <a:ext uri="{FF2B5EF4-FFF2-40B4-BE49-F238E27FC236}">
+                <a16:creationId xmlns:a16="http://schemas.microsoft.com/office/drawing/2014/main" id="{B704A45C-E945-C252-BC40-6FD394E16A25}"/>
+              </a:ext>
+            </a:extLst>
+          </p:cNvPr>
+          <p:cNvSpPr>
+            <a:spLocks noGrp="1"/>
+          </p:cNvSpPr>
+          <p:nvPr>
+            <p:ph idx="1"/>
+          </p:nvPr>
+        </p:nvSpPr>
+        <p:spPr/>
+        <p:txBody>
+          <a:bodyPr/>
+          <a:lstStyle/>
+          <a:p>
+            <a:r>
+              <a:rPr lang="en-US" dirty="0"/>
+              <a:t>Microsoft provide </a:t>
+            </a:r>
+            <a:r>
+              <a:rPr lang="en-US" dirty="0" err="1"/>
+              <a:t>IDistributedCache</a:t>
+            </a:r>
+            <a:r>
+              <a:rPr lang="en-US" dirty="0"/>
+              <a:t> </a:t>
+            </a:r>
+          </a:p>
+          <a:p>
+            <a:r>
+              <a:rPr lang="en-US" dirty="0"/>
+              <a:t>There are "many" </a:t>
+            </a:r>
+            <a:r>
+              <a:rPr lang="en-US" dirty="0" err="1"/>
+              <a:t>IDistributedCache</a:t>
+            </a:r>
+            <a:r>
+              <a:rPr lang="en-US" dirty="0"/>
+              <a:t> implementations (Redis, </a:t>
+            </a:r>
+            <a:r>
+              <a:rPr lang="en-US" dirty="0" err="1"/>
+              <a:t>SqlServer</a:t>
+            </a:r>
+            <a:r>
+              <a:rPr lang="en-US" dirty="0"/>
+              <a:t>, </a:t>
+            </a:r>
+            <a:r>
+              <a:rPr lang="en-US" dirty="0" err="1"/>
+              <a:t>Ncache</a:t>
+            </a:r>
+            <a:r>
+              <a:rPr lang="en-US" dirty="0"/>
+              <a:t>, Azure Cosmo Db, etc..)</a:t>
+            </a:r>
+          </a:p>
+        </p:txBody>
+      </p:sp>
+    </p:spTree>
+    <p:extLst>
+      <p:ext uri="{BB962C8B-B14F-4D97-AF65-F5344CB8AC3E}">
+        <p14:creationId xmlns:p14="http://schemas.microsoft.com/office/powerpoint/2010/main" val="3268183485"/>
+      </p:ext>
+    </p:extLst>
+  </p:cSld>
+  <p:clrMapOvr>
+    <a:masterClrMapping/>
+  </p:clrMapOvr>
+</p:sld>
+</file>
+
+<file path=ppt/slides/slide11.xml><?xml version="1.0" encoding="utf-8"?>
+<p:sld xmlns:a="http://schemas.openxmlformats.org/drawingml/2006/main" xmlns:r="http://schemas.openxmlformats.org/officeDocument/2006/relationships" xmlns:p="http://schemas.openxmlformats.org/presentationml/2006/main">
+  <p:cSld>
+    <p:spTree>
+      <p:nvGrpSpPr>
+        <p:cNvPr id="1" name=""/>
+        <p:cNvGrpSpPr/>
+        <p:nvPr/>
+      </p:nvGrpSpPr>
+      <p:grpSpPr>
+        <a:xfrm>
+          <a:off x="0" y="0"/>
+          <a:ext cx="0" cy="0"/>
+          <a:chOff x="0" y="0"/>
+          <a:chExt cx="0" cy="0"/>
+        </a:xfrm>
+      </p:grpSpPr>
+      <p:sp>
+        <p:nvSpPr>
+          <p:cNvPr id="2" name="Title 1">
+            <a:extLst>
+              <a:ext uri="{FF2B5EF4-FFF2-40B4-BE49-F238E27FC236}">
                 <a16:creationId xmlns:a16="http://schemas.microsoft.com/office/drawing/2014/main" id="{94F5AAF0-B056-B7F5-5F53-6F4EB4606563}"/>
               </a:ext>
             </a:extLst>
@@ -3627,14 +3801,26 @@
           <a:lstStyle/>
           <a:p>
             <a:r>
-              <a:rPr lang="en-US" dirty="0"/>
+              <a:rPr lang="en-US" dirty="0">
+                <a:highlight>
+                  <a:srgbClr val="FFFF00"/>
+                </a:highlight>
+              </a:rPr>
               <a:t>All instances share the same cache </a:t>
             </a:r>
             <a:br>
-              <a:rPr lang="en-US" dirty="0"/>
+              <a:rPr lang="en-US" dirty="0">
+                <a:highlight>
+                  <a:srgbClr val="FFFF00"/>
+                </a:highlight>
+              </a:rPr>
             </a:br>
             <a:r>
-              <a:rPr lang="en-US" dirty="0"/>
+              <a:rPr lang="en-US" dirty="0">
+                <a:highlight>
+                  <a:srgbClr val="FFFF00"/>
+                </a:highlight>
+              </a:rPr>
               <a:t>Instead of Redis you can use other centralized stores</a:t>
             </a:r>
           </a:p>
@@ -3718,7 +3904,7 @@
 </p:sld>
 </file>
 
-<file path=ppt/slides/slide11.xml><?xml version="1.0" encoding="utf-8"?>
+<file path=ppt/slides/slide12.xml><?xml version="1.0" encoding="utf-8"?>
 <p:sld xmlns:a="http://schemas.openxmlformats.org/drawingml/2006/main" xmlns:r="http://schemas.openxmlformats.org/officeDocument/2006/relationships" xmlns:p="http://schemas.openxmlformats.org/presentationml/2006/main">
   <p:cSld>
     <p:spTree>
@@ -4617,7 +4803,7 @@
 </p:sld>
 </file>
 
-<file path=ppt/slides/slide12.xml><?xml version="1.0" encoding="utf-8"?>
+<file path=ppt/slides/slide13.xml><?xml version="1.0" encoding="utf-8"?>
 <p:sld xmlns:a="http://schemas.openxmlformats.org/drawingml/2006/main" xmlns:r="http://schemas.openxmlformats.org/officeDocument/2006/relationships" xmlns:p="http://schemas.openxmlformats.org/presentationml/2006/main">
   <p:cSld>
     <p:spTree>
@@ -4856,7 +5042,7 @@
         <p:spPr>
           <a:xfrm>
             <a:off x="697631" y="2185622"/>
-            <a:ext cx="2221377" cy="369332"/>
+            <a:ext cx="2465098" cy="369332"/>
           </a:xfrm>
           <a:prstGeom prst="rect">
             <a:avLst/>
@@ -4871,7 +5057,7 @@
           <a:p>
             <a:r>
               <a:rPr lang="en-US" b="1" dirty="0"/>
-              <a:t>West Europe region</a:t>
+              <a:t>In West Europe region</a:t>
             </a:r>
           </a:p>
         </p:txBody>
@@ -4891,7 +5077,7 @@
         <p:spPr>
           <a:xfrm>
             <a:off x="6227236" y="2175806"/>
-            <a:ext cx="2282676" cy="369332"/>
+            <a:ext cx="2529539" cy="369332"/>
           </a:xfrm>
           <a:prstGeom prst="rect">
             <a:avLst/>
@@ -4906,7 +5092,7 @@
           <a:p>
             <a:r>
               <a:rPr lang="en-US" b="1" dirty="0"/>
-              <a:t>North Europe region</a:t>
+              <a:t>In North Europe region</a:t>
             </a:r>
           </a:p>
         </p:txBody>
@@ -5432,106 +5618,6 @@
 </p:sld>
 </file>
 
-<file path=ppt/slides/slide13.xml><?xml version="1.0" encoding="utf-8"?>
-<p:sld xmlns:a="http://schemas.openxmlformats.org/drawingml/2006/main" xmlns:r="http://schemas.openxmlformats.org/officeDocument/2006/relationships" xmlns:p="http://schemas.openxmlformats.org/presentationml/2006/main">
-  <p:cSld>
-    <p:spTree>
-      <p:nvGrpSpPr>
-        <p:cNvPr id="1" name=""/>
-        <p:cNvGrpSpPr/>
-        <p:nvPr/>
-      </p:nvGrpSpPr>
-      <p:grpSpPr>
-        <a:xfrm>
-          <a:off x="0" y="0"/>
-          <a:ext cx="0" cy="0"/>
-          <a:chOff x="0" y="0"/>
-          <a:chExt cx="0" cy="0"/>
-        </a:xfrm>
-      </p:grpSpPr>
-      <p:sp>
-        <p:nvSpPr>
-          <p:cNvPr id="2" name="Title 1">
-            <a:extLst>
-              <a:ext uri="{FF2B5EF4-FFF2-40B4-BE49-F238E27FC236}">
-                <a16:creationId xmlns:a16="http://schemas.microsoft.com/office/drawing/2014/main" id="{43F4E76F-40E9-3352-84AD-8F715042F7FD}"/>
-              </a:ext>
-            </a:extLst>
-          </p:cNvPr>
-          <p:cNvSpPr>
-            <a:spLocks noGrp="1"/>
-          </p:cNvSpPr>
-          <p:nvPr>
-            <p:ph type="title"/>
-          </p:nvPr>
-        </p:nvSpPr>
-        <p:spPr/>
-        <p:txBody>
-          <a:bodyPr/>
-          <a:lstStyle/>
-          <a:p>
-            <a:r>
-              <a:rPr lang="en-US" dirty="0"/>
-              <a:t>Demo Setup</a:t>
-            </a:r>
-          </a:p>
-        </p:txBody>
-      </p:sp>
-      <p:sp>
-        <p:nvSpPr>
-          <p:cNvPr id="3" name="Content Placeholder 2">
-            <a:extLst>
-              <a:ext uri="{FF2B5EF4-FFF2-40B4-BE49-F238E27FC236}">
-                <a16:creationId xmlns:a16="http://schemas.microsoft.com/office/drawing/2014/main" id="{4834D298-4512-6554-B9F8-2A1DE886F305}"/>
-              </a:ext>
-            </a:extLst>
-          </p:cNvPr>
-          <p:cNvSpPr>
-            <a:spLocks noGrp="1"/>
-          </p:cNvSpPr>
-          <p:nvPr>
-            <p:ph idx="1"/>
-          </p:nvPr>
-        </p:nvSpPr>
-        <p:spPr/>
-        <p:txBody>
-          <a:bodyPr/>
-          <a:lstStyle/>
-          <a:p>
-            <a:r>
-              <a:rPr lang="en-US" dirty="0"/>
-              <a:t>Bicep for provisioning</a:t>
-            </a:r>
-          </a:p>
-          <a:p>
-            <a:r>
-              <a:rPr lang="en-US" dirty="0"/>
-              <a:t>ADO (Azure </a:t>
-            </a:r>
-            <a:r>
-              <a:rPr lang="en-US" dirty="0" err="1"/>
-              <a:t>Devops</a:t>
-            </a:r>
-            <a:r>
-              <a:rPr lang="en-US" dirty="0"/>
-              <a:t>) pipelines for building and deploy</a:t>
-            </a:r>
-          </a:p>
-        </p:txBody>
-      </p:sp>
-    </p:spTree>
-    <p:extLst>
-      <p:ext uri="{BB962C8B-B14F-4D97-AF65-F5344CB8AC3E}">
-        <p14:creationId xmlns:p14="http://schemas.microsoft.com/office/powerpoint/2010/main" val="3735145095"/>
-      </p:ext>
-    </p:extLst>
-  </p:cSld>
-  <p:clrMapOvr>
-    <a:masterClrMapping/>
-  </p:clrMapOvr>
-</p:sld>
-</file>
-
 <file path=ppt/slides/slide14.xml><?xml version="1.0" encoding="utf-8"?>
 <p:sld xmlns:a="http://schemas.openxmlformats.org/drawingml/2006/main" xmlns:r="http://schemas.openxmlformats.org/officeDocument/2006/relationships" xmlns:p="http://schemas.openxmlformats.org/presentationml/2006/main">
   <p:cSld>
@@ -5554,7 +5640,7 @@
           <p:cNvPr id="2" name="Title 1">
             <a:extLst>
               <a:ext uri="{FF2B5EF4-FFF2-40B4-BE49-F238E27FC236}">
-                <a16:creationId xmlns:a16="http://schemas.microsoft.com/office/drawing/2014/main" id="{2EB29AA9-B256-F216-49DC-AB81E1131992}"/>
+                <a16:creationId xmlns:a16="http://schemas.microsoft.com/office/drawing/2014/main" id="{43F4E76F-40E9-3352-84AD-8F715042F7FD}"/>
               </a:ext>
             </a:extLst>
           </p:cNvPr>
@@ -5572,7 +5658,7 @@
           <a:p>
             <a:r>
               <a:rPr lang="en-US" dirty="0"/>
-              <a:t>In memory vs distributed (shared) cache</a:t>
+              <a:t>Demo Setup</a:t>
             </a:r>
           </a:p>
         </p:txBody>
@@ -5582,7 +5668,7 @@
           <p:cNvPr id="3" name="Content Placeholder 2">
             <a:extLst>
               <a:ext uri="{FF2B5EF4-FFF2-40B4-BE49-F238E27FC236}">
-                <a16:creationId xmlns:a16="http://schemas.microsoft.com/office/drawing/2014/main" id="{B704A45C-E945-C252-BC40-6FD394E16A25}"/>
+                <a16:creationId xmlns:a16="http://schemas.microsoft.com/office/drawing/2014/main" id="{4834D298-4512-6554-B9F8-2A1DE886F305}"/>
               </a:ext>
             </a:extLst>
           </p:cNvPr>
@@ -5599,58 +5685,22 @@
           <a:lstStyle/>
           <a:p>
             <a:r>
+              <a:rPr lang="en-US" dirty="0"/>
+              <a:t>Bicep for provisioning</a:t>
+            </a:r>
+          </a:p>
+          <a:p>
+            <a:r>
+              <a:rPr lang="en-US" dirty="0"/>
+              <a:t>ADO (Azure </a:t>
+            </a:r>
+            <a:r>
               <a:rPr lang="en-US" dirty="0" err="1"/>
-              <a:t>IMemoryCache</a:t>
+              <a:t>Devops</a:t>
             </a:r>
             <a:r>
               <a:rPr lang="en-US" dirty="0"/>
-              <a:t> and </a:t>
-            </a:r>
-            <a:r>
-              <a:rPr lang="en-US" dirty="0" err="1"/>
-              <a:t>IDistributedCache</a:t>
-            </a:r>
-            <a:r>
-              <a:rPr lang="en-US" dirty="0"/>
-              <a:t> are the two abstractions provided by .NET</a:t>
-            </a:r>
-          </a:p>
-          <a:p>
-            <a:pPr lvl="1"/>
-            <a:r>
-              <a:rPr lang="en-US" dirty="0"/>
-              <a:t>MS clearly state it will not merge the twos into one</a:t>
-            </a:r>
-          </a:p>
-          <a:p>
-            <a:pPr lvl="1"/>
-            <a:r>
-              <a:rPr lang="en-US" dirty="0"/>
-              <a:t>There are "many" </a:t>
-            </a:r>
-            <a:r>
-              <a:rPr lang="en-US" dirty="0" err="1"/>
-              <a:t>IDistributedCache</a:t>
-            </a:r>
-            <a:r>
-              <a:rPr lang="en-US" dirty="0"/>
-              <a:t> implementations (Redis, </a:t>
-            </a:r>
-            <a:r>
-              <a:rPr lang="en-US" dirty="0" err="1"/>
-              <a:t>SqlServer</a:t>
-            </a:r>
-            <a:r>
-              <a:rPr lang="en-US" dirty="0"/>
-              <a:t>, </a:t>
-            </a:r>
-            <a:r>
-              <a:rPr lang="en-US" dirty="0" err="1"/>
-              <a:t>Ncache</a:t>
-            </a:r>
-            <a:r>
-              <a:rPr lang="en-US" dirty="0"/>
-              <a:t>, Azure Cosmo Db, etc..)</a:t>
+              <a:t>) pipelines for building and deploy</a:t>
             </a:r>
           </a:p>
         </p:txBody>
@@ -5658,7 +5708,7 @@
     </p:spTree>
     <p:extLst>
       <p:ext uri="{BB962C8B-B14F-4D97-AF65-F5344CB8AC3E}">
-        <p14:creationId xmlns:p14="http://schemas.microsoft.com/office/powerpoint/2010/main" val="3268183485"/>
+        <p14:creationId xmlns:p14="http://schemas.microsoft.com/office/powerpoint/2010/main" val="3735145095"/>
       </p:ext>
     </p:extLst>
   </p:cSld>
@@ -5789,6 +5839,65 @@
               </a:solidFill>
               <a:latin typeface="Cascadia Mono" panose="020B0609020000020004" pitchFamily="49" charset="0"/>
             </a:endParaRPr>
+          </a:p>
+          <a:p>
+            <a:endParaRPr lang="en-US" sz="1800" dirty="0">
+              <a:solidFill>
+                <a:srgbClr val="000000"/>
+              </a:solidFill>
+              <a:latin typeface="Cascadia Mono" panose="020B0609020000020004" pitchFamily="49" charset="0"/>
+            </a:endParaRPr>
+          </a:p>
+          <a:p>
+            <a:endParaRPr lang="en-US" sz="1800" dirty="0">
+              <a:solidFill>
+                <a:srgbClr val="000000"/>
+              </a:solidFill>
+              <a:latin typeface="Cascadia Mono" panose="020B0609020000020004" pitchFamily="49" charset="0"/>
+            </a:endParaRPr>
+          </a:p>
+          <a:p>
+            <a:r>
+              <a:rPr lang="en-US" dirty="0"/>
+              <a:t>See the load when using "bad" a remote cache </a:t>
+            </a:r>
+            <a:br>
+              <a:rPr lang="en-US" dirty="0"/>
+            </a:br>
+            <a:r>
+              <a:rPr lang="en-US" i="1" dirty="0"/>
+              <a:t>- app plan </a:t>
+            </a:r>
+            <a:r>
+              <a:rPr lang="en-US" i="1" dirty="0" err="1"/>
+              <a:t>cpu</a:t>
+            </a:r>
+            <a:r>
+              <a:rPr lang="en-US" i="1" dirty="0"/>
+              <a:t> percentage </a:t>
+            </a:r>
+            <a:br>
+              <a:rPr lang="en-US" i="1" dirty="0"/>
+            </a:br>
+            <a:r>
+              <a:rPr lang="en-US" i="1" dirty="0"/>
+              <a:t>- web app </a:t>
+            </a:r>
+            <a:r>
+              <a:rPr lang="en-US" i="1" dirty="0" err="1"/>
+              <a:t>cpu</a:t>
+            </a:r>
+            <a:r>
+              <a:rPr lang="en-US" i="1" dirty="0"/>
+              <a:t> time</a:t>
+            </a:r>
+            <a:br>
+              <a:rPr lang="en-US" i="1" dirty="0"/>
+            </a:br>
+            <a:r>
+              <a:rPr lang="en-US" i="1" dirty="0"/>
+              <a:t>- data in </a:t>
+            </a:r>
           </a:p>
           <a:p>
             <a:endParaRPr lang="en-US" dirty="0"/>
@@ -6012,7 +6121,7 @@
           <p:cNvPr id="2" name="Title 1">
             <a:extLst>
               <a:ext uri="{FF2B5EF4-FFF2-40B4-BE49-F238E27FC236}">
-                <a16:creationId xmlns:a16="http://schemas.microsoft.com/office/drawing/2014/main" id="{EFECAF54-B8F4-A795-D015-E6F9E56117CE}"/>
+                <a16:creationId xmlns:a16="http://schemas.microsoft.com/office/drawing/2014/main" id="{24CA9FB0-0A26-A4F9-0ABF-2901DF297E79}"/>
               </a:ext>
             </a:extLst>
           </p:cNvPr>
@@ -6025,15 +6134,10 @@
         </p:nvSpPr>
         <p:spPr/>
         <p:txBody>
-          <a:bodyPr>
-            <a:normAutofit/>
-          </a:bodyPr>
-          <a:lstStyle/>
-          <a:p>
-            <a:r>
-              <a:rPr lang="en-US" dirty="0"/>
-              <a:t>Caching Patterns: read aside (cache aside)</a:t>
-            </a:r>
+          <a:bodyPr/>
+          <a:lstStyle/>
+          <a:p>
+            <a:endParaRPr lang="en-US" dirty="0"/>
           </a:p>
         </p:txBody>
       </p:sp>
@@ -6042,7 +6146,7 @@
           <p:cNvPr id="3" name="Content Placeholder 2">
             <a:extLst>
               <a:ext uri="{FF2B5EF4-FFF2-40B4-BE49-F238E27FC236}">
-                <a16:creationId xmlns:a16="http://schemas.microsoft.com/office/drawing/2014/main" id="{9A905F74-510C-233A-7867-7D146D172826}"/>
+                <a16:creationId xmlns:a16="http://schemas.microsoft.com/office/drawing/2014/main" id="{CD8E7B28-F4F6-4908-6E58-E5351DD2E328}"/>
               </a:ext>
             </a:extLst>
           </p:cNvPr>
@@ -6058,158 +6162,30 @@
           <a:bodyPr/>
           <a:lstStyle/>
           <a:p>
-            <a:r>
-              <a:rPr lang="en-US" dirty="0"/>
-              <a:t>The most "known" and used</a:t>
-            </a:r>
-          </a:p>
-          <a:p>
-            <a:r>
-              <a:rPr lang="en-US" dirty="0"/>
-              <a:t>Application code is responsible to push the value in the cache if there is a </a:t>
-            </a:r>
-            <a:r>
-              <a:rPr lang="en-US" i="1" dirty="0"/>
-              <a:t>"cache miss"</a:t>
-            </a:r>
-          </a:p>
-        </p:txBody>
-      </p:sp>
-      <p:sp>
-        <p:nvSpPr>
-          <p:cNvPr id="5" name="TextBox 4">
-            <a:extLst>
-              <a:ext uri="{FF2B5EF4-FFF2-40B4-BE49-F238E27FC236}">
-                <a16:creationId xmlns:a16="http://schemas.microsoft.com/office/drawing/2014/main" id="{406E543D-65CE-1C8B-F6E1-D613498C3149}"/>
-              </a:ext>
-            </a:extLst>
-          </p:cNvPr>
-          <p:cNvSpPr txBox="1"/>
-          <p:nvPr/>
-        </p:nvSpPr>
-        <p:spPr>
-          <a:xfrm>
-            <a:off x="763479" y="3249228"/>
-            <a:ext cx="9721048" cy="1600438"/>
-          </a:xfrm>
-          <a:prstGeom prst="rect">
-            <a:avLst/>
-          </a:prstGeom>
-          <a:noFill/>
-          <a:ln>
-            <a:solidFill>
-              <a:schemeClr val="accent1"/>
-            </a:solidFill>
-          </a:ln>
-        </p:spPr>
-        <p:txBody>
-          <a:bodyPr wrap="square" rtlCol="0">
-            <a:spAutoFit/>
-          </a:bodyPr>
-          <a:lstStyle/>
-          <a:p>
-            <a:r>
-              <a:rPr lang="en-US" sz="1400" dirty="0">
-                <a:latin typeface="Cascadia Mono" panose="020B0609020000020004" pitchFamily="49" charset="0"/>
-                <a:cs typeface="Cascadia Mono" panose="020B0609020000020004" pitchFamily="49" charset="0"/>
-              </a:rPr>
-              <a:t>var ret = await _</a:t>
-            </a:r>
-            <a:r>
-              <a:rPr lang="en-US" sz="1400" dirty="0" err="1">
-                <a:latin typeface="Cascadia Mono" panose="020B0609020000020004" pitchFamily="49" charset="0"/>
-                <a:cs typeface="Cascadia Mono" panose="020B0609020000020004" pitchFamily="49" charset="0"/>
-              </a:rPr>
-              <a:t>cache.GetStringAsync</a:t>
-            </a:r>
-            <a:r>
-              <a:rPr lang="en-US" sz="1400" dirty="0">
-                <a:latin typeface="Cascadia Mono" panose="020B0609020000020004" pitchFamily="49" charset="0"/>
-                <a:cs typeface="Cascadia Mono" panose="020B0609020000020004" pitchFamily="49" charset="0"/>
-              </a:rPr>
-              <a:t>(location);</a:t>
-            </a:r>
-          </a:p>
-          <a:p>
-            <a:r>
-              <a:rPr lang="en-US" sz="1400" dirty="0">
-                <a:latin typeface="Cascadia Mono" panose="020B0609020000020004" pitchFamily="49" charset="0"/>
-                <a:cs typeface="Cascadia Mono" panose="020B0609020000020004" pitchFamily="49" charset="0"/>
-              </a:rPr>
-              <a:t>if(ret == null)</a:t>
-            </a:r>
-          </a:p>
-          <a:p>
-            <a:r>
-              <a:rPr lang="en-US" sz="1400" dirty="0">
-                <a:latin typeface="Cascadia Mono" panose="020B0609020000020004" pitchFamily="49" charset="0"/>
-                <a:cs typeface="Cascadia Mono" panose="020B0609020000020004" pitchFamily="49" charset="0"/>
-              </a:rPr>
-              <a:t>{</a:t>
-            </a:r>
-          </a:p>
-          <a:p>
-            <a:r>
-              <a:rPr lang="en-US" sz="1400" dirty="0">
-                <a:latin typeface="Cascadia Mono" panose="020B0609020000020004" pitchFamily="49" charset="0"/>
-                <a:cs typeface="Cascadia Mono" panose="020B0609020000020004" pitchFamily="49" charset="0"/>
-              </a:rPr>
-              <a:t>    ret = await _</a:t>
-            </a:r>
-            <a:r>
-              <a:rPr lang="en-US" sz="1400" dirty="0" err="1">
-                <a:latin typeface="Cascadia Mono" panose="020B0609020000020004" pitchFamily="49" charset="0"/>
-                <a:cs typeface="Cascadia Mono" panose="020B0609020000020004" pitchFamily="49" charset="0"/>
-              </a:rPr>
-              <a:t>dataSources.GetCurrentTime</a:t>
-            </a:r>
-            <a:r>
-              <a:rPr lang="en-US" sz="1400" dirty="0">
-                <a:latin typeface="Cascadia Mono" panose="020B0609020000020004" pitchFamily="49" charset="0"/>
-                <a:cs typeface="Cascadia Mono" panose="020B0609020000020004" pitchFamily="49" charset="0"/>
-              </a:rPr>
-              <a:t>(location);</a:t>
-            </a:r>
-          </a:p>
-          <a:p>
-            <a:r>
-              <a:rPr lang="en-US" sz="1400" dirty="0">
-                <a:latin typeface="Cascadia Mono" panose="020B0609020000020004" pitchFamily="49" charset="0"/>
-                <a:cs typeface="Cascadia Mono" panose="020B0609020000020004" pitchFamily="49" charset="0"/>
-              </a:rPr>
-              <a:t>    await _</a:t>
-            </a:r>
-            <a:r>
-              <a:rPr lang="en-US" sz="1400" dirty="0" err="1">
-                <a:latin typeface="Cascadia Mono" panose="020B0609020000020004" pitchFamily="49" charset="0"/>
-                <a:cs typeface="Cascadia Mono" panose="020B0609020000020004" pitchFamily="49" charset="0"/>
-              </a:rPr>
-              <a:t>cache.SetStringAsync</a:t>
-            </a:r>
-            <a:r>
-              <a:rPr lang="en-US" sz="1400" dirty="0">
-                <a:latin typeface="Cascadia Mono" panose="020B0609020000020004" pitchFamily="49" charset="0"/>
-                <a:cs typeface="Cascadia Mono" panose="020B0609020000020004" pitchFamily="49" charset="0"/>
-              </a:rPr>
-              <a:t>(location, ret);</a:t>
-            </a:r>
-          </a:p>
-          <a:p>
-            <a:r>
-              <a:rPr lang="en-US" sz="1400" dirty="0">
-                <a:latin typeface="Cascadia Mono" panose="020B0609020000020004" pitchFamily="49" charset="0"/>
-                <a:cs typeface="Cascadia Mono" panose="020B0609020000020004" pitchFamily="49" charset="0"/>
-              </a:rPr>
-              <a:t>}</a:t>
-            </a:r>
-          </a:p>
-          <a:p>
-            <a:r>
-              <a:rPr lang="en-US" sz="1400" dirty="0">
-                <a:latin typeface="Cascadia Mono" panose="020B0609020000020004" pitchFamily="49" charset="0"/>
-                <a:cs typeface="Cascadia Mono" panose="020B0609020000020004" pitchFamily="49" charset="0"/>
-              </a:rPr>
-              <a:t>return ret;</a:t>
+            <a:pPr marL="0" indent="0" algn="ctr">
+              <a:buNone/>
+            </a:pPr>
+            <a:endParaRPr lang="en-US" dirty="0"/>
+          </a:p>
+          <a:p>
+            <a:pPr marL="0" indent="0" algn="ctr">
+              <a:buNone/>
+            </a:pPr>
+            <a:endParaRPr lang="en-US" dirty="0"/>
+          </a:p>
+          <a:p>
+            <a:pPr marL="0" indent="0" algn="ctr">
+              <a:buNone/>
+            </a:pPr>
+            <a:endParaRPr lang="en-US" dirty="0"/>
+          </a:p>
+          <a:p>
+            <a:pPr marL="0" indent="0" algn="ctr">
+              <a:buNone/>
+            </a:pPr>
+            <a:r>
+              <a:rPr lang="en-US" sz="4800" dirty="0"/>
+              <a:t>Caching Patterns</a:t>
             </a:r>
           </a:p>
         </p:txBody>
@@ -6217,7 +6193,7 @@
     </p:spTree>
     <p:extLst>
       <p:ext uri="{BB962C8B-B14F-4D97-AF65-F5344CB8AC3E}">
-        <p14:creationId xmlns:p14="http://schemas.microsoft.com/office/powerpoint/2010/main" val="3559071882"/>
+        <p14:creationId xmlns:p14="http://schemas.microsoft.com/office/powerpoint/2010/main" val="2043943490"/>
       </p:ext>
     </p:extLst>
   </p:cSld>
@@ -6249,7 +6225,7 @@
           <p:cNvPr id="2" name="Title 1">
             <a:extLst>
               <a:ext uri="{FF2B5EF4-FFF2-40B4-BE49-F238E27FC236}">
-                <a16:creationId xmlns:a16="http://schemas.microsoft.com/office/drawing/2014/main" id="{347BCA57-5E9B-04AB-1CD8-52BAF0286CE5}"/>
+                <a16:creationId xmlns:a16="http://schemas.microsoft.com/office/drawing/2014/main" id="{EFECAF54-B8F4-A795-D015-E6F9E56117CE}"/>
               </a:ext>
             </a:extLst>
           </p:cNvPr>
@@ -6262,340 +6238,191 @@
         </p:nvSpPr>
         <p:spPr/>
         <p:txBody>
-          <a:bodyPr/>
-          <a:lstStyle/>
-          <a:p>
-            <a:r>
-              <a:rPr lang="en-US"/>
-              <a:t>Caching Patterns: Read-Through</a:t>
-            </a:r>
-            <a:endParaRPr lang="en-US" dirty="0"/>
-          </a:p>
-        </p:txBody>
-      </p:sp>
-      <p:pic>
-        <p:nvPicPr>
-          <p:cNvPr id="9" name="Content Placeholder 8">
-            <a:extLst>
-              <a:ext uri="{FF2B5EF4-FFF2-40B4-BE49-F238E27FC236}">
-                <a16:creationId xmlns:a16="http://schemas.microsoft.com/office/drawing/2014/main" id="{3156FBF6-3FDC-5C14-5656-F34B6FBA54ED}"/>
-              </a:ext>
-            </a:extLst>
-          </p:cNvPr>
-          <p:cNvPicPr>
-            <a:picLocks noGrp="1" noChangeAspect="1"/>
-          </p:cNvPicPr>
+          <a:bodyPr>
+            <a:normAutofit/>
+          </a:bodyPr>
+          <a:lstStyle/>
+          <a:p>
+            <a:r>
+              <a:rPr lang="en-US" dirty="0"/>
+              <a:t>Caching Patterns: read aside (cache aside)</a:t>
+            </a:r>
+          </a:p>
+        </p:txBody>
+      </p:sp>
+      <p:sp>
+        <p:nvSpPr>
+          <p:cNvPr id="3" name="Content Placeholder 2">
+            <a:extLst>
+              <a:ext uri="{FF2B5EF4-FFF2-40B4-BE49-F238E27FC236}">
+                <a16:creationId xmlns:a16="http://schemas.microsoft.com/office/drawing/2014/main" id="{9A905F74-510C-233A-7867-7D146D172826}"/>
+              </a:ext>
+            </a:extLst>
+          </p:cNvPr>
+          <p:cNvSpPr>
+            <a:spLocks noGrp="1"/>
+          </p:cNvSpPr>
           <p:nvPr>
             <p:ph idx="1"/>
           </p:nvPr>
-        </p:nvPicPr>
-        <p:blipFill>
-          <a:blip r:embed="rId2">
-            <a:extLst>
-              <a:ext uri="{28A0092B-C50C-407E-A947-70E740481C1C}">
-                <a14:useLocalDpi xmlns:a14="http://schemas.microsoft.com/office/drawing/2010/main" val="0"/>
-              </a:ext>
-              <a:ext uri="{96DAC541-7B7A-43D3-8B79-37D633B846F1}">
-                <asvg:svgBlip xmlns:asvg="http://schemas.microsoft.com/office/drawing/2016/SVG/main" r:embed="rId3"/>
-              </a:ext>
-            </a:extLst>
-          </a:blip>
-          <a:stretch>
-            <a:fillRect/>
-          </a:stretch>
-        </p:blipFill>
+        </p:nvSpPr>
+        <p:spPr/>
+        <p:txBody>
+          <a:bodyPr/>
+          <a:lstStyle/>
+          <a:p>
+            <a:r>
+              <a:rPr lang="en-US" dirty="0"/>
+              <a:t>The most "known" and used</a:t>
+            </a:r>
+          </a:p>
+          <a:p>
+            <a:r>
+              <a:rPr lang="en-US" dirty="0"/>
+              <a:t>Application code is responsible to push the value in the cache if there is a </a:t>
+            </a:r>
+            <a:r>
+              <a:rPr lang="en-US" i="1" dirty="0"/>
+              <a:t>"cache miss"</a:t>
+            </a:r>
+          </a:p>
+        </p:txBody>
+      </p:sp>
+      <p:sp>
+        <p:nvSpPr>
+          <p:cNvPr id="5" name="TextBox 4">
+            <a:extLst>
+              <a:ext uri="{FF2B5EF4-FFF2-40B4-BE49-F238E27FC236}">
+                <a16:creationId xmlns:a16="http://schemas.microsoft.com/office/drawing/2014/main" id="{406E543D-65CE-1C8B-F6E1-D613498C3149}"/>
+              </a:ext>
+            </a:extLst>
+          </p:cNvPr>
+          <p:cNvSpPr txBox="1"/>
+          <p:nvPr/>
+        </p:nvSpPr>
         <p:spPr>
           <a:xfrm>
-            <a:off x="2318994" y="1924843"/>
-            <a:ext cx="6872140" cy="4568031"/>
-          </a:xfrm>
-        </p:spPr>
-      </p:pic>
-      <p:sp>
-        <p:nvSpPr>
-          <p:cNvPr id="4" name="AutoShape 2">
-            <a:extLst>
-              <a:ext uri="{FF2B5EF4-FFF2-40B4-BE49-F238E27FC236}">
-                <a16:creationId xmlns:a16="http://schemas.microsoft.com/office/drawing/2014/main" id="{099BB7B0-BEE9-D260-BF52-CD168EDAE401}"/>
-              </a:ext>
-            </a:extLst>
-          </p:cNvPr>
-          <p:cNvSpPr>
-            <a:spLocks noChangeAspect="1" noChangeArrowheads="1"/>
-          </p:cNvSpPr>
-          <p:nvPr/>
-        </p:nvSpPr>
-        <p:spPr bwMode="auto">
-          <a:xfrm>
-            <a:off x="5943600" y="3276600"/>
-            <a:ext cx="304800" cy="304800"/>
+            <a:off x="763479" y="3249228"/>
+            <a:ext cx="9721048" cy="1600438"/>
           </a:xfrm>
           <a:prstGeom prst="rect">
             <a:avLst/>
           </a:prstGeom>
           <a:noFill/>
-          <a:extLst>
-            <a:ext uri="{909E8E84-426E-40DD-AFC4-6F175D3DCCD1}">
-              <a14:hiddenFill xmlns:a14="http://schemas.microsoft.com/office/drawing/2010/main">
-                <a:solidFill>
-                  <a:srgbClr val="FFFFFF"/>
-                </a:solidFill>
-              </a14:hiddenFill>
-            </a:ext>
-          </a:extLst>
+          <a:ln>
+            <a:solidFill>
+              <a:schemeClr val="accent1"/>
+            </a:solidFill>
+          </a:ln>
         </p:spPr>
         <p:txBody>
-          <a:bodyPr vert="horz" wrap="square" lIns="91440" tIns="45720" rIns="91440" bIns="45720" numCol="1" anchor="t" anchorCtr="0" compatLnSpc="1">
-            <a:prstTxWarp prst="textNoShape">
-              <a:avLst/>
-            </a:prstTxWarp>
+          <a:bodyPr wrap="square" rtlCol="0">
+            <a:spAutoFit/>
           </a:bodyPr>
           <a:lstStyle/>
           <a:p>
-            <a:endParaRPr lang="en-US"/>
-          </a:p>
-        </p:txBody>
-      </p:sp>
-      <p:sp>
-        <p:nvSpPr>
-          <p:cNvPr id="7" name="AutoShape 8">
-            <a:extLst>
-              <a:ext uri="{FF2B5EF4-FFF2-40B4-BE49-F238E27FC236}">
-                <a16:creationId xmlns:a16="http://schemas.microsoft.com/office/drawing/2014/main" id="{055B34A0-5536-3A41-D650-A902B058AC69}"/>
-              </a:ext>
-            </a:extLst>
-          </p:cNvPr>
-          <p:cNvSpPr>
-            <a:spLocks noChangeAspect="1" noChangeArrowheads="1"/>
-          </p:cNvSpPr>
-          <p:nvPr/>
-        </p:nvSpPr>
-        <p:spPr bwMode="auto">
-          <a:xfrm>
-            <a:off x="6096000" y="3429000"/>
-            <a:ext cx="304800" cy="304800"/>
-          </a:xfrm>
-          <a:prstGeom prst="rect">
-            <a:avLst/>
-          </a:prstGeom>
-          <a:noFill/>
-          <a:extLst>
-            <a:ext uri="{909E8E84-426E-40DD-AFC4-6F175D3DCCD1}">
-              <a14:hiddenFill xmlns:a14="http://schemas.microsoft.com/office/drawing/2010/main">
-                <a:solidFill>
-                  <a:srgbClr val="FFFFFF"/>
-                </a:solidFill>
-              </a14:hiddenFill>
-            </a:ext>
-          </a:extLst>
-        </p:spPr>
-        <p:txBody>
-          <a:bodyPr vert="horz" wrap="square" lIns="91440" tIns="45720" rIns="91440" bIns="45720" numCol="1" anchor="t" anchorCtr="0" compatLnSpc="1">
-            <a:prstTxWarp prst="textNoShape">
-              <a:avLst/>
-            </a:prstTxWarp>
-          </a:bodyPr>
-          <a:lstStyle/>
-          <a:p>
-            <a:endParaRPr lang="en-US"/>
-          </a:p>
-        </p:txBody>
-      </p:sp>
-      <p:sp>
-        <p:nvSpPr>
-          <p:cNvPr id="10" name="Content Placeholder 2">
-            <a:extLst>
-              <a:ext uri="{FF2B5EF4-FFF2-40B4-BE49-F238E27FC236}">
-                <a16:creationId xmlns:a16="http://schemas.microsoft.com/office/drawing/2014/main" id="{6B001CB5-55E2-34F4-056D-227B2079A42E}"/>
-              </a:ext>
-            </a:extLst>
-          </p:cNvPr>
-          <p:cNvSpPr txBox="1">
-            <a:spLocks/>
-          </p:cNvSpPr>
-          <p:nvPr/>
-        </p:nvSpPr>
-        <p:spPr>
-          <a:xfrm>
-            <a:off x="762786" y="1405731"/>
-            <a:ext cx="10515600" cy="4351338"/>
-          </a:xfrm>
-          <a:prstGeom prst="rect">
-            <a:avLst/>
-          </a:prstGeom>
-        </p:spPr>
-        <p:txBody>
-          <a:bodyPr vert="horz" lIns="91440" tIns="45720" rIns="91440" bIns="45720" rtlCol="0">
-            <a:normAutofit/>
-          </a:bodyPr>
-          <a:lstStyle>
-            <a:lvl1pPr marL="228600" indent="-228600" algn="l" defTabSz="914400" rtl="0" eaLnBrk="1" latinLnBrk="0" hangingPunct="1">
-              <a:lnSpc>
-                <a:spcPct val="90000"/>
-              </a:lnSpc>
-              <a:spcBef>
-                <a:spcPts val="1000"/>
-              </a:spcBef>
-              <a:buFont typeface="Arial" panose="020B0604020202020204" pitchFamily="34" charset="0"/>
-              <a:buChar char="•"/>
-              <a:defRPr sz="2800" kern="1200">
-                <a:solidFill>
-                  <a:schemeClr val="tx1"/>
-                </a:solidFill>
-                <a:latin typeface="+mn-lt"/>
-                <a:ea typeface="+mn-ea"/>
-                <a:cs typeface="+mn-cs"/>
-              </a:defRPr>
-            </a:lvl1pPr>
-            <a:lvl2pPr marL="685800" indent="-228600" algn="l" defTabSz="914400" rtl="0" eaLnBrk="1" latinLnBrk="0" hangingPunct="1">
-              <a:lnSpc>
-                <a:spcPct val="90000"/>
-              </a:lnSpc>
-              <a:spcBef>
-                <a:spcPts val="500"/>
-              </a:spcBef>
-              <a:buFont typeface="Arial" panose="020B0604020202020204" pitchFamily="34" charset="0"/>
-              <a:buChar char="•"/>
-              <a:defRPr sz="2400" kern="1200">
-                <a:solidFill>
-                  <a:schemeClr val="tx1"/>
-                </a:solidFill>
-                <a:latin typeface="+mn-lt"/>
-                <a:ea typeface="+mn-ea"/>
-                <a:cs typeface="+mn-cs"/>
-              </a:defRPr>
-            </a:lvl2pPr>
-            <a:lvl3pPr marL="1143000" indent="-228600" algn="l" defTabSz="914400" rtl="0" eaLnBrk="1" latinLnBrk="0" hangingPunct="1">
-              <a:lnSpc>
-                <a:spcPct val="90000"/>
-              </a:lnSpc>
-              <a:spcBef>
-                <a:spcPts val="500"/>
-              </a:spcBef>
-              <a:buFont typeface="Arial" panose="020B0604020202020204" pitchFamily="34" charset="0"/>
-              <a:buChar char="•"/>
-              <a:defRPr sz="2000" kern="1200">
-                <a:solidFill>
-                  <a:schemeClr val="tx1"/>
-                </a:solidFill>
-                <a:latin typeface="+mn-lt"/>
-                <a:ea typeface="+mn-ea"/>
-                <a:cs typeface="+mn-cs"/>
-              </a:defRPr>
-            </a:lvl3pPr>
-            <a:lvl4pPr marL="1600200" indent="-228600" algn="l" defTabSz="914400" rtl="0" eaLnBrk="1" latinLnBrk="0" hangingPunct="1">
-              <a:lnSpc>
-                <a:spcPct val="90000"/>
-              </a:lnSpc>
-              <a:spcBef>
-                <a:spcPts val="500"/>
-              </a:spcBef>
-              <a:buFont typeface="Arial" panose="020B0604020202020204" pitchFamily="34" charset="0"/>
-              <a:buChar char="•"/>
-              <a:defRPr sz="1800" kern="1200">
-                <a:solidFill>
-                  <a:schemeClr val="tx1"/>
-                </a:solidFill>
-                <a:latin typeface="+mn-lt"/>
-                <a:ea typeface="+mn-ea"/>
-                <a:cs typeface="+mn-cs"/>
-              </a:defRPr>
-            </a:lvl4pPr>
-            <a:lvl5pPr marL="2057400" indent="-228600" algn="l" defTabSz="914400" rtl="0" eaLnBrk="1" latinLnBrk="0" hangingPunct="1">
-              <a:lnSpc>
-                <a:spcPct val="90000"/>
-              </a:lnSpc>
-              <a:spcBef>
-                <a:spcPts val="500"/>
-              </a:spcBef>
-              <a:buFont typeface="Arial" panose="020B0604020202020204" pitchFamily="34" charset="0"/>
-              <a:buChar char="•"/>
-              <a:defRPr sz="1800" kern="1200">
-                <a:solidFill>
-                  <a:schemeClr val="tx1"/>
-                </a:solidFill>
-                <a:latin typeface="+mn-lt"/>
-                <a:ea typeface="+mn-ea"/>
-                <a:cs typeface="+mn-cs"/>
-              </a:defRPr>
-            </a:lvl5pPr>
-            <a:lvl6pPr marL="2514600" indent="-228600" algn="l" defTabSz="914400" rtl="0" eaLnBrk="1" latinLnBrk="0" hangingPunct="1">
-              <a:lnSpc>
-                <a:spcPct val="90000"/>
-              </a:lnSpc>
-              <a:spcBef>
-                <a:spcPts val="500"/>
-              </a:spcBef>
-              <a:buFont typeface="Arial" panose="020B0604020202020204" pitchFamily="34" charset="0"/>
-              <a:buChar char="•"/>
-              <a:defRPr sz="1800" kern="1200">
-                <a:solidFill>
-                  <a:schemeClr val="tx1"/>
-                </a:solidFill>
-                <a:latin typeface="+mn-lt"/>
-                <a:ea typeface="+mn-ea"/>
-                <a:cs typeface="+mn-cs"/>
-              </a:defRPr>
-            </a:lvl6pPr>
-            <a:lvl7pPr marL="2971800" indent="-228600" algn="l" defTabSz="914400" rtl="0" eaLnBrk="1" latinLnBrk="0" hangingPunct="1">
-              <a:lnSpc>
-                <a:spcPct val="90000"/>
-              </a:lnSpc>
-              <a:spcBef>
-                <a:spcPts val="500"/>
-              </a:spcBef>
-              <a:buFont typeface="Arial" panose="020B0604020202020204" pitchFamily="34" charset="0"/>
-              <a:buChar char="•"/>
-              <a:defRPr sz="1800" kern="1200">
-                <a:solidFill>
-                  <a:schemeClr val="tx1"/>
-                </a:solidFill>
-                <a:latin typeface="+mn-lt"/>
-                <a:ea typeface="+mn-ea"/>
-                <a:cs typeface="+mn-cs"/>
-              </a:defRPr>
-            </a:lvl7pPr>
-            <a:lvl8pPr marL="3429000" indent="-228600" algn="l" defTabSz="914400" rtl="0" eaLnBrk="1" latinLnBrk="0" hangingPunct="1">
-              <a:lnSpc>
-                <a:spcPct val="90000"/>
-              </a:lnSpc>
-              <a:spcBef>
-                <a:spcPts val="500"/>
-              </a:spcBef>
-              <a:buFont typeface="Arial" panose="020B0604020202020204" pitchFamily="34" charset="0"/>
-              <a:buChar char="•"/>
-              <a:defRPr sz="1800" kern="1200">
-                <a:solidFill>
-                  <a:schemeClr val="tx1"/>
-                </a:solidFill>
-                <a:latin typeface="+mn-lt"/>
-                <a:ea typeface="+mn-ea"/>
-                <a:cs typeface="+mn-cs"/>
-              </a:defRPr>
-            </a:lvl8pPr>
-            <a:lvl9pPr marL="3886200" indent="-228600" algn="l" defTabSz="914400" rtl="0" eaLnBrk="1" latinLnBrk="0" hangingPunct="1">
-              <a:lnSpc>
-                <a:spcPct val="90000"/>
-              </a:lnSpc>
-              <a:spcBef>
-                <a:spcPts val="500"/>
-              </a:spcBef>
-              <a:buFont typeface="Arial" panose="020B0604020202020204" pitchFamily="34" charset="0"/>
-              <a:buChar char="•"/>
-              <a:defRPr sz="1800" kern="1200">
-                <a:solidFill>
-                  <a:schemeClr val="tx1"/>
-                </a:solidFill>
-                <a:latin typeface="+mn-lt"/>
-                <a:ea typeface="+mn-ea"/>
-                <a:cs typeface="+mn-cs"/>
-              </a:defRPr>
-            </a:lvl9pPr>
-          </a:lstStyle>
-          <a:p>
-            <a:r>
-              <a:rPr lang="en-US" dirty="0"/>
-              <a:t>Cache is responsible to get the data</a:t>
+            <a:r>
+              <a:rPr lang="en-US" sz="1400" dirty="0">
+                <a:latin typeface="Cascadia Mono" panose="020B0609020000020004" pitchFamily="49" charset="0"/>
+                <a:cs typeface="Cascadia Mono" panose="020B0609020000020004" pitchFamily="49" charset="0"/>
+              </a:rPr>
+              <a:t>var ret = await _</a:t>
+            </a:r>
+            <a:r>
+              <a:rPr lang="en-US" sz="1400" dirty="0" err="1">
+                <a:latin typeface="Cascadia Mono" panose="020B0609020000020004" pitchFamily="49" charset="0"/>
+                <a:cs typeface="Cascadia Mono" panose="020B0609020000020004" pitchFamily="49" charset="0"/>
+              </a:rPr>
+              <a:t>cache.GetStringAsync</a:t>
+            </a:r>
+            <a:r>
+              <a:rPr lang="en-US" sz="1400" dirty="0">
+                <a:latin typeface="Cascadia Mono" panose="020B0609020000020004" pitchFamily="49" charset="0"/>
+                <a:cs typeface="Cascadia Mono" panose="020B0609020000020004" pitchFamily="49" charset="0"/>
+              </a:rPr>
+              <a:t>(location);</a:t>
+            </a:r>
+          </a:p>
+          <a:p>
+            <a:r>
+              <a:rPr lang="en-US" sz="1400" dirty="0">
+                <a:latin typeface="Cascadia Mono" panose="020B0609020000020004" pitchFamily="49" charset="0"/>
+                <a:cs typeface="Cascadia Mono" panose="020B0609020000020004" pitchFamily="49" charset="0"/>
+              </a:rPr>
+              <a:t>if(ret == null)</a:t>
+            </a:r>
+          </a:p>
+          <a:p>
+            <a:r>
+              <a:rPr lang="en-US" sz="1400" dirty="0">
+                <a:latin typeface="Cascadia Mono" panose="020B0609020000020004" pitchFamily="49" charset="0"/>
+                <a:cs typeface="Cascadia Mono" panose="020B0609020000020004" pitchFamily="49" charset="0"/>
+              </a:rPr>
+              <a:t>{</a:t>
+            </a:r>
+          </a:p>
+          <a:p>
+            <a:r>
+              <a:rPr lang="en-US" sz="1400" dirty="0">
+                <a:latin typeface="Cascadia Mono" panose="020B0609020000020004" pitchFamily="49" charset="0"/>
+                <a:cs typeface="Cascadia Mono" panose="020B0609020000020004" pitchFamily="49" charset="0"/>
+              </a:rPr>
+              <a:t>    ret = await _</a:t>
+            </a:r>
+            <a:r>
+              <a:rPr lang="en-US" sz="1400" dirty="0" err="1">
+                <a:latin typeface="Cascadia Mono" panose="020B0609020000020004" pitchFamily="49" charset="0"/>
+                <a:cs typeface="Cascadia Mono" panose="020B0609020000020004" pitchFamily="49" charset="0"/>
+              </a:rPr>
+              <a:t>dataSources.GetCurrentTime</a:t>
+            </a:r>
+            <a:r>
+              <a:rPr lang="en-US" sz="1400" dirty="0">
+                <a:latin typeface="Cascadia Mono" panose="020B0609020000020004" pitchFamily="49" charset="0"/>
+                <a:cs typeface="Cascadia Mono" panose="020B0609020000020004" pitchFamily="49" charset="0"/>
+              </a:rPr>
+              <a:t>(location);</a:t>
+            </a:r>
+          </a:p>
+          <a:p>
+            <a:r>
+              <a:rPr lang="en-US" sz="1400" dirty="0">
+                <a:latin typeface="Cascadia Mono" panose="020B0609020000020004" pitchFamily="49" charset="0"/>
+                <a:cs typeface="Cascadia Mono" panose="020B0609020000020004" pitchFamily="49" charset="0"/>
+              </a:rPr>
+              <a:t>    await _</a:t>
+            </a:r>
+            <a:r>
+              <a:rPr lang="en-US" sz="1400" dirty="0" err="1">
+                <a:latin typeface="Cascadia Mono" panose="020B0609020000020004" pitchFamily="49" charset="0"/>
+                <a:cs typeface="Cascadia Mono" panose="020B0609020000020004" pitchFamily="49" charset="0"/>
+              </a:rPr>
+              <a:t>cache.SetStringAsync</a:t>
+            </a:r>
+            <a:r>
+              <a:rPr lang="en-US" sz="1400" dirty="0">
+                <a:latin typeface="Cascadia Mono" panose="020B0609020000020004" pitchFamily="49" charset="0"/>
+                <a:cs typeface="Cascadia Mono" panose="020B0609020000020004" pitchFamily="49" charset="0"/>
+              </a:rPr>
+              <a:t>(location, ret);</a:t>
+            </a:r>
+          </a:p>
+          <a:p>
+            <a:r>
+              <a:rPr lang="en-US" sz="1400" dirty="0">
+                <a:latin typeface="Cascadia Mono" panose="020B0609020000020004" pitchFamily="49" charset="0"/>
+                <a:cs typeface="Cascadia Mono" panose="020B0609020000020004" pitchFamily="49" charset="0"/>
+              </a:rPr>
+              <a:t>}</a:t>
+            </a:r>
+          </a:p>
+          <a:p>
+            <a:r>
+              <a:rPr lang="en-US" sz="1400" dirty="0">
+                <a:latin typeface="Cascadia Mono" panose="020B0609020000020004" pitchFamily="49" charset="0"/>
+                <a:cs typeface="Cascadia Mono" panose="020B0609020000020004" pitchFamily="49" charset="0"/>
+              </a:rPr>
+              <a:t>return ret;</a:t>
             </a:r>
           </a:p>
         </p:txBody>
@@ -6603,7 +6430,7 @@
     </p:spTree>
     <p:extLst>
       <p:ext uri="{BB962C8B-B14F-4D97-AF65-F5344CB8AC3E}">
-        <p14:creationId xmlns:p14="http://schemas.microsoft.com/office/powerpoint/2010/main" val="3574927471"/>
+        <p14:creationId xmlns:p14="http://schemas.microsoft.com/office/powerpoint/2010/main" val="3559071882"/>
       </p:ext>
     </p:extLst>
   </p:cSld>
@@ -6652,12 +6479,51 @@
           <a:lstStyle/>
           <a:p>
             <a:r>
-              <a:rPr lang="en-US" dirty="0"/>
-              <a:t>Caching Patterns: Read-"compromise"</a:t>
-            </a:r>
-          </a:p>
-        </p:txBody>
-      </p:sp>
+              <a:rPr lang="en-US"/>
+              <a:t>Caching Patterns: Read-Through</a:t>
+            </a:r>
+            <a:endParaRPr lang="en-US" dirty="0"/>
+          </a:p>
+        </p:txBody>
+      </p:sp>
+      <p:pic>
+        <p:nvPicPr>
+          <p:cNvPr id="9" name="Content Placeholder 8">
+            <a:extLst>
+              <a:ext uri="{FF2B5EF4-FFF2-40B4-BE49-F238E27FC236}">
+                <a16:creationId xmlns:a16="http://schemas.microsoft.com/office/drawing/2014/main" id="{3156FBF6-3FDC-5C14-5656-F34B6FBA54ED}"/>
+              </a:ext>
+            </a:extLst>
+          </p:cNvPr>
+          <p:cNvPicPr>
+            <a:picLocks noGrp="1" noChangeAspect="1"/>
+          </p:cNvPicPr>
+          <p:nvPr>
+            <p:ph idx="1"/>
+          </p:nvPr>
+        </p:nvPicPr>
+        <p:blipFill>
+          <a:blip r:embed="rId2">
+            <a:extLst>
+              <a:ext uri="{28A0092B-C50C-407E-A947-70E740481C1C}">
+                <a14:useLocalDpi xmlns:a14="http://schemas.microsoft.com/office/drawing/2010/main" val="0"/>
+              </a:ext>
+              <a:ext uri="{96DAC541-7B7A-43D3-8B79-37D633B846F1}">
+                <asvg:svgBlip xmlns:asvg="http://schemas.microsoft.com/office/drawing/2016/SVG/main" r:embed="rId3"/>
+              </a:ext>
+            </a:extLst>
+          </a:blip>
+          <a:stretch>
+            <a:fillRect/>
+          </a:stretch>
+        </p:blipFill>
+        <p:spPr>
+          <a:xfrm>
+            <a:off x="2318994" y="1924843"/>
+            <a:ext cx="6872140" cy="4568031"/>
+          </a:xfrm>
+        </p:spPr>
+      </p:pic>
       <p:sp>
         <p:nvSpPr>
           <p:cNvPr id="4" name="AutoShape 2">
@@ -6942,294 +6808,15 @@
           <a:p>
             <a:r>
               <a:rPr lang="en-US" dirty="0"/>
-              <a:t>Application code maintains responsibility to get the data providing a factory</a:t>
-            </a:r>
-          </a:p>
-          <a:p>
-            <a:r>
-              <a:rPr lang="en-US" dirty="0"/>
-              <a:t>Cache can apply policies on the "data factory" (e.g. timeouts, fail safe)</a:t>
-            </a:r>
-          </a:p>
-        </p:txBody>
-      </p:sp>
-      <p:sp>
-        <p:nvSpPr>
-          <p:cNvPr id="6" name="TextBox 5">
-            <a:extLst>
-              <a:ext uri="{FF2B5EF4-FFF2-40B4-BE49-F238E27FC236}">
-                <a16:creationId xmlns:a16="http://schemas.microsoft.com/office/drawing/2014/main" id="{26FB2E35-C0C2-2A08-E5E5-62A1CBD8432D}"/>
-              </a:ext>
-            </a:extLst>
-          </p:cNvPr>
-          <p:cNvSpPr txBox="1"/>
-          <p:nvPr/>
-        </p:nvSpPr>
-        <p:spPr>
-          <a:xfrm>
-            <a:off x="763479" y="3249228"/>
-            <a:ext cx="9721048" cy="2308324"/>
-          </a:xfrm>
-          <a:prstGeom prst="rect">
-            <a:avLst/>
-          </a:prstGeom>
-          <a:noFill/>
-          <a:ln>
-            <a:solidFill>
-              <a:schemeClr val="accent1"/>
-            </a:solidFill>
-          </a:ln>
-        </p:spPr>
-        <p:txBody>
-          <a:bodyPr wrap="square" rtlCol="0">
-            <a:spAutoFit/>
-          </a:bodyPr>
-          <a:lstStyle/>
-          <a:p>
-            <a:r>
-              <a:rPr lang="en-US" sz="1800" dirty="0">
-                <a:solidFill>
-                  <a:srgbClr val="000000"/>
-                </a:solidFill>
-                <a:latin typeface="Cascadia Mono" panose="020B0609020000020004" pitchFamily="49" charset="0"/>
-              </a:rPr>
-              <a:t>// _cache -&gt; </a:t>
-            </a:r>
-            <a:r>
-              <a:rPr lang="en-US" sz="1800" dirty="0" err="1">
-                <a:solidFill>
-                  <a:srgbClr val="000000"/>
-                </a:solidFill>
-                <a:latin typeface="Cascadia Mono" panose="020B0609020000020004" pitchFamily="49" charset="0"/>
-              </a:rPr>
-              <a:t>IMemoryCache</a:t>
-            </a:r>
-            <a:br>
-              <a:rPr lang="en-US" sz="1800" dirty="0">
-                <a:solidFill>
-                  <a:srgbClr val="000000"/>
-                </a:solidFill>
-                <a:latin typeface="Cascadia Mono" panose="020B0609020000020004" pitchFamily="49" charset="0"/>
-              </a:rPr>
-            </a:br>
-            <a:r>
-              <a:rPr lang="en-US" sz="1800" dirty="0">
-                <a:solidFill>
-                  <a:srgbClr val="000000"/>
-                </a:solidFill>
-                <a:latin typeface="Cascadia Mono" panose="020B0609020000020004" pitchFamily="49" charset="0"/>
-              </a:rPr>
-              <a:t>var ret = await _</a:t>
-            </a:r>
-            <a:r>
-              <a:rPr lang="en-US" sz="1800" dirty="0" err="1">
-                <a:solidFill>
-                  <a:srgbClr val="000000"/>
-                </a:solidFill>
-                <a:latin typeface="Cascadia Mono" panose="020B0609020000020004" pitchFamily="49" charset="0"/>
-              </a:rPr>
-              <a:t>cache.GetOrCreateAsync</a:t>
-            </a:r>
-            <a:r>
-              <a:rPr lang="en-US" sz="1800" dirty="0">
-                <a:solidFill>
-                  <a:srgbClr val="000000"/>
-                </a:solidFill>
-                <a:latin typeface="Cascadia Mono" panose="020B0609020000020004" pitchFamily="49" charset="0"/>
-              </a:rPr>
-              <a:t>(location, async </a:t>
-            </a:r>
-            <a:r>
-              <a:rPr lang="en-US" sz="1800" dirty="0" err="1">
-                <a:solidFill>
-                  <a:srgbClr val="000000"/>
-                </a:solidFill>
-                <a:latin typeface="Cascadia Mono" panose="020B0609020000020004" pitchFamily="49" charset="0"/>
-              </a:rPr>
-              <a:t>cacheEntry</a:t>
-            </a:r>
-            <a:r>
-              <a:rPr lang="en-US" sz="1800" dirty="0">
-                <a:solidFill>
-                  <a:srgbClr val="000000"/>
-                </a:solidFill>
-                <a:latin typeface="Cascadia Mono" panose="020B0609020000020004" pitchFamily="49" charset="0"/>
-              </a:rPr>
-              <a:t>=&gt;</a:t>
-            </a:r>
-          </a:p>
-          <a:p>
-            <a:r>
-              <a:rPr lang="en-US" sz="1800" dirty="0">
-                <a:solidFill>
-                  <a:srgbClr val="000000"/>
-                </a:solidFill>
-                <a:latin typeface="Cascadia Mono" panose="020B0609020000020004" pitchFamily="49" charset="0"/>
-              </a:rPr>
-              <a:t>{</a:t>
-            </a:r>
-          </a:p>
-          <a:p>
-            <a:r>
-              <a:rPr lang="en-US" sz="1800" dirty="0">
-                <a:solidFill>
-                  <a:srgbClr val="000000"/>
-                </a:solidFill>
-                <a:latin typeface="Cascadia Mono" panose="020B0609020000020004" pitchFamily="49" charset="0"/>
-              </a:rPr>
-              <a:t>    </a:t>
-            </a:r>
-            <a:r>
-              <a:rPr lang="en-US" sz="1800" dirty="0" err="1">
-                <a:solidFill>
-                  <a:srgbClr val="000000"/>
-                </a:solidFill>
-                <a:latin typeface="Cascadia Mono" panose="020B0609020000020004" pitchFamily="49" charset="0"/>
-              </a:rPr>
-              <a:t>cacheEntry.AbsoluteExpiration</a:t>
-            </a:r>
-            <a:r>
-              <a:rPr lang="en-US" sz="1800" dirty="0">
-                <a:solidFill>
-                  <a:srgbClr val="000000"/>
-                </a:solidFill>
-                <a:latin typeface="Cascadia Mono" panose="020B0609020000020004" pitchFamily="49" charset="0"/>
-              </a:rPr>
-              <a:t> = </a:t>
-            </a:r>
-            <a:r>
-              <a:rPr lang="en-US" sz="1800" dirty="0" err="1">
-                <a:solidFill>
-                  <a:srgbClr val="000000"/>
-                </a:solidFill>
-                <a:latin typeface="Cascadia Mono" panose="020B0609020000020004" pitchFamily="49" charset="0"/>
-              </a:rPr>
-              <a:t>DateTimeOffset.UtcNow</a:t>
-            </a:r>
-            <a:r>
-              <a:rPr lang="en-US" sz="1800" dirty="0">
-                <a:solidFill>
-                  <a:srgbClr val="000000"/>
-                </a:solidFill>
-                <a:latin typeface="Cascadia Mono" panose="020B0609020000020004" pitchFamily="49" charset="0"/>
-              </a:rPr>
-              <a:t> +</a:t>
-            </a:r>
-            <a:br>
-              <a:rPr lang="en-US" sz="1800" dirty="0">
-                <a:solidFill>
-                  <a:srgbClr val="000000"/>
-                </a:solidFill>
-                <a:latin typeface="Cascadia Mono" panose="020B0609020000020004" pitchFamily="49" charset="0"/>
-              </a:rPr>
-            </a:br>
-            <a:r>
-              <a:rPr lang="en-US" sz="1800" dirty="0">
-                <a:solidFill>
-                  <a:srgbClr val="000000"/>
-                </a:solidFill>
-                <a:latin typeface="Cascadia Mono" panose="020B0609020000020004" pitchFamily="49" charset="0"/>
-              </a:rPr>
-              <a:t>      </a:t>
-            </a:r>
-            <a:r>
-              <a:rPr lang="en-US" sz="1800" dirty="0" err="1">
-                <a:solidFill>
-                  <a:srgbClr val="000000"/>
-                </a:solidFill>
-                <a:latin typeface="Cascadia Mono" panose="020B0609020000020004" pitchFamily="49" charset="0"/>
-              </a:rPr>
-              <a:t>TimeSpan.FromMinutes</a:t>
-            </a:r>
-            <a:r>
-              <a:rPr lang="en-US" sz="1800" dirty="0">
-                <a:solidFill>
-                  <a:srgbClr val="000000"/>
-                </a:solidFill>
-                <a:latin typeface="Cascadia Mono" panose="020B0609020000020004" pitchFamily="49" charset="0"/>
-              </a:rPr>
-              <a:t>(1);</a:t>
-            </a:r>
-          </a:p>
-          <a:p>
-            <a:r>
-              <a:rPr lang="en-US" sz="1800" dirty="0">
-                <a:solidFill>
-                  <a:srgbClr val="000000"/>
-                </a:solidFill>
-                <a:latin typeface="Cascadia Mono" panose="020B0609020000020004" pitchFamily="49" charset="0"/>
-              </a:rPr>
-              <a:t>    return await _</a:t>
-            </a:r>
-            <a:r>
-              <a:rPr lang="en-US" sz="1800" dirty="0" err="1">
-                <a:solidFill>
-                  <a:srgbClr val="000000"/>
-                </a:solidFill>
-                <a:latin typeface="Cascadia Mono" panose="020B0609020000020004" pitchFamily="49" charset="0"/>
-              </a:rPr>
-              <a:t>dataSources.GetCurrentTime</a:t>
-            </a:r>
-            <a:r>
-              <a:rPr lang="en-US" sz="1800" dirty="0">
-                <a:solidFill>
-                  <a:srgbClr val="000000"/>
-                </a:solidFill>
-                <a:latin typeface="Cascadia Mono" panose="020B0609020000020004" pitchFamily="49" charset="0"/>
-              </a:rPr>
-              <a:t>(location, </a:t>
-            </a:r>
-            <a:r>
-              <a:rPr lang="en-US" sz="1800" dirty="0" err="1">
-                <a:solidFill>
-                  <a:srgbClr val="000000"/>
-                </a:solidFill>
-                <a:latin typeface="Cascadia Mono" panose="020B0609020000020004" pitchFamily="49" charset="0"/>
-              </a:rPr>
-              <a:t>throwEx</a:t>
-            </a:r>
-            <a:r>
-              <a:rPr lang="en-US" sz="1800" dirty="0">
-                <a:solidFill>
-                  <a:srgbClr val="000000"/>
-                </a:solidFill>
-                <a:latin typeface="Cascadia Mono" panose="020B0609020000020004" pitchFamily="49" charset="0"/>
-              </a:rPr>
-              <a:t>);</a:t>
-            </a:r>
-          </a:p>
-          <a:p>
-            <a:r>
-              <a:rPr lang="en-US" sz="1800" dirty="0">
-                <a:solidFill>
-                  <a:srgbClr val="000000"/>
-                </a:solidFill>
-                <a:latin typeface="Cascadia Mono" panose="020B0609020000020004" pitchFamily="49" charset="0"/>
-              </a:rPr>
-              <a:t>});</a:t>
-            </a:r>
-          </a:p>
-          <a:p>
-            <a:r>
-              <a:rPr lang="en-US" sz="1800" dirty="0">
-                <a:solidFill>
-                  <a:srgbClr val="000000"/>
-                </a:solidFill>
-                <a:latin typeface="Cascadia Mono" panose="020B0609020000020004" pitchFamily="49" charset="0"/>
-              </a:rPr>
-              <a:t>return ret;</a:t>
-            </a:r>
-            <a:endParaRPr lang="en-US" sz="1400" dirty="0">
-              <a:latin typeface="Courier New" panose="02070309020205020404" pitchFamily="49" charset="0"/>
-              <a:cs typeface="Courier New" panose="02070309020205020404" pitchFamily="49" charset="0"/>
-            </a:endParaRPr>
+              <a:t>Cache is responsible to get the data</a:t>
+            </a:r>
           </a:p>
         </p:txBody>
       </p:sp>
     </p:spTree>
     <p:extLst>
       <p:ext uri="{BB962C8B-B14F-4D97-AF65-F5344CB8AC3E}">
-        <p14:creationId xmlns:p14="http://schemas.microsoft.com/office/powerpoint/2010/main" val="4288270999"/>
+        <p14:creationId xmlns:p14="http://schemas.microsoft.com/office/powerpoint/2010/main" val="3574927471"/>
       </p:ext>
     </p:extLst>
   </p:cSld>
@@ -7324,9 +6911,10 @@
           </a:p>
           <a:p>
             <a:r>
-              <a:rPr lang="en-US" dirty="0"/>
-              <a:t>Enter "fusion cache"</a:t>
-            </a:r>
+              <a:rPr lang="en-US" dirty="0" err="1"/>
+              <a:t>FusionCache</a:t>
+            </a:r>
+            <a:endParaRPr lang="en-US" dirty="0"/>
           </a:p>
           <a:p>
             <a:endParaRPr lang="en-US" dirty="0"/>
@@ -7368,7 +6956,7 @@
           <p:cNvPr id="2" name="Title 1">
             <a:extLst>
               <a:ext uri="{FF2B5EF4-FFF2-40B4-BE49-F238E27FC236}">
-                <a16:creationId xmlns:a16="http://schemas.microsoft.com/office/drawing/2014/main" id="{59593752-6681-2B40-B346-B33A140102CE}"/>
+                <a16:creationId xmlns:a16="http://schemas.microsoft.com/office/drawing/2014/main" id="{347BCA57-5E9B-04AB-1CD8-52BAF0286CE5}"/>
               </a:ext>
             </a:extLst>
           </p:cNvPr>
@@ -7386,57 +6974,583 @@
           <a:p>
             <a:r>
               <a:rPr lang="en-US" dirty="0"/>
-              <a:t>Caching Patterns: Write-*</a:t>
-            </a:r>
-          </a:p>
-        </p:txBody>
-      </p:sp>
-      <p:sp>
-        <p:nvSpPr>
-          <p:cNvPr id="3" name="Content Placeholder 2">
-            <a:extLst>
-              <a:ext uri="{FF2B5EF4-FFF2-40B4-BE49-F238E27FC236}">
-                <a16:creationId xmlns:a16="http://schemas.microsoft.com/office/drawing/2014/main" id="{15FDBC59-A97E-D95B-5EAF-CA3CDFCA0850}"/>
+              <a:t>Caching Patterns: Read-"compromise"</a:t>
+            </a:r>
+          </a:p>
+        </p:txBody>
+      </p:sp>
+      <p:sp>
+        <p:nvSpPr>
+          <p:cNvPr id="4" name="AutoShape 2">
+            <a:extLst>
+              <a:ext uri="{FF2B5EF4-FFF2-40B4-BE49-F238E27FC236}">
+                <a16:creationId xmlns:a16="http://schemas.microsoft.com/office/drawing/2014/main" id="{099BB7B0-BEE9-D260-BF52-CD168EDAE401}"/>
               </a:ext>
             </a:extLst>
           </p:cNvPr>
           <p:cNvSpPr>
-            <a:spLocks noGrp="1"/>
+            <a:spLocks noChangeAspect="1" noChangeArrowheads="1"/>
           </p:cNvSpPr>
-          <p:nvPr>
-            <p:ph idx="1"/>
-          </p:nvPr>
-        </p:nvSpPr>
-        <p:spPr/>
-        <p:txBody>
-          <a:bodyPr/>
-          <a:lstStyle/>
+          <p:nvPr/>
+        </p:nvSpPr>
+        <p:spPr bwMode="auto">
+          <a:xfrm>
+            <a:off x="5943600" y="3276600"/>
+            <a:ext cx="304800" cy="304800"/>
+          </a:xfrm>
+          <a:prstGeom prst="rect">
+            <a:avLst/>
+          </a:prstGeom>
+          <a:noFill/>
+          <a:extLst>
+            <a:ext uri="{909E8E84-426E-40DD-AFC4-6F175D3DCCD1}">
+              <a14:hiddenFill xmlns:a14="http://schemas.microsoft.com/office/drawing/2010/main">
+                <a:solidFill>
+                  <a:srgbClr val="FFFFFF"/>
+                </a:solidFill>
+              </a14:hiddenFill>
+            </a:ext>
+          </a:extLst>
+        </p:spPr>
+        <p:txBody>
+          <a:bodyPr vert="horz" wrap="square" lIns="91440" tIns="45720" rIns="91440" bIns="45720" numCol="1" anchor="t" anchorCtr="0" compatLnSpc="1">
+            <a:prstTxWarp prst="textNoShape">
+              <a:avLst/>
+            </a:prstTxWarp>
+          </a:bodyPr>
+          <a:lstStyle/>
+          <a:p>
+            <a:endParaRPr lang="en-US"/>
+          </a:p>
+        </p:txBody>
+      </p:sp>
+      <p:sp>
+        <p:nvSpPr>
+          <p:cNvPr id="7" name="AutoShape 8">
+            <a:extLst>
+              <a:ext uri="{FF2B5EF4-FFF2-40B4-BE49-F238E27FC236}">
+                <a16:creationId xmlns:a16="http://schemas.microsoft.com/office/drawing/2014/main" id="{055B34A0-5536-3A41-D650-A902B058AC69}"/>
+              </a:ext>
+            </a:extLst>
+          </p:cNvPr>
+          <p:cNvSpPr>
+            <a:spLocks noChangeAspect="1" noChangeArrowheads="1"/>
+          </p:cNvSpPr>
+          <p:nvPr/>
+        </p:nvSpPr>
+        <p:spPr bwMode="auto">
+          <a:xfrm>
+            <a:off x="6096000" y="3429000"/>
+            <a:ext cx="304800" cy="304800"/>
+          </a:xfrm>
+          <a:prstGeom prst="rect">
+            <a:avLst/>
+          </a:prstGeom>
+          <a:noFill/>
+          <a:extLst>
+            <a:ext uri="{909E8E84-426E-40DD-AFC4-6F175D3DCCD1}">
+              <a14:hiddenFill xmlns:a14="http://schemas.microsoft.com/office/drawing/2010/main">
+                <a:solidFill>
+                  <a:srgbClr val="FFFFFF"/>
+                </a:solidFill>
+              </a14:hiddenFill>
+            </a:ext>
+          </a:extLst>
+        </p:spPr>
+        <p:txBody>
+          <a:bodyPr vert="horz" wrap="square" lIns="91440" tIns="45720" rIns="91440" bIns="45720" numCol="1" anchor="t" anchorCtr="0" compatLnSpc="1">
+            <a:prstTxWarp prst="textNoShape">
+              <a:avLst/>
+            </a:prstTxWarp>
+          </a:bodyPr>
+          <a:lstStyle/>
+          <a:p>
+            <a:endParaRPr lang="en-US"/>
+          </a:p>
+        </p:txBody>
+      </p:sp>
+      <p:sp>
+        <p:nvSpPr>
+          <p:cNvPr id="10" name="Content Placeholder 2">
+            <a:extLst>
+              <a:ext uri="{FF2B5EF4-FFF2-40B4-BE49-F238E27FC236}">
+                <a16:creationId xmlns:a16="http://schemas.microsoft.com/office/drawing/2014/main" id="{6B001CB5-55E2-34F4-056D-227B2079A42E}"/>
+              </a:ext>
+            </a:extLst>
+          </p:cNvPr>
+          <p:cNvSpPr txBox="1">
+            <a:spLocks/>
+          </p:cNvSpPr>
+          <p:nvPr/>
+        </p:nvSpPr>
+        <p:spPr>
+          <a:xfrm>
+            <a:off x="762786" y="1405731"/>
+            <a:ext cx="10515600" cy="4351338"/>
+          </a:xfrm>
+          <a:prstGeom prst="rect">
+            <a:avLst/>
+          </a:prstGeom>
+        </p:spPr>
+        <p:txBody>
+          <a:bodyPr vert="horz" lIns="91440" tIns="45720" rIns="91440" bIns="45720" rtlCol="0">
+            <a:normAutofit/>
+          </a:bodyPr>
+          <a:lstStyle>
+            <a:lvl1pPr marL="228600" indent="-228600" algn="l" defTabSz="914400" rtl="0" eaLnBrk="1" latinLnBrk="0" hangingPunct="1">
+              <a:lnSpc>
+                <a:spcPct val="90000"/>
+              </a:lnSpc>
+              <a:spcBef>
+                <a:spcPts val="1000"/>
+              </a:spcBef>
+              <a:buFont typeface="Arial" panose="020B0604020202020204" pitchFamily="34" charset="0"/>
+              <a:buChar char="•"/>
+              <a:defRPr sz="2800" kern="1200">
+                <a:solidFill>
+                  <a:schemeClr val="tx1"/>
+                </a:solidFill>
+                <a:latin typeface="+mn-lt"/>
+                <a:ea typeface="+mn-ea"/>
+                <a:cs typeface="+mn-cs"/>
+              </a:defRPr>
+            </a:lvl1pPr>
+            <a:lvl2pPr marL="685800" indent="-228600" algn="l" defTabSz="914400" rtl="0" eaLnBrk="1" latinLnBrk="0" hangingPunct="1">
+              <a:lnSpc>
+                <a:spcPct val="90000"/>
+              </a:lnSpc>
+              <a:spcBef>
+                <a:spcPts val="500"/>
+              </a:spcBef>
+              <a:buFont typeface="Arial" panose="020B0604020202020204" pitchFamily="34" charset="0"/>
+              <a:buChar char="•"/>
+              <a:defRPr sz="2400" kern="1200">
+                <a:solidFill>
+                  <a:schemeClr val="tx1"/>
+                </a:solidFill>
+                <a:latin typeface="+mn-lt"/>
+                <a:ea typeface="+mn-ea"/>
+                <a:cs typeface="+mn-cs"/>
+              </a:defRPr>
+            </a:lvl2pPr>
+            <a:lvl3pPr marL="1143000" indent="-228600" algn="l" defTabSz="914400" rtl="0" eaLnBrk="1" latinLnBrk="0" hangingPunct="1">
+              <a:lnSpc>
+                <a:spcPct val="90000"/>
+              </a:lnSpc>
+              <a:spcBef>
+                <a:spcPts val="500"/>
+              </a:spcBef>
+              <a:buFont typeface="Arial" panose="020B0604020202020204" pitchFamily="34" charset="0"/>
+              <a:buChar char="•"/>
+              <a:defRPr sz="2000" kern="1200">
+                <a:solidFill>
+                  <a:schemeClr val="tx1"/>
+                </a:solidFill>
+                <a:latin typeface="+mn-lt"/>
+                <a:ea typeface="+mn-ea"/>
+                <a:cs typeface="+mn-cs"/>
+              </a:defRPr>
+            </a:lvl3pPr>
+            <a:lvl4pPr marL="1600200" indent="-228600" algn="l" defTabSz="914400" rtl="0" eaLnBrk="1" latinLnBrk="0" hangingPunct="1">
+              <a:lnSpc>
+                <a:spcPct val="90000"/>
+              </a:lnSpc>
+              <a:spcBef>
+                <a:spcPts val="500"/>
+              </a:spcBef>
+              <a:buFont typeface="Arial" panose="020B0604020202020204" pitchFamily="34" charset="0"/>
+              <a:buChar char="•"/>
+              <a:defRPr sz="1800" kern="1200">
+                <a:solidFill>
+                  <a:schemeClr val="tx1"/>
+                </a:solidFill>
+                <a:latin typeface="+mn-lt"/>
+                <a:ea typeface="+mn-ea"/>
+                <a:cs typeface="+mn-cs"/>
+              </a:defRPr>
+            </a:lvl4pPr>
+            <a:lvl5pPr marL="2057400" indent="-228600" algn="l" defTabSz="914400" rtl="0" eaLnBrk="1" latinLnBrk="0" hangingPunct="1">
+              <a:lnSpc>
+                <a:spcPct val="90000"/>
+              </a:lnSpc>
+              <a:spcBef>
+                <a:spcPts val="500"/>
+              </a:spcBef>
+              <a:buFont typeface="Arial" panose="020B0604020202020204" pitchFamily="34" charset="0"/>
+              <a:buChar char="•"/>
+              <a:defRPr sz="1800" kern="1200">
+                <a:solidFill>
+                  <a:schemeClr val="tx1"/>
+                </a:solidFill>
+                <a:latin typeface="+mn-lt"/>
+                <a:ea typeface="+mn-ea"/>
+                <a:cs typeface="+mn-cs"/>
+              </a:defRPr>
+            </a:lvl5pPr>
+            <a:lvl6pPr marL="2514600" indent="-228600" algn="l" defTabSz="914400" rtl="0" eaLnBrk="1" latinLnBrk="0" hangingPunct="1">
+              <a:lnSpc>
+                <a:spcPct val="90000"/>
+              </a:lnSpc>
+              <a:spcBef>
+                <a:spcPts val="500"/>
+              </a:spcBef>
+              <a:buFont typeface="Arial" panose="020B0604020202020204" pitchFamily="34" charset="0"/>
+              <a:buChar char="•"/>
+              <a:defRPr sz="1800" kern="1200">
+                <a:solidFill>
+                  <a:schemeClr val="tx1"/>
+                </a:solidFill>
+                <a:latin typeface="+mn-lt"/>
+                <a:ea typeface="+mn-ea"/>
+                <a:cs typeface="+mn-cs"/>
+              </a:defRPr>
+            </a:lvl6pPr>
+            <a:lvl7pPr marL="2971800" indent="-228600" algn="l" defTabSz="914400" rtl="0" eaLnBrk="1" latinLnBrk="0" hangingPunct="1">
+              <a:lnSpc>
+                <a:spcPct val="90000"/>
+              </a:lnSpc>
+              <a:spcBef>
+                <a:spcPts val="500"/>
+              </a:spcBef>
+              <a:buFont typeface="Arial" panose="020B0604020202020204" pitchFamily="34" charset="0"/>
+              <a:buChar char="•"/>
+              <a:defRPr sz="1800" kern="1200">
+                <a:solidFill>
+                  <a:schemeClr val="tx1"/>
+                </a:solidFill>
+                <a:latin typeface="+mn-lt"/>
+                <a:ea typeface="+mn-ea"/>
+                <a:cs typeface="+mn-cs"/>
+              </a:defRPr>
+            </a:lvl7pPr>
+            <a:lvl8pPr marL="3429000" indent="-228600" algn="l" defTabSz="914400" rtl="0" eaLnBrk="1" latinLnBrk="0" hangingPunct="1">
+              <a:lnSpc>
+                <a:spcPct val="90000"/>
+              </a:lnSpc>
+              <a:spcBef>
+                <a:spcPts val="500"/>
+              </a:spcBef>
+              <a:buFont typeface="Arial" panose="020B0604020202020204" pitchFamily="34" charset="0"/>
+              <a:buChar char="•"/>
+              <a:defRPr sz="1800" kern="1200">
+                <a:solidFill>
+                  <a:schemeClr val="tx1"/>
+                </a:solidFill>
+                <a:latin typeface="+mn-lt"/>
+                <a:ea typeface="+mn-ea"/>
+                <a:cs typeface="+mn-cs"/>
+              </a:defRPr>
+            </a:lvl8pPr>
+            <a:lvl9pPr marL="3886200" indent="-228600" algn="l" defTabSz="914400" rtl="0" eaLnBrk="1" latinLnBrk="0" hangingPunct="1">
+              <a:lnSpc>
+                <a:spcPct val="90000"/>
+              </a:lnSpc>
+              <a:spcBef>
+                <a:spcPts val="500"/>
+              </a:spcBef>
+              <a:buFont typeface="Arial" panose="020B0604020202020204" pitchFamily="34" charset="0"/>
+              <a:buChar char="•"/>
+              <a:defRPr sz="1800" kern="1200">
+                <a:solidFill>
+                  <a:schemeClr val="tx1"/>
+                </a:solidFill>
+                <a:latin typeface="+mn-lt"/>
+                <a:ea typeface="+mn-ea"/>
+                <a:cs typeface="+mn-cs"/>
+              </a:defRPr>
+            </a:lvl9pPr>
+          </a:lstStyle>
           <a:p>
             <a:r>
               <a:rPr lang="en-US" dirty="0"/>
-              <a:t>Data is written to cache along with the change in the source of true</a:t>
-            </a:r>
-          </a:p>
-          <a:p>
-            <a:pPr lvl="1"/>
+              <a:t>Application code maintains responsibility to get the data providing a factory</a:t>
+            </a:r>
+          </a:p>
+          <a:p>
             <a:r>
               <a:rPr lang="en-US" dirty="0"/>
-              <a:t>App responsibility: write-aside</a:t>
-            </a:r>
-          </a:p>
-          <a:p>
-            <a:pPr lvl="1"/>
-            <a:r>
-              <a:rPr lang="en-US" dirty="0"/>
-              <a:t>Cache responsibility: write-through</a:t>
-            </a:r>
+              <a:t>Cache can apply policies on the "data factory" (e.g. timeouts, fail safe)</a:t>
+            </a:r>
+          </a:p>
+        </p:txBody>
+      </p:sp>
+      <p:sp>
+        <p:nvSpPr>
+          <p:cNvPr id="6" name="TextBox 5">
+            <a:extLst>
+              <a:ext uri="{FF2B5EF4-FFF2-40B4-BE49-F238E27FC236}">
+                <a16:creationId xmlns:a16="http://schemas.microsoft.com/office/drawing/2014/main" id="{26FB2E35-C0C2-2A08-E5E5-62A1CBD8432D}"/>
+              </a:ext>
+            </a:extLst>
+          </p:cNvPr>
+          <p:cNvSpPr txBox="1"/>
+          <p:nvPr/>
+        </p:nvSpPr>
+        <p:spPr>
+          <a:xfrm>
+            <a:off x="763479" y="3249228"/>
+            <a:ext cx="9721048" cy="2308324"/>
+          </a:xfrm>
+          <a:prstGeom prst="rect">
+            <a:avLst/>
+          </a:prstGeom>
+          <a:noFill/>
+          <a:ln>
+            <a:solidFill>
+              <a:schemeClr val="accent1"/>
+            </a:solidFill>
+          </a:ln>
+        </p:spPr>
+        <p:txBody>
+          <a:bodyPr wrap="square" rtlCol="0">
+            <a:spAutoFit/>
+          </a:bodyPr>
+          <a:lstStyle/>
+          <a:p>
+            <a:r>
+              <a:rPr lang="en-US" sz="1800" dirty="0">
+                <a:solidFill>
+                  <a:srgbClr val="000000"/>
+                </a:solidFill>
+                <a:latin typeface="Cascadia Mono" panose="020B0609020000020004" pitchFamily="49" charset="0"/>
+              </a:rPr>
+              <a:t>// _cache -&gt; </a:t>
+            </a:r>
+            <a:r>
+              <a:rPr lang="en-US" sz="1800" dirty="0" err="1">
+                <a:solidFill>
+                  <a:srgbClr val="000000"/>
+                </a:solidFill>
+                <a:latin typeface="Cascadia Mono" panose="020B0609020000020004" pitchFamily="49" charset="0"/>
+              </a:rPr>
+              <a:t>IMemoryCache</a:t>
+            </a:r>
+            <a:br>
+              <a:rPr lang="en-US" sz="1800" dirty="0">
+                <a:solidFill>
+                  <a:srgbClr val="000000"/>
+                </a:solidFill>
+                <a:latin typeface="Cascadia Mono" panose="020B0609020000020004" pitchFamily="49" charset="0"/>
+              </a:rPr>
+            </a:br>
+            <a:r>
+              <a:rPr lang="en-US" sz="1800" dirty="0">
+                <a:solidFill>
+                  <a:srgbClr val="000000"/>
+                </a:solidFill>
+                <a:latin typeface="Cascadia Mono" panose="020B0609020000020004" pitchFamily="49" charset="0"/>
+              </a:rPr>
+              <a:t>var ret = await _</a:t>
+            </a:r>
+            <a:r>
+              <a:rPr lang="en-US" sz="1800" dirty="0" err="1">
+                <a:solidFill>
+                  <a:srgbClr val="000000"/>
+                </a:solidFill>
+                <a:latin typeface="Cascadia Mono" panose="020B0609020000020004" pitchFamily="49" charset="0"/>
+              </a:rPr>
+              <a:t>cache.GetOrCreateAsync</a:t>
+            </a:r>
+            <a:r>
+              <a:rPr lang="en-US" sz="1800" dirty="0">
+                <a:solidFill>
+                  <a:srgbClr val="000000"/>
+                </a:solidFill>
+                <a:latin typeface="Cascadia Mono" panose="020B0609020000020004" pitchFamily="49" charset="0"/>
+              </a:rPr>
+              <a:t>(location, async </a:t>
+            </a:r>
+            <a:r>
+              <a:rPr lang="en-US" sz="1800" dirty="0" err="1">
+                <a:solidFill>
+                  <a:srgbClr val="000000"/>
+                </a:solidFill>
+                <a:latin typeface="Cascadia Mono" panose="020B0609020000020004" pitchFamily="49" charset="0"/>
+              </a:rPr>
+              <a:t>cacheEntry</a:t>
+            </a:r>
+            <a:r>
+              <a:rPr lang="en-US" sz="1800" dirty="0">
+                <a:solidFill>
+                  <a:srgbClr val="000000"/>
+                </a:solidFill>
+                <a:latin typeface="Cascadia Mono" panose="020B0609020000020004" pitchFamily="49" charset="0"/>
+              </a:rPr>
+              <a:t>=&gt;</a:t>
+            </a:r>
+          </a:p>
+          <a:p>
+            <a:r>
+              <a:rPr lang="en-US" sz="1800" dirty="0">
+                <a:solidFill>
+                  <a:srgbClr val="000000"/>
+                </a:solidFill>
+                <a:latin typeface="Cascadia Mono" panose="020B0609020000020004" pitchFamily="49" charset="0"/>
+              </a:rPr>
+              <a:t>{</a:t>
+            </a:r>
+          </a:p>
+          <a:p>
+            <a:r>
+              <a:rPr lang="en-US" sz="1800" dirty="0">
+                <a:solidFill>
+                  <a:srgbClr val="000000"/>
+                </a:solidFill>
+                <a:latin typeface="Cascadia Mono" panose="020B0609020000020004" pitchFamily="49" charset="0"/>
+              </a:rPr>
+              <a:t>    </a:t>
+            </a:r>
+            <a:r>
+              <a:rPr lang="en-US" sz="1800" dirty="0" err="1">
+                <a:solidFill>
+                  <a:srgbClr val="000000"/>
+                </a:solidFill>
+                <a:latin typeface="Cascadia Mono" panose="020B0609020000020004" pitchFamily="49" charset="0"/>
+              </a:rPr>
+              <a:t>cacheEntry.AbsoluteExpiration</a:t>
+            </a:r>
+            <a:r>
+              <a:rPr lang="en-US" sz="1800" dirty="0">
+                <a:solidFill>
+                  <a:srgbClr val="000000"/>
+                </a:solidFill>
+                <a:latin typeface="Cascadia Mono" panose="020B0609020000020004" pitchFamily="49" charset="0"/>
+              </a:rPr>
+              <a:t> = </a:t>
+            </a:r>
+            <a:r>
+              <a:rPr lang="en-US" sz="1800" dirty="0" err="1">
+                <a:solidFill>
+                  <a:srgbClr val="000000"/>
+                </a:solidFill>
+                <a:latin typeface="Cascadia Mono" panose="020B0609020000020004" pitchFamily="49" charset="0"/>
+              </a:rPr>
+              <a:t>DateTimeOffset.UtcNow</a:t>
+            </a:r>
+            <a:r>
+              <a:rPr lang="en-US" sz="1800" dirty="0">
+                <a:solidFill>
+                  <a:srgbClr val="000000"/>
+                </a:solidFill>
+                <a:latin typeface="Cascadia Mono" panose="020B0609020000020004" pitchFamily="49" charset="0"/>
+              </a:rPr>
+              <a:t> +</a:t>
+            </a:r>
+            <a:br>
+              <a:rPr lang="en-US" sz="1800" dirty="0">
+                <a:solidFill>
+                  <a:srgbClr val="000000"/>
+                </a:solidFill>
+                <a:latin typeface="Cascadia Mono" panose="020B0609020000020004" pitchFamily="49" charset="0"/>
+              </a:rPr>
+            </a:br>
+            <a:r>
+              <a:rPr lang="en-US" sz="1800" dirty="0">
+                <a:solidFill>
+                  <a:srgbClr val="000000"/>
+                </a:solidFill>
+                <a:latin typeface="Cascadia Mono" panose="020B0609020000020004" pitchFamily="49" charset="0"/>
+              </a:rPr>
+              <a:t>      </a:t>
+            </a:r>
+            <a:r>
+              <a:rPr lang="en-US" sz="1800" dirty="0" err="1">
+                <a:solidFill>
+                  <a:srgbClr val="000000"/>
+                </a:solidFill>
+                <a:latin typeface="Cascadia Mono" panose="020B0609020000020004" pitchFamily="49" charset="0"/>
+              </a:rPr>
+              <a:t>TimeSpan.FromMinutes</a:t>
+            </a:r>
+            <a:r>
+              <a:rPr lang="en-US" sz="1800" dirty="0">
+                <a:solidFill>
+                  <a:srgbClr val="000000"/>
+                </a:solidFill>
+                <a:latin typeface="Cascadia Mono" panose="020B0609020000020004" pitchFamily="49" charset="0"/>
+              </a:rPr>
+              <a:t>(1);</a:t>
+            </a:r>
+          </a:p>
+          <a:p>
+            <a:r>
+              <a:rPr lang="en-US" sz="1800" dirty="0">
+                <a:solidFill>
+                  <a:srgbClr val="000000"/>
+                </a:solidFill>
+                <a:latin typeface="Cascadia Mono" panose="020B0609020000020004" pitchFamily="49" charset="0"/>
+              </a:rPr>
+              <a:t>    return await _</a:t>
+            </a:r>
+            <a:r>
+              <a:rPr lang="en-US" sz="1800" dirty="0" err="1">
+                <a:solidFill>
+                  <a:srgbClr val="000000"/>
+                </a:solidFill>
+                <a:latin typeface="Cascadia Mono" panose="020B0609020000020004" pitchFamily="49" charset="0"/>
+              </a:rPr>
+              <a:t>dataSources.GetCurrentTime</a:t>
+            </a:r>
+            <a:r>
+              <a:rPr lang="en-US" sz="1800" dirty="0">
+                <a:solidFill>
+                  <a:srgbClr val="000000"/>
+                </a:solidFill>
+                <a:latin typeface="Cascadia Mono" panose="020B0609020000020004" pitchFamily="49" charset="0"/>
+              </a:rPr>
+              <a:t>(location, </a:t>
+            </a:r>
+            <a:r>
+              <a:rPr lang="en-US" sz="1800" dirty="0" err="1">
+                <a:solidFill>
+                  <a:srgbClr val="000000"/>
+                </a:solidFill>
+                <a:latin typeface="Cascadia Mono" panose="020B0609020000020004" pitchFamily="49" charset="0"/>
+              </a:rPr>
+              <a:t>throwEx</a:t>
+            </a:r>
+            <a:r>
+              <a:rPr lang="en-US" sz="1800" dirty="0">
+                <a:solidFill>
+                  <a:srgbClr val="000000"/>
+                </a:solidFill>
+                <a:latin typeface="Cascadia Mono" panose="020B0609020000020004" pitchFamily="49" charset="0"/>
+              </a:rPr>
+              <a:t>);</a:t>
+            </a:r>
+          </a:p>
+          <a:p>
+            <a:r>
+              <a:rPr lang="en-US" sz="1800" dirty="0">
+                <a:solidFill>
+                  <a:srgbClr val="000000"/>
+                </a:solidFill>
+                <a:latin typeface="Cascadia Mono" panose="020B0609020000020004" pitchFamily="49" charset="0"/>
+              </a:rPr>
+              <a:t>});</a:t>
+            </a:r>
+          </a:p>
+          <a:p>
+            <a:r>
+              <a:rPr lang="en-US" sz="1800" dirty="0">
+                <a:solidFill>
+                  <a:srgbClr val="000000"/>
+                </a:solidFill>
+                <a:latin typeface="Cascadia Mono" panose="020B0609020000020004" pitchFamily="49" charset="0"/>
+              </a:rPr>
+              <a:t>return ret;</a:t>
+            </a:r>
+            <a:endParaRPr lang="en-US" sz="1400" dirty="0">
+              <a:latin typeface="Courier New" panose="02070309020205020404" pitchFamily="49" charset="0"/>
+              <a:cs typeface="Courier New" panose="02070309020205020404" pitchFamily="49" charset="0"/>
+            </a:endParaRPr>
           </a:p>
         </p:txBody>
       </p:sp>
     </p:spTree>
     <p:extLst>
       <p:ext uri="{BB962C8B-B14F-4D97-AF65-F5344CB8AC3E}">
-        <p14:creationId xmlns:p14="http://schemas.microsoft.com/office/powerpoint/2010/main" val="2566556712"/>
+        <p14:creationId xmlns:p14="http://schemas.microsoft.com/office/powerpoint/2010/main" val="4288270999"/>
       </p:ext>
     </p:extLst>
   </p:cSld>
@@ -7486,7 +7600,7 @@
           <a:p>
             <a:r>
               <a:rPr lang="en-US" dirty="0"/>
-              <a:t>Caching Patterns: Invalidate-*</a:t>
+              <a:t>Caching Patterns: Write-*</a:t>
             </a:r>
           </a:p>
         </p:txBody>
@@ -7514,40 +7628,21 @@
           <a:p>
             <a:r>
               <a:rPr lang="en-US" dirty="0"/>
-              <a:t>Cache is invalidated (removed) and not updated when the source of true data change</a:t>
-            </a:r>
-          </a:p>
-          <a:p>
+              <a:t>Data is written to cache along with the change in the source of true</a:t>
+            </a:r>
+          </a:p>
+          <a:p>
+            <a:pPr lvl="1"/>
             <a:r>
               <a:rPr lang="en-US" dirty="0"/>
-              <a:t>Avoid stale data</a:t>
-            </a:r>
-          </a:p>
-          <a:p>
+              <a:t>App responsibility: write-aside</a:t>
+            </a:r>
+          </a:p>
+          <a:p>
+            <a:pPr lvl="1"/>
             <a:r>
               <a:rPr lang="en-US" dirty="0"/>
-              <a:t>Not trivial to get cache invalidation right</a:t>
-            </a:r>
-          </a:p>
-          <a:p>
-            <a:pPr lvl="1"/>
-            <a:r>
-              <a:rPr lang="en-US" dirty="0"/>
-              <a:t>in real world, the same piece of data can be changed in different places</a:t>
-            </a:r>
-          </a:p>
-          <a:p>
-            <a:pPr lvl="1"/>
-            <a:r>
-              <a:rPr lang="en-US" dirty="0"/>
-              <a:t>the scope of change in the DB does not match the scope of cache items (need to invalidate a set of data)</a:t>
-            </a:r>
-          </a:p>
-          <a:p>
-            <a:pPr lvl="1"/>
-            <a:r>
-              <a:rPr lang="en-US" dirty="0"/>
-              <a:t>Invalidate notification must be sent to all processes holding the cached value in memory </a:t>
+              <a:t>Cache responsibility: write-through</a:t>
             </a:r>
           </a:p>
         </p:txBody>
@@ -7555,7 +7650,7 @@
     </p:spTree>
     <p:extLst>
       <p:ext uri="{BB962C8B-B14F-4D97-AF65-F5344CB8AC3E}">
-        <p14:creationId xmlns:p14="http://schemas.microsoft.com/office/powerpoint/2010/main" val="1431893223"/>
+        <p14:creationId xmlns:p14="http://schemas.microsoft.com/office/powerpoint/2010/main" val="2566556712"/>
       </p:ext>
     </p:extLst>
   </p:cSld>
@@ -7587,7 +7682,7 @@
           <p:cNvPr id="2" name="Title 1">
             <a:extLst>
               <a:ext uri="{FF2B5EF4-FFF2-40B4-BE49-F238E27FC236}">
-                <a16:creationId xmlns:a16="http://schemas.microsoft.com/office/drawing/2014/main" id="{E57DA3C0-3710-D20C-CC0D-66224A3AB702}"/>
+                <a16:creationId xmlns:a16="http://schemas.microsoft.com/office/drawing/2014/main" id="{59593752-6681-2B40-B346-B33A140102CE}"/>
               </a:ext>
             </a:extLst>
           </p:cNvPr>
@@ -7605,7 +7700,7 @@
           <a:p>
             <a:r>
               <a:rPr lang="en-US" dirty="0"/>
-              <a:t>We need more than just raw cache api</a:t>
+              <a:t>Caching Patterns: Invalidate-*</a:t>
             </a:r>
           </a:p>
         </p:txBody>
@@ -7615,7 +7710,7 @@
           <p:cNvPr id="3" name="Content Placeholder 2">
             <a:extLst>
               <a:ext uri="{FF2B5EF4-FFF2-40B4-BE49-F238E27FC236}">
-                <a16:creationId xmlns:a16="http://schemas.microsoft.com/office/drawing/2014/main" id="{C5C7945F-9E84-52F0-7DD7-2ED7FDFB5482}"/>
+                <a16:creationId xmlns:a16="http://schemas.microsoft.com/office/drawing/2014/main" id="{15FDBC59-A97E-D95B-5EAF-CA3CDFCA0850}"/>
               </a:ext>
             </a:extLst>
           </p:cNvPr>
@@ -7626,6 +7721,230 @@
             <p:ph idx="1"/>
           </p:nvPr>
         </p:nvSpPr>
+        <p:spPr/>
+        <p:txBody>
+          <a:bodyPr/>
+          <a:lstStyle/>
+          <a:p>
+            <a:r>
+              <a:rPr lang="en-US" dirty="0"/>
+              <a:t>Cache is invalidated (removed) and not updated when the source of true data change</a:t>
+            </a:r>
+          </a:p>
+          <a:p>
+            <a:r>
+              <a:rPr lang="en-US" dirty="0"/>
+              <a:t>Avoid stale data</a:t>
+            </a:r>
+          </a:p>
+          <a:p>
+            <a:r>
+              <a:rPr lang="en-US" dirty="0"/>
+              <a:t>Not trivial to get cache invalidation right</a:t>
+            </a:r>
+          </a:p>
+          <a:p>
+            <a:pPr lvl="1"/>
+            <a:r>
+              <a:rPr lang="en-US" dirty="0"/>
+              <a:t>in real world, the same piece of data can be changed in different places</a:t>
+            </a:r>
+          </a:p>
+          <a:p>
+            <a:pPr lvl="1"/>
+            <a:r>
+              <a:rPr lang="en-US" dirty="0"/>
+              <a:t>the scope of change in the DB does not match the scope of cache items (need to invalidate a set of data)</a:t>
+            </a:r>
+          </a:p>
+          <a:p>
+            <a:pPr lvl="1"/>
+            <a:r>
+              <a:rPr lang="en-US" dirty="0"/>
+              <a:t>Invalidate notification must be sent to all processes holding the cached value in memory </a:t>
+            </a:r>
+          </a:p>
+        </p:txBody>
+      </p:sp>
+    </p:spTree>
+    <p:extLst>
+      <p:ext uri="{BB962C8B-B14F-4D97-AF65-F5344CB8AC3E}">
+        <p14:creationId xmlns:p14="http://schemas.microsoft.com/office/powerpoint/2010/main" val="1431893223"/>
+      </p:ext>
+    </p:extLst>
+  </p:cSld>
+  <p:clrMapOvr>
+    <a:masterClrMapping/>
+  </p:clrMapOvr>
+</p:sld>
+</file>
+
+<file path=ppt/slides/slide23.xml><?xml version="1.0" encoding="utf-8"?>
+<p:sld xmlns:a="http://schemas.openxmlformats.org/drawingml/2006/main" xmlns:r="http://schemas.openxmlformats.org/officeDocument/2006/relationships" xmlns:p="http://schemas.openxmlformats.org/presentationml/2006/main">
+  <p:cSld>
+    <p:spTree>
+      <p:nvGrpSpPr>
+        <p:cNvPr id="1" name=""/>
+        <p:cNvGrpSpPr/>
+        <p:nvPr/>
+      </p:nvGrpSpPr>
+      <p:grpSpPr>
+        <a:xfrm>
+          <a:off x="0" y="0"/>
+          <a:ext cx="0" cy="0"/>
+          <a:chOff x="0" y="0"/>
+          <a:chExt cx="0" cy="0"/>
+        </a:xfrm>
+      </p:grpSpPr>
+      <p:sp>
+        <p:nvSpPr>
+          <p:cNvPr id="2" name="Title 1">
+            <a:extLst>
+              <a:ext uri="{FF2B5EF4-FFF2-40B4-BE49-F238E27FC236}">
+                <a16:creationId xmlns:a16="http://schemas.microsoft.com/office/drawing/2014/main" id="{24CA9FB0-0A26-A4F9-0ABF-2901DF297E79}"/>
+              </a:ext>
+            </a:extLst>
+          </p:cNvPr>
+          <p:cNvSpPr>
+            <a:spLocks noGrp="1"/>
+          </p:cNvSpPr>
+          <p:nvPr>
+            <p:ph type="title"/>
+          </p:nvPr>
+        </p:nvSpPr>
+        <p:spPr/>
+        <p:txBody>
+          <a:bodyPr/>
+          <a:lstStyle/>
+          <a:p>
+            <a:endParaRPr lang="en-US" dirty="0"/>
+          </a:p>
+        </p:txBody>
+      </p:sp>
+      <p:sp>
+        <p:nvSpPr>
+          <p:cNvPr id="3" name="Content Placeholder 2">
+            <a:extLst>
+              <a:ext uri="{FF2B5EF4-FFF2-40B4-BE49-F238E27FC236}">
+                <a16:creationId xmlns:a16="http://schemas.microsoft.com/office/drawing/2014/main" id="{CD8E7B28-F4F6-4908-6E58-E5351DD2E328}"/>
+              </a:ext>
+            </a:extLst>
+          </p:cNvPr>
+          <p:cNvSpPr>
+            <a:spLocks noGrp="1"/>
+          </p:cNvSpPr>
+          <p:nvPr>
+            <p:ph idx="1"/>
+          </p:nvPr>
+        </p:nvSpPr>
+        <p:spPr/>
+        <p:txBody>
+          <a:bodyPr/>
+          <a:lstStyle/>
+          <a:p>
+            <a:pPr marL="0" indent="0" algn="ctr">
+              <a:buNone/>
+            </a:pPr>
+            <a:endParaRPr lang="en-US" dirty="0"/>
+          </a:p>
+          <a:p>
+            <a:pPr marL="0" indent="0" algn="ctr">
+              <a:buNone/>
+            </a:pPr>
+            <a:endParaRPr lang="en-US" dirty="0"/>
+          </a:p>
+          <a:p>
+            <a:pPr marL="0" indent="0" algn="ctr">
+              <a:buNone/>
+            </a:pPr>
+            <a:endParaRPr lang="en-US" dirty="0"/>
+          </a:p>
+          <a:p>
+            <a:pPr marL="0" indent="0" algn="ctr">
+              <a:buNone/>
+            </a:pPr>
+            <a:r>
+              <a:rPr lang="en-US" sz="4800" dirty="0" err="1"/>
+              <a:t>FusionCache</a:t>
+            </a:r>
+            <a:endParaRPr lang="en-US" sz="4800" dirty="0"/>
+          </a:p>
+        </p:txBody>
+      </p:sp>
+    </p:spTree>
+    <p:extLst>
+      <p:ext uri="{BB962C8B-B14F-4D97-AF65-F5344CB8AC3E}">
+        <p14:creationId xmlns:p14="http://schemas.microsoft.com/office/powerpoint/2010/main" val="3128317154"/>
+      </p:ext>
+    </p:extLst>
+  </p:cSld>
+  <p:clrMapOvr>
+    <a:masterClrMapping/>
+  </p:clrMapOvr>
+</p:sld>
+</file>
+
+<file path=ppt/slides/slide24.xml><?xml version="1.0" encoding="utf-8"?>
+<p:sld xmlns:a="http://schemas.openxmlformats.org/drawingml/2006/main" xmlns:r="http://schemas.openxmlformats.org/officeDocument/2006/relationships" xmlns:p="http://schemas.openxmlformats.org/presentationml/2006/main">
+  <p:cSld>
+    <p:spTree>
+      <p:nvGrpSpPr>
+        <p:cNvPr id="1" name=""/>
+        <p:cNvGrpSpPr/>
+        <p:nvPr/>
+      </p:nvGrpSpPr>
+      <p:grpSpPr>
+        <a:xfrm>
+          <a:off x="0" y="0"/>
+          <a:ext cx="0" cy="0"/>
+          <a:chOff x="0" y="0"/>
+          <a:chExt cx="0" cy="0"/>
+        </a:xfrm>
+      </p:grpSpPr>
+      <p:sp>
+        <p:nvSpPr>
+          <p:cNvPr id="2" name="Title 1">
+            <a:extLst>
+              <a:ext uri="{FF2B5EF4-FFF2-40B4-BE49-F238E27FC236}">
+                <a16:creationId xmlns:a16="http://schemas.microsoft.com/office/drawing/2014/main" id="{E57DA3C0-3710-D20C-CC0D-66224A3AB702}"/>
+              </a:ext>
+            </a:extLst>
+          </p:cNvPr>
+          <p:cNvSpPr>
+            <a:spLocks noGrp="1"/>
+          </p:cNvSpPr>
+          <p:nvPr>
+            <p:ph type="title"/>
+          </p:nvPr>
+        </p:nvSpPr>
+        <p:spPr/>
+        <p:txBody>
+          <a:bodyPr/>
+          <a:lstStyle/>
+          <a:p>
+            <a:r>
+              <a:rPr lang="en-US" dirty="0"/>
+              <a:t>We need more than just raw cache api</a:t>
+            </a:r>
+          </a:p>
+        </p:txBody>
+      </p:sp>
+      <p:sp>
+        <p:nvSpPr>
+          <p:cNvPr id="3" name="Content Placeholder 2">
+            <a:extLst>
+              <a:ext uri="{FF2B5EF4-FFF2-40B4-BE49-F238E27FC236}">
+                <a16:creationId xmlns:a16="http://schemas.microsoft.com/office/drawing/2014/main" id="{C5C7945F-9E84-52F0-7DD7-2ED7FDFB5482}"/>
+              </a:ext>
+            </a:extLst>
+          </p:cNvPr>
+          <p:cNvSpPr>
+            <a:spLocks noGrp="1"/>
+          </p:cNvSpPr>
+          <p:nvPr>
+            <p:ph idx="1"/>
+          </p:nvPr>
+        </p:nvSpPr>
         <p:spPr>
           <a:xfrm>
             <a:off x="838200" y="1402672"/>
@@ -7672,7 +7991,7 @@
           <p:nvPr>
             <p:extLst>
               <p:ext uri="{D42A27DB-BD31-4B8C-83A1-F6EECF244321}">
-                <p14:modId xmlns:p14="http://schemas.microsoft.com/office/powerpoint/2010/main" val="3907504409"/>
+                <p14:modId xmlns:p14="http://schemas.microsoft.com/office/powerpoint/2010/main" val="1775171267"/>
               </p:ext>
             </p:extLst>
           </p:nvPr>
@@ -8143,7 +8462,7 @@
                     <a:p>
                       <a:r>
                         <a:rPr lang="en-US" dirty="0"/>
-                        <a:t>actively developed</a:t>
+                        <a:t>15/06/2024</a:t>
                       </a:r>
                     </a:p>
                   </a:txBody>
@@ -8172,784 +8491,6 @@
 </p:sld>
 </file>
 
-<file path=ppt/slides/slide23.xml><?xml version="1.0" encoding="utf-8"?>
-<p:sld xmlns:a="http://schemas.openxmlformats.org/drawingml/2006/main" xmlns:r="http://schemas.openxmlformats.org/officeDocument/2006/relationships" xmlns:p="http://schemas.openxmlformats.org/presentationml/2006/main">
-  <p:cSld>
-    <p:spTree>
-      <p:nvGrpSpPr>
-        <p:cNvPr id="1" name=""/>
-        <p:cNvGrpSpPr/>
-        <p:nvPr/>
-      </p:nvGrpSpPr>
-      <p:grpSpPr>
-        <a:xfrm>
-          <a:off x="0" y="0"/>
-          <a:ext cx="0" cy="0"/>
-          <a:chOff x="0" y="0"/>
-          <a:chExt cx="0" cy="0"/>
-        </a:xfrm>
-      </p:grpSpPr>
-      <p:sp>
-        <p:nvSpPr>
-          <p:cNvPr id="2" name="Title 1">
-            <a:extLst>
-              <a:ext uri="{FF2B5EF4-FFF2-40B4-BE49-F238E27FC236}">
-                <a16:creationId xmlns:a16="http://schemas.microsoft.com/office/drawing/2014/main" id="{DC126C97-4703-96A2-54D0-381453EDB7C6}"/>
-              </a:ext>
-            </a:extLst>
-          </p:cNvPr>
-          <p:cNvSpPr>
-            <a:spLocks noGrp="1"/>
-          </p:cNvSpPr>
-          <p:nvPr>
-            <p:ph type="title"/>
-          </p:nvPr>
-        </p:nvSpPr>
-        <p:spPr/>
-        <p:txBody>
-          <a:bodyPr/>
-          <a:lstStyle/>
-          <a:p>
-            <a:r>
-              <a:rPr lang="en-US" dirty="0" err="1"/>
-              <a:t>FusionCache</a:t>
-            </a:r>
-            <a:r>
-              <a:rPr lang="en-US" dirty="0"/>
-              <a:t> credits</a:t>
-            </a:r>
-          </a:p>
-        </p:txBody>
-      </p:sp>
-      <p:sp>
-        <p:nvSpPr>
-          <p:cNvPr id="3" name="Content Placeholder 2">
-            <a:extLst>
-              <a:ext uri="{FF2B5EF4-FFF2-40B4-BE49-F238E27FC236}">
-                <a16:creationId xmlns:a16="http://schemas.microsoft.com/office/drawing/2014/main" id="{F2B173F4-26D6-9BE0-DE40-E26278EB230A}"/>
-              </a:ext>
-            </a:extLst>
-          </p:cNvPr>
-          <p:cNvSpPr>
-            <a:spLocks noGrp="1"/>
-          </p:cNvSpPr>
-          <p:nvPr>
-            <p:ph idx="1"/>
-          </p:nvPr>
-        </p:nvSpPr>
-        <p:spPr/>
-        <p:txBody>
-          <a:bodyPr/>
-          <a:lstStyle/>
-          <a:p>
-            <a:r>
-              <a:rPr lang="en-US" dirty="0"/>
-              <a:t>Microsoft Data API builder uses </a:t>
-            </a:r>
-            <a:r>
-              <a:rPr lang="en-US" dirty="0" err="1"/>
-              <a:t>fusioncache</a:t>
-            </a:r>
-            <a:endParaRPr lang="en-US" dirty="0"/>
-          </a:p>
-          <a:p>
-            <a:pPr lvl="1"/>
-            <a:r>
-              <a:rPr lang="en-US" dirty="0">
-                <a:hlinkClick r:id="rId2"/>
-              </a:rPr>
-              <a:t>https://devblogs.microsoft.com/azure-sql/data-api-builder-ga/</a:t>
-            </a:r>
-            <a:endParaRPr lang="en-US" dirty="0"/>
-          </a:p>
-          <a:p>
-            <a:r>
-              <a:rPr lang="en-US" dirty="0"/>
-              <a:t>First "issue" in new </a:t>
-            </a:r>
-            <a:r>
-              <a:rPr lang="en-US" dirty="0" err="1"/>
-              <a:t>Nuget</a:t>
-            </a:r>
-            <a:r>
-              <a:rPr lang="en-US" dirty="0"/>
-              <a:t> spotlight repo </a:t>
-            </a:r>
-          </a:p>
-          <a:p>
-            <a:pPr lvl="1"/>
-            <a:r>
-              <a:rPr lang="en-US" b="0" i="0" dirty="0">
-                <a:solidFill>
-                  <a:srgbClr val="1F2328"/>
-                </a:solidFill>
-                <a:effectLst/>
-                <a:highlight>
-                  <a:srgbClr val="FFFFFF"/>
-                </a:highlight>
-                <a:latin typeface="-apple-system"/>
-              </a:rPr>
-              <a:t>This repository is designed to spotlight popular and upcoming NuGet packages, providing a central place for developers to discover new tools and libraries that can enhance their projects</a:t>
-            </a:r>
-          </a:p>
-          <a:p>
-            <a:pPr lvl="1"/>
-            <a:endParaRPr lang="en-US" dirty="0"/>
-          </a:p>
-          <a:p>
-            <a:pPr lvl="1"/>
-            <a:r>
-              <a:rPr lang="en-US" dirty="0">
-                <a:hlinkClick r:id="rId3"/>
-              </a:rPr>
-              <a:t>https://github.com/NuGet/Spotlight/issues/1</a:t>
-            </a:r>
-            <a:endParaRPr lang="en-US" dirty="0"/>
-          </a:p>
-          <a:p>
-            <a:pPr lvl="1"/>
-            <a:endParaRPr lang="en-US" dirty="0"/>
-          </a:p>
-        </p:txBody>
-      </p:sp>
-    </p:spTree>
-    <p:extLst>
-      <p:ext uri="{BB962C8B-B14F-4D97-AF65-F5344CB8AC3E}">
-        <p14:creationId xmlns:p14="http://schemas.microsoft.com/office/powerpoint/2010/main" val="611558116"/>
-      </p:ext>
-    </p:extLst>
-  </p:cSld>
-  <p:clrMapOvr>
-    <a:masterClrMapping/>
-  </p:clrMapOvr>
-</p:sld>
-</file>
-
-<file path=ppt/slides/slide24.xml><?xml version="1.0" encoding="utf-8"?>
-<p:sld xmlns:a="http://schemas.openxmlformats.org/drawingml/2006/main" xmlns:r="http://schemas.openxmlformats.org/officeDocument/2006/relationships" xmlns:p="http://schemas.openxmlformats.org/presentationml/2006/main">
-  <p:cSld>
-    <p:spTree>
-      <p:nvGrpSpPr>
-        <p:cNvPr id="1" name=""/>
-        <p:cNvGrpSpPr/>
-        <p:nvPr/>
-      </p:nvGrpSpPr>
-      <p:grpSpPr>
-        <a:xfrm>
-          <a:off x="0" y="0"/>
-          <a:ext cx="0" cy="0"/>
-          <a:chOff x="0" y="0"/>
-          <a:chExt cx="0" cy="0"/>
-        </a:xfrm>
-      </p:grpSpPr>
-      <p:sp>
-        <p:nvSpPr>
-          <p:cNvPr id="2" name="Title 1">
-            <a:extLst>
-              <a:ext uri="{FF2B5EF4-FFF2-40B4-BE49-F238E27FC236}">
-                <a16:creationId xmlns:a16="http://schemas.microsoft.com/office/drawing/2014/main" id="{B85EE399-0A0C-981C-9900-5AE790E125F3}"/>
-              </a:ext>
-            </a:extLst>
-          </p:cNvPr>
-          <p:cNvSpPr>
-            <a:spLocks noGrp="1"/>
-          </p:cNvSpPr>
-          <p:nvPr>
-            <p:ph type="title"/>
-          </p:nvPr>
-        </p:nvSpPr>
-        <p:spPr/>
-        <p:txBody>
-          <a:bodyPr/>
-          <a:lstStyle/>
-          <a:p>
-            <a:r>
-              <a:rPr lang="en-US" dirty="0" err="1"/>
-              <a:t>FusionCache</a:t>
-            </a:r>
-            <a:r>
-              <a:rPr lang="en-US" dirty="0"/>
-              <a:t>: set up</a:t>
-            </a:r>
-          </a:p>
-        </p:txBody>
-      </p:sp>
-      <p:sp>
-        <p:nvSpPr>
-          <p:cNvPr id="5" name="TextBox 4">
-            <a:extLst>
-              <a:ext uri="{FF2B5EF4-FFF2-40B4-BE49-F238E27FC236}">
-                <a16:creationId xmlns:a16="http://schemas.microsoft.com/office/drawing/2014/main" id="{DD4FE0E5-3673-2DEC-5110-7B3C017406CC}"/>
-              </a:ext>
-            </a:extLst>
-          </p:cNvPr>
-          <p:cNvSpPr txBox="1"/>
-          <p:nvPr/>
-        </p:nvSpPr>
-        <p:spPr>
-          <a:xfrm>
-            <a:off x="754602" y="2045964"/>
-            <a:ext cx="10599198" cy="3139321"/>
-          </a:xfrm>
-          <a:prstGeom prst="rect">
-            <a:avLst/>
-          </a:prstGeom>
-          <a:noFill/>
-          <a:ln>
-            <a:solidFill>
-              <a:schemeClr val="accent1"/>
-            </a:solidFill>
-          </a:ln>
-        </p:spPr>
-        <p:txBody>
-          <a:bodyPr wrap="square">
-            <a:spAutoFit/>
-          </a:bodyPr>
-          <a:lstStyle/>
-          <a:p>
-            <a:r>
-              <a:rPr lang="en-US" dirty="0" err="1">
-                <a:solidFill>
-                  <a:srgbClr val="000000"/>
-                </a:solidFill>
-                <a:latin typeface="Cascadia Mono" panose="020B0609020000020004" pitchFamily="49" charset="0"/>
-              </a:rPr>
-              <a:t>builder.Services.</a:t>
-            </a:r>
-            <a:r>
-              <a:rPr lang="en-US" dirty="0" err="1">
-                <a:solidFill>
-                  <a:srgbClr val="000000"/>
-                </a:solidFill>
-                <a:highlight>
-                  <a:srgbClr val="FFFF00"/>
-                </a:highlight>
-                <a:latin typeface="Cascadia Mono" panose="020B0609020000020004" pitchFamily="49" charset="0"/>
-              </a:rPr>
-              <a:t>AddFusionCache</a:t>
-            </a:r>
-            <a:r>
-              <a:rPr lang="en-US" dirty="0">
-                <a:solidFill>
-                  <a:srgbClr val="000000"/>
-                </a:solidFill>
-                <a:latin typeface="Cascadia Mono" panose="020B0609020000020004" pitchFamily="49" charset="0"/>
-              </a:rPr>
-              <a:t>()</a:t>
-            </a:r>
-            <a:br>
-              <a:rPr lang="en-US" dirty="0">
-                <a:solidFill>
-                  <a:srgbClr val="000000"/>
-                </a:solidFill>
-                <a:latin typeface="Cascadia Mono" panose="020B0609020000020004" pitchFamily="49" charset="0"/>
-              </a:rPr>
-            </a:br>
-            <a:r>
-              <a:rPr lang="en-US" dirty="0">
-                <a:solidFill>
-                  <a:srgbClr val="000000"/>
-                </a:solidFill>
-                <a:latin typeface="Cascadia Mono" panose="020B0609020000020004" pitchFamily="49" charset="0"/>
-              </a:rPr>
-              <a:t>.</a:t>
-            </a:r>
-            <a:r>
-              <a:rPr lang="en-US" dirty="0" err="1">
-                <a:solidFill>
-                  <a:srgbClr val="000000"/>
-                </a:solidFill>
-                <a:highlight>
-                  <a:srgbClr val="FFFF00"/>
-                </a:highlight>
-                <a:latin typeface="Cascadia Mono" panose="020B0609020000020004" pitchFamily="49" charset="0"/>
-              </a:rPr>
-              <a:t>WithDefaultEntryOptions</a:t>
-            </a:r>
-            <a:r>
-              <a:rPr lang="en-US" dirty="0">
-                <a:solidFill>
-                  <a:srgbClr val="000000"/>
-                </a:solidFill>
-                <a:latin typeface="Cascadia Mono" panose="020B0609020000020004" pitchFamily="49" charset="0"/>
-              </a:rPr>
-              <a:t>(</a:t>
-            </a:r>
-            <a:br>
-              <a:rPr lang="en-US" dirty="0">
-                <a:solidFill>
-                  <a:srgbClr val="000000"/>
-                </a:solidFill>
-                <a:latin typeface="Cascadia Mono" panose="020B0609020000020004" pitchFamily="49" charset="0"/>
-              </a:rPr>
-            </a:br>
-            <a:r>
-              <a:rPr lang="en-US" dirty="0">
-                <a:solidFill>
-                  <a:srgbClr val="000000"/>
-                </a:solidFill>
-                <a:latin typeface="Cascadia Mono" panose="020B0609020000020004" pitchFamily="49" charset="0"/>
-              </a:rPr>
-              <a:t>   new </a:t>
-            </a:r>
-            <a:r>
-              <a:rPr lang="en-US" dirty="0" err="1">
-                <a:solidFill>
-                  <a:srgbClr val="000000"/>
-                </a:solidFill>
-                <a:latin typeface="Cascadia Mono" panose="020B0609020000020004" pitchFamily="49" charset="0"/>
-              </a:rPr>
-              <a:t>FusionCacheEntryOptions</a:t>
-            </a:r>
-            <a:r>
-              <a:rPr lang="en-US" dirty="0">
-                <a:solidFill>
-                  <a:srgbClr val="000000"/>
-                </a:solidFill>
-                <a:latin typeface="Cascadia Mono" panose="020B0609020000020004" pitchFamily="49" charset="0"/>
-              </a:rPr>
-              <a:t>{ … })</a:t>
-            </a:r>
-          </a:p>
-          <a:p>
-            <a:r>
-              <a:rPr lang="en-US" dirty="0">
-                <a:solidFill>
-                  <a:srgbClr val="000000"/>
-                </a:solidFill>
-                <a:latin typeface="Cascadia Mono" panose="020B0609020000020004" pitchFamily="49" charset="0"/>
-              </a:rPr>
-              <a:t>.</a:t>
-            </a:r>
-            <a:r>
-              <a:rPr lang="en-US" dirty="0" err="1">
-                <a:solidFill>
-                  <a:srgbClr val="000000"/>
-                </a:solidFill>
-                <a:highlight>
-                  <a:srgbClr val="FFFF00"/>
-                </a:highlight>
-                <a:latin typeface="Cascadia Mono" panose="020B0609020000020004" pitchFamily="49" charset="0"/>
-              </a:rPr>
-              <a:t>WithSerializer</a:t>
-            </a:r>
-            <a:r>
-              <a:rPr lang="en-US" dirty="0">
-                <a:solidFill>
-                  <a:srgbClr val="000000"/>
-                </a:solidFill>
-                <a:latin typeface="Cascadia Mono" panose="020B0609020000020004" pitchFamily="49" charset="0"/>
-              </a:rPr>
-              <a:t>(</a:t>
-            </a:r>
-            <a:br>
-              <a:rPr lang="en-US" dirty="0">
-                <a:solidFill>
-                  <a:srgbClr val="000000"/>
-                </a:solidFill>
-                <a:latin typeface="Cascadia Mono" panose="020B0609020000020004" pitchFamily="49" charset="0"/>
-              </a:rPr>
-            </a:br>
-            <a:r>
-              <a:rPr lang="en-US" dirty="0">
-                <a:solidFill>
-                  <a:srgbClr val="000000"/>
-                </a:solidFill>
-                <a:latin typeface="Cascadia Mono" panose="020B0609020000020004" pitchFamily="49" charset="0"/>
-              </a:rPr>
-              <a:t>   new </a:t>
-            </a:r>
-            <a:r>
-              <a:rPr lang="en-US" dirty="0" err="1">
-                <a:solidFill>
-                  <a:srgbClr val="000000"/>
-                </a:solidFill>
-                <a:latin typeface="Cascadia Mono" panose="020B0609020000020004" pitchFamily="49" charset="0"/>
-              </a:rPr>
-              <a:t>FusionCacheSystemTextJsonSerializer</a:t>
-            </a:r>
-            <a:r>
-              <a:rPr lang="en-US" dirty="0">
-                <a:solidFill>
-                  <a:srgbClr val="000000"/>
-                </a:solidFill>
-                <a:latin typeface="Cascadia Mono" panose="020B0609020000020004" pitchFamily="49" charset="0"/>
-              </a:rPr>
-              <a:t>())</a:t>
-            </a:r>
-          </a:p>
-          <a:p>
-            <a:r>
-              <a:rPr lang="en-US" dirty="0">
-                <a:solidFill>
-                  <a:srgbClr val="000000"/>
-                </a:solidFill>
-                <a:latin typeface="Cascadia Mono" panose="020B0609020000020004" pitchFamily="49" charset="0"/>
-              </a:rPr>
-              <a:t>.</a:t>
-            </a:r>
-            <a:r>
-              <a:rPr lang="en-US" dirty="0" err="1">
-                <a:solidFill>
-                  <a:srgbClr val="000000"/>
-                </a:solidFill>
-                <a:highlight>
-                  <a:srgbClr val="FFFF00"/>
-                </a:highlight>
-                <a:latin typeface="Cascadia Mono" panose="020B0609020000020004" pitchFamily="49" charset="0"/>
-              </a:rPr>
-              <a:t>WithDistributedCache</a:t>
-            </a:r>
-            <a:r>
-              <a:rPr lang="en-US" dirty="0">
-                <a:solidFill>
-                  <a:srgbClr val="000000"/>
-                </a:solidFill>
-                <a:latin typeface="Cascadia Mono" panose="020B0609020000020004" pitchFamily="49" charset="0"/>
-              </a:rPr>
-              <a:t>(</a:t>
-            </a:r>
-          </a:p>
-          <a:p>
-            <a:r>
-              <a:rPr lang="en-US" dirty="0">
-                <a:solidFill>
-                  <a:srgbClr val="000000"/>
-                </a:solidFill>
-                <a:latin typeface="Cascadia Mono" panose="020B0609020000020004" pitchFamily="49" charset="0"/>
-              </a:rPr>
-              <a:t>   new </a:t>
-            </a:r>
-            <a:r>
-              <a:rPr lang="en-US" dirty="0" err="1">
-                <a:solidFill>
-                  <a:srgbClr val="000000"/>
-                </a:solidFill>
-                <a:latin typeface="Cascadia Mono" panose="020B0609020000020004" pitchFamily="49" charset="0"/>
-              </a:rPr>
-              <a:t>RedisCache</a:t>
-            </a:r>
-            <a:r>
-              <a:rPr lang="en-US" dirty="0">
-                <a:solidFill>
-                  <a:srgbClr val="000000"/>
-                </a:solidFill>
-                <a:latin typeface="Cascadia Mono" panose="020B0609020000020004" pitchFamily="49" charset="0"/>
-              </a:rPr>
-              <a:t>(new </a:t>
-            </a:r>
-            <a:r>
-              <a:rPr lang="en-US" dirty="0" err="1">
-                <a:solidFill>
-                  <a:srgbClr val="000000"/>
-                </a:solidFill>
-                <a:latin typeface="Cascadia Mono" panose="020B0609020000020004" pitchFamily="49" charset="0"/>
-              </a:rPr>
-              <a:t>RedisCacheOptions</a:t>
-            </a:r>
-            <a:r>
-              <a:rPr lang="en-US" dirty="0">
-                <a:solidFill>
-                  <a:srgbClr val="000000"/>
-                </a:solidFill>
-                <a:latin typeface="Cascadia Mono" panose="020B0609020000020004" pitchFamily="49" charset="0"/>
-              </a:rPr>
-              <a:t> { </a:t>
-            </a:r>
-            <a:r>
-              <a:rPr lang="en-US" dirty="0" err="1">
-                <a:solidFill>
-                  <a:srgbClr val="000000"/>
-                </a:solidFill>
-                <a:latin typeface="Cascadia Mono" panose="020B0609020000020004" pitchFamily="49" charset="0"/>
-              </a:rPr>
-              <a:t>InstanceName</a:t>
-            </a:r>
-            <a:r>
-              <a:rPr lang="en-US" dirty="0">
-                <a:solidFill>
-                  <a:srgbClr val="000000"/>
-                </a:solidFill>
-                <a:latin typeface="Cascadia Mono" panose="020B0609020000020004" pitchFamily="49" charset="0"/>
-              </a:rPr>
-              <a:t> = "</a:t>
-            </a:r>
-            <a:r>
-              <a:rPr lang="en-US" dirty="0" err="1">
-                <a:solidFill>
-                  <a:srgbClr val="000000"/>
-                </a:solidFill>
-                <a:latin typeface="Cascadia Mono" panose="020B0609020000020004" pitchFamily="49" charset="0"/>
-              </a:rPr>
-              <a:t>fusionCacheApi</a:t>
-            </a:r>
-            <a:r>
-              <a:rPr lang="en-US" dirty="0">
-                <a:solidFill>
-                  <a:srgbClr val="000000"/>
-                </a:solidFill>
-                <a:latin typeface="Cascadia Mono" panose="020B0609020000020004" pitchFamily="49" charset="0"/>
-              </a:rPr>
-              <a:t>",  </a:t>
-            </a:r>
-            <a:br>
-              <a:rPr lang="en-US" dirty="0">
-                <a:solidFill>
-                  <a:srgbClr val="000000"/>
-                </a:solidFill>
-                <a:latin typeface="Cascadia Mono" panose="020B0609020000020004" pitchFamily="49" charset="0"/>
-              </a:rPr>
-            </a:br>
-            <a:r>
-              <a:rPr lang="en-US" dirty="0">
-                <a:solidFill>
-                  <a:srgbClr val="000000"/>
-                </a:solidFill>
-                <a:latin typeface="Cascadia Mono" panose="020B0609020000020004" pitchFamily="49" charset="0"/>
-              </a:rPr>
-              <a:t>    Configuration = </a:t>
-            </a:r>
-            <a:r>
-              <a:rPr lang="en-US" dirty="0" err="1">
-                <a:solidFill>
-                  <a:srgbClr val="000000"/>
-                </a:solidFill>
-                <a:latin typeface="Cascadia Mono" panose="020B0609020000020004" pitchFamily="49" charset="0"/>
-              </a:rPr>
-              <a:t>builder.Configuration</a:t>
-            </a:r>
-            <a:r>
-              <a:rPr lang="en-US" dirty="0">
-                <a:solidFill>
-                  <a:srgbClr val="000000"/>
-                </a:solidFill>
-                <a:latin typeface="Cascadia Mono" panose="020B0609020000020004" pitchFamily="49" charset="0"/>
-              </a:rPr>
-              <a:t>["</a:t>
-            </a:r>
-            <a:r>
-              <a:rPr lang="en-US" dirty="0" err="1">
-                <a:solidFill>
-                  <a:srgbClr val="000000"/>
-                </a:solidFill>
-                <a:latin typeface="Cascadia Mono" panose="020B0609020000020004" pitchFamily="49" charset="0"/>
-              </a:rPr>
-              <a:t>redis:connectionString</a:t>
-            </a:r>
-            <a:r>
-              <a:rPr lang="en-US" dirty="0">
-                <a:solidFill>
-                  <a:srgbClr val="000000"/>
-                </a:solidFill>
-                <a:latin typeface="Cascadia Mono" panose="020B0609020000020004" pitchFamily="49" charset="0"/>
-              </a:rPr>
-              <a:t>"] }))</a:t>
-            </a:r>
-            <a:br>
-              <a:rPr lang="en-US" dirty="0">
-                <a:solidFill>
-                  <a:srgbClr val="000000"/>
-                </a:solidFill>
-                <a:latin typeface="Cascadia Mono" panose="020B0609020000020004" pitchFamily="49" charset="0"/>
-              </a:rPr>
-            </a:br>
-            <a:r>
-              <a:rPr lang="en-US" dirty="0">
-                <a:solidFill>
-                  <a:srgbClr val="000000"/>
-                </a:solidFill>
-                <a:latin typeface="Cascadia Mono" panose="020B0609020000020004" pitchFamily="49" charset="0"/>
-              </a:rPr>
-              <a:t>.</a:t>
-            </a:r>
-            <a:r>
-              <a:rPr lang="en-US" dirty="0" err="1">
-                <a:solidFill>
-                  <a:srgbClr val="000000"/>
-                </a:solidFill>
-                <a:highlight>
-                  <a:srgbClr val="FFFF00"/>
-                </a:highlight>
-                <a:latin typeface="Cascadia Mono" panose="020B0609020000020004" pitchFamily="49" charset="0"/>
-              </a:rPr>
-              <a:t>WithBackplane</a:t>
-            </a:r>
-            <a:r>
-              <a:rPr lang="en-US" dirty="0">
-                <a:solidFill>
-                  <a:srgbClr val="000000"/>
-                </a:solidFill>
-                <a:latin typeface="Cascadia Mono" panose="020B0609020000020004" pitchFamily="49" charset="0"/>
-              </a:rPr>
-              <a:t>(new </a:t>
-            </a:r>
-            <a:r>
-              <a:rPr lang="en-US" dirty="0" err="1">
-                <a:solidFill>
-                  <a:srgbClr val="000000"/>
-                </a:solidFill>
-                <a:latin typeface="Cascadia Mono" panose="020B0609020000020004" pitchFamily="49" charset="0"/>
-              </a:rPr>
-              <a:t>RedisBackplane</a:t>
-            </a:r>
-            <a:r>
-              <a:rPr lang="en-US" dirty="0">
-                <a:solidFill>
-                  <a:srgbClr val="000000"/>
-                </a:solidFill>
-                <a:latin typeface="Cascadia Mono" panose="020B0609020000020004" pitchFamily="49" charset="0"/>
-              </a:rPr>
-              <a:t>(new </a:t>
-            </a:r>
-            <a:r>
-              <a:rPr lang="en-US" dirty="0" err="1">
-                <a:solidFill>
-                  <a:srgbClr val="000000"/>
-                </a:solidFill>
-                <a:latin typeface="Cascadia Mono" panose="020B0609020000020004" pitchFamily="49" charset="0"/>
-              </a:rPr>
-              <a:t>RedisBackplaneOptions</a:t>
-            </a:r>
-            <a:r>
-              <a:rPr lang="en-US" dirty="0">
-                <a:solidFill>
-                  <a:srgbClr val="000000"/>
-                </a:solidFill>
-                <a:latin typeface="Cascadia Mono" panose="020B0609020000020004" pitchFamily="49" charset="0"/>
-              </a:rPr>
-              <a:t>() </a:t>
-            </a:r>
-            <a:br>
-              <a:rPr lang="en-US" dirty="0">
-                <a:solidFill>
-                  <a:srgbClr val="000000"/>
-                </a:solidFill>
-                <a:latin typeface="Cascadia Mono" panose="020B0609020000020004" pitchFamily="49" charset="0"/>
-              </a:rPr>
-            </a:br>
-            <a:r>
-              <a:rPr lang="en-US" dirty="0">
-                <a:solidFill>
-                  <a:srgbClr val="000000"/>
-                </a:solidFill>
-                <a:latin typeface="Cascadia Mono" panose="020B0609020000020004" pitchFamily="49" charset="0"/>
-              </a:rPr>
-              <a:t>   { Configuration = </a:t>
-            </a:r>
-            <a:r>
-              <a:rPr lang="en-US" dirty="0" err="1">
-                <a:solidFill>
-                  <a:srgbClr val="000000"/>
-                </a:solidFill>
-                <a:latin typeface="Cascadia Mono" panose="020B0609020000020004" pitchFamily="49" charset="0"/>
-              </a:rPr>
-              <a:t>builder.Configuration</a:t>
-            </a:r>
-            <a:r>
-              <a:rPr lang="en-US" dirty="0">
-                <a:solidFill>
-                  <a:srgbClr val="000000"/>
-                </a:solidFill>
-                <a:latin typeface="Cascadia Mono" panose="020B0609020000020004" pitchFamily="49" charset="0"/>
-              </a:rPr>
-              <a:t>["</a:t>
-            </a:r>
-            <a:r>
-              <a:rPr lang="en-US" dirty="0" err="1">
-                <a:solidFill>
-                  <a:srgbClr val="000000"/>
-                </a:solidFill>
-                <a:latin typeface="Cascadia Mono" panose="020B0609020000020004" pitchFamily="49" charset="0"/>
-              </a:rPr>
-              <a:t>redis:connectionString</a:t>
-            </a:r>
-            <a:r>
-              <a:rPr lang="en-US" dirty="0">
-                <a:solidFill>
-                  <a:srgbClr val="000000"/>
-                </a:solidFill>
-                <a:latin typeface="Cascadia Mono" panose="020B0609020000020004" pitchFamily="49" charset="0"/>
-              </a:rPr>
-              <a:t>"] })</a:t>
-            </a:r>
-          </a:p>
-          <a:p>
-            <a:r>
-              <a:rPr lang="en-US" dirty="0">
-                <a:solidFill>
-                  <a:srgbClr val="000000"/>
-                </a:solidFill>
-                <a:latin typeface="Cascadia Mono" panose="020B0609020000020004" pitchFamily="49" charset="0"/>
-              </a:rPr>
-              <a:t>);</a:t>
-            </a:r>
-          </a:p>
-        </p:txBody>
-      </p:sp>
-      <p:sp>
-        <p:nvSpPr>
-          <p:cNvPr id="6" name="TextBox 5">
-            <a:extLst>
-              <a:ext uri="{FF2B5EF4-FFF2-40B4-BE49-F238E27FC236}">
-                <a16:creationId xmlns:a16="http://schemas.microsoft.com/office/drawing/2014/main" id="{93F21120-CB5A-3A38-0A8B-99C3B59BFFCD}"/>
-              </a:ext>
-            </a:extLst>
-          </p:cNvPr>
-          <p:cNvSpPr txBox="1"/>
-          <p:nvPr/>
-        </p:nvSpPr>
-        <p:spPr>
-          <a:xfrm>
-            <a:off x="3142695" y="5894773"/>
-            <a:ext cx="8213787" cy="369332"/>
-          </a:xfrm>
-          <a:prstGeom prst="rect">
-            <a:avLst/>
-          </a:prstGeom>
-          <a:noFill/>
-        </p:spPr>
-        <p:txBody>
-          <a:bodyPr wrap="none" rtlCol="0">
-            <a:spAutoFit/>
-          </a:bodyPr>
-          <a:lstStyle/>
-          <a:p>
-            <a:r>
-              <a:rPr lang="en-US" i="1" dirty="0"/>
-              <a:t>Note: no need to register </a:t>
-            </a:r>
-            <a:r>
-              <a:rPr lang="en-US" i="1" dirty="0" err="1"/>
-              <a:t>IMemoryCache</a:t>
-            </a:r>
-            <a:r>
-              <a:rPr lang="en-US" i="1" dirty="0"/>
-              <a:t> and (Redis) </a:t>
-            </a:r>
-            <a:r>
-              <a:rPr lang="en-US" i="1" dirty="0" err="1"/>
-              <a:t>IDistributedCache</a:t>
-            </a:r>
-            <a:r>
-              <a:rPr lang="en-US" i="1" dirty="0"/>
-              <a:t> explicitly</a:t>
-            </a:r>
-          </a:p>
-        </p:txBody>
-      </p:sp>
-    </p:spTree>
-    <p:extLst>
-      <p:ext uri="{BB962C8B-B14F-4D97-AF65-F5344CB8AC3E}">
-        <p14:creationId xmlns:p14="http://schemas.microsoft.com/office/powerpoint/2010/main" val="891413980"/>
-      </p:ext>
-    </p:extLst>
-  </p:cSld>
-  <p:clrMapOvr>
-    <a:masterClrMapping/>
-  </p:clrMapOvr>
-</p:sld>
-</file>
-
 <file path=ppt/slides/slide25.xml><?xml version="1.0" encoding="utf-8"?>
 <p:sld xmlns:a="http://schemas.openxmlformats.org/drawingml/2006/main" xmlns:r="http://schemas.openxmlformats.org/officeDocument/2006/relationships" xmlns:p="http://schemas.openxmlformats.org/presentationml/2006/main">
   <p:cSld>
@@ -8972,7 +8513,7 @@
           <p:cNvPr id="2" name="Title 1">
             <a:extLst>
               <a:ext uri="{FF2B5EF4-FFF2-40B4-BE49-F238E27FC236}">
-                <a16:creationId xmlns:a16="http://schemas.microsoft.com/office/drawing/2014/main" id="{6DA7CF98-B5C3-6707-D594-BAB3B1E1E832}"/>
+                <a16:creationId xmlns:a16="http://schemas.microsoft.com/office/drawing/2014/main" id="{DC126C97-4703-96A2-54D0-381453EDB7C6}"/>
               </a:ext>
             </a:extLst>
           </p:cNvPr>
@@ -8994,7 +8535,7 @@
             </a:r>
             <a:r>
               <a:rPr lang="en-US" dirty="0"/>
-              <a:t>: use it </a:t>
+              <a:t> credits</a:t>
             </a:r>
           </a:p>
         </p:txBody>
@@ -9004,7 +8545,7 @@
           <p:cNvPr id="3" name="Content Placeholder 2">
             <a:extLst>
               <a:ext uri="{FF2B5EF4-FFF2-40B4-BE49-F238E27FC236}">
-                <a16:creationId xmlns:a16="http://schemas.microsoft.com/office/drawing/2014/main" id="{4EE2669E-596B-E86E-E0E5-C04B6F827164}"/>
+                <a16:creationId xmlns:a16="http://schemas.microsoft.com/office/drawing/2014/main" id="{F2B173F4-26D6-9BE0-DE40-E26278EB230A}"/>
               </a:ext>
             </a:extLst>
           </p:cNvPr>
@@ -9015,124 +8556,81 @@
             <p:ph idx="1"/>
           </p:nvPr>
         </p:nvSpPr>
-        <p:spPr>
-          <a:xfrm>
-            <a:off x="838200" y="1704031"/>
-            <a:ext cx="10515600" cy="4351338"/>
-          </a:xfrm>
-        </p:spPr>
-        <p:txBody>
-          <a:bodyPr>
-            <a:normAutofit/>
-          </a:bodyPr>
-          <a:lstStyle/>
-          <a:p>
+        <p:spPr/>
+        <p:txBody>
+          <a:bodyPr/>
+          <a:lstStyle/>
+          <a:p>
+            <a:r>
+              <a:rPr lang="en-US" dirty="0"/>
+              <a:t>Microsoft Data API builder uses </a:t>
+            </a:r>
             <a:r>
               <a:rPr lang="en-US" dirty="0" err="1"/>
-              <a:t>IFusionCache</a:t>
-            </a:r>
+              <a:t>FusionCache</a:t>
+            </a:r>
+            <a:endParaRPr lang="en-US" dirty="0"/>
+          </a:p>
+          <a:p>
+            <a:pPr lvl="1"/>
+            <a:r>
+              <a:rPr lang="en-US" dirty="0">
+                <a:hlinkClick r:id="rId2"/>
+              </a:rPr>
+              <a:t>https://devblogs.microsoft.com/azure-sql/data-api-builder-ga/</a:t>
+            </a:r>
+            <a:endParaRPr lang="en-US" dirty="0"/>
+          </a:p>
+          <a:p>
+            <a:pPr lvl="1"/>
+            <a:endParaRPr lang="en-US" dirty="0"/>
+          </a:p>
+          <a:p>
             <a:r>
               <a:rPr lang="en-US" dirty="0"/>
-              <a:t>: the interface to have injected</a:t>
-            </a:r>
-          </a:p>
-          <a:p>
+              <a:t>First "issue" in new </a:t>
+            </a:r>
+            <a:r>
+              <a:rPr lang="en-US" dirty="0" err="1"/>
+              <a:t>Nuget</a:t>
+            </a:r>
             <a:r>
               <a:rPr lang="en-US" dirty="0"/>
-              <a:t>The main api: </a:t>
-            </a:r>
-            <a:r>
-              <a:rPr lang="en-US" i="1" dirty="0" err="1">
+              <a:t> spotlight repo (11/07/2024)</a:t>
+            </a:r>
+          </a:p>
+          <a:p>
+            <a:pPr lvl="1"/>
+            <a:r>
+              <a:rPr lang="en-US" b="0" i="0" dirty="0">
+                <a:solidFill>
+                  <a:srgbClr val="1F2328"/>
+                </a:solidFill>
+                <a:effectLst/>
                 <a:highlight>
-                  <a:srgbClr val="FFFF00"/>
+                  <a:srgbClr val="FFFFFF"/>
                 </a:highlight>
-              </a:rPr>
-              <a:t>GetOrSetAsync</a:t>
-            </a:r>
-            <a:r>
-              <a:rPr lang="en-US" dirty="0"/>
-              <a:t>, it requires </a:t>
+                <a:latin typeface="-apple-system"/>
+              </a:rPr>
+              <a:t>This repository is designed to spotlight popular and upcoming NuGet packages, providing a central place for developers to discover new tools and libraries that can enhance their projects</a:t>
             </a:r>
           </a:p>
           <a:p>
             <a:pPr lvl="1"/>
-            <a:r>
-              <a:rPr lang="en-US" dirty="0"/>
-              <a:t>Function to get the data is there is a cache miss</a:t>
-            </a:r>
+            <a:endParaRPr lang="en-US" dirty="0"/>
           </a:p>
           <a:p>
             <a:pPr lvl="1"/>
             <a:r>
-              <a:rPr lang="en-US" dirty="0"/>
-              <a:t>Optional </a:t>
-            </a:r>
-            <a:r>
-              <a:rPr lang="en-US" i="1" dirty="0" err="1">
-                <a:highlight>
-                  <a:srgbClr val="FFFF00"/>
-                </a:highlight>
-              </a:rPr>
-              <a:t>FusionCacheEntryOptions</a:t>
-            </a:r>
-            <a:r>
-              <a:rPr lang="en-US" sz="2400" dirty="0">
-                <a:solidFill>
-                  <a:srgbClr val="000000"/>
-                </a:solidFill>
-                <a:latin typeface="Cascadia Mono" panose="020B0609020000020004" pitchFamily="49" charset="0"/>
-              </a:rPr>
-              <a:t> </a:t>
-            </a:r>
-            <a:r>
-              <a:rPr lang="en-US" dirty="0"/>
-              <a:t>(if not provided a default one registered at startup is used)</a:t>
-            </a:r>
-          </a:p>
-          <a:p>
-            <a:pPr lvl="2"/>
-            <a:r>
-              <a:rPr lang="en-US" dirty="0"/>
-              <a:t>Duration</a:t>
-            </a:r>
-          </a:p>
-          <a:p>
-            <a:pPr lvl="2"/>
-            <a:r>
-              <a:rPr lang="en-US" dirty="0" err="1"/>
-              <a:t>DistributedCacheDuration</a:t>
-            </a:r>
-            <a:r>
-              <a:rPr lang="en-US" dirty="0"/>
-              <a:t> (optional) </a:t>
-            </a:r>
-          </a:p>
-          <a:p>
-            <a:pPr lvl="2"/>
-            <a:r>
-              <a:rPr lang="en-US" dirty="0" err="1"/>
-              <a:t>JitterMaxDuration</a:t>
-            </a:r>
-            <a:r>
-              <a:rPr lang="en-US" dirty="0"/>
-              <a:t> (introduce a degree of randomization in the expiration)</a:t>
-            </a:r>
-          </a:p>
-          <a:p>
-            <a:pPr lvl="2"/>
-            <a:r>
-              <a:rPr lang="en-US" dirty="0"/>
-              <a:t>..and many others we will cover in next slides </a:t>
-            </a:r>
-          </a:p>
-          <a:p>
-            <a:pPr lvl="2"/>
+              <a:rPr lang="en-US" dirty="0">
+                <a:hlinkClick r:id="rId3"/>
+              </a:rPr>
+              <a:t>https://github.com/NuGet/Spotlight/issues/1</a:t>
+            </a:r>
             <a:endParaRPr lang="en-US" dirty="0"/>
           </a:p>
           <a:p>
-            <a:endParaRPr lang="en-US" dirty="0"/>
-          </a:p>
-          <a:p>
+            <a:pPr lvl="1"/>
             <a:endParaRPr lang="en-US" dirty="0"/>
           </a:p>
         </p:txBody>
@@ -9140,7 +8638,7 @@
     </p:spTree>
     <p:extLst>
       <p:ext uri="{BB962C8B-B14F-4D97-AF65-F5344CB8AC3E}">
-        <p14:creationId xmlns:p14="http://schemas.microsoft.com/office/powerpoint/2010/main" val="2609270308"/>
+        <p14:creationId xmlns:p14="http://schemas.microsoft.com/office/powerpoint/2010/main" val="611558116"/>
       </p:ext>
     </p:extLst>
   </p:cSld>
@@ -9172,7 +8670,7 @@
           <p:cNvPr id="2" name="Title 1">
             <a:extLst>
               <a:ext uri="{FF2B5EF4-FFF2-40B4-BE49-F238E27FC236}">
-                <a16:creationId xmlns:a16="http://schemas.microsoft.com/office/drawing/2014/main" id="{A57B7226-9247-96BB-DF72-85A4234DFF1A}"/>
+                <a16:creationId xmlns:a16="http://schemas.microsoft.com/office/drawing/2014/main" id="{B85EE399-0A0C-981C-9900-5AE790E125F3}"/>
               </a:ext>
             </a:extLst>
           </p:cNvPr>
@@ -9189,24 +8687,22 @@
           <a:lstStyle/>
           <a:p>
             <a:r>
-              <a:rPr lang="en-US" dirty="0" err="1">
-                <a:solidFill>
-                  <a:srgbClr val="000000"/>
-                </a:solidFill>
-                <a:latin typeface="Cascadia Mono" panose="020B0609020000020004" pitchFamily="49" charset="0"/>
-              </a:rPr>
-              <a:t>GetOrSetAsync</a:t>
-            </a:r>
-            <a:endParaRPr lang="en-US" dirty="0"/>
-          </a:p>
-        </p:txBody>
-      </p:sp>
-      <p:sp>
-        <p:nvSpPr>
-          <p:cNvPr id="4" name="TextBox 3">
-            <a:extLst>
-              <a:ext uri="{FF2B5EF4-FFF2-40B4-BE49-F238E27FC236}">
-                <a16:creationId xmlns:a16="http://schemas.microsoft.com/office/drawing/2014/main" id="{BB7C8D49-C6C3-3F18-E18D-A174359898DC}"/>
+              <a:rPr lang="en-US" dirty="0" err="1"/>
+              <a:t>FusionCache</a:t>
+            </a:r>
+            <a:r>
+              <a:rPr lang="en-US" dirty="0"/>
+              <a:t>: set up</a:t>
+            </a:r>
+          </a:p>
+        </p:txBody>
+      </p:sp>
+      <p:sp>
+        <p:nvSpPr>
+          <p:cNvPr id="5" name="TextBox 4">
+            <a:extLst>
+              <a:ext uri="{FF2B5EF4-FFF2-40B4-BE49-F238E27FC236}">
+                <a16:creationId xmlns:a16="http://schemas.microsoft.com/office/drawing/2014/main" id="{DD4FE0E5-3673-2DEC-5110-7B3C017406CC}"/>
               </a:ext>
             </a:extLst>
           </p:cNvPr>
@@ -9215,8 +8711,520 @@
         </p:nvSpPr>
         <p:spPr>
           <a:xfrm>
-            <a:off x="573358" y="2602914"/>
-            <a:ext cx="11091498" cy="2862322"/>
+            <a:off x="754602" y="2045964"/>
+            <a:ext cx="10599198" cy="3139321"/>
+          </a:xfrm>
+          <a:prstGeom prst="rect">
+            <a:avLst/>
+          </a:prstGeom>
+          <a:noFill/>
+          <a:ln>
+            <a:solidFill>
+              <a:schemeClr val="accent1"/>
+            </a:solidFill>
+          </a:ln>
+        </p:spPr>
+        <p:txBody>
+          <a:bodyPr wrap="square">
+            <a:spAutoFit/>
+          </a:bodyPr>
+          <a:lstStyle/>
+          <a:p>
+            <a:r>
+              <a:rPr lang="en-US" dirty="0" err="1">
+                <a:solidFill>
+                  <a:srgbClr val="000000"/>
+                </a:solidFill>
+                <a:latin typeface="Cascadia Mono" panose="020B0609020000020004" pitchFamily="49" charset="0"/>
+              </a:rPr>
+              <a:t>builder.Services.</a:t>
+            </a:r>
+            <a:r>
+              <a:rPr lang="en-US" dirty="0" err="1">
+                <a:solidFill>
+                  <a:srgbClr val="000000"/>
+                </a:solidFill>
+                <a:highlight>
+                  <a:srgbClr val="FFFF00"/>
+                </a:highlight>
+                <a:latin typeface="Cascadia Mono" panose="020B0609020000020004" pitchFamily="49" charset="0"/>
+              </a:rPr>
+              <a:t>AddFusionCache</a:t>
+            </a:r>
+            <a:r>
+              <a:rPr lang="en-US" dirty="0">
+                <a:solidFill>
+                  <a:srgbClr val="000000"/>
+                </a:solidFill>
+                <a:latin typeface="Cascadia Mono" panose="020B0609020000020004" pitchFamily="49" charset="0"/>
+              </a:rPr>
+              <a:t>()</a:t>
+            </a:r>
+            <a:br>
+              <a:rPr lang="en-US" dirty="0">
+                <a:solidFill>
+                  <a:srgbClr val="000000"/>
+                </a:solidFill>
+                <a:latin typeface="Cascadia Mono" panose="020B0609020000020004" pitchFamily="49" charset="0"/>
+              </a:rPr>
+            </a:br>
+            <a:r>
+              <a:rPr lang="en-US" dirty="0">
+                <a:solidFill>
+                  <a:srgbClr val="000000"/>
+                </a:solidFill>
+                <a:latin typeface="Cascadia Mono" panose="020B0609020000020004" pitchFamily="49" charset="0"/>
+              </a:rPr>
+              <a:t>.</a:t>
+            </a:r>
+            <a:r>
+              <a:rPr lang="en-US" dirty="0" err="1">
+                <a:solidFill>
+                  <a:srgbClr val="000000"/>
+                </a:solidFill>
+                <a:highlight>
+                  <a:srgbClr val="FFFF00"/>
+                </a:highlight>
+                <a:latin typeface="Cascadia Mono" panose="020B0609020000020004" pitchFamily="49" charset="0"/>
+              </a:rPr>
+              <a:t>WithDefaultEntryOptions</a:t>
+            </a:r>
+            <a:r>
+              <a:rPr lang="en-US" dirty="0">
+                <a:solidFill>
+                  <a:srgbClr val="000000"/>
+                </a:solidFill>
+                <a:latin typeface="Cascadia Mono" panose="020B0609020000020004" pitchFamily="49" charset="0"/>
+              </a:rPr>
+              <a:t>(</a:t>
+            </a:r>
+            <a:br>
+              <a:rPr lang="en-US" dirty="0">
+                <a:solidFill>
+                  <a:srgbClr val="000000"/>
+                </a:solidFill>
+                <a:latin typeface="Cascadia Mono" panose="020B0609020000020004" pitchFamily="49" charset="0"/>
+              </a:rPr>
+            </a:br>
+            <a:r>
+              <a:rPr lang="en-US" dirty="0">
+                <a:solidFill>
+                  <a:srgbClr val="000000"/>
+                </a:solidFill>
+                <a:latin typeface="Cascadia Mono" panose="020B0609020000020004" pitchFamily="49" charset="0"/>
+              </a:rPr>
+              <a:t>   new </a:t>
+            </a:r>
+            <a:r>
+              <a:rPr lang="en-US" dirty="0" err="1">
+                <a:solidFill>
+                  <a:srgbClr val="000000"/>
+                </a:solidFill>
+                <a:latin typeface="Cascadia Mono" panose="020B0609020000020004" pitchFamily="49" charset="0"/>
+              </a:rPr>
+              <a:t>FusionCacheEntryOptions</a:t>
+            </a:r>
+            <a:r>
+              <a:rPr lang="en-US" dirty="0">
+                <a:solidFill>
+                  <a:srgbClr val="000000"/>
+                </a:solidFill>
+                <a:latin typeface="Cascadia Mono" panose="020B0609020000020004" pitchFamily="49" charset="0"/>
+              </a:rPr>
+              <a:t>{ … })</a:t>
+            </a:r>
+          </a:p>
+          <a:p>
+            <a:r>
+              <a:rPr lang="en-US" dirty="0">
+                <a:solidFill>
+                  <a:srgbClr val="000000"/>
+                </a:solidFill>
+                <a:latin typeface="Cascadia Mono" panose="020B0609020000020004" pitchFamily="49" charset="0"/>
+              </a:rPr>
+              <a:t>.</a:t>
+            </a:r>
+            <a:r>
+              <a:rPr lang="en-US" dirty="0" err="1">
+                <a:solidFill>
+                  <a:srgbClr val="000000"/>
+                </a:solidFill>
+                <a:highlight>
+                  <a:srgbClr val="FFFF00"/>
+                </a:highlight>
+                <a:latin typeface="Cascadia Mono" panose="020B0609020000020004" pitchFamily="49" charset="0"/>
+              </a:rPr>
+              <a:t>WithSerializer</a:t>
+            </a:r>
+            <a:r>
+              <a:rPr lang="en-US" dirty="0">
+                <a:solidFill>
+                  <a:srgbClr val="000000"/>
+                </a:solidFill>
+                <a:latin typeface="Cascadia Mono" panose="020B0609020000020004" pitchFamily="49" charset="0"/>
+              </a:rPr>
+              <a:t>(</a:t>
+            </a:r>
+            <a:br>
+              <a:rPr lang="en-US" dirty="0">
+                <a:solidFill>
+                  <a:srgbClr val="000000"/>
+                </a:solidFill>
+                <a:latin typeface="Cascadia Mono" panose="020B0609020000020004" pitchFamily="49" charset="0"/>
+              </a:rPr>
+            </a:br>
+            <a:r>
+              <a:rPr lang="en-US" dirty="0">
+                <a:solidFill>
+                  <a:srgbClr val="000000"/>
+                </a:solidFill>
+                <a:latin typeface="Cascadia Mono" panose="020B0609020000020004" pitchFamily="49" charset="0"/>
+              </a:rPr>
+              <a:t>   new </a:t>
+            </a:r>
+            <a:r>
+              <a:rPr lang="en-US" dirty="0" err="1">
+                <a:solidFill>
+                  <a:srgbClr val="000000"/>
+                </a:solidFill>
+                <a:latin typeface="Cascadia Mono" panose="020B0609020000020004" pitchFamily="49" charset="0"/>
+              </a:rPr>
+              <a:t>FusionCacheSystemTextJsonSerializer</a:t>
+            </a:r>
+            <a:r>
+              <a:rPr lang="en-US" dirty="0">
+                <a:solidFill>
+                  <a:srgbClr val="000000"/>
+                </a:solidFill>
+                <a:latin typeface="Cascadia Mono" panose="020B0609020000020004" pitchFamily="49" charset="0"/>
+              </a:rPr>
+              <a:t>())</a:t>
+            </a:r>
+          </a:p>
+          <a:p>
+            <a:r>
+              <a:rPr lang="en-US" dirty="0">
+                <a:solidFill>
+                  <a:srgbClr val="000000"/>
+                </a:solidFill>
+                <a:latin typeface="Cascadia Mono" panose="020B0609020000020004" pitchFamily="49" charset="0"/>
+              </a:rPr>
+              <a:t>.</a:t>
+            </a:r>
+            <a:r>
+              <a:rPr lang="en-US" dirty="0" err="1">
+                <a:solidFill>
+                  <a:srgbClr val="000000"/>
+                </a:solidFill>
+                <a:highlight>
+                  <a:srgbClr val="FFFF00"/>
+                </a:highlight>
+                <a:latin typeface="Cascadia Mono" panose="020B0609020000020004" pitchFamily="49" charset="0"/>
+              </a:rPr>
+              <a:t>WithDistributedCache</a:t>
+            </a:r>
+            <a:r>
+              <a:rPr lang="en-US" dirty="0">
+                <a:solidFill>
+                  <a:srgbClr val="000000"/>
+                </a:solidFill>
+                <a:latin typeface="Cascadia Mono" panose="020B0609020000020004" pitchFamily="49" charset="0"/>
+              </a:rPr>
+              <a:t>(</a:t>
+            </a:r>
+          </a:p>
+          <a:p>
+            <a:r>
+              <a:rPr lang="en-US" dirty="0">
+                <a:solidFill>
+                  <a:srgbClr val="000000"/>
+                </a:solidFill>
+                <a:latin typeface="Cascadia Mono" panose="020B0609020000020004" pitchFamily="49" charset="0"/>
+              </a:rPr>
+              <a:t>   new </a:t>
+            </a:r>
+            <a:r>
+              <a:rPr lang="en-US" dirty="0" err="1">
+                <a:solidFill>
+                  <a:srgbClr val="000000"/>
+                </a:solidFill>
+                <a:latin typeface="Cascadia Mono" panose="020B0609020000020004" pitchFamily="49" charset="0"/>
+              </a:rPr>
+              <a:t>RedisCache</a:t>
+            </a:r>
+            <a:r>
+              <a:rPr lang="en-US" dirty="0">
+                <a:solidFill>
+                  <a:srgbClr val="000000"/>
+                </a:solidFill>
+                <a:latin typeface="Cascadia Mono" panose="020B0609020000020004" pitchFamily="49" charset="0"/>
+              </a:rPr>
+              <a:t>(new </a:t>
+            </a:r>
+            <a:r>
+              <a:rPr lang="en-US" dirty="0" err="1">
+                <a:solidFill>
+                  <a:srgbClr val="000000"/>
+                </a:solidFill>
+                <a:latin typeface="Cascadia Mono" panose="020B0609020000020004" pitchFamily="49" charset="0"/>
+              </a:rPr>
+              <a:t>RedisCacheOptions</a:t>
+            </a:r>
+            <a:r>
+              <a:rPr lang="en-US" dirty="0">
+                <a:solidFill>
+                  <a:srgbClr val="000000"/>
+                </a:solidFill>
+                <a:latin typeface="Cascadia Mono" panose="020B0609020000020004" pitchFamily="49" charset="0"/>
+              </a:rPr>
+              <a:t> { </a:t>
+            </a:r>
+            <a:r>
+              <a:rPr lang="en-US" dirty="0" err="1">
+                <a:solidFill>
+                  <a:srgbClr val="000000"/>
+                </a:solidFill>
+                <a:latin typeface="Cascadia Mono" panose="020B0609020000020004" pitchFamily="49" charset="0"/>
+              </a:rPr>
+              <a:t>InstanceName</a:t>
+            </a:r>
+            <a:r>
+              <a:rPr lang="en-US" dirty="0">
+                <a:solidFill>
+                  <a:srgbClr val="000000"/>
+                </a:solidFill>
+                <a:latin typeface="Cascadia Mono" panose="020B0609020000020004" pitchFamily="49" charset="0"/>
+              </a:rPr>
+              <a:t> = "</a:t>
+            </a:r>
+            <a:r>
+              <a:rPr lang="en-US" dirty="0" err="1">
+                <a:solidFill>
+                  <a:srgbClr val="000000"/>
+                </a:solidFill>
+                <a:latin typeface="Cascadia Mono" panose="020B0609020000020004" pitchFamily="49" charset="0"/>
+              </a:rPr>
+              <a:t>fusionCacheApi</a:t>
+            </a:r>
+            <a:r>
+              <a:rPr lang="en-US" dirty="0">
+                <a:solidFill>
+                  <a:srgbClr val="000000"/>
+                </a:solidFill>
+                <a:latin typeface="Cascadia Mono" panose="020B0609020000020004" pitchFamily="49" charset="0"/>
+              </a:rPr>
+              <a:t>",  </a:t>
+            </a:r>
+            <a:br>
+              <a:rPr lang="en-US" dirty="0">
+                <a:solidFill>
+                  <a:srgbClr val="000000"/>
+                </a:solidFill>
+                <a:latin typeface="Cascadia Mono" panose="020B0609020000020004" pitchFamily="49" charset="0"/>
+              </a:rPr>
+            </a:br>
+            <a:r>
+              <a:rPr lang="en-US" dirty="0">
+                <a:solidFill>
+                  <a:srgbClr val="000000"/>
+                </a:solidFill>
+                <a:latin typeface="Cascadia Mono" panose="020B0609020000020004" pitchFamily="49" charset="0"/>
+              </a:rPr>
+              <a:t>    Configuration = </a:t>
+            </a:r>
+            <a:r>
+              <a:rPr lang="en-US" dirty="0" err="1">
+                <a:solidFill>
+                  <a:srgbClr val="000000"/>
+                </a:solidFill>
+                <a:latin typeface="Cascadia Mono" panose="020B0609020000020004" pitchFamily="49" charset="0"/>
+              </a:rPr>
+              <a:t>builder.Configuration</a:t>
+            </a:r>
+            <a:r>
+              <a:rPr lang="en-US" dirty="0">
+                <a:solidFill>
+                  <a:srgbClr val="000000"/>
+                </a:solidFill>
+                <a:latin typeface="Cascadia Mono" panose="020B0609020000020004" pitchFamily="49" charset="0"/>
+              </a:rPr>
+              <a:t>["</a:t>
+            </a:r>
+            <a:r>
+              <a:rPr lang="en-US" dirty="0" err="1">
+                <a:solidFill>
+                  <a:srgbClr val="000000"/>
+                </a:solidFill>
+                <a:latin typeface="Cascadia Mono" panose="020B0609020000020004" pitchFamily="49" charset="0"/>
+              </a:rPr>
+              <a:t>redis:connectionString</a:t>
+            </a:r>
+            <a:r>
+              <a:rPr lang="en-US" dirty="0">
+                <a:solidFill>
+                  <a:srgbClr val="000000"/>
+                </a:solidFill>
+                <a:latin typeface="Cascadia Mono" panose="020B0609020000020004" pitchFamily="49" charset="0"/>
+              </a:rPr>
+              <a:t>"] }))</a:t>
+            </a:r>
+            <a:br>
+              <a:rPr lang="en-US" dirty="0">
+                <a:solidFill>
+                  <a:srgbClr val="000000"/>
+                </a:solidFill>
+                <a:latin typeface="Cascadia Mono" panose="020B0609020000020004" pitchFamily="49" charset="0"/>
+              </a:rPr>
+            </a:br>
+            <a:r>
+              <a:rPr lang="en-US" dirty="0">
+                <a:solidFill>
+                  <a:srgbClr val="000000"/>
+                </a:solidFill>
+                <a:latin typeface="Cascadia Mono" panose="020B0609020000020004" pitchFamily="49" charset="0"/>
+              </a:rPr>
+              <a:t>.</a:t>
+            </a:r>
+            <a:r>
+              <a:rPr lang="en-US" dirty="0" err="1">
+                <a:solidFill>
+                  <a:srgbClr val="000000"/>
+                </a:solidFill>
+                <a:highlight>
+                  <a:srgbClr val="FFFF00"/>
+                </a:highlight>
+                <a:latin typeface="Cascadia Mono" panose="020B0609020000020004" pitchFamily="49" charset="0"/>
+              </a:rPr>
+              <a:t>WithBackplane</a:t>
+            </a:r>
+            <a:r>
+              <a:rPr lang="en-US" dirty="0">
+                <a:solidFill>
+                  <a:srgbClr val="000000"/>
+                </a:solidFill>
+                <a:latin typeface="Cascadia Mono" panose="020B0609020000020004" pitchFamily="49" charset="0"/>
+              </a:rPr>
+              <a:t>(new </a:t>
+            </a:r>
+            <a:r>
+              <a:rPr lang="en-US" dirty="0" err="1">
+                <a:solidFill>
+                  <a:srgbClr val="000000"/>
+                </a:solidFill>
+                <a:latin typeface="Cascadia Mono" panose="020B0609020000020004" pitchFamily="49" charset="0"/>
+              </a:rPr>
+              <a:t>RedisBackplane</a:t>
+            </a:r>
+            <a:r>
+              <a:rPr lang="en-US" dirty="0">
+                <a:solidFill>
+                  <a:srgbClr val="000000"/>
+                </a:solidFill>
+                <a:latin typeface="Cascadia Mono" panose="020B0609020000020004" pitchFamily="49" charset="0"/>
+              </a:rPr>
+              <a:t>(new </a:t>
+            </a:r>
+            <a:r>
+              <a:rPr lang="en-US" dirty="0" err="1">
+                <a:solidFill>
+                  <a:srgbClr val="000000"/>
+                </a:solidFill>
+                <a:latin typeface="Cascadia Mono" panose="020B0609020000020004" pitchFamily="49" charset="0"/>
+              </a:rPr>
+              <a:t>RedisBackplaneOptions</a:t>
+            </a:r>
+            <a:r>
+              <a:rPr lang="en-US" dirty="0">
+                <a:solidFill>
+                  <a:srgbClr val="000000"/>
+                </a:solidFill>
+                <a:latin typeface="Cascadia Mono" panose="020B0609020000020004" pitchFamily="49" charset="0"/>
+              </a:rPr>
+              <a:t>() </a:t>
+            </a:r>
+            <a:br>
+              <a:rPr lang="en-US" dirty="0">
+                <a:solidFill>
+                  <a:srgbClr val="000000"/>
+                </a:solidFill>
+                <a:latin typeface="Cascadia Mono" panose="020B0609020000020004" pitchFamily="49" charset="0"/>
+              </a:rPr>
+            </a:br>
+            <a:r>
+              <a:rPr lang="en-US" dirty="0">
+                <a:solidFill>
+                  <a:srgbClr val="000000"/>
+                </a:solidFill>
+                <a:latin typeface="Cascadia Mono" panose="020B0609020000020004" pitchFamily="49" charset="0"/>
+              </a:rPr>
+              <a:t>   { Configuration = </a:t>
+            </a:r>
+            <a:r>
+              <a:rPr lang="en-US" dirty="0" err="1">
+                <a:solidFill>
+                  <a:srgbClr val="000000"/>
+                </a:solidFill>
+                <a:latin typeface="Cascadia Mono" panose="020B0609020000020004" pitchFamily="49" charset="0"/>
+              </a:rPr>
+              <a:t>builder.Configuration</a:t>
+            </a:r>
+            <a:r>
+              <a:rPr lang="en-US" dirty="0">
+                <a:solidFill>
+                  <a:srgbClr val="000000"/>
+                </a:solidFill>
+                <a:latin typeface="Cascadia Mono" panose="020B0609020000020004" pitchFamily="49" charset="0"/>
+              </a:rPr>
+              <a:t>["</a:t>
+            </a:r>
+            <a:r>
+              <a:rPr lang="en-US" dirty="0" err="1">
+                <a:solidFill>
+                  <a:srgbClr val="000000"/>
+                </a:solidFill>
+                <a:latin typeface="Cascadia Mono" panose="020B0609020000020004" pitchFamily="49" charset="0"/>
+              </a:rPr>
+              <a:t>redis:connectionString</a:t>
+            </a:r>
+            <a:r>
+              <a:rPr lang="en-US" dirty="0">
+                <a:solidFill>
+                  <a:srgbClr val="000000"/>
+                </a:solidFill>
+                <a:latin typeface="Cascadia Mono" panose="020B0609020000020004" pitchFamily="49" charset="0"/>
+              </a:rPr>
+              <a:t>"] })</a:t>
+            </a:r>
+          </a:p>
+          <a:p>
+            <a:r>
+              <a:rPr lang="en-US" dirty="0">
+                <a:solidFill>
+                  <a:srgbClr val="000000"/>
+                </a:solidFill>
+                <a:latin typeface="Cascadia Mono" panose="020B0609020000020004" pitchFamily="49" charset="0"/>
+              </a:rPr>
+              <a:t>);</a:t>
+            </a:r>
+          </a:p>
+        </p:txBody>
+      </p:sp>
+      <p:sp>
+        <p:nvSpPr>
+          <p:cNvPr id="6" name="TextBox 5">
+            <a:extLst>
+              <a:ext uri="{FF2B5EF4-FFF2-40B4-BE49-F238E27FC236}">
+                <a16:creationId xmlns:a16="http://schemas.microsoft.com/office/drawing/2014/main" id="{93F21120-CB5A-3A38-0A8B-99C3B59BFFCD}"/>
+              </a:ext>
+            </a:extLst>
+          </p:cNvPr>
+          <p:cNvSpPr txBox="1"/>
+          <p:nvPr/>
+        </p:nvSpPr>
+        <p:spPr>
+          <a:xfrm>
+            <a:off x="3142695" y="5894773"/>
+            <a:ext cx="8213787" cy="369332"/>
           </a:xfrm>
           <a:prstGeom prst="rect">
             <a:avLst/>
@@ -9230,274 +9238,32 @@
           <a:lstStyle/>
           <a:p>
             <a:r>
-              <a:rPr lang="en-US" dirty="0">
-                <a:solidFill>
-                  <a:srgbClr val="000000"/>
-                </a:solidFill>
-                <a:latin typeface="Cascadia Mono" panose="020B0609020000020004" pitchFamily="49" charset="0"/>
-              </a:rPr>
-              <a:t>[</a:t>
-            </a:r>
-            <a:r>
-              <a:rPr lang="en-US" dirty="0" err="1">
-                <a:solidFill>
-                  <a:srgbClr val="000000"/>
-                </a:solidFill>
-                <a:latin typeface="Cascadia Mono" panose="020B0609020000020004" pitchFamily="49" charset="0"/>
-              </a:rPr>
-              <a:t>HttpGet</a:t>
-            </a:r>
-            <a:r>
-              <a:rPr lang="en-US" dirty="0">
-                <a:solidFill>
-                  <a:srgbClr val="000000"/>
-                </a:solidFill>
-                <a:latin typeface="Cascadia Mono" panose="020B0609020000020004" pitchFamily="49" charset="0"/>
-              </a:rPr>
-              <a:t>(template: "get-or-set-cache-entry-raw", Name = "</a:t>
-            </a:r>
-            <a:r>
-              <a:rPr lang="en-US" dirty="0" err="1">
-                <a:solidFill>
-                  <a:srgbClr val="000000"/>
-                </a:solidFill>
-                <a:latin typeface="Cascadia Mono" panose="020B0609020000020004" pitchFamily="49" charset="0"/>
-              </a:rPr>
-              <a:t>GetOrSetCacheEntryRaw</a:t>
-            </a:r>
-            <a:r>
-              <a:rPr lang="en-US" dirty="0">
-                <a:solidFill>
-                  <a:srgbClr val="000000"/>
-                </a:solidFill>
-                <a:latin typeface="Cascadia Mono" panose="020B0609020000020004" pitchFamily="49" charset="0"/>
-              </a:rPr>
-              <a:t>")]</a:t>
-            </a:r>
-          </a:p>
-          <a:p>
-            <a:r>
-              <a:rPr lang="en-US" dirty="0">
-                <a:solidFill>
-                  <a:srgbClr val="000000"/>
-                </a:solidFill>
-                <a:latin typeface="Cascadia Mono" panose="020B0609020000020004" pitchFamily="49" charset="0"/>
-              </a:rPr>
-              <a:t> public async Task&lt;string&gt; </a:t>
-            </a:r>
-            <a:r>
-              <a:rPr lang="en-US" dirty="0" err="1">
-                <a:solidFill>
-                  <a:srgbClr val="000000"/>
-                </a:solidFill>
-                <a:latin typeface="Cascadia Mono" panose="020B0609020000020004" pitchFamily="49" charset="0"/>
-              </a:rPr>
-              <a:t>GetCacheEntryRaw</a:t>
-            </a:r>
-            <a:r>
-              <a:rPr lang="en-US" dirty="0">
-                <a:solidFill>
-                  <a:srgbClr val="000000"/>
-                </a:solidFill>
-                <a:latin typeface="Cascadia Mono" panose="020B0609020000020004" pitchFamily="49" charset="0"/>
-              </a:rPr>
-              <a:t>(string key, string value) {</a:t>
-            </a:r>
-          </a:p>
-          <a:p>
-            <a:r>
-              <a:rPr lang="en-US" dirty="0">
-                <a:solidFill>
-                  <a:srgbClr val="000000"/>
-                </a:solidFill>
-                <a:latin typeface="Cascadia Mono" panose="020B0609020000020004" pitchFamily="49" charset="0"/>
-              </a:rPr>
-              <a:t>     var ret = await _</a:t>
-            </a:r>
-            <a:r>
-              <a:rPr lang="en-US" dirty="0" err="1">
-                <a:solidFill>
-                  <a:srgbClr val="000000"/>
-                </a:solidFill>
-                <a:latin typeface="Cascadia Mono" panose="020B0609020000020004" pitchFamily="49" charset="0"/>
-              </a:rPr>
-              <a:t>fusionCache.GetOrSetAsync</a:t>
-            </a:r>
-            <a:r>
-              <a:rPr lang="en-US" dirty="0">
-                <a:solidFill>
-                  <a:srgbClr val="000000"/>
-                </a:solidFill>
-                <a:latin typeface="Cascadia Mono" panose="020B0609020000020004" pitchFamily="49" charset="0"/>
-              </a:rPr>
-              <a:t>(key, </a:t>
-            </a:r>
-            <a:br>
-              <a:rPr lang="en-US" dirty="0">
-                <a:solidFill>
-                  <a:srgbClr val="000000"/>
-                </a:solidFill>
-                <a:latin typeface="Cascadia Mono" panose="020B0609020000020004" pitchFamily="49" charset="0"/>
-              </a:rPr>
-            </a:br>
-            <a:r>
-              <a:rPr lang="en-US" b="1" i="1" dirty="0">
-                <a:solidFill>
-                  <a:srgbClr val="000000"/>
-                </a:solidFill>
-                <a:latin typeface="Cascadia Mono" panose="020B0609020000020004" pitchFamily="49" charset="0"/>
-              </a:rPr>
-              <a:t>      		async _ =&gt; await </a:t>
-            </a:r>
-            <a:r>
-              <a:rPr lang="en-US" b="1" i="1" dirty="0" err="1">
-                <a:solidFill>
-                  <a:srgbClr val="000000"/>
-                </a:solidFill>
-                <a:latin typeface="Cascadia Mono" panose="020B0609020000020004" pitchFamily="49" charset="0"/>
-              </a:rPr>
-              <a:t>Task.FromResult</a:t>
-            </a:r>
-            <a:r>
-              <a:rPr lang="en-US" b="1" i="1" dirty="0">
-                <a:solidFill>
-                  <a:srgbClr val="000000"/>
-                </a:solidFill>
-                <a:latin typeface="Cascadia Mono" panose="020B0609020000020004" pitchFamily="49" charset="0"/>
-              </a:rPr>
-              <a:t>(value)</a:t>
-            </a:r>
-            <a:br>
-              <a:rPr lang="en-US" b="1" i="1" dirty="0">
-                <a:solidFill>
-                  <a:srgbClr val="000000"/>
-                </a:solidFill>
-                <a:latin typeface="Cascadia Mono" panose="020B0609020000020004" pitchFamily="49" charset="0"/>
-              </a:rPr>
-            </a:br>
-            <a:r>
-              <a:rPr lang="en-US" b="1" i="1" dirty="0">
-                <a:solidFill>
-                  <a:srgbClr val="000000"/>
-                </a:solidFill>
-                <a:latin typeface="Cascadia Mono" panose="020B0609020000020004" pitchFamily="49" charset="0"/>
-              </a:rPr>
-              <a:t>	</a:t>
-            </a:r>
-            <a:r>
-              <a:rPr lang="en-US" dirty="0">
-                <a:solidFill>
-                  <a:srgbClr val="000000"/>
-                </a:solidFill>
-                <a:latin typeface="Cascadia Mono" panose="020B0609020000020004" pitchFamily="49" charset="0"/>
-              </a:rPr>
-              <a:t>,new </a:t>
-            </a:r>
-            <a:r>
-              <a:rPr lang="en-US" dirty="0" err="1">
-                <a:solidFill>
-                  <a:srgbClr val="000000"/>
-                </a:solidFill>
-                <a:latin typeface="Cascadia Mono" panose="020B0609020000020004" pitchFamily="49" charset="0"/>
-              </a:rPr>
-              <a:t>FusionCacheEntryOptions</a:t>
-            </a:r>
-            <a:r>
-              <a:rPr lang="en-US" dirty="0">
-                <a:solidFill>
-                  <a:srgbClr val="000000"/>
-                </a:solidFill>
-                <a:latin typeface="Cascadia Mono" panose="020B0609020000020004" pitchFamily="49" charset="0"/>
-              </a:rPr>
-              <a:t> { </a:t>
-            </a:r>
-          </a:p>
-          <a:p>
-            <a:r>
-              <a:rPr lang="en-US" dirty="0">
-                <a:solidFill>
-                  <a:srgbClr val="000000"/>
-                </a:solidFill>
-                <a:latin typeface="Cascadia Mono" panose="020B0609020000020004" pitchFamily="49" charset="0"/>
-              </a:rPr>
-              <a:t>	   Duration= </a:t>
-            </a:r>
-            <a:r>
-              <a:rPr lang="en-US" dirty="0" err="1">
-                <a:solidFill>
-                  <a:srgbClr val="000000"/>
-                </a:solidFill>
-                <a:latin typeface="Cascadia Mono" panose="020B0609020000020004" pitchFamily="49" charset="0"/>
-              </a:rPr>
-              <a:t>TimeSpan.FromMinutes</a:t>
-            </a:r>
-            <a:r>
-              <a:rPr lang="en-US" dirty="0">
-                <a:solidFill>
-                  <a:srgbClr val="000000"/>
-                </a:solidFill>
-                <a:latin typeface="Cascadia Mono" panose="020B0609020000020004" pitchFamily="49" charset="0"/>
-              </a:rPr>
-              <a:t>(1)</a:t>
-            </a:r>
-          </a:p>
-          <a:p>
-            <a:r>
-              <a:rPr lang="en-US" dirty="0">
-                <a:solidFill>
-                  <a:srgbClr val="000000"/>
-                </a:solidFill>
-                <a:latin typeface="Cascadia Mono" panose="020B0609020000020004" pitchFamily="49" charset="0"/>
-              </a:rPr>
-              <a:t> 	}</a:t>
-            </a:r>
-            <a:br>
-              <a:rPr lang="en-US" dirty="0">
-                <a:solidFill>
-                  <a:srgbClr val="000000"/>
-                </a:solidFill>
-                <a:latin typeface="Cascadia Mono" panose="020B0609020000020004" pitchFamily="49" charset="0"/>
-              </a:rPr>
-            </a:br>
-            <a:r>
-              <a:rPr lang="en-US" dirty="0">
-                <a:solidFill>
-                  <a:srgbClr val="000000"/>
-                </a:solidFill>
-                <a:latin typeface="Cascadia Mono" panose="020B0609020000020004" pitchFamily="49" charset="0"/>
-              </a:rPr>
-              <a:t>     );</a:t>
-            </a:r>
-          </a:p>
-          <a:p>
-            <a:r>
-              <a:rPr lang="en-US" dirty="0">
-                <a:solidFill>
-                  <a:srgbClr val="000000"/>
-                </a:solidFill>
-                <a:latin typeface="Cascadia Mono" panose="020B0609020000020004" pitchFamily="49" charset="0"/>
-              </a:rPr>
-              <a:t>     return ret;</a:t>
-            </a:r>
-          </a:p>
-          <a:p>
-            <a:r>
-              <a:rPr lang="en-US" dirty="0">
-                <a:solidFill>
-                  <a:srgbClr val="000000"/>
-                </a:solidFill>
-                <a:latin typeface="Cascadia Mono" panose="020B0609020000020004" pitchFamily="49" charset="0"/>
-              </a:rPr>
-              <a:t> }</a:t>
-            </a:r>
-            <a:endParaRPr lang="en-US" dirty="0"/>
+              <a:rPr lang="en-US" i="1" dirty="0"/>
+              <a:t>Note: no need to register </a:t>
+            </a:r>
+            <a:r>
+              <a:rPr lang="en-US" i="1" dirty="0" err="1"/>
+              <a:t>IMemoryCache</a:t>
+            </a:r>
+            <a:r>
+              <a:rPr lang="en-US" i="1" dirty="0"/>
+              <a:t> and (Redis) </a:t>
+            </a:r>
+            <a:r>
+              <a:rPr lang="en-US" i="1" dirty="0" err="1"/>
+              <a:t>IDistributedCache</a:t>
+            </a:r>
+            <a:r>
+              <a:rPr lang="en-US" i="1" dirty="0"/>
+              <a:t> explicitly</a:t>
+            </a:r>
           </a:p>
         </p:txBody>
       </p:sp>
     </p:spTree>
     <p:extLst>
       <p:ext uri="{BB962C8B-B14F-4D97-AF65-F5344CB8AC3E}">
-        <p14:creationId xmlns:p14="http://schemas.microsoft.com/office/powerpoint/2010/main" val="1651941946"/>
+        <p14:creationId xmlns:p14="http://schemas.microsoft.com/office/powerpoint/2010/main" val="891413980"/>
       </p:ext>
     </p:extLst>
   </p:cSld>
@@ -9529,7 +9295,7 @@
           <p:cNvPr id="2" name="Title 1">
             <a:extLst>
               <a:ext uri="{FF2B5EF4-FFF2-40B4-BE49-F238E27FC236}">
-                <a16:creationId xmlns:a16="http://schemas.microsoft.com/office/drawing/2014/main" id="{13E90545-37A9-9A12-6B57-3878A0D8242E}"/>
+                <a16:creationId xmlns:a16="http://schemas.microsoft.com/office/drawing/2014/main" id="{6DA7CF98-B5C3-6707-D594-BAB3B1E1E832}"/>
               </a:ext>
             </a:extLst>
           </p:cNvPr>
@@ -9542,40 +9308,17 @@
         </p:nvSpPr>
         <p:spPr/>
         <p:txBody>
-          <a:bodyPr>
-            <a:normAutofit/>
-          </a:bodyPr>
-          <a:lstStyle/>
-          <a:p>
-            <a:r>
-              <a:rPr lang="en-US" dirty="0" err="1">
-                <a:latin typeface="+mn-lt"/>
-                <a:ea typeface="+mn-ea"/>
-                <a:cs typeface="+mn-cs"/>
-              </a:rPr>
-              <a:t>FusionCacheEntryOptions</a:t>
-            </a:r>
-            <a:r>
-              <a:rPr lang="en-US" dirty="0">
-                <a:latin typeface="+mn-lt"/>
-                <a:ea typeface="+mn-ea"/>
-                <a:cs typeface="+mn-cs"/>
-              </a:rPr>
-              <a:t>: </a:t>
-            </a:r>
-            <a:r>
-              <a:rPr lang="en-US" dirty="0" err="1">
-                <a:latin typeface="+mn-lt"/>
-                <a:ea typeface="+mn-ea"/>
-                <a:cs typeface="+mn-cs"/>
-              </a:rPr>
-              <a:t>TimeOuts</a:t>
-            </a:r>
-            <a:endParaRPr lang="en-US" dirty="0">
-              <a:latin typeface="+mn-lt"/>
-              <a:ea typeface="+mn-ea"/>
-              <a:cs typeface="+mn-cs"/>
-            </a:endParaRPr>
+          <a:bodyPr/>
+          <a:lstStyle/>
+          <a:p>
+            <a:r>
+              <a:rPr lang="en-US" dirty="0" err="1"/>
+              <a:t>FusionCache</a:t>
+            </a:r>
+            <a:r>
+              <a:rPr lang="en-US" dirty="0"/>
+              <a:t>: use it </a:t>
+            </a:r>
           </a:p>
         </p:txBody>
       </p:sp>
@@ -9584,7 +9327,7 @@
           <p:cNvPr id="3" name="Content Placeholder 2">
             <a:extLst>
               <a:ext uri="{FF2B5EF4-FFF2-40B4-BE49-F238E27FC236}">
-                <a16:creationId xmlns:a16="http://schemas.microsoft.com/office/drawing/2014/main" id="{6AE67887-6B6F-F9BE-2C73-350D2F504680}"/>
+                <a16:creationId xmlns:a16="http://schemas.microsoft.com/office/drawing/2014/main" id="{4EE2669E-596B-E86E-E0E5-C04B6F827164}"/>
               </a:ext>
             </a:extLst>
           </p:cNvPr>
@@ -9595,7 +9338,12 @@
             <p:ph idx="1"/>
           </p:nvPr>
         </p:nvSpPr>
-        <p:spPr/>
+        <p:spPr>
+          <a:xfrm>
+            <a:off x="838200" y="1704031"/>
+            <a:ext cx="10515600" cy="4351338"/>
+          </a:xfrm>
+        </p:spPr>
         <p:txBody>
           <a:bodyPr>
             <a:normAutofit/>
@@ -9603,38 +9351,123 @@
           <a:lstStyle/>
           <a:p>
             <a:r>
+              <a:rPr lang="en-US" i="1" dirty="0" err="1">
+                <a:highlight>
+                  <a:srgbClr val="FFFF00"/>
+                </a:highlight>
+              </a:rPr>
+              <a:t>IFusionCache</a:t>
+            </a:r>
+            <a:r>
+              <a:rPr lang="en-US" dirty="0"/>
+              <a:t>: the interface to have injected</a:t>
+            </a:r>
+          </a:p>
+          <a:p>
+            <a:r>
+              <a:rPr lang="en-US" dirty="0"/>
+              <a:t>The main api: </a:t>
+            </a:r>
+            <a:r>
+              <a:rPr lang="en-US" i="1" dirty="0" err="1">
+                <a:highlight>
+                  <a:srgbClr val="FFFF00"/>
+                </a:highlight>
+              </a:rPr>
+              <a:t>GetOrSetAsync</a:t>
+            </a:r>
+            <a:r>
+              <a:rPr lang="en-US" dirty="0"/>
+              <a:t>, it requires </a:t>
+            </a:r>
+          </a:p>
+          <a:p>
+            <a:pPr lvl="1"/>
+            <a:r>
+              <a:rPr lang="en-US" dirty="0"/>
+              <a:t>Function to get the data is there is a cache miss</a:t>
+            </a:r>
+          </a:p>
+          <a:p>
+            <a:pPr lvl="1"/>
+            <a:r>
+              <a:rPr lang="en-US" dirty="0"/>
+              <a:t>Optional </a:t>
+            </a:r>
+            <a:r>
+              <a:rPr lang="en-US" i="1" dirty="0" err="1">
+                <a:highlight>
+                  <a:srgbClr val="FFFF00"/>
+                </a:highlight>
+              </a:rPr>
+              <a:t>FusionCacheEntryOptions</a:t>
+            </a:r>
+            <a:r>
+              <a:rPr lang="en-US" sz="2400" dirty="0">
+                <a:solidFill>
+                  <a:srgbClr val="000000"/>
+                </a:solidFill>
+                <a:latin typeface="Cascadia Mono" panose="020B0609020000020004" pitchFamily="49" charset="0"/>
+              </a:rPr>
+              <a:t> </a:t>
+            </a:r>
+            <a:r>
+              <a:rPr lang="en-US" dirty="0"/>
+              <a:t>(if not provided a default one registered at startup is used)</a:t>
+            </a:r>
+          </a:p>
+          <a:p>
+            <a:pPr lvl="2"/>
+            <a:r>
+              <a:rPr lang="en-US" dirty="0"/>
+              <a:t>Duration</a:t>
+            </a:r>
+          </a:p>
+          <a:p>
+            <a:pPr lvl="2"/>
+            <a:r>
               <a:rPr lang="en-US" dirty="0" err="1"/>
-              <a:t>FactoryHardTimeout</a:t>
-            </a:r>
+              <a:t>DistributedCacheDuration</a:t>
+            </a:r>
+            <a:r>
+              <a:rPr lang="en-US" dirty="0"/>
+              <a:t> (optional) </a:t>
+            </a:r>
+          </a:p>
+          <a:p>
+            <a:pPr lvl="2"/>
+            <a:r>
+              <a:rPr lang="en-US" dirty="0" err="1"/>
+              <a:t>JitterMaxDuration</a:t>
+            </a:r>
+            <a:r>
+              <a:rPr lang="en-US" dirty="0"/>
+              <a:t> (introduce a degree of randomization in the expiration)</a:t>
+            </a:r>
+          </a:p>
+          <a:p>
+            <a:pPr lvl="2"/>
+            <a:r>
+              <a:rPr lang="en-US" dirty="0"/>
+              <a:t>..and many others we will cover in next slides </a:t>
+            </a:r>
+          </a:p>
+          <a:p>
+            <a:pPr lvl="2"/>
             <a:endParaRPr lang="en-US" dirty="0"/>
           </a:p>
           <a:p>
-            <a:pPr lvl="1"/>
-            <a:r>
-              <a:rPr lang="en-US" dirty="0"/>
-              <a:t>Return exception if factory takes longer then the specified value (more on it later)</a:t>
-            </a:r>
-          </a:p>
-          <a:p>
-            <a:r>
-              <a:rPr lang="en-US" dirty="0" err="1"/>
-              <a:t>AllowTimedOutFactoryBackgroundCompletion</a:t>
-            </a:r>
             <a:endParaRPr lang="en-US" dirty="0"/>
           </a:p>
           <a:p>
-            <a:pPr lvl="1"/>
-            <a:r>
-              <a:rPr lang="en-US" dirty="0"/>
-              <a:t>Enabled by default, lets the timed-out factory keep running in the background and update the cached value as soon as it finishes</a:t>
-            </a:r>
+            <a:endParaRPr lang="en-US" dirty="0"/>
           </a:p>
         </p:txBody>
       </p:sp>
     </p:spTree>
     <p:extLst>
       <p:ext uri="{BB962C8B-B14F-4D97-AF65-F5344CB8AC3E}">
-        <p14:creationId xmlns:p14="http://schemas.microsoft.com/office/powerpoint/2010/main" val="2190221231"/>
+        <p14:creationId xmlns:p14="http://schemas.microsoft.com/office/powerpoint/2010/main" val="2609270308"/>
       </p:ext>
     </p:extLst>
   </p:cSld>
@@ -9666,7 +9499,7 @@
           <p:cNvPr id="2" name="Title 1">
             <a:extLst>
               <a:ext uri="{FF2B5EF4-FFF2-40B4-BE49-F238E27FC236}">
-                <a16:creationId xmlns:a16="http://schemas.microsoft.com/office/drawing/2014/main" id="{5D283DDB-5E70-BE28-3EED-6919897DDC78}"/>
+                <a16:creationId xmlns:a16="http://schemas.microsoft.com/office/drawing/2014/main" id="{A57B7226-9247-96BB-DF72-85A4234DFF1A}"/>
               </a:ext>
             </a:extLst>
           </p:cNvPr>
@@ -9683,102 +9516,386 @@
           <a:lstStyle/>
           <a:p>
             <a:r>
-              <a:rPr lang="en-US" dirty="0"/>
-              <a:t>DEMO</a:t>
-            </a:r>
-          </a:p>
-        </p:txBody>
-      </p:sp>
-      <p:sp>
-        <p:nvSpPr>
-          <p:cNvPr id="3" name="Content Placeholder 2">
-            <a:extLst>
-              <a:ext uri="{FF2B5EF4-FFF2-40B4-BE49-F238E27FC236}">
-                <a16:creationId xmlns:a16="http://schemas.microsoft.com/office/drawing/2014/main" id="{62AD2CCB-A577-86B2-F813-24213EB4A9C6}"/>
-              </a:ext>
-            </a:extLst>
-          </p:cNvPr>
-          <p:cNvSpPr>
-            <a:spLocks noGrp="1"/>
-          </p:cNvSpPr>
-          <p:nvPr>
-            <p:ph idx="1"/>
-          </p:nvPr>
-        </p:nvSpPr>
-        <p:spPr/>
-        <p:txBody>
-          <a:bodyPr/>
-          <a:lstStyle/>
-          <a:p>
-            <a:r>
-              <a:rPr lang="en-US" dirty="0"/>
-              <a:t>Factory time out</a:t>
-            </a:r>
-          </a:p>
-          <a:p>
-            <a:pPr lvl="1"/>
-            <a:r>
-              <a:rPr lang="en-US" sz="1600" dirty="0">
-                <a:solidFill>
-                  <a:srgbClr val="000000"/>
-                </a:solidFill>
-                <a:latin typeface="Cascadia Mono" panose="020B0609020000020004" pitchFamily="49" charset="0"/>
-              </a:rPr>
-              <a:t>get-or-set-cache-entry-raw-hard-timeout</a:t>
-            </a:r>
-          </a:p>
-          <a:p>
-            <a:r>
-              <a:rPr lang="en-US" sz="2200" dirty="0"/>
-              <a:t>A small wrapper to ready </a:t>
-            </a:r>
-            <a:r>
-              <a:rPr lang="en-US" sz="2200" dirty="0" err="1">
-                <a:latin typeface="+mn-lt"/>
-                <a:ea typeface="+mn-ea"/>
-                <a:cs typeface="+mn-cs"/>
+              <a:rPr lang="en-US" dirty="0" err="1">
+                <a:solidFill>
+                  <a:srgbClr val="000000"/>
+                </a:solidFill>
+                <a:latin typeface="Cascadia Mono" panose="020B0609020000020004" pitchFamily="49" charset="0"/>
+              </a:rPr>
+              <a:t>GetOrSetAsync</a:t>
+            </a:r>
+            <a:endParaRPr lang="en-US" dirty="0"/>
+          </a:p>
+        </p:txBody>
+      </p:sp>
+      <p:sp>
+        <p:nvSpPr>
+          <p:cNvPr id="4" name="TextBox 3">
+            <a:extLst>
+              <a:ext uri="{FF2B5EF4-FFF2-40B4-BE49-F238E27FC236}">
+                <a16:creationId xmlns:a16="http://schemas.microsoft.com/office/drawing/2014/main" id="{BB7C8D49-C6C3-3F18-E18D-A174359898DC}"/>
+              </a:ext>
+            </a:extLst>
+          </p:cNvPr>
+          <p:cNvSpPr txBox="1"/>
+          <p:nvPr/>
+        </p:nvSpPr>
+        <p:spPr>
+          <a:xfrm>
+            <a:off x="573358" y="2602914"/>
+            <a:ext cx="11091498" cy="2862322"/>
+          </a:xfrm>
+          <a:prstGeom prst="rect">
+            <a:avLst/>
+          </a:prstGeom>
+          <a:noFill/>
+        </p:spPr>
+        <p:txBody>
+          <a:bodyPr wrap="none" rtlCol="0">
+            <a:spAutoFit/>
+          </a:bodyPr>
+          <a:lstStyle/>
+          <a:p>
+            <a:r>
+              <a:rPr lang="en-US" dirty="0">
+                <a:solidFill>
+                  <a:srgbClr val="000000"/>
+                </a:solidFill>
+                <a:latin typeface="Cascadia Mono" panose="020B0609020000020004" pitchFamily="49" charset="0"/>
+              </a:rPr>
+              <a:t>[</a:t>
+            </a:r>
+            <a:r>
+              <a:rPr lang="en-US" dirty="0" err="1">
+                <a:solidFill>
+                  <a:srgbClr val="000000"/>
+                </a:solidFill>
+                <a:latin typeface="Cascadia Mono" panose="020B0609020000020004" pitchFamily="49" charset="0"/>
+              </a:rPr>
+              <a:t>HttpGet</a:t>
+            </a:r>
+            <a:r>
+              <a:rPr lang="en-US" dirty="0">
+                <a:solidFill>
+                  <a:srgbClr val="000000"/>
+                </a:solidFill>
+                <a:latin typeface="Cascadia Mono" panose="020B0609020000020004" pitchFamily="49" charset="0"/>
+              </a:rPr>
+              <a:t>(template: "get-or-set-cache-entry-raw", Name = "</a:t>
+            </a:r>
+            <a:r>
+              <a:rPr lang="en-US" dirty="0" err="1">
+                <a:solidFill>
+                  <a:srgbClr val="000000"/>
+                </a:solidFill>
+                <a:latin typeface="Cascadia Mono" panose="020B0609020000020004" pitchFamily="49" charset="0"/>
+              </a:rPr>
+              <a:t>GetOrSetCacheEntryRaw</a:t>
+            </a:r>
+            <a:r>
+              <a:rPr lang="en-US" dirty="0">
+                <a:solidFill>
+                  <a:srgbClr val="000000"/>
+                </a:solidFill>
+                <a:latin typeface="Cascadia Mono" panose="020B0609020000020004" pitchFamily="49" charset="0"/>
+              </a:rPr>
+              <a:t>")]</a:t>
+            </a:r>
+          </a:p>
+          <a:p>
+            <a:r>
+              <a:rPr lang="en-US" dirty="0">
+                <a:solidFill>
+                  <a:srgbClr val="000000"/>
+                </a:solidFill>
+                <a:latin typeface="Cascadia Mono" panose="020B0609020000020004" pitchFamily="49" charset="0"/>
+              </a:rPr>
+              <a:t> public async Task&lt;string&gt; </a:t>
+            </a:r>
+            <a:r>
+              <a:rPr lang="en-US" dirty="0" err="1">
+                <a:solidFill>
+                  <a:srgbClr val="000000"/>
+                </a:solidFill>
+                <a:latin typeface="Cascadia Mono" panose="020B0609020000020004" pitchFamily="49" charset="0"/>
+              </a:rPr>
+              <a:t>GetCacheEntryRaw</a:t>
+            </a:r>
+            <a:r>
+              <a:rPr lang="en-US" dirty="0">
+                <a:solidFill>
+                  <a:srgbClr val="000000"/>
+                </a:solidFill>
+                <a:latin typeface="Cascadia Mono" panose="020B0609020000020004" pitchFamily="49" charset="0"/>
+              </a:rPr>
+              <a:t>(string key, string value) {</a:t>
+            </a:r>
+          </a:p>
+          <a:p>
+            <a:r>
+              <a:rPr lang="en-US" dirty="0">
+                <a:solidFill>
+                  <a:srgbClr val="000000"/>
+                </a:solidFill>
+                <a:latin typeface="Cascadia Mono" panose="020B0609020000020004" pitchFamily="49" charset="0"/>
+              </a:rPr>
+              <a:t>     var ret = await _</a:t>
+            </a:r>
+            <a:r>
+              <a:rPr lang="en-US" dirty="0" err="1">
+                <a:solidFill>
+                  <a:srgbClr val="000000"/>
+                </a:solidFill>
+                <a:latin typeface="Cascadia Mono" panose="020B0609020000020004" pitchFamily="49" charset="0"/>
+              </a:rPr>
+              <a:t>fusionCache.GetOrSetAsync</a:t>
+            </a:r>
+            <a:r>
+              <a:rPr lang="en-US" dirty="0">
+                <a:solidFill>
+                  <a:srgbClr val="000000"/>
+                </a:solidFill>
+                <a:latin typeface="Cascadia Mono" panose="020B0609020000020004" pitchFamily="49" charset="0"/>
+              </a:rPr>
+              <a:t>(key, </a:t>
+            </a:r>
+            <a:br>
+              <a:rPr lang="en-US" dirty="0">
+                <a:solidFill>
+                  <a:srgbClr val="000000"/>
+                </a:solidFill>
+                <a:latin typeface="Cascadia Mono" panose="020B0609020000020004" pitchFamily="49" charset="0"/>
+              </a:rPr>
+            </a:br>
+            <a:r>
+              <a:rPr lang="en-US" b="1" i="1" dirty="0">
+                <a:solidFill>
+                  <a:srgbClr val="000000"/>
+                </a:solidFill>
+                <a:latin typeface="Cascadia Mono" panose="020B0609020000020004" pitchFamily="49" charset="0"/>
+              </a:rPr>
+              <a:t>      		async _ =&gt; await </a:t>
+            </a:r>
+            <a:r>
+              <a:rPr lang="en-US" b="1" i="1" dirty="0" err="1">
+                <a:solidFill>
+                  <a:srgbClr val="000000"/>
+                </a:solidFill>
+                <a:latin typeface="Cascadia Mono" panose="020B0609020000020004" pitchFamily="49" charset="0"/>
+              </a:rPr>
+              <a:t>Task.FromResult</a:t>
+            </a:r>
+            <a:r>
+              <a:rPr lang="en-US" b="1" i="1" dirty="0">
+                <a:solidFill>
+                  <a:srgbClr val="000000"/>
+                </a:solidFill>
+                <a:latin typeface="Cascadia Mono" panose="020B0609020000020004" pitchFamily="49" charset="0"/>
+              </a:rPr>
+              <a:t>(value)</a:t>
+            </a:r>
+            <a:br>
+              <a:rPr lang="en-US" b="1" i="1" dirty="0">
+                <a:solidFill>
+                  <a:srgbClr val="000000"/>
+                </a:solidFill>
+                <a:latin typeface="Cascadia Mono" panose="020B0609020000020004" pitchFamily="49" charset="0"/>
+              </a:rPr>
+            </a:br>
+            <a:r>
+              <a:rPr lang="en-US" b="1" i="1" dirty="0">
+                <a:solidFill>
+                  <a:srgbClr val="000000"/>
+                </a:solidFill>
+                <a:latin typeface="Cascadia Mono" panose="020B0609020000020004" pitchFamily="49" charset="0"/>
+              </a:rPr>
+              <a:t>	</a:t>
+            </a:r>
+            <a:r>
+              <a:rPr lang="en-US" dirty="0">
+                <a:solidFill>
+                  <a:srgbClr val="000000"/>
+                </a:solidFill>
+                <a:latin typeface="Cascadia Mono" panose="020B0609020000020004" pitchFamily="49" charset="0"/>
+              </a:rPr>
+              <a:t>,new </a:t>
+            </a:r>
+            <a:r>
+              <a:rPr lang="en-US" dirty="0" err="1">
+                <a:solidFill>
+                  <a:srgbClr val="000000"/>
+                </a:solidFill>
+                <a:latin typeface="Cascadia Mono" panose="020B0609020000020004" pitchFamily="49" charset="0"/>
               </a:rPr>
               <a:t>FusionCacheEntryOptions</a:t>
             </a:r>
             <a:r>
-              <a:rPr lang="en-US" sz="2200" dirty="0">
-                <a:latin typeface="+mn-lt"/>
-                <a:ea typeface="+mn-ea"/>
-                <a:cs typeface="+mn-cs"/>
-              </a:rPr>
-              <a:t> from config</a:t>
-            </a:r>
-          </a:p>
-          <a:p>
-            <a:pPr lvl="1"/>
-            <a:r>
-              <a:rPr lang="en-US" sz="1600" dirty="0">
-                <a:solidFill>
-                  <a:srgbClr val="000000"/>
-                </a:solidFill>
-                <a:latin typeface="Cascadia Mono" panose="020B0609020000020004" pitchFamily="49" charset="0"/>
-              </a:rPr>
-              <a:t>get-or-set-cache-entry-with-wrapper</a:t>
-            </a:r>
-            <a:endParaRPr lang="en-US" sz="1600" dirty="0">
-              <a:latin typeface="+mn-lt"/>
-              <a:ea typeface="+mn-ea"/>
-              <a:cs typeface="+mn-cs"/>
-            </a:endParaRPr>
-          </a:p>
-          <a:p>
-            <a:endParaRPr lang="en-US" sz="2200" dirty="0"/>
-          </a:p>
-          <a:p>
-            <a:pPr lvl="1"/>
-            <a:endParaRPr lang="en-US" sz="1600" dirty="0"/>
+              <a:rPr lang="en-US" dirty="0">
+                <a:solidFill>
+                  <a:srgbClr val="000000"/>
+                </a:solidFill>
+                <a:latin typeface="Cascadia Mono" panose="020B0609020000020004" pitchFamily="49" charset="0"/>
+              </a:rPr>
+              <a:t> { </a:t>
+            </a:r>
+          </a:p>
+          <a:p>
+            <a:r>
+              <a:rPr lang="en-US" dirty="0">
+                <a:solidFill>
+                  <a:srgbClr val="000000"/>
+                </a:solidFill>
+                <a:latin typeface="Cascadia Mono" panose="020B0609020000020004" pitchFamily="49" charset="0"/>
+              </a:rPr>
+              <a:t>	   Duration= </a:t>
+            </a:r>
+            <a:r>
+              <a:rPr lang="en-US" dirty="0" err="1">
+                <a:solidFill>
+                  <a:srgbClr val="000000"/>
+                </a:solidFill>
+                <a:latin typeface="Cascadia Mono" panose="020B0609020000020004" pitchFamily="49" charset="0"/>
+              </a:rPr>
+              <a:t>TimeSpan.FromMinutes</a:t>
+            </a:r>
+            <a:r>
+              <a:rPr lang="en-US" dirty="0">
+                <a:solidFill>
+                  <a:srgbClr val="000000"/>
+                </a:solidFill>
+                <a:latin typeface="Cascadia Mono" panose="020B0609020000020004" pitchFamily="49" charset="0"/>
+              </a:rPr>
+              <a:t>(1)</a:t>
+            </a:r>
+          </a:p>
+          <a:p>
+            <a:r>
+              <a:rPr lang="en-US" dirty="0">
+                <a:solidFill>
+                  <a:srgbClr val="000000"/>
+                </a:solidFill>
+                <a:latin typeface="Cascadia Mono" panose="020B0609020000020004" pitchFamily="49" charset="0"/>
+              </a:rPr>
+              <a:t> 	}</a:t>
+            </a:r>
+            <a:br>
+              <a:rPr lang="en-US" dirty="0">
+                <a:solidFill>
+                  <a:srgbClr val="000000"/>
+                </a:solidFill>
+                <a:latin typeface="Cascadia Mono" panose="020B0609020000020004" pitchFamily="49" charset="0"/>
+              </a:rPr>
+            </a:br>
+            <a:r>
+              <a:rPr lang="en-US" dirty="0">
+                <a:solidFill>
+                  <a:srgbClr val="000000"/>
+                </a:solidFill>
+                <a:latin typeface="Cascadia Mono" panose="020B0609020000020004" pitchFamily="49" charset="0"/>
+              </a:rPr>
+              <a:t>     );</a:t>
+            </a:r>
+          </a:p>
+          <a:p>
+            <a:r>
+              <a:rPr lang="en-US" dirty="0">
+                <a:solidFill>
+                  <a:srgbClr val="000000"/>
+                </a:solidFill>
+                <a:latin typeface="Cascadia Mono" panose="020B0609020000020004" pitchFamily="49" charset="0"/>
+              </a:rPr>
+              <a:t>     return ret;</a:t>
+            </a:r>
+          </a:p>
+          <a:p>
+            <a:r>
+              <a:rPr lang="en-US" dirty="0">
+                <a:solidFill>
+                  <a:srgbClr val="000000"/>
+                </a:solidFill>
+                <a:latin typeface="Cascadia Mono" panose="020B0609020000020004" pitchFamily="49" charset="0"/>
+              </a:rPr>
+              <a:t> }</a:t>
+            </a:r>
+            <a:endParaRPr lang="en-US" dirty="0"/>
+          </a:p>
+        </p:txBody>
+      </p:sp>
+      <p:sp>
+        <p:nvSpPr>
+          <p:cNvPr id="3" name="TextBox 2">
+            <a:extLst>
+              <a:ext uri="{FF2B5EF4-FFF2-40B4-BE49-F238E27FC236}">
+                <a16:creationId xmlns:a16="http://schemas.microsoft.com/office/drawing/2014/main" id="{CF304246-F501-7DA5-DF14-76DC83325726}"/>
+              </a:ext>
+            </a:extLst>
+          </p:cNvPr>
+          <p:cNvSpPr txBox="1"/>
+          <p:nvPr/>
+        </p:nvSpPr>
+        <p:spPr>
+          <a:xfrm>
+            <a:off x="1212783" y="5919537"/>
+            <a:ext cx="10179005" cy="646331"/>
+          </a:xfrm>
+          <a:prstGeom prst="rect">
+            <a:avLst/>
+          </a:prstGeom>
+          <a:noFill/>
+        </p:spPr>
+        <p:txBody>
+          <a:bodyPr wrap="none" rtlCol="0">
+            <a:spAutoFit/>
+          </a:bodyPr>
+          <a:lstStyle/>
+          <a:p>
+            <a:r>
+              <a:rPr lang="en-US" b="0" i="0" dirty="0">
+                <a:solidFill>
+                  <a:srgbClr val="1F2328"/>
+                </a:solidFill>
+                <a:effectLst/>
+                <a:latin typeface="ui-monospace"/>
+              </a:rPr>
+              <a:t>Note: you can specify a different cache duration for the distribute d cache using </a:t>
+            </a:r>
+            <a:r>
+              <a:rPr lang="en-US" b="1" i="1" dirty="0" err="1">
+                <a:solidFill>
+                  <a:srgbClr val="1F2328"/>
+                </a:solidFill>
+                <a:effectLst/>
+                <a:latin typeface="ui-monospace"/>
+              </a:rPr>
+              <a:t>DistributedCacheDuration</a:t>
+            </a:r>
+            <a:br>
+              <a:rPr lang="en-US" b="0" i="0" dirty="0">
+                <a:solidFill>
+                  <a:srgbClr val="1F2328"/>
+                </a:solidFill>
+                <a:effectLst/>
+                <a:latin typeface="ui-monospace"/>
+              </a:rPr>
+            </a:br>
+            <a:r>
+              <a:rPr lang="en-US" b="0" i="0" dirty="0">
+                <a:solidFill>
+                  <a:srgbClr val="1F2328"/>
+                </a:solidFill>
+                <a:effectLst/>
+                <a:latin typeface="ui-monospace"/>
+              </a:rPr>
+              <a:t>property</a:t>
+            </a:r>
+            <a:endParaRPr lang="en-US" dirty="0"/>
           </a:p>
         </p:txBody>
       </p:sp>
     </p:spTree>
     <p:extLst>
       <p:ext uri="{BB962C8B-B14F-4D97-AF65-F5344CB8AC3E}">
-        <p14:creationId xmlns:p14="http://schemas.microsoft.com/office/powerpoint/2010/main" val="2234264116"/>
+        <p14:creationId xmlns:p14="http://schemas.microsoft.com/office/powerpoint/2010/main" val="1651941946"/>
       </p:ext>
     </p:extLst>
   </p:cSld>
@@ -9810,7 +9927,7 @@
           <p:cNvPr id="2" name="Title 1">
             <a:extLst>
               <a:ext uri="{FF2B5EF4-FFF2-40B4-BE49-F238E27FC236}">
-                <a16:creationId xmlns:a16="http://schemas.microsoft.com/office/drawing/2014/main" id="{6DA7CF98-B5C3-6707-D594-BAB3B1E1E832}"/>
+                <a16:creationId xmlns:a16="http://schemas.microsoft.com/office/drawing/2014/main" id="{13E90545-37A9-9A12-6B57-3878A0D8242E}"/>
               </a:ext>
             </a:extLst>
           </p:cNvPr>
@@ -9823,13 +9940,40 @@
         </p:nvSpPr>
         <p:spPr/>
         <p:txBody>
-          <a:bodyPr/>
-          <a:lstStyle/>
-          <a:p>
-            <a:r>
-              <a:rPr lang="en-US" dirty="0"/>
-              <a:t>Cache stampede</a:t>
-            </a:r>
+          <a:bodyPr>
+            <a:normAutofit/>
+          </a:bodyPr>
+          <a:lstStyle/>
+          <a:p>
+            <a:r>
+              <a:rPr lang="en-US" dirty="0" err="1">
+                <a:latin typeface="+mn-lt"/>
+                <a:ea typeface="+mn-ea"/>
+                <a:cs typeface="+mn-cs"/>
+              </a:rPr>
+              <a:t>FusionCacheEntryOptions</a:t>
+            </a:r>
+            <a:r>
+              <a:rPr lang="en-US" dirty="0">
+                <a:latin typeface="+mn-lt"/>
+                <a:ea typeface="+mn-ea"/>
+                <a:cs typeface="+mn-cs"/>
+              </a:rPr>
+              <a:t>: </a:t>
+            </a:r>
+            <a:r>
+              <a:rPr lang="en-US" dirty="0" err="1">
+                <a:latin typeface="+mn-lt"/>
+                <a:ea typeface="+mn-ea"/>
+                <a:cs typeface="+mn-cs"/>
+              </a:rPr>
+              <a:t>TimeOuts</a:t>
+            </a:r>
+            <a:endParaRPr lang="en-US" dirty="0">
+              <a:latin typeface="+mn-lt"/>
+              <a:ea typeface="+mn-ea"/>
+              <a:cs typeface="+mn-cs"/>
+            </a:endParaRPr>
           </a:p>
         </p:txBody>
       </p:sp>
@@ -9838,7 +9982,7 @@
           <p:cNvPr id="3" name="Content Placeholder 2">
             <a:extLst>
               <a:ext uri="{FF2B5EF4-FFF2-40B4-BE49-F238E27FC236}">
-                <a16:creationId xmlns:a16="http://schemas.microsoft.com/office/drawing/2014/main" id="{4EE2669E-596B-E86E-E0E5-C04B6F827164}"/>
+                <a16:creationId xmlns:a16="http://schemas.microsoft.com/office/drawing/2014/main" id="{6AE67887-6B6F-F9BE-2C73-350D2F504680}"/>
               </a:ext>
             </a:extLst>
           </p:cNvPr>
@@ -9856,32 +10000,31 @@
           </a:bodyPr>
           <a:lstStyle/>
           <a:p>
+            <a:r>
+              <a:rPr lang="en-US" dirty="0" err="1"/>
+              <a:t>FactoryHardTimeout</a:t>
+            </a:r>
+            <a:endParaRPr lang="en-US" dirty="0"/>
+          </a:p>
+          <a:p>
             <a:pPr lvl="1"/>
             <a:r>
               <a:rPr lang="en-US" dirty="0"/>
-              <a:t>Avoid "All" rush to origin to get same key when it expires (see demo). </a:t>
-            </a:r>
+              <a:t>Return exception if factory takes longer then the specified value (more on it later)</a:t>
+            </a:r>
+          </a:p>
+          <a:p>
             <a:r>
               <a:rPr lang="en-US" dirty="0" err="1"/>
-              <a:t>JitterMaxDuration</a:t>
-            </a:r>
+              <a:t>AllowTimedOutFactoryBackgroundCompletion</a:t>
+            </a:r>
+            <a:endParaRPr lang="en-US" dirty="0"/>
+          </a:p>
+          <a:p>
+            <a:pPr lvl="1"/>
             <a:r>
               <a:rPr lang="en-US" dirty="0"/>
-              <a:t> mitigate the problem, still ..</a:t>
-            </a:r>
-          </a:p>
-          <a:p>
-            <a:pPr lvl="1"/>
-            <a:r>
-              <a:rPr lang="en-US" dirty="0"/>
-              <a:t>Fusion cache will not call the same factory more than once concurrently</a:t>
-            </a:r>
-          </a:p>
-          <a:p>
-            <a:pPr lvl="1"/>
-            <a:r>
-              <a:rPr lang="en-US" dirty="0"/>
-              <a:t>Works at node (process) level</a:t>
+              <a:t>Enabled by default, lets the timed-out factory keep running in the background and update the cached value as soon as it finishes</a:t>
             </a:r>
           </a:p>
         </p:txBody>
@@ -9889,7 +10032,7 @@
     </p:spTree>
     <p:extLst>
       <p:ext uri="{BB962C8B-B14F-4D97-AF65-F5344CB8AC3E}">
-        <p14:creationId xmlns:p14="http://schemas.microsoft.com/office/powerpoint/2010/main" val="1377340055"/>
+        <p14:creationId xmlns:p14="http://schemas.microsoft.com/office/powerpoint/2010/main" val="2190221231"/>
       </p:ext>
     </p:extLst>
   </p:cSld>
@@ -9962,8 +10105,8 @@
         </p:nvSpPr>
         <p:spPr>
           <a:xfrm>
-            <a:off x="838200" y="1347472"/>
-            <a:ext cx="10515600" cy="4902967"/>
+            <a:off x="838200" y="1502588"/>
+            <a:ext cx="10515600" cy="5094155"/>
           </a:xfrm>
         </p:spPr>
         <p:txBody>
@@ -9972,10 +10115,20 @@
           </a:bodyPr>
           <a:lstStyle/>
           <a:p>
-            <a:pPr marR="0" algn="l" rtl="0"/>
+            <a:pPr marL="0" marR="0" indent="0" algn="l" rtl="0">
+              <a:buNone/>
+            </a:pPr>
             <a:r>
               <a:rPr lang="en-US" sz="2600" dirty="0"/>
-              <a:t>When you need to retrieve "often" the same data , typically, from an external service (e.g. database or rest api).</a:t>
+              <a:t>When you need to retrieve "</a:t>
+            </a:r>
+            <a:r>
+              <a:rPr lang="en-US" sz="2600" i="1" dirty="0"/>
+              <a:t>often</a:t>
+            </a:r>
+            <a:r>
+              <a:rPr lang="en-US" sz="2600" dirty="0"/>
+              <a:t>" the same data, typically, from an external service (e.g. database or rest api).</a:t>
             </a:r>
             <a:br>
               <a:rPr lang="en-US" sz="2600" dirty="0"/>
@@ -9985,7 +10138,15 @@
             </a:br>
             <a:r>
               <a:rPr lang="en-US" sz="2600" dirty="0"/>
-              <a:t>When that piece of data doesn't change "often" </a:t>
+              <a:t>When that piece of data doesn't change "</a:t>
+            </a:r>
+            <a:r>
+              <a:rPr lang="en-US" sz="2600" i="1" dirty="0"/>
+              <a:t>often</a:t>
+            </a:r>
+            <a:r>
+              <a:rPr lang="en-US" sz="2600" dirty="0"/>
+              <a:t>" </a:t>
             </a:r>
             <a:br>
               <a:rPr lang="en-US" sz="2600" dirty="0"/>
@@ -9995,7 +10156,15 @@
             </a:br>
             <a:r>
               <a:rPr lang="en-US" sz="2600" dirty="0"/>
-              <a:t>When it "takes time" to get that data from the service ..</a:t>
+              <a:t>When it "</a:t>
+            </a:r>
+            <a:r>
+              <a:rPr lang="en-US" sz="2600" i="1" dirty="0"/>
+              <a:t>takes time</a:t>
+            </a:r>
+            <a:r>
+              <a:rPr lang="en-US" sz="2600" dirty="0"/>
+              <a:t>" to get that data from the service ..</a:t>
             </a:r>
             <a:br>
               <a:rPr lang="en-US" sz="2600" dirty="0"/>
@@ -10005,7 +10174,15 @@
             </a:br>
             <a:r>
               <a:rPr lang="en-US" sz="2600" dirty="0"/>
-              <a:t>When taking the data put "pressure" on the service ..</a:t>
+              <a:t>When taking the data put "</a:t>
+            </a:r>
+            <a:r>
+              <a:rPr lang="en-US" sz="2600" i="1" dirty="0"/>
+              <a:t>pressure</a:t>
+            </a:r>
+            <a:r>
+              <a:rPr lang="en-US" sz="2600" dirty="0"/>
+              <a:t>" on the service ..</a:t>
             </a:r>
             <a:br>
               <a:rPr lang="en-US" sz="2600" dirty="0"/>
@@ -10042,22 +10219,25 @@
             </a:r>
             <a:r>
               <a:rPr lang="en-US" sz="2600" i="1" dirty="0"/>
-              <a:t>&gt; dictionary) and retrieve it from that store instead of going to the actual service.</a:t>
+              <a:t>&gt; dictionary) .. </a:t>
             </a:r>
             <a:br>
               <a:rPr lang="en-US" sz="2600" i="1" dirty="0"/>
             </a:br>
-            <a:r>
+            <a:br>
               <a:rPr lang="en-US" sz="2600" i="1" dirty="0"/>
-              <a:t>Most likely you will set an expiration </a:t>
+            </a:br>
+            <a:r>
+              <a:rPr lang="en-US" sz="2600" i="1" dirty="0"/>
+              <a:t>and retrieve it from that store instead of going to the actual service.</a:t>
             </a:r>
             <a:br>
-              <a:rPr lang="en-US" sz="2600" dirty="0"/>
+              <a:rPr lang="en-US" sz="2600" i="1" dirty="0"/>
             </a:br>
-            <a:endParaRPr lang="en-US" sz="2600" dirty="0"/>
-          </a:p>
-          <a:p>
-            <a:pPr lvl="1"/>
+            <a:r>
+              <a:rPr lang="en-US" sz="2600" i="1" dirty="0"/>
+              <a:t>(Note: most likely you will set an expiration)</a:t>
+            </a:r>
             <a:endParaRPr lang="en-US" dirty="0"/>
           </a:p>
           <a:p>
@@ -10149,7 +10329,7 @@
           <a:p>
             <a:r>
               <a:rPr lang="en-US" dirty="0"/>
-              <a:t>Cache stampede</a:t>
+              <a:t>Factory time out</a:t>
             </a:r>
           </a:p>
           <a:p>
@@ -10161,17 +10341,33 @@
                 </a:solidFill>
                 <a:latin typeface="Cascadia Mono" panose="020B0609020000020004" pitchFamily="49" charset="0"/>
               </a:rPr>
-              <a:t>cache-stampede-in-memory (</a:t>
-            </a:r>
-            <a:r>
-              <a:rPr lang="en-US" sz="1600" dirty="0" err="1">
-                <a:solidFill>
-                  <a:srgbClr val="000000"/>
-                </a:solidFill>
-                <a:latin typeface="Cascadia Mono" panose="020B0609020000020004" pitchFamily="49" charset="0"/>
-              </a:rPr>
-              <a:t>IMemoryCache</a:t>
-            </a:r>
+              <a:t>get-or-set-cache-entry-raw-hard-timeout</a:t>
+            </a:r>
+          </a:p>
+          <a:p>
+            <a:r>
+              <a:rPr lang="en-US" sz="2200" dirty="0"/>
+              <a:t>A small wrapper to ready </a:t>
+            </a:r>
+            <a:r>
+              <a:rPr lang="en-US" sz="2200" dirty="0" err="1">
+                <a:latin typeface="+mn-lt"/>
+                <a:ea typeface="+mn-ea"/>
+                <a:cs typeface="+mn-cs"/>
+              </a:rPr>
+              <a:t>FusionCacheEntryOptions</a:t>
+            </a:r>
+            <a:r>
+              <a:rPr lang="en-US" sz="2200" dirty="0">
+                <a:latin typeface="+mn-lt"/>
+                <a:ea typeface="+mn-ea"/>
+                <a:cs typeface="+mn-cs"/>
+              </a:rPr>
+              <a:t> from config</a:t>
+            </a:r>
+          </a:p>
+          <a:p>
+            <a:pPr lvl="1"/>
             <a:r>
               <a:rPr lang="en-US" sz="1600" dirty="0">
                 <a:solidFill>
@@ -10179,53 +10375,19 @@
                 </a:solidFill>
                 <a:latin typeface="Cascadia Mono" panose="020B0609020000020004" pitchFamily="49" charset="0"/>
               </a:rPr>
-              <a:t>)-&gt; KO</a:t>
-            </a:r>
-          </a:p>
-          <a:p>
-            <a:pPr marL="457200" lvl="1" indent="0">
-              <a:buNone/>
-            </a:pPr>
-            <a:r>
-              <a:rPr lang="en-US" sz="1400" dirty="0">
-                <a:solidFill>
-                  <a:srgbClr val="000000"/>
-                </a:solidFill>
-                <a:latin typeface="Cascadia Mono" panose="020B0609020000020004" pitchFamily="49" charset="0"/>
-              </a:rPr>
-              <a:t>vs</a:t>
-            </a:r>
-            <a:endParaRPr lang="en-US" dirty="0"/>
+              <a:t>get-or-set-cache-entry-with-wrapper</a:t>
+            </a:r>
+            <a:endParaRPr lang="en-US" sz="1600" dirty="0">
+              <a:latin typeface="+mn-lt"/>
+              <a:ea typeface="+mn-ea"/>
+              <a:cs typeface="+mn-cs"/>
+            </a:endParaRPr>
+          </a:p>
+          <a:p>
+            <a:endParaRPr lang="en-US" sz="2200" dirty="0"/>
           </a:p>
           <a:p>
             <a:pPr lvl="1"/>
-            <a:r>
-              <a:rPr lang="en-US" sz="1600" dirty="0">
-                <a:solidFill>
-                  <a:srgbClr val="000000"/>
-                </a:solidFill>
-                <a:latin typeface="Cascadia Mono" panose="020B0609020000020004" pitchFamily="49" charset="0"/>
-              </a:rPr>
-              <a:t>cache-stampede-with-wrapper (</a:t>
-            </a:r>
-            <a:r>
-              <a:rPr lang="en-US" sz="1600" dirty="0" err="1">
-                <a:solidFill>
-                  <a:srgbClr val="000000"/>
-                </a:solidFill>
-                <a:latin typeface="Cascadia Mono" panose="020B0609020000020004" pitchFamily="49" charset="0"/>
-              </a:rPr>
-              <a:t>IFusionCache</a:t>
-            </a:r>
-            <a:r>
-              <a:rPr lang="en-US" sz="1600" dirty="0">
-                <a:solidFill>
-                  <a:srgbClr val="000000"/>
-                </a:solidFill>
-                <a:latin typeface="Cascadia Mono" panose="020B0609020000020004" pitchFamily="49" charset="0"/>
-              </a:rPr>
-              <a:t>) -&gt; OK</a:t>
-            </a:r>
             <a:endParaRPr lang="en-US" sz="1600" dirty="0"/>
           </a:p>
         </p:txBody>
@@ -10233,7 +10395,7 @@
     </p:spTree>
     <p:extLst>
       <p:ext uri="{BB962C8B-B14F-4D97-AF65-F5344CB8AC3E}">
-        <p14:creationId xmlns:p14="http://schemas.microsoft.com/office/powerpoint/2010/main" val="2811030322"/>
+        <p14:creationId xmlns:p14="http://schemas.microsoft.com/office/powerpoint/2010/main" val="2234264116"/>
       </p:ext>
     </p:extLst>
   </p:cSld>
@@ -10283,12 +10445,8 @@
           <a:p>
             <a:r>
               <a:rPr lang="en-US" dirty="0"/>
-              <a:t>Fail-Safe</a:t>
-            </a:r>
-            <a:br>
-              <a:rPr lang="en-US" dirty="0"/>
-            </a:br>
-            <a:endParaRPr lang="en-US" dirty="0"/>
+              <a:t>Cache stampede</a:t>
+            </a:r>
           </a:p>
         </p:txBody>
       </p:sp>
@@ -10308,12 +10466,7 @@
             <p:ph idx="1"/>
           </p:nvPr>
         </p:nvSpPr>
-        <p:spPr>
-          <a:xfrm>
-            <a:off x="838200" y="1356585"/>
-            <a:ext cx="10515600" cy="4909351"/>
-          </a:xfrm>
-        </p:spPr>
+        <p:spPr/>
         <p:txBody>
           <a:bodyPr>
             <a:normAutofit/>
@@ -10323,78 +10476,29 @@
             <a:pPr lvl="1"/>
             <a:r>
               <a:rPr lang="en-US" dirty="0"/>
-              <a:t>Provide expired values if origin fails or takes too long to reply (times out)</a:t>
+              <a:t>Avoid "All" rush to origin to get same key when it expires (see demo). </a:t>
+            </a:r>
+            <a:r>
+              <a:rPr lang="en-US" dirty="0" err="1"/>
+              <a:t>JitterMaxDuration</a:t>
+            </a:r>
+            <a:r>
+              <a:rPr lang="en-US" dirty="0"/>
+              <a:t> mitigate the problem, still ..</a:t>
             </a:r>
           </a:p>
           <a:p>
             <a:pPr lvl="1"/>
-            <a:endParaRPr lang="en-US" dirty="0"/>
+            <a:r>
+              <a:rPr lang="en-US" dirty="0"/>
+              <a:t>Fusion cache will not call the same factory more than once concurrently</a:t>
+            </a:r>
           </a:p>
           <a:p>
             <a:pPr lvl="1"/>
             <a:r>
-              <a:rPr lang="en-US" dirty="0" err="1"/>
-              <a:t>IsFailSafeEnabled</a:t>
-            </a:r>
-            <a:r>
               <a:rPr lang="en-US" dirty="0"/>
-              <a:t> </a:t>
-            </a:r>
-          </a:p>
-          <a:p>
-            <a:pPr lvl="1"/>
-            <a:r>
-              <a:rPr lang="en-US" dirty="0" err="1"/>
-              <a:t>FailSafeMaxDuration</a:t>
-            </a:r>
-            <a:r>
-              <a:rPr lang="en-US" dirty="0"/>
-              <a:t> (internally extend the cache duration to this value)</a:t>
-            </a:r>
-          </a:p>
-          <a:p>
-            <a:pPr lvl="1"/>
-            <a:r>
-              <a:rPr lang="en-US" dirty="0" err="1"/>
-              <a:t>FailSafeThrottleDuration</a:t>
-            </a:r>
-            <a:endParaRPr lang="en-US" dirty="0"/>
-          </a:p>
-          <a:p>
-            <a:pPr lvl="1"/>
-            <a:r>
-              <a:rPr lang="en-US" dirty="0" err="1"/>
-              <a:t>FactorySoftTimeout</a:t>
-            </a:r>
-            <a:r>
-              <a:rPr lang="en-US" dirty="0"/>
-              <a:t>: (apply when failsafe is true only) will return expired entry (if any) if factory takes longer than this value </a:t>
-            </a:r>
-          </a:p>
-          <a:p>
-            <a:pPr lvl="1"/>
-            <a:r>
-              <a:rPr lang="en-US" dirty="0" err="1"/>
-              <a:t>FailSafe</a:t>
-            </a:r>
-            <a:r>
-              <a:rPr lang="en-US" dirty="0"/>
-              <a:t> Default Value is specified </a:t>
-            </a:r>
-          </a:p>
-          <a:p>
-            <a:pPr lvl="2"/>
-            <a:r>
-              <a:rPr lang="en-US" sz="2400" dirty="0"/>
-              <a:t>Returns the default if no value is present in the internal cache and (</a:t>
-            </a:r>
-            <a:r>
-              <a:rPr lang="en-US" sz="2400" dirty="0" err="1"/>
-              <a:t>FactoryHardTimeout</a:t>
-            </a:r>
-            <a:r>
-              <a:rPr lang="en-US" sz="2400" dirty="0"/>
-              <a:t> has passed, or an exception is thrown in the factory) </a:t>
+              <a:t>Works at node (process) level</a:t>
             </a:r>
           </a:p>
         </p:txBody>
@@ -10402,7 +10506,7 @@
     </p:spTree>
     <p:extLst>
       <p:ext uri="{BB962C8B-B14F-4D97-AF65-F5344CB8AC3E}">
-        <p14:creationId xmlns:p14="http://schemas.microsoft.com/office/powerpoint/2010/main" val="3492176054"/>
+        <p14:creationId xmlns:p14="http://schemas.microsoft.com/office/powerpoint/2010/main" val="1377340055"/>
       </p:ext>
     </p:extLst>
   </p:cSld>
@@ -10434,7 +10538,7 @@
           <p:cNvPr id="2" name="Title 1">
             <a:extLst>
               <a:ext uri="{FF2B5EF4-FFF2-40B4-BE49-F238E27FC236}">
-                <a16:creationId xmlns:a16="http://schemas.microsoft.com/office/drawing/2014/main" id="{6DA7CF98-B5C3-6707-D594-BAB3B1E1E832}"/>
+                <a16:creationId xmlns:a16="http://schemas.microsoft.com/office/drawing/2014/main" id="{5D283DDB-5E70-BE28-3EED-6919897DDC78}"/>
               </a:ext>
             </a:extLst>
           </p:cNvPr>
@@ -10462,7 +10566,7 @@
           <p:cNvPr id="3" name="Content Placeholder 2">
             <a:extLst>
               <a:ext uri="{FF2B5EF4-FFF2-40B4-BE49-F238E27FC236}">
-                <a16:creationId xmlns:a16="http://schemas.microsoft.com/office/drawing/2014/main" id="{4EE2669E-596B-E86E-E0E5-C04B6F827164}"/>
+                <a16:creationId xmlns:a16="http://schemas.microsoft.com/office/drawing/2014/main" id="{62AD2CCB-A577-86B2-F813-24213EB4A9C6}"/>
               </a:ext>
             </a:extLst>
           </p:cNvPr>
@@ -10475,14 +10579,12 @@
         </p:nvSpPr>
         <p:spPr/>
         <p:txBody>
-          <a:bodyPr>
-            <a:normAutofit/>
-          </a:bodyPr>
+          <a:bodyPr/>
           <a:lstStyle/>
           <a:p>
             <a:r>
               <a:rPr lang="en-US" dirty="0"/>
-              <a:t>Fail Safe</a:t>
+              <a:t>Cache stampede</a:t>
             </a:r>
           </a:p>
           <a:p>
@@ -10494,22 +10596,79 @@
                 </a:solidFill>
                 <a:latin typeface="Cascadia Mono" panose="020B0609020000020004" pitchFamily="49" charset="0"/>
               </a:rPr>
-              <a:t>get-or-set-cache-entry-raw-fails-safe</a:t>
+              <a:t>cache-stampede-in-memory (</a:t>
+            </a:r>
+            <a:r>
+              <a:rPr lang="en-US" sz="1600" dirty="0" err="1">
+                <a:solidFill>
+                  <a:srgbClr val="000000"/>
+                </a:solidFill>
+                <a:latin typeface="Cascadia Mono" panose="020B0609020000020004" pitchFamily="49" charset="0"/>
+              </a:rPr>
+              <a:t>IMemoryCache</a:t>
+            </a:r>
+            <a:r>
+              <a:rPr lang="en-US" sz="1600" dirty="0">
+                <a:solidFill>
+                  <a:srgbClr val="000000"/>
+                </a:solidFill>
+                <a:latin typeface="Cascadia Mono" panose="020B0609020000020004" pitchFamily="49" charset="0"/>
+              </a:rPr>
+              <a:t>)-&gt; KO</a:t>
+            </a:r>
+          </a:p>
+          <a:p>
+            <a:pPr marL="457200" lvl="1" indent="0">
+              <a:buNone/>
+            </a:pPr>
+            <a:r>
+              <a:rPr lang="en-US" sz="1400" dirty="0">
+                <a:solidFill>
+                  <a:srgbClr val="000000"/>
+                </a:solidFill>
+                <a:latin typeface="Cascadia Mono" panose="020B0609020000020004" pitchFamily="49" charset="0"/>
+              </a:rPr>
+              <a:t>vs</a:t>
+            </a:r>
+            <a:endParaRPr lang="en-US" dirty="0"/>
+          </a:p>
+          <a:p>
+            <a:pPr lvl="1"/>
+            <a:r>
+              <a:rPr lang="en-US" sz="1600" dirty="0">
+                <a:solidFill>
+                  <a:srgbClr val="000000"/>
+                </a:solidFill>
+                <a:latin typeface="Cascadia Mono" panose="020B0609020000020004" pitchFamily="49" charset="0"/>
+              </a:rPr>
+              <a:t>cache-stampede-with-wrapper (</a:t>
+            </a:r>
+            <a:r>
+              <a:rPr lang="en-US" sz="1600" dirty="0" err="1">
+                <a:solidFill>
+                  <a:srgbClr val="000000"/>
+                </a:solidFill>
+                <a:latin typeface="Cascadia Mono" panose="020B0609020000020004" pitchFamily="49" charset="0"/>
+              </a:rPr>
+              <a:t>IFusionCache</a:t>
+            </a:r>
+            <a:r>
+              <a:rPr lang="en-US" sz="1600" dirty="0">
+                <a:solidFill>
+                  <a:srgbClr val="000000"/>
+                </a:solidFill>
+                <a:latin typeface="Cascadia Mono" panose="020B0609020000020004" pitchFamily="49" charset="0"/>
+              </a:rPr>
+              <a:t>) -&gt; OK</a:t>
             </a:r>
             <a:endParaRPr lang="en-US" sz="1600" dirty="0"/>
-          </a:p>
-          <a:p>
-            <a:endParaRPr lang="en-US" dirty="0"/>
-          </a:p>
-          <a:p>
-            <a:endParaRPr lang="en-US" dirty="0"/>
           </a:p>
         </p:txBody>
       </p:sp>
     </p:spTree>
     <p:extLst>
       <p:ext uri="{BB962C8B-B14F-4D97-AF65-F5344CB8AC3E}">
-        <p14:creationId xmlns:p14="http://schemas.microsoft.com/office/powerpoint/2010/main" val="1560423962"/>
+        <p14:creationId xmlns:p14="http://schemas.microsoft.com/office/powerpoint/2010/main" val="2811030322"/>
       </p:ext>
     </p:extLst>
   </p:cSld>
@@ -10541,7 +10700,7 @@
           <p:cNvPr id="2" name="Title 1">
             <a:extLst>
               <a:ext uri="{FF2B5EF4-FFF2-40B4-BE49-F238E27FC236}">
-                <a16:creationId xmlns:a16="http://schemas.microsoft.com/office/drawing/2014/main" id="{DCF24D51-2025-4FAA-CD9B-FCB98B7402EB}"/>
+                <a16:creationId xmlns:a16="http://schemas.microsoft.com/office/drawing/2014/main" id="{6DA7CF98-B5C3-6707-D594-BAB3B1E1E832}"/>
               </a:ext>
             </a:extLst>
           </p:cNvPr>
@@ -10559,8 +10718,12 @@
           <a:p>
             <a:r>
               <a:rPr lang="en-US" dirty="0"/>
-              <a:t>Adaptive Caching</a:t>
-            </a:r>
+              <a:t>Fail-Safe</a:t>
+            </a:r>
+            <a:br>
+              <a:rPr lang="en-US" dirty="0"/>
+            </a:br>
+            <a:endParaRPr lang="en-US" dirty="0"/>
           </a:p>
         </p:txBody>
       </p:sp>
@@ -10569,7 +10732,7 @@
           <p:cNvPr id="3" name="Content Placeholder 2">
             <a:extLst>
               <a:ext uri="{FF2B5EF4-FFF2-40B4-BE49-F238E27FC236}">
-                <a16:creationId xmlns:a16="http://schemas.microsoft.com/office/drawing/2014/main" id="{D2361E84-37A5-C628-F8EA-8B88CF93D8F5}"/>
+                <a16:creationId xmlns:a16="http://schemas.microsoft.com/office/drawing/2014/main" id="{4EE2669E-596B-E86E-E0E5-C04B6F827164}"/>
               </a:ext>
             </a:extLst>
           </p:cNvPr>
@@ -10580,29 +10743,22 @@
             <p:ph idx="1"/>
           </p:nvPr>
         </p:nvSpPr>
-        <p:spPr/>
-        <p:txBody>
-          <a:bodyPr/>
-          <a:lstStyle/>
-          <a:p>
+        <p:spPr>
+          <a:xfrm>
+            <a:off x="838200" y="1356585"/>
+            <a:ext cx="10515600" cy="4909351"/>
+          </a:xfrm>
+        </p:spPr>
+        <p:txBody>
+          <a:bodyPr>
+            <a:normAutofit/>
+          </a:bodyPr>
+          <a:lstStyle/>
+          <a:p>
+            <a:pPr lvl="1"/>
             <a:r>
               <a:rPr lang="en-US" dirty="0"/>
-              <a:t>Within the same factory, set expiration NOT according to </a:t>
-            </a:r>
-            <a:r>
-              <a:rPr lang="en-US" dirty="0" err="1"/>
-              <a:t>CacheEntryOption</a:t>
-            </a:r>
-            <a:r>
-              <a:rPr lang="en-US" dirty="0"/>
-              <a:t>, but within the factory</a:t>
-            </a:r>
-          </a:p>
-          <a:p>
-            <a:pPr lvl="1"/>
-            <a:r>
-              <a:rPr lang="en-US" dirty="0"/>
-              <a:t>You can decide expiration based on the data returned from "the origin"</a:t>
+              <a:t>Provide expired values if origin fails or takes too long to reply (times out)</a:t>
             </a:r>
           </a:p>
           <a:p>
@@ -10611,31 +10767,77 @@
           </a:p>
           <a:p>
             <a:pPr lvl="1"/>
+            <a:r>
+              <a:rPr lang="en-US" dirty="0" err="1"/>
+              <a:t>IsFailSafeEnabled</a:t>
+            </a:r>
+            <a:r>
+              <a:rPr lang="en-US" dirty="0"/>
+              <a:t> </a:t>
+            </a:r>
+          </a:p>
+          <a:p>
+            <a:pPr lvl="1"/>
+            <a:r>
+              <a:rPr lang="en-US" dirty="0" err="1"/>
+              <a:t>FailSafeMaxDuration</a:t>
+            </a:r>
+            <a:r>
+              <a:rPr lang="en-US" dirty="0"/>
+              <a:t> (internally extend the cache duration to this value)</a:t>
+            </a:r>
+          </a:p>
+          <a:p>
+            <a:pPr lvl="1"/>
+            <a:r>
+              <a:rPr lang="en-US" dirty="0" err="1"/>
+              <a:t>FailSafeThrottleDuration</a:t>
+            </a:r>
             <a:endParaRPr lang="en-US" dirty="0"/>
           </a:p>
           <a:p>
             <a:pPr lvl="1"/>
             <a:r>
-              <a:rPr lang="en-US"/>
-              <a:t>DEMO : </a:t>
-            </a:r>
-            <a:r>
-              <a:rPr lang="en-US" sz="1800">
-                <a:solidFill>
-                  <a:srgbClr val="000000"/>
-                </a:solidFill>
-                <a:latin typeface="Cascadia Mono" panose="020B0609020000020004" pitchFamily="49" charset="0"/>
-              </a:rPr>
-              <a:t>get-or-set-cache-entry-with-adaptive-cache</a:t>
-            </a:r>
-            <a:endParaRPr lang="en-US" dirty="0"/>
+              <a:rPr lang="en-US" dirty="0" err="1"/>
+              <a:t>FactorySoftTimeout</a:t>
+            </a:r>
+            <a:r>
+              <a:rPr lang="en-US" dirty="0"/>
+              <a:t>: (apply when failsafe is true only) will return expired entry (if any) if factory takes longer than this value </a:t>
+            </a:r>
+          </a:p>
+          <a:p>
+            <a:pPr lvl="1"/>
+            <a:r>
+              <a:rPr lang="en-US" dirty="0" err="1"/>
+              <a:t>FailSafe</a:t>
+            </a:r>
+            <a:r>
+              <a:rPr lang="en-US" dirty="0"/>
+              <a:t> Default Value is specified </a:t>
+            </a:r>
+          </a:p>
+          <a:p>
+            <a:pPr lvl="2"/>
+            <a:r>
+              <a:rPr lang="en-US" sz="2400" dirty="0"/>
+              <a:t>Returns the default if no value is present in the internal cache and (</a:t>
+            </a:r>
+            <a:r>
+              <a:rPr lang="en-US" sz="2400" dirty="0" err="1"/>
+              <a:t>FactoryHardTimeout</a:t>
+            </a:r>
+            <a:r>
+              <a:rPr lang="en-US" sz="2400" dirty="0"/>
+              <a:t> has passed, or an exception is thrown in the factory) </a:t>
+            </a:r>
           </a:p>
         </p:txBody>
       </p:sp>
     </p:spTree>
     <p:extLst>
       <p:ext uri="{BB962C8B-B14F-4D97-AF65-F5344CB8AC3E}">
-        <p14:creationId xmlns:p14="http://schemas.microsoft.com/office/powerpoint/2010/main" val="999077463"/>
+        <p14:creationId xmlns:p14="http://schemas.microsoft.com/office/powerpoint/2010/main" val="3492176054"/>
       </p:ext>
     </p:extLst>
   </p:cSld>
@@ -10685,7 +10887,7 @@
           <a:p>
             <a:r>
               <a:rPr lang="en-US" dirty="0"/>
-              <a:t>Named caches</a:t>
+              <a:t>DEMO</a:t>
             </a:r>
           </a:p>
         </p:txBody>
@@ -10713,211 +10915,26 @@
           </a:bodyPr>
           <a:lstStyle/>
           <a:p>
+            <a:r>
+              <a:rPr lang="en-US" dirty="0"/>
+              <a:t>Fail Safe</a:t>
+            </a:r>
+          </a:p>
+          <a:p>
+            <a:pPr lvl="1"/>
+            <a:r>
+              <a:rPr lang="en-US" sz="1600" dirty="0">
+                <a:solidFill>
+                  <a:srgbClr val="000000"/>
+                </a:solidFill>
+                <a:latin typeface="Cascadia Mono" panose="020B0609020000020004" pitchFamily="49" charset="0"/>
+              </a:rPr>
+              <a:t>get-or-set-cache-entry-raw-fails-safe</a:t>
+            </a:r>
+            <a:endParaRPr lang="en-US" sz="1600" dirty="0"/>
+          </a:p>
+          <a:p>
             <a:endParaRPr lang="en-US" dirty="0"/>
-          </a:p>
-        </p:txBody>
-      </p:sp>
-      <p:sp>
-        <p:nvSpPr>
-          <p:cNvPr id="4" name="TextBox 3">
-            <a:extLst>
-              <a:ext uri="{FF2B5EF4-FFF2-40B4-BE49-F238E27FC236}">
-                <a16:creationId xmlns:a16="http://schemas.microsoft.com/office/drawing/2014/main" id="{762E7DA3-44D7-43E5-7A5B-C029F065E7C4}"/>
-              </a:ext>
-            </a:extLst>
-          </p:cNvPr>
-          <p:cNvSpPr txBox="1"/>
-          <p:nvPr/>
-        </p:nvSpPr>
-        <p:spPr>
-          <a:xfrm>
-            <a:off x="1033670" y="2969812"/>
-            <a:ext cx="9891422" cy="2339102"/>
-          </a:xfrm>
-          <a:prstGeom prst="rect">
-            <a:avLst/>
-          </a:prstGeom>
-          <a:noFill/>
-        </p:spPr>
-        <p:txBody>
-          <a:bodyPr wrap="square" rtlCol="0">
-            <a:spAutoFit/>
-          </a:bodyPr>
-          <a:lstStyle/>
-          <a:p>
-            <a:r>
-              <a:rPr lang="en-US" sz="1600" dirty="0">
-                <a:solidFill>
-                  <a:srgbClr val="000000"/>
-                </a:solidFill>
-                <a:latin typeface="Cascadia Mono" panose="020B0609020000020004" pitchFamily="49" charset="0"/>
-              </a:rPr>
-              <a:t>// startup </a:t>
-            </a:r>
-            <a:br>
-              <a:rPr lang="en-US" sz="1600" dirty="0">
-                <a:solidFill>
-                  <a:srgbClr val="000000"/>
-                </a:solidFill>
-                <a:latin typeface="Cascadia Mono" panose="020B0609020000020004" pitchFamily="49" charset="0"/>
-              </a:rPr>
-            </a:br>
-            <a:r>
-              <a:rPr lang="en-US" sz="1600" dirty="0" err="1">
-                <a:solidFill>
-                  <a:srgbClr val="000000"/>
-                </a:solidFill>
-                <a:latin typeface="Cascadia Mono" panose="020B0609020000020004" pitchFamily="49" charset="0"/>
-              </a:rPr>
-              <a:t>services.AddFusionCache</a:t>
-            </a:r>
-            <a:r>
-              <a:rPr lang="en-US" sz="1600" dirty="0">
-                <a:solidFill>
-                  <a:srgbClr val="000000"/>
-                </a:solidFill>
-                <a:latin typeface="Cascadia Mono" panose="020B0609020000020004" pitchFamily="49" charset="0"/>
-              </a:rPr>
-              <a:t>("Products");</a:t>
-            </a:r>
-            <a:br>
-              <a:rPr lang="en-US" sz="1600" dirty="0">
-                <a:solidFill>
-                  <a:srgbClr val="000000"/>
-                </a:solidFill>
-                <a:latin typeface="Cascadia Mono" panose="020B0609020000020004" pitchFamily="49" charset="0"/>
-              </a:rPr>
-            </a:br>
-            <a:endParaRPr lang="en-US" sz="1600" dirty="0">
-              <a:solidFill>
-                <a:srgbClr val="000000"/>
-              </a:solidFill>
-              <a:latin typeface="Cascadia Mono" panose="020B0609020000020004" pitchFamily="49" charset="0"/>
-            </a:endParaRPr>
-          </a:p>
-          <a:p>
-            <a:endParaRPr lang="en-US" sz="1600" dirty="0">
-              <a:solidFill>
-                <a:srgbClr val="000000"/>
-              </a:solidFill>
-              <a:latin typeface="Cascadia Mono" panose="020B0609020000020004" pitchFamily="49" charset="0"/>
-            </a:endParaRPr>
-          </a:p>
-          <a:p>
-            <a:r>
-              <a:rPr lang="en-US" sz="1600" dirty="0">
-                <a:solidFill>
-                  <a:srgbClr val="000000"/>
-                </a:solidFill>
-                <a:latin typeface="Cascadia Mono" panose="020B0609020000020004" pitchFamily="49" charset="0"/>
-              </a:rPr>
-              <a:t>public </a:t>
-            </a:r>
-            <a:r>
-              <a:rPr lang="en-US" sz="1600" dirty="0" err="1">
-                <a:solidFill>
-                  <a:srgbClr val="000000"/>
-                </a:solidFill>
-                <a:latin typeface="Cascadia Mono" panose="020B0609020000020004" pitchFamily="49" charset="0"/>
-              </a:rPr>
-              <a:t>MyController</a:t>
-            </a:r>
-            <a:r>
-              <a:rPr lang="en-US" sz="1600" dirty="0">
-                <a:solidFill>
-                  <a:srgbClr val="000000"/>
-                </a:solidFill>
-                <a:latin typeface="Cascadia Mono" panose="020B0609020000020004" pitchFamily="49" charset="0"/>
-              </a:rPr>
-              <a:t>(</a:t>
-            </a:r>
-            <a:r>
-              <a:rPr lang="en-US" sz="1600" dirty="0" err="1">
-                <a:solidFill>
-                  <a:srgbClr val="000000"/>
-                </a:solidFill>
-                <a:latin typeface="Cascadia Mono" panose="020B0609020000020004" pitchFamily="49" charset="0"/>
-              </a:rPr>
-              <a:t>IFusionCacheProvider</a:t>
-            </a:r>
-            <a:r>
-              <a:rPr lang="en-US" sz="1600" dirty="0">
-                <a:solidFill>
-                  <a:srgbClr val="000000"/>
-                </a:solidFill>
-                <a:latin typeface="Cascadia Mono" panose="020B0609020000020004" pitchFamily="49" charset="0"/>
-              </a:rPr>
-              <a:t> </a:t>
-            </a:r>
-            <a:r>
-              <a:rPr lang="en-US" sz="1600" dirty="0" err="1">
-                <a:solidFill>
-                  <a:srgbClr val="000000"/>
-                </a:solidFill>
-                <a:latin typeface="Cascadia Mono" panose="020B0609020000020004" pitchFamily="49" charset="0"/>
-              </a:rPr>
-              <a:t>cacheProvider</a:t>
-            </a:r>
-            <a:r>
-              <a:rPr lang="en-US" sz="1600" dirty="0">
-                <a:solidFill>
-                  <a:srgbClr val="000000"/>
-                </a:solidFill>
-                <a:latin typeface="Cascadia Mono" panose="020B0609020000020004" pitchFamily="49" charset="0"/>
-              </a:rPr>
-              <a:t>)</a:t>
-            </a:r>
-          </a:p>
-          <a:p>
-            <a:r>
-              <a:rPr lang="en-US" sz="1600" dirty="0">
-                <a:solidFill>
-                  <a:srgbClr val="000000"/>
-                </a:solidFill>
-                <a:latin typeface="Cascadia Mono" panose="020B0609020000020004" pitchFamily="49" charset="0"/>
-              </a:rPr>
-              <a:t>    {</a:t>
-            </a:r>
-          </a:p>
-          <a:p>
-            <a:r>
-              <a:rPr lang="en-US" sz="1600" dirty="0">
-                <a:solidFill>
-                  <a:srgbClr val="000000"/>
-                </a:solidFill>
-                <a:latin typeface="Cascadia Mono" panose="020B0609020000020004" pitchFamily="49" charset="0"/>
-              </a:rPr>
-              <a:t>        _cache = </a:t>
-            </a:r>
-            <a:r>
-              <a:rPr lang="en-US" sz="1600" dirty="0" err="1">
-                <a:solidFill>
-                  <a:srgbClr val="000000"/>
-                </a:solidFill>
-                <a:latin typeface="Cascadia Mono" panose="020B0609020000020004" pitchFamily="49" charset="0"/>
-              </a:rPr>
-              <a:t>cacheProvider.GetCache</a:t>
-            </a:r>
-            <a:r>
-              <a:rPr lang="en-US" sz="1600" dirty="0">
-                <a:solidFill>
-                  <a:srgbClr val="000000"/>
-                </a:solidFill>
-                <a:latin typeface="Cascadia Mono" panose="020B0609020000020004" pitchFamily="49" charset="0"/>
-              </a:rPr>
-              <a:t>("Products");</a:t>
-            </a:r>
-          </a:p>
-          <a:p>
-            <a:r>
-              <a:rPr lang="en-US" sz="1600" dirty="0">
-                <a:solidFill>
-                  <a:srgbClr val="000000"/>
-                </a:solidFill>
-                <a:latin typeface="Cascadia Mono" panose="020B0609020000020004" pitchFamily="49" charset="0"/>
-              </a:rPr>
-              <a:t>    }</a:t>
-            </a:r>
           </a:p>
           <a:p>
             <a:endParaRPr lang="en-US" dirty="0"/>
@@ -10927,7 +10944,7 @@
     </p:spTree>
     <p:extLst>
       <p:ext uri="{BB962C8B-B14F-4D97-AF65-F5344CB8AC3E}">
-        <p14:creationId xmlns:p14="http://schemas.microsoft.com/office/powerpoint/2010/main" val="2753430410"/>
+        <p14:creationId xmlns:p14="http://schemas.microsoft.com/office/powerpoint/2010/main" val="1560423962"/>
       </p:ext>
     </p:extLst>
   </p:cSld>
@@ -10959,7 +10976,7 @@
           <p:cNvPr id="2" name="Title 1">
             <a:extLst>
               <a:ext uri="{FF2B5EF4-FFF2-40B4-BE49-F238E27FC236}">
-                <a16:creationId xmlns:a16="http://schemas.microsoft.com/office/drawing/2014/main" id="{6DA7CF98-B5C3-6707-D594-BAB3B1E1E832}"/>
+                <a16:creationId xmlns:a16="http://schemas.microsoft.com/office/drawing/2014/main" id="{DCF24D51-2025-4FAA-CD9B-FCB98B7402EB}"/>
               </a:ext>
             </a:extLst>
           </p:cNvPr>
@@ -10977,7 +10994,7 @@
           <a:p>
             <a:r>
               <a:rPr lang="en-US" dirty="0"/>
-              <a:t>Backplane</a:t>
+              <a:t>Adaptive Caching</a:t>
             </a:r>
           </a:p>
         </p:txBody>
@@ -10987,7 +11004,7 @@
           <p:cNvPr id="3" name="Content Placeholder 2">
             <a:extLst>
               <a:ext uri="{FF2B5EF4-FFF2-40B4-BE49-F238E27FC236}">
-                <a16:creationId xmlns:a16="http://schemas.microsoft.com/office/drawing/2014/main" id="{4EE2669E-596B-E86E-E0E5-C04B6F827164}"/>
+                <a16:creationId xmlns:a16="http://schemas.microsoft.com/office/drawing/2014/main" id="{D2361E84-37A5-C628-F8EA-8B88CF93D8F5}"/>
               </a:ext>
             </a:extLst>
           </p:cNvPr>
@@ -11000,26 +11017,52 @@
         </p:nvSpPr>
         <p:spPr/>
         <p:txBody>
-          <a:bodyPr>
-            <a:normAutofit/>
-          </a:bodyPr>
+          <a:bodyPr/>
           <a:lstStyle/>
           <a:p>
             <a:r>
               <a:rPr lang="en-US" dirty="0"/>
-              <a:t>Sync values across nodes (in-memory cache) </a:t>
-            </a:r>
-          </a:p>
-          <a:p>
+              <a:t>Within the same factory, set expiration NOT according to </a:t>
+            </a:r>
+            <a:r>
+              <a:rPr lang="en-US" dirty="0" err="1"/>
+              <a:t>CacheEntryOption</a:t>
+            </a:r>
             <a:r>
               <a:rPr lang="en-US" dirty="0"/>
-              <a:t>Need Redis for the pub-sub</a:t>
-            </a:r>
-          </a:p>
-          <a:p>
+              <a:t>, but within the factory</a:t>
+            </a:r>
+          </a:p>
+          <a:p>
+            <a:pPr lvl="1"/>
+            <a:r>
+              <a:rPr lang="en-US" dirty="0"/>
+              <a:t>You can decide expiration based on the data returned from "the origin"</a:t>
+            </a:r>
+          </a:p>
+          <a:p>
+            <a:pPr lvl="1"/>
             <a:endParaRPr lang="en-US" dirty="0"/>
           </a:p>
           <a:p>
+            <a:pPr lvl="1"/>
+            <a:endParaRPr lang="en-US" dirty="0"/>
+          </a:p>
+          <a:p>
+            <a:pPr lvl="1"/>
+            <a:r>
+              <a:rPr lang="en-US"/>
+              <a:t>DEMO : </a:t>
+            </a:r>
+            <a:r>
+              <a:rPr lang="en-US" sz="1800">
+                <a:solidFill>
+                  <a:srgbClr val="000000"/>
+                </a:solidFill>
+                <a:latin typeface="Cascadia Mono" panose="020B0609020000020004" pitchFamily="49" charset="0"/>
+              </a:rPr>
+              <a:t>get-or-set-cache-entry-with-adaptive-cache</a:t>
+            </a:r>
             <a:endParaRPr lang="en-US" dirty="0"/>
           </a:p>
         </p:txBody>
@@ -11027,7 +11070,7 @@
     </p:spTree>
     <p:extLst>
       <p:ext uri="{BB962C8B-B14F-4D97-AF65-F5344CB8AC3E}">
-        <p14:creationId xmlns:p14="http://schemas.microsoft.com/office/powerpoint/2010/main" val="3582380574"/>
+        <p14:creationId xmlns:p14="http://schemas.microsoft.com/office/powerpoint/2010/main" val="999077463"/>
       </p:ext>
     </p:extLst>
   </p:cSld>
@@ -11059,7 +11102,7 @@
           <p:cNvPr id="2" name="Title 1">
             <a:extLst>
               <a:ext uri="{FF2B5EF4-FFF2-40B4-BE49-F238E27FC236}">
-                <a16:creationId xmlns:a16="http://schemas.microsoft.com/office/drawing/2014/main" id="{5D283DDB-5E70-BE28-3EED-6919897DDC78}"/>
+                <a16:creationId xmlns:a16="http://schemas.microsoft.com/office/drawing/2014/main" id="{6DA7CF98-B5C3-6707-D594-BAB3B1E1E832}"/>
               </a:ext>
             </a:extLst>
           </p:cNvPr>
@@ -11077,7 +11120,7 @@
           <a:p>
             <a:r>
               <a:rPr lang="en-US" dirty="0"/>
-              <a:t>DEMO</a:t>
+              <a:t>Named caches</a:t>
             </a:r>
           </a:p>
         </p:txBody>
@@ -11087,7 +11130,7 @@
           <p:cNvPr id="3" name="Content Placeholder 2">
             <a:extLst>
               <a:ext uri="{FF2B5EF4-FFF2-40B4-BE49-F238E27FC236}">
-                <a16:creationId xmlns:a16="http://schemas.microsoft.com/office/drawing/2014/main" id="{62AD2CCB-A577-86B2-F813-24213EB4A9C6}"/>
+                <a16:creationId xmlns:a16="http://schemas.microsoft.com/office/drawing/2014/main" id="{4EE2669E-596B-E86E-E0E5-C04B6F827164}"/>
               </a:ext>
             </a:extLst>
           </p:cNvPr>
@@ -11100,35 +11143,218 @@
         </p:nvSpPr>
         <p:spPr/>
         <p:txBody>
-          <a:bodyPr/>
-          <a:lstStyle/>
-          <a:p>
-            <a:r>
-              <a:rPr lang="en-US" dirty="0"/>
-              <a:t>Back Plane</a:t>
-            </a:r>
-          </a:p>
-          <a:p>
-            <a:r>
-              <a:rPr lang="en-US" sz="1800" dirty="0">
-                <a:solidFill>
-                  <a:srgbClr val="000000"/>
-                </a:solidFill>
-                <a:latin typeface="Cascadia Mono" panose="020B0609020000020004" pitchFamily="49" charset="0"/>
-              </a:rPr>
-              <a:t>set-cache-entry-raw on W1</a:t>
-            </a:r>
-          </a:p>
-          <a:p>
-            <a:r>
-              <a:rPr lang="en-US" sz="1800" dirty="0">
-                <a:solidFill>
-                  <a:srgbClr val="000000"/>
-                </a:solidFill>
-                <a:latin typeface="Cascadia Mono" panose="020B0609020000020004" pitchFamily="49" charset="0"/>
-              </a:rPr>
-              <a:t>get-cache-entry-raw on W2, N1, N2</a:t>
-            </a:r>
+          <a:bodyPr>
+            <a:normAutofit/>
+          </a:bodyPr>
+          <a:lstStyle/>
+          <a:p>
+            <a:endParaRPr lang="en-US" dirty="0"/>
+          </a:p>
+        </p:txBody>
+      </p:sp>
+      <p:sp>
+        <p:nvSpPr>
+          <p:cNvPr id="4" name="TextBox 3">
+            <a:extLst>
+              <a:ext uri="{FF2B5EF4-FFF2-40B4-BE49-F238E27FC236}">
+                <a16:creationId xmlns:a16="http://schemas.microsoft.com/office/drawing/2014/main" id="{762E7DA3-44D7-43E5-7A5B-C029F065E7C4}"/>
+              </a:ext>
+            </a:extLst>
+          </p:cNvPr>
+          <p:cNvSpPr txBox="1"/>
+          <p:nvPr/>
+        </p:nvSpPr>
+        <p:spPr>
+          <a:xfrm>
+            <a:off x="1033670" y="2969812"/>
+            <a:ext cx="9891422" cy="2339102"/>
+          </a:xfrm>
+          <a:prstGeom prst="rect">
+            <a:avLst/>
+          </a:prstGeom>
+          <a:noFill/>
+        </p:spPr>
+        <p:txBody>
+          <a:bodyPr wrap="square" rtlCol="0">
+            <a:spAutoFit/>
+          </a:bodyPr>
+          <a:lstStyle/>
+          <a:p>
+            <a:r>
+              <a:rPr lang="en-US" sz="1600" dirty="0">
+                <a:solidFill>
+                  <a:srgbClr val="000000"/>
+                </a:solidFill>
+                <a:latin typeface="Cascadia Mono" panose="020B0609020000020004" pitchFamily="49" charset="0"/>
+              </a:rPr>
+              <a:t>// startup </a:t>
+            </a:r>
+            <a:br>
+              <a:rPr lang="en-US" sz="1600" dirty="0">
+                <a:solidFill>
+                  <a:srgbClr val="000000"/>
+                </a:solidFill>
+                <a:latin typeface="Cascadia Mono" panose="020B0609020000020004" pitchFamily="49" charset="0"/>
+              </a:rPr>
+            </a:br>
+            <a:r>
+              <a:rPr lang="en-US" sz="1600" dirty="0" err="1">
+                <a:solidFill>
+                  <a:srgbClr val="000000"/>
+                </a:solidFill>
+                <a:latin typeface="Cascadia Mono" panose="020B0609020000020004" pitchFamily="49" charset="0"/>
+              </a:rPr>
+              <a:t>services.AddFusionCache</a:t>
+            </a:r>
+            <a:r>
+              <a:rPr lang="en-US" sz="1600" dirty="0">
+                <a:solidFill>
+                  <a:srgbClr val="000000"/>
+                </a:solidFill>
+                <a:latin typeface="Cascadia Mono" panose="020B0609020000020004" pitchFamily="49" charset="0"/>
+              </a:rPr>
+              <a:t>("Products")….;</a:t>
+            </a:r>
+            <a:br>
+              <a:rPr lang="en-US" sz="1600" dirty="0">
+                <a:solidFill>
+                  <a:srgbClr val="000000"/>
+                </a:solidFill>
+                <a:latin typeface="Cascadia Mono" panose="020B0609020000020004" pitchFamily="49" charset="0"/>
+              </a:rPr>
+            </a:br>
+            <a:endParaRPr lang="en-US" sz="1600" dirty="0">
+              <a:solidFill>
+                <a:srgbClr val="000000"/>
+              </a:solidFill>
+              <a:latin typeface="Cascadia Mono" panose="020B0609020000020004" pitchFamily="49" charset="0"/>
+            </a:endParaRPr>
+          </a:p>
+          <a:p>
+            <a:endParaRPr lang="en-US" sz="1600" dirty="0">
+              <a:solidFill>
+                <a:srgbClr val="000000"/>
+              </a:solidFill>
+              <a:latin typeface="Cascadia Mono" panose="020B0609020000020004" pitchFamily="49" charset="0"/>
+            </a:endParaRPr>
+          </a:p>
+          <a:p>
+            <a:r>
+              <a:rPr lang="en-US" sz="1600" dirty="0">
+                <a:solidFill>
+                  <a:srgbClr val="000000"/>
+                </a:solidFill>
+                <a:latin typeface="Cascadia Mono" panose="020B0609020000020004" pitchFamily="49" charset="0"/>
+              </a:rPr>
+              <a:t>public </a:t>
+            </a:r>
+            <a:r>
+              <a:rPr lang="en-US" sz="1600" dirty="0" err="1">
+                <a:solidFill>
+                  <a:srgbClr val="000000"/>
+                </a:solidFill>
+                <a:latin typeface="Cascadia Mono" panose="020B0609020000020004" pitchFamily="49" charset="0"/>
+              </a:rPr>
+              <a:t>MyController</a:t>
+            </a:r>
+            <a:r>
+              <a:rPr lang="en-US" sz="1600" dirty="0">
+                <a:solidFill>
+                  <a:srgbClr val="000000"/>
+                </a:solidFill>
+                <a:latin typeface="Cascadia Mono" panose="020B0609020000020004" pitchFamily="49" charset="0"/>
+              </a:rPr>
+              <a:t>(</a:t>
+            </a:r>
+            <a:r>
+              <a:rPr lang="en-US" sz="1600" dirty="0" err="1">
+                <a:solidFill>
+                  <a:srgbClr val="000000"/>
+                </a:solidFill>
+                <a:latin typeface="Cascadia Mono" panose="020B0609020000020004" pitchFamily="49" charset="0"/>
+              </a:rPr>
+              <a:t>IFusionCacheProvider</a:t>
+            </a:r>
+            <a:r>
+              <a:rPr lang="en-US" sz="1600" dirty="0">
+                <a:solidFill>
+                  <a:srgbClr val="000000"/>
+                </a:solidFill>
+                <a:latin typeface="Cascadia Mono" panose="020B0609020000020004" pitchFamily="49" charset="0"/>
+              </a:rPr>
+              <a:t> </a:t>
+            </a:r>
+            <a:r>
+              <a:rPr lang="en-US" sz="1600" dirty="0" err="1">
+                <a:solidFill>
+                  <a:srgbClr val="000000"/>
+                </a:solidFill>
+                <a:latin typeface="Cascadia Mono" panose="020B0609020000020004" pitchFamily="49" charset="0"/>
+              </a:rPr>
+              <a:t>cacheProvider</a:t>
+            </a:r>
+            <a:r>
+              <a:rPr lang="en-US" sz="1600" dirty="0">
+                <a:solidFill>
+                  <a:srgbClr val="000000"/>
+                </a:solidFill>
+                <a:latin typeface="Cascadia Mono" panose="020B0609020000020004" pitchFamily="49" charset="0"/>
+              </a:rPr>
+              <a:t>)</a:t>
+            </a:r>
+          </a:p>
+          <a:p>
+            <a:r>
+              <a:rPr lang="en-US" sz="1600" dirty="0">
+                <a:solidFill>
+                  <a:srgbClr val="000000"/>
+                </a:solidFill>
+                <a:latin typeface="Cascadia Mono" panose="020B0609020000020004" pitchFamily="49" charset="0"/>
+              </a:rPr>
+              <a:t>    {</a:t>
+            </a:r>
+          </a:p>
+          <a:p>
+            <a:r>
+              <a:rPr lang="en-US" sz="1600" dirty="0">
+                <a:solidFill>
+                  <a:srgbClr val="000000"/>
+                </a:solidFill>
+                <a:latin typeface="Cascadia Mono" panose="020B0609020000020004" pitchFamily="49" charset="0"/>
+              </a:rPr>
+              <a:t>        _cache = </a:t>
+            </a:r>
+            <a:r>
+              <a:rPr lang="en-US" sz="1600" dirty="0" err="1">
+                <a:solidFill>
+                  <a:srgbClr val="000000"/>
+                </a:solidFill>
+                <a:latin typeface="Cascadia Mono" panose="020B0609020000020004" pitchFamily="49" charset="0"/>
+              </a:rPr>
+              <a:t>cacheProvider.GetCache</a:t>
+            </a:r>
+            <a:r>
+              <a:rPr lang="en-US" sz="1600" dirty="0">
+                <a:solidFill>
+                  <a:srgbClr val="000000"/>
+                </a:solidFill>
+                <a:latin typeface="Cascadia Mono" panose="020B0609020000020004" pitchFamily="49" charset="0"/>
+              </a:rPr>
+              <a:t>("Products");</a:t>
+            </a:r>
+          </a:p>
+          <a:p>
+            <a:r>
+              <a:rPr lang="en-US" sz="1600" dirty="0">
+                <a:solidFill>
+                  <a:srgbClr val="000000"/>
+                </a:solidFill>
+                <a:latin typeface="Cascadia Mono" panose="020B0609020000020004" pitchFamily="49" charset="0"/>
+              </a:rPr>
+              <a:t>    }</a:t>
+            </a:r>
+          </a:p>
+          <a:p>
             <a:endParaRPr lang="en-US" dirty="0"/>
           </a:p>
         </p:txBody>
@@ -11136,7 +11362,7 @@
     </p:spTree>
     <p:extLst>
       <p:ext uri="{BB962C8B-B14F-4D97-AF65-F5344CB8AC3E}">
-        <p14:creationId xmlns:p14="http://schemas.microsoft.com/office/powerpoint/2010/main" val="1685287679"/>
+        <p14:creationId xmlns:p14="http://schemas.microsoft.com/office/powerpoint/2010/main" val="2753430410"/>
       </p:ext>
     </p:extLst>
   </p:cSld>
@@ -11168,7 +11394,7 @@
           <p:cNvPr id="2" name="Title 1">
             <a:extLst>
               <a:ext uri="{FF2B5EF4-FFF2-40B4-BE49-F238E27FC236}">
-                <a16:creationId xmlns:a16="http://schemas.microsoft.com/office/drawing/2014/main" id="{DEC2DADE-FA92-A304-D559-D197F850CC0B}"/>
+                <a16:creationId xmlns:a16="http://schemas.microsoft.com/office/drawing/2014/main" id="{6DA7CF98-B5C3-6707-D594-BAB3B1E1E832}"/>
               </a:ext>
             </a:extLst>
           </p:cNvPr>
@@ -11186,7 +11412,7 @@
           <a:p>
             <a:r>
               <a:rPr lang="en-US" dirty="0"/>
-              <a:t>Plugins</a:t>
+              <a:t>Backplane</a:t>
             </a:r>
           </a:p>
         </p:txBody>
@@ -11196,7 +11422,7 @@
           <p:cNvPr id="3" name="Content Placeholder 2">
             <a:extLst>
               <a:ext uri="{FF2B5EF4-FFF2-40B4-BE49-F238E27FC236}">
-                <a16:creationId xmlns:a16="http://schemas.microsoft.com/office/drawing/2014/main" id="{E06809C9-DCCC-61BB-9AED-AAEF6DBE8B71}"/>
+                <a16:creationId xmlns:a16="http://schemas.microsoft.com/office/drawing/2014/main" id="{4EE2669E-596B-E86E-E0E5-C04B6F827164}"/>
               </a:ext>
             </a:extLst>
           </p:cNvPr>
@@ -11207,84 +11433,36 @@
             <p:ph idx="1"/>
           </p:nvPr>
         </p:nvSpPr>
-        <p:spPr>
-          <a:xfrm>
-            <a:off x="838200" y="1407381"/>
-            <a:ext cx="10515600" cy="4769582"/>
-          </a:xfrm>
-        </p:spPr>
+        <p:spPr/>
         <p:txBody>
           <a:bodyPr>
-            <a:normAutofit lnSpcReduction="10000"/>
+            <a:normAutofit/>
           </a:bodyPr>
           <a:lstStyle/>
           <a:p>
-            <a:endParaRPr lang="en-US" dirty="0">
-              <a:solidFill>
-                <a:srgbClr val="FF0000"/>
-              </a:solidFill>
-            </a:endParaRPr>
-          </a:p>
-          <a:p>
-            <a:r>
-              <a:rPr lang="en-US" sz="3000" dirty="0"/>
-              <a:t>Listen to events</a:t>
-            </a:r>
-          </a:p>
-          <a:p>
-            <a:pPr lvl="1"/>
-            <a:r>
-              <a:rPr lang="en-US" sz="2600" dirty="0"/>
-              <a:t>Hit: when a value was in the cache (there's also a flag to indicate if the data was stale or not)</a:t>
-            </a:r>
-          </a:p>
-          <a:p>
-            <a:pPr lvl="1"/>
-            <a:r>
-              <a:rPr lang="en-US" sz="2600" dirty="0"/>
-              <a:t>Miss: when a value was not in the cache</a:t>
-            </a:r>
-          </a:p>
-          <a:p>
-            <a:pPr lvl="1"/>
-            <a:r>
-              <a:rPr lang="en-US" sz="2600" dirty="0"/>
-              <a:t>Remove: when an entry has been removed</a:t>
-            </a:r>
-          </a:p>
-          <a:p>
-            <a:pPr lvl="1"/>
-            <a:r>
-              <a:rPr lang="en-US" sz="2600" dirty="0"/>
-              <a:t>Eviction: when an eviction occurred, along with the reason (only for the memory level)</a:t>
-            </a:r>
-          </a:p>
-          <a:p>
-            <a:pPr lvl="1"/>
-            <a:r>
-              <a:rPr lang="en-US" sz="2600" dirty="0" err="1"/>
-              <a:t>FailSafeActivation</a:t>
-            </a:r>
-            <a:r>
-              <a:rPr lang="en-US" sz="2600" dirty="0"/>
-              <a:t>: when the fail-safe mechanism kicked in</a:t>
-            </a:r>
-          </a:p>
-          <a:p>
-            <a:endParaRPr lang="en-US" sz="3000" dirty="0"/>
-          </a:p>
-          <a:p>
-            <a:r>
-              <a:rPr lang="en-US" sz="3000" dirty="0"/>
-              <a:t>Run in background </a:t>
-            </a:r>
+            <a:r>
+              <a:rPr lang="en-US" dirty="0"/>
+              <a:t>Sync values across nodes (in-memory cache) </a:t>
+            </a:r>
+          </a:p>
+          <a:p>
+            <a:r>
+              <a:rPr lang="en-US" dirty="0"/>
+              <a:t>Need Redis for the pub-sub</a:t>
+            </a:r>
+          </a:p>
+          <a:p>
+            <a:endParaRPr lang="en-US" dirty="0"/>
+          </a:p>
+          <a:p>
+            <a:endParaRPr lang="en-US" dirty="0"/>
           </a:p>
         </p:txBody>
       </p:sp>
     </p:spTree>
     <p:extLst>
       <p:ext uri="{BB962C8B-B14F-4D97-AF65-F5344CB8AC3E}">
-        <p14:creationId xmlns:p14="http://schemas.microsoft.com/office/powerpoint/2010/main" val="3045623098"/>
+        <p14:creationId xmlns:p14="http://schemas.microsoft.com/office/powerpoint/2010/main" val="3582380574"/>
       </p:ext>
     </p:extLst>
   </p:cSld>
@@ -11313,6 +11491,974 @@
       </p:grpSpPr>
       <p:sp>
         <p:nvSpPr>
+          <p:cNvPr id="2" name="Title 1">
+            <a:extLst>
+              <a:ext uri="{FF2B5EF4-FFF2-40B4-BE49-F238E27FC236}">
+                <a16:creationId xmlns:a16="http://schemas.microsoft.com/office/drawing/2014/main" id="{5D283DDB-5E70-BE28-3EED-6919897DDC78}"/>
+              </a:ext>
+            </a:extLst>
+          </p:cNvPr>
+          <p:cNvSpPr>
+            <a:spLocks noGrp="1"/>
+          </p:cNvSpPr>
+          <p:nvPr>
+            <p:ph type="title"/>
+          </p:nvPr>
+        </p:nvSpPr>
+        <p:spPr/>
+        <p:txBody>
+          <a:bodyPr/>
+          <a:lstStyle/>
+          <a:p>
+            <a:r>
+              <a:rPr lang="en-US" dirty="0"/>
+              <a:t>DEMO</a:t>
+            </a:r>
+          </a:p>
+        </p:txBody>
+      </p:sp>
+      <p:sp>
+        <p:nvSpPr>
+          <p:cNvPr id="3" name="Content Placeholder 2">
+            <a:extLst>
+              <a:ext uri="{FF2B5EF4-FFF2-40B4-BE49-F238E27FC236}">
+                <a16:creationId xmlns:a16="http://schemas.microsoft.com/office/drawing/2014/main" id="{62AD2CCB-A577-86B2-F813-24213EB4A9C6}"/>
+              </a:ext>
+            </a:extLst>
+          </p:cNvPr>
+          <p:cNvSpPr>
+            <a:spLocks noGrp="1"/>
+          </p:cNvSpPr>
+          <p:nvPr>
+            <p:ph idx="1"/>
+          </p:nvPr>
+        </p:nvSpPr>
+        <p:spPr/>
+        <p:txBody>
+          <a:bodyPr/>
+          <a:lstStyle/>
+          <a:p>
+            <a:r>
+              <a:rPr lang="en-US" dirty="0"/>
+              <a:t>Back Plane</a:t>
+            </a:r>
+          </a:p>
+          <a:p>
+            <a:r>
+              <a:rPr lang="en-US" sz="1800" dirty="0">
+                <a:solidFill>
+                  <a:srgbClr val="000000"/>
+                </a:solidFill>
+                <a:latin typeface="Cascadia Mono" panose="020B0609020000020004" pitchFamily="49" charset="0"/>
+              </a:rPr>
+              <a:t>set-cache-entry-raw on W1</a:t>
+            </a:r>
+          </a:p>
+          <a:p>
+            <a:r>
+              <a:rPr lang="en-US" sz="1800" dirty="0">
+                <a:solidFill>
+                  <a:srgbClr val="000000"/>
+                </a:solidFill>
+                <a:latin typeface="Cascadia Mono" panose="020B0609020000020004" pitchFamily="49" charset="0"/>
+              </a:rPr>
+              <a:t>get-cache-entry-raw on W2, N1, N2</a:t>
+            </a:r>
+            <a:endParaRPr lang="en-US" dirty="0"/>
+          </a:p>
+        </p:txBody>
+      </p:sp>
+    </p:spTree>
+    <p:extLst>
+      <p:ext uri="{BB962C8B-B14F-4D97-AF65-F5344CB8AC3E}">
+        <p14:creationId xmlns:p14="http://schemas.microsoft.com/office/powerpoint/2010/main" val="1685287679"/>
+      </p:ext>
+    </p:extLst>
+  </p:cSld>
+  <p:clrMapOvr>
+    <a:masterClrMapping/>
+  </p:clrMapOvr>
+</p:sld>
+</file>
+
+<file path=ppt/slides/slide39.xml><?xml version="1.0" encoding="utf-8"?>
+<p:sld xmlns:a="http://schemas.openxmlformats.org/drawingml/2006/main" xmlns:r="http://schemas.openxmlformats.org/officeDocument/2006/relationships" xmlns:p="http://schemas.openxmlformats.org/presentationml/2006/main">
+  <p:cSld>
+    <p:spTree>
+      <p:nvGrpSpPr>
+        <p:cNvPr id="1" name=""/>
+        <p:cNvGrpSpPr/>
+        <p:nvPr/>
+      </p:nvGrpSpPr>
+      <p:grpSpPr>
+        <a:xfrm>
+          <a:off x="0" y="0"/>
+          <a:ext cx="0" cy="0"/>
+          <a:chOff x="0" y="0"/>
+          <a:chExt cx="0" cy="0"/>
+        </a:xfrm>
+      </p:grpSpPr>
+      <p:sp>
+        <p:nvSpPr>
+          <p:cNvPr id="2" name="Title 1">
+            <a:extLst>
+              <a:ext uri="{FF2B5EF4-FFF2-40B4-BE49-F238E27FC236}">
+                <a16:creationId xmlns:a16="http://schemas.microsoft.com/office/drawing/2014/main" id="{EC092A71-730F-F3AE-7867-EEEC30C6A1EA}"/>
+              </a:ext>
+            </a:extLst>
+          </p:cNvPr>
+          <p:cNvSpPr>
+            <a:spLocks noGrp="1"/>
+          </p:cNvSpPr>
+          <p:nvPr>
+            <p:ph type="title"/>
+          </p:nvPr>
+        </p:nvSpPr>
+        <p:spPr/>
+        <p:txBody>
+          <a:bodyPr/>
+          <a:lstStyle/>
+          <a:p>
+            <a:r>
+              <a:rPr lang="en-US" dirty="0"/>
+              <a:t>Auto-Recovery</a:t>
+            </a:r>
+          </a:p>
+        </p:txBody>
+      </p:sp>
+      <p:sp>
+        <p:nvSpPr>
+          <p:cNvPr id="3" name="Content Placeholder 2">
+            <a:extLst>
+              <a:ext uri="{FF2B5EF4-FFF2-40B4-BE49-F238E27FC236}">
+                <a16:creationId xmlns:a16="http://schemas.microsoft.com/office/drawing/2014/main" id="{650A57A1-E4E0-E432-AE92-5EBDF89BE27C}"/>
+              </a:ext>
+            </a:extLst>
+          </p:cNvPr>
+          <p:cNvSpPr>
+            <a:spLocks noGrp="1"/>
+          </p:cNvSpPr>
+          <p:nvPr>
+            <p:ph idx="1"/>
+          </p:nvPr>
+        </p:nvSpPr>
+        <p:spPr/>
+        <p:txBody>
+          <a:bodyPr/>
+          <a:lstStyle/>
+          <a:p>
+            <a:r>
+              <a:rPr lang="en-US" b="0" i="0" dirty="0">
+                <a:solidFill>
+                  <a:srgbClr val="1F2328"/>
+                </a:solidFill>
+                <a:effectLst/>
+                <a:highlight>
+                  <a:srgbClr val="FFFFFF"/>
+                </a:highlight>
+                <a:latin typeface="-apple-system"/>
+              </a:rPr>
+              <a:t>Transient failures when connecting to the distributed cache or the backplane are managed using an internal auto-recovery queue</a:t>
+            </a:r>
+          </a:p>
+          <a:p>
+            <a:r>
+              <a:rPr lang="en-US" b="0" i="0" dirty="0">
+                <a:solidFill>
+                  <a:srgbClr val="1F2328"/>
+                </a:solidFill>
+                <a:effectLst/>
+                <a:highlight>
+                  <a:srgbClr val="FFFFFF"/>
+                </a:highlight>
+                <a:latin typeface="-apple-system"/>
+              </a:rPr>
+              <a:t>From the docs: </a:t>
+            </a:r>
+            <a:r>
+              <a:rPr lang="en-US" b="0" i="1" dirty="0">
+                <a:solidFill>
+                  <a:srgbClr val="1F2328"/>
+                </a:solidFill>
+                <a:effectLst/>
+                <a:highlight>
+                  <a:srgbClr val="FFFFFF"/>
+                </a:highlight>
+                <a:latin typeface="-apple-system"/>
+              </a:rPr>
+              <a:t>where items are put when something bad happened during the distributed side of things: the queue is then actively processed, periodically, to ensure that as soon as possible everything will be taken care of.</a:t>
+            </a:r>
+            <a:endParaRPr lang="en-US" i="1" dirty="0"/>
+          </a:p>
+        </p:txBody>
+      </p:sp>
+    </p:spTree>
+    <p:extLst>
+      <p:ext uri="{BB962C8B-B14F-4D97-AF65-F5344CB8AC3E}">
+        <p14:creationId xmlns:p14="http://schemas.microsoft.com/office/powerpoint/2010/main" val="3548171533"/>
+      </p:ext>
+    </p:extLst>
+  </p:cSld>
+  <p:clrMapOvr>
+    <a:masterClrMapping/>
+  </p:clrMapOvr>
+</p:sld>
+</file>
+
+<file path=ppt/slides/slide4.xml><?xml version="1.0" encoding="utf-8"?>
+<p:sld xmlns:a="http://schemas.openxmlformats.org/drawingml/2006/main" xmlns:r="http://schemas.openxmlformats.org/officeDocument/2006/relationships" xmlns:p="http://schemas.openxmlformats.org/presentationml/2006/main">
+  <p:cSld>
+    <p:spTree>
+      <p:nvGrpSpPr>
+        <p:cNvPr id="1" name=""/>
+        <p:cNvGrpSpPr/>
+        <p:nvPr/>
+      </p:nvGrpSpPr>
+      <p:grpSpPr>
+        <a:xfrm>
+          <a:off x="0" y="0"/>
+          <a:ext cx="0" cy="0"/>
+          <a:chOff x="0" y="0"/>
+          <a:chExt cx="0" cy="0"/>
+        </a:xfrm>
+      </p:grpSpPr>
+      <p:sp>
+        <p:nvSpPr>
+          <p:cNvPr id="2" name="Title 1">
+            <a:extLst>
+              <a:ext uri="{FF2B5EF4-FFF2-40B4-BE49-F238E27FC236}">
+                <a16:creationId xmlns:a16="http://schemas.microsoft.com/office/drawing/2014/main" id="{A4BA67A7-FA88-E0DD-06BB-C271A2F446F0}"/>
+              </a:ext>
+            </a:extLst>
+          </p:cNvPr>
+          <p:cNvSpPr>
+            <a:spLocks noGrp="1"/>
+          </p:cNvSpPr>
+          <p:nvPr>
+            <p:ph type="title"/>
+          </p:nvPr>
+        </p:nvSpPr>
+        <p:spPr/>
+        <p:txBody>
+          <a:bodyPr/>
+          <a:lstStyle/>
+          <a:p>
+            <a:r>
+              <a:rPr lang="en-US" dirty="0"/>
+              <a:t>Caching pseudo-code</a:t>
+            </a:r>
+          </a:p>
+        </p:txBody>
+      </p:sp>
+      <p:sp>
+        <p:nvSpPr>
+          <p:cNvPr id="4" name="TextBox 3">
+            <a:extLst>
+              <a:ext uri="{FF2B5EF4-FFF2-40B4-BE49-F238E27FC236}">
+                <a16:creationId xmlns:a16="http://schemas.microsoft.com/office/drawing/2014/main" id="{EC4EF648-7D65-444D-4038-3D04214CA008}"/>
+              </a:ext>
+            </a:extLst>
+          </p:cNvPr>
+          <p:cNvSpPr txBox="1"/>
+          <p:nvPr/>
+        </p:nvSpPr>
+        <p:spPr>
+          <a:xfrm>
+            <a:off x="1011021" y="2111247"/>
+            <a:ext cx="8937062" cy="3139321"/>
+          </a:xfrm>
+          <a:prstGeom prst="rect">
+            <a:avLst/>
+          </a:prstGeom>
+          <a:noFill/>
+        </p:spPr>
+        <p:txBody>
+          <a:bodyPr wrap="none" rtlCol="0">
+            <a:spAutoFit/>
+          </a:bodyPr>
+          <a:lstStyle/>
+          <a:p>
+            <a:r>
+              <a:rPr lang="en-US" sz="1800" dirty="0">
+                <a:solidFill>
+                  <a:srgbClr val="000000"/>
+                </a:solidFill>
+                <a:latin typeface="Cascadia Mono" panose="020B0609020000020004" pitchFamily="49" charset="0"/>
+              </a:rPr>
+              <a:t>public void </a:t>
+            </a:r>
+            <a:r>
+              <a:rPr lang="en-US" sz="1800" dirty="0" err="1">
+                <a:solidFill>
+                  <a:srgbClr val="000000"/>
+                </a:solidFill>
+                <a:latin typeface="Cascadia Mono" panose="020B0609020000020004" pitchFamily="49" charset="0"/>
+              </a:rPr>
+              <a:t>PlaceOrder</a:t>
+            </a:r>
+            <a:r>
+              <a:rPr lang="en-US" sz="1800" dirty="0">
+                <a:solidFill>
+                  <a:srgbClr val="000000"/>
+                </a:solidFill>
+                <a:latin typeface="Cascadia Mono" panose="020B0609020000020004" pitchFamily="49" charset="0"/>
+              </a:rPr>
+              <a:t>(Order </a:t>
+            </a:r>
+            <a:r>
+              <a:rPr lang="en-US" sz="1800" dirty="0" err="1">
+                <a:solidFill>
+                  <a:srgbClr val="000000"/>
+                </a:solidFill>
+                <a:latin typeface="Cascadia Mono" panose="020B0609020000020004" pitchFamily="49" charset="0"/>
+              </a:rPr>
+              <a:t>order</a:t>
+            </a:r>
+            <a:r>
+              <a:rPr lang="en-US" sz="1800" dirty="0">
+                <a:solidFill>
+                  <a:srgbClr val="000000"/>
+                </a:solidFill>
+                <a:latin typeface="Cascadia Mono" panose="020B0609020000020004" pitchFamily="49" charset="0"/>
+              </a:rPr>
+              <a:t>, string </a:t>
+            </a:r>
+            <a:r>
+              <a:rPr lang="en-US" sz="1800" dirty="0" err="1">
+                <a:solidFill>
+                  <a:srgbClr val="000000"/>
+                </a:solidFill>
+                <a:latin typeface="Cascadia Mono" panose="020B0609020000020004" pitchFamily="49" charset="0"/>
+              </a:rPr>
+              <a:t>userName</a:t>
+            </a:r>
+            <a:r>
+              <a:rPr lang="en-US" sz="1800" dirty="0">
+                <a:solidFill>
+                  <a:srgbClr val="000000"/>
+                </a:solidFill>
+                <a:latin typeface="Cascadia Mono" panose="020B0609020000020004" pitchFamily="49" charset="0"/>
+              </a:rPr>
+              <a:t>) {</a:t>
+            </a:r>
+          </a:p>
+          <a:p>
+            <a:r>
+              <a:rPr lang="en-US" sz="1800" dirty="0">
+                <a:solidFill>
+                  <a:srgbClr val="000000"/>
+                </a:solidFill>
+                <a:latin typeface="Cascadia Mono" panose="020B0609020000020004" pitchFamily="49" charset="0"/>
+              </a:rPr>
+              <a:t>    var </a:t>
+            </a:r>
+            <a:r>
+              <a:rPr lang="en-US" sz="1800" dirty="0" err="1">
+                <a:solidFill>
+                  <a:srgbClr val="000000"/>
+                </a:solidFill>
+                <a:latin typeface="Cascadia Mono" panose="020B0609020000020004" pitchFamily="49" charset="0"/>
+              </a:rPr>
+              <a:t>userInfo</a:t>
+            </a:r>
+            <a:r>
+              <a:rPr lang="en-US" sz="1800" dirty="0">
+                <a:solidFill>
+                  <a:srgbClr val="000000"/>
+                </a:solidFill>
+                <a:latin typeface="Cascadia Mono" panose="020B0609020000020004" pitchFamily="49" charset="0"/>
+              </a:rPr>
+              <a:t> = </a:t>
+            </a:r>
+            <a:r>
+              <a:rPr lang="en-US" sz="1800" dirty="0">
+                <a:solidFill>
+                  <a:srgbClr val="000000"/>
+                </a:solidFill>
+                <a:highlight>
+                  <a:srgbClr val="FFFF00"/>
+                </a:highlight>
+                <a:latin typeface="Cascadia Mono" panose="020B0609020000020004" pitchFamily="49" charset="0"/>
+              </a:rPr>
+              <a:t>_</a:t>
+            </a:r>
+            <a:r>
+              <a:rPr lang="en-US" sz="1800" dirty="0" err="1">
+                <a:solidFill>
+                  <a:srgbClr val="000000"/>
+                </a:solidFill>
+                <a:highlight>
+                  <a:srgbClr val="FFFF00"/>
+                </a:highlight>
+                <a:latin typeface="Cascadia Mono" panose="020B0609020000020004" pitchFamily="49" charset="0"/>
+              </a:rPr>
+              <a:t>myCache.Get</a:t>
+            </a:r>
+            <a:r>
+              <a:rPr lang="en-US" sz="1800" dirty="0">
+                <a:solidFill>
+                  <a:srgbClr val="000000"/>
+                </a:solidFill>
+                <a:highlight>
+                  <a:srgbClr val="FFFF00"/>
+                </a:highlight>
+                <a:latin typeface="Cascadia Mono" panose="020B0609020000020004" pitchFamily="49" charset="0"/>
+              </a:rPr>
+              <a:t>&lt;</a:t>
+            </a:r>
+            <a:r>
+              <a:rPr lang="en-US" sz="1800" dirty="0" err="1">
+                <a:solidFill>
+                  <a:srgbClr val="000000"/>
+                </a:solidFill>
+                <a:highlight>
+                  <a:srgbClr val="FFFF00"/>
+                </a:highlight>
+                <a:latin typeface="Cascadia Mono" panose="020B0609020000020004" pitchFamily="49" charset="0"/>
+              </a:rPr>
+              <a:t>UserInfo</a:t>
+            </a:r>
+            <a:r>
+              <a:rPr lang="en-US" sz="1800" dirty="0">
+                <a:solidFill>
+                  <a:srgbClr val="000000"/>
+                </a:solidFill>
+                <a:highlight>
+                  <a:srgbClr val="FFFF00"/>
+                </a:highlight>
+                <a:latin typeface="Cascadia Mono" panose="020B0609020000020004" pitchFamily="49" charset="0"/>
+              </a:rPr>
+              <a:t>&gt;($"</a:t>
+            </a:r>
+            <a:r>
+              <a:rPr lang="en-US" sz="1800" dirty="0" err="1">
+                <a:solidFill>
+                  <a:srgbClr val="000000"/>
+                </a:solidFill>
+                <a:highlight>
+                  <a:srgbClr val="FFFF00"/>
+                </a:highlight>
+                <a:latin typeface="Cascadia Mono" panose="020B0609020000020004" pitchFamily="49" charset="0"/>
+              </a:rPr>
+              <a:t>userInfo</a:t>
+            </a:r>
+            <a:r>
+              <a:rPr lang="en-US" sz="1800" dirty="0">
+                <a:solidFill>
+                  <a:srgbClr val="000000"/>
+                </a:solidFill>
+                <a:highlight>
+                  <a:srgbClr val="FFFF00"/>
+                </a:highlight>
+                <a:latin typeface="Cascadia Mono" panose="020B0609020000020004" pitchFamily="49" charset="0"/>
+              </a:rPr>
+              <a:t>{</a:t>
+            </a:r>
+            <a:r>
+              <a:rPr lang="en-US" sz="1800" dirty="0" err="1">
+                <a:solidFill>
+                  <a:srgbClr val="000000"/>
+                </a:solidFill>
+                <a:highlight>
+                  <a:srgbClr val="FFFF00"/>
+                </a:highlight>
+                <a:latin typeface="Cascadia Mono" panose="020B0609020000020004" pitchFamily="49" charset="0"/>
+              </a:rPr>
+              <a:t>userName</a:t>
+            </a:r>
+            <a:r>
+              <a:rPr lang="en-US" sz="1800" dirty="0">
+                <a:solidFill>
+                  <a:srgbClr val="000000"/>
+                </a:solidFill>
+                <a:highlight>
+                  <a:srgbClr val="FFFF00"/>
+                </a:highlight>
+                <a:latin typeface="Cascadia Mono" panose="020B0609020000020004" pitchFamily="49" charset="0"/>
+              </a:rPr>
+              <a:t>}");</a:t>
+            </a:r>
+          </a:p>
+          <a:p>
+            <a:r>
+              <a:rPr lang="en-US" sz="1800" dirty="0">
+                <a:solidFill>
+                  <a:srgbClr val="000000"/>
+                </a:solidFill>
+                <a:latin typeface="Cascadia Mono" panose="020B0609020000020004" pitchFamily="49" charset="0"/>
+              </a:rPr>
+              <a:t>    if (</a:t>
+            </a:r>
+            <a:r>
+              <a:rPr lang="en-US" sz="1800" dirty="0" err="1">
+                <a:solidFill>
+                  <a:srgbClr val="000000"/>
+                </a:solidFill>
+                <a:latin typeface="Cascadia Mono" panose="020B0609020000020004" pitchFamily="49" charset="0"/>
+              </a:rPr>
+              <a:t>userInfo</a:t>
+            </a:r>
+            <a:r>
+              <a:rPr lang="en-US" sz="1800" dirty="0">
+                <a:solidFill>
+                  <a:srgbClr val="000000"/>
+                </a:solidFill>
+                <a:latin typeface="Cascadia Mono" panose="020B0609020000020004" pitchFamily="49" charset="0"/>
+              </a:rPr>
+              <a:t> == null)  {</a:t>
+            </a:r>
+          </a:p>
+          <a:p>
+            <a:r>
+              <a:rPr lang="en-US" sz="1800" dirty="0">
+                <a:solidFill>
+                  <a:srgbClr val="000000"/>
+                </a:solidFill>
+                <a:latin typeface="Cascadia Mono" panose="020B0609020000020004" pitchFamily="49" charset="0"/>
+              </a:rPr>
+              <a:t>        var </a:t>
+            </a:r>
+            <a:r>
+              <a:rPr lang="en-US" sz="1800" dirty="0" err="1">
+                <a:solidFill>
+                  <a:srgbClr val="000000"/>
+                </a:solidFill>
+                <a:latin typeface="Cascadia Mono" panose="020B0609020000020004" pitchFamily="49" charset="0"/>
+              </a:rPr>
+              <a:t>userInfo</a:t>
+            </a:r>
+            <a:r>
+              <a:rPr lang="en-US" sz="1800" dirty="0">
+                <a:solidFill>
+                  <a:srgbClr val="000000"/>
+                </a:solidFill>
+                <a:latin typeface="Cascadia Mono" panose="020B0609020000020004" pitchFamily="49" charset="0"/>
+              </a:rPr>
+              <a:t> = _</a:t>
+            </a:r>
+            <a:r>
+              <a:rPr lang="en-US" sz="1800" dirty="0" err="1">
+                <a:solidFill>
+                  <a:srgbClr val="000000"/>
+                </a:solidFill>
+                <a:latin typeface="Cascadia Mono" panose="020B0609020000020004" pitchFamily="49" charset="0"/>
+              </a:rPr>
+              <a:t>userRepository.GetUserInfo</a:t>
+            </a:r>
+            <a:r>
+              <a:rPr lang="en-US" sz="1800" dirty="0">
+                <a:solidFill>
+                  <a:srgbClr val="000000"/>
+                </a:solidFill>
+                <a:latin typeface="Cascadia Mono" panose="020B0609020000020004" pitchFamily="49" charset="0"/>
+              </a:rPr>
+              <a:t>(</a:t>
+            </a:r>
+            <a:r>
+              <a:rPr lang="en-US" sz="1800" dirty="0" err="1">
+                <a:solidFill>
+                  <a:srgbClr val="000000"/>
+                </a:solidFill>
+                <a:latin typeface="Cascadia Mono" panose="020B0609020000020004" pitchFamily="49" charset="0"/>
+              </a:rPr>
+              <a:t>userName</a:t>
+            </a:r>
+            <a:r>
+              <a:rPr lang="en-US" sz="1800" dirty="0">
+                <a:solidFill>
+                  <a:srgbClr val="000000"/>
+                </a:solidFill>
+                <a:latin typeface="Cascadia Mono" panose="020B0609020000020004" pitchFamily="49" charset="0"/>
+              </a:rPr>
+              <a:t>);</a:t>
+            </a:r>
+          </a:p>
+          <a:p>
+            <a:r>
+              <a:rPr lang="en-US" sz="1800" dirty="0">
+                <a:solidFill>
+                  <a:srgbClr val="000000"/>
+                </a:solidFill>
+                <a:latin typeface="Cascadia Mono" panose="020B0609020000020004" pitchFamily="49" charset="0"/>
+              </a:rPr>
+              <a:t>        </a:t>
+            </a:r>
+            <a:r>
+              <a:rPr lang="en-US" sz="1800" dirty="0">
+                <a:solidFill>
+                  <a:srgbClr val="000000"/>
+                </a:solidFill>
+                <a:highlight>
+                  <a:srgbClr val="FFFF00"/>
+                </a:highlight>
+                <a:latin typeface="Cascadia Mono" panose="020B0609020000020004" pitchFamily="49" charset="0"/>
+              </a:rPr>
+              <a:t>_</a:t>
+            </a:r>
+            <a:r>
+              <a:rPr lang="en-US" sz="1800" dirty="0" err="1">
+                <a:solidFill>
+                  <a:srgbClr val="000000"/>
+                </a:solidFill>
+                <a:highlight>
+                  <a:srgbClr val="FFFF00"/>
+                </a:highlight>
+                <a:latin typeface="Cascadia Mono" panose="020B0609020000020004" pitchFamily="49" charset="0"/>
+              </a:rPr>
+              <a:t>myCache.Add</a:t>
+            </a:r>
+            <a:r>
+              <a:rPr lang="en-US" sz="1800" dirty="0">
+                <a:solidFill>
+                  <a:srgbClr val="000000"/>
+                </a:solidFill>
+                <a:highlight>
+                  <a:srgbClr val="FFFF00"/>
+                </a:highlight>
+                <a:latin typeface="Cascadia Mono" panose="020B0609020000020004" pitchFamily="49" charset="0"/>
+              </a:rPr>
+              <a:t>($"</a:t>
+            </a:r>
+            <a:r>
+              <a:rPr lang="en-US" sz="1800" dirty="0" err="1">
+                <a:solidFill>
+                  <a:srgbClr val="000000"/>
+                </a:solidFill>
+                <a:highlight>
+                  <a:srgbClr val="FFFF00"/>
+                </a:highlight>
+                <a:latin typeface="Cascadia Mono" panose="020B0609020000020004" pitchFamily="49" charset="0"/>
+              </a:rPr>
+              <a:t>userInfo</a:t>
+            </a:r>
+            <a:r>
+              <a:rPr lang="en-US" sz="1800" dirty="0">
+                <a:solidFill>
+                  <a:srgbClr val="000000"/>
+                </a:solidFill>
+                <a:highlight>
+                  <a:srgbClr val="FFFF00"/>
+                </a:highlight>
+                <a:latin typeface="Cascadia Mono" panose="020B0609020000020004" pitchFamily="49" charset="0"/>
+              </a:rPr>
+              <a:t>{</a:t>
+            </a:r>
+            <a:r>
+              <a:rPr lang="en-US" sz="1800" dirty="0" err="1">
+                <a:solidFill>
+                  <a:srgbClr val="000000"/>
+                </a:solidFill>
+                <a:highlight>
+                  <a:srgbClr val="FFFF00"/>
+                </a:highlight>
+                <a:latin typeface="Cascadia Mono" panose="020B0609020000020004" pitchFamily="49" charset="0"/>
+              </a:rPr>
+              <a:t>userName</a:t>
+            </a:r>
+            <a:r>
+              <a:rPr lang="en-US" sz="1800">
+                <a:solidFill>
+                  <a:srgbClr val="000000"/>
+                </a:solidFill>
+                <a:highlight>
+                  <a:srgbClr val="FFFF00"/>
+                </a:highlight>
+                <a:latin typeface="Cascadia Mono" panose="020B0609020000020004" pitchFamily="49" charset="0"/>
+              </a:rPr>
+              <a:t>}", </a:t>
+            </a:r>
+            <a:r>
+              <a:rPr lang="en-US" sz="1800" dirty="0" err="1">
+                <a:solidFill>
+                  <a:srgbClr val="000000"/>
+                </a:solidFill>
+                <a:highlight>
+                  <a:srgbClr val="FFFF00"/>
+                </a:highlight>
+                <a:latin typeface="Cascadia Mono" panose="020B0609020000020004" pitchFamily="49" charset="0"/>
+              </a:rPr>
+              <a:t>userInfo</a:t>
+            </a:r>
+            <a:r>
+              <a:rPr lang="en-US" sz="1800" dirty="0">
+                <a:solidFill>
+                  <a:srgbClr val="000000"/>
+                </a:solidFill>
+                <a:highlight>
+                  <a:srgbClr val="FFFF00"/>
+                </a:highlight>
+                <a:latin typeface="Cascadia Mono" panose="020B0609020000020004" pitchFamily="49" charset="0"/>
+              </a:rPr>
+              <a:t>);</a:t>
+            </a:r>
+          </a:p>
+          <a:p>
+            <a:r>
+              <a:rPr lang="en-US" sz="1800" dirty="0">
+                <a:solidFill>
+                  <a:srgbClr val="000000"/>
+                </a:solidFill>
+                <a:latin typeface="Cascadia Mono" panose="020B0609020000020004" pitchFamily="49" charset="0"/>
+              </a:rPr>
+              <a:t>    }</a:t>
+            </a:r>
+          </a:p>
+          <a:p>
+            <a:r>
+              <a:rPr lang="en-US" sz="1800" dirty="0">
+                <a:solidFill>
+                  <a:srgbClr val="000000"/>
+                </a:solidFill>
+                <a:latin typeface="Cascadia Mono" panose="020B0609020000020004" pitchFamily="49" charset="0"/>
+              </a:rPr>
+              <a:t>    if(!</a:t>
+            </a:r>
+            <a:r>
+              <a:rPr lang="en-US" sz="1800" dirty="0" err="1">
+                <a:solidFill>
+                  <a:srgbClr val="000000"/>
+                </a:solidFill>
+                <a:latin typeface="Cascadia Mono" panose="020B0609020000020004" pitchFamily="49" charset="0"/>
+              </a:rPr>
+              <a:t>userInfo.CanPlaceOrder</a:t>
+            </a:r>
+            <a:r>
+              <a:rPr lang="en-US" sz="1800" dirty="0">
+                <a:solidFill>
+                  <a:srgbClr val="000000"/>
+                </a:solidFill>
+                <a:latin typeface="Cascadia Mono" panose="020B0609020000020004" pitchFamily="49" charset="0"/>
+              </a:rPr>
+              <a:t>()) {</a:t>
+            </a:r>
+          </a:p>
+          <a:p>
+            <a:r>
+              <a:rPr lang="en-US" sz="1800" dirty="0">
+                <a:solidFill>
+                  <a:srgbClr val="000000"/>
+                </a:solidFill>
+                <a:latin typeface="Cascadia Mono" panose="020B0609020000020004" pitchFamily="49" charset="0"/>
+              </a:rPr>
+              <a:t>        throw new Exception(..</a:t>
+            </a:r>
+          </a:p>
+          <a:p>
+            <a:r>
+              <a:rPr lang="en-US" sz="1800" dirty="0">
+                <a:solidFill>
+                  <a:srgbClr val="000000"/>
+                </a:solidFill>
+                <a:latin typeface="Cascadia Mono" panose="020B0609020000020004" pitchFamily="49" charset="0"/>
+              </a:rPr>
+              <a:t>    }</a:t>
+            </a:r>
+          </a:p>
+          <a:p>
+            <a:r>
+              <a:rPr lang="en-US" sz="1800" dirty="0">
+                <a:solidFill>
+                  <a:srgbClr val="000000"/>
+                </a:solidFill>
+                <a:latin typeface="Cascadia Mono" panose="020B0609020000020004" pitchFamily="49" charset="0"/>
+              </a:rPr>
+              <a:t>    // proceed with order </a:t>
+            </a:r>
+          </a:p>
+          <a:p>
+            <a:r>
+              <a:rPr lang="en-US" sz="1800" dirty="0">
+                <a:solidFill>
+                  <a:srgbClr val="000000"/>
+                </a:solidFill>
+                <a:latin typeface="Cascadia Mono" panose="020B0609020000020004" pitchFamily="49" charset="0"/>
+              </a:rPr>
+              <a:t>}</a:t>
+            </a:r>
+            <a:endParaRPr lang="en-US" dirty="0"/>
+          </a:p>
+        </p:txBody>
+      </p:sp>
+    </p:spTree>
+    <p:extLst>
+      <p:ext uri="{BB962C8B-B14F-4D97-AF65-F5344CB8AC3E}">
+        <p14:creationId xmlns:p14="http://schemas.microsoft.com/office/powerpoint/2010/main" val="203938663"/>
+      </p:ext>
+    </p:extLst>
+  </p:cSld>
+  <p:clrMapOvr>
+    <a:masterClrMapping/>
+  </p:clrMapOvr>
+</p:sld>
+</file>
+
+<file path=ppt/slides/slide40.xml><?xml version="1.0" encoding="utf-8"?>
+<p:sld xmlns:a="http://schemas.openxmlformats.org/drawingml/2006/main" xmlns:r="http://schemas.openxmlformats.org/officeDocument/2006/relationships" xmlns:p="http://schemas.openxmlformats.org/presentationml/2006/main">
+  <p:cSld>
+    <p:spTree>
+      <p:nvGrpSpPr>
+        <p:cNvPr id="1" name=""/>
+        <p:cNvGrpSpPr/>
+        <p:nvPr/>
+      </p:nvGrpSpPr>
+      <p:grpSpPr>
+        <a:xfrm>
+          <a:off x="0" y="0"/>
+          <a:ext cx="0" cy="0"/>
+          <a:chOff x="0" y="0"/>
+          <a:chExt cx="0" cy="0"/>
+        </a:xfrm>
+      </p:grpSpPr>
+      <p:sp>
+        <p:nvSpPr>
+          <p:cNvPr id="2" name="Title 1">
+            <a:extLst>
+              <a:ext uri="{FF2B5EF4-FFF2-40B4-BE49-F238E27FC236}">
+                <a16:creationId xmlns:a16="http://schemas.microsoft.com/office/drawing/2014/main" id="{DEC2DADE-FA92-A304-D559-D197F850CC0B}"/>
+              </a:ext>
+            </a:extLst>
+          </p:cNvPr>
+          <p:cNvSpPr>
+            <a:spLocks noGrp="1"/>
+          </p:cNvSpPr>
+          <p:nvPr>
+            <p:ph type="title"/>
+          </p:nvPr>
+        </p:nvSpPr>
+        <p:spPr/>
+        <p:txBody>
+          <a:bodyPr/>
+          <a:lstStyle/>
+          <a:p>
+            <a:r>
+              <a:rPr lang="en-US" dirty="0"/>
+              <a:t>Plugins</a:t>
+            </a:r>
+          </a:p>
+        </p:txBody>
+      </p:sp>
+      <p:sp>
+        <p:nvSpPr>
+          <p:cNvPr id="3" name="Content Placeholder 2">
+            <a:extLst>
+              <a:ext uri="{FF2B5EF4-FFF2-40B4-BE49-F238E27FC236}">
+                <a16:creationId xmlns:a16="http://schemas.microsoft.com/office/drawing/2014/main" id="{E06809C9-DCCC-61BB-9AED-AAEF6DBE8B71}"/>
+              </a:ext>
+            </a:extLst>
+          </p:cNvPr>
+          <p:cNvSpPr>
+            <a:spLocks noGrp="1"/>
+          </p:cNvSpPr>
+          <p:nvPr>
+            <p:ph idx="1"/>
+          </p:nvPr>
+        </p:nvSpPr>
+        <p:spPr>
+          <a:xfrm>
+            <a:off x="838200" y="1407381"/>
+            <a:ext cx="10515600" cy="4769582"/>
+          </a:xfrm>
+        </p:spPr>
+        <p:txBody>
+          <a:bodyPr>
+            <a:normAutofit lnSpcReduction="10000"/>
+          </a:bodyPr>
+          <a:lstStyle/>
+          <a:p>
+            <a:endParaRPr lang="en-US" dirty="0">
+              <a:solidFill>
+                <a:srgbClr val="FF0000"/>
+              </a:solidFill>
+            </a:endParaRPr>
+          </a:p>
+          <a:p>
+            <a:r>
+              <a:rPr lang="en-US" sz="3000" dirty="0"/>
+              <a:t>Listen to events</a:t>
+            </a:r>
+          </a:p>
+          <a:p>
+            <a:pPr lvl="1"/>
+            <a:r>
+              <a:rPr lang="en-US" sz="2600" dirty="0"/>
+              <a:t>Hit: when a value was in the cache (there's also a flag to indicate if the data was stale or not)</a:t>
+            </a:r>
+          </a:p>
+          <a:p>
+            <a:pPr lvl="1"/>
+            <a:r>
+              <a:rPr lang="en-US" sz="2600" dirty="0"/>
+              <a:t>Miss: when a value was not in the cache</a:t>
+            </a:r>
+          </a:p>
+          <a:p>
+            <a:pPr lvl="1"/>
+            <a:r>
+              <a:rPr lang="en-US" sz="2600" dirty="0"/>
+              <a:t>Remove: when an entry has been removed</a:t>
+            </a:r>
+          </a:p>
+          <a:p>
+            <a:pPr lvl="1"/>
+            <a:r>
+              <a:rPr lang="en-US" sz="2600" dirty="0"/>
+              <a:t>Eviction: when an eviction occurred, along with the reason (only for the memory level)</a:t>
+            </a:r>
+          </a:p>
+          <a:p>
+            <a:pPr lvl="1"/>
+            <a:r>
+              <a:rPr lang="en-US" sz="2600" dirty="0" err="1"/>
+              <a:t>FailSafeActivation</a:t>
+            </a:r>
+            <a:r>
+              <a:rPr lang="en-US" sz="2600" dirty="0"/>
+              <a:t>: when the fail-safe mechanism kicked in</a:t>
+            </a:r>
+          </a:p>
+          <a:p>
+            <a:endParaRPr lang="en-US" sz="3000" dirty="0"/>
+          </a:p>
+          <a:p>
+            <a:r>
+              <a:rPr lang="en-US" sz="3000" dirty="0"/>
+              <a:t>Run in background </a:t>
+            </a:r>
+          </a:p>
+        </p:txBody>
+      </p:sp>
+    </p:spTree>
+    <p:extLst>
+      <p:ext uri="{BB962C8B-B14F-4D97-AF65-F5344CB8AC3E}">
+        <p14:creationId xmlns:p14="http://schemas.microsoft.com/office/powerpoint/2010/main" val="3045623098"/>
+      </p:ext>
+    </p:extLst>
+  </p:cSld>
+  <p:clrMapOvr>
+    <a:masterClrMapping/>
+  </p:clrMapOvr>
+</p:sld>
+</file>
+
+<file path=ppt/slides/slide41.xml><?xml version="1.0" encoding="utf-8"?>
+<p:sld xmlns:a="http://schemas.openxmlformats.org/drawingml/2006/main" xmlns:r="http://schemas.openxmlformats.org/officeDocument/2006/relationships" xmlns:p="http://schemas.openxmlformats.org/presentationml/2006/main">
+  <p:cSld>
+    <p:spTree>
+      <p:nvGrpSpPr>
+        <p:cNvPr id="1" name=""/>
+        <p:cNvGrpSpPr/>
+        <p:nvPr/>
+      </p:nvGrpSpPr>
+      <p:grpSpPr>
+        <a:xfrm>
+          <a:off x="0" y="0"/>
+          <a:ext cx="0" cy="0"/>
+          <a:chOff x="0" y="0"/>
+          <a:chExt cx="0" cy="0"/>
+        </a:xfrm>
+      </p:grpSpPr>
+      <p:sp>
+        <p:nvSpPr>
           <p:cNvPr id="2" name="Titolo 1"/>
           <p:cNvSpPr>
             <a:spLocks noGrp="1"/>
@@ -11482,7 +12628,7 @@
 </p:sld>
 </file>
 
-<file path=ppt/slides/slide39.xml><?xml version="1.0" encoding="utf-8"?>
+<file path=ppt/slides/slide42.xml><?xml version="1.0" encoding="utf-8"?>
 <p:sld xmlns:a="http://schemas.openxmlformats.org/drawingml/2006/main" xmlns:r="http://schemas.openxmlformats.org/officeDocument/2006/relationships" xmlns:p="http://schemas.openxmlformats.org/presentationml/2006/main">
   <p:cSld>
     <p:spTree>
@@ -11618,7 +12764,7 @@
 </p:sld>
 </file>
 
-<file path=ppt/slides/slide4.xml><?xml version="1.0" encoding="utf-8"?>
+<file path=ppt/slides/slide43.xml><?xml version="1.0" encoding="utf-8"?>
 <p:sld xmlns:a="http://schemas.openxmlformats.org/drawingml/2006/main" xmlns:r="http://schemas.openxmlformats.org/officeDocument/2006/relationships" xmlns:p="http://schemas.openxmlformats.org/presentationml/2006/main">
   <p:cSld>
     <p:spTree>
@@ -11640,7 +12786,7 @@
           <p:cNvPr id="2" name="Title 1">
             <a:extLst>
               <a:ext uri="{FF2B5EF4-FFF2-40B4-BE49-F238E27FC236}">
-                <a16:creationId xmlns:a16="http://schemas.microsoft.com/office/drawing/2014/main" id="{A4BA67A7-FA88-E0DD-06BB-C271A2F446F0}"/>
+                <a16:creationId xmlns:a16="http://schemas.microsoft.com/office/drawing/2014/main" id="{B4870806-5C0C-A8CB-B2BD-978147EA190E}"/>
               </a:ext>
             </a:extLst>
           </p:cNvPr>
@@ -11662,537 +12808,53 @@
       </p:sp>
       <p:sp>
         <p:nvSpPr>
-          <p:cNvPr id="4" name="TextBox 3">
-            <a:extLst>
-              <a:ext uri="{FF2B5EF4-FFF2-40B4-BE49-F238E27FC236}">
-                <a16:creationId xmlns:a16="http://schemas.microsoft.com/office/drawing/2014/main" id="{EC4EF648-7D65-444D-4038-3D04214CA008}"/>
-              </a:ext>
-            </a:extLst>
-          </p:cNvPr>
-          <p:cNvSpPr txBox="1"/>
-          <p:nvPr/>
-        </p:nvSpPr>
-        <p:spPr>
-          <a:xfrm>
-            <a:off x="1011021" y="2111247"/>
-            <a:ext cx="8937062" cy="3139321"/>
-          </a:xfrm>
-          <a:prstGeom prst="rect">
-            <a:avLst/>
-          </a:prstGeom>
-          <a:noFill/>
-        </p:spPr>
-        <p:txBody>
-          <a:bodyPr wrap="none" rtlCol="0">
-            <a:spAutoFit/>
+          <p:cNvPr id="3" name="Content Placeholder 2">
+            <a:extLst>
+              <a:ext uri="{FF2B5EF4-FFF2-40B4-BE49-F238E27FC236}">
+                <a16:creationId xmlns:a16="http://schemas.microsoft.com/office/drawing/2014/main" id="{9645994E-31DA-6259-DD6D-FB37018A32DA}"/>
+              </a:ext>
+            </a:extLst>
+          </p:cNvPr>
+          <p:cNvSpPr>
+            <a:spLocks noGrp="1"/>
+          </p:cNvSpPr>
+          <p:nvPr>
+            <p:ph idx="1"/>
+          </p:nvPr>
+        </p:nvSpPr>
+        <p:spPr/>
+        <p:txBody>
+          <a:bodyPr>
+            <a:normAutofit/>
           </a:bodyPr>
           <a:lstStyle/>
           <a:p>
-            <a:r>
-              <a:rPr lang="en-US" sz="1800" dirty="0">
-                <a:solidFill>
-                  <a:srgbClr val="000000"/>
-                </a:solidFill>
-                <a:latin typeface="Cascadia Mono" panose="020B0609020000020004" pitchFamily="49" charset="0"/>
-              </a:rPr>
-              <a:t>public void </a:t>
-            </a:r>
-            <a:r>
-              <a:rPr lang="en-US" sz="1800" dirty="0" err="1">
-                <a:solidFill>
-                  <a:srgbClr val="000000"/>
-                </a:solidFill>
-                <a:latin typeface="Cascadia Mono" panose="020B0609020000020004" pitchFamily="49" charset="0"/>
-              </a:rPr>
-              <a:t>PlaceOrder</a:t>
-            </a:r>
-            <a:r>
-              <a:rPr lang="en-US" sz="1800" dirty="0">
-                <a:solidFill>
-                  <a:srgbClr val="000000"/>
-                </a:solidFill>
-                <a:latin typeface="Cascadia Mono" panose="020B0609020000020004" pitchFamily="49" charset="0"/>
-              </a:rPr>
-              <a:t>(Order </a:t>
-            </a:r>
-            <a:r>
-              <a:rPr lang="en-US" sz="1800" dirty="0" err="1">
-                <a:solidFill>
-                  <a:srgbClr val="000000"/>
-                </a:solidFill>
-                <a:latin typeface="Cascadia Mono" panose="020B0609020000020004" pitchFamily="49" charset="0"/>
-              </a:rPr>
-              <a:t>order</a:t>
-            </a:r>
-            <a:r>
-              <a:rPr lang="en-US" sz="1800" dirty="0">
-                <a:solidFill>
-                  <a:srgbClr val="000000"/>
-                </a:solidFill>
-                <a:latin typeface="Cascadia Mono" panose="020B0609020000020004" pitchFamily="49" charset="0"/>
-              </a:rPr>
-              <a:t>, string </a:t>
-            </a:r>
-            <a:r>
-              <a:rPr lang="en-US" sz="1800" dirty="0" err="1">
-                <a:solidFill>
-                  <a:srgbClr val="000000"/>
-                </a:solidFill>
-                <a:latin typeface="Cascadia Mono" panose="020B0609020000020004" pitchFamily="49" charset="0"/>
-              </a:rPr>
-              <a:t>userName</a:t>
-            </a:r>
-            <a:r>
-              <a:rPr lang="en-US" sz="1800" dirty="0">
-                <a:solidFill>
-                  <a:srgbClr val="000000"/>
-                </a:solidFill>
-                <a:latin typeface="Cascadia Mono" panose="020B0609020000020004" pitchFamily="49" charset="0"/>
-              </a:rPr>
-              <a:t>) {</a:t>
-            </a:r>
-          </a:p>
-          <a:p>
-            <a:r>
-              <a:rPr lang="en-US" sz="1800" dirty="0">
-                <a:solidFill>
-                  <a:srgbClr val="000000"/>
-                </a:solidFill>
-                <a:latin typeface="Cascadia Mono" panose="020B0609020000020004" pitchFamily="49" charset="0"/>
-              </a:rPr>
-              <a:t>    var </a:t>
-            </a:r>
-            <a:r>
-              <a:rPr lang="en-US" sz="1800" dirty="0" err="1">
-                <a:solidFill>
-                  <a:srgbClr val="000000"/>
-                </a:solidFill>
-                <a:latin typeface="Cascadia Mono" panose="020B0609020000020004" pitchFamily="49" charset="0"/>
-              </a:rPr>
-              <a:t>userInfo</a:t>
-            </a:r>
-            <a:r>
-              <a:rPr lang="en-US" sz="1800" dirty="0">
-                <a:solidFill>
-                  <a:srgbClr val="000000"/>
-                </a:solidFill>
-                <a:latin typeface="Cascadia Mono" panose="020B0609020000020004" pitchFamily="49" charset="0"/>
-              </a:rPr>
-              <a:t> = </a:t>
-            </a:r>
-            <a:r>
-              <a:rPr lang="en-US" sz="1800" dirty="0">
-                <a:solidFill>
-                  <a:srgbClr val="000000"/>
-                </a:solidFill>
-                <a:highlight>
-                  <a:srgbClr val="FFFF00"/>
-                </a:highlight>
-                <a:latin typeface="Cascadia Mono" panose="020B0609020000020004" pitchFamily="49" charset="0"/>
-              </a:rPr>
-              <a:t>_</a:t>
-            </a:r>
-            <a:r>
-              <a:rPr lang="en-US" sz="1800" dirty="0" err="1">
-                <a:solidFill>
-                  <a:srgbClr val="000000"/>
-                </a:solidFill>
-                <a:highlight>
-                  <a:srgbClr val="FFFF00"/>
-                </a:highlight>
-                <a:latin typeface="Cascadia Mono" panose="020B0609020000020004" pitchFamily="49" charset="0"/>
-              </a:rPr>
-              <a:t>myCache.Get</a:t>
-            </a:r>
-            <a:r>
-              <a:rPr lang="en-US" sz="1800" dirty="0">
-                <a:solidFill>
-                  <a:srgbClr val="000000"/>
-                </a:solidFill>
-                <a:highlight>
-                  <a:srgbClr val="FFFF00"/>
-                </a:highlight>
-                <a:latin typeface="Cascadia Mono" panose="020B0609020000020004" pitchFamily="49" charset="0"/>
-              </a:rPr>
-              <a:t>&lt;</a:t>
-            </a:r>
-            <a:r>
-              <a:rPr lang="en-US" sz="1800" dirty="0" err="1">
-                <a:solidFill>
-                  <a:srgbClr val="000000"/>
-                </a:solidFill>
-                <a:highlight>
-                  <a:srgbClr val="FFFF00"/>
-                </a:highlight>
-                <a:latin typeface="Cascadia Mono" panose="020B0609020000020004" pitchFamily="49" charset="0"/>
-              </a:rPr>
-              <a:t>UserInfo</a:t>
-            </a:r>
-            <a:r>
-              <a:rPr lang="en-US" sz="1800" dirty="0">
-                <a:solidFill>
-                  <a:srgbClr val="000000"/>
-                </a:solidFill>
-                <a:highlight>
-                  <a:srgbClr val="FFFF00"/>
-                </a:highlight>
-                <a:latin typeface="Cascadia Mono" panose="020B0609020000020004" pitchFamily="49" charset="0"/>
-              </a:rPr>
-              <a:t>&gt;($"</a:t>
-            </a:r>
-            <a:r>
-              <a:rPr lang="en-US" sz="1800" dirty="0" err="1">
-                <a:solidFill>
-                  <a:srgbClr val="000000"/>
-                </a:solidFill>
-                <a:highlight>
-                  <a:srgbClr val="FFFF00"/>
-                </a:highlight>
-                <a:latin typeface="Cascadia Mono" panose="020B0609020000020004" pitchFamily="49" charset="0"/>
-              </a:rPr>
-              <a:t>userInfo</a:t>
-            </a:r>
-            <a:r>
-              <a:rPr lang="en-US" sz="1800" dirty="0">
-                <a:solidFill>
-                  <a:srgbClr val="000000"/>
-                </a:solidFill>
-                <a:highlight>
-                  <a:srgbClr val="FFFF00"/>
-                </a:highlight>
-                <a:latin typeface="Cascadia Mono" panose="020B0609020000020004" pitchFamily="49" charset="0"/>
-              </a:rPr>
-              <a:t>{</a:t>
-            </a:r>
-            <a:r>
-              <a:rPr lang="en-US" sz="1800" dirty="0" err="1">
-                <a:solidFill>
-                  <a:srgbClr val="000000"/>
-                </a:solidFill>
-                <a:highlight>
-                  <a:srgbClr val="FFFF00"/>
-                </a:highlight>
-                <a:latin typeface="Cascadia Mono" panose="020B0609020000020004" pitchFamily="49" charset="0"/>
-              </a:rPr>
-              <a:t>userName</a:t>
-            </a:r>
-            <a:r>
-              <a:rPr lang="en-US" sz="1800" dirty="0">
-                <a:solidFill>
-                  <a:srgbClr val="000000"/>
-                </a:solidFill>
-                <a:highlight>
-                  <a:srgbClr val="FFFF00"/>
-                </a:highlight>
-                <a:latin typeface="Cascadia Mono" panose="020B0609020000020004" pitchFamily="49" charset="0"/>
-              </a:rPr>
-              <a:t>}");</a:t>
-            </a:r>
-          </a:p>
-          <a:p>
-            <a:r>
-              <a:rPr lang="en-US" sz="1800" dirty="0">
-                <a:solidFill>
-                  <a:srgbClr val="000000"/>
-                </a:solidFill>
-                <a:latin typeface="Cascadia Mono" panose="020B0609020000020004" pitchFamily="49" charset="0"/>
-              </a:rPr>
-              <a:t>    if (</a:t>
-            </a:r>
-            <a:r>
-              <a:rPr lang="en-US" sz="1800" dirty="0" err="1">
-                <a:solidFill>
-                  <a:srgbClr val="000000"/>
-                </a:solidFill>
-                <a:latin typeface="Cascadia Mono" panose="020B0609020000020004" pitchFamily="49" charset="0"/>
-              </a:rPr>
-              <a:t>userInfo</a:t>
-            </a:r>
-            <a:r>
-              <a:rPr lang="en-US" sz="1800" dirty="0">
-                <a:solidFill>
-                  <a:srgbClr val="000000"/>
-                </a:solidFill>
-                <a:latin typeface="Cascadia Mono" panose="020B0609020000020004" pitchFamily="49" charset="0"/>
-              </a:rPr>
-              <a:t> == null)  {</a:t>
-            </a:r>
-          </a:p>
-          <a:p>
-            <a:r>
-              <a:rPr lang="en-US" sz="1800" dirty="0">
-                <a:solidFill>
-                  <a:srgbClr val="000000"/>
-                </a:solidFill>
-                <a:latin typeface="Cascadia Mono" panose="020B0609020000020004" pitchFamily="49" charset="0"/>
-              </a:rPr>
-              <a:t>        var </a:t>
-            </a:r>
-            <a:r>
-              <a:rPr lang="en-US" sz="1800" dirty="0" err="1">
-                <a:solidFill>
-                  <a:srgbClr val="000000"/>
-                </a:solidFill>
-                <a:latin typeface="Cascadia Mono" panose="020B0609020000020004" pitchFamily="49" charset="0"/>
-              </a:rPr>
-              <a:t>userInfo</a:t>
-            </a:r>
-            <a:r>
-              <a:rPr lang="en-US" sz="1800" dirty="0">
-                <a:solidFill>
-                  <a:srgbClr val="000000"/>
-                </a:solidFill>
-                <a:latin typeface="Cascadia Mono" panose="020B0609020000020004" pitchFamily="49" charset="0"/>
-              </a:rPr>
-              <a:t> = _</a:t>
-            </a:r>
-            <a:r>
-              <a:rPr lang="en-US" sz="1800" dirty="0" err="1">
-                <a:solidFill>
-                  <a:srgbClr val="000000"/>
-                </a:solidFill>
-                <a:latin typeface="Cascadia Mono" panose="020B0609020000020004" pitchFamily="49" charset="0"/>
-              </a:rPr>
-              <a:t>userRepository.GetUserInfo</a:t>
-            </a:r>
-            <a:r>
-              <a:rPr lang="en-US" sz="1800" dirty="0">
-                <a:solidFill>
-                  <a:srgbClr val="000000"/>
-                </a:solidFill>
-                <a:latin typeface="Cascadia Mono" panose="020B0609020000020004" pitchFamily="49" charset="0"/>
-              </a:rPr>
-              <a:t>(</a:t>
-            </a:r>
-            <a:r>
-              <a:rPr lang="en-US" sz="1800" dirty="0" err="1">
-                <a:solidFill>
-                  <a:srgbClr val="000000"/>
-                </a:solidFill>
-                <a:latin typeface="Cascadia Mono" panose="020B0609020000020004" pitchFamily="49" charset="0"/>
-              </a:rPr>
-              <a:t>userName</a:t>
-            </a:r>
-            <a:r>
-              <a:rPr lang="en-US" sz="1800" dirty="0">
-                <a:solidFill>
-                  <a:srgbClr val="000000"/>
-                </a:solidFill>
-                <a:latin typeface="Cascadia Mono" panose="020B0609020000020004" pitchFamily="49" charset="0"/>
-              </a:rPr>
-              <a:t>);</a:t>
-            </a:r>
-          </a:p>
-          <a:p>
-            <a:r>
-              <a:rPr lang="en-US" sz="1800" dirty="0">
-                <a:solidFill>
-                  <a:srgbClr val="000000"/>
-                </a:solidFill>
-                <a:latin typeface="Cascadia Mono" panose="020B0609020000020004" pitchFamily="49" charset="0"/>
-              </a:rPr>
-              <a:t>        </a:t>
-            </a:r>
-            <a:r>
-              <a:rPr lang="en-US" sz="1800" dirty="0">
-                <a:solidFill>
-                  <a:srgbClr val="000000"/>
-                </a:solidFill>
-                <a:highlight>
-                  <a:srgbClr val="FFFF00"/>
-                </a:highlight>
-                <a:latin typeface="Cascadia Mono" panose="020B0609020000020004" pitchFamily="49" charset="0"/>
-              </a:rPr>
-              <a:t>_</a:t>
-            </a:r>
-            <a:r>
-              <a:rPr lang="en-US" sz="1800" dirty="0" err="1">
-                <a:solidFill>
-                  <a:srgbClr val="000000"/>
-                </a:solidFill>
-                <a:highlight>
-                  <a:srgbClr val="FFFF00"/>
-                </a:highlight>
-                <a:latin typeface="Cascadia Mono" panose="020B0609020000020004" pitchFamily="49" charset="0"/>
-              </a:rPr>
-              <a:t>myCache.Add</a:t>
-            </a:r>
-            <a:r>
-              <a:rPr lang="en-US" sz="1800" dirty="0">
-                <a:solidFill>
-                  <a:srgbClr val="000000"/>
-                </a:solidFill>
-                <a:highlight>
-                  <a:srgbClr val="FFFF00"/>
-                </a:highlight>
-                <a:latin typeface="Cascadia Mono" panose="020B0609020000020004" pitchFamily="49" charset="0"/>
-              </a:rPr>
-              <a:t>($"</a:t>
-            </a:r>
-            <a:r>
-              <a:rPr lang="en-US" sz="1800" dirty="0" err="1">
-                <a:solidFill>
-                  <a:srgbClr val="000000"/>
-                </a:solidFill>
-                <a:highlight>
-                  <a:srgbClr val="FFFF00"/>
-                </a:highlight>
-                <a:latin typeface="Cascadia Mono" panose="020B0609020000020004" pitchFamily="49" charset="0"/>
-              </a:rPr>
-              <a:t>userInfo</a:t>
-            </a:r>
-            <a:r>
-              <a:rPr lang="en-US" sz="1800" dirty="0">
-                <a:solidFill>
-                  <a:srgbClr val="000000"/>
-                </a:solidFill>
-                <a:highlight>
-                  <a:srgbClr val="FFFF00"/>
-                </a:highlight>
-                <a:latin typeface="Cascadia Mono" panose="020B0609020000020004" pitchFamily="49" charset="0"/>
-              </a:rPr>
-              <a:t>{</a:t>
-            </a:r>
-            <a:r>
-              <a:rPr lang="en-US" sz="1800" dirty="0" err="1">
-                <a:solidFill>
-                  <a:srgbClr val="000000"/>
-                </a:solidFill>
-                <a:highlight>
-                  <a:srgbClr val="FFFF00"/>
-                </a:highlight>
-                <a:latin typeface="Cascadia Mono" panose="020B0609020000020004" pitchFamily="49" charset="0"/>
-              </a:rPr>
-              <a:t>userName</a:t>
-            </a:r>
-            <a:r>
-              <a:rPr lang="en-US" sz="1800">
-                <a:solidFill>
-                  <a:srgbClr val="000000"/>
-                </a:solidFill>
-                <a:highlight>
-                  <a:srgbClr val="FFFF00"/>
-                </a:highlight>
-                <a:latin typeface="Cascadia Mono" panose="020B0609020000020004" pitchFamily="49" charset="0"/>
-              </a:rPr>
-              <a:t>}", </a:t>
-            </a:r>
-            <a:r>
-              <a:rPr lang="en-US" sz="1800" dirty="0" err="1">
-                <a:solidFill>
-                  <a:srgbClr val="000000"/>
-                </a:solidFill>
-                <a:highlight>
-                  <a:srgbClr val="FFFF00"/>
-                </a:highlight>
-                <a:latin typeface="Cascadia Mono" panose="020B0609020000020004" pitchFamily="49" charset="0"/>
-              </a:rPr>
-              <a:t>userInfo</a:t>
-            </a:r>
-            <a:r>
-              <a:rPr lang="en-US" sz="1800" dirty="0">
-                <a:solidFill>
-                  <a:srgbClr val="000000"/>
-                </a:solidFill>
-                <a:highlight>
-                  <a:srgbClr val="FFFF00"/>
-                </a:highlight>
-                <a:latin typeface="Cascadia Mono" panose="020B0609020000020004" pitchFamily="49" charset="0"/>
-              </a:rPr>
-              <a:t>);</a:t>
-            </a:r>
-          </a:p>
-          <a:p>
-            <a:r>
-              <a:rPr lang="en-US" sz="1800" dirty="0">
-                <a:solidFill>
-                  <a:srgbClr val="000000"/>
-                </a:solidFill>
-                <a:latin typeface="Cascadia Mono" panose="020B0609020000020004" pitchFamily="49" charset="0"/>
-              </a:rPr>
-              <a:t>    }</a:t>
-            </a:r>
-          </a:p>
-          <a:p>
-            <a:r>
-              <a:rPr lang="en-US" sz="1800" dirty="0">
-                <a:solidFill>
-                  <a:srgbClr val="000000"/>
-                </a:solidFill>
-                <a:latin typeface="Cascadia Mono" panose="020B0609020000020004" pitchFamily="49" charset="0"/>
-              </a:rPr>
-              <a:t>    if(!</a:t>
-            </a:r>
-            <a:r>
-              <a:rPr lang="en-US" sz="1800" dirty="0" err="1">
-                <a:solidFill>
-                  <a:srgbClr val="000000"/>
-                </a:solidFill>
-                <a:latin typeface="Cascadia Mono" panose="020B0609020000020004" pitchFamily="49" charset="0"/>
-              </a:rPr>
-              <a:t>userInfo.CanPlaceOrder</a:t>
-            </a:r>
-            <a:r>
-              <a:rPr lang="en-US" sz="1800" dirty="0">
-                <a:solidFill>
-                  <a:srgbClr val="000000"/>
-                </a:solidFill>
-                <a:latin typeface="Cascadia Mono" panose="020B0609020000020004" pitchFamily="49" charset="0"/>
-              </a:rPr>
-              <a:t>()) {</a:t>
-            </a:r>
-          </a:p>
-          <a:p>
-            <a:r>
-              <a:rPr lang="en-US" sz="1800" dirty="0">
-                <a:solidFill>
-                  <a:srgbClr val="000000"/>
-                </a:solidFill>
-                <a:latin typeface="Cascadia Mono" panose="020B0609020000020004" pitchFamily="49" charset="0"/>
-              </a:rPr>
-              <a:t>        throw new Exception(..</a:t>
-            </a:r>
-          </a:p>
-          <a:p>
-            <a:r>
-              <a:rPr lang="en-US" sz="1800" dirty="0">
-                <a:solidFill>
-                  <a:srgbClr val="000000"/>
-                </a:solidFill>
-                <a:latin typeface="Cascadia Mono" panose="020B0609020000020004" pitchFamily="49" charset="0"/>
-              </a:rPr>
-              <a:t>    }</a:t>
-            </a:r>
-          </a:p>
-          <a:p>
-            <a:r>
-              <a:rPr lang="en-US" sz="1800" dirty="0">
-                <a:solidFill>
-                  <a:srgbClr val="000000"/>
-                </a:solidFill>
-                <a:latin typeface="Cascadia Mono" panose="020B0609020000020004" pitchFamily="49" charset="0"/>
-              </a:rPr>
-              <a:t>    // proceed with order </a:t>
-            </a:r>
-          </a:p>
-          <a:p>
-            <a:r>
-              <a:rPr lang="en-US" sz="1800" dirty="0">
-                <a:solidFill>
-                  <a:srgbClr val="000000"/>
-                </a:solidFill>
-                <a:latin typeface="Cascadia Mono" panose="020B0609020000020004" pitchFamily="49" charset="0"/>
-              </a:rPr>
-              <a:t>}</a:t>
-            </a:r>
-            <a:endParaRPr lang="en-US" dirty="0"/>
+            <a:pPr marL="0" indent="0" algn="ctr">
+              <a:buNone/>
+            </a:pPr>
+            <a:endParaRPr lang="en-US" sz="4000" dirty="0"/>
+          </a:p>
+          <a:p>
+            <a:pPr marL="0" indent="0" algn="ctr">
+              <a:buNone/>
+            </a:pPr>
+            <a:endParaRPr lang="en-US" sz="4000" dirty="0"/>
+          </a:p>
+          <a:p>
+            <a:pPr marL="0" indent="0" algn="ctr">
+              <a:buNone/>
+            </a:pPr>
+            <a:r>
+              <a:rPr lang="en-US" sz="4000" dirty="0"/>
+              <a:t>Questions?</a:t>
+            </a:r>
           </a:p>
         </p:txBody>
       </p:sp>
     </p:spTree>
     <p:extLst>
       <p:ext uri="{BB962C8B-B14F-4D97-AF65-F5344CB8AC3E}">
-        <p14:creationId xmlns:p14="http://schemas.microsoft.com/office/powerpoint/2010/main" val="203938663"/>
+        <p14:creationId xmlns:p14="http://schemas.microsoft.com/office/powerpoint/2010/main" val="1853617735"/>
       </p:ext>
     </p:extLst>
   </p:cSld>
@@ -12361,7 +13023,7 @@
             </a:pPr>
             <a:r>
               <a:rPr lang="en-US" dirty="0"/>
-              <a:t>Hence, we need patterns and best practices </a:t>
+              <a:t>Hence, we need patterns and best practices, and "smart" libraries </a:t>
             </a:r>
             <a:r>
               <a:rPr lang="en-US" dirty="0">
@@ -12554,6 +13216,17 @@
             </a:r>
           </a:p>
           <a:p>
+            <a:r>
+              <a:rPr lang="en-US" dirty="0"/>
+              <a:t>MS implementation: </a:t>
+            </a:r>
+            <a:r>
+              <a:rPr lang="en-US" dirty="0" err="1"/>
+              <a:t>IMemoryCache</a:t>
+            </a:r>
+            <a:endParaRPr lang="en-US" dirty="0"/>
+          </a:p>
+          <a:p>
             <a:endParaRPr lang="en-US" dirty="0"/>
           </a:p>
         </p:txBody>
@@ -12667,7 +13340,7 @@
         </p:blipFill>
         <p:spPr>
           <a:xfrm>
-            <a:off x="1049204" y="2368006"/>
+            <a:off x="1049204" y="2139405"/>
             <a:ext cx="1219351" cy="1060994"/>
           </a:xfrm>
           <a:prstGeom prst="rect">
@@ -12773,7 +13446,7 @@
         </p:blipFill>
         <p:spPr>
           <a:xfrm>
-            <a:off x="838200" y="3336214"/>
+            <a:off x="838200" y="3230082"/>
             <a:ext cx="6493293" cy="3521786"/>
           </a:xfrm>
           <a:prstGeom prst="rect">
@@ -12781,6 +13454,43 @@
           </a:prstGeom>
         </p:spPr>
       </p:pic>
+      <p:cxnSp>
+        <p:nvCxnSpPr>
+          <p:cNvPr id="5" name="Straight Connector 4">
+            <a:extLst>
+              <a:ext uri="{FF2B5EF4-FFF2-40B4-BE49-F238E27FC236}">
+                <a16:creationId xmlns:a16="http://schemas.microsoft.com/office/drawing/2014/main" id="{3AE92DF4-D91F-057B-F658-DE277313BC71}"/>
+              </a:ext>
+            </a:extLst>
+          </p:cNvPr>
+          <p:cNvCxnSpPr/>
+          <p:nvPr/>
+        </p:nvCxnSpPr>
+        <p:spPr>
+          <a:xfrm>
+            <a:off x="6096000" y="1812336"/>
+            <a:ext cx="3382736" cy="4457835"/>
+          </a:xfrm>
+          <a:prstGeom prst="line">
+            <a:avLst/>
+          </a:prstGeom>
+          <a:ln w="76200"/>
+        </p:spPr>
+        <p:style>
+          <a:lnRef idx="2">
+            <a:schemeClr val="accent1"/>
+          </a:lnRef>
+          <a:fillRef idx="0">
+            <a:schemeClr val="accent1"/>
+          </a:fillRef>
+          <a:effectRef idx="1">
+            <a:schemeClr val="accent1"/>
+          </a:effectRef>
+          <a:fontRef idx="minor">
+            <a:schemeClr val="tx1"/>
+          </a:fontRef>
+        </p:style>
+      </p:cxnSp>
     </p:spTree>
     <p:extLst>
       <p:ext uri="{BB962C8B-B14F-4D97-AF65-F5344CB8AC3E}">
@@ -13160,7 +13870,7 @@
         </p:nvSpPr>
         <p:spPr>
           <a:xfrm>
-            <a:off x="8642322" y="5219272"/>
+            <a:off x="7819725" y="6048790"/>
             <a:ext cx="2835648" cy="646331"/>
           </a:xfrm>
           <a:prstGeom prst="rect">
@@ -13200,6 +13910,94 @@
           </a:p>
         </p:txBody>
       </p:sp>
+      <p:cxnSp>
+        <p:nvCxnSpPr>
+          <p:cNvPr id="3" name="Straight Connector 2">
+            <a:extLst>
+              <a:ext uri="{FF2B5EF4-FFF2-40B4-BE49-F238E27FC236}">
+                <a16:creationId xmlns:a16="http://schemas.microsoft.com/office/drawing/2014/main" id="{119D5561-3511-793D-A718-6BD02A28969B}"/>
+              </a:ext>
+            </a:extLst>
+          </p:cNvPr>
+          <p:cNvCxnSpPr/>
+          <p:nvPr/>
+        </p:nvCxnSpPr>
+        <p:spPr>
+          <a:xfrm>
+            <a:off x="4986839" y="1590955"/>
+            <a:ext cx="3382736" cy="4457835"/>
+          </a:xfrm>
+          <a:prstGeom prst="line">
+            <a:avLst/>
+          </a:prstGeom>
+          <a:ln w="76200"/>
+        </p:spPr>
+        <p:style>
+          <a:lnRef idx="2">
+            <a:schemeClr val="accent1"/>
+          </a:lnRef>
+          <a:fillRef idx="0">
+            <a:schemeClr val="accent1"/>
+          </a:fillRef>
+          <a:effectRef idx="1">
+            <a:schemeClr val="accent1"/>
+          </a:effectRef>
+          <a:fontRef idx="minor">
+            <a:schemeClr val="tx1"/>
+          </a:fontRef>
+        </p:style>
+      </p:cxnSp>
+      <mc:AlternateContent xmlns:mc="http://schemas.openxmlformats.org/markup-compatibility/2006">
+        <mc:Choice xmlns:p14="http://schemas.microsoft.com/office/powerpoint/2010/main" Requires="p14">
+          <p:contentPart p14:bwMode="auto" r:id="rId6">
+            <p14:nvContentPartPr>
+              <p14:cNvPr id="10" name="Ink 9">
+                <a:extLst>
+                  <a:ext uri="{FF2B5EF4-FFF2-40B4-BE49-F238E27FC236}">
+                    <a16:creationId xmlns:a16="http://schemas.microsoft.com/office/drawing/2014/main" id="{0DB9F840-1B92-AAA0-B67A-CAB5E62185C6}"/>
+                  </a:ext>
+                </a:extLst>
+              </p14:cNvPr>
+              <p14:cNvContentPartPr/>
+              <p14:nvPr/>
+            </p14:nvContentPartPr>
+            <p14:xfrm>
+              <a:off x="5553246" y="6147739"/>
+              <a:ext cx="820440" cy="570960"/>
+            </p14:xfrm>
+          </p:contentPart>
+        </mc:Choice>
+        <mc:Fallback>
+          <p:pic>
+            <p:nvPicPr>
+              <p:cNvPr id="10" name="Ink 9">
+                <a:extLst>
+                  <a:ext uri="{FF2B5EF4-FFF2-40B4-BE49-F238E27FC236}">
+                    <a16:creationId xmlns:a16="http://schemas.microsoft.com/office/drawing/2014/main" id="{0DB9F840-1B92-AAA0-B67A-CAB5E62185C6}"/>
+                  </a:ext>
+                </a:extLst>
+              </p:cNvPr>
+              <p:cNvPicPr/>
+              <p:nvPr/>
+            </p:nvPicPr>
+            <p:blipFill>
+              <a:blip r:embed="rId7"/>
+              <a:stretch>
+                <a:fillRect/>
+              </a:stretch>
+            </p:blipFill>
+            <p:spPr>
+              <a:xfrm>
+                <a:off x="5544606" y="6139099"/>
+                <a:ext cx="838080" cy="588600"/>
+              </a:xfrm>
+              <a:prstGeom prst="rect">
+                <a:avLst/>
+              </a:prstGeom>
+            </p:spPr>
+          </p:pic>
+        </mc:Fallback>
+      </mc:AlternateContent>
     </p:spTree>
     <p:extLst>
       <p:ext uri="{BB962C8B-B14F-4D97-AF65-F5344CB8AC3E}">
@@ -13253,7 +14051,7 @@
           <a:p>
             <a:r>
               <a:rPr lang="en-US" dirty="0"/>
-              <a:t>distributed (shared) cache</a:t>
+              <a:t>Distributed (shared) cache</a:t>
             </a:r>
           </a:p>
         </p:txBody>
@@ -13283,7 +14081,7 @@
           <a:p>
             <a:r>
               <a:rPr lang="en-US" dirty="0"/>
-              <a:t>Distributed</a:t>
+              <a:t>To centralize cached data</a:t>
             </a:r>
           </a:p>
           <a:p>
@@ -13294,7 +14092,6 @@
             </a:r>
           </a:p>
           <a:p>
-            <a:pPr lvl="1"/>
             <a:r>
               <a:rPr lang="en-US" dirty="0"/>
               <a:t>Some solutions (Redis) are fast, still remember </a:t>
@@ -13319,7 +14116,7 @@
             <a:pPr lvl="1"/>
             <a:r>
               <a:rPr lang="en-US" dirty="0"/>
-              <a:t>Watch out caching keys clashing (per service prefix)</a:t>
+              <a:t>Watch out caching keys clashing (use per service key prefix)</a:t>
             </a:r>
           </a:p>
         </p:txBody>
@@ -13654,6 +14451,6 @@
 
 <file path=docMetadata/LabelInfo.xml><?xml version="1.0" encoding="utf-8"?>
 <clbl:labelList xmlns:clbl="http://schemas.microsoft.com/office/2020/mipLabelMetadata">
-  <clbl:label id="{fc24caf1-31f7-40c1-bde0-ca915f0156e3}" enabled="1" method="Standard" siteId="{088e9b00-ffd0-458e-bfa1-acf4c596d3cb}" contentBits="2" removed="0"/>
+  <clbl:label id="{1d38f7c5-8395-4346-97e3-960b3861d380}" enabled="1" method="Privileged" siteId="{088e9b00-ffd0-458e-bfa1-acf4c596d3cb}" contentBits="2" removed="0"/>
 </clbl:labelList>
 </file>
--- a/cache-like-a-pro.pptx
+++ b/cache-like-a-pro.pptx
@@ -15,7 +15,7 @@
     <p:sldId id="293" r:id="rId9"/>
     <p:sldId id="292" r:id="rId10"/>
     <p:sldId id="270" r:id="rId11"/>
-    <p:sldId id="294" r:id="rId12"/>
+    <p:sldId id="303" r:id="rId12"/>
     <p:sldId id="283" r:id="rId13"/>
     <p:sldId id="284" r:id="rId14"/>
     <p:sldId id="285" r:id="rId15"/>
@@ -329,7 +329,7 @@
           <a:p>
             <a:fld id="{7D239A87-38DC-4C6E-8233-D704AE9A351F}" type="datetimeFigureOut">
               <a:rPr lang="en-US" smtClean="0"/>
-              <a:t>7/15/2024</a:t>
+              <a:t>7/16/2024</a:t>
             </a:fld>
             <a:endParaRPr lang="en-US"/>
           </a:p>
@@ -527,7 +527,7 @@
           <a:p>
             <a:fld id="{7D239A87-38DC-4C6E-8233-D704AE9A351F}" type="datetimeFigureOut">
               <a:rPr lang="en-US" smtClean="0"/>
-              <a:t>7/15/2024</a:t>
+              <a:t>7/16/2024</a:t>
             </a:fld>
             <a:endParaRPr lang="en-US"/>
           </a:p>
@@ -735,7 +735,7 @@
           <a:p>
             <a:fld id="{7D239A87-38DC-4C6E-8233-D704AE9A351F}" type="datetimeFigureOut">
               <a:rPr lang="en-US" smtClean="0"/>
-              <a:t>7/15/2024</a:t>
+              <a:t>7/16/2024</a:t>
             </a:fld>
             <a:endParaRPr lang="en-US"/>
           </a:p>
@@ -933,7 +933,7 @@
           <a:p>
             <a:fld id="{7D239A87-38DC-4C6E-8233-D704AE9A351F}" type="datetimeFigureOut">
               <a:rPr lang="en-US" smtClean="0"/>
-              <a:t>7/15/2024</a:t>
+              <a:t>7/16/2024</a:t>
             </a:fld>
             <a:endParaRPr lang="en-US"/>
           </a:p>
@@ -1208,7 +1208,7 @@
           <a:p>
             <a:fld id="{7D239A87-38DC-4C6E-8233-D704AE9A351F}" type="datetimeFigureOut">
               <a:rPr lang="en-US" smtClean="0"/>
-              <a:t>7/15/2024</a:t>
+              <a:t>7/16/2024</a:t>
             </a:fld>
             <a:endParaRPr lang="en-US"/>
           </a:p>
@@ -1473,7 +1473,7 @@
           <a:p>
             <a:fld id="{7D239A87-38DC-4C6E-8233-D704AE9A351F}" type="datetimeFigureOut">
               <a:rPr lang="en-US" smtClean="0"/>
-              <a:t>7/15/2024</a:t>
+              <a:t>7/16/2024</a:t>
             </a:fld>
             <a:endParaRPr lang="en-US"/>
           </a:p>
@@ -1885,7 +1885,7 @@
           <a:p>
             <a:fld id="{7D239A87-38DC-4C6E-8233-D704AE9A351F}" type="datetimeFigureOut">
               <a:rPr lang="en-US" smtClean="0"/>
-              <a:t>7/15/2024</a:t>
+              <a:t>7/16/2024</a:t>
             </a:fld>
             <a:endParaRPr lang="en-US"/>
           </a:p>
@@ -2026,7 +2026,7 @@
           <a:p>
             <a:fld id="{7D239A87-38DC-4C6E-8233-D704AE9A351F}" type="datetimeFigureOut">
               <a:rPr lang="en-US" smtClean="0"/>
-              <a:t>7/15/2024</a:t>
+              <a:t>7/16/2024</a:t>
             </a:fld>
             <a:endParaRPr lang="en-US"/>
           </a:p>
@@ -2139,7 +2139,7 @@
           <a:p>
             <a:fld id="{7D239A87-38DC-4C6E-8233-D704AE9A351F}" type="datetimeFigureOut">
               <a:rPr lang="en-US" smtClean="0"/>
-              <a:t>7/15/2024</a:t>
+              <a:t>7/16/2024</a:t>
             </a:fld>
             <a:endParaRPr lang="en-US"/>
           </a:p>
@@ -2450,7 +2450,7 @@
           <a:p>
             <a:fld id="{7D239A87-38DC-4C6E-8233-D704AE9A351F}" type="datetimeFigureOut">
               <a:rPr lang="en-US" smtClean="0"/>
-              <a:t>7/15/2024</a:t>
+              <a:t>7/16/2024</a:t>
             </a:fld>
             <a:endParaRPr lang="en-US"/>
           </a:p>
@@ -2738,7 +2738,7 @@
           <a:p>
             <a:fld id="{7D239A87-38DC-4C6E-8233-D704AE9A351F}" type="datetimeFigureOut">
               <a:rPr lang="en-US" smtClean="0"/>
-              <a:t>7/15/2024</a:t>
+              <a:t>7/16/2024</a:t>
             </a:fld>
             <a:endParaRPr lang="en-US"/>
           </a:p>
@@ -2979,7 +2979,7 @@
           <a:p>
             <a:fld id="{7D239A87-38DC-4C6E-8233-D704AE9A351F}" type="datetimeFigureOut">
               <a:rPr lang="en-US" smtClean="0"/>
-              <a:t>7/15/2024</a:t>
+              <a:t>7/16/2024</a:t>
             </a:fld>
             <a:endParaRPr lang="en-US"/>
           </a:p>
@@ -3578,7 +3578,7 @@
           <a:p>
             <a:r>
               <a:rPr lang="en-US" dirty="0"/>
-              <a:t>Distributed (shared) cache</a:t>
+              <a:t>Distributed (shared/centralized) cache</a:t>
             </a:r>
           </a:p>
         </p:txBody>
@@ -3702,7 +3702,7 @@
           <a:p>
             <a:r>
               <a:rPr lang="en-US" dirty="0"/>
-              <a:t>Multiple instance web app </a:t>
+              <a:t>Multiple instance web app (web farm) with distributed cache</a:t>
             </a:r>
           </a:p>
         </p:txBody>
@@ -3729,7 +3729,7 @@
         </p:blipFill>
         <p:spPr>
           <a:xfrm>
-            <a:off x="1049204" y="2368006"/>
+            <a:off x="1340255" y="2255674"/>
             <a:ext cx="1219351" cy="1060994"/>
           </a:xfrm>
           <a:prstGeom prst="rect">
@@ -3787,7 +3787,7 @@
         <p:spPr>
           <a:xfrm>
             <a:off x="5631994" y="4387066"/>
-            <a:ext cx="5394810" cy="646331"/>
+            <a:ext cx="5988371" cy="646331"/>
           </a:xfrm>
           <a:prstGeom prst="rect">
             <a:avLst/>
@@ -3806,7 +3806,7 @@
                   <a:srgbClr val="FFFF00"/>
                 </a:highlight>
               </a:rPr>
-              <a:t>All instances share the same cache </a:t>
+              <a:t>All instances share the same cache. </a:t>
             </a:r>
             <a:br>
               <a:rPr lang="en-US" dirty="0">
@@ -3821,7 +3821,7 @@
                   <a:srgbClr val="FFFF00"/>
                 </a:highlight>
               </a:rPr>
-              <a:t>Instead of Redis you can use other centralized stores</a:t>
+              <a:t>Note: Instead of Redis you can use other centralized stores</a:t>
             </a:r>
           </a:p>
         </p:txBody>
@@ -3848,7 +3848,7 @@
         </p:blipFill>
         <p:spPr>
           <a:xfrm>
-            <a:off x="1187540" y="4224206"/>
+            <a:off x="1340255" y="4395586"/>
             <a:ext cx="1125205" cy="1064383"/>
           </a:xfrm>
           <a:prstGeom prst="rect">
@@ -3870,8 +3870,8 @@
         </p:nvSpPr>
         <p:spPr>
           <a:xfrm>
-            <a:off x="838200" y="3292172"/>
-            <a:ext cx="2308709" cy="369332"/>
+            <a:off x="838200" y="3671461"/>
+            <a:ext cx="2305503" cy="369332"/>
           </a:xfrm>
           <a:prstGeom prst="rect">
             <a:avLst/>
@@ -3886,7 +3886,526 @@
           <a:p>
             <a:r>
               <a:rPr lang="en-US" dirty="0"/>
-              <a:t>Scaled to n instances</a:t>
+              <a:t>Scaled to 4 instances</a:t>
+            </a:r>
+          </a:p>
+        </p:txBody>
+      </p:sp>
+      <p:sp>
+        <p:nvSpPr>
+          <p:cNvPr id="3" name="Oval 2">
+            <a:extLst>
+              <a:ext uri="{FF2B5EF4-FFF2-40B4-BE49-F238E27FC236}">
+                <a16:creationId xmlns:a16="http://schemas.microsoft.com/office/drawing/2014/main" id="{9CCB5A6E-5B51-AFCE-7F15-768775DC932B}"/>
+              </a:ext>
+            </a:extLst>
+          </p:cNvPr>
+          <p:cNvSpPr/>
+          <p:nvPr/>
+        </p:nvSpPr>
+        <p:spPr>
+          <a:xfrm>
+            <a:off x="1049204" y="3186539"/>
+            <a:ext cx="465364" cy="440871"/>
+          </a:xfrm>
+          <a:prstGeom prst="ellipse">
+            <a:avLst/>
+          </a:prstGeom>
+          <a:noFill/>
+        </p:spPr>
+        <p:style>
+          <a:lnRef idx="2">
+            <a:schemeClr val="accent1">
+              <a:shade val="15000"/>
+            </a:schemeClr>
+          </a:lnRef>
+          <a:fillRef idx="1">
+            <a:schemeClr val="accent1"/>
+          </a:fillRef>
+          <a:effectRef idx="0">
+            <a:schemeClr val="accent1"/>
+          </a:effectRef>
+          <a:fontRef idx="minor">
+            <a:schemeClr val="lt1"/>
+          </a:fontRef>
+        </p:style>
+        <p:txBody>
+          <a:bodyPr rtlCol="0" anchor="ctr"/>
+          <a:lstStyle/>
+          <a:p>
+            <a:pPr algn="ctr"/>
+            <a:r>
+              <a:rPr lang="en-US" sz="800" dirty="0"/>
+              <a:t>1</a:t>
+            </a:r>
+          </a:p>
+        </p:txBody>
+      </p:sp>
+      <p:sp>
+        <p:nvSpPr>
+          <p:cNvPr id="5" name="Oval 4">
+            <a:extLst>
+              <a:ext uri="{FF2B5EF4-FFF2-40B4-BE49-F238E27FC236}">
+                <a16:creationId xmlns:a16="http://schemas.microsoft.com/office/drawing/2014/main" id="{F417118D-93A5-EB1D-9153-118085B603B7}"/>
+              </a:ext>
+            </a:extLst>
+          </p:cNvPr>
+          <p:cNvSpPr/>
+          <p:nvPr/>
+        </p:nvSpPr>
+        <p:spPr>
+          <a:xfrm>
+            <a:off x="1551942" y="3186538"/>
+            <a:ext cx="465364" cy="440871"/>
+          </a:xfrm>
+          <a:prstGeom prst="ellipse">
+            <a:avLst/>
+          </a:prstGeom>
+          <a:noFill/>
+        </p:spPr>
+        <p:style>
+          <a:lnRef idx="2">
+            <a:schemeClr val="accent1">
+              <a:shade val="15000"/>
+            </a:schemeClr>
+          </a:lnRef>
+          <a:fillRef idx="1">
+            <a:schemeClr val="accent1"/>
+          </a:fillRef>
+          <a:effectRef idx="0">
+            <a:schemeClr val="accent1"/>
+          </a:effectRef>
+          <a:fontRef idx="minor">
+            <a:schemeClr val="lt1"/>
+          </a:fontRef>
+        </p:style>
+        <p:txBody>
+          <a:bodyPr rtlCol="0" anchor="ctr"/>
+          <a:lstStyle/>
+          <a:p>
+            <a:pPr algn="ctr"/>
+            <a:endParaRPr lang="en-US"/>
+          </a:p>
+        </p:txBody>
+      </p:sp>
+      <p:sp>
+        <p:nvSpPr>
+          <p:cNvPr id="6" name="Oval 5">
+            <a:extLst>
+              <a:ext uri="{FF2B5EF4-FFF2-40B4-BE49-F238E27FC236}">
+                <a16:creationId xmlns:a16="http://schemas.microsoft.com/office/drawing/2014/main" id="{238FADCC-279A-7B37-1D30-CD83093F4E33}"/>
+              </a:ext>
+            </a:extLst>
+          </p:cNvPr>
+          <p:cNvSpPr/>
+          <p:nvPr/>
+        </p:nvSpPr>
+        <p:spPr>
+          <a:xfrm>
+            <a:off x="2080063" y="3208564"/>
+            <a:ext cx="465364" cy="440871"/>
+          </a:xfrm>
+          <a:prstGeom prst="ellipse">
+            <a:avLst/>
+          </a:prstGeom>
+          <a:noFill/>
+        </p:spPr>
+        <p:style>
+          <a:lnRef idx="2">
+            <a:schemeClr val="accent1">
+              <a:shade val="15000"/>
+            </a:schemeClr>
+          </a:lnRef>
+          <a:fillRef idx="1">
+            <a:schemeClr val="accent1"/>
+          </a:fillRef>
+          <a:effectRef idx="0">
+            <a:schemeClr val="accent1"/>
+          </a:effectRef>
+          <a:fontRef idx="minor">
+            <a:schemeClr val="lt1"/>
+          </a:fontRef>
+        </p:style>
+        <p:txBody>
+          <a:bodyPr rtlCol="0" anchor="ctr"/>
+          <a:lstStyle/>
+          <a:p>
+            <a:pPr algn="ctr"/>
+            <a:endParaRPr lang="en-US"/>
+          </a:p>
+        </p:txBody>
+      </p:sp>
+      <p:sp>
+        <p:nvSpPr>
+          <p:cNvPr id="8" name="Oval 7">
+            <a:extLst>
+              <a:ext uri="{FF2B5EF4-FFF2-40B4-BE49-F238E27FC236}">
+                <a16:creationId xmlns:a16="http://schemas.microsoft.com/office/drawing/2014/main" id="{ED749D4A-7785-7F0E-4D27-9097F020E0D3}"/>
+              </a:ext>
+            </a:extLst>
+          </p:cNvPr>
+          <p:cNvSpPr/>
+          <p:nvPr/>
+        </p:nvSpPr>
+        <p:spPr>
+          <a:xfrm>
+            <a:off x="2582801" y="3214691"/>
+            <a:ext cx="465364" cy="440871"/>
+          </a:xfrm>
+          <a:prstGeom prst="ellipse">
+            <a:avLst/>
+          </a:prstGeom>
+          <a:noFill/>
+        </p:spPr>
+        <p:style>
+          <a:lnRef idx="2">
+            <a:schemeClr val="accent1">
+              <a:shade val="15000"/>
+            </a:schemeClr>
+          </a:lnRef>
+          <a:fillRef idx="1">
+            <a:schemeClr val="accent1"/>
+          </a:fillRef>
+          <a:effectRef idx="0">
+            <a:schemeClr val="accent1"/>
+          </a:effectRef>
+          <a:fontRef idx="minor">
+            <a:schemeClr val="lt1"/>
+          </a:fontRef>
+        </p:style>
+        <p:txBody>
+          <a:bodyPr rtlCol="0" anchor="ctr"/>
+          <a:lstStyle/>
+          <a:p>
+            <a:pPr algn="ctr"/>
+            <a:endParaRPr lang="en-US"/>
+          </a:p>
+        </p:txBody>
+      </p:sp>
+      <p:cxnSp>
+        <p:nvCxnSpPr>
+          <p:cNvPr id="9" name="Straight Arrow Connector 8">
+            <a:extLst>
+              <a:ext uri="{FF2B5EF4-FFF2-40B4-BE49-F238E27FC236}">
+                <a16:creationId xmlns:a16="http://schemas.microsoft.com/office/drawing/2014/main" id="{1A226B55-71D7-8C33-ED14-05B598C0EDCE}"/>
+              </a:ext>
+            </a:extLst>
+          </p:cNvPr>
+          <p:cNvCxnSpPr>
+            <a:cxnSpLocks/>
+          </p:cNvCxnSpPr>
+          <p:nvPr/>
+        </p:nvCxnSpPr>
+        <p:spPr>
+          <a:xfrm>
+            <a:off x="1221328" y="3753853"/>
+            <a:ext cx="333000" cy="641733"/>
+          </a:xfrm>
+          <a:prstGeom prst="straightConnector1">
+            <a:avLst/>
+          </a:prstGeom>
+          <a:ln w="44450">
+            <a:solidFill>
+              <a:schemeClr val="accent2">
+                <a:lumMod val="60000"/>
+                <a:lumOff val="40000"/>
+              </a:schemeClr>
+            </a:solidFill>
+            <a:tailEnd type="triangle"/>
+          </a:ln>
+        </p:spPr>
+        <p:style>
+          <a:lnRef idx="2">
+            <a:schemeClr val="accent1"/>
+          </a:lnRef>
+          <a:fillRef idx="0">
+            <a:schemeClr val="accent1"/>
+          </a:fillRef>
+          <a:effectRef idx="1">
+            <a:schemeClr val="accent1"/>
+          </a:effectRef>
+          <a:fontRef idx="minor">
+            <a:schemeClr val="tx1"/>
+          </a:fontRef>
+        </p:style>
+      </p:cxnSp>
+      <p:cxnSp>
+        <p:nvCxnSpPr>
+          <p:cNvPr id="13" name="Straight Arrow Connector 12">
+            <a:extLst>
+              <a:ext uri="{FF2B5EF4-FFF2-40B4-BE49-F238E27FC236}">
+                <a16:creationId xmlns:a16="http://schemas.microsoft.com/office/drawing/2014/main" id="{AAD2495D-6453-3913-9418-0423A10D1876}"/>
+              </a:ext>
+            </a:extLst>
+          </p:cNvPr>
+          <p:cNvCxnSpPr>
+            <a:cxnSpLocks/>
+          </p:cNvCxnSpPr>
+          <p:nvPr/>
+        </p:nvCxnSpPr>
+        <p:spPr>
+          <a:xfrm flipH="1">
+            <a:off x="2082063" y="3753853"/>
+            <a:ext cx="651512" cy="624038"/>
+          </a:xfrm>
+          <a:prstGeom prst="straightConnector1">
+            <a:avLst/>
+          </a:prstGeom>
+          <a:ln w="44450">
+            <a:solidFill>
+              <a:schemeClr val="accent2">
+                <a:lumMod val="60000"/>
+                <a:lumOff val="40000"/>
+              </a:schemeClr>
+            </a:solidFill>
+            <a:tailEnd type="triangle"/>
+          </a:ln>
+        </p:spPr>
+        <p:style>
+          <a:lnRef idx="2">
+            <a:schemeClr val="accent1"/>
+          </a:lnRef>
+          <a:fillRef idx="0">
+            <a:schemeClr val="accent1"/>
+          </a:fillRef>
+          <a:effectRef idx="1">
+            <a:schemeClr val="accent1"/>
+          </a:effectRef>
+          <a:fontRef idx="minor">
+            <a:schemeClr val="tx1"/>
+          </a:fontRef>
+        </p:style>
+      </p:cxnSp>
+      <p:cxnSp>
+        <p:nvCxnSpPr>
+          <p:cNvPr id="17" name="Straight Arrow Connector 16">
+            <a:extLst>
+              <a:ext uri="{FF2B5EF4-FFF2-40B4-BE49-F238E27FC236}">
+                <a16:creationId xmlns:a16="http://schemas.microsoft.com/office/drawing/2014/main" id="{CA07C1A7-D812-1102-6946-95CB933212A7}"/>
+              </a:ext>
+            </a:extLst>
+          </p:cNvPr>
+          <p:cNvCxnSpPr>
+            <a:cxnSpLocks/>
+          </p:cNvCxnSpPr>
+          <p:nvPr/>
+        </p:nvCxnSpPr>
+        <p:spPr>
+          <a:xfrm flipH="1">
+            <a:off x="1779247" y="3709801"/>
+            <a:ext cx="5377" cy="537731"/>
+          </a:xfrm>
+          <a:prstGeom prst="straightConnector1">
+            <a:avLst/>
+          </a:prstGeom>
+          <a:ln w="44450">
+            <a:solidFill>
+              <a:schemeClr val="accent2">
+                <a:lumMod val="60000"/>
+                <a:lumOff val="40000"/>
+              </a:schemeClr>
+            </a:solidFill>
+            <a:tailEnd type="triangle"/>
+          </a:ln>
+        </p:spPr>
+        <p:style>
+          <a:lnRef idx="2">
+            <a:schemeClr val="accent1"/>
+          </a:lnRef>
+          <a:fillRef idx="0">
+            <a:schemeClr val="accent1"/>
+          </a:fillRef>
+          <a:effectRef idx="1">
+            <a:schemeClr val="accent1"/>
+          </a:effectRef>
+          <a:fontRef idx="minor">
+            <a:schemeClr val="tx1"/>
+          </a:fontRef>
+        </p:style>
+      </p:cxnSp>
+      <p:cxnSp>
+        <p:nvCxnSpPr>
+          <p:cNvPr id="21" name="Straight Arrow Connector 20">
+            <a:extLst>
+              <a:ext uri="{FF2B5EF4-FFF2-40B4-BE49-F238E27FC236}">
+                <a16:creationId xmlns:a16="http://schemas.microsoft.com/office/drawing/2014/main" id="{6E33AFA4-9AF3-5426-9780-C496578CD10A}"/>
+              </a:ext>
+            </a:extLst>
+          </p:cNvPr>
+          <p:cNvCxnSpPr>
+            <a:cxnSpLocks/>
+          </p:cNvCxnSpPr>
+          <p:nvPr/>
+        </p:nvCxnSpPr>
+        <p:spPr>
+          <a:xfrm flipH="1">
+            <a:off x="2017306" y="3735825"/>
+            <a:ext cx="295053" cy="533733"/>
+          </a:xfrm>
+          <a:prstGeom prst="straightConnector1">
+            <a:avLst/>
+          </a:prstGeom>
+          <a:ln w="44450">
+            <a:solidFill>
+              <a:schemeClr val="accent2">
+                <a:lumMod val="60000"/>
+                <a:lumOff val="40000"/>
+              </a:schemeClr>
+            </a:solidFill>
+            <a:tailEnd type="triangle"/>
+          </a:ln>
+        </p:spPr>
+        <p:style>
+          <a:lnRef idx="2">
+            <a:schemeClr val="accent1"/>
+          </a:lnRef>
+          <a:fillRef idx="0">
+            <a:schemeClr val="accent1"/>
+          </a:fillRef>
+          <a:effectRef idx="1">
+            <a:schemeClr val="accent1"/>
+          </a:effectRef>
+          <a:fontRef idx="minor">
+            <a:schemeClr val="tx1"/>
+          </a:fontRef>
+        </p:style>
+      </p:cxnSp>
+      <p:sp>
+        <p:nvSpPr>
+          <p:cNvPr id="24" name="TextBox 23">
+            <a:extLst>
+              <a:ext uri="{FF2B5EF4-FFF2-40B4-BE49-F238E27FC236}">
+                <a16:creationId xmlns:a16="http://schemas.microsoft.com/office/drawing/2014/main" id="{9DC16321-EF32-2F96-EF29-6A7E3A11861C}"/>
+              </a:ext>
+            </a:extLst>
+          </p:cNvPr>
+          <p:cNvSpPr txBox="1"/>
+          <p:nvPr/>
+        </p:nvSpPr>
+        <p:spPr>
+          <a:xfrm>
+            <a:off x="1127837" y="3222307"/>
+            <a:ext cx="308098" cy="369332"/>
+          </a:xfrm>
+          <a:prstGeom prst="rect">
+            <a:avLst/>
+          </a:prstGeom>
+          <a:noFill/>
+        </p:spPr>
+        <p:txBody>
+          <a:bodyPr wrap="none" rtlCol="0">
+            <a:spAutoFit/>
+          </a:bodyPr>
+          <a:lstStyle/>
+          <a:p>
+            <a:r>
+              <a:rPr lang="en-US" dirty="0"/>
+              <a:t>1</a:t>
+            </a:r>
+          </a:p>
+        </p:txBody>
+      </p:sp>
+      <p:sp>
+        <p:nvSpPr>
+          <p:cNvPr id="26" name="TextBox 25">
+            <a:extLst>
+              <a:ext uri="{FF2B5EF4-FFF2-40B4-BE49-F238E27FC236}">
+                <a16:creationId xmlns:a16="http://schemas.microsoft.com/office/drawing/2014/main" id="{8FCADA26-8631-3638-8F40-BF35783BF054}"/>
+              </a:ext>
+            </a:extLst>
+          </p:cNvPr>
+          <p:cNvSpPr txBox="1"/>
+          <p:nvPr/>
+        </p:nvSpPr>
+        <p:spPr>
+          <a:xfrm>
+            <a:off x="1626746" y="3239955"/>
+            <a:ext cx="308098" cy="369332"/>
+          </a:xfrm>
+          <a:prstGeom prst="rect">
+            <a:avLst/>
+          </a:prstGeom>
+          <a:noFill/>
+        </p:spPr>
+        <p:txBody>
+          <a:bodyPr wrap="none" rtlCol="0">
+            <a:spAutoFit/>
+          </a:bodyPr>
+          <a:lstStyle/>
+          <a:p>
+            <a:r>
+              <a:rPr lang="en-US" dirty="0"/>
+              <a:t>2</a:t>
+            </a:r>
+          </a:p>
+        </p:txBody>
+      </p:sp>
+      <p:sp>
+        <p:nvSpPr>
+          <p:cNvPr id="27" name="TextBox 26">
+            <a:extLst>
+              <a:ext uri="{FF2B5EF4-FFF2-40B4-BE49-F238E27FC236}">
+                <a16:creationId xmlns:a16="http://schemas.microsoft.com/office/drawing/2014/main" id="{30AF859D-EBEE-563B-64A9-28BFD17EAD52}"/>
+              </a:ext>
+            </a:extLst>
+          </p:cNvPr>
+          <p:cNvSpPr txBox="1"/>
+          <p:nvPr/>
+        </p:nvSpPr>
+        <p:spPr>
+          <a:xfrm>
+            <a:off x="2156135" y="3239957"/>
+            <a:ext cx="308098" cy="369332"/>
+          </a:xfrm>
+          <a:prstGeom prst="rect">
+            <a:avLst/>
+          </a:prstGeom>
+          <a:noFill/>
+        </p:spPr>
+        <p:txBody>
+          <a:bodyPr wrap="none" rtlCol="0">
+            <a:spAutoFit/>
+          </a:bodyPr>
+          <a:lstStyle/>
+          <a:p>
+            <a:r>
+              <a:rPr lang="en-US" dirty="0"/>
+              <a:t>3</a:t>
+            </a:r>
+          </a:p>
+        </p:txBody>
+      </p:sp>
+      <p:sp>
+        <p:nvSpPr>
+          <p:cNvPr id="28" name="TextBox 27">
+            <a:extLst>
+              <a:ext uri="{FF2B5EF4-FFF2-40B4-BE49-F238E27FC236}">
+                <a16:creationId xmlns:a16="http://schemas.microsoft.com/office/drawing/2014/main" id="{1589CC16-5374-E5E4-77B5-5ABAF45E8BA4}"/>
+              </a:ext>
+            </a:extLst>
+          </p:cNvPr>
+          <p:cNvSpPr txBox="1"/>
+          <p:nvPr/>
+        </p:nvSpPr>
+        <p:spPr>
+          <a:xfrm>
+            <a:off x="2661434" y="3250460"/>
+            <a:ext cx="308098" cy="369332"/>
+          </a:xfrm>
+          <a:prstGeom prst="rect">
+            <a:avLst/>
+          </a:prstGeom>
+          <a:noFill/>
+        </p:spPr>
+        <p:txBody>
+          <a:bodyPr wrap="none" rtlCol="0">
+            <a:spAutoFit/>
+          </a:bodyPr>
+          <a:lstStyle/>
+          <a:p>
+            <a:r>
+              <a:rPr lang="en-US" dirty="0"/>
+              <a:t>4</a:t>
             </a:r>
           </a:p>
         </p:txBody>
@@ -3894,7 +4413,7 @@
     </p:spTree>
     <p:extLst>
       <p:ext uri="{BB962C8B-B14F-4D97-AF65-F5344CB8AC3E}">
-        <p14:creationId xmlns:p14="http://schemas.microsoft.com/office/powerpoint/2010/main" val="2356687198"/>
+        <p14:creationId xmlns:p14="http://schemas.microsoft.com/office/powerpoint/2010/main" val="2238022100"/>
       </p:ext>
     </p:extLst>
   </p:cSld>
@@ -5859,7 +6378,7 @@
           <a:p>
             <a:r>
               <a:rPr lang="en-US" dirty="0"/>
-              <a:t>See the load when using "bad" a remote cache </a:t>
+              <a:t>See the load when using "badly" a remote cache </a:t>
             </a:r>
             <a:br>
               <a:rPr lang="en-US" dirty="0"/>
@@ -5950,29 +6469,43 @@
             <p:ph type="title"/>
           </p:nvPr>
         </p:nvSpPr>
-        <p:spPr/>
-        <p:txBody>
-          <a:bodyPr/>
+        <p:spPr>
+          <a:xfrm>
+            <a:off x="616819" y="499879"/>
+            <a:ext cx="10981623" cy="1325563"/>
+          </a:xfrm>
+        </p:spPr>
+        <p:txBody>
+          <a:bodyPr>
+            <a:normAutofit fontScale="90000"/>
+          </a:bodyPr>
           <a:lstStyle/>
           <a:p>
             <a:r>
               <a:rPr lang="en-US" dirty="0"/>
-              <a:t>We need more than just raw cache api .. </a:t>
+              <a:t>That was just a "simple" example to understand that: </a:t>
             </a:r>
             <a:br>
               <a:rPr lang="en-US" dirty="0"/>
             </a:br>
             <a:r>
-              <a:rPr lang="en-US" dirty="0"/>
+              <a:rPr lang="en-US" sz="4000" i="1" dirty="0"/>
+              <a:t>We need more than just raw cache api .. </a:t>
+            </a:r>
+            <a:br>
+              <a:rPr lang="en-US" sz="4000" i="1" dirty="0"/>
+            </a:br>
+            <a:r>
+              <a:rPr lang="en-US" sz="4000" i="1" dirty="0"/>
               <a:t>to cache like a pro </a:t>
             </a:r>
             <a:r>
-              <a:rPr lang="en-US" dirty="0">
+              <a:rPr lang="en-US" sz="4000" i="1" dirty="0">
                 <a:sym typeface="Wingdings" panose="05000000000000000000" pitchFamily="2" charset="2"/>
               </a:rPr>
               <a:t></a:t>
             </a:r>
-            <a:endParaRPr lang="en-US" dirty="0"/>
+            <a:endParaRPr lang="en-US" sz="4000" i="1" dirty="0"/>
           </a:p>
         </p:txBody>
       </p:sp>
@@ -5994,7 +6527,7 @@
         </p:nvSpPr>
         <p:spPr>
           <a:xfrm>
-            <a:off x="838200" y="1742042"/>
+            <a:off x="616819" y="2302937"/>
             <a:ext cx="10515600" cy="4555063"/>
           </a:xfrm>
         </p:spPr>
@@ -6519,7 +7052,7 @@
         </p:blipFill>
         <p:spPr>
           <a:xfrm>
-            <a:off x="2318994" y="1924843"/>
+            <a:off x="3002389" y="2242476"/>
             <a:ext cx="6872140" cy="4568031"/>
           </a:xfrm>
         </p:spPr>
@@ -6808,7 +7341,14 @@
           <a:p>
             <a:r>
               <a:rPr lang="en-US" dirty="0"/>
-              <a:t>Cache is responsible to get the data</a:t>
+              <a:t>Cache is responsible to get the data </a:t>
+            </a:r>
+            <a:br>
+              <a:rPr lang="en-US" dirty="0"/>
+            </a:br>
+            <a:r>
+              <a:rPr lang="en-US" dirty="0"/>
+              <a:t>- typically implemented with something like a decorator (wrapper) patterns</a:t>
             </a:r>
           </a:p>
         </p:txBody>
@@ -6974,7 +7514,15 @@
           <a:p>
             <a:r>
               <a:rPr lang="en-US" dirty="0"/>
-              <a:t>Caching Patterns: Read-"compromise"</a:t>
+              <a:t>Caching Patterns: Read-"</a:t>
+            </a:r>
+            <a:r>
+              <a:rPr lang="en-US" i="1" dirty="0"/>
+              <a:t>compromise</a:t>
+            </a:r>
+            <a:r>
+              <a:rPr lang="en-US" dirty="0"/>
+              <a:t>"</a:t>
             </a:r>
           </a:p>
         </p:txBody>
@@ -7817,7 +8365,10 @@
           <a:bodyPr/>
           <a:lstStyle/>
           <a:p>
-            <a:endParaRPr lang="en-US" dirty="0"/>
+            <a:r>
+              <a:rPr lang="en-US" dirty="0"/>
+              <a:t>.. at last ..</a:t>
+            </a:r>
           </a:p>
         </p:txBody>
       </p:sp>
@@ -9543,7 +10094,7 @@
         <p:spPr>
           <a:xfrm>
             <a:off x="573358" y="2602914"/>
-            <a:ext cx="11091498" cy="2862322"/>
+            <a:ext cx="11091498" cy="3139321"/>
           </a:xfrm>
           <a:prstGeom prst="rect">
             <a:avLst/>
@@ -9628,7 +10179,7 @@
                 </a:solidFill>
                 <a:latin typeface="Cascadia Mono" panose="020B0609020000020004" pitchFamily="49" charset="0"/>
               </a:rPr>
-              <a:t>(string key, string value) {</a:t>
+              <a:t>(string key) {</a:t>
             </a:r>
           </a:p>
           <a:p>
@@ -9668,6 +10219,23 @@
               </a:rPr>
             </a:br>
             <a:r>
+              <a:rPr lang="en-US" dirty="0">
+                <a:solidFill>
+                  <a:srgbClr val="000000"/>
+                </a:solidFill>
+                <a:latin typeface="Cascadia Mono" panose="020B0609020000020004" pitchFamily="49" charset="0"/>
+              </a:rPr>
+              <a:t>		// sample demo only implementation of the factory</a:t>
+            </a:r>
+            <a:br>
+              <a:rPr lang="en-US" dirty="0">
+                <a:solidFill>
+                  <a:srgbClr val="000000"/>
+                </a:solidFill>
+                <a:latin typeface="Cascadia Mono" panose="020B0609020000020004" pitchFamily="49" charset="0"/>
+              </a:rPr>
+            </a:br>
+            <a:r>
               <a:rPr lang="en-US" b="1" i="1" dirty="0">
                 <a:solidFill>
                   <a:srgbClr val="000000"/>
@@ -9692,7 +10260,25 @@
                 </a:solidFill>
                 <a:latin typeface="Cascadia Mono" panose="020B0609020000020004" pitchFamily="49" charset="0"/>
               </a:rPr>
-              <a:t>(value)</a:t>
+              <a:t>(new Random().Next().</a:t>
+            </a:r>
+            <a:r>
+              <a:rPr lang="en-US" b="1" i="1" dirty="0" err="1">
+                <a:solidFill>
+                  <a:srgbClr val="000000"/>
+                </a:solidFill>
+                <a:latin typeface="Cascadia Mono" panose="020B0609020000020004" pitchFamily="49" charset="0"/>
+              </a:rPr>
+              <a:t>ToString</a:t>
+            </a:r>
+            <a:r>
+              <a:rPr lang="en-US" b="1" i="1" dirty="0">
+                <a:solidFill>
+                  <a:srgbClr val="000000"/>
+                </a:solidFill>
+                <a:latin typeface="Cascadia Mono" panose="020B0609020000020004" pitchFamily="49" charset="0"/>
+              </a:rPr>
+              <a:t>()</a:t>
             </a:r>
             <a:br>
               <a:rPr lang="en-US" b="1" i="1" dirty="0">
@@ -13544,7 +14130,7 @@
           <a:p>
             <a:r>
               <a:rPr lang="en-US" dirty="0"/>
-              <a:t>Multiple instance web app </a:t>
+              <a:t>Multiple instance web app (web farm) </a:t>
             </a:r>
           </a:p>
         </p:txBody>
@@ -13600,7 +14186,7 @@
         </p:blipFill>
         <p:spPr>
           <a:xfrm>
-            <a:off x="1049204" y="2368006"/>
+            <a:off x="1032735" y="2181668"/>
             <a:ext cx="1219351" cy="1060994"/>
           </a:xfrm>
           <a:prstGeom prst="rect">
@@ -13947,8 +14533,8 @@
           </a:fontRef>
         </p:style>
       </p:cxnSp>
-      <mc:AlternateContent xmlns:mc="http://schemas.openxmlformats.org/markup-compatibility/2006">
-        <mc:Choice xmlns:p14="http://schemas.microsoft.com/office/powerpoint/2010/main" Requires="p14">
+      <mc:AlternateContent xmlns:mc="http://schemas.openxmlformats.org/markup-compatibility/2006" xmlns:p14="http://schemas.microsoft.com/office/powerpoint/2010/main">
+        <mc:Choice Requires="p14">
           <p:contentPart p14:bwMode="auto" r:id="rId6">
             <p14:nvContentPartPr>
               <p14:cNvPr id="10" name="Ink 9">
@@ -13967,7 +14553,7 @@
             </p14:xfrm>
           </p:contentPart>
         </mc:Choice>
-        <mc:Fallback>
+        <mc:Fallback xmlns="">
           <p:pic>
             <p:nvPicPr>
               <p:cNvPr id="10" name="Ink 9">
@@ -13998,6 +14584,176 @@
           </p:pic>
         </mc:Fallback>
       </mc:AlternateContent>
+      <p:sp>
+        <p:nvSpPr>
+          <p:cNvPr id="11" name="Oval 10">
+            <a:extLst>
+              <a:ext uri="{FF2B5EF4-FFF2-40B4-BE49-F238E27FC236}">
+                <a16:creationId xmlns:a16="http://schemas.microsoft.com/office/drawing/2014/main" id="{0B90F62B-D61E-645E-893D-71E637C0EAE0}"/>
+              </a:ext>
+            </a:extLst>
+          </p:cNvPr>
+          <p:cNvSpPr/>
+          <p:nvPr/>
+        </p:nvSpPr>
+        <p:spPr>
+          <a:xfrm>
+            <a:off x="1049204" y="3186539"/>
+            <a:ext cx="465364" cy="440871"/>
+          </a:xfrm>
+          <a:prstGeom prst="ellipse">
+            <a:avLst/>
+          </a:prstGeom>
+          <a:noFill/>
+        </p:spPr>
+        <p:style>
+          <a:lnRef idx="2">
+            <a:schemeClr val="accent1">
+              <a:shade val="15000"/>
+            </a:schemeClr>
+          </a:lnRef>
+          <a:fillRef idx="1">
+            <a:schemeClr val="accent1"/>
+          </a:fillRef>
+          <a:effectRef idx="0">
+            <a:schemeClr val="accent1"/>
+          </a:effectRef>
+          <a:fontRef idx="minor">
+            <a:schemeClr val="lt1"/>
+          </a:fontRef>
+        </p:style>
+        <p:txBody>
+          <a:bodyPr rtlCol="0" anchor="ctr"/>
+          <a:lstStyle/>
+          <a:p>
+            <a:pPr algn="ctr"/>
+            <a:r>
+              <a:rPr lang="en-US" sz="800" dirty="0"/>
+              <a:t>1</a:t>
+            </a:r>
+          </a:p>
+        </p:txBody>
+      </p:sp>
+      <p:sp>
+        <p:nvSpPr>
+          <p:cNvPr id="14" name="TextBox 13">
+            <a:extLst>
+              <a:ext uri="{FF2B5EF4-FFF2-40B4-BE49-F238E27FC236}">
+                <a16:creationId xmlns:a16="http://schemas.microsoft.com/office/drawing/2014/main" id="{9DF96465-8F00-14EE-DAF8-6578AEEB8695}"/>
+              </a:ext>
+            </a:extLst>
+          </p:cNvPr>
+          <p:cNvSpPr txBox="1"/>
+          <p:nvPr/>
+        </p:nvSpPr>
+        <p:spPr>
+          <a:xfrm>
+            <a:off x="1127837" y="3238828"/>
+            <a:ext cx="308098" cy="369332"/>
+          </a:xfrm>
+          <a:prstGeom prst="rect">
+            <a:avLst/>
+          </a:prstGeom>
+          <a:noFill/>
+        </p:spPr>
+        <p:txBody>
+          <a:bodyPr wrap="none" rtlCol="0">
+            <a:spAutoFit/>
+          </a:bodyPr>
+          <a:lstStyle/>
+          <a:p>
+            <a:r>
+              <a:rPr lang="en-US" dirty="0"/>
+              <a:t>1</a:t>
+            </a:r>
+          </a:p>
+        </p:txBody>
+      </p:sp>
+      <p:sp>
+        <p:nvSpPr>
+          <p:cNvPr id="16" name="Oval 15">
+            <a:extLst>
+              <a:ext uri="{FF2B5EF4-FFF2-40B4-BE49-F238E27FC236}">
+                <a16:creationId xmlns:a16="http://schemas.microsoft.com/office/drawing/2014/main" id="{EBB13136-18F6-1817-DCA2-C72FA45FF7ED}"/>
+              </a:ext>
+            </a:extLst>
+          </p:cNvPr>
+          <p:cNvSpPr/>
+          <p:nvPr/>
+        </p:nvSpPr>
+        <p:spPr>
+          <a:xfrm>
+            <a:off x="1769495" y="3175311"/>
+            <a:ext cx="465364" cy="440871"/>
+          </a:xfrm>
+          <a:prstGeom prst="ellipse">
+            <a:avLst/>
+          </a:prstGeom>
+          <a:noFill/>
+        </p:spPr>
+        <p:style>
+          <a:lnRef idx="2">
+            <a:schemeClr val="accent1">
+              <a:shade val="15000"/>
+            </a:schemeClr>
+          </a:lnRef>
+          <a:fillRef idx="1">
+            <a:schemeClr val="accent1"/>
+          </a:fillRef>
+          <a:effectRef idx="0">
+            <a:schemeClr val="accent1"/>
+          </a:effectRef>
+          <a:fontRef idx="minor">
+            <a:schemeClr val="lt1"/>
+          </a:fontRef>
+        </p:style>
+        <p:txBody>
+          <a:bodyPr rtlCol="0" anchor="ctr"/>
+          <a:lstStyle/>
+          <a:p>
+            <a:pPr algn="ctr"/>
+            <a:r>
+              <a:rPr lang="en-US" sz="800" dirty="0"/>
+              <a:t>1</a:t>
+            </a:r>
+          </a:p>
+        </p:txBody>
+      </p:sp>
+      <p:sp>
+        <p:nvSpPr>
+          <p:cNvPr id="17" name="TextBox 16">
+            <a:extLst>
+              <a:ext uri="{FF2B5EF4-FFF2-40B4-BE49-F238E27FC236}">
+                <a16:creationId xmlns:a16="http://schemas.microsoft.com/office/drawing/2014/main" id="{4850AB01-3874-D4B9-CA02-539A1ECB1FE6}"/>
+              </a:ext>
+            </a:extLst>
+          </p:cNvPr>
+          <p:cNvSpPr txBox="1"/>
+          <p:nvPr/>
+        </p:nvSpPr>
+        <p:spPr>
+          <a:xfrm>
+            <a:off x="1848128" y="3227600"/>
+            <a:ext cx="308098" cy="369332"/>
+          </a:xfrm>
+          <a:prstGeom prst="rect">
+            <a:avLst/>
+          </a:prstGeom>
+          <a:noFill/>
+        </p:spPr>
+        <p:txBody>
+          <a:bodyPr wrap="none" rtlCol="0">
+            <a:spAutoFit/>
+          </a:bodyPr>
+          <a:lstStyle/>
+          <a:p>
+            <a:r>
+              <a:rPr lang="en-US" dirty="0"/>
+              <a:t>2</a:t>
+            </a:r>
+          </a:p>
+        </p:txBody>
+      </p:sp>
     </p:spTree>
     <p:extLst>
       <p:ext uri="{BB962C8B-B14F-4D97-AF65-F5344CB8AC3E}">
